--- a/Notes/ThesisPresentation.pptx
+++ b/Notes/ThesisPresentation.pptx
@@ -17,7 +17,15 @@
     <p:sldId id="267" r:id="rId11"/>
     <p:sldId id="264" r:id="rId12"/>
     <p:sldId id="268" r:id="rId13"/>
-    <p:sldId id="269" r:id="rId14"/>
+    <p:sldId id="273" r:id="rId14"/>
+    <p:sldId id="274" r:id="rId15"/>
+    <p:sldId id="275" r:id="rId16"/>
+    <p:sldId id="276" r:id="rId17"/>
+    <p:sldId id="277" r:id="rId18"/>
+    <p:sldId id="269" r:id="rId19"/>
+    <p:sldId id="270" r:id="rId20"/>
+    <p:sldId id="271" r:id="rId21"/>
+    <p:sldId id="272" r:id="rId22"/>
   </p:sldIdLst>
   <p:sldSz cx="12192000" cy="6858000"/>
   <p:notesSz cx="6858000" cy="9144000"/>
@@ -116,6 +124,11 @@
       </a:defRPr>
     </a:lvl9pPr>
   </p:defaultTextStyle>
+  <p:extLst>
+    <p:ext uri="{EFAFB233-063F-42B5-8137-9DF3F51BA10A}">
+      <p15:sldGuideLst xmlns:p15="http://schemas.microsoft.com/office/powerpoint/2012/main"/>
+    </p:ext>
+  </p:extLst>
 </p:presentation>
 </file>
 
@@ -3974,6 +3987,747 @@
               <a:rPr lang="en-US" sz="5400" dirty="0">
                 <a:ln w="0"/>
               </a:rPr>
+              <a:t>Answer Set Programming</a:t>
+            </a:r>
+          </a:p>
+        </p:txBody>
+      </p:sp>
+      <p:sp>
+        <p:nvSpPr>
+          <p:cNvPr id="4" name="TextBox 3">
+            <a:extLst>
+              <a:ext uri="{FF2B5EF4-FFF2-40B4-BE49-F238E27FC236}">
+                <a16:creationId xmlns:a16="http://schemas.microsoft.com/office/drawing/2014/main" id="{B14FD700-3C32-4235-952A-592B95B5138E}"/>
+              </a:ext>
+            </a:extLst>
+          </p:cNvPr>
+          <p:cNvSpPr txBox="1"/>
+          <p:nvPr/>
+        </p:nvSpPr>
+        <p:spPr>
+          <a:xfrm>
+            <a:off x="5075581" y="3428999"/>
+            <a:ext cx="2040835" cy="461665"/>
+          </a:xfrm>
+          <a:prstGeom prst="rect">
+            <a:avLst/>
+          </a:prstGeom>
+          <a:noFill/>
+        </p:spPr>
+        <p:txBody>
+          <a:bodyPr wrap="square" rtlCol="0">
+            <a:spAutoFit/>
+          </a:bodyPr>
+          <a:lstStyle/>
+          <a:p>
+            <a:r>
+              <a:rPr lang="en-US" sz="2400" dirty="0"/>
+              <a:t>What is ASP?</a:t>
+            </a:r>
+          </a:p>
+        </p:txBody>
+      </p:sp>
+      <p:cxnSp>
+        <p:nvCxnSpPr>
+          <p:cNvPr id="8" name="Straight Connector 7">
+            <a:extLst>
+              <a:ext uri="{FF2B5EF4-FFF2-40B4-BE49-F238E27FC236}">
+                <a16:creationId xmlns:a16="http://schemas.microsoft.com/office/drawing/2014/main" id="{1246DA07-DFD8-496C-BB69-FD95668F7C67}"/>
+              </a:ext>
+            </a:extLst>
+          </p:cNvPr>
+          <p:cNvCxnSpPr/>
+          <p:nvPr/>
+        </p:nvCxnSpPr>
+        <p:spPr>
+          <a:xfrm>
+            <a:off x="3670852" y="3429000"/>
+            <a:ext cx="4611756" cy="0"/>
+          </a:xfrm>
+          <a:prstGeom prst="line">
+            <a:avLst/>
+          </a:prstGeom>
+        </p:spPr>
+        <p:style>
+          <a:lnRef idx="1">
+            <a:schemeClr val="dk1"/>
+          </a:lnRef>
+          <a:fillRef idx="0">
+            <a:schemeClr val="dk1"/>
+          </a:fillRef>
+          <a:effectRef idx="0">
+            <a:schemeClr val="dk1"/>
+          </a:effectRef>
+          <a:fontRef idx="minor">
+            <a:schemeClr val="tx1"/>
+          </a:fontRef>
+        </p:style>
+      </p:cxnSp>
+    </p:spTree>
+    <p:extLst>
+      <p:ext uri="{BB962C8B-B14F-4D97-AF65-F5344CB8AC3E}">
+        <p14:creationId xmlns:p14="http://schemas.microsoft.com/office/powerpoint/2010/main" val="2415503891"/>
+      </p:ext>
+    </p:extLst>
+  </p:cSld>
+  <p:clrMapOvr>
+    <a:masterClrMapping/>
+  </p:clrMapOvr>
+</p:sld>
+</file>
+
+<file path=ppt/slides/slide14.xml><?xml version="1.0" encoding="utf-8"?>
+<p:sld xmlns:a="http://schemas.openxmlformats.org/drawingml/2006/main" xmlns:r="http://schemas.openxmlformats.org/officeDocument/2006/relationships" xmlns:p="http://schemas.openxmlformats.org/presentationml/2006/main">
+  <p:cSld>
+    <p:spTree>
+      <p:nvGrpSpPr>
+        <p:cNvPr id="1" name=""/>
+        <p:cNvGrpSpPr/>
+        <p:nvPr/>
+      </p:nvGrpSpPr>
+      <p:grpSpPr>
+        <a:xfrm>
+          <a:off x="0" y="0"/>
+          <a:ext cx="0" cy="0"/>
+          <a:chOff x="0" y="0"/>
+          <a:chExt cx="0" cy="0"/>
+        </a:xfrm>
+      </p:grpSpPr>
+      <p:sp>
+        <p:nvSpPr>
+          <p:cNvPr id="5" name="Rectangle 4">
+            <a:extLst>
+              <a:ext uri="{FF2B5EF4-FFF2-40B4-BE49-F238E27FC236}">
+                <a16:creationId xmlns:a16="http://schemas.microsoft.com/office/drawing/2014/main" id="{8C2198D3-9081-462D-89AA-2AE36F0B965E}"/>
+              </a:ext>
+            </a:extLst>
+          </p:cNvPr>
+          <p:cNvSpPr/>
+          <p:nvPr/>
+        </p:nvSpPr>
+        <p:spPr>
+          <a:xfrm>
+            <a:off x="0" y="0"/>
+            <a:ext cx="12192000" cy="1311965"/>
+          </a:xfrm>
+          <a:prstGeom prst="rect">
+            <a:avLst/>
+          </a:prstGeom>
+        </p:spPr>
+        <p:style>
+          <a:lnRef idx="2">
+            <a:schemeClr val="dk1">
+              <a:shade val="50000"/>
+            </a:schemeClr>
+          </a:lnRef>
+          <a:fillRef idx="1">
+            <a:schemeClr val="dk1"/>
+          </a:fillRef>
+          <a:effectRef idx="0">
+            <a:schemeClr val="dk1"/>
+          </a:effectRef>
+          <a:fontRef idx="minor">
+            <a:schemeClr val="lt1"/>
+          </a:fontRef>
+        </p:style>
+        <p:txBody>
+          <a:bodyPr rtlCol="0" anchor="ctr"/>
+          <a:lstStyle/>
+          <a:p>
+            <a:pPr algn="ctr"/>
+            <a:endParaRPr lang="en-US" dirty="0"/>
+          </a:p>
+        </p:txBody>
+      </p:sp>
+      <p:sp>
+        <p:nvSpPr>
+          <p:cNvPr id="3" name="TextBox 2">
+            <a:extLst>
+              <a:ext uri="{FF2B5EF4-FFF2-40B4-BE49-F238E27FC236}">
+                <a16:creationId xmlns:a16="http://schemas.microsoft.com/office/drawing/2014/main" id="{1980B4EC-4697-4B4F-87E9-C0E68B2BB033}"/>
+              </a:ext>
+            </a:extLst>
+          </p:cNvPr>
+          <p:cNvSpPr txBox="1"/>
+          <p:nvPr/>
+        </p:nvSpPr>
+        <p:spPr>
+          <a:xfrm>
+            <a:off x="3484081" y="332816"/>
+            <a:ext cx="5223837" cy="646331"/>
+          </a:xfrm>
+          <a:prstGeom prst="rect">
+            <a:avLst/>
+          </a:prstGeom>
+          <a:noFill/>
+        </p:spPr>
+        <p:txBody>
+          <a:bodyPr wrap="square" rtlCol="0">
+            <a:spAutoFit/>
+          </a:bodyPr>
+          <a:lstStyle/>
+          <a:p>
+            <a:r>
+              <a:rPr lang="en-US" sz="3600" dirty="0">
+                <a:solidFill>
+                  <a:schemeClr val="bg1"/>
+                </a:solidFill>
+              </a:rPr>
+              <a:t>Answer Set Programming</a:t>
+            </a:r>
+          </a:p>
+        </p:txBody>
+      </p:sp>
+      <p:sp>
+        <p:nvSpPr>
+          <p:cNvPr id="10" name="TextBox 9">
+            <a:extLst>
+              <a:ext uri="{FF2B5EF4-FFF2-40B4-BE49-F238E27FC236}">
+                <a16:creationId xmlns:a16="http://schemas.microsoft.com/office/drawing/2014/main" id="{70B5737A-B1B9-458B-BF3D-13FCDF18D397}"/>
+              </a:ext>
+            </a:extLst>
+          </p:cNvPr>
+          <p:cNvSpPr txBox="1"/>
+          <p:nvPr/>
+        </p:nvSpPr>
+        <p:spPr>
+          <a:xfrm>
+            <a:off x="549809" y="1644781"/>
+            <a:ext cx="11019339" cy="4770537"/>
+          </a:xfrm>
+          <a:prstGeom prst="rect">
+            <a:avLst/>
+          </a:prstGeom>
+          <a:noFill/>
+        </p:spPr>
+        <p:txBody>
+          <a:bodyPr wrap="square" rtlCol="0">
+            <a:spAutoFit/>
+          </a:bodyPr>
+          <a:lstStyle/>
+          <a:p>
+            <a:pPr marL="285750" indent="-285750">
+              <a:spcBef>
+                <a:spcPts val="1200"/>
+              </a:spcBef>
+              <a:buFontTx/>
+              <a:buChar char="-"/>
+            </a:pPr>
+            <a:r>
+              <a:rPr lang="en-US" sz="2400" dirty="0"/>
+              <a:t>Answer-Set Programming is a </a:t>
+            </a:r>
+            <a:r>
+              <a:rPr lang="en-US" sz="2400" dirty="0">
+                <a:solidFill>
+                  <a:srgbClr val="FF0000"/>
+                </a:solidFill>
+              </a:rPr>
+              <a:t>declarative problem-solving paradigm</a:t>
+            </a:r>
+            <a:r>
+              <a:rPr lang="en-US" sz="2400" dirty="0"/>
+              <a:t> that uses non-monotonic reasoning and logic programming.</a:t>
+            </a:r>
+          </a:p>
+          <a:p>
+            <a:pPr marL="285750" indent="-285750" algn="just">
+              <a:spcBef>
+                <a:spcPts val="1200"/>
+              </a:spcBef>
+              <a:buFontTx/>
+              <a:buChar char="-"/>
+            </a:pPr>
+            <a:r>
+              <a:rPr lang="en-US" sz="2400" dirty="0"/>
+              <a:t>It is used in tasks such as modeling reasoning agents, non-monotonic inferences, common sense reasoning, planning problems, constraint satisfaction problem and so on.</a:t>
+            </a:r>
+          </a:p>
+          <a:p>
+            <a:pPr marL="285750" indent="-285750" algn="just">
+              <a:spcBef>
+                <a:spcPts val="1200"/>
+              </a:spcBef>
+              <a:buFontTx/>
+              <a:buChar char="-"/>
+            </a:pPr>
+            <a:r>
+              <a:rPr lang="en-US" sz="2400" dirty="0"/>
+              <a:t>An answer set program is a </a:t>
+            </a:r>
+            <a:r>
+              <a:rPr lang="en-US" sz="2400" dirty="0">
+                <a:solidFill>
+                  <a:srgbClr val="FF0000"/>
+                </a:solidFill>
+              </a:rPr>
+              <a:t>collection of statements</a:t>
+            </a:r>
+            <a:r>
+              <a:rPr lang="en-US" sz="2400" dirty="0"/>
+              <a:t> that describe the objects of a domain and model relations between them.</a:t>
+            </a:r>
+          </a:p>
+          <a:p>
+            <a:pPr marL="285750" indent="-285750" algn="just">
+              <a:spcBef>
+                <a:spcPts val="1200"/>
+              </a:spcBef>
+              <a:buFontTx/>
+              <a:buChar char="-"/>
+            </a:pPr>
+            <a:r>
+              <a:rPr lang="en-US" sz="2400" dirty="0"/>
+              <a:t>The semantics of an ASP Program defines a set of possible beliefs that an agent has associated with the program called the </a:t>
+            </a:r>
+            <a:r>
+              <a:rPr lang="en-US" sz="2400" i="1" dirty="0">
+                <a:solidFill>
+                  <a:srgbClr val="FF0000"/>
+                </a:solidFill>
+              </a:rPr>
+              <a:t>answer set</a:t>
+            </a:r>
+            <a:r>
+              <a:rPr lang="en-US" sz="2400" dirty="0"/>
+              <a:t> of the program</a:t>
+            </a:r>
+          </a:p>
+          <a:p>
+            <a:pPr marL="285750" indent="-285750" algn="just">
+              <a:spcBef>
+                <a:spcPts val="1200"/>
+              </a:spcBef>
+              <a:buFontTx/>
+              <a:buChar char="-"/>
+            </a:pPr>
+            <a:r>
+              <a:rPr lang="en-US" sz="2400" dirty="0"/>
+              <a:t>The basic constituents of an ASP program are the </a:t>
+            </a:r>
+            <a:r>
+              <a:rPr lang="en-US" sz="2400" dirty="0">
+                <a:solidFill>
+                  <a:srgbClr val="FF0000"/>
+                </a:solidFill>
+              </a:rPr>
+              <a:t>rules, facts and constraints that describe the problem</a:t>
+            </a:r>
+            <a:r>
+              <a:rPr lang="en-US" sz="2400" dirty="0"/>
+              <a:t>.</a:t>
+            </a:r>
+          </a:p>
+        </p:txBody>
+      </p:sp>
+    </p:spTree>
+    <p:extLst>
+      <p:ext uri="{BB962C8B-B14F-4D97-AF65-F5344CB8AC3E}">
+        <p14:creationId xmlns:p14="http://schemas.microsoft.com/office/powerpoint/2010/main" val="3716860141"/>
+      </p:ext>
+    </p:extLst>
+  </p:cSld>
+  <p:clrMapOvr>
+    <a:masterClrMapping/>
+  </p:clrMapOvr>
+</p:sld>
+</file>
+
+<file path=ppt/slides/slide15.xml><?xml version="1.0" encoding="utf-8"?>
+<p:sld xmlns:a="http://schemas.openxmlformats.org/drawingml/2006/main" xmlns:r="http://schemas.openxmlformats.org/officeDocument/2006/relationships" xmlns:p="http://schemas.openxmlformats.org/presentationml/2006/main">
+  <p:cSld>
+    <p:spTree>
+      <p:nvGrpSpPr>
+        <p:cNvPr id="1" name=""/>
+        <p:cNvGrpSpPr/>
+        <p:nvPr/>
+      </p:nvGrpSpPr>
+      <p:grpSpPr>
+        <a:xfrm>
+          <a:off x="0" y="0"/>
+          <a:ext cx="0" cy="0"/>
+          <a:chOff x="0" y="0"/>
+          <a:chExt cx="0" cy="0"/>
+        </a:xfrm>
+      </p:grpSpPr>
+      <p:sp>
+        <p:nvSpPr>
+          <p:cNvPr id="5" name="Rectangle 4">
+            <a:extLst>
+              <a:ext uri="{FF2B5EF4-FFF2-40B4-BE49-F238E27FC236}">
+                <a16:creationId xmlns:a16="http://schemas.microsoft.com/office/drawing/2014/main" id="{8C2198D3-9081-462D-89AA-2AE36F0B965E}"/>
+              </a:ext>
+            </a:extLst>
+          </p:cNvPr>
+          <p:cNvSpPr/>
+          <p:nvPr/>
+        </p:nvSpPr>
+        <p:spPr>
+          <a:xfrm>
+            <a:off x="0" y="0"/>
+            <a:ext cx="12192000" cy="1311965"/>
+          </a:xfrm>
+          <a:prstGeom prst="rect">
+            <a:avLst/>
+          </a:prstGeom>
+        </p:spPr>
+        <p:style>
+          <a:lnRef idx="2">
+            <a:schemeClr val="dk1">
+              <a:shade val="50000"/>
+            </a:schemeClr>
+          </a:lnRef>
+          <a:fillRef idx="1">
+            <a:schemeClr val="dk1"/>
+          </a:fillRef>
+          <a:effectRef idx="0">
+            <a:schemeClr val="dk1"/>
+          </a:effectRef>
+          <a:fontRef idx="minor">
+            <a:schemeClr val="lt1"/>
+          </a:fontRef>
+        </p:style>
+        <p:txBody>
+          <a:bodyPr rtlCol="0" anchor="ctr"/>
+          <a:lstStyle/>
+          <a:p>
+            <a:pPr algn="ctr"/>
+            <a:endParaRPr lang="en-US" dirty="0"/>
+          </a:p>
+        </p:txBody>
+      </p:sp>
+      <p:sp>
+        <p:nvSpPr>
+          <p:cNvPr id="3" name="TextBox 2">
+            <a:extLst>
+              <a:ext uri="{FF2B5EF4-FFF2-40B4-BE49-F238E27FC236}">
+                <a16:creationId xmlns:a16="http://schemas.microsoft.com/office/drawing/2014/main" id="{1980B4EC-4697-4B4F-87E9-C0E68B2BB033}"/>
+              </a:ext>
+            </a:extLst>
+          </p:cNvPr>
+          <p:cNvSpPr txBox="1"/>
+          <p:nvPr/>
+        </p:nvSpPr>
+        <p:spPr>
+          <a:xfrm>
+            <a:off x="5346632" y="332816"/>
+            <a:ext cx="1498736" cy="646331"/>
+          </a:xfrm>
+          <a:prstGeom prst="rect">
+            <a:avLst/>
+          </a:prstGeom>
+          <a:noFill/>
+        </p:spPr>
+        <p:txBody>
+          <a:bodyPr wrap="square" rtlCol="0">
+            <a:spAutoFit/>
+          </a:bodyPr>
+          <a:lstStyle/>
+          <a:p>
+            <a:r>
+              <a:rPr lang="en-US" sz="3600" dirty="0">
+                <a:solidFill>
+                  <a:schemeClr val="bg1"/>
+                </a:solidFill>
+              </a:rPr>
+              <a:t>Syntax</a:t>
+            </a:r>
+          </a:p>
+        </p:txBody>
+      </p:sp>
+    </p:spTree>
+    <p:extLst>
+      <p:ext uri="{BB962C8B-B14F-4D97-AF65-F5344CB8AC3E}">
+        <p14:creationId xmlns:p14="http://schemas.microsoft.com/office/powerpoint/2010/main" val="1078965497"/>
+      </p:ext>
+    </p:extLst>
+  </p:cSld>
+  <p:clrMapOvr>
+    <a:masterClrMapping/>
+  </p:clrMapOvr>
+</p:sld>
+</file>
+
+<file path=ppt/slides/slide16.xml><?xml version="1.0" encoding="utf-8"?>
+<p:sld xmlns:a="http://schemas.openxmlformats.org/drawingml/2006/main" xmlns:r="http://schemas.openxmlformats.org/officeDocument/2006/relationships" xmlns:p="http://schemas.openxmlformats.org/presentationml/2006/main">
+  <p:cSld>
+    <p:spTree>
+      <p:nvGrpSpPr>
+        <p:cNvPr id="1" name=""/>
+        <p:cNvGrpSpPr/>
+        <p:nvPr/>
+      </p:nvGrpSpPr>
+      <p:grpSpPr>
+        <a:xfrm>
+          <a:off x="0" y="0"/>
+          <a:ext cx="0" cy="0"/>
+          <a:chOff x="0" y="0"/>
+          <a:chExt cx="0" cy="0"/>
+        </a:xfrm>
+      </p:grpSpPr>
+      <p:sp>
+        <p:nvSpPr>
+          <p:cNvPr id="5" name="Rectangle 4">
+            <a:extLst>
+              <a:ext uri="{FF2B5EF4-FFF2-40B4-BE49-F238E27FC236}">
+                <a16:creationId xmlns:a16="http://schemas.microsoft.com/office/drawing/2014/main" id="{8C2198D3-9081-462D-89AA-2AE36F0B965E}"/>
+              </a:ext>
+            </a:extLst>
+          </p:cNvPr>
+          <p:cNvSpPr/>
+          <p:nvPr/>
+        </p:nvSpPr>
+        <p:spPr>
+          <a:xfrm>
+            <a:off x="0" y="0"/>
+            <a:ext cx="12192000" cy="1311965"/>
+          </a:xfrm>
+          <a:prstGeom prst="rect">
+            <a:avLst/>
+          </a:prstGeom>
+        </p:spPr>
+        <p:style>
+          <a:lnRef idx="2">
+            <a:schemeClr val="dk1">
+              <a:shade val="50000"/>
+            </a:schemeClr>
+          </a:lnRef>
+          <a:fillRef idx="1">
+            <a:schemeClr val="dk1"/>
+          </a:fillRef>
+          <a:effectRef idx="0">
+            <a:schemeClr val="dk1"/>
+          </a:effectRef>
+          <a:fontRef idx="minor">
+            <a:schemeClr val="lt1"/>
+          </a:fontRef>
+        </p:style>
+        <p:txBody>
+          <a:bodyPr rtlCol="0" anchor="ctr"/>
+          <a:lstStyle/>
+          <a:p>
+            <a:pPr algn="ctr"/>
+            <a:endParaRPr lang="en-US" dirty="0"/>
+          </a:p>
+        </p:txBody>
+      </p:sp>
+      <p:sp>
+        <p:nvSpPr>
+          <p:cNvPr id="3" name="TextBox 2">
+            <a:extLst>
+              <a:ext uri="{FF2B5EF4-FFF2-40B4-BE49-F238E27FC236}">
+                <a16:creationId xmlns:a16="http://schemas.microsoft.com/office/drawing/2014/main" id="{1980B4EC-4697-4B4F-87E9-C0E68B2BB033}"/>
+              </a:ext>
+            </a:extLst>
+          </p:cNvPr>
+          <p:cNvSpPr txBox="1"/>
+          <p:nvPr/>
+        </p:nvSpPr>
+        <p:spPr>
+          <a:xfrm>
+            <a:off x="4958927" y="332816"/>
+            <a:ext cx="2201102" cy="646331"/>
+          </a:xfrm>
+          <a:prstGeom prst="rect">
+            <a:avLst/>
+          </a:prstGeom>
+          <a:noFill/>
+        </p:spPr>
+        <p:txBody>
+          <a:bodyPr wrap="square" rtlCol="0">
+            <a:spAutoFit/>
+          </a:bodyPr>
+          <a:lstStyle/>
+          <a:p>
+            <a:r>
+              <a:rPr lang="en-US" sz="3600" dirty="0">
+                <a:solidFill>
+                  <a:schemeClr val="bg1"/>
+                </a:solidFill>
+              </a:rPr>
+              <a:t>Semantics</a:t>
+            </a:r>
+          </a:p>
+        </p:txBody>
+      </p:sp>
+    </p:spTree>
+    <p:extLst>
+      <p:ext uri="{BB962C8B-B14F-4D97-AF65-F5344CB8AC3E}">
+        <p14:creationId xmlns:p14="http://schemas.microsoft.com/office/powerpoint/2010/main" val="179956929"/>
+      </p:ext>
+    </p:extLst>
+  </p:cSld>
+  <p:clrMapOvr>
+    <a:masterClrMapping/>
+  </p:clrMapOvr>
+</p:sld>
+</file>
+
+<file path=ppt/slides/slide17.xml><?xml version="1.0" encoding="utf-8"?>
+<p:sld xmlns:a="http://schemas.openxmlformats.org/drawingml/2006/main" xmlns:r="http://schemas.openxmlformats.org/officeDocument/2006/relationships" xmlns:p="http://schemas.openxmlformats.org/presentationml/2006/main">
+  <p:cSld>
+    <p:spTree>
+      <p:nvGrpSpPr>
+        <p:cNvPr id="1" name=""/>
+        <p:cNvGrpSpPr/>
+        <p:nvPr/>
+      </p:nvGrpSpPr>
+      <p:grpSpPr>
+        <a:xfrm>
+          <a:off x="0" y="0"/>
+          <a:ext cx="0" cy="0"/>
+          <a:chOff x="0" y="0"/>
+          <a:chExt cx="0" cy="0"/>
+        </a:xfrm>
+      </p:grpSpPr>
+      <p:sp>
+        <p:nvSpPr>
+          <p:cNvPr id="5" name="Rectangle 4">
+            <a:extLst>
+              <a:ext uri="{FF2B5EF4-FFF2-40B4-BE49-F238E27FC236}">
+                <a16:creationId xmlns:a16="http://schemas.microsoft.com/office/drawing/2014/main" id="{8C2198D3-9081-462D-89AA-2AE36F0B965E}"/>
+              </a:ext>
+            </a:extLst>
+          </p:cNvPr>
+          <p:cNvSpPr/>
+          <p:nvPr/>
+        </p:nvSpPr>
+        <p:spPr>
+          <a:xfrm>
+            <a:off x="0" y="0"/>
+            <a:ext cx="12192000" cy="1311965"/>
+          </a:xfrm>
+          <a:prstGeom prst="rect">
+            <a:avLst/>
+          </a:prstGeom>
+        </p:spPr>
+        <p:style>
+          <a:lnRef idx="2">
+            <a:schemeClr val="dk1">
+              <a:shade val="50000"/>
+            </a:schemeClr>
+          </a:lnRef>
+          <a:fillRef idx="1">
+            <a:schemeClr val="dk1"/>
+          </a:fillRef>
+          <a:effectRef idx="0">
+            <a:schemeClr val="dk1"/>
+          </a:effectRef>
+          <a:fontRef idx="minor">
+            <a:schemeClr val="lt1"/>
+          </a:fontRef>
+        </p:style>
+        <p:txBody>
+          <a:bodyPr rtlCol="0" anchor="ctr"/>
+          <a:lstStyle/>
+          <a:p>
+            <a:pPr algn="ctr"/>
+            <a:endParaRPr lang="en-US" dirty="0"/>
+          </a:p>
+        </p:txBody>
+      </p:sp>
+      <p:sp>
+        <p:nvSpPr>
+          <p:cNvPr id="3" name="TextBox 2">
+            <a:extLst>
+              <a:ext uri="{FF2B5EF4-FFF2-40B4-BE49-F238E27FC236}">
+                <a16:creationId xmlns:a16="http://schemas.microsoft.com/office/drawing/2014/main" id="{1980B4EC-4697-4B4F-87E9-C0E68B2BB033}"/>
+              </a:ext>
+            </a:extLst>
+          </p:cNvPr>
+          <p:cNvSpPr txBox="1"/>
+          <p:nvPr/>
+        </p:nvSpPr>
+        <p:spPr>
+          <a:xfrm>
+            <a:off x="4299710" y="332816"/>
+            <a:ext cx="3592580" cy="646331"/>
+          </a:xfrm>
+          <a:prstGeom prst="rect">
+            <a:avLst/>
+          </a:prstGeom>
+          <a:noFill/>
+        </p:spPr>
+        <p:txBody>
+          <a:bodyPr wrap="square" rtlCol="0">
+            <a:spAutoFit/>
+          </a:bodyPr>
+          <a:lstStyle/>
+          <a:p>
+            <a:r>
+              <a:rPr lang="en-US" sz="3600" dirty="0">
+                <a:solidFill>
+                  <a:schemeClr val="bg1"/>
+                </a:solidFill>
+              </a:rPr>
+              <a:t>Default Reasoning</a:t>
+            </a:r>
+          </a:p>
+        </p:txBody>
+      </p:sp>
+    </p:spTree>
+    <p:extLst>
+      <p:ext uri="{BB962C8B-B14F-4D97-AF65-F5344CB8AC3E}">
+        <p14:creationId xmlns:p14="http://schemas.microsoft.com/office/powerpoint/2010/main" val="1378590708"/>
+      </p:ext>
+    </p:extLst>
+  </p:cSld>
+  <p:clrMapOvr>
+    <a:masterClrMapping/>
+  </p:clrMapOvr>
+</p:sld>
+</file>
+
+<file path=ppt/slides/slide18.xml><?xml version="1.0" encoding="utf-8"?>
+<p:sld xmlns:a="http://schemas.openxmlformats.org/drawingml/2006/main" xmlns:r="http://schemas.openxmlformats.org/officeDocument/2006/relationships" xmlns:p="http://schemas.openxmlformats.org/presentationml/2006/main">
+  <p:cSld>
+    <p:spTree>
+      <p:nvGrpSpPr>
+        <p:cNvPr id="1" name=""/>
+        <p:cNvGrpSpPr/>
+        <p:nvPr/>
+      </p:nvGrpSpPr>
+      <p:grpSpPr>
+        <a:xfrm>
+          <a:off x="0" y="0"/>
+          <a:ext cx="0" cy="0"/>
+          <a:chOff x="0" y="0"/>
+          <a:chExt cx="0" cy="0"/>
+        </a:xfrm>
+      </p:grpSpPr>
+      <p:sp>
+        <p:nvSpPr>
+          <p:cNvPr id="3" name="TextBox 2">
+            <a:extLst>
+              <a:ext uri="{FF2B5EF4-FFF2-40B4-BE49-F238E27FC236}">
+                <a16:creationId xmlns:a16="http://schemas.microsoft.com/office/drawing/2014/main" id="{1980B4EC-4697-4B4F-87E9-C0E68B2BB033}"/>
+              </a:ext>
+            </a:extLst>
+          </p:cNvPr>
+          <p:cNvSpPr txBox="1"/>
+          <p:nvPr/>
+        </p:nvSpPr>
+        <p:spPr>
+          <a:xfrm>
+            <a:off x="934482" y="2519929"/>
+            <a:ext cx="10323031" cy="923330"/>
+          </a:xfrm>
+          <a:prstGeom prst="rect">
+            <a:avLst/>
+          </a:prstGeom>
+          <a:noFill/>
+        </p:spPr>
+        <p:txBody>
+          <a:bodyPr wrap="square" rtlCol="0">
+            <a:spAutoFit/>
+          </a:bodyPr>
+          <a:lstStyle/>
+          <a:p>
+            <a:pPr algn="ctr"/>
+            <a:r>
+              <a:rPr lang="en-US" sz="5400" dirty="0">
+                <a:ln w="0"/>
+              </a:rPr>
               <a:t>Natural Language Resources</a:t>
             </a:r>
           </a:p>
@@ -4063,6 +4817,380 @@
 </p:sld>
 </file>
 
+<file path=ppt/slides/slide19.xml><?xml version="1.0" encoding="utf-8"?>
+<p:sld xmlns:a="http://schemas.openxmlformats.org/drawingml/2006/main" xmlns:r="http://schemas.openxmlformats.org/officeDocument/2006/relationships" xmlns:p="http://schemas.openxmlformats.org/presentationml/2006/main">
+  <p:cSld>
+    <p:spTree>
+      <p:nvGrpSpPr>
+        <p:cNvPr id="1" name=""/>
+        <p:cNvGrpSpPr/>
+        <p:nvPr/>
+      </p:nvGrpSpPr>
+      <p:grpSpPr>
+        <a:xfrm>
+          <a:off x="0" y="0"/>
+          <a:ext cx="0" cy="0"/>
+          <a:chOff x="0" y="0"/>
+          <a:chExt cx="0" cy="0"/>
+        </a:xfrm>
+      </p:grpSpPr>
+      <p:sp>
+        <p:nvSpPr>
+          <p:cNvPr id="5" name="Rectangle 4">
+            <a:extLst>
+              <a:ext uri="{FF2B5EF4-FFF2-40B4-BE49-F238E27FC236}">
+                <a16:creationId xmlns:a16="http://schemas.microsoft.com/office/drawing/2014/main" id="{8C2198D3-9081-462D-89AA-2AE36F0B965E}"/>
+              </a:ext>
+            </a:extLst>
+          </p:cNvPr>
+          <p:cNvSpPr/>
+          <p:nvPr/>
+        </p:nvSpPr>
+        <p:spPr>
+          <a:xfrm>
+            <a:off x="0" y="0"/>
+            <a:ext cx="12192000" cy="1311965"/>
+          </a:xfrm>
+          <a:prstGeom prst="rect">
+            <a:avLst/>
+          </a:prstGeom>
+        </p:spPr>
+        <p:style>
+          <a:lnRef idx="2">
+            <a:schemeClr val="dk1">
+              <a:shade val="50000"/>
+            </a:schemeClr>
+          </a:lnRef>
+          <a:fillRef idx="1">
+            <a:schemeClr val="dk1"/>
+          </a:fillRef>
+          <a:effectRef idx="0">
+            <a:schemeClr val="dk1"/>
+          </a:effectRef>
+          <a:fontRef idx="minor">
+            <a:schemeClr val="lt1"/>
+          </a:fontRef>
+        </p:style>
+        <p:txBody>
+          <a:bodyPr rtlCol="0" anchor="ctr"/>
+          <a:lstStyle/>
+          <a:p>
+            <a:pPr algn="ctr"/>
+            <a:endParaRPr lang="en-US" dirty="0"/>
+          </a:p>
+        </p:txBody>
+      </p:sp>
+      <p:sp>
+        <p:nvSpPr>
+          <p:cNvPr id="3" name="TextBox 2">
+            <a:extLst>
+              <a:ext uri="{FF2B5EF4-FFF2-40B4-BE49-F238E27FC236}">
+                <a16:creationId xmlns:a16="http://schemas.microsoft.com/office/drawing/2014/main" id="{1980B4EC-4697-4B4F-87E9-C0E68B2BB033}"/>
+              </a:ext>
+            </a:extLst>
+          </p:cNvPr>
+          <p:cNvSpPr txBox="1"/>
+          <p:nvPr/>
+        </p:nvSpPr>
+        <p:spPr>
+          <a:xfrm>
+            <a:off x="3484081" y="332816"/>
+            <a:ext cx="5223837" cy="646331"/>
+          </a:xfrm>
+          <a:prstGeom prst="rect">
+            <a:avLst/>
+          </a:prstGeom>
+          <a:noFill/>
+        </p:spPr>
+        <p:txBody>
+          <a:bodyPr wrap="square" rtlCol="0">
+            <a:spAutoFit/>
+          </a:bodyPr>
+          <a:lstStyle/>
+          <a:p>
+            <a:r>
+              <a:rPr lang="en-US" sz="3600" dirty="0">
+                <a:solidFill>
+                  <a:schemeClr val="bg1"/>
+                </a:solidFill>
+              </a:rPr>
+              <a:t>Stanford Core NLP Toolset</a:t>
+            </a:r>
+          </a:p>
+        </p:txBody>
+      </p:sp>
+      <p:sp>
+        <p:nvSpPr>
+          <p:cNvPr id="10" name="TextBox 9">
+            <a:extLst>
+              <a:ext uri="{FF2B5EF4-FFF2-40B4-BE49-F238E27FC236}">
+                <a16:creationId xmlns:a16="http://schemas.microsoft.com/office/drawing/2014/main" id="{70B5737A-B1B9-458B-BF3D-13FCDF18D397}"/>
+              </a:ext>
+            </a:extLst>
+          </p:cNvPr>
+          <p:cNvSpPr txBox="1"/>
+          <p:nvPr/>
+        </p:nvSpPr>
+        <p:spPr>
+          <a:xfrm>
+            <a:off x="536558" y="1827843"/>
+            <a:ext cx="5559442" cy="1446550"/>
+          </a:xfrm>
+          <a:prstGeom prst="rect">
+            <a:avLst/>
+          </a:prstGeom>
+          <a:noFill/>
+        </p:spPr>
+        <p:txBody>
+          <a:bodyPr wrap="square" rtlCol="0">
+            <a:spAutoFit/>
+          </a:bodyPr>
+          <a:lstStyle/>
+          <a:p>
+            <a:r>
+              <a:rPr lang="en-US" sz="2400" i="1" dirty="0"/>
+              <a:t>Stanford Dependency Parser</a:t>
+            </a:r>
+          </a:p>
+          <a:p>
+            <a:pPr marL="285750" indent="-285750" algn="just">
+              <a:spcBef>
+                <a:spcPts val="1200"/>
+              </a:spcBef>
+              <a:buFontTx/>
+              <a:buChar char="-"/>
+            </a:pPr>
+            <a:r>
+              <a:rPr lang="en-US" dirty="0"/>
+              <a:t>A dependency parser analyses the grammatical structure of a sentence and returns a set of relations between different words of the sentence.</a:t>
+            </a:r>
+          </a:p>
+        </p:txBody>
+      </p:sp>
+      <p:sp>
+        <p:nvSpPr>
+          <p:cNvPr id="4" name="Rectangle 3">
+            <a:extLst>
+              <a:ext uri="{FF2B5EF4-FFF2-40B4-BE49-F238E27FC236}">
+                <a16:creationId xmlns:a16="http://schemas.microsoft.com/office/drawing/2014/main" id="{D249BEB5-404A-4252-8D84-B9F34B86B1E7}"/>
+              </a:ext>
+            </a:extLst>
+          </p:cNvPr>
+          <p:cNvSpPr/>
+          <p:nvPr/>
+        </p:nvSpPr>
+        <p:spPr>
+          <a:xfrm>
+            <a:off x="536558" y="3725158"/>
+            <a:ext cx="4107215" cy="461665"/>
+          </a:xfrm>
+          <a:prstGeom prst="rect">
+            <a:avLst/>
+          </a:prstGeom>
+        </p:spPr>
+        <p:txBody>
+          <a:bodyPr wrap="none">
+            <a:spAutoFit/>
+          </a:bodyPr>
+          <a:lstStyle/>
+          <a:p>
+            <a:r>
+              <a:rPr lang="en-US" sz="2400" i="1" dirty="0">
+                <a:ea typeface="Calibri" panose="020F0502020204030204" pitchFamily="34" charset="0"/>
+              </a:rPr>
+              <a:t>Example:</a:t>
+            </a:r>
+            <a:r>
+              <a:rPr lang="en-US" sz="2400" dirty="0">
+                <a:ea typeface="Calibri" panose="020F0502020204030204" pitchFamily="34" charset="0"/>
+              </a:rPr>
+              <a:t> </a:t>
+            </a:r>
+            <a:r>
+              <a:rPr lang="en-US" dirty="0">
+                <a:ea typeface="Calibri" panose="020F0502020204030204" pitchFamily="34" charset="0"/>
+              </a:rPr>
+              <a:t>“John gave Mary the book.”.</a:t>
+            </a:r>
+            <a:endParaRPr lang="en-US" dirty="0"/>
+          </a:p>
+        </p:txBody>
+      </p:sp>
+      <p:pic>
+        <p:nvPicPr>
+          <p:cNvPr id="12" name="Picture 11">
+            <a:extLst>
+              <a:ext uri="{FF2B5EF4-FFF2-40B4-BE49-F238E27FC236}">
+                <a16:creationId xmlns:a16="http://schemas.microsoft.com/office/drawing/2014/main" id="{C17DCC57-A264-4C13-9494-AA679DBAFDA7}"/>
+              </a:ext>
+            </a:extLst>
+          </p:cNvPr>
+          <p:cNvPicPr/>
+          <p:nvPr/>
+        </p:nvPicPr>
+        <p:blipFill>
+          <a:blip r:embed="rId2"/>
+          <a:stretch>
+            <a:fillRect/>
+          </a:stretch>
+        </p:blipFill>
+        <p:spPr>
+          <a:xfrm>
+            <a:off x="536558" y="4637588"/>
+            <a:ext cx="5314073" cy="1208074"/>
+          </a:xfrm>
+          <a:prstGeom prst="rect">
+            <a:avLst/>
+          </a:prstGeom>
+        </p:spPr>
+      </p:pic>
+      <p:sp>
+        <p:nvSpPr>
+          <p:cNvPr id="6" name="Rectangle 5">
+            <a:extLst>
+              <a:ext uri="{FF2B5EF4-FFF2-40B4-BE49-F238E27FC236}">
+                <a16:creationId xmlns:a16="http://schemas.microsoft.com/office/drawing/2014/main" id="{6BE28EF9-7551-4D2F-828F-B4FDD4C8663A}"/>
+              </a:ext>
+            </a:extLst>
+          </p:cNvPr>
+          <p:cNvSpPr/>
+          <p:nvPr/>
+        </p:nvSpPr>
+        <p:spPr>
+          <a:xfrm>
+            <a:off x="6891130" y="1827843"/>
+            <a:ext cx="3233530" cy="3717941"/>
+          </a:xfrm>
+          <a:prstGeom prst="rect">
+            <a:avLst/>
+          </a:prstGeom>
+        </p:spPr>
+        <p:txBody>
+          <a:bodyPr wrap="square">
+            <a:spAutoFit/>
+          </a:bodyPr>
+          <a:lstStyle/>
+          <a:p>
+            <a:pPr algn="just">
+              <a:lnSpc>
+                <a:spcPct val="115000"/>
+              </a:lnSpc>
+              <a:spcAft>
+                <a:spcPts val="800"/>
+              </a:spcAft>
+            </a:pPr>
+            <a:r>
+              <a:rPr lang="en-US" sz="2400" i="1" dirty="0"/>
+              <a:t>Dependency Relations :</a:t>
+            </a:r>
+          </a:p>
+          <a:p>
+            <a:pPr algn="just">
+              <a:spcBef>
+                <a:spcPts val="1200"/>
+              </a:spcBef>
+              <a:spcAft>
+                <a:spcPts val="800"/>
+              </a:spcAft>
+            </a:pPr>
+            <a:r>
+              <a:rPr lang="en-US" i="1" dirty="0"/>
+              <a:t>root(ROOT-0, gave-2) </a:t>
+            </a:r>
+          </a:p>
+          <a:p>
+            <a:pPr algn="just">
+              <a:spcBef>
+                <a:spcPts val="1200"/>
+              </a:spcBef>
+              <a:spcAft>
+                <a:spcPts val="800"/>
+              </a:spcAft>
+            </a:pPr>
+            <a:r>
+              <a:rPr lang="en-US" i="1" dirty="0"/>
+              <a:t>nsubj(gave-2, John-1) </a:t>
+            </a:r>
+          </a:p>
+          <a:p>
+            <a:pPr algn="just">
+              <a:spcBef>
+                <a:spcPts val="1200"/>
+              </a:spcBef>
+              <a:spcAft>
+                <a:spcPts val="800"/>
+              </a:spcAft>
+            </a:pPr>
+            <a:r>
+              <a:rPr lang="en-US" i="1" dirty="0"/>
+              <a:t>dobj(gave-2, book-5) </a:t>
+            </a:r>
+          </a:p>
+          <a:p>
+            <a:pPr algn="just">
+              <a:spcBef>
+                <a:spcPts val="1200"/>
+              </a:spcBef>
+              <a:spcAft>
+                <a:spcPts val="800"/>
+              </a:spcAft>
+            </a:pPr>
+            <a:r>
+              <a:rPr lang="en-US" i="1" dirty="0" err="1"/>
+              <a:t>iobj</a:t>
+            </a:r>
+            <a:r>
+              <a:rPr lang="en-US" i="1" dirty="0"/>
+              <a:t> (gave-2, Mary-3)</a:t>
+            </a:r>
+          </a:p>
+          <a:p>
+            <a:pPr algn="just">
+              <a:spcBef>
+                <a:spcPts val="1200"/>
+              </a:spcBef>
+              <a:spcAft>
+                <a:spcPts val="800"/>
+              </a:spcAft>
+            </a:pPr>
+            <a:r>
+              <a:rPr lang="en-US" i="1" dirty="0"/>
+              <a:t>det(book-5, the-4)</a:t>
+            </a:r>
+          </a:p>
+          <a:p>
+            <a:pPr algn="just">
+              <a:spcBef>
+                <a:spcPts val="1200"/>
+              </a:spcBef>
+              <a:spcAft>
+                <a:spcPts val="800"/>
+              </a:spcAft>
+            </a:pPr>
+            <a:r>
+              <a:rPr lang="en-US" i="1" dirty="0" err="1"/>
+              <a:t>punct</a:t>
+            </a:r>
+            <a:r>
+              <a:rPr lang="en-US" i="1" dirty="0"/>
+              <a:t>(gave-4, .-6)</a:t>
+            </a:r>
+          </a:p>
+        </p:txBody>
+      </p:sp>
+    </p:spTree>
+    <p:extLst>
+      <p:ext uri="{BB962C8B-B14F-4D97-AF65-F5344CB8AC3E}">
+        <p14:creationId xmlns:p14="http://schemas.microsoft.com/office/powerpoint/2010/main" val="1994691297"/>
+      </p:ext>
+    </p:extLst>
+  </p:cSld>
+  <p:clrMapOvr>
+    <a:masterClrMapping/>
+  </p:clrMapOvr>
+</p:sld>
+</file>
+
 <file path=ppt/slides/slide2.xml><?xml version="1.0" encoding="utf-8"?>
 <p:sld xmlns:a="http://schemas.openxmlformats.org/drawingml/2006/main" xmlns:r="http://schemas.openxmlformats.org/officeDocument/2006/relationships" xmlns:p="http://schemas.openxmlformats.org/presentationml/2006/main">
   <p:cSld>
@@ -4164,7 +5292,7 @@
             </a:pPr>
             <a:r>
               <a:rPr lang="en-US" sz="2800" dirty="0"/>
-              <a:t>ASP Syntax and Semantics</a:t>
+              <a:t>Answer Set Programming</a:t>
             </a:r>
           </a:p>
           <a:p>
@@ -4403,6 +5531,770 @@
 </p:sld>
 </file>
 
+<file path=ppt/slides/slide20.xml><?xml version="1.0" encoding="utf-8"?>
+<p:sld xmlns:a="http://schemas.openxmlformats.org/drawingml/2006/main" xmlns:r="http://schemas.openxmlformats.org/officeDocument/2006/relationships" xmlns:p="http://schemas.openxmlformats.org/presentationml/2006/main">
+  <p:cSld>
+    <p:spTree>
+      <p:nvGrpSpPr>
+        <p:cNvPr id="1" name=""/>
+        <p:cNvGrpSpPr/>
+        <p:nvPr/>
+      </p:nvGrpSpPr>
+      <p:grpSpPr>
+        <a:xfrm>
+          <a:off x="0" y="0"/>
+          <a:ext cx="0" cy="0"/>
+          <a:chOff x="0" y="0"/>
+          <a:chExt cx="0" cy="0"/>
+        </a:xfrm>
+      </p:grpSpPr>
+      <p:sp>
+        <p:nvSpPr>
+          <p:cNvPr id="5" name="Rectangle 4">
+            <a:extLst>
+              <a:ext uri="{FF2B5EF4-FFF2-40B4-BE49-F238E27FC236}">
+                <a16:creationId xmlns:a16="http://schemas.microsoft.com/office/drawing/2014/main" id="{8C2198D3-9081-462D-89AA-2AE36F0B965E}"/>
+              </a:ext>
+            </a:extLst>
+          </p:cNvPr>
+          <p:cNvSpPr/>
+          <p:nvPr/>
+        </p:nvSpPr>
+        <p:spPr>
+          <a:xfrm>
+            <a:off x="0" y="0"/>
+            <a:ext cx="12192000" cy="1311965"/>
+          </a:xfrm>
+          <a:prstGeom prst="rect">
+            <a:avLst/>
+          </a:prstGeom>
+        </p:spPr>
+        <p:style>
+          <a:lnRef idx="2">
+            <a:schemeClr val="dk1">
+              <a:shade val="50000"/>
+            </a:schemeClr>
+          </a:lnRef>
+          <a:fillRef idx="1">
+            <a:schemeClr val="dk1"/>
+          </a:fillRef>
+          <a:effectRef idx="0">
+            <a:schemeClr val="dk1"/>
+          </a:effectRef>
+          <a:fontRef idx="minor">
+            <a:schemeClr val="lt1"/>
+          </a:fontRef>
+        </p:style>
+        <p:txBody>
+          <a:bodyPr rtlCol="0" anchor="ctr"/>
+          <a:lstStyle/>
+          <a:p>
+            <a:pPr algn="ctr"/>
+            <a:endParaRPr lang="en-US" dirty="0"/>
+          </a:p>
+        </p:txBody>
+      </p:sp>
+      <p:sp>
+        <p:nvSpPr>
+          <p:cNvPr id="3" name="TextBox 2">
+            <a:extLst>
+              <a:ext uri="{FF2B5EF4-FFF2-40B4-BE49-F238E27FC236}">
+                <a16:creationId xmlns:a16="http://schemas.microsoft.com/office/drawing/2014/main" id="{1980B4EC-4697-4B4F-87E9-C0E68B2BB033}"/>
+              </a:ext>
+            </a:extLst>
+          </p:cNvPr>
+          <p:cNvSpPr txBox="1"/>
+          <p:nvPr/>
+        </p:nvSpPr>
+        <p:spPr>
+          <a:xfrm>
+            <a:off x="3484081" y="332816"/>
+            <a:ext cx="5223837" cy="646331"/>
+          </a:xfrm>
+          <a:prstGeom prst="rect">
+            <a:avLst/>
+          </a:prstGeom>
+          <a:noFill/>
+        </p:spPr>
+        <p:txBody>
+          <a:bodyPr wrap="square" rtlCol="0">
+            <a:spAutoFit/>
+          </a:bodyPr>
+          <a:lstStyle/>
+          <a:p>
+            <a:r>
+              <a:rPr lang="en-US" sz="3600" dirty="0">
+                <a:solidFill>
+                  <a:schemeClr val="bg1"/>
+                </a:solidFill>
+              </a:rPr>
+              <a:t>Stanford Core NLP Toolset</a:t>
+            </a:r>
+          </a:p>
+        </p:txBody>
+      </p:sp>
+      <p:sp>
+        <p:nvSpPr>
+          <p:cNvPr id="10" name="TextBox 9">
+            <a:extLst>
+              <a:ext uri="{FF2B5EF4-FFF2-40B4-BE49-F238E27FC236}">
+                <a16:creationId xmlns:a16="http://schemas.microsoft.com/office/drawing/2014/main" id="{70B5737A-B1B9-458B-BF3D-13FCDF18D397}"/>
+              </a:ext>
+            </a:extLst>
+          </p:cNvPr>
+          <p:cNvSpPr txBox="1"/>
+          <p:nvPr/>
+        </p:nvSpPr>
+        <p:spPr>
+          <a:xfrm>
+            <a:off x="536558" y="1827843"/>
+            <a:ext cx="5559442" cy="2862322"/>
+          </a:xfrm>
+          <a:prstGeom prst="rect">
+            <a:avLst/>
+          </a:prstGeom>
+          <a:noFill/>
+        </p:spPr>
+        <p:txBody>
+          <a:bodyPr wrap="square" rtlCol="0">
+            <a:spAutoFit/>
+          </a:bodyPr>
+          <a:lstStyle/>
+          <a:p>
+            <a:r>
+              <a:rPr lang="en-US" sz="2400" i="1" dirty="0"/>
+              <a:t>Parts of Speech Tagger</a:t>
+            </a:r>
+          </a:p>
+          <a:p>
+            <a:pPr marL="285750" indent="-285750" algn="just">
+              <a:spcBef>
+                <a:spcPts val="1200"/>
+              </a:spcBef>
+              <a:buFontTx/>
+              <a:buChar char="-"/>
+            </a:pPr>
+            <a:r>
+              <a:rPr lang="en-US" dirty="0"/>
+              <a:t>A Parts of Speech Tagger is responsible for assigning parts of speech to words in a sentence. </a:t>
+            </a:r>
+          </a:p>
+          <a:p>
+            <a:pPr marL="285750" indent="-285750" algn="just">
+              <a:spcBef>
+                <a:spcPts val="1200"/>
+              </a:spcBef>
+              <a:buFontTx/>
+              <a:buChar char="-"/>
+            </a:pPr>
+            <a:r>
+              <a:rPr lang="en-US" dirty="0"/>
+              <a:t>The English language has eight parts of speech: noun, verb, pronoun, preposition, adverb, conjunction, particle, and article. </a:t>
+            </a:r>
+          </a:p>
+          <a:p>
+            <a:pPr marL="285750" indent="-285750" algn="just">
+              <a:spcBef>
+                <a:spcPts val="1200"/>
+              </a:spcBef>
+              <a:buFontTx/>
+              <a:buChar char="-"/>
+            </a:pPr>
+            <a:r>
+              <a:rPr lang="en-US" dirty="0"/>
+              <a:t>The English tagger in the Stanford POS Tagger uses the Penn Treebank tag set.</a:t>
+            </a:r>
+          </a:p>
+        </p:txBody>
+      </p:sp>
+      <p:sp>
+        <p:nvSpPr>
+          <p:cNvPr id="4" name="Rectangle 3">
+            <a:extLst>
+              <a:ext uri="{FF2B5EF4-FFF2-40B4-BE49-F238E27FC236}">
+                <a16:creationId xmlns:a16="http://schemas.microsoft.com/office/drawing/2014/main" id="{D249BEB5-404A-4252-8D84-B9F34B86B1E7}"/>
+              </a:ext>
+            </a:extLst>
+          </p:cNvPr>
+          <p:cNvSpPr/>
+          <p:nvPr/>
+        </p:nvSpPr>
+        <p:spPr>
+          <a:xfrm>
+            <a:off x="6963862" y="1932445"/>
+            <a:ext cx="4107215" cy="461665"/>
+          </a:xfrm>
+          <a:prstGeom prst="rect">
+            <a:avLst/>
+          </a:prstGeom>
+        </p:spPr>
+        <p:txBody>
+          <a:bodyPr wrap="none">
+            <a:spAutoFit/>
+          </a:bodyPr>
+          <a:lstStyle/>
+          <a:p>
+            <a:r>
+              <a:rPr lang="en-US" sz="2400" i="1" dirty="0">
+                <a:ea typeface="Calibri" panose="020F0502020204030204" pitchFamily="34" charset="0"/>
+              </a:rPr>
+              <a:t>Example:</a:t>
+            </a:r>
+            <a:r>
+              <a:rPr lang="en-US" sz="2400" dirty="0">
+                <a:ea typeface="Calibri" panose="020F0502020204030204" pitchFamily="34" charset="0"/>
+              </a:rPr>
+              <a:t> </a:t>
+            </a:r>
+            <a:r>
+              <a:rPr lang="en-US" dirty="0">
+                <a:ea typeface="Calibri" panose="020F0502020204030204" pitchFamily="34" charset="0"/>
+              </a:rPr>
+              <a:t>“John gave Mary the book.”.</a:t>
+            </a:r>
+            <a:endParaRPr lang="en-US" dirty="0"/>
+          </a:p>
+        </p:txBody>
+      </p:sp>
+      <p:pic>
+        <p:nvPicPr>
+          <p:cNvPr id="8" name="Picture 7">
+            <a:extLst>
+              <a:ext uri="{FF2B5EF4-FFF2-40B4-BE49-F238E27FC236}">
+                <a16:creationId xmlns:a16="http://schemas.microsoft.com/office/drawing/2014/main" id="{A0C29DB8-02DA-4D72-AF15-2E083708F27F}"/>
+              </a:ext>
+            </a:extLst>
+          </p:cNvPr>
+          <p:cNvPicPr/>
+          <p:nvPr/>
+        </p:nvPicPr>
+        <p:blipFill>
+          <a:blip r:embed="rId2"/>
+          <a:stretch>
+            <a:fillRect/>
+          </a:stretch>
+        </p:blipFill>
+        <p:spPr>
+          <a:xfrm>
+            <a:off x="6963862" y="2726928"/>
+            <a:ext cx="3955923" cy="746042"/>
+          </a:xfrm>
+          <a:prstGeom prst="rect">
+            <a:avLst/>
+          </a:prstGeom>
+        </p:spPr>
+      </p:pic>
+      <p:sp>
+        <p:nvSpPr>
+          <p:cNvPr id="9" name="TextBox 8">
+            <a:extLst>
+              <a:ext uri="{FF2B5EF4-FFF2-40B4-BE49-F238E27FC236}">
+                <a16:creationId xmlns:a16="http://schemas.microsoft.com/office/drawing/2014/main" id="{2DEDD9A3-C1EE-41CF-A7D1-8BC40F886006}"/>
+              </a:ext>
+            </a:extLst>
+          </p:cNvPr>
+          <p:cNvSpPr txBox="1"/>
+          <p:nvPr/>
+        </p:nvSpPr>
+        <p:spPr>
+          <a:xfrm>
+            <a:off x="6963862" y="3805788"/>
+            <a:ext cx="3386086" cy="2585323"/>
+          </a:xfrm>
+          <a:prstGeom prst="rect">
+            <a:avLst/>
+          </a:prstGeom>
+          <a:noFill/>
+        </p:spPr>
+        <p:txBody>
+          <a:bodyPr wrap="square" rtlCol="0">
+            <a:spAutoFit/>
+          </a:bodyPr>
+          <a:lstStyle/>
+          <a:p>
+            <a:r>
+              <a:rPr lang="en-US" sz="2400" i="1" dirty="0"/>
+              <a:t>Penn Treebank Tag Set</a:t>
+            </a:r>
+          </a:p>
+          <a:p>
+            <a:pPr>
+              <a:spcBef>
+                <a:spcPts val="1200"/>
+              </a:spcBef>
+            </a:pPr>
+            <a:r>
+              <a:rPr lang="en-US" sz="2000" dirty="0"/>
+              <a:t>NNP </a:t>
+            </a:r>
+            <a:r>
+              <a:rPr lang="en-US" sz="2000" dirty="0">
+                <a:sym typeface="Wingdings" panose="05000000000000000000" pitchFamily="2" charset="2"/>
+              </a:rPr>
+              <a:t>: Proper Noun, Singular</a:t>
+            </a:r>
+          </a:p>
+          <a:p>
+            <a:pPr lvl="0"/>
+            <a:r>
+              <a:rPr lang="en-US" sz="2000" dirty="0">
+                <a:solidFill>
+                  <a:prstClr val="black"/>
+                </a:solidFill>
+              </a:rPr>
+              <a:t>VBD </a:t>
+            </a:r>
+            <a:r>
+              <a:rPr lang="en-US" sz="2000" dirty="0">
+                <a:solidFill>
+                  <a:prstClr val="black"/>
+                </a:solidFill>
+                <a:sym typeface="Wingdings" panose="05000000000000000000" pitchFamily="2" charset="2"/>
+              </a:rPr>
+              <a:t>: Verb, Past tense</a:t>
+            </a:r>
+          </a:p>
+          <a:p>
+            <a:pPr lvl="0"/>
+            <a:r>
+              <a:rPr lang="en-US" sz="2000" dirty="0">
+                <a:solidFill>
+                  <a:prstClr val="black"/>
+                </a:solidFill>
+              </a:rPr>
+              <a:t>DT    </a:t>
+            </a:r>
+            <a:r>
+              <a:rPr lang="en-US" sz="2000" dirty="0">
+                <a:solidFill>
+                  <a:prstClr val="black"/>
+                </a:solidFill>
+                <a:sym typeface="Wingdings" panose="05000000000000000000" pitchFamily="2" charset="2"/>
+              </a:rPr>
+              <a:t>: Determiner</a:t>
+            </a:r>
+          </a:p>
+          <a:p>
+            <a:pPr lvl="0"/>
+            <a:r>
+              <a:rPr lang="en-US" sz="2000" dirty="0">
+                <a:solidFill>
+                  <a:prstClr val="black"/>
+                </a:solidFill>
+              </a:rPr>
+              <a:t>NN   </a:t>
+            </a:r>
+            <a:r>
+              <a:rPr lang="en-US" sz="2000" dirty="0">
+                <a:solidFill>
+                  <a:prstClr val="black"/>
+                </a:solidFill>
+                <a:sym typeface="Wingdings" panose="05000000000000000000" pitchFamily="2" charset="2"/>
+              </a:rPr>
+              <a:t>: Noun, Singular or Mass</a:t>
+            </a:r>
+          </a:p>
+          <a:p>
+            <a:pPr lvl="0"/>
+            <a:endParaRPr lang="en-US" sz="2400" dirty="0">
+              <a:sym typeface="Wingdings" panose="05000000000000000000" pitchFamily="2" charset="2"/>
+            </a:endParaRPr>
+          </a:p>
+          <a:p>
+            <a:endParaRPr lang="en-US" sz="2400" dirty="0"/>
+          </a:p>
+        </p:txBody>
+      </p:sp>
+    </p:spTree>
+    <p:extLst>
+      <p:ext uri="{BB962C8B-B14F-4D97-AF65-F5344CB8AC3E}">
+        <p14:creationId xmlns:p14="http://schemas.microsoft.com/office/powerpoint/2010/main" val="885384549"/>
+      </p:ext>
+    </p:extLst>
+  </p:cSld>
+  <p:clrMapOvr>
+    <a:masterClrMapping/>
+  </p:clrMapOvr>
+</p:sld>
+</file>
+
+<file path=ppt/slides/slide21.xml><?xml version="1.0" encoding="utf-8"?>
+<p:sld xmlns:a="http://schemas.openxmlformats.org/drawingml/2006/main" xmlns:r="http://schemas.openxmlformats.org/officeDocument/2006/relationships" xmlns:p="http://schemas.openxmlformats.org/presentationml/2006/main">
+  <p:cSld>
+    <p:spTree>
+      <p:nvGrpSpPr>
+        <p:cNvPr id="1" name=""/>
+        <p:cNvGrpSpPr/>
+        <p:nvPr/>
+      </p:nvGrpSpPr>
+      <p:grpSpPr>
+        <a:xfrm>
+          <a:off x="0" y="0"/>
+          <a:ext cx="0" cy="0"/>
+          <a:chOff x="0" y="0"/>
+          <a:chExt cx="0" cy="0"/>
+        </a:xfrm>
+      </p:grpSpPr>
+      <p:sp>
+        <p:nvSpPr>
+          <p:cNvPr id="5" name="Rectangle 4">
+            <a:extLst>
+              <a:ext uri="{FF2B5EF4-FFF2-40B4-BE49-F238E27FC236}">
+                <a16:creationId xmlns:a16="http://schemas.microsoft.com/office/drawing/2014/main" id="{8C2198D3-9081-462D-89AA-2AE36F0B965E}"/>
+              </a:ext>
+            </a:extLst>
+          </p:cNvPr>
+          <p:cNvSpPr/>
+          <p:nvPr/>
+        </p:nvSpPr>
+        <p:spPr>
+          <a:xfrm>
+            <a:off x="0" y="0"/>
+            <a:ext cx="12192000" cy="1311965"/>
+          </a:xfrm>
+          <a:prstGeom prst="rect">
+            <a:avLst/>
+          </a:prstGeom>
+        </p:spPr>
+        <p:style>
+          <a:lnRef idx="2">
+            <a:schemeClr val="dk1">
+              <a:shade val="50000"/>
+            </a:schemeClr>
+          </a:lnRef>
+          <a:fillRef idx="1">
+            <a:schemeClr val="dk1"/>
+          </a:fillRef>
+          <a:effectRef idx="0">
+            <a:schemeClr val="dk1"/>
+          </a:effectRef>
+          <a:fontRef idx="minor">
+            <a:schemeClr val="lt1"/>
+          </a:fontRef>
+        </p:style>
+        <p:txBody>
+          <a:bodyPr rtlCol="0" anchor="ctr"/>
+          <a:lstStyle/>
+          <a:p>
+            <a:pPr algn="ctr"/>
+            <a:endParaRPr lang="en-US" dirty="0"/>
+          </a:p>
+        </p:txBody>
+      </p:sp>
+      <p:sp>
+        <p:nvSpPr>
+          <p:cNvPr id="3" name="TextBox 2">
+            <a:extLst>
+              <a:ext uri="{FF2B5EF4-FFF2-40B4-BE49-F238E27FC236}">
+                <a16:creationId xmlns:a16="http://schemas.microsoft.com/office/drawing/2014/main" id="{1980B4EC-4697-4B4F-87E9-C0E68B2BB033}"/>
+              </a:ext>
+            </a:extLst>
+          </p:cNvPr>
+          <p:cNvSpPr txBox="1"/>
+          <p:nvPr/>
+        </p:nvSpPr>
+        <p:spPr>
+          <a:xfrm>
+            <a:off x="3484081" y="332816"/>
+            <a:ext cx="5223837" cy="646331"/>
+          </a:xfrm>
+          <a:prstGeom prst="rect">
+            <a:avLst/>
+          </a:prstGeom>
+          <a:noFill/>
+        </p:spPr>
+        <p:txBody>
+          <a:bodyPr wrap="square" rtlCol="0">
+            <a:spAutoFit/>
+          </a:bodyPr>
+          <a:lstStyle/>
+          <a:p>
+            <a:r>
+              <a:rPr lang="en-US" sz="3600" dirty="0">
+                <a:solidFill>
+                  <a:schemeClr val="bg1"/>
+                </a:solidFill>
+              </a:rPr>
+              <a:t>Stanford Core NLP Toolset</a:t>
+            </a:r>
+          </a:p>
+        </p:txBody>
+      </p:sp>
+      <p:sp>
+        <p:nvSpPr>
+          <p:cNvPr id="10" name="TextBox 9">
+            <a:extLst>
+              <a:ext uri="{FF2B5EF4-FFF2-40B4-BE49-F238E27FC236}">
+                <a16:creationId xmlns:a16="http://schemas.microsoft.com/office/drawing/2014/main" id="{70B5737A-B1B9-458B-BF3D-13FCDF18D397}"/>
+              </a:ext>
+            </a:extLst>
+          </p:cNvPr>
+          <p:cNvSpPr txBox="1"/>
+          <p:nvPr/>
+        </p:nvSpPr>
+        <p:spPr>
+          <a:xfrm>
+            <a:off x="536558" y="1827843"/>
+            <a:ext cx="6010016" cy="2154436"/>
+          </a:xfrm>
+          <a:prstGeom prst="rect">
+            <a:avLst/>
+          </a:prstGeom>
+          <a:noFill/>
+        </p:spPr>
+        <p:txBody>
+          <a:bodyPr wrap="square" rtlCol="0">
+            <a:spAutoFit/>
+          </a:bodyPr>
+          <a:lstStyle/>
+          <a:p>
+            <a:r>
+              <a:rPr lang="en-US" sz="2400" i="1" dirty="0"/>
+              <a:t>Named Entity Recognizer</a:t>
+            </a:r>
+          </a:p>
+          <a:p>
+            <a:pPr marL="285750" indent="-285750" algn="just">
+              <a:spcBef>
+                <a:spcPts val="1200"/>
+              </a:spcBef>
+              <a:buFontTx/>
+              <a:buChar char="-"/>
+            </a:pPr>
+            <a:r>
+              <a:rPr lang="en-US" dirty="0"/>
+              <a:t>A Named Entity Recognizer is a module used to label a sequence of words in a sentence with predefined tags of Named Entities</a:t>
+            </a:r>
+          </a:p>
+          <a:p>
+            <a:pPr marL="285750" indent="-285750" algn="just">
+              <a:spcBef>
+                <a:spcPts val="1200"/>
+              </a:spcBef>
+              <a:buFontTx/>
+              <a:buChar char="-"/>
+            </a:pPr>
+            <a:r>
+              <a:rPr lang="en-US" dirty="0"/>
+              <a:t>Named Entities are names of things, such as person, company, organization, locations, cities and many more. </a:t>
+            </a:r>
+          </a:p>
+        </p:txBody>
+      </p:sp>
+      <p:sp>
+        <p:nvSpPr>
+          <p:cNvPr id="4" name="Rectangle 3">
+            <a:extLst>
+              <a:ext uri="{FF2B5EF4-FFF2-40B4-BE49-F238E27FC236}">
+                <a16:creationId xmlns:a16="http://schemas.microsoft.com/office/drawing/2014/main" id="{D249BEB5-404A-4252-8D84-B9F34B86B1E7}"/>
+              </a:ext>
+            </a:extLst>
+          </p:cNvPr>
+          <p:cNvSpPr/>
+          <p:nvPr/>
+        </p:nvSpPr>
+        <p:spPr>
+          <a:xfrm>
+            <a:off x="536558" y="4221979"/>
+            <a:ext cx="5269007" cy="461665"/>
+          </a:xfrm>
+          <a:prstGeom prst="rect">
+            <a:avLst/>
+          </a:prstGeom>
+        </p:spPr>
+        <p:txBody>
+          <a:bodyPr wrap="none">
+            <a:spAutoFit/>
+          </a:bodyPr>
+          <a:lstStyle/>
+          <a:p>
+            <a:r>
+              <a:rPr lang="en-US" sz="2400" i="1" dirty="0">
+                <a:ea typeface="Calibri" panose="020F0502020204030204" pitchFamily="34" charset="0"/>
+              </a:rPr>
+              <a:t>Example:</a:t>
+            </a:r>
+            <a:r>
+              <a:rPr lang="en-US" sz="2400" dirty="0">
+                <a:ea typeface="Calibri" panose="020F0502020204030204" pitchFamily="34" charset="0"/>
+              </a:rPr>
+              <a:t> </a:t>
+            </a:r>
+            <a:r>
+              <a:rPr lang="en-US" dirty="0">
+                <a:ea typeface="Calibri" panose="020F0502020204030204" pitchFamily="34" charset="0"/>
+              </a:rPr>
+              <a:t>“John, who works at UTD, lives in Dallas.”.</a:t>
+            </a:r>
+            <a:endParaRPr lang="en-US" dirty="0"/>
+          </a:p>
+        </p:txBody>
+      </p:sp>
+      <p:pic>
+        <p:nvPicPr>
+          <p:cNvPr id="11" name="Picture 10">
+            <a:extLst>
+              <a:ext uri="{FF2B5EF4-FFF2-40B4-BE49-F238E27FC236}">
+                <a16:creationId xmlns:a16="http://schemas.microsoft.com/office/drawing/2014/main" id="{9924AD3F-7224-4791-8D39-588E691BF508}"/>
+              </a:ext>
+            </a:extLst>
+          </p:cNvPr>
+          <p:cNvPicPr/>
+          <p:nvPr/>
+        </p:nvPicPr>
+        <p:blipFill>
+          <a:blip r:embed="rId2"/>
+          <a:stretch>
+            <a:fillRect/>
+          </a:stretch>
+        </p:blipFill>
+        <p:spPr>
+          <a:xfrm>
+            <a:off x="536558" y="4923344"/>
+            <a:ext cx="7309535" cy="746042"/>
+          </a:xfrm>
+          <a:prstGeom prst="rect">
+            <a:avLst/>
+          </a:prstGeom>
+        </p:spPr>
+      </p:pic>
+      <p:sp>
+        <p:nvSpPr>
+          <p:cNvPr id="2" name="Rectangle 1">
+            <a:extLst>
+              <a:ext uri="{FF2B5EF4-FFF2-40B4-BE49-F238E27FC236}">
+                <a16:creationId xmlns:a16="http://schemas.microsoft.com/office/drawing/2014/main" id="{68236857-F823-4A91-AA06-08C0735D0FCB}"/>
+              </a:ext>
+            </a:extLst>
+          </p:cNvPr>
+          <p:cNvSpPr/>
+          <p:nvPr/>
+        </p:nvSpPr>
+        <p:spPr>
+          <a:xfrm>
+            <a:off x="6771861" y="2306509"/>
+            <a:ext cx="5261113" cy="2031325"/>
+          </a:xfrm>
+          <a:prstGeom prst="rect">
+            <a:avLst/>
+          </a:prstGeom>
+        </p:spPr>
+        <p:txBody>
+          <a:bodyPr wrap="square">
+            <a:spAutoFit/>
+          </a:bodyPr>
+          <a:lstStyle/>
+          <a:p>
+            <a:pPr marL="285750" indent="-285750">
+              <a:spcBef>
+                <a:spcPts val="1200"/>
+              </a:spcBef>
+              <a:buFontTx/>
+              <a:buChar char="-"/>
+            </a:pPr>
+            <a:r>
+              <a:rPr lang="en-US" dirty="0"/>
+              <a:t>The various training models for the Stanford Named Entity Tagger are given as follows:</a:t>
+            </a:r>
+          </a:p>
+          <a:p>
+            <a:pPr lvl="0"/>
+            <a:r>
+              <a:rPr lang="en-US" dirty="0"/>
+              <a:t>	3 class: </a:t>
+            </a:r>
+            <a:r>
+              <a:rPr lang="en-US" i="1" dirty="0"/>
+              <a:t>LOCATION</a:t>
+            </a:r>
+            <a:r>
+              <a:rPr lang="en-US" dirty="0"/>
+              <a:t>, </a:t>
+            </a:r>
+            <a:r>
+              <a:rPr lang="en-US" i="1" dirty="0"/>
+              <a:t>PERSON</a:t>
+            </a:r>
+            <a:r>
+              <a:rPr lang="en-US" dirty="0"/>
+              <a:t>, </a:t>
+            </a:r>
+            <a:r>
+              <a:rPr lang="en-US" i="1" dirty="0"/>
+              <a:t>ORGANIZATION</a:t>
+            </a:r>
+            <a:endParaRPr lang="en-US" dirty="0"/>
+          </a:p>
+          <a:p>
+            <a:pPr lvl="0"/>
+            <a:r>
+              <a:rPr lang="en-US" dirty="0"/>
+              <a:t>	4 class: </a:t>
+            </a:r>
+            <a:r>
+              <a:rPr lang="en-US" i="1" dirty="0"/>
+              <a:t>LOCATION</a:t>
+            </a:r>
+            <a:r>
+              <a:rPr lang="en-US" dirty="0"/>
+              <a:t>, </a:t>
+            </a:r>
+            <a:r>
+              <a:rPr lang="en-US" i="1" dirty="0"/>
+              <a:t>PERSON</a:t>
+            </a:r>
+            <a:r>
+              <a:rPr lang="en-US" dirty="0"/>
+              <a:t>, </a:t>
+            </a:r>
+            <a:r>
+              <a:rPr lang="en-US" i="1" dirty="0"/>
+              <a:t>ORGANIZATION, 	MISC</a:t>
+            </a:r>
+            <a:endParaRPr lang="en-US" dirty="0"/>
+          </a:p>
+          <a:p>
+            <a:r>
+              <a:rPr lang="en-US" dirty="0"/>
+              <a:t>	7 class: </a:t>
+            </a:r>
+            <a:r>
+              <a:rPr lang="en-US" i="1" dirty="0"/>
+              <a:t>LOCATION</a:t>
+            </a:r>
+            <a:r>
+              <a:rPr lang="en-US" dirty="0"/>
+              <a:t>, </a:t>
+            </a:r>
+            <a:r>
+              <a:rPr lang="en-US" i="1" dirty="0"/>
+              <a:t>PERSON</a:t>
+            </a:r>
+            <a:r>
+              <a:rPr lang="en-US" dirty="0"/>
+              <a:t>, </a:t>
+            </a:r>
+            <a:r>
+              <a:rPr lang="en-US" i="1" dirty="0"/>
+              <a:t>ORGANIZATION, 	MONEY, PERCENT, DATE, TIME</a:t>
+            </a:r>
+            <a:endParaRPr lang="en-US" dirty="0"/>
+          </a:p>
+        </p:txBody>
+      </p:sp>
+    </p:spTree>
+    <p:extLst>
+      <p:ext uri="{BB962C8B-B14F-4D97-AF65-F5344CB8AC3E}">
+        <p14:creationId xmlns:p14="http://schemas.microsoft.com/office/powerpoint/2010/main" val="3840887553"/>
+      </p:ext>
+    </p:extLst>
+  </p:cSld>
+  <p:clrMapOvr>
+    <a:masterClrMapping/>
+  </p:clrMapOvr>
+</p:sld>
+</file>
+
 <file path=ppt/slides/slide3.xml><?xml version="1.0" encoding="utf-8"?>
 <p:sld xmlns:a="http://schemas.openxmlformats.org/drawingml/2006/main" xmlns:r="http://schemas.openxmlformats.org/officeDocument/2006/relationships" xmlns:p="http://schemas.openxmlformats.org/presentationml/2006/main">
   <p:cSld>
@@ -4472,8 +6364,8 @@
         </p:nvSpPr>
         <p:spPr>
           <a:xfrm>
-            <a:off x="3909391" y="3429000"/>
-            <a:ext cx="4373217" cy="461665"/>
+            <a:off x="4883425" y="3436777"/>
+            <a:ext cx="2186609" cy="461665"/>
           </a:xfrm>
           <a:prstGeom prst="rect">
             <a:avLst/>
@@ -4488,7 +6380,7 @@
           <a:p>
             <a:r>
               <a:rPr lang="en-US" sz="2400" dirty="0"/>
-              <a:t>Why Answer Set Programming?</a:t>
+              <a:t>Why this topic?</a:t>
             </a:r>
           </a:p>
         </p:txBody>
@@ -5282,7 +7174,7 @@
           <a:lstStyle/>
           <a:p>
             <a:r>
-              <a:rPr lang="en-US" i="1" dirty="0"/>
+              <a:rPr lang="en-US" b="1" i="1" dirty="0"/>
               <a:t>Text Preprocessing Module</a:t>
             </a:r>
           </a:p>
@@ -5347,7 +7239,7 @@
           <a:lstStyle/>
           <a:p>
             <a:r>
-              <a:rPr lang="en-US" i="1" dirty="0"/>
+              <a:rPr lang="en-US" b="1" i="1" dirty="0"/>
               <a:t>Stanford Core NLP Tools</a:t>
             </a:r>
           </a:p>
@@ -5412,7 +7304,7 @@
           <a:lstStyle/>
           <a:p>
             <a:r>
-              <a:rPr lang="en-US" i="1" dirty="0"/>
+              <a:rPr lang="en-US" b="1" i="1" dirty="0"/>
               <a:t>WordNet API</a:t>
             </a:r>
           </a:p>
@@ -5630,7 +7522,7 @@
           <a:lstStyle/>
           <a:p>
             <a:r>
-              <a:rPr lang="en-US" i="1" dirty="0"/>
+              <a:rPr lang="en-US" b="1" i="1" dirty="0"/>
               <a:t>Knowledge Extraction from text</a:t>
             </a:r>
           </a:p>
@@ -5695,7 +7587,7 @@
           <a:lstStyle/>
           <a:p>
             <a:r>
-              <a:rPr lang="en-US" i="1" dirty="0"/>
+              <a:rPr lang="en-US" b="1" i="1" dirty="0"/>
               <a:t>WordNet Ontology Generator</a:t>
             </a:r>
           </a:p>
@@ -5760,7 +7652,7 @@
           <a:lstStyle/>
           <a:p>
             <a:r>
-              <a:rPr lang="en-US" i="1" dirty="0"/>
+              <a:rPr lang="en-US" b="1" i="1" dirty="0"/>
               <a:t>Default Knowledge Base</a:t>
             </a:r>
           </a:p>
@@ -5996,7 +7888,7 @@
           <a:lstStyle/>
           <a:p>
             <a:r>
-              <a:rPr lang="en-US" i="1" dirty="0"/>
+              <a:rPr lang="en-US" b="1" i="1" dirty="0"/>
               <a:t>Question Understanding</a:t>
             </a:r>
           </a:p>
@@ -6061,7 +7953,7 @@
           <a:lstStyle/>
           <a:p>
             <a:r>
-              <a:rPr lang="en-US" i="1" dirty="0"/>
+              <a:rPr lang="en-US" b="1" i="1" dirty="0"/>
               <a:t>Query Generation</a:t>
             </a:r>
           </a:p>

--- a/Notes/ThesisPresentation.pptx
+++ b/Notes/ThesisPresentation.pptx
@@ -3864,14 +3864,18 @@
             <a:pPr algn="just"/>
             <a:r>
               <a:rPr lang="en-US" sz="2400" i="1" dirty="0"/>
-              <a:t>Q. When did Tesla die?</a:t>
+              <a:t>Q1. When did Tesla die?</a:t>
             </a:r>
           </a:p>
           <a:p>
             <a:pPr algn="just"/>
             <a:r>
+              <a:rPr lang="en-US" sz="2400" i="1"/>
+              <a:t>Q2. </a:t>
+            </a:r>
+            <a:r>
               <a:rPr lang="en-US" sz="2400" i="1" dirty="0"/>
-              <a:t>Q. Who was Nikola Tesla?</a:t>
+              <a:t>Who was Nikola Tesla?</a:t>
             </a:r>
           </a:p>
         </p:txBody>

--- a/Notes/ThesisPresentation.pptx
+++ b/Notes/ThesisPresentation.pptx
@@ -16,16 +16,20 @@
     <p:sldId id="263" r:id="rId10"/>
     <p:sldId id="267" r:id="rId11"/>
     <p:sldId id="264" r:id="rId12"/>
-    <p:sldId id="268" r:id="rId13"/>
-    <p:sldId id="273" r:id="rId14"/>
-    <p:sldId id="274" r:id="rId15"/>
-    <p:sldId id="275" r:id="rId16"/>
-    <p:sldId id="276" r:id="rId17"/>
-    <p:sldId id="277" r:id="rId18"/>
-    <p:sldId id="269" r:id="rId19"/>
-    <p:sldId id="270" r:id="rId20"/>
-    <p:sldId id="271" r:id="rId21"/>
-    <p:sldId id="272" r:id="rId22"/>
+    <p:sldId id="279" r:id="rId13"/>
+    <p:sldId id="278" r:id="rId14"/>
+    <p:sldId id="280" r:id="rId15"/>
+    <p:sldId id="281" r:id="rId16"/>
+    <p:sldId id="282" r:id="rId17"/>
+    <p:sldId id="273" r:id="rId18"/>
+    <p:sldId id="274" r:id="rId19"/>
+    <p:sldId id="275" r:id="rId20"/>
+    <p:sldId id="276" r:id="rId21"/>
+    <p:sldId id="277" r:id="rId22"/>
+    <p:sldId id="269" r:id="rId23"/>
+    <p:sldId id="270" r:id="rId24"/>
+    <p:sldId id="271" r:id="rId25"/>
+    <p:sldId id="272" r:id="rId26"/>
   </p:sldIdLst>
   <p:sldSz cx="12192000" cy="6858000"/>
   <p:notesSz cx="6858000" cy="9144000"/>
@@ -3763,8 +3767,8 @@
         </p:nvSpPr>
         <p:spPr>
           <a:xfrm>
-            <a:off x="934484" y="942921"/>
-            <a:ext cx="10323031" cy="923330"/>
+            <a:off x="4986230" y="2519929"/>
+            <a:ext cx="2219535" cy="923330"/>
           </a:xfrm>
           <a:prstGeom prst="rect">
             <a:avLst/>
@@ -3801,7 +3805,7 @@
         </p:nvCxnSpPr>
         <p:spPr>
           <a:xfrm>
-            <a:off x="3670854" y="1851992"/>
+            <a:off x="3670852" y="3429000"/>
             <a:ext cx="4611756" cy="0"/>
           </a:xfrm>
           <a:prstGeom prst="line">
@@ -3823,115 +3827,10 @@
           </a:fontRef>
         </p:style>
       </p:cxnSp>
-      <p:sp>
-        <p:nvSpPr>
-          <p:cNvPr id="5" name="Rectangle 4">
-            <a:extLst>
-              <a:ext uri="{FF2B5EF4-FFF2-40B4-BE49-F238E27FC236}">
-                <a16:creationId xmlns:a16="http://schemas.microsoft.com/office/drawing/2014/main" id="{4FDB0B06-F270-4F00-8383-EB0ABF97EF01}"/>
-              </a:ext>
-            </a:extLst>
-          </p:cNvPr>
-          <p:cNvSpPr/>
-          <p:nvPr/>
-        </p:nvSpPr>
-        <p:spPr>
-          <a:xfrm>
-            <a:off x="1417984" y="2935718"/>
-            <a:ext cx="9356035" cy="2677656"/>
-          </a:xfrm>
-          <a:prstGeom prst="rect">
-            <a:avLst/>
-          </a:prstGeom>
-        </p:spPr>
-        <p:txBody>
-          <a:bodyPr wrap="square">
-            <a:spAutoFit/>
-          </a:bodyPr>
-          <a:lstStyle/>
-          <a:p>
-            <a:pPr algn="just"/>
-            <a:r>
-              <a:rPr lang="en-US" sz="2400" i="1" dirty="0"/>
-              <a:t>“Nikola Tesla (10 July 1856 – 7 January 1943) was a Serbian American inventor, electrical engineer, mechanical engineer, physicist, and futurist best known for Nikola Tesla's contributions to the design of the modern alternating current (AC) electricity supply system.”</a:t>
-            </a:r>
-          </a:p>
-          <a:p>
-            <a:pPr algn="just"/>
-            <a:endParaRPr lang="en-US" sz="2400" i="1" dirty="0"/>
-          </a:p>
-          <a:p>
-            <a:pPr algn="just"/>
-            <a:r>
-              <a:rPr lang="en-US" sz="2400" i="1" dirty="0"/>
-              <a:t>Q1. When did Tesla die?</a:t>
-            </a:r>
-          </a:p>
-          <a:p>
-            <a:pPr algn="just"/>
-            <a:r>
-              <a:rPr lang="en-US" sz="2400" i="1"/>
-              <a:t>Q2. </a:t>
-            </a:r>
-            <a:r>
-              <a:rPr lang="en-US" sz="2400" i="1" dirty="0"/>
-              <a:t>Who was Nikola Tesla?</a:t>
-            </a:r>
-          </a:p>
-        </p:txBody>
-      </p:sp>
-      <p:sp>
-        <p:nvSpPr>
-          <p:cNvPr id="6" name="TextBox 5">
-            <a:extLst>
-              <a:ext uri="{FF2B5EF4-FFF2-40B4-BE49-F238E27FC236}">
-                <a16:creationId xmlns:a16="http://schemas.microsoft.com/office/drawing/2014/main" id="{3C52C7AE-85A3-4CC4-B484-097E1CCDB923}"/>
-              </a:ext>
-            </a:extLst>
-          </p:cNvPr>
-          <p:cNvSpPr txBox="1"/>
-          <p:nvPr/>
-        </p:nvSpPr>
-        <p:spPr>
-          <a:xfrm>
-            <a:off x="4905374" y="2237844"/>
-            <a:ext cx="2381250" cy="523220"/>
-          </a:xfrm>
-          <a:prstGeom prst="rect">
-            <a:avLst/>
-          </a:prstGeom>
-          <a:noFill/>
-        </p:spPr>
-        <p:txBody>
-          <a:bodyPr wrap="square" rtlCol="0">
-            <a:spAutoFit/>
-          </a:bodyPr>
-          <a:lstStyle/>
-          <a:p>
-            <a:pPr algn="ctr"/>
-            <a:r>
-              <a:rPr lang="en-US" sz="2800" i="1" dirty="0">
-                <a:ln w="0"/>
-                <a:effectLst>
-                  <a:outerShdw blurRad="38100" dist="19050" dir="2700000" algn="tl" rotWithShape="0">
-                    <a:schemeClr val="dk1">
-                      <a:alpha val="40000"/>
-                    </a:schemeClr>
-                  </a:outerShdw>
-                </a:effectLst>
-              </a:rPr>
-              <a:t>Sample Article</a:t>
-            </a:r>
-            <a:endParaRPr lang="en-US" sz="3600" i="1" dirty="0">
-              <a:ln w="0"/>
-            </a:endParaRPr>
-          </a:p>
-        </p:txBody>
-      </p:sp>
     </p:spTree>
     <p:extLst>
       <p:ext uri="{BB962C8B-B14F-4D97-AF65-F5344CB8AC3E}">
-        <p14:creationId xmlns:p14="http://schemas.microsoft.com/office/powerpoint/2010/main" val="1490678889"/>
+        <p14:creationId xmlns:p14="http://schemas.microsoft.com/office/powerpoint/2010/main" val="1847303106"/>
       </p:ext>
     </p:extLst>
   </p:cSld>
@@ -3942,6 +3841,877 @@
 </file>
 
 <file path=ppt/slides/slide13.xml><?xml version="1.0" encoding="utf-8"?>
+<p:sld xmlns:a="http://schemas.openxmlformats.org/drawingml/2006/main" xmlns:r="http://schemas.openxmlformats.org/officeDocument/2006/relationships" xmlns:p="http://schemas.openxmlformats.org/presentationml/2006/main">
+  <p:cSld>
+    <p:spTree>
+      <p:nvGrpSpPr>
+        <p:cNvPr id="1" name=""/>
+        <p:cNvGrpSpPr/>
+        <p:nvPr/>
+      </p:nvGrpSpPr>
+      <p:grpSpPr>
+        <a:xfrm>
+          <a:off x="0" y="0"/>
+          <a:ext cx="0" cy="0"/>
+          <a:chOff x="0" y="0"/>
+          <a:chExt cx="0" cy="0"/>
+        </a:xfrm>
+      </p:grpSpPr>
+      <p:sp>
+        <p:nvSpPr>
+          <p:cNvPr id="5" name="Rectangle 4">
+            <a:extLst>
+              <a:ext uri="{FF2B5EF4-FFF2-40B4-BE49-F238E27FC236}">
+                <a16:creationId xmlns:a16="http://schemas.microsoft.com/office/drawing/2014/main" id="{4FDB0B06-F270-4F00-8383-EB0ABF97EF01}"/>
+              </a:ext>
+            </a:extLst>
+          </p:cNvPr>
+          <p:cNvSpPr/>
+          <p:nvPr/>
+        </p:nvSpPr>
+        <p:spPr>
+          <a:xfrm>
+            <a:off x="1417982" y="1616977"/>
+            <a:ext cx="9356035" cy="3046988"/>
+          </a:xfrm>
+          <a:prstGeom prst="rect">
+            <a:avLst/>
+          </a:prstGeom>
+        </p:spPr>
+        <p:txBody>
+          <a:bodyPr wrap="square">
+            <a:spAutoFit/>
+          </a:bodyPr>
+          <a:lstStyle/>
+          <a:p>
+            <a:pPr algn="just"/>
+            <a:r>
+              <a:rPr lang="en-US" sz="2400" i="1" dirty="0"/>
+              <a:t>“Nikola Tesla (</a:t>
+            </a:r>
+            <a:r>
+              <a:rPr lang="en-US" sz="2400" i="1" dirty="0">
+                <a:solidFill>
+                  <a:srgbClr val="FF0000"/>
+                </a:solidFill>
+              </a:rPr>
+              <a:t>10 July 1856 – 7 January 1943</a:t>
+            </a:r>
+            <a:r>
+              <a:rPr lang="en-US" sz="2400" i="1" dirty="0"/>
+              <a:t>) was a Serbian American </a:t>
+            </a:r>
+            <a:r>
+              <a:rPr lang="en-US" sz="2400" i="1" dirty="0">
+                <a:solidFill>
+                  <a:srgbClr val="FF0000"/>
+                </a:solidFill>
+              </a:rPr>
+              <a:t>inventor, electrical engineer, mechanical engineer, physicist, and futurist</a:t>
+            </a:r>
+            <a:r>
+              <a:rPr lang="en-US" sz="2400" i="1" dirty="0"/>
+              <a:t> best known for Nikola Tesla's contributions to the design of the modern alternating current (AC) electricity supply system.”</a:t>
+            </a:r>
+          </a:p>
+          <a:p>
+            <a:pPr algn="just"/>
+            <a:endParaRPr lang="en-US" sz="2400" i="1" dirty="0"/>
+          </a:p>
+          <a:p>
+            <a:pPr algn="just"/>
+            <a:r>
+              <a:rPr lang="en-US" sz="2400" i="1" dirty="0"/>
+              <a:t>Q1. When did Tesla die?</a:t>
+            </a:r>
+          </a:p>
+          <a:p>
+            <a:pPr algn="just"/>
+            <a:r>
+              <a:rPr lang="en-US" sz="2400" i="1" dirty="0"/>
+              <a:t>Q2. Who was Nikola Tesla?</a:t>
+            </a:r>
+          </a:p>
+          <a:p>
+            <a:pPr algn="just"/>
+            <a:r>
+              <a:rPr lang="en-US" sz="2400" i="1" dirty="0"/>
+              <a:t>Q3. When was Nikola Tesla born?</a:t>
+            </a:r>
+          </a:p>
+        </p:txBody>
+      </p:sp>
+      <p:sp>
+        <p:nvSpPr>
+          <p:cNvPr id="7" name="Rectangle 6">
+            <a:extLst>
+              <a:ext uri="{FF2B5EF4-FFF2-40B4-BE49-F238E27FC236}">
+                <a16:creationId xmlns:a16="http://schemas.microsoft.com/office/drawing/2014/main" id="{2B84BBFB-C1EC-478F-8E81-7685A0B691C6}"/>
+              </a:ext>
+            </a:extLst>
+          </p:cNvPr>
+          <p:cNvSpPr/>
+          <p:nvPr/>
+        </p:nvSpPr>
+        <p:spPr>
+          <a:xfrm>
+            <a:off x="0" y="0"/>
+            <a:ext cx="12192000" cy="1311965"/>
+          </a:xfrm>
+          <a:prstGeom prst="rect">
+            <a:avLst/>
+          </a:prstGeom>
+        </p:spPr>
+        <p:style>
+          <a:lnRef idx="2">
+            <a:schemeClr val="dk1">
+              <a:shade val="50000"/>
+            </a:schemeClr>
+          </a:lnRef>
+          <a:fillRef idx="1">
+            <a:schemeClr val="dk1"/>
+          </a:fillRef>
+          <a:effectRef idx="0">
+            <a:schemeClr val="dk1"/>
+          </a:effectRef>
+          <a:fontRef idx="minor">
+            <a:schemeClr val="lt1"/>
+          </a:fontRef>
+        </p:style>
+        <p:txBody>
+          <a:bodyPr rtlCol="0" anchor="ctr"/>
+          <a:lstStyle/>
+          <a:p>
+            <a:pPr algn="ctr"/>
+            <a:endParaRPr lang="en-US" dirty="0"/>
+          </a:p>
+        </p:txBody>
+      </p:sp>
+      <p:sp>
+        <p:nvSpPr>
+          <p:cNvPr id="9" name="TextBox 8">
+            <a:extLst>
+              <a:ext uri="{FF2B5EF4-FFF2-40B4-BE49-F238E27FC236}">
+                <a16:creationId xmlns:a16="http://schemas.microsoft.com/office/drawing/2014/main" id="{7F0CAA4B-E205-452A-A063-24223A8717CE}"/>
+              </a:ext>
+            </a:extLst>
+          </p:cNvPr>
+          <p:cNvSpPr txBox="1"/>
+          <p:nvPr/>
+        </p:nvSpPr>
+        <p:spPr>
+          <a:xfrm>
+            <a:off x="2329896" y="305012"/>
+            <a:ext cx="7039377" cy="646331"/>
+          </a:xfrm>
+          <a:prstGeom prst="rect">
+            <a:avLst/>
+          </a:prstGeom>
+          <a:noFill/>
+        </p:spPr>
+        <p:txBody>
+          <a:bodyPr wrap="square" rtlCol="0">
+            <a:spAutoFit/>
+          </a:bodyPr>
+          <a:lstStyle/>
+          <a:p>
+            <a:pPr algn="ctr"/>
+            <a:r>
+              <a:rPr lang="en-US" sz="3600" dirty="0">
+                <a:ln w="0"/>
+                <a:solidFill>
+                  <a:schemeClr val="bg1"/>
+                </a:solidFill>
+              </a:rPr>
+              <a:t>Nikola Tesla</a:t>
+            </a:r>
+          </a:p>
+        </p:txBody>
+      </p:sp>
+    </p:spTree>
+    <p:extLst>
+      <p:ext uri="{BB962C8B-B14F-4D97-AF65-F5344CB8AC3E}">
+        <p14:creationId xmlns:p14="http://schemas.microsoft.com/office/powerpoint/2010/main" val="1436290552"/>
+      </p:ext>
+    </p:extLst>
+  </p:cSld>
+  <p:clrMapOvr>
+    <a:masterClrMapping/>
+  </p:clrMapOvr>
+</p:sld>
+</file>
+
+<file path=ppt/slides/slide14.xml><?xml version="1.0" encoding="utf-8"?>
+<p:sld xmlns:a="http://schemas.openxmlformats.org/drawingml/2006/main" xmlns:r="http://schemas.openxmlformats.org/officeDocument/2006/relationships" xmlns:p="http://schemas.openxmlformats.org/presentationml/2006/main">
+  <p:cSld>
+    <p:spTree>
+      <p:nvGrpSpPr>
+        <p:cNvPr id="1" name=""/>
+        <p:cNvGrpSpPr/>
+        <p:nvPr/>
+      </p:nvGrpSpPr>
+      <p:grpSpPr>
+        <a:xfrm>
+          <a:off x="0" y="0"/>
+          <a:ext cx="0" cy="0"/>
+          <a:chOff x="0" y="0"/>
+          <a:chExt cx="0" cy="0"/>
+        </a:xfrm>
+      </p:grpSpPr>
+      <p:sp>
+        <p:nvSpPr>
+          <p:cNvPr id="5" name="Rectangle 4">
+            <a:extLst>
+              <a:ext uri="{FF2B5EF4-FFF2-40B4-BE49-F238E27FC236}">
+                <a16:creationId xmlns:a16="http://schemas.microsoft.com/office/drawing/2014/main" id="{4FDB0B06-F270-4F00-8383-EB0ABF97EF01}"/>
+              </a:ext>
+            </a:extLst>
+          </p:cNvPr>
+          <p:cNvSpPr/>
+          <p:nvPr/>
+        </p:nvSpPr>
+        <p:spPr>
+          <a:xfrm>
+            <a:off x="556589" y="1644781"/>
+            <a:ext cx="11078818" cy="2554545"/>
+          </a:xfrm>
+          <a:prstGeom prst="rect">
+            <a:avLst/>
+          </a:prstGeom>
+        </p:spPr>
+        <p:txBody>
+          <a:bodyPr wrap="square">
+            <a:spAutoFit/>
+          </a:bodyPr>
+          <a:lstStyle/>
+          <a:p>
+            <a:pPr algn="just"/>
+            <a:r>
+              <a:rPr lang="en-US" sz="2000" i="1" dirty="0"/>
+              <a:t>“Super Bowl 50 was an American football game. Super Bowl 50 was to determine the champion of the </a:t>
+            </a:r>
+            <a:r>
+              <a:rPr lang="en-US" sz="2000" i="1" dirty="0">
+                <a:solidFill>
+                  <a:srgbClr val="FF0000"/>
+                </a:solidFill>
+              </a:rPr>
+              <a:t>National Football League (NFL) </a:t>
+            </a:r>
+            <a:r>
+              <a:rPr lang="en-US" sz="2000" i="1" dirty="0"/>
+              <a:t>for the 2015 season. The </a:t>
+            </a:r>
+            <a:r>
+              <a:rPr lang="en-US" sz="2000" i="1" dirty="0">
+                <a:solidFill>
+                  <a:srgbClr val="FF0000"/>
+                </a:solidFill>
+              </a:rPr>
+              <a:t>American Football Conference's (AFC) team, Denver Broncos</a:t>
+            </a:r>
+            <a:r>
+              <a:rPr lang="en-US" sz="2000" i="1" dirty="0"/>
+              <a:t>, defeated the National Football Conference's (NFC) team, Carolina Panthers, by 24 10 to </a:t>
+            </a:r>
+            <a:r>
+              <a:rPr lang="en-US" sz="2000" i="1" dirty="0">
+                <a:solidFill>
+                  <a:srgbClr val="FF0000"/>
+                </a:solidFill>
+              </a:rPr>
+              <a:t>earn AFC third Super Bowl title</a:t>
+            </a:r>
+            <a:r>
+              <a:rPr lang="en-US" sz="2000" i="1" dirty="0"/>
+              <a:t>. As Super Bowl 50 was the 50th Super Bowl, the league emphasized the 'golden anniversary' with various gold themed initiatives, as well as temporarily suspending the tradition of naming each Super Bowl with roman numerals, under the tradition the game would have been known as Super Bowl L, so that the logo could prominently feature the Arabic numerals 50. The game was played on </a:t>
+            </a:r>
+            <a:r>
+              <a:rPr lang="en-US" sz="2000" i="1" dirty="0">
+                <a:solidFill>
+                  <a:srgbClr val="FF0000"/>
+                </a:solidFill>
+              </a:rPr>
+              <a:t>February 7 2016</a:t>
+            </a:r>
+            <a:r>
+              <a:rPr lang="en-US" sz="2000" i="1" dirty="0"/>
+              <a:t>, at </a:t>
+            </a:r>
+            <a:r>
+              <a:rPr lang="en-US" sz="2000" i="1" dirty="0">
+                <a:solidFill>
+                  <a:srgbClr val="FF0000"/>
+                </a:solidFill>
+              </a:rPr>
+              <a:t>Levis Stadium</a:t>
+            </a:r>
+            <a:r>
+              <a:rPr lang="en-US" sz="2000" i="1" dirty="0"/>
+              <a:t>, in the </a:t>
+            </a:r>
+            <a:r>
+              <a:rPr lang="en-US" sz="2000" i="1" dirty="0">
+                <a:solidFill>
+                  <a:srgbClr val="FF0000"/>
+                </a:solidFill>
+              </a:rPr>
+              <a:t>San Francisco Bay Area</a:t>
+            </a:r>
+            <a:r>
+              <a:rPr lang="en-US" sz="2000" i="1" dirty="0"/>
+              <a:t>, at </a:t>
+            </a:r>
+            <a:r>
+              <a:rPr lang="en-US" sz="2000" i="1" dirty="0">
+                <a:solidFill>
+                  <a:srgbClr val="FF0000"/>
+                </a:solidFill>
+              </a:rPr>
+              <a:t>Santa Clara </a:t>
+            </a:r>
+            <a:r>
+              <a:rPr lang="en-US" sz="2000" i="1" dirty="0"/>
+              <a:t>in California.”</a:t>
+            </a:r>
+          </a:p>
+        </p:txBody>
+      </p:sp>
+      <p:sp>
+        <p:nvSpPr>
+          <p:cNvPr id="7" name="Rectangle 6">
+            <a:extLst>
+              <a:ext uri="{FF2B5EF4-FFF2-40B4-BE49-F238E27FC236}">
+                <a16:creationId xmlns:a16="http://schemas.microsoft.com/office/drawing/2014/main" id="{2B84BBFB-C1EC-478F-8E81-7685A0B691C6}"/>
+              </a:ext>
+            </a:extLst>
+          </p:cNvPr>
+          <p:cNvSpPr/>
+          <p:nvPr/>
+        </p:nvSpPr>
+        <p:spPr>
+          <a:xfrm>
+            <a:off x="0" y="0"/>
+            <a:ext cx="12192000" cy="1311965"/>
+          </a:xfrm>
+          <a:prstGeom prst="rect">
+            <a:avLst/>
+          </a:prstGeom>
+        </p:spPr>
+        <p:style>
+          <a:lnRef idx="2">
+            <a:schemeClr val="dk1">
+              <a:shade val="50000"/>
+            </a:schemeClr>
+          </a:lnRef>
+          <a:fillRef idx="1">
+            <a:schemeClr val="dk1"/>
+          </a:fillRef>
+          <a:effectRef idx="0">
+            <a:schemeClr val="dk1"/>
+          </a:effectRef>
+          <a:fontRef idx="minor">
+            <a:schemeClr val="lt1"/>
+          </a:fontRef>
+        </p:style>
+        <p:txBody>
+          <a:bodyPr rtlCol="0" anchor="ctr"/>
+          <a:lstStyle/>
+          <a:p>
+            <a:pPr algn="ctr"/>
+            <a:endParaRPr lang="en-US" dirty="0"/>
+          </a:p>
+        </p:txBody>
+      </p:sp>
+      <p:sp>
+        <p:nvSpPr>
+          <p:cNvPr id="9" name="TextBox 8">
+            <a:extLst>
+              <a:ext uri="{FF2B5EF4-FFF2-40B4-BE49-F238E27FC236}">
+                <a16:creationId xmlns:a16="http://schemas.microsoft.com/office/drawing/2014/main" id="{7F0CAA4B-E205-452A-A063-24223A8717CE}"/>
+              </a:ext>
+            </a:extLst>
+          </p:cNvPr>
+          <p:cNvSpPr txBox="1"/>
+          <p:nvPr/>
+        </p:nvSpPr>
+        <p:spPr>
+          <a:xfrm>
+            <a:off x="4537625" y="332816"/>
+            <a:ext cx="3116747" cy="646331"/>
+          </a:xfrm>
+          <a:prstGeom prst="rect">
+            <a:avLst/>
+          </a:prstGeom>
+          <a:noFill/>
+        </p:spPr>
+        <p:txBody>
+          <a:bodyPr wrap="square" rtlCol="0">
+            <a:spAutoFit/>
+          </a:bodyPr>
+          <a:lstStyle/>
+          <a:p>
+            <a:pPr algn="ctr"/>
+            <a:r>
+              <a:rPr lang="en-US" sz="3600" dirty="0">
+                <a:ln w="0"/>
+                <a:solidFill>
+                  <a:schemeClr val="bg1"/>
+                </a:solidFill>
+              </a:rPr>
+              <a:t>Super Bowl 50</a:t>
+            </a:r>
+          </a:p>
+        </p:txBody>
+      </p:sp>
+      <p:sp>
+        <p:nvSpPr>
+          <p:cNvPr id="2" name="Rectangle 1">
+            <a:extLst>
+              <a:ext uri="{FF2B5EF4-FFF2-40B4-BE49-F238E27FC236}">
+                <a16:creationId xmlns:a16="http://schemas.microsoft.com/office/drawing/2014/main" id="{8BEE3AE4-A5F7-45B2-9701-803F7279D7C5}"/>
+              </a:ext>
+            </a:extLst>
+          </p:cNvPr>
+          <p:cNvSpPr/>
+          <p:nvPr/>
+        </p:nvSpPr>
+        <p:spPr>
+          <a:xfrm>
+            <a:off x="556589" y="4346858"/>
+            <a:ext cx="6096000" cy="1477328"/>
+          </a:xfrm>
+          <a:prstGeom prst="rect">
+            <a:avLst/>
+          </a:prstGeom>
+        </p:spPr>
+        <p:txBody>
+          <a:bodyPr>
+            <a:spAutoFit/>
+          </a:bodyPr>
+          <a:lstStyle/>
+          <a:p>
+            <a:r>
+              <a:rPr lang="en-US" dirty="0"/>
+              <a:t>Q1. Which NFL team represented the AFC at Super Bowl 50?</a:t>
+            </a:r>
+          </a:p>
+          <a:p>
+            <a:r>
+              <a:rPr lang="en-US" dirty="0"/>
+              <a:t>Q3. Where was Super Bowl 50 played?</a:t>
+            </a:r>
+          </a:p>
+          <a:p>
+            <a:r>
+              <a:rPr lang="en-US" dirty="0"/>
+              <a:t>Q4. What day was the game played on?</a:t>
+            </a:r>
+          </a:p>
+          <a:p>
+            <a:r>
+              <a:rPr lang="en-US" dirty="0"/>
+              <a:t>Q5. What is the NFL short for?</a:t>
+            </a:r>
+          </a:p>
+          <a:p>
+            <a:r>
+              <a:rPr lang="en-US" dirty="0"/>
+              <a:t>Q6. Who won Super Bowl 50?</a:t>
+            </a:r>
+          </a:p>
+        </p:txBody>
+      </p:sp>
+    </p:spTree>
+    <p:extLst>
+      <p:ext uri="{BB962C8B-B14F-4D97-AF65-F5344CB8AC3E}">
+        <p14:creationId xmlns:p14="http://schemas.microsoft.com/office/powerpoint/2010/main" val="739427864"/>
+      </p:ext>
+    </p:extLst>
+  </p:cSld>
+  <p:clrMapOvr>
+    <a:masterClrMapping/>
+  </p:clrMapOvr>
+</p:sld>
+</file>
+
+<file path=ppt/slides/slide15.xml><?xml version="1.0" encoding="utf-8"?>
+<p:sld xmlns:a="http://schemas.openxmlformats.org/drawingml/2006/main" xmlns:r="http://schemas.openxmlformats.org/officeDocument/2006/relationships" xmlns:p="http://schemas.openxmlformats.org/presentationml/2006/main">
+  <p:cSld>
+    <p:spTree>
+      <p:nvGrpSpPr>
+        <p:cNvPr id="1" name=""/>
+        <p:cNvGrpSpPr/>
+        <p:nvPr/>
+      </p:nvGrpSpPr>
+      <p:grpSpPr>
+        <a:xfrm>
+          <a:off x="0" y="0"/>
+          <a:ext cx="0" cy="0"/>
+          <a:chOff x="0" y="0"/>
+          <a:chExt cx="0" cy="0"/>
+        </a:xfrm>
+      </p:grpSpPr>
+      <p:sp>
+        <p:nvSpPr>
+          <p:cNvPr id="5" name="Rectangle 4">
+            <a:extLst>
+              <a:ext uri="{FF2B5EF4-FFF2-40B4-BE49-F238E27FC236}">
+                <a16:creationId xmlns:a16="http://schemas.microsoft.com/office/drawing/2014/main" id="{4FDB0B06-F270-4F00-8383-EB0ABF97EF01}"/>
+              </a:ext>
+            </a:extLst>
+          </p:cNvPr>
+          <p:cNvSpPr/>
+          <p:nvPr/>
+        </p:nvSpPr>
+        <p:spPr>
+          <a:xfrm>
+            <a:off x="284920" y="1644781"/>
+            <a:ext cx="11622157" cy="2246769"/>
+          </a:xfrm>
+          <a:prstGeom prst="rect">
+            <a:avLst/>
+          </a:prstGeom>
+        </p:spPr>
+        <p:txBody>
+          <a:bodyPr wrap="square">
+            <a:spAutoFit/>
+          </a:bodyPr>
+          <a:lstStyle/>
+          <a:p>
+            <a:pPr algn="just"/>
+            <a:r>
+              <a:rPr lang="en-US" sz="2000" i="1" dirty="0"/>
+              <a:t>“The immune system is a system of many biological structures and processes within an organism that protects against disease. To function properly, an immune system must detect a wide variety of agents, known as pathogens, from viruses to parasitic worms, and distinguish them from the organism's own healthy tissue. In many species, the immune system can be classified into subsystems, such as the innate immune system versus the adaptive immune system, or humoral immunity versus cell-mediated immunity. In humans, the blood–brain barrier, blood–cerebrospinal fluid barrier, and similar fluid–brain barriers separate the peripheral immune system from the neuroimmune system which protects the brain.”</a:t>
+            </a:r>
+          </a:p>
+        </p:txBody>
+      </p:sp>
+      <p:sp>
+        <p:nvSpPr>
+          <p:cNvPr id="7" name="Rectangle 6">
+            <a:extLst>
+              <a:ext uri="{FF2B5EF4-FFF2-40B4-BE49-F238E27FC236}">
+                <a16:creationId xmlns:a16="http://schemas.microsoft.com/office/drawing/2014/main" id="{2B84BBFB-C1EC-478F-8E81-7685A0B691C6}"/>
+              </a:ext>
+            </a:extLst>
+          </p:cNvPr>
+          <p:cNvSpPr/>
+          <p:nvPr/>
+        </p:nvSpPr>
+        <p:spPr>
+          <a:xfrm>
+            <a:off x="0" y="0"/>
+            <a:ext cx="12192000" cy="1311965"/>
+          </a:xfrm>
+          <a:prstGeom prst="rect">
+            <a:avLst/>
+          </a:prstGeom>
+        </p:spPr>
+        <p:style>
+          <a:lnRef idx="2">
+            <a:schemeClr val="dk1">
+              <a:shade val="50000"/>
+            </a:schemeClr>
+          </a:lnRef>
+          <a:fillRef idx="1">
+            <a:schemeClr val="dk1"/>
+          </a:fillRef>
+          <a:effectRef idx="0">
+            <a:schemeClr val="dk1"/>
+          </a:effectRef>
+          <a:fontRef idx="minor">
+            <a:schemeClr val="lt1"/>
+          </a:fontRef>
+        </p:style>
+        <p:txBody>
+          <a:bodyPr rtlCol="0" anchor="ctr"/>
+          <a:lstStyle/>
+          <a:p>
+            <a:pPr algn="ctr"/>
+            <a:endParaRPr lang="en-US" dirty="0"/>
+          </a:p>
+        </p:txBody>
+      </p:sp>
+      <p:sp>
+        <p:nvSpPr>
+          <p:cNvPr id="9" name="TextBox 8">
+            <a:extLst>
+              <a:ext uri="{FF2B5EF4-FFF2-40B4-BE49-F238E27FC236}">
+                <a16:creationId xmlns:a16="http://schemas.microsoft.com/office/drawing/2014/main" id="{7F0CAA4B-E205-452A-A063-24223A8717CE}"/>
+              </a:ext>
+            </a:extLst>
+          </p:cNvPr>
+          <p:cNvSpPr txBox="1"/>
+          <p:nvPr/>
+        </p:nvSpPr>
+        <p:spPr>
+          <a:xfrm>
+            <a:off x="4352095" y="332816"/>
+            <a:ext cx="3487808" cy="646331"/>
+          </a:xfrm>
+          <a:prstGeom prst="rect">
+            <a:avLst/>
+          </a:prstGeom>
+          <a:noFill/>
+        </p:spPr>
+        <p:txBody>
+          <a:bodyPr wrap="square" rtlCol="0">
+            <a:spAutoFit/>
+          </a:bodyPr>
+          <a:lstStyle/>
+          <a:p>
+            <a:pPr algn="ctr"/>
+            <a:r>
+              <a:rPr lang="en-US" sz="3600" dirty="0">
+                <a:ln w="0"/>
+                <a:solidFill>
+                  <a:schemeClr val="bg1"/>
+                </a:solidFill>
+              </a:rPr>
+              <a:t>Immune System</a:t>
+            </a:r>
+          </a:p>
+        </p:txBody>
+      </p:sp>
+    </p:spTree>
+    <p:extLst>
+      <p:ext uri="{BB962C8B-B14F-4D97-AF65-F5344CB8AC3E}">
+        <p14:creationId xmlns:p14="http://schemas.microsoft.com/office/powerpoint/2010/main" val="2202477381"/>
+      </p:ext>
+    </p:extLst>
+  </p:cSld>
+  <p:clrMapOvr>
+    <a:masterClrMapping/>
+  </p:clrMapOvr>
+</p:sld>
+</file>
+
+<file path=ppt/slides/slide16.xml><?xml version="1.0" encoding="utf-8"?>
+<p:sld xmlns:a="http://schemas.openxmlformats.org/drawingml/2006/main" xmlns:r="http://schemas.openxmlformats.org/officeDocument/2006/relationships" xmlns:p="http://schemas.openxmlformats.org/presentationml/2006/main">
+  <p:cSld>
+    <p:spTree>
+      <p:nvGrpSpPr>
+        <p:cNvPr id="1" name=""/>
+        <p:cNvGrpSpPr/>
+        <p:nvPr/>
+      </p:nvGrpSpPr>
+      <p:grpSpPr>
+        <a:xfrm>
+          <a:off x="0" y="0"/>
+          <a:ext cx="0" cy="0"/>
+          <a:chOff x="0" y="0"/>
+          <a:chExt cx="0" cy="0"/>
+        </a:xfrm>
+      </p:grpSpPr>
+      <p:sp>
+        <p:nvSpPr>
+          <p:cNvPr id="5" name="Rectangle 4">
+            <a:extLst>
+              <a:ext uri="{FF2B5EF4-FFF2-40B4-BE49-F238E27FC236}">
+                <a16:creationId xmlns:a16="http://schemas.microsoft.com/office/drawing/2014/main" id="{4FDB0B06-F270-4F00-8383-EB0ABF97EF01}"/>
+              </a:ext>
+            </a:extLst>
+          </p:cNvPr>
+          <p:cNvSpPr/>
+          <p:nvPr/>
+        </p:nvSpPr>
+        <p:spPr>
+          <a:xfrm>
+            <a:off x="46381" y="1644781"/>
+            <a:ext cx="12099235" cy="2862322"/>
+          </a:xfrm>
+          <a:prstGeom prst="rect">
+            <a:avLst/>
+          </a:prstGeom>
+        </p:spPr>
+        <p:txBody>
+          <a:bodyPr wrap="square">
+            <a:spAutoFit/>
+          </a:bodyPr>
+          <a:lstStyle/>
+          <a:p>
+            <a:pPr algn="just"/>
+            <a:r>
+              <a:rPr lang="en-US" sz="2000" i="1" dirty="0"/>
+              <a:t>“Ctenophora, commonly known as </a:t>
+            </a:r>
+            <a:r>
+              <a:rPr lang="en-US" sz="2000" i="1" dirty="0" err="1"/>
+              <a:t>comb_jellies</a:t>
+            </a:r>
+            <a:r>
+              <a:rPr lang="en-US" sz="2000" i="1" dirty="0"/>
+              <a:t>, is a phylum of animals that live in </a:t>
+            </a:r>
+            <a:r>
+              <a:rPr lang="en-US" sz="2000" i="1" dirty="0" err="1"/>
+              <a:t>marine_waters</a:t>
+            </a:r>
+            <a:r>
+              <a:rPr lang="en-US" sz="2000" i="1" dirty="0"/>
+              <a:t> worldwide. </a:t>
+            </a:r>
+            <a:r>
+              <a:rPr lang="en-US" sz="2000" i="1" dirty="0" err="1"/>
+              <a:t>Ctenophora's</a:t>
+            </a:r>
+            <a:r>
+              <a:rPr lang="en-US" sz="2000" i="1" dirty="0"/>
+              <a:t> most distinctive feature is the combs, groups of cilia, which the Ctenophora use for swimming. Ctenophora are the largest animals that swim by means of cilia. Adults of various species range from a few millimeters to 1.5 meters in size. Like cnidarians, </a:t>
+            </a:r>
+            <a:r>
+              <a:rPr lang="en-US" sz="2000" i="1" dirty="0" err="1"/>
+              <a:t>Ctenophora's</a:t>
+            </a:r>
+            <a:r>
+              <a:rPr lang="en-US" sz="2000" i="1" dirty="0"/>
+              <a:t> bodies consist of a </a:t>
+            </a:r>
+            <a:r>
+              <a:rPr lang="en-US" sz="2000" i="1" dirty="0" err="1"/>
+              <a:t>mass_of_jelly</a:t>
+            </a:r>
+            <a:r>
+              <a:rPr lang="en-US" sz="2000" i="1" dirty="0"/>
+              <a:t>, with one layer of cells on the outside and another lining the internal cavity. In ctenophores, the layers of </a:t>
+            </a:r>
+            <a:r>
+              <a:rPr lang="en-US" sz="2000" i="1" dirty="0" err="1"/>
+              <a:t>mass_of_jelly</a:t>
+            </a:r>
+            <a:r>
+              <a:rPr lang="en-US" sz="2000" i="1" dirty="0"/>
+              <a:t> are </a:t>
+            </a:r>
+            <a:r>
+              <a:rPr lang="en-US" sz="2000" i="1" dirty="0" err="1"/>
+              <a:t>two_cells_deep</a:t>
+            </a:r>
+            <a:r>
+              <a:rPr lang="en-US" sz="2000" i="1" dirty="0"/>
+              <a:t>, while the layers in cnidarians are only </a:t>
+            </a:r>
+            <a:r>
+              <a:rPr lang="en-US" sz="2000" i="1" dirty="0" err="1"/>
+              <a:t>one_cell_deep</a:t>
+            </a:r>
+            <a:r>
+              <a:rPr lang="en-US" sz="2000" i="1" dirty="0"/>
+              <a:t>. Some authors combined ctenophores and cnidarians in one phylum, </a:t>
+            </a:r>
+            <a:r>
+              <a:rPr lang="en-US" sz="2000" i="1" dirty="0" err="1"/>
+              <a:t>Coelenterata</a:t>
+            </a:r>
+            <a:r>
+              <a:rPr lang="en-US" sz="2000" i="1" dirty="0"/>
+              <a:t>, as both groups rely on water flow through the body cavity for both digestion and respiration. Increasing awareness of the differences persuaded more recent authors to classify ctenophores and cnidarians as separate phyla.”</a:t>
+            </a:r>
+          </a:p>
+        </p:txBody>
+      </p:sp>
+      <p:sp>
+        <p:nvSpPr>
+          <p:cNvPr id="7" name="Rectangle 6">
+            <a:extLst>
+              <a:ext uri="{FF2B5EF4-FFF2-40B4-BE49-F238E27FC236}">
+                <a16:creationId xmlns:a16="http://schemas.microsoft.com/office/drawing/2014/main" id="{2B84BBFB-C1EC-478F-8E81-7685A0B691C6}"/>
+              </a:ext>
+            </a:extLst>
+          </p:cNvPr>
+          <p:cNvSpPr/>
+          <p:nvPr/>
+        </p:nvSpPr>
+        <p:spPr>
+          <a:xfrm>
+            <a:off x="0" y="0"/>
+            <a:ext cx="12192000" cy="1311965"/>
+          </a:xfrm>
+          <a:prstGeom prst="rect">
+            <a:avLst/>
+          </a:prstGeom>
+        </p:spPr>
+        <p:style>
+          <a:lnRef idx="2">
+            <a:schemeClr val="dk1">
+              <a:shade val="50000"/>
+            </a:schemeClr>
+          </a:lnRef>
+          <a:fillRef idx="1">
+            <a:schemeClr val="dk1"/>
+          </a:fillRef>
+          <a:effectRef idx="0">
+            <a:schemeClr val="dk1"/>
+          </a:effectRef>
+          <a:fontRef idx="minor">
+            <a:schemeClr val="lt1"/>
+          </a:fontRef>
+        </p:style>
+        <p:txBody>
+          <a:bodyPr rtlCol="0" anchor="ctr"/>
+          <a:lstStyle/>
+          <a:p>
+            <a:pPr algn="ctr"/>
+            <a:endParaRPr lang="en-US" dirty="0"/>
+          </a:p>
+        </p:txBody>
+      </p:sp>
+      <p:sp>
+        <p:nvSpPr>
+          <p:cNvPr id="9" name="TextBox 8">
+            <a:extLst>
+              <a:ext uri="{FF2B5EF4-FFF2-40B4-BE49-F238E27FC236}">
+                <a16:creationId xmlns:a16="http://schemas.microsoft.com/office/drawing/2014/main" id="{7F0CAA4B-E205-452A-A063-24223A8717CE}"/>
+              </a:ext>
+            </a:extLst>
+          </p:cNvPr>
+          <p:cNvSpPr txBox="1"/>
+          <p:nvPr/>
+        </p:nvSpPr>
+        <p:spPr>
+          <a:xfrm>
+            <a:off x="4882182" y="332816"/>
+            <a:ext cx="2427634" cy="646331"/>
+          </a:xfrm>
+          <a:prstGeom prst="rect">
+            <a:avLst/>
+          </a:prstGeom>
+          <a:noFill/>
+        </p:spPr>
+        <p:txBody>
+          <a:bodyPr wrap="square" rtlCol="0">
+            <a:spAutoFit/>
+          </a:bodyPr>
+          <a:lstStyle/>
+          <a:p>
+            <a:pPr algn="ctr"/>
+            <a:r>
+              <a:rPr lang="en-US" sz="3600" dirty="0">
+                <a:ln w="0"/>
+                <a:solidFill>
+                  <a:schemeClr val="bg1"/>
+                </a:solidFill>
+              </a:rPr>
+              <a:t>Ctenophora</a:t>
+            </a:r>
+          </a:p>
+        </p:txBody>
+      </p:sp>
+    </p:spTree>
+    <p:extLst>
+      <p:ext uri="{BB962C8B-B14F-4D97-AF65-F5344CB8AC3E}">
+        <p14:creationId xmlns:p14="http://schemas.microsoft.com/office/powerpoint/2010/main" val="742643975"/>
+      </p:ext>
+    </p:extLst>
+  </p:cSld>
+  <p:clrMapOvr>
+    <a:masterClrMapping/>
+  </p:clrMapOvr>
+</p:sld>
+</file>
+
+<file path=ppt/slides/slide17.xml><?xml version="1.0" encoding="utf-8"?>
 <p:sld xmlns:a="http://schemas.openxmlformats.org/drawingml/2006/main" xmlns:r="http://schemas.openxmlformats.org/officeDocument/2006/relationships" xmlns:p="http://schemas.openxmlformats.org/presentationml/2006/main">
   <p:cSld>
     <p:spTree>
@@ -4080,608 +4850,6 @@
 </p:sld>
 </file>
 
-<file path=ppt/slides/slide14.xml><?xml version="1.0" encoding="utf-8"?>
-<p:sld xmlns:a="http://schemas.openxmlformats.org/drawingml/2006/main" xmlns:r="http://schemas.openxmlformats.org/officeDocument/2006/relationships" xmlns:p="http://schemas.openxmlformats.org/presentationml/2006/main">
-  <p:cSld>
-    <p:spTree>
-      <p:nvGrpSpPr>
-        <p:cNvPr id="1" name=""/>
-        <p:cNvGrpSpPr/>
-        <p:nvPr/>
-      </p:nvGrpSpPr>
-      <p:grpSpPr>
-        <a:xfrm>
-          <a:off x="0" y="0"/>
-          <a:ext cx="0" cy="0"/>
-          <a:chOff x="0" y="0"/>
-          <a:chExt cx="0" cy="0"/>
-        </a:xfrm>
-      </p:grpSpPr>
-      <p:sp>
-        <p:nvSpPr>
-          <p:cNvPr id="5" name="Rectangle 4">
-            <a:extLst>
-              <a:ext uri="{FF2B5EF4-FFF2-40B4-BE49-F238E27FC236}">
-                <a16:creationId xmlns:a16="http://schemas.microsoft.com/office/drawing/2014/main" id="{8C2198D3-9081-462D-89AA-2AE36F0B965E}"/>
-              </a:ext>
-            </a:extLst>
-          </p:cNvPr>
-          <p:cNvSpPr/>
-          <p:nvPr/>
-        </p:nvSpPr>
-        <p:spPr>
-          <a:xfrm>
-            <a:off x="0" y="0"/>
-            <a:ext cx="12192000" cy="1311965"/>
-          </a:xfrm>
-          <a:prstGeom prst="rect">
-            <a:avLst/>
-          </a:prstGeom>
-        </p:spPr>
-        <p:style>
-          <a:lnRef idx="2">
-            <a:schemeClr val="dk1">
-              <a:shade val="50000"/>
-            </a:schemeClr>
-          </a:lnRef>
-          <a:fillRef idx="1">
-            <a:schemeClr val="dk1"/>
-          </a:fillRef>
-          <a:effectRef idx="0">
-            <a:schemeClr val="dk1"/>
-          </a:effectRef>
-          <a:fontRef idx="minor">
-            <a:schemeClr val="lt1"/>
-          </a:fontRef>
-        </p:style>
-        <p:txBody>
-          <a:bodyPr rtlCol="0" anchor="ctr"/>
-          <a:lstStyle/>
-          <a:p>
-            <a:pPr algn="ctr"/>
-            <a:endParaRPr lang="en-US" dirty="0"/>
-          </a:p>
-        </p:txBody>
-      </p:sp>
-      <p:sp>
-        <p:nvSpPr>
-          <p:cNvPr id="3" name="TextBox 2">
-            <a:extLst>
-              <a:ext uri="{FF2B5EF4-FFF2-40B4-BE49-F238E27FC236}">
-                <a16:creationId xmlns:a16="http://schemas.microsoft.com/office/drawing/2014/main" id="{1980B4EC-4697-4B4F-87E9-C0E68B2BB033}"/>
-              </a:ext>
-            </a:extLst>
-          </p:cNvPr>
-          <p:cNvSpPr txBox="1"/>
-          <p:nvPr/>
-        </p:nvSpPr>
-        <p:spPr>
-          <a:xfrm>
-            <a:off x="3484081" y="332816"/>
-            <a:ext cx="5223837" cy="646331"/>
-          </a:xfrm>
-          <a:prstGeom prst="rect">
-            <a:avLst/>
-          </a:prstGeom>
-          <a:noFill/>
-        </p:spPr>
-        <p:txBody>
-          <a:bodyPr wrap="square" rtlCol="0">
-            <a:spAutoFit/>
-          </a:bodyPr>
-          <a:lstStyle/>
-          <a:p>
-            <a:r>
-              <a:rPr lang="en-US" sz="3600" dirty="0">
-                <a:solidFill>
-                  <a:schemeClr val="bg1"/>
-                </a:solidFill>
-              </a:rPr>
-              <a:t>Answer Set Programming</a:t>
-            </a:r>
-          </a:p>
-        </p:txBody>
-      </p:sp>
-      <p:sp>
-        <p:nvSpPr>
-          <p:cNvPr id="10" name="TextBox 9">
-            <a:extLst>
-              <a:ext uri="{FF2B5EF4-FFF2-40B4-BE49-F238E27FC236}">
-                <a16:creationId xmlns:a16="http://schemas.microsoft.com/office/drawing/2014/main" id="{70B5737A-B1B9-458B-BF3D-13FCDF18D397}"/>
-              </a:ext>
-            </a:extLst>
-          </p:cNvPr>
-          <p:cNvSpPr txBox="1"/>
-          <p:nvPr/>
-        </p:nvSpPr>
-        <p:spPr>
-          <a:xfrm>
-            <a:off x="549809" y="1644781"/>
-            <a:ext cx="11019339" cy="4770537"/>
-          </a:xfrm>
-          <a:prstGeom prst="rect">
-            <a:avLst/>
-          </a:prstGeom>
-          <a:noFill/>
-        </p:spPr>
-        <p:txBody>
-          <a:bodyPr wrap="square" rtlCol="0">
-            <a:spAutoFit/>
-          </a:bodyPr>
-          <a:lstStyle/>
-          <a:p>
-            <a:pPr marL="285750" indent="-285750">
-              <a:spcBef>
-                <a:spcPts val="1200"/>
-              </a:spcBef>
-              <a:buFontTx/>
-              <a:buChar char="-"/>
-            </a:pPr>
-            <a:r>
-              <a:rPr lang="en-US" sz="2400" dirty="0"/>
-              <a:t>Answer-Set Programming is a </a:t>
-            </a:r>
-            <a:r>
-              <a:rPr lang="en-US" sz="2400" dirty="0">
-                <a:solidFill>
-                  <a:srgbClr val="FF0000"/>
-                </a:solidFill>
-              </a:rPr>
-              <a:t>declarative problem-solving paradigm</a:t>
-            </a:r>
-            <a:r>
-              <a:rPr lang="en-US" sz="2400" dirty="0"/>
-              <a:t> that uses non-monotonic reasoning and logic programming.</a:t>
-            </a:r>
-          </a:p>
-          <a:p>
-            <a:pPr marL="285750" indent="-285750" algn="just">
-              <a:spcBef>
-                <a:spcPts val="1200"/>
-              </a:spcBef>
-              <a:buFontTx/>
-              <a:buChar char="-"/>
-            </a:pPr>
-            <a:r>
-              <a:rPr lang="en-US" sz="2400" dirty="0"/>
-              <a:t>It is used in tasks such as modeling reasoning agents, non-monotonic inferences, common sense reasoning, planning problems, constraint satisfaction problem and so on.</a:t>
-            </a:r>
-          </a:p>
-          <a:p>
-            <a:pPr marL="285750" indent="-285750" algn="just">
-              <a:spcBef>
-                <a:spcPts val="1200"/>
-              </a:spcBef>
-              <a:buFontTx/>
-              <a:buChar char="-"/>
-            </a:pPr>
-            <a:r>
-              <a:rPr lang="en-US" sz="2400" dirty="0"/>
-              <a:t>An answer set program is a </a:t>
-            </a:r>
-            <a:r>
-              <a:rPr lang="en-US" sz="2400" dirty="0">
-                <a:solidFill>
-                  <a:srgbClr val="FF0000"/>
-                </a:solidFill>
-              </a:rPr>
-              <a:t>collection of statements</a:t>
-            </a:r>
-            <a:r>
-              <a:rPr lang="en-US" sz="2400" dirty="0"/>
-              <a:t> that describe the objects of a domain and model relations between them.</a:t>
-            </a:r>
-          </a:p>
-          <a:p>
-            <a:pPr marL="285750" indent="-285750" algn="just">
-              <a:spcBef>
-                <a:spcPts val="1200"/>
-              </a:spcBef>
-              <a:buFontTx/>
-              <a:buChar char="-"/>
-            </a:pPr>
-            <a:r>
-              <a:rPr lang="en-US" sz="2400" dirty="0"/>
-              <a:t>The semantics of an ASP Program defines a set of possible beliefs that an agent has associated with the program called the </a:t>
-            </a:r>
-            <a:r>
-              <a:rPr lang="en-US" sz="2400" i="1" dirty="0">
-                <a:solidFill>
-                  <a:srgbClr val="FF0000"/>
-                </a:solidFill>
-              </a:rPr>
-              <a:t>answer set</a:t>
-            </a:r>
-            <a:r>
-              <a:rPr lang="en-US" sz="2400" dirty="0"/>
-              <a:t> of the program</a:t>
-            </a:r>
-          </a:p>
-          <a:p>
-            <a:pPr marL="285750" indent="-285750" algn="just">
-              <a:spcBef>
-                <a:spcPts val="1200"/>
-              </a:spcBef>
-              <a:buFontTx/>
-              <a:buChar char="-"/>
-            </a:pPr>
-            <a:r>
-              <a:rPr lang="en-US" sz="2400" dirty="0"/>
-              <a:t>The basic constituents of an ASP program are the </a:t>
-            </a:r>
-            <a:r>
-              <a:rPr lang="en-US" sz="2400" dirty="0">
-                <a:solidFill>
-                  <a:srgbClr val="FF0000"/>
-                </a:solidFill>
-              </a:rPr>
-              <a:t>rules, facts and constraints that describe the problem</a:t>
-            </a:r>
-            <a:r>
-              <a:rPr lang="en-US" sz="2400" dirty="0"/>
-              <a:t>.</a:t>
-            </a:r>
-          </a:p>
-        </p:txBody>
-      </p:sp>
-    </p:spTree>
-    <p:extLst>
-      <p:ext uri="{BB962C8B-B14F-4D97-AF65-F5344CB8AC3E}">
-        <p14:creationId xmlns:p14="http://schemas.microsoft.com/office/powerpoint/2010/main" val="3716860141"/>
-      </p:ext>
-    </p:extLst>
-  </p:cSld>
-  <p:clrMapOvr>
-    <a:masterClrMapping/>
-  </p:clrMapOvr>
-</p:sld>
-</file>
-
-<file path=ppt/slides/slide15.xml><?xml version="1.0" encoding="utf-8"?>
-<p:sld xmlns:a="http://schemas.openxmlformats.org/drawingml/2006/main" xmlns:r="http://schemas.openxmlformats.org/officeDocument/2006/relationships" xmlns:p="http://schemas.openxmlformats.org/presentationml/2006/main">
-  <p:cSld>
-    <p:spTree>
-      <p:nvGrpSpPr>
-        <p:cNvPr id="1" name=""/>
-        <p:cNvGrpSpPr/>
-        <p:nvPr/>
-      </p:nvGrpSpPr>
-      <p:grpSpPr>
-        <a:xfrm>
-          <a:off x="0" y="0"/>
-          <a:ext cx="0" cy="0"/>
-          <a:chOff x="0" y="0"/>
-          <a:chExt cx="0" cy="0"/>
-        </a:xfrm>
-      </p:grpSpPr>
-      <p:sp>
-        <p:nvSpPr>
-          <p:cNvPr id="5" name="Rectangle 4">
-            <a:extLst>
-              <a:ext uri="{FF2B5EF4-FFF2-40B4-BE49-F238E27FC236}">
-                <a16:creationId xmlns:a16="http://schemas.microsoft.com/office/drawing/2014/main" id="{8C2198D3-9081-462D-89AA-2AE36F0B965E}"/>
-              </a:ext>
-            </a:extLst>
-          </p:cNvPr>
-          <p:cNvSpPr/>
-          <p:nvPr/>
-        </p:nvSpPr>
-        <p:spPr>
-          <a:xfrm>
-            <a:off x="0" y="0"/>
-            <a:ext cx="12192000" cy="1311965"/>
-          </a:xfrm>
-          <a:prstGeom prst="rect">
-            <a:avLst/>
-          </a:prstGeom>
-        </p:spPr>
-        <p:style>
-          <a:lnRef idx="2">
-            <a:schemeClr val="dk1">
-              <a:shade val="50000"/>
-            </a:schemeClr>
-          </a:lnRef>
-          <a:fillRef idx="1">
-            <a:schemeClr val="dk1"/>
-          </a:fillRef>
-          <a:effectRef idx="0">
-            <a:schemeClr val="dk1"/>
-          </a:effectRef>
-          <a:fontRef idx="minor">
-            <a:schemeClr val="lt1"/>
-          </a:fontRef>
-        </p:style>
-        <p:txBody>
-          <a:bodyPr rtlCol="0" anchor="ctr"/>
-          <a:lstStyle/>
-          <a:p>
-            <a:pPr algn="ctr"/>
-            <a:endParaRPr lang="en-US" dirty="0"/>
-          </a:p>
-        </p:txBody>
-      </p:sp>
-      <p:sp>
-        <p:nvSpPr>
-          <p:cNvPr id="3" name="TextBox 2">
-            <a:extLst>
-              <a:ext uri="{FF2B5EF4-FFF2-40B4-BE49-F238E27FC236}">
-                <a16:creationId xmlns:a16="http://schemas.microsoft.com/office/drawing/2014/main" id="{1980B4EC-4697-4B4F-87E9-C0E68B2BB033}"/>
-              </a:ext>
-            </a:extLst>
-          </p:cNvPr>
-          <p:cNvSpPr txBox="1"/>
-          <p:nvPr/>
-        </p:nvSpPr>
-        <p:spPr>
-          <a:xfrm>
-            <a:off x="5346632" y="332816"/>
-            <a:ext cx="1498736" cy="646331"/>
-          </a:xfrm>
-          <a:prstGeom prst="rect">
-            <a:avLst/>
-          </a:prstGeom>
-          <a:noFill/>
-        </p:spPr>
-        <p:txBody>
-          <a:bodyPr wrap="square" rtlCol="0">
-            <a:spAutoFit/>
-          </a:bodyPr>
-          <a:lstStyle/>
-          <a:p>
-            <a:r>
-              <a:rPr lang="en-US" sz="3600" dirty="0">
-                <a:solidFill>
-                  <a:schemeClr val="bg1"/>
-                </a:solidFill>
-              </a:rPr>
-              <a:t>Syntax</a:t>
-            </a:r>
-          </a:p>
-        </p:txBody>
-      </p:sp>
-    </p:spTree>
-    <p:extLst>
-      <p:ext uri="{BB962C8B-B14F-4D97-AF65-F5344CB8AC3E}">
-        <p14:creationId xmlns:p14="http://schemas.microsoft.com/office/powerpoint/2010/main" val="1078965497"/>
-      </p:ext>
-    </p:extLst>
-  </p:cSld>
-  <p:clrMapOvr>
-    <a:masterClrMapping/>
-  </p:clrMapOvr>
-</p:sld>
-</file>
-
-<file path=ppt/slides/slide16.xml><?xml version="1.0" encoding="utf-8"?>
-<p:sld xmlns:a="http://schemas.openxmlformats.org/drawingml/2006/main" xmlns:r="http://schemas.openxmlformats.org/officeDocument/2006/relationships" xmlns:p="http://schemas.openxmlformats.org/presentationml/2006/main">
-  <p:cSld>
-    <p:spTree>
-      <p:nvGrpSpPr>
-        <p:cNvPr id="1" name=""/>
-        <p:cNvGrpSpPr/>
-        <p:nvPr/>
-      </p:nvGrpSpPr>
-      <p:grpSpPr>
-        <a:xfrm>
-          <a:off x="0" y="0"/>
-          <a:ext cx="0" cy="0"/>
-          <a:chOff x="0" y="0"/>
-          <a:chExt cx="0" cy="0"/>
-        </a:xfrm>
-      </p:grpSpPr>
-      <p:sp>
-        <p:nvSpPr>
-          <p:cNvPr id="5" name="Rectangle 4">
-            <a:extLst>
-              <a:ext uri="{FF2B5EF4-FFF2-40B4-BE49-F238E27FC236}">
-                <a16:creationId xmlns:a16="http://schemas.microsoft.com/office/drawing/2014/main" id="{8C2198D3-9081-462D-89AA-2AE36F0B965E}"/>
-              </a:ext>
-            </a:extLst>
-          </p:cNvPr>
-          <p:cNvSpPr/>
-          <p:nvPr/>
-        </p:nvSpPr>
-        <p:spPr>
-          <a:xfrm>
-            <a:off x="0" y="0"/>
-            <a:ext cx="12192000" cy="1311965"/>
-          </a:xfrm>
-          <a:prstGeom prst="rect">
-            <a:avLst/>
-          </a:prstGeom>
-        </p:spPr>
-        <p:style>
-          <a:lnRef idx="2">
-            <a:schemeClr val="dk1">
-              <a:shade val="50000"/>
-            </a:schemeClr>
-          </a:lnRef>
-          <a:fillRef idx="1">
-            <a:schemeClr val="dk1"/>
-          </a:fillRef>
-          <a:effectRef idx="0">
-            <a:schemeClr val="dk1"/>
-          </a:effectRef>
-          <a:fontRef idx="minor">
-            <a:schemeClr val="lt1"/>
-          </a:fontRef>
-        </p:style>
-        <p:txBody>
-          <a:bodyPr rtlCol="0" anchor="ctr"/>
-          <a:lstStyle/>
-          <a:p>
-            <a:pPr algn="ctr"/>
-            <a:endParaRPr lang="en-US" dirty="0"/>
-          </a:p>
-        </p:txBody>
-      </p:sp>
-      <p:sp>
-        <p:nvSpPr>
-          <p:cNvPr id="3" name="TextBox 2">
-            <a:extLst>
-              <a:ext uri="{FF2B5EF4-FFF2-40B4-BE49-F238E27FC236}">
-                <a16:creationId xmlns:a16="http://schemas.microsoft.com/office/drawing/2014/main" id="{1980B4EC-4697-4B4F-87E9-C0E68B2BB033}"/>
-              </a:ext>
-            </a:extLst>
-          </p:cNvPr>
-          <p:cNvSpPr txBox="1"/>
-          <p:nvPr/>
-        </p:nvSpPr>
-        <p:spPr>
-          <a:xfrm>
-            <a:off x="4958927" y="332816"/>
-            <a:ext cx="2201102" cy="646331"/>
-          </a:xfrm>
-          <a:prstGeom prst="rect">
-            <a:avLst/>
-          </a:prstGeom>
-          <a:noFill/>
-        </p:spPr>
-        <p:txBody>
-          <a:bodyPr wrap="square" rtlCol="0">
-            <a:spAutoFit/>
-          </a:bodyPr>
-          <a:lstStyle/>
-          <a:p>
-            <a:r>
-              <a:rPr lang="en-US" sz="3600" dirty="0">
-                <a:solidFill>
-                  <a:schemeClr val="bg1"/>
-                </a:solidFill>
-              </a:rPr>
-              <a:t>Semantics</a:t>
-            </a:r>
-          </a:p>
-        </p:txBody>
-      </p:sp>
-    </p:spTree>
-    <p:extLst>
-      <p:ext uri="{BB962C8B-B14F-4D97-AF65-F5344CB8AC3E}">
-        <p14:creationId xmlns:p14="http://schemas.microsoft.com/office/powerpoint/2010/main" val="179956929"/>
-      </p:ext>
-    </p:extLst>
-  </p:cSld>
-  <p:clrMapOvr>
-    <a:masterClrMapping/>
-  </p:clrMapOvr>
-</p:sld>
-</file>
-
-<file path=ppt/slides/slide17.xml><?xml version="1.0" encoding="utf-8"?>
-<p:sld xmlns:a="http://schemas.openxmlformats.org/drawingml/2006/main" xmlns:r="http://schemas.openxmlformats.org/officeDocument/2006/relationships" xmlns:p="http://schemas.openxmlformats.org/presentationml/2006/main">
-  <p:cSld>
-    <p:spTree>
-      <p:nvGrpSpPr>
-        <p:cNvPr id="1" name=""/>
-        <p:cNvGrpSpPr/>
-        <p:nvPr/>
-      </p:nvGrpSpPr>
-      <p:grpSpPr>
-        <a:xfrm>
-          <a:off x="0" y="0"/>
-          <a:ext cx="0" cy="0"/>
-          <a:chOff x="0" y="0"/>
-          <a:chExt cx="0" cy="0"/>
-        </a:xfrm>
-      </p:grpSpPr>
-      <p:sp>
-        <p:nvSpPr>
-          <p:cNvPr id="5" name="Rectangle 4">
-            <a:extLst>
-              <a:ext uri="{FF2B5EF4-FFF2-40B4-BE49-F238E27FC236}">
-                <a16:creationId xmlns:a16="http://schemas.microsoft.com/office/drawing/2014/main" id="{8C2198D3-9081-462D-89AA-2AE36F0B965E}"/>
-              </a:ext>
-            </a:extLst>
-          </p:cNvPr>
-          <p:cNvSpPr/>
-          <p:nvPr/>
-        </p:nvSpPr>
-        <p:spPr>
-          <a:xfrm>
-            <a:off x="0" y="0"/>
-            <a:ext cx="12192000" cy="1311965"/>
-          </a:xfrm>
-          <a:prstGeom prst="rect">
-            <a:avLst/>
-          </a:prstGeom>
-        </p:spPr>
-        <p:style>
-          <a:lnRef idx="2">
-            <a:schemeClr val="dk1">
-              <a:shade val="50000"/>
-            </a:schemeClr>
-          </a:lnRef>
-          <a:fillRef idx="1">
-            <a:schemeClr val="dk1"/>
-          </a:fillRef>
-          <a:effectRef idx="0">
-            <a:schemeClr val="dk1"/>
-          </a:effectRef>
-          <a:fontRef idx="minor">
-            <a:schemeClr val="lt1"/>
-          </a:fontRef>
-        </p:style>
-        <p:txBody>
-          <a:bodyPr rtlCol="0" anchor="ctr"/>
-          <a:lstStyle/>
-          <a:p>
-            <a:pPr algn="ctr"/>
-            <a:endParaRPr lang="en-US" dirty="0"/>
-          </a:p>
-        </p:txBody>
-      </p:sp>
-      <p:sp>
-        <p:nvSpPr>
-          <p:cNvPr id="3" name="TextBox 2">
-            <a:extLst>
-              <a:ext uri="{FF2B5EF4-FFF2-40B4-BE49-F238E27FC236}">
-                <a16:creationId xmlns:a16="http://schemas.microsoft.com/office/drawing/2014/main" id="{1980B4EC-4697-4B4F-87E9-C0E68B2BB033}"/>
-              </a:ext>
-            </a:extLst>
-          </p:cNvPr>
-          <p:cNvSpPr txBox="1"/>
-          <p:nvPr/>
-        </p:nvSpPr>
-        <p:spPr>
-          <a:xfrm>
-            <a:off x="4299710" y="332816"/>
-            <a:ext cx="3592580" cy="646331"/>
-          </a:xfrm>
-          <a:prstGeom prst="rect">
-            <a:avLst/>
-          </a:prstGeom>
-          <a:noFill/>
-        </p:spPr>
-        <p:txBody>
-          <a:bodyPr wrap="square" rtlCol="0">
-            <a:spAutoFit/>
-          </a:bodyPr>
-          <a:lstStyle/>
-          <a:p>
-            <a:r>
-              <a:rPr lang="en-US" sz="3600" dirty="0">
-                <a:solidFill>
-                  <a:schemeClr val="bg1"/>
-                </a:solidFill>
-              </a:rPr>
-              <a:t>Default Reasoning</a:t>
-            </a:r>
-          </a:p>
-        </p:txBody>
-      </p:sp>
-    </p:spTree>
-    <p:extLst>
-      <p:ext uri="{BB962C8B-B14F-4D97-AF65-F5344CB8AC3E}">
-        <p14:creationId xmlns:p14="http://schemas.microsoft.com/office/powerpoint/2010/main" val="1378590708"/>
-      </p:ext>
-    </p:extLst>
-  </p:cSld>
-  <p:clrMapOvr>
-    <a:masterClrMapping/>
-  </p:clrMapOvr>
-</p:sld>
-</file>
-
 <file path=ppt/slides/slide18.xml><?xml version="1.0" encoding="utf-8"?>
 <p:sld xmlns:a="http://schemas.openxmlformats.org/drawingml/2006/main" xmlns:r="http://schemas.openxmlformats.org/officeDocument/2006/relationships" xmlns:p="http://schemas.openxmlformats.org/presentationml/2006/main">
   <p:cSld>
@@ -4701,117 +4869,235 @@
       </p:grpSpPr>
       <p:sp>
         <p:nvSpPr>
-          <p:cNvPr id="3" name="TextBox 2">
-            <a:extLst>
-              <a:ext uri="{FF2B5EF4-FFF2-40B4-BE49-F238E27FC236}">
-                <a16:creationId xmlns:a16="http://schemas.microsoft.com/office/drawing/2014/main" id="{1980B4EC-4697-4B4F-87E9-C0E68B2BB033}"/>
-              </a:ext>
-            </a:extLst>
-          </p:cNvPr>
-          <p:cNvSpPr txBox="1"/>
-          <p:nvPr/>
-        </p:nvSpPr>
-        <p:spPr>
-          <a:xfrm>
-            <a:off x="934482" y="2519929"/>
-            <a:ext cx="10323031" cy="923330"/>
+          <p:cNvPr id="5" name="Rectangle 4">
+            <a:extLst>
+              <a:ext uri="{FF2B5EF4-FFF2-40B4-BE49-F238E27FC236}">
+                <a16:creationId xmlns:a16="http://schemas.microsoft.com/office/drawing/2014/main" id="{8C2198D3-9081-462D-89AA-2AE36F0B965E}"/>
+              </a:ext>
+            </a:extLst>
+          </p:cNvPr>
+          <p:cNvSpPr/>
+          <p:nvPr/>
+        </p:nvSpPr>
+        <p:spPr>
+          <a:xfrm>
+            <a:off x="0" y="0"/>
+            <a:ext cx="12192000" cy="1311965"/>
           </a:xfrm>
           <a:prstGeom prst="rect">
             <a:avLst/>
           </a:prstGeom>
-          <a:noFill/>
-        </p:spPr>
-        <p:txBody>
-          <a:bodyPr wrap="square" rtlCol="0">
-            <a:spAutoFit/>
-          </a:bodyPr>
-          <a:lstStyle/>
-          <a:p>
-            <a:pPr algn="ctr"/>
-            <a:r>
-              <a:rPr lang="en-US" sz="5400" dirty="0">
-                <a:ln w="0"/>
-              </a:rPr>
-              <a:t>Natural Language Resources</a:t>
-            </a:r>
-          </a:p>
-        </p:txBody>
-      </p:sp>
-      <p:sp>
-        <p:nvSpPr>
-          <p:cNvPr id="4" name="TextBox 3">
-            <a:extLst>
-              <a:ext uri="{FF2B5EF4-FFF2-40B4-BE49-F238E27FC236}">
-                <a16:creationId xmlns:a16="http://schemas.microsoft.com/office/drawing/2014/main" id="{B14FD700-3C32-4235-952A-592B95B5138E}"/>
-              </a:ext>
-            </a:extLst>
-          </p:cNvPr>
-          <p:cNvSpPr txBox="1"/>
-          <p:nvPr/>
-        </p:nvSpPr>
-        <p:spPr>
-          <a:xfrm>
-            <a:off x="4214189" y="3443259"/>
-            <a:ext cx="4068419" cy="461665"/>
-          </a:xfrm>
-          <a:prstGeom prst="rect">
-            <a:avLst/>
-          </a:prstGeom>
-          <a:noFill/>
-        </p:spPr>
-        <p:txBody>
-          <a:bodyPr wrap="square" rtlCol="0">
-            <a:spAutoFit/>
-          </a:bodyPr>
-          <a:lstStyle/>
-          <a:p>
-            <a:r>
-              <a:rPr lang="en-US" sz="2400" dirty="0"/>
-              <a:t>What NLP tools were used?</a:t>
-            </a:r>
-          </a:p>
-        </p:txBody>
-      </p:sp>
-      <p:cxnSp>
-        <p:nvCxnSpPr>
-          <p:cNvPr id="8" name="Straight Connector 7">
-            <a:extLst>
-              <a:ext uri="{FF2B5EF4-FFF2-40B4-BE49-F238E27FC236}">
-                <a16:creationId xmlns:a16="http://schemas.microsoft.com/office/drawing/2014/main" id="{1246DA07-DFD8-496C-BB69-FD95668F7C67}"/>
-              </a:ext>
-            </a:extLst>
-          </p:cNvPr>
-          <p:cNvCxnSpPr/>
-          <p:nvPr/>
-        </p:nvCxnSpPr>
-        <p:spPr>
-          <a:xfrm>
-            <a:off x="3670852" y="3429000"/>
-            <a:ext cx="4611756" cy="0"/>
-          </a:xfrm>
-          <a:prstGeom prst="line">
-            <a:avLst/>
-          </a:prstGeom>
         </p:spPr>
         <p:style>
-          <a:lnRef idx="1">
-            <a:schemeClr val="dk1"/>
+          <a:lnRef idx="2">
+            <a:schemeClr val="dk1">
+              <a:shade val="50000"/>
+            </a:schemeClr>
           </a:lnRef>
-          <a:fillRef idx="0">
+          <a:fillRef idx="1">
             <a:schemeClr val="dk1"/>
           </a:fillRef>
           <a:effectRef idx="0">
             <a:schemeClr val="dk1"/>
           </a:effectRef>
           <a:fontRef idx="minor">
-            <a:schemeClr val="tx1"/>
+            <a:schemeClr val="lt1"/>
           </a:fontRef>
         </p:style>
-      </p:cxnSp>
+        <p:txBody>
+          <a:bodyPr rtlCol="0" anchor="ctr"/>
+          <a:lstStyle/>
+          <a:p>
+            <a:pPr algn="ctr"/>
+            <a:endParaRPr lang="en-US" dirty="0"/>
+          </a:p>
+        </p:txBody>
+      </p:sp>
+      <p:sp>
+        <p:nvSpPr>
+          <p:cNvPr id="3" name="TextBox 2">
+            <a:extLst>
+              <a:ext uri="{FF2B5EF4-FFF2-40B4-BE49-F238E27FC236}">
+                <a16:creationId xmlns:a16="http://schemas.microsoft.com/office/drawing/2014/main" id="{1980B4EC-4697-4B4F-87E9-C0E68B2BB033}"/>
+              </a:ext>
+            </a:extLst>
+          </p:cNvPr>
+          <p:cNvSpPr txBox="1"/>
+          <p:nvPr/>
+        </p:nvSpPr>
+        <p:spPr>
+          <a:xfrm>
+            <a:off x="3484081" y="332816"/>
+            <a:ext cx="5223837" cy="646331"/>
+          </a:xfrm>
+          <a:prstGeom prst="rect">
+            <a:avLst/>
+          </a:prstGeom>
+          <a:noFill/>
+        </p:spPr>
+        <p:txBody>
+          <a:bodyPr wrap="square" rtlCol="0">
+            <a:spAutoFit/>
+          </a:bodyPr>
+          <a:lstStyle/>
+          <a:p>
+            <a:r>
+              <a:rPr lang="en-US" sz="3600" dirty="0">
+                <a:solidFill>
+                  <a:schemeClr val="bg1"/>
+                </a:solidFill>
+              </a:rPr>
+              <a:t>Answer Set Programming</a:t>
+            </a:r>
+          </a:p>
+        </p:txBody>
+      </p:sp>
+      <p:sp>
+        <p:nvSpPr>
+          <p:cNvPr id="10" name="TextBox 9">
+            <a:extLst>
+              <a:ext uri="{FF2B5EF4-FFF2-40B4-BE49-F238E27FC236}">
+                <a16:creationId xmlns:a16="http://schemas.microsoft.com/office/drawing/2014/main" id="{70B5737A-B1B9-458B-BF3D-13FCDF18D397}"/>
+              </a:ext>
+            </a:extLst>
+          </p:cNvPr>
+          <p:cNvSpPr txBox="1"/>
+          <p:nvPr/>
+        </p:nvSpPr>
+        <p:spPr>
+          <a:xfrm>
+            <a:off x="549809" y="1644781"/>
+            <a:ext cx="11019339" cy="4770537"/>
+          </a:xfrm>
+          <a:prstGeom prst="rect">
+            <a:avLst/>
+          </a:prstGeom>
+          <a:noFill/>
+        </p:spPr>
+        <p:txBody>
+          <a:bodyPr wrap="square" rtlCol="0">
+            <a:spAutoFit/>
+          </a:bodyPr>
+          <a:lstStyle/>
+          <a:p>
+            <a:pPr marL="285750" indent="-285750">
+              <a:spcBef>
+                <a:spcPts val="1200"/>
+              </a:spcBef>
+              <a:buFontTx/>
+              <a:buChar char="-"/>
+            </a:pPr>
+            <a:r>
+              <a:rPr lang="en-US" sz="2400" dirty="0"/>
+              <a:t>Answer-Set Programming is a </a:t>
+            </a:r>
+            <a:r>
+              <a:rPr lang="en-US" sz="2400" dirty="0">
+                <a:solidFill>
+                  <a:srgbClr val="FF0000"/>
+                </a:solidFill>
+              </a:rPr>
+              <a:t>declarative problem-solving paradigm</a:t>
+            </a:r>
+            <a:r>
+              <a:rPr lang="en-US" sz="2400" dirty="0"/>
+              <a:t> that uses non-monotonic reasoning and logic programming.</a:t>
+            </a:r>
+          </a:p>
+          <a:p>
+            <a:pPr marL="285750" indent="-285750" algn="just">
+              <a:spcBef>
+                <a:spcPts val="1200"/>
+              </a:spcBef>
+              <a:buFontTx/>
+              <a:buChar char="-"/>
+            </a:pPr>
+            <a:r>
+              <a:rPr lang="en-US" sz="2400" dirty="0"/>
+              <a:t>It is used in tasks such as modeling reasoning agents, non-monotonic inferences, common sense reasoning, planning problems, constraint satisfaction problem and so on.</a:t>
+            </a:r>
+          </a:p>
+          <a:p>
+            <a:pPr marL="285750" indent="-285750" algn="just">
+              <a:spcBef>
+                <a:spcPts val="1200"/>
+              </a:spcBef>
+              <a:buFontTx/>
+              <a:buChar char="-"/>
+            </a:pPr>
+            <a:r>
+              <a:rPr lang="en-US" sz="2400" dirty="0"/>
+              <a:t>An answer set program is a </a:t>
+            </a:r>
+            <a:r>
+              <a:rPr lang="en-US" sz="2400" dirty="0">
+                <a:solidFill>
+                  <a:srgbClr val="FF0000"/>
+                </a:solidFill>
+              </a:rPr>
+              <a:t>collection of statements</a:t>
+            </a:r>
+            <a:r>
+              <a:rPr lang="en-US" sz="2400" dirty="0"/>
+              <a:t> that describe the objects of a domain and model relations between them.</a:t>
+            </a:r>
+          </a:p>
+          <a:p>
+            <a:pPr marL="285750" indent="-285750" algn="just">
+              <a:spcBef>
+                <a:spcPts val="1200"/>
+              </a:spcBef>
+              <a:buFontTx/>
+              <a:buChar char="-"/>
+            </a:pPr>
+            <a:r>
+              <a:rPr lang="en-US" sz="2400" dirty="0"/>
+              <a:t>The semantics of an ASP Program defines a set of possible beliefs that an agent has associated with the program called the </a:t>
+            </a:r>
+            <a:r>
+              <a:rPr lang="en-US" sz="2400" i="1" dirty="0">
+                <a:solidFill>
+                  <a:srgbClr val="FF0000"/>
+                </a:solidFill>
+              </a:rPr>
+              <a:t>answer set</a:t>
+            </a:r>
+            <a:r>
+              <a:rPr lang="en-US" sz="2400" dirty="0"/>
+              <a:t> of the program</a:t>
+            </a:r>
+          </a:p>
+          <a:p>
+            <a:pPr marL="285750" indent="-285750" algn="just">
+              <a:spcBef>
+                <a:spcPts val="1200"/>
+              </a:spcBef>
+              <a:buFontTx/>
+              <a:buChar char="-"/>
+            </a:pPr>
+            <a:r>
+              <a:rPr lang="en-US" sz="2400" dirty="0"/>
+              <a:t>The basic constituents of an ASP program are the </a:t>
+            </a:r>
+            <a:r>
+              <a:rPr lang="en-US" sz="2400" dirty="0">
+                <a:solidFill>
+                  <a:srgbClr val="FF0000"/>
+                </a:solidFill>
+              </a:rPr>
+              <a:t>rules, facts and constraints that describe the problem</a:t>
+            </a:r>
+            <a:r>
+              <a:rPr lang="en-US" sz="2400" dirty="0"/>
+              <a:t>.</a:t>
+            </a:r>
+          </a:p>
+        </p:txBody>
+      </p:sp>
     </p:spTree>
     <p:extLst>
       <p:ext uri="{BB962C8B-B14F-4D97-AF65-F5344CB8AC3E}">
-        <p14:creationId xmlns:p14="http://schemas.microsoft.com/office/powerpoint/2010/main" val="751984744"/>
+        <p14:creationId xmlns:p14="http://schemas.microsoft.com/office/powerpoint/2010/main" val="3716860141"/>
       </p:ext>
     </p:extLst>
   </p:cSld>
@@ -4898,8 +5184,8 @@
         </p:nvSpPr>
         <p:spPr>
           <a:xfrm>
-            <a:off x="3484081" y="332816"/>
-            <a:ext cx="5223837" cy="646331"/>
+            <a:off x="5346632" y="332816"/>
+            <a:ext cx="1498736" cy="646331"/>
           </a:xfrm>
           <a:prstGeom prst="rect">
             <a:avLst/>
@@ -4918,266 +5204,7 @@
                   <a:schemeClr val="bg1"/>
                 </a:solidFill>
               </a:rPr>
-              <a:t>Stanford Core NLP Toolset</a:t>
-            </a:r>
-          </a:p>
-        </p:txBody>
-      </p:sp>
-      <p:sp>
-        <p:nvSpPr>
-          <p:cNvPr id="10" name="TextBox 9">
-            <a:extLst>
-              <a:ext uri="{FF2B5EF4-FFF2-40B4-BE49-F238E27FC236}">
-                <a16:creationId xmlns:a16="http://schemas.microsoft.com/office/drawing/2014/main" id="{70B5737A-B1B9-458B-BF3D-13FCDF18D397}"/>
-              </a:ext>
-            </a:extLst>
-          </p:cNvPr>
-          <p:cNvSpPr txBox="1"/>
-          <p:nvPr/>
-        </p:nvSpPr>
-        <p:spPr>
-          <a:xfrm>
-            <a:off x="536558" y="1827843"/>
-            <a:ext cx="5559442" cy="1446550"/>
-          </a:xfrm>
-          <a:prstGeom prst="rect">
-            <a:avLst/>
-          </a:prstGeom>
-          <a:noFill/>
-        </p:spPr>
-        <p:txBody>
-          <a:bodyPr wrap="square" rtlCol="0">
-            <a:spAutoFit/>
-          </a:bodyPr>
-          <a:lstStyle/>
-          <a:p>
-            <a:r>
-              <a:rPr lang="en-US" sz="2400" i="1" dirty="0"/>
-              <a:t>Stanford Dependency Parser</a:t>
-            </a:r>
-          </a:p>
-          <a:p>
-            <a:pPr marL="285750" indent="-285750" algn="just">
-              <a:spcBef>
-                <a:spcPts val="1200"/>
-              </a:spcBef>
-              <a:buFontTx/>
-              <a:buChar char="-"/>
-            </a:pPr>
-            <a:r>
-              <a:rPr lang="en-US" dirty="0"/>
-              <a:t>A dependency parser analyses the grammatical structure of a sentence and returns a set of relations between different words of the sentence.</a:t>
-            </a:r>
-          </a:p>
-        </p:txBody>
-      </p:sp>
-      <p:sp>
-        <p:nvSpPr>
-          <p:cNvPr id="4" name="Rectangle 3">
-            <a:extLst>
-              <a:ext uri="{FF2B5EF4-FFF2-40B4-BE49-F238E27FC236}">
-                <a16:creationId xmlns:a16="http://schemas.microsoft.com/office/drawing/2014/main" id="{D249BEB5-404A-4252-8D84-B9F34B86B1E7}"/>
-              </a:ext>
-            </a:extLst>
-          </p:cNvPr>
-          <p:cNvSpPr/>
-          <p:nvPr/>
-        </p:nvSpPr>
-        <p:spPr>
-          <a:xfrm>
-            <a:off x="536558" y="3725158"/>
-            <a:ext cx="4107215" cy="461665"/>
-          </a:xfrm>
-          <a:prstGeom prst="rect">
-            <a:avLst/>
-          </a:prstGeom>
-        </p:spPr>
-        <p:txBody>
-          <a:bodyPr wrap="none">
-            <a:spAutoFit/>
-          </a:bodyPr>
-          <a:lstStyle/>
-          <a:p>
-            <a:r>
-              <a:rPr lang="en-US" sz="2400" i="1" dirty="0">
-                <a:ea typeface="Calibri" panose="020F0502020204030204" pitchFamily="34" charset="0"/>
-              </a:rPr>
-              <a:t>Example:</a:t>
-            </a:r>
-            <a:r>
-              <a:rPr lang="en-US" sz="2400" dirty="0">
-                <a:ea typeface="Calibri" panose="020F0502020204030204" pitchFamily="34" charset="0"/>
-              </a:rPr>
-              <a:t> </a:t>
-            </a:r>
-            <a:r>
-              <a:rPr lang="en-US" dirty="0">
-                <a:ea typeface="Calibri" panose="020F0502020204030204" pitchFamily="34" charset="0"/>
-              </a:rPr>
-              <a:t>“John gave Mary the book.”.</a:t>
-            </a:r>
-            <a:endParaRPr lang="en-US" dirty="0"/>
-          </a:p>
-        </p:txBody>
-      </p:sp>
-      <p:pic>
-        <p:nvPicPr>
-          <p:cNvPr id="12" name="Picture 11">
-            <a:extLst>
-              <a:ext uri="{FF2B5EF4-FFF2-40B4-BE49-F238E27FC236}">
-                <a16:creationId xmlns:a16="http://schemas.microsoft.com/office/drawing/2014/main" id="{C17DCC57-A264-4C13-9494-AA679DBAFDA7}"/>
-              </a:ext>
-            </a:extLst>
-          </p:cNvPr>
-          <p:cNvPicPr/>
-          <p:nvPr/>
-        </p:nvPicPr>
-        <p:blipFill>
-          <a:blip r:embed="rId2"/>
-          <a:stretch>
-            <a:fillRect/>
-          </a:stretch>
-        </p:blipFill>
-        <p:spPr>
-          <a:xfrm>
-            <a:off x="536558" y="4637588"/>
-            <a:ext cx="5314073" cy="1208074"/>
-          </a:xfrm>
-          <a:prstGeom prst="rect">
-            <a:avLst/>
-          </a:prstGeom>
-        </p:spPr>
-      </p:pic>
-      <p:sp>
-        <p:nvSpPr>
-          <p:cNvPr id="6" name="Rectangle 5">
-            <a:extLst>
-              <a:ext uri="{FF2B5EF4-FFF2-40B4-BE49-F238E27FC236}">
-                <a16:creationId xmlns:a16="http://schemas.microsoft.com/office/drawing/2014/main" id="{6BE28EF9-7551-4D2F-828F-B4FDD4C8663A}"/>
-              </a:ext>
-            </a:extLst>
-          </p:cNvPr>
-          <p:cNvSpPr/>
-          <p:nvPr/>
-        </p:nvSpPr>
-        <p:spPr>
-          <a:xfrm>
-            <a:off x="6891130" y="1827843"/>
-            <a:ext cx="3233530" cy="3717941"/>
-          </a:xfrm>
-          <a:prstGeom prst="rect">
-            <a:avLst/>
-          </a:prstGeom>
-        </p:spPr>
-        <p:txBody>
-          <a:bodyPr wrap="square">
-            <a:spAutoFit/>
-          </a:bodyPr>
-          <a:lstStyle/>
-          <a:p>
-            <a:pPr algn="just">
-              <a:lnSpc>
-                <a:spcPct val="115000"/>
-              </a:lnSpc>
-              <a:spcAft>
-                <a:spcPts val="800"/>
-              </a:spcAft>
-            </a:pPr>
-            <a:r>
-              <a:rPr lang="en-US" sz="2400" i="1" dirty="0"/>
-              <a:t>Dependency Relations :</a:t>
-            </a:r>
-          </a:p>
-          <a:p>
-            <a:pPr algn="just">
-              <a:spcBef>
-                <a:spcPts val="1200"/>
-              </a:spcBef>
-              <a:spcAft>
-                <a:spcPts val="800"/>
-              </a:spcAft>
-            </a:pPr>
-            <a:r>
-              <a:rPr lang="en-US" i="1" dirty="0"/>
-              <a:t>root(ROOT-0, gave-2) </a:t>
-            </a:r>
-          </a:p>
-          <a:p>
-            <a:pPr algn="just">
-              <a:spcBef>
-                <a:spcPts val="1200"/>
-              </a:spcBef>
-              <a:spcAft>
-                <a:spcPts val="800"/>
-              </a:spcAft>
-            </a:pPr>
-            <a:r>
-              <a:rPr lang="en-US" i="1" dirty="0"/>
-              <a:t>nsubj(gave-2, John-1) </a:t>
-            </a:r>
-          </a:p>
-          <a:p>
-            <a:pPr algn="just">
-              <a:spcBef>
-                <a:spcPts val="1200"/>
-              </a:spcBef>
-              <a:spcAft>
-                <a:spcPts val="800"/>
-              </a:spcAft>
-            </a:pPr>
-            <a:r>
-              <a:rPr lang="en-US" i="1" dirty="0"/>
-              <a:t>dobj(gave-2, book-5) </a:t>
-            </a:r>
-          </a:p>
-          <a:p>
-            <a:pPr algn="just">
-              <a:spcBef>
-                <a:spcPts val="1200"/>
-              </a:spcBef>
-              <a:spcAft>
-                <a:spcPts val="800"/>
-              </a:spcAft>
-            </a:pPr>
-            <a:r>
-              <a:rPr lang="en-US" i="1" dirty="0" err="1"/>
-              <a:t>iobj</a:t>
-            </a:r>
-            <a:r>
-              <a:rPr lang="en-US" i="1" dirty="0"/>
-              <a:t> (gave-2, Mary-3)</a:t>
-            </a:r>
-          </a:p>
-          <a:p>
-            <a:pPr algn="just">
-              <a:spcBef>
-                <a:spcPts val="1200"/>
-              </a:spcBef>
-              <a:spcAft>
-                <a:spcPts val="800"/>
-              </a:spcAft>
-            </a:pPr>
-            <a:r>
-              <a:rPr lang="en-US" i="1" dirty="0"/>
-              <a:t>det(book-5, the-4)</a:t>
-            </a:r>
-          </a:p>
-          <a:p>
-            <a:pPr algn="just">
-              <a:spcBef>
-                <a:spcPts val="1200"/>
-              </a:spcBef>
-              <a:spcAft>
-                <a:spcPts val="800"/>
-              </a:spcAft>
-            </a:pPr>
-            <a:r>
-              <a:rPr lang="en-US" i="1" dirty="0" err="1"/>
-              <a:t>punct</a:t>
-            </a:r>
-            <a:r>
-              <a:rPr lang="en-US" i="1" dirty="0"/>
-              <a:t>(gave-4, .-6)</a:t>
+              <a:t>Syntax</a:t>
             </a:r>
           </a:p>
         </p:txBody>
@@ -5185,7 +5212,7 @@
     </p:spTree>
     <p:extLst>
       <p:ext uri="{BB962C8B-B14F-4D97-AF65-F5344CB8AC3E}">
-        <p14:creationId xmlns:p14="http://schemas.microsoft.com/office/powerpoint/2010/main" val="1994691297"/>
+        <p14:creationId xmlns:p14="http://schemas.microsoft.com/office/powerpoint/2010/main" val="1078965497"/>
       </p:ext>
     </p:extLst>
   </p:cSld>
@@ -5612,6 +5639,749 @@
         </p:nvSpPr>
         <p:spPr>
           <a:xfrm>
+            <a:off x="4958927" y="332816"/>
+            <a:ext cx="2201102" cy="646331"/>
+          </a:xfrm>
+          <a:prstGeom prst="rect">
+            <a:avLst/>
+          </a:prstGeom>
+          <a:noFill/>
+        </p:spPr>
+        <p:txBody>
+          <a:bodyPr wrap="square" rtlCol="0">
+            <a:spAutoFit/>
+          </a:bodyPr>
+          <a:lstStyle/>
+          <a:p>
+            <a:r>
+              <a:rPr lang="en-US" sz="3600" dirty="0">
+                <a:solidFill>
+                  <a:schemeClr val="bg1"/>
+                </a:solidFill>
+              </a:rPr>
+              <a:t>Semantics</a:t>
+            </a:r>
+          </a:p>
+        </p:txBody>
+      </p:sp>
+    </p:spTree>
+    <p:extLst>
+      <p:ext uri="{BB962C8B-B14F-4D97-AF65-F5344CB8AC3E}">
+        <p14:creationId xmlns:p14="http://schemas.microsoft.com/office/powerpoint/2010/main" val="179956929"/>
+      </p:ext>
+    </p:extLst>
+  </p:cSld>
+  <p:clrMapOvr>
+    <a:masterClrMapping/>
+  </p:clrMapOvr>
+</p:sld>
+</file>
+
+<file path=ppt/slides/slide21.xml><?xml version="1.0" encoding="utf-8"?>
+<p:sld xmlns:a="http://schemas.openxmlformats.org/drawingml/2006/main" xmlns:r="http://schemas.openxmlformats.org/officeDocument/2006/relationships" xmlns:p="http://schemas.openxmlformats.org/presentationml/2006/main">
+  <p:cSld>
+    <p:spTree>
+      <p:nvGrpSpPr>
+        <p:cNvPr id="1" name=""/>
+        <p:cNvGrpSpPr/>
+        <p:nvPr/>
+      </p:nvGrpSpPr>
+      <p:grpSpPr>
+        <a:xfrm>
+          <a:off x="0" y="0"/>
+          <a:ext cx="0" cy="0"/>
+          <a:chOff x="0" y="0"/>
+          <a:chExt cx="0" cy="0"/>
+        </a:xfrm>
+      </p:grpSpPr>
+      <p:sp>
+        <p:nvSpPr>
+          <p:cNvPr id="5" name="Rectangle 4">
+            <a:extLst>
+              <a:ext uri="{FF2B5EF4-FFF2-40B4-BE49-F238E27FC236}">
+                <a16:creationId xmlns:a16="http://schemas.microsoft.com/office/drawing/2014/main" id="{8C2198D3-9081-462D-89AA-2AE36F0B965E}"/>
+              </a:ext>
+            </a:extLst>
+          </p:cNvPr>
+          <p:cNvSpPr/>
+          <p:nvPr/>
+        </p:nvSpPr>
+        <p:spPr>
+          <a:xfrm>
+            <a:off x="0" y="0"/>
+            <a:ext cx="12192000" cy="1311965"/>
+          </a:xfrm>
+          <a:prstGeom prst="rect">
+            <a:avLst/>
+          </a:prstGeom>
+        </p:spPr>
+        <p:style>
+          <a:lnRef idx="2">
+            <a:schemeClr val="dk1">
+              <a:shade val="50000"/>
+            </a:schemeClr>
+          </a:lnRef>
+          <a:fillRef idx="1">
+            <a:schemeClr val="dk1"/>
+          </a:fillRef>
+          <a:effectRef idx="0">
+            <a:schemeClr val="dk1"/>
+          </a:effectRef>
+          <a:fontRef idx="minor">
+            <a:schemeClr val="lt1"/>
+          </a:fontRef>
+        </p:style>
+        <p:txBody>
+          <a:bodyPr rtlCol="0" anchor="ctr"/>
+          <a:lstStyle/>
+          <a:p>
+            <a:pPr algn="ctr"/>
+            <a:endParaRPr lang="en-US" dirty="0"/>
+          </a:p>
+        </p:txBody>
+      </p:sp>
+      <p:sp>
+        <p:nvSpPr>
+          <p:cNvPr id="3" name="TextBox 2">
+            <a:extLst>
+              <a:ext uri="{FF2B5EF4-FFF2-40B4-BE49-F238E27FC236}">
+                <a16:creationId xmlns:a16="http://schemas.microsoft.com/office/drawing/2014/main" id="{1980B4EC-4697-4B4F-87E9-C0E68B2BB033}"/>
+              </a:ext>
+            </a:extLst>
+          </p:cNvPr>
+          <p:cNvSpPr txBox="1"/>
+          <p:nvPr/>
+        </p:nvSpPr>
+        <p:spPr>
+          <a:xfrm>
+            <a:off x="4299710" y="332816"/>
+            <a:ext cx="3592580" cy="646331"/>
+          </a:xfrm>
+          <a:prstGeom prst="rect">
+            <a:avLst/>
+          </a:prstGeom>
+          <a:noFill/>
+        </p:spPr>
+        <p:txBody>
+          <a:bodyPr wrap="square" rtlCol="0">
+            <a:spAutoFit/>
+          </a:bodyPr>
+          <a:lstStyle/>
+          <a:p>
+            <a:r>
+              <a:rPr lang="en-US" sz="3600" dirty="0">
+                <a:solidFill>
+                  <a:schemeClr val="bg1"/>
+                </a:solidFill>
+              </a:rPr>
+              <a:t>Default Reasoning</a:t>
+            </a:r>
+          </a:p>
+        </p:txBody>
+      </p:sp>
+    </p:spTree>
+    <p:extLst>
+      <p:ext uri="{BB962C8B-B14F-4D97-AF65-F5344CB8AC3E}">
+        <p14:creationId xmlns:p14="http://schemas.microsoft.com/office/powerpoint/2010/main" val="1378590708"/>
+      </p:ext>
+    </p:extLst>
+  </p:cSld>
+  <p:clrMapOvr>
+    <a:masterClrMapping/>
+  </p:clrMapOvr>
+</p:sld>
+</file>
+
+<file path=ppt/slides/slide22.xml><?xml version="1.0" encoding="utf-8"?>
+<p:sld xmlns:a="http://schemas.openxmlformats.org/drawingml/2006/main" xmlns:r="http://schemas.openxmlformats.org/officeDocument/2006/relationships" xmlns:p="http://schemas.openxmlformats.org/presentationml/2006/main">
+  <p:cSld>
+    <p:spTree>
+      <p:nvGrpSpPr>
+        <p:cNvPr id="1" name=""/>
+        <p:cNvGrpSpPr/>
+        <p:nvPr/>
+      </p:nvGrpSpPr>
+      <p:grpSpPr>
+        <a:xfrm>
+          <a:off x="0" y="0"/>
+          <a:ext cx="0" cy="0"/>
+          <a:chOff x="0" y="0"/>
+          <a:chExt cx="0" cy="0"/>
+        </a:xfrm>
+      </p:grpSpPr>
+      <p:sp>
+        <p:nvSpPr>
+          <p:cNvPr id="3" name="TextBox 2">
+            <a:extLst>
+              <a:ext uri="{FF2B5EF4-FFF2-40B4-BE49-F238E27FC236}">
+                <a16:creationId xmlns:a16="http://schemas.microsoft.com/office/drawing/2014/main" id="{1980B4EC-4697-4B4F-87E9-C0E68B2BB033}"/>
+              </a:ext>
+            </a:extLst>
+          </p:cNvPr>
+          <p:cNvSpPr txBox="1"/>
+          <p:nvPr/>
+        </p:nvSpPr>
+        <p:spPr>
+          <a:xfrm>
+            <a:off x="934482" y="2519929"/>
+            <a:ext cx="10323031" cy="923330"/>
+          </a:xfrm>
+          <a:prstGeom prst="rect">
+            <a:avLst/>
+          </a:prstGeom>
+          <a:noFill/>
+        </p:spPr>
+        <p:txBody>
+          <a:bodyPr wrap="square" rtlCol="0">
+            <a:spAutoFit/>
+          </a:bodyPr>
+          <a:lstStyle/>
+          <a:p>
+            <a:pPr algn="ctr"/>
+            <a:r>
+              <a:rPr lang="en-US" sz="5400" dirty="0">
+                <a:ln w="0"/>
+              </a:rPr>
+              <a:t>Natural Language Resources</a:t>
+            </a:r>
+          </a:p>
+        </p:txBody>
+      </p:sp>
+      <p:sp>
+        <p:nvSpPr>
+          <p:cNvPr id="4" name="TextBox 3">
+            <a:extLst>
+              <a:ext uri="{FF2B5EF4-FFF2-40B4-BE49-F238E27FC236}">
+                <a16:creationId xmlns:a16="http://schemas.microsoft.com/office/drawing/2014/main" id="{B14FD700-3C32-4235-952A-592B95B5138E}"/>
+              </a:ext>
+            </a:extLst>
+          </p:cNvPr>
+          <p:cNvSpPr txBox="1"/>
+          <p:nvPr/>
+        </p:nvSpPr>
+        <p:spPr>
+          <a:xfrm>
+            <a:off x="4214189" y="3443259"/>
+            <a:ext cx="4068419" cy="461665"/>
+          </a:xfrm>
+          <a:prstGeom prst="rect">
+            <a:avLst/>
+          </a:prstGeom>
+          <a:noFill/>
+        </p:spPr>
+        <p:txBody>
+          <a:bodyPr wrap="square" rtlCol="0">
+            <a:spAutoFit/>
+          </a:bodyPr>
+          <a:lstStyle/>
+          <a:p>
+            <a:r>
+              <a:rPr lang="en-US" sz="2400" dirty="0"/>
+              <a:t>What NLP tools were used?</a:t>
+            </a:r>
+          </a:p>
+        </p:txBody>
+      </p:sp>
+      <p:cxnSp>
+        <p:nvCxnSpPr>
+          <p:cNvPr id="8" name="Straight Connector 7">
+            <a:extLst>
+              <a:ext uri="{FF2B5EF4-FFF2-40B4-BE49-F238E27FC236}">
+                <a16:creationId xmlns:a16="http://schemas.microsoft.com/office/drawing/2014/main" id="{1246DA07-DFD8-496C-BB69-FD95668F7C67}"/>
+              </a:ext>
+            </a:extLst>
+          </p:cNvPr>
+          <p:cNvCxnSpPr/>
+          <p:nvPr/>
+        </p:nvCxnSpPr>
+        <p:spPr>
+          <a:xfrm>
+            <a:off x="3670852" y="3429000"/>
+            <a:ext cx="4611756" cy="0"/>
+          </a:xfrm>
+          <a:prstGeom prst="line">
+            <a:avLst/>
+          </a:prstGeom>
+        </p:spPr>
+        <p:style>
+          <a:lnRef idx="1">
+            <a:schemeClr val="dk1"/>
+          </a:lnRef>
+          <a:fillRef idx="0">
+            <a:schemeClr val="dk1"/>
+          </a:fillRef>
+          <a:effectRef idx="0">
+            <a:schemeClr val="dk1"/>
+          </a:effectRef>
+          <a:fontRef idx="minor">
+            <a:schemeClr val="tx1"/>
+          </a:fontRef>
+        </p:style>
+      </p:cxnSp>
+    </p:spTree>
+    <p:extLst>
+      <p:ext uri="{BB962C8B-B14F-4D97-AF65-F5344CB8AC3E}">
+        <p14:creationId xmlns:p14="http://schemas.microsoft.com/office/powerpoint/2010/main" val="751984744"/>
+      </p:ext>
+    </p:extLst>
+  </p:cSld>
+  <p:clrMapOvr>
+    <a:masterClrMapping/>
+  </p:clrMapOvr>
+</p:sld>
+</file>
+
+<file path=ppt/slides/slide23.xml><?xml version="1.0" encoding="utf-8"?>
+<p:sld xmlns:a="http://schemas.openxmlformats.org/drawingml/2006/main" xmlns:r="http://schemas.openxmlformats.org/officeDocument/2006/relationships" xmlns:p="http://schemas.openxmlformats.org/presentationml/2006/main">
+  <p:cSld>
+    <p:spTree>
+      <p:nvGrpSpPr>
+        <p:cNvPr id="1" name=""/>
+        <p:cNvGrpSpPr/>
+        <p:nvPr/>
+      </p:nvGrpSpPr>
+      <p:grpSpPr>
+        <a:xfrm>
+          <a:off x="0" y="0"/>
+          <a:ext cx="0" cy="0"/>
+          <a:chOff x="0" y="0"/>
+          <a:chExt cx="0" cy="0"/>
+        </a:xfrm>
+      </p:grpSpPr>
+      <p:sp>
+        <p:nvSpPr>
+          <p:cNvPr id="5" name="Rectangle 4">
+            <a:extLst>
+              <a:ext uri="{FF2B5EF4-FFF2-40B4-BE49-F238E27FC236}">
+                <a16:creationId xmlns:a16="http://schemas.microsoft.com/office/drawing/2014/main" id="{8C2198D3-9081-462D-89AA-2AE36F0B965E}"/>
+              </a:ext>
+            </a:extLst>
+          </p:cNvPr>
+          <p:cNvSpPr/>
+          <p:nvPr/>
+        </p:nvSpPr>
+        <p:spPr>
+          <a:xfrm>
+            <a:off x="0" y="0"/>
+            <a:ext cx="12192000" cy="1311965"/>
+          </a:xfrm>
+          <a:prstGeom prst="rect">
+            <a:avLst/>
+          </a:prstGeom>
+        </p:spPr>
+        <p:style>
+          <a:lnRef idx="2">
+            <a:schemeClr val="dk1">
+              <a:shade val="50000"/>
+            </a:schemeClr>
+          </a:lnRef>
+          <a:fillRef idx="1">
+            <a:schemeClr val="dk1"/>
+          </a:fillRef>
+          <a:effectRef idx="0">
+            <a:schemeClr val="dk1"/>
+          </a:effectRef>
+          <a:fontRef idx="minor">
+            <a:schemeClr val="lt1"/>
+          </a:fontRef>
+        </p:style>
+        <p:txBody>
+          <a:bodyPr rtlCol="0" anchor="ctr"/>
+          <a:lstStyle/>
+          <a:p>
+            <a:pPr algn="ctr"/>
+            <a:endParaRPr lang="en-US" dirty="0"/>
+          </a:p>
+        </p:txBody>
+      </p:sp>
+      <p:sp>
+        <p:nvSpPr>
+          <p:cNvPr id="3" name="TextBox 2">
+            <a:extLst>
+              <a:ext uri="{FF2B5EF4-FFF2-40B4-BE49-F238E27FC236}">
+                <a16:creationId xmlns:a16="http://schemas.microsoft.com/office/drawing/2014/main" id="{1980B4EC-4697-4B4F-87E9-C0E68B2BB033}"/>
+              </a:ext>
+            </a:extLst>
+          </p:cNvPr>
+          <p:cNvSpPr txBox="1"/>
+          <p:nvPr/>
+        </p:nvSpPr>
+        <p:spPr>
+          <a:xfrm>
+            <a:off x="3484081" y="332816"/>
+            <a:ext cx="5223837" cy="646331"/>
+          </a:xfrm>
+          <a:prstGeom prst="rect">
+            <a:avLst/>
+          </a:prstGeom>
+          <a:noFill/>
+        </p:spPr>
+        <p:txBody>
+          <a:bodyPr wrap="square" rtlCol="0">
+            <a:spAutoFit/>
+          </a:bodyPr>
+          <a:lstStyle/>
+          <a:p>
+            <a:r>
+              <a:rPr lang="en-US" sz="3600" dirty="0">
+                <a:solidFill>
+                  <a:schemeClr val="bg1"/>
+                </a:solidFill>
+              </a:rPr>
+              <a:t>Stanford Core NLP Toolset</a:t>
+            </a:r>
+          </a:p>
+        </p:txBody>
+      </p:sp>
+      <p:sp>
+        <p:nvSpPr>
+          <p:cNvPr id="10" name="TextBox 9">
+            <a:extLst>
+              <a:ext uri="{FF2B5EF4-FFF2-40B4-BE49-F238E27FC236}">
+                <a16:creationId xmlns:a16="http://schemas.microsoft.com/office/drawing/2014/main" id="{70B5737A-B1B9-458B-BF3D-13FCDF18D397}"/>
+              </a:ext>
+            </a:extLst>
+          </p:cNvPr>
+          <p:cNvSpPr txBox="1"/>
+          <p:nvPr/>
+        </p:nvSpPr>
+        <p:spPr>
+          <a:xfrm>
+            <a:off x="536558" y="1827843"/>
+            <a:ext cx="5559442" cy="1446550"/>
+          </a:xfrm>
+          <a:prstGeom prst="rect">
+            <a:avLst/>
+          </a:prstGeom>
+          <a:noFill/>
+        </p:spPr>
+        <p:txBody>
+          <a:bodyPr wrap="square" rtlCol="0">
+            <a:spAutoFit/>
+          </a:bodyPr>
+          <a:lstStyle/>
+          <a:p>
+            <a:r>
+              <a:rPr lang="en-US" sz="2400" i="1" dirty="0"/>
+              <a:t>Stanford Dependency Parser</a:t>
+            </a:r>
+          </a:p>
+          <a:p>
+            <a:pPr marL="285750" indent="-285750" algn="just">
+              <a:spcBef>
+                <a:spcPts val="1200"/>
+              </a:spcBef>
+              <a:buFontTx/>
+              <a:buChar char="-"/>
+            </a:pPr>
+            <a:r>
+              <a:rPr lang="en-US" dirty="0"/>
+              <a:t>A dependency parser analyses the grammatical structure of a sentence and returns a set of relations between different words of the sentence.</a:t>
+            </a:r>
+          </a:p>
+        </p:txBody>
+      </p:sp>
+      <p:sp>
+        <p:nvSpPr>
+          <p:cNvPr id="4" name="Rectangle 3">
+            <a:extLst>
+              <a:ext uri="{FF2B5EF4-FFF2-40B4-BE49-F238E27FC236}">
+                <a16:creationId xmlns:a16="http://schemas.microsoft.com/office/drawing/2014/main" id="{D249BEB5-404A-4252-8D84-B9F34B86B1E7}"/>
+              </a:ext>
+            </a:extLst>
+          </p:cNvPr>
+          <p:cNvSpPr/>
+          <p:nvPr/>
+        </p:nvSpPr>
+        <p:spPr>
+          <a:xfrm>
+            <a:off x="536558" y="3725158"/>
+            <a:ext cx="4107215" cy="461665"/>
+          </a:xfrm>
+          <a:prstGeom prst="rect">
+            <a:avLst/>
+          </a:prstGeom>
+        </p:spPr>
+        <p:txBody>
+          <a:bodyPr wrap="none">
+            <a:spAutoFit/>
+          </a:bodyPr>
+          <a:lstStyle/>
+          <a:p>
+            <a:r>
+              <a:rPr lang="en-US" sz="2400" i="1" dirty="0">
+                <a:ea typeface="Calibri" panose="020F0502020204030204" pitchFamily="34" charset="0"/>
+              </a:rPr>
+              <a:t>Example:</a:t>
+            </a:r>
+            <a:r>
+              <a:rPr lang="en-US" sz="2400" dirty="0">
+                <a:ea typeface="Calibri" panose="020F0502020204030204" pitchFamily="34" charset="0"/>
+              </a:rPr>
+              <a:t> </a:t>
+            </a:r>
+            <a:r>
+              <a:rPr lang="en-US" dirty="0">
+                <a:ea typeface="Calibri" panose="020F0502020204030204" pitchFamily="34" charset="0"/>
+              </a:rPr>
+              <a:t>“John gave Mary the book.”.</a:t>
+            </a:r>
+            <a:endParaRPr lang="en-US" dirty="0"/>
+          </a:p>
+        </p:txBody>
+      </p:sp>
+      <p:pic>
+        <p:nvPicPr>
+          <p:cNvPr id="12" name="Picture 11">
+            <a:extLst>
+              <a:ext uri="{FF2B5EF4-FFF2-40B4-BE49-F238E27FC236}">
+                <a16:creationId xmlns:a16="http://schemas.microsoft.com/office/drawing/2014/main" id="{C17DCC57-A264-4C13-9494-AA679DBAFDA7}"/>
+              </a:ext>
+            </a:extLst>
+          </p:cNvPr>
+          <p:cNvPicPr/>
+          <p:nvPr/>
+        </p:nvPicPr>
+        <p:blipFill>
+          <a:blip r:embed="rId2"/>
+          <a:stretch>
+            <a:fillRect/>
+          </a:stretch>
+        </p:blipFill>
+        <p:spPr>
+          <a:xfrm>
+            <a:off x="536558" y="4637588"/>
+            <a:ext cx="5314073" cy="1208074"/>
+          </a:xfrm>
+          <a:prstGeom prst="rect">
+            <a:avLst/>
+          </a:prstGeom>
+        </p:spPr>
+      </p:pic>
+      <p:sp>
+        <p:nvSpPr>
+          <p:cNvPr id="6" name="Rectangle 5">
+            <a:extLst>
+              <a:ext uri="{FF2B5EF4-FFF2-40B4-BE49-F238E27FC236}">
+                <a16:creationId xmlns:a16="http://schemas.microsoft.com/office/drawing/2014/main" id="{6BE28EF9-7551-4D2F-828F-B4FDD4C8663A}"/>
+              </a:ext>
+            </a:extLst>
+          </p:cNvPr>
+          <p:cNvSpPr/>
+          <p:nvPr/>
+        </p:nvSpPr>
+        <p:spPr>
+          <a:xfrm>
+            <a:off x="6891130" y="1827843"/>
+            <a:ext cx="3233530" cy="3717941"/>
+          </a:xfrm>
+          <a:prstGeom prst="rect">
+            <a:avLst/>
+          </a:prstGeom>
+        </p:spPr>
+        <p:txBody>
+          <a:bodyPr wrap="square">
+            <a:spAutoFit/>
+          </a:bodyPr>
+          <a:lstStyle/>
+          <a:p>
+            <a:pPr algn="just">
+              <a:lnSpc>
+                <a:spcPct val="115000"/>
+              </a:lnSpc>
+              <a:spcAft>
+                <a:spcPts val="800"/>
+              </a:spcAft>
+            </a:pPr>
+            <a:r>
+              <a:rPr lang="en-US" sz="2400" i="1" dirty="0"/>
+              <a:t>Dependency Relations :</a:t>
+            </a:r>
+          </a:p>
+          <a:p>
+            <a:pPr algn="just">
+              <a:spcBef>
+                <a:spcPts val="1200"/>
+              </a:spcBef>
+              <a:spcAft>
+                <a:spcPts val="800"/>
+              </a:spcAft>
+            </a:pPr>
+            <a:r>
+              <a:rPr lang="en-US" i="1" dirty="0"/>
+              <a:t>root(ROOT-0, gave-2) </a:t>
+            </a:r>
+          </a:p>
+          <a:p>
+            <a:pPr algn="just">
+              <a:spcBef>
+                <a:spcPts val="1200"/>
+              </a:spcBef>
+              <a:spcAft>
+                <a:spcPts val="800"/>
+              </a:spcAft>
+            </a:pPr>
+            <a:r>
+              <a:rPr lang="en-US" i="1" dirty="0"/>
+              <a:t>nsubj(gave-2, John-1) </a:t>
+            </a:r>
+          </a:p>
+          <a:p>
+            <a:pPr algn="just">
+              <a:spcBef>
+                <a:spcPts val="1200"/>
+              </a:spcBef>
+              <a:spcAft>
+                <a:spcPts val="800"/>
+              </a:spcAft>
+            </a:pPr>
+            <a:r>
+              <a:rPr lang="en-US" i="1" dirty="0"/>
+              <a:t>dobj(gave-2, book-5) </a:t>
+            </a:r>
+          </a:p>
+          <a:p>
+            <a:pPr algn="just">
+              <a:spcBef>
+                <a:spcPts val="1200"/>
+              </a:spcBef>
+              <a:spcAft>
+                <a:spcPts val="800"/>
+              </a:spcAft>
+            </a:pPr>
+            <a:r>
+              <a:rPr lang="en-US" i="1" dirty="0" err="1"/>
+              <a:t>iobj</a:t>
+            </a:r>
+            <a:r>
+              <a:rPr lang="en-US" i="1" dirty="0"/>
+              <a:t> (gave-2, Mary-3)</a:t>
+            </a:r>
+          </a:p>
+          <a:p>
+            <a:pPr algn="just">
+              <a:spcBef>
+                <a:spcPts val="1200"/>
+              </a:spcBef>
+              <a:spcAft>
+                <a:spcPts val="800"/>
+              </a:spcAft>
+            </a:pPr>
+            <a:r>
+              <a:rPr lang="en-US" i="1" dirty="0"/>
+              <a:t>det(book-5, the-4)</a:t>
+            </a:r>
+          </a:p>
+          <a:p>
+            <a:pPr algn="just">
+              <a:spcBef>
+                <a:spcPts val="1200"/>
+              </a:spcBef>
+              <a:spcAft>
+                <a:spcPts val="800"/>
+              </a:spcAft>
+            </a:pPr>
+            <a:r>
+              <a:rPr lang="en-US" i="1" dirty="0" err="1"/>
+              <a:t>punct</a:t>
+            </a:r>
+            <a:r>
+              <a:rPr lang="en-US" i="1" dirty="0"/>
+              <a:t>(gave-4, .-6)</a:t>
+            </a:r>
+          </a:p>
+        </p:txBody>
+      </p:sp>
+    </p:spTree>
+    <p:extLst>
+      <p:ext uri="{BB962C8B-B14F-4D97-AF65-F5344CB8AC3E}">
+        <p14:creationId xmlns:p14="http://schemas.microsoft.com/office/powerpoint/2010/main" val="1994691297"/>
+      </p:ext>
+    </p:extLst>
+  </p:cSld>
+  <p:clrMapOvr>
+    <a:masterClrMapping/>
+  </p:clrMapOvr>
+</p:sld>
+</file>
+
+<file path=ppt/slides/slide24.xml><?xml version="1.0" encoding="utf-8"?>
+<p:sld xmlns:a="http://schemas.openxmlformats.org/drawingml/2006/main" xmlns:r="http://schemas.openxmlformats.org/officeDocument/2006/relationships" xmlns:p="http://schemas.openxmlformats.org/presentationml/2006/main">
+  <p:cSld>
+    <p:spTree>
+      <p:nvGrpSpPr>
+        <p:cNvPr id="1" name=""/>
+        <p:cNvGrpSpPr/>
+        <p:nvPr/>
+      </p:nvGrpSpPr>
+      <p:grpSpPr>
+        <a:xfrm>
+          <a:off x="0" y="0"/>
+          <a:ext cx="0" cy="0"/>
+          <a:chOff x="0" y="0"/>
+          <a:chExt cx="0" cy="0"/>
+        </a:xfrm>
+      </p:grpSpPr>
+      <p:sp>
+        <p:nvSpPr>
+          <p:cNvPr id="5" name="Rectangle 4">
+            <a:extLst>
+              <a:ext uri="{FF2B5EF4-FFF2-40B4-BE49-F238E27FC236}">
+                <a16:creationId xmlns:a16="http://schemas.microsoft.com/office/drawing/2014/main" id="{8C2198D3-9081-462D-89AA-2AE36F0B965E}"/>
+              </a:ext>
+            </a:extLst>
+          </p:cNvPr>
+          <p:cNvSpPr/>
+          <p:nvPr/>
+        </p:nvSpPr>
+        <p:spPr>
+          <a:xfrm>
+            <a:off x="0" y="0"/>
+            <a:ext cx="12192000" cy="1311965"/>
+          </a:xfrm>
+          <a:prstGeom prst="rect">
+            <a:avLst/>
+          </a:prstGeom>
+        </p:spPr>
+        <p:style>
+          <a:lnRef idx="2">
+            <a:schemeClr val="dk1">
+              <a:shade val="50000"/>
+            </a:schemeClr>
+          </a:lnRef>
+          <a:fillRef idx="1">
+            <a:schemeClr val="dk1"/>
+          </a:fillRef>
+          <a:effectRef idx="0">
+            <a:schemeClr val="dk1"/>
+          </a:effectRef>
+          <a:fontRef idx="minor">
+            <a:schemeClr val="lt1"/>
+          </a:fontRef>
+        </p:style>
+        <p:txBody>
+          <a:bodyPr rtlCol="0" anchor="ctr"/>
+          <a:lstStyle/>
+          <a:p>
+            <a:pPr algn="ctr"/>
+            <a:endParaRPr lang="en-US" dirty="0"/>
+          </a:p>
+        </p:txBody>
+      </p:sp>
+      <p:sp>
+        <p:nvSpPr>
+          <p:cNvPr id="3" name="TextBox 2">
+            <a:extLst>
+              <a:ext uri="{FF2B5EF4-FFF2-40B4-BE49-F238E27FC236}">
+                <a16:creationId xmlns:a16="http://schemas.microsoft.com/office/drawing/2014/main" id="{1980B4EC-4697-4B4F-87E9-C0E68B2BB033}"/>
+              </a:ext>
+            </a:extLst>
+          </p:cNvPr>
+          <p:cNvSpPr txBox="1"/>
+          <p:nvPr/>
+        </p:nvSpPr>
+        <p:spPr>
+          <a:xfrm>
             <a:off x="3484081" y="332816"/>
             <a:ext cx="5223837" cy="646331"/>
           </a:xfrm>
@@ -5922,7 +6692,7 @@
 </p:sld>
 </file>
 
-<file path=ppt/slides/slide21.xml><?xml version="1.0" encoding="utf-8"?>
+<file path=ppt/slides/slide25.xml><?xml version="1.0" encoding="utf-8"?>
 <p:sld xmlns:a="http://schemas.openxmlformats.org/drawingml/2006/main" xmlns:r="http://schemas.openxmlformats.org/officeDocument/2006/relationships" xmlns:p="http://schemas.openxmlformats.org/presentationml/2006/main">
   <p:cSld>
     <p:spTree>

--- a/Notes/ThesisPresentation.pptx
+++ b/Notes/ThesisPresentation.pptx
@@ -30,6 +30,15 @@
     <p:sldId id="270" r:id="rId24"/>
     <p:sldId id="271" r:id="rId25"/>
     <p:sldId id="272" r:id="rId26"/>
+    <p:sldId id="283" r:id="rId27"/>
+    <p:sldId id="284" r:id="rId28"/>
+    <p:sldId id="285" r:id="rId29"/>
+    <p:sldId id="286" r:id="rId30"/>
+    <p:sldId id="287" r:id="rId31"/>
+    <p:sldId id="288" r:id="rId32"/>
+    <p:sldId id="289" r:id="rId33"/>
+    <p:sldId id="290" r:id="rId34"/>
+    <p:sldId id="291" r:id="rId35"/>
   </p:sldIdLst>
   <p:sldSz cx="12192000" cy="6858000"/>
   <p:notesSz cx="6858000" cy="9144000"/>
@@ -283,7 +292,7 @@
           <a:p>
             <a:fld id="{D3980B6F-F450-4063-8C4F-2C4AFE5FFD28}" type="datetimeFigureOut">
               <a:rPr lang="en-US" smtClean="0"/>
-              <a:t>4/12/2018</a:t>
+              <a:t>4/13/2018</a:t>
             </a:fld>
             <a:endParaRPr lang="en-US"/>
           </a:p>
@@ -481,7 +490,7 @@
           <a:p>
             <a:fld id="{D3980B6F-F450-4063-8C4F-2C4AFE5FFD28}" type="datetimeFigureOut">
               <a:rPr lang="en-US" smtClean="0"/>
-              <a:t>4/12/2018</a:t>
+              <a:t>4/13/2018</a:t>
             </a:fld>
             <a:endParaRPr lang="en-US"/>
           </a:p>
@@ -689,7 +698,7 @@
           <a:p>
             <a:fld id="{D3980B6F-F450-4063-8C4F-2C4AFE5FFD28}" type="datetimeFigureOut">
               <a:rPr lang="en-US" smtClean="0"/>
-              <a:t>4/12/2018</a:t>
+              <a:t>4/13/2018</a:t>
             </a:fld>
             <a:endParaRPr lang="en-US"/>
           </a:p>
@@ -887,7 +896,7 @@
           <a:p>
             <a:fld id="{D3980B6F-F450-4063-8C4F-2C4AFE5FFD28}" type="datetimeFigureOut">
               <a:rPr lang="en-US" smtClean="0"/>
-              <a:t>4/12/2018</a:t>
+              <a:t>4/13/2018</a:t>
             </a:fld>
             <a:endParaRPr lang="en-US"/>
           </a:p>
@@ -1162,7 +1171,7 @@
           <a:p>
             <a:fld id="{D3980B6F-F450-4063-8C4F-2C4AFE5FFD28}" type="datetimeFigureOut">
               <a:rPr lang="en-US" smtClean="0"/>
-              <a:t>4/12/2018</a:t>
+              <a:t>4/13/2018</a:t>
             </a:fld>
             <a:endParaRPr lang="en-US"/>
           </a:p>
@@ -1427,7 +1436,7 @@
           <a:p>
             <a:fld id="{D3980B6F-F450-4063-8C4F-2C4AFE5FFD28}" type="datetimeFigureOut">
               <a:rPr lang="en-US" smtClean="0"/>
-              <a:t>4/12/2018</a:t>
+              <a:t>4/13/2018</a:t>
             </a:fld>
             <a:endParaRPr lang="en-US"/>
           </a:p>
@@ -1839,7 +1848,7 @@
           <a:p>
             <a:fld id="{D3980B6F-F450-4063-8C4F-2C4AFE5FFD28}" type="datetimeFigureOut">
               <a:rPr lang="en-US" smtClean="0"/>
-              <a:t>4/12/2018</a:t>
+              <a:t>4/13/2018</a:t>
             </a:fld>
             <a:endParaRPr lang="en-US"/>
           </a:p>
@@ -1980,7 +1989,7 @@
           <a:p>
             <a:fld id="{D3980B6F-F450-4063-8C4F-2C4AFE5FFD28}" type="datetimeFigureOut">
               <a:rPr lang="en-US" smtClean="0"/>
-              <a:t>4/12/2018</a:t>
+              <a:t>4/13/2018</a:t>
             </a:fld>
             <a:endParaRPr lang="en-US"/>
           </a:p>
@@ -2093,7 +2102,7 @@
           <a:p>
             <a:fld id="{D3980B6F-F450-4063-8C4F-2C4AFE5FFD28}" type="datetimeFigureOut">
               <a:rPr lang="en-US" smtClean="0"/>
-              <a:t>4/12/2018</a:t>
+              <a:t>4/13/2018</a:t>
             </a:fld>
             <a:endParaRPr lang="en-US"/>
           </a:p>
@@ -2404,7 +2413,7 @@
           <a:p>
             <a:fld id="{D3980B6F-F450-4063-8C4F-2C4AFE5FFD28}" type="datetimeFigureOut">
               <a:rPr lang="en-US" smtClean="0"/>
-              <a:t>4/12/2018</a:t>
+              <a:t>4/13/2018</a:t>
             </a:fld>
             <a:endParaRPr lang="en-US"/>
           </a:p>
@@ -2692,7 +2701,7 @@
           <a:p>
             <a:fld id="{D3980B6F-F450-4063-8C4F-2C4AFE5FFD28}" type="datetimeFigureOut">
               <a:rPr lang="en-US" smtClean="0"/>
-              <a:t>4/12/2018</a:t>
+              <a:t>4/13/2018</a:t>
             </a:fld>
             <a:endParaRPr lang="en-US"/>
           </a:p>
@@ -2933,7 +2942,7 @@
           <a:p>
             <a:fld id="{D3980B6F-F450-4063-8C4F-2C4AFE5FFD28}" type="datetimeFigureOut">
               <a:rPr lang="en-US" smtClean="0"/>
-              <a:t>4/12/2018</a:t>
+              <a:t>4/13/2018</a:t>
             </a:fld>
             <a:endParaRPr lang="en-US"/>
           </a:p>
@@ -5209,6 +5218,470 @@
           </a:p>
         </p:txBody>
       </p:sp>
+      <p:sp>
+        <p:nvSpPr>
+          <p:cNvPr id="2" name="TextBox 1">
+            <a:extLst>
+              <a:ext uri="{FF2B5EF4-FFF2-40B4-BE49-F238E27FC236}">
+                <a16:creationId xmlns:a16="http://schemas.microsoft.com/office/drawing/2014/main" id="{2D595DA9-A186-40E7-A410-3D2575BB6CE9}"/>
+              </a:ext>
+            </a:extLst>
+          </p:cNvPr>
+          <p:cNvSpPr txBox="1"/>
+          <p:nvPr/>
+        </p:nvSpPr>
+        <p:spPr>
+          <a:xfrm>
+            <a:off x="357188" y="1460115"/>
+            <a:ext cx="10429461" cy="1415772"/>
+          </a:xfrm>
+          <a:prstGeom prst="rect">
+            <a:avLst/>
+          </a:prstGeom>
+          <a:noFill/>
+        </p:spPr>
+        <p:txBody>
+          <a:bodyPr wrap="square" rtlCol="0">
+            <a:spAutoFit/>
+          </a:bodyPr>
+          <a:lstStyle/>
+          <a:p>
+            <a:pPr>
+              <a:spcAft>
+                <a:spcPts val="1200"/>
+              </a:spcAft>
+            </a:pPr>
+            <a:r>
+              <a:rPr lang="en-US" sz="2200" b="1" dirty="0"/>
+              <a:t>Atom</a:t>
+            </a:r>
+            <a:endParaRPr lang="en-US" sz="2200" dirty="0"/>
+          </a:p>
+          <a:p>
+            <a:r>
+              <a:rPr lang="en-US" dirty="0"/>
+              <a:t>The most basic constituent of the ASP program is an atom. </a:t>
+            </a:r>
+          </a:p>
+          <a:p>
+            <a:r>
+              <a:rPr lang="en-US" dirty="0"/>
+              <a:t>It has the form </a:t>
+            </a:r>
+            <a:r>
+              <a:rPr lang="en-US" i="1" dirty="0"/>
+              <a:t>p (t</a:t>
+            </a:r>
+            <a:r>
+              <a:rPr lang="en-US" i="1" baseline="-25000" dirty="0"/>
+              <a:t>1</a:t>
+            </a:r>
+            <a:r>
+              <a:rPr lang="en-US" i="1" dirty="0"/>
+              <a:t>,…, tn)</a:t>
+            </a:r>
+            <a:r>
+              <a:rPr lang="en-US" dirty="0"/>
+              <a:t> </a:t>
+            </a:r>
+          </a:p>
+          <a:p>
+            <a:r>
+              <a:rPr lang="en-US" i="1" dirty="0"/>
+              <a:t>Example</a:t>
+            </a:r>
+            <a:r>
+              <a:rPr lang="en-US" dirty="0"/>
+              <a:t>, ‘</a:t>
+            </a:r>
+            <a:r>
+              <a:rPr lang="en-US" i="1" dirty="0">
+                <a:solidFill>
+                  <a:srgbClr val="FF0000"/>
+                </a:solidFill>
+              </a:rPr>
+              <a:t>parent (mary, alice)</a:t>
+            </a:r>
+            <a:r>
+              <a:rPr lang="en-US" dirty="0"/>
+              <a:t>’ and ‘</a:t>
+            </a:r>
+            <a:r>
+              <a:rPr lang="en-US" i="1" dirty="0">
+                <a:solidFill>
+                  <a:srgbClr val="FF0000"/>
+                </a:solidFill>
+              </a:rPr>
+              <a:t>alice</a:t>
+            </a:r>
+            <a:r>
+              <a:rPr lang="en-US" dirty="0"/>
+              <a:t>’ are both atoms, whereas ‘</a:t>
+            </a:r>
+            <a:r>
+              <a:rPr lang="en-US" i="1" dirty="0"/>
+              <a:t>parent (mary, girl(alice))</a:t>
+            </a:r>
+            <a:r>
+              <a:rPr lang="en-US" dirty="0"/>
+              <a:t>’ is not an atom.</a:t>
+            </a:r>
+          </a:p>
+        </p:txBody>
+      </p:sp>
+      <p:sp>
+        <p:nvSpPr>
+          <p:cNvPr id="4" name="TextBox 3">
+            <a:extLst>
+              <a:ext uri="{FF2B5EF4-FFF2-40B4-BE49-F238E27FC236}">
+                <a16:creationId xmlns:a16="http://schemas.microsoft.com/office/drawing/2014/main" id="{D205B322-E466-4DF5-9CFF-D37F2A786A79}"/>
+              </a:ext>
+            </a:extLst>
+          </p:cNvPr>
+          <p:cNvSpPr txBox="1"/>
+          <p:nvPr/>
+        </p:nvSpPr>
+        <p:spPr>
+          <a:xfrm>
+            <a:off x="357188" y="2987993"/>
+            <a:ext cx="10613957" cy="1692771"/>
+          </a:xfrm>
+          <a:prstGeom prst="rect">
+            <a:avLst/>
+          </a:prstGeom>
+          <a:noFill/>
+        </p:spPr>
+        <p:txBody>
+          <a:bodyPr wrap="square" rtlCol="0">
+            <a:spAutoFit/>
+          </a:bodyPr>
+          <a:lstStyle/>
+          <a:p>
+            <a:pPr>
+              <a:spcAft>
+                <a:spcPts val="1200"/>
+              </a:spcAft>
+            </a:pPr>
+            <a:r>
+              <a:rPr lang="en-US" sz="2200" b="1" dirty="0"/>
+              <a:t>Literal</a:t>
+            </a:r>
+            <a:endParaRPr lang="en-US" sz="2200" dirty="0"/>
+          </a:p>
+          <a:p>
+            <a:r>
+              <a:rPr lang="en-US" dirty="0"/>
+              <a:t>A literal is an atom of the form </a:t>
+            </a:r>
+            <a:r>
+              <a:rPr lang="en-US" i="1" dirty="0"/>
+              <a:t>p (t</a:t>
+            </a:r>
+            <a:r>
+              <a:rPr lang="en-US" i="1" baseline="-25000" dirty="0"/>
+              <a:t>1</a:t>
+            </a:r>
+            <a:r>
+              <a:rPr lang="en-US" i="1" dirty="0"/>
+              <a:t>,…, tn)</a:t>
+            </a:r>
+            <a:r>
+              <a:rPr lang="en-US" dirty="0"/>
+              <a:t> or its negation </a:t>
+            </a:r>
+            <a:r>
+              <a:rPr lang="en-US" i="1" dirty="0"/>
+              <a:t>-p (t</a:t>
+            </a:r>
+            <a:r>
+              <a:rPr lang="en-US" i="1" baseline="-25000" dirty="0"/>
+              <a:t>1</a:t>
+            </a:r>
+            <a:r>
+              <a:rPr lang="en-US" i="1" dirty="0"/>
+              <a:t>,…, tn)</a:t>
+            </a:r>
+            <a:r>
+              <a:rPr lang="en-US" dirty="0"/>
+              <a:t>. </a:t>
+            </a:r>
+          </a:p>
+          <a:p>
+            <a:r>
+              <a:rPr lang="en-US" dirty="0"/>
+              <a:t>An atom is called as a ground literal if every term </a:t>
+            </a:r>
+            <a:r>
+              <a:rPr lang="en-US" i="1" dirty="0"/>
+              <a:t>t</a:t>
+            </a:r>
+            <a:r>
+              <a:rPr lang="en-US" i="1" baseline="-25000" dirty="0"/>
+              <a:t>i</a:t>
+            </a:r>
+            <a:r>
+              <a:rPr lang="en-US" dirty="0"/>
+              <a:t> in the atom is ground. </a:t>
+            </a:r>
+          </a:p>
+          <a:p>
+            <a:r>
+              <a:rPr lang="en-US" dirty="0"/>
+              <a:t>For example, ‘</a:t>
+            </a:r>
+            <a:r>
+              <a:rPr lang="en-US" i="1" dirty="0">
+                <a:solidFill>
+                  <a:srgbClr val="FF0000"/>
+                </a:solidFill>
+              </a:rPr>
+              <a:t>parent (X, Y)</a:t>
+            </a:r>
+            <a:r>
+              <a:rPr lang="en-US" dirty="0"/>
+              <a:t>’ is a literal whereas ‘</a:t>
+            </a:r>
+            <a:r>
+              <a:rPr lang="en-US" i="1" dirty="0">
+                <a:solidFill>
+                  <a:srgbClr val="FF0000"/>
+                </a:solidFill>
+              </a:rPr>
+              <a:t>parent (mary, alice)</a:t>
+            </a:r>
+            <a:r>
+              <a:rPr lang="en-US" dirty="0"/>
+              <a:t>’ is called as a ground literal.</a:t>
+            </a:r>
+          </a:p>
+          <a:p>
+            <a:endParaRPr lang="en-US" dirty="0"/>
+          </a:p>
+        </p:txBody>
+      </p:sp>
+      <p:sp>
+        <p:nvSpPr>
+          <p:cNvPr id="6" name="TextBox 5">
+            <a:extLst>
+              <a:ext uri="{FF2B5EF4-FFF2-40B4-BE49-F238E27FC236}">
+                <a16:creationId xmlns:a16="http://schemas.microsoft.com/office/drawing/2014/main" id="{685A431C-C6D2-41EC-9395-24160655A435}"/>
+              </a:ext>
+            </a:extLst>
+          </p:cNvPr>
+          <p:cNvSpPr txBox="1"/>
+          <p:nvPr/>
+        </p:nvSpPr>
+        <p:spPr>
+          <a:xfrm>
+            <a:off x="357188" y="4555414"/>
+            <a:ext cx="9978888" cy="1969770"/>
+          </a:xfrm>
+          <a:prstGeom prst="rect">
+            <a:avLst/>
+          </a:prstGeom>
+          <a:noFill/>
+        </p:spPr>
+        <p:txBody>
+          <a:bodyPr wrap="square" rtlCol="0">
+            <a:spAutoFit/>
+          </a:bodyPr>
+          <a:lstStyle/>
+          <a:p>
+            <a:pPr>
+              <a:spcAft>
+                <a:spcPts val="1200"/>
+              </a:spcAft>
+            </a:pPr>
+            <a:r>
+              <a:rPr lang="en-US" sz="2200" b="1" dirty="0"/>
+              <a:t>Rule</a:t>
+            </a:r>
+            <a:endParaRPr lang="en-US" sz="2200" dirty="0"/>
+          </a:p>
+          <a:p>
+            <a:r>
+              <a:rPr lang="en-US" dirty="0"/>
+              <a:t>An ASP Program consists of a collection of rules of the form</a:t>
+            </a:r>
+          </a:p>
+          <a:p>
+            <a:pPr lvl="0"/>
+            <a:r>
+              <a:rPr lang="en-US" dirty="0"/>
+              <a:t>l</a:t>
+            </a:r>
+            <a:r>
+              <a:rPr lang="en-US" baseline="-25000" dirty="0"/>
+              <a:t>0   </a:t>
+            </a:r>
+            <a:r>
+              <a:rPr lang="en-US" dirty="0"/>
+              <a:t>l</a:t>
+            </a:r>
+            <a:r>
+              <a:rPr lang="en-US" baseline="-25000" dirty="0"/>
+              <a:t>i</a:t>
+            </a:r>
+            <a:r>
+              <a:rPr lang="en-US" dirty="0"/>
+              <a:t> </a:t>
+            </a:r>
+            <a:r>
+              <a:rPr lang="en-US" dirty="0">
+                <a:sym typeface="Wingdings" panose="05000000000000000000" pitchFamily="2" charset="2"/>
+              </a:rPr>
+              <a:t></a:t>
+            </a:r>
+            <a:r>
+              <a:rPr lang="en-US" dirty="0"/>
+              <a:t> l</a:t>
+            </a:r>
+            <a:r>
+              <a:rPr lang="en-US" baseline="-25000" dirty="0"/>
+              <a:t>i+1</a:t>
+            </a:r>
+            <a:r>
+              <a:rPr lang="en-US" dirty="0"/>
+              <a:t>, …, l</a:t>
+            </a:r>
+            <a:r>
+              <a:rPr lang="en-US" baseline="-25000" dirty="0"/>
+              <a:t>m</a:t>
+            </a:r>
+            <a:r>
+              <a:rPr lang="en-US" dirty="0"/>
+              <a:t>, not l</a:t>
+            </a:r>
+            <a:r>
+              <a:rPr lang="en-US" baseline="-25000" dirty="0"/>
+              <a:t>m+1</a:t>
+            </a:r>
+            <a:r>
+              <a:rPr lang="en-US" dirty="0"/>
+              <a:t>,…, not l</a:t>
+            </a:r>
+            <a:r>
+              <a:rPr lang="en-US" baseline="-25000" dirty="0"/>
+              <a:t>n</a:t>
+            </a:r>
+            <a:endParaRPr lang="en-US" dirty="0"/>
+          </a:p>
+          <a:p>
+            <a:r>
+              <a:rPr lang="en-US" dirty="0"/>
+              <a:t>An ASP rule is divided into </a:t>
+            </a:r>
+            <a:r>
+              <a:rPr lang="en-US" dirty="0">
+                <a:solidFill>
+                  <a:srgbClr val="FF0000"/>
+                </a:solidFill>
+              </a:rPr>
+              <a:t>two parts viz. head and a body</a:t>
+            </a:r>
+            <a:r>
+              <a:rPr lang="en-US" dirty="0"/>
+              <a:t>. </a:t>
+            </a:r>
+          </a:p>
+          <a:p>
+            <a:r>
+              <a:rPr lang="en-US" dirty="0"/>
+              <a:t>A rule with an empty head is called as a </a:t>
+            </a:r>
+            <a:r>
+              <a:rPr lang="en-US" dirty="0">
+                <a:solidFill>
+                  <a:srgbClr val="FF0000"/>
+                </a:solidFill>
+              </a:rPr>
+              <a:t>constraint</a:t>
+            </a:r>
+            <a:r>
+              <a:rPr lang="en-US" dirty="0"/>
+              <a:t> whereas a rule with an empty body is called as a </a:t>
+            </a:r>
+            <a:r>
+              <a:rPr lang="en-US" dirty="0">
+                <a:solidFill>
+                  <a:srgbClr val="FF0000"/>
+                </a:solidFill>
+              </a:rPr>
+              <a:t>fact</a:t>
+            </a:r>
+            <a:r>
+              <a:rPr lang="en-US" dirty="0"/>
+              <a:t>.</a:t>
+            </a:r>
+          </a:p>
+          <a:p>
+            <a:r>
+              <a:rPr lang="en-US" i="1" dirty="0"/>
+              <a:t>Example, </a:t>
+            </a:r>
+            <a:r>
+              <a:rPr lang="en-US" i="1" dirty="0">
+                <a:solidFill>
+                  <a:srgbClr val="FF0000"/>
+                </a:solidFill>
+              </a:rPr>
+              <a:t>:- queen(</a:t>
+            </a:r>
+            <a:r>
+              <a:rPr lang="en-US" i="1" dirty="0" err="1">
+                <a:solidFill>
+                  <a:srgbClr val="FF0000"/>
+                </a:solidFill>
+              </a:rPr>
+              <a:t>i</a:t>
+            </a:r>
+            <a:r>
+              <a:rPr lang="en-US" i="1" dirty="0">
+                <a:solidFill>
+                  <a:srgbClr val="FF0000"/>
+                </a:solidFill>
+              </a:rPr>
+              <a:t>), queen(j), </a:t>
+            </a:r>
+            <a:r>
+              <a:rPr lang="en-US" i="1" dirty="0" err="1">
+                <a:solidFill>
+                  <a:srgbClr val="FF0000"/>
+                </a:solidFill>
+              </a:rPr>
+              <a:t>i</a:t>
+            </a:r>
+            <a:r>
+              <a:rPr lang="en-US" i="1" dirty="0">
+                <a:solidFill>
+                  <a:srgbClr val="FF0000"/>
+                </a:solidFill>
+              </a:rPr>
+              <a:t> = j</a:t>
+            </a:r>
+            <a:r>
+              <a:rPr lang="en-US" i="1" dirty="0"/>
+              <a:t> </a:t>
+            </a:r>
+            <a:r>
+              <a:rPr lang="en-US" dirty="0"/>
+              <a:t>is a constraint and </a:t>
+            </a:r>
+            <a:r>
+              <a:rPr lang="en-US" i="1" dirty="0">
+                <a:solidFill>
+                  <a:srgbClr val="FF0000"/>
+                </a:solidFill>
+              </a:rPr>
+              <a:t>parent(mary, alice) </a:t>
+            </a:r>
+            <a:r>
+              <a:rPr lang="en-US" dirty="0"/>
+              <a:t>is a fact.</a:t>
+            </a:r>
+          </a:p>
+        </p:txBody>
+      </p:sp>
     </p:spTree>
     <p:extLst>
       <p:ext uri="{BB962C8B-B14F-4D97-AF65-F5344CB8AC3E}">
@@ -5664,6 +6137,362 @@
           </a:p>
         </p:txBody>
       </p:sp>
+      <p:sp>
+        <p:nvSpPr>
+          <p:cNvPr id="4" name="TextBox 3">
+            <a:extLst>
+              <a:ext uri="{FF2B5EF4-FFF2-40B4-BE49-F238E27FC236}">
+                <a16:creationId xmlns:a16="http://schemas.microsoft.com/office/drawing/2014/main" id="{5609BFCB-F17C-451A-A289-DEEA875A53D1}"/>
+              </a:ext>
+            </a:extLst>
+          </p:cNvPr>
+          <p:cNvSpPr txBox="1"/>
+          <p:nvPr/>
+        </p:nvSpPr>
+        <p:spPr>
+          <a:xfrm>
+            <a:off x="304798" y="1665196"/>
+            <a:ext cx="4837043" cy="2277547"/>
+          </a:xfrm>
+          <a:prstGeom prst="rect">
+            <a:avLst/>
+          </a:prstGeom>
+          <a:noFill/>
+        </p:spPr>
+        <p:txBody>
+          <a:bodyPr wrap="square" rtlCol="0">
+            <a:spAutoFit/>
+          </a:bodyPr>
+          <a:lstStyle/>
+          <a:p>
+            <a:r>
+              <a:rPr lang="en-US" sz="2200" b="1" dirty="0"/>
+              <a:t>1. Modelling Implications:</a:t>
+            </a:r>
+            <a:endParaRPr lang="en-US" sz="2200" dirty="0"/>
+          </a:p>
+          <a:p>
+            <a:pPr>
+              <a:spcBef>
+                <a:spcPts val="1200"/>
+              </a:spcBef>
+            </a:pPr>
+            <a:r>
+              <a:rPr lang="en-US" dirty="0"/>
+              <a:t>Head of the rule succeeds only if every literal in the body succeeds.</a:t>
+            </a:r>
+          </a:p>
+          <a:p>
+            <a:pPr>
+              <a:spcBef>
+                <a:spcPts val="1200"/>
+              </a:spcBef>
+            </a:pPr>
+            <a:r>
+              <a:rPr lang="en-US" i="1" dirty="0">
+                <a:solidFill>
+                  <a:srgbClr val="FF0000"/>
+                </a:solidFill>
+              </a:rPr>
+              <a:t>parent (A, B) :- father (A, B).</a:t>
+            </a:r>
+          </a:p>
+          <a:p>
+            <a:pPr>
+              <a:spcBef>
+                <a:spcPts val="1200"/>
+              </a:spcBef>
+            </a:pPr>
+            <a:r>
+              <a:rPr lang="en-US" dirty="0"/>
+              <a:t>The above rule states that if </a:t>
+            </a:r>
+            <a:r>
+              <a:rPr lang="en-US" i="1" dirty="0"/>
+              <a:t>A is the father of B </a:t>
+            </a:r>
+            <a:r>
+              <a:rPr lang="en-US" dirty="0"/>
+              <a:t>then </a:t>
+            </a:r>
+            <a:r>
+              <a:rPr lang="en-US" i="1" dirty="0"/>
+              <a:t>A is a parent of B</a:t>
+            </a:r>
+          </a:p>
+        </p:txBody>
+      </p:sp>
+      <p:sp>
+        <p:nvSpPr>
+          <p:cNvPr id="6" name="TextBox 5">
+            <a:extLst>
+              <a:ext uri="{FF2B5EF4-FFF2-40B4-BE49-F238E27FC236}">
+                <a16:creationId xmlns:a16="http://schemas.microsoft.com/office/drawing/2014/main" id="{A50B0151-A5DD-40E0-A3DD-FF3376E6C7A1}"/>
+              </a:ext>
+            </a:extLst>
+          </p:cNvPr>
+          <p:cNvSpPr txBox="1"/>
+          <p:nvPr/>
+        </p:nvSpPr>
+        <p:spPr>
+          <a:xfrm>
+            <a:off x="304798" y="4087225"/>
+            <a:ext cx="4837043" cy="2000548"/>
+          </a:xfrm>
+          <a:prstGeom prst="rect">
+            <a:avLst/>
+          </a:prstGeom>
+          <a:noFill/>
+        </p:spPr>
+        <p:txBody>
+          <a:bodyPr wrap="square" rtlCol="0">
+            <a:spAutoFit/>
+          </a:bodyPr>
+          <a:lstStyle/>
+          <a:p>
+            <a:r>
+              <a:rPr lang="en-US" sz="2200" b="1" dirty="0"/>
+              <a:t>2. Classical Negation:</a:t>
+            </a:r>
+            <a:endParaRPr lang="en-US" sz="2200" dirty="0"/>
+          </a:p>
+          <a:p>
+            <a:pPr>
+              <a:spcBef>
+                <a:spcPts val="1200"/>
+              </a:spcBef>
+            </a:pPr>
+            <a:r>
+              <a:rPr lang="en-US" dirty="0"/>
+              <a:t>Here we use negative literal to show falsehood</a:t>
+            </a:r>
+          </a:p>
+          <a:p>
+            <a:pPr>
+              <a:spcBef>
+                <a:spcPts val="1200"/>
+              </a:spcBef>
+            </a:pPr>
+            <a:r>
+              <a:rPr lang="en-US" i="1" dirty="0">
+                <a:solidFill>
+                  <a:srgbClr val="FF0000"/>
+                </a:solidFill>
+              </a:rPr>
+              <a:t>-eat (P, F) :- allergic (P, F).</a:t>
+            </a:r>
+          </a:p>
+          <a:p>
+            <a:pPr>
+              <a:spcBef>
+                <a:spcPts val="1200"/>
+              </a:spcBef>
+            </a:pPr>
+            <a:r>
+              <a:rPr lang="en-US" dirty="0"/>
+              <a:t>The above rule states that if </a:t>
+            </a:r>
+            <a:r>
+              <a:rPr lang="en-US" i="1" dirty="0"/>
+              <a:t>P is allergic to F </a:t>
+            </a:r>
+            <a:r>
+              <a:rPr lang="en-US" dirty="0"/>
+              <a:t>then </a:t>
+            </a:r>
+            <a:r>
+              <a:rPr lang="en-US" i="1" dirty="0"/>
+              <a:t>P does not eat F</a:t>
+            </a:r>
+          </a:p>
+        </p:txBody>
+      </p:sp>
+      <p:sp>
+        <p:nvSpPr>
+          <p:cNvPr id="7" name="TextBox 6">
+            <a:extLst>
+              <a:ext uri="{FF2B5EF4-FFF2-40B4-BE49-F238E27FC236}">
+                <a16:creationId xmlns:a16="http://schemas.microsoft.com/office/drawing/2014/main" id="{58B05DA7-7446-4877-AEB1-5A0C57341E25}"/>
+              </a:ext>
+            </a:extLst>
+          </p:cNvPr>
+          <p:cNvSpPr txBox="1"/>
+          <p:nvPr/>
+        </p:nvSpPr>
+        <p:spPr>
+          <a:xfrm>
+            <a:off x="6261651" y="1665196"/>
+            <a:ext cx="4837043" cy="2277547"/>
+          </a:xfrm>
+          <a:prstGeom prst="rect">
+            <a:avLst/>
+          </a:prstGeom>
+          <a:noFill/>
+        </p:spPr>
+        <p:txBody>
+          <a:bodyPr wrap="square" rtlCol="0">
+            <a:spAutoFit/>
+          </a:bodyPr>
+          <a:lstStyle/>
+          <a:p>
+            <a:r>
+              <a:rPr lang="en-US" sz="2200" b="1" dirty="0"/>
+              <a:t>3. Constraints:</a:t>
+            </a:r>
+            <a:endParaRPr lang="en-US" sz="2200" dirty="0"/>
+          </a:p>
+          <a:p>
+            <a:pPr>
+              <a:spcBef>
+                <a:spcPts val="1200"/>
+              </a:spcBef>
+            </a:pPr>
+            <a:r>
+              <a:rPr lang="en-US" dirty="0"/>
+              <a:t>These are used to model that some predicate is always false in the current model.</a:t>
+            </a:r>
+          </a:p>
+          <a:p>
+            <a:pPr>
+              <a:spcBef>
+                <a:spcPts val="1200"/>
+              </a:spcBef>
+            </a:pPr>
+            <a:r>
+              <a:rPr lang="en-US" i="1" dirty="0">
+                <a:solidFill>
+                  <a:srgbClr val="FF0000"/>
+                </a:solidFill>
+              </a:rPr>
+              <a:t>:- color (B, red), color (B, yellow).</a:t>
+            </a:r>
+          </a:p>
+          <a:p>
+            <a:pPr>
+              <a:spcBef>
+                <a:spcPts val="1200"/>
+              </a:spcBef>
+            </a:pPr>
+            <a:r>
+              <a:rPr lang="en-US" dirty="0"/>
+              <a:t>The above rule states that the block B can never have red as well as yellow color.</a:t>
+            </a:r>
+            <a:endParaRPr lang="en-US" i="1" dirty="0"/>
+          </a:p>
+        </p:txBody>
+      </p:sp>
+      <p:sp>
+        <p:nvSpPr>
+          <p:cNvPr id="8" name="TextBox 7">
+            <a:extLst>
+              <a:ext uri="{FF2B5EF4-FFF2-40B4-BE49-F238E27FC236}">
+                <a16:creationId xmlns:a16="http://schemas.microsoft.com/office/drawing/2014/main" id="{D6B484E1-915A-4CA6-9F37-BEF28B0D2AE3}"/>
+              </a:ext>
+            </a:extLst>
+          </p:cNvPr>
+          <p:cNvSpPr txBox="1"/>
+          <p:nvPr/>
+        </p:nvSpPr>
+        <p:spPr>
+          <a:xfrm>
+            <a:off x="6261650" y="4087225"/>
+            <a:ext cx="4837043" cy="2554545"/>
+          </a:xfrm>
+          <a:prstGeom prst="rect">
+            <a:avLst/>
+          </a:prstGeom>
+          <a:noFill/>
+        </p:spPr>
+        <p:txBody>
+          <a:bodyPr wrap="square" rtlCol="0">
+            <a:spAutoFit/>
+          </a:bodyPr>
+          <a:lstStyle/>
+          <a:p>
+            <a:r>
+              <a:rPr lang="en-US" sz="2200" b="1" dirty="0"/>
+              <a:t>4. Default Negation:</a:t>
+            </a:r>
+            <a:endParaRPr lang="en-US" sz="2200" dirty="0"/>
+          </a:p>
+          <a:p>
+            <a:pPr>
+              <a:spcBef>
+                <a:spcPts val="1200"/>
+              </a:spcBef>
+            </a:pPr>
+            <a:r>
+              <a:rPr lang="en-US" dirty="0"/>
+              <a:t>Default Negation also called as Negation as Failure helps make conclusions based on absence of information</a:t>
+            </a:r>
+          </a:p>
+          <a:p>
+            <a:pPr>
+              <a:spcBef>
+                <a:spcPts val="1200"/>
+              </a:spcBef>
+            </a:pPr>
+            <a:r>
+              <a:rPr lang="en-US" i="1" dirty="0">
+                <a:solidFill>
+                  <a:srgbClr val="FF0000"/>
+                </a:solidFill>
+              </a:rPr>
+              <a:t>like (P, F) :- not -like (P, F)</a:t>
+            </a:r>
+          </a:p>
+          <a:p>
+            <a:pPr>
+              <a:spcBef>
+                <a:spcPts val="1200"/>
+              </a:spcBef>
+            </a:pPr>
+            <a:r>
+              <a:rPr lang="en-US" dirty="0"/>
+              <a:t>The above rule states that P may like F if not explicitly proved otherwise.</a:t>
+            </a:r>
+            <a:endParaRPr lang="en-US" i="1" dirty="0"/>
+          </a:p>
+        </p:txBody>
+      </p:sp>
+      <p:cxnSp>
+        <p:nvCxnSpPr>
+          <p:cNvPr id="9" name="Straight Connector 8">
+            <a:extLst>
+              <a:ext uri="{FF2B5EF4-FFF2-40B4-BE49-F238E27FC236}">
+                <a16:creationId xmlns:a16="http://schemas.microsoft.com/office/drawing/2014/main" id="{DB178BF3-6C38-4335-AFD7-5DF6178C4772}"/>
+              </a:ext>
+            </a:extLst>
+          </p:cNvPr>
+          <p:cNvCxnSpPr>
+            <a:cxnSpLocks/>
+          </p:cNvCxnSpPr>
+          <p:nvPr/>
+        </p:nvCxnSpPr>
+        <p:spPr>
+          <a:xfrm>
+            <a:off x="5560108" y="1314207"/>
+            <a:ext cx="0" cy="5546035"/>
+          </a:xfrm>
+          <a:prstGeom prst="line">
+            <a:avLst/>
+          </a:prstGeom>
+        </p:spPr>
+        <p:style>
+          <a:lnRef idx="1">
+            <a:schemeClr val="dk1"/>
+          </a:lnRef>
+          <a:fillRef idx="0">
+            <a:schemeClr val="dk1"/>
+          </a:fillRef>
+          <a:effectRef idx="0">
+            <a:schemeClr val="dk1"/>
+          </a:effectRef>
+          <a:fontRef idx="minor">
+            <a:schemeClr val="tx1"/>
+          </a:fontRef>
+        </p:style>
+      </p:cxnSp>
     </p:spTree>
     <p:extLst>
       <p:ext uri="{BB962C8B-B14F-4D97-AF65-F5344CB8AC3E}">
@@ -5779,6 +6608,783 @@
           </a:p>
         </p:txBody>
       </p:sp>
+      <p:sp>
+        <p:nvSpPr>
+          <p:cNvPr id="4" name="TextBox 3">
+            <a:extLst>
+              <a:ext uri="{FF2B5EF4-FFF2-40B4-BE49-F238E27FC236}">
+                <a16:creationId xmlns:a16="http://schemas.microsoft.com/office/drawing/2014/main" id="{C0317BEF-CC52-4D2E-AB38-9CC52AB58F04}"/>
+              </a:ext>
+            </a:extLst>
+          </p:cNvPr>
+          <p:cNvSpPr txBox="1"/>
+          <p:nvPr/>
+        </p:nvSpPr>
+        <p:spPr>
+          <a:xfrm>
+            <a:off x="304798" y="1665196"/>
+            <a:ext cx="11025811" cy="1569660"/>
+          </a:xfrm>
+          <a:prstGeom prst="rect">
+            <a:avLst/>
+          </a:prstGeom>
+          <a:noFill/>
+        </p:spPr>
+        <p:txBody>
+          <a:bodyPr wrap="square" rtlCol="0">
+            <a:spAutoFit/>
+          </a:bodyPr>
+          <a:lstStyle/>
+          <a:p>
+            <a:pPr marL="285750" indent="-285750">
+              <a:buFontTx/>
+              <a:buChar char="-"/>
+            </a:pPr>
+            <a:r>
+              <a:rPr lang="en-US" sz="2400" dirty="0"/>
+              <a:t>Default reasoning is very useful in modelling human reasoning </a:t>
+            </a:r>
+          </a:p>
+          <a:p>
+            <a:pPr marL="285750" indent="-285750">
+              <a:buFontTx/>
+              <a:buChar char="-"/>
+            </a:pPr>
+            <a:r>
+              <a:rPr lang="en-US" sz="2400" dirty="0"/>
+              <a:t>We can draw conclusions from the default rule in the absence of information. </a:t>
+            </a:r>
+          </a:p>
+          <a:p>
+            <a:pPr marL="285750" indent="-285750">
+              <a:buFontTx/>
+              <a:buChar char="-"/>
+            </a:pPr>
+            <a:r>
+              <a:rPr lang="en-US" sz="2400" dirty="0"/>
+              <a:t>Example: “</a:t>
+            </a:r>
+            <a:r>
+              <a:rPr lang="en-US" sz="2400" dirty="0">
+                <a:solidFill>
+                  <a:srgbClr val="FF0000"/>
+                </a:solidFill>
+              </a:rPr>
+              <a:t>Normally elements of class C have property P</a:t>
+            </a:r>
+            <a:r>
+              <a:rPr lang="en-US" sz="2400" dirty="0"/>
+              <a:t>” is represented as the following rule</a:t>
+            </a:r>
+          </a:p>
+        </p:txBody>
+      </p:sp>
+      <p:sp>
+        <p:nvSpPr>
+          <p:cNvPr id="2" name="TextBox 1">
+            <a:extLst>
+              <a:ext uri="{FF2B5EF4-FFF2-40B4-BE49-F238E27FC236}">
+                <a16:creationId xmlns:a16="http://schemas.microsoft.com/office/drawing/2014/main" id="{36B7CE50-8711-4438-B2D1-50412BF76393}"/>
+              </a:ext>
+            </a:extLst>
+          </p:cNvPr>
+          <p:cNvSpPr txBox="1"/>
+          <p:nvPr/>
+        </p:nvSpPr>
+        <p:spPr>
+          <a:xfrm>
+            <a:off x="304798" y="3293166"/>
+            <a:ext cx="2835967" cy="1200329"/>
+          </a:xfrm>
+          <a:prstGeom prst="rect">
+            <a:avLst/>
+          </a:prstGeom>
+          <a:noFill/>
+        </p:spPr>
+        <p:txBody>
+          <a:bodyPr wrap="square" rtlCol="0">
+            <a:spAutoFit/>
+          </a:bodyPr>
+          <a:lstStyle/>
+          <a:p>
+            <a:pPr lvl="1"/>
+            <a:r>
+              <a:rPr lang="en-US" sz="2400" i="1" dirty="0"/>
+              <a:t>p(X) :- c(X),</a:t>
+            </a:r>
+            <a:endParaRPr lang="en-US" sz="2400" dirty="0"/>
+          </a:p>
+          <a:p>
+            <a:pPr lvl="1"/>
+            <a:r>
+              <a:rPr lang="en-US" sz="2400" i="1" dirty="0"/>
+              <a:t>	not </a:t>
+            </a:r>
+            <a:r>
+              <a:rPr lang="en-US" sz="2400" i="1" dirty="0">
+                <a:solidFill>
+                  <a:schemeClr val="accent5">
+                    <a:lumMod val="50000"/>
+                  </a:schemeClr>
+                </a:solidFill>
+              </a:rPr>
+              <a:t>ab(d(X)),</a:t>
+            </a:r>
+            <a:endParaRPr lang="en-US" sz="2400" dirty="0">
+              <a:solidFill>
+                <a:schemeClr val="accent5">
+                  <a:lumMod val="50000"/>
+                </a:schemeClr>
+              </a:solidFill>
+            </a:endParaRPr>
+          </a:p>
+          <a:p>
+            <a:pPr lvl="1"/>
+            <a:r>
+              <a:rPr lang="en-US" sz="2400" i="1" dirty="0"/>
+              <a:t>	not </a:t>
+            </a:r>
+            <a:r>
+              <a:rPr lang="en-US" sz="2400" i="1" dirty="0">
+                <a:solidFill>
+                  <a:srgbClr val="920000"/>
+                </a:solidFill>
+              </a:rPr>
+              <a:t>-p(X).</a:t>
+            </a:r>
+            <a:endParaRPr lang="en-US" sz="2400" dirty="0">
+              <a:solidFill>
+                <a:srgbClr val="920000"/>
+              </a:solidFill>
+            </a:endParaRPr>
+          </a:p>
+        </p:txBody>
+      </p:sp>
+      <p:sp>
+        <p:nvSpPr>
+          <p:cNvPr id="6" name="Rectangle 5">
+            <a:extLst>
+              <a:ext uri="{FF2B5EF4-FFF2-40B4-BE49-F238E27FC236}">
+                <a16:creationId xmlns:a16="http://schemas.microsoft.com/office/drawing/2014/main" id="{AB8C6115-03AF-4B63-9FB2-F9C64987BE38}"/>
+              </a:ext>
+            </a:extLst>
+          </p:cNvPr>
+          <p:cNvSpPr/>
+          <p:nvPr/>
+        </p:nvSpPr>
+        <p:spPr>
+          <a:xfrm>
+            <a:off x="636103" y="4678913"/>
+            <a:ext cx="10694505" cy="1339662"/>
+          </a:xfrm>
+          <a:prstGeom prst="rect">
+            <a:avLst/>
+          </a:prstGeom>
+        </p:spPr>
+        <p:txBody>
+          <a:bodyPr wrap="square">
+            <a:spAutoFit/>
+          </a:bodyPr>
+          <a:lstStyle/>
+          <a:p>
+            <a:pPr algn="just">
+              <a:lnSpc>
+                <a:spcPct val="115000"/>
+              </a:lnSpc>
+              <a:spcAft>
+                <a:spcPts val="800"/>
+              </a:spcAft>
+            </a:pPr>
+            <a:r>
+              <a:rPr lang="en-US" sz="2400" dirty="0">
+                <a:latin typeface="Times New Roman" panose="02020603050405020304" pitchFamily="18" charset="0"/>
+                <a:ea typeface="Calibri" panose="020F0502020204030204" pitchFamily="34" charset="0"/>
+                <a:cs typeface="Times New Roman" panose="02020603050405020304" pitchFamily="18" charset="0"/>
+              </a:rPr>
+              <a:t>Here, </a:t>
+            </a:r>
+            <a:r>
+              <a:rPr lang="en-US" sz="2400" i="1" dirty="0">
+                <a:latin typeface="Times New Roman" panose="02020603050405020304" pitchFamily="18" charset="0"/>
+                <a:ea typeface="Calibri" panose="020F0502020204030204" pitchFamily="34" charset="0"/>
+                <a:cs typeface="Times New Roman" panose="02020603050405020304" pitchFamily="18" charset="0"/>
+              </a:rPr>
+              <a:t>ab(d(X))</a:t>
+            </a:r>
+            <a:r>
+              <a:rPr lang="en-US" sz="2400" dirty="0">
+                <a:latin typeface="Times New Roman" panose="02020603050405020304" pitchFamily="18" charset="0"/>
+                <a:ea typeface="Calibri" panose="020F0502020204030204" pitchFamily="34" charset="0"/>
+                <a:cs typeface="Times New Roman" panose="02020603050405020304" pitchFamily="18" charset="0"/>
+              </a:rPr>
+              <a:t> can be read as </a:t>
+            </a:r>
+            <a:r>
+              <a:rPr lang="en-US" sz="2400" i="1" dirty="0">
+                <a:solidFill>
+                  <a:srgbClr val="FF0000"/>
+                </a:solidFill>
+                <a:latin typeface="Times New Roman" panose="02020603050405020304" pitchFamily="18" charset="0"/>
+                <a:ea typeface="Calibri" panose="020F0502020204030204" pitchFamily="34" charset="0"/>
+                <a:cs typeface="Times New Roman" panose="02020603050405020304" pitchFamily="18" charset="0"/>
+              </a:rPr>
+              <a:t>“X is abnormal with respect to the default assumption d”</a:t>
+            </a:r>
+            <a:r>
+              <a:rPr lang="en-US" sz="2400" dirty="0">
+                <a:latin typeface="Times New Roman" panose="02020603050405020304" pitchFamily="18" charset="0"/>
+                <a:ea typeface="Calibri" panose="020F0502020204030204" pitchFamily="34" charset="0"/>
+                <a:cs typeface="Times New Roman" panose="02020603050405020304" pitchFamily="18" charset="0"/>
+              </a:rPr>
+              <a:t> and </a:t>
+            </a:r>
+            <a:r>
+              <a:rPr lang="en-US" sz="2400" i="1" dirty="0">
+                <a:latin typeface="Times New Roman" panose="02020603050405020304" pitchFamily="18" charset="0"/>
+                <a:ea typeface="Calibri" panose="020F0502020204030204" pitchFamily="34" charset="0"/>
+                <a:cs typeface="Times New Roman" panose="02020603050405020304" pitchFamily="18" charset="0"/>
+              </a:rPr>
+              <a:t>not-p(X)</a:t>
+            </a:r>
+            <a:r>
+              <a:rPr lang="en-US" sz="2400" dirty="0">
+                <a:latin typeface="Times New Roman" panose="02020603050405020304" pitchFamily="18" charset="0"/>
+                <a:ea typeface="Calibri" panose="020F0502020204030204" pitchFamily="34" charset="0"/>
+                <a:cs typeface="Times New Roman" panose="02020603050405020304" pitchFamily="18" charset="0"/>
+              </a:rPr>
+              <a:t> can be read as “We can’t successfully prove that </a:t>
+            </a:r>
+            <a:r>
+              <a:rPr lang="en-US" sz="2400" i="1" dirty="0">
+                <a:latin typeface="Times New Roman" panose="02020603050405020304" pitchFamily="18" charset="0"/>
+                <a:ea typeface="Calibri" panose="020F0502020204030204" pitchFamily="34" charset="0"/>
+                <a:cs typeface="Times New Roman" panose="02020603050405020304" pitchFamily="18" charset="0"/>
+              </a:rPr>
+              <a:t>p(X)</a:t>
+            </a:r>
+            <a:r>
+              <a:rPr lang="en-US" sz="2400" dirty="0">
+                <a:latin typeface="Times New Roman" panose="02020603050405020304" pitchFamily="18" charset="0"/>
+                <a:ea typeface="Calibri" panose="020F0502020204030204" pitchFamily="34" charset="0"/>
+                <a:cs typeface="Times New Roman" panose="02020603050405020304" pitchFamily="18" charset="0"/>
+              </a:rPr>
+              <a:t> is false” or </a:t>
+            </a:r>
+            <a:r>
+              <a:rPr lang="en-US" sz="2400" dirty="0">
+                <a:solidFill>
+                  <a:srgbClr val="FF0000"/>
+                </a:solidFill>
+                <a:latin typeface="Times New Roman" panose="02020603050405020304" pitchFamily="18" charset="0"/>
+                <a:ea typeface="Calibri" panose="020F0502020204030204" pitchFamily="34" charset="0"/>
+                <a:cs typeface="Times New Roman" panose="02020603050405020304" pitchFamily="18" charset="0"/>
+              </a:rPr>
+              <a:t>“</a:t>
+            </a:r>
+            <a:r>
+              <a:rPr lang="en-US" sz="2400" i="1" dirty="0">
+                <a:solidFill>
+                  <a:srgbClr val="FF0000"/>
+                </a:solidFill>
+                <a:latin typeface="Times New Roman" panose="02020603050405020304" pitchFamily="18" charset="0"/>
+                <a:ea typeface="Calibri" panose="020F0502020204030204" pitchFamily="34" charset="0"/>
+                <a:cs typeface="Times New Roman" panose="02020603050405020304" pitchFamily="18" charset="0"/>
+              </a:rPr>
+              <a:t>p(X)</a:t>
+            </a:r>
+            <a:r>
+              <a:rPr lang="en-US" sz="2400" dirty="0">
+                <a:solidFill>
+                  <a:srgbClr val="FF0000"/>
+                </a:solidFill>
+                <a:latin typeface="Times New Roman" panose="02020603050405020304" pitchFamily="18" charset="0"/>
+                <a:ea typeface="Calibri" panose="020F0502020204030204" pitchFamily="34" charset="0"/>
+                <a:cs typeface="Times New Roman" panose="02020603050405020304" pitchFamily="18" charset="0"/>
+              </a:rPr>
+              <a:t> may be true”.</a:t>
+            </a:r>
+            <a:endParaRPr lang="en-US" sz="2400" dirty="0">
+              <a:solidFill>
+                <a:srgbClr val="FF0000"/>
+              </a:solidFill>
+              <a:effectLst/>
+              <a:latin typeface="Calibri" panose="020F0502020204030204" pitchFamily="34" charset="0"/>
+              <a:ea typeface="Calibri" panose="020F0502020204030204" pitchFamily="34" charset="0"/>
+              <a:cs typeface="Times New Roman" panose="02020603050405020304" pitchFamily="18" charset="0"/>
+            </a:endParaRPr>
+          </a:p>
+        </p:txBody>
+      </p:sp>
+      <p:sp>
+        <p:nvSpPr>
+          <p:cNvPr id="7" name="TextBox 6">
+            <a:extLst>
+              <a:ext uri="{FF2B5EF4-FFF2-40B4-BE49-F238E27FC236}">
+                <a16:creationId xmlns:a16="http://schemas.microsoft.com/office/drawing/2014/main" id="{C4373D4D-8B8E-4678-B677-15FACCC41D20}"/>
+              </a:ext>
+            </a:extLst>
+          </p:cNvPr>
+          <p:cNvSpPr txBox="1"/>
+          <p:nvPr/>
+        </p:nvSpPr>
+        <p:spPr>
+          <a:xfrm>
+            <a:off x="7633253" y="3293165"/>
+            <a:ext cx="3207025" cy="1200329"/>
+          </a:xfrm>
+          <a:prstGeom prst="rect">
+            <a:avLst/>
+          </a:prstGeom>
+          <a:noFill/>
+        </p:spPr>
+        <p:txBody>
+          <a:bodyPr wrap="square" rtlCol="0">
+            <a:spAutoFit/>
+          </a:bodyPr>
+          <a:lstStyle/>
+          <a:p>
+            <a:pPr lvl="1"/>
+            <a:r>
+              <a:rPr lang="en-US" sz="2400" i="1" dirty="0"/>
+              <a:t>flies(X) :- bird(X),</a:t>
+            </a:r>
+            <a:endParaRPr lang="en-US" sz="2400" dirty="0"/>
+          </a:p>
+          <a:p>
+            <a:pPr lvl="1"/>
+            <a:r>
+              <a:rPr lang="en-US" sz="2400" i="1" dirty="0"/>
+              <a:t>	not </a:t>
+            </a:r>
+            <a:r>
+              <a:rPr lang="en-US" sz="2400" i="1" dirty="0">
+                <a:solidFill>
+                  <a:schemeClr val="accent5">
+                    <a:lumMod val="50000"/>
+                  </a:schemeClr>
+                </a:solidFill>
+              </a:rPr>
+              <a:t>ab(bird(X)),</a:t>
+            </a:r>
+            <a:endParaRPr lang="en-US" sz="2400" dirty="0">
+              <a:solidFill>
+                <a:schemeClr val="accent5">
+                  <a:lumMod val="50000"/>
+                </a:schemeClr>
+              </a:solidFill>
+            </a:endParaRPr>
+          </a:p>
+          <a:p>
+            <a:pPr lvl="1"/>
+            <a:r>
+              <a:rPr lang="en-US" sz="2400" i="1" dirty="0"/>
+              <a:t>	not </a:t>
+            </a:r>
+            <a:r>
+              <a:rPr lang="en-US" sz="2400" i="1" dirty="0">
+                <a:solidFill>
+                  <a:srgbClr val="C00000"/>
+                </a:solidFill>
+              </a:rPr>
+              <a:t>-flies(X).</a:t>
+            </a:r>
+            <a:endParaRPr lang="en-US" sz="2400" dirty="0">
+              <a:solidFill>
+                <a:srgbClr val="C00000"/>
+              </a:solidFill>
+            </a:endParaRPr>
+          </a:p>
+        </p:txBody>
+      </p:sp>
+      <p:sp>
+        <p:nvSpPr>
+          <p:cNvPr id="8" name="TextBox 7">
+            <a:extLst>
+              <a:ext uri="{FF2B5EF4-FFF2-40B4-BE49-F238E27FC236}">
+                <a16:creationId xmlns:a16="http://schemas.microsoft.com/office/drawing/2014/main" id="{6E903AE9-2865-497E-A6B8-A969E4E44B27}"/>
+              </a:ext>
+            </a:extLst>
+          </p:cNvPr>
+          <p:cNvSpPr txBox="1"/>
+          <p:nvPr/>
+        </p:nvSpPr>
+        <p:spPr>
+          <a:xfrm>
+            <a:off x="4737032" y="4124162"/>
+            <a:ext cx="1796290" cy="369332"/>
+          </a:xfrm>
+          <a:prstGeom prst="rect">
+            <a:avLst/>
+          </a:prstGeom>
+          <a:noFill/>
+        </p:spPr>
+        <p:txBody>
+          <a:bodyPr wrap="square" rtlCol="0">
+            <a:spAutoFit/>
+          </a:bodyPr>
+          <a:lstStyle/>
+          <a:p>
+            <a:r>
+              <a:rPr lang="en-US" i="1" dirty="0">
+                <a:solidFill>
+                  <a:srgbClr val="C00000"/>
+                </a:solidFill>
+              </a:rPr>
+              <a:t>Strong Exception</a:t>
+            </a:r>
+          </a:p>
+        </p:txBody>
+      </p:sp>
+      <p:cxnSp>
+        <p:nvCxnSpPr>
+          <p:cNvPr id="10" name="Straight Arrow Connector 9">
+            <a:extLst>
+              <a:ext uri="{FF2B5EF4-FFF2-40B4-BE49-F238E27FC236}">
+                <a16:creationId xmlns:a16="http://schemas.microsoft.com/office/drawing/2014/main" id="{C9955EAF-2B6E-4E40-AC3B-A241DE9E9A96}"/>
+              </a:ext>
+            </a:extLst>
+          </p:cNvPr>
+          <p:cNvCxnSpPr>
+            <a:stCxn id="8" idx="1"/>
+          </p:cNvCxnSpPr>
+          <p:nvPr/>
+        </p:nvCxnSpPr>
+        <p:spPr>
+          <a:xfrm flipH="1">
+            <a:off x="2570922" y="4308828"/>
+            <a:ext cx="2166110" cy="0"/>
+          </a:xfrm>
+          <a:prstGeom prst="straightConnector1">
+            <a:avLst/>
+          </a:prstGeom>
+          <a:ln>
+            <a:solidFill>
+              <a:srgbClr val="920000"/>
+            </a:solidFill>
+            <a:tailEnd type="triangle"/>
+          </a:ln>
+        </p:spPr>
+        <p:style>
+          <a:lnRef idx="1">
+            <a:schemeClr val="accent1"/>
+          </a:lnRef>
+          <a:fillRef idx="0">
+            <a:schemeClr val="accent1"/>
+          </a:fillRef>
+          <a:effectRef idx="0">
+            <a:schemeClr val="accent1"/>
+          </a:effectRef>
+          <a:fontRef idx="minor">
+            <a:schemeClr val="tx1"/>
+          </a:fontRef>
+        </p:style>
+      </p:cxnSp>
+      <p:cxnSp>
+        <p:nvCxnSpPr>
+          <p:cNvPr id="11" name="Straight Arrow Connector 10">
+            <a:extLst>
+              <a:ext uri="{FF2B5EF4-FFF2-40B4-BE49-F238E27FC236}">
+                <a16:creationId xmlns:a16="http://schemas.microsoft.com/office/drawing/2014/main" id="{98A51B47-BD0B-4FB3-B7C7-A53DB0081044}"/>
+              </a:ext>
+            </a:extLst>
+          </p:cNvPr>
+          <p:cNvCxnSpPr>
+            <a:cxnSpLocks/>
+            <a:stCxn id="8" idx="3"/>
+          </p:cNvCxnSpPr>
+          <p:nvPr/>
+        </p:nvCxnSpPr>
+        <p:spPr>
+          <a:xfrm>
+            <a:off x="6533322" y="4308828"/>
+            <a:ext cx="1961321" cy="0"/>
+          </a:xfrm>
+          <a:prstGeom prst="straightConnector1">
+            <a:avLst/>
+          </a:prstGeom>
+          <a:ln>
+            <a:solidFill>
+              <a:srgbClr val="920000"/>
+            </a:solidFill>
+            <a:tailEnd type="triangle"/>
+          </a:ln>
+        </p:spPr>
+        <p:style>
+          <a:lnRef idx="1">
+            <a:schemeClr val="accent1"/>
+          </a:lnRef>
+          <a:fillRef idx="0">
+            <a:schemeClr val="accent1"/>
+          </a:fillRef>
+          <a:effectRef idx="0">
+            <a:schemeClr val="accent1"/>
+          </a:effectRef>
+          <a:fontRef idx="minor">
+            <a:schemeClr val="tx1"/>
+          </a:fontRef>
+        </p:style>
+      </p:cxnSp>
+      <p:sp>
+        <p:nvSpPr>
+          <p:cNvPr id="14" name="TextBox 13">
+            <a:extLst>
+              <a:ext uri="{FF2B5EF4-FFF2-40B4-BE49-F238E27FC236}">
+                <a16:creationId xmlns:a16="http://schemas.microsoft.com/office/drawing/2014/main" id="{629795FD-9F6A-45B8-AF17-D96D5751CF42}"/>
+              </a:ext>
+            </a:extLst>
+          </p:cNvPr>
+          <p:cNvSpPr txBox="1"/>
+          <p:nvPr/>
+        </p:nvSpPr>
+        <p:spPr>
+          <a:xfrm>
+            <a:off x="4770161" y="3703749"/>
+            <a:ext cx="1796290" cy="369332"/>
+          </a:xfrm>
+          <a:prstGeom prst="rect">
+            <a:avLst/>
+          </a:prstGeom>
+          <a:noFill/>
+        </p:spPr>
+        <p:txBody>
+          <a:bodyPr wrap="square" rtlCol="0">
+            <a:spAutoFit/>
+          </a:bodyPr>
+          <a:lstStyle/>
+          <a:p>
+            <a:r>
+              <a:rPr lang="en-US" i="1" dirty="0">
+                <a:solidFill>
+                  <a:schemeClr val="accent1">
+                    <a:lumMod val="75000"/>
+                  </a:schemeClr>
+                </a:solidFill>
+              </a:rPr>
+              <a:t>Weak Exception</a:t>
+            </a:r>
+          </a:p>
+        </p:txBody>
+      </p:sp>
+      <p:cxnSp>
+        <p:nvCxnSpPr>
+          <p:cNvPr id="15" name="Straight Arrow Connector 14">
+            <a:extLst>
+              <a:ext uri="{FF2B5EF4-FFF2-40B4-BE49-F238E27FC236}">
+                <a16:creationId xmlns:a16="http://schemas.microsoft.com/office/drawing/2014/main" id="{47FD03C5-F162-4143-8571-6F4E83DD48C6}"/>
+              </a:ext>
+            </a:extLst>
+          </p:cNvPr>
+          <p:cNvCxnSpPr>
+            <a:cxnSpLocks/>
+            <a:stCxn id="14" idx="1"/>
+            <a:endCxn id="2" idx="3"/>
+          </p:cNvCxnSpPr>
+          <p:nvPr/>
+        </p:nvCxnSpPr>
+        <p:spPr>
+          <a:xfrm flipH="1">
+            <a:off x="3140765" y="3888415"/>
+            <a:ext cx="1629396" cy="4916"/>
+          </a:xfrm>
+          <a:prstGeom prst="straightConnector1">
+            <a:avLst/>
+          </a:prstGeom>
+          <a:ln>
+            <a:solidFill>
+              <a:schemeClr val="accent1">
+                <a:lumMod val="75000"/>
+              </a:schemeClr>
+            </a:solidFill>
+            <a:tailEnd type="triangle"/>
+          </a:ln>
+        </p:spPr>
+        <p:style>
+          <a:lnRef idx="1">
+            <a:schemeClr val="accent1"/>
+          </a:lnRef>
+          <a:fillRef idx="0">
+            <a:schemeClr val="accent1"/>
+          </a:fillRef>
+          <a:effectRef idx="0">
+            <a:schemeClr val="accent1"/>
+          </a:effectRef>
+          <a:fontRef idx="minor">
+            <a:schemeClr val="tx1"/>
+          </a:fontRef>
+        </p:style>
+      </p:cxnSp>
+      <p:cxnSp>
+        <p:nvCxnSpPr>
+          <p:cNvPr id="16" name="Straight Arrow Connector 15">
+            <a:extLst>
+              <a:ext uri="{FF2B5EF4-FFF2-40B4-BE49-F238E27FC236}">
+                <a16:creationId xmlns:a16="http://schemas.microsoft.com/office/drawing/2014/main" id="{660E91BE-0DA5-44FC-9D74-BACA186163F9}"/>
+              </a:ext>
+            </a:extLst>
+          </p:cNvPr>
+          <p:cNvCxnSpPr>
+            <a:cxnSpLocks/>
+            <a:stCxn id="14" idx="3"/>
+          </p:cNvCxnSpPr>
+          <p:nvPr/>
+        </p:nvCxnSpPr>
+        <p:spPr>
+          <a:xfrm>
+            <a:off x="6566451" y="3888415"/>
+            <a:ext cx="1769166" cy="0"/>
+          </a:xfrm>
+          <a:prstGeom prst="straightConnector1">
+            <a:avLst/>
+          </a:prstGeom>
+          <a:ln>
+            <a:solidFill>
+              <a:schemeClr val="accent1">
+                <a:lumMod val="75000"/>
+              </a:schemeClr>
+            </a:solidFill>
+            <a:tailEnd type="triangle"/>
+          </a:ln>
+        </p:spPr>
+        <p:style>
+          <a:lnRef idx="1">
+            <a:schemeClr val="accent1"/>
+          </a:lnRef>
+          <a:fillRef idx="0">
+            <a:schemeClr val="accent1"/>
+          </a:fillRef>
+          <a:effectRef idx="0">
+            <a:schemeClr val="accent1"/>
+          </a:effectRef>
+          <a:fontRef idx="minor">
+            <a:schemeClr val="tx1"/>
+          </a:fontRef>
+        </p:style>
+      </p:cxnSp>
+      <p:sp>
+        <p:nvSpPr>
+          <p:cNvPr id="19" name="TextBox 18">
+            <a:extLst>
+              <a:ext uri="{FF2B5EF4-FFF2-40B4-BE49-F238E27FC236}">
+                <a16:creationId xmlns:a16="http://schemas.microsoft.com/office/drawing/2014/main" id="{FC2F88F9-FD7C-47E6-87A5-4DD1D1AE40F6}"/>
+              </a:ext>
+            </a:extLst>
+          </p:cNvPr>
+          <p:cNvSpPr txBox="1"/>
+          <p:nvPr/>
+        </p:nvSpPr>
+        <p:spPr>
+          <a:xfrm>
+            <a:off x="4558749" y="3324069"/>
+            <a:ext cx="2139604" cy="369332"/>
+          </a:xfrm>
+          <a:prstGeom prst="rect">
+            <a:avLst/>
+          </a:prstGeom>
+          <a:noFill/>
+        </p:spPr>
+        <p:txBody>
+          <a:bodyPr wrap="square" rtlCol="0">
+            <a:spAutoFit/>
+          </a:bodyPr>
+          <a:lstStyle/>
+          <a:p>
+            <a:r>
+              <a:rPr lang="en-US" i="1" dirty="0"/>
+              <a:t>Default Assumption</a:t>
+            </a:r>
+          </a:p>
+        </p:txBody>
+      </p:sp>
+      <p:cxnSp>
+        <p:nvCxnSpPr>
+          <p:cNvPr id="20" name="Straight Arrow Connector 19">
+            <a:extLst>
+              <a:ext uri="{FF2B5EF4-FFF2-40B4-BE49-F238E27FC236}">
+                <a16:creationId xmlns:a16="http://schemas.microsoft.com/office/drawing/2014/main" id="{8E488380-F0D8-40B5-B522-291E6776DD4D}"/>
+              </a:ext>
+            </a:extLst>
+          </p:cNvPr>
+          <p:cNvCxnSpPr>
+            <a:cxnSpLocks/>
+            <a:stCxn id="19" idx="1"/>
+          </p:cNvCxnSpPr>
+          <p:nvPr/>
+        </p:nvCxnSpPr>
+        <p:spPr>
+          <a:xfrm flipH="1">
+            <a:off x="2345637" y="3508735"/>
+            <a:ext cx="2213112" cy="0"/>
+          </a:xfrm>
+          <a:prstGeom prst="straightConnector1">
+            <a:avLst/>
+          </a:prstGeom>
+          <a:ln>
+            <a:solidFill>
+              <a:schemeClr val="tx1"/>
+            </a:solidFill>
+            <a:tailEnd type="triangle"/>
+          </a:ln>
+        </p:spPr>
+        <p:style>
+          <a:lnRef idx="1">
+            <a:schemeClr val="accent1"/>
+          </a:lnRef>
+          <a:fillRef idx="0">
+            <a:schemeClr val="accent1"/>
+          </a:fillRef>
+          <a:effectRef idx="0">
+            <a:schemeClr val="accent1"/>
+          </a:effectRef>
+          <a:fontRef idx="minor">
+            <a:schemeClr val="tx1"/>
+          </a:fontRef>
+        </p:style>
+      </p:cxnSp>
+      <p:cxnSp>
+        <p:nvCxnSpPr>
+          <p:cNvPr id="21" name="Straight Arrow Connector 20">
+            <a:extLst>
+              <a:ext uri="{FF2B5EF4-FFF2-40B4-BE49-F238E27FC236}">
+                <a16:creationId xmlns:a16="http://schemas.microsoft.com/office/drawing/2014/main" id="{3FC96AEA-E867-49CC-AA22-C3F29F6ACAF0}"/>
+              </a:ext>
+            </a:extLst>
+          </p:cNvPr>
+          <p:cNvCxnSpPr>
+            <a:cxnSpLocks/>
+            <a:stCxn id="19" idx="3"/>
+          </p:cNvCxnSpPr>
+          <p:nvPr/>
+        </p:nvCxnSpPr>
+        <p:spPr>
+          <a:xfrm>
+            <a:off x="6698353" y="3508735"/>
+            <a:ext cx="1193937" cy="9596"/>
+          </a:xfrm>
+          <a:prstGeom prst="straightConnector1">
+            <a:avLst/>
+          </a:prstGeom>
+          <a:ln>
+            <a:solidFill>
+              <a:schemeClr val="tx1"/>
+            </a:solidFill>
+            <a:tailEnd type="triangle"/>
+          </a:ln>
+        </p:spPr>
+        <p:style>
+          <a:lnRef idx="1">
+            <a:schemeClr val="accent1"/>
+          </a:lnRef>
+          <a:fillRef idx="0">
+            <a:schemeClr val="accent1"/>
+          </a:fillRef>
+          <a:effectRef idx="0">
+            <a:schemeClr val="accent1"/>
+          </a:effectRef>
+          <a:fontRef idx="minor">
+            <a:schemeClr val="tx1"/>
+          </a:fontRef>
+        </p:style>
+      </p:cxnSp>
     </p:spTree>
     <p:extLst>
       <p:ext uri="{BB962C8B-B14F-4D97-AF65-F5344CB8AC3E}">
@@ -7069,6 +8675,1945 @@
 </p:sld>
 </file>
 
+<file path=ppt/slides/slide26.xml><?xml version="1.0" encoding="utf-8"?>
+<p:sld xmlns:a="http://schemas.openxmlformats.org/drawingml/2006/main" xmlns:r="http://schemas.openxmlformats.org/officeDocument/2006/relationships" xmlns:p="http://schemas.openxmlformats.org/presentationml/2006/main">
+  <p:cSld>
+    <p:spTree>
+      <p:nvGrpSpPr>
+        <p:cNvPr id="1" name=""/>
+        <p:cNvGrpSpPr/>
+        <p:nvPr/>
+      </p:nvGrpSpPr>
+      <p:grpSpPr>
+        <a:xfrm>
+          <a:off x="0" y="0"/>
+          <a:ext cx="0" cy="0"/>
+          <a:chOff x="0" y="0"/>
+          <a:chExt cx="0" cy="0"/>
+        </a:xfrm>
+      </p:grpSpPr>
+      <p:sp>
+        <p:nvSpPr>
+          <p:cNvPr id="5" name="Rectangle 4">
+            <a:extLst>
+              <a:ext uri="{FF2B5EF4-FFF2-40B4-BE49-F238E27FC236}">
+                <a16:creationId xmlns:a16="http://schemas.microsoft.com/office/drawing/2014/main" id="{8C2198D3-9081-462D-89AA-2AE36F0B965E}"/>
+              </a:ext>
+            </a:extLst>
+          </p:cNvPr>
+          <p:cNvSpPr/>
+          <p:nvPr/>
+        </p:nvSpPr>
+        <p:spPr>
+          <a:xfrm>
+            <a:off x="0" y="0"/>
+            <a:ext cx="12192000" cy="1311965"/>
+          </a:xfrm>
+          <a:prstGeom prst="rect">
+            <a:avLst/>
+          </a:prstGeom>
+        </p:spPr>
+        <p:style>
+          <a:lnRef idx="2">
+            <a:schemeClr val="dk1">
+              <a:shade val="50000"/>
+            </a:schemeClr>
+          </a:lnRef>
+          <a:fillRef idx="1">
+            <a:schemeClr val="dk1"/>
+          </a:fillRef>
+          <a:effectRef idx="0">
+            <a:schemeClr val="dk1"/>
+          </a:effectRef>
+          <a:fontRef idx="minor">
+            <a:schemeClr val="lt1"/>
+          </a:fontRef>
+        </p:style>
+        <p:txBody>
+          <a:bodyPr rtlCol="0" anchor="ctr"/>
+          <a:lstStyle/>
+          <a:p>
+            <a:pPr algn="ctr"/>
+            <a:endParaRPr lang="en-US" dirty="0"/>
+          </a:p>
+        </p:txBody>
+      </p:sp>
+      <p:sp>
+        <p:nvSpPr>
+          <p:cNvPr id="3" name="TextBox 2">
+            <a:extLst>
+              <a:ext uri="{FF2B5EF4-FFF2-40B4-BE49-F238E27FC236}">
+                <a16:creationId xmlns:a16="http://schemas.microsoft.com/office/drawing/2014/main" id="{1980B4EC-4697-4B4F-87E9-C0E68B2BB033}"/>
+              </a:ext>
+            </a:extLst>
+          </p:cNvPr>
+          <p:cNvSpPr txBox="1"/>
+          <p:nvPr/>
+        </p:nvSpPr>
+        <p:spPr>
+          <a:xfrm>
+            <a:off x="2891806" y="361075"/>
+            <a:ext cx="7309535" cy="646331"/>
+          </a:xfrm>
+          <a:prstGeom prst="rect">
+            <a:avLst/>
+          </a:prstGeom>
+          <a:noFill/>
+        </p:spPr>
+        <p:txBody>
+          <a:bodyPr wrap="square" rtlCol="0">
+            <a:spAutoFit/>
+          </a:bodyPr>
+          <a:lstStyle/>
+          <a:p>
+            <a:pPr algn="ctr"/>
+            <a:r>
+              <a:rPr lang="en-US" sz="3600" dirty="0">
+                <a:solidFill>
+                  <a:schemeClr val="bg1"/>
+                </a:solidFill>
+              </a:rPr>
+              <a:t>Stanford Universal Dependencies</a:t>
+            </a:r>
+          </a:p>
+        </p:txBody>
+      </p:sp>
+      <p:sp>
+        <p:nvSpPr>
+          <p:cNvPr id="10" name="TextBox 9">
+            <a:extLst>
+              <a:ext uri="{FF2B5EF4-FFF2-40B4-BE49-F238E27FC236}">
+                <a16:creationId xmlns:a16="http://schemas.microsoft.com/office/drawing/2014/main" id="{70B5737A-B1B9-458B-BF3D-13FCDF18D397}"/>
+              </a:ext>
+            </a:extLst>
+          </p:cNvPr>
+          <p:cNvSpPr txBox="1"/>
+          <p:nvPr/>
+        </p:nvSpPr>
+        <p:spPr>
+          <a:xfrm>
+            <a:off x="380820" y="1492687"/>
+            <a:ext cx="3886380" cy="5016758"/>
+          </a:xfrm>
+          <a:prstGeom prst="rect">
+            <a:avLst/>
+          </a:prstGeom>
+          <a:noFill/>
+        </p:spPr>
+        <p:txBody>
+          <a:bodyPr wrap="square" rtlCol="0">
+            <a:spAutoFit/>
+          </a:bodyPr>
+          <a:lstStyle/>
+          <a:p>
+            <a:pPr algn="ctr"/>
+            <a:r>
+              <a:rPr lang="en-US" sz="2400" i="1" dirty="0"/>
+              <a:t>Core Arguments</a:t>
+            </a:r>
+          </a:p>
+          <a:p>
+            <a:pPr marL="285750" indent="-285750" algn="just">
+              <a:spcBef>
+                <a:spcPts val="1200"/>
+              </a:spcBef>
+              <a:buFontTx/>
+              <a:buChar char="-"/>
+            </a:pPr>
+            <a:r>
+              <a:rPr lang="en-US" dirty="0"/>
+              <a:t>Contain relations that talk about the </a:t>
+            </a:r>
+            <a:r>
+              <a:rPr lang="en-US" dirty="0">
+                <a:solidFill>
+                  <a:srgbClr val="FF0000"/>
+                </a:solidFill>
+              </a:rPr>
+              <a:t>participants in the events</a:t>
+            </a:r>
+            <a:r>
+              <a:rPr lang="en-US" dirty="0"/>
+              <a:t>. Play an important role in </a:t>
+            </a:r>
+            <a:r>
+              <a:rPr lang="en-US" dirty="0">
+                <a:solidFill>
+                  <a:srgbClr val="FF0000"/>
+                </a:solidFill>
+              </a:rPr>
+              <a:t>understanding</a:t>
+            </a:r>
+            <a:r>
+              <a:rPr lang="en-US" dirty="0"/>
+              <a:t> the sentence</a:t>
+            </a:r>
+          </a:p>
+          <a:p>
+            <a:pPr marL="285750" indent="-285750" algn="just">
+              <a:spcBef>
+                <a:spcPts val="1200"/>
+              </a:spcBef>
+              <a:buFontTx/>
+              <a:buChar char="-"/>
+            </a:pPr>
+            <a:r>
+              <a:rPr lang="en-US" dirty="0"/>
+              <a:t>Some of the core argument relations can be given as follows </a:t>
+            </a:r>
+          </a:p>
+          <a:p>
+            <a:pPr marL="342900" indent="-342900" algn="just">
+              <a:spcBef>
+                <a:spcPts val="1200"/>
+              </a:spcBef>
+              <a:buAutoNum type="alphaLcPeriod"/>
+            </a:pPr>
+            <a:r>
+              <a:rPr lang="en-US" dirty="0"/>
+              <a:t>Nominal Subject (nsubj)</a:t>
+            </a:r>
+          </a:p>
+          <a:p>
+            <a:pPr marL="342900" indent="-342900" algn="just">
+              <a:spcBef>
+                <a:spcPts val="1200"/>
+              </a:spcBef>
+              <a:buAutoNum type="alphaLcPeriod"/>
+            </a:pPr>
+            <a:r>
+              <a:rPr lang="en-US" dirty="0"/>
+              <a:t>Clausal Subject (</a:t>
+            </a:r>
+            <a:r>
+              <a:rPr lang="en-US" dirty="0" err="1"/>
+              <a:t>csubj</a:t>
+            </a:r>
+            <a:r>
+              <a:rPr lang="en-US" dirty="0"/>
+              <a:t>)</a:t>
+            </a:r>
+          </a:p>
+          <a:p>
+            <a:pPr marL="342900" indent="-342900" algn="just">
+              <a:spcBef>
+                <a:spcPts val="1200"/>
+              </a:spcBef>
+              <a:buAutoNum type="alphaLcPeriod"/>
+            </a:pPr>
+            <a:r>
+              <a:rPr lang="en-US" dirty="0"/>
+              <a:t>Direct Object (dobj)</a:t>
+            </a:r>
+          </a:p>
+          <a:p>
+            <a:pPr marL="342900" indent="-342900" algn="just">
+              <a:spcBef>
+                <a:spcPts val="1200"/>
+              </a:spcBef>
+              <a:buAutoNum type="alphaLcPeriod"/>
+            </a:pPr>
+            <a:r>
+              <a:rPr lang="en-US" dirty="0"/>
+              <a:t>Indirect Object (</a:t>
+            </a:r>
+            <a:r>
+              <a:rPr lang="en-US" dirty="0" err="1"/>
+              <a:t>iobj</a:t>
+            </a:r>
+            <a:r>
+              <a:rPr lang="en-US" dirty="0"/>
+              <a:t>)</a:t>
+            </a:r>
+          </a:p>
+          <a:p>
+            <a:pPr marL="342900" indent="-342900" algn="just">
+              <a:spcBef>
+                <a:spcPts val="1200"/>
+              </a:spcBef>
+              <a:buAutoNum type="alphaLcPeriod"/>
+            </a:pPr>
+            <a:r>
+              <a:rPr lang="en-US" dirty="0"/>
+              <a:t>Clausal Complement (ccomp)</a:t>
+            </a:r>
+          </a:p>
+          <a:p>
+            <a:pPr marL="342900" indent="-342900" algn="just">
+              <a:spcBef>
+                <a:spcPts val="1200"/>
+              </a:spcBef>
+              <a:buAutoNum type="alphaLcPeriod"/>
+            </a:pPr>
+            <a:r>
+              <a:rPr lang="en-US" dirty="0"/>
+              <a:t>Open Clausal Complement (</a:t>
+            </a:r>
+            <a:r>
+              <a:rPr lang="en-US" dirty="0" err="1"/>
+              <a:t>xcomp</a:t>
+            </a:r>
+            <a:r>
+              <a:rPr lang="en-US" dirty="0"/>
+              <a:t>)</a:t>
+            </a:r>
+          </a:p>
+        </p:txBody>
+      </p:sp>
+      <p:sp>
+        <p:nvSpPr>
+          <p:cNvPr id="29" name="TextBox 28">
+            <a:extLst>
+              <a:ext uri="{FF2B5EF4-FFF2-40B4-BE49-F238E27FC236}">
+                <a16:creationId xmlns:a16="http://schemas.microsoft.com/office/drawing/2014/main" id="{A7BBC8F0-C79E-4026-915A-191F15557BC0}"/>
+              </a:ext>
+            </a:extLst>
+          </p:cNvPr>
+          <p:cNvSpPr txBox="1"/>
+          <p:nvPr/>
+        </p:nvSpPr>
+        <p:spPr>
+          <a:xfrm>
+            <a:off x="4371771" y="1480167"/>
+            <a:ext cx="3886380" cy="4585871"/>
+          </a:xfrm>
+          <a:prstGeom prst="rect">
+            <a:avLst/>
+          </a:prstGeom>
+          <a:noFill/>
+        </p:spPr>
+        <p:txBody>
+          <a:bodyPr wrap="square" rtlCol="0">
+            <a:spAutoFit/>
+          </a:bodyPr>
+          <a:lstStyle/>
+          <a:p>
+            <a:pPr algn="ctr"/>
+            <a:r>
+              <a:rPr lang="en-US" sz="2400" i="1" dirty="0"/>
+              <a:t>Non Core Dependents</a:t>
+            </a:r>
+          </a:p>
+          <a:p>
+            <a:pPr marL="285750" indent="-285750" algn="just">
+              <a:spcBef>
+                <a:spcPts val="1200"/>
+              </a:spcBef>
+              <a:buFontTx/>
+              <a:buChar char="-"/>
+            </a:pPr>
+            <a:r>
+              <a:rPr lang="en-US" dirty="0"/>
+              <a:t>These relations contain </a:t>
+            </a:r>
+            <a:r>
+              <a:rPr lang="en-US" dirty="0">
+                <a:solidFill>
+                  <a:srgbClr val="FF0000"/>
+                </a:solidFill>
+              </a:rPr>
+              <a:t>information about modifiers and clausal </a:t>
+            </a:r>
+            <a:r>
+              <a:rPr lang="en-US" dirty="0"/>
+              <a:t>relations. They provide more information about core arguments.</a:t>
+            </a:r>
+          </a:p>
+          <a:p>
+            <a:pPr marL="285750" indent="-285750" algn="just">
+              <a:spcBef>
+                <a:spcPts val="1200"/>
+              </a:spcBef>
+              <a:buFontTx/>
+              <a:buChar char="-"/>
+            </a:pPr>
+            <a:r>
+              <a:rPr lang="en-US" dirty="0"/>
+              <a:t>Some of the non-core dependents can be given as follows </a:t>
+            </a:r>
+          </a:p>
+          <a:p>
+            <a:pPr marL="342900" indent="-342900" algn="just">
+              <a:spcBef>
+                <a:spcPts val="1200"/>
+              </a:spcBef>
+              <a:buAutoNum type="alphaLcPeriod"/>
+            </a:pPr>
+            <a:r>
+              <a:rPr lang="en-US" dirty="0"/>
+              <a:t>Adverbial Clause (advcl)</a:t>
+            </a:r>
+          </a:p>
+          <a:p>
+            <a:pPr marL="342900" indent="-342900" algn="just">
+              <a:spcBef>
+                <a:spcPts val="1200"/>
+              </a:spcBef>
+              <a:buAutoNum type="alphaLcPeriod"/>
+            </a:pPr>
+            <a:r>
+              <a:rPr lang="en-US" dirty="0"/>
+              <a:t>Adverbial Modifier (advmod)</a:t>
+            </a:r>
+          </a:p>
+          <a:p>
+            <a:pPr marL="342900" indent="-342900" algn="just">
+              <a:spcBef>
+                <a:spcPts val="1200"/>
+              </a:spcBef>
+              <a:buAutoNum type="alphaLcPeriod"/>
+            </a:pPr>
+            <a:r>
+              <a:rPr lang="en-US" dirty="0"/>
+              <a:t>Auxiliary (aux)</a:t>
+            </a:r>
+          </a:p>
+          <a:p>
+            <a:pPr marL="342900" indent="-342900" algn="just">
+              <a:spcBef>
+                <a:spcPts val="1200"/>
+              </a:spcBef>
+              <a:buAutoNum type="alphaLcPeriod"/>
+            </a:pPr>
+            <a:r>
+              <a:rPr lang="en-US" dirty="0"/>
+              <a:t>Copula (cop)</a:t>
+            </a:r>
+          </a:p>
+          <a:p>
+            <a:pPr marL="342900" indent="-342900" algn="just">
+              <a:spcBef>
+                <a:spcPts val="1200"/>
+              </a:spcBef>
+              <a:buAutoNum type="alphaLcPeriod"/>
+            </a:pPr>
+            <a:r>
+              <a:rPr lang="en-US" dirty="0"/>
+              <a:t>Marker (mark)</a:t>
+            </a:r>
+          </a:p>
+        </p:txBody>
+      </p:sp>
+      <p:sp>
+        <p:nvSpPr>
+          <p:cNvPr id="30" name="TextBox 29">
+            <a:extLst>
+              <a:ext uri="{FF2B5EF4-FFF2-40B4-BE49-F238E27FC236}">
+                <a16:creationId xmlns:a16="http://schemas.microsoft.com/office/drawing/2014/main" id="{1C788845-96F2-4597-8E4E-BF76D6125B18}"/>
+              </a:ext>
+            </a:extLst>
+          </p:cNvPr>
+          <p:cNvSpPr txBox="1"/>
+          <p:nvPr/>
+        </p:nvSpPr>
+        <p:spPr>
+          <a:xfrm>
+            <a:off x="8258151" y="1480167"/>
+            <a:ext cx="3886380" cy="5170646"/>
+          </a:xfrm>
+          <a:prstGeom prst="rect">
+            <a:avLst/>
+          </a:prstGeom>
+          <a:noFill/>
+        </p:spPr>
+        <p:txBody>
+          <a:bodyPr wrap="square" rtlCol="0">
+            <a:spAutoFit/>
+          </a:bodyPr>
+          <a:lstStyle/>
+          <a:p>
+            <a:pPr algn="ctr"/>
+            <a:r>
+              <a:rPr lang="en-US" sz="2400" i="1" dirty="0"/>
+              <a:t>Nominal Dependents</a:t>
+            </a:r>
+          </a:p>
+          <a:p>
+            <a:pPr marL="285750" indent="-285750" algn="just">
+              <a:spcBef>
+                <a:spcPts val="1200"/>
+              </a:spcBef>
+              <a:buFontTx/>
+              <a:buChar char="-"/>
+            </a:pPr>
+            <a:r>
+              <a:rPr lang="en-US" dirty="0"/>
+              <a:t>Nominal relations </a:t>
+            </a:r>
+            <a:r>
+              <a:rPr lang="en-US" dirty="0">
+                <a:solidFill>
+                  <a:srgbClr val="FF0000"/>
+                </a:solidFill>
+              </a:rPr>
+              <a:t>describe about the properties</a:t>
+            </a:r>
+            <a:r>
+              <a:rPr lang="en-US" dirty="0"/>
+              <a:t> of verbs, adverbs and nouns in the sentence. </a:t>
+            </a:r>
+          </a:p>
+          <a:p>
+            <a:pPr marL="285750" indent="-285750" algn="just">
+              <a:spcBef>
+                <a:spcPts val="1200"/>
+              </a:spcBef>
+              <a:buFontTx/>
+              <a:buChar char="-"/>
+            </a:pPr>
+            <a:r>
+              <a:rPr lang="en-US" dirty="0"/>
+              <a:t>Some of the nominal dependency relations can be given as follows </a:t>
+            </a:r>
+          </a:p>
+          <a:p>
+            <a:pPr marL="342900" indent="-342900" algn="just">
+              <a:spcBef>
+                <a:spcPts val="1200"/>
+              </a:spcBef>
+              <a:buAutoNum type="alphaLcPeriod"/>
+            </a:pPr>
+            <a:r>
+              <a:rPr lang="en-US" dirty="0"/>
+              <a:t>Nominal Modifier (nmod)</a:t>
+            </a:r>
+          </a:p>
+          <a:p>
+            <a:pPr marL="342900" indent="-342900" algn="just">
+              <a:spcBef>
+                <a:spcPts val="1200"/>
+              </a:spcBef>
+              <a:buAutoNum type="alphaLcPeriod"/>
+            </a:pPr>
+            <a:r>
+              <a:rPr lang="en-US" dirty="0"/>
+              <a:t>Appositional Modifier (</a:t>
+            </a:r>
+            <a:r>
+              <a:rPr lang="en-US" dirty="0" err="1"/>
+              <a:t>appos</a:t>
+            </a:r>
+            <a:r>
+              <a:rPr lang="en-US" dirty="0"/>
+              <a:t>)</a:t>
+            </a:r>
+          </a:p>
+          <a:p>
+            <a:pPr marL="342900" indent="-342900" algn="just">
+              <a:spcBef>
+                <a:spcPts val="1200"/>
+              </a:spcBef>
+              <a:buAutoNum type="alphaLcPeriod"/>
+            </a:pPr>
+            <a:r>
+              <a:rPr lang="en-US" dirty="0"/>
+              <a:t>Numerical Modifier (nummod)</a:t>
+            </a:r>
+          </a:p>
+          <a:p>
+            <a:pPr marL="342900" indent="-342900" algn="just">
+              <a:spcBef>
+                <a:spcPts val="1200"/>
+              </a:spcBef>
+              <a:buAutoNum type="alphaLcPeriod"/>
+            </a:pPr>
+            <a:r>
+              <a:rPr lang="en-US" dirty="0"/>
+              <a:t>Adjective Clause (</a:t>
+            </a:r>
+            <a:r>
+              <a:rPr lang="en-US" dirty="0" err="1"/>
+              <a:t>acl</a:t>
+            </a:r>
+            <a:r>
+              <a:rPr lang="en-US" dirty="0"/>
+              <a:t>)</a:t>
+            </a:r>
+          </a:p>
+          <a:p>
+            <a:pPr marL="342900" indent="-342900" algn="just">
+              <a:spcBef>
+                <a:spcPts val="1200"/>
+              </a:spcBef>
+              <a:buAutoNum type="alphaLcPeriod"/>
+            </a:pPr>
+            <a:r>
+              <a:rPr lang="en-US" dirty="0"/>
+              <a:t>Adjective Modifier (amod)</a:t>
+            </a:r>
+          </a:p>
+          <a:p>
+            <a:pPr marL="342900" indent="-342900" algn="just">
+              <a:spcBef>
+                <a:spcPts val="1200"/>
+              </a:spcBef>
+              <a:buAutoNum type="alphaLcPeriod"/>
+            </a:pPr>
+            <a:r>
+              <a:rPr lang="en-US" dirty="0"/>
+              <a:t>Determiner (det)</a:t>
+            </a:r>
+          </a:p>
+          <a:p>
+            <a:pPr marL="342900" indent="-342900" algn="just">
+              <a:spcBef>
+                <a:spcPts val="1200"/>
+              </a:spcBef>
+              <a:buAutoNum type="alphaLcPeriod"/>
+            </a:pPr>
+            <a:r>
+              <a:rPr lang="en-US" dirty="0"/>
+              <a:t>Case Marker (case)</a:t>
+            </a:r>
+          </a:p>
+        </p:txBody>
+      </p:sp>
+    </p:spTree>
+    <p:extLst>
+      <p:ext uri="{BB962C8B-B14F-4D97-AF65-F5344CB8AC3E}">
+        <p14:creationId xmlns:p14="http://schemas.microsoft.com/office/powerpoint/2010/main" val="956322510"/>
+      </p:ext>
+    </p:extLst>
+  </p:cSld>
+  <p:clrMapOvr>
+    <a:masterClrMapping/>
+  </p:clrMapOvr>
+</p:sld>
+</file>
+
+<file path=ppt/slides/slide27.xml><?xml version="1.0" encoding="utf-8"?>
+<p:sld xmlns:a="http://schemas.openxmlformats.org/drawingml/2006/main" xmlns:r="http://schemas.openxmlformats.org/officeDocument/2006/relationships" xmlns:p="http://schemas.openxmlformats.org/presentationml/2006/main">
+  <p:cSld>
+    <p:spTree>
+      <p:nvGrpSpPr>
+        <p:cNvPr id="1" name=""/>
+        <p:cNvGrpSpPr/>
+        <p:nvPr/>
+      </p:nvGrpSpPr>
+      <p:grpSpPr>
+        <a:xfrm>
+          <a:off x="0" y="0"/>
+          <a:ext cx="0" cy="0"/>
+          <a:chOff x="0" y="0"/>
+          <a:chExt cx="0" cy="0"/>
+        </a:xfrm>
+      </p:grpSpPr>
+      <p:sp>
+        <p:nvSpPr>
+          <p:cNvPr id="5" name="Rectangle 4">
+            <a:extLst>
+              <a:ext uri="{FF2B5EF4-FFF2-40B4-BE49-F238E27FC236}">
+                <a16:creationId xmlns:a16="http://schemas.microsoft.com/office/drawing/2014/main" id="{8C2198D3-9081-462D-89AA-2AE36F0B965E}"/>
+              </a:ext>
+            </a:extLst>
+          </p:cNvPr>
+          <p:cNvSpPr/>
+          <p:nvPr/>
+        </p:nvSpPr>
+        <p:spPr>
+          <a:xfrm>
+            <a:off x="0" y="0"/>
+            <a:ext cx="12192000" cy="1311965"/>
+          </a:xfrm>
+          <a:prstGeom prst="rect">
+            <a:avLst/>
+          </a:prstGeom>
+        </p:spPr>
+        <p:style>
+          <a:lnRef idx="2">
+            <a:schemeClr val="dk1">
+              <a:shade val="50000"/>
+            </a:schemeClr>
+          </a:lnRef>
+          <a:fillRef idx="1">
+            <a:schemeClr val="dk1"/>
+          </a:fillRef>
+          <a:effectRef idx="0">
+            <a:schemeClr val="dk1"/>
+          </a:effectRef>
+          <a:fontRef idx="minor">
+            <a:schemeClr val="lt1"/>
+          </a:fontRef>
+        </p:style>
+        <p:txBody>
+          <a:bodyPr rtlCol="0" anchor="ctr"/>
+          <a:lstStyle/>
+          <a:p>
+            <a:pPr algn="ctr"/>
+            <a:endParaRPr lang="en-US" dirty="0"/>
+          </a:p>
+        </p:txBody>
+      </p:sp>
+      <p:sp>
+        <p:nvSpPr>
+          <p:cNvPr id="3" name="TextBox 2">
+            <a:extLst>
+              <a:ext uri="{FF2B5EF4-FFF2-40B4-BE49-F238E27FC236}">
+                <a16:creationId xmlns:a16="http://schemas.microsoft.com/office/drawing/2014/main" id="{1980B4EC-4697-4B4F-87E9-C0E68B2BB033}"/>
+              </a:ext>
+            </a:extLst>
+          </p:cNvPr>
+          <p:cNvSpPr txBox="1"/>
+          <p:nvPr/>
+        </p:nvSpPr>
+        <p:spPr>
+          <a:xfrm>
+            <a:off x="2891806" y="361075"/>
+            <a:ext cx="7309535" cy="646331"/>
+          </a:xfrm>
+          <a:prstGeom prst="rect">
+            <a:avLst/>
+          </a:prstGeom>
+          <a:noFill/>
+        </p:spPr>
+        <p:txBody>
+          <a:bodyPr wrap="square" rtlCol="0">
+            <a:spAutoFit/>
+          </a:bodyPr>
+          <a:lstStyle/>
+          <a:p>
+            <a:pPr algn="ctr"/>
+            <a:r>
+              <a:rPr lang="en-US" sz="3600" i="1" dirty="0">
+                <a:solidFill>
+                  <a:schemeClr val="bg1"/>
+                </a:solidFill>
+              </a:rPr>
+              <a:t>Core Arguments</a:t>
+            </a:r>
+          </a:p>
+        </p:txBody>
+      </p:sp>
+      <p:sp>
+        <p:nvSpPr>
+          <p:cNvPr id="8" name="TextBox 7">
+            <a:extLst>
+              <a:ext uri="{FF2B5EF4-FFF2-40B4-BE49-F238E27FC236}">
+                <a16:creationId xmlns:a16="http://schemas.microsoft.com/office/drawing/2014/main" id="{14B49AF7-29C9-49B9-A383-363338D03849}"/>
+              </a:ext>
+            </a:extLst>
+          </p:cNvPr>
+          <p:cNvSpPr txBox="1"/>
+          <p:nvPr/>
+        </p:nvSpPr>
+        <p:spPr>
+          <a:xfrm>
+            <a:off x="218117" y="1650130"/>
+            <a:ext cx="3028666" cy="400110"/>
+          </a:xfrm>
+          <a:prstGeom prst="rect">
+            <a:avLst/>
+          </a:prstGeom>
+          <a:noFill/>
+        </p:spPr>
+        <p:txBody>
+          <a:bodyPr wrap="square" rtlCol="0">
+            <a:spAutoFit/>
+          </a:bodyPr>
+          <a:lstStyle/>
+          <a:p>
+            <a:r>
+              <a:rPr lang="en-US" sz="2000" i="1" dirty="0"/>
+              <a:t>1. Nominal Subject (nsubj)</a:t>
+            </a:r>
+          </a:p>
+        </p:txBody>
+      </p:sp>
+      <p:sp>
+        <p:nvSpPr>
+          <p:cNvPr id="9" name="TextBox 8">
+            <a:extLst>
+              <a:ext uri="{FF2B5EF4-FFF2-40B4-BE49-F238E27FC236}">
+                <a16:creationId xmlns:a16="http://schemas.microsoft.com/office/drawing/2014/main" id="{BFE81F74-B1DB-462B-A34F-F1C208B6D3CE}"/>
+              </a:ext>
+            </a:extLst>
+          </p:cNvPr>
+          <p:cNvSpPr txBox="1"/>
+          <p:nvPr/>
+        </p:nvSpPr>
+        <p:spPr>
+          <a:xfrm>
+            <a:off x="210915" y="3207804"/>
+            <a:ext cx="2749983" cy="400110"/>
+          </a:xfrm>
+          <a:prstGeom prst="rect">
+            <a:avLst/>
+          </a:prstGeom>
+          <a:noFill/>
+        </p:spPr>
+        <p:txBody>
+          <a:bodyPr wrap="square" rtlCol="0">
+            <a:spAutoFit/>
+          </a:bodyPr>
+          <a:lstStyle/>
+          <a:p>
+            <a:r>
+              <a:rPr lang="en-US" sz="2000" i="1" dirty="0"/>
+              <a:t>2. Direct Object (dobj)</a:t>
+            </a:r>
+          </a:p>
+        </p:txBody>
+      </p:sp>
+      <p:sp>
+        <p:nvSpPr>
+          <p:cNvPr id="12" name="TextBox 11">
+            <a:extLst>
+              <a:ext uri="{FF2B5EF4-FFF2-40B4-BE49-F238E27FC236}">
+                <a16:creationId xmlns:a16="http://schemas.microsoft.com/office/drawing/2014/main" id="{683AC3F7-ABFD-43DB-BF52-4D7413A7E198}"/>
+              </a:ext>
+            </a:extLst>
+          </p:cNvPr>
+          <p:cNvSpPr txBox="1"/>
+          <p:nvPr/>
+        </p:nvSpPr>
+        <p:spPr>
+          <a:xfrm>
+            <a:off x="218117" y="4751586"/>
+            <a:ext cx="2749983" cy="400110"/>
+          </a:xfrm>
+          <a:prstGeom prst="rect">
+            <a:avLst/>
+          </a:prstGeom>
+          <a:noFill/>
+        </p:spPr>
+        <p:txBody>
+          <a:bodyPr wrap="square" rtlCol="0">
+            <a:spAutoFit/>
+          </a:bodyPr>
+          <a:lstStyle/>
+          <a:p>
+            <a:r>
+              <a:rPr lang="en-US" sz="2000" i="1" dirty="0"/>
+              <a:t>3. Indirect Object (</a:t>
+            </a:r>
+            <a:r>
+              <a:rPr lang="en-US" sz="2000" i="1" dirty="0" err="1"/>
+              <a:t>iobj</a:t>
+            </a:r>
+            <a:r>
+              <a:rPr lang="en-US" sz="2000" i="1" dirty="0"/>
+              <a:t>)</a:t>
+            </a:r>
+          </a:p>
+        </p:txBody>
+      </p:sp>
+      <p:sp>
+        <p:nvSpPr>
+          <p:cNvPr id="13" name="TextBox 12">
+            <a:extLst>
+              <a:ext uri="{FF2B5EF4-FFF2-40B4-BE49-F238E27FC236}">
+                <a16:creationId xmlns:a16="http://schemas.microsoft.com/office/drawing/2014/main" id="{7EB9911D-C94E-4327-B013-E8B2184E254A}"/>
+              </a:ext>
+            </a:extLst>
+          </p:cNvPr>
+          <p:cNvSpPr txBox="1"/>
+          <p:nvPr/>
+        </p:nvSpPr>
+        <p:spPr>
+          <a:xfrm>
+            <a:off x="6096000" y="1668446"/>
+            <a:ext cx="2749983" cy="400110"/>
+          </a:xfrm>
+          <a:prstGeom prst="rect">
+            <a:avLst/>
+          </a:prstGeom>
+          <a:noFill/>
+        </p:spPr>
+        <p:txBody>
+          <a:bodyPr wrap="square" rtlCol="0">
+            <a:spAutoFit/>
+          </a:bodyPr>
+          <a:lstStyle/>
+          <a:p>
+            <a:r>
+              <a:rPr lang="en-US" sz="2000" i="1" dirty="0"/>
+              <a:t>4. Clausal Subject (</a:t>
+            </a:r>
+            <a:r>
+              <a:rPr lang="en-US" sz="2000" i="1" dirty="0" err="1"/>
+              <a:t>csubj</a:t>
+            </a:r>
+            <a:r>
+              <a:rPr lang="en-US" sz="2000" i="1" dirty="0"/>
+              <a:t>)</a:t>
+            </a:r>
+          </a:p>
+        </p:txBody>
+      </p:sp>
+      <p:sp>
+        <p:nvSpPr>
+          <p:cNvPr id="14" name="TextBox 13">
+            <a:extLst>
+              <a:ext uri="{FF2B5EF4-FFF2-40B4-BE49-F238E27FC236}">
+                <a16:creationId xmlns:a16="http://schemas.microsoft.com/office/drawing/2014/main" id="{9E71DF54-18D9-435C-8616-0DB6D95AD30A}"/>
+              </a:ext>
+            </a:extLst>
+          </p:cNvPr>
+          <p:cNvSpPr txBox="1"/>
+          <p:nvPr/>
+        </p:nvSpPr>
+        <p:spPr>
+          <a:xfrm>
+            <a:off x="6096000" y="3241072"/>
+            <a:ext cx="4253948" cy="400110"/>
+          </a:xfrm>
+          <a:prstGeom prst="rect">
+            <a:avLst/>
+          </a:prstGeom>
+          <a:noFill/>
+        </p:spPr>
+        <p:txBody>
+          <a:bodyPr wrap="square" rtlCol="0">
+            <a:spAutoFit/>
+          </a:bodyPr>
+          <a:lstStyle/>
+          <a:p>
+            <a:r>
+              <a:rPr lang="en-US" sz="2000" i="1" dirty="0"/>
+              <a:t>5. Open Clausal Complement (</a:t>
+            </a:r>
+            <a:r>
+              <a:rPr lang="en-US" sz="2000" i="1" dirty="0" err="1"/>
+              <a:t>xcomp</a:t>
+            </a:r>
+            <a:r>
+              <a:rPr lang="en-US" sz="2000" i="1" dirty="0"/>
+              <a:t>)</a:t>
+            </a:r>
+          </a:p>
+        </p:txBody>
+      </p:sp>
+      <p:sp>
+        <p:nvSpPr>
+          <p:cNvPr id="15" name="TextBox 14">
+            <a:extLst>
+              <a:ext uri="{FF2B5EF4-FFF2-40B4-BE49-F238E27FC236}">
+                <a16:creationId xmlns:a16="http://schemas.microsoft.com/office/drawing/2014/main" id="{064459C4-1F7A-4D9E-B7DF-F4E882DEF813}"/>
+              </a:ext>
+            </a:extLst>
+          </p:cNvPr>
+          <p:cNvSpPr txBox="1"/>
+          <p:nvPr/>
+        </p:nvSpPr>
+        <p:spPr>
+          <a:xfrm>
+            <a:off x="6096000" y="4833350"/>
+            <a:ext cx="3816626" cy="400110"/>
+          </a:xfrm>
+          <a:prstGeom prst="rect">
+            <a:avLst/>
+          </a:prstGeom>
+          <a:noFill/>
+        </p:spPr>
+        <p:txBody>
+          <a:bodyPr wrap="square" rtlCol="0">
+            <a:spAutoFit/>
+          </a:bodyPr>
+          <a:lstStyle/>
+          <a:p>
+            <a:r>
+              <a:rPr lang="en-US" sz="2000" i="1" dirty="0"/>
+              <a:t>6. Clausal Complement (ccomp)</a:t>
+            </a:r>
+          </a:p>
+        </p:txBody>
+      </p:sp>
+      <p:pic>
+        <p:nvPicPr>
+          <p:cNvPr id="16" name="Picture 15">
+            <a:extLst>
+              <a:ext uri="{FF2B5EF4-FFF2-40B4-BE49-F238E27FC236}">
+                <a16:creationId xmlns:a16="http://schemas.microsoft.com/office/drawing/2014/main" id="{A9A2E763-2339-46B4-8C7B-5B363B8ED47B}"/>
+              </a:ext>
+            </a:extLst>
+          </p:cNvPr>
+          <p:cNvPicPr/>
+          <p:nvPr/>
+        </p:nvPicPr>
+        <p:blipFill>
+          <a:blip r:embed="rId2"/>
+          <a:stretch>
+            <a:fillRect/>
+          </a:stretch>
+        </p:blipFill>
+        <p:spPr>
+          <a:xfrm>
+            <a:off x="708447" y="2179240"/>
+            <a:ext cx="3799838" cy="819079"/>
+          </a:xfrm>
+          <a:prstGeom prst="rect">
+            <a:avLst/>
+          </a:prstGeom>
+        </p:spPr>
+      </p:pic>
+      <p:pic>
+        <p:nvPicPr>
+          <p:cNvPr id="17" name="Picture 16">
+            <a:extLst>
+              <a:ext uri="{FF2B5EF4-FFF2-40B4-BE49-F238E27FC236}">
+                <a16:creationId xmlns:a16="http://schemas.microsoft.com/office/drawing/2014/main" id="{634D2819-BE6B-4DFD-A487-1167D50F7C08}"/>
+              </a:ext>
+            </a:extLst>
+          </p:cNvPr>
+          <p:cNvPicPr/>
+          <p:nvPr/>
+        </p:nvPicPr>
+        <p:blipFill>
+          <a:blip r:embed="rId3"/>
+          <a:stretch>
+            <a:fillRect/>
+          </a:stretch>
+        </p:blipFill>
+        <p:spPr>
+          <a:xfrm>
+            <a:off x="708447" y="3756661"/>
+            <a:ext cx="3623023" cy="788694"/>
+          </a:xfrm>
+          <a:prstGeom prst="rect">
+            <a:avLst/>
+          </a:prstGeom>
+        </p:spPr>
+      </p:pic>
+      <p:pic>
+        <p:nvPicPr>
+          <p:cNvPr id="18" name="Picture 17">
+            <a:extLst>
+              <a:ext uri="{FF2B5EF4-FFF2-40B4-BE49-F238E27FC236}">
+                <a16:creationId xmlns:a16="http://schemas.microsoft.com/office/drawing/2014/main" id="{2D6DA813-2799-45C0-AA1A-748D4F12CFDC}"/>
+              </a:ext>
+            </a:extLst>
+          </p:cNvPr>
+          <p:cNvPicPr/>
+          <p:nvPr/>
+        </p:nvPicPr>
+        <p:blipFill>
+          <a:blip r:embed="rId4"/>
+          <a:stretch>
+            <a:fillRect/>
+          </a:stretch>
+        </p:blipFill>
+        <p:spPr>
+          <a:xfrm>
+            <a:off x="710993" y="5377288"/>
+            <a:ext cx="4635911" cy="740996"/>
+          </a:xfrm>
+          <a:prstGeom prst="rect">
+            <a:avLst/>
+          </a:prstGeom>
+        </p:spPr>
+      </p:pic>
+      <p:pic>
+        <p:nvPicPr>
+          <p:cNvPr id="19" name="Picture 18">
+            <a:extLst>
+              <a:ext uri="{FF2B5EF4-FFF2-40B4-BE49-F238E27FC236}">
+                <a16:creationId xmlns:a16="http://schemas.microsoft.com/office/drawing/2014/main" id="{8567D2E5-D398-471F-96BB-5338B1107378}"/>
+              </a:ext>
+            </a:extLst>
+          </p:cNvPr>
+          <p:cNvPicPr/>
+          <p:nvPr/>
+        </p:nvPicPr>
+        <p:blipFill>
+          <a:blip r:embed="rId5"/>
+          <a:stretch>
+            <a:fillRect/>
+          </a:stretch>
+        </p:blipFill>
+        <p:spPr>
+          <a:xfrm>
+            <a:off x="6096000" y="2062573"/>
+            <a:ext cx="5036019" cy="991015"/>
+          </a:xfrm>
+          <a:prstGeom prst="rect">
+            <a:avLst/>
+          </a:prstGeom>
+        </p:spPr>
+      </p:pic>
+      <p:pic>
+        <p:nvPicPr>
+          <p:cNvPr id="20" name="Picture 19">
+            <a:extLst>
+              <a:ext uri="{FF2B5EF4-FFF2-40B4-BE49-F238E27FC236}">
+                <a16:creationId xmlns:a16="http://schemas.microsoft.com/office/drawing/2014/main" id="{A28D86A9-D070-4B05-ADD8-98551236884E}"/>
+              </a:ext>
+            </a:extLst>
+          </p:cNvPr>
+          <p:cNvPicPr/>
+          <p:nvPr/>
+        </p:nvPicPr>
+        <p:blipFill>
+          <a:blip r:embed="rId6"/>
+          <a:stretch>
+            <a:fillRect/>
+          </a:stretch>
+        </p:blipFill>
+        <p:spPr>
+          <a:xfrm>
+            <a:off x="5988926" y="5232205"/>
+            <a:ext cx="4995206" cy="1517805"/>
+          </a:xfrm>
+          <a:prstGeom prst="rect">
+            <a:avLst/>
+          </a:prstGeom>
+        </p:spPr>
+      </p:pic>
+      <p:pic>
+        <p:nvPicPr>
+          <p:cNvPr id="21" name="Picture 20">
+            <a:extLst>
+              <a:ext uri="{FF2B5EF4-FFF2-40B4-BE49-F238E27FC236}">
+                <a16:creationId xmlns:a16="http://schemas.microsoft.com/office/drawing/2014/main" id="{9DF6FAE6-EEA8-4274-A1FF-23364254D1B7}"/>
+              </a:ext>
+            </a:extLst>
+          </p:cNvPr>
+          <p:cNvPicPr/>
+          <p:nvPr/>
+        </p:nvPicPr>
+        <p:blipFill>
+          <a:blip r:embed="rId7"/>
+          <a:stretch>
+            <a:fillRect/>
+          </a:stretch>
+        </p:blipFill>
+        <p:spPr>
+          <a:xfrm>
+            <a:off x="6096000" y="3856934"/>
+            <a:ext cx="4663634" cy="904600"/>
+          </a:xfrm>
+          <a:prstGeom prst="rect">
+            <a:avLst/>
+          </a:prstGeom>
+        </p:spPr>
+      </p:pic>
+    </p:spTree>
+    <p:extLst>
+      <p:ext uri="{BB962C8B-B14F-4D97-AF65-F5344CB8AC3E}">
+        <p14:creationId xmlns:p14="http://schemas.microsoft.com/office/powerpoint/2010/main" val="274900745"/>
+      </p:ext>
+    </p:extLst>
+  </p:cSld>
+  <p:clrMapOvr>
+    <a:masterClrMapping/>
+  </p:clrMapOvr>
+</p:sld>
+</file>
+
+<file path=ppt/slides/slide28.xml><?xml version="1.0" encoding="utf-8"?>
+<p:sld xmlns:a="http://schemas.openxmlformats.org/drawingml/2006/main" xmlns:r="http://schemas.openxmlformats.org/officeDocument/2006/relationships" xmlns:p="http://schemas.openxmlformats.org/presentationml/2006/main">
+  <p:cSld>
+    <p:spTree>
+      <p:nvGrpSpPr>
+        <p:cNvPr id="1" name=""/>
+        <p:cNvGrpSpPr/>
+        <p:nvPr/>
+      </p:nvGrpSpPr>
+      <p:grpSpPr>
+        <a:xfrm>
+          <a:off x="0" y="0"/>
+          <a:ext cx="0" cy="0"/>
+          <a:chOff x="0" y="0"/>
+          <a:chExt cx="0" cy="0"/>
+        </a:xfrm>
+      </p:grpSpPr>
+      <p:sp>
+        <p:nvSpPr>
+          <p:cNvPr id="5" name="Rectangle 4">
+            <a:extLst>
+              <a:ext uri="{FF2B5EF4-FFF2-40B4-BE49-F238E27FC236}">
+                <a16:creationId xmlns:a16="http://schemas.microsoft.com/office/drawing/2014/main" id="{8C2198D3-9081-462D-89AA-2AE36F0B965E}"/>
+              </a:ext>
+            </a:extLst>
+          </p:cNvPr>
+          <p:cNvSpPr/>
+          <p:nvPr/>
+        </p:nvSpPr>
+        <p:spPr>
+          <a:xfrm>
+            <a:off x="0" y="0"/>
+            <a:ext cx="12192000" cy="1311965"/>
+          </a:xfrm>
+          <a:prstGeom prst="rect">
+            <a:avLst/>
+          </a:prstGeom>
+        </p:spPr>
+        <p:style>
+          <a:lnRef idx="2">
+            <a:schemeClr val="dk1">
+              <a:shade val="50000"/>
+            </a:schemeClr>
+          </a:lnRef>
+          <a:fillRef idx="1">
+            <a:schemeClr val="dk1"/>
+          </a:fillRef>
+          <a:effectRef idx="0">
+            <a:schemeClr val="dk1"/>
+          </a:effectRef>
+          <a:fontRef idx="minor">
+            <a:schemeClr val="lt1"/>
+          </a:fontRef>
+        </p:style>
+        <p:txBody>
+          <a:bodyPr rtlCol="0" anchor="ctr"/>
+          <a:lstStyle/>
+          <a:p>
+            <a:pPr algn="ctr"/>
+            <a:endParaRPr lang="en-US" dirty="0"/>
+          </a:p>
+        </p:txBody>
+      </p:sp>
+      <p:sp>
+        <p:nvSpPr>
+          <p:cNvPr id="3" name="TextBox 2">
+            <a:extLst>
+              <a:ext uri="{FF2B5EF4-FFF2-40B4-BE49-F238E27FC236}">
+                <a16:creationId xmlns:a16="http://schemas.microsoft.com/office/drawing/2014/main" id="{1980B4EC-4697-4B4F-87E9-C0E68B2BB033}"/>
+              </a:ext>
+            </a:extLst>
+          </p:cNvPr>
+          <p:cNvSpPr txBox="1"/>
+          <p:nvPr/>
+        </p:nvSpPr>
+        <p:spPr>
+          <a:xfrm>
+            <a:off x="2891806" y="361075"/>
+            <a:ext cx="7309535" cy="646331"/>
+          </a:xfrm>
+          <a:prstGeom prst="rect">
+            <a:avLst/>
+          </a:prstGeom>
+          <a:noFill/>
+        </p:spPr>
+        <p:txBody>
+          <a:bodyPr wrap="square" rtlCol="0">
+            <a:spAutoFit/>
+          </a:bodyPr>
+          <a:lstStyle/>
+          <a:p>
+            <a:pPr algn="ctr"/>
+            <a:r>
+              <a:rPr lang="en-US" sz="3600" i="1" dirty="0">
+                <a:solidFill>
+                  <a:schemeClr val="bg1"/>
+                </a:solidFill>
+              </a:rPr>
+              <a:t>Non Core Dependents</a:t>
+            </a:r>
+          </a:p>
+        </p:txBody>
+      </p:sp>
+      <p:sp>
+        <p:nvSpPr>
+          <p:cNvPr id="8" name="TextBox 7">
+            <a:extLst>
+              <a:ext uri="{FF2B5EF4-FFF2-40B4-BE49-F238E27FC236}">
+                <a16:creationId xmlns:a16="http://schemas.microsoft.com/office/drawing/2014/main" id="{14B49AF7-29C9-49B9-A383-363338D03849}"/>
+              </a:ext>
+            </a:extLst>
+          </p:cNvPr>
+          <p:cNvSpPr txBox="1"/>
+          <p:nvPr/>
+        </p:nvSpPr>
+        <p:spPr>
+          <a:xfrm>
+            <a:off x="289696" y="4905983"/>
+            <a:ext cx="2917330" cy="400110"/>
+          </a:xfrm>
+          <a:prstGeom prst="rect">
+            <a:avLst/>
+          </a:prstGeom>
+          <a:noFill/>
+        </p:spPr>
+        <p:txBody>
+          <a:bodyPr wrap="square" rtlCol="0">
+            <a:spAutoFit/>
+          </a:bodyPr>
+          <a:lstStyle/>
+          <a:p>
+            <a:r>
+              <a:rPr lang="en-US" sz="2000" i="1" dirty="0"/>
+              <a:t>3. Adverbial Clause (advcl)</a:t>
+            </a:r>
+          </a:p>
+        </p:txBody>
+      </p:sp>
+      <p:sp>
+        <p:nvSpPr>
+          <p:cNvPr id="9" name="TextBox 8">
+            <a:extLst>
+              <a:ext uri="{FF2B5EF4-FFF2-40B4-BE49-F238E27FC236}">
+                <a16:creationId xmlns:a16="http://schemas.microsoft.com/office/drawing/2014/main" id="{BFE81F74-B1DB-462B-A34F-F1C208B6D3CE}"/>
+              </a:ext>
+            </a:extLst>
+          </p:cNvPr>
+          <p:cNvSpPr txBox="1"/>
+          <p:nvPr/>
+        </p:nvSpPr>
+        <p:spPr>
+          <a:xfrm>
+            <a:off x="289696" y="3072030"/>
+            <a:ext cx="2095695" cy="400110"/>
+          </a:xfrm>
+          <a:prstGeom prst="rect">
+            <a:avLst/>
+          </a:prstGeom>
+          <a:noFill/>
+        </p:spPr>
+        <p:txBody>
+          <a:bodyPr wrap="square" rtlCol="0">
+            <a:spAutoFit/>
+          </a:bodyPr>
+          <a:lstStyle/>
+          <a:p>
+            <a:r>
+              <a:rPr lang="en-US" sz="2000" i="1" dirty="0"/>
+              <a:t>2. Auxiliary (aux)</a:t>
+            </a:r>
+          </a:p>
+        </p:txBody>
+      </p:sp>
+      <p:sp>
+        <p:nvSpPr>
+          <p:cNvPr id="12" name="TextBox 11">
+            <a:extLst>
+              <a:ext uri="{FF2B5EF4-FFF2-40B4-BE49-F238E27FC236}">
+                <a16:creationId xmlns:a16="http://schemas.microsoft.com/office/drawing/2014/main" id="{683AC3F7-ABFD-43DB-BF52-4D7413A7E198}"/>
+              </a:ext>
+            </a:extLst>
+          </p:cNvPr>
+          <p:cNvSpPr txBox="1"/>
+          <p:nvPr/>
+        </p:nvSpPr>
+        <p:spPr>
+          <a:xfrm>
+            <a:off x="289696" y="1490723"/>
+            <a:ext cx="3399726" cy="400110"/>
+          </a:xfrm>
+          <a:prstGeom prst="rect">
+            <a:avLst/>
+          </a:prstGeom>
+          <a:noFill/>
+        </p:spPr>
+        <p:txBody>
+          <a:bodyPr wrap="square" rtlCol="0">
+            <a:spAutoFit/>
+          </a:bodyPr>
+          <a:lstStyle/>
+          <a:p>
+            <a:r>
+              <a:rPr lang="en-US" sz="2000" i="1" dirty="0"/>
+              <a:t>1. Adverbial Modifier (advmod)</a:t>
+            </a:r>
+          </a:p>
+        </p:txBody>
+      </p:sp>
+      <p:sp>
+        <p:nvSpPr>
+          <p:cNvPr id="13" name="TextBox 12">
+            <a:extLst>
+              <a:ext uri="{FF2B5EF4-FFF2-40B4-BE49-F238E27FC236}">
+                <a16:creationId xmlns:a16="http://schemas.microsoft.com/office/drawing/2014/main" id="{7EB9911D-C94E-4327-B013-E8B2184E254A}"/>
+              </a:ext>
+            </a:extLst>
+          </p:cNvPr>
+          <p:cNvSpPr txBox="1"/>
+          <p:nvPr/>
+        </p:nvSpPr>
+        <p:spPr>
+          <a:xfrm>
+            <a:off x="6096001" y="1668446"/>
+            <a:ext cx="1762538" cy="400110"/>
+          </a:xfrm>
+          <a:prstGeom prst="rect">
+            <a:avLst/>
+          </a:prstGeom>
+          <a:noFill/>
+        </p:spPr>
+        <p:txBody>
+          <a:bodyPr wrap="square" rtlCol="0">
+            <a:spAutoFit/>
+          </a:bodyPr>
+          <a:lstStyle/>
+          <a:p>
+            <a:r>
+              <a:rPr lang="en-US" sz="2000" i="1" dirty="0"/>
+              <a:t>4. Copula (cop)</a:t>
+            </a:r>
+          </a:p>
+        </p:txBody>
+      </p:sp>
+      <p:sp>
+        <p:nvSpPr>
+          <p:cNvPr id="14" name="TextBox 13">
+            <a:extLst>
+              <a:ext uri="{FF2B5EF4-FFF2-40B4-BE49-F238E27FC236}">
+                <a16:creationId xmlns:a16="http://schemas.microsoft.com/office/drawing/2014/main" id="{9E71DF54-18D9-435C-8616-0DB6D95AD30A}"/>
+              </a:ext>
+            </a:extLst>
+          </p:cNvPr>
+          <p:cNvSpPr txBox="1"/>
+          <p:nvPr/>
+        </p:nvSpPr>
+        <p:spPr>
+          <a:xfrm>
+            <a:off x="6096000" y="3228945"/>
+            <a:ext cx="2095695" cy="400110"/>
+          </a:xfrm>
+          <a:prstGeom prst="rect">
+            <a:avLst/>
+          </a:prstGeom>
+          <a:noFill/>
+        </p:spPr>
+        <p:txBody>
+          <a:bodyPr wrap="square" rtlCol="0">
+            <a:spAutoFit/>
+          </a:bodyPr>
+          <a:lstStyle/>
+          <a:p>
+            <a:r>
+              <a:rPr lang="en-US" sz="2000" i="1" dirty="0"/>
+              <a:t>5. Marker (mark)</a:t>
+            </a:r>
+          </a:p>
+        </p:txBody>
+      </p:sp>
+      <p:pic>
+        <p:nvPicPr>
+          <p:cNvPr id="22" name="Picture 21">
+            <a:extLst>
+              <a:ext uri="{FF2B5EF4-FFF2-40B4-BE49-F238E27FC236}">
+                <a16:creationId xmlns:a16="http://schemas.microsoft.com/office/drawing/2014/main" id="{05D0DDEF-4A6E-4F19-91D3-7B5552C36135}"/>
+              </a:ext>
+            </a:extLst>
+          </p:cNvPr>
+          <p:cNvPicPr/>
+          <p:nvPr/>
+        </p:nvPicPr>
+        <p:blipFill>
+          <a:blip r:embed="rId2"/>
+          <a:stretch>
+            <a:fillRect/>
+          </a:stretch>
+        </p:blipFill>
+        <p:spPr>
+          <a:xfrm>
+            <a:off x="289696" y="5462111"/>
+            <a:ext cx="6527136" cy="1196376"/>
+          </a:xfrm>
+          <a:prstGeom prst="rect">
+            <a:avLst/>
+          </a:prstGeom>
+        </p:spPr>
+      </p:pic>
+      <p:pic>
+        <p:nvPicPr>
+          <p:cNvPr id="23" name="Picture 22">
+            <a:extLst>
+              <a:ext uri="{FF2B5EF4-FFF2-40B4-BE49-F238E27FC236}">
+                <a16:creationId xmlns:a16="http://schemas.microsoft.com/office/drawing/2014/main" id="{1E751AC8-5EB0-4DE1-9398-F1C49FB855F8}"/>
+              </a:ext>
+            </a:extLst>
+          </p:cNvPr>
+          <p:cNvPicPr/>
+          <p:nvPr/>
+        </p:nvPicPr>
+        <p:blipFill>
+          <a:blip r:embed="rId3"/>
+          <a:stretch>
+            <a:fillRect/>
+          </a:stretch>
+        </p:blipFill>
+        <p:spPr>
+          <a:xfrm>
+            <a:off x="289697" y="2046851"/>
+            <a:ext cx="4878652" cy="772271"/>
+          </a:xfrm>
+          <a:prstGeom prst="rect">
+            <a:avLst/>
+          </a:prstGeom>
+        </p:spPr>
+      </p:pic>
+      <p:pic>
+        <p:nvPicPr>
+          <p:cNvPr id="24" name="Picture 23">
+            <a:extLst>
+              <a:ext uri="{FF2B5EF4-FFF2-40B4-BE49-F238E27FC236}">
+                <a16:creationId xmlns:a16="http://schemas.microsoft.com/office/drawing/2014/main" id="{787605B4-BCAC-4806-AF00-699119BF7D1D}"/>
+              </a:ext>
+            </a:extLst>
+          </p:cNvPr>
+          <p:cNvPicPr/>
+          <p:nvPr/>
+        </p:nvPicPr>
+        <p:blipFill>
+          <a:blip r:embed="rId4"/>
+          <a:stretch>
+            <a:fillRect/>
+          </a:stretch>
+        </p:blipFill>
+        <p:spPr>
+          <a:xfrm>
+            <a:off x="289696" y="3624692"/>
+            <a:ext cx="4724956" cy="923660"/>
+          </a:xfrm>
+          <a:prstGeom prst="rect">
+            <a:avLst/>
+          </a:prstGeom>
+        </p:spPr>
+      </p:pic>
+      <p:pic>
+        <p:nvPicPr>
+          <p:cNvPr id="25" name="Picture 24">
+            <a:extLst>
+              <a:ext uri="{FF2B5EF4-FFF2-40B4-BE49-F238E27FC236}">
+                <a16:creationId xmlns:a16="http://schemas.microsoft.com/office/drawing/2014/main" id="{290E8669-314B-41D4-9049-21B4E7D50EE2}"/>
+              </a:ext>
+            </a:extLst>
+          </p:cNvPr>
+          <p:cNvPicPr/>
+          <p:nvPr/>
+        </p:nvPicPr>
+        <p:blipFill>
+          <a:blip r:embed="rId5"/>
+          <a:stretch>
+            <a:fillRect/>
+          </a:stretch>
+        </p:blipFill>
+        <p:spPr>
+          <a:xfrm>
+            <a:off x="6096000" y="2117032"/>
+            <a:ext cx="2763700" cy="934835"/>
+          </a:xfrm>
+          <a:prstGeom prst="rect">
+            <a:avLst/>
+          </a:prstGeom>
+        </p:spPr>
+      </p:pic>
+      <p:pic>
+        <p:nvPicPr>
+          <p:cNvPr id="26" name="Picture 25">
+            <a:extLst>
+              <a:ext uri="{FF2B5EF4-FFF2-40B4-BE49-F238E27FC236}">
+                <a16:creationId xmlns:a16="http://schemas.microsoft.com/office/drawing/2014/main" id="{E94EAF3D-DD24-4AD3-94C7-23E5E3ACA30C}"/>
+              </a:ext>
+            </a:extLst>
+          </p:cNvPr>
+          <p:cNvPicPr/>
+          <p:nvPr/>
+        </p:nvPicPr>
+        <p:blipFill>
+          <a:blip r:embed="rId6"/>
+          <a:stretch>
+            <a:fillRect/>
+          </a:stretch>
+        </p:blipFill>
+        <p:spPr>
+          <a:xfrm>
+            <a:off x="6059336" y="3879206"/>
+            <a:ext cx="5148233" cy="1196377"/>
+          </a:xfrm>
+          <a:prstGeom prst="rect">
+            <a:avLst/>
+          </a:prstGeom>
+        </p:spPr>
+      </p:pic>
+    </p:spTree>
+    <p:extLst>
+      <p:ext uri="{BB962C8B-B14F-4D97-AF65-F5344CB8AC3E}">
+        <p14:creationId xmlns:p14="http://schemas.microsoft.com/office/powerpoint/2010/main" val="2318429312"/>
+      </p:ext>
+    </p:extLst>
+  </p:cSld>
+  <p:clrMapOvr>
+    <a:masterClrMapping/>
+  </p:clrMapOvr>
+</p:sld>
+</file>
+
+<file path=ppt/slides/slide29.xml><?xml version="1.0" encoding="utf-8"?>
+<p:sld xmlns:a="http://schemas.openxmlformats.org/drawingml/2006/main" xmlns:r="http://schemas.openxmlformats.org/officeDocument/2006/relationships" xmlns:p="http://schemas.openxmlformats.org/presentationml/2006/main">
+  <p:cSld>
+    <p:spTree>
+      <p:nvGrpSpPr>
+        <p:cNvPr id="1" name=""/>
+        <p:cNvGrpSpPr/>
+        <p:nvPr/>
+      </p:nvGrpSpPr>
+      <p:grpSpPr>
+        <a:xfrm>
+          <a:off x="0" y="0"/>
+          <a:ext cx="0" cy="0"/>
+          <a:chOff x="0" y="0"/>
+          <a:chExt cx="0" cy="0"/>
+        </a:xfrm>
+      </p:grpSpPr>
+      <p:sp>
+        <p:nvSpPr>
+          <p:cNvPr id="5" name="Rectangle 4">
+            <a:extLst>
+              <a:ext uri="{FF2B5EF4-FFF2-40B4-BE49-F238E27FC236}">
+                <a16:creationId xmlns:a16="http://schemas.microsoft.com/office/drawing/2014/main" id="{8C2198D3-9081-462D-89AA-2AE36F0B965E}"/>
+              </a:ext>
+            </a:extLst>
+          </p:cNvPr>
+          <p:cNvSpPr/>
+          <p:nvPr/>
+        </p:nvSpPr>
+        <p:spPr>
+          <a:xfrm>
+            <a:off x="0" y="0"/>
+            <a:ext cx="12192000" cy="1311965"/>
+          </a:xfrm>
+          <a:prstGeom prst="rect">
+            <a:avLst/>
+          </a:prstGeom>
+        </p:spPr>
+        <p:style>
+          <a:lnRef idx="2">
+            <a:schemeClr val="dk1">
+              <a:shade val="50000"/>
+            </a:schemeClr>
+          </a:lnRef>
+          <a:fillRef idx="1">
+            <a:schemeClr val="dk1"/>
+          </a:fillRef>
+          <a:effectRef idx="0">
+            <a:schemeClr val="dk1"/>
+          </a:effectRef>
+          <a:fontRef idx="minor">
+            <a:schemeClr val="lt1"/>
+          </a:fontRef>
+        </p:style>
+        <p:txBody>
+          <a:bodyPr rtlCol="0" anchor="ctr"/>
+          <a:lstStyle/>
+          <a:p>
+            <a:pPr algn="ctr"/>
+            <a:endParaRPr lang="en-US" dirty="0"/>
+          </a:p>
+        </p:txBody>
+      </p:sp>
+      <p:sp>
+        <p:nvSpPr>
+          <p:cNvPr id="3" name="TextBox 2">
+            <a:extLst>
+              <a:ext uri="{FF2B5EF4-FFF2-40B4-BE49-F238E27FC236}">
+                <a16:creationId xmlns:a16="http://schemas.microsoft.com/office/drawing/2014/main" id="{1980B4EC-4697-4B4F-87E9-C0E68B2BB033}"/>
+              </a:ext>
+            </a:extLst>
+          </p:cNvPr>
+          <p:cNvSpPr txBox="1"/>
+          <p:nvPr/>
+        </p:nvSpPr>
+        <p:spPr>
+          <a:xfrm>
+            <a:off x="2891806" y="361075"/>
+            <a:ext cx="7309535" cy="646331"/>
+          </a:xfrm>
+          <a:prstGeom prst="rect">
+            <a:avLst/>
+          </a:prstGeom>
+          <a:noFill/>
+        </p:spPr>
+        <p:txBody>
+          <a:bodyPr wrap="square" rtlCol="0">
+            <a:spAutoFit/>
+          </a:bodyPr>
+          <a:lstStyle/>
+          <a:p>
+            <a:pPr algn="ctr"/>
+            <a:r>
+              <a:rPr lang="en-US" sz="3600" i="1" dirty="0">
+                <a:solidFill>
+                  <a:schemeClr val="bg1"/>
+                </a:solidFill>
+              </a:rPr>
+              <a:t>Nominal Dependents</a:t>
+            </a:r>
+          </a:p>
+        </p:txBody>
+      </p:sp>
+      <p:sp>
+        <p:nvSpPr>
+          <p:cNvPr id="8" name="TextBox 7">
+            <a:extLst>
+              <a:ext uri="{FF2B5EF4-FFF2-40B4-BE49-F238E27FC236}">
+                <a16:creationId xmlns:a16="http://schemas.microsoft.com/office/drawing/2014/main" id="{14B49AF7-29C9-49B9-A383-363338D03849}"/>
+              </a:ext>
+            </a:extLst>
+          </p:cNvPr>
+          <p:cNvSpPr txBox="1"/>
+          <p:nvPr/>
+        </p:nvSpPr>
+        <p:spPr>
+          <a:xfrm>
+            <a:off x="289696" y="4905983"/>
+            <a:ext cx="3672704" cy="400110"/>
+          </a:xfrm>
+          <a:prstGeom prst="rect">
+            <a:avLst/>
+          </a:prstGeom>
+          <a:noFill/>
+        </p:spPr>
+        <p:txBody>
+          <a:bodyPr wrap="square" rtlCol="0">
+            <a:spAutoFit/>
+          </a:bodyPr>
+          <a:lstStyle/>
+          <a:p>
+            <a:r>
+              <a:rPr lang="en-US" sz="2000" i="1" dirty="0"/>
+              <a:t>3. Appositional Modifier (</a:t>
+            </a:r>
+            <a:r>
+              <a:rPr lang="en-US" sz="2000" i="1" dirty="0" err="1"/>
+              <a:t>appos</a:t>
+            </a:r>
+            <a:r>
+              <a:rPr lang="en-US" sz="2000" i="1" dirty="0"/>
+              <a:t>)</a:t>
+            </a:r>
+          </a:p>
+        </p:txBody>
+      </p:sp>
+      <p:sp>
+        <p:nvSpPr>
+          <p:cNvPr id="9" name="TextBox 8">
+            <a:extLst>
+              <a:ext uri="{FF2B5EF4-FFF2-40B4-BE49-F238E27FC236}">
+                <a16:creationId xmlns:a16="http://schemas.microsoft.com/office/drawing/2014/main" id="{BFE81F74-B1DB-462B-A34F-F1C208B6D3CE}"/>
+              </a:ext>
+            </a:extLst>
+          </p:cNvPr>
+          <p:cNvSpPr txBox="1"/>
+          <p:nvPr/>
+        </p:nvSpPr>
+        <p:spPr>
+          <a:xfrm>
+            <a:off x="289696" y="3294976"/>
+            <a:ext cx="3778721" cy="400110"/>
+          </a:xfrm>
+          <a:prstGeom prst="rect">
+            <a:avLst/>
+          </a:prstGeom>
+          <a:noFill/>
+        </p:spPr>
+        <p:txBody>
+          <a:bodyPr wrap="square" rtlCol="0">
+            <a:spAutoFit/>
+          </a:bodyPr>
+          <a:lstStyle/>
+          <a:p>
+            <a:r>
+              <a:rPr lang="en-US" sz="2000" i="1" dirty="0"/>
+              <a:t>2. Numerical Modifier (nummod)</a:t>
+            </a:r>
+          </a:p>
+        </p:txBody>
+      </p:sp>
+      <p:sp>
+        <p:nvSpPr>
+          <p:cNvPr id="12" name="TextBox 11">
+            <a:extLst>
+              <a:ext uri="{FF2B5EF4-FFF2-40B4-BE49-F238E27FC236}">
+                <a16:creationId xmlns:a16="http://schemas.microsoft.com/office/drawing/2014/main" id="{683AC3F7-ABFD-43DB-BF52-4D7413A7E198}"/>
+              </a:ext>
+            </a:extLst>
+          </p:cNvPr>
+          <p:cNvSpPr txBox="1"/>
+          <p:nvPr/>
+        </p:nvSpPr>
+        <p:spPr>
+          <a:xfrm>
+            <a:off x="289696" y="1490723"/>
+            <a:ext cx="3399726" cy="400110"/>
+          </a:xfrm>
+          <a:prstGeom prst="rect">
+            <a:avLst/>
+          </a:prstGeom>
+          <a:noFill/>
+        </p:spPr>
+        <p:txBody>
+          <a:bodyPr wrap="square" rtlCol="0">
+            <a:spAutoFit/>
+          </a:bodyPr>
+          <a:lstStyle/>
+          <a:p>
+            <a:r>
+              <a:rPr lang="en-US" sz="2000" i="1" dirty="0"/>
+              <a:t>1. Nominal Modifier (nmod)</a:t>
+            </a:r>
+          </a:p>
+        </p:txBody>
+      </p:sp>
+      <p:sp>
+        <p:nvSpPr>
+          <p:cNvPr id="13" name="TextBox 12">
+            <a:extLst>
+              <a:ext uri="{FF2B5EF4-FFF2-40B4-BE49-F238E27FC236}">
+                <a16:creationId xmlns:a16="http://schemas.microsoft.com/office/drawing/2014/main" id="{7EB9911D-C94E-4327-B013-E8B2184E254A}"/>
+              </a:ext>
+            </a:extLst>
+          </p:cNvPr>
+          <p:cNvSpPr txBox="1"/>
+          <p:nvPr/>
+        </p:nvSpPr>
+        <p:spPr>
+          <a:xfrm>
+            <a:off x="6096000" y="1668446"/>
+            <a:ext cx="2756451" cy="400110"/>
+          </a:xfrm>
+          <a:prstGeom prst="rect">
+            <a:avLst/>
+          </a:prstGeom>
+          <a:noFill/>
+        </p:spPr>
+        <p:txBody>
+          <a:bodyPr wrap="square" rtlCol="0">
+            <a:spAutoFit/>
+          </a:bodyPr>
+          <a:lstStyle/>
+          <a:p>
+            <a:r>
+              <a:rPr lang="en-US" sz="2000" i="1" dirty="0"/>
+              <a:t>4. Adjective Clause (</a:t>
+            </a:r>
+            <a:r>
+              <a:rPr lang="en-US" sz="2000" i="1" dirty="0" err="1"/>
+              <a:t>acl</a:t>
+            </a:r>
+            <a:r>
+              <a:rPr lang="en-US" sz="2000" i="1" dirty="0"/>
+              <a:t>)</a:t>
+            </a:r>
+          </a:p>
+        </p:txBody>
+      </p:sp>
+      <p:pic>
+        <p:nvPicPr>
+          <p:cNvPr id="15" name="Picture 14">
+            <a:extLst>
+              <a:ext uri="{FF2B5EF4-FFF2-40B4-BE49-F238E27FC236}">
+                <a16:creationId xmlns:a16="http://schemas.microsoft.com/office/drawing/2014/main" id="{F36B9FB3-47F6-4743-A0E4-1AD486B56095}"/>
+              </a:ext>
+            </a:extLst>
+          </p:cNvPr>
+          <p:cNvPicPr/>
+          <p:nvPr/>
+        </p:nvPicPr>
+        <p:blipFill>
+          <a:blip r:embed="rId2"/>
+          <a:stretch>
+            <a:fillRect/>
+          </a:stretch>
+        </p:blipFill>
+        <p:spPr>
+          <a:xfrm>
+            <a:off x="578470" y="1960676"/>
+            <a:ext cx="3956574" cy="1085699"/>
+          </a:xfrm>
+          <a:prstGeom prst="rect">
+            <a:avLst/>
+          </a:prstGeom>
+        </p:spPr>
+      </p:pic>
+      <p:pic>
+        <p:nvPicPr>
+          <p:cNvPr id="16" name="Picture 15">
+            <a:extLst>
+              <a:ext uri="{FF2B5EF4-FFF2-40B4-BE49-F238E27FC236}">
+                <a16:creationId xmlns:a16="http://schemas.microsoft.com/office/drawing/2014/main" id="{B763A143-EA63-495B-A8CF-9890D2E387AE}"/>
+              </a:ext>
+            </a:extLst>
+          </p:cNvPr>
+          <p:cNvPicPr/>
+          <p:nvPr/>
+        </p:nvPicPr>
+        <p:blipFill>
+          <a:blip r:embed="rId3"/>
+          <a:stretch>
+            <a:fillRect/>
+          </a:stretch>
+        </p:blipFill>
+        <p:spPr>
+          <a:xfrm>
+            <a:off x="334983" y="5562090"/>
+            <a:ext cx="8400122" cy="934835"/>
+          </a:xfrm>
+          <a:prstGeom prst="rect">
+            <a:avLst/>
+          </a:prstGeom>
+        </p:spPr>
+      </p:pic>
+      <p:pic>
+        <p:nvPicPr>
+          <p:cNvPr id="17" name="Picture 16">
+            <a:extLst>
+              <a:ext uri="{FF2B5EF4-FFF2-40B4-BE49-F238E27FC236}">
+                <a16:creationId xmlns:a16="http://schemas.microsoft.com/office/drawing/2014/main" id="{A3667235-277E-430F-B548-05139E5B3D5A}"/>
+              </a:ext>
+            </a:extLst>
+          </p:cNvPr>
+          <p:cNvPicPr/>
+          <p:nvPr/>
+        </p:nvPicPr>
+        <p:blipFill>
+          <a:blip r:embed="rId4"/>
+          <a:stretch>
+            <a:fillRect/>
+          </a:stretch>
+        </p:blipFill>
+        <p:spPr>
+          <a:xfrm>
+            <a:off x="578470" y="3816359"/>
+            <a:ext cx="5041458" cy="881825"/>
+          </a:xfrm>
+          <a:prstGeom prst="rect">
+            <a:avLst/>
+          </a:prstGeom>
+        </p:spPr>
+      </p:pic>
+      <p:pic>
+        <p:nvPicPr>
+          <p:cNvPr id="18" name="Picture 17">
+            <a:extLst>
+              <a:ext uri="{FF2B5EF4-FFF2-40B4-BE49-F238E27FC236}">
+                <a16:creationId xmlns:a16="http://schemas.microsoft.com/office/drawing/2014/main" id="{891E6E90-FC23-4E06-A4E8-4EF5095EB533}"/>
+              </a:ext>
+            </a:extLst>
+          </p:cNvPr>
+          <p:cNvPicPr/>
+          <p:nvPr/>
+        </p:nvPicPr>
+        <p:blipFill>
+          <a:blip r:embed="rId5"/>
+          <a:stretch>
+            <a:fillRect/>
+          </a:stretch>
+        </p:blipFill>
+        <p:spPr>
+          <a:xfrm>
+            <a:off x="5865509" y="2350162"/>
+            <a:ext cx="6147355" cy="758812"/>
+          </a:xfrm>
+          <a:prstGeom prst="rect">
+            <a:avLst/>
+          </a:prstGeom>
+        </p:spPr>
+      </p:pic>
+    </p:spTree>
+    <p:extLst>
+      <p:ext uri="{BB962C8B-B14F-4D97-AF65-F5344CB8AC3E}">
+        <p14:creationId xmlns:p14="http://schemas.microsoft.com/office/powerpoint/2010/main" val="1979493505"/>
+      </p:ext>
+    </p:extLst>
+  </p:cSld>
+  <p:clrMapOvr>
+    <a:masterClrMapping/>
+  </p:clrMapOvr>
+</p:sld>
+</file>
+
 <file path=ppt/slides/slide3.xml><?xml version="1.0" encoding="utf-8"?>
 <p:sld xmlns:a="http://schemas.openxmlformats.org/drawingml/2006/main" xmlns:r="http://schemas.openxmlformats.org/officeDocument/2006/relationships" xmlns:p="http://schemas.openxmlformats.org/presentationml/2006/main">
   <p:cSld>
@@ -7199,6 +10744,2283 @@
     <p:extLst>
       <p:ext uri="{BB962C8B-B14F-4D97-AF65-F5344CB8AC3E}">
         <p14:creationId xmlns:p14="http://schemas.microsoft.com/office/powerpoint/2010/main" val="1506070780"/>
+      </p:ext>
+    </p:extLst>
+  </p:cSld>
+  <p:clrMapOvr>
+    <a:masterClrMapping/>
+  </p:clrMapOvr>
+</p:sld>
+</file>
+
+<file path=ppt/slides/slide30.xml><?xml version="1.0" encoding="utf-8"?>
+<p:sld xmlns:a="http://schemas.openxmlformats.org/drawingml/2006/main" xmlns:r="http://schemas.openxmlformats.org/officeDocument/2006/relationships" xmlns:p="http://schemas.openxmlformats.org/presentationml/2006/main">
+  <p:cSld>
+    <p:spTree>
+      <p:nvGrpSpPr>
+        <p:cNvPr id="1" name=""/>
+        <p:cNvGrpSpPr/>
+        <p:nvPr/>
+      </p:nvGrpSpPr>
+      <p:grpSpPr>
+        <a:xfrm>
+          <a:off x="0" y="0"/>
+          <a:ext cx="0" cy="0"/>
+          <a:chOff x="0" y="0"/>
+          <a:chExt cx="0" cy="0"/>
+        </a:xfrm>
+      </p:grpSpPr>
+      <p:sp>
+        <p:nvSpPr>
+          <p:cNvPr id="5" name="Rectangle 4">
+            <a:extLst>
+              <a:ext uri="{FF2B5EF4-FFF2-40B4-BE49-F238E27FC236}">
+                <a16:creationId xmlns:a16="http://schemas.microsoft.com/office/drawing/2014/main" id="{8C2198D3-9081-462D-89AA-2AE36F0B965E}"/>
+              </a:ext>
+            </a:extLst>
+          </p:cNvPr>
+          <p:cNvSpPr/>
+          <p:nvPr/>
+        </p:nvSpPr>
+        <p:spPr>
+          <a:xfrm>
+            <a:off x="0" y="0"/>
+            <a:ext cx="12192000" cy="1311965"/>
+          </a:xfrm>
+          <a:prstGeom prst="rect">
+            <a:avLst/>
+          </a:prstGeom>
+        </p:spPr>
+        <p:style>
+          <a:lnRef idx="2">
+            <a:schemeClr val="dk1">
+              <a:shade val="50000"/>
+            </a:schemeClr>
+          </a:lnRef>
+          <a:fillRef idx="1">
+            <a:schemeClr val="dk1"/>
+          </a:fillRef>
+          <a:effectRef idx="0">
+            <a:schemeClr val="dk1"/>
+          </a:effectRef>
+          <a:fontRef idx="minor">
+            <a:schemeClr val="lt1"/>
+          </a:fontRef>
+        </p:style>
+        <p:txBody>
+          <a:bodyPr rtlCol="0" anchor="ctr"/>
+          <a:lstStyle/>
+          <a:p>
+            <a:pPr algn="ctr"/>
+            <a:endParaRPr lang="en-US" dirty="0"/>
+          </a:p>
+        </p:txBody>
+      </p:sp>
+      <p:sp>
+        <p:nvSpPr>
+          <p:cNvPr id="3" name="TextBox 2">
+            <a:extLst>
+              <a:ext uri="{FF2B5EF4-FFF2-40B4-BE49-F238E27FC236}">
+                <a16:creationId xmlns:a16="http://schemas.microsoft.com/office/drawing/2014/main" id="{1980B4EC-4697-4B4F-87E9-C0E68B2BB033}"/>
+              </a:ext>
+            </a:extLst>
+          </p:cNvPr>
+          <p:cNvSpPr txBox="1"/>
+          <p:nvPr/>
+        </p:nvSpPr>
+        <p:spPr>
+          <a:xfrm>
+            <a:off x="2891806" y="361075"/>
+            <a:ext cx="7309535" cy="646331"/>
+          </a:xfrm>
+          <a:prstGeom prst="rect">
+            <a:avLst/>
+          </a:prstGeom>
+          <a:noFill/>
+        </p:spPr>
+        <p:txBody>
+          <a:bodyPr wrap="square" rtlCol="0">
+            <a:spAutoFit/>
+          </a:bodyPr>
+          <a:lstStyle/>
+          <a:p>
+            <a:pPr algn="ctr"/>
+            <a:r>
+              <a:rPr lang="en-US" sz="3600" i="1" dirty="0">
+                <a:solidFill>
+                  <a:schemeClr val="bg1"/>
+                </a:solidFill>
+              </a:rPr>
+              <a:t>Nominal Dependents</a:t>
+            </a:r>
+          </a:p>
+        </p:txBody>
+      </p:sp>
+      <p:sp>
+        <p:nvSpPr>
+          <p:cNvPr id="8" name="TextBox 7">
+            <a:extLst>
+              <a:ext uri="{FF2B5EF4-FFF2-40B4-BE49-F238E27FC236}">
+                <a16:creationId xmlns:a16="http://schemas.microsoft.com/office/drawing/2014/main" id="{14B49AF7-29C9-49B9-A383-363338D03849}"/>
+              </a:ext>
+            </a:extLst>
+          </p:cNvPr>
+          <p:cNvSpPr txBox="1"/>
+          <p:nvPr/>
+        </p:nvSpPr>
+        <p:spPr>
+          <a:xfrm>
+            <a:off x="289696" y="4905983"/>
+            <a:ext cx="3672704" cy="400110"/>
+          </a:xfrm>
+          <a:prstGeom prst="rect">
+            <a:avLst/>
+          </a:prstGeom>
+          <a:noFill/>
+        </p:spPr>
+        <p:txBody>
+          <a:bodyPr wrap="square" rtlCol="0">
+            <a:spAutoFit/>
+          </a:bodyPr>
+          <a:lstStyle/>
+          <a:p>
+            <a:r>
+              <a:rPr lang="en-US" sz="2000" i="1" dirty="0"/>
+              <a:t>7. Case Marker (case)</a:t>
+            </a:r>
+          </a:p>
+        </p:txBody>
+      </p:sp>
+      <p:sp>
+        <p:nvSpPr>
+          <p:cNvPr id="9" name="TextBox 8">
+            <a:extLst>
+              <a:ext uri="{FF2B5EF4-FFF2-40B4-BE49-F238E27FC236}">
+                <a16:creationId xmlns:a16="http://schemas.microsoft.com/office/drawing/2014/main" id="{BFE81F74-B1DB-462B-A34F-F1C208B6D3CE}"/>
+              </a:ext>
+            </a:extLst>
+          </p:cNvPr>
+          <p:cNvSpPr txBox="1"/>
+          <p:nvPr/>
+        </p:nvSpPr>
+        <p:spPr>
+          <a:xfrm>
+            <a:off x="289696" y="3294976"/>
+            <a:ext cx="2188461" cy="400110"/>
+          </a:xfrm>
+          <a:prstGeom prst="rect">
+            <a:avLst/>
+          </a:prstGeom>
+          <a:noFill/>
+        </p:spPr>
+        <p:txBody>
+          <a:bodyPr wrap="square" rtlCol="0">
+            <a:spAutoFit/>
+          </a:bodyPr>
+          <a:lstStyle/>
+          <a:p>
+            <a:r>
+              <a:rPr lang="en-US" sz="2000" i="1" dirty="0"/>
+              <a:t>6. Determiner (det)</a:t>
+            </a:r>
+          </a:p>
+        </p:txBody>
+      </p:sp>
+      <p:sp>
+        <p:nvSpPr>
+          <p:cNvPr id="12" name="TextBox 11">
+            <a:extLst>
+              <a:ext uri="{FF2B5EF4-FFF2-40B4-BE49-F238E27FC236}">
+                <a16:creationId xmlns:a16="http://schemas.microsoft.com/office/drawing/2014/main" id="{683AC3F7-ABFD-43DB-BF52-4D7413A7E198}"/>
+              </a:ext>
+            </a:extLst>
+          </p:cNvPr>
+          <p:cNvSpPr txBox="1"/>
+          <p:nvPr/>
+        </p:nvSpPr>
+        <p:spPr>
+          <a:xfrm>
+            <a:off x="289696" y="1490723"/>
+            <a:ext cx="3399726" cy="400110"/>
+          </a:xfrm>
+          <a:prstGeom prst="rect">
+            <a:avLst/>
+          </a:prstGeom>
+          <a:noFill/>
+        </p:spPr>
+        <p:txBody>
+          <a:bodyPr wrap="square" rtlCol="0">
+            <a:spAutoFit/>
+          </a:bodyPr>
+          <a:lstStyle/>
+          <a:p>
+            <a:r>
+              <a:rPr lang="en-US" sz="2000" i="1" dirty="0"/>
+              <a:t>5. Adjective Modifier (amod)</a:t>
+            </a:r>
+          </a:p>
+        </p:txBody>
+      </p:sp>
+      <p:pic>
+        <p:nvPicPr>
+          <p:cNvPr id="14" name="Picture 13">
+            <a:extLst>
+              <a:ext uri="{FF2B5EF4-FFF2-40B4-BE49-F238E27FC236}">
+                <a16:creationId xmlns:a16="http://schemas.microsoft.com/office/drawing/2014/main" id="{36F6563E-BD99-4752-8701-A7B3B1D3C86C}"/>
+              </a:ext>
+            </a:extLst>
+          </p:cNvPr>
+          <p:cNvPicPr/>
+          <p:nvPr/>
+        </p:nvPicPr>
+        <p:blipFill>
+          <a:blip r:embed="rId2"/>
+          <a:stretch>
+            <a:fillRect/>
+          </a:stretch>
+        </p:blipFill>
+        <p:spPr>
+          <a:xfrm>
+            <a:off x="236687" y="2185331"/>
+            <a:ext cx="5289470" cy="782548"/>
+          </a:xfrm>
+          <a:prstGeom prst="rect">
+            <a:avLst/>
+          </a:prstGeom>
+        </p:spPr>
+      </p:pic>
+      <p:pic>
+        <p:nvPicPr>
+          <p:cNvPr id="19" name="Picture 18">
+            <a:extLst>
+              <a:ext uri="{FF2B5EF4-FFF2-40B4-BE49-F238E27FC236}">
+                <a16:creationId xmlns:a16="http://schemas.microsoft.com/office/drawing/2014/main" id="{766DB6F5-33E9-4942-94CF-5E4E2CABBFDA}"/>
+              </a:ext>
+            </a:extLst>
+          </p:cNvPr>
+          <p:cNvPicPr/>
+          <p:nvPr/>
+        </p:nvPicPr>
+        <p:blipFill>
+          <a:blip r:embed="rId3"/>
+          <a:stretch>
+            <a:fillRect/>
+          </a:stretch>
+        </p:blipFill>
+        <p:spPr>
+          <a:xfrm>
+            <a:off x="236687" y="3824817"/>
+            <a:ext cx="3777720" cy="934835"/>
+          </a:xfrm>
+          <a:prstGeom prst="rect">
+            <a:avLst/>
+          </a:prstGeom>
+        </p:spPr>
+      </p:pic>
+      <p:pic>
+        <p:nvPicPr>
+          <p:cNvPr id="20" name="Picture 19">
+            <a:extLst>
+              <a:ext uri="{FF2B5EF4-FFF2-40B4-BE49-F238E27FC236}">
+                <a16:creationId xmlns:a16="http://schemas.microsoft.com/office/drawing/2014/main" id="{DA007583-0621-42DB-B671-653D4F0BE6E6}"/>
+              </a:ext>
+            </a:extLst>
+          </p:cNvPr>
+          <p:cNvPicPr/>
+          <p:nvPr/>
+        </p:nvPicPr>
+        <p:blipFill>
+          <a:blip r:embed="rId4"/>
+          <a:stretch>
+            <a:fillRect/>
+          </a:stretch>
+        </p:blipFill>
+        <p:spPr>
+          <a:xfrm>
+            <a:off x="521334" y="5616590"/>
+            <a:ext cx="6986145" cy="782548"/>
+          </a:xfrm>
+          <a:prstGeom prst="rect">
+            <a:avLst/>
+          </a:prstGeom>
+        </p:spPr>
+      </p:pic>
+    </p:spTree>
+    <p:extLst>
+      <p:ext uri="{BB962C8B-B14F-4D97-AF65-F5344CB8AC3E}">
+        <p14:creationId xmlns:p14="http://schemas.microsoft.com/office/powerpoint/2010/main" val="3561211446"/>
+      </p:ext>
+    </p:extLst>
+  </p:cSld>
+  <p:clrMapOvr>
+    <a:masterClrMapping/>
+  </p:clrMapOvr>
+</p:sld>
+</file>
+
+<file path=ppt/slides/slide31.xml><?xml version="1.0" encoding="utf-8"?>
+<p:sld xmlns:a="http://schemas.openxmlformats.org/drawingml/2006/main" xmlns:r="http://schemas.openxmlformats.org/officeDocument/2006/relationships" xmlns:p="http://schemas.openxmlformats.org/presentationml/2006/main">
+  <p:cSld>
+    <p:spTree>
+      <p:nvGrpSpPr>
+        <p:cNvPr id="1" name=""/>
+        <p:cNvGrpSpPr/>
+        <p:nvPr/>
+      </p:nvGrpSpPr>
+      <p:grpSpPr>
+        <a:xfrm>
+          <a:off x="0" y="0"/>
+          <a:ext cx="0" cy="0"/>
+          <a:chOff x="0" y="0"/>
+          <a:chExt cx="0" cy="0"/>
+        </a:xfrm>
+      </p:grpSpPr>
+      <p:sp>
+        <p:nvSpPr>
+          <p:cNvPr id="5" name="Rectangle 4">
+            <a:extLst>
+              <a:ext uri="{FF2B5EF4-FFF2-40B4-BE49-F238E27FC236}">
+                <a16:creationId xmlns:a16="http://schemas.microsoft.com/office/drawing/2014/main" id="{8C2198D3-9081-462D-89AA-2AE36F0B965E}"/>
+              </a:ext>
+            </a:extLst>
+          </p:cNvPr>
+          <p:cNvSpPr/>
+          <p:nvPr/>
+        </p:nvSpPr>
+        <p:spPr>
+          <a:xfrm>
+            <a:off x="0" y="0"/>
+            <a:ext cx="12192000" cy="1311965"/>
+          </a:xfrm>
+          <a:prstGeom prst="rect">
+            <a:avLst/>
+          </a:prstGeom>
+        </p:spPr>
+        <p:style>
+          <a:lnRef idx="2">
+            <a:schemeClr val="dk1">
+              <a:shade val="50000"/>
+            </a:schemeClr>
+          </a:lnRef>
+          <a:fillRef idx="1">
+            <a:schemeClr val="dk1"/>
+          </a:fillRef>
+          <a:effectRef idx="0">
+            <a:schemeClr val="dk1"/>
+          </a:effectRef>
+          <a:fontRef idx="minor">
+            <a:schemeClr val="lt1"/>
+          </a:fontRef>
+        </p:style>
+        <p:txBody>
+          <a:bodyPr rtlCol="0" anchor="ctr"/>
+          <a:lstStyle/>
+          <a:p>
+            <a:pPr algn="ctr"/>
+            <a:endParaRPr lang="en-US" dirty="0"/>
+          </a:p>
+        </p:txBody>
+      </p:sp>
+      <p:sp>
+        <p:nvSpPr>
+          <p:cNvPr id="3" name="TextBox 2">
+            <a:extLst>
+              <a:ext uri="{FF2B5EF4-FFF2-40B4-BE49-F238E27FC236}">
+                <a16:creationId xmlns:a16="http://schemas.microsoft.com/office/drawing/2014/main" id="{1980B4EC-4697-4B4F-87E9-C0E68B2BB033}"/>
+              </a:ext>
+            </a:extLst>
+          </p:cNvPr>
+          <p:cNvSpPr txBox="1"/>
+          <p:nvPr/>
+        </p:nvSpPr>
+        <p:spPr>
+          <a:xfrm>
+            <a:off x="2891806" y="361075"/>
+            <a:ext cx="7309535" cy="646331"/>
+          </a:xfrm>
+          <a:prstGeom prst="rect">
+            <a:avLst/>
+          </a:prstGeom>
+          <a:noFill/>
+        </p:spPr>
+        <p:txBody>
+          <a:bodyPr wrap="square" rtlCol="0">
+            <a:spAutoFit/>
+          </a:bodyPr>
+          <a:lstStyle/>
+          <a:p>
+            <a:pPr algn="ctr"/>
+            <a:r>
+              <a:rPr lang="en-US" sz="3600" i="1" dirty="0">
+                <a:solidFill>
+                  <a:schemeClr val="bg1"/>
+                </a:solidFill>
+              </a:rPr>
+              <a:t>Other Dependencies</a:t>
+            </a:r>
+          </a:p>
+        </p:txBody>
+      </p:sp>
+      <p:sp>
+        <p:nvSpPr>
+          <p:cNvPr id="8" name="TextBox 7">
+            <a:extLst>
+              <a:ext uri="{FF2B5EF4-FFF2-40B4-BE49-F238E27FC236}">
+                <a16:creationId xmlns:a16="http://schemas.microsoft.com/office/drawing/2014/main" id="{14B49AF7-29C9-49B9-A383-363338D03849}"/>
+              </a:ext>
+            </a:extLst>
+          </p:cNvPr>
+          <p:cNvSpPr txBox="1"/>
+          <p:nvPr/>
+        </p:nvSpPr>
+        <p:spPr>
+          <a:xfrm>
+            <a:off x="289696" y="4905983"/>
+            <a:ext cx="3672704" cy="400110"/>
+          </a:xfrm>
+          <a:prstGeom prst="rect">
+            <a:avLst/>
+          </a:prstGeom>
+          <a:noFill/>
+        </p:spPr>
+        <p:txBody>
+          <a:bodyPr wrap="square" rtlCol="0">
+            <a:spAutoFit/>
+          </a:bodyPr>
+          <a:lstStyle/>
+          <a:p>
+            <a:r>
+              <a:rPr lang="en-US" sz="2000" i="1" dirty="0"/>
+              <a:t>3. Compound (compound)</a:t>
+            </a:r>
+          </a:p>
+        </p:txBody>
+      </p:sp>
+      <p:sp>
+        <p:nvSpPr>
+          <p:cNvPr id="9" name="TextBox 8">
+            <a:extLst>
+              <a:ext uri="{FF2B5EF4-FFF2-40B4-BE49-F238E27FC236}">
+                <a16:creationId xmlns:a16="http://schemas.microsoft.com/office/drawing/2014/main" id="{BFE81F74-B1DB-462B-A34F-F1C208B6D3CE}"/>
+              </a:ext>
+            </a:extLst>
+          </p:cNvPr>
+          <p:cNvSpPr txBox="1"/>
+          <p:nvPr/>
+        </p:nvSpPr>
+        <p:spPr>
+          <a:xfrm>
+            <a:off x="289696" y="3182015"/>
+            <a:ext cx="3724711" cy="400110"/>
+          </a:xfrm>
+          <a:prstGeom prst="rect">
+            <a:avLst/>
+          </a:prstGeom>
+          <a:noFill/>
+        </p:spPr>
+        <p:txBody>
+          <a:bodyPr wrap="square" rtlCol="0">
+            <a:spAutoFit/>
+          </a:bodyPr>
+          <a:lstStyle/>
+          <a:p>
+            <a:r>
+              <a:rPr lang="en-US" sz="2000" i="1" dirty="0"/>
+              <a:t>2. Coordinating Conjunction (cc)</a:t>
+            </a:r>
+          </a:p>
+        </p:txBody>
+      </p:sp>
+      <p:sp>
+        <p:nvSpPr>
+          <p:cNvPr id="12" name="TextBox 11">
+            <a:extLst>
+              <a:ext uri="{FF2B5EF4-FFF2-40B4-BE49-F238E27FC236}">
+                <a16:creationId xmlns:a16="http://schemas.microsoft.com/office/drawing/2014/main" id="{683AC3F7-ABFD-43DB-BF52-4D7413A7E198}"/>
+              </a:ext>
+            </a:extLst>
+          </p:cNvPr>
+          <p:cNvSpPr txBox="1"/>
+          <p:nvPr/>
+        </p:nvSpPr>
+        <p:spPr>
+          <a:xfrm>
+            <a:off x="289696" y="1490723"/>
+            <a:ext cx="3399726" cy="400110"/>
+          </a:xfrm>
+          <a:prstGeom prst="rect">
+            <a:avLst/>
+          </a:prstGeom>
+          <a:noFill/>
+        </p:spPr>
+        <p:txBody>
+          <a:bodyPr wrap="square" rtlCol="0">
+            <a:spAutoFit/>
+          </a:bodyPr>
+          <a:lstStyle/>
+          <a:p>
+            <a:r>
+              <a:rPr lang="en-US" sz="2000" i="1" dirty="0"/>
+              <a:t>1. Conjunct (conj)</a:t>
+            </a:r>
+          </a:p>
+        </p:txBody>
+      </p:sp>
+      <p:pic>
+        <p:nvPicPr>
+          <p:cNvPr id="10" name="Picture 9">
+            <a:extLst>
+              <a:ext uri="{FF2B5EF4-FFF2-40B4-BE49-F238E27FC236}">
+                <a16:creationId xmlns:a16="http://schemas.microsoft.com/office/drawing/2014/main" id="{6661FF75-B636-422B-A2A1-7C92B24403EA}"/>
+              </a:ext>
+            </a:extLst>
+          </p:cNvPr>
+          <p:cNvPicPr/>
+          <p:nvPr/>
+        </p:nvPicPr>
+        <p:blipFill>
+          <a:blip r:embed="rId2"/>
+          <a:stretch>
+            <a:fillRect/>
+          </a:stretch>
+        </p:blipFill>
+        <p:spPr>
+          <a:xfrm>
+            <a:off x="564956" y="2145150"/>
+            <a:ext cx="6248932" cy="782548"/>
+          </a:xfrm>
+          <a:prstGeom prst="rect">
+            <a:avLst/>
+          </a:prstGeom>
+        </p:spPr>
+      </p:pic>
+      <p:pic>
+        <p:nvPicPr>
+          <p:cNvPr id="11" name="Picture 10">
+            <a:extLst>
+              <a:ext uri="{FF2B5EF4-FFF2-40B4-BE49-F238E27FC236}">
+                <a16:creationId xmlns:a16="http://schemas.microsoft.com/office/drawing/2014/main" id="{4640A538-5D04-4B8D-B800-18CFB4121398}"/>
+              </a:ext>
+            </a:extLst>
+          </p:cNvPr>
+          <p:cNvPicPr/>
+          <p:nvPr/>
+        </p:nvPicPr>
+        <p:blipFill>
+          <a:blip r:embed="rId3"/>
+          <a:stretch>
+            <a:fillRect/>
+          </a:stretch>
+        </p:blipFill>
+        <p:spPr>
+          <a:xfrm>
+            <a:off x="521334" y="3767909"/>
+            <a:ext cx="5550996" cy="782548"/>
+          </a:xfrm>
+          <a:prstGeom prst="rect">
+            <a:avLst/>
+          </a:prstGeom>
+        </p:spPr>
+      </p:pic>
+      <p:pic>
+        <p:nvPicPr>
+          <p:cNvPr id="13" name="Picture 12">
+            <a:extLst>
+              <a:ext uri="{FF2B5EF4-FFF2-40B4-BE49-F238E27FC236}">
+                <a16:creationId xmlns:a16="http://schemas.microsoft.com/office/drawing/2014/main" id="{81B86DA0-E152-4E8A-8BE6-9FF9049C5B67}"/>
+              </a:ext>
+            </a:extLst>
+          </p:cNvPr>
+          <p:cNvPicPr/>
+          <p:nvPr/>
+        </p:nvPicPr>
+        <p:blipFill>
+          <a:blip r:embed="rId4"/>
+          <a:stretch>
+            <a:fillRect/>
+          </a:stretch>
+        </p:blipFill>
+        <p:spPr>
+          <a:xfrm>
+            <a:off x="521334" y="5451336"/>
+            <a:ext cx="8102719" cy="970308"/>
+          </a:xfrm>
+          <a:prstGeom prst="rect">
+            <a:avLst/>
+          </a:prstGeom>
+        </p:spPr>
+      </p:pic>
+    </p:spTree>
+    <p:extLst>
+      <p:ext uri="{BB962C8B-B14F-4D97-AF65-F5344CB8AC3E}">
+        <p14:creationId xmlns:p14="http://schemas.microsoft.com/office/powerpoint/2010/main" val="1968511099"/>
+      </p:ext>
+    </p:extLst>
+  </p:cSld>
+  <p:clrMapOvr>
+    <a:masterClrMapping/>
+  </p:clrMapOvr>
+</p:sld>
+</file>
+
+<file path=ppt/slides/slide32.xml><?xml version="1.0" encoding="utf-8"?>
+<p:sld xmlns:a="http://schemas.openxmlformats.org/drawingml/2006/main" xmlns:r="http://schemas.openxmlformats.org/officeDocument/2006/relationships" xmlns:p="http://schemas.openxmlformats.org/presentationml/2006/main">
+  <p:cSld>
+    <p:spTree>
+      <p:nvGrpSpPr>
+        <p:cNvPr id="1" name=""/>
+        <p:cNvGrpSpPr/>
+        <p:nvPr/>
+      </p:nvGrpSpPr>
+      <p:grpSpPr>
+        <a:xfrm>
+          <a:off x="0" y="0"/>
+          <a:ext cx="0" cy="0"/>
+          <a:chOff x="0" y="0"/>
+          <a:chExt cx="0" cy="0"/>
+        </a:xfrm>
+      </p:grpSpPr>
+      <p:sp>
+        <p:nvSpPr>
+          <p:cNvPr id="5" name="Rectangle 4">
+            <a:extLst>
+              <a:ext uri="{FF2B5EF4-FFF2-40B4-BE49-F238E27FC236}">
+                <a16:creationId xmlns:a16="http://schemas.microsoft.com/office/drawing/2014/main" id="{8C2198D3-9081-462D-89AA-2AE36F0B965E}"/>
+              </a:ext>
+            </a:extLst>
+          </p:cNvPr>
+          <p:cNvSpPr/>
+          <p:nvPr/>
+        </p:nvSpPr>
+        <p:spPr>
+          <a:xfrm>
+            <a:off x="0" y="0"/>
+            <a:ext cx="12192000" cy="1311965"/>
+          </a:xfrm>
+          <a:prstGeom prst="rect">
+            <a:avLst/>
+          </a:prstGeom>
+        </p:spPr>
+        <p:style>
+          <a:lnRef idx="2">
+            <a:schemeClr val="dk1">
+              <a:shade val="50000"/>
+            </a:schemeClr>
+          </a:lnRef>
+          <a:fillRef idx="1">
+            <a:schemeClr val="dk1"/>
+          </a:fillRef>
+          <a:effectRef idx="0">
+            <a:schemeClr val="dk1"/>
+          </a:effectRef>
+          <a:fontRef idx="minor">
+            <a:schemeClr val="lt1"/>
+          </a:fontRef>
+        </p:style>
+        <p:txBody>
+          <a:bodyPr rtlCol="0" anchor="ctr"/>
+          <a:lstStyle/>
+          <a:p>
+            <a:pPr algn="ctr"/>
+            <a:endParaRPr lang="en-US" dirty="0"/>
+          </a:p>
+        </p:txBody>
+      </p:sp>
+      <p:sp>
+        <p:nvSpPr>
+          <p:cNvPr id="3" name="TextBox 2">
+            <a:extLst>
+              <a:ext uri="{FF2B5EF4-FFF2-40B4-BE49-F238E27FC236}">
+                <a16:creationId xmlns:a16="http://schemas.microsoft.com/office/drawing/2014/main" id="{1980B4EC-4697-4B4F-87E9-C0E68B2BB033}"/>
+              </a:ext>
+            </a:extLst>
+          </p:cNvPr>
+          <p:cNvSpPr txBox="1"/>
+          <p:nvPr/>
+        </p:nvSpPr>
+        <p:spPr>
+          <a:xfrm>
+            <a:off x="4931224" y="332816"/>
+            <a:ext cx="2329551" cy="646331"/>
+          </a:xfrm>
+          <a:prstGeom prst="rect">
+            <a:avLst/>
+          </a:prstGeom>
+          <a:noFill/>
+        </p:spPr>
+        <p:txBody>
+          <a:bodyPr wrap="square" rtlCol="0">
+            <a:spAutoFit/>
+          </a:bodyPr>
+          <a:lstStyle/>
+          <a:p>
+            <a:pPr algn="ctr"/>
+            <a:r>
+              <a:rPr lang="en-US" sz="3600" i="1" dirty="0">
+                <a:solidFill>
+                  <a:schemeClr val="bg1"/>
+                </a:solidFill>
+              </a:rPr>
+              <a:t>WordNet</a:t>
+            </a:r>
+          </a:p>
+        </p:txBody>
+      </p:sp>
+      <p:sp>
+        <p:nvSpPr>
+          <p:cNvPr id="12" name="TextBox 11">
+            <a:extLst>
+              <a:ext uri="{FF2B5EF4-FFF2-40B4-BE49-F238E27FC236}">
+                <a16:creationId xmlns:a16="http://schemas.microsoft.com/office/drawing/2014/main" id="{683AC3F7-ABFD-43DB-BF52-4D7413A7E198}"/>
+              </a:ext>
+            </a:extLst>
+          </p:cNvPr>
+          <p:cNvSpPr txBox="1"/>
+          <p:nvPr/>
+        </p:nvSpPr>
+        <p:spPr>
+          <a:xfrm>
+            <a:off x="289696" y="1673040"/>
+            <a:ext cx="11438478" cy="1200329"/>
+          </a:xfrm>
+          <a:prstGeom prst="rect">
+            <a:avLst/>
+          </a:prstGeom>
+          <a:noFill/>
+        </p:spPr>
+        <p:txBody>
+          <a:bodyPr wrap="square" rtlCol="0">
+            <a:spAutoFit/>
+          </a:bodyPr>
+          <a:lstStyle/>
+          <a:p>
+            <a:pPr marL="342900" indent="-342900">
+              <a:buFontTx/>
+              <a:buChar char="-"/>
+            </a:pPr>
+            <a:r>
+              <a:rPr lang="en-US" sz="2400" dirty="0"/>
+              <a:t>WordNet is one of the </a:t>
+            </a:r>
+            <a:r>
+              <a:rPr lang="en-US" sz="2400" dirty="0">
+                <a:solidFill>
+                  <a:srgbClr val="FF0000"/>
+                </a:solidFill>
+              </a:rPr>
+              <a:t>most commonly used resources</a:t>
+            </a:r>
+            <a:r>
+              <a:rPr lang="en-US" sz="2400" dirty="0"/>
+              <a:t> in English. </a:t>
+            </a:r>
+          </a:p>
+          <a:p>
+            <a:pPr marL="342900" indent="-342900">
+              <a:buFontTx/>
+              <a:buChar char="-"/>
+            </a:pPr>
+            <a:r>
+              <a:rPr lang="en-US" sz="2400" dirty="0"/>
+              <a:t>It is a </a:t>
+            </a:r>
+            <a:r>
+              <a:rPr lang="en-US" sz="2400" dirty="0">
+                <a:solidFill>
+                  <a:srgbClr val="FF0000"/>
+                </a:solidFill>
+              </a:rPr>
+              <a:t>lexical database</a:t>
+            </a:r>
+            <a:r>
+              <a:rPr lang="en-US" sz="2400" dirty="0"/>
+              <a:t> consisting of sense relations between English words. </a:t>
+            </a:r>
+          </a:p>
+          <a:p>
+            <a:pPr marL="342900" indent="-342900">
+              <a:buFontTx/>
+              <a:buChar char="-"/>
+            </a:pPr>
+            <a:r>
+              <a:rPr lang="en-US" sz="2400" dirty="0"/>
+              <a:t>A typical entry for the noun “</a:t>
+            </a:r>
+            <a:r>
+              <a:rPr lang="en-US" sz="2400" i="1" dirty="0">
+                <a:solidFill>
+                  <a:srgbClr val="FF0000"/>
+                </a:solidFill>
+              </a:rPr>
+              <a:t>lion</a:t>
+            </a:r>
+            <a:r>
+              <a:rPr lang="en-US" sz="2400" dirty="0"/>
+              <a:t>” in WordNet yields the following different senses.</a:t>
+            </a:r>
+            <a:r>
+              <a:rPr lang="en-US" sz="2000" dirty="0"/>
+              <a:t> </a:t>
+            </a:r>
+          </a:p>
+        </p:txBody>
+      </p:sp>
+      <p:pic>
+        <p:nvPicPr>
+          <p:cNvPr id="14" name="Picture 13">
+            <a:extLst>
+              <a:ext uri="{FF2B5EF4-FFF2-40B4-BE49-F238E27FC236}">
+                <a16:creationId xmlns:a16="http://schemas.microsoft.com/office/drawing/2014/main" id="{BAC54AC1-3E79-4374-AD43-E643BA555449}"/>
+              </a:ext>
+            </a:extLst>
+          </p:cNvPr>
+          <p:cNvPicPr/>
+          <p:nvPr/>
+        </p:nvPicPr>
+        <p:blipFill>
+          <a:blip r:embed="rId2"/>
+          <a:stretch>
+            <a:fillRect/>
+          </a:stretch>
+        </p:blipFill>
+        <p:spPr>
+          <a:xfrm>
+            <a:off x="854597" y="3114262"/>
+            <a:ext cx="10482806" cy="2759812"/>
+          </a:xfrm>
+          <a:prstGeom prst="rect">
+            <a:avLst/>
+          </a:prstGeom>
+          <a:ln w="9525" cmpd="tri">
+            <a:solidFill>
+              <a:schemeClr val="tx1"/>
+            </a:solidFill>
+          </a:ln>
+        </p:spPr>
+      </p:pic>
+    </p:spTree>
+    <p:extLst>
+      <p:ext uri="{BB962C8B-B14F-4D97-AF65-F5344CB8AC3E}">
+        <p14:creationId xmlns:p14="http://schemas.microsoft.com/office/powerpoint/2010/main" val="637478758"/>
+      </p:ext>
+    </p:extLst>
+  </p:cSld>
+  <p:clrMapOvr>
+    <a:masterClrMapping/>
+  </p:clrMapOvr>
+</p:sld>
+</file>
+
+<file path=ppt/slides/slide33.xml><?xml version="1.0" encoding="utf-8"?>
+<p:sld xmlns:a="http://schemas.openxmlformats.org/drawingml/2006/main" xmlns:r="http://schemas.openxmlformats.org/officeDocument/2006/relationships" xmlns:p="http://schemas.openxmlformats.org/presentationml/2006/main">
+  <p:cSld>
+    <p:spTree>
+      <p:nvGrpSpPr>
+        <p:cNvPr id="1" name=""/>
+        <p:cNvGrpSpPr/>
+        <p:nvPr/>
+      </p:nvGrpSpPr>
+      <p:grpSpPr>
+        <a:xfrm>
+          <a:off x="0" y="0"/>
+          <a:ext cx="0" cy="0"/>
+          <a:chOff x="0" y="0"/>
+          <a:chExt cx="0" cy="0"/>
+        </a:xfrm>
+      </p:grpSpPr>
+      <p:sp>
+        <p:nvSpPr>
+          <p:cNvPr id="5" name="Rectangle 4">
+            <a:extLst>
+              <a:ext uri="{FF2B5EF4-FFF2-40B4-BE49-F238E27FC236}">
+                <a16:creationId xmlns:a16="http://schemas.microsoft.com/office/drawing/2014/main" id="{8C2198D3-9081-462D-89AA-2AE36F0B965E}"/>
+              </a:ext>
+            </a:extLst>
+          </p:cNvPr>
+          <p:cNvSpPr/>
+          <p:nvPr/>
+        </p:nvSpPr>
+        <p:spPr>
+          <a:xfrm>
+            <a:off x="0" y="0"/>
+            <a:ext cx="12192000" cy="1311965"/>
+          </a:xfrm>
+          <a:prstGeom prst="rect">
+            <a:avLst/>
+          </a:prstGeom>
+        </p:spPr>
+        <p:style>
+          <a:lnRef idx="2">
+            <a:schemeClr val="dk1">
+              <a:shade val="50000"/>
+            </a:schemeClr>
+          </a:lnRef>
+          <a:fillRef idx="1">
+            <a:schemeClr val="dk1"/>
+          </a:fillRef>
+          <a:effectRef idx="0">
+            <a:schemeClr val="dk1"/>
+          </a:effectRef>
+          <a:fontRef idx="minor">
+            <a:schemeClr val="lt1"/>
+          </a:fontRef>
+        </p:style>
+        <p:txBody>
+          <a:bodyPr rtlCol="0" anchor="ctr"/>
+          <a:lstStyle/>
+          <a:p>
+            <a:pPr algn="ctr"/>
+            <a:endParaRPr lang="en-US" dirty="0"/>
+          </a:p>
+        </p:txBody>
+      </p:sp>
+      <p:sp>
+        <p:nvSpPr>
+          <p:cNvPr id="3" name="TextBox 2">
+            <a:extLst>
+              <a:ext uri="{FF2B5EF4-FFF2-40B4-BE49-F238E27FC236}">
+                <a16:creationId xmlns:a16="http://schemas.microsoft.com/office/drawing/2014/main" id="{1980B4EC-4697-4B4F-87E9-C0E68B2BB033}"/>
+              </a:ext>
+            </a:extLst>
+          </p:cNvPr>
+          <p:cNvSpPr txBox="1"/>
+          <p:nvPr/>
+        </p:nvSpPr>
+        <p:spPr>
+          <a:xfrm>
+            <a:off x="4142012" y="332816"/>
+            <a:ext cx="3907976" cy="646331"/>
+          </a:xfrm>
+          <a:prstGeom prst="rect">
+            <a:avLst/>
+          </a:prstGeom>
+          <a:noFill/>
+        </p:spPr>
+        <p:txBody>
+          <a:bodyPr wrap="square" rtlCol="0">
+            <a:spAutoFit/>
+          </a:bodyPr>
+          <a:lstStyle/>
+          <a:p>
+            <a:pPr algn="ctr"/>
+            <a:r>
+              <a:rPr lang="en-US" sz="3600" i="1" dirty="0">
+                <a:solidFill>
+                  <a:schemeClr val="bg1"/>
+                </a:solidFill>
+              </a:rPr>
+              <a:t>WordNet Relations</a:t>
+            </a:r>
+          </a:p>
+        </p:txBody>
+      </p:sp>
+      <p:sp>
+        <p:nvSpPr>
+          <p:cNvPr id="12" name="TextBox 11">
+            <a:extLst>
+              <a:ext uri="{FF2B5EF4-FFF2-40B4-BE49-F238E27FC236}">
+                <a16:creationId xmlns:a16="http://schemas.microsoft.com/office/drawing/2014/main" id="{683AC3F7-ABFD-43DB-BF52-4D7413A7E198}"/>
+              </a:ext>
+            </a:extLst>
+          </p:cNvPr>
+          <p:cNvSpPr txBox="1"/>
+          <p:nvPr/>
+        </p:nvSpPr>
+        <p:spPr>
+          <a:xfrm>
+            <a:off x="289696" y="1673040"/>
+            <a:ext cx="11438478" cy="1569660"/>
+          </a:xfrm>
+          <a:prstGeom prst="rect">
+            <a:avLst/>
+          </a:prstGeom>
+          <a:noFill/>
+        </p:spPr>
+        <p:txBody>
+          <a:bodyPr wrap="square" rtlCol="0">
+            <a:spAutoFit/>
+          </a:bodyPr>
+          <a:lstStyle/>
+          <a:p>
+            <a:pPr marL="285750" indent="-285750">
+              <a:buFontTx/>
+              <a:buChar char="-"/>
+            </a:pPr>
+            <a:r>
+              <a:rPr lang="en-US" sz="2400" dirty="0"/>
+              <a:t>WordNet contains various relations depending upon the </a:t>
+            </a:r>
+            <a:r>
+              <a:rPr lang="en-US" sz="2400" dirty="0">
+                <a:solidFill>
+                  <a:srgbClr val="FF0000"/>
+                </a:solidFill>
+              </a:rPr>
+              <a:t>word type</a:t>
+            </a:r>
+            <a:r>
+              <a:rPr lang="en-US" sz="2400" dirty="0"/>
+              <a:t>. </a:t>
+            </a:r>
+          </a:p>
+          <a:p>
+            <a:pPr marL="285750" indent="-285750">
+              <a:buFontTx/>
+              <a:buChar char="-"/>
+            </a:pPr>
+            <a:r>
+              <a:rPr lang="en-US" sz="2400" dirty="0">
+                <a:solidFill>
+                  <a:srgbClr val="FF0000"/>
+                </a:solidFill>
+              </a:rPr>
+              <a:t>Noun relations </a:t>
+            </a:r>
+            <a:r>
+              <a:rPr lang="en-US" sz="2400" dirty="0"/>
+              <a:t>include Hypernym, Hyponym, Instance Hypernym, Instance Hyponym, Meronyms. </a:t>
+            </a:r>
+          </a:p>
+          <a:p>
+            <a:pPr marL="285750" indent="-285750">
+              <a:buFontTx/>
+              <a:buChar char="-"/>
+            </a:pPr>
+            <a:r>
+              <a:rPr lang="en-US" sz="2400" dirty="0">
+                <a:solidFill>
+                  <a:srgbClr val="FF0000"/>
+                </a:solidFill>
+              </a:rPr>
+              <a:t>Verb relations</a:t>
+            </a:r>
+            <a:r>
+              <a:rPr lang="en-US" sz="2400" dirty="0"/>
+              <a:t> include Hypernyms, Troponyms, Antonyms</a:t>
+            </a:r>
+            <a:endParaRPr lang="en-US" sz="2800" dirty="0"/>
+          </a:p>
+        </p:txBody>
+      </p:sp>
+      <p:sp>
+        <p:nvSpPr>
+          <p:cNvPr id="6" name="TextBox 5">
+            <a:extLst>
+              <a:ext uri="{FF2B5EF4-FFF2-40B4-BE49-F238E27FC236}">
+                <a16:creationId xmlns:a16="http://schemas.microsoft.com/office/drawing/2014/main" id="{282970BA-D239-4B9A-BB54-88F0136FCD2C}"/>
+              </a:ext>
+            </a:extLst>
+          </p:cNvPr>
+          <p:cNvSpPr txBox="1"/>
+          <p:nvPr/>
+        </p:nvSpPr>
+        <p:spPr>
+          <a:xfrm>
+            <a:off x="289696" y="3603775"/>
+            <a:ext cx="11438478" cy="2369880"/>
+          </a:xfrm>
+          <a:prstGeom prst="rect">
+            <a:avLst/>
+          </a:prstGeom>
+          <a:noFill/>
+        </p:spPr>
+        <p:txBody>
+          <a:bodyPr wrap="square" rtlCol="0">
+            <a:spAutoFit/>
+          </a:bodyPr>
+          <a:lstStyle/>
+          <a:p>
+            <a:r>
+              <a:rPr lang="en-US" sz="2400" i="1" dirty="0"/>
+              <a:t>Examples </a:t>
+            </a:r>
+          </a:p>
+          <a:p>
+            <a:endParaRPr lang="en-US" sz="2400" i="1" dirty="0"/>
+          </a:p>
+          <a:p>
+            <a:r>
+              <a:rPr lang="en-US" sz="2400" i="1" u="sng" dirty="0"/>
+              <a:t>Hypernyms</a:t>
+            </a:r>
+            <a:r>
+              <a:rPr lang="en-US" sz="2400" i="1" dirty="0"/>
+              <a:t>: (IS_A) car </a:t>
+            </a:r>
+            <a:r>
+              <a:rPr lang="en-US" sz="2400" i="1" dirty="0">
+                <a:sym typeface="Wingdings" panose="05000000000000000000" pitchFamily="2" charset="2"/>
+              </a:rPr>
+              <a:t> motor vehicle  vehicle</a:t>
+            </a:r>
+          </a:p>
+          <a:p>
+            <a:r>
+              <a:rPr lang="en-US" sz="2400" i="1" u="sng" dirty="0">
+                <a:sym typeface="Wingdings" panose="05000000000000000000" pitchFamily="2" charset="2"/>
+              </a:rPr>
+              <a:t>Meronyms</a:t>
+            </a:r>
+            <a:r>
+              <a:rPr lang="en-US" sz="2400" i="1" dirty="0">
+                <a:sym typeface="Wingdings" panose="05000000000000000000" pitchFamily="2" charset="2"/>
+              </a:rPr>
+              <a:t>: (Part-Whole)  cars have horns, man has foot</a:t>
+            </a:r>
+            <a:endParaRPr lang="en-US" sz="2400" i="1" u="sng" dirty="0">
+              <a:sym typeface="Wingdings" panose="05000000000000000000" pitchFamily="2" charset="2"/>
+            </a:endParaRPr>
+          </a:p>
+          <a:p>
+            <a:r>
+              <a:rPr lang="en-US" sz="2400" i="1" u="sng" dirty="0">
+                <a:sym typeface="Wingdings" panose="05000000000000000000" pitchFamily="2" charset="2"/>
+              </a:rPr>
+              <a:t>Synonyms</a:t>
+            </a:r>
+            <a:r>
+              <a:rPr lang="en-US" sz="2400" i="1" dirty="0">
+                <a:sym typeface="Wingdings" panose="05000000000000000000" pitchFamily="2" charset="2"/>
+              </a:rPr>
+              <a:t>: car/automobile, eat/consume/take in, quickly/rapidly</a:t>
+            </a:r>
+          </a:p>
+          <a:p>
+            <a:r>
+              <a:rPr lang="en-US" sz="2400" i="1" u="sng" dirty="0">
+                <a:sym typeface="Wingdings" panose="05000000000000000000" pitchFamily="2" charset="2"/>
+              </a:rPr>
+              <a:t>Antonyms</a:t>
+            </a:r>
+            <a:r>
+              <a:rPr lang="en-US" sz="2400" i="1" dirty="0">
+                <a:sym typeface="Wingdings" panose="05000000000000000000" pitchFamily="2" charset="2"/>
+              </a:rPr>
+              <a:t>: fast  slow, long  short </a:t>
+            </a:r>
+            <a:endParaRPr lang="en-US" sz="2800" i="1" dirty="0"/>
+          </a:p>
+        </p:txBody>
+      </p:sp>
+    </p:spTree>
+    <p:extLst>
+      <p:ext uri="{BB962C8B-B14F-4D97-AF65-F5344CB8AC3E}">
+        <p14:creationId xmlns:p14="http://schemas.microsoft.com/office/powerpoint/2010/main" val="3632730983"/>
+      </p:ext>
+    </p:extLst>
+  </p:cSld>
+  <p:clrMapOvr>
+    <a:masterClrMapping/>
+  </p:clrMapOvr>
+</p:sld>
+</file>
+
+<file path=ppt/slides/slide34.xml><?xml version="1.0" encoding="utf-8"?>
+<p:sld xmlns:a="http://schemas.openxmlformats.org/drawingml/2006/main" xmlns:r="http://schemas.openxmlformats.org/officeDocument/2006/relationships" xmlns:p="http://schemas.openxmlformats.org/presentationml/2006/main">
+  <p:cSld>
+    <p:spTree>
+      <p:nvGrpSpPr>
+        <p:cNvPr id="1" name=""/>
+        <p:cNvGrpSpPr/>
+        <p:nvPr/>
+      </p:nvGrpSpPr>
+      <p:grpSpPr>
+        <a:xfrm>
+          <a:off x="0" y="0"/>
+          <a:ext cx="0" cy="0"/>
+          <a:chOff x="0" y="0"/>
+          <a:chExt cx="0" cy="0"/>
+        </a:xfrm>
+      </p:grpSpPr>
+      <p:sp>
+        <p:nvSpPr>
+          <p:cNvPr id="5" name="Rectangle 4">
+            <a:extLst>
+              <a:ext uri="{FF2B5EF4-FFF2-40B4-BE49-F238E27FC236}">
+                <a16:creationId xmlns:a16="http://schemas.microsoft.com/office/drawing/2014/main" id="{8C2198D3-9081-462D-89AA-2AE36F0B965E}"/>
+              </a:ext>
+            </a:extLst>
+          </p:cNvPr>
+          <p:cNvSpPr/>
+          <p:nvPr/>
+        </p:nvSpPr>
+        <p:spPr>
+          <a:xfrm>
+            <a:off x="0" y="0"/>
+            <a:ext cx="12192000" cy="1311965"/>
+          </a:xfrm>
+          <a:prstGeom prst="rect">
+            <a:avLst/>
+          </a:prstGeom>
+        </p:spPr>
+        <p:style>
+          <a:lnRef idx="2">
+            <a:schemeClr val="dk1">
+              <a:shade val="50000"/>
+            </a:schemeClr>
+          </a:lnRef>
+          <a:fillRef idx="1">
+            <a:schemeClr val="dk1"/>
+          </a:fillRef>
+          <a:effectRef idx="0">
+            <a:schemeClr val="dk1"/>
+          </a:effectRef>
+          <a:fontRef idx="minor">
+            <a:schemeClr val="lt1"/>
+          </a:fontRef>
+        </p:style>
+        <p:txBody>
+          <a:bodyPr rtlCol="0" anchor="ctr"/>
+          <a:lstStyle/>
+          <a:p>
+            <a:pPr algn="ctr"/>
+            <a:endParaRPr lang="en-US" dirty="0"/>
+          </a:p>
+        </p:txBody>
+      </p:sp>
+      <p:sp>
+        <p:nvSpPr>
+          <p:cNvPr id="3" name="TextBox 2">
+            <a:extLst>
+              <a:ext uri="{FF2B5EF4-FFF2-40B4-BE49-F238E27FC236}">
+                <a16:creationId xmlns:a16="http://schemas.microsoft.com/office/drawing/2014/main" id="{1980B4EC-4697-4B4F-87E9-C0E68B2BB033}"/>
+              </a:ext>
+            </a:extLst>
+          </p:cNvPr>
+          <p:cNvSpPr txBox="1"/>
+          <p:nvPr/>
+        </p:nvSpPr>
+        <p:spPr>
+          <a:xfrm>
+            <a:off x="4142012" y="332816"/>
+            <a:ext cx="3907976" cy="646331"/>
+          </a:xfrm>
+          <a:prstGeom prst="rect">
+            <a:avLst/>
+          </a:prstGeom>
+          <a:noFill/>
+        </p:spPr>
+        <p:txBody>
+          <a:bodyPr wrap="square" rtlCol="0">
+            <a:spAutoFit/>
+          </a:bodyPr>
+          <a:lstStyle/>
+          <a:p>
+            <a:pPr algn="ctr"/>
+            <a:r>
+              <a:rPr lang="en-US" sz="3600" i="1" dirty="0">
+                <a:solidFill>
+                  <a:schemeClr val="bg1"/>
+                </a:solidFill>
+              </a:rPr>
+              <a:t>WordNet Senses</a:t>
+            </a:r>
+          </a:p>
+        </p:txBody>
+      </p:sp>
+      <p:sp>
+        <p:nvSpPr>
+          <p:cNvPr id="12" name="TextBox 11">
+            <a:extLst>
+              <a:ext uri="{FF2B5EF4-FFF2-40B4-BE49-F238E27FC236}">
+                <a16:creationId xmlns:a16="http://schemas.microsoft.com/office/drawing/2014/main" id="{683AC3F7-ABFD-43DB-BF52-4D7413A7E198}"/>
+              </a:ext>
+            </a:extLst>
+          </p:cNvPr>
+          <p:cNvSpPr txBox="1"/>
+          <p:nvPr/>
+        </p:nvSpPr>
+        <p:spPr>
+          <a:xfrm>
+            <a:off x="289696" y="1673040"/>
+            <a:ext cx="11438478" cy="1938992"/>
+          </a:xfrm>
+          <a:prstGeom prst="rect">
+            <a:avLst/>
+          </a:prstGeom>
+          <a:noFill/>
+        </p:spPr>
+        <p:txBody>
+          <a:bodyPr wrap="square" rtlCol="0">
+            <a:spAutoFit/>
+          </a:bodyPr>
+          <a:lstStyle/>
+          <a:p>
+            <a:pPr marL="342900" indent="-342900">
+              <a:buFontTx/>
+              <a:buChar char="-"/>
+            </a:pPr>
+            <a:r>
+              <a:rPr lang="en-US" sz="2400" dirty="0"/>
+              <a:t>WordNet has defined </a:t>
+            </a:r>
+            <a:r>
+              <a:rPr lang="en-US" sz="2400" dirty="0">
+                <a:solidFill>
+                  <a:srgbClr val="FF0000"/>
+                </a:solidFill>
+              </a:rPr>
+              <a:t>45 lexical categories</a:t>
+            </a:r>
+            <a:r>
+              <a:rPr lang="en-US" sz="2400" dirty="0"/>
+              <a:t> for synsets.</a:t>
+            </a:r>
+          </a:p>
+          <a:p>
+            <a:pPr marL="342900" indent="-342900">
+              <a:buFontTx/>
+              <a:buChar char="-"/>
+            </a:pPr>
+            <a:r>
+              <a:rPr lang="en-US" sz="2400" dirty="0"/>
+              <a:t>The synsets are divided based on </a:t>
+            </a:r>
+            <a:r>
+              <a:rPr lang="en-US" sz="2400" dirty="0">
+                <a:solidFill>
+                  <a:srgbClr val="FF0000"/>
+                </a:solidFill>
+              </a:rPr>
+              <a:t>NOUN, VERB, ADJECTIVE and ADVERB</a:t>
+            </a:r>
+            <a:r>
+              <a:rPr lang="en-US" sz="2400" dirty="0"/>
+              <a:t>. </a:t>
+            </a:r>
+          </a:p>
+          <a:p>
+            <a:pPr marL="342900" indent="-342900">
+              <a:buFontTx/>
+              <a:buChar char="-"/>
+            </a:pPr>
+            <a:r>
+              <a:rPr lang="en-US" sz="2400" dirty="0"/>
+              <a:t>Following are some of the lexical categories for nouns along with their meaning.</a:t>
+            </a:r>
+          </a:p>
+          <a:p>
+            <a:pPr marL="342900" indent="-342900">
+              <a:buFontTx/>
+              <a:buChar char="-"/>
+            </a:pPr>
+            <a:endParaRPr lang="en-US" sz="2400" dirty="0"/>
+          </a:p>
+          <a:p>
+            <a:pPr marL="342900" indent="-342900">
+              <a:buFontTx/>
+              <a:buChar char="-"/>
+            </a:pPr>
+            <a:endParaRPr lang="en-US" sz="2400" dirty="0"/>
+          </a:p>
+        </p:txBody>
+      </p:sp>
+      <p:graphicFrame>
+        <p:nvGraphicFramePr>
+          <p:cNvPr id="10" name="Table 9">
+            <a:extLst>
+              <a:ext uri="{FF2B5EF4-FFF2-40B4-BE49-F238E27FC236}">
+                <a16:creationId xmlns:a16="http://schemas.microsoft.com/office/drawing/2014/main" id="{FA418C58-302B-4347-90AB-E8966A2D895C}"/>
+              </a:ext>
+            </a:extLst>
+          </p:cNvPr>
+          <p:cNvGraphicFramePr>
+            <a:graphicFrameLocks noGrp="1"/>
+          </p:cNvGraphicFramePr>
+          <p:nvPr>
+            <p:extLst>
+              <p:ext uri="{D42A27DB-BD31-4B8C-83A1-F6EECF244321}">
+                <p14:modId xmlns:p14="http://schemas.microsoft.com/office/powerpoint/2010/main" val="2092699866"/>
+              </p:ext>
+            </p:extLst>
+          </p:nvPr>
+        </p:nvGraphicFramePr>
+        <p:xfrm>
+          <a:off x="1431235" y="3167270"/>
+          <a:ext cx="8454887" cy="3187012"/>
+        </p:xfrm>
+        <a:graphic>
+          <a:graphicData uri="http://schemas.openxmlformats.org/drawingml/2006/table">
+            <a:tbl>
+              <a:tblPr firstRow="1" firstCol="1" bandRow="1">
+                <a:tableStyleId>{7E9639D4-E3E2-4D34-9284-5A2195B3D0D7}</a:tableStyleId>
+              </a:tblPr>
+              <a:tblGrid>
+                <a:gridCol w="2030078">
+                  <a:extLst>
+                    <a:ext uri="{9D8B030D-6E8A-4147-A177-3AD203B41FA5}">
+                      <a16:colId xmlns:a16="http://schemas.microsoft.com/office/drawing/2014/main" val="990512679"/>
+                    </a:ext>
+                  </a:extLst>
+                </a:gridCol>
+                <a:gridCol w="6424809">
+                  <a:extLst>
+                    <a:ext uri="{9D8B030D-6E8A-4147-A177-3AD203B41FA5}">
+                      <a16:colId xmlns:a16="http://schemas.microsoft.com/office/drawing/2014/main" val="2964271974"/>
+                    </a:ext>
+                  </a:extLst>
+                </a:gridCol>
+              </a:tblGrid>
+              <a:tr h="148963">
+                <a:tc>
+                  <a:txBody>
+                    <a:bodyPr/>
+                    <a:lstStyle/>
+                    <a:p>
+                      <a:pPr marL="0" marR="0" algn="just">
+                        <a:lnSpc>
+                          <a:spcPct val="115000"/>
+                        </a:lnSpc>
+                        <a:spcBef>
+                          <a:spcPts val="0"/>
+                        </a:spcBef>
+                        <a:spcAft>
+                          <a:spcPts val="0"/>
+                        </a:spcAft>
+                      </a:pPr>
+                      <a:r>
+                        <a:rPr lang="en-US" sz="1600">
+                          <a:effectLst/>
+                        </a:rPr>
+                        <a:t>Name</a:t>
+                      </a:r>
+                      <a:endParaRPr lang="en-US" sz="1500">
+                        <a:effectLst/>
+                        <a:latin typeface="Calibri" panose="020F0502020204030204" pitchFamily="34" charset="0"/>
+                        <a:ea typeface="Calibri" panose="020F0502020204030204" pitchFamily="34" charset="0"/>
+                        <a:cs typeface="Times New Roman" panose="02020603050405020304" pitchFamily="18" charset="0"/>
+                      </a:endParaRPr>
+                    </a:p>
+                  </a:txBody>
+                  <a:tcPr marL="92553" marR="92553" marT="0" marB="0"/>
+                </a:tc>
+                <a:tc>
+                  <a:txBody>
+                    <a:bodyPr/>
+                    <a:lstStyle/>
+                    <a:p>
+                      <a:pPr marL="0" marR="0" algn="just">
+                        <a:lnSpc>
+                          <a:spcPct val="115000"/>
+                        </a:lnSpc>
+                        <a:spcBef>
+                          <a:spcPts val="0"/>
+                        </a:spcBef>
+                        <a:spcAft>
+                          <a:spcPts val="0"/>
+                        </a:spcAft>
+                      </a:pPr>
+                      <a:r>
+                        <a:rPr lang="en-US" sz="1600" dirty="0">
+                          <a:effectLst/>
+                        </a:rPr>
+                        <a:t>Content</a:t>
+                      </a:r>
+                      <a:endParaRPr lang="en-US" sz="1500" dirty="0">
+                        <a:effectLst/>
+                        <a:latin typeface="Calibri" panose="020F0502020204030204" pitchFamily="34" charset="0"/>
+                        <a:ea typeface="Calibri" panose="020F0502020204030204" pitchFamily="34" charset="0"/>
+                        <a:cs typeface="Times New Roman" panose="02020603050405020304" pitchFamily="18" charset="0"/>
+                      </a:endParaRPr>
+                    </a:p>
+                  </a:txBody>
+                  <a:tcPr marL="92553" marR="92553" marT="0" marB="0"/>
+                </a:tc>
+                <a:extLst>
+                  <a:ext uri="{0D108BD9-81ED-4DB2-BD59-A6C34878D82A}">
+                    <a16:rowId xmlns:a16="http://schemas.microsoft.com/office/drawing/2014/main" val="1225387309"/>
+                  </a:ext>
+                </a:extLst>
+              </a:tr>
+              <a:tr h="265920">
+                <a:tc>
+                  <a:txBody>
+                    <a:bodyPr/>
+                    <a:lstStyle/>
+                    <a:p>
+                      <a:pPr marL="0" marR="0" algn="just">
+                        <a:lnSpc>
+                          <a:spcPct val="115000"/>
+                        </a:lnSpc>
+                        <a:spcBef>
+                          <a:spcPts val="0"/>
+                        </a:spcBef>
+                        <a:spcAft>
+                          <a:spcPts val="0"/>
+                        </a:spcAft>
+                      </a:pPr>
+                      <a:r>
+                        <a:rPr lang="en-US" sz="1600">
+                          <a:effectLst/>
+                        </a:rPr>
+                        <a:t>noun.Tops</a:t>
+                      </a:r>
+                      <a:endParaRPr lang="en-US" sz="1500">
+                        <a:effectLst/>
+                        <a:latin typeface="Calibri" panose="020F0502020204030204" pitchFamily="34" charset="0"/>
+                        <a:ea typeface="Calibri" panose="020F0502020204030204" pitchFamily="34" charset="0"/>
+                        <a:cs typeface="Times New Roman" panose="02020603050405020304" pitchFamily="18" charset="0"/>
+                      </a:endParaRPr>
+                    </a:p>
+                  </a:txBody>
+                  <a:tcPr marL="92553" marR="92553" marT="0" marB="0"/>
+                </a:tc>
+                <a:tc>
+                  <a:txBody>
+                    <a:bodyPr/>
+                    <a:lstStyle/>
+                    <a:p>
+                      <a:pPr marL="0" marR="0" algn="just">
+                        <a:lnSpc>
+                          <a:spcPct val="115000"/>
+                        </a:lnSpc>
+                        <a:spcBef>
+                          <a:spcPts val="0"/>
+                        </a:spcBef>
+                        <a:spcAft>
+                          <a:spcPts val="0"/>
+                        </a:spcAft>
+                      </a:pPr>
+                      <a:r>
+                        <a:rPr lang="en-US" sz="1600">
+                          <a:effectLst/>
+                        </a:rPr>
+                        <a:t>unique beginner for nouns</a:t>
+                      </a:r>
+                      <a:endParaRPr lang="en-US" sz="1500">
+                        <a:effectLst/>
+                        <a:latin typeface="Calibri" panose="020F0502020204030204" pitchFamily="34" charset="0"/>
+                        <a:ea typeface="Calibri" panose="020F0502020204030204" pitchFamily="34" charset="0"/>
+                        <a:cs typeface="Times New Roman" panose="02020603050405020304" pitchFamily="18" charset="0"/>
+                      </a:endParaRPr>
+                    </a:p>
+                  </a:txBody>
+                  <a:tcPr marL="92553" marR="92553" marT="0" marB="0"/>
+                </a:tc>
+                <a:extLst>
+                  <a:ext uri="{0D108BD9-81ED-4DB2-BD59-A6C34878D82A}">
+                    <a16:rowId xmlns:a16="http://schemas.microsoft.com/office/drawing/2014/main" val="954893378"/>
+                  </a:ext>
+                </a:extLst>
+              </a:tr>
+              <a:tr h="265920">
+                <a:tc>
+                  <a:txBody>
+                    <a:bodyPr/>
+                    <a:lstStyle/>
+                    <a:p>
+                      <a:pPr marL="0" marR="0" algn="just">
+                        <a:lnSpc>
+                          <a:spcPct val="115000"/>
+                        </a:lnSpc>
+                        <a:spcBef>
+                          <a:spcPts val="0"/>
+                        </a:spcBef>
+                        <a:spcAft>
+                          <a:spcPts val="0"/>
+                        </a:spcAft>
+                      </a:pPr>
+                      <a:r>
+                        <a:rPr lang="en-US" sz="1600">
+                          <a:effectLst/>
+                        </a:rPr>
+                        <a:t>noun.act</a:t>
+                      </a:r>
+                      <a:endParaRPr lang="en-US" sz="1500">
+                        <a:effectLst/>
+                        <a:latin typeface="Calibri" panose="020F0502020204030204" pitchFamily="34" charset="0"/>
+                        <a:ea typeface="Calibri" panose="020F0502020204030204" pitchFamily="34" charset="0"/>
+                        <a:cs typeface="Times New Roman" panose="02020603050405020304" pitchFamily="18" charset="0"/>
+                      </a:endParaRPr>
+                    </a:p>
+                  </a:txBody>
+                  <a:tcPr marL="92553" marR="92553" marT="0" marB="0"/>
+                </a:tc>
+                <a:tc>
+                  <a:txBody>
+                    <a:bodyPr/>
+                    <a:lstStyle/>
+                    <a:p>
+                      <a:pPr marL="0" marR="0" algn="just">
+                        <a:lnSpc>
+                          <a:spcPct val="115000"/>
+                        </a:lnSpc>
+                        <a:spcBef>
+                          <a:spcPts val="0"/>
+                        </a:spcBef>
+                        <a:spcAft>
+                          <a:spcPts val="0"/>
+                        </a:spcAft>
+                      </a:pPr>
+                      <a:r>
+                        <a:rPr lang="en-US" sz="1600">
+                          <a:effectLst/>
+                        </a:rPr>
+                        <a:t>nouns denoting acts or actions</a:t>
+                      </a:r>
+                      <a:endParaRPr lang="en-US" sz="1500">
+                        <a:effectLst/>
+                        <a:latin typeface="Calibri" panose="020F0502020204030204" pitchFamily="34" charset="0"/>
+                        <a:ea typeface="Calibri" panose="020F0502020204030204" pitchFamily="34" charset="0"/>
+                        <a:cs typeface="Times New Roman" panose="02020603050405020304" pitchFamily="18" charset="0"/>
+                      </a:endParaRPr>
+                    </a:p>
+                  </a:txBody>
+                  <a:tcPr marL="92553" marR="92553" marT="0" marB="0"/>
+                </a:tc>
+                <a:extLst>
+                  <a:ext uri="{0D108BD9-81ED-4DB2-BD59-A6C34878D82A}">
+                    <a16:rowId xmlns:a16="http://schemas.microsoft.com/office/drawing/2014/main" val="3530874251"/>
+                  </a:ext>
+                </a:extLst>
+              </a:tr>
+              <a:tr h="265920">
+                <a:tc>
+                  <a:txBody>
+                    <a:bodyPr/>
+                    <a:lstStyle/>
+                    <a:p>
+                      <a:pPr marL="0" marR="0" algn="just">
+                        <a:lnSpc>
+                          <a:spcPct val="115000"/>
+                        </a:lnSpc>
+                        <a:spcBef>
+                          <a:spcPts val="0"/>
+                        </a:spcBef>
+                        <a:spcAft>
+                          <a:spcPts val="0"/>
+                        </a:spcAft>
+                      </a:pPr>
+                      <a:r>
+                        <a:rPr lang="en-US" sz="1600">
+                          <a:effectLst/>
+                        </a:rPr>
+                        <a:t>noun.animal</a:t>
+                      </a:r>
+                      <a:endParaRPr lang="en-US" sz="1500">
+                        <a:effectLst/>
+                        <a:latin typeface="Calibri" panose="020F0502020204030204" pitchFamily="34" charset="0"/>
+                        <a:ea typeface="Calibri" panose="020F0502020204030204" pitchFamily="34" charset="0"/>
+                        <a:cs typeface="Times New Roman" panose="02020603050405020304" pitchFamily="18" charset="0"/>
+                      </a:endParaRPr>
+                    </a:p>
+                  </a:txBody>
+                  <a:tcPr marL="92553" marR="92553" marT="0" marB="0"/>
+                </a:tc>
+                <a:tc>
+                  <a:txBody>
+                    <a:bodyPr/>
+                    <a:lstStyle/>
+                    <a:p>
+                      <a:pPr marL="0" marR="0" algn="just">
+                        <a:lnSpc>
+                          <a:spcPct val="115000"/>
+                        </a:lnSpc>
+                        <a:spcBef>
+                          <a:spcPts val="0"/>
+                        </a:spcBef>
+                        <a:spcAft>
+                          <a:spcPts val="0"/>
+                        </a:spcAft>
+                      </a:pPr>
+                      <a:r>
+                        <a:rPr lang="en-US" sz="1600">
+                          <a:effectLst/>
+                        </a:rPr>
+                        <a:t>nouns denoting animals</a:t>
+                      </a:r>
+                      <a:endParaRPr lang="en-US" sz="1500">
+                        <a:effectLst/>
+                        <a:latin typeface="Calibri" panose="020F0502020204030204" pitchFamily="34" charset="0"/>
+                        <a:ea typeface="Calibri" panose="020F0502020204030204" pitchFamily="34" charset="0"/>
+                        <a:cs typeface="Times New Roman" panose="02020603050405020304" pitchFamily="18" charset="0"/>
+                      </a:endParaRPr>
+                    </a:p>
+                  </a:txBody>
+                  <a:tcPr marL="92553" marR="92553" marT="0" marB="0"/>
+                </a:tc>
+                <a:extLst>
+                  <a:ext uri="{0D108BD9-81ED-4DB2-BD59-A6C34878D82A}">
+                    <a16:rowId xmlns:a16="http://schemas.microsoft.com/office/drawing/2014/main" val="4018720960"/>
+                  </a:ext>
+                </a:extLst>
+              </a:tr>
+              <a:tr h="265920">
+                <a:tc>
+                  <a:txBody>
+                    <a:bodyPr/>
+                    <a:lstStyle/>
+                    <a:p>
+                      <a:pPr marL="0" marR="0" algn="just">
+                        <a:lnSpc>
+                          <a:spcPct val="115000"/>
+                        </a:lnSpc>
+                        <a:spcBef>
+                          <a:spcPts val="0"/>
+                        </a:spcBef>
+                        <a:spcAft>
+                          <a:spcPts val="0"/>
+                        </a:spcAft>
+                      </a:pPr>
+                      <a:r>
+                        <a:rPr lang="en-US" sz="1600">
+                          <a:effectLst/>
+                        </a:rPr>
+                        <a:t>noun.artifact</a:t>
+                      </a:r>
+                      <a:endParaRPr lang="en-US" sz="1500">
+                        <a:effectLst/>
+                        <a:latin typeface="Calibri" panose="020F0502020204030204" pitchFamily="34" charset="0"/>
+                        <a:ea typeface="Calibri" panose="020F0502020204030204" pitchFamily="34" charset="0"/>
+                        <a:cs typeface="Times New Roman" panose="02020603050405020304" pitchFamily="18" charset="0"/>
+                      </a:endParaRPr>
+                    </a:p>
+                  </a:txBody>
+                  <a:tcPr marL="92553" marR="92553" marT="0" marB="0"/>
+                </a:tc>
+                <a:tc>
+                  <a:txBody>
+                    <a:bodyPr/>
+                    <a:lstStyle/>
+                    <a:p>
+                      <a:pPr marL="0" marR="0" algn="just">
+                        <a:lnSpc>
+                          <a:spcPct val="115000"/>
+                        </a:lnSpc>
+                        <a:spcBef>
+                          <a:spcPts val="0"/>
+                        </a:spcBef>
+                        <a:spcAft>
+                          <a:spcPts val="0"/>
+                        </a:spcAft>
+                      </a:pPr>
+                      <a:r>
+                        <a:rPr lang="en-US" sz="1600">
+                          <a:effectLst/>
+                        </a:rPr>
+                        <a:t>nouns denoting man-made objects</a:t>
+                      </a:r>
+                      <a:endParaRPr lang="en-US" sz="1500">
+                        <a:effectLst/>
+                        <a:latin typeface="Calibri" panose="020F0502020204030204" pitchFamily="34" charset="0"/>
+                        <a:ea typeface="Calibri" panose="020F0502020204030204" pitchFamily="34" charset="0"/>
+                        <a:cs typeface="Times New Roman" panose="02020603050405020304" pitchFamily="18" charset="0"/>
+                      </a:endParaRPr>
+                    </a:p>
+                  </a:txBody>
+                  <a:tcPr marL="92553" marR="92553" marT="0" marB="0"/>
+                </a:tc>
+                <a:extLst>
+                  <a:ext uri="{0D108BD9-81ED-4DB2-BD59-A6C34878D82A}">
+                    <a16:rowId xmlns:a16="http://schemas.microsoft.com/office/drawing/2014/main" val="1916057169"/>
+                  </a:ext>
+                </a:extLst>
+              </a:tr>
+              <a:tr h="265920">
+                <a:tc>
+                  <a:txBody>
+                    <a:bodyPr/>
+                    <a:lstStyle/>
+                    <a:p>
+                      <a:pPr marL="0" marR="0" algn="just">
+                        <a:lnSpc>
+                          <a:spcPct val="115000"/>
+                        </a:lnSpc>
+                        <a:spcBef>
+                          <a:spcPts val="0"/>
+                        </a:spcBef>
+                        <a:spcAft>
+                          <a:spcPts val="0"/>
+                        </a:spcAft>
+                      </a:pPr>
+                      <a:r>
+                        <a:rPr lang="en-US" sz="1600">
+                          <a:effectLst/>
+                        </a:rPr>
+                        <a:t>noun.attribute</a:t>
+                      </a:r>
+                      <a:endParaRPr lang="en-US" sz="1500">
+                        <a:effectLst/>
+                        <a:latin typeface="Calibri" panose="020F0502020204030204" pitchFamily="34" charset="0"/>
+                        <a:ea typeface="Calibri" panose="020F0502020204030204" pitchFamily="34" charset="0"/>
+                        <a:cs typeface="Times New Roman" panose="02020603050405020304" pitchFamily="18" charset="0"/>
+                      </a:endParaRPr>
+                    </a:p>
+                  </a:txBody>
+                  <a:tcPr marL="92553" marR="92553" marT="0" marB="0"/>
+                </a:tc>
+                <a:tc>
+                  <a:txBody>
+                    <a:bodyPr/>
+                    <a:lstStyle/>
+                    <a:p>
+                      <a:pPr marL="0" marR="0" algn="just">
+                        <a:lnSpc>
+                          <a:spcPct val="115000"/>
+                        </a:lnSpc>
+                        <a:spcBef>
+                          <a:spcPts val="0"/>
+                        </a:spcBef>
+                        <a:spcAft>
+                          <a:spcPts val="0"/>
+                        </a:spcAft>
+                      </a:pPr>
+                      <a:r>
+                        <a:rPr lang="en-US" sz="1600">
+                          <a:effectLst/>
+                        </a:rPr>
+                        <a:t>nouns denoting attributes of people and objects</a:t>
+                      </a:r>
+                      <a:endParaRPr lang="en-US" sz="1500">
+                        <a:effectLst/>
+                        <a:latin typeface="Calibri" panose="020F0502020204030204" pitchFamily="34" charset="0"/>
+                        <a:ea typeface="Calibri" panose="020F0502020204030204" pitchFamily="34" charset="0"/>
+                        <a:cs typeface="Times New Roman" panose="02020603050405020304" pitchFamily="18" charset="0"/>
+                      </a:endParaRPr>
+                    </a:p>
+                  </a:txBody>
+                  <a:tcPr marL="92553" marR="92553" marT="0" marB="0"/>
+                </a:tc>
+                <a:extLst>
+                  <a:ext uri="{0D108BD9-81ED-4DB2-BD59-A6C34878D82A}">
+                    <a16:rowId xmlns:a16="http://schemas.microsoft.com/office/drawing/2014/main" val="1129813458"/>
+                  </a:ext>
+                </a:extLst>
+              </a:tr>
+              <a:tr h="265920">
+                <a:tc>
+                  <a:txBody>
+                    <a:bodyPr/>
+                    <a:lstStyle/>
+                    <a:p>
+                      <a:pPr marL="0" marR="0" algn="just">
+                        <a:lnSpc>
+                          <a:spcPct val="115000"/>
+                        </a:lnSpc>
+                        <a:spcBef>
+                          <a:spcPts val="0"/>
+                        </a:spcBef>
+                        <a:spcAft>
+                          <a:spcPts val="0"/>
+                        </a:spcAft>
+                      </a:pPr>
+                      <a:r>
+                        <a:rPr lang="en-US" sz="1600">
+                          <a:effectLst/>
+                        </a:rPr>
+                        <a:t>noun.body</a:t>
+                      </a:r>
+                      <a:endParaRPr lang="en-US" sz="1500">
+                        <a:effectLst/>
+                        <a:latin typeface="Calibri" panose="020F0502020204030204" pitchFamily="34" charset="0"/>
+                        <a:ea typeface="Calibri" panose="020F0502020204030204" pitchFamily="34" charset="0"/>
+                        <a:cs typeface="Times New Roman" panose="02020603050405020304" pitchFamily="18" charset="0"/>
+                      </a:endParaRPr>
+                    </a:p>
+                  </a:txBody>
+                  <a:tcPr marL="92553" marR="92553" marT="0" marB="0"/>
+                </a:tc>
+                <a:tc>
+                  <a:txBody>
+                    <a:bodyPr/>
+                    <a:lstStyle/>
+                    <a:p>
+                      <a:pPr marL="0" marR="0" algn="just">
+                        <a:lnSpc>
+                          <a:spcPct val="115000"/>
+                        </a:lnSpc>
+                        <a:spcBef>
+                          <a:spcPts val="0"/>
+                        </a:spcBef>
+                        <a:spcAft>
+                          <a:spcPts val="0"/>
+                        </a:spcAft>
+                      </a:pPr>
+                      <a:r>
+                        <a:rPr lang="en-US" sz="1600">
+                          <a:effectLst/>
+                        </a:rPr>
+                        <a:t>nouns denoting body parts</a:t>
+                      </a:r>
+                      <a:endParaRPr lang="en-US" sz="1500">
+                        <a:effectLst/>
+                        <a:latin typeface="Calibri" panose="020F0502020204030204" pitchFamily="34" charset="0"/>
+                        <a:ea typeface="Calibri" panose="020F0502020204030204" pitchFamily="34" charset="0"/>
+                        <a:cs typeface="Times New Roman" panose="02020603050405020304" pitchFamily="18" charset="0"/>
+                      </a:endParaRPr>
+                    </a:p>
+                  </a:txBody>
+                  <a:tcPr marL="92553" marR="92553" marT="0" marB="0"/>
+                </a:tc>
+                <a:extLst>
+                  <a:ext uri="{0D108BD9-81ED-4DB2-BD59-A6C34878D82A}">
+                    <a16:rowId xmlns:a16="http://schemas.microsoft.com/office/drawing/2014/main" val="2243235061"/>
+                  </a:ext>
+                </a:extLst>
+              </a:tr>
+              <a:tr h="265920">
+                <a:tc>
+                  <a:txBody>
+                    <a:bodyPr/>
+                    <a:lstStyle/>
+                    <a:p>
+                      <a:pPr marL="0" marR="0" algn="just">
+                        <a:lnSpc>
+                          <a:spcPct val="115000"/>
+                        </a:lnSpc>
+                        <a:spcBef>
+                          <a:spcPts val="0"/>
+                        </a:spcBef>
+                        <a:spcAft>
+                          <a:spcPts val="0"/>
+                        </a:spcAft>
+                      </a:pPr>
+                      <a:r>
+                        <a:rPr lang="en-US" sz="1600">
+                          <a:effectLst/>
+                        </a:rPr>
+                        <a:t>noun.cognition</a:t>
+                      </a:r>
+                      <a:endParaRPr lang="en-US" sz="1500">
+                        <a:effectLst/>
+                        <a:latin typeface="Calibri" panose="020F0502020204030204" pitchFamily="34" charset="0"/>
+                        <a:ea typeface="Calibri" panose="020F0502020204030204" pitchFamily="34" charset="0"/>
+                        <a:cs typeface="Times New Roman" panose="02020603050405020304" pitchFamily="18" charset="0"/>
+                      </a:endParaRPr>
+                    </a:p>
+                  </a:txBody>
+                  <a:tcPr marL="92553" marR="92553" marT="0" marB="0"/>
+                </a:tc>
+                <a:tc>
+                  <a:txBody>
+                    <a:bodyPr/>
+                    <a:lstStyle/>
+                    <a:p>
+                      <a:pPr marL="0" marR="0" algn="just">
+                        <a:lnSpc>
+                          <a:spcPct val="115000"/>
+                        </a:lnSpc>
+                        <a:spcBef>
+                          <a:spcPts val="0"/>
+                        </a:spcBef>
+                        <a:spcAft>
+                          <a:spcPts val="0"/>
+                        </a:spcAft>
+                      </a:pPr>
+                      <a:r>
+                        <a:rPr lang="en-US" sz="1600">
+                          <a:effectLst/>
+                        </a:rPr>
+                        <a:t>nouns denoting cognitive processes and contents</a:t>
+                      </a:r>
+                      <a:endParaRPr lang="en-US" sz="1500">
+                        <a:effectLst/>
+                        <a:latin typeface="Calibri" panose="020F0502020204030204" pitchFamily="34" charset="0"/>
+                        <a:ea typeface="Calibri" panose="020F0502020204030204" pitchFamily="34" charset="0"/>
+                        <a:cs typeface="Times New Roman" panose="02020603050405020304" pitchFamily="18" charset="0"/>
+                      </a:endParaRPr>
+                    </a:p>
+                  </a:txBody>
+                  <a:tcPr marL="92553" marR="92553" marT="0" marB="0"/>
+                </a:tc>
+                <a:extLst>
+                  <a:ext uri="{0D108BD9-81ED-4DB2-BD59-A6C34878D82A}">
+                    <a16:rowId xmlns:a16="http://schemas.microsoft.com/office/drawing/2014/main" val="2421476923"/>
+                  </a:ext>
+                </a:extLst>
+              </a:tr>
+              <a:tr h="50955">
+                <a:tc>
+                  <a:txBody>
+                    <a:bodyPr/>
+                    <a:lstStyle/>
+                    <a:p>
+                      <a:pPr marL="0" marR="0" algn="just">
+                        <a:lnSpc>
+                          <a:spcPct val="115000"/>
+                        </a:lnSpc>
+                        <a:spcBef>
+                          <a:spcPts val="0"/>
+                        </a:spcBef>
+                        <a:spcAft>
+                          <a:spcPts val="0"/>
+                        </a:spcAft>
+                      </a:pPr>
+                      <a:r>
+                        <a:rPr lang="en-US" sz="1600">
+                          <a:effectLst/>
+                        </a:rPr>
+                        <a:t>noun.location</a:t>
+                      </a:r>
+                      <a:endParaRPr lang="en-US" sz="1500" dirty="0">
+                        <a:effectLst/>
+                        <a:latin typeface="Calibri" panose="020F0502020204030204" pitchFamily="34" charset="0"/>
+                        <a:ea typeface="Calibri" panose="020F0502020204030204" pitchFamily="34" charset="0"/>
+                        <a:cs typeface="Times New Roman" panose="02020603050405020304" pitchFamily="18" charset="0"/>
+                      </a:endParaRPr>
+                    </a:p>
+                  </a:txBody>
+                  <a:tcPr marL="92553" marR="92553" marT="0" marB="0"/>
+                </a:tc>
+                <a:tc>
+                  <a:txBody>
+                    <a:bodyPr/>
+                    <a:lstStyle/>
+                    <a:p>
+                      <a:pPr marL="0" marR="0" algn="just">
+                        <a:lnSpc>
+                          <a:spcPct val="115000"/>
+                        </a:lnSpc>
+                        <a:spcBef>
+                          <a:spcPts val="0"/>
+                        </a:spcBef>
+                        <a:spcAft>
+                          <a:spcPts val="0"/>
+                        </a:spcAft>
+                      </a:pPr>
+                      <a:r>
+                        <a:rPr lang="en-US" sz="1600" dirty="0">
+                          <a:effectLst/>
+                        </a:rPr>
+                        <a:t>nouns denoting spatial position</a:t>
+                      </a:r>
+                      <a:endParaRPr lang="en-US" sz="1500" dirty="0">
+                        <a:effectLst/>
+                        <a:latin typeface="Calibri" panose="020F0502020204030204" pitchFamily="34" charset="0"/>
+                        <a:ea typeface="Calibri" panose="020F0502020204030204" pitchFamily="34" charset="0"/>
+                        <a:cs typeface="Times New Roman" panose="02020603050405020304" pitchFamily="18" charset="0"/>
+                      </a:endParaRPr>
+                    </a:p>
+                  </a:txBody>
+                  <a:tcPr marL="92553" marR="92553" marT="0" marB="0"/>
+                </a:tc>
+                <a:extLst>
+                  <a:ext uri="{0D108BD9-81ED-4DB2-BD59-A6C34878D82A}">
+                    <a16:rowId xmlns:a16="http://schemas.microsoft.com/office/drawing/2014/main" val="2172207292"/>
+                  </a:ext>
+                </a:extLst>
+              </a:tr>
+              <a:tr h="265920">
+                <a:tc>
+                  <a:txBody>
+                    <a:bodyPr/>
+                    <a:lstStyle/>
+                    <a:p>
+                      <a:pPr marL="0" marR="0" algn="just">
+                        <a:lnSpc>
+                          <a:spcPct val="115000"/>
+                        </a:lnSpc>
+                        <a:spcBef>
+                          <a:spcPts val="0"/>
+                        </a:spcBef>
+                        <a:spcAft>
+                          <a:spcPts val="0"/>
+                        </a:spcAft>
+                      </a:pPr>
+                      <a:r>
+                        <a:rPr lang="en-US" sz="1600">
+                          <a:effectLst/>
+                        </a:rPr>
+                        <a:t>noun.event</a:t>
+                      </a:r>
+                      <a:endParaRPr lang="en-US" sz="1500">
+                        <a:effectLst/>
+                        <a:latin typeface="Calibri" panose="020F0502020204030204" pitchFamily="34" charset="0"/>
+                        <a:ea typeface="Calibri" panose="020F0502020204030204" pitchFamily="34" charset="0"/>
+                        <a:cs typeface="Times New Roman" panose="02020603050405020304" pitchFamily="18" charset="0"/>
+                      </a:endParaRPr>
+                    </a:p>
+                  </a:txBody>
+                  <a:tcPr marL="92553" marR="92553" marT="0" marB="0"/>
+                </a:tc>
+                <a:tc>
+                  <a:txBody>
+                    <a:bodyPr/>
+                    <a:lstStyle/>
+                    <a:p>
+                      <a:pPr marL="0" marR="0" algn="just">
+                        <a:lnSpc>
+                          <a:spcPct val="115000"/>
+                        </a:lnSpc>
+                        <a:spcBef>
+                          <a:spcPts val="0"/>
+                        </a:spcBef>
+                        <a:spcAft>
+                          <a:spcPts val="0"/>
+                        </a:spcAft>
+                      </a:pPr>
+                      <a:r>
+                        <a:rPr lang="en-US" sz="1600">
+                          <a:effectLst/>
+                        </a:rPr>
+                        <a:t>nouns denoting natural events</a:t>
+                      </a:r>
+                      <a:endParaRPr lang="en-US" sz="1500">
+                        <a:effectLst/>
+                        <a:latin typeface="Calibri" panose="020F0502020204030204" pitchFamily="34" charset="0"/>
+                        <a:ea typeface="Calibri" panose="020F0502020204030204" pitchFamily="34" charset="0"/>
+                        <a:cs typeface="Times New Roman" panose="02020603050405020304" pitchFamily="18" charset="0"/>
+                      </a:endParaRPr>
+                    </a:p>
+                  </a:txBody>
+                  <a:tcPr marL="92553" marR="92553" marT="0" marB="0"/>
+                </a:tc>
+                <a:extLst>
+                  <a:ext uri="{0D108BD9-81ED-4DB2-BD59-A6C34878D82A}">
+                    <a16:rowId xmlns:a16="http://schemas.microsoft.com/office/drawing/2014/main" val="4114814781"/>
+                  </a:ext>
+                </a:extLst>
+              </a:tr>
+              <a:tr h="265920">
+                <a:tc>
+                  <a:txBody>
+                    <a:bodyPr/>
+                    <a:lstStyle/>
+                    <a:p>
+                      <a:pPr marL="0" marR="0" algn="just">
+                        <a:lnSpc>
+                          <a:spcPct val="115000"/>
+                        </a:lnSpc>
+                        <a:spcBef>
+                          <a:spcPts val="0"/>
+                        </a:spcBef>
+                        <a:spcAft>
+                          <a:spcPts val="0"/>
+                        </a:spcAft>
+                      </a:pPr>
+                      <a:r>
+                        <a:rPr lang="en-US" sz="1600">
+                          <a:effectLst/>
+                        </a:rPr>
+                        <a:t>noun.feeling</a:t>
+                      </a:r>
+                      <a:endParaRPr lang="en-US" sz="1500">
+                        <a:effectLst/>
+                        <a:latin typeface="Calibri" panose="020F0502020204030204" pitchFamily="34" charset="0"/>
+                        <a:ea typeface="Calibri" panose="020F0502020204030204" pitchFamily="34" charset="0"/>
+                        <a:cs typeface="Times New Roman" panose="02020603050405020304" pitchFamily="18" charset="0"/>
+                      </a:endParaRPr>
+                    </a:p>
+                  </a:txBody>
+                  <a:tcPr marL="92553" marR="92553" marT="0" marB="0"/>
+                </a:tc>
+                <a:tc>
+                  <a:txBody>
+                    <a:bodyPr/>
+                    <a:lstStyle/>
+                    <a:p>
+                      <a:pPr marL="0" marR="0" algn="just">
+                        <a:lnSpc>
+                          <a:spcPct val="115000"/>
+                        </a:lnSpc>
+                        <a:spcBef>
+                          <a:spcPts val="0"/>
+                        </a:spcBef>
+                        <a:spcAft>
+                          <a:spcPts val="0"/>
+                        </a:spcAft>
+                      </a:pPr>
+                      <a:r>
+                        <a:rPr lang="en-US" sz="1600">
+                          <a:effectLst/>
+                        </a:rPr>
+                        <a:t>nouns denoting feelings and emotions</a:t>
+                      </a:r>
+                      <a:endParaRPr lang="en-US" sz="1500">
+                        <a:effectLst/>
+                        <a:latin typeface="Calibri" panose="020F0502020204030204" pitchFamily="34" charset="0"/>
+                        <a:ea typeface="Calibri" panose="020F0502020204030204" pitchFamily="34" charset="0"/>
+                        <a:cs typeface="Times New Roman" panose="02020603050405020304" pitchFamily="18" charset="0"/>
+                      </a:endParaRPr>
+                    </a:p>
+                  </a:txBody>
+                  <a:tcPr marL="92553" marR="92553" marT="0" marB="0"/>
+                </a:tc>
+                <a:extLst>
+                  <a:ext uri="{0D108BD9-81ED-4DB2-BD59-A6C34878D82A}">
+                    <a16:rowId xmlns:a16="http://schemas.microsoft.com/office/drawing/2014/main" val="4165830045"/>
+                  </a:ext>
+                </a:extLst>
+              </a:tr>
+              <a:tr h="265920">
+                <a:tc>
+                  <a:txBody>
+                    <a:bodyPr/>
+                    <a:lstStyle/>
+                    <a:p>
+                      <a:pPr marL="0" marR="0" algn="just">
+                        <a:lnSpc>
+                          <a:spcPct val="115000"/>
+                        </a:lnSpc>
+                        <a:spcBef>
+                          <a:spcPts val="0"/>
+                        </a:spcBef>
+                        <a:spcAft>
+                          <a:spcPts val="0"/>
+                        </a:spcAft>
+                      </a:pPr>
+                      <a:r>
+                        <a:rPr lang="en-US" sz="1600">
+                          <a:effectLst/>
+                        </a:rPr>
+                        <a:t>noun.food</a:t>
+                      </a:r>
+                      <a:endParaRPr lang="en-US" sz="1500">
+                        <a:effectLst/>
+                        <a:latin typeface="Calibri" panose="020F0502020204030204" pitchFamily="34" charset="0"/>
+                        <a:ea typeface="Calibri" panose="020F0502020204030204" pitchFamily="34" charset="0"/>
+                        <a:cs typeface="Times New Roman" panose="02020603050405020304" pitchFamily="18" charset="0"/>
+                      </a:endParaRPr>
+                    </a:p>
+                  </a:txBody>
+                  <a:tcPr marL="92553" marR="92553" marT="0" marB="0"/>
+                </a:tc>
+                <a:tc>
+                  <a:txBody>
+                    <a:bodyPr/>
+                    <a:lstStyle/>
+                    <a:p>
+                      <a:pPr marL="0" marR="0" algn="just">
+                        <a:lnSpc>
+                          <a:spcPct val="115000"/>
+                        </a:lnSpc>
+                        <a:spcBef>
+                          <a:spcPts val="0"/>
+                        </a:spcBef>
+                        <a:spcAft>
+                          <a:spcPts val="0"/>
+                        </a:spcAft>
+                      </a:pPr>
+                      <a:r>
+                        <a:rPr lang="en-US" sz="1600" dirty="0">
+                          <a:effectLst/>
+                        </a:rPr>
+                        <a:t>nouns denoting foods and drinks</a:t>
+                      </a:r>
+                      <a:endParaRPr lang="en-US" sz="1500" dirty="0">
+                        <a:effectLst/>
+                        <a:latin typeface="Calibri" panose="020F0502020204030204" pitchFamily="34" charset="0"/>
+                        <a:ea typeface="Calibri" panose="020F0502020204030204" pitchFamily="34" charset="0"/>
+                        <a:cs typeface="Times New Roman" panose="02020603050405020304" pitchFamily="18" charset="0"/>
+                      </a:endParaRPr>
+                    </a:p>
+                  </a:txBody>
+                  <a:tcPr marL="92553" marR="92553" marT="0" marB="0"/>
+                </a:tc>
+                <a:extLst>
+                  <a:ext uri="{0D108BD9-81ED-4DB2-BD59-A6C34878D82A}">
+                    <a16:rowId xmlns:a16="http://schemas.microsoft.com/office/drawing/2014/main" val="3716518677"/>
+                  </a:ext>
+                </a:extLst>
+              </a:tr>
+            </a:tbl>
+          </a:graphicData>
+        </a:graphic>
+      </p:graphicFrame>
+    </p:spTree>
+    <p:extLst>
+      <p:ext uri="{BB962C8B-B14F-4D97-AF65-F5344CB8AC3E}">
+        <p14:creationId xmlns:p14="http://schemas.microsoft.com/office/powerpoint/2010/main" val="1162651481"/>
       </p:ext>
     </p:extLst>
   </p:cSld>

--- a/Notes/ThesisPresentation.pptx
+++ b/Notes/ThesisPresentation.pptx
@@ -44,20 +44,23 @@
     <p:sldId id="291" r:id="rId38"/>
     <p:sldId id="292" r:id="rId39"/>
     <p:sldId id="299" r:id="rId40"/>
-    <p:sldId id="280" r:id="rId41"/>
-    <p:sldId id="297" r:id="rId42"/>
-    <p:sldId id="300" r:id="rId43"/>
-    <p:sldId id="301" r:id="rId44"/>
-    <p:sldId id="293" r:id="rId45"/>
-    <p:sldId id="294" r:id="rId46"/>
-    <p:sldId id="295" r:id="rId47"/>
-    <p:sldId id="307" r:id="rId48"/>
-    <p:sldId id="296" r:id="rId49"/>
-    <p:sldId id="298" r:id="rId50"/>
-    <p:sldId id="302" r:id="rId51"/>
-    <p:sldId id="303" r:id="rId52"/>
-    <p:sldId id="304" r:id="rId53"/>
-    <p:sldId id="305" r:id="rId54"/>
+    <p:sldId id="318" r:id="rId41"/>
+    <p:sldId id="319" r:id="rId42"/>
+    <p:sldId id="321" r:id="rId43"/>
+    <p:sldId id="280" r:id="rId44"/>
+    <p:sldId id="297" r:id="rId45"/>
+    <p:sldId id="300" r:id="rId46"/>
+    <p:sldId id="301" r:id="rId47"/>
+    <p:sldId id="293" r:id="rId48"/>
+    <p:sldId id="294" r:id="rId49"/>
+    <p:sldId id="295" r:id="rId50"/>
+    <p:sldId id="307" r:id="rId51"/>
+    <p:sldId id="296" r:id="rId52"/>
+    <p:sldId id="298" r:id="rId53"/>
+    <p:sldId id="302" r:id="rId54"/>
+    <p:sldId id="303" r:id="rId55"/>
+    <p:sldId id="304" r:id="rId56"/>
+    <p:sldId id="305" r:id="rId57"/>
   </p:sldIdLst>
   <p:sldSz cx="12192000" cy="6858000"/>
   <p:notesSz cx="6858000" cy="9144000"/>
@@ -15494,125 +15497,6 @@
       </p:grpSpPr>
       <p:sp>
         <p:nvSpPr>
-          <p:cNvPr id="5" name="Rectangle 4">
-            <a:extLst>
-              <a:ext uri="{FF2B5EF4-FFF2-40B4-BE49-F238E27FC236}">
-                <a16:creationId xmlns:a16="http://schemas.microsoft.com/office/drawing/2014/main" id="{4FDB0B06-F270-4F00-8383-EB0ABF97EF01}"/>
-              </a:ext>
-            </a:extLst>
-          </p:cNvPr>
-          <p:cNvSpPr/>
-          <p:nvPr/>
-        </p:nvSpPr>
-        <p:spPr>
-          <a:xfrm>
-            <a:off x="556589" y="1644781"/>
-            <a:ext cx="11078818" cy="2554545"/>
-          </a:xfrm>
-          <a:prstGeom prst="rect">
-            <a:avLst/>
-          </a:prstGeom>
-        </p:spPr>
-        <p:txBody>
-          <a:bodyPr wrap="square">
-            <a:spAutoFit/>
-          </a:bodyPr>
-          <a:lstStyle/>
-          <a:p>
-            <a:pPr algn="just"/>
-            <a:r>
-              <a:rPr lang="en-US" sz="2000" i="1" dirty="0"/>
-              <a:t>“Super Bowl 50 was an American football game. Super Bowl 50 was to determine the champion of the </a:t>
-            </a:r>
-            <a:r>
-              <a:rPr lang="en-US" sz="2000" i="1" dirty="0">
-                <a:solidFill>
-                  <a:srgbClr val="FF0000"/>
-                </a:solidFill>
-              </a:rPr>
-              <a:t>National Football League (NFL) </a:t>
-            </a:r>
-            <a:r>
-              <a:rPr lang="en-US" sz="2000" i="1" dirty="0"/>
-              <a:t>for the 2015 season. The </a:t>
-            </a:r>
-            <a:r>
-              <a:rPr lang="en-US" sz="2000" i="1" dirty="0">
-                <a:solidFill>
-                  <a:srgbClr val="FF0000"/>
-                </a:solidFill>
-              </a:rPr>
-              <a:t>American Football Conference's (AFC) team, Denver Broncos</a:t>
-            </a:r>
-            <a:r>
-              <a:rPr lang="en-US" sz="2000" i="1" dirty="0"/>
-              <a:t>, defeated the National Football Conference's (NFC) team, Carolina Panthers, by 24 10 to </a:t>
-            </a:r>
-            <a:r>
-              <a:rPr lang="en-US" sz="2000" i="1" dirty="0">
-                <a:solidFill>
-                  <a:srgbClr val="FF0000"/>
-                </a:solidFill>
-              </a:rPr>
-              <a:t>earn AFC third Super Bowl title</a:t>
-            </a:r>
-            <a:r>
-              <a:rPr lang="en-US" sz="2000" i="1" dirty="0"/>
-              <a:t>. As Super Bowl 50 was the 50th Super Bowl, the league emphasized the 'golden anniversary' with various gold themed initiatives, as well as temporarily suspending the tradition of naming each Super Bowl with roman numerals, under the tradition the game would have been known as Super Bowl L, so that the logo could prominently feature the Arabic numerals 50. The game was played on </a:t>
-            </a:r>
-            <a:r>
-              <a:rPr lang="en-US" sz="2000" i="1" dirty="0">
-                <a:solidFill>
-                  <a:srgbClr val="FF0000"/>
-                </a:solidFill>
-              </a:rPr>
-              <a:t>February 7 2016</a:t>
-            </a:r>
-            <a:r>
-              <a:rPr lang="en-US" sz="2000" i="1" dirty="0"/>
-              <a:t>, at </a:t>
-            </a:r>
-            <a:r>
-              <a:rPr lang="en-US" sz="2000" i="1" dirty="0">
-                <a:solidFill>
-                  <a:srgbClr val="FF0000"/>
-                </a:solidFill>
-              </a:rPr>
-              <a:t>Levis Stadium</a:t>
-            </a:r>
-            <a:r>
-              <a:rPr lang="en-US" sz="2000" i="1" dirty="0"/>
-              <a:t>, in the </a:t>
-            </a:r>
-            <a:r>
-              <a:rPr lang="en-US" sz="2000" i="1" dirty="0">
-                <a:solidFill>
-                  <a:srgbClr val="FF0000"/>
-                </a:solidFill>
-              </a:rPr>
-              <a:t>San Francisco Bay Area</a:t>
-            </a:r>
-            <a:r>
-              <a:rPr lang="en-US" sz="2000" i="1" dirty="0"/>
-              <a:t>, at </a:t>
-            </a:r>
-            <a:r>
-              <a:rPr lang="en-US" sz="2000" i="1" dirty="0">
-                <a:solidFill>
-                  <a:srgbClr val="FF0000"/>
-                </a:solidFill>
-              </a:rPr>
-              <a:t>Santa Clara </a:t>
-            </a:r>
-            <a:r>
-              <a:rPr lang="en-US" sz="2000" i="1" dirty="0"/>
-              <a:t>in California.”</a:t>
-            </a:r>
-          </a:p>
-        </p:txBody>
-      </p:sp>
-      <p:sp>
-        <p:nvSpPr>
           <p:cNvPr id="7" name="Rectangle 6">
             <a:extLst>
               <a:ext uri="{FF2B5EF4-FFF2-40B4-BE49-F238E27FC236}">
@@ -15671,8 +15555,8 @@
         </p:nvSpPr>
         <p:spPr>
           <a:xfrm>
-            <a:off x="4537625" y="332816"/>
-            <a:ext cx="3116747" cy="646331"/>
+            <a:off x="2329896" y="305012"/>
+            <a:ext cx="7039377" cy="646331"/>
           </a:xfrm>
           <a:prstGeom prst="rect">
             <a:avLst/>
@@ -15693,7 +15577,7 @@
                   <a:schemeClr val="bg1"/>
                 </a:solidFill>
               </a:rPr>
-              <a:t>Super Bowl 50</a:t>
+              <a:t>Nikola Tesla (contd.)</a:t>
             </a:r>
           </a:p>
         </p:txBody>
@@ -15703,7 +15587,7 @@
           <p:cNvPr id="2" name="Rectangle 1">
             <a:extLst>
               <a:ext uri="{FF2B5EF4-FFF2-40B4-BE49-F238E27FC236}">
-                <a16:creationId xmlns:a16="http://schemas.microsoft.com/office/drawing/2014/main" id="{8BEE3AE4-A5F7-45B2-9701-803F7279D7C5}"/>
+                <a16:creationId xmlns:a16="http://schemas.microsoft.com/office/drawing/2014/main" id="{FD28A897-3BD0-4186-8962-7DDBA733A52E}"/>
               </a:ext>
             </a:extLst>
           </p:cNvPr>
@@ -15712,64 +15596,705 @@
         </p:nvSpPr>
         <p:spPr>
           <a:xfrm>
-            <a:off x="556589" y="4346858"/>
-            <a:ext cx="6096000" cy="1477328"/>
-          </a:xfrm>
-          <a:prstGeom prst="rect">
-            <a:avLst/>
-          </a:prstGeom>
-        </p:spPr>
-        <p:txBody>
-          <a:bodyPr>
+            <a:off x="450376" y="3671364"/>
+            <a:ext cx="4704720" cy="461665"/>
+          </a:xfrm>
+          <a:prstGeom prst="rect">
+            <a:avLst/>
+          </a:prstGeom>
+        </p:spPr>
+        <p:txBody>
+          <a:bodyPr wrap="square">
             <a:spAutoFit/>
           </a:bodyPr>
           <a:lstStyle/>
           <a:p>
-            <a:r>
-              <a:rPr lang="en-US" dirty="0"/>
-              <a:t>Q1. Which NFL team represented the AFC at Super Bowl 50?</a:t>
-            </a:r>
-          </a:p>
-          <a:p>
-            <a:r>
-              <a:rPr lang="en-US" dirty="0"/>
-              <a:t>Q2. Where was Super Bowl 50 played?</a:t>
-            </a:r>
-          </a:p>
-          <a:p>
-            <a:r>
-              <a:rPr lang="en-US" dirty="0"/>
-              <a:t>Q3. What day was the game played on?</a:t>
-            </a:r>
-          </a:p>
-          <a:p>
-            <a:r>
-              <a:rPr lang="en-US" dirty="0"/>
-              <a:t>Q4. What is the NFL short for?</a:t>
-            </a:r>
-          </a:p>
-          <a:p>
-            <a:r>
-              <a:rPr lang="en-US"/>
-              <a:t>Q5. </a:t>
-            </a:r>
-            <a:r>
-              <a:rPr lang="en-US" dirty="0"/>
-              <a:t>Who won Super Bowl 50?</a:t>
-            </a:r>
-          </a:p>
-        </p:txBody>
-      </p:sp>
+            <a:pPr algn="just"/>
+            <a:r>
+              <a:rPr lang="en-US" sz="2400" i="1" dirty="0"/>
+              <a:t>Q4. Which scientist was a futurist?</a:t>
+            </a:r>
+          </a:p>
+        </p:txBody>
+      </p:sp>
+      <p:sp>
+        <p:nvSpPr>
+          <p:cNvPr id="3" name="Rectangle 2">
+            <a:extLst>
+              <a:ext uri="{FF2B5EF4-FFF2-40B4-BE49-F238E27FC236}">
+                <a16:creationId xmlns:a16="http://schemas.microsoft.com/office/drawing/2014/main" id="{5869AF16-4D88-49ED-9C56-DC38CC8668FC}"/>
+              </a:ext>
+            </a:extLst>
+          </p:cNvPr>
+          <p:cNvSpPr/>
+          <p:nvPr/>
+        </p:nvSpPr>
+        <p:spPr>
+          <a:xfrm>
+            <a:off x="450376" y="4133029"/>
+            <a:ext cx="4126130" cy="461665"/>
+          </a:xfrm>
+          <a:prstGeom prst="rect">
+            <a:avLst/>
+          </a:prstGeom>
+        </p:spPr>
+        <p:txBody>
+          <a:bodyPr wrap="none">
+            <a:spAutoFit/>
+          </a:bodyPr>
+          <a:lstStyle/>
+          <a:p>
+            <a:r>
+              <a:rPr lang="en-US" sz="2400" i="1" dirty="0">
+                <a:solidFill>
+                  <a:schemeClr val="accent1">
+                    <a:lumMod val="75000"/>
+                  </a:schemeClr>
+                </a:solidFill>
+              </a:rPr>
+              <a:t>_is(X1, futurist), scientist(X1, _).</a:t>
+            </a:r>
+            <a:endParaRPr lang="en-US" sz="2400" dirty="0"/>
+          </a:p>
+        </p:txBody>
+      </p:sp>
+      <p:sp>
+        <p:nvSpPr>
+          <p:cNvPr id="8" name="Rectangle 7">
+            <a:extLst>
+              <a:ext uri="{FF2B5EF4-FFF2-40B4-BE49-F238E27FC236}">
+                <a16:creationId xmlns:a16="http://schemas.microsoft.com/office/drawing/2014/main" id="{45077BFE-A811-451D-B11C-D3B0D73433F3}"/>
+              </a:ext>
+            </a:extLst>
+          </p:cNvPr>
+          <p:cNvSpPr/>
+          <p:nvPr/>
+        </p:nvSpPr>
+        <p:spPr>
+          <a:xfrm>
+            <a:off x="450376" y="1616977"/>
+            <a:ext cx="11368584" cy="1569660"/>
+          </a:xfrm>
+          <a:prstGeom prst="rect">
+            <a:avLst/>
+          </a:prstGeom>
+        </p:spPr>
+        <p:txBody>
+          <a:bodyPr wrap="square">
+            <a:spAutoFit/>
+          </a:bodyPr>
+          <a:lstStyle/>
+          <a:p>
+            <a:pPr algn="just"/>
+            <a:r>
+              <a:rPr lang="en-US" sz="2400" i="1" dirty="0"/>
+              <a:t>“Nikola Tesla (</a:t>
+            </a:r>
+            <a:r>
+              <a:rPr lang="en-US" sz="2400" i="1" dirty="0">
+                <a:solidFill>
+                  <a:srgbClr val="FF0000"/>
+                </a:solidFill>
+              </a:rPr>
+              <a:t>10 July 1856 – 7 January 1943</a:t>
+            </a:r>
+            <a:r>
+              <a:rPr lang="en-US" sz="2400" i="1" dirty="0"/>
+              <a:t>) was a Serbian American </a:t>
+            </a:r>
+            <a:r>
+              <a:rPr lang="en-US" sz="2400" i="1" dirty="0">
+                <a:solidFill>
+                  <a:srgbClr val="FF0000"/>
+                </a:solidFill>
+              </a:rPr>
+              <a:t>inventor, electrical engineer, mechanical engineer, physicist, and futurist</a:t>
+            </a:r>
+            <a:r>
+              <a:rPr lang="en-US" sz="2400" i="1" dirty="0"/>
+              <a:t> best known for Nikola Tesla's contributions to the design of the modern alternating current (AC) electricity supply system.”</a:t>
+            </a:r>
+          </a:p>
+        </p:txBody>
+      </p:sp>
+      <p:sp>
+        <p:nvSpPr>
+          <p:cNvPr id="14" name="Rectangle 13">
+            <a:extLst>
+              <a:ext uri="{FF2B5EF4-FFF2-40B4-BE49-F238E27FC236}">
+                <a16:creationId xmlns:a16="http://schemas.microsoft.com/office/drawing/2014/main" id="{996753F3-3F3D-44CA-818C-B060C6A04F61}"/>
+              </a:ext>
+            </a:extLst>
+          </p:cNvPr>
+          <p:cNvSpPr/>
+          <p:nvPr/>
+        </p:nvSpPr>
+        <p:spPr>
+          <a:xfrm>
+            <a:off x="428378" y="4649237"/>
+            <a:ext cx="2077748" cy="461665"/>
+          </a:xfrm>
+          <a:prstGeom prst="rect">
+            <a:avLst/>
+          </a:prstGeom>
+        </p:spPr>
+        <p:txBody>
+          <a:bodyPr wrap="none">
+            <a:spAutoFit/>
+          </a:bodyPr>
+          <a:lstStyle/>
+          <a:p>
+            <a:r>
+              <a:rPr lang="en-US" sz="2400" i="1" dirty="0">
+                <a:solidFill>
+                  <a:schemeClr val="accent1">
+                    <a:lumMod val="75000"/>
+                  </a:schemeClr>
+                </a:solidFill>
+              </a:rPr>
+              <a:t>scientist(X1, _).</a:t>
+            </a:r>
+            <a:endParaRPr lang="en-US" sz="2400" dirty="0"/>
+          </a:p>
+        </p:txBody>
+      </p:sp>
+      <p:sp>
+        <p:nvSpPr>
+          <p:cNvPr id="4" name="TextBox 3">
+            <a:extLst>
+              <a:ext uri="{FF2B5EF4-FFF2-40B4-BE49-F238E27FC236}">
+                <a16:creationId xmlns:a16="http://schemas.microsoft.com/office/drawing/2014/main" id="{2B25AB72-A587-42D4-886F-769AFE907BA8}"/>
+              </a:ext>
+            </a:extLst>
+          </p:cNvPr>
+          <p:cNvSpPr txBox="1"/>
+          <p:nvPr/>
+        </p:nvSpPr>
+        <p:spPr>
+          <a:xfrm>
+            <a:off x="5658134" y="4132914"/>
+            <a:ext cx="1232996" cy="461665"/>
+          </a:xfrm>
+          <a:prstGeom prst="rect">
+            <a:avLst/>
+          </a:prstGeom>
+          <a:solidFill>
+            <a:schemeClr val="accent6">
+              <a:lumMod val="50000"/>
+            </a:schemeClr>
+          </a:solidFill>
+          <a:ln>
+            <a:solidFill>
+              <a:schemeClr val="accent6">
+                <a:lumMod val="50000"/>
+              </a:schemeClr>
+            </a:solidFill>
+          </a:ln>
+        </p:spPr>
+        <p:txBody>
+          <a:bodyPr wrap="square" rtlCol="0">
+            <a:spAutoFit/>
+          </a:bodyPr>
+          <a:lstStyle/>
+          <a:p>
+            <a:pPr algn="ctr"/>
+            <a:r>
+              <a:rPr lang="en-US" sz="2400" dirty="0">
+                <a:solidFill>
+                  <a:schemeClr val="bg1"/>
+                </a:solidFill>
+              </a:rPr>
+              <a:t>Certain</a:t>
+            </a:r>
+          </a:p>
+        </p:txBody>
+      </p:sp>
+      <p:cxnSp>
+        <p:nvCxnSpPr>
+          <p:cNvPr id="6" name="Straight Arrow Connector 5">
+            <a:extLst>
+              <a:ext uri="{FF2B5EF4-FFF2-40B4-BE49-F238E27FC236}">
+                <a16:creationId xmlns:a16="http://schemas.microsoft.com/office/drawing/2014/main" id="{E76D4A21-ECFE-4C2F-BFDE-227873882674}"/>
+              </a:ext>
+            </a:extLst>
+          </p:cNvPr>
+          <p:cNvCxnSpPr>
+            <a:cxnSpLocks/>
+            <a:stCxn id="4" idx="1"/>
+            <a:endCxn id="3" idx="3"/>
+          </p:cNvCxnSpPr>
+          <p:nvPr/>
+        </p:nvCxnSpPr>
+        <p:spPr>
+          <a:xfrm flipH="1">
+            <a:off x="4576506" y="4363747"/>
+            <a:ext cx="1081628" cy="115"/>
+          </a:xfrm>
+          <a:prstGeom prst="straightConnector1">
+            <a:avLst/>
+          </a:prstGeom>
+          <a:ln>
+            <a:solidFill>
+              <a:schemeClr val="accent6">
+                <a:lumMod val="50000"/>
+              </a:schemeClr>
+            </a:solidFill>
+            <a:tailEnd type="triangle"/>
+          </a:ln>
+        </p:spPr>
+        <p:style>
+          <a:lnRef idx="3">
+            <a:schemeClr val="accent6"/>
+          </a:lnRef>
+          <a:fillRef idx="0">
+            <a:schemeClr val="accent6"/>
+          </a:fillRef>
+          <a:effectRef idx="2">
+            <a:schemeClr val="accent6"/>
+          </a:effectRef>
+          <a:fontRef idx="minor">
+            <a:schemeClr val="tx1"/>
+          </a:fontRef>
+        </p:style>
+      </p:cxnSp>
+      <p:sp>
+        <p:nvSpPr>
+          <p:cNvPr id="18" name="TextBox 17">
+            <a:extLst>
+              <a:ext uri="{FF2B5EF4-FFF2-40B4-BE49-F238E27FC236}">
+                <a16:creationId xmlns:a16="http://schemas.microsoft.com/office/drawing/2014/main" id="{D6BDB642-2B26-4F7D-9B9D-CFE576A0D206}"/>
+              </a:ext>
+            </a:extLst>
+          </p:cNvPr>
+          <p:cNvSpPr txBox="1"/>
+          <p:nvPr/>
+        </p:nvSpPr>
+        <p:spPr>
+          <a:xfrm>
+            <a:off x="5658134" y="4649237"/>
+            <a:ext cx="1232996" cy="461665"/>
+          </a:xfrm>
+          <a:prstGeom prst="rect">
+            <a:avLst/>
+          </a:prstGeom>
+          <a:solidFill>
+            <a:schemeClr val="accent4"/>
+          </a:solidFill>
+          <a:ln>
+            <a:solidFill>
+              <a:schemeClr val="accent4"/>
+            </a:solidFill>
+          </a:ln>
+        </p:spPr>
+        <p:txBody>
+          <a:bodyPr wrap="square" rtlCol="0">
+            <a:spAutoFit/>
+          </a:bodyPr>
+          <a:lstStyle/>
+          <a:p>
+            <a:pPr algn="ctr"/>
+            <a:r>
+              <a:rPr lang="en-US" sz="2400" dirty="0">
+                <a:solidFill>
+                  <a:schemeClr val="bg1"/>
+                </a:solidFill>
+              </a:rPr>
+              <a:t>Guess</a:t>
+            </a:r>
+          </a:p>
+        </p:txBody>
+      </p:sp>
+      <p:cxnSp>
+        <p:nvCxnSpPr>
+          <p:cNvPr id="19" name="Straight Arrow Connector 18">
+            <a:extLst>
+              <a:ext uri="{FF2B5EF4-FFF2-40B4-BE49-F238E27FC236}">
+                <a16:creationId xmlns:a16="http://schemas.microsoft.com/office/drawing/2014/main" id="{2CF191D0-E4EE-4B37-A0D4-2450D1AA2C55}"/>
+              </a:ext>
+            </a:extLst>
+          </p:cNvPr>
+          <p:cNvCxnSpPr>
+            <a:cxnSpLocks/>
+            <a:stCxn id="18" idx="1"/>
+          </p:cNvCxnSpPr>
+          <p:nvPr/>
+        </p:nvCxnSpPr>
+        <p:spPr>
+          <a:xfrm flipH="1">
+            <a:off x="2506126" y="4880070"/>
+            <a:ext cx="3152008" cy="0"/>
+          </a:xfrm>
+          <a:prstGeom prst="straightConnector1">
+            <a:avLst/>
+          </a:prstGeom>
+          <a:ln>
+            <a:solidFill>
+              <a:schemeClr val="accent4"/>
+            </a:solidFill>
+            <a:tailEnd type="triangle"/>
+          </a:ln>
+        </p:spPr>
+        <p:style>
+          <a:lnRef idx="3">
+            <a:schemeClr val="accent6"/>
+          </a:lnRef>
+          <a:fillRef idx="0">
+            <a:schemeClr val="accent6"/>
+          </a:fillRef>
+          <a:effectRef idx="2">
+            <a:schemeClr val="accent6"/>
+          </a:effectRef>
+          <a:fontRef idx="minor">
+            <a:schemeClr val="tx1"/>
+          </a:fontRef>
+        </p:style>
+      </p:cxnSp>
     </p:spTree>
     <p:extLst>
       <p:ext uri="{BB962C8B-B14F-4D97-AF65-F5344CB8AC3E}">
-        <p14:creationId xmlns:p14="http://schemas.microsoft.com/office/powerpoint/2010/main" val="739427864"/>
+        <p14:creationId xmlns:p14="http://schemas.microsoft.com/office/powerpoint/2010/main" val="781846753"/>
       </p:ext>
     </p:extLst>
   </p:cSld>
   <p:clrMapOvr>
     <a:masterClrMapping/>
   </p:clrMapOvr>
+  <p:timing>
+    <p:tnLst>
+      <p:par>
+        <p:cTn id="1" dur="indefinite" restart="never" nodeType="tmRoot">
+          <p:childTnLst>
+            <p:seq concurrent="1" nextAc="seek">
+              <p:cTn id="2" dur="indefinite" nodeType="mainSeq">
+                <p:childTnLst>
+                  <p:par>
+                    <p:cTn id="3" fill="hold">
+                      <p:stCondLst>
+                        <p:cond delay="indefinite"/>
+                      </p:stCondLst>
+                      <p:childTnLst>
+                        <p:par>
+                          <p:cTn id="4" fill="hold">
+                            <p:stCondLst>
+                              <p:cond delay="0"/>
+                            </p:stCondLst>
+                            <p:childTnLst>
+                              <p:par>
+                                <p:cTn id="5" presetID="10" presetClass="entr" presetSubtype="0" fill="hold" grpId="0" nodeType="clickEffect">
+                                  <p:stCondLst>
+                                    <p:cond delay="0"/>
+                                  </p:stCondLst>
+                                  <p:childTnLst>
+                                    <p:set>
+                                      <p:cBhvr>
+                                        <p:cTn id="6" dur="1" fill="hold">
+                                          <p:stCondLst>
+                                            <p:cond delay="0"/>
+                                          </p:stCondLst>
+                                        </p:cTn>
+                                        <p:tgtEl>
+                                          <p:spTgt spid="2"/>
+                                        </p:tgtEl>
+                                        <p:attrNameLst>
+                                          <p:attrName>style.visibility</p:attrName>
+                                        </p:attrNameLst>
+                                      </p:cBhvr>
+                                      <p:to>
+                                        <p:strVal val="visible"/>
+                                      </p:to>
+                                    </p:set>
+                                    <p:animEffect transition="in" filter="fade">
+                                      <p:cBhvr>
+                                        <p:cTn id="7" dur="500"/>
+                                        <p:tgtEl>
+                                          <p:spTgt spid="2"/>
+                                        </p:tgtEl>
+                                      </p:cBhvr>
+                                    </p:animEffect>
+                                  </p:childTnLst>
+                                </p:cTn>
+                              </p:par>
+                            </p:childTnLst>
+                          </p:cTn>
+                        </p:par>
+                      </p:childTnLst>
+                    </p:cTn>
+                  </p:par>
+                  <p:par>
+                    <p:cTn id="8" fill="hold">
+                      <p:stCondLst>
+                        <p:cond delay="indefinite"/>
+                      </p:stCondLst>
+                      <p:childTnLst>
+                        <p:par>
+                          <p:cTn id="9" fill="hold">
+                            <p:stCondLst>
+                              <p:cond delay="0"/>
+                            </p:stCondLst>
+                            <p:childTnLst>
+                              <p:par>
+                                <p:cTn id="10" presetID="10" presetClass="entr" presetSubtype="0" fill="hold" grpId="0" nodeType="clickEffect">
+                                  <p:stCondLst>
+                                    <p:cond delay="0"/>
+                                  </p:stCondLst>
+                                  <p:childTnLst>
+                                    <p:set>
+                                      <p:cBhvr>
+                                        <p:cTn id="11" dur="1" fill="hold">
+                                          <p:stCondLst>
+                                            <p:cond delay="0"/>
+                                          </p:stCondLst>
+                                        </p:cTn>
+                                        <p:tgtEl>
+                                          <p:spTgt spid="3"/>
+                                        </p:tgtEl>
+                                        <p:attrNameLst>
+                                          <p:attrName>style.visibility</p:attrName>
+                                        </p:attrNameLst>
+                                      </p:cBhvr>
+                                      <p:to>
+                                        <p:strVal val="visible"/>
+                                      </p:to>
+                                    </p:set>
+                                    <p:animEffect transition="in" filter="fade">
+                                      <p:cBhvr>
+                                        <p:cTn id="12" dur="500"/>
+                                        <p:tgtEl>
+                                          <p:spTgt spid="3"/>
+                                        </p:tgtEl>
+                                      </p:cBhvr>
+                                    </p:animEffect>
+                                  </p:childTnLst>
+                                </p:cTn>
+                              </p:par>
+                              <p:par>
+                                <p:cTn id="13" presetID="10" presetClass="entr" presetSubtype="0" fill="hold" grpId="0" nodeType="withEffect">
+                                  <p:stCondLst>
+                                    <p:cond delay="0"/>
+                                  </p:stCondLst>
+                                  <p:childTnLst>
+                                    <p:set>
+                                      <p:cBhvr>
+                                        <p:cTn id="14" dur="1" fill="hold">
+                                          <p:stCondLst>
+                                            <p:cond delay="0"/>
+                                          </p:stCondLst>
+                                        </p:cTn>
+                                        <p:tgtEl>
+                                          <p:spTgt spid="4"/>
+                                        </p:tgtEl>
+                                        <p:attrNameLst>
+                                          <p:attrName>style.visibility</p:attrName>
+                                        </p:attrNameLst>
+                                      </p:cBhvr>
+                                      <p:to>
+                                        <p:strVal val="visible"/>
+                                      </p:to>
+                                    </p:set>
+                                    <p:animEffect transition="in" filter="fade">
+                                      <p:cBhvr>
+                                        <p:cTn id="15" dur="500"/>
+                                        <p:tgtEl>
+                                          <p:spTgt spid="4"/>
+                                        </p:tgtEl>
+                                      </p:cBhvr>
+                                    </p:animEffect>
+                                  </p:childTnLst>
+                                </p:cTn>
+                              </p:par>
+                              <p:par>
+                                <p:cTn id="16" presetID="10" presetClass="entr" presetSubtype="0" fill="hold" nodeType="withEffect">
+                                  <p:stCondLst>
+                                    <p:cond delay="0"/>
+                                  </p:stCondLst>
+                                  <p:childTnLst>
+                                    <p:set>
+                                      <p:cBhvr>
+                                        <p:cTn id="17" dur="1" fill="hold">
+                                          <p:stCondLst>
+                                            <p:cond delay="0"/>
+                                          </p:stCondLst>
+                                        </p:cTn>
+                                        <p:tgtEl>
+                                          <p:spTgt spid="6"/>
+                                        </p:tgtEl>
+                                        <p:attrNameLst>
+                                          <p:attrName>style.visibility</p:attrName>
+                                        </p:attrNameLst>
+                                      </p:cBhvr>
+                                      <p:to>
+                                        <p:strVal val="visible"/>
+                                      </p:to>
+                                    </p:set>
+                                    <p:animEffect transition="in" filter="fade">
+                                      <p:cBhvr>
+                                        <p:cTn id="18" dur="500"/>
+                                        <p:tgtEl>
+                                          <p:spTgt spid="6"/>
+                                        </p:tgtEl>
+                                      </p:cBhvr>
+                                    </p:animEffect>
+                                  </p:childTnLst>
+                                </p:cTn>
+                              </p:par>
+                            </p:childTnLst>
+                          </p:cTn>
+                        </p:par>
+                      </p:childTnLst>
+                    </p:cTn>
+                  </p:par>
+                  <p:par>
+                    <p:cTn id="19" fill="hold">
+                      <p:stCondLst>
+                        <p:cond delay="indefinite"/>
+                      </p:stCondLst>
+                      <p:childTnLst>
+                        <p:par>
+                          <p:cTn id="20" fill="hold">
+                            <p:stCondLst>
+                              <p:cond delay="0"/>
+                            </p:stCondLst>
+                            <p:childTnLst>
+                              <p:par>
+                                <p:cTn id="21" presetID="10" presetClass="entr" presetSubtype="0" fill="hold" grpId="0" nodeType="clickEffect">
+                                  <p:stCondLst>
+                                    <p:cond delay="0"/>
+                                  </p:stCondLst>
+                                  <p:childTnLst>
+                                    <p:set>
+                                      <p:cBhvr>
+                                        <p:cTn id="22" dur="1" fill="hold">
+                                          <p:stCondLst>
+                                            <p:cond delay="0"/>
+                                          </p:stCondLst>
+                                        </p:cTn>
+                                        <p:tgtEl>
+                                          <p:spTgt spid="14"/>
+                                        </p:tgtEl>
+                                        <p:attrNameLst>
+                                          <p:attrName>style.visibility</p:attrName>
+                                        </p:attrNameLst>
+                                      </p:cBhvr>
+                                      <p:to>
+                                        <p:strVal val="visible"/>
+                                      </p:to>
+                                    </p:set>
+                                    <p:animEffect transition="in" filter="fade">
+                                      <p:cBhvr>
+                                        <p:cTn id="23" dur="500"/>
+                                        <p:tgtEl>
+                                          <p:spTgt spid="14"/>
+                                        </p:tgtEl>
+                                      </p:cBhvr>
+                                    </p:animEffect>
+                                  </p:childTnLst>
+                                </p:cTn>
+                              </p:par>
+                              <p:par>
+                                <p:cTn id="24" presetID="10" presetClass="entr" presetSubtype="0" fill="hold" nodeType="withEffect">
+                                  <p:stCondLst>
+                                    <p:cond delay="0"/>
+                                  </p:stCondLst>
+                                  <p:childTnLst>
+                                    <p:set>
+                                      <p:cBhvr>
+                                        <p:cTn id="25" dur="1" fill="hold">
+                                          <p:stCondLst>
+                                            <p:cond delay="0"/>
+                                          </p:stCondLst>
+                                        </p:cTn>
+                                        <p:tgtEl>
+                                          <p:spTgt spid="19"/>
+                                        </p:tgtEl>
+                                        <p:attrNameLst>
+                                          <p:attrName>style.visibility</p:attrName>
+                                        </p:attrNameLst>
+                                      </p:cBhvr>
+                                      <p:to>
+                                        <p:strVal val="visible"/>
+                                      </p:to>
+                                    </p:set>
+                                    <p:animEffect transition="in" filter="fade">
+                                      <p:cBhvr>
+                                        <p:cTn id="26" dur="500"/>
+                                        <p:tgtEl>
+                                          <p:spTgt spid="19"/>
+                                        </p:tgtEl>
+                                      </p:cBhvr>
+                                    </p:animEffect>
+                                  </p:childTnLst>
+                                </p:cTn>
+                              </p:par>
+                              <p:par>
+                                <p:cTn id="27" presetID="10" presetClass="entr" presetSubtype="0" fill="hold" grpId="0" nodeType="withEffect">
+                                  <p:stCondLst>
+                                    <p:cond delay="0"/>
+                                  </p:stCondLst>
+                                  <p:childTnLst>
+                                    <p:set>
+                                      <p:cBhvr>
+                                        <p:cTn id="28" dur="1" fill="hold">
+                                          <p:stCondLst>
+                                            <p:cond delay="0"/>
+                                          </p:stCondLst>
+                                        </p:cTn>
+                                        <p:tgtEl>
+                                          <p:spTgt spid="18"/>
+                                        </p:tgtEl>
+                                        <p:attrNameLst>
+                                          <p:attrName>style.visibility</p:attrName>
+                                        </p:attrNameLst>
+                                      </p:cBhvr>
+                                      <p:to>
+                                        <p:strVal val="visible"/>
+                                      </p:to>
+                                    </p:set>
+                                    <p:animEffect transition="in" filter="fade">
+                                      <p:cBhvr>
+                                        <p:cTn id="29" dur="500"/>
+                                        <p:tgtEl>
+                                          <p:spTgt spid="18"/>
+                                        </p:tgtEl>
+                                      </p:cBhvr>
+                                    </p:animEffect>
+                                  </p:childTnLst>
+                                </p:cTn>
+                              </p:par>
+                            </p:childTnLst>
+                          </p:cTn>
+                        </p:par>
+                      </p:childTnLst>
+                    </p:cTn>
+                  </p:par>
+                </p:childTnLst>
+              </p:cTn>
+              <p:prevCondLst>
+                <p:cond evt="onPrev" delay="0">
+                  <p:tgtEl>
+                    <p:sldTgt/>
+                  </p:tgtEl>
+                </p:cond>
+              </p:prevCondLst>
+              <p:nextCondLst>
+                <p:cond evt="onNext" delay="0">
+                  <p:tgtEl>
+                    <p:sldTgt/>
+                  </p:tgtEl>
+                </p:cond>
+              </p:nextCondLst>
+            </p:seq>
+          </p:childTnLst>
+        </p:cTn>
+      </p:par>
+    </p:tnLst>
+    <p:bldLst>
+      <p:bldP spid="2" grpId="0"/>
+      <p:bldP spid="3" grpId="0"/>
+      <p:bldP spid="14" grpId="0"/>
+      <p:bldP spid="4" grpId="0" animBg="1"/>
+      <p:bldP spid="18" grpId="0" animBg="1"/>
+    </p:bldLst>
+  </p:timing>
 </p:sld>
 </file>
 
@@ -15792,84 +16317,372 @@
       </p:grpSpPr>
       <p:sp>
         <p:nvSpPr>
-          <p:cNvPr id="3" name="TextBox 2">
-            <a:extLst>
-              <a:ext uri="{FF2B5EF4-FFF2-40B4-BE49-F238E27FC236}">
-                <a16:creationId xmlns:a16="http://schemas.microsoft.com/office/drawing/2014/main" id="{1980B4EC-4697-4B4F-87E9-C0E68B2BB033}"/>
-              </a:ext>
-            </a:extLst>
-          </p:cNvPr>
-          <p:cNvSpPr txBox="1"/>
-          <p:nvPr/>
-        </p:nvSpPr>
-        <p:spPr>
-          <a:xfrm>
-            <a:off x="3838210" y="2519929"/>
-            <a:ext cx="4515579" cy="923330"/>
-          </a:xfrm>
-          <a:prstGeom prst="rect">
-            <a:avLst/>
-          </a:prstGeom>
-          <a:noFill/>
-        </p:spPr>
-        <p:txBody>
-          <a:bodyPr wrap="square" rtlCol="0">
-            <a:spAutoFit/>
-          </a:bodyPr>
-          <a:lstStyle/>
-          <a:p>
-            <a:pPr algn="ctr"/>
-            <a:r>
-              <a:rPr lang="en-US" sz="5400" dirty="0">
-                <a:ln w="0"/>
-              </a:rPr>
-              <a:t>Hurdles</a:t>
-            </a:r>
-          </a:p>
-        </p:txBody>
-      </p:sp>
-      <p:cxnSp>
-        <p:nvCxnSpPr>
-          <p:cNvPr id="8" name="Straight Connector 7">
-            <a:extLst>
-              <a:ext uri="{FF2B5EF4-FFF2-40B4-BE49-F238E27FC236}">
-                <a16:creationId xmlns:a16="http://schemas.microsoft.com/office/drawing/2014/main" id="{1246DA07-DFD8-496C-BB69-FD95668F7C67}"/>
-              </a:ext>
-            </a:extLst>
-          </p:cNvPr>
-          <p:cNvCxnSpPr/>
-          <p:nvPr/>
-        </p:nvCxnSpPr>
-        <p:spPr>
-          <a:xfrm>
-            <a:off x="3670852" y="3429000"/>
-            <a:ext cx="4611756" cy="0"/>
-          </a:xfrm>
-          <a:prstGeom prst="line">
+          <p:cNvPr id="7" name="Rectangle 6">
+            <a:extLst>
+              <a:ext uri="{FF2B5EF4-FFF2-40B4-BE49-F238E27FC236}">
+                <a16:creationId xmlns:a16="http://schemas.microsoft.com/office/drawing/2014/main" id="{2B84BBFB-C1EC-478F-8E81-7685A0B691C6}"/>
+              </a:ext>
+            </a:extLst>
+          </p:cNvPr>
+          <p:cNvSpPr/>
+          <p:nvPr/>
+        </p:nvSpPr>
+        <p:spPr>
+          <a:xfrm>
+            <a:off x="0" y="0"/>
+            <a:ext cx="12192000" cy="1311965"/>
+          </a:xfrm>
+          <a:prstGeom prst="rect">
             <a:avLst/>
           </a:prstGeom>
         </p:spPr>
         <p:style>
-          <a:lnRef idx="1">
-            <a:schemeClr val="dk1"/>
+          <a:lnRef idx="2">
+            <a:schemeClr val="dk1">
+              <a:shade val="50000"/>
+            </a:schemeClr>
           </a:lnRef>
-          <a:fillRef idx="0">
+          <a:fillRef idx="1">
             <a:schemeClr val="dk1"/>
           </a:fillRef>
           <a:effectRef idx="0">
             <a:schemeClr val="dk1"/>
           </a:effectRef>
           <a:fontRef idx="minor">
+            <a:schemeClr val="lt1"/>
+          </a:fontRef>
+        </p:style>
+        <p:txBody>
+          <a:bodyPr rtlCol="0" anchor="ctr"/>
+          <a:lstStyle/>
+          <a:p>
+            <a:pPr algn="ctr"/>
+            <a:endParaRPr lang="en-US" dirty="0"/>
+          </a:p>
+        </p:txBody>
+      </p:sp>
+      <p:sp>
+        <p:nvSpPr>
+          <p:cNvPr id="9" name="TextBox 8">
+            <a:extLst>
+              <a:ext uri="{FF2B5EF4-FFF2-40B4-BE49-F238E27FC236}">
+                <a16:creationId xmlns:a16="http://schemas.microsoft.com/office/drawing/2014/main" id="{7F0CAA4B-E205-452A-A063-24223A8717CE}"/>
+              </a:ext>
+            </a:extLst>
+          </p:cNvPr>
+          <p:cNvSpPr txBox="1"/>
+          <p:nvPr/>
+        </p:nvSpPr>
+        <p:spPr>
+          <a:xfrm>
+            <a:off x="2329896" y="305012"/>
+            <a:ext cx="7039377" cy="646331"/>
+          </a:xfrm>
+          <a:prstGeom prst="rect">
+            <a:avLst/>
+          </a:prstGeom>
+          <a:noFill/>
+        </p:spPr>
+        <p:txBody>
+          <a:bodyPr wrap="square" rtlCol="0">
+            <a:spAutoFit/>
+          </a:bodyPr>
+          <a:lstStyle/>
+          <a:p>
+            <a:pPr algn="ctr"/>
+            <a:r>
+              <a:rPr lang="en-US" sz="3600" dirty="0">
+                <a:ln w="0"/>
+                <a:solidFill>
+                  <a:schemeClr val="bg1"/>
+                </a:solidFill>
+              </a:rPr>
+              <a:t>Nikola Tesla (contd.)</a:t>
+            </a:r>
+          </a:p>
+        </p:txBody>
+      </p:sp>
+      <p:sp>
+        <p:nvSpPr>
+          <p:cNvPr id="2" name="Rectangle 1">
+            <a:extLst>
+              <a:ext uri="{FF2B5EF4-FFF2-40B4-BE49-F238E27FC236}">
+                <a16:creationId xmlns:a16="http://schemas.microsoft.com/office/drawing/2014/main" id="{FD28A897-3BD0-4186-8962-7DDBA733A52E}"/>
+              </a:ext>
+            </a:extLst>
+          </p:cNvPr>
+          <p:cNvSpPr/>
+          <p:nvPr/>
+        </p:nvSpPr>
+        <p:spPr>
+          <a:xfrm>
+            <a:off x="450376" y="3671364"/>
+            <a:ext cx="5950424" cy="461665"/>
+          </a:xfrm>
+          <a:prstGeom prst="rect">
+            <a:avLst/>
+          </a:prstGeom>
+        </p:spPr>
+        <p:txBody>
+          <a:bodyPr wrap="square">
+            <a:spAutoFit/>
+          </a:bodyPr>
+          <a:lstStyle/>
+          <a:p>
+            <a:pPr algn="just"/>
+            <a:r>
+              <a:rPr lang="en-US" sz="2400" i="1" dirty="0"/>
+              <a:t>Q5. Which scientist was a computer engineer?</a:t>
+            </a:r>
+          </a:p>
+        </p:txBody>
+      </p:sp>
+      <p:sp>
+        <p:nvSpPr>
+          <p:cNvPr id="3" name="Rectangle 2">
+            <a:extLst>
+              <a:ext uri="{FF2B5EF4-FFF2-40B4-BE49-F238E27FC236}">
+                <a16:creationId xmlns:a16="http://schemas.microsoft.com/office/drawing/2014/main" id="{5869AF16-4D88-49ED-9C56-DC38CC8668FC}"/>
+              </a:ext>
+            </a:extLst>
+          </p:cNvPr>
+          <p:cNvSpPr/>
+          <p:nvPr/>
+        </p:nvSpPr>
+        <p:spPr>
+          <a:xfrm>
+            <a:off x="450376" y="4133029"/>
+            <a:ext cx="7773025" cy="461665"/>
+          </a:xfrm>
+          <a:prstGeom prst="rect">
+            <a:avLst/>
+          </a:prstGeom>
+        </p:spPr>
+        <p:txBody>
+          <a:bodyPr wrap="none">
+            <a:spAutoFit/>
+          </a:bodyPr>
+          <a:lstStyle/>
+          <a:p>
+            <a:r>
+              <a:rPr lang="en-US" sz="2400" i="1" dirty="0">
+                <a:solidFill>
+                  <a:schemeClr val="accent1">
+                    <a:lumMod val="75000"/>
+                  </a:schemeClr>
+                </a:solidFill>
+              </a:rPr>
+              <a:t>_mod(engineer, computer), _is(X1, engineer), scientist(X1, _).</a:t>
+            </a:r>
+            <a:endParaRPr lang="en-US" sz="2400" dirty="0"/>
+          </a:p>
+        </p:txBody>
+      </p:sp>
+      <p:sp>
+        <p:nvSpPr>
+          <p:cNvPr id="8" name="Rectangle 7">
+            <a:extLst>
+              <a:ext uri="{FF2B5EF4-FFF2-40B4-BE49-F238E27FC236}">
+                <a16:creationId xmlns:a16="http://schemas.microsoft.com/office/drawing/2014/main" id="{45077BFE-A811-451D-B11C-D3B0D73433F3}"/>
+              </a:ext>
+            </a:extLst>
+          </p:cNvPr>
+          <p:cNvSpPr/>
+          <p:nvPr/>
+        </p:nvSpPr>
+        <p:spPr>
+          <a:xfrm>
+            <a:off x="450376" y="1616977"/>
+            <a:ext cx="11368584" cy="1569660"/>
+          </a:xfrm>
+          <a:prstGeom prst="rect">
+            <a:avLst/>
+          </a:prstGeom>
+        </p:spPr>
+        <p:txBody>
+          <a:bodyPr wrap="square">
+            <a:spAutoFit/>
+          </a:bodyPr>
+          <a:lstStyle/>
+          <a:p>
+            <a:pPr algn="just"/>
+            <a:r>
+              <a:rPr lang="en-US" sz="2400" i="1" dirty="0"/>
+              <a:t>“Nikola Tesla (</a:t>
+            </a:r>
+            <a:r>
+              <a:rPr lang="en-US" sz="2400" i="1" dirty="0">
+                <a:solidFill>
+                  <a:srgbClr val="FF0000"/>
+                </a:solidFill>
+              </a:rPr>
+              <a:t>10 July 1856 – 7 January 1943</a:t>
+            </a:r>
+            <a:r>
+              <a:rPr lang="en-US" sz="2400" i="1" dirty="0"/>
+              <a:t>) was a Serbian American </a:t>
+            </a:r>
+            <a:r>
+              <a:rPr lang="en-US" sz="2400" i="1" dirty="0">
+                <a:solidFill>
+                  <a:srgbClr val="FF0000"/>
+                </a:solidFill>
+              </a:rPr>
+              <a:t>inventor, electrical engineer, mechanical engineer, physicist, and futurist</a:t>
+            </a:r>
+            <a:r>
+              <a:rPr lang="en-US" sz="2400" i="1" dirty="0"/>
+              <a:t> best known for Nikola Tesla's contributions to the design of the modern alternating current (AC) electricity supply system.”</a:t>
+            </a:r>
+          </a:p>
+        </p:txBody>
+      </p:sp>
+      <p:sp>
+        <p:nvSpPr>
+          <p:cNvPr id="14" name="Rectangle 13">
+            <a:extLst>
+              <a:ext uri="{FF2B5EF4-FFF2-40B4-BE49-F238E27FC236}">
+                <a16:creationId xmlns:a16="http://schemas.microsoft.com/office/drawing/2014/main" id="{996753F3-3F3D-44CA-818C-B060C6A04F61}"/>
+              </a:ext>
+            </a:extLst>
+          </p:cNvPr>
+          <p:cNvSpPr/>
+          <p:nvPr/>
+        </p:nvSpPr>
+        <p:spPr>
+          <a:xfrm>
+            <a:off x="428378" y="5421604"/>
+            <a:ext cx="2077748" cy="461665"/>
+          </a:xfrm>
+          <a:prstGeom prst="rect">
+            <a:avLst/>
+          </a:prstGeom>
+        </p:spPr>
+        <p:txBody>
+          <a:bodyPr wrap="none">
+            <a:spAutoFit/>
+          </a:bodyPr>
+          <a:lstStyle/>
+          <a:p>
+            <a:r>
+              <a:rPr lang="en-US" sz="2400" i="1" dirty="0">
+                <a:solidFill>
+                  <a:schemeClr val="accent1">
+                    <a:lumMod val="75000"/>
+                  </a:schemeClr>
+                </a:solidFill>
+              </a:rPr>
+              <a:t>scientist(X1, _).</a:t>
+            </a:r>
+            <a:endParaRPr lang="en-US" sz="2400" dirty="0"/>
+          </a:p>
+        </p:txBody>
+      </p:sp>
+      <p:sp>
+        <p:nvSpPr>
+          <p:cNvPr id="4" name="TextBox 3">
+            <a:extLst>
+              <a:ext uri="{FF2B5EF4-FFF2-40B4-BE49-F238E27FC236}">
+                <a16:creationId xmlns:a16="http://schemas.microsoft.com/office/drawing/2014/main" id="{2B25AB72-A587-42D4-886F-769AFE907BA8}"/>
+              </a:ext>
+            </a:extLst>
+          </p:cNvPr>
+          <p:cNvSpPr txBox="1"/>
+          <p:nvPr/>
+        </p:nvSpPr>
+        <p:spPr>
+          <a:xfrm>
+            <a:off x="9369273" y="4132914"/>
+            <a:ext cx="1232996" cy="461665"/>
+          </a:xfrm>
+          <a:prstGeom prst="rect">
+            <a:avLst/>
+          </a:prstGeom>
+          <a:solidFill>
+            <a:schemeClr val="accent6">
+              <a:lumMod val="50000"/>
+            </a:schemeClr>
+          </a:solidFill>
+          <a:ln>
+            <a:solidFill>
+              <a:schemeClr val="accent6">
+                <a:lumMod val="50000"/>
+              </a:schemeClr>
+            </a:solidFill>
+          </a:ln>
+        </p:spPr>
+        <p:txBody>
+          <a:bodyPr wrap="square" rtlCol="0">
+            <a:spAutoFit/>
+          </a:bodyPr>
+          <a:lstStyle/>
+          <a:p>
+            <a:pPr algn="ctr"/>
+            <a:r>
+              <a:rPr lang="en-US" sz="2400" dirty="0">
+                <a:solidFill>
+                  <a:schemeClr val="bg1"/>
+                </a:solidFill>
+              </a:rPr>
+              <a:t>Certain</a:t>
+            </a:r>
+          </a:p>
+        </p:txBody>
+      </p:sp>
+      <p:cxnSp>
+        <p:nvCxnSpPr>
+          <p:cNvPr id="6" name="Straight Arrow Connector 5">
+            <a:extLst>
+              <a:ext uri="{FF2B5EF4-FFF2-40B4-BE49-F238E27FC236}">
+                <a16:creationId xmlns:a16="http://schemas.microsoft.com/office/drawing/2014/main" id="{E76D4A21-ECFE-4C2F-BFDE-227873882674}"/>
+              </a:ext>
+            </a:extLst>
+          </p:cNvPr>
+          <p:cNvCxnSpPr>
+            <a:cxnSpLocks/>
+            <a:stCxn id="4" idx="1"/>
+            <a:endCxn id="3" idx="3"/>
+          </p:cNvCxnSpPr>
+          <p:nvPr/>
+        </p:nvCxnSpPr>
+        <p:spPr>
+          <a:xfrm flipH="1">
+            <a:off x="8223401" y="4363747"/>
+            <a:ext cx="1145872" cy="115"/>
+          </a:xfrm>
+          <a:prstGeom prst="straightConnector1">
+            <a:avLst/>
+          </a:prstGeom>
+          <a:ln>
+            <a:solidFill>
+              <a:schemeClr val="accent6">
+                <a:lumMod val="50000"/>
+              </a:schemeClr>
+            </a:solidFill>
+            <a:tailEnd type="triangle"/>
+          </a:ln>
+        </p:spPr>
+        <p:style>
+          <a:lnRef idx="3">
+            <a:schemeClr val="accent6"/>
+          </a:lnRef>
+          <a:fillRef idx="0">
+            <a:schemeClr val="accent6"/>
+          </a:fillRef>
+          <a:effectRef idx="2">
+            <a:schemeClr val="accent6"/>
+          </a:effectRef>
+          <a:fontRef idx="minor">
             <a:schemeClr val="tx1"/>
           </a:fontRef>
         </p:style>
       </p:cxnSp>
       <p:sp>
         <p:nvSpPr>
-          <p:cNvPr id="4" name="TextBox 3">
-            <a:extLst>
-              <a:ext uri="{FF2B5EF4-FFF2-40B4-BE49-F238E27FC236}">
-                <a16:creationId xmlns:a16="http://schemas.microsoft.com/office/drawing/2014/main" id="{6BFEE7AA-B53C-40A1-BA09-1E3192229B2B}"/>
+          <p:cNvPr id="18" name="TextBox 17">
+            <a:extLst>
+              <a:ext uri="{FF2B5EF4-FFF2-40B4-BE49-F238E27FC236}">
+                <a16:creationId xmlns:a16="http://schemas.microsoft.com/office/drawing/2014/main" id="{D6BDB642-2B26-4F7D-9B9D-CFE576A0D206}"/>
               </a:ext>
             </a:extLst>
           </p:cNvPr>
@@ -15878,13 +16691,20 @@
         </p:nvSpPr>
         <p:spPr>
           <a:xfrm>
-            <a:off x="4565372" y="3443259"/>
-            <a:ext cx="3372680" cy="461665"/>
-          </a:xfrm>
-          <a:prstGeom prst="rect">
-            <a:avLst/>
-          </a:prstGeom>
-          <a:noFill/>
+            <a:off x="9369273" y="5421604"/>
+            <a:ext cx="1232996" cy="461665"/>
+          </a:xfrm>
+          <a:prstGeom prst="rect">
+            <a:avLst/>
+          </a:prstGeom>
+          <a:solidFill>
+            <a:schemeClr val="accent4"/>
+          </a:solidFill>
+          <a:ln>
+            <a:solidFill>
+              <a:schemeClr val="accent4"/>
+            </a:solidFill>
+          </a:ln>
         </p:spPr>
         <p:txBody>
           <a:bodyPr wrap="square" rtlCol="0">
@@ -15892,23 +16712,674 @@
           </a:bodyPr>
           <a:lstStyle/>
           <a:p>
-            <a:r>
-              <a:rPr lang="en-US" sz="2400" dirty="0"/>
-              <a:t>What were the blockers?</a:t>
-            </a:r>
-          </a:p>
-        </p:txBody>
-      </p:sp>
+            <a:pPr algn="ctr"/>
+            <a:r>
+              <a:rPr lang="en-US" sz="2400" dirty="0">
+                <a:solidFill>
+                  <a:schemeClr val="bg1"/>
+                </a:solidFill>
+              </a:rPr>
+              <a:t>Guess</a:t>
+            </a:r>
+          </a:p>
+        </p:txBody>
+      </p:sp>
+      <p:cxnSp>
+        <p:nvCxnSpPr>
+          <p:cNvPr id="19" name="Straight Arrow Connector 18">
+            <a:extLst>
+              <a:ext uri="{FF2B5EF4-FFF2-40B4-BE49-F238E27FC236}">
+                <a16:creationId xmlns:a16="http://schemas.microsoft.com/office/drawing/2014/main" id="{2CF191D0-E4EE-4B37-A0D4-2450D1AA2C55}"/>
+              </a:ext>
+            </a:extLst>
+          </p:cNvPr>
+          <p:cNvCxnSpPr>
+            <a:cxnSpLocks/>
+            <a:stCxn id="18" idx="1"/>
+          </p:cNvCxnSpPr>
+          <p:nvPr/>
+        </p:nvCxnSpPr>
+        <p:spPr>
+          <a:xfrm flipH="1" flipV="1">
+            <a:off x="2506126" y="5627693"/>
+            <a:ext cx="6863147" cy="24744"/>
+          </a:xfrm>
+          <a:prstGeom prst="straightConnector1">
+            <a:avLst/>
+          </a:prstGeom>
+          <a:ln>
+            <a:solidFill>
+              <a:schemeClr val="accent4"/>
+            </a:solidFill>
+            <a:tailEnd type="triangle"/>
+          </a:ln>
+        </p:spPr>
+        <p:style>
+          <a:lnRef idx="3">
+            <a:schemeClr val="accent6"/>
+          </a:lnRef>
+          <a:fillRef idx="0">
+            <a:schemeClr val="accent6"/>
+          </a:fillRef>
+          <a:effectRef idx="2">
+            <a:schemeClr val="accent6"/>
+          </a:effectRef>
+          <a:fontRef idx="minor">
+            <a:schemeClr val="tx1"/>
+          </a:fontRef>
+        </p:style>
+      </p:cxnSp>
+      <p:sp>
+        <p:nvSpPr>
+          <p:cNvPr id="23" name="Rectangle 22">
+            <a:extLst>
+              <a:ext uri="{FF2B5EF4-FFF2-40B4-BE49-F238E27FC236}">
+                <a16:creationId xmlns:a16="http://schemas.microsoft.com/office/drawing/2014/main" id="{BFD43C0C-E65A-40D2-80DE-E39A044BBE50}"/>
+              </a:ext>
+            </a:extLst>
+          </p:cNvPr>
+          <p:cNvSpPr/>
+          <p:nvPr/>
+        </p:nvSpPr>
+        <p:spPr>
+          <a:xfrm>
+            <a:off x="450376" y="4777374"/>
+            <a:ext cx="4310732" cy="461665"/>
+          </a:xfrm>
+          <a:prstGeom prst="rect">
+            <a:avLst/>
+          </a:prstGeom>
+        </p:spPr>
+        <p:txBody>
+          <a:bodyPr wrap="none">
+            <a:spAutoFit/>
+          </a:bodyPr>
+          <a:lstStyle/>
+          <a:p>
+            <a:r>
+              <a:rPr lang="en-US" sz="2400" i="1" dirty="0">
+                <a:solidFill>
+                  <a:schemeClr val="accent1">
+                    <a:lumMod val="75000"/>
+                  </a:schemeClr>
+                </a:solidFill>
+              </a:rPr>
+              <a:t>_is(X1, engineer), scientist(X1, _).</a:t>
+            </a:r>
+            <a:endParaRPr lang="en-US" sz="2400" dirty="0"/>
+          </a:p>
+        </p:txBody>
+      </p:sp>
+      <p:sp>
+        <p:nvSpPr>
+          <p:cNvPr id="24" name="TextBox 23">
+            <a:extLst>
+              <a:ext uri="{FF2B5EF4-FFF2-40B4-BE49-F238E27FC236}">
+                <a16:creationId xmlns:a16="http://schemas.microsoft.com/office/drawing/2014/main" id="{8DC9D6FE-7B0D-4D05-A6D1-15644516AD02}"/>
+              </a:ext>
+            </a:extLst>
+          </p:cNvPr>
+          <p:cNvSpPr txBox="1"/>
+          <p:nvPr/>
+        </p:nvSpPr>
+        <p:spPr>
+          <a:xfrm>
+            <a:off x="9369273" y="4777259"/>
+            <a:ext cx="1232996" cy="461665"/>
+          </a:xfrm>
+          <a:prstGeom prst="rect">
+            <a:avLst/>
+          </a:prstGeom>
+          <a:solidFill>
+            <a:schemeClr val="accent6">
+              <a:lumMod val="75000"/>
+            </a:schemeClr>
+          </a:solidFill>
+          <a:ln>
+            <a:solidFill>
+              <a:schemeClr val="accent6">
+                <a:lumMod val="75000"/>
+              </a:schemeClr>
+            </a:solidFill>
+          </a:ln>
+        </p:spPr>
+        <p:txBody>
+          <a:bodyPr wrap="square" rtlCol="0">
+            <a:spAutoFit/>
+          </a:bodyPr>
+          <a:lstStyle/>
+          <a:p>
+            <a:pPr algn="ctr"/>
+            <a:r>
+              <a:rPr lang="en-US" sz="2400" dirty="0">
+                <a:solidFill>
+                  <a:schemeClr val="bg1"/>
+                </a:solidFill>
+              </a:rPr>
+              <a:t>Likely</a:t>
+            </a:r>
+          </a:p>
+        </p:txBody>
+      </p:sp>
+      <p:cxnSp>
+        <p:nvCxnSpPr>
+          <p:cNvPr id="25" name="Straight Arrow Connector 24">
+            <a:extLst>
+              <a:ext uri="{FF2B5EF4-FFF2-40B4-BE49-F238E27FC236}">
+                <a16:creationId xmlns:a16="http://schemas.microsoft.com/office/drawing/2014/main" id="{C8924252-08D5-4D1A-9ADA-F2F74CE90F5C}"/>
+              </a:ext>
+            </a:extLst>
+          </p:cNvPr>
+          <p:cNvCxnSpPr>
+            <a:cxnSpLocks/>
+            <a:stCxn id="24" idx="1"/>
+            <a:endCxn id="23" idx="3"/>
+          </p:cNvCxnSpPr>
+          <p:nvPr/>
+        </p:nvCxnSpPr>
+        <p:spPr>
+          <a:xfrm flipH="1">
+            <a:off x="4761108" y="5008092"/>
+            <a:ext cx="4608165" cy="115"/>
+          </a:xfrm>
+          <a:prstGeom prst="straightConnector1">
+            <a:avLst/>
+          </a:prstGeom>
+          <a:ln>
+            <a:solidFill>
+              <a:schemeClr val="accent6">
+                <a:lumMod val="75000"/>
+              </a:schemeClr>
+            </a:solidFill>
+            <a:tailEnd type="triangle"/>
+          </a:ln>
+        </p:spPr>
+        <p:style>
+          <a:lnRef idx="3">
+            <a:schemeClr val="accent6"/>
+          </a:lnRef>
+          <a:fillRef idx="0">
+            <a:schemeClr val="accent6"/>
+          </a:fillRef>
+          <a:effectRef idx="2">
+            <a:schemeClr val="accent6"/>
+          </a:effectRef>
+          <a:fontRef idx="minor">
+            <a:schemeClr val="tx1"/>
+          </a:fontRef>
+        </p:style>
+      </p:cxnSp>
     </p:spTree>
     <p:extLst>
       <p:ext uri="{BB962C8B-B14F-4D97-AF65-F5344CB8AC3E}">
-        <p14:creationId xmlns:p14="http://schemas.microsoft.com/office/powerpoint/2010/main" val="484564978"/>
+        <p14:creationId xmlns:p14="http://schemas.microsoft.com/office/powerpoint/2010/main" val="1742580734"/>
       </p:ext>
     </p:extLst>
   </p:cSld>
   <p:clrMapOvr>
     <a:masterClrMapping/>
   </p:clrMapOvr>
+  <p:timing>
+    <p:tnLst>
+      <p:par>
+        <p:cTn id="1" dur="indefinite" restart="never" nodeType="tmRoot">
+          <p:childTnLst>
+            <p:seq concurrent="1" nextAc="seek">
+              <p:cTn id="2" dur="indefinite" nodeType="mainSeq">
+                <p:childTnLst>
+                  <p:par>
+                    <p:cTn id="3" fill="hold">
+                      <p:stCondLst>
+                        <p:cond delay="indefinite"/>
+                      </p:stCondLst>
+                      <p:childTnLst>
+                        <p:par>
+                          <p:cTn id="4" fill="hold">
+                            <p:stCondLst>
+                              <p:cond delay="0"/>
+                            </p:stCondLst>
+                            <p:childTnLst>
+                              <p:par>
+                                <p:cTn id="5" presetID="10" presetClass="entr" presetSubtype="0" fill="hold" grpId="0" nodeType="clickEffect">
+                                  <p:stCondLst>
+                                    <p:cond delay="0"/>
+                                  </p:stCondLst>
+                                  <p:childTnLst>
+                                    <p:set>
+                                      <p:cBhvr>
+                                        <p:cTn id="6" dur="1" fill="hold">
+                                          <p:stCondLst>
+                                            <p:cond delay="0"/>
+                                          </p:stCondLst>
+                                        </p:cTn>
+                                        <p:tgtEl>
+                                          <p:spTgt spid="2"/>
+                                        </p:tgtEl>
+                                        <p:attrNameLst>
+                                          <p:attrName>style.visibility</p:attrName>
+                                        </p:attrNameLst>
+                                      </p:cBhvr>
+                                      <p:to>
+                                        <p:strVal val="visible"/>
+                                      </p:to>
+                                    </p:set>
+                                    <p:animEffect transition="in" filter="fade">
+                                      <p:cBhvr>
+                                        <p:cTn id="7" dur="500"/>
+                                        <p:tgtEl>
+                                          <p:spTgt spid="2"/>
+                                        </p:tgtEl>
+                                      </p:cBhvr>
+                                    </p:animEffect>
+                                  </p:childTnLst>
+                                </p:cTn>
+                              </p:par>
+                            </p:childTnLst>
+                          </p:cTn>
+                        </p:par>
+                      </p:childTnLst>
+                    </p:cTn>
+                  </p:par>
+                  <p:par>
+                    <p:cTn id="8" fill="hold">
+                      <p:stCondLst>
+                        <p:cond delay="indefinite"/>
+                      </p:stCondLst>
+                      <p:childTnLst>
+                        <p:par>
+                          <p:cTn id="9" fill="hold">
+                            <p:stCondLst>
+                              <p:cond delay="0"/>
+                            </p:stCondLst>
+                            <p:childTnLst>
+                              <p:par>
+                                <p:cTn id="10" presetID="10" presetClass="entr" presetSubtype="0" fill="hold" grpId="0" nodeType="clickEffect">
+                                  <p:stCondLst>
+                                    <p:cond delay="0"/>
+                                  </p:stCondLst>
+                                  <p:childTnLst>
+                                    <p:set>
+                                      <p:cBhvr>
+                                        <p:cTn id="11" dur="1" fill="hold">
+                                          <p:stCondLst>
+                                            <p:cond delay="0"/>
+                                          </p:stCondLst>
+                                        </p:cTn>
+                                        <p:tgtEl>
+                                          <p:spTgt spid="3"/>
+                                        </p:tgtEl>
+                                        <p:attrNameLst>
+                                          <p:attrName>style.visibility</p:attrName>
+                                        </p:attrNameLst>
+                                      </p:cBhvr>
+                                      <p:to>
+                                        <p:strVal val="visible"/>
+                                      </p:to>
+                                    </p:set>
+                                    <p:animEffect transition="in" filter="fade">
+                                      <p:cBhvr>
+                                        <p:cTn id="12" dur="500"/>
+                                        <p:tgtEl>
+                                          <p:spTgt spid="3"/>
+                                        </p:tgtEl>
+                                      </p:cBhvr>
+                                    </p:animEffect>
+                                  </p:childTnLst>
+                                </p:cTn>
+                              </p:par>
+                              <p:par>
+                                <p:cTn id="13" presetID="10" presetClass="entr" presetSubtype="0" fill="hold" grpId="0" nodeType="withEffect">
+                                  <p:stCondLst>
+                                    <p:cond delay="0"/>
+                                  </p:stCondLst>
+                                  <p:childTnLst>
+                                    <p:set>
+                                      <p:cBhvr>
+                                        <p:cTn id="14" dur="1" fill="hold">
+                                          <p:stCondLst>
+                                            <p:cond delay="0"/>
+                                          </p:stCondLst>
+                                        </p:cTn>
+                                        <p:tgtEl>
+                                          <p:spTgt spid="4"/>
+                                        </p:tgtEl>
+                                        <p:attrNameLst>
+                                          <p:attrName>style.visibility</p:attrName>
+                                        </p:attrNameLst>
+                                      </p:cBhvr>
+                                      <p:to>
+                                        <p:strVal val="visible"/>
+                                      </p:to>
+                                    </p:set>
+                                    <p:animEffect transition="in" filter="fade">
+                                      <p:cBhvr>
+                                        <p:cTn id="15" dur="500"/>
+                                        <p:tgtEl>
+                                          <p:spTgt spid="4"/>
+                                        </p:tgtEl>
+                                      </p:cBhvr>
+                                    </p:animEffect>
+                                  </p:childTnLst>
+                                </p:cTn>
+                              </p:par>
+                              <p:par>
+                                <p:cTn id="16" presetID="10" presetClass="entr" presetSubtype="0" fill="hold" nodeType="withEffect">
+                                  <p:stCondLst>
+                                    <p:cond delay="0"/>
+                                  </p:stCondLst>
+                                  <p:childTnLst>
+                                    <p:set>
+                                      <p:cBhvr>
+                                        <p:cTn id="17" dur="1" fill="hold">
+                                          <p:stCondLst>
+                                            <p:cond delay="0"/>
+                                          </p:stCondLst>
+                                        </p:cTn>
+                                        <p:tgtEl>
+                                          <p:spTgt spid="6"/>
+                                        </p:tgtEl>
+                                        <p:attrNameLst>
+                                          <p:attrName>style.visibility</p:attrName>
+                                        </p:attrNameLst>
+                                      </p:cBhvr>
+                                      <p:to>
+                                        <p:strVal val="visible"/>
+                                      </p:to>
+                                    </p:set>
+                                    <p:animEffect transition="in" filter="fade">
+                                      <p:cBhvr>
+                                        <p:cTn id="18" dur="500"/>
+                                        <p:tgtEl>
+                                          <p:spTgt spid="6"/>
+                                        </p:tgtEl>
+                                      </p:cBhvr>
+                                    </p:animEffect>
+                                  </p:childTnLst>
+                                </p:cTn>
+                              </p:par>
+                            </p:childTnLst>
+                          </p:cTn>
+                        </p:par>
+                      </p:childTnLst>
+                    </p:cTn>
+                  </p:par>
+                  <p:par>
+                    <p:cTn id="19" fill="hold">
+                      <p:stCondLst>
+                        <p:cond delay="indefinite"/>
+                      </p:stCondLst>
+                      <p:childTnLst>
+                        <p:par>
+                          <p:cTn id="20" fill="hold">
+                            <p:stCondLst>
+                              <p:cond delay="0"/>
+                            </p:stCondLst>
+                            <p:childTnLst>
+                              <p:par>
+                                <p:cTn id="21" presetID="10" presetClass="entr" presetSubtype="0" fill="hold" grpId="0" nodeType="clickEffect">
+                                  <p:stCondLst>
+                                    <p:cond delay="0"/>
+                                  </p:stCondLst>
+                                  <p:childTnLst>
+                                    <p:set>
+                                      <p:cBhvr>
+                                        <p:cTn id="22" dur="1" fill="hold">
+                                          <p:stCondLst>
+                                            <p:cond delay="0"/>
+                                          </p:stCondLst>
+                                        </p:cTn>
+                                        <p:tgtEl>
+                                          <p:spTgt spid="23"/>
+                                        </p:tgtEl>
+                                        <p:attrNameLst>
+                                          <p:attrName>style.visibility</p:attrName>
+                                        </p:attrNameLst>
+                                      </p:cBhvr>
+                                      <p:to>
+                                        <p:strVal val="visible"/>
+                                      </p:to>
+                                    </p:set>
+                                    <p:animEffect transition="in" filter="fade">
+                                      <p:cBhvr>
+                                        <p:cTn id="23" dur="500"/>
+                                        <p:tgtEl>
+                                          <p:spTgt spid="23"/>
+                                        </p:tgtEl>
+                                      </p:cBhvr>
+                                    </p:animEffect>
+                                  </p:childTnLst>
+                                </p:cTn>
+                              </p:par>
+                              <p:par>
+                                <p:cTn id="24" presetID="10" presetClass="entr" presetSubtype="0" fill="hold" grpId="0" nodeType="withEffect">
+                                  <p:stCondLst>
+                                    <p:cond delay="0"/>
+                                  </p:stCondLst>
+                                  <p:childTnLst>
+                                    <p:set>
+                                      <p:cBhvr>
+                                        <p:cTn id="25" dur="1" fill="hold">
+                                          <p:stCondLst>
+                                            <p:cond delay="0"/>
+                                          </p:stCondLst>
+                                        </p:cTn>
+                                        <p:tgtEl>
+                                          <p:spTgt spid="24"/>
+                                        </p:tgtEl>
+                                        <p:attrNameLst>
+                                          <p:attrName>style.visibility</p:attrName>
+                                        </p:attrNameLst>
+                                      </p:cBhvr>
+                                      <p:to>
+                                        <p:strVal val="visible"/>
+                                      </p:to>
+                                    </p:set>
+                                    <p:animEffect transition="in" filter="fade">
+                                      <p:cBhvr>
+                                        <p:cTn id="26" dur="500"/>
+                                        <p:tgtEl>
+                                          <p:spTgt spid="24"/>
+                                        </p:tgtEl>
+                                      </p:cBhvr>
+                                    </p:animEffect>
+                                  </p:childTnLst>
+                                </p:cTn>
+                              </p:par>
+                              <p:par>
+                                <p:cTn id="27" presetID="10" presetClass="entr" presetSubtype="0" fill="hold" nodeType="withEffect">
+                                  <p:stCondLst>
+                                    <p:cond delay="0"/>
+                                  </p:stCondLst>
+                                  <p:childTnLst>
+                                    <p:set>
+                                      <p:cBhvr>
+                                        <p:cTn id="28" dur="1" fill="hold">
+                                          <p:stCondLst>
+                                            <p:cond delay="0"/>
+                                          </p:stCondLst>
+                                        </p:cTn>
+                                        <p:tgtEl>
+                                          <p:spTgt spid="25"/>
+                                        </p:tgtEl>
+                                        <p:attrNameLst>
+                                          <p:attrName>style.visibility</p:attrName>
+                                        </p:attrNameLst>
+                                      </p:cBhvr>
+                                      <p:to>
+                                        <p:strVal val="visible"/>
+                                      </p:to>
+                                    </p:set>
+                                    <p:animEffect transition="in" filter="fade">
+                                      <p:cBhvr>
+                                        <p:cTn id="29" dur="500"/>
+                                        <p:tgtEl>
+                                          <p:spTgt spid="25"/>
+                                        </p:tgtEl>
+                                      </p:cBhvr>
+                                    </p:animEffect>
+                                  </p:childTnLst>
+                                </p:cTn>
+                              </p:par>
+                            </p:childTnLst>
+                          </p:cTn>
+                        </p:par>
+                      </p:childTnLst>
+                    </p:cTn>
+                  </p:par>
+                  <p:par>
+                    <p:cTn id="30" fill="hold">
+                      <p:stCondLst>
+                        <p:cond delay="indefinite"/>
+                      </p:stCondLst>
+                      <p:childTnLst>
+                        <p:par>
+                          <p:cTn id="31" fill="hold">
+                            <p:stCondLst>
+                              <p:cond delay="0"/>
+                            </p:stCondLst>
+                            <p:childTnLst>
+                              <p:par>
+                                <p:cTn id="32" presetID="10" presetClass="entr" presetSubtype="0" fill="hold" grpId="0" nodeType="clickEffect">
+                                  <p:stCondLst>
+                                    <p:cond delay="0"/>
+                                  </p:stCondLst>
+                                  <p:childTnLst>
+                                    <p:set>
+                                      <p:cBhvr>
+                                        <p:cTn id="33" dur="1" fill="hold">
+                                          <p:stCondLst>
+                                            <p:cond delay="0"/>
+                                          </p:stCondLst>
+                                        </p:cTn>
+                                        <p:tgtEl>
+                                          <p:spTgt spid="14"/>
+                                        </p:tgtEl>
+                                        <p:attrNameLst>
+                                          <p:attrName>style.visibility</p:attrName>
+                                        </p:attrNameLst>
+                                      </p:cBhvr>
+                                      <p:to>
+                                        <p:strVal val="visible"/>
+                                      </p:to>
+                                    </p:set>
+                                    <p:animEffect transition="in" filter="fade">
+                                      <p:cBhvr>
+                                        <p:cTn id="34" dur="500"/>
+                                        <p:tgtEl>
+                                          <p:spTgt spid="14"/>
+                                        </p:tgtEl>
+                                      </p:cBhvr>
+                                    </p:animEffect>
+                                  </p:childTnLst>
+                                </p:cTn>
+                              </p:par>
+                              <p:par>
+                                <p:cTn id="35" presetID="10" presetClass="entr" presetSubtype="0" fill="hold" nodeType="withEffect">
+                                  <p:stCondLst>
+                                    <p:cond delay="0"/>
+                                  </p:stCondLst>
+                                  <p:childTnLst>
+                                    <p:set>
+                                      <p:cBhvr>
+                                        <p:cTn id="36" dur="1" fill="hold">
+                                          <p:stCondLst>
+                                            <p:cond delay="0"/>
+                                          </p:stCondLst>
+                                        </p:cTn>
+                                        <p:tgtEl>
+                                          <p:spTgt spid="19"/>
+                                        </p:tgtEl>
+                                        <p:attrNameLst>
+                                          <p:attrName>style.visibility</p:attrName>
+                                        </p:attrNameLst>
+                                      </p:cBhvr>
+                                      <p:to>
+                                        <p:strVal val="visible"/>
+                                      </p:to>
+                                    </p:set>
+                                    <p:animEffect transition="in" filter="fade">
+                                      <p:cBhvr>
+                                        <p:cTn id="37" dur="500"/>
+                                        <p:tgtEl>
+                                          <p:spTgt spid="19"/>
+                                        </p:tgtEl>
+                                      </p:cBhvr>
+                                    </p:animEffect>
+                                  </p:childTnLst>
+                                </p:cTn>
+                              </p:par>
+                              <p:par>
+                                <p:cTn id="38" presetID="10" presetClass="entr" presetSubtype="0" fill="hold" grpId="0" nodeType="withEffect">
+                                  <p:stCondLst>
+                                    <p:cond delay="0"/>
+                                  </p:stCondLst>
+                                  <p:childTnLst>
+                                    <p:set>
+                                      <p:cBhvr>
+                                        <p:cTn id="39" dur="1" fill="hold">
+                                          <p:stCondLst>
+                                            <p:cond delay="0"/>
+                                          </p:stCondLst>
+                                        </p:cTn>
+                                        <p:tgtEl>
+                                          <p:spTgt spid="18"/>
+                                        </p:tgtEl>
+                                        <p:attrNameLst>
+                                          <p:attrName>style.visibility</p:attrName>
+                                        </p:attrNameLst>
+                                      </p:cBhvr>
+                                      <p:to>
+                                        <p:strVal val="visible"/>
+                                      </p:to>
+                                    </p:set>
+                                    <p:animEffect transition="in" filter="fade">
+                                      <p:cBhvr>
+                                        <p:cTn id="40" dur="500"/>
+                                        <p:tgtEl>
+                                          <p:spTgt spid="18"/>
+                                        </p:tgtEl>
+                                      </p:cBhvr>
+                                    </p:animEffect>
+                                  </p:childTnLst>
+                                </p:cTn>
+                              </p:par>
+                            </p:childTnLst>
+                          </p:cTn>
+                        </p:par>
+                      </p:childTnLst>
+                    </p:cTn>
+                  </p:par>
+                </p:childTnLst>
+              </p:cTn>
+              <p:prevCondLst>
+                <p:cond evt="onPrev" delay="0">
+                  <p:tgtEl>
+                    <p:sldTgt/>
+                  </p:tgtEl>
+                </p:cond>
+              </p:prevCondLst>
+              <p:nextCondLst>
+                <p:cond evt="onNext" delay="0">
+                  <p:tgtEl>
+                    <p:sldTgt/>
+                  </p:tgtEl>
+                </p:cond>
+              </p:nextCondLst>
+            </p:seq>
+          </p:childTnLst>
+        </p:cTn>
+      </p:par>
+    </p:tnLst>
+    <p:bldLst>
+      <p:bldP spid="2" grpId="0"/>
+      <p:bldP spid="3" grpId="0"/>
+      <p:bldP spid="14" grpId="0"/>
+      <p:bldP spid="4" grpId="0" animBg="1"/>
+      <p:bldP spid="18" grpId="0" animBg="1"/>
+      <p:bldP spid="23" grpId="0"/>
+      <p:bldP spid="24" grpId="0" animBg="1"/>
+    </p:bldLst>
+  </p:timing>
 </p:sld>
 </file>
 
@@ -15931,105 +17402,6 @@
       </p:grpSpPr>
       <p:sp>
         <p:nvSpPr>
-          <p:cNvPr id="5" name="Rectangle 4">
-            <a:extLst>
-              <a:ext uri="{FF2B5EF4-FFF2-40B4-BE49-F238E27FC236}">
-                <a16:creationId xmlns:a16="http://schemas.microsoft.com/office/drawing/2014/main" id="{4FDB0B06-F270-4F00-8383-EB0ABF97EF01}"/>
-              </a:ext>
-            </a:extLst>
-          </p:cNvPr>
-          <p:cNvSpPr/>
-          <p:nvPr/>
-        </p:nvSpPr>
-        <p:spPr>
-          <a:xfrm>
-            <a:off x="390937" y="1790555"/>
-            <a:ext cx="11085446" cy="1938992"/>
-          </a:xfrm>
-          <a:prstGeom prst="rect">
-            <a:avLst/>
-          </a:prstGeom>
-        </p:spPr>
-        <p:txBody>
-          <a:bodyPr wrap="square">
-            <a:spAutoFit/>
-          </a:bodyPr>
-          <a:lstStyle/>
-          <a:p>
-            <a:pPr marL="457200" indent="-457200" algn="just">
-              <a:buAutoNum type="arabicPeriod"/>
-            </a:pPr>
-            <a:r>
-              <a:rPr lang="en-US" sz="2400" b="1" dirty="0"/>
-              <a:t>Accuracy of NLP Tools</a:t>
-            </a:r>
-          </a:p>
-          <a:p>
-            <a:pPr marL="800100" lvl="1" indent="-342900" algn="just">
-              <a:buFont typeface="Arial" panose="020B0604020202020204" pitchFamily="34" charset="0"/>
-              <a:buChar char="•"/>
-            </a:pPr>
-            <a:r>
-              <a:rPr lang="en-US" sz="2400" dirty="0"/>
-              <a:t>Some sentences are </a:t>
-            </a:r>
-            <a:r>
-              <a:rPr lang="en-US" sz="2400" dirty="0">
-                <a:solidFill>
-                  <a:srgbClr val="FF0000"/>
-                </a:solidFill>
-              </a:rPr>
-              <a:t>parsed incorrectly</a:t>
-            </a:r>
-          </a:p>
-          <a:p>
-            <a:pPr marL="800100" lvl="1" indent="-342900" algn="just">
-              <a:buFont typeface="Arial" panose="020B0604020202020204" pitchFamily="34" charset="0"/>
-              <a:buChar char="•"/>
-            </a:pPr>
-            <a:r>
-              <a:rPr lang="en-US" sz="2400" dirty="0"/>
-              <a:t>Some words are </a:t>
-            </a:r>
-            <a:r>
-              <a:rPr lang="en-US" sz="2400" dirty="0">
-                <a:solidFill>
-                  <a:srgbClr val="FF0000"/>
-                </a:solidFill>
-              </a:rPr>
-              <a:t>mis-tagged </a:t>
-            </a:r>
-            <a:r>
-              <a:rPr lang="en-US" sz="2400" dirty="0"/>
-              <a:t>due to multiple possible POS Tags</a:t>
-            </a:r>
-          </a:p>
-          <a:p>
-            <a:pPr marL="800100" lvl="1" indent="-342900" algn="just">
-              <a:buFont typeface="Arial" panose="020B0604020202020204" pitchFamily="34" charset="0"/>
-              <a:buChar char="•"/>
-            </a:pPr>
-            <a:r>
-              <a:rPr lang="en-US" sz="2400" dirty="0"/>
-              <a:t>System tries to solve this with the use of </a:t>
-            </a:r>
-            <a:r>
-              <a:rPr lang="en-US" sz="2400" dirty="0">
-                <a:solidFill>
-                  <a:srgbClr val="FF0000"/>
-                </a:solidFill>
-              </a:rPr>
-              <a:t>multiple tools </a:t>
-            </a:r>
-            <a:r>
-              <a:rPr lang="en-US" sz="2400" dirty="0"/>
-              <a:t>i.e. also using tools having higher semantic information.</a:t>
-            </a:r>
-          </a:p>
-        </p:txBody>
-      </p:sp>
-      <p:sp>
-        <p:nvSpPr>
           <p:cNvPr id="7" name="Rectangle 6">
             <a:extLst>
               <a:ext uri="{FF2B5EF4-FFF2-40B4-BE49-F238E27FC236}">
@@ -16088,8 +17460,8 @@
         </p:nvSpPr>
         <p:spPr>
           <a:xfrm>
-            <a:off x="4541560" y="332816"/>
-            <a:ext cx="3108879" cy="646331"/>
+            <a:off x="2329896" y="305012"/>
+            <a:ext cx="7039377" cy="646331"/>
           </a:xfrm>
           <a:prstGeom prst="rect">
             <a:avLst/>
@@ -16110,17 +17482,17 @@
                   <a:schemeClr val="bg1"/>
                 </a:solidFill>
               </a:rPr>
-              <a:t>Hurdles</a:t>
-            </a:r>
-          </a:p>
-        </p:txBody>
-      </p:sp>
-      <p:sp>
-        <p:nvSpPr>
-          <p:cNvPr id="8" name="Rectangle 7">
-            <a:extLst>
-              <a:ext uri="{FF2B5EF4-FFF2-40B4-BE49-F238E27FC236}">
-                <a16:creationId xmlns:a16="http://schemas.microsoft.com/office/drawing/2014/main" id="{20D06865-0810-4A4C-8F58-BE8C7E0AD5E1}"/>
+              <a:t>Nikola Tesla (contd.)</a:t>
+            </a:r>
+          </a:p>
+        </p:txBody>
+      </p:sp>
+      <p:sp>
+        <p:nvSpPr>
+          <p:cNvPr id="2" name="Rectangle 1">
+            <a:extLst>
+              <a:ext uri="{FF2B5EF4-FFF2-40B4-BE49-F238E27FC236}">
+                <a16:creationId xmlns:a16="http://schemas.microsoft.com/office/drawing/2014/main" id="{FD28A897-3BD0-4186-8962-7DDBA733A52E}"/>
               </a:ext>
             </a:extLst>
           </p:cNvPr>
@@ -16129,8 +17501,8 @@
         </p:nvSpPr>
         <p:spPr>
           <a:xfrm>
-            <a:off x="390937" y="3811012"/>
-            <a:ext cx="11085446" cy="3046988"/>
+            <a:off x="450376" y="3671364"/>
+            <a:ext cx="4704720" cy="461665"/>
           </a:xfrm>
           <a:prstGeom prst="rect">
             <a:avLst/>
@@ -16144,99 +17516,690 @@
           <a:p>
             <a:pPr algn="just"/>
             <a:r>
-              <a:rPr lang="en-US" sz="2400" b="1" dirty="0"/>
-              <a:t>2.    Use of similar words and concepts</a:t>
-            </a:r>
-          </a:p>
-          <a:p>
-            <a:pPr marL="800100" lvl="1" indent="-342900" algn="just">
-              <a:buFont typeface="Arial" panose="020B0604020202020204" pitchFamily="34" charset="0"/>
-              <a:buChar char="•"/>
-            </a:pPr>
-            <a:r>
-              <a:rPr lang="en-US" sz="2400" dirty="0"/>
-              <a:t>Humans use the </a:t>
-            </a:r>
-            <a:r>
-              <a:rPr lang="en-US" sz="2400" dirty="0">
+              <a:rPr lang="en-US" sz="2400" i="1" dirty="0"/>
+              <a:t>Q6. Which scientist was a politician?</a:t>
+            </a:r>
+          </a:p>
+        </p:txBody>
+      </p:sp>
+      <p:sp>
+        <p:nvSpPr>
+          <p:cNvPr id="3" name="Rectangle 2">
+            <a:extLst>
+              <a:ext uri="{FF2B5EF4-FFF2-40B4-BE49-F238E27FC236}">
+                <a16:creationId xmlns:a16="http://schemas.microsoft.com/office/drawing/2014/main" id="{5869AF16-4D88-49ED-9C56-DC38CC8668FC}"/>
+              </a:ext>
+            </a:extLst>
+          </p:cNvPr>
+          <p:cNvSpPr/>
+          <p:nvPr/>
+        </p:nvSpPr>
+        <p:spPr>
+          <a:xfrm>
+            <a:off x="450376" y="4133029"/>
+            <a:ext cx="4363630" cy="461665"/>
+          </a:xfrm>
+          <a:prstGeom prst="rect">
+            <a:avLst/>
+          </a:prstGeom>
+        </p:spPr>
+        <p:txBody>
+          <a:bodyPr wrap="none">
+            <a:spAutoFit/>
+          </a:bodyPr>
+          <a:lstStyle/>
+          <a:p>
+            <a:r>
+              <a:rPr lang="en-US" sz="2400" i="1" dirty="0">
+                <a:solidFill>
+                  <a:schemeClr val="accent1">
+                    <a:lumMod val="75000"/>
+                  </a:schemeClr>
+                </a:solidFill>
+              </a:rPr>
+              <a:t>_is(X1, politician), scientist(X1, _).</a:t>
+            </a:r>
+            <a:endParaRPr lang="en-US" sz="2400" dirty="0"/>
+          </a:p>
+        </p:txBody>
+      </p:sp>
+      <p:sp>
+        <p:nvSpPr>
+          <p:cNvPr id="8" name="Rectangle 7">
+            <a:extLst>
+              <a:ext uri="{FF2B5EF4-FFF2-40B4-BE49-F238E27FC236}">
+                <a16:creationId xmlns:a16="http://schemas.microsoft.com/office/drawing/2014/main" id="{45077BFE-A811-451D-B11C-D3B0D73433F3}"/>
+              </a:ext>
+            </a:extLst>
+          </p:cNvPr>
+          <p:cNvSpPr/>
+          <p:nvPr/>
+        </p:nvSpPr>
+        <p:spPr>
+          <a:xfrm>
+            <a:off x="450376" y="1616977"/>
+            <a:ext cx="11368584" cy="1569660"/>
+          </a:xfrm>
+          <a:prstGeom prst="rect">
+            <a:avLst/>
+          </a:prstGeom>
+        </p:spPr>
+        <p:txBody>
+          <a:bodyPr wrap="square">
+            <a:spAutoFit/>
+          </a:bodyPr>
+          <a:lstStyle/>
+          <a:p>
+            <a:pPr algn="just"/>
+            <a:r>
+              <a:rPr lang="en-US" sz="2400" i="1" dirty="0"/>
+              <a:t>“Nikola Tesla (</a:t>
+            </a:r>
+            <a:r>
+              <a:rPr lang="en-US" sz="2400" i="1" dirty="0">
                 <a:solidFill>
                   <a:srgbClr val="FF0000"/>
                 </a:solidFill>
               </a:rPr>
-              <a:t>concept of similarity</a:t>
-            </a:r>
-            <a:r>
-              <a:rPr lang="en-US" sz="2400" dirty="0"/>
-              <a:t> a lot when reasoning</a:t>
-            </a:r>
-            <a:endParaRPr lang="en-US" sz="2400" dirty="0">
-              <a:solidFill>
-                <a:srgbClr val="FF0000"/>
-              </a:solidFill>
-            </a:endParaRPr>
-          </a:p>
-          <a:p>
-            <a:pPr marL="800100" lvl="1" indent="-342900" algn="just">
-              <a:buFont typeface="Arial" panose="020B0604020202020204" pitchFamily="34" charset="0"/>
-              <a:buChar char="•"/>
-            </a:pPr>
-            <a:r>
-              <a:rPr lang="en-US" sz="2400" dirty="0"/>
-              <a:t>Example use of last name for people instead of full name </a:t>
-            </a:r>
-            <a:r>
-              <a:rPr lang="en-US" sz="2400" dirty="0">
+              <a:t>10 July 1856 – 7 January 1943</a:t>
+            </a:r>
+            <a:r>
+              <a:rPr lang="en-US" sz="2400" i="1" dirty="0"/>
+              <a:t>) was a Serbian American </a:t>
+            </a:r>
+            <a:r>
+              <a:rPr lang="en-US" sz="2400" i="1" dirty="0">
                 <a:solidFill>
                   <a:srgbClr val="FF0000"/>
                 </a:solidFill>
               </a:rPr>
-              <a:t>Tesla instead of Nikola Tesla</a:t>
-            </a:r>
-          </a:p>
-          <a:p>
-            <a:pPr marL="800100" lvl="1" indent="-342900" algn="just">
-              <a:buFont typeface="Arial" panose="020B0604020202020204" pitchFamily="34" charset="0"/>
-              <a:buChar char="•"/>
-            </a:pPr>
-            <a:r>
-              <a:rPr lang="en-US" sz="2400" dirty="0"/>
-              <a:t>All of these implicit connections made by humans adversely </a:t>
-            </a:r>
+              <a:t>inventor, electrical engineer, mechanical engineer, physicist, and futurist</a:t>
+            </a:r>
+            <a:r>
+              <a:rPr lang="en-US" sz="2400" i="1" dirty="0"/>
+              <a:t> best known for Nikola Tesla's contributions to the design of the modern alternating current (AC) electricity supply system.”</a:t>
+            </a:r>
+          </a:p>
+        </p:txBody>
+      </p:sp>
+      <p:sp>
+        <p:nvSpPr>
+          <p:cNvPr id="14" name="Rectangle 13">
+            <a:extLst>
+              <a:ext uri="{FF2B5EF4-FFF2-40B4-BE49-F238E27FC236}">
+                <a16:creationId xmlns:a16="http://schemas.microsoft.com/office/drawing/2014/main" id="{996753F3-3F3D-44CA-818C-B060C6A04F61}"/>
+              </a:ext>
+            </a:extLst>
+          </p:cNvPr>
+          <p:cNvSpPr/>
+          <p:nvPr/>
+        </p:nvSpPr>
+        <p:spPr>
+          <a:xfrm>
+            <a:off x="428378" y="4649237"/>
+            <a:ext cx="2077748" cy="461665"/>
+          </a:xfrm>
+          <a:prstGeom prst="rect">
+            <a:avLst/>
+          </a:prstGeom>
+        </p:spPr>
+        <p:txBody>
+          <a:bodyPr wrap="none">
+            <a:spAutoFit/>
+          </a:bodyPr>
+          <a:lstStyle/>
+          <a:p>
+            <a:r>
+              <a:rPr lang="en-US" sz="2400" i="1" dirty="0">
+                <a:solidFill>
+                  <a:schemeClr val="accent1">
+                    <a:lumMod val="75000"/>
+                  </a:schemeClr>
+                </a:solidFill>
+              </a:rPr>
+              <a:t>scientist(X1, _).</a:t>
+            </a:r>
+            <a:endParaRPr lang="en-US" sz="2400" dirty="0"/>
+          </a:p>
+        </p:txBody>
+      </p:sp>
+      <p:sp>
+        <p:nvSpPr>
+          <p:cNvPr id="4" name="TextBox 3">
+            <a:extLst>
+              <a:ext uri="{FF2B5EF4-FFF2-40B4-BE49-F238E27FC236}">
+                <a16:creationId xmlns:a16="http://schemas.microsoft.com/office/drawing/2014/main" id="{2B25AB72-A587-42D4-886F-769AFE907BA8}"/>
+              </a:ext>
+            </a:extLst>
+          </p:cNvPr>
+          <p:cNvSpPr txBox="1"/>
+          <p:nvPr/>
+        </p:nvSpPr>
+        <p:spPr>
+          <a:xfrm>
+            <a:off x="5658134" y="4132914"/>
+            <a:ext cx="1232996" cy="461665"/>
+          </a:xfrm>
+          <a:prstGeom prst="rect">
+            <a:avLst/>
+          </a:prstGeom>
+          <a:solidFill>
+            <a:schemeClr val="accent6">
+              <a:lumMod val="50000"/>
+            </a:schemeClr>
+          </a:solidFill>
+          <a:ln>
+            <a:solidFill>
+              <a:schemeClr val="accent6">
+                <a:lumMod val="50000"/>
+              </a:schemeClr>
+            </a:solidFill>
+          </a:ln>
+        </p:spPr>
+        <p:txBody>
+          <a:bodyPr wrap="square" rtlCol="0">
+            <a:spAutoFit/>
+          </a:bodyPr>
+          <a:lstStyle/>
+          <a:p>
+            <a:pPr algn="ctr"/>
             <a:r>
               <a:rPr lang="en-US" sz="2400" dirty="0">
                 <a:solidFill>
-                  <a:srgbClr val="FF0000"/>
+                  <a:schemeClr val="bg1"/>
                 </a:solidFill>
               </a:rPr>
-              <a:t>affect the process of automated reasoning</a:t>
-            </a:r>
-            <a:r>
-              <a:rPr lang="en-US" sz="2400" dirty="0"/>
-              <a:t> </a:t>
-            </a:r>
-          </a:p>
-          <a:p>
-            <a:pPr marL="800100" lvl="1" indent="-342900" algn="just">
-              <a:buFont typeface="Arial" panose="020B0604020202020204" pitchFamily="34" charset="0"/>
-              <a:buChar char="•"/>
-            </a:pPr>
-            <a:r>
-              <a:rPr lang="en-US" sz="2400" dirty="0"/>
-              <a:t>One of the ways to solve this is to use a similarity measure and use it to find the nearest answer.</a:t>
-            </a:r>
-          </a:p>
-        </p:txBody>
-      </p:sp>
+              <a:t>Certain</a:t>
+            </a:r>
+          </a:p>
+        </p:txBody>
+      </p:sp>
+      <p:cxnSp>
+        <p:nvCxnSpPr>
+          <p:cNvPr id="6" name="Straight Arrow Connector 5">
+            <a:extLst>
+              <a:ext uri="{FF2B5EF4-FFF2-40B4-BE49-F238E27FC236}">
+                <a16:creationId xmlns:a16="http://schemas.microsoft.com/office/drawing/2014/main" id="{E76D4A21-ECFE-4C2F-BFDE-227873882674}"/>
+              </a:ext>
+            </a:extLst>
+          </p:cNvPr>
+          <p:cNvCxnSpPr>
+            <a:cxnSpLocks/>
+            <a:stCxn id="4" idx="1"/>
+            <a:endCxn id="3" idx="3"/>
+          </p:cNvCxnSpPr>
+          <p:nvPr/>
+        </p:nvCxnSpPr>
+        <p:spPr>
+          <a:xfrm flipH="1">
+            <a:off x="4814006" y="4363747"/>
+            <a:ext cx="844128" cy="115"/>
+          </a:xfrm>
+          <a:prstGeom prst="straightConnector1">
+            <a:avLst/>
+          </a:prstGeom>
+          <a:ln>
+            <a:solidFill>
+              <a:schemeClr val="accent6">
+                <a:lumMod val="50000"/>
+              </a:schemeClr>
+            </a:solidFill>
+            <a:tailEnd type="triangle"/>
+          </a:ln>
+        </p:spPr>
+        <p:style>
+          <a:lnRef idx="3">
+            <a:schemeClr val="accent6"/>
+          </a:lnRef>
+          <a:fillRef idx="0">
+            <a:schemeClr val="accent6"/>
+          </a:fillRef>
+          <a:effectRef idx="2">
+            <a:schemeClr val="accent6"/>
+          </a:effectRef>
+          <a:fontRef idx="minor">
+            <a:schemeClr val="tx1"/>
+          </a:fontRef>
+        </p:style>
+      </p:cxnSp>
+      <p:sp>
+        <p:nvSpPr>
+          <p:cNvPr id="18" name="TextBox 17">
+            <a:extLst>
+              <a:ext uri="{FF2B5EF4-FFF2-40B4-BE49-F238E27FC236}">
+                <a16:creationId xmlns:a16="http://schemas.microsoft.com/office/drawing/2014/main" id="{D6BDB642-2B26-4F7D-9B9D-CFE576A0D206}"/>
+              </a:ext>
+            </a:extLst>
+          </p:cNvPr>
+          <p:cNvSpPr txBox="1"/>
+          <p:nvPr/>
+        </p:nvSpPr>
+        <p:spPr>
+          <a:xfrm>
+            <a:off x="5658134" y="4649237"/>
+            <a:ext cx="1232996" cy="461665"/>
+          </a:xfrm>
+          <a:prstGeom prst="rect">
+            <a:avLst/>
+          </a:prstGeom>
+          <a:solidFill>
+            <a:schemeClr val="accent4"/>
+          </a:solidFill>
+          <a:ln>
+            <a:solidFill>
+              <a:schemeClr val="accent4"/>
+            </a:solidFill>
+          </a:ln>
+        </p:spPr>
+        <p:txBody>
+          <a:bodyPr wrap="square" rtlCol="0">
+            <a:spAutoFit/>
+          </a:bodyPr>
+          <a:lstStyle/>
+          <a:p>
+            <a:pPr algn="ctr"/>
+            <a:r>
+              <a:rPr lang="en-US" sz="2400" dirty="0">
+                <a:solidFill>
+                  <a:schemeClr val="bg1"/>
+                </a:solidFill>
+              </a:rPr>
+              <a:t>Guess</a:t>
+            </a:r>
+          </a:p>
+        </p:txBody>
+      </p:sp>
+      <p:cxnSp>
+        <p:nvCxnSpPr>
+          <p:cNvPr id="19" name="Straight Arrow Connector 18">
+            <a:extLst>
+              <a:ext uri="{FF2B5EF4-FFF2-40B4-BE49-F238E27FC236}">
+                <a16:creationId xmlns:a16="http://schemas.microsoft.com/office/drawing/2014/main" id="{2CF191D0-E4EE-4B37-A0D4-2450D1AA2C55}"/>
+              </a:ext>
+            </a:extLst>
+          </p:cNvPr>
+          <p:cNvCxnSpPr>
+            <a:cxnSpLocks/>
+            <a:stCxn id="18" idx="1"/>
+          </p:cNvCxnSpPr>
+          <p:nvPr/>
+        </p:nvCxnSpPr>
+        <p:spPr>
+          <a:xfrm flipH="1">
+            <a:off x="2506126" y="4880070"/>
+            <a:ext cx="3152008" cy="0"/>
+          </a:xfrm>
+          <a:prstGeom prst="straightConnector1">
+            <a:avLst/>
+          </a:prstGeom>
+          <a:ln>
+            <a:solidFill>
+              <a:schemeClr val="accent4"/>
+            </a:solidFill>
+            <a:tailEnd type="triangle"/>
+          </a:ln>
+        </p:spPr>
+        <p:style>
+          <a:lnRef idx="3">
+            <a:schemeClr val="accent6"/>
+          </a:lnRef>
+          <a:fillRef idx="0">
+            <a:schemeClr val="accent6"/>
+          </a:fillRef>
+          <a:effectRef idx="2">
+            <a:schemeClr val="accent6"/>
+          </a:effectRef>
+          <a:fontRef idx="minor">
+            <a:schemeClr val="tx1"/>
+          </a:fontRef>
+        </p:style>
+      </p:cxnSp>
     </p:spTree>
     <p:extLst>
       <p:ext uri="{BB962C8B-B14F-4D97-AF65-F5344CB8AC3E}">
-        <p14:creationId xmlns:p14="http://schemas.microsoft.com/office/powerpoint/2010/main" val="3587751507"/>
+        <p14:creationId xmlns:p14="http://schemas.microsoft.com/office/powerpoint/2010/main" val="1913301607"/>
       </p:ext>
     </p:extLst>
   </p:cSld>
   <p:clrMapOvr>
     <a:masterClrMapping/>
   </p:clrMapOvr>
+  <p:timing>
+    <p:tnLst>
+      <p:par>
+        <p:cTn id="1" dur="indefinite" restart="never" nodeType="tmRoot">
+          <p:childTnLst>
+            <p:seq concurrent="1" nextAc="seek">
+              <p:cTn id="2" dur="indefinite" nodeType="mainSeq">
+                <p:childTnLst>
+                  <p:par>
+                    <p:cTn id="3" fill="hold">
+                      <p:stCondLst>
+                        <p:cond delay="indefinite"/>
+                      </p:stCondLst>
+                      <p:childTnLst>
+                        <p:par>
+                          <p:cTn id="4" fill="hold">
+                            <p:stCondLst>
+                              <p:cond delay="0"/>
+                            </p:stCondLst>
+                            <p:childTnLst>
+                              <p:par>
+                                <p:cTn id="5" presetID="10" presetClass="entr" presetSubtype="0" fill="hold" grpId="0" nodeType="clickEffect">
+                                  <p:stCondLst>
+                                    <p:cond delay="0"/>
+                                  </p:stCondLst>
+                                  <p:childTnLst>
+                                    <p:set>
+                                      <p:cBhvr>
+                                        <p:cTn id="6" dur="1" fill="hold">
+                                          <p:stCondLst>
+                                            <p:cond delay="0"/>
+                                          </p:stCondLst>
+                                        </p:cTn>
+                                        <p:tgtEl>
+                                          <p:spTgt spid="2"/>
+                                        </p:tgtEl>
+                                        <p:attrNameLst>
+                                          <p:attrName>style.visibility</p:attrName>
+                                        </p:attrNameLst>
+                                      </p:cBhvr>
+                                      <p:to>
+                                        <p:strVal val="visible"/>
+                                      </p:to>
+                                    </p:set>
+                                    <p:animEffect transition="in" filter="fade">
+                                      <p:cBhvr>
+                                        <p:cTn id="7" dur="500"/>
+                                        <p:tgtEl>
+                                          <p:spTgt spid="2"/>
+                                        </p:tgtEl>
+                                      </p:cBhvr>
+                                    </p:animEffect>
+                                  </p:childTnLst>
+                                </p:cTn>
+                              </p:par>
+                            </p:childTnLst>
+                          </p:cTn>
+                        </p:par>
+                      </p:childTnLst>
+                    </p:cTn>
+                  </p:par>
+                  <p:par>
+                    <p:cTn id="8" fill="hold">
+                      <p:stCondLst>
+                        <p:cond delay="indefinite"/>
+                      </p:stCondLst>
+                      <p:childTnLst>
+                        <p:par>
+                          <p:cTn id="9" fill="hold">
+                            <p:stCondLst>
+                              <p:cond delay="0"/>
+                            </p:stCondLst>
+                            <p:childTnLst>
+                              <p:par>
+                                <p:cTn id="10" presetID="10" presetClass="entr" presetSubtype="0" fill="hold" grpId="0" nodeType="clickEffect">
+                                  <p:stCondLst>
+                                    <p:cond delay="0"/>
+                                  </p:stCondLst>
+                                  <p:childTnLst>
+                                    <p:set>
+                                      <p:cBhvr>
+                                        <p:cTn id="11" dur="1" fill="hold">
+                                          <p:stCondLst>
+                                            <p:cond delay="0"/>
+                                          </p:stCondLst>
+                                        </p:cTn>
+                                        <p:tgtEl>
+                                          <p:spTgt spid="3"/>
+                                        </p:tgtEl>
+                                        <p:attrNameLst>
+                                          <p:attrName>style.visibility</p:attrName>
+                                        </p:attrNameLst>
+                                      </p:cBhvr>
+                                      <p:to>
+                                        <p:strVal val="visible"/>
+                                      </p:to>
+                                    </p:set>
+                                    <p:animEffect transition="in" filter="fade">
+                                      <p:cBhvr>
+                                        <p:cTn id="12" dur="500"/>
+                                        <p:tgtEl>
+                                          <p:spTgt spid="3"/>
+                                        </p:tgtEl>
+                                      </p:cBhvr>
+                                    </p:animEffect>
+                                  </p:childTnLst>
+                                </p:cTn>
+                              </p:par>
+                              <p:par>
+                                <p:cTn id="13" presetID="10" presetClass="entr" presetSubtype="0" fill="hold" grpId="0" nodeType="withEffect">
+                                  <p:stCondLst>
+                                    <p:cond delay="0"/>
+                                  </p:stCondLst>
+                                  <p:childTnLst>
+                                    <p:set>
+                                      <p:cBhvr>
+                                        <p:cTn id="14" dur="1" fill="hold">
+                                          <p:stCondLst>
+                                            <p:cond delay="0"/>
+                                          </p:stCondLst>
+                                        </p:cTn>
+                                        <p:tgtEl>
+                                          <p:spTgt spid="4"/>
+                                        </p:tgtEl>
+                                        <p:attrNameLst>
+                                          <p:attrName>style.visibility</p:attrName>
+                                        </p:attrNameLst>
+                                      </p:cBhvr>
+                                      <p:to>
+                                        <p:strVal val="visible"/>
+                                      </p:to>
+                                    </p:set>
+                                    <p:animEffect transition="in" filter="fade">
+                                      <p:cBhvr>
+                                        <p:cTn id="15" dur="500"/>
+                                        <p:tgtEl>
+                                          <p:spTgt spid="4"/>
+                                        </p:tgtEl>
+                                      </p:cBhvr>
+                                    </p:animEffect>
+                                  </p:childTnLst>
+                                </p:cTn>
+                              </p:par>
+                              <p:par>
+                                <p:cTn id="16" presetID="10" presetClass="entr" presetSubtype="0" fill="hold" nodeType="withEffect">
+                                  <p:stCondLst>
+                                    <p:cond delay="0"/>
+                                  </p:stCondLst>
+                                  <p:childTnLst>
+                                    <p:set>
+                                      <p:cBhvr>
+                                        <p:cTn id="17" dur="1" fill="hold">
+                                          <p:stCondLst>
+                                            <p:cond delay="0"/>
+                                          </p:stCondLst>
+                                        </p:cTn>
+                                        <p:tgtEl>
+                                          <p:spTgt spid="6"/>
+                                        </p:tgtEl>
+                                        <p:attrNameLst>
+                                          <p:attrName>style.visibility</p:attrName>
+                                        </p:attrNameLst>
+                                      </p:cBhvr>
+                                      <p:to>
+                                        <p:strVal val="visible"/>
+                                      </p:to>
+                                    </p:set>
+                                    <p:animEffect transition="in" filter="fade">
+                                      <p:cBhvr>
+                                        <p:cTn id="18" dur="500"/>
+                                        <p:tgtEl>
+                                          <p:spTgt spid="6"/>
+                                        </p:tgtEl>
+                                      </p:cBhvr>
+                                    </p:animEffect>
+                                  </p:childTnLst>
+                                </p:cTn>
+                              </p:par>
+                            </p:childTnLst>
+                          </p:cTn>
+                        </p:par>
+                      </p:childTnLst>
+                    </p:cTn>
+                  </p:par>
+                  <p:par>
+                    <p:cTn id="19" fill="hold">
+                      <p:stCondLst>
+                        <p:cond delay="indefinite"/>
+                      </p:stCondLst>
+                      <p:childTnLst>
+                        <p:par>
+                          <p:cTn id="20" fill="hold">
+                            <p:stCondLst>
+                              <p:cond delay="0"/>
+                            </p:stCondLst>
+                            <p:childTnLst>
+                              <p:par>
+                                <p:cTn id="21" presetID="10" presetClass="entr" presetSubtype="0" fill="hold" grpId="0" nodeType="clickEffect">
+                                  <p:stCondLst>
+                                    <p:cond delay="0"/>
+                                  </p:stCondLst>
+                                  <p:childTnLst>
+                                    <p:set>
+                                      <p:cBhvr>
+                                        <p:cTn id="22" dur="1" fill="hold">
+                                          <p:stCondLst>
+                                            <p:cond delay="0"/>
+                                          </p:stCondLst>
+                                        </p:cTn>
+                                        <p:tgtEl>
+                                          <p:spTgt spid="14"/>
+                                        </p:tgtEl>
+                                        <p:attrNameLst>
+                                          <p:attrName>style.visibility</p:attrName>
+                                        </p:attrNameLst>
+                                      </p:cBhvr>
+                                      <p:to>
+                                        <p:strVal val="visible"/>
+                                      </p:to>
+                                    </p:set>
+                                    <p:animEffect transition="in" filter="fade">
+                                      <p:cBhvr>
+                                        <p:cTn id="23" dur="500"/>
+                                        <p:tgtEl>
+                                          <p:spTgt spid="14"/>
+                                        </p:tgtEl>
+                                      </p:cBhvr>
+                                    </p:animEffect>
+                                  </p:childTnLst>
+                                </p:cTn>
+                              </p:par>
+                              <p:par>
+                                <p:cTn id="24" presetID="10" presetClass="entr" presetSubtype="0" fill="hold" nodeType="withEffect">
+                                  <p:stCondLst>
+                                    <p:cond delay="0"/>
+                                  </p:stCondLst>
+                                  <p:childTnLst>
+                                    <p:set>
+                                      <p:cBhvr>
+                                        <p:cTn id="25" dur="1" fill="hold">
+                                          <p:stCondLst>
+                                            <p:cond delay="0"/>
+                                          </p:stCondLst>
+                                        </p:cTn>
+                                        <p:tgtEl>
+                                          <p:spTgt spid="19"/>
+                                        </p:tgtEl>
+                                        <p:attrNameLst>
+                                          <p:attrName>style.visibility</p:attrName>
+                                        </p:attrNameLst>
+                                      </p:cBhvr>
+                                      <p:to>
+                                        <p:strVal val="visible"/>
+                                      </p:to>
+                                    </p:set>
+                                    <p:animEffect transition="in" filter="fade">
+                                      <p:cBhvr>
+                                        <p:cTn id="26" dur="500"/>
+                                        <p:tgtEl>
+                                          <p:spTgt spid="19"/>
+                                        </p:tgtEl>
+                                      </p:cBhvr>
+                                    </p:animEffect>
+                                  </p:childTnLst>
+                                </p:cTn>
+                              </p:par>
+                              <p:par>
+                                <p:cTn id="27" presetID="10" presetClass="entr" presetSubtype="0" fill="hold" grpId="0" nodeType="withEffect">
+                                  <p:stCondLst>
+                                    <p:cond delay="0"/>
+                                  </p:stCondLst>
+                                  <p:childTnLst>
+                                    <p:set>
+                                      <p:cBhvr>
+                                        <p:cTn id="28" dur="1" fill="hold">
+                                          <p:stCondLst>
+                                            <p:cond delay="0"/>
+                                          </p:stCondLst>
+                                        </p:cTn>
+                                        <p:tgtEl>
+                                          <p:spTgt spid="18"/>
+                                        </p:tgtEl>
+                                        <p:attrNameLst>
+                                          <p:attrName>style.visibility</p:attrName>
+                                        </p:attrNameLst>
+                                      </p:cBhvr>
+                                      <p:to>
+                                        <p:strVal val="visible"/>
+                                      </p:to>
+                                    </p:set>
+                                    <p:animEffect transition="in" filter="fade">
+                                      <p:cBhvr>
+                                        <p:cTn id="29" dur="500"/>
+                                        <p:tgtEl>
+                                          <p:spTgt spid="18"/>
+                                        </p:tgtEl>
+                                      </p:cBhvr>
+                                    </p:animEffect>
+                                  </p:childTnLst>
+                                </p:cTn>
+                              </p:par>
+                            </p:childTnLst>
+                          </p:cTn>
+                        </p:par>
+                      </p:childTnLst>
+                    </p:cTn>
+                  </p:par>
+                </p:childTnLst>
+              </p:cTn>
+              <p:prevCondLst>
+                <p:cond evt="onPrev" delay="0">
+                  <p:tgtEl>
+                    <p:sldTgt/>
+                  </p:tgtEl>
+                </p:cond>
+              </p:prevCondLst>
+              <p:nextCondLst>
+                <p:cond evt="onNext" delay="0">
+                  <p:tgtEl>
+                    <p:sldTgt/>
+                  </p:tgtEl>
+                </p:cond>
+              </p:nextCondLst>
+            </p:seq>
+          </p:childTnLst>
+        </p:cTn>
+      </p:par>
+    </p:tnLst>
+    <p:bldLst>
+      <p:bldP spid="2" grpId="0"/>
+      <p:bldP spid="3" grpId="0"/>
+      <p:bldP spid="14" grpId="0"/>
+      <p:bldP spid="4" grpId="0" animBg="1"/>
+      <p:bldP spid="18" grpId="0" animBg="1"/>
+    </p:bldLst>
+  </p:timing>
 </p:sld>
 </file>
 
@@ -16271,8 +18234,8 @@
         </p:nvSpPr>
         <p:spPr>
           <a:xfrm>
-            <a:off x="390937" y="1790555"/>
-            <a:ext cx="11085446" cy="3046988"/>
+            <a:off x="556589" y="1644781"/>
+            <a:ext cx="11078818" cy="2554545"/>
           </a:xfrm>
           <a:prstGeom prst="rect">
             <a:avLst/>
@@ -16286,89 +18249,92 @@
           <a:p>
             <a:pPr algn="just"/>
             <a:r>
-              <a:rPr lang="en-US" sz="2400" b="1" dirty="0"/>
-              <a:t>3.     Absence of good resources for verbs</a:t>
-            </a:r>
-          </a:p>
-          <a:p>
-            <a:pPr marL="800100" lvl="1" indent="-342900" algn="just">
-              <a:buFont typeface="Arial" panose="020B0604020202020204" pitchFamily="34" charset="0"/>
-              <a:buChar char="•"/>
-            </a:pPr>
-            <a:r>
-              <a:rPr lang="en-US" sz="2400" dirty="0"/>
-              <a:t>Verbs are </a:t>
-            </a:r>
-            <a:r>
-              <a:rPr lang="en-US" sz="2400" dirty="0">
+              <a:rPr lang="en-US" sz="2000" i="1" dirty="0"/>
+              <a:t>“Super Bowl 50 was an American football game. Super Bowl 50 was to determine the champion of the </a:t>
+            </a:r>
+            <a:r>
+              <a:rPr lang="en-US" sz="2000" i="1" dirty="0">
                 <a:solidFill>
                   <a:srgbClr val="FF0000"/>
                 </a:solidFill>
               </a:rPr>
-              <a:t>important parts</a:t>
-            </a:r>
-            <a:r>
-              <a:rPr lang="en-US" sz="2400" dirty="0"/>
-              <a:t> of the sentence</a:t>
-            </a:r>
-            <a:endParaRPr lang="en-US" sz="2400" dirty="0">
-              <a:solidFill>
-                <a:srgbClr val="FF0000"/>
-              </a:solidFill>
-            </a:endParaRPr>
-          </a:p>
-          <a:p>
-            <a:pPr marL="800100" lvl="1" indent="-342900" algn="just">
-              <a:buFont typeface="Arial" panose="020B0604020202020204" pitchFamily="34" charset="0"/>
-              <a:buChar char="•"/>
-            </a:pPr>
-            <a:r>
-              <a:rPr lang="en-US" sz="2400" dirty="0"/>
-              <a:t>Its important to </a:t>
-            </a:r>
-            <a:r>
-              <a:rPr lang="en-US" sz="2400" dirty="0">
+              <a:t>National Football League (NFL) </a:t>
+            </a:r>
+            <a:r>
+              <a:rPr lang="en-US" sz="2000" i="1" dirty="0"/>
+              <a:t>for the 2015 season. The </a:t>
+            </a:r>
+            <a:r>
+              <a:rPr lang="en-US" sz="2000" i="1" dirty="0">
                 <a:solidFill>
                   <a:srgbClr val="FF0000"/>
                 </a:solidFill>
               </a:rPr>
-              <a:t>understand the exact meaning of verbs </a:t>
-            </a:r>
-            <a:r>
-              <a:rPr lang="en-US" sz="2400" dirty="0"/>
-              <a:t>to understand the sentence</a:t>
-            </a:r>
-          </a:p>
-          <a:p>
-            <a:pPr marL="800100" lvl="1" indent="-342900" algn="just">
-              <a:buFont typeface="Arial" panose="020B0604020202020204" pitchFamily="34" charset="0"/>
-              <a:buChar char="•"/>
-            </a:pPr>
-            <a:r>
-              <a:rPr lang="en-US" sz="2400" dirty="0"/>
-              <a:t>Humans have a complete understanding of how verbs behave in different contexts.</a:t>
-            </a:r>
-          </a:p>
-          <a:p>
-            <a:pPr marL="800100" lvl="1" indent="-342900" algn="just">
-              <a:buFont typeface="Arial" panose="020B0604020202020204" pitchFamily="34" charset="0"/>
-              <a:buChar char="•"/>
-            </a:pPr>
-            <a:r>
-              <a:rPr lang="en-US" sz="2400" dirty="0"/>
-              <a:t>One way to overcome this is to </a:t>
-            </a:r>
-            <a:r>
-              <a:rPr lang="en-US" sz="2400" dirty="0">
+              <a:t>American Football Conference's (AFC) team, Denver Broncos</a:t>
+            </a:r>
+            <a:r>
+              <a:rPr lang="en-US" sz="2000" i="1" dirty="0"/>
+              <a:t>, defeated the National Football Conference's (NFC) team, Carolina Panthers, by 24 10 to </a:t>
+            </a:r>
+            <a:r>
+              <a:rPr lang="en-US" sz="2000" i="1" dirty="0">
                 <a:solidFill>
                   <a:srgbClr val="FF0000"/>
                 </a:solidFill>
               </a:rPr>
-              <a:t>manually add knowledge </a:t>
-            </a:r>
-            <a:r>
-              <a:rPr lang="en-US" sz="2400" dirty="0"/>
-              <a:t>about verbs that is reusable.</a:t>
+              <a:t>earn AFC third Super Bowl title</a:t>
+            </a:r>
+            <a:r>
+              <a:rPr lang="en-US" sz="2000" i="1" dirty="0"/>
+              <a:t>. As Super Bowl 50 was the 50th Super Bowl, the league emphasized the 'golden anniversary' with various gold themed initiatives, as well as temporarily suspending the tradition of naming each Super Bowl with roman numerals, under the tradition the game would have been known as Super Bowl L, so that the logo could prominently feature the Arabic numerals 50. The game was played on </a:t>
+            </a:r>
+            <a:r>
+              <a:rPr lang="en-US" sz="2000" i="1" dirty="0">
+                <a:solidFill>
+                  <a:srgbClr val="FF0000"/>
+                </a:solidFill>
+              </a:rPr>
+              <a:t>February 7 2016</a:t>
+            </a:r>
+            <a:r>
+              <a:rPr lang="en-US" sz="2000" i="1" dirty="0"/>
+              <a:t>, at </a:t>
+            </a:r>
+            <a:r>
+              <a:rPr lang="en-US" sz="2000" i="1" dirty="0">
+                <a:solidFill>
+                  <a:srgbClr val="FF0000"/>
+                </a:solidFill>
+              </a:rPr>
+              <a:t>Levis Stadium</a:t>
+            </a:r>
+            <a:r>
+              <a:rPr lang="en-US" sz="2000" i="1" dirty="0"/>
+              <a:t>, in the </a:t>
+            </a:r>
+            <a:r>
+              <a:rPr lang="en-US" sz="2000" i="1" dirty="0">
+                <a:solidFill>
+                  <a:srgbClr val="FF0000"/>
+                </a:solidFill>
+              </a:rPr>
+              <a:t>San Francisco Bay Area</a:t>
+            </a:r>
+            <a:r>
+              <a:rPr lang="en-US" sz="2000" i="1" dirty="0"/>
+              <a:t>, at </a:t>
+            </a:r>
+            <a:r>
+              <a:rPr lang="en-US" sz="2000" i="1" dirty="0">
+                <a:solidFill>
+                  <a:srgbClr val="FF0000"/>
+                </a:solidFill>
+              </a:rPr>
+              <a:t>Santa Clara </a:t>
+            </a:r>
+            <a:r>
+              <a:rPr lang="en-US" sz="2000" i="1" dirty="0"/>
+              <a:t>in California.”</a:t>
             </a:r>
           </a:p>
         </p:txBody>
@@ -16433,8 +18399,8 @@
         </p:nvSpPr>
         <p:spPr>
           <a:xfrm>
-            <a:off x="4541560" y="332816"/>
-            <a:ext cx="3108879" cy="646331"/>
+            <a:off x="4537625" y="332816"/>
+            <a:ext cx="3116747" cy="646331"/>
           </a:xfrm>
           <a:prstGeom prst="rect">
             <a:avLst/>
@@ -16455,7 +18421,69 @@
                   <a:schemeClr val="bg1"/>
                 </a:solidFill>
               </a:rPr>
-              <a:t>Hurdles</a:t>
+              <a:t>Super Bowl 50</a:t>
+            </a:r>
+          </a:p>
+        </p:txBody>
+      </p:sp>
+      <p:sp>
+        <p:nvSpPr>
+          <p:cNvPr id="2" name="Rectangle 1">
+            <a:extLst>
+              <a:ext uri="{FF2B5EF4-FFF2-40B4-BE49-F238E27FC236}">
+                <a16:creationId xmlns:a16="http://schemas.microsoft.com/office/drawing/2014/main" id="{8BEE3AE4-A5F7-45B2-9701-803F7279D7C5}"/>
+              </a:ext>
+            </a:extLst>
+          </p:cNvPr>
+          <p:cNvSpPr/>
+          <p:nvPr/>
+        </p:nvSpPr>
+        <p:spPr>
+          <a:xfrm>
+            <a:off x="556589" y="4346858"/>
+            <a:ext cx="6096000" cy="1477328"/>
+          </a:xfrm>
+          <a:prstGeom prst="rect">
+            <a:avLst/>
+          </a:prstGeom>
+        </p:spPr>
+        <p:txBody>
+          <a:bodyPr>
+            <a:spAutoFit/>
+          </a:bodyPr>
+          <a:lstStyle/>
+          <a:p>
+            <a:r>
+              <a:rPr lang="en-US" dirty="0"/>
+              <a:t>Q1. Which NFL team represented the AFC at Super Bowl 50?</a:t>
+            </a:r>
+          </a:p>
+          <a:p>
+            <a:r>
+              <a:rPr lang="en-US" dirty="0"/>
+              <a:t>Q2. Where was Super Bowl 50 played?</a:t>
+            </a:r>
+          </a:p>
+          <a:p>
+            <a:r>
+              <a:rPr lang="en-US" dirty="0"/>
+              <a:t>Q3. What day was the game played on?</a:t>
+            </a:r>
+          </a:p>
+          <a:p>
+            <a:r>
+              <a:rPr lang="en-US" dirty="0"/>
+              <a:t>Q4. What is the NFL short for?</a:t>
+            </a:r>
+          </a:p>
+          <a:p>
+            <a:r>
+              <a:rPr lang="en-US"/>
+              <a:t>Q5. </a:t>
+            </a:r>
+            <a:r>
+              <a:rPr lang="en-US" dirty="0"/>
+              <a:t>Who won Super Bowl 50?</a:t>
             </a:r>
           </a:p>
         </p:txBody>
@@ -16463,7 +18491,7 @@
     </p:spTree>
     <p:extLst>
       <p:ext uri="{BB962C8B-B14F-4D97-AF65-F5344CB8AC3E}">
-        <p14:creationId xmlns:p14="http://schemas.microsoft.com/office/powerpoint/2010/main" val="976670942"/>
+        <p14:creationId xmlns:p14="http://schemas.microsoft.com/office/powerpoint/2010/main" val="739427864"/>
       </p:ext>
     </p:extLst>
   </p:cSld>
@@ -16523,7 +18551,7 @@
               <a:rPr lang="en-US" sz="5400" dirty="0">
                 <a:ln w="0"/>
               </a:rPr>
-              <a:t>Future Work</a:t>
+              <a:t>Hurdles</a:t>
             </a:r>
           </a:p>
         </p:txBody>
@@ -16578,8 +18606,8 @@
         </p:nvSpPr>
         <p:spPr>
           <a:xfrm>
-            <a:off x="5035824" y="3443259"/>
-            <a:ext cx="1881811" cy="461665"/>
+            <a:off x="4565372" y="3443259"/>
+            <a:ext cx="3372680" cy="461665"/>
           </a:xfrm>
           <a:prstGeom prst="rect">
             <a:avLst/>
@@ -16594,7 +18622,7 @@
           <a:p>
             <a:r>
               <a:rPr lang="en-US" sz="2400" dirty="0"/>
-              <a:t>What's next?</a:t>
+              <a:t>What were the blockers?</a:t>
             </a:r>
           </a:p>
         </p:txBody>
@@ -16602,7 +18630,7 @@
     </p:spTree>
     <p:extLst>
       <p:ext uri="{BB962C8B-B14F-4D97-AF65-F5344CB8AC3E}">
-        <p14:creationId xmlns:p14="http://schemas.microsoft.com/office/powerpoint/2010/main" val="757080069"/>
+        <p14:creationId xmlns:p14="http://schemas.microsoft.com/office/powerpoint/2010/main" val="484564978"/>
       </p:ext>
     </p:extLst>
   </p:cSld>
@@ -16643,8 +18671,8 @@
         </p:nvSpPr>
         <p:spPr>
           <a:xfrm>
-            <a:off x="390937" y="1547912"/>
-            <a:ext cx="11085446" cy="1569660"/>
+            <a:off x="390937" y="1790555"/>
+            <a:ext cx="11085446" cy="1938992"/>
           </a:xfrm>
           <a:prstGeom prst="rect">
             <a:avLst/>
@@ -16661,7 +18689,7 @@
             </a:pPr>
             <a:r>
               <a:rPr lang="en-US" sz="2400" b="1" dirty="0"/>
-              <a:t>Support for Temporal Reasoning</a:t>
+              <a:t>Accuracy of NLP Tools</a:t>
             </a:r>
           </a:p>
           <a:p>
@@ -16671,7 +18699,7 @@
             </a:pPr>
             <a:r>
               <a:rPr lang="en-US" sz="2400" dirty="0"/>
-              <a:t>Humans reasoning involves some </a:t>
+              <a:t>Some sentences are </a:t>
             </a:r>
             <a:r>
               <a:rPr lang="en-US" sz="2400" dirty="0">
@@ -16679,11 +18707,17 @@
                   <a:srgbClr val="FF0000"/>
                 </a:solidFill>
               </a:rPr>
-              <a:t>temporal</a:t>
-            </a:r>
+              <a:t>parsed incorrectly</a:t>
+            </a:r>
+          </a:p>
+          <a:p>
+            <a:pPr marL="800100" lvl="1" indent="-342900" algn="just">
+              <a:buFont typeface="Arial" panose="020B0604020202020204" pitchFamily="34" charset="0"/>
+              <a:buChar char="•"/>
+            </a:pPr>
             <a:r>
               <a:rPr lang="en-US" sz="2400" dirty="0"/>
-              <a:t> </a:t>
+              <a:t>Some words are </a:t>
             </a:r>
             <a:r>
               <a:rPr lang="en-US" sz="2400" dirty="0">
@@ -16691,9 +18725,12 @@
                   <a:srgbClr val="FF0000"/>
                 </a:solidFill>
               </a:rPr>
-              <a:t>reasoning</a:t>
-            </a:r>
-            <a:endParaRPr lang="en-US" sz="2400" dirty="0"/>
+              <a:t>mis-tagged </a:t>
+            </a:r>
+            <a:r>
+              <a:rPr lang="en-US" sz="2400" dirty="0"/>
+              <a:t>due to multiple possible POS Tags</a:t>
+            </a:r>
           </a:p>
           <a:p>
             <a:pPr marL="800100" lvl="1" indent="-342900" algn="just">
@@ -16702,7 +18739,7 @@
             </a:pPr>
             <a:r>
               <a:rPr lang="en-US" sz="2400" dirty="0"/>
-              <a:t>Decision making requires </a:t>
+              <a:t>System tries to solve this with the use of </a:t>
             </a:r>
             <a:r>
               <a:rPr lang="en-US" sz="2400" dirty="0">
@@ -16710,33 +18747,11 @@
                   <a:srgbClr val="FF0000"/>
                 </a:solidFill>
               </a:rPr>
-              <a:t>reasoning about events</a:t>
+              <a:t>multiple tools </a:t>
             </a:r>
             <a:r>
               <a:rPr lang="en-US" sz="2400" dirty="0"/>
-              <a:t> related to each other w.r.t time</a:t>
-            </a:r>
-          </a:p>
-          <a:p>
-            <a:pPr marL="800100" lvl="1" indent="-342900" algn="just">
-              <a:buFont typeface="Arial" panose="020B0604020202020204" pitchFamily="34" charset="0"/>
-              <a:buChar char="•"/>
-            </a:pPr>
-            <a:r>
-              <a:rPr lang="en-US" sz="2400" dirty="0"/>
-              <a:t>Predicates like </a:t>
-            </a:r>
-            <a:r>
-              <a:rPr lang="en-US" sz="2400" i="1" dirty="0">
-                <a:solidFill>
-                  <a:srgbClr val="FF0000"/>
-                </a:solidFill>
-              </a:rPr>
-              <a:t>happensAt (event_id, time_id) </a:t>
-            </a:r>
-            <a:r>
-              <a:rPr lang="en-US" sz="2400" dirty="0"/>
-              <a:t>help in modelling time</a:t>
+              <a:t>i.e. also using tools having higher semantic information.</a:t>
             </a:r>
           </a:p>
         </p:txBody>
@@ -16823,17 +18838,17 @@
                   <a:schemeClr val="bg1"/>
                 </a:solidFill>
               </a:rPr>
-              <a:t>Future Work</a:t>
-            </a:r>
-          </a:p>
-        </p:txBody>
-      </p:sp>
-      <p:sp>
-        <p:nvSpPr>
-          <p:cNvPr id="6" name="Rectangle 5">
-            <a:extLst>
-              <a:ext uri="{FF2B5EF4-FFF2-40B4-BE49-F238E27FC236}">
-                <a16:creationId xmlns:a16="http://schemas.microsoft.com/office/drawing/2014/main" id="{50B0E405-AA50-426D-AF54-4A9E16132E8D}"/>
+              <a:t>Hurdles</a:t>
+            </a:r>
+          </a:p>
+        </p:txBody>
+      </p:sp>
+      <p:sp>
+        <p:nvSpPr>
+          <p:cNvPr id="8" name="Rectangle 7">
+            <a:extLst>
+              <a:ext uri="{FF2B5EF4-FFF2-40B4-BE49-F238E27FC236}">
+                <a16:creationId xmlns:a16="http://schemas.microsoft.com/office/drawing/2014/main" id="{20D06865-0810-4A4C-8F58-BE8C7E0AD5E1}"/>
               </a:ext>
             </a:extLst>
           </p:cNvPr>
@@ -16842,8 +18857,8 @@
         </p:nvSpPr>
         <p:spPr>
           <a:xfrm>
-            <a:off x="390937" y="3117572"/>
-            <a:ext cx="11085446" cy="3570208"/>
+            <a:off x="390937" y="3811012"/>
+            <a:ext cx="11085446" cy="3046988"/>
           </a:xfrm>
           <a:prstGeom prst="rect">
             <a:avLst/>
@@ -16858,7 +18873,7 @@
             <a:pPr algn="just"/>
             <a:r>
               <a:rPr lang="en-US" sz="2400" b="1" dirty="0"/>
-              <a:t>2.    Understanding Cause-Effect Relations</a:t>
+              <a:t>2.    Use of similar words and concepts</a:t>
             </a:r>
           </a:p>
           <a:p>
@@ -16868,7 +18883,7 @@
             </a:pPr>
             <a:r>
               <a:rPr lang="en-US" sz="2400" dirty="0"/>
-              <a:t>Cause Effect relations help with </a:t>
+              <a:t>Humans use the </a:t>
             </a:r>
             <a:r>
               <a:rPr lang="en-US" sz="2400" dirty="0">
@@ -16876,50 +18891,11 @@
                   <a:srgbClr val="FF0000"/>
                 </a:solidFill>
               </a:rPr>
-              <a:t>providing justifications </a:t>
+              <a:t>concept of similarity</a:t>
             </a:r>
             <a:r>
               <a:rPr lang="en-US" sz="2400" dirty="0"/>
-              <a:t>to activities</a:t>
-            </a:r>
-          </a:p>
-          <a:p>
-            <a:pPr marL="800100" lvl="1" indent="-342900" algn="just">
-              <a:buFont typeface="Arial" panose="020B0604020202020204" pitchFamily="34" charset="0"/>
-              <a:buChar char="•"/>
-            </a:pPr>
-            <a:r>
-              <a:rPr lang="en-US" sz="2400" dirty="0"/>
-              <a:t>Currently there are limited resources to detect such relations like </a:t>
-            </a:r>
-            <a:r>
-              <a:rPr lang="en-US" sz="2400" i="1" dirty="0"/>
-              <a:t>FrameNet</a:t>
-            </a:r>
-          </a:p>
-          <a:p>
-            <a:pPr marL="800100" lvl="1" indent="-342900" algn="just">
-              <a:buFont typeface="Arial" panose="020B0604020202020204" pitchFamily="34" charset="0"/>
-              <a:buChar char="•"/>
-            </a:pPr>
-            <a:r>
-              <a:rPr lang="en-US" sz="2400" dirty="0"/>
-              <a:t>Cause effect relations can be modelled as follow</a:t>
-            </a:r>
-          </a:p>
-          <a:p>
-            <a:pPr lvl="2">
-              <a:spcBef>
-                <a:spcPts val="1200"/>
-              </a:spcBef>
-            </a:pPr>
-            <a:r>
-              <a:rPr lang="en-US" sz="2400" i="1" dirty="0">
-                <a:solidFill>
-                  <a:srgbClr val="FF0000"/>
-                </a:solidFill>
-              </a:rPr>
-              <a:t>cause (event_id1, event_id2). </a:t>
+              <a:t> a lot when reasoning</a:t>
             </a:r>
             <a:endParaRPr lang="en-US" sz="2400" dirty="0">
               <a:solidFill>
@@ -16928,35 +18904,22 @@
             </a:endParaRPr>
           </a:p>
           <a:p>
-            <a:pPr lvl="2"/>
-            <a:r>
-              <a:rPr lang="fr-FR" sz="2400" i="1" dirty="0" err="1">
-                <a:solidFill>
-                  <a:srgbClr val="FF0000"/>
-                </a:solidFill>
-              </a:rPr>
-              <a:t>effect</a:t>
-            </a:r>
-            <a:r>
-              <a:rPr lang="fr-FR" sz="2400" i="1" dirty="0">
-                <a:solidFill>
-                  <a:srgbClr val="FF0000"/>
-                </a:solidFill>
-              </a:rPr>
-              <a:t> (X, Y) :- cause (Y, X) </a:t>
-            </a:r>
-            <a:endParaRPr lang="en-US" sz="2400" i="1" dirty="0">
-              <a:solidFill>
-                <a:srgbClr val="FF0000"/>
-              </a:solidFill>
-            </a:endParaRPr>
-          </a:p>
-          <a:p>
             <a:pPr marL="800100" lvl="1" indent="-342900" algn="just">
               <a:buFont typeface="Arial" panose="020B0604020202020204" pitchFamily="34" charset="0"/>
               <a:buChar char="•"/>
             </a:pPr>
-            <a:endParaRPr lang="en-US" sz="2400" dirty="0"/>
+            <a:r>
+              <a:rPr lang="en-US" sz="2400" dirty="0"/>
+              <a:t>Example use of last name for people instead of full name </a:t>
+            </a:r>
+            <a:r>
+              <a:rPr lang="en-US" sz="2400" dirty="0">
+                <a:solidFill>
+                  <a:srgbClr val="FF0000"/>
+                </a:solidFill>
+              </a:rPr>
+              <a:t>Tesla instead of Nikola Tesla</a:t>
+            </a:r>
           </a:p>
           <a:p>
             <a:pPr marL="800100" lvl="1" indent="-342900" algn="just">
@@ -16965,39 +18928,37 @@
             </a:pPr>
             <a:r>
               <a:rPr lang="en-US" sz="2400" dirty="0"/>
-              <a:t>Causes follow transitivity</a:t>
-            </a:r>
-          </a:p>
-          <a:p>
-            <a:pPr lvl="1" algn="just"/>
+              <a:t>All of these implicit connections made by humans adversely </a:t>
+            </a:r>
             <a:r>
               <a:rPr lang="en-US" sz="2400" dirty="0">
                 <a:solidFill>
                   <a:srgbClr val="FF0000"/>
                 </a:solidFill>
               </a:rPr>
-              <a:t>	</a:t>
-            </a:r>
-            <a:r>
-              <a:rPr lang="fr-FR" sz="2400" i="1" dirty="0">
-                <a:solidFill>
-                  <a:srgbClr val="FF0000"/>
-                </a:solidFill>
-              </a:rPr>
-              <a:t>cause (X, Y) :- cause (X, Z), cause (Z, Y). </a:t>
-            </a:r>
-            <a:endParaRPr lang="en-US" sz="2400" dirty="0">
-              <a:solidFill>
-                <a:srgbClr val="FF0000"/>
-              </a:solidFill>
-            </a:endParaRPr>
+              <a:t>affect the process of automated reasoning</a:t>
+            </a:r>
+            <a:r>
+              <a:rPr lang="en-US" sz="2400" dirty="0"/>
+              <a:t> </a:t>
+            </a:r>
+          </a:p>
+          <a:p>
+            <a:pPr marL="800100" lvl="1" indent="-342900" algn="just">
+              <a:buFont typeface="Arial" panose="020B0604020202020204" pitchFamily="34" charset="0"/>
+              <a:buChar char="•"/>
+            </a:pPr>
+            <a:r>
+              <a:rPr lang="en-US" sz="2400" dirty="0"/>
+              <a:t>One of the ways to solve this is to use a similarity measure and use it to find the nearest answer.</a:t>
+            </a:r>
           </a:p>
         </p:txBody>
       </p:sp>
     </p:spTree>
     <p:extLst>
       <p:ext uri="{BB962C8B-B14F-4D97-AF65-F5344CB8AC3E}">
-        <p14:creationId xmlns:p14="http://schemas.microsoft.com/office/powerpoint/2010/main" val="2387742247"/>
+        <p14:creationId xmlns:p14="http://schemas.microsoft.com/office/powerpoint/2010/main" val="3587751507"/>
       </p:ext>
     </p:extLst>
   </p:cSld>
@@ -17038,8 +18999,8 @@
         </p:nvSpPr>
         <p:spPr>
           <a:xfrm>
-            <a:off x="390937" y="1545993"/>
-            <a:ext cx="11085446" cy="2677656"/>
+            <a:off x="390937" y="1790555"/>
+            <a:ext cx="11085446" cy="3046988"/>
           </a:xfrm>
           <a:prstGeom prst="rect">
             <a:avLst/>
@@ -17054,7 +19015,7 @@
             <a:pPr algn="just"/>
             <a:r>
               <a:rPr lang="en-US" sz="2400" b="1" dirty="0"/>
-              <a:t>3.    Modelling more knowledge patterns</a:t>
+              <a:t>3.     Absence of good resources for verbs</a:t>
             </a:r>
           </a:p>
           <a:p>
@@ -17064,7 +19025,7 @@
             </a:pPr>
             <a:r>
               <a:rPr lang="en-US" sz="2400" dirty="0"/>
-              <a:t>Knowledge patterns used in text depend on factors like </a:t>
+              <a:t>Verbs are </a:t>
             </a:r>
             <a:r>
               <a:rPr lang="en-US" sz="2400" dirty="0">
@@ -17072,12 +19033,17 @@
                   <a:srgbClr val="FF0000"/>
                 </a:solidFill>
               </a:rPr>
-              <a:t>authors, subject, style of writing </a:t>
+              <a:t>important parts</a:t>
             </a:r>
             <a:r>
               <a:rPr lang="en-US" sz="2400" dirty="0"/>
-              <a:t>etc.</a:t>
-            </a:r>
+              <a:t> of the sentence</a:t>
+            </a:r>
+            <a:endParaRPr lang="en-US" sz="2400" dirty="0">
+              <a:solidFill>
+                <a:srgbClr val="FF0000"/>
+              </a:solidFill>
+            </a:endParaRPr>
           </a:p>
           <a:p>
             <a:pPr marL="800100" lvl="1" indent="-342900" algn="just">
@@ -17086,7 +19052,7 @@
             </a:pPr>
             <a:r>
               <a:rPr lang="en-US" sz="2400" dirty="0"/>
-              <a:t>Furthermore knowledge patterns keep on </a:t>
+              <a:t>Its important to </a:t>
             </a:r>
             <a:r>
               <a:rPr lang="en-US" sz="2400" dirty="0">
@@ -17094,11 +19060,11 @@
                   <a:srgbClr val="FF0000"/>
                 </a:solidFill>
               </a:rPr>
-              <a:t>evolving</a:t>
+              <a:t>understand the exact meaning of verbs </a:t>
             </a:r>
             <a:r>
               <a:rPr lang="en-US" sz="2400" dirty="0"/>
-              <a:t> with the language</a:t>
+              <a:t>to understand the sentence</a:t>
             </a:r>
           </a:p>
           <a:p>
@@ -17108,7 +19074,29 @@
             </a:pPr>
             <a:r>
               <a:rPr lang="en-US" sz="2400" dirty="0"/>
-              <a:t>More different kinds of texts are handled by the system better it is at describing and representing implicit information conveyed through knowledge patterns like time spans, appositionals etc.</a:t>
+              <a:t>Humans have a complete understanding of how verbs behave in different contexts.</a:t>
+            </a:r>
+          </a:p>
+          <a:p>
+            <a:pPr marL="800100" lvl="1" indent="-342900" algn="just">
+              <a:buFont typeface="Arial" panose="020B0604020202020204" pitchFamily="34" charset="0"/>
+              <a:buChar char="•"/>
+            </a:pPr>
+            <a:r>
+              <a:rPr lang="en-US" sz="2400" dirty="0"/>
+              <a:t>One way to overcome this is to </a:t>
+            </a:r>
+            <a:r>
+              <a:rPr lang="en-US" sz="2400" dirty="0">
+                <a:solidFill>
+                  <a:srgbClr val="FF0000"/>
+                </a:solidFill>
+              </a:rPr>
+              <a:t>manually add knowledge </a:t>
+            </a:r>
+            <a:r>
+              <a:rPr lang="en-US" sz="2400" dirty="0"/>
+              <a:t>about verbs that is reusable.</a:t>
             </a:r>
           </a:p>
         </p:txBody>
@@ -17195,94 +19183,7 @@
                   <a:schemeClr val="bg1"/>
                 </a:solidFill>
               </a:rPr>
-              <a:t>Future Work</a:t>
-            </a:r>
-          </a:p>
-        </p:txBody>
-      </p:sp>
-      <p:sp>
-        <p:nvSpPr>
-          <p:cNvPr id="6" name="Rectangle 5">
-            <a:extLst>
-              <a:ext uri="{FF2B5EF4-FFF2-40B4-BE49-F238E27FC236}">
-                <a16:creationId xmlns:a16="http://schemas.microsoft.com/office/drawing/2014/main" id="{50B0E405-AA50-426D-AF54-4A9E16132E8D}"/>
-              </a:ext>
-            </a:extLst>
-          </p:cNvPr>
-          <p:cNvSpPr/>
-          <p:nvPr/>
-        </p:nvSpPr>
-        <p:spPr>
-          <a:xfrm>
-            <a:off x="390937" y="4457677"/>
-            <a:ext cx="11085446" cy="1569660"/>
-          </a:xfrm>
-          <a:prstGeom prst="rect">
-            <a:avLst/>
-          </a:prstGeom>
-        </p:spPr>
-        <p:txBody>
-          <a:bodyPr wrap="square">
-            <a:spAutoFit/>
-          </a:bodyPr>
-          <a:lstStyle/>
-          <a:p>
-            <a:pPr algn="just"/>
-            <a:r>
-              <a:rPr lang="en-US" sz="2400" b="1" dirty="0"/>
-              <a:t>4.    Modelling Semantic Similarity Between Words</a:t>
-            </a:r>
-          </a:p>
-          <a:p>
-            <a:pPr marL="800100" lvl="1" indent="-342900" algn="just">
-              <a:buFont typeface="Arial" panose="020B0604020202020204" pitchFamily="34" charset="0"/>
-              <a:buChar char="•"/>
-            </a:pPr>
-            <a:r>
-              <a:rPr lang="en-US" sz="2400" dirty="0"/>
-              <a:t>Similar concepts can be obtained from WordNet using </a:t>
-            </a:r>
-            <a:r>
-              <a:rPr lang="en-US" sz="2400" dirty="0">
-                <a:solidFill>
-                  <a:srgbClr val="FF0000"/>
-                </a:solidFill>
-              </a:rPr>
-              <a:t>Synonymy relation</a:t>
-            </a:r>
-            <a:r>
-              <a:rPr lang="en-US" sz="2400" dirty="0"/>
-              <a:t>.</a:t>
-            </a:r>
-          </a:p>
-          <a:p>
-            <a:pPr marL="800100" lvl="1" indent="-342900" algn="just">
-              <a:buFont typeface="Arial" panose="020B0604020202020204" pitchFamily="34" charset="0"/>
-              <a:buChar char="•"/>
-            </a:pPr>
-            <a:r>
-              <a:rPr lang="en-US" sz="2400" dirty="0"/>
-              <a:t>NLP has other similarity measures like </a:t>
-            </a:r>
-            <a:r>
-              <a:rPr lang="en-US" sz="2400" dirty="0">
-                <a:solidFill>
-                  <a:srgbClr val="FF0000"/>
-                </a:solidFill>
-              </a:rPr>
-              <a:t>path similarity </a:t>
-            </a:r>
-            <a:r>
-              <a:rPr lang="en-US" sz="2400" dirty="0"/>
-              <a:t>and </a:t>
-            </a:r>
-            <a:r>
-              <a:rPr lang="en-US" sz="2400" dirty="0">
-                <a:solidFill>
-                  <a:srgbClr val="FF0000"/>
-                </a:solidFill>
-              </a:rPr>
-              <a:t>information content similarity</a:t>
+              <a:t>Hurdles</a:t>
             </a:r>
           </a:p>
         </p:txBody>
@@ -17290,7 +19191,7 @@
     </p:spTree>
     <p:extLst>
       <p:ext uri="{BB962C8B-B14F-4D97-AF65-F5344CB8AC3E}">
-        <p14:creationId xmlns:p14="http://schemas.microsoft.com/office/powerpoint/2010/main" val="657217249"/>
+        <p14:creationId xmlns:p14="http://schemas.microsoft.com/office/powerpoint/2010/main" val="976670942"/>
       </p:ext>
     </p:extLst>
   </p:cSld>
@@ -17319,56 +19220,84 @@
       </p:grpSpPr>
       <p:sp>
         <p:nvSpPr>
-          <p:cNvPr id="7" name="Rectangle 6">
-            <a:extLst>
-              <a:ext uri="{FF2B5EF4-FFF2-40B4-BE49-F238E27FC236}">
-                <a16:creationId xmlns:a16="http://schemas.microsoft.com/office/drawing/2014/main" id="{2B84BBFB-C1EC-478F-8E81-7685A0B691C6}"/>
-              </a:ext>
-            </a:extLst>
-          </p:cNvPr>
-          <p:cNvSpPr/>
-          <p:nvPr/>
-        </p:nvSpPr>
-        <p:spPr>
-          <a:xfrm>
-            <a:off x="0" y="0"/>
-            <a:ext cx="12192000" cy="1311965"/>
-          </a:xfrm>
-          <a:prstGeom prst="rect">
+          <p:cNvPr id="3" name="TextBox 2">
+            <a:extLst>
+              <a:ext uri="{FF2B5EF4-FFF2-40B4-BE49-F238E27FC236}">
+                <a16:creationId xmlns:a16="http://schemas.microsoft.com/office/drawing/2014/main" id="{1980B4EC-4697-4B4F-87E9-C0E68B2BB033}"/>
+              </a:ext>
+            </a:extLst>
+          </p:cNvPr>
+          <p:cNvSpPr txBox="1"/>
+          <p:nvPr/>
+        </p:nvSpPr>
+        <p:spPr>
+          <a:xfrm>
+            <a:off x="3838210" y="2519929"/>
+            <a:ext cx="4515579" cy="923330"/>
+          </a:xfrm>
+          <a:prstGeom prst="rect">
+            <a:avLst/>
+          </a:prstGeom>
+          <a:noFill/>
+        </p:spPr>
+        <p:txBody>
+          <a:bodyPr wrap="square" rtlCol="0">
+            <a:spAutoFit/>
+          </a:bodyPr>
+          <a:lstStyle/>
+          <a:p>
+            <a:pPr algn="ctr"/>
+            <a:r>
+              <a:rPr lang="en-US" sz="5400" dirty="0">
+                <a:ln w="0"/>
+              </a:rPr>
+              <a:t>Future Work</a:t>
+            </a:r>
+          </a:p>
+        </p:txBody>
+      </p:sp>
+      <p:cxnSp>
+        <p:nvCxnSpPr>
+          <p:cNvPr id="8" name="Straight Connector 7">
+            <a:extLst>
+              <a:ext uri="{FF2B5EF4-FFF2-40B4-BE49-F238E27FC236}">
+                <a16:creationId xmlns:a16="http://schemas.microsoft.com/office/drawing/2014/main" id="{1246DA07-DFD8-496C-BB69-FD95668F7C67}"/>
+              </a:ext>
+            </a:extLst>
+          </p:cNvPr>
+          <p:cNvCxnSpPr/>
+          <p:nvPr/>
+        </p:nvCxnSpPr>
+        <p:spPr>
+          <a:xfrm>
+            <a:off x="3670852" y="3429000"/>
+            <a:ext cx="4611756" cy="0"/>
+          </a:xfrm>
+          <a:prstGeom prst="line">
             <a:avLst/>
           </a:prstGeom>
         </p:spPr>
         <p:style>
-          <a:lnRef idx="2">
-            <a:schemeClr val="dk1">
-              <a:shade val="50000"/>
-            </a:schemeClr>
+          <a:lnRef idx="1">
+            <a:schemeClr val="dk1"/>
           </a:lnRef>
-          <a:fillRef idx="1">
+          <a:fillRef idx="0">
             <a:schemeClr val="dk1"/>
           </a:fillRef>
           <a:effectRef idx="0">
             <a:schemeClr val="dk1"/>
           </a:effectRef>
           <a:fontRef idx="minor">
-            <a:schemeClr val="lt1"/>
+            <a:schemeClr val="tx1"/>
           </a:fontRef>
         </p:style>
-        <p:txBody>
-          <a:bodyPr rtlCol="0" anchor="ctr"/>
-          <a:lstStyle/>
-          <a:p>
-            <a:pPr algn="ctr"/>
-            <a:endParaRPr lang="en-US" dirty="0"/>
-          </a:p>
-        </p:txBody>
-      </p:sp>
-      <p:sp>
-        <p:nvSpPr>
-          <p:cNvPr id="9" name="TextBox 8">
-            <a:extLst>
-              <a:ext uri="{FF2B5EF4-FFF2-40B4-BE49-F238E27FC236}">
-                <a16:creationId xmlns:a16="http://schemas.microsoft.com/office/drawing/2014/main" id="{7F0CAA4B-E205-452A-A063-24223A8717CE}"/>
+      </p:cxnSp>
+      <p:sp>
+        <p:nvSpPr>
+          <p:cNvPr id="4" name="TextBox 3">
+            <a:extLst>
+              <a:ext uri="{FF2B5EF4-FFF2-40B4-BE49-F238E27FC236}">
+                <a16:creationId xmlns:a16="http://schemas.microsoft.com/office/drawing/2014/main" id="{6BFEE7AA-B53C-40A1-BA09-1E3192229B2B}"/>
               </a:ext>
             </a:extLst>
           </p:cNvPr>
@@ -17377,8 +19306,8 @@
         </p:nvSpPr>
         <p:spPr>
           <a:xfrm>
-            <a:off x="4541560" y="332816"/>
-            <a:ext cx="3108879" cy="646331"/>
+            <a:off x="5035824" y="3443259"/>
+            <a:ext cx="1881811" cy="461665"/>
           </a:xfrm>
           <a:prstGeom prst="rect">
             <a:avLst/>
@@ -17391,154 +19320,9 @@
           </a:bodyPr>
           <a:lstStyle/>
           <a:p>
-            <a:pPr algn="ctr"/>
-            <a:r>
-              <a:rPr lang="en-US" sz="3600" dirty="0">
-                <a:ln w="0"/>
-                <a:solidFill>
-                  <a:schemeClr val="bg1"/>
-                </a:solidFill>
-              </a:rPr>
-              <a:t>Future Work</a:t>
-            </a:r>
-          </a:p>
-        </p:txBody>
-      </p:sp>
-      <p:sp>
-        <p:nvSpPr>
-          <p:cNvPr id="8" name="Rectangle 7">
-            <a:extLst>
-              <a:ext uri="{FF2B5EF4-FFF2-40B4-BE49-F238E27FC236}">
-                <a16:creationId xmlns:a16="http://schemas.microsoft.com/office/drawing/2014/main" id="{2DB428E2-8FAA-4F7D-B221-1D331098E241}"/>
-              </a:ext>
-            </a:extLst>
-          </p:cNvPr>
-          <p:cNvSpPr/>
-          <p:nvPr/>
-        </p:nvSpPr>
-        <p:spPr>
-          <a:xfrm>
-            <a:off x="390937" y="1738220"/>
-            <a:ext cx="11085446" cy="2308324"/>
-          </a:xfrm>
-          <a:prstGeom prst="rect">
-            <a:avLst/>
-          </a:prstGeom>
-        </p:spPr>
-        <p:txBody>
-          <a:bodyPr wrap="square">
-            <a:spAutoFit/>
-          </a:bodyPr>
-          <a:lstStyle/>
-          <a:p>
-            <a:pPr algn="just"/>
-            <a:r>
-              <a:rPr lang="en-US" sz="2400" b="1" dirty="0"/>
-              <a:t>5.    Adding more information resources</a:t>
-            </a:r>
-          </a:p>
-          <a:p>
-            <a:pPr marL="800100" lvl="1" indent="-342900" algn="just">
-              <a:buFont typeface="Arial" panose="020B0604020202020204" pitchFamily="34" charset="0"/>
-              <a:buChar char="•"/>
-            </a:pPr>
             <a:r>
               <a:rPr lang="en-US" sz="2400" dirty="0"/>
-              <a:t>The more the number of </a:t>
-            </a:r>
-            <a:r>
-              <a:rPr lang="en-US" sz="2400" dirty="0">
-                <a:solidFill>
-                  <a:srgbClr val="FF0000"/>
-                </a:solidFill>
-              </a:rPr>
-              <a:t>trusted information resources </a:t>
-            </a:r>
-            <a:r>
-              <a:rPr lang="en-US" sz="2400" dirty="0"/>
-              <a:t>the better is the system at inferring.</a:t>
-            </a:r>
-          </a:p>
-          <a:p>
-            <a:pPr marL="800100" lvl="1" indent="-342900" algn="just">
-              <a:buFont typeface="Arial" panose="020B0604020202020204" pitchFamily="34" charset="0"/>
-              <a:buChar char="•"/>
-            </a:pPr>
-            <a:r>
-              <a:rPr lang="en-US" sz="2400" dirty="0"/>
-              <a:t>Databases like YAGO which stores information about named entities like cities, countries  from Wikipedia and WordNet can help the system reach better conclusions.</a:t>
-            </a:r>
-            <a:endParaRPr lang="en-US" sz="2400" dirty="0">
-              <a:solidFill>
-                <a:srgbClr val="FF0000"/>
-              </a:solidFill>
-            </a:endParaRPr>
-          </a:p>
-        </p:txBody>
-      </p:sp>
-      <p:sp>
-        <p:nvSpPr>
-          <p:cNvPr id="2" name="Rectangle 1">
-            <a:extLst>
-              <a:ext uri="{FF2B5EF4-FFF2-40B4-BE49-F238E27FC236}">
-                <a16:creationId xmlns:a16="http://schemas.microsoft.com/office/drawing/2014/main" id="{D3E134D8-5A31-4D32-A9BB-82DCA4903F05}"/>
-              </a:ext>
-            </a:extLst>
-          </p:cNvPr>
-          <p:cNvSpPr/>
-          <p:nvPr/>
-        </p:nvSpPr>
-        <p:spPr>
-          <a:xfrm>
-            <a:off x="390937" y="4472799"/>
-            <a:ext cx="11085446" cy="1569660"/>
-          </a:xfrm>
-          <a:prstGeom prst="rect">
-            <a:avLst/>
-          </a:prstGeom>
-        </p:spPr>
-        <p:txBody>
-          <a:bodyPr wrap="square">
-            <a:spAutoFit/>
-          </a:bodyPr>
-          <a:lstStyle/>
-          <a:p>
-            <a:pPr algn="just"/>
-            <a:r>
-              <a:rPr lang="en-US" sz="2400" b="1" dirty="0"/>
-              <a:t>6.    Marking facts with confidence metrics</a:t>
-            </a:r>
-          </a:p>
-          <a:p>
-            <a:pPr marL="800100" lvl="1" indent="-342900" algn="just">
-              <a:buFont typeface="Arial" panose="020B0604020202020204" pitchFamily="34" charset="0"/>
-              <a:buChar char="•"/>
-            </a:pPr>
-            <a:r>
-              <a:rPr lang="en-US" sz="2400" dirty="0"/>
-              <a:t>As the number of information sources will increase we would need to add a confidence metric on facts coming from these sources</a:t>
-            </a:r>
-          </a:p>
-          <a:p>
-            <a:pPr marL="800100" lvl="1" indent="-342900" algn="just">
-              <a:buFont typeface="Arial" panose="020B0604020202020204" pitchFamily="34" charset="0"/>
-              <a:buChar char="•"/>
-            </a:pPr>
-            <a:r>
-              <a:rPr lang="en-US" sz="2400" dirty="0"/>
-              <a:t>This will help us choose the </a:t>
-            </a:r>
-            <a:r>
-              <a:rPr lang="en-US" sz="2400" dirty="0">
-                <a:solidFill>
-                  <a:srgbClr val="FF0000"/>
-                </a:solidFill>
-              </a:rPr>
-              <a:t>best justification </a:t>
-            </a:r>
-            <a:r>
-              <a:rPr lang="en-US" sz="2400" dirty="0"/>
-              <a:t>for a query</a:t>
+              <a:t>What's next?</a:t>
             </a:r>
           </a:p>
         </p:txBody>
@@ -17546,7 +19330,7 @@
     </p:spTree>
     <p:extLst>
       <p:ext uri="{BB962C8B-B14F-4D97-AF65-F5344CB8AC3E}">
-        <p14:creationId xmlns:p14="http://schemas.microsoft.com/office/powerpoint/2010/main" val="2122546219"/>
+        <p14:creationId xmlns:p14="http://schemas.microsoft.com/office/powerpoint/2010/main" val="757080069"/>
       </p:ext>
     </p:extLst>
   </p:cSld>
@@ -17575,6 +19359,118 @@
       </p:grpSpPr>
       <p:sp>
         <p:nvSpPr>
+          <p:cNvPr id="5" name="Rectangle 4">
+            <a:extLst>
+              <a:ext uri="{FF2B5EF4-FFF2-40B4-BE49-F238E27FC236}">
+                <a16:creationId xmlns:a16="http://schemas.microsoft.com/office/drawing/2014/main" id="{4FDB0B06-F270-4F00-8383-EB0ABF97EF01}"/>
+              </a:ext>
+            </a:extLst>
+          </p:cNvPr>
+          <p:cNvSpPr/>
+          <p:nvPr/>
+        </p:nvSpPr>
+        <p:spPr>
+          <a:xfrm>
+            <a:off x="390937" y="1547912"/>
+            <a:ext cx="11085446" cy="1569660"/>
+          </a:xfrm>
+          <a:prstGeom prst="rect">
+            <a:avLst/>
+          </a:prstGeom>
+        </p:spPr>
+        <p:txBody>
+          <a:bodyPr wrap="square">
+            <a:spAutoFit/>
+          </a:bodyPr>
+          <a:lstStyle/>
+          <a:p>
+            <a:pPr marL="457200" indent="-457200" algn="just">
+              <a:buAutoNum type="arabicPeriod"/>
+            </a:pPr>
+            <a:r>
+              <a:rPr lang="en-US" sz="2400" b="1" dirty="0"/>
+              <a:t>Support for Temporal Reasoning</a:t>
+            </a:r>
+          </a:p>
+          <a:p>
+            <a:pPr marL="800100" lvl="1" indent="-342900" algn="just">
+              <a:buFont typeface="Arial" panose="020B0604020202020204" pitchFamily="34" charset="0"/>
+              <a:buChar char="•"/>
+            </a:pPr>
+            <a:r>
+              <a:rPr lang="en-US" sz="2400" dirty="0"/>
+              <a:t>Humans reasoning involves some </a:t>
+            </a:r>
+            <a:r>
+              <a:rPr lang="en-US" sz="2400" dirty="0">
+                <a:solidFill>
+                  <a:srgbClr val="FF0000"/>
+                </a:solidFill>
+              </a:rPr>
+              <a:t>temporal</a:t>
+            </a:r>
+            <a:r>
+              <a:rPr lang="en-US" sz="2400" dirty="0"/>
+              <a:t> </a:t>
+            </a:r>
+            <a:r>
+              <a:rPr lang="en-US" sz="2400" dirty="0">
+                <a:solidFill>
+                  <a:srgbClr val="FF0000"/>
+                </a:solidFill>
+              </a:rPr>
+              <a:t>reasoning</a:t>
+            </a:r>
+            <a:endParaRPr lang="en-US" sz="2400" dirty="0"/>
+          </a:p>
+          <a:p>
+            <a:pPr marL="800100" lvl="1" indent="-342900" algn="just">
+              <a:buFont typeface="Arial" panose="020B0604020202020204" pitchFamily="34" charset="0"/>
+              <a:buChar char="•"/>
+            </a:pPr>
+            <a:r>
+              <a:rPr lang="en-US" sz="2400" dirty="0"/>
+              <a:t>Decision making requires </a:t>
+            </a:r>
+            <a:r>
+              <a:rPr lang="en-US" sz="2400" dirty="0">
+                <a:solidFill>
+                  <a:srgbClr val="FF0000"/>
+                </a:solidFill>
+              </a:rPr>
+              <a:t>reasoning about events</a:t>
+            </a:r>
+            <a:r>
+              <a:rPr lang="en-US" sz="2400" dirty="0"/>
+              <a:t> related to each other w.r.t time</a:t>
+            </a:r>
+          </a:p>
+          <a:p>
+            <a:pPr marL="800100" lvl="1" indent="-342900" algn="just">
+              <a:buFont typeface="Arial" panose="020B0604020202020204" pitchFamily="34" charset="0"/>
+              <a:buChar char="•"/>
+            </a:pPr>
+            <a:r>
+              <a:rPr lang="en-US" sz="2400" dirty="0"/>
+              <a:t>Predicates like </a:t>
+            </a:r>
+            <a:r>
+              <a:rPr lang="en-US" sz="2400" i="1" dirty="0">
+                <a:solidFill>
+                  <a:srgbClr val="FF0000"/>
+                </a:solidFill>
+              </a:rPr>
+              <a:t>happensAt (event_id, time_id) </a:t>
+            </a:r>
+            <a:r>
+              <a:rPr lang="en-US" sz="2400" dirty="0"/>
+              <a:t>help in modelling time</a:t>
+            </a:r>
+          </a:p>
+        </p:txBody>
+      </p:sp>
+      <p:sp>
+        <p:nvSpPr>
           <p:cNvPr id="7" name="Rectangle 6">
             <a:extLst>
               <a:ext uri="{FF2B5EF4-FFF2-40B4-BE49-F238E27FC236}">
@@ -17674,8 +19570,8 @@
         </p:nvSpPr>
         <p:spPr>
           <a:xfrm>
-            <a:off x="390937" y="1952511"/>
-            <a:ext cx="11085446" cy="1938992"/>
+            <a:off x="390937" y="3117572"/>
+            <a:ext cx="11085446" cy="3570208"/>
           </a:xfrm>
           <a:prstGeom prst="rect">
             <a:avLst/>
@@ -17690,7 +19586,7 @@
             <a:pPr algn="just"/>
             <a:r>
               <a:rPr lang="en-US" sz="2400" b="1" dirty="0"/>
-              <a:t>7.    Modelling Common Sense Reasoning Patterns</a:t>
+              <a:t>2.    Understanding Cause-Effect Relations</a:t>
             </a:r>
           </a:p>
           <a:p>
@@ -17700,7 +19596,7 @@
             </a:pPr>
             <a:r>
               <a:rPr lang="en-US" sz="2400" dirty="0"/>
-              <a:t>We can model some common sense reasoning principles other than the ones mentioned before, like </a:t>
+              <a:t>Cause Effect relations help with </a:t>
             </a:r>
             <a:r>
               <a:rPr lang="en-US" sz="2400" dirty="0">
@@ -17708,11 +19604,11 @@
                   <a:srgbClr val="FF0000"/>
                 </a:solidFill>
               </a:rPr>
-              <a:t>hyponyms </a:t>
+              <a:t>providing justifications </a:t>
             </a:r>
             <a:r>
               <a:rPr lang="en-US" sz="2400" dirty="0"/>
-              <a:t>etc.</a:t>
+              <a:t>to activities</a:t>
             </a:r>
           </a:p>
           <a:p>
@@ -17722,7 +19618,36 @@
             </a:pPr>
             <a:r>
               <a:rPr lang="en-US" sz="2400" dirty="0"/>
-              <a:t>These may be logically weaker but, human reasoning uses weak assumptions to reason incase of absence of information.</a:t>
+              <a:t>Currently there are limited resources to detect such relations like </a:t>
+            </a:r>
+            <a:r>
+              <a:rPr lang="en-US" sz="2400" i="1" dirty="0"/>
+              <a:t>FrameNet</a:t>
+            </a:r>
+          </a:p>
+          <a:p>
+            <a:pPr marL="800100" lvl="1" indent="-342900" algn="just">
+              <a:buFont typeface="Arial" panose="020B0604020202020204" pitchFamily="34" charset="0"/>
+              <a:buChar char="•"/>
+            </a:pPr>
+            <a:r>
+              <a:rPr lang="en-US" sz="2400" dirty="0"/>
+              <a:t>Cause effect relations can be modelled as follow</a:t>
+            </a:r>
+          </a:p>
+          <a:p>
+            <a:pPr lvl="2">
+              <a:spcBef>
+                <a:spcPts val="1200"/>
+              </a:spcBef>
+            </a:pPr>
+            <a:r>
+              <a:rPr lang="en-US" sz="2400" i="1" dirty="0">
+                <a:solidFill>
+                  <a:srgbClr val="FF0000"/>
+                </a:solidFill>
+              </a:rPr>
+              <a:t>cause (event_id1, event_id2). </a:t>
             </a:r>
             <a:endParaRPr lang="en-US" sz="2400" dirty="0">
               <a:solidFill>
@@ -17730,61 +19655,64 @@
               </a:solidFill>
             </a:endParaRPr>
           </a:p>
-        </p:txBody>
-      </p:sp>
-      <p:sp>
-        <p:nvSpPr>
-          <p:cNvPr id="8" name="Rectangle 7">
-            <a:extLst>
-              <a:ext uri="{FF2B5EF4-FFF2-40B4-BE49-F238E27FC236}">
-                <a16:creationId xmlns:a16="http://schemas.microsoft.com/office/drawing/2014/main" id="{2DB428E2-8FAA-4F7D-B221-1D331098E241}"/>
-              </a:ext>
-            </a:extLst>
-          </p:cNvPr>
-          <p:cNvSpPr/>
-          <p:nvPr/>
-        </p:nvSpPr>
-        <p:spPr>
-          <a:xfrm>
-            <a:off x="390937" y="4097107"/>
-            <a:ext cx="11085446" cy="1938992"/>
-          </a:xfrm>
-          <a:prstGeom prst="rect">
-            <a:avLst/>
-          </a:prstGeom>
-        </p:spPr>
-        <p:txBody>
-          <a:bodyPr wrap="square">
-            <a:spAutoFit/>
-          </a:bodyPr>
-          <a:lstStyle/>
-          <a:p>
-            <a:pPr algn="just"/>
-            <a:r>
-              <a:rPr lang="en-US" sz="2400" b="1" dirty="0"/>
-              <a:t>8.    Relaxing of Query Constraints</a:t>
-            </a:r>
+          <a:p>
+            <a:pPr lvl="2"/>
+            <a:r>
+              <a:rPr lang="fr-FR" sz="2400" i="1" dirty="0" err="1">
+                <a:solidFill>
+                  <a:srgbClr val="FF0000"/>
+                </a:solidFill>
+              </a:rPr>
+              <a:t>effect</a:t>
+            </a:r>
+            <a:r>
+              <a:rPr lang="fr-FR" sz="2400" i="1" dirty="0">
+                <a:solidFill>
+                  <a:srgbClr val="FF0000"/>
+                </a:solidFill>
+              </a:rPr>
+              <a:t> (X, Y) :- cause (Y, X) </a:t>
+            </a:r>
+            <a:endParaRPr lang="en-US" sz="2400" i="1" dirty="0">
+              <a:solidFill>
+                <a:srgbClr val="FF0000"/>
+              </a:solidFill>
+            </a:endParaRPr>
           </a:p>
           <a:p>
             <a:pPr marL="800100" lvl="1" indent="-342900" algn="just">
               <a:buFont typeface="Arial" panose="020B0604020202020204" pitchFamily="34" charset="0"/>
               <a:buChar char="•"/>
             </a:pPr>
+            <a:endParaRPr lang="en-US" sz="2400" dirty="0"/>
+          </a:p>
+          <a:p>
+            <a:pPr marL="800100" lvl="1" indent="-342900" algn="just">
+              <a:buFont typeface="Arial" panose="020B0604020202020204" pitchFamily="34" charset="0"/>
+              <a:buChar char="•"/>
+            </a:pPr>
             <a:r>
               <a:rPr lang="en-US" sz="2400" dirty="0"/>
-              <a:t>The query generation systems used </a:t>
-            </a:r>
+              <a:t>Causes follow transitivity</a:t>
+            </a:r>
+          </a:p>
+          <a:p>
+            <a:pPr lvl="1" algn="just"/>
             <a:r>
               <a:rPr lang="en-US" sz="2400" dirty="0">
                 <a:solidFill>
                   <a:srgbClr val="FF0000"/>
                 </a:solidFill>
               </a:rPr>
-              <a:t>removal of predicates</a:t>
-            </a:r>
-            <a:r>
-              <a:rPr lang="en-US" sz="2400" dirty="0"/>
-              <a:t> to model query relaxation</a:t>
+              <a:t>	</a:t>
+            </a:r>
+            <a:r>
+              <a:rPr lang="fr-FR" sz="2400" i="1" dirty="0">
+                <a:solidFill>
+                  <a:srgbClr val="FF0000"/>
+                </a:solidFill>
+              </a:rPr>
+              <a:t>cause (X, Y) :- cause (X, Z), cause (Z, Y). </a:t>
             </a:r>
             <a:endParaRPr lang="en-US" sz="2400" dirty="0">
               <a:solidFill>
@@ -17792,56 +19720,12 @@
               </a:solidFill>
             </a:endParaRPr>
           </a:p>
-          <a:p>
-            <a:pPr marL="800100" lvl="1" indent="-342900" algn="just">
-              <a:buFont typeface="Arial" panose="020B0604020202020204" pitchFamily="34" charset="0"/>
-              <a:buChar char="•"/>
-            </a:pPr>
-            <a:r>
-              <a:rPr lang="en-US" sz="2400" dirty="0"/>
-              <a:t>There are other ways to relax queries like </a:t>
-            </a:r>
-            <a:r>
-              <a:rPr lang="en-US" sz="2400" dirty="0">
-                <a:solidFill>
-                  <a:srgbClr val="FF0000"/>
-                </a:solidFill>
-              </a:rPr>
-              <a:t>removal of constraints</a:t>
-            </a:r>
-            <a:r>
-              <a:rPr lang="en-US" sz="2400" dirty="0"/>
-              <a:t> on terms.</a:t>
-            </a:r>
-          </a:p>
-          <a:p>
-            <a:pPr marL="800100" lvl="1" indent="-342900" algn="just">
-              <a:buFont typeface="Arial" panose="020B0604020202020204" pitchFamily="34" charset="0"/>
-              <a:buChar char="•"/>
-            </a:pPr>
-            <a:r>
-              <a:rPr lang="en-US" sz="2400" dirty="0"/>
-              <a:t>We can thus use a </a:t>
-            </a:r>
-            <a:r>
-              <a:rPr lang="en-US" sz="2400" dirty="0">
-                <a:solidFill>
-                  <a:srgbClr val="FF0000"/>
-                </a:solidFill>
-              </a:rPr>
-              <a:t>combination of techniques </a:t>
-            </a:r>
-            <a:r>
-              <a:rPr lang="en-US" sz="2400" dirty="0"/>
-              <a:t>to relax queries.</a:t>
-            </a:r>
-          </a:p>
         </p:txBody>
       </p:sp>
     </p:spTree>
     <p:extLst>
       <p:ext uri="{BB962C8B-B14F-4D97-AF65-F5344CB8AC3E}">
-        <p14:creationId xmlns:p14="http://schemas.microsoft.com/office/powerpoint/2010/main" val="1733180353"/>
+        <p14:creationId xmlns:p14="http://schemas.microsoft.com/office/powerpoint/2010/main" val="2387742247"/>
       </p:ext>
     </p:extLst>
   </p:cSld>
@@ -17870,84 +19754,145 @@
       </p:grpSpPr>
       <p:sp>
         <p:nvSpPr>
-          <p:cNvPr id="3" name="TextBox 2">
-            <a:extLst>
-              <a:ext uri="{FF2B5EF4-FFF2-40B4-BE49-F238E27FC236}">
-                <a16:creationId xmlns:a16="http://schemas.microsoft.com/office/drawing/2014/main" id="{1980B4EC-4697-4B4F-87E9-C0E68B2BB033}"/>
-              </a:ext>
-            </a:extLst>
-          </p:cNvPr>
-          <p:cNvSpPr txBox="1"/>
-          <p:nvPr/>
-        </p:nvSpPr>
-        <p:spPr>
-          <a:xfrm>
-            <a:off x="3838210" y="2519929"/>
-            <a:ext cx="4515579" cy="923330"/>
-          </a:xfrm>
-          <a:prstGeom prst="rect">
-            <a:avLst/>
-          </a:prstGeom>
-          <a:noFill/>
-        </p:spPr>
-        <p:txBody>
-          <a:bodyPr wrap="square" rtlCol="0">
+          <p:cNvPr id="5" name="Rectangle 4">
+            <a:extLst>
+              <a:ext uri="{FF2B5EF4-FFF2-40B4-BE49-F238E27FC236}">
+                <a16:creationId xmlns:a16="http://schemas.microsoft.com/office/drawing/2014/main" id="{4FDB0B06-F270-4F00-8383-EB0ABF97EF01}"/>
+              </a:ext>
+            </a:extLst>
+          </p:cNvPr>
+          <p:cNvSpPr/>
+          <p:nvPr/>
+        </p:nvSpPr>
+        <p:spPr>
+          <a:xfrm>
+            <a:off x="390937" y="1545993"/>
+            <a:ext cx="11085446" cy="2677656"/>
+          </a:xfrm>
+          <a:prstGeom prst="rect">
+            <a:avLst/>
+          </a:prstGeom>
+        </p:spPr>
+        <p:txBody>
+          <a:bodyPr wrap="square">
             <a:spAutoFit/>
           </a:bodyPr>
           <a:lstStyle/>
           <a:p>
-            <a:pPr algn="ctr"/>
-            <a:r>
-              <a:rPr lang="en-US" sz="5400" dirty="0">
-                <a:ln w="0"/>
-              </a:rPr>
-              <a:t>Contributions</a:t>
-            </a:r>
-          </a:p>
-        </p:txBody>
-      </p:sp>
-      <p:cxnSp>
-        <p:nvCxnSpPr>
-          <p:cNvPr id="8" name="Straight Connector 7">
-            <a:extLst>
-              <a:ext uri="{FF2B5EF4-FFF2-40B4-BE49-F238E27FC236}">
-                <a16:creationId xmlns:a16="http://schemas.microsoft.com/office/drawing/2014/main" id="{1246DA07-DFD8-496C-BB69-FD95668F7C67}"/>
-              </a:ext>
-            </a:extLst>
-          </p:cNvPr>
-          <p:cNvCxnSpPr/>
-          <p:nvPr/>
-        </p:nvCxnSpPr>
-        <p:spPr>
-          <a:xfrm>
-            <a:off x="3670852" y="3429000"/>
-            <a:ext cx="4611756" cy="0"/>
-          </a:xfrm>
-          <a:prstGeom prst="line">
+            <a:pPr algn="just"/>
+            <a:r>
+              <a:rPr lang="en-US" sz="2400" b="1" dirty="0"/>
+              <a:t>3.    Modelling more knowledge patterns</a:t>
+            </a:r>
+          </a:p>
+          <a:p>
+            <a:pPr marL="800100" lvl="1" indent="-342900" algn="just">
+              <a:buFont typeface="Arial" panose="020B0604020202020204" pitchFamily="34" charset="0"/>
+              <a:buChar char="•"/>
+            </a:pPr>
+            <a:r>
+              <a:rPr lang="en-US" sz="2400" dirty="0"/>
+              <a:t>Knowledge patterns used in text depend on factors like </a:t>
+            </a:r>
+            <a:r>
+              <a:rPr lang="en-US" sz="2400" dirty="0">
+                <a:solidFill>
+                  <a:srgbClr val="FF0000"/>
+                </a:solidFill>
+              </a:rPr>
+              <a:t>authors, subject, style of writing </a:t>
+            </a:r>
+            <a:r>
+              <a:rPr lang="en-US" sz="2400" dirty="0"/>
+              <a:t>etc.</a:t>
+            </a:r>
+          </a:p>
+          <a:p>
+            <a:pPr marL="800100" lvl="1" indent="-342900" algn="just">
+              <a:buFont typeface="Arial" panose="020B0604020202020204" pitchFamily="34" charset="0"/>
+              <a:buChar char="•"/>
+            </a:pPr>
+            <a:r>
+              <a:rPr lang="en-US" sz="2400" dirty="0"/>
+              <a:t>Furthermore knowledge patterns keep on </a:t>
+            </a:r>
+            <a:r>
+              <a:rPr lang="en-US" sz="2400" dirty="0">
+                <a:solidFill>
+                  <a:srgbClr val="FF0000"/>
+                </a:solidFill>
+              </a:rPr>
+              <a:t>evolving</a:t>
+            </a:r>
+            <a:r>
+              <a:rPr lang="en-US" sz="2400" dirty="0"/>
+              <a:t> with the language</a:t>
+            </a:r>
+          </a:p>
+          <a:p>
+            <a:pPr marL="800100" lvl="1" indent="-342900" algn="just">
+              <a:buFont typeface="Arial" panose="020B0604020202020204" pitchFamily="34" charset="0"/>
+              <a:buChar char="•"/>
+            </a:pPr>
+            <a:r>
+              <a:rPr lang="en-US" sz="2400" dirty="0"/>
+              <a:t>More different kinds of texts are handled by the system better it is at describing and representing implicit information conveyed through knowledge patterns like time spans, appositionals etc.</a:t>
+            </a:r>
+          </a:p>
+        </p:txBody>
+      </p:sp>
+      <p:sp>
+        <p:nvSpPr>
+          <p:cNvPr id="7" name="Rectangle 6">
+            <a:extLst>
+              <a:ext uri="{FF2B5EF4-FFF2-40B4-BE49-F238E27FC236}">
+                <a16:creationId xmlns:a16="http://schemas.microsoft.com/office/drawing/2014/main" id="{2B84BBFB-C1EC-478F-8E81-7685A0B691C6}"/>
+              </a:ext>
+            </a:extLst>
+          </p:cNvPr>
+          <p:cNvSpPr/>
+          <p:nvPr/>
+        </p:nvSpPr>
+        <p:spPr>
+          <a:xfrm>
+            <a:off x="0" y="0"/>
+            <a:ext cx="12192000" cy="1311965"/>
+          </a:xfrm>
+          <a:prstGeom prst="rect">
             <a:avLst/>
           </a:prstGeom>
         </p:spPr>
         <p:style>
-          <a:lnRef idx="1">
-            <a:schemeClr val="dk1"/>
+          <a:lnRef idx="2">
+            <a:schemeClr val="dk1">
+              <a:shade val="50000"/>
+            </a:schemeClr>
           </a:lnRef>
-          <a:fillRef idx="0">
+          <a:fillRef idx="1">
             <a:schemeClr val="dk1"/>
           </a:fillRef>
           <a:effectRef idx="0">
             <a:schemeClr val="dk1"/>
           </a:effectRef>
           <a:fontRef idx="minor">
-            <a:schemeClr val="tx1"/>
+            <a:schemeClr val="lt1"/>
           </a:fontRef>
         </p:style>
-      </p:cxnSp>
-      <p:sp>
-        <p:nvSpPr>
-          <p:cNvPr id="4" name="TextBox 3">
-            <a:extLst>
-              <a:ext uri="{FF2B5EF4-FFF2-40B4-BE49-F238E27FC236}">
-                <a16:creationId xmlns:a16="http://schemas.microsoft.com/office/drawing/2014/main" id="{6BFEE7AA-B53C-40A1-BA09-1E3192229B2B}"/>
+        <p:txBody>
+          <a:bodyPr rtlCol="0" anchor="ctr"/>
+          <a:lstStyle/>
+          <a:p>
+            <a:pPr algn="ctr"/>
+            <a:endParaRPr lang="en-US" dirty="0"/>
+          </a:p>
+        </p:txBody>
+      </p:sp>
+      <p:sp>
+        <p:nvSpPr>
+          <p:cNvPr id="9" name="TextBox 8">
+            <a:extLst>
+              <a:ext uri="{FF2B5EF4-FFF2-40B4-BE49-F238E27FC236}">
+                <a16:creationId xmlns:a16="http://schemas.microsoft.com/office/drawing/2014/main" id="{7F0CAA4B-E205-452A-A063-24223A8717CE}"/>
               </a:ext>
             </a:extLst>
           </p:cNvPr>
@@ -17956,8 +19901,8 @@
         </p:nvSpPr>
         <p:spPr>
           <a:xfrm>
-            <a:off x="4565372" y="3443259"/>
-            <a:ext cx="3061254" cy="461665"/>
+            <a:off x="4541560" y="332816"/>
+            <a:ext cx="3108879" cy="646331"/>
           </a:xfrm>
           <a:prstGeom prst="rect">
             <a:avLst/>
@@ -17970,9 +19915,102 @@
           </a:bodyPr>
           <a:lstStyle/>
           <a:p>
+            <a:pPr algn="ctr"/>
+            <a:r>
+              <a:rPr lang="en-US" sz="3600" dirty="0">
+                <a:ln w="0"/>
+                <a:solidFill>
+                  <a:schemeClr val="bg1"/>
+                </a:solidFill>
+              </a:rPr>
+              <a:t>Future Work</a:t>
+            </a:r>
+          </a:p>
+        </p:txBody>
+      </p:sp>
+      <p:sp>
+        <p:nvSpPr>
+          <p:cNvPr id="6" name="Rectangle 5">
+            <a:extLst>
+              <a:ext uri="{FF2B5EF4-FFF2-40B4-BE49-F238E27FC236}">
+                <a16:creationId xmlns:a16="http://schemas.microsoft.com/office/drawing/2014/main" id="{50B0E405-AA50-426D-AF54-4A9E16132E8D}"/>
+              </a:ext>
+            </a:extLst>
+          </p:cNvPr>
+          <p:cNvSpPr/>
+          <p:nvPr/>
+        </p:nvSpPr>
+        <p:spPr>
+          <a:xfrm>
+            <a:off x="390937" y="4457677"/>
+            <a:ext cx="11085446" cy="1569660"/>
+          </a:xfrm>
+          <a:prstGeom prst="rect">
+            <a:avLst/>
+          </a:prstGeom>
+        </p:spPr>
+        <p:txBody>
+          <a:bodyPr wrap="square">
+            <a:spAutoFit/>
+          </a:bodyPr>
+          <a:lstStyle/>
+          <a:p>
+            <a:pPr algn="just"/>
+            <a:r>
+              <a:rPr lang="en-US" sz="2400" b="1" dirty="0"/>
+              <a:t>4.    Modelling Semantic Similarity Between Words</a:t>
+            </a:r>
+          </a:p>
+          <a:p>
+            <a:pPr marL="800100" lvl="1" indent="-342900" algn="just">
+              <a:buFont typeface="Arial" panose="020B0604020202020204" pitchFamily="34" charset="0"/>
+              <a:buChar char="•"/>
+            </a:pPr>
             <a:r>
               <a:rPr lang="en-US" sz="2400" dirty="0"/>
-              <a:t>What did we achieve?</a:t>
+              <a:t>Similar concepts can be obtained from WordNet using </a:t>
+            </a:r>
+            <a:r>
+              <a:rPr lang="en-US" sz="2400" dirty="0">
+                <a:solidFill>
+                  <a:srgbClr val="FF0000"/>
+                </a:solidFill>
+              </a:rPr>
+              <a:t>Synonymy relation</a:t>
+            </a:r>
+            <a:r>
+              <a:rPr lang="en-US" sz="2400" dirty="0"/>
+              <a:t>.</a:t>
+            </a:r>
+          </a:p>
+          <a:p>
+            <a:pPr marL="800100" lvl="1" indent="-342900" algn="just">
+              <a:buFont typeface="Arial" panose="020B0604020202020204" pitchFamily="34" charset="0"/>
+              <a:buChar char="•"/>
+            </a:pPr>
+            <a:r>
+              <a:rPr lang="en-US" sz="2400" dirty="0"/>
+              <a:t>NLP has other similarity measures like </a:t>
+            </a:r>
+            <a:r>
+              <a:rPr lang="en-US" sz="2400" dirty="0">
+                <a:solidFill>
+                  <a:srgbClr val="FF0000"/>
+                </a:solidFill>
+              </a:rPr>
+              <a:t>path similarity </a:t>
+            </a:r>
+            <a:r>
+              <a:rPr lang="en-US" sz="2400" dirty="0"/>
+              <a:t>and </a:t>
+            </a:r>
+            <a:r>
+              <a:rPr lang="en-US" sz="2400" dirty="0">
+                <a:solidFill>
+                  <a:srgbClr val="FF0000"/>
+                </a:solidFill>
+              </a:rPr>
+              <a:t>information content similarity</a:t>
             </a:r>
           </a:p>
         </p:txBody>
@@ -17980,7 +20018,7 @@
     </p:spTree>
     <p:extLst>
       <p:ext uri="{BB962C8B-B14F-4D97-AF65-F5344CB8AC3E}">
-        <p14:creationId xmlns:p14="http://schemas.microsoft.com/office/powerpoint/2010/main" val="2616528620"/>
+        <p14:creationId xmlns:p14="http://schemas.microsoft.com/office/powerpoint/2010/main" val="657217249"/>
       </p:ext>
     </p:extLst>
   </p:cSld>
@@ -18286,125 +20324,6 @@
       </p:grpSpPr>
       <p:sp>
         <p:nvSpPr>
-          <p:cNvPr id="5" name="Rectangle 4">
-            <a:extLst>
-              <a:ext uri="{FF2B5EF4-FFF2-40B4-BE49-F238E27FC236}">
-                <a16:creationId xmlns:a16="http://schemas.microsoft.com/office/drawing/2014/main" id="{4FDB0B06-F270-4F00-8383-EB0ABF97EF01}"/>
-              </a:ext>
-            </a:extLst>
-          </p:cNvPr>
-          <p:cNvSpPr/>
-          <p:nvPr/>
-        </p:nvSpPr>
-        <p:spPr>
-          <a:xfrm>
-            <a:off x="390937" y="1644781"/>
-            <a:ext cx="11085446" cy="2308324"/>
-          </a:xfrm>
-          <a:prstGeom prst="rect">
-            <a:avLst/>
-          </a:prstGeom>
-        </p:spPr>
-        <p:txBody>
-          <a:bodyPr wrap="square">
-            <a:spAutoFit/>
-          </a:bodyPr>
-          <a:lstStyle/>
-          <a:p>
-            <a:pPr algn="just"/>
-            <a:r>
-              <a:rPr lang="en-US" sz="2400" b="1" dirty="0"/>
-              <a:t>1.    Generic Calculus Framework</a:t>
-            </a:r>
-          </a:p>
-          <a:p>
-            <a:pPr marL="800100" lvl="1" indent="-342900" algn="just">
-              <a:buFont typeface="Arial" panose="020B0604020202020204" pitchFamily="34" charset="0"/>
-              <a:buChar char="•"/>
-            </a:pPr>
-            <a:r>
-              <a:rPr lang="en-US" sz="2400" dirty="0"/>
-              <a:t>Defines a calculus framework containing </a:t>
-            </a:r>
-            <a:r>
-              <a:rPr lang="en-US" sz="2400" dirty="0">
-                <a:solidFill>
-                  <a:srgbClr val="FF0000"/>
-                </a:solidFill>
-              </a:rPr>
-              <a:t>generic predicates</a:t>
-            </a:r>
-          </a:p>
-          <a:p>
-            <a:pPr marL="800100" lvl="1" indent="-342900" algn="just">
-              <a:buFont typeface="Arial" panose="020B0604020202020204" pitchFamily="34" charset="0"/>
-              <a:buChar char="•"/>
-            </a:pPr>
-            <a:r>
-              <a:rPr lang="en-US" sz="2400" dirty="0"/>
-              <a:t>Framework is </a:t>
-            </a:r>
-            <a:r>
-              <a:rPr lang="en-US" sz="2400" dirty="0">
-                <a:solidFill>
-                  <a:srgbClr val="FF0000"/>
-                </a:solidFill>
-              </a:rPr>
-              <a:t>extendible </a:t>
-            </a:r>
-            <a:r>
-              <a:rPr lang="en-US" sz="2400" dirty="0"/>
-              <a:t>to incorporate more predicates like cause, effect without much changes</a:t>
-            </a:r>
-          </a:p>
-          <a:p>
-            <a:pPr marL="800100" lvl="1" indent="-342900" algn="just">
-              <a:buFont typeface="Arial" panose="020B0604020202020204" pitchFamily="34" charset="0"/>
-              <a:buChar char="•"/>
-            </a:pPr>
-            <a:r>
-              <a:rPr lang="en-US" sz="2400" dirty="0"/>
-              <a:t>Efficiently able to </a:t>
-            </a:r>
-            <a:r>
-              <a:rPr lang="en-US" sz="2400" dirty="0">
-                <a:solidFill>
-                  <a:srgbClr val="FF0000"/>
-                </a:solidFill>
-              </a:rPr>
-              <a:t>represent most data points </a:t>
-            </a:r>
-            <a:r>
-              <a:rPr lang="en-US" sz="2400" dirty="0"/>
-              <a:t>mentioned in the passage</a:t>
-            </a:r>
-          </a:p>
-          <a:p>
-            <a:pPr marL="800100" lvl="1" indent="-342900" algn="just">
-              <a:buFont typeface="Arial" panose="020B0604020202020204" pitchFamily="34" charset="0"/>
-              <a:buChar char="•"/>
-            </a:pPr>
-            <a:r>
-              <a:rPr lang="en-US" sz="2400" dirty="0"/>
-              <a:t>Can integrate with </a:t>
-            </a:r>
-            <a:r>
-              <a:rPr lang="en-US" sz="2400" dirty="0">
-                <a:solidFill>
-                  <a:srgbClr val="FF0000"/>
-                </a:solidFill>
-              </a:rPr>
-              <a:t>custom patterns </a:t>
-            </a:r>
-            <a:r>
-              <a:rPr lang="en-US" sz="2400" dirty="0"/>
-              <a:t>like month, year predicate</a:t>
-            </a:r>
-          </a:p>
-        </p:txBody>
-      </p:sp>
-      <p:sp>
-        <p:nvSpPr>
           <p:cNvPr id="7" name="Rectangle 6">
             <a:extLst>
               <a:ext uri="{FF2B5EF4-FFF2-40B4-BE49-F238E27FC236}">
@@ -18485,17 +20404,17 @@
                   <a:schemeClr val="bg1"/>
                 </a:solidFill>
               </a:rPr>
-              <a:t>Contributions</a:t>
-            </a:r>
-          </a:p>
-        </p:txBody>
-      </p:sp>
-      <p:sp>
-        <p:nvSpPr>
-          <p:cNvPr id="10" name="Rectangle 9">
-            <a:extLst>
-              <a:ext uri="{FF2B5EF4-FFF2-40B4-BE49-F238E27FC236}">
-                <a16:creationId xmlns:a16="http://schemas.microsoft.com/office/drawing/2014/main" id="{55E81C5D-F5BE-420F-90B0-734922C9AE86}"/>
+              <a:t>Future Work</a:t>
+            </a:r>
+          </a:p>
+        </p:txBody>
+      </p:sp>
+      <p:sp>
+        <p:nvSpPr>
+          <p:cNvPr id="8" name="Rectangle 7">
+            <a:extLst>
+              <a:ext uri="{FF2B5EF4-FFF2-40B4-BE49-F238E27FC236}">
+                <a16:creationId xmlns:a16="http://schemas.microsoft.com/office/drawing/2014/main" id="{2DB428E2-8FAA-4F7D-B221-1D331098E241}"/>
               </a:ext>
             </a:extLst>
           </p:cNvPr>
@@ -18504,8 +20423,8 @@
         </p:nvSpPr>
         <p:spPr>
           <a:xfrm>
-            <a:off x="390937" y="4050051"/>
-            <a:ext cx="11085446" cy="2677656"/>
+            <a:off x="390937" y="1738220"/>
+            <a:ext cx="11085446" cy="2308324"/>
           </a:xfrm>
           <a:prstGeom prst="rect">
             <a:avLst/>
@@ -18520,7 +20439,7 @@
             <a:pPr algn="just"/>
             <a:r>
               <a:rPr lang="en-US" sz="2400" b="1" dirty="0"/>
-              <a:t>2.    Use of other Knowledge Sources</a:t>
+              <a:t>5.    Adding more information resources</a:t>
             </a:r>
           </a:p>
           <a:p>
@@ -18530,7 +20449,7 @@
             </a:pPr>
             <a:r>
               <a:rPr lang="en-US" sz="2400" dirty="0"/>
-              <a:t>Incorporates </a:t>
+              <a:t>The more the number of </a:t>
             </a:r>
             <a:r>
               <a:rPr lang="en-US" sz="2400" dirty="0">
@@ -18538,11 +20457,21 @@
                   <a:srgbClr val="FF0000"/>
                 </a:solidFill>
               </a:rPr>
-              <a:t>secondary knowledge sources </a:t>
+              <a:t>trusted information resources </a:t>
             </a:r>
             <a:r>
               <a:rPr lang="en-US" sz="2400" dirty="0"/>
-              <a:t>like WordNet</a:t>
+              <a:t>the better is the system at inferring.</a:t>
+            </a:r>
+          </a:p>
+          <a:p>
+            <a:pPr marL="800100" lvl="1" indent="-342900" algn="just">
+              <a:buFont typeface="Arial" panose="020B0604020202020204" pitchFamily="34" charset="0"/>
+              <a:buChar char="•"/>
+            </a:pPr>
+            <a:r>
+              <a:rPr lang="en-US" sz="2400" dirty="0"/>
+              <a:t>Databases like YAGO which stores information about named entities like cities, countries  from Wikipedia and WordNet can help the system reach better conclusions.</a:t>
             </a:r>
             <a:endParaRPr lang="en-US" sz="2400" dirty="0">
               <a:solidFill>
@@ -18550,6 +20479,41 @@
               </a:solidFill>
             </a:endParaRPr>
           </a:p>
+        </p:txBody>
+      </p:sp>
+      <p:sp>
+        <p:nvSpPr>
+          <p:cNvPr id="2" name="Rectangle 1">
+            <a:extLst>
+              <a:ext uri="{FF2B5EF4-FFF2-40B4-BE49-F238E27FC236}">
+                <a16:creationId xmlns:a16="http://schemas.microsoft.com/office/drawing/2014/main" id="{D3E134D8-5A31-4D32-A9BB-82DCA4903F05}"/>
+              </a:ext>
+            </a:extLst>
+          </p:cNvPr>
+          <p:cNvSpPr/>
+          <p:nvPr/>
+        </p:nvSpPr>
+        <p:spPr>
+          <a:xfrm>
+            <a:off x="390937" y="4472799"/>
+            <a:ext cx="11085446" cy="1569660"/>
+          </a:xfrm>
+          <a:prstGeom prst="rect">
+            <a:avLst/>
+          </a:prstGeom>
+        </p:spPr>
+        <p:txBody>
+          <a:bodyPr wrap="square">
+            <a:spAutoFit/>
+          </a:bodyPr>
+          <a:lstStyle/>
+          <a:p>
+            <a:pPr algn="just"/>
+            <a:r>
+              <a:rPr lang="en-US" sz="2400" b="1" dirty="0"/>
+              <a:t>6.    Marking facts with confidence metrics</a:t>
+            </a:r>
+          </a:p>
           <a:p>
             <a:pPr marL="800100" lvl="1" indent="-342900" algn="just">
               <a:buFont typeface="Arial" panose="020B0604020202020204" pitchFamily="34" charset="0"/>
@@ -18557,7 +20521,17 @@
             </a:pPr>
             <a:r>
               <a:rPr lang="en-US" sz="2400" dirty="0"/>
-              <a:t>Able to build a </a:t>
+              <a:t>As the number of information sources will increase we would need to add a confidence metric on facts coming from these sources</a:t>
+            </a:r>
+          </a:p>
+          <a:p>
+            <a:pPr marL="800100" lvl="1" indent="-342900" algn="just">
+              <a:buFont typeface="Arial" panose="020B0604020202020204" pitchFamily="34" charset="0"/>
+              <a:buChar char="•"/>
+            </a:pPr>
+            <a:r>
+              <a:rPr lang="en-US" sz="2400" dirty="0"/>
+              <a:t>This will help us choose the </a:t>
             </a:r>
             <a:r>
               <a:rPr lang="en-US" sz="2400" dirty="0">
@@ -18565,95 +20539,11 @@
                   <a:srgbClr val="FF0000"/>
                 </a:solidFill>
               </a:rPr>
-              <a:t>custom ontology </a:t>
+              <a:t>best justification </a:t>
             </a:r>
             <a:r>
               <a:rPr lang="en-US" sz="2400" dirty="0"/>
-              <a:t>for the input passage</a:t>
-            </a:r>
-          </a:p>
-          <a:p>
-            <a:pPr marL="800100" lvl="1" indent="-342900" algn="just">
-              <a:buFont typeface="Arial" panose="020B0604020202020204" pitchFamily="34" charset="0"/>
-              <a:buChar char="•"/>
-            </a:pPr>
-            <a:r>
-              <a:rPr lang="en-US" sz="2400" dirty="0"/>
-              <a:t>Helps </a:t>
-            </a:r>
-            <a:r>
-              <a:rPr lang="en-US" sz="2400" dirty="0">
-                <a:solidFill>
-                  <a:srgbClr val="FF0000"/>
-                </a:solidFill>
-              </a:rPr>
-              <a:t>efficiently reason </a:t>
-            </a:r>
-            <a:r>
-              <a:rPr lang="en-US" sz="2400" dirty="0"/>
-              <a:t>about knowledge mimicking humans</a:t>
-            </a:r>
-          </a:p>
-          <a:p>
-            <a:pPr marL="800100" lvl="1" indent="-342900" algn="just">
-              <a:buFont typeface="Arial" panose="020B0604020202020204" pitchFamily="34" charset="0"/>
-              <a:buChar char="•"/>
-            </a:pPr>
-            <a:r>
-              <a:rPr lang="en-US" sz="2400" dirty="0"/>
-              <a:t>Ontology can be built in an </a:t>
-            </a:r>
-            <a:r>
-              <a:rPr lang="en-US" sz="2400" dirty="0">
-                <a:solidFill>
-                  <a:srgbClr val="FF0000"/>
-                </a:solidFill>
-              </a:rPr>
-              <a:t>incremental fashion</a:t>
-            </a:r>
-            <a:r>
-              <a:rPr lang="en-US" sz="2400" dirty="0"/>
-              <a:t> as well</a:t>
-            </a:r>
-          </a:p>
-          <a:p>
-            <a:pPr marL="800100" lvl="1" indent="-342900" algn="just">
-              <a:buFont typeface="Arial" panose="020B0604020202020204" pitchFamily="34" charset="0"/>
-              <a:buChar char="•"/>
-            </a:pPr>
-            <a:r>
-              <a:rPr lang="en-US" sz="2400" dirty="0"/>
-              <a:t>Use of SaSP helps in working with an </a:t>
-            </a:r>
-            <a:r>
-              <a:rPr lang="en-US" sz="2400" dirty="0">
-                <a:solidFill>
-                  <a:srgbClr val="FF0000"/>
-                </a:solidFill>
-              </a:rPr>
-              <a:t>unbounded domain</a:t>
-            </a:r>
-          </a:p>
-          <a:p>
-            <a:pPr marL="800100" lvl="1" indent="-342900" algn="just">
-              <a:buFont typeface="Arial" panose="020B0604020202020204" pitchFamily="34" charset="0"/>
-              <a:buChar char="•"/>
-            </a:pPr>
-            <a:r>
-              <a:rPr lang="en-US" sz="2400" dirty="0"/>
-              <a:t>Program </a:t>
-            </a:r>
-            <a:r>
-              <a:rPr lang="en-US" sz="2400" dirty="0">
-                <a:solidFill>
-                  <a:srgbClr val="FF0000"/>
-                </a:solidFill>
-              </a:rPr>
-              <a:t>does not need to be grounded</a:t>
-            </a:r>
-            <a:r>
-              <a:rPr lang="en-US" sz="2400" dirty="0"/>
-              <a:t> to calculate answer set like in CLASP</a:t>
+              <a:t>for a query</a:t>
             </a:r>
           </a:p>
         </p:txBody>
@@ -18661,7 +20551,7 @@
     </p:spTree>
     <p:extLst>
       <p:ext uri="{BB962C8B-B14F-4D97-AF65-F5344CB8AC3E}">
-        <p14:creationId xmlns:p14="http://schemas.microsoft.com/office/powerpoint/2010/main" val="4027011598"/>
+        <p14:creationId xmlns:p14="http://schemas.microsoft.com/office/powerpoint/2010/main" val="2122546219"/>
       </p:ext>
     </p:extLst>
   </p:cSld>
@@ -18690,134 +20580,6 @@
       </p:grpSpPr>
       <p:sp>
         <p:nvSpPr>
-          <p:cNvPr id="5" name="Rectangle 4">
-            <a:extLst>
-              <a:ext uri="{FF2B5EF4-FFF2-40B4-BE49-F238E27FC236}">
-                <a16:creationId xmlns:a16="http://schemas.microsoft.com/office/drawing/2014/main" id="{4FDB0B06-F270-4F00-8383-EB0ABF97EF01}"/>
-              </a:ext>
-            </a:extLst>
-          </p:cNvPr>
-          <p:cNvSpPr/>
-          <p:nvPr/>
-        </p:nvSpPr>
-        <p:spPr>
-          <a:xfrm>
-            <a:off x="443945" y="1803807"/>
-            <a:ext cx="11085446" cy="1938992"/>
-          </a:xfrm>
-          <a:prstGeom prst="rect">
-            <a:avLst/>
-          </a:prstGeom>
-        </p:spPr>
-        <p:txBody>
-          <a:bodyPr wrap="square">
-            <a:spAutoFit/>
-          </a:bodyPr>
-          <a:lstStyle/>
-          <a:p>
-            <a:pPr algn="just"/>
-            <a:r>
-              <a:rPr lang="en-US" sz="2400" b="1" dirty="0"/>
-              <a:t>3.    Preferential Pattern for WSD</a:t>
-            </a:r>
-          </a:p>
-          <a:p>
-            <a:pPr marL="800100" lvl="1" indent="-342900" algn="just">
-              <a:buFont typeface="Arial" panose="020B0604020202020204" pitchFamily="34" charset="0"/>
-              <a:buChar char="•"/>
-            </a:pPr>
-            <a:r>
-              <a:rPr lang="en-US" sz="2400" dirty="0"/>
-              <a:t>Defines a </a:t>
-            </a:r>
-            <a:r>
-              <a:rPr lang="en-US" sz="2400" dirty="0">
-                <a:solidFill>
-                  <a:srgbClr val="FF0000"/>
-                </a:solidFill>
-              </a:rPr>
-              <a:t>preferential pattern </a:t>
-            </a:r>
-            <a:r>
-              <a:rPr lang="en-US" sz="2400" dirty="0"/>
-              <a:t>that mimics humans</a:t>
-            </a:r>
-            <a:endParaRPr lang="en-US" sz="2400" dirty="0">
-              <a:solidFill>
-                <a:srgbClr val="FF0000"/>
-              </a:solidFill>
-            </a:endParaRPr>
-          </a:p>
-          <a:p>
-            <a:pPr marL="800100" lvl="1" indent="-342900" algn="just">
-              <a:buFont typeface="Arial" panose="020B0604020202020204" pitchFamily="34" charset="0"/>
-              <a:buChar char="•"/>
-            </a:pPr>
-            <a:r>
-              <a:rPr lang="en-US" sz="2400" dirty="0"/>
-              <a:t>Preferential pattern </a:t>
-            </a:r>
-            <a:r>
-              <a:rPr lang="en-US" sz="2400" dirty="0">
-                <a:solidFill>
-                  <a:srgbClr val="FF0000"/>
-                </a:solidFill>
-              </a:rPr>
-              <a:t>allows inputs</a:t>
-            </a:r>
-            <a:r>
-              <a:rPr lang="en-US" sz="2400" dirty="0"/>
-              <a:t> from external systems</a:t>
-            </a:r>
-          </a:p>
-          <a:p>
-            <a:pPr marL="800100" lvl="1" indent="-342900" algn="just">
-              <a:buFont typeface="Arial" panose="020B0604020202020204" pitchFamily="34" charset="0"/>
-              <a:buChar char="•"/>
-            </a:pPr>
-            <a:r>
-              <a:rPr lang="en-US" sz="2400" dirty="0"/>
-              <a:t>Can disambiguate in the </a:t>
-            </a:r>
-            <a:r>
-              <a:rPr lang="en-US" sz="2400" dirty="0">
-                <a:solidFill>
-                  <a:srgbClr val="FF0000"/>
-                </a:solidFill>
-              </a:rPr>
-              <a:t>absence of knowledge </a:t>
-            </a:r>
-            <a:r>
-              <a:rPr lang="en-US" sz="2400" dirty="0"/>
-              <a:t>from external sources</a:t>
-            </a:r>
-          </a:p>
-          <a:p>
-            <a:pPr marL="800100" lvl="1" indent="-342900" algn="just">
-              <a:buFont typeface="Arial" panose="020B0604020202020204" pitchFamily="34" charset="0"/>
-              <a:buChar char="•"/>
-            </a:pPr>
-            <a:r>
-              <a:rPr lang="en-US" sz="2400" dirty="0"/>
-              <a:t>Only parts of the ontology </a:t>
-            </a:r>
-            <a:r>
-              <a:rPr lang="en-US" sz="2400" dirty="0">
-                <a:solidFill>
-                  <a:srgbClr val="FF0000"/>
-                </a:solidFill>
-              </a:rPr>
-              <a:t>required to reason </a:t>
-            </a:r>
-            <a:r>
-              <a:rPr lang="en-US" sz="2400" dirty="0"/>
-              <a:t>are triggered</a:t>
-            </a:r>
-          </a:p>
-        </p:txBody>
-      </p:sp>
-      <p:sp>
-        <p:nvSpPr>
           <p:cNvPr id="7" name="Rectangle 6">
             <a:extLst>
               <a:ext uri="{FF2B5EF4-FFF2-40B4-BE49-F238E27FC236}">
@@ -18898,17 +20660,17 @@
                   <a:schemeClr val="bg1"/>
                 </a:solidFill>
               </a:rPr>
-              <a:t>Contributions</a:t>
-            </a:r>
-          </a:p>
-        </p:txBody>
-      </p:sp>
-      <p:sp>
-        <p:nvSpPr>
-          <p:cNvPr id="10" name="Rectangle 9">
-            <a:extLst>
-              <a:ext uri="{FF2B5EF4-FFF2-40B4-BE49-F238E27FC236}">
-                <a16:creationId xmlns:a16="http://schemas.microsoft.com/office/drawing/2014/main" id="{55E81C5D-F5BE-420F-90B0-734922C9AE86}"/>
+              <a:t>Future Work</a:t>
+            </a:r>
+          </a:p>
+        </p:txBody>
+      </p:sp>
+      <p:sp>
+        <p:nvSpPr>
+          <p:cNvPr id="6" name="Rectangle 5">
+            <a:extLst>
+              <a:ext uri="{FF2B5EF4-FFF2-40B4-BE49-F238E27FC236}">
+                <a16:creationId xmlns:a16="http://schemas.microsoft.com/office/drawing/2014/main" id="{50B0E405-AA50-426D-AF54-4A9E16132E8D}"/>
               </a:ext>
             </a:extLst>
           </p:cNvPr>
@@ -18917,8 +20679,8 @@
         </p:nvSpPr>
         <p:spPr>
           <a:xfrm>
-            <a:off x="443945" y="3917529"/>
-            <a:ext cx="11085446" cy="2308324"/>
+            <a:off x="390937" y="1952511"/>
+            <a:ext cx="11085446" cy="1938992"/>
           </a:xfrm>
           <a:prstGeom prst="rect">
             <a:avLst/>
@@ -18933,7 +20695,7 @@
             <a:pPr algn="just"/>
             <a:r>
               <a:rPr lang="en-US" sz="2400" b="1" dirty="0"/>
-              <a:t>4.     Converts questions into ASP queries</a:t>
+              <a:t>7.    Modelling Common Sense Reasoning Patterns</a:t>
             </a:r>
           </a:p>
           <a:p>
@@ -18943,7 +20705,7 @@
             </a:pPr>
             <a:r>
               <a:rPr lang="en-US" sz="2400" dirty="0"/>
-              <a:t>Proposed a method to </a:t>
+              <a:t>We can model some common sense reasoning principles other than the ones mentioned before, like </a:t>
             </a:r>
             <a:r>
               <a:rPr lang="en-US" sz="2400" dirty="0">
@@ -18951,7 +20713,11 @@
                   <a:srgbClr val="FF0000"/>
                 </a:solidFill>
               </a:rPr>
-              <a:t>convert questions into queries</a:t>
+              <a:t>hyponyms </a:t>
+            </a:r>
+            <a:r>
+              <a:rPr lang="en-US" sz="2400" dirty="0"/>
+              <a:t>etc.</a:t>
             </a:r>
           </a:p>
           <a:p>
@@ -18961,7 +20727,57 @@
             </a:pPr>
             <a:r>
               <a:rPr lang="en-US" sz="2400" dirty="0"/>
-              <a:t>Queries are built in such a way that </a:t>
+              <a:t>These may be logically weaker but, human reasoning uses weak assumptions to reason incase of absence of information.</a:t>
+            </a:r>
+            <a:endParaRPr lang="en-US" sz="2400" dirty="0">
+              <a:solidFill>
+                <a:srgbClr val="FF0000"/>
+              </a:solidFill>
+            </a:endParaRPr>
+          </a:p>
+        </p:txBody>
+      </p:sp>
+      <p:sp>
+        <p:nvSpPr>
+          <p:cNvPr id="8" name="Rectangle 7">
+            <a:extLst>
+              <a:ext uri="{FF2B5EF4-FFF2-40B4-BE49-F238E27FC236}">
+                <a16:creationId xmlns:a16="http://schemas.microsoft.com/office/drawing/2014/main" id="{2DB428E2-8FAA-4F7D-B221-1D331098E241}"/>
+              </a:ext>
+            </a:extLst>
+          </p:cNvPr>
+          <p:cNvSpPr/>
+          <p:nvPr/>
+        </p:nvSpPr>
+        <p:spPr>
+          <a:xfrm>
+            <a:off x="390937" y="4097107"/>
+            <a:ext cx="11085446" cy="1938992"/>
+          </a:xfrm>
+          <a:prstGeom prst="rect">
+            <a:avLst/>
+          </a:prstGeom>
+        </p:spPr>
+        <p:txBody>
+          <a:bodyPr wrap="square">
+            <a:spAutoFit/>
+          </a:bodyPr>
+          <a:lstStyle/>
+          <a:p>
+            <a:pPr algn="just"/>
+            <a:r>
+              <a:rPr lang="en-US" sz="2400" b="1" dirty="0"/>
+              <a:t>8.    Relaxing of Query Constraints</a:t>
+            </a:r>
+          </a:p>
+          <a:p>
+            <a:pPr marL="800100" lvl="1" indent="-342900" algn="just">
+              <a:buFont typeface="Arial" panose="020B0604020202020204" pitchFamily="34" charset="0"/>
+              <a:buChar char="•"/>
+            </a:pPr>
+            <a:r>
+              <a:rPr lang="en-US" sz="2400" dirty="0"/>
+              <a:t>The query generation systems used </a:t>
             </a:r>
             <a:r>
               <a:rPr lang="en-US" sz="2400" dirty="0">
@@ -18969,12 +20785,17 @@
                   <a:srgbClr val="FF0000"/>
                 </a:solidFill>
               </a:rPr>
-              <a:t>alternate solutions </a:t>
+              <a:t>removal of predicates</a:t>
             </a:r>
             <a:r>
               <a:rPr lang="en-US" sz="2400" dirty="0"/>
-              <a:t>are provided</a:t>
-            </a:r>
+              <a:t> to model query relaxation</a:t>
+            </a:r>
+            <a:endParaRPr lang="en-US" sz="2400" dirty="0">
+              <a:solidFill>
+                <a:srgbClr val="FF0000"/>
+              </a:solidFill>
+            </a:endParaRPr>
           </a:p>
           <a:p>
             <a:pPr marL="800100" lvl="1" indent="-342900" algn="just">
@@ -18983,7 +20804,7 @@
             </a:pPr>
             <a:r>
               <a:rPr lang="en-US" sz="2400" dirty="0"/>
-              <a:t>Constraints on </a:t>
+              <a:t>There are other ways to relax queries like </a:t>
             </a:r>
             <a:r>
               <a:rPr lang="en-US" sz="2400" dirty="0">
@@ -18991,11 +20812,11 @@
                   <a:srgbClr val="FF0000"/>
                 </a:solidFill>
               </a:rPr>
-              <a:t>queries are relaxed </a:t>
+              <a:t>removal of constraints</a:t>
             </a:r>
             <a:r>
               <a:rPr lang="en-US" sz="2400" dirty="0"/>
-              <a:t>to at least get some answer</a:t>
+              <a:t> on terms.</a:t>
             </a:r>
           </a:p>
           <a:p>
@@ -19004,16 +20825,20 @@
               <a:buChar char="•"/>
             </a:pPr>
             <a:r>
+              <a:rPr lang="en-US" sz="2400" dirty="0"/>
+              <a:t>We can thus use a </a:t>
+            </a:r>
+            <a:r>
               <a:rPr lang="en-US" sz="2400" dirty="0">
                 <a:solidFill>
                   <a:srgbClr val="FF0000"/>
                 </a:solidFill>
               </a:rPr>
-              <a:t>Confidence metric </a:t>
+              <a:t>combination of techniques </a:t>
             </a:r>
             <a:r>
               <a:rPr lang="en-US" sz="2400" dirty="0"/>
-              <a:t>is associated with every query that gauges the confidence on the answer</a:t>
+              <a:t>to relax queries.</a:t>
             </a:r>
           </a:p>
         </p:txBody>
@@ -19021,7 +20846,7 @@
     </p:spTree>
     <p:extLst>
       <p:ext uri="{BB962C8B-B14F-4D97-AF65-F5344CB8AC3E}">
-        <p14:creationId xmlns:p14="http://schemas.microsoft.com/office/powerpoint/2010/main" val="549097127"/>
+        <p14:creationId xmlns:p14="http://schemas.microsoft.com/office/powerpoint/2010/main" val="1733180353"/>
       </p:ext>
     </p:extLst>
   </p:cSld>
@@ -19050,6 +20875,145 @@
       </p:grpSpPr>
       <p:sp>
         <p:nvSpPr>
+          <p:cNvPr id="3" name="TextBox 2">
+            <a:extLst>
+              <a:ext uri="{FF2B5EF4-FFF2-40B4-BE49-F238E27FC236}">
+                <a16:creationId xmlns:a16="http://schemas.microsoft.com/office/drawing/2014/main" id="{1980B4EC-4697-4B4F-87E9-C0E68B2BB033}"/>
+              </a:ext>
+            </a:extLst>
+          </p:cNvPr>
+          <p:cNvSpPr txBox="1"/>
+          <p:nvPr/>
+        </p:nvSpPr>
+        <p:spPr>
+          <a:xfrm>
+            <a:off x="3838210" y="2519929"/>
+            <a:ext cx="4515579" cy="923330"/>
+          </a:xfrm>
+          <a:prstGeom prst="rect">
+            <a:avLst/>
+          </a:prstGeom>
+          <a:noFill/>
+        </p:spPr>
+        <p:txBody>
+          <a:bodyPr wrap="square" rtlCol="0">
+            <a:spAutoFit/>
+          </a:bodyPr>
+          <a:lstStyle/>
+          <a:p>
+            <a:pPr algn="ctr"/>
+            <a:r>
+              <a:rPr lang="en-US" sz="5400" dirty="0">
+                <a:ln w="0"/>
+              </a:rPr>
+              <a:t>Contributions</a:t>
+            </a:r>
+          </a:p>
+        </p:txBody>
+      </p:sp>
+      <p:cxnSp>
+        <p:nvCxnSpPr>
+          <p:cNvPr id="8" name="Straight Connector 7">
+            <a:extLst>
+              <a:ext uri="{FF2B5EF4-FFF2-40B4-BE49-F238E27FC236}">
+                <a16:creationId xmlns:a16="http://schemas.microsoft.com/office/drawing/2014/main" id="{1246DA07-DFD8-496C-BB69-FD95668F7C67}"/>
+              </a:ext>
+            </a:extLst>
+          </p:cNvPr>
+          <p:cNvCxnSpPr/>
+          <p:nvPr/>
+        </p:nvCxnSpPr>
+        <p:spPr>
+          <a:xfrm>
+            <a:off x="3670852" y="3429000"/>
+            <a:ext cx="4611756" cy="0"/>
+          </a:xfrm>
+          <a:prstGeom prst="line">
+            <a:avLst/>
+          </a:prstGeom>
+        </p:spPr>
+        <p:style>
+          <a:lnRef idx="1">
+            <a:schemeClr val="dk1"/>
+          </a:lnRef>
+          <a:fillRef idx="0">
+            <a:schemeClr val="dk1"/>
+          </a:fillRef>
+          <a:effectRef idx="0">
+            <a:schemeClr val="dk1"/>
+          </a:effectRef>
+          <a:fontRef idx="minor">
+            <a:schemeClr val="tx1"/>
+          </a:fontRef>
+        </p:style>
+      </p:cxnSp>
+      <p:sp>
+        <p:nvSpPr>
+          <p:cNvPr id="4" name="TextBox 3">
+            <a:extLst>
+              <a:ext uri="{FF2B5EF4-FFF2-40B4-BE49-F238E27FC236}">
+                <a16:creationId xmlns:a16="http://schemas.microsoft.com/office/drawing/2014/main" id="{6BFEE7AA-B53C-40A1-BA09-1E3192229B2B}"/>
+              </a:ext>
+            </a:extLst>
+          </p:cNvPr>
+          <p:cNvSpPr txBox="1"/>
+          <p:nvPr/>
+        </p:nvSpPr>
+        <p:spPr>
+          <a:xfrm>
+            <a:off x="4565372" y="3443259"/>
+            <a:ext cx="3061254" cy="461665"/>
+          </a:xfrm>
+          <a:prstGeom prst="rect">
+            <a:avLst/>
+          </a:prstGeom>
+          <a:noFill/>
+        </p:spPr>
+        <p:txBody>
+          <a:bodyPr wrap="square" rtlCol="0">
+            <a:spAutoFit/>
+          </a:bodyPr>
+          <a:lstStyle/>
+          <a:p>
+            <a:r>
+              <a:rPr lang="en-US" sz="2400" dirty="0"/>
+              <a:t>What did we achieve?</a:t>
+            </a:r>
+          </a:p>
+        </p:txBody>
+      </p:sp>
+    </p:spTree>
+    <p:extLst>
+      <p:ext uri="{BB962C8B-B14F-4D97-AF65-F5344CB8AC3E}">
+        <p14:creationId xmlns:p14="http://schemas.microsoft.com/office/powerpoint/2010/main" val="2616528620"/>
+      </p:ext>
+    </p:extLst>
+  </p:cSld>
+  <p:clrMapOvr>
+    <a:masterClrMapping/>
+  </p:clrMapOvr>
+</p:sld>
+</file>
+
+<file path=ppt/slides/slide53.xml><?xml version="1.0" encoding="utf-8"?>
+<p:sld xmlns:a="http://schemas.openxmlformats.org/drawingml/2006/main" xmlns:r="http://schemas.openxmlformats.org/officeDocument/2006/relationships" xmlns:p="http://schemas.openxmlformats.org/presentationml/2006/main">
+  <p:cSld>
+    <p:spTree>
+      <p:nvGrpSpPr>
+        <p:cNvPr id="1" name=""/>
+        <p:cNvGrpSpPr/>
+        <p:nvPr/>
+      </p:nvGrpSpPr>
+      <p:grpSpPr>
+        <a:xfrm>
+          <a:off x="0" y="0"/>
+          <a:ext cx="0" cy="0"/>
+          <a:chOff x="0" y="0"/>
+          <a:chExt cx="0" cy="0"/>
+        </a:xfrm>
+      </p:grpSpPr>
+      <p:sp>
+        <p:nvSpPr>
           <p:cNvPr id="5" name="Rectangle 4">
             <a:extLst>
               <a:ext uri="{FF2B5EF4-FFF2-40B4-BE49-F238E27FC236}">
@@ -19063,7 +21027,7 @@
         <p:spPr>
           <a:xfrm>
             <a:off x="390937" y="1644781"/>
-            <a:ext cx="11085446" cy="1569660"/>
+            <a:ext cx="11085446" cy="2308324"/>
           </a:xfrm>
           <a:prstGeom prst="rect">
             <a:avLst/>
@@ -19078,7 +21042,7 @@
             <a:pPr algn="just"/>
             <a:r>
               <a:rPr lang="en-US" sz="2400" b="1" dirty="0"/>
-              <a:t>5.    Justification for answers provided</a:t>
+              <a:t>1.    Generic Calculus Framework</a:t>
             </a:r>
           </a:p>
           <a:p>
@@ -19088,7 +21052,7 @@
             </a:pPr>
             <a:r>
               <a:rPr lang="en-US" sz="2400" dirty="0"/>
-              <a:t>Answers generated by the system are </a:t>
+              <a:t>Defines a calculus framework containing </a:t>
             </a:r>
             <a:r>
               <a:rPr lang="en-US" sz="2400" dirty="0">
@@ -19096,7 +21060,7 @@
                   <a:srgbClr val="FF0000"/>
                 </a:solidFill>
               </a:rPr>
-              <a:t>interpretable</a:t>
+              <a:t>generic predicates</a:t>
             </a:r>
           </a:p>
           <a:p>
@@ -19106,7 +21070,7 @@
             </a:pPr>
             <a:r>
               <a:rPr lang="en-US" sz="2400" dirty="0"/>
-              <a:t>A</a:t>
+              <a:t>Framework is </a:t>
             </a:r>
             <a:r>
               <a:rPr lang="en-US" sz="2400" dirty="0">
@@ -19114,11 +21078,11 @@
                   <a:srgbClr val="FF0000"/>
                 </a:solidFill>
               </a:rPr>
-              <a:t> justification tree</a:t>
+              <a:t>extendible </a:t>
             </a:r>
             <a:r>
               <a:rPr lang="en-US" sz="2400" dirty="0"/>
-              <a:t> help find the reasoning behind answer</a:t>
+              <a:t>to incorporate more predicates like cause, effect without much changes</a:t>
             </a:r>
           </a:p>
           <a:p>
@@ -19128,7 +21092,7 @@
             </a:pPr>
             <a:r>
               <a:rPr lang="en-US" sz="2400" dirty="0"/>
-              <a:t>Answers can have </a:t>
+              <a:t>Efficiently able to </a:t>
             </a:r>
             <a:r>
               <a:rPr lang="en-US" sz="2400" dirty="0">
@@ -19136,7 +21100,33 @@
                   <a:srgbClr val="FF0000"/>
                 </a:solidFill>
               </a:rPr>
-              <a:t>multiple justifications</a:t>
+              <a:t>represent most data points </a:t>
+            </a:r>
+            <a:r>
+              <a:rPr lang="en-US" sz="2400" dirty="0"/>
+              <a:t>mentioned in the passage</a:t>
+            </a:r>
+          </a:p>
+          <a:p>
+            <a:pPr marL="800100" lvl="1" indent="-342900" algn="just">
+              <a:buFont typeface="Arial" panose="020B0604020202020204" pitchFamily="34" charset="0"/>
+              <a:buChar char="•"/>
+            </a:pPr>
+            <a:r>
+              <a:rPr lang="en-US" sz="2400" dirty="0"/>
+              <a:t>Can integrate with </a:t>
+            </a:r>
+            <a:r>
+              <a:rPr lang="en-US" sz="2400" dirty="0">
+                <a:solidFill>
+                  <a:srgbClr val="FF0000"/>
+                </a:solidFill>
+              </a:rPr>
+              <a:t>custom patterns </a:t>
+            </a:r>
+            <a:r>
+              <a:rPr lang="en-US" sz="2400" dirty="0"/>
+              <a:t>like month, year predicate</a:t>
             </a:r>
           </a:p>
         </p:txBody>
@@ -19242,6 +21232,744 @@
         </p:nvSpPr>
         <p:spPr>
           <a:xfrm>
+            <a:off x="390937" y="4050051"/>
+            <a:ext cx="11085446" cy="2677656"/>
+          </a:xfrm>
+          <a:prstGeom prst="rect">
+            <a:avLst/>
+          </a:prstGeom>
+        </p:spPr>
+        <p:txBody>
+          <a:bodyPr wrap="square">
+            <a:spAutoFit/>
+          </a:bodyPr>
+          <a:lstStyle/>
+          <a:p>
+            <a:pPr algn="just"/>
+            <a:r>
+              <a:rPr lang="en-US" sz="2400" b="1" dirty="0"/>
+              <a:t>2.    Use of other Knowledge Sources</a:t>
+            </a:r>
+          </a:p>
+          <a:p>
+            <a:pPr marL="800100" lvl="1" indent="-342900" algn="just">
+              <a:buFont typeface="Arial" panose="020B0604020202020204" pitchFamily="34" charset="0"/>
+              <a:buChar char="•"/>
+            </a:pPr>
+            <a:r>
+              <a:rPr lang="en-US" sz="2400" dirty="0"/>
+              <a:t>Incorporates </a:t>
+            </a:r>
+            <a:r>
+              <a:rPr lang="en-US" sz="2400" dirty="0">
+                <a:solidFill>
+                  <a:srgbClr val="FF0000"/>
+                </a:solidFill>
+              </a:rPr>
+              <a:t>secondary knowledge sources </a:t>
+            </a:r>
+            <a:r>
+              <a:rPr lang="en-US" sz="2400" dirty="0"/>
+              <a:t>like WordNet</a:t>
+            </a:r>
+            <a:endParaRPr lang="en-US" sz="2400" dirty="0">
+              <a:solidFill>
+                <a:srgbClr val="FF0000"/>
+              </a:solidFill>
+            </a:endParaRPr>
+          </a:p>
+          <a:p>
+            <a:pPr marL="800100" lvl="1" indent="-342900" algn="just">
+              <a:buFont typeface="Arial" panose="020B0604020202020204" pitchFamily="34" charset="0"/>
+              <a:buChar char="•"/>
+            </a:pPr>
+            <a:r>
+              <a:rPr lang="en-US" sz="2400" dirty="0"/>
+              <a:t>Able to build a </a:t>
+            </a:r>
+            <a:r>
+              <a:rPr lang="en-US" sz="2400" dirty="0">
+                <a:solidFill>
+                  <a:srgbClr val="FF0000"/>
+                </a:solidFill>
+              </a:rPr>
+              <a:t>custom ontology </a:t>
+            </a:r>
+            <a:r>
+              <a:rPr lang="en-US" sz="2400" dirty="0"/>
+              <a:t>for the input passage</a:t>
+            </a:r>
+          </a:p>
+          <a:p>
+            <a:pPr marL="800100" lvl="1" indent="-342900" algn="just">
+              <a:buFont typeface="Arial" panose="020B0604020202020204" pitchFamily="34" charset="0"/>
+              <a:buChar char="•"/>
+            </a:pPr>
+            <a:r>
+              <a:rPr lang="en-US" sz="2400" dirty="0"/>
+              <a:t>Helps </a:t>
+            </a:r>
+            <a:r>
+              <a:rPr lang="en-US" sz="2400" dirty="0">
+                <a:solidFill>
+                  <a:srgbClr val="FF0000"/>
+                </a:solidFill>
+              </a:rPr>
+              <a:t>efficiently reason </a:t>
+            </a:r>
+            <a:r>
+              <a:rPr lang="en-US" sz="2400" dirty="0"/>
+              <a:t>about knowledge mimicking humans</a:t>
+            </a:r>
+          </a:p>
+          <a:p>
+            <a:pPr marL="800100" lvl="1" indent="-342900" algn="just">
+              <a:buFont typeface="Arial" panose="020B0604020202020204" pitchFamily="34" charset="0"/>
+              <a:buChar char="•"/>
+            </a:pPr>
+            <a:r>
+              <a:rPr lang="en-US" sz="2400" dirty="0"/>
+              <a:t>Ontology can be built in an </a:t>
+            </a:r>
+            <a:r>
+              <a:rPr lang="en-US" sz="2400" dirty="0">
+                <a:solidFill>
+                  <a:srgbClr val="FF0000"/>
+                </a:solidFill>
+              </a:rPr>
+              <a:t>incremental fashion</a:t>
+            </a:r>
+            <a:r>
+              <a:rPr lang="en-US" sz="2400" dirty="0"/>
+              <a:t> as well</a:t>
+            </a:r>
+          </a:p>
+          <a:p>
+            <a:pPr marL="800100" lvl="1" indent="-342900" algn="just">
+              <a:buFont typeface="Arial" panose="020B0604020202020204" pitchFamily="34" charset="0"/>
+              <a:buChar char="•"/>
+            </a:pPr>
+            <a:r>
+              <a:rPr lang="en-US" sz="2400" dirty="0"/>
+              <a:t>Use of SaSP helps in working with an </a:t>
+            </a:r>
+            <a:r>
+              <a:rPr lang="en-US" sz="2400" dirty="0">
+                <a:solidFill>
+                  <a:srgbClr val="FF0000"/>
+                </a:solidFill>
+              </a:rPr>
+              <a:t>unbounded domain</a:t>
+            </a:r>
+          </a:p>
+          <a:p>
+            <a:pPr marL="800100" lvl="1" indent="-342900" algn="just">
+              <a:buFont typeface="Arial" panose="020B0604020202020204" pitchFamily="34" charset="0"/>
+              <a:buChar char="•"/>
+            </a:pPr>
+            <a:r>
+              <a:rPr lang="en-US" sz="2400" dirty="0"/>
+              <a:t>Program </a:t>
+            </a:r>
+            <a:r>
+              <a:rPr lang="en-US" sz="2400" dirty="0">
+                <a:solidFill>
+                  <a:srgbClr val="FF0000"/>
+                </a:solidFill>
+              </a:rPr>
+              <a:t>does not need to be grounded</a:t>
+            </a:r>
+            <a:r>
+              <a:rPr lang="en-US" sz="2400" dirty="0"/>
+              <a:t> to calculate answer set like in CLASP</a:t>
+            </a:r>
+          </a:p>
+        </p:txBody>
+      </p:sp>
+    </p:spTree>
+    <p:extLst>
+      <p:ext uri="{BB962C8B-B14F-4D97-AF65-F5344CB8AC3E}">
+        <p14:creationId xmlns:p14="http://schemas.microsoft.com/office/powerpoint/2010/main" val="4027011598"/>
+      </p:ext>
+    </p:extLst>
+  </p:cSld>
+  <p:clrMapOvr>
+    <a:masterClrMapping/>
+  </p:clrMapOvr>
+</p:sld>
+</file>
+
+<file path=ppt/slides/slide54.xml><?xml version="1.0" encoding="utf-8"?>
+<p:sld xmlns:a="http://schemas.openxmlformats.org/drawingml/2006/main" xmlns:r="http://schemas.openxmlformats.org/officeDocument/2006/relationships" xmlns:p="http://schemas.openxmlformats.org/presentationml/2006/main">
+  <p:cSld>
+    <p:spTree>
+      <p:nvGrpSpPr>
+        <p:cNvPr id="1" name=""/>
+        <p:cNvGrpSpPr/>
+        <p:nvPr/>
+      </p:nvGrpSpPr>
+      <p:grpSpPr>
+        <a:xfrm>
+          <a:off x="0" y="0"/>
+          <a:ext cx="0" cy="0"/>
+          <a:chOff x="0" y="0"/>
+          <a:chExt cx="0" cy="0"/>
+        </a:xfrm>
+      </p:grpSpPr>
+      <p:sp>
+        <p:nvSpPr>
+          <p:cNvPr id="5" name="Rectangle 4">
+            <a:extLst>
+              <a:ext uri="{FF2B5EF4-FFF2-40B4-BE49-F238E27FC236}">
+                <a16:creationId xmlns:a16="http://schemas.microsoft.com/office/drawing/2014/main" id="{4FDB0B06-F270-4F00-8383-EB0ABF97EF01}"/>
+              </a:ext>
+            </a:extLst>
+          </p:cNvPr>
+          <p:cNvSpPr/>
+          <p:nvPr/>
+        </p:nvSpPr>
+        <p:spPr>
+          <a:xfrm>
+            <a:off x="443945" y="1803807"/>
+            <a:ext cx="11085446" cy="1938992"/>
+          </a:xfrm>
+          <a:prstGeom prst="rect">
+            <a:avLst/>
+          </a:prstGeom>
+        </p:spPr>
+        <p:txBody>
+          <a:bodyPr wrap="square">
+            <a:spAutoFit/>
+          </a:bodyPr>
+          <a:lstStyle/>
+          <a:p>
+            <a:pPr algn="just"/>
+            <a:r>
+              <a:rPr lang="en-US" sz="2400" b="1" dirty="0"/>
+              <a:t>3.    Preferential Pattern for WSD</a:t>
+            </a:r>
+          </a:p>
+          <a:p>
+            <a:pPr marL="800100" lvl="1" indent="-342900" algn="just">
+              <a:buFont typeface="Arial" panose="020B0604020202020204" pitchFamily="34" charset="0"/>
+              <a:buChar char="•"/>
+            </a:pPr>
+            <a:r>
+              <a:rPr lang="en-US" sz="2400" dirty="0"/>
+              <a:t>Defines a </a:t>
+            </a:r>
+            <a:r>
+              <a:rPr lang="en-US" sz="2400" dirty="0">
+                <a:solidFill>
+                  <a:srgbClr val="FF0000"/>
+                </a:solidFill>
+              </a:rPr>
+              <a:t>preferential pattern </a:t>
+            </a:r>
+            <a:r>
+              <a:rPr lang="en-US" sz="2400" dirty="0"/>
+              <a:t>that mimics humans</a:t>
+            </a:r>
+            <a:endParaRPr lang="en-US" sz="2400" dirty="0">
+              <a:solidFill>
+                <a:srgbClr val="FF0000"/>
+              </a:solidFill>
+            </a:endParaRPr>
+          </a:p>
+          <a:p>
+            <a:pPr marL="800100" lvl="1" indent="-342900" algn="just">
+              <a:buFont typeface="Arial" panose="020B0604020202020204" pitchFamily="34" charset="0"/>
+              <a:buChar char="•"/>
+            </a:pPr>
+            <a:r>
+              <a:rPr lang="en-US" sz="2400" dirty="0"/>
+              <a:t>Preferential pattern </a:t>
+            </a:r>
+            <a:r>
+              <a:rPr lang="en-US" sz="2400" dirty="0">
+                <a:solidFill>
+                  <a:srgbClr val="FF0000"/>
+                </a:solidFill>
+              </a:rPr>
+              <a:t>allows inputs</a:t>
+            </a:r>
+            <a:r>
+              <a:rPr lang="en-US" sz="2400" dirty="0"/>
+              <a:t> from external systems</a:t>
+            </a:r>
+          </a:p>
+          <a:p>
+            <a:pPr marL="800100" lvl="1" indent="-342900" algn="just">
+              <a:buFont typeface="Arial" panose="020B0604020202020204" pitchFamily="34" charset="0"/>
+              <a:buChar char="•"/>
+            </a:pPr>
+            <a:r>
+              <a:rPr lang="en-US" sz="2400" dirty="0"/>
+              <a:t>Can disambiguate in the </a:t>
+            </a:r>
+            <a:r>
+              <a:rPr lang="en-US" sz="2400" dirty="0">
+                <a:solidFill>
+                  <a:srgbClr val="FF0000"/>
+                </a:solidFill>
+              </a:rPr>
+              <a:t>absence of knowledge </a:t>
+            </a:r>
+            <a:r>
+              <a:rPr lang="en-US" sz="2400" dirty="0"/>
+              <a:t>from external sources</a:t>
+            </a:r>
+          </a:p>
+          <a:p>
+            <a:pPr marL="800100" lvl="1" indent="-342900" algn="just">
+              <a:buFont typeface="Arial" panose="020B0604020202020204" pitchFamily="34" charset="0"/>
+              <a:buChar char="•"/>
+            </a:pPr>
+            <a:r>
+              <a:rPr lang="en-US" sz="2400" dirty="0"/>
+              <a:t>Only parts of the ontology </a:t>
+            </a:r>
+            <a:r>
+              <a:rPr lang="en-US" sz="2400" dirty="0">
+                <a:solidFill>
+                  <a:srgbClr val="FF0000"/>
+                </a:solidFill>
+              </a:rPr>
+              <a:t>required to reason </a:t>
+            </a:r>
+            <a:r>
+              <a:rPr lang="en-US" sz="2400" dirty="0"/>
+              <a:t>are triggered</a:t>
+            </a:r>
+          </a:p>
+        </p:txBody>
+      </p:sp>
+      <p:sp>
+        <p:nvSpPr>
+          <p:cNvPr id="7" name="Rectangle 6">
+            <a:extLst>
+              <a:ext uri="{FF2B5EF4-FFF2-40B4-BE49-F238E27FC236}">
+                <a16:creationId xmlns:a16="http://schemas.microsoft.com/office/drawing/2014/main" id="{2B84BBFB-C1EC-478F-8E81-7685A0B691C6}"/>
+              </a:ext>
+            </a:extLst>
+          </p:cNvPr>
+          <p:cNvSpPr/>
+          <p:nvPr/>
+        </p:nvSpPr>
+        <p:spPr>
+          <a:xfrm>
+            <a:off x="0" y="0"/>
+            <a:ext cx="12192000" cy="1311965"/>
+          </a:xfrm>
+          <a:prstGeom prst="rect">
+            <a:avLst/>
+          </a:prstGeom>
+        </p:spPr>
+        <p:style>
+          <a:lnRef idx="2">
+            <a:schemeClr val="dk1">
+              <a:shade val="50000"/>
+            </a:schemeClr>
+          </a:lnRef>
+          <a:fillRef idx="1">
+            <a:schemeClr val="dk1"/>
+          </a:fillRef>
+          <a:effectRef idx="0">
+            <a:schemeClr val="dk1"/>
+          </a:effectRef>
+          <a:fontRef idx="minor">
+            <a:schemeClr val="lt1"/>
+          </a:fontRef>
+        </p:style>
+        <p:txBody>
+          <a:bodyPr rtlCol="0" anchor="ctr"/>
+          <a:lstStyle/>
+          <a:p>
+            <a:pPr algn="ctr"/>
+            <a:endParaRPr lang="en-US" dirty="0"/>
+          </a:p>
+        </p:txBody>
+      </p:sp>
+      <p:sp>
+        <p:nvSpPr>
+          <p:cNvPr id="9" name="TextBox 8">
+            <a:extLst>
+              <a:ext uri="{FF2B5EF4-FFF2-40B4-BE49-F238E27FC236}">
+                <a16:creationId xmlns:a16="http://schemas.microsoft.com/office/drawing/2014/main" id="{7F0CAA4B-E205-452A-A063-24223A8717CE}"/>
+              </a:ext>
+            </a:extLst>
+          </p:cNvPr>
+          <p:cNvSpPr txBox="1"/>
+          <p:nvPr/>
+        </p:nvSpPr>
+        <p:spPr>
+          <a:xfrm>
+            <a:off x="4541560" y="332816"/>
+            <a:ext cx="3108879" cy="646331"/>
+          </a:xfrm>
+          <a:prstGeom prst="rect">
+            <a:avLst/>
+          </a:prstGeom>
+          <a:noFill/>
+        </p:spPr>
+        <p:txBody>
+          <a:bodyPr wrap="square" rtlCol="0">
+            <a:spAutoFit/>
+          </a:bodyPr>
+          <a:lstStyle/>
+          <a:p>
+            <a:pPr algn="ctr"/>
+            <a:r>
+              <a:rPr lang="en-US" sz="3600" dirty="0">
+                <a:ln w="0"/>
+                <a:solidFill>
+                  <a:schemeClr val="bg1"/>
+                </a:solidFill>
+              </a:rPr>
+              <a:t>Contributions</a:t>
+            </a:r>
+          </a:p>
+        </p:txBody>
+      </p:sp>
+      <p:sp>
+        <p:nvSpPr>
+          <p:cNvPr id="10" name="Rectangle 9">
+            <a:extLst>
+              <a:ext uri="{FF2B5EF4-FFF2-40B4-BE49-F238E27FC236}">
+                <a16:creationId xmlns:a16="http://schemas.microsoft.com/office/drawing/2014/main" id="{55E81C5D-F5BE-420F-90B0-734922C9AE86}"/>
+              </a:ext>
+            </a:extLst>
+          </p:cNvPr>
+          <p:cNvSpPr/>
+          <p:nvPr/>
+        </p:nvSpPr>
+        <p:spPr>
+          <a:xfrm>
+            <a:off x="443945" y="3917529"/>
+            <a:ext cx="11085446" cy="2308324"/>
+          </a:xfrm>
+          <a:prstGeom prst="rect">
+            <a:avLst/>
+          </a:prstGeom>
+        </p:spPr>
+        <p:txBody>
+          <a:bodyPr wrap="square">
+            <a:spAutoFit/>
+          </a:bodyPr>
+          <a:lstStyle/>
+          <a:p>
+            <a:pPr algn="just"/>
+            <a:r>
+              <a:rPr lang="en-US" sz="2400" b="1" dirty="0"/>
+              <a:t>4.     Converts questions into ASP queries</a:t>
+            </a:r>
+          </a:p>
+          <a:p>
+            <a:pPr marL="800100" lvl="1" indent="-342900" algn="just">
+              <a:buFont typeface="Arial" panose="020B0604020202020204" pitchFamily="34" charset="0"/>
+              <a:buChar char="•"/>
+            </a:pPr>
+            <a:r>
+              <a:rPr lang="en-US" sz="2400" dirty="0"/>
+              <a:t>Proposed a method to </a:t>
+            </a:r>
+            <a:r>
+              <a:rPr lang="en-US" sz="2400" dirty="0">
+                <a:solidFill>
+                  <a:srgbClr val="FF0000"/>
+                </a:solidFill>
+              </a:rPr>
+              <a:t>convert questions into queries</a:t>
+            </a:r>
+          </a:p>
+          <a:p>
+            <a:pPr marL="800100" lvl="1" indent="-342900" algn="just">
+              <a:buFont typeface="Arial" panose="020B0604020202020204" pitchFamily="34" charset="0"/>
+              <a:buChar char="•"/>
+            </a:pPr>
+            <a:r>
+              <a:rPr lang="en-US" sz="2400" dirty="0"/>
+              <a:t>Queries are built in such a way that </a:t>
+            </a:r>
+            <a:r>
+              <a:rPr lang="en-US" sz="2400" dirty="0">
+                <a:solidFill>
+                  <a:srgbClr val="FF0000"/>
+                </a:solidFill>
+              </a:rPr>
+              <a:t>alternate solutions </a:t>
+            </a:r>
+            <a:r>
+              <a:rPr lang="en-US" sz="2400" dirty="0"/>
+              <a:t>are provided</a:t>
+            </a:r>
+          </a:p>
+          <a:p>
+            <a:pPr marL="800100" lvl="1" indent="-342900" algn="just">
+              <a:buFont typeface="Arial" panose="020B0604020202020204" pitchFamily="34" charset="0"/>
+              <a:buChar char="•"/>
+            </a:pPr>
+            <a:r>
+              <a:rPr lang="en-US" sz="2400" dirty="0"/>
+              <a:t>Constraints on </a:t>
+            </a:r>
+            <a:r>
+              <a:rPr lang="en-US" sz="2400" dirty="0">
+                <a:solidFill>
+                  <a:srgbClr val="FF0000"/>
+                </a:solidFill>
+              </a:rPr>
+              <a:t>queries are relaxed </a:t>
+            </a:r>
+            <a:r>
+              <a:rPr lang="en-US" sz="2400" dirty="0"/>
+              <a:t>to at least get some answer</a:t>
+            </a:r>
+          </a:p>
+          <a:p>
+            <a:pPr marL="800100" lvl="1" indent="-342900" algn="just">
+              <a:buFont typeface="Arial" panose="020B0604020202020204" pitchFamily="34" charset="0"/>
+              <a:buChar char="•"/>
+            </a:pPr>
+            <a:r>
+              <a:rPr lang="en-US" sz="2400" dirty="0">
+                <a:solidFill>
+                  <a:srgbClr val="FF0000"/>
+                </a:solidFill>
+              </a:rPr>
+              <a:t>Confidence metric </a:t>
+            </a:r>
+            <a:r>
+              <a:rPr lang="en-US" sz="2400" dirty="0"/>
+              <a:t>is associated with every query that gauges the confidence on the answer</a:t>
+            </a:r>
+          </a:p>
+        </p:txBody>
+      </p:sp>
+    </p:spTree>
+    <p:extLst>
+      <p:ext uri="{BB962C8B-B14F-4D97-AF65-F5344CB8AC3E}">
+        <p14:creationId xmlns:p14="http://schemas.microsoft.com/office/powerpoint/2010/main" val="549097127"/>
+      </p:ext>
+    </p:extLst>
+  </p:cSld>
+  <p:clrMapOvr>
+    <a:masterClrMapping/>
+  </p:clrMapOvr>
+</p:sld>
+</file>
+
+<file path=ppt/slides/slide55.xml><?xml version="1.0" encoding="utf-8"?>
+<p:sld xmlns:a="http://schemas.openxmlformats.org/drawingml/2006/main" xmlns:r="http://schemas.openxmlformats.org/officeDocument/2006/relationships" xmlns:p="http://schemas.openxmlformats.org/presentationml/2006/main">
+  <p:cSld>
+    <p:spTree>
+      <p:nvGrpSpPr>
+        <p:cNvPr id="1" name=""/>
+        <p:cNvGrpSpPr/>
+        <p:nvPr/>
+      </p:nvGrpSpPr>
+      <p:grpSpPr>
+        <a:xfrm>
+          <a:off x="0" y="0"/>
+          <a:ext cx="0" cy="0"/>
+          <a:chOff x="0" y="0"/>
+          <a:chExt cx="0" cy="0"/>
+        </a:xfrm>
+      </p:grpSpPr>
+      <p:sp>
+        <p:nvSpPr>
+          <p:cNvPr id="5" name="Rectangle 4">
+            <a:extLst>
+              <a:ext uri="{FF2B5EF4-FFF2-40B4-BE49-F238E27FC236}">
+                <a16:creationId xmlns:a16="http://schemas.microsoft.com/office/drawing/2014/main" id="{4FDB0B06-F270-4F00-8383-EB0ABF97EF01}"/>
+              </a:ext>
+            </a:extLst>
+          </p:cNvPr>
+          <p:cNvSpPr/>
+          <p:nvPr/>
+        </p:nvSpPr>
+        <p:spPr>
+          <a:xfrm>
+            <a:off x="390937" y="1644781"/>
+            <a:ext cx="11085446" cy="1569660"/>
+          </a:xfrm>
+          <a:prstGeom prst="rect">
+            <a:avLst/>
+          </a:prstGeom>
+        </p:spPr>
+        <p:txBody>
+          <a:bodyPr wrap="square">
+            <a:spAutoFit/>
+          </a:bodyPr>
+          <a:lstStyle/>
+          <a:p>
+            <a:pPr algn="just"/>
+            <a:r>
+              <a:rPr lang="en-US" sz="2400" b="1" dirty="0"/>
+              <a:t>5.    Justification for answers provided</a:t>
+            </a:r>
+          </a:p>
+          <a:p>
+            <a:pPr marL="800100" lvl="1" indent="-342900" algn="just">
+              <a:buFont typeface="Arial" panose="020B0604020202020204" pitchFamily="34" charset="0"/>
+              <a:buChar char="•"/>
+            </a:pPr>
+            <a:r>
+              <a:rPr lang="en-US" sz="2400" dirty="0"/>
+              <a:t>Answers generated by the system are </a:t>
+            </a:r>
+            <a:r>
+              <a:rPr lang="en-US" sz="2400" dirty="0">
+                <a:solidFill>
+                  <a:srgbClr val="FF0000"/>
+                </a:solidFill>
+              </a:rPr>
+              <a:t>interpretable</a:t>
+            </a:r>
+          </a:p>
+          <a:p>
+            <a:pPr marL="800100" lvl="1" indent="-342900" algn="just">
+              <a:buFont typeface="Arial" panose="020B0604020202020204" pitchFamily="34" charset="0"/>
+              <a:buChar char="•"/>
+            </a:pPr>
+            <a:r>
+              <a:rPr lang="en-US" sz="2400" dirty="0"/>
+              <a:t>A</a:t>
+            </a:r>
+            <a:r>
+              <a:rPr lang="en-US" sz="2400" dirty="0">
+                <a:solidFill>
+                  <a:srgbClr val="FF0000"/>
+                </a:solidFill>
+              </a:rPr>
+              <a:t> justification tree</a:t>
+            </a:r>
+            <a:r>
+              <a:rPr lang="en-US" sz="2400" dirty="0"/>
+              <a:t> help find the reasoning behind answer</a:t>
+            </a:r>
+          </a:p>
+          <a:p>
+            <a:pPr marL="800100" lvl="1" indent="-342900" algn="just">
+              <a:buFont typeface="Arial" panose="020B0604020202020204" pitchFamily="34" charset="0"/>
+              <a:buChar char="•"/>
+            </a:pPr>
+            <a:r>
+              <a:rPr lang="en-US" sz="2400" dirty="0"/>
+              <a:t>Answers can have </a:t>
+            </a:r>
+            <a:r>
+              <a:rPr lang="en-US" sz="2400" dirty="0">
+                <a:solidFill>
+                  <a:srgbClr val="FF0000"/>
+                </a:solidFill>
+              </a:rPr>
+              <a:t>multiple justifications</a:t>
+            </a:r>
+          </a:p>
+        </p:txBody>
+      </p:sp>
+      <p:sp>
+        <p:nvSpPr>
+          <p:cNvPr id="7" name="Rectangle 6">
+            <a:extLst>
+              <a:ext uri="{FF2B5EF4-FFF2-40B4-BE49-F238E27FC236}">
+                <a16:creationId xmlns:a16="http://schemas.microsoft.com/office/drawing/2014/main" id="{2B84BBFB-C1EC-478F-8E81-7685A0B691C6}"/>
+              </a:ext>
+            </a:extLst>
+          </p:cNvPr>
+          <p:cNvSpPr/>
+          <p:nvPr/>
+        </p:nvSpPr>
+        <p:spPr>
+          <a:xfrm>
+            <a:off x="0" y="0"/>
+            <a:ext cx="12192000" cy="1311965"/>
+          </a:xfrm>
+          <a:prstGeom prst="rect">
+            <a:avLst/>
+          </a:prstGeom>
+        </p:spPr>
+        <p:style>
+          <a:lnRef idx="2">
+            <a:schemeClr val="dk1">
+              <a:shade val="50000"/>
+            </a:schemeClr>
+          </a:lnRef>
+          <a:fillRef idx="1">
+            <a:schemeClr val="dk1"/>
+          </a:fillRef>
+          <a:effectRef idx="0">
+            <a:schemeClr val="dk1"/>
+          </a:effectRef>
+          <a:fontRef idx="minor">
+            <a:schemeClr val="lt1"/>
+          </a:fontRef>
+        </p:style>
+        <p:txBody>
+          <a:bodyPr rtlCol="0" anchor="ctr"/>
+          <a:lstStyle/>
+          <a:p>
+            <a:pPr algn="ctr"/>
+            <a:endParaRPr lang="en-US" dirty="0"/>
+          </a:p>
+        </p:txBody>
+      </p:sp>
+      <p:sp>
+        <p:nvSpPr>
+          <p:cNvPr id="9" name="TextBox 8">
+            <a:extLst>
+              <a:ext uri="{FF2B5EF4-FFF2-40B4-BE49-F238E27FC236}">
+                <a16:creationId xmlns:a16="http://schemas.microsoft.com/office/drawing/2014/main" id="{7F0CAA4B-E205-452A-A063-24223A8717CE}"/>
+              </a:ext>
+            </a:extLst>
+          </p:cNvPr>
+          <p:cNvSpPr txBox="1"/>
+          <p:nvPr/>
+        </p:nvSpPr>
+        <p:spPr>
+          <a:xfrm>
+            <a:off x="4541560" y="332816"/>
+            <a:ext cx="3108879" cy="646331"/>
+          </a:xfrm>
+          <a:prstGeom prst="rect">
+            <a:avLst/>
+          </a:prstGeom>
+          <a:noFill/>
+        </p:spPr>
+        <p:txBody>
+          <a:bodyPr wrap="square" rtlCol="0">
+            <a:spAutoFit/>
+          </a:bodyPr>
+          <a:lstStyle/>
+          <a:p>
+            <a:pPr algn="ctr"/>
+            <a:r>
+              <a:rPr lang="en-US" sz="3600" dirty="0">
+                <a:ln w="0"/>
+                <a:solidFill>
+                  <a:schemeClr val="bg1"/>
+                </a:solidFill>
+              </a:rPr>
+              <a:t>Contributions</a:t>
+            </a:r>
+          </a:p>
+        </p:txBody>
+      </p:sp>
+      <p:sp>
+        <p:nvSpPr>
+          <p:cNvPr id="10" name="Rectangle 9">
+            <a:extLst>
+              <a:ext uri="{FF2B5EF4-FFF2-40B4-BE49-F238E27FC236}">
+                <a16:creationId xmlns:a16="http://schemas.microsoft.com/office/drawing/2014/main" id="{55E81C5D-F5BE-420F-90B0-734922C9AE86}"/>
+              </a:ext>
+            </a:extLst>
+          </p:cNvPr>
+          <p:cNvSpPr/>
+          <p:nvPr/>
+        </p:nvSpPr>
+        <p:spPr>
+          <a:xfrm>
             <a:off x="390937" y="3378463"/>
             <a:ext cx="11085446" cy="1200329"/>
           </a:xfrm>
@@ -19392,7 +22120,7 @@
 </p:sld>
 </file>
 
-<file path=ppt/slides/slide53.xml><?xml version="1.0" encoding="utf-8"?>
+<file path=ppt/slides/slide56.xml><?xml version="1.0" encoding="utf-8"?>
 <p:sld xmlns:a="http://schemas.openxmlformats.org/drawingml/2006/main" xmlns:r="http://schemas.openxmlformats.org/officeDocument/2006/relationships" xmlns:p="http://schemas.openxmlformats.org/presentationml/2006/main">
   <p:cSld>
     <p:spTree>

--- a/Notes/ThesisPresentation.pptx
+++ b/Notes/ThesisPresentation.pptx
@@ -48,33 +48,37 @@
     <p:sldId id="325" r:id="rId42"/>
     <p:sldId id="326" r:id="rId43"/>
     <p:sldId id="327" r:id="rId44"/>
-    <p:sldId id="328" r:id="rId45"/>
-    <p:sldId id="329" r:id="rId46"/>
-    <p:sldId id="330" r:id="rId47"/>
-    <p:sldId id="331" r:id="rId48"/>
-    <p:sldId id="332" r:id="rId49"/>
-    <p:sldId id="333" r:id="rId50"/>
-    <p:sldId id="334" r:id="rId51"/>
-    <p:sldId id="335" r:id="rId52"/>
-    <p:sldId id="292" r:id="rId53"/>
-    <p:sldId id="299" r:id="rId54"/>
-    <p:sldId id="318" r:id="rId55"/>
-    <p:sldId id="319" r:id="rId56"/>
-    <p:sldId id="321" r:id="rId57"/>
-    <p:sldId id="280" r:id="rId58"/>
-    <p:sldId id="297" r:id="rId59"/>
-    <p:sldId id="300" r:id="rId60"/>
-    <p:sldId id="301" r:id="rId61"/>
-    <p:sldId id="293" r:id="rId62"/>
-    <p:sldId id="294" r:id="rId63"/>
-    <p:sldId id="295" r:id="rId64"/>
-    <p:sldId id="307" r:id="rId65"/>
-    <p:sldId id="296" r:id="rId66"/>
-    <p:sldId id="298" r:id="rId67"/>
-    <p:sldId id="302" r:id="rId68"/>
-    <p:sldId id="303" r:id="rId69"/>
-    <p:sldId id="304" r:id="rId70"/>
-    <p:sldId id="305" r:id="rId71"/>
+    <p:sldId id="337" r:id="rId45"/>
+    <p:sldId id="328" r:id="rId46"/>
+    <p:sldId id="338" r:id="rId47"/>
+    <p:sldId id="329" r:id="rId48"/>
+    <p:sldId id="339" r:id="rId49"/>
+    <p:sldId id="330" r:id="rId50"/>
+    <p:sldId id="331" r:id="rId51"/>
+    <p:sldId id="332" r:id="rId52"/>
+    <p:sldId id="333" r:id="rId53"/>
+    <p:sldId id="334" r:id="rId54"/>
+    <p:sldId id="335" r:id="rId55"/>
+    <p:sldId id="336" r:id="rId56"/>
+    <p:sldId id="292" r:id="rId57"/>
+    <p:sldId id="299" r:id="rId58"/>
+    <p:sldId id="318" r:id="rId59"/>
+    <p:sldId id="319" r:id="rId60"/>
+    <p:sldId id="321" r:id="rId61"/>
+    <p:sldId id="280" r:id="rId62"/>
+    <p:sldId id="297" r:id="rId63"/>
+    <p:sldId id="300" r:id="rId64"/>
+    <p:sldId id="301" r:id="rId65"/>
+    <p:sldId id="293" r:id="rId66"/>
+    <p:sldId id="294" r:id="rId67"/>
+    <p:sldId id="295" r:id="rId68"/>
+    <p:sldId id="307" r:id="rId69"/>
+    <p:sldId id="296" r:id="rId70"/>
+    <p:sldId id="298" r:id="rId71"/>
+    <p:sldId id="302" r:id="rId72"/>
+    <p:sldId id="303" r:id="rId73"/>
+    <p:sldId id="304" r:id="rId74"/>
+    <p:sldId id="305" r:id="rId75"/>
   </p:sldIdLst>
   <p:sldSz cx="12192000" cy="6858000"/>
   <p:notesSz cx="6858000" cy="9144000"/>
@@ -17021,6 +17025,481 @@
           </a:p>
         </p:txBody>
       </p:sp>
+      <p:sp>
+        <p:nvSpPr>
+          <p:cNvPr id="4" name="Rectangle 3">
+            <a:extLst>
+              <a:ext uri="{FF2B5EF4-FFF2-40B4-BE49-F238E27FC236}">
+                <a16:creationId xmlns:a16="http://schemas.microsoft.com/office/drawing/2014/main" id="{526407FB-C717-4D8E-95C6-2604BEABDC60}"/>
+              </a:ext>
+            </a:extLst>
+          </p:cNvPr>
+          <p:cNvSpPr/>
+          <p:nvPr/>
+        </p:nvSpPr>
+        <p:spPr>
+          <a:xfrm>
+            <a:off x="590376" y="1644781"/>
+            <a:ext cx="7609053" cy="461665"/>
+          </a:xfrm>
+          <a:prstGeom prst="rect">
+            <a:avLst/>
+          </a:prstGeom>
+        </p:spPr>
+        <p:txBody>
+          <a:bodyPr wrap="square">
+            <a:spAutoFit/>
+          </a:bodyPr>
+          <a:lstStyle/>
+          <a:p>
+            <a:pPr marL="342900" indent="-342900">
+              <a:spcAft>
+                <a:spcPts val="1200"/>
+              </a:spcAft>
+              <a:buFont typeface="Arial" panose="020B0604020202020204" pitchFamily="34" charset="0"/>
+              <a:buChar char="•"/>
+            </a:pPr>
+            <a:r>
+              <a:rPr lang="en-US" sz="2400" dirty="0">
+                <a:solidFill>
+                  <a:srgbClr val="000000"/>
+                </a:solidFill>
+              </a:rPr>
+              <a:t>Event predicate </a:t>
+            </a:r>
+            <a:r>
+              <a:rPr lang="en-US" sz="2400" dirty="0">
+                <a:solidFill>
+                  <a:srgbClr val="FF0000"/>
+                </a:solidFill>
+              </a:rPr>
+              <a:t>marks events</a:t>
+            </a:r>
+            <a:r>
+              <a:rPr lang="en-US" sz="2400" dirty="0">
+                <a:solidFill>
+                  <a:srgbClr val="000000"/>
+                </a:solidFill>
+              </a:rPr>
+              <a:t> that happen in a sentence</a:t>
+            </a:r>
+          </a:p>
+        </p:txBody>
+      </p:sp>
+      <p:sp>
+        <p:nvSpPr>
+          <p:cNvPr id="6" name="Rectangle 5">
+            <a:extLst>
+              <a:ext uri="{FF2B5EF4-FFF2-40B4-BE49-F238E27FC236}">
+                <a16:creationId xmlns:a16="http://schemas.microsoft.com/office/drawing/2014/main" id="{35377768-2209-422B-BF4A-D14C57F42613}"/>
+              </a:ext>
+            </a:extLst>
+          </p:cNvPr>
+          <p:cNvSpPr/>
+          <p:nvPr/>
+        </p:nvSpPr>
+        <p:spPr>
+          <a:xfrm>
+            <a:off x="590375" y="2114584"/>
+            <a:ext cx="7609053" cy="954107"/>
+          </a:xfrm>
+          <a:prstGeom prst="rect">
+            <a:avLst/>
+          </a:prstGeom>
+        </p:spPr>
+        <p:txBody>
+          <a:bodyPr wrap="square">
+            <a:spAutoFit/>
+          </a:bodyPr>
+          <a:lstStyle/>
+          <a:p>
+            <a:pPr marL="342900" indent="-342900">
+              <a:spcAft>
+                <a:spcPts val="1200"/>
+              </a:spcAft>
+              <a:buFont typeface="Arial" panose="020B0604020202020204" pitchFamily="34" charset="0"/>
+              <a:buChar char="•"/>
+            </a:pPr>
+            <a:r>
+              <a:rPr lang="en-US" sz="2400" i="1" dirty="0">
+                <a:solidFill>
+                  <a:srgbClr val="000000"/>
+                </a:solidFill>
+              </a:rPr>
+              <a:t>Predicate Signature</a:t>
+            </a:r>
+          </a:p>
+          <a:p>
+            <a:pPr>
+              <a:spcAft>
+                <a:spcPts val="1200"/>
+              </a:spcAft>
+            </a:pPr>
+            <a:r>
+              <a:rPr lang="en-US" sz="2000" i="1" dirty="0"/>
+              <a:t>	</a:t>
+            </a:r>
+            <a:r>
+              <a:rPr lang="en-US" sz="2200" i="1" dirty="0">
+                <a:solidFill>
+                  <a:schemeClr val="accent1">
+                    <a:lumMod val="50000"/>
+                  </a:schemeClr>
+                </a:solidFill>
+              </a:rPr>
+              <a:t>event </a:t>
+            </a:r>
+            <a:r>
+              <a:rPr lang="en-US" sz="2200" dirty="0">
+                <a:solidFill>
+                  <a:schemeClr val="accent1">
+                    <a:lumMod val="50000"/>
+                  </a:schemeClr>
+                </a:solidFill>
+              </a:rPr>
+              <a:t>(</a:t>
+            </a:r>
+            <a:r>
+              <a:rPr lang="en-US" sz="2200" i="1" dirty="0">
+                <a:solidFill>
+                  <a:schemeClr val="accent1">
+                    <a:lumMod val="50000"/>
+                  </a:schemeClr>
+                </a:solidFill>
+              </a:rPr>
+              <a:t>event_id</a:t>
+            </a:r>
+            <a:r>
+              <a:rPr lang="en-US" sz="2200" dirty="0">
+                <a:solidFill>
+                  <a:schemeClr val="accent1">
+                    <a:lumMod val="50000"/>
+                  </a:schemeClr>
+                </a:solidFill>
+              </a:rPr>
+              <a:t>, </a:t>
+            </a:r>
+            <a:r>
+              <a:rPr lang="en-US" sz="2200" i="1" dirty="0">
+                <a:solidFill>
+                  <a:schemeClr val="accent1">
+                    <a:lumMod val="50000"/>
+                  </a:schemeClr>
+                </a:solidFill>
+              </a:rPr>
+              <a:t>trigger_verb</a:t>
+            </a:r>
+            <a:r>
+              <a:rPr lang="en-US" sz="2200" dirty="0">
+                <a:solidFill>
+                  <a:schemeClr val="accent1">
+                    <a:lumMod val="50000"/>
+                  </a:schemeClr>
+                </a:solidFill>
+              </a:rPr>
+              <a:t>, </a:t>
+            </a:r>
+            <a:r>
+              <a:rPr lang="en-US" sz="2200" i="1" dirty="0">
+                <a:solidFill>
+                  <a:schemeClr val="accent1">
+                    <a:lumMod val="50000"/>
+                  </a:schemeClr>
+                </a:solidFill>
+              </a:rPr>
+              <a:t>actor</a:t>
+            </a:r>
+            <a:r>
+              <a:rPr lang="en-US" sz="2200" dirty="0">
+                <a:solidFill>
+                  <a:schemeClr val="accent1">
+                    <a:lumMod val="50000"/>
+                  </a:schemeClr>
+                </a:solidFill>
+              </a:rPr>
+              <a:t>, </a:t>
+            </a:r>
+            <a:r>
+              <a:rPr lang="en-US" sz="2200" i="1" dirty="0">
+                <a:solidFill>
+                  <a:schemeClr val="accent1">
+                    <a:lumMod val="50000"/>
+                  </a:schemeClr>
+                </a:solidFill>
+              </a:rPr>
+              <a:t>participant</a:t>
+            </a:r>
+            <a:r>
+              <a:rPr lang="en-US" sz="2200" dirty="0">
+                <a:solidFill>
+                  <a:schemeClr val="accent1">
+                    <a:lumMod val="50000"/>
+                  </a:schemeClr>
+                </a:solidFill>
+              </a:rPr>
+              <a:t>) </a:t>
+            </a:r>
+            <a:endParaRPr lang="en-US" sz="2200" i="1" dirty="0">
+              <a:solidFill>
+                <a:schemeClr val="accent1">
+                  <a:lumMod val="50000"/>
+                </a:schemeClr>
+              </a:solidFill>
+            </a:endParaRPr>
+          </a:p>
+        </p:txBody>
+      </p:sp>
+      <p:sp>
+        <p:nvSpPr>
+          <p:cNvPr id="2" name="Rectangle 1">
+            <a:extLst>
+              <a:ext uri="{FF2B5EF4-FFF2-40B4-BE49-F238E27FC236}">
+                <a16:creationId xmlns:a16="http://schemas.microsoft.com/office/drawing/2014/main" id="{0F2A7077-E589-4BA5-AC71-C9B5FC042FA3}"/>
+              </a:ext>
+            </a:extLst>
+          </p:cNvPr>
+          <p:cNvSpPr/>
+          <p:nvPr/>
+        </p:nvSpPr>
+        <p:spPr>
+          <a:xfrm>
+            <a:off x="848138" y="3336234"/>
+            <a:ext cx="10548731" cy="3139321"/>
+          </a:xfrm>
+          <a:prstGeom prst="rect">
+            <a:avLst/>
+          </a:prstGeom>
+        </p:spPr>
+        <p:txBody>
+          <a:bodyPr wrap="square">
+            <a:spAutoFit/>
+          </a:bodyPr>
+          <a:lstStyle/>
+          <a:p>
+            <a:r>
+              <a:rPr lang="en-US" sz="2200" i="1" dirty="0">
+                <a:solidFill>
+                  <a:srgbClr val="000000"/>
+                </a:solidFill>
+                <a:latin typeface="Times New Roman" panose="02020603050405020304" pitchFamily="18" charset="0"/>
+              </a:rPr>
+              <a:t>Example: </a:t>
+            </a:r>
+            <a:r>
+              <a:rPr lang="en-US" sz="2200" dirty="0">
+                <a:solidFill>
+                  <a:srgbClr val="000000"/>
+                </a:solidFill>
+                <a:latin typeface="Times New Roman" panose="02020603050405020304" pitchFamily="18" charset="0"/>
+              </a:rPr>
+              <a:t>“The </a:t>
+            </a:r>
+            <a:r>
+              <a:rPr lang="en-US" sz="2200" dirty="0" err="1">
+                <a:solidFill>
+                  <a:srgbClr val="000000"/>
+                </a:solidFill>
+                <a:latin typeface="Times New Roman" panose="02020603050405020304" pitchFamily="18" charset="0"/>
+              </a:rPr>
+              <a:t>American_Football_Conference's</a:t>
+            </a:r>
+            <a:r>
+              <a:rPr lang="en-US" sz="2200" dirty="0">
+                <a:solidFill>
+                  <a:srgbClr val="000000"/>
+                </a:solidFill>
+                <a:latin typeface="Times New Roman" panose="02020603050405020304" pitchFamily="18" charset="0"/>
+              </a:rPr>
+              <a:t> (AFC) champion team, </a:t>
+            </a:r>
+            <a:r>
+              <a:rPr lang="en-US" sz="2200" dirty="0" err="1">
+                <a:solidFill>
+                  <a:srgbClr val="000000"/>
+                </a:solidFill>
+                <a:latin typeface="Times New Roman" panose="02020603050405020304" pitchFamily="18" charset="0"/>
+              </a:rPr>
+              <a:t>Denver_Broncos</a:t>
+            </a:r>
+            <a:r>
+              <a:rPr lang="en-US" sz="2200" dirty="0">
+                <a:solidFill>
+                  <a:srgbClr val="000000"/>
+                </a:solidFill>
+                <a:latin typeface="Times New Roman" panose="02020603050405020304" pitchFamily="18" charset="0"/>
+              </a:rPr>
+              <a:t>, </a:t>
+            </a:r>
+            <a:r>
+              <a:rPr lang="en-US" sz="2200" dirty="0">
+                <a:solidFill>
+                  <a:srgbClr val="FF0000"/>
+                </a:solidFill>
+                <a:latin typeface="Times New Roman" panose="02020603050405020304" pitchFamily="18" charset="0"/>
+              </a:rPr>
+              <a:t>defeated</a:t>
+            </a:r>
+            <a:r>
+              <a:rPr lang="en-US" sz="2200" dirty="0">
+                <a:solidFill>
+                  <a:srgbClr val="000000"/>
+                </a:solidFill>
+                <a:latin typeface="Times New Roman" panose="02020603050405020304" pitchFamily="18" charset="0"/>
+              </a:rPr>
+              <a:t> the </a:t>
+            </a:r>
+            <a:r>
+              <a:rPr lang="en-US" sz="2200" dirty="0" err="1">
+                <a:solidFill>
+                  <a:srgbClr val="000000"/>
+                </a:solidFill>
+                <a:latin typeface="Times New Roman" panose="02020603050405020304" pitchFamily="18" charset="0"/>
+              </a:rPr>
+              <a:t>National_Football_Conference's</a:t>
+            </a:r>
+            <a:r>
+              <a:rPr lang="en-US" sz="2200" dirty="0">
+                <a:solidFill>
+                  <a:srgbClr val="000000"/>
+                </a:solidFill>
+                <a:latin typeface="Times New Roman" panose="02020603050405020304" pitchFamily="18" charset="0"/>
+              </a:rPr>
+              <a:t> (NFC) champion team, </a:t>
+            </a:r>
+            <a:r>
+              <a:rPr lang="en-US" sz="2200" dirty="0" err="1">
+                <a:solidFill>
+                  <a:srgbClr val="000000"/>
+                </a:solidFill>
+                <a:latin typeface="Times New Roman" panose="02020603050405020304" pitchFamily="18" charset="0"/>
+              </a:rPr>
+              <a:t>Carolina_Panthers</a:t>
+            </a:r>
+            <a:r>
+              <a:rPr lang="en-US" sz="2200" dirty="0">
+                <a:solidFill>
+                  <a:srgbClr val="000000"/>
+                </a:solidFill>
+                <a:latin typeface="Times New Roman" panose="02020603050405020304" pitchFamily="18" charset="0"/>
+              </a:rPr>
+              <a:t>, by 24_10 to </a:t>
+            </a:r>
+            <a:r>
+              <a:rPr lang="en-US" sz="2200" dirty="0">
+                <a:solidFill>
+                  <a:srgbClr val="FF0000"/>
+                </a:solidFill>
+                <a:latin typeface="Times New Roman" panose="02020603050405020304" pitchFamily="18" charset="0"/>
+              </a:rPr>
+              <a:t>earn</a:t>
+            </a:r>
+            <a:r>
+              <a:rPr lang="en-US" sz="2200" dirty="0">
+                <a:solidFill>
+                  <a:srgbClr val="000000"/>
+                </a:solidFill>
+                <a:latin typeface="Times New Roman" panose="02020603050405020304" pitchFamily="18" charset="0"/>
+              </a:rPr>
+              <a:t> AFC’s third </a:t>
+            </a:r>
+            <a:r>
+              <a:rPr lang="en-US" sz="2200" dirty="0" err="1">
+                <a:solidFill>
+                  <a:srgbClr val="000000"/>
+                </a:solidFill>
+                <a:latin typeface="Times New Roman" panose="02020603050405020304" pitchFamily="18" charset="0"/>
+              </a:rPr>
+              <a:t>Super_Bowl</a:t>
+            </a:r>
+            <a:r>
+              <a:rPr lang="en-US" sz="2200" dirty="0">
+                <a:solidFill>
+                  <a:srgbClr val="000000"/>
+                </a:solidFill>
+                <a:latin typeface="Times New Roman" panose="02020603050405020304" pitchFamily="18" charset="0"/>
+              </a:rPr>
+              <a:t> title” </a:t>
+            </a:r>
+          </a:p>
+          <a:p>
+            <a:endParaRPr lang="en-US" sz="2200" dirty="0">
+              <a:solidFill>
+                <a:srgbClr val="000000"/>
+              </a:solidFill>
+              <a:latin typeface="Times New Roman" panose="02020603050405020304" pitchFamily="18" charset="0"/>
+            </a:endParaRPr>
+          </a:p>
+          <a:p>
+            <a:r>
+              <a:rPr lang="en-US" sz="2200" i="1" dirty="0">
+                <a:solidFill>
+                  <a:srgbClr val="000000"/>
+                </a:solidFill>
+                <a:latin typeface="Times New Roman" panose="02020603050405020304" pitchFamily="18" charset="0"/>
+              </a:rPr>
+              <a:t>event (1, defeat, denver_broncos, carolina_panthers) </a:t>
+            </a:r>
+            <a:endParaRPr lang="en-US" sz="2200" dirty="0">
+              <a:solidFill>
+                <a:srgbClr val="000000"/>
+              </a:solidFill>
+              <a:latin typeface="Times New Roman" panose="02020603050405020304" pitchFamily="18" charset="0"/>
+            </a:endParaRPr>
+          </a:p>
+          <a:p>
+            <a:r>
+              <a:rPr lang="en-US" sz="2200" i="1" dirty="0">
+                <a:solidFill>
+                  <a:schemeClr val="accent1">
+                    <a:lumMod val="50000"/>
+                  </a:schemeClr>
+                </a:solidFill>
+                <a:latin typeface="Times New Roman" panose="02020603050405020304" pitchFamily="18" charset="0"/>
+              </a:rPr>
+              <a:t>[denver_broncos defeated carolina_panthers]</a:t>
+            </a:r>
+          </a:p>
+          <a:p>
+            <a:endParaRPr lang="en-US" sz="2200" i="1" dirty="0">
+              <a:solidFill>
+                <a:srgbClr val="000000"/>
+              </a:solidFill>
+              <a:latin typeface="Times New Roman" panose="02020603050405020304" pitchFamily="18" charset="0"/>
+            </a:endParaRPr>
+          </a:p>
+          <a:p>
+            <a:r>
+              <a:rPr lang="en-US" sz="2200" i="1" dirty="0">
+                <a:solidFill>
+                  <a:srgbClr val="000000"/>
+                </a:solidFill>
+                <a:latin typeface="Times New Roman" panose="02020603050405020304" pitchFamily="18" charset="0"/>
+              </a:rPr>
+              <a:t>event (2, earn, afc, title) </a:t>
+            </a:r>
+          </a:p>
+          <a:p>
+            <a:r>
+              <a:rPr lang="en-US" sz="2200" i="1" dirty="0">
+                <a:solidFill>
+                  <a:schemeClr val="accent1">
+                    <a:lumMod val="50000"/>
+                  </a:schemeClr>
+                </a:solidFill>
+                <a:latin typeface="Times New Roman" panose="02020603050405020304" pitchFamily="18" charset="0"/>
+              </a:rPr>
+              <a:t>[afc earned title]</a:t>
+            </a:r>
+            <a:endParaRPr lang="en-US" sz="2200" i="1" dirty="0">
+              <a:solidFill>
+                <a:schemeClr val="accent1">
+                  <a:lumMod val="50000"/>
+                </a:schemeClr>
+              </a:solidFill>
+            </a:endParaRPr>
+          </a:p>
+        </p:txBody>
+      </p:sp>
     </p:spTree>
     <p:extLst>
       <p:ext uri="{BB962C8B-B14F-4D97-AF65-F5344CB8AC3E}">
@@ -17132,15 +17611,446 @@
                   <a:schemeClr val="bg1"/>
                 </a:solidFill>
               </a:rPr>
-              <a:t>Property Predicate</a:t>
-            </a:r>
+              <a:t>Event Predicate</a:t>
+            </a:r>
+          </a:p>
+        </p:txBody>
+      </p:sp>
+      <p:sp>
+        <p:nvSpPr>
+          <p:cNvPr id="6" name="Rectangle 5">
+            <a:extLst>
+              <a:ext uri="{FF2B5EF4-FFF2-40B4-BE49-F238E27FC236}">
+                <a16:creationId xmlns:a16="http://schemas.microsoft.com/office/drawing/2014/main" id="{35377768-2209-422B-BF4A-D14C57F42613}"/>
+              </a:ext>
+            </a:extLst>
+          </p:cNvPr>
+          <p:cNvSpPr/>
+          <p:nvPr/>
+        </p:nvSpPr>
+        <p:spPr>
+          <a:xfrm>
+            <a:off x="590374" y="1644781"/>
+            <a:ext cx="11482355" cy="3508653"/>
+          </a:xfrm>
+          <a:prstGeom prst="rect">
+            <a:avLst/>
+          </a:prstGeom>
+        </p:spPr>
+        <p:txBody>
+          <a:bodyPr wrap="square">
+            <a:spAutoFit/>
+          </a:bodyPr>
+          <a:lstStyle/>
+          <a:p>
+            <a:pPr marL="342900" indent="-342900">
+              <a:spcAft>
+                <a:spcPts val="1200"/>
+              </a:spcAft>
+              <a:buFont typeface="Arial" panose="020B0604020202020204" pitchFamily="34" charset="0"/>
+              <a:buChar char="•"/>
+            </a:pPr>
+            <a:r>
+              <a:rPr lang="en-US" sz="2400" dirty="0"/>
+              <a:t>Signature : </a:t>
+            </a:r>
+            <a:r>
+              <a:rPr lang="en-US" sz="2400" i="1" dirty="0">
+                <a:solidFill>
+                  <a:schemeClr val="accent1">
+                    <a:lumMod val="50000"/>
+                  </a:schemeClr>
+                </a:solidFill>
+              </a:rPr>
+              <a:t>event </a:t>
+            </a:r>
+            <a:r>
+              <a:rPr lang="en-US" sz="2400" dirty="0">
+                <a:solidFill>
+                  <a:schemeClr val="accent1">
+                    <a:lumMod val="50000"/>
+                  </a:schemeClr>
+                </a:solidFill>
+              </a:rPr>
+              <a:t>(</a:t>
+            </a:r>
+            <a:r>
+              <a:rPr lang="en-US" sz="2400" i="1" dirty="0">
+                <a:solidFill>
+                  <a:schemeClr val="accent1">
+                    <a:lumMod val="50000"/>
+                  </a:schemeClr>
+                </a:solidFill>
+              </a:rPr>
+              <a:t>event_id</a:t>
+            </a:r>
+            <a:r>
+              <a:rPr lang="en-US" sz="2400" dirty="0">
+                <a:solidFill>
+                  <a:schemeClr val="accent1">
+                    <a:lumMod val="50000"/>
+                  </a:schemeClr>
+                </a:solidFill>
+              </a:rPr>
+              <a:t>, </a:t>
+            </a:r>
+            <a:r>
+              <a:rPr lang="en-US" sz="2400" i="1" dirty="0">
+                <a:solidFill>
+                  <a:schemeClr val="accent1">
+                    <a:lumMod val="50000"/>
+                  </a:schemeClr>
+                </a:solidFill>
+              </a:rPr>
+              <a:t>trigger_verb</a:t>
+            </a:r>
+            <a:r>
+              <a:rPr lang="en-US" sz="2400" dirty="0">
+                <a:solidFill>
+                  <a:schemeClr val="accent1">
+                    <a:lumMod val="50000"/>
+                  </a:schemeClr>
+                </a:solidFill>
+              </a:rPr>
+              <a:t>, </a:t>
+            </a:r>
+            <a:r>
+              <a:rPr lang="en-US" sz="2400" i="1" dirty="0">
+                <a:solidFill>
+                  <a:schemeClr val="accent1">
+                    <a:lumMod val="50000"/>
+                  </a:schemeClr>
+                </a:solidFill>
+              </a:rPr>
+              <a:t>actor</a:t>
+            </a:r>
+            <a:r>
+              <a:rPr lang="en-US" sz="2400" dirty="0">
+                <a:solidFill>
+                  <a:schemeClr val="accent1">
+                    <a:lumMod val="50000"/>
+                  </a:schemeClr>
+                </a:solidFill>
+              </a:rPr>
+              <a:t>, </a:t>
+            </a:r>
+            <a:r>
+              <a:rPr lang="en-US" sz="2400" i="1" dirty="0">
+                <a:solidFill>
+                  <a:schemeClr val="accent1">
+                    <a:lumMod val="50000"/>
+                  </a:schemeClr>
+                </a:solidFill>
+              </a:rPr>
+              <a:t>participant</a:t>
+            </a:r>
+            <a:r>
+              <a:rPr lang="en-US" sz="2400" dirty="0">
+                <a:solidFill>
+                  <a:schemeClr val="accent1">
+                    <a:lumMod val="50000"/>
+                  </a:schemeClr>
+                </a:solidFill>
+              </a:rPr>
+              <a:t>) </a:t>
+            </a:r>
+          </a:p>
+          <a:p>
+            <a:pPr marL="342900" indent="-342900">
+              <a:spcAft>
+                <a:spcPts val="1200"/>
+              </a:spcAft>
+              <a:buFont typeface="Arial" panose="020B0604020202020204" pitchFamily="34" charset="0"/>
+              <a:buChar char="•"/>
+            </a:pPr>
+            <a:r>
+              <a:rPr lang="en-US" sz="2400" dirty="0"/>
+              <a:t>Terms in predicate</a:t>
+            </a:r>
+            <a:r>
+              <a:rPr lang="en-US" sz="2000" i="1" dirty="0"/>
+              <a:t>	</a:t>
+            </a:r>
+          </a:p>
+          <a:p>
+            <a:pPr marL="914400" lvl="1" indent="-457200">
+              <a:buAutoNum type="arabicPeriod"/>
+            </a:pPr>
+            <a:r>
+              <a:rPr lang="en-US" sz="2200" i="1" dirty="0">
+                <a:solidFill>
+                  <a:srgbClr val="000000"/>
+                </a:solidFill>
+              </a:rPr>
+              <a:t>event_id 	: Integer that </a:t>
+            </a:r>
+            <a:r>
+              <a:rPr lang="en-US" sz="2200" i="1" dirty="0">
+                <a:solidFill>
+                  <a:srgbClr val="FF0000"/>
+                </a:solidFill>
+              </a:rPr>
+              <a:t>uniquely identifies events </a:t>
+            </a:r>
+            <a:r>
+              <a:rPr lang="en-US" sz="2200" i="1" dirty="0">
+                <a:solidFill>
+                  <a:srgbClr val="000000"/>
+                </a:solidFill>
+              </a:rPr>
+              <a:t>in a sentence or paragraph</a:t>
+            </a:r>
+          </a:p>
+          <a:p>
+            <a:pPr lvl="2"/>
+            <a:r>
+              <a:rPr lang="en-US" sz="2200" i="1" dirty="0">
+                <a:solidFill>
+                  <a:srgbClr val="000000"/>
+                </a:solidFill>
+              </a:rPr>
+              <a:t>	      	  Used create event regions and differentiate between properties of events</a:t>
+            </a:r>
+          </a:p>
+          <a:p>
+            <a:pPr marL="914400" lvl="1" indent="-457200">
+              <a:buAutoNum type="arabicPeriod"/>
+            </a:pPr>
+            <a:r>
+              <a:rPr lang="en-US" sz="2200" i="1" dirty="0">
+                <a:solidFill>
+                  <a:srgbClr val="000000"/>
+                </a:solidFill>
+              </a:rPr>
+              <a:t>trigger_verb 	: Represents the </a:t>
+            </a:r>
+            <a:r>
+              <a:rPr lang="en-US" sz="2200" i="1" dirty="0">
+                <a:solidFill>
+                  <a:srgbClr val="FF0000"/>
+                </a:solidFill>
+              </a:rPr>
+              <a:t>lemma</a:t>
+            </a:r>
+            <a:r>
+              <a:rPr lang="en-US" sz="2200" i="1" dirty="0">
+                <a:solidFill>
+                  <a:srgbClr val="000000"/>
+                </a:solidFill>
+              </a:rPr>
+              <a:t> of the trigger word</a:t>
+            </a:r>
+          </a:p>
+          <a:p>
+            <a:pPr marL="914400" lvl="1" indent="-457200">
+              <a:buAutoNum type="arabicPeriod"/>
+            </a:pPr>
+            <a:r>
+              <a:rPr lang="en-US" sz="2200" i="1" dirty="0">
+                <a:solidFill>
+                  <a:srgbClr val="000000"/>
+                </a:solidFill>
+              </a:rPr>
+              <a:t>actor		: </a:t>
+            </a:r>
+            <a:r>
+              <a:rPr lang="en-US" sz="2200" i="1" dirty="0">
+                <a:solidFill>
+                  <a:srgbClr val="FF0000"/>
+                </a:solidFill>
+              </a:rPr>
+              <a:t>Subjects</a:t>
+            </a:r>
+            <a:r>
+              <a:rPr lang="en-US" sz="2200" i="1" dirty="0">
+                <a:solidFill>
+                  <a:srgbClr val="000000"/>
+                </a:solidFill>
+              </a:rPr>
+              <a:t> found to the trigger_verb. (default: null)</a:t>
+            </a:r>
+          </a:p>
+          <a:p>
+            <a:pPr lvl="6"/>
+            <a:r>
+              <a:rPr lang="en-US" sz="2200" i="1" dirty="0">
+                <a:solidFill>
+                  <a:srgbClr val="000000"/>
+                </a:solidFill>
+              </a:rPr>
+              <a:t> Subjects can be found using dependencies like </a:t>
+            </a:r>
+            <a:r>
+              <a:rPr lang="en-US" sz="2200" i="1" dirty="0">
+                <a:solidFill>
+                  <a:srgbClr val="C00000"/>
+                </a:solidFill>
+              </a:rPr>
+              <a:t>nsubj</a:t>
+            </a:r>
+            <a:r>
+              <a:rPr lang="en-US" sz="2200" i="1" dirty="0">
+                <a:solidFill>
+                  <a:srgbClr val="000000"/>
+                </a:solidFill>
+              </a:rPr>
+              <a:t>, </a:t>
+            </a:r>
+            <a:r>
+              <a:rPr lang="en-US" sz="2200" i="1" dirty="0">
+                <a:solidFill>
+                  <a:srgbClr val="C00000"/>
+                </a:solidFill>
+              </a:rPr>
+              <a:t>nsubj:xsubj</a:t>
+            </a:r>
+          </a:p>
+          <a:p>
+            <a:pPr marL="914400" lvl="1" indent="-457200">
+              <a:spcAft>
+                <a:spcPts val="1200"/>
+              </a:spcAft>
+              <a:buAutoNum type="arabicPeriod"/>
+            </a:pPr>
+            <a:r>
+              <a:rPr lang="en-US" sz="2200" i="1" dirty="0">
+                <a:solidFill>
+                  <a:srgbClr val="000000"/>
+                </a:solidFill>
+              </a:rPr>
+              <a:t>participant  	: Can be obtained from the </a:t>
+            </a:r>
+            <a:r>
+              <a:rPr lang="en-US" sz="2200" i="1" dirty="0">
+                <a:solidFill>
+                  <a:srgbClr val="C00000"/>
+                </a:solidFill>
+              </a:rPr>
+              <a:t>dobj</a:t>
+            </a:r>
+            <a:r>
+              <a:rPr lang="en-US" sz="2200" i="1" dirty="0">
+                <a:solidFill>
+                  <a:srgbClr val="000000"/>
+                </a:solidFill>
+              </a:rPr>
+              <a:t> relation i.e. represents </a:t>
+            </a:r>
+            <a:r>
+              <a:rPr lang="en-US" sz="2200" i="1" dirty="0">
+                <a:solidFill>
+                  <a:srgbClr val="FF0000"/>
+                </a:solidFill>
+              </a:rPr>
+              <a:t>objects</a:t>
+            </a:r>
+            <a:r>
+              <a:rPr lang="en-US" sz="2200" i="1" dirty="0">
+                <a:solidFill>
+                  <a:srgbClr val="000000"/>
+                </a:solidFill>
+              </a:rPr>
+              <a:t> of the 			  trigger_verb (default: null)</a:t>
+            </a:r>
+          </a:p>
+        </p:txBody>
+      </p:sp>
+      <p:sp>
+        <p:nvSpPr>
+          <p:cNvPr id="7" name="Rectangle 6">
+            <a:extLst>
+              <a:ext uri="{FF2B5EF4-FFF2-40B4-BE49-F238E27FC236}">
+                <a16:creationId xmlns:a16="http://schemas.microsoft.com/office/drawing/2014/main" id="{D224CB32-CCC1-49B4-918B-CBA1926C78AA}"/>
+              </a:ext>
+            </a:extLst>
+          </p:cNvPr>
+          <p:cNvSpPr/>
+          <p:nvPr/>
+        </p:nvSpPr>
+        <p:spPr>
+          <a:xfrm>
+            <a:off x="590374" y="5252826"/>
+            <a:ext cx="9377888" cy="1261884"/>
+          </a:xfrm>
+          <a:prstGeom prst="rect">
+            <a:avLst/>
+          </a:prstGeom>
+        </p:spPr>
+        <p:txBody>
+          <a:bodyPr wrap="none">
+            <a:spAutoFit/>
+          </a:bodyPr>
+          <a:lstStyle/>
+          <a:p>
+            <a:pPr marL="285750" indent="-285750">
+              <a:spcAft>
+                <a:spcPts val="1200"/>
+              </a:spcAft>
+              <a:buFont typeface="Arial" panose="020B0604020202020204" pitchFamily="34" charset="0"/>
+              <a:buChar char="•"/>
+            </a:pPr>
+            <a:r>
+              <a:rPr lang="en-US" sz="2200" dirty="0">
+                <a:solidFill>
+                  <a:srgbClr val="000000"/>
+                </a:solidFill>
+                <a:latin typeface="Times New Roman" panose="02020603050405020304" pitchFamily="18" charset="0"/>
+              </a:rPr>
+              <a:t>Modified events - Duplicate event predicates are created to give better answers</a:t>
+            </a:r>
+            <a:endParaRPr lang="en-US" sz="2200" i="1" dirty="0">
+              <a:solidFill>
+                <a:srgbClr val="000000"/>
+              </a:solidFill>
+              <a:latin typeface="Times New Roman" panose="02020603050405020304" pitchFamily="18" charset="0"/>
+            </a:endParaRPr>
+          </a:p>
+          <a:p>
+            <a:r>
+              <a:rPr lang="en-US" sz="2200" i="1" dirty="0">
+                <a:solidFill>
+                  <a:srgbClr val="000000"/>
+                </a:solidFill>
+                <a:latin typeface="Times New Roman" panose="02020603050405020304" pitchFamily="18" charset="0"/>
+              </a:rPr>
+              <a:t>	event (2, earn, afc, third_super_bowl_title) </a:t>
+            </a:r>
+          </a:p>
+          <a:p>
+            <a:r>
+              <a:rPr lang="en-US" sz="2200" i="1" dirty="0">
+                <a:solidFill>
+                  <a:srgbClr val="000000"/>
+                </a:solidFill>
+                <a:latin typeface="Times New Roman" panose="02020603050405020304" pitchFamily="18" charset="0"/>
+              </a:rPr>
+              <a:t>	</a:t>
+            </a:r>
+            <a:r>
+              <a:rPr lang="en-US" sz="2200" i="1" dirty="0">
+                <a:solidFill>
+                  <a:schemeClr val="accent1">
+                    <a:lumMod val="50000"/>
+                  </a:schemeClr>
+                </a:solidFill>
+                <a:latin typeface="Times New Roman" panose="02020603050405020304" pitchFamily="18" charset="0"/>
+              </a:rPr>
+              <a:t>[afc earned their third super bowl title]</a:t>
+            </a:r>
+            <a:endParaRPr lang="en-US" sz="2200" dirty="0">
+              <a:solidFill>
+                <a:schemeClr val="accent1">
+                  <a:lumMod val="50000"/>
+                </a:schemeClr>
+              </a:solidFill>
+            </a:endParaRPr>
           </a:p>
         </p:txBody>
       </p:sp>
     </p:spTree>
     <p:extLst>
       <p:ext uri="{BB962C8B-B14F-4D97-AF65-F5344CB8AC3E}">
-        <p14:creationId xmlns:p14="http://schemas.microsoft.com/office/powerpoint/2010/main" val="1357984635"/>
+        <p14:creationId xmlns:p14="http://schemas.microsoft.com/office/powerpoint/2010/main" val="1458617435"/>
       </p:ext>
     </p:extLst>
   </p:cSld>
@@ -17248,7 +18158,337 @@
                   <a:schemeClr val="bg1"/>
                 </a:solidFill>
               </a:rPr>
-              <a:t>Modifier Predicate</a:t>
+              <a:t>Property Predicate</a:t>
+            </a:r>
+          </a:p>
+        </p:txBody>
+      </p:sp>
+      <p:sp>
+        <p:nvSpPr>
+          <p:cNvPr id="4" name="Rectangle 3">
+            <a:extLst>
+              <a:ext uri="{FF2B5EF4-FFF2-40B4-BE49-F238E27FC236}">
+                <a16:creationId xmlns:a16="http://schemas.microsoft.com/office/drawing/2014/main" id="{9D46A389-4CAF-4B0B-A325-61E8357B0FC3}"/>
+              </a:ext>
+            </a:extLst>
+          </p:cNvPr>
+          <p:cNvSpPr/>
+          <p:nvPr/>
+        </p:nvSpPr>
+        <p:spPr>
+          <a:xfrm>
+            <a:off x="590376" y="1644781"/>
+            <a:ext cx="10276407" cy="984885"/>
+          </a:xfrm>
+          <a:prstGeom prst="rect">
+            <a:avLst/>
+          </a:prstGeom>
+        </p:spPr>
+        <p:txBody>
+          <a:bodyPr wrap="square">
+            <a:spAutoFit/>
+          </a:bodyPr>
+          <a:lstStyle/>
+          <a:p>
+            <a:pPr marL="342900" indent="-342900">
+              <a:spcAft>
+                <a:spcPts val="1200"/>
+              </a:spcAft>
+              <a:buFont typeface="Arial" panose="020B0604020202020204" pitchFamily="34" charset="0"/>
+              <a:buChar char="•"/>
+            </a:pPr>
+            <a:r>
+              <a:rPr lang="en-US" sz="2400" dirty="0">
+                <a:solidFill>
+                  <a:srgbClr val="000000"/>
+                </a:solidFill>
+              </a:rPr>
+              <a:t>Property predicate </a:t>
+            </a:r>
+            <a:r>
+              <a:rPr lang="en-US" sz="2400" dirty="0">
+                <a:solidFill>
+                  <a:srgbClr val="FF0000"/>
+                </a:solidFill>
+              </a:rPr>
+              <a:t>elaborates on properties </a:t>
+            </a:r>
+            <a:r>
+              <a:rPr lang="en-US" sz="2400" dirty="0">
+                <a:solidFill>
+                  <a:srgbClr val="000000"/>
+                </a:solidFill>
+              </a:rPr>
+              <a:t>of the modified noun or verb.</a:t>
+            </a:r>
+          </a:p>
+          <a:p>
+            <a:pPr marL="342900" indent="-342900">
+              <a:spcAft>
+                <a:spcPts val="1200"/>
+              </a:spcAft>
+              <a:buFont typeface="Arial" panose="020B0604020202020204" pitchFamily="34" charset="0"/>
+              <a:buChar char="•"/>
+            </a:pPr>
+            <a:r>
+              <a:rPr lang="en-US" sz="2400" dirty="0">
+                <a:solidFill>
+                  <a:srgbClr val="000000"/>
+                </a:solidFill>
+              </a:rPr>
+              <a:t>In general the modifier here is a prepositional phrase</a:t>
+            </a:r>
+          </a:p>
+        </p:txBody>
+      </p:sp>
+      <p:sp>
+        <p:nvSpPr>
+          <p:cNvPr id="6" name="Rectangle 5">
+            <a:extLst>
+              <a:ext uri="{FF2B5EF4-FFF2-40B4-BE49-F238E27FC236}">
+                <a16:creationId xmlns:a16="http://schemas.microsoft.com/office/drawing/2014/main" id="{0517E4BD-F8C3-4B8F-8F28-9F109FFCA0A5}"/>
+              </a:ext>
+            </a:extLst>
+          </p:cNvPr>
+          <p:cNvSpPr/>
+          <p:nvPr/>
+        </p:nvSpPr>
+        <p:spPr>
+          <a:xfrm>
+            <a:off x="590375" y="2648654"/>
+            <a:ext cx="8871677" cy="954107"/>
+          </a:xfrm>
+          <a:prstGeom prst="rect">
+            <a:avLst/>
+          </a:prstGeom>
+        </p:spPr>
+        <p:txBody>
+          <a:bodyPr wrap="square">
+            <a:spAutoFit/>
+          </a:bodyPr>
+          <a:lstStyle/>
+          <a:p>
+            <a:pPr marL="342900" indent="-342900">
+              <a:spcAft>
+                <a:spcPts val="1200"/>
+              </a:spcAft>
+              <a:buFont typeface="Arial" panose="020B0604020202020204" pitchFamily="34" charset="0"/>
+              <a:buChar char="•"/>
+            </a:pPr>
+            <a:r>
+              <a:rPr lang="en-US" sz="2400" i="1" dirty="0">
+                <a:solidFill>
+                  <a:srgbClr val="000000"/>
+                </a:solidFill>
+              </a:rPr>
+              <a:t>Predicate Signature</a:t>
+            </a:r>
+          </a:p>
+          <a:p>
+            <a:pPr>
+              <a:spcAft>
+                <a:spcPts val="1200"/>
+              </a:spcAft>
+            </a:pPr>
+            <a:r>
+              <a:rPr lang="en-US" sz="2000" i="1" dirty="0"/>
+              <a:t>	</a:t>
+            </a:r>
+            <a:r>
+              <a:rPr lang="en-US" sz="2200" i="1" dirty="0">
+                <a:solidFill>
+                  <a:schemeClr val="accent1">
+                    <a:lumMod val="50000"/>
+                  </a:schemeClr>
+                </a:solidFill>
+              </a:rPr>
+              <a:t>_property (event_id, modified_entity, preposition, modifier)</a:t>
+            </a:r>
+            <a:r>
+              <a:rPr lang="en-US" sz="2200" dirty="0">
+                <a:solidFill>
+                  <a:schemeClr val="accent1">
+                    <a:lumMod val="50000"/>
+                  </a:schemeClr>
+                </a:solidFill>
+              </a:rPr>
+              <a:t> </a:t>
+            </a:r>
+            <a:endParaRPr lang="en-US" sz="2200" i="1" dirty="0">
+              <a:solidFill>
+                <a:schemeClr val="accent1">
+                  <a:lumMod val="50000"/>
+                </a:schemeClr>
+              </a:solidFill>
+            </a:endParaRPr>
+          </a:p>
+        </p:txBody>
+      </p:sp>
+      <p:sp>
+        <p:nvSpPr>
+          <p:cNvPr id="7" name="Rectangle 6">
+            <a:extLst>
+              <a:ext uri="{FF2B5EF4-FFF2-40B4-BE49-F238E27FC236}">
+                <a16:creationId xmlns:a16="http://schemas.microsoft.com/office/drawing/2014/main" id="{78C8BF22-35B9-4D8B-8DD4-DF5AE6216EDB}"/>
+              </a:ext>
+            </a:extLst>
+          </p:cNvPr>
+          <p:cNvSpPr/>
+          <p:nvPr/>
+        </p:nvSpPr>
+        <p:spPr>
+          <a:xfrm>
+            <a:off x="848138" y="3781627"/>
+            <a:ext cx="11145079" cy="2800767"/>
+          </a:xfrm>
+          <a:prstGeom prst="rect">
+            <a:avLst/>
+          </a:prstGeom>
+        </p:spPr>
+        <p:txBody>
+          <a:bodyPr wrap="square">
+            <a:spAutoFit/>
+          </a:bodyPr>
+          <a:lstStyle/>
+          <a:p>
+            <a:r>
+              <a:rPr lang="en-US" sz="2200" i="1" dirty="0">
+                <a:solidFill>
+                  <a:srgbClr val="000000"/>
+                </a:solidFill>
+                <a:latin typeface="Times New Roman" panose="02020603050405020304" pitchFamily="18" charset="0"/>
+              </a:rPr>
+              <a:t>Example: “The game was played on February 7 2016, at Levis_Stadium, in the San_Francisco_Bay_Area, at Santa_Clara in California”</a:t>
+            </a:r>
+            <a:endParaRPr lang="en-US" sz="2200" dirty="0">
+              <a:solidFill>
+                <a:srgbClr val="000000"/>
+              </a:solidFill>
+              <a:latin typeface="Times New Roman" panose="02020603050405020304" pitchFamily="18" charset="0"/>
+            </a:endParaRPr>
+          </a:p>
+          <a:p>
+            <a:endParaRPr lang="en-US" sz="2200" dirty="0">
+              <a:solidFill>
+                <a:srgbClr val="000000"/>
+              </a:solidFill>
+              <a:latin typeface="Times New Roman" panose="02020603050405020304" pitchFamily="18" charset="0"/>
+            </a:endParaRPr>
+          </a:p>
+          <a:p>
+            <a:r>
+              <a:rPr lang="en-US" sz="2200" i="1" dirty="0">
+                <a:solidFill>
+                  <a:srgbClr val="000000"/>
+                </a:solidFill>
+                <a:latin typeface="Times New Roman" panose="02020603050405020304" pitchFamily="18" charset="0"/>
+              </a:rPr>
+              <a:t>_property (2, play, on, 'february_7_2016’)		</a:t>
+            </a:r>
+            <a:r>
+              <a:rPr lang="en-US" sz="2200" i="1" dirty="0">
+                <a:solidFill>
+                  <a:schemeClr val="accent1">
+                    <a:lumMod val="50000"/>
+                  </a:schemeClr>
+                </a:solidFill>
+                <a:latin typeface="Times New Roman" panose="02020603050405020304" pitchFamily="18" charset="0"/>
+              </a:rPr>
+              <a:t>[played on february 7 2016]</a:t>
+            </a:r>
+          </a:p>
+          <a:p>
+            <a:r>
+              <a:rPr lang="en-US" sz="2200" i="1" dirty="0">
+                <a:solidFill>
+                  <a:srgbClr val="000000"/>
+                </a:solidFill>
+                <a:latin typeface="Times New Roman" panose="02020603050405020304" pitchFamily="18" charset="0"/>
+              </a:rPr>
+              <a:t>_property (2, play, at, levis_stadium)			</a:t>
+            </a:r>
+            <a:r>
+              <a:rPr lang="en-US" sz="2200" i="1" dirty="0">
+                <a:solidFill>
+                  <a:schemeClr val="accent1">
+                    <a:lumMod val="50000"/>
+                  </a:schemeClr>
+                </a:solidFill>
+                <a:latin typeface="Times New Roman" panose="02020603050405020304" pitchFamily="18" charset="0"/>
+              </a:rPr>
+              <a:t>[played at levis stadium]</a:t>
+            </a:r>
+          </a:p>
+          <a:p>
+            <a:r>
+              <a:rPr lang="en-US" sz="2200" i="1" dirty="0">
+                <a:solidFill>
+                  <a:srgbClr val="000000"/>
+                </a:solidFill>
+                <a:latin typeface="Times New Roman" panose="02020603050405020304" pitchFamily="18" charset="0"/>
+              </a:rPr>
+              <a:t>_property (2, play, in, san_francisco_bay_area)		</a:t>
+            </a:r>
+            <a:r>
+              <a:rPr lang="en-US" sz="2200" i="1" dirty="0">
+                <a:solidFill>
+                  <a:schemeClr val="accent1">
+                    <a:lumMod val="50000"/>
+                  </a:schemeClr>
+                </a:solidFill>
+                <a:latin typeface="Times New Roman" panose="02020603050405020304" pitchFamily="18" charset="0"/>
+              </a:rPr>
+              <a:t>[played in san francisco bay area]</a:t>
+            </a:r>
+          </a:p>
+          <a:p>
+            <a:r>
+              <a:rPr lang="en-US" sz="2200" i="1" dirty="0">
+                <a:solidFill>
+                  <a:srgbClr val="000000"/>
+                </a:solidFill>
+                <a:latin typeface="Times New Roman" panose="02020603050405020304" pitchFamily="18" charset="0"/>
+              </a:rPr>
+              <a:t>_property (2, play, at, santa_clara)		 	</a:t>
+            </a:r>
+            <a:r>
+              <a:rPr lang="en-US" sz="2200" i="1" dirty="0">
+                <a:solidFill>
+                  <a:schemeClr val="accent1">
+                    <a:lumMod val="50000"/>
+                  </a:schemeClr>
+                </a:solidFill>
+                <a:latin typeface="Times New Roman" panose="02020603050405020304" pitchFamily="18" charset="0"/>
+              </a:rPr>
+              <a:t>[played at santa clara]</a:t>
+            </a:r>
+            <a:endParaRPr lang="en-US" sz="2200" i="1" dirty="0">
+              <a:solidFill>
+                <a:srgbClr val="000000"/>
+              </a:solidFill>
+              <a:latin typeface="Times New Roman" panose="02020603050405020304" pitchFamily="18" charset="0"/>
+            </a:endParaRPr>
+          </a:p>
+          <a:p>
+            <a:r>
+              <a:rPr lang="en-US" sz="2200" i="1" dirty="0">
+                <a:solidFill>
+                  <a:srgbClr val="000000"/>
+                </a:solidFill>
+                <a:latin typeface="Times New Roman" panose="02020603050405020304" pitchFamily="18" charset="0"/>
+              </a:rPr>
+              <a:t>_property (2, santa_clara, in, california)			</a:t>
+            </a:r>
+            <a:r>
+              <a:rPr lang="en-US" sz="2200" i="1" dirty="0">
+                <a:solidFill>
+                  <a:schemeClr val="accent1">
+                    <a:lumMod val="50000"/>
+                  </a:schemeClr>
+                </a:solidFill>
+                <a:latin typeface="Times New Roman" panose="02020603050405020304" pitchFamily="18" charset="0"/>
+              </a:rPr>
+              <a:t>[santa clara is in california]</a:t>
             </a:r>
           </a:p>
         </p:txBody>
@@ -17256,7 +18496,7 @@
     </p:spTree>
     <p:extLst>
       <p:ext uri="{BB962C8B-B14F-4D97-AF65-F5344CB8AC3E}">
-        <p14:creationId xmlns:p14="http://schemas.microsoft.com/office/powerpoint/2010/main" val="2391429838"/>
+        <p14:creationId xmlns:p14="http://schemas.microsoft.com/office/powerpoint/2010/main" val="1357984635"/>
       </p:ext>
     </p:extLst>
   </p:cSld>
@@ -17364,15 +18604,353 @@
                   <a:schemeClr val="bg1"/>
                 </a:solidFill>
               </a:rPr>
-              <a:t>Possessive Predicate</a:t>
-            </a:r>
+              <a:t>Property Predicate</a:t>
+            </a:r>
+          </a:p>
+        </p:txBody>
+      </p:sp>
+      <p:sp>
+        <p:nvSpPr>
+          <p:cNvPr id="6" name="Rectangle 5">
+            <a:extLst>
+              <a:ext uri="{FF2B5EF4-FFF2-40B4-BE49-F238E27FC236}">
+                <a16:creationId xmlns:a16="http://schemas.microsoft.com/office/drawing/2014/main" id="{35377768-2209-422B-BF4A-D14C57F42613}"/>
+              </a:ext>
+            </a:extLst>
+          </p:cNvPr>
+          <p:cNvSpPr/>
+          <p:nvPr/>
+        </p:nvSpPr>
+        <p:spPr>
+          <a:xfrm>
+            <a:off x="590374" y="1644781"/>
+            <a:ext cx="11482355" cy="3508653"/>
+          </a:xfrm>
+          <a:prstGeom prst="rect">
+            <a:avLst/>
+          </a:prstGeom>
+        </p:spPr>
+        <p:txBody>
+          <a:bodyPr wrap="square">
+            <a:spAutoFit/>
+          </a:bodyPr>
+          <a:lstStyle/>
+          <a:p>
+            <a:pPr marL="342900" indent="-342900">
+              <a:spcAft>
+                <a:spcPts val="1200"/>
+              </a:spcAft>
+              <a:buFont typeface="Arial" panose="020B0604020202020204" pitchFamily="34" charset="0"/>
+              <a:buChar char="•"/>
+            </a:pPr>
+            <a:r>
+              <a:rPr lang="en-US" sz="2400" dirty="0"/>
+              <a:t>Signature : </a:t>
+            </a:r>
+            <a:r>
+              <a:rPr lang="en-US" sz="2400" i="1" dirty="0"/>
+              <a:t>	</a:t>
+            </a:r>
+            <a:r>
+              <a:rPr lang="en-US" sz="2400" i="1" dirty="0">
+                <a:solidFill>
+                  <a:schemeClr val="accent1">
+                    <a:lumMod val="50000"/>
+                  </a:schemeClr>
+                </a:solidFill>
+              </a:rPr>
+              <a:t>_property (event_id, modified_entity, preposition, modifier)</a:t>
+            </a:r>
+            <a:r>
+              <a:rPr lang="en-US" sz="2400" dirty="0">
+                <a:solidFill>
+                  <a:schemeClr val="accent1">
+                    <a:lumMod val="50000"/>
+                  </a:schemeClr>
+                </a:solidFill>
+              </a:rPr>
+              <a:t> </a:t>
+            </a:r>
+          </a:p>
+          <a:p>
+            <a:pPr marL="342900" indent="-342900">
+              <a:spcAft>
+                <a:spcPts val="1200"/>
+              </a:spcAft>
+              <a:buFont typeface="Arial" panose="020B0604020202020204" pitchFamily="34" charset="0"/>
+              <a:buChar char="•"/>
+            </a:pPr>
+            <a:r>
+              <a:rPr lang="en-US" sz="2400" dirty="0"/>
+              <a:t>Terms in predicate</a:t>
+            </a:r>
+            <a:r>
+              <a:rPr lang="en-US" sz="2000" i="1" dirty="0"/>
+              <a:t>	</a:t>
+            </a:r>
+          </a:p>
+          <a:p>
+            <a:pPr marL="914400" lvl="1" indent="-457200">
+              <a:buAutoNum type="arabicPeriod"/>
+            </a:pPr>
+            <a:r>
+              <a:rPr lang="en-US" sz="2200" i="1" dirty="0">
+                <a:solidFill>
+                  <a:srgbClr val="000000"/>
+                </a:solidFill>
+              </a:rPr>
+              <a:t>event_id 	: Integer that </a:t>
+            </a:r>
+            <a:r>
+              <a:rPr lang="en-US" sz="2200" i="1" dirty="0">
+                <a:solidFill>
+                  <a:srgbClr val="FF0000"/>
+                </a:solidFill>
+              </a:rPr>
+              <a:t>uniquely identifies the event </a:t>
+            </a:r>
+            <a:r>
+              <a:rPr lang="en-US" sz="2200" i="1" dirty="0">
+                <a:solidFill>
+                  <a:srgbClr val="000000"/>
+                </a:solidFill>
+              </a:rPr>
+              <a:t>associated with the property</a:t>
+            </a:r>
+          </a:p>
+          <a:p>
+            <a:pPr lvl="2"/>
+            <a:r>
+              <a:rPr lang="en-US" sz="2200" i="1" dirty="0">
+                <a:solidFill>
+                  <a:srgbClr val="000000"/>
+                </a:solidFill>
+              </a:rPr>
+              <a:t>	      	  This is propagated from the modified word</a:t>
+            </a:r>
+          </a:p>
+          <a:p>
+            <a:pPr marL="914400" lvl="1" indent="-457200">
+              <a:buAutoNum type="arabicPeriod"/>
+            </a:pPr>
+            <a:r>
+              <a:rPr lang="en-US" sz="2200" i="1" dirty="0">
+                <a:solidFill>
+                  <a:srgbClr val="000000"/>
+                </a:solidFill>
+              </a:rPr>
+              <a:t>modified_entity	: It’s the head of the predicate and can be either a </a:t>
+            </a:r>
+            <a:r>
+              <a:rPr lang="en-US" sz="2200" i="1" dirty="0">
+                <a:solidFill>
+                  <a:srgbClr val="FF0000"/>
+                </a:solidFill>
+              </a:rPr>
+              <a:t>noun or a verb</a:t>
+            </a:r>
+          </a:p>
+          <a:p>
+            <a:pPr marL="914400" lvl="1" indent="-457200">
+              <a:buAutoNum type="arabicPeriod"/>
+            </a:pPr>
+            <a:r>
+              <a:rPr lang="en-US" sz="2200" i="1" dirty="0">
+                <a:solidFill>
+                  <a:srgbClr val="000000"/>
+                </a:solidFill>
+              </a:rPr>
+              <a:t>preposition	: </a:t>
+            </a:r>
+            <a:r>
+              <a:rPr lang="en-US" sz="2200" i="1" dirty="0"/>
+              <a:t>Helps identify the </a:t>
+            </a:r>
+            <a:r>
+              <a:rPr lang="en-US" sz="2200" i="1" dirty="0">
+                <a:solidFill>
+                  <a:srgbClr val="FF0000"/>
+                </a:solidFill>
+              </a:rPr>
+              <a:t>kind of relation </a:t>
+            </a:r>
+            <a:r>
+              <a:rPr lang="en-US" sz="2200" i="1" dirty="0"/>
+              <a:t>between the modifier and the modified.</a:t>
+            </a:r>
+          </a:p>
+          <a:p>
+            <a:pPr lvl="6"/>
+            <a:r>
+              <a:rPr lang="en-US" sz="2200" i="1" dirty="0">
+                <a:solidFill>
+                  <a:srgbClr val="000000"/>
+                </a:solidFill>
+              </a:rPr>
+              <a:t>  Can be found using dependencies like </a:t>
+            </a:r>
+            <a:r>
+              <a:rPr lang="en-US" sz="2200" i="1" dirty="0">
+                <a:solidFill>
+                  <a:srgbClr val="C00000"/>
+                </a:solidFill>
+              </a:rPr>
+              <a:t>case</a:t>
+            </a:r>
+          </a:p>
+          <a:p>
+            <a:pPr marL="914400" lvl="1" indent="-457200">
+              <a:spcAft>
+                <a:spcPts val="1200"/>
+              </a:spcAft>
+              <a:buAutoNum type="arabicPeriod"/>
+            </a:pPr>
+            <a:r>
+              <a:rPr lang="en-US" sz="2200" i="1" dirty="0">
+                <a:solidFill>
+                  <a:srgbClr val="000000"/>
+                </a:solidFill>
+              </a:rPr>
+              <a:t>modifier 	: Can be obtained from the </a:t>
+            </a:r>
+            <a:r>
+              <a:rPr lang="en-US" sz="2200" i="1" dirty="0">
+                <a:solidFill>
+                  <a:srgbClr val="C00000"/>
+                </a:solidFill>
+              </a:rPr>
+              <a:t>nmod </a:t>
+            </a:r>
+            <a:r>
+              <a:rPr lang="en-US" sz="2200" i="1" dirty="0">
+                <a:solidFill>
+                  <a:srgbClr val="000000"/>
+                </a:solidFill>
+              </a:rPr>
+              <a:t>relation i.e. the </a:t>
+            </a:r>
+            <a:r>
+              <a:rPr lang="en-US" sz="2200" i="1" dirty="0">
+                <a:solidFill>
+                  <a:srgbClr val="FF0000"/>
+                </a:solidFill>
+              </a:rPr>
+              <a:t>nominal modifier 		  	  </a:t>
+            </a:r>
+            <a:r>
+              <a:rPr lang="en-US" sz="2200" i="1" dirty="0">
+                <a:solidFill>
+                  <a:srgbClr val="000000"/>
+                </a:solidFill>
+              </a:rPr>
+              <a:t>relation of the modified word</a:t>
+            </a:r>
+          </a:p>
+        </p:txBody>
+      </p:sp>
+      <p:sp>
+        <p:nvSpPr>
+          <p:cNvPr id="7" name="Rectangle 6">
+            <a:extLst>
+              <a:ext uri="{FF2B5EF4-FFF2-40B4-BE49-F238E27FC236}">
+                <a16:creationId xmlns:a16="http://schemas.microsoft.com/office/drawing/2014/main" id="{D224CB32-CCC1-49B4-918B-CBA1926C78AA}"/>
+              </a:ext>
+            </a:extLst>
+          </p:cNvPr>
+          <p:cNvSpPr/>
+          <p:nvPr/>
+        </p:nvSpPr>
+        <p:spPr>
+          <a:xfrm>
+            <a:off x="590374" y="5252826"/>
+            <a:ext cx="11242235" cy="1261884"/>
+          </a:xfrm>
+          <a:prstGeom prst="rect">
+            <a:avLst/>
+          </a:prstGeom>
+        </p:spPr>
+        <p:txBody>
+          <a:bodyPr wrap="square">
+            <a:spAutoFit/>
+          </a:bodyPr>
+          <a:lstStyle/>
+          <a:p>
+            <a:pPr marL="285750" indent="-285750">
+              <a:spcAft>
+                <a:spcPts val="1200"/>
+              </a:spcAft>
+              <a:buFont typeface="Arial" panose="020B0604020202020204" pitchFamily="34" charset="0"/>
+              <a:buChar char="•"/>
+            </a:pPr>
+            <a:r>
+              <a:rPr lang="en-US" sz="2200" dirty="0">
+                <a:solidFill>
+                  <a:srgbClr val="000000"/>
+                </a:solidFill>
+              </a:rPr>
+              <a:t>Using property predicates we can understand more about events like their time, place etc.</a:t>
+            </a:r>
+          </a:p>
+          <a:p>
+            <a:pPr marL="285750" indent="-285750">
+              <a:spcAft>
+                <a:spcPts val="1200"/>
+              </a:spcAft>
+              <a:buFont typeface="Arial" panose="020B0604020202020204" pitchFamily="34" charset="0"/>
+              <a:buChar char="•"/>
+            </a:pPr>
+            <a:r>
+              <a:rPr lang="en-US" sz="2200" dirty="0">
+                <a:solidFill>
+                  <a:srgbClr val="000000"/>
+                </a:solidFill>
+              </a:rPr>
+              <a:t>While generating property predicates we omit the nmod relations having specifics like </a:t>
+            </a:r>
+            <a:r>
+              <a:rPr lang="en-US" sz="2200" i="1" dirty="0">
+                <a:solidFill>
+                  <a:srgbClr val="000000"/>
+                </a:solidFill>
+              </a:rPr>
+              <a:t>poss</a:t>
+            </a:r>
+            <a:r>
+              <a:rPr lang="en-US" sz="2200" dirty="0">
+                <a:solidFill>
+                  <a:srgbClr val="000000"/>
+                </a:solidFill>
+              </a:rPr>
+              <a:t>, </a:t>
+            </a:r>
+            <a:r>
+              <a:rPr lang="en-US" sz="2200" i="1" dirty="0">
+                <a:solidFill>
+                  <a:srgbClr val="000000"/>
+                </a:solidFill>
+              </a:rPr>
+              <a:t>mwe</a:t>
+            </a:r>
+            <a:r>
+              <a:rPr lang="en-US" sz="2200" dirty="0">
+                <a:solidFill>
+                  <a:srgbClr val="000000"/>
+                </a:solidFill>
+              </a:rPr>
+              <a:t> as they are handled specially.</a:t>
+            </a:r>
+            <a:endParaRPr lang="en-US" sz="2200" i="1" dirty="0">
+              <a:solidFill>
+                <a:srgbClr val="000000"/>
+              </a:solidFill>
+            </a:endParaRPr>
           </a:p>
         </p:txBody>
       </p:sp>
     </p:spTree>
     <p:extLst>
       <p:ext uri="{BB962C8B-B14F-4D97-AF65-F5344CB8AC3E}">
-        <p14:creationId xmlns:p14="http://schemas.microsoft.com/office/powerpoint/2010/main" val="136009511"/>
+        <p14:creationId xmlns:p14="http://schemas.microsoft.com/office/powerpoint/2010/main" val="585289819"/>
       </p:ext>
     </p:extLst>
   </p:cSld>
@@ -17480,15 +19058,411 @@
                   <a:schemeClr val="bg1"/>
                 </a:solidFill>
               </a:rPr>
-              <a:t>Instance Predicate</a:t>
-            </a:r>
+              <a:t>Modifier Predicate</a:t>
+            </a:r>
+          </a:p>
+        </p:txBody>
+      </p:sp>
+      <p:sp>
+        <p:nvSpPr>
+          <p:cNvPr id="4" name="Rectangle 3">
+            <a:extLst>
+              <a:ext uri="{FF2B5EF4-FFF2-40B4-BE49-F238E27FC236}">
+                <a16:creationId xmlns:a16="http://schemas.microsoft.com/office/drawing/2014/main" id="{3FDE013C-6258-4387-9ADD-A062E945A117}"/>
+              </a:ext>
+            </a:extLst>
+          </p:cNvPr>
+          <p:cNvSpPr/>
+          <p:nvPr/>
+        </p:nvSpPr>
+        <p:spPr>
+          <a:xfrm>
+            <a:off x="590376" y="1644781"/>
+            <a:ext cx="10276407" cy="830997"/>
+          </a:xfrm>
+          <a:prstGeom prst="rect">
+            <a:avLst/>
+          </a:prstGeom>
+        </p:spPr>
+        <p:txBody>
+          <a:bodyPr wrap="square">
+            <a:spAutoFit/>
+          </a:bodyPr>
+          <a:lstStyle/>
+          <a:p>
+            <a:pPr marL="342900" indent="-342900">
+              <a:spcAft>
+                <a:spcPts val="1200"/>
+              </a:spcAft>
+              <a:buFont typeface="Arial" panose="020B0604020202020204" pitchFamily="34" charset="0"/>
+              <a:buChar char="•"/>
+            </a:pPr>
+            <a:r>
+              <a:rPr lang="en-US" sz="2400" dirty="0">
+                <a:solidFill>
+                  <a:srgbClr val="000000"/>
+                </a:solidFill>
+              </a:rPr>
+              <a:t>Modifier predicate is used to model relationships between </a:t>
+            </a:r>
+            <a:r>
+              <a:rPr lang="en-US" sz="2400" dirty="0">
+                <a:solidFill>
+                  <a:srgbClr val="FF0000"/>
+                </a:solidFill>
+              </a:rPr>
+              <a:t>adjectives</a:t>
+            </a:r>
+            <a:r>
+              <a:rPr lang="en-US" sz="2400" dirty="0">
+                <a:solidFill>
+                  <a:srgbClr val="000000"/>
+                </a:solidFill>
+              </a:rPr>
+              <a:t> and nouns and between verbs and their modifying </a:t>
+            </a:r>
+            <a:r>
+              <a:rPr lang="en-US" sz="2400" dirty="0">
+                <a:solidFill>
+                  <a:srgbClr val="FF0000"/>
+                </a:solidFill>
+              </a:rPr>
+              <a:t>adverbs</a:t>
+            </a:r>
+            <a:r>
+              <a:rPr lang="en-US" sz="2400" dirty="0">
+                <a:solidFill>
+                  <a:srgbClr val="000000"/>
+                </a:solidFill>
+              </a:rPr>
+              <a:t>.</a:t>
+            </a:r>
+          </a:p>
+        </p:txBody>
+      </p:sp>
+      <p:sp>
+        <p:nvSpPr>
+          <p:cNvPr id="6" name="Rectangle 5">
+            <a:extLst>
+              <a:ext uri="{FF2B5EF4-FFF2-40B4-BE49-F238E27FC236}">
+                <a16:creationId xmlns:a16="http://schemas.microsoft.com/office/drawing/2014/main" id="{CB73F4D1-B9A3-4A02-9CA4-134FC292AF72}"/>
+              </a:ext>
+            </a:extLst>
+          </p:cNvPr>
+          <p:cNvSpPr/>
+          <p:nvPr/>
+        </p:nvSpPr>
+        <p:spPr>
+          <a:xfrm>
+            <a:off x="590375" y="2475778"/>
+            <a:ext cx="8871677" cy="954107"/>
+          </a:xfrm>
+          <a:prstGeom prst="rect">
+            <a:avLst/>
+          </a:prstGeom>
+        </p:spPr>
+        <p:txBody>
+          <a:bodyPr wrap="square">
+            <a:spAutoFit/>
+          </a:bodyPr>
+          <a:lstStyle/>
+          <a:p>
+            <a:pPr marL="342900" indent="-342900">
+              <a:spcAft>
+                <a:spcPts val="1200"/>
+              </a:spcAft>
+              <a:buFont typeface="Arial" panose="020B0604020202020204" pitchFamily="34" charset="0"/>
+              <a:buChar char="•"/>
+            </a:pPr>
+            <a:r>
+              <a:rPr lang="en-US" sz="2400" i="1" dirty="0">
+                <a:solidFill>
+                  <a:srgbClr val="000000"/>
+                </a:solidFill>
+              </a:rPr>
+              <a:t>Predicate Signature</a:t>
+            </a:r>
+          </a:p>
+          <a:p>
+            <a:pPr>
+              <a:spcAft>
+                <a:spcPts val="1200"/>
+              </a:spcAft>
+            </a:pPr>
+            <a:r>
+              <a:rPr lang="en-US" sz="2000" i="1" dirty="0"/>
+              <a:t>	</a:t>
+            </a:r>
+            <a:r>
+              <a:rPr lang="en-US" sz="2200" i="1" dirty="0">
+                <a:solidFill>
+                  <a:schemeClr val="accent1">
+                    <a:lumMod val="50000"/>
+                  </a:schemeClr>
+                </a:solidFill>
+              </a:rPr>
+              <a:t>_mod (modified_word, modifier_word)</a:t>
+            </a:r>
+          </a:p>
+        </p:txBody>
+      </p:sp>
+      <p:sp>
+        <p:nvSpPr>
+          <p:cNvPr id="7" name="Rectangle 6">
+            <a:extLst>
+              <a:ext uri="{FF2B5EF4-FFF2-40B4-BE49-F238E27FC236}">
+                <a16:creationId xmlns:a16="http://schemas.microsoft.com/office/drawing/2014/main" id="{BB0A3EEB-8F5A-43A6-B1E1-F04217B02E2F}"/>
+              </a:ext>
+            </a:extLst>
+          </p:cNvPr>
+          <p:cNvSpPr/>
+          <p:nvPr/>
+        </p:nvSpPr>
+        <p:spPr>
+          <a:xfrm>
+            <a:off x="590375" y="3584204"/>
+            <a:ext cx="10276406" cy="2462213"/>
+          </a:xfrm>
+          <a:prstGeom prst="rect">
+            <a:avLst/>
+          </a:prstGeom>
+        </p:spPr>
+        <p:txBody>
+          <a:bodyPr wrap="square">
+            <a:spAutoFit/>
+          </a:bodyPr>
+          <a:lstStyle/>
+          <a:p>
+            <a:r>
+              <a:rPr lang="en-US" sz="2200" i="1" dirty="0">
+                <a:solidFill>
+                  <a:srgbClr val="000000"/>
+                </a:solidFill>
+              </a:rPr>
+              <a:t>Example: </a:t>
+            </a:r>
+            <a:r>
+              <a:rPr lang="en-US" sz="2200" dirty="0">
+                <a:solidFill>
+                  <a:srgbClr val="000000"/>
+                </a:solidFill>
+              </a:rPr>
+              <a:t>“The </a:t>
+            </a:r>
+            <a:r>
+              <a:rPr lang="en-US" sz="2200" dirty="0" err="1">
+                <a:solidFill>
+                  <a:srgbClr val="000000"/>
+                </a:solidFill>
+              </a:rPr>
+              <a:t>Amazon_rainforest</a:t>
+            </a:r>
+            <a:r>
+              <a:rPr lang="en-US" sz="2200" dirty="0">
+                <a:solidFill>
+                  <a:srgbClr val="000000"/>
+                </a:solidFill>
+              </a:rPr>
+              <a:t>, also known in English as Amazonia or the </a:t>
+            </a:r>
+            <a:r>
+              <a:rPr lang="en-US" sz="2200" dirty="0" err="1">
+                <a:solidFill>
+                  <a:srgbClr val="000000"/>
+                </a:solidFill>
+              </a:rPr>
+              <a:t>Amazon_Jungle</a:t>
+            </a:r>
+            <a:r>
+              <a:rPr lang="en-US" sz="2200" dirty="0">
+                <a:solidFill>
+                  <a:srgbClr val="000000"/>
+                </a:solidFill>
+              </a:rPr>
+              <a:t>, is a moist </a:t>
+            </a:r>
+            <a:r>
+              <a:rPr lang="en-US" sz="2200" dirty="0" err="1">
+                <a:solidFill>
+                  <a:srgbClr val="000000"/>
+                </a:solidFill>
+              </a:rPr>
+              <a:t>broadleafed</a:t>
+            </a:r>
+            <a:r>
+              <a:rPr lang="en-US" sz="2200" dirty="0">
+                <a:solidFill>
+                  <a:srgbClr val="000000"/>
+                </a:solidFill>
+              </a:rPr>
+              <a:t> forest that covers most of the </a:t>
+            </a:r>
+            <a:r>
+              <a:rPr lang="en-US" sz="2200" dirty="0" err="1">
+                <a:solidFill>
+                  <a:srgbClr val="000000"/>
+                </a:solidFill>
+              </a:rPr>
+              <a:t>Amazon_basin</a:t>
+            </a:r>
+            <a:r>
+              <a:rPr lang="en-US" sz="2200" dirty="0">
+                <a:solidFill>
+                  <a:srgbClr val="000000"/>
+                </a:solidFill>
+              </a:rPr>
+              <a:t> of </a:t>
+            </a:r>
+            <a:r>
+              <a:rPr lang="en-US" sz="2200" dirty="0" err="1">
+                <a:solidFill>
+                  <a:srgbClr val="000000"/>
+                </a:solidFill>
+              </a:rPr>
+              <a:t>South_America</a:t>
+            </a:r>
+            <a:r>
+              <a:rPr lang="en-US" sz="2200" dirty="0">
+                <a:solidFill>
+                  <a:srgbClr val="000000"/>
+                </a:solidFill>
+              </a:rPr>
+              <a:t>.”</a:t>
+            </a:r>
+          </a:p>
+          <a:p>
+            <a:r>
+              <a:rPr lang="en-US" sz="2200" dirty="0">
+                <a:solidFill>
+                  <a:srgbClr val="000000"/>
+                </a:solidFill>
+              </a:rPr>
+              <a:t> </a:t>
+            </a:r>
+          </a:p>
+          <a:p>
+            <a:r>
+              <a:rPr lang="en-US" sz="2200" i="1" dirty="0">
+                <a:solidFill>
+                  <a:srgbClr val="000000"/>
+                </a:solidFill>
+              </a:rPr>
+              <a:t>_mod (forest, </a:t>
+            </a:r>
+            <a:r>
+              <a:rPr lang="en-US" sz="2200" i="1" dirty="0" err="1">
+                <a:solidFill>
+                  <a:srgbClr val="000000"/>
+                </a:solidFill>
+              </a:rPr>
+              <a:t>broadleafed</a:t>
+            </a:r>
+            <a:r>
+              <a:rPr lang="en-US" sz="2200" i="1" dirty="0">
+                <a:solidFill>
+                  <a:srgbClr val="000000"/>
+                </a:solidFill>
+              </a:rPr>
+              <a:t>) 		</a:t>
+            </a:r>
+            <a:r>
+              <a:rPr lang="en-US" sz="2200" i="1" dirty="0">
+                <a:solidFill>
+                  <a:schemeClr val="accent1">
+                    <a:lumMod val="50000"/>
+                  </a:schemeClr>
+                </a:solidFill>
+              </a:rPr>
+              <a:t>[</a:t>
+            </a:r>
+            <a:r>
+              <a:rPr lang="en-US" sz="2200" i="1" dirty="0" err="1">
+                <a:solidFill>
+                  <a:schemeClr val="accent1">
+                    <a:lumMod val="50000"/>
+                  </a:schemeClr>
+                </a:solidFill>
+              </a:rPr>
+              <a:t>broadleafed</a:t>
+            </a:r>
+            <a:r>
+              <a:rPr lang="en-US" sz="2200" i="1" dirty="0">
+                <a:solidFill>
+                  <a:schemeClr val="accent1">
+                    <a:lumMod val="50000"/>
+                  </a:schemeClr>
+                </a:solidFill>
+              </a:rPr>
+              <a:t> modifies forest]</a:t>
+            </a:r>
+            <a:endParaRPr lang="en-US" sz="2200" dirty="0">
+              <a:solidFill>
+                <a:schemeClr val="accent1">
+                  <a:lumMod val="50000"/>
+                </a:schemeClr>
+              </a:solidFill>
+            </a:endParaRPr>
+          </a:p>
+          <a:p>
+            <a:r>
+              <a:rPr lang="en-US" sz="2200" i="1" dirty="0">
+                <a:solidFill>
+                  <a:srgbClr val="000000"/>
+                </a:solidFill>
+              </a:rPr>
+              <a:t>_mod (forest, moist)			</a:t>
+            </a:r>
+            <a:r>
+              <a:rPr lang="en-US" sz="2200" i="1" dirty="0">
+                <a:solidFill>
+                  <a:schemeClr val="accent1">
+                    <a:lumMod val="50000"/>
+                  </a:schemeClr>
+                </a:solidFill>
+              </a:rPr>
+              <a:t>[moist modifies forest] </a:t>
+            </a:r>
+            <a:endParaRPr lang="en-US" sz="2200" dirty="0">
+              <a:solidFill>
+                <a:schemeClr val="accent1">
+                  <a:lumMod val="50000"/>
+                </a:schemeClr>
+              </a:solidFill>
+            </a:endParaRPr>
+          </a:p>
+          <a:p>
+            <a:r>
+              <a:rPr lang="en-US" sz="2200" i="1" dirty="0">
+                <a:solidFill>
+                  <a:srgbClr val="000000"/>
+                </a:solidFill>
+              </a:rPr>
+              <a:t>_mod (know, also)		 	</a:t>
+            </a:r>
+            <a:r>
+              <a:rPr lang="en-US" sz="2200" i="1" dirty="0">
+                <a:solidFill>
+                  <a:schemeClr val="accent1">
+                    <a:lumMod val="50000"/>
+                  </a:schemeClr>
+                </a:solidFill>
+              </a:rPr>
+              <a:t>[also modifies know] </a:t>
+            </a:r>
+            <a:endParaRPr lang="en-US" sz="2200" dirty="0">
+              <a:solidFill>
+                <a:schemeClr val="accent1">
+                  <a:lumMod val="50000"/>
+                </a:schemeClr>
+              </a:solidFill>
+            </a:endParaRPr>
           </a:p>
         </p:txBody>
       </p:sp>
     </p:spTree>
     <p:extLst>
       <p:ext uri="{BB962C8B-B14F-4D97-AF65-F5344CB8AC3E}">
-        <p14:creationId xmlns:p14="http://schemas.microsoft.com/office/powerpoint/2010/main" val="1743418327"/>
+        <p14:creationId xmlns:p14="http://schemas.microsoft.com/office/powerpoint/2010/main" val="2391429838"/>
       </p:ext>
     </p:extLst>
   </p:cSld>
@@ -17596,15 +19570,270 @@
                   <a:schemeClr val="bg1"/>
                 </a:solidFill>
               </a:rPr>
-              <a:t>Relation Predicate</a:t>
-            </a:r>
+              <a:t>Modifier Predicate</a:t>
+            </a:r>
+          </a:p>
+        </p:txBody>
+      </p:sp>
+      <p:sp>
+        <p:nvSpPr>
+          <p:cNvPr id="6" name="Rectangle 5">
+            <a:extLst>
+              <a:ext uri="{FF2B5EF4-FFF2-40B4-BE49-F238E27FC236}">
+                <a16:creationId xmlns:a16="http://schemas.microsoft.com/office/drawing/2014/main" id="{CB73F4D1-B9A3-4A02-9CA4-134FC292AF72}"/>
+              </a:ext>
+            </a:extLst>
+          </p:cNvPr>
+          <p:cNvSpPr/>
+          <p:nvPr/>
+        </p:nvSpPr>
+        <p:spPr>
+          <a:xfrm>
+            <a:off x="590375" y="1707612"/>
+            <a:ext cx="8871677" cy="461665"/>
+          </a:xfrm>
+          <a:prstGeom prst="rect">
+            <a:avLst/>
+          </a:prstGeom>
+        </p:spPr>
+        <p:txBody>
+          <a:bodyPr wrap="square">
+            <a:spAutoFit/>
+          </a:bodyPr>
+          <a:lstStyle/>
+          <a:p>
+            <a:pPr marL="342900" indent="-342900">
+              <a:spcAft>
+                <a:spcPts val="1200"/>
+              </a:spcAft>
+              <a:buFont typeface="Arial" panose="020B0604020202020204" pitchFamily="34" charset="0"/>
+              <a:buChar char="•"/>
+            </a:pPr>
+            <a:r>
+              <a:rPr lang="en-US" sz="2400" i="1" dirty="0">
+                <a:solidFill>
+                  <a:srgbClr val="000000"/>
+                </a:solidFill>
+              </a:rPr>
+              <a:t>Signature : </a:t>
+            </a:r>
+            <a:r>
+              <a:rPr lang="en-US" sz="2200" i="1" dirty="0">
+                <a:solidFill>
+                  <a:schemeClr val="accent1">
+                    <a:lumMod val="50000"/>
+                  </a:schemeClr>
+                </a:solidFill>
+              </a:rPr>
+              <a:t>_mod (modified_word, modifier_word)</a:t>
+            </a:r>
+          </a:p>
+        </p:txBody>
+      </p:sp>
+      <p:sp>
+        <p:nvSpPr>
+          <p:cNvPr id="7" name="Rectangle 6">
+            <a:extLst>
+              <a:ext uri="{FF2B5EF4-FFF2-40B4-BE49-F238E27FC236}">
+                <a16:creationId xmlns:a16="http://schemas.microsoft.com/office/drawing/2014/main" id="{4278CA3A-68A5-4AB6-8FA3-349098B5664E}"/>
+              </a:ext>
+            </a:extLst>
+          </p:cNvPr>
+          <p:cNvSpPr/>
+          <p:nvPr/>
+        </p:nvSpPr>
+        <p:spPr>
+          <a:xfrm>
+            <a:off x="590375" y="2308811"/>
+            <a:ext cx="11389590" cy="1969770"/>
+          </a:xfrm>
+          <a:prstGeom prst="rect">
+            <a:avLst/>
+          </a:prstGeom>
+        </p:spPr>
+        <p:txBody>
+          <a:bodyPr wrap="square">
+            <a:spAutoFit/>
+          </a:bodyPr>
+          <a:lstStyle/>
+          <a:p>
+            <a:pPr marL="342900" indent="-342900">
+              <a:spcAft>
+                <a:spcPts val="1200"/>
+              </a:spcAft>
+              <a:buFont typeface="Arial" panose="020B0604020202020204" pitchFamily="34" charset="0"/>
+              <a:buChar char="•"/>
+            </a:pPr>
+            <a:r>
+              <a:rPr lang="en-US" sz="2400" dirty="0"/>
+              <a:t>Terms in predicate</a:t>
+            </a:r>
+            <a:r>
+              <a:rPr lang="en-US" sz="2000" i="1" dirty="0"/>
+              <a:t>	</a:t>
+            </a:r>
+          </a:p>
+          <a:p>
+            <a:pPr marL="914400" lvl="1" indent="-457200">
+              <a:buAutoNum type="arabicPeriod"/>
+            </a:pPr>
+            <a:r>
+              <a:rPr lang="en-US" sz="2200" i="1" dirty="0">
+                <a:solidFill>
+                  <a:srgbClr val="000000"/>
+                </a:solidFill>
+              </a:rPr>
+              <a:t>modified_word 	: This can either be a </a:t>
+            </a:r>
+            <a:r>
+              <a:rPr lang="en-US" sz="2200" i="1" dirty="0">
+                <a:solidFill>
+                  <a:srgbClr val="FF0000"/>
+                </a:solidFill>
+              </a:rPr>
+              <a:t>noun</a:t>
+            </a:r>
+            <a:r>
+              <a:rPr lang="en-US" sz="2200" i="1" dirty="0">
+                <a:solidFill>
+                  <a:srgbClr val="000000"/>
+                </a:solidFill>
+              </a:rPr>
+              <a:t> or a </a:t>
+            </a:r>
+            <a:r>
+              <a:rPr lang="en-US" sz="2200" i="1" dirty="0">
+                <a:solidFill>
+                  <a:srgbClr val="FF0000"/>
+                </a:solidFill>
+              </a:rPr>
+              <a:t>verb</a:t>
+            </a:r>
+            <a:endParaRPr lang="en-US" sz="2200" i="1" dirty="0">
+              <a:solidFill>
+                <a:srgbClr val="000000"/>
+              </a:solidFill>
+            </a:endParaRPr>
+          </a:p>
+          <a:p>
+            <a:pPr marL="914400" lvl="1" indent="-457200">
+              <a:buAutoNum type="arabicPeriod"/>
+            </a:pPr>
+            <a:r>
+              <a:rPr lang="en-US" sz="2200" i="1" dirty="0">
+                <a:solidFill>
+                  <a:srgbClr val="000000"/>
+                </a:solidFill>
+              </a:rPr>
+              <a:t>modifier_word	: The modifier word can either be an adjective in cases of a noun, obtained 		  from the </a:t>
+            </a:r>
+            <a:r>
+              <a:rPr lang="en-US" sz="2200" i="1" dirty="0">
+                <a:solidFill>
+                  <a:srgbClr val="920000"/>
+                </a:solidFill>
+              </a:rPr>
+              <a:t>amod </a:t>
+            </a:r>
+            <a:r>
+              <a:rPr lang="en-US" sz="2200" i="1" dirty="0">
+                <a:solidFill>
+                  <a:srgbClr val="000000"/>
+                </a:solidFill>
+              </a:rPr>
+              <a:t>dependency. In the case of a verb the modifier is an 			 adverb obtained using the </a:t>
+            </a:r>
+            <a:r>
+              <a:rPr lang="en-US" sz="2200" i="1" dirty="0">
+                <a:solidFill>
+                  <a:srgbClr val="920000"/>
+                </a:solidFill>
+              </a:rPr>
+              <a:t>advmod</a:t>
+            </a:r>
+            <a:r>
+              <a:rPr lang="en-US" sz="2200" i="1" dirty="0">
+                <a:solidFill>
+                  <a:srgbClr val="000000"/>
+                </a:solidFill>
+              </a:rPr>
+              <a:t> dependency.</a:t>
+            </a:r>
+            <a:endParaRPr lang="en-US" dirty="0"/>
+          </a:p>
+        </p:txBody>
+      </p:sp>
+      <p:sp>
+        <p:nvSpPr>
+          <p:cNvPr id="9" name="Rectangle 8">
+            <a:extLst>
+              <a:ext uri="{FF2B5EF4-FFF2-40B4-BE49-F238E27FC236}">
+                <a16:creationId xmlns:a16="http://schemas.microsoft.com/office/drawing/2014/main" id="{E0C3FF76-9C6B-4A2C-80A1-299F5A916F8E}"/>
+              </a:ext>
+            </a:extLst>
+          </p:cNvPr>
+          <p:cNvSpPr/>
+          <p:nvPr/>
+        </p:nvSpPr>
+        <p:spPr>
+          <a:xfrm>
+            <a:off x="590374" y="4278581"/>
+            <a:ext cx="11242235" cy="923330"/>
+          </a:xfrm>
+          <a:prstGeom prst="rect">
+            <a:avLst/>
+          </a:prstGeom>
+        </p:spPr>
+        <p:txBody>
+          <a:bodyPr wrap="square">
+            <a:spAutoFit/>
+          </a:bodyPr>
+          <a:lstStyle/>
+          <a:p>
+            <a:pPr marL="285750" indent="-285750">
+              <a:spcAft>
+                <a:spcPts val="1200"/>
+              </a:spcAft>
+              <a:buFont typeface="Arial" panose="020B0604020202020204" pitchFamily="34" charset="0"/>
+              <a:buChar char="•"/>
+            </a:pPr>
+            <a:r>
+              <a:rPr lang="en-US" sz="2200" dirty="0">
+                <a:solidFill>
+                  <a:srgbClr val="000000"/>
+                </a:solidFill>
+              </a:rPr>
+              <a:t>Using the modifier predicate we can understand about quantities of nouns.</a:t>
+            </a:r>
+          </a:p>
+          <a:p>
+            <a:pPr marL="285750" indent="-285750">
+              <a:spcAft>
+                <a:spcPts val="1200"/>
+              </a:spcAft>
+              <a:buFont typeface="Arial" panose="020B0604020202020204" pitchFamily="34" charset="0"/>
+              <a:buChar char="•"/>
+            </a:pPr>
+            <a:r>
+              <a:rPr lang="en-US" sz="2200" dirty="0">
+                <a:solidFill>
+                  <a:srgbClr val="000000"/>
+                </a:solidFill>
+              </a:rPr>
+              <a:t>These predicates come in handy when answering the “How” questions in question answering.</a:t>
+            </a:r>
+            <a:endParaRPr lang="en-US" sz="2200" i="1" dirty="0">
+              <a:solidFill>
+                <a:srgbClr val="000000"/>
+              </a:solidFill>
+            </a:endParaRPr>
           </a:p>
         </p:txBody>
       </p:sp>
     </p:spTree>
     <p:extLst>
       <p:ext uri="{BB962C8B-B14F-4D97-AF65-F5344CB8AC3E}">
-        <p14:creationId xmlns:p14="http://schemas.microsoft.com/office/powerpoint/2010/main" val="1874316987"/>
+        <p14:creationId xmlns:p14="http://schemas.microsoft.com/office/powerpoint/2010/main" val="4125651297"/>
       </p:ext>
     </p:extLst>
   </p:cSld>
@@ -17691,8 +19920,8 @@
         </p:nvSpPr>
         <p:spPr>
           <a:xfrm>
-            <a:off x="3613050" y="332816"/>
-            <a:ext cx="4965899" cy="646331"/>
+            <a:off x="3992571" y="332816"/>
+            <a:ext cx="4206858" cy="646331"/>
           </a:xfrm>
           <a:prstGeom prst="rect">
             <a:avLst/>
@@ -17712,7 +19941,7 @@
                   <a:schemeClr val="bg1"/>
                 </a:solidFill>
               </a:rPr>
-              <a:t>Named Entity Predicates</a:t>
+              <a:t>Possessive Predicate</a:t>
             </a:r>
           </a:p>
         </p:txBody>
@@ -17720,7 +19949,7 @@
     </p:spTree>
     <p:extLst>
       <p:ext uri="{BB962C8B-B14F-4D97-AF65-F5344CB8AC3E}">
-        <p14:creationId xmlns:p14="http://schemas.microsoft.com/office/powerpoint/2010/main" val="3317204468"/>
+        <p14:creationId xmlns:p14="http://schemas.microsoft.com/office/powerpoint/2010/main" val="136009511"/>
       </p:ext>
     </p:extLst>
   </p:cSld>
@@ -18084,6 +20313,354 @@
         </p:nvSpPr>
         <p:spPr>
           <a:xfrm>
+            <a:off x="3992571" y="332816"/>
+            <a:ext cx="4206858" cy="646331"/>
+          </a:xfrm>
+          <a:prstGeom prst="rect">
+            <a:avLst/>
+          </a:prstGeom>
+          <a:noFill/>
+        </p:spPr>
+        <p:txBody>
+          <a:bodyPr wrap="square" rtlCol="0">
+            <a:spAutoFit/>
+          </a:bodyPr>
+          <a:lstStyle/>
+          <a:p>
+            <a:pPr algn="ctr"/>
+            <a:r>
+              <a:rPr lang="en-US" sz="3600" dirty="0">
+                <a:solidFill>
+                  <a:schemeClr val="bg1"/>
+                </a:solidFill>
+              </a:rPr>
+              <a:t>Instance Predicate</a:t>
+            </a:r>
+          </a:p>
+        </p:txBody>
+      </p:sp>
+    </p:spTree>
+    <p:extLst>
+      <p:ext uri="{BB962C8B-B14F-4D97-AF65-F5344CB8AC3E}">
+        <p14:creationId xmlns:p14="http://schemas.microsoft.com/office/powerpoint/2010/main" val="1743418327"/>
+      </p:ext>
+    </p:extLst>
+  </p:cSld>
+  <p:clrMapOvr>
+    <a:masterClrMapping/>
+  </p:clrMapOvr>
+</p:sld>
+</file>
+
+<file path=ppt/slides/slide51.xml><?xml version="1.0" encoding="utf-8"?>
+<p:sld xmlns:a="http://schemas.openxmlformats.org/drawingml/2006/main" xmlns:r="http://schemas.openxmlformats.org/officeDocument/2006/relationships" xmlns:p="http://schemas.openxmlformats.org/presentationml/2006/main">
+  <p:cSld>
+    <p:spTree>
+      <p:nvGrpSpPr>
+        <p:cNvPr id="1" name=""/>
+        <p:cNvGrpSpPr/>
+        <p:nvPr/>
+      </p:nvGrpSpPr>
+      <p:grpSpPr>
+        <a:xfrm>
+          <a:off x="0" y="0"/>
+          <a:ext cx="0" cy="0"/>
+          <a:chOff x="0" y="0"/>
+          <a:chExt cx="0" cy="0"/>
+        </a:xfrm>
+      </p:grpSpPr>
+      <p:sp>
+        <p:nvSpPr>
+          <p:cNvPr id="5" name="Rectangle 4">
+            <a:extLst>
+              <a:ext uri="{FF2B5EF4-FFF2-40B4-BE49-F238E27FC236}">
+                <a16:creationId xmlns:a16="http://schemas.microsoft.com/office/drawing/2014/main" id="{8C2198D3-9081-462D-89AA-2AE36F0B965E}"/>
+              </a:ext>
+            </a:extLst>
+          </p:cNvPr>
+          <p:cNvSpPr/>
+          <p:nvPr/>
+        </p:nvSpPr>
+        <p:spPr>
+          <a:xfrm>
+            <a:off x="0" y="0"/>
+            <a:ext cx="12192000" cy="1311965"/>
+          </a:xfrm>
+          <a:prstGeom prst="rect">
+            <a:avLst/>
+          </a:prstGeom>
+        </p:spPr>
+        <p:style>
+          <a:lnRef idx="2">
+            <a:schemeClr val="dk1">
+              <a:shade val="50000"/>
+            </a:schemeClr>
+          </a:lnRef>
+          <a:fillRef idx="1">
+            <a:schemeClr val="dk1"/>
+          </a:fillRef>
+          <a:effectRef idx="0">
+            <a:schemeClr val="dk1"/>
+          </a:effectRef>
+          <a:fontRef idx="minor">
+            <a:schemeClr val="lt1"/>
+          </a:fontRef>
+        </p:style>
+        <p:txBody>
+          <a:bodyPr rtlCol="0" anchor="ctr"/>
+          <a:lstStyle/>
+          <a:p>
+            <a:pPr algn="ctr"/>
+            <a:endParaRPr lang="en-US" dirty="0"/>
+          </a:p>
+        </p:txBody>
+      </p:sp>
+      <p:sp>
+        <p:nvSpPr>
+          <p:cNvPr id="3" name="TextBox 2">
+            <a:extLst>
+              <a:ext uri="{FF2B5EF4-FFF2-40B4-BE49-F238E27FC236}">
+                <a16:creationId xmlns:a16="http://schemas.microsoft.com/office/drawing/2014/main" id="{1980B4EC-4697-4B4F-87E9-C0E68B2BB033}"/>
+              </a:ext>
+            </a:extLst>
+          </p:cNvPr>
+          <p:cNvSpPr txBox="1"/>
+          <p:nvPr/>
+        </p:nvSpPr>
+        <p:spPr>
+          <a:xfrm>
+            <a:off x="3992571" y="332816"/>
+            <a:ext cx="4206858" cy="646331"/>
+          </a:xfrm>
+          <a:prstGeom prst="rect">
+            <a:avLst/>
+          </a:prstGeom>
+          <a:noFill/>
+        </p:spPr>
+        <p:txBody>
+          <a:bodyPr wrap="square" rtlCol="0">
+            <a:spAutoFit/>
+          </a:bodyPr>
+          <a:lstStyle/>
+          <a:p>
+            <a:pPr algn="ctr"/>
+            <a:r>
+              <a:rPr lang="en-US" sz="3600" dirty="0">
+                <a:solidFill>
+                  <a:schemeClr val="bg1"/>
+                </a:solidFill>
+              </a:rPr>
+              <a:t>Relation Predicate</a:t>
+            </a:r>
+          </a:p>
+        </p:txBody>
+      </p:sp>
+    </p:spTree>
+    <p:extLst>
+      <p:ext uri="{BB962C8B-B14F-4D97-AF65-F5344CB8AC3E}">
+        <p14:creationId xmlns:p14="http://schemas.microsoft.com/office/powerpoint/2010/main" val="1874316987"/>
+      </p:ext>
+    </p:extLst>
+  </p:cSld>
+  <p:clrMapOvr>
+    <a:masterClrMapping/>
+  </p:clrMapOvr>
+</p:sld>
+</file>
+
+<file path=ppt/slides/slide52.xml><?xml version="1.0" encoding="utf-8"?>
+<p:sld xmlns:a="http://schemas.openxmlformats.org/drawingml/2006/main" xmlns:r="http://schemas.openxmlformats.org/officeDocument/2006/relationships" xmlns:p="http://schemas.openxmlformats.org/presentationml/2006/main">
+  <p:cSld>
+    <p:spTree>
+      <p:nvGrpSpPr>
+        <p:cNvPr id="1" name=""/>
+        <p:cNvGrpSpPr/>
+        <p:nvPr/>
+      </p:nvGrpSpPr>
+      <p:grpSpPr>
+        <a:xfrm>
+          <a:off x="0" y="0"/>
+          <a:ext cx="0" cy="0"/>
+          <a:chOff x="0" y="0"/>
+          <a:chExt cx="0" cy="0"/>
+        </a:xfrm>
+      </p:grpSpPr>
+      <p:sp>
+        <p:nvSpPr>
+          <p:cNvPr id="5" name="Rectangle 4">
+            <a:extLst>
+              <a:ext uri="{FF2B5EF4-FFF2-40B4-BE49-F238E27FC236}">
+                <a16:creationId xmlns:a16="http://schemas.microsoft.com/office/drawing/2014/main" id="{8C2198D3-9081-462D-89AA-2AE36F0B965E}"/>
+              </a:ext>
+            </a:extLst>
+          </p:cNvPr>
+          <p:cNvSpPr/>
+          <p:nvPr/>
+        </p:nvSpPr>
+        <p:spPr>
+          <a:xfrm>
+            <a:off x="0" y="0"/>
+            <a:ext cx="12192000" cy="1311965"/>
+          </a:xfrm>
+          <a:prstGeom prst="rect">
+            <a:avLst/>
+          </a:prstGeom>
+        </p:spPr>
+        <p:style>
+          <a:lnRef idx="2">
+            <a:schemeClr val="dk1">
+              <a:shade val="50000"/>
+            </a:schemeClr>
+          </a:lnRef>
+          <a:fillRef idx="1">
+            <a:schemeClr val="dk1"/>
+          </a:fillRef>
+          <a:effectRef idx="0">
+            <a:schemeClr val="dk1"/>
+          </a:effectRef>
+          <a:fontRef idx="minor">
+            <a:schemeClr val="lt1"/>
+          </a:fontRef>
+        </p:style>
+        <p:txBody>
+          <a:bodyPr rtlCol="0" anchor="ctr"/>
+          <a:lstStyle/>
+          <a:p>
+            <a:pPr algn="ctr"/>
+            <a:endParaRPr lang="en-US" dirty="0"/>
+          </a:p>
+        </p:txBody>
+      </p:sp>
+      <p:sp>
+        <p:nvSpPr>
+          <p:cNvPr id="3" name="TextBox 2">
+            <a:extLst>
+              <a:ext uri="{FF2B5EF4-FFF2-40B4-BE49-F238E27FC236}">
+                <a16:creationId xmlns:a16="http://schemas.microsoft.com/office/drawing/2014/main" id="{1980B4EC-4697-4B4F-87E9-C0E68B2BB033}"/>
+              </a:ext>
+            </a:extLst>
+          </p:cNvPr>
+          <p:cNvSpPr txBox="1"/>
+          <p:nvPr/>
+        </p:nvSpPr>
+        <p:spPr>
+          <a:xfrm>
+            <a:off x="3613050" y="332816"/>
+            <a:ext cx="4965899" cy="646331"/>
+          </a:xfrm>
+          <a:prstGeom prst="rect">
+            <a:avLst/>
+          </a:prstGeom>
+          <a:noFill/>
+        </p:spPr>
+        <p:txBody>
+          <a:bodyPr wrap="square" rtlCol="0">
+            <a:spAutoFit/>
+          </a:bodyPr>
+          <a:lstStyle/>
+          <a:p>
+            <a:pPr algn="ctr"/>
+            <a:r>
+              <a:rPr lang="en-US" sz="3600" dirty="0">
+                <a:solidFill>
+                  <a:schemeClr val="bg1"/>
+                </a:solidFill>
+              </a:rPr>
+              <a:t>Named Entity Predicates</a:t>
+            </a:r>
+          </a:p>
+        </p:txBody>
+      </p:sp>
+    </p:spTree>
+    <p:extLst>
+      <p:ext uri="{BB962C8B-B14F-4D97-AF65-F5344CB8AC3E}">
+        <p14:creationId xmlns:p14="http://schemas.microsoft.com/office/powerpoint/2010/main" val="3317204468"/>
+      </p:ext>
+    </p:extLst>
+  </p:cSld>
+  <p:clrMapOvr>
+    <a:masterClrMapping/>
+  </p:clrMapOvr>
+</p:sld>
+</file>
+
+<file path=ppt/slides/slide53.xml><?xml version="1.0" encoding="utf-8"?>
+<p:sld xmlns:a="http://schemas.openxmlformats.org/drawingml/2006/main" xmlns:r="http://schemas.openxmlformats.org/officeDocument/2006/relationships" xmlns:p="http://schemas.openxmlformats.org/presentationml/2006/main">
+  <p:cSld>
+    <p:spTree>
+      <p:nvGrpSpPr>
+        <p:cNvPr id="1" name=""/>
+        <p:cNvGrpSpPr/>
+        <p:nvPr/>
+      </p:nvGrpSpPr>
+      <p:grpSpPr>
+        <a:xfrm>
+          <a:off x="0" y="0"/>
+          <a:ext cx="0" cy="0"/>
+          <a:chOff x="0" y="0"/>
+          <a:chExt cx="0" cy="0"/>
+        </a:xfrm>
+      </p:grpSpPr>
+      <p:sp>
+        <p:nvSpPr>
+          <p:cNvPr id="5" name="Rectangle 4">
+            <a:extLst>
+              <a:ext uri="{FF2B5EF4-FFF2-40B4-BE49-F238E27FC236}">
+                <a16:creationId xmlns:a16="http://schemas.microsoft.com/office/drawing/2014/main" id="{8C2198D3-9081-462D-89AA-2AE36F0B965E}"/>
+              </a:ext>
+            </a:extLst>
+          </p:cNvPr>
+          <p:cNvSpPr/>
+          <p:nvPr/>
+        </p:nvSpPr>
+        <p:spPr>
+          <a:xfrm>
+            <a:off x="0" y="0"/>
+            <a:ext cx="12192000" cy="1311965"/>
+          </a:xfrm>
+          <a:prstGeom prst="rect">
+            <a:avLst/>
+          </a:prstGeom>
+        </p:spPr>
+        <p:style>
+          <a:lnRef idx="2">
+            <a:schemeClr val="dk1">
+              <a:shade val="50000"/>
+            </a:schemeClr>
+          </a:lnRef>
+          <a:fillRef idx="1">
+            <a:schemeClr val="dk1"/>
+          </a:fillRef>
+          <a:effectRef idx="0">
+            <a:schemeClr val="dk1"/>
+          </a:effectRef>
+          <a:fontRef idx="minor">
+            <a:schemeClr val="lt1"/>
+          </a:fontRef>
+        </p:style>
+        <p:txBody>
+          <a:bodyPr rtlCol="0" anchor="ctr"/>
+          <a:lstStyle/>
+          <a:p>
+            <a:pPr algn="ctr"/>
+            <a:endParaRPr lang="en-US" dirty="0"/>
+          </a:p>
+        </p:txBody>
+      </p:sp>
+      <p:sp>
+        <p:nvSpPr>
+          <p:cNvPr id="3" name="TextBox 2">
+            <a:extLst>
+              <a:ext uri="{FF2B5EF4-FFF2-40B4-BE49-F238E27FC236}">
+                <a16:creationId xmlns:a16="http://schemas.microsoft.com/office/drawing/2014/main" id="{1980B4EC-4697-4B4F-87E9-C0E68B2BB033}"/>
+              </a:ext>
+            </a:extLst>
+          </p:cNvPr>
+          <p:cNvSpPr txBox="1"/>
+          <p:nvPr/>
+        </p:nvSpPr>
+        <p:spPr>
+          <a:xfrm>
             <a:off x="3613050" y="332816"/>
             <a:ext cx="4965899" cy="646331"/>
           </a:xfrm>
@@ -18123,7 +20700,7 @@
 </p:sld>
 </file>
 
-<file path=ppt/slides/slide51.xml><?xml version="1.0" encoding="utf-8"?>
+<file path=ppt/slides/slide54.xml><?xml version="1.0" encoding="utf-8"?>
 <p:sld xmlns:a="http://schemas.openxmlformats.org/drawingml/2006/main" xmlns:r="http://schemas.openxmlformats.org/officeDocument/2006/relationships" xmlns:p="http://schemas.openxmlformats.org/presentationml/2006/main">
   <p:cSld>
     <p:spTree>
@@ -18262,7 +20839,146 @@
 </p:sld>
 </file>
 
-<file path=ppt/slides/slide52.xml><?xml version="1.0" encoding="utf-8"?>
+<file path=ppt/slides/slide55.xml><?xml version="1.0" encoding="utf-8"?>
+<p:sld xmlns:a="http://schemas.openxmlformats.org/drawingml/2006/main" xmlns:r="http://schemas.openxmlformats.org/officeDocument/2006/relationships" xmlns:p="http://schemas.openxmlformats.org/presentationml/2006/main">
+  <p:cSld>
+    <p:spTree>
+      <p:nvGrpSpPr>
+        <p:cNvPr id="1" name=""/>
+        <p:cNvGrpSpPr/>
+        <p:nvPr/>
+      </p:nvGrpSpPr>
+      <p:grpSpPr>
+        <a:xfrm>
+          <a:off x="0" y="0"/>
+          <a:ext cx="0" cy="0"/>
+          <a:chOff x="0" y="0"/>
+          <a:chExt cx="0" cy="0"/>
+        </a:xfrm>
+      </p:grpSpPr>
+      <p:sp>
+        <p:nvSpPr>
+          <p:cNvPr id="3" name="TextBox 2">
+            <a:extLst>
+              <a:ext uri="{FF2B5EF4-FFF2-40B4-BE49-F238E27FC236}">
+                <a16:creationId xmlns:a16="http://schemas.microsoft.com/office/drawing/2014/main" id="{1980B4EC-4697-4B4F-87E9-C0E68B2BB033}"/>
+              </a:ext>
+            </a:extLst>
+          </p:cNvPr>
+          <p:cNvSpPr txBox="1"/>
+          <p:nvPr/>
+        </p:nvSpPr>
+        <p:spPr>
+          <a:xfrm>
+            <a:off x="934482" y="2519929"/>
+            <a:ext cx="10323031" cy="923330"/>
+          </a:xfrm>
+          <a:prstGeom prst="rect">
+            <a:avLst/>
+          </a:prstGeom>
+          <a:noFill/>
+        </p:spPr>
+        <p:txBody>
+          <a:bodyPr wrap="square" rtlCol="0">
+            <a:spAutoFit/>
+          </a:bodyPr>
+          <a:lstStyle/>
+          <a:p>
+            <a:pPr algn="ctr"/>
+            <a:r>
+              <a:rPr lang="en-US" sz="5400" dirty="0">
+                <a:ln w="0"/>
+              </a:rPr>
+              <a:t>Query Generation</a:t>
+            </a:r>
+          </a:p>
+        </p:txBody>
+      </p:sp>
+      <p:sp>
+        <p:nvSpPr>
+          <p:cNvPr id="4" name="TextBox 3">
+            <a:extLst>
+              <a:ext uri="{FF2B5EF4-FFF2-40B4-BE49-F238E27FC236}">
+                <a16:creationId xmlns:a16="http://schemas.microsoft.com/office/drawing/2014/main" id="{B14FD700-3C32-4235-952A-592B95B5138E}"/>
+              </a:ext>
+            </a:extLst>
+          </p:cNvPr>
+          <p:cNvSpPr txBox="1"/>
+          <p:nvPr/>
+        </p:nvSpPr>
+        <p:spPr>
+          <a:xfrm>
+            <a:off x="4061787" y="3443259"/>
+            <a:ext cx="4068419" cy="461665"/>
+          </a:xfrm>
+          <a:prstGeom prst="rect">
+            <a:avLst/>
+          </a:prstGeom>
+          <a:noFill/>
+        </p:spPr>
+        <p:txBody>
+          <a:bodyPr wrap="square" rtlCol="0">
+            <a:spAutoFit/>
+          </a:bodyPr>
+          <a:lstStyle/>
+          <a:p>
+            <a:r>
+              <a:rPr lang="en-US" sz="2400" dirty="0"/>
+              <a:t>How to represent questions?</a:t>
+            </a:r>
+          </a:p>
+        </p:txBody>
+      </p:sp>
+      <p:cxnSp>
+        <p:nvCxnSpPr>
+          <p:cNvPr id="8" name="Straight Connector 7">
+            <a:extLst>
+              <a:ext uri="{FF2B5EF4-FFF2-40B4-BE49-F238E27FC236}">
+                <a16:creationId xmlns:a16="http://schemas.microsoft.com/office/drawing/2014/main" id="{1246DA07-DFD8-496C-BB69-FD95668F7C67}"/>
+              </a:ext>
+            </a:extLst>
+          </p:cNvPr>
+          <p:cNvCxnSpPr/>
+          <p:nvPr/>
+        </p:nvCxnSpPr>
+        <p:spPr>
+          <a:xfrm>
+            <a:off x="3670852" y="3429000"/>
+            <a:ext cx="4611756" cy="0"/>
+          </a:xfrm>
+          <a:prstGeom prst="line">
+            <a:avLst/>
+          </a:prstGeom>
+        </p:spPr>
+        <p:style>
+          <a:lnRef idx="1">
+            <a:schemeClr val="dk1"/>
+          </a:lnRef>
+          <a:fillRef idx="0">
+            <a:schemeClr val="dk1"/>
+          </a:fillRef>
+          <a:effectRef idx="0">
+            <a:schemeClr val="dk1"/>
+          </a:effectRef>
+          <a:fontRef idx="minor">
+            <a:schemeClr val="tx1"/>
+          </a:fontRef>
+        </p:style>
+      </p:cxnSp>
+    </p:spTree>
+    <p:extLst>
+      <p:ext uri="{BB962C8B-B14F-4D97-AF65-F5344CB8AC3E}">
+        <p14:creationId xmlns:p14="http://schemas.microsoft.com/office/powerpoint/2010/main" val="139407375"/>
+      </p:ext>
+    </p:extLst>
+  </p:cSld>
+  <p:clrMapOvr>
+    <a:masterClrMapping/>
+  </p:clrMapOvr>
+</p:sld>
+</file>
+
+<file path=ppt/slides/slide56.xml><?xml version="1.0" encoding="utf-8"?>
 <p:sld xmlns:a="http://schemas.openxmlformats.org/drawingml/2006/main" xmlns:r="http://schemas.openxmlformats.org/officeDocument/2006/relationships" xmlns:p="http://schemas.openxmlformats.org/presentationml/2006/main">
   <p:cSld>
     <p:spTree>
@@ -18366,7 +21082,7 @@
 </p:sld>
 </file>
 
-<file path=ppt/slides/slide53.xml><?xml version="1.0" encoding="utf-8"?>
+<file path=ppt/slides/slide57.xml><?xml version="1.0" encoding="utf-8"?>
 <p:sld xmlns:a="http://schemas.openxmlformats.org/drawingml/2006/main" xmlns:r="http://schemas.openxmlformats.org/officeDocument/2006/relationships" xmlns:p="http://schemas.openxmlformats.org/presentationml/2006/main">
   <p:cSld>
     <p:spTree>
@@ -18470,7 +21186,7 @@
 </p:sld>
 </file>
 
-<file path=ppt/slides/slide54.xml><?xml version="1.0" encoding="utf-8"?>
+<file path=ppt/slides/slide58.xml><?xml version="1.0" encoding="utf-8"?>
 <p:sld xmlns:a="http://schemas.openxmlformats.org/drawingml/2006/main" xmlns:r="http://schemas.openxmlformats.org/officeDocument/2006/relationships" xmlns:p="http://schemas.openxmlformats.org/presentationml/2006/main">
   <p:cSld>
     <p:spTree>
@@ -19290,7 +22006,7 @@
 </p:sld>
 </file>
 
-<file path=ppt/slides/slide55.xml><?xml version="1.0" encoding="utf-8"?>
+<file path=ppt/slides/slide59.xml><?xml version="1.0" encoding="utf-8"?>
 <p:sld xmlns:a="http://schemas.openxmlformats.org/drawingml/2006/main" xmlns:r="http://schemas.openxmlformats.org/officeDocument/2006/relationships" xmlns:p="http://schemas.openxmlformats.org/presentationml/2006/main">
   <p:cSld>
     <p:spTree>
@@ -20375,7 +23091,279 @@
 </p:sld>
 </file>
 
-<file path=ppt/slides/slide56.xml><?xml version="1.0" encoding="utf-8"?>
+<file path=ppt/slides/slide6.xml><?xml version="1.0" encoding="utf-8"?>
+<p:sld xmlns:a="http://schemas.openxmlformats.org/drawingml/2006/main" xmlns:r="http://schemas.openxmlformats.org/officeDocument/2006/relationships" xmlns:p="http://schemas.openxmlformats.org/presentationml/2006/main">
+  <p:cSld>
+    <p:spTree>
+      <p:nvGrpSpPr>
+        <p:cNvPr id="1" name=""/>
+        <p:cNvGrpSpPr/>
+        <p:nvPr/>
+      </p:nvGrpSpPr>
+      <p:grpSpPr>
+        <a:xfrm>
+          <a:off x="0" y="0"/>
+          <a:ext cx="0" cy="0"/>
+          <a:chOff x="0" y="0"/>
+          <a:chExt cx="0" cy="0"/>
+        </a:xfrm>
+      </p:grpSpPr>
+      <p:sp>
+        <p:nvSpPr>
+          <p:cNvPr id="5" name="Rectangle 4">
+            <a:extLst>
+              <a:ext uri="{FF2B5EF4-FFF2-40B4-BE49-F238E27FC236}">
+                <a16:creationId xmlns:a16="http://schemas.microsoft.com/office/drawing/2014/main" id="{8C2198D3-9081-462D-89AA-2AE36F0B965E}"/>
+              </a:ext>
+            </a:extLst>
+          </p:cNvPr>
+          <p:cNvSpPr/>
+          <p:nvPr/>
+        </p:nvSpPr>
+        <p:spPr>
+          <a:xfrm>
+            <a:off x="0" y="0"/>
+            <a:ext cx="12192000" cy="1311965"/>
+          </a:xfrm>
+          <a:prstGeom prst="rect">
+            <a:avLst/>
+          </a:prstGeom>
+        </p:spPr>
+        <p:style>
+          <a:lnRef idx="2">
+            <a:schemeClr val="dk1">
+              <a:shade val="50000"/>
+            </a:schemeClr>
+          </a:lnRef>
+          <a:fillRef idx="1">
+            <a:schemeClr val="dk1"/>
+          </a:fillRef>
+          <a:effectRef idx="0">
+            <a:schemeClr val="dk1"/>
+          </a:effectRef>
+          <a:fontRef idx="minor">
+            <a:schemeClr val="lt1"/>
+          </a:fontRef>
+        </p:style>
+        <p:txBody>
+          <a:bodyPr rtlCol="0" anchor="ctr"/>
+          <a:lstStyle/>
+          <a:p>
+            <a:pPr algn="ctr"/>
+            <a:endParaRPr lang="en-US" dirty="0"/>
+          </a:p>
+        </p:txBody>
+      </p:sp>
+      <p:sp>
+        <p:nvSpPr>
+          <p:cNvPr id="3" name="TextBox 2">
+            <a:extLst>
+              <a:ext uri="{FF2B5EF4-FFF2-40B4-BE49-F238E27FC236}">
+                <a16:creationId xmlns:a16="http://schemas.microsoft.com/office/drawing/2014/main" id="{1980B4EC-4697-4B4F-87E9-C0E68B2BB033}"/>
+              </a:ext>
+            </a:extLst>
+          </p:cNvPr>
+          <p:cNvSpPr txBox="1"/>
+          <p:nvPr/>
+        </p:nvSpPr>
+        <p:spPr>
+          <a:xfrm>
+            <a:off x="3202470" y="332816"/>
+            <a:ext cx="5490956" cy="646331"/>
+          </a:xfrm>
+          <a:prstGeom prst="rect">
+            <a:avLst/>
+          </a:prstGeom>
+          <a:noFill/>
+        </p:spPr>
+        <p:txBody>
+          <a:bodyPr wrap="square" rtlCol="0">
+            <a:spAutoFit/>
+          </a:bodyPr>
+          <a:lstStyle/>
+          <a:p>
+            <a:pPr algn="ctr"/>
+            <a:r>
+              <a:rPr lang="en-US" sz="3600" dirty="0">
+                <a:ln w="0"/>
+                <a:solidFill>
+                  <a:schemeClr val="bg1"/>
+                </a:solidFill>
+              </a:rPr>
+              <a:t>Classical Logic for Reasoning</a:t>
+            </a:r>
+          </a:p>
+        </p:txBody>
+      </p:sp>
+      <p:sp>
+        <p:nvSpPr>
+          <p:cNvPr id="4" name="Rectangle 3">
+            <a:extLst>
+              <a:ext uri="{FF2B5EF4-FFF2-40B4-BE49-F238E27FC236}">
+                <a16:creationId xmlns:a16="http://schemas.microsoft.com/office/drawing/2014/main" id="{B90E24EC-812D-4525-A931-F0C209C96274}"/>
+              </a:ext>
+            </a:extLst>
+          </p:cNvPr>
+          <p:cNvSpPr/>
+          <p:nvPr/>
+        </p:nvSpPr>
+        <p:spPr>
+          <a:xfrm>
+            <a:off x="530086" y="1976085"/>
+            <a:ext cx="10721010" cy="4031873"/>
+          </a:xfrm>
+          <a:prstGeom prst="rect">
+            <a:avLst/>
+          </a:prstGeom>
+        </p:spPr>
+        <p:txBody>
+          <a:bodyPr wrap="square">
+            <a:spAutoFit/>
+          </a:bodyPr>
+          <a:lstStyle/>
+          <a:p>
+            <a:pPr marL="457200" indent="-457200" algn="just">
+              <a:spcAft>
+                <a:spcPts val="1200"/>
+              </a:spcAft>
+              <a:buFont typeface="Arial" panose="020B0604020202020204" pitchFamily="34" charset="0"/>
+              <a:buChar char="•"/>
+              <a:defRPr/>
+            </a:pPr>
+            <a:r>
+              <a:rPr lang="en-US" altLang="en-US" sz="2400" dirty="0">
+                <a:solidFill>
+                  <a:srgbClr val="FF0000"/>
+                </a:solidFill>
+              </a:rPr>
+              <a:t>Classical logic </a:t>
+            </a:r>
+            <a:r>
+              <a:rPr lang="en-US" altLang="en-US" sz="2400" dirty="0"/>
+              <a:t>was used for many years to build Automated Reasoning systems.</a:t>
+            </a:r>
+          </a:p>
+          <a:p>
+            <a:pPr marL="457200" indent="-457200" algn="just">
+              <a:spcAft>
+                <a:spcPts val="1200"/>
+              </a:spcAft>
+              <a:buFont typeface="Arial" panose="020B0604020202020204" pitchFamily="34" charset="0"/>
+              <a:buChar char="•"/>
+              <a:defRPr/>
+            </a:pPr>
+            <a:r>
+              <a:rPr lang="en-US" altLang="en-US" sz="2400" dirty="0"/>
+              <a:t>Although some of these attempts were successful, they were not able to build </a:t>
+            </a:r>
+            <a:r>
+              <a:rPr lang="en-US" altLang="en-US" sz="2400" dirty="0">
+                <a:solidFill>
+                  <a:srgbClr val="FF0000"/>
+                </a:solidFill>
+              </a:rPr>
+              <a:t>truly intelligent systems</a:t>
+            </a:r>
+          </a:p>
+          <a:p>
+            <a:pPr marL="457200" indent="-457200" algn="just">
+              <a:spcAft>
+                <a:spcPts val="1200"/>
+              </a:spcAft>
+              <a:buFont typeface="Arial" panose="020B0604020202020204" pitchFamily="34" charset="0"/>
+              <a:buChar char="•"/>
+              <a:defRPr/>
+            </a:pPr>
+            <a:r>
+              <a:rPr lang="en-US" altLang="en-US" sz="2400" dirty="0"/>
+              <a:t>Some of the reasons for that lie in the fact that classical logic is </a:t>
+            </a:r>
+            <a:r>
+              <a:rPr lang="en-US" altLang="en-US" sz="2400" dirty="0">
+                <a:solidFill>
+                  <a:srgbClr val="FF0000"/>
+                </a:solidFill>
+              </a:rPr>
+              <a:t>monotonic</a:t>
+            </a:r>
+            <a:r>
+              <a:rPr lang="en-US" altLang="en-US" sz="2400" dirty="0"/>
+              <a:t>, </a:t>
+            </a:r>
+            <a:r>
+              <a:rPr lang="en-US" altLang="en-US" sz="2400" dirty="0">
+                <a:solidFill>
+                  <a:srgbClr val="FF0000"/>
+                </a:solidFill>
+              </a:rPr>
+              <a:t>incomplete</a:t>
+            </a:r>
+            <a:r>
+              <a:rPr lang="en-US" altLang="en-US" sz="2400" dirty="0"/>
+              <a:t> and </a:t>
+            </a:r>
+            <a:r>
+              <a:rPr lang="en-US" altLang="en-US" sz="2400" dirty="0">
+                <a:solidFill>
+                  <a:srgbClr val="FF0000"/>
+                </a:solidFill>
+              </a:rPr>
+              <a:t>undecidable</a:t>
+            </a:r>
+          </a:p>
+          <a:p>
+            <a:pPr marL="457200" indent="-457200" algn="just">
+              <a:spcAft>
+                <a:spcPts val="1200"/>
+              </a:spcAft>
+              <a:buFont typeface="Arial" panose="020B0604020202020204" pitchFamily="34" charset="0"/>
+              <a:buChar char="•"/>
+              <a:defRPr/>
+            </a:pPr>
+            <a:r>
+              <a:rPr lang="en-US" altLang="en-US" sz="2400" dirty="0"/>
+              <a:t>Due to the above mentioned shortcomings classical logic is not a suitable candidate to model human thinking.</a:t>
+            </a:r>
+          </a:p>
+          <a:p>
+            <a:pPr marL="457200" indent="-457200" algn="just">
+              <a:buFont typeface="Arial" panose="020B0604020202020204" pitchFamily="34" charset="0"/>
+              <a:buChar char="•"/>
+              <a:defRPr/>
+            </a:pPr>
+            <a:r>
+              <a:rPr lang="en-US" altLang="en-US" sz="2400" dirty="0"/>
+              <a:t>We can observe from the previous examples that </a:t>
+            </a:r>
+            <a:r>
+              <a:rPr lang="en-US" altLang="en-US" sz="2400" dirty="0">
+                <a:solidFill>
+                  <a:srgbClr val="FF0000"/>
+                </a:solidFill>
+              </a:rPr>
+              <a:t>humans do not use classical logic </a:t>
+            </a:r>
+            <a:r>
+              <a:rPr lang="en-US" altLang="en-US" sz="2400" dirty="0"/>
+              <a:t>while reasoning.</a:t>
+            </a:r>
+          </a:p>
+        </p:txBody>
+      </p:sp>
+    </p:spTree>
+    <p:extLst>
+      <p:ext uri="{BB962C8B-B14F-4D97-AF65-F5344CB8AC3E}">
+        <p14:creationId xmlns:p14="http://schemas.microsoft.com/office/powerpoint/2010/main" val="4080897294"/>
+      </p:ext>
+    </p:extLst>
+  </p:cSld>
+  <p:clrMapOvr>
+    <a:masterClrMapping/>
+  </p:clrMapOvr>
+</p:sld>
+</file>
+
+<file path=ppt/slides/slide60.xml><?xml version="1.0" encoding="utf-8"?>
 <p:sld xmlns:a="http://schemas.openxmlformats.org/drawingml/2006/main" xmlns:r="http://schemas.openxmlformats.org/officeDocument/2006/relationships" xmlns:p="http://schemas.openxmlformats.org/presentationml/2006/main">
   <p:cSld>
     <p:spTree>
@@ -21195,1276 +24183,6 @@
 </p:sld>
 </file>
 
-<file path=ppt/slides/slide57.xml><?xml version="1.0" encoding="utf-8"?>
-<p:sld xmlns:a="http://schemas.openxmlformats.org/drawingml/2006/main" xmlns:r="http://schemas.openxmlformats.org/officeDocument/2006/relationships" xmlns:p="http://schemas.openxmlformats.org/presentationml/2006/main">
-  <p:cSld>
-    <p:spTree>
-      <p:nvGrpSpPr>
-        <p:cNvPr id="1" name=""/>
-        <p:cNvGrpSpPr/>
-        <p:nvPr/>
-      </p:nvGrpSpPr>
-      <p:grpSpPr>
-        <a:xfrm>
-          <a:off x="0" y="0"/>
-          <a:ext cx="0" cy="0"/>
-          <a:chOff x="0" y="0"/>
-          <a:chExt cx="0" cy="0"/>
-        </a:xfrm>
-      </p:grpSpPr>
-      <p:sp>
-        <p:nvSpPr>
-          <p:cNvPr id="5" name="Rectangle 4">
-            <a:extLst>
-              <a:ext uri="{FF2B5EF4-FFF2-40B4-BE49-F238E27FC236}">
-                <a16:creationId xmlns:a16="http://schemas.microsoft.com/office/drawing/2014/main" id="{4FDB0B06-F270-4F00-8383-EB0ABF97EF01}"/>
-              </a:ext>
-            </a:extLst>
-          </p:cNvPr>
-          <p:cNvSpPr/>
-          <p:nvPr/>
-        </p:nvSpPr>
-        <p:spPr>
-          <a:xfrm>
-            <a:off x="556589" y="1644781"/>
-            <a:ext cx="11078818" cy="2554545"/>
-          </a:xfrm>
-          <a:prstGeom prst="rect">
-            <a:avLst/>
-          </a:prstGeom>
-        </p:spPr>
-        <p:txBody>
-          <a:bodyPr wrap="square">
-            <a:spAutoFit/>
-          </a:bodyPr>
-          <a:lstStyle/>
-          <a:p>
-            <a:pPr algn="just"/>
-            <a:r>
-              <a:rPr lang="en-US" sz="2000" i="1" dirty="0"/>
-              <a:t>“Super Bowl 50 was an American football game. Super Bowl 50 was to determine the champion of the </a:t>
-            </a:r>
-            <a:r>
-              <a:rPr lang="en-US" sz="2000" i="1" dirty="0">
-                <a:solidFill>
-                  <a:srgbClr val="FF0000"/>
-                </a:solidFill>
-              </a:rPr>
-              <a:t>National Football League (NFL) </a:t>
-            </a:r>
-            <a:r>
-              <a:rPr lang="en-US" sz="2000" i="1" dirty="0"/>
-              <a:t>for the 2015 season. The </a:t>
-            </a:r>
-            <a:r>
-              <a:rPr lang="en-US" sz="2000" i="1" dirty="0">
-                <a:solidFill>
-                  <a:srgbClr val="FF0000"/>
-                </a:solidFill>
-              </a:rPr>
-              <a:t>American Football Conference's (AFC) team, Denver Broncos</a:t>
-            </a:r>
-            <a:r>
-              <a:rPr lang="en-US" sz="2000" i="1" dirty="0"/>
-              <a:t>, defeated the National Football Conference's (NFC) team, Carolina Panthers, by 24 10 to </a:t>
-            </a:r>
-            <a:r>
-              <a:rPr lang="en-US" sz="2000" i="1" dirty="0">
-                <a:solidFill>
-                  <a:srgbClr val="FF0000"/>
-                </a:solidFill>
-              </a:rPr>
-              <a:t>earn AFC third Super Bowl title</a:t>
-            </a:r>
-            <a:r>
-              <a:rPr lang="en-US" sz="2000" i="1" dirty="0"/>
-              <a:t>. As Super Bowl 50 was the 50th Super Bowl, the league emphasized the 'golden anniversary' with various gold themed initiatives, as well as temporarily suspending the tradition of naming each Super Bowl with roman numerals, under the tradition the game would have been known as Super Bowl L, so that the logo could prominently feature the Arabic numerals 50. The game was played on </a:t>
-            </a:r>
-            <a:r>
-              <a:rPr lang="en-US" sz="2000" i="1" dirty="0">
-                <a:solidFill>
-                  <a:srgbClr val="FF0000"/>
-                </a:solidFill>
-              </a:rPr>
-              <a:t>February 7 2016</a:t>
-            </a:r>
-            <a:r>
-              <a:rPr lang="en-US" sz="2000" i="1" dirty="0"/>
-              <a:t>, at </a:t>
-            </a:r>
-            <a:r>
-              <a:rPr lang="en-US" sz="2000" i="1" dirty="0">
-                <a:solidFill>
-                  <a:srgbClr val="FF0000"/>
-                </a:solidFill>
-              </a:rPr>
-              <a:t>Levis Stadium</a:t>
-            </a:r>
-            <a:r>
-              <a:rPr lang="en-US" sz="2000" i="1" dirty="0"/>
-              <a:t>, in the </a:t>
-            </a:r>
-            <a:r>
-              <a:rPr lang="en-US" sz="2000" i="1" dirty="0">
-                <a:solidFill>
-                  <a:srgbClr val="FF0000"/>
-                </a:solidFill>
-              </a:rPr>
-              <a:t>San Francisco Bay Area</a:t>
-            </a:r>
-            <a:r>
-              <a:rPr lang="en-US" sz="2000" i="1" dirty="0"/>
-              <a:t>, at </a:t>
-            </a:r>
-            <a:r>
-              <a:rPr lang="en-US" sz="2000" i="1" dirty="0">
-                <a:solidFill>
-                  <a:srgbClr val="FF0000"/>
-                </a:solidFill>
-              </a:rPr>
-              <a:t>Santa Clara </a:t>
-            </a:r>
-            <a:r>
-              <a:rPr lang="en-US" sz="2000" i="1" dirty="0"/>
-              <a:t>in California.”</a:t>
-            </a:r>
-          </a:p>
-        </p:txBody>
-      </p:sp>
-      <p:sp>
-        <p:nvSpPr>
-          <p:cNvPr id="7" name="Rectangle 6">
-            <a:extLst>
-              <a:ext uri="{FF2B5EF4-FFF2-40B4-BE49-F238E27FC236}">
-                <a16:creationId xmlns:a16="http://schemas.microsoft.com/office/drawing/2014/main" id="{2B84BBFB-C1EC-478F-8E81-7685A0B691C6}"/>
-              </a:ext>
-            </a:extLst>
-          </p:cNvPr>
-          <p:cNvSpPr/>
-          <p:nvPr/>
-        </p:nvSpPr>
-        <p:spPr>
-          <a:xfrm>
-            <a:off x="0" y="0"/>
-            <a:ext cx="12192000" cy="1311965"/>
-          </a:xfrm>
-          <a:prstGeom prst="rect">
-            <a:avLst/>
-          </a:prstGeom>
-        </p:spPr>
-        <p:style>
-          <a:lnRef idx="2">
-            <a:schemeClr val="dk1">
-              <a:shade val="50000"/>
-            </a:schemeClr>
-          </a:lnRef>
-          <a:fillRef idx="1">
-            <a:schemeClr val="dk1"/>
-          </a:fillRef>
-          <a:effectRef idx="0">
-            <a:schemeClr val="dk1"/>
-          </a:effectRef>
-          <a:fontRef idx="minor">
-            <a:schemeClr val="lt1"/>
-          </a:fontRef>
-        </p:style>
-        <p:txBody>
-          <a:bodyPr rtlCol="0" anchor="ctr"/>
-          <a:lstStyle/>
-          <a:p>
-            <a:pPr algn="ctr"/>
-            <a:endParaRPr lang="en-US" dirty="0"/>
-          </a:p>
-        </p:txBody>
-      </p:sp>
-      <p:sp>
-        <p:nvSpPr>
-          <p:cNvPr id="9" name="TextBox 8">
-            <a:extLst>
-              <a:ext uri="{FF2B5EF4-FFF2-40B4-BE49-F238E27FC236}">
-                <a16:creationId xmlns:a16="http://schemas.microsoft.com/office/drawing/2014/main" id="{7F0CAA4B-E205-452A-A063-24223A8717CE}"/>
-              </a:ext>
-            </a:extLst>
-          </p:cNvPr>
-          <p:cNvSpPr txBox="1"/>
-          <p:nvPr/>
-        </p:nvSpPr>
-        <p:spPr>
-          <a:xfrm>
-            <a:off x="4537625" y="332816"/>
-            <a:ext cx="3116747" cy="646331"/>
-          </a:xfrm>
-          <a:prstGeom prst="rect">
-            <a:avLst/>
-          </a:prstGeom>
-          <a:noFill/>
-        </p:spPr>
-        <p:txBody>
-          <a:bodyPr wrap="square" rtlCol="0">
-            <a:spAutoFit/>
-          </a:bodyPr>
-          <a:lstStyle/>
-          <a:p>
-            <a:pPr algn="ctr"/>
-            <a:r>
-              <a:rPr lang="en-US" sz="3600" dirty="0">
-                <a:ln w="0"/>
-                <a:solidFill>
-                  <a:schemeClr val="bg1"/>
-                </a:solidFill>
-              </a:rPr>
-              <a:t>Super Bowl 50</a:t>
-            </a:r>
-          </a:p>
-        </p:txBody>
-      </p:sp>
-      <p:sp>
-        <p:nvSpPr>
-          <p:cNvPr id="2" name="Rectangle 1">
-            <a:extLst>
-              <a:ext uri="{FF2B5EF4-FFF2-40B4-BE49-F238E27FC236}">
-                <a16:creationId xmlns:a16="http://schemas.microsoft.com/office/drawing/2014/main" id="{8BEE3AE4-A5F7-45B2-9701-803F7279D7C5}"/>
-              </a:ext>
-            </a:extLst>
-          </p:cNvPr>
-          <p:cNvSpPr/>
-          <p:nvPr/>
-        </p:nvSpPr>
-        <p:spPr>
-          <a:xfrm>
-            <a:off x="556589" y="4346858"/>
-            <a:ext cx="6096000" cy="1477328"/>
-          </a:xfrm>
-          <a:prstGeom prst="rect">
-            <a:avLst/>
-          </a:prstGeom>
-        </p:spPr>
-        <p:txBody>
-          <a:bodyPr>
-            <a:spAutoFit/>
-          </a:bodyPr>
-          <a:lstStyle/>
-          <a:p>
-            <a:r>
-              <a:rPr lang="en-US" dirty="0"/>
-              <a:t>Q1. Which NFL team represented the AFC at Super Bowl 50?</a:t>
-            </a:r>
-          </a:p>
-          <a:p>
-            <a:r>
-              <a:rPr lang="en-US" dirty="0"/>
-              <a:t>Q2. Where was Super Bowl 50 played?</a:t>
-            </a:r>
-          </a:p>
-          <a:p>
-            <a:r>
-              <a:rPr lang="en-US" dirty="0"/>
-              <a:t>Q3. What day was the game played on?</a:t>
-            </a:r>
-          </a:p>
-          <a:p>
-            <a:r>
-              <a:rPr lang="en-US" dirty="0"/>
-              <a:t>Q4. What is the NFL short for?</a:t>
-            </a:r>
-          </a:p>
-          <a:p>
-            <a:r>
-              <a:rPr lang="en-US"/>
-              <a:t>Q5. </a:t>
-            </a:r>
-            <a:r>
-              <a:rPr lang="en-US" dirty="0"/>
-              <a:t>Who won Super Bowl 50?</a:t>
-            </a:r>
-          </a:p>
-        </p:txBody>
-      </p:sp>
-    </p:spTree>
-    <p:extLst>
-      <p:ext uri="{BB962C8B-B14F-4D97-AF65-F5344CB8AC3E}">
-        <p14:creationId xmlns:p14="http://schemas.microsoft.com/office/powerpoint/2010/main" val="739427864"/>
-      </p:ext>
-    </p:extLst>
-  </p:cSld>
-  <p:clrMapOvr>
-    <a:masterClrMapping/>
-  </p:clrMapOvr>
-</p:sld>
-</file>
-
-<file path=ppt/slides/slide58.xml><?xml version="1.0" encoding="utf-8"?>
-<p:sld xmlns:a="http://schemas.openxmlformats.org/drawingml/2006/main" xmlns:r="http://schemas.openxmlformats.org/officeDocument/2006/relationships" xmlns:p="http://schemas.openxmlformats.org/presentationml/2006/main">
-  <p:cSld>
-    <p:spTree>
-      <p:nvGrpSpPr>
-        <p:cNvPr id="1" name=""/>
-        <p:cNvGrpSpPr/>
-        <p:nvPr/>
-      </p:nvGrpSpPr>
-      <p:grpSpPr>
-        <a:xfrm>
-          <a:off x="0" y="0"/>
-          <a:ext cx="0" cy="0"/>
-          <a:chOff x="0" y="0"/>
-          <a:chExt cx="0" cy="0"/>
-        </a:xfrm>
-      </p:grpSpPr>
-      <p:sp>
-        <p:nvSpPr>
-          <p:cNvPr id="3" name="TextBox 2">
-            <a:extLst>
-              <a:ext uri="{FF2B5EF4-FFF2-40B4-BE49-F238E27FC236}">
-                <a16:creationId xmlns:a16="http://schemas.microsoft.com/office/drawing/2014/main" id="{1980B4EC-4697-4B4F-87E9-C0E68B2BB033}"/>
-              </a:ext>
-            </a:extLst>
-          </p:cNvPr>
-          <p:cNvSpPr txBox="1"/>
-          <p:nvPr/>
-        </p:nvSpPr>
-        <p:spPr>
-          <a:xfrm>
-            <a:off x="3838210" y="2519929"/>
-            <a:ext cx="4515579" cy="923330"/>
-          </a:xfrm>
-          <a:prstGeom prst="rect">
-            <a:avLst/>
-          </a:prstGeom>
-          <a:noFill/>
-        </p:spPr>
-        <p:txBody>
-          <a:bodyPr wrap="square" rtlCol="0">
-            <a:spAutoFit/>
-          </a:bodyPr>
-          <a:lstStyle/>
-          <a:p>
-            <a:pPr algn="ctr"/>
-            <a:r>
-              <a:rPr lang="en-US" sz="5400" dirty="0">
-                <a:ln w="0"/>
-              </a:rPr>
-              <a:t>Hurdles</a:t>
-            </a:r>
-          </a:p>
-        </p:txBody>
-      </p:sp>
-      <p:cxnSp>
-        <p:nvCxnSpPr>
-          <p:cNvPr id="8" name="Straight Connector 7">
-            <a:extLst>
-              <a:ext uri="{FF2B5EF4-FFF2-40B4-BE49-F238E27FC236}">
-                <a16:creationId xmlns:a16="http://schemas.microsoft.com/office/drawing/2014/main" id="{1246DA07-DFD8-496C-BB69-FD95668F7C67}"/>
-              </a:ext>
-            </a:extLst>
-          </p:cNvPr>
-          <p:cNvCxnSpPr/>
-          <p:nvPr/>
-        </p:nvCxnSpPr>
-        <p:spPr>
-          <a:xfrm>
-            <a:off x="3670852" y="3429000"/>
-            <a:ext cx="4611756" cy="0"/>
-          </a:xfrm>
-          <a:prstGeom prst="line">
-            <a:avLst/>
-          </a:prstGeom>
-        </p:spPr>
-        <p:style>
-          <a:lnRef idx="1">
-            <a:schemeClr val="dk1"/>
-          </a:lnRef>
-          <a:fillRef idx="0">
-            <a:schemeClr val="dk1"/>
-          </a:fillRef>
-          <a:effectRef idx="0">
-            <a:schemeClr val="dk1"/>
-          </a:effectRef>
-          <a:fontRef idx="minor">
-            <a:schemeClr val="tx1"/>
-          </a:fontRef>
-        </p:style>
-      </p:cxnSp>
-      <p:sp>
-        <p:nvSpPr>
-          <p:cNvPr id="4" name="TextBox 3">
-            <a:extLst>
-              <a:ext uri="{FF2B5EF4-FFF2-40B4-BE49-F238E27FC236}">
-                <a16:creationId xmlns:a16="http://schemas.microsoft.com/office/drawing/2014/main" id="{6BFEE7AA-B53C-40A1-BA09-1E3192229B2B}"/>
-              </a:ext>
-            </a:extLst>
-          </p:cNvPr>
-          <p:cNvSpPr txBox="1"/>
-          <p:nvPr/>
-        </p:nvSpPr>
-        <p:spPr>
-          <a:xfrm>
-            <a:off x="4565372" y="3443259"/>
-            <a:ext cx="3372680" cy="461665"/>
-          </a:xfrm>
-          <a:prstGeom prst="rect">
-            <a:avLst/>
-          </a:prstGeom>
-          <a:noFill/>
-        </p:spPr>
-        <p:txBody>
-          <a:bodyPr wrap="square" rtlCol="0">
-            <a:spAutoFit/>
-          </a:bodyPr>
-          <a:lstStyle/>
-          <a:p>
-            <a:r>
-              <a:rPr lang="en-US" sz="2400" dirty="0"/>
-              <a:t>What were the blockers?</a:t>
-            </a:r>
-          </a:p>
-        </p:txBody>
-      </p:sp>
-    </p:spTree>
-    <p:extLst>
-      <p:ext uri="{BB962C8B-B14F-4D97-AF65-F5344CB8AC3E}">
-        <p14:creationId xmlns:p14="http://schemas.microsoft.com/office/powerpoint/2010/main" val="484564978"/>
-      </p:ext>
-    </p:extLst>
-  </p:cSld>
-  <p:clrMapOvr>
-    <a:masterClrMapping/>
-  </p:clrMapOvr>
-</p:sld>
-</file>
-
-<file path=ppt/slides/slide59.xml><?xml version="1.0" encoding="utf-8"?>
-<p:sld xmlns:a="http://schemas.openxmlformats.org/drawingml/2006/main" xmlns:r="http://schemas.openxmlformats.org/officeDocument/2006/relationships" xmlns:p="http://schemas.openxmlformats.org/presentationml/2006/main">
-  <p:cSld>
-    <p:spTree>
-      <p:nvGrpSpPr>
-        <p:cNvPr id="1" name=""/>
-        <p:cNvGrpSpPr/>
-        <p:nvPr/>
-      </p:nvGrpSpPr>
-      <p:grpSpPr>
-        <a:xfrm>
-          <a:off x="0" y="0"/>
-          <a:ext cx="0" cy="0"/>
-          <a:chOff x="0" y="0"/>
-          <a:chExt cx="0" cy="0"/>
-        </a:xfrm>
-      </p:grpSpPr>
-      <p:sp>
-        <p:nvSpPr>
-          <p:cNvPr id="5" name="Rectangle 4">
-            <a:extLst>
-              <a:ext uri="{FF2B5EF4-FFF2-40B4-BE49-F238E27FC236}">
-                <a16:creationId xmlns:a16="http://schemas.microsoft.com/office/drawing/2014/main" id="{4FDB0B06-F270-4F00-8383-EB0ABF97EF01}"/>
-              </a:ext>
-            </a:extLst>
-          </p:cNvPr>
-          <p:cNvSpPr/>
-          <p:nvPr/>
-        </p:nvSpPr>
-        <p:spPr>
-          <a:xfrm>
-            <a:off x="390937" y="1790555"/>
-            <a:ext cx="11085446" cy="1938992"/>
-          </a:xfrm>
-          <a:prstGeom prst="rect">
-            <a:avLst/>
-          </a:prstGeom>
-        </p:spPr>
-        <p:txBody>
-          <a:bodyPr wrap="square">
-            <a:spAutoFit/>
-          </a:bodyPr>
-          <a:lstStyle/>
-          <a:p>
-            <a:pPr marL="457200" indent="-457200" algn="just">
-              <a:buAutoNum type="arabicPeriod"/>
-            </a:pPr>
-            <a:r>
-              <a:rPr lang="en-US" sz="2400" b="1" dirty="0"/>
-              <a:t>Accuracy of NLP Tools</a:t>
-            </a:r>
-          </a:p>
-          <a:p>
-            <a:pPr marL="800100" lvl="1" indent="-342900" algn="just">
-              <a:buFont typeface="Arial" panose="020B0604020202020204" pitchFamily="34" charset="0"/>
-              <a:buChar char="•"/>
-            </a:pPr>
-            <a:r>
-              <a:rPr lang="en-US" sz="2400" dirty="0"/>
-              <a:t>Some sentences are </a:t>
-            </a:r>
-            <a:r>
-              <a:rPr lang="en-US" sz="2400" dirty="0">
-                <a:solidFill>
-                  <a:srgbClr val="FF0000"/>
-                </a:solidFill>
-              </a:rPr>
-              <a:t>parsed incorrectly</a:t>
-            </a:r>
-          </a:p>
-          <a:p>
-            <a:pPr marL="800100" lvl="1" indent="-342900" algn="just">
-              <a:buFont typeface="Arial" panose="020B0604020202020204" pitchFamily="34" charset="0"/>
-              <a:buChar char="•"/>
-            </a:pPr>
-            <a:r>
-              <a:rPr lang="en-US" sz="2400" dirty="0"/>
-              <a:t>Some words are </a:t>
-            </a:r>
-            <a:r>
-              <a:rPr lang="en-US" sz="2400" dirty="0">
-                <a:solidFill>
-                  <a:srgbClr val="FF0000"/>
-                </a:solidFill>
-              </a:rPr>
-              <a:t>mis-tagged </a:t>
-            </a:r>
-            <a:r>
-              <a:rPr lang="en-US" sz="2400" dirty="0"/>
-              <a:t>due to multiple possible POS Tags</a:t>
-            </a:r>
-          </a:p>
-          <a:p>
-            <a:pPr marL="800100" lvl="1" indent="-342900" algn="just">
-              <a:buFont typeface="Arial" panose="020B0604020202020204" pitchFamily="34" charset="0"/>
-              <a:buChar char="•"/>
-            </a:pPr>
-            <a:r>
-              <a:rPr lang="en-US" sz="2400" dirty="0"/>
-              <a:t>System tries to solve this with the use of </a:t>
-            </a:r>
-            <a:r>
-              <a:rPr lang="en-US" sz="2400" dirty="0">
-                <a:solidFill>
-                  <a:srgbClr val="FF0000"/>
-                </a:solidFill>
-              </a:rPr>
-              <a:t>multiple tools </a:t>
-            </a:r>
-            <a:r>
-              <a:rPr lang="en-US" sz="2400" dirty="0"/>
-              <a:t>i.e. also using tools having higher semantic information.</a:t>
-            </a:r>
-          </a:p>
-        </p:txBody>
-      </p:sp>
-      <p:sp>
-        <p:nvSpPr>
-          <p:cNvPr id="7" name="Rectangle 6">
-            <a:extLst>
-              <a:ext uri="{FF2B5EF4-FFF2-40B4-BE49-F238E27FC236}">
-                <a16:creationId xmlns:a16="http://schemas.microsoft.com/office/drawing/2014/main" id="{2B84BBFB-C1EC-478F-8E81-7685A0B691C6}"/>
-              </a:ext>
-            </a:extLst>
-          </p:cNvPr>
-          <p:cNvSpPr/>
-          <p:nvPr/>
-        </p:nvSpPr>
-        <p:spPr>
-          <a:xfrm>
-            <a:off x="0" y="0"/>
-            <a:ext cx="12192000" cy="1311965"/>
-          </a:xfrm>
-          <a:prstGeom prst="rect">
-            <a:avLst/>
-          </a:prstGeom>
-        </p:spPr>
-        <p:style>
-          <a:lnRef idx="2">
-            <a:schemeClr val="dk1">
-              <a:shade val="50000"/>
-            </a:schemeClr>
-          </a:lnRef>
-          <a:fillRef idx="1">
-            <a:schemeClr val="dk1"/>
-          </a:fillRef>
-          <a:effectRef idx="0">
-            <a:schemeClr val="dk1"/>
-          </a:effectRef>
-          <a:fontRef idx="minor">
-            <a:schemeClr val="lt1"/>
-          </a:fontRef>
-        </p:style>
-        <p:txBody>
-          <a:bodyPr rtlCol="0" anchor="ctr"/>
-          <a:lstStyle/>
-          <a:p>
-            <a:pPr algn="ctr"/>
-            <a:endParaRPr lang="en-US" dirty="0"/>
-          </a:p>
-        </p:txBody>
-      </p:sp>
-      <p:sp>
-        <p:nvSpPr>
-          <p:cNvPr id="9" name="TextBox 8">
-            <a:extLst>
-              <a:ext uri="{FF2B5EF4-FFF2-40B4-BE49-F238E27FC236}">
-                <a16:creationId xmlns:a16="http://schemas.microsoft.com/office/drawing/2014/main" id="{7F0CAA4B-E205-452A-A063-24223A8717CE}"/>
-              </a:ext>
-            </a:extLst>
-          </p:cNvPr>
-          <p:cNvSpPr txBox="1"/>
-          <p:nvPr/>
-        </p:nvSpPr>
-        <p:spPr>
-          <a:xfrm>
-            <a:off x="4541560" y="332816"/>
-            <a:ext cx="3108879" cy="646331"/>
-          </a:xfrm>
-          <a:prstGeom prst="rect">
-            <a:avLst/>
-          </a:prstGeom>
-          <a:noFill/>
-        </p:spPr>
-        <p:txBody>
-          <a:bodyPr wrap="square" rtlCol="0">
-            <a:spAutoFit/>
-          </a:bodyPr>
-          <a:lstStyle/>
-          <a:p>
-            <a:pPr algn="ctr"/>
-            <a:r>
-              <a:rPr lang="en-US" sz="3600" dirty="0">
-                <a:ln w="0"/>
-                <a:solidFill>
-                  <a:schemeClr val="bg1"/>
-                </a:solidFill>
-              </a:rPr>
-              <a:t>Hurdles</a:t>
-            </a:r>
-          </a:p>
-        </p:txBody>
-      </p:sp>
-      <p:sp>
-        <p:nvSpPr>
-          <p:cNvPr id="8" name="Rectangle 7">
-            <a:extLst>
-              <a:ext uri="{FF2B5EF4-FFF2-40B4-BE49-F238E27FC236}">
-                <a16:creationId xmlns:a16="http://schemas.microsoft.com/office/drawing/2014/main" id="{20D06865-0810-4A4C-8F58-BE8C7E0AD5E1}"/>
-              </a:ext>
-            </a:extLst>
-          </p:cNvPr>
-          <p:cNvSpPr/>
-          <p:nvPr/>
-        </p:nvSpPr>
-        <p:spPr>
-          <a:xfrm>
-            <a:off x="390937" y="3811012"/>
-            <a:ext cx="11085446" cy="3046988"/>
-          </a:xfrm>
-          <a:prstGeom prst="rect">
-            <a:avLst/>
-          </a:prstGeom>
-        </p:spPr>
-        <p:txBody>
-          <a:bodyPr wrap="square">
-            <a:spAutoFit/>
-          </a:bodyPr>
-          <a:lstStyle/>
-          <a:p>
-            <a:pPr algn="just"/>
-            <a:r>
-              <a:rPr lang="en-US" sz="2400" b="1" dirty="0"/>
-              <a:t>2.    Use of similar words and concepts</a:t>
-            </a:r>
-          </a:p>
-          <a:p>
-            <a:pPr marL="800100" lvl="1" indent="-342900" algn="just">
-              <a:buFont typeface="Arial" panose="020B0604020202020204" pitchFamily="34" charset="0"/>
-              <a:buChar char="•"/>
-            </a:pPr>
-            <a:r>
-              <a:rPr lang="en-US" sz="2400" dirty="0"/>
-              <a:t>Humans use the </a:t>
-            </a:r>
-            <a:r>
-              <a:rPr lang="en-US" sz="2400" dirty="0">
-                <a:solidFill>
-                  <a:srgbClr val="FF0000"/>
-                </a:solidFill>
-              </a:rPr>
-              <a:t>concept of similarity</a:t>
-            </a:r>
-            <a:r>
-              <a:rPr lang="en-US" sz="2400" dirty="0"/>
-              <a:t> a lot when reasoning</a:t>
-            </a:r>
-            <a:endParaRPr lang="en-US" sz="2400" dirty="0">
-              <a:solidFill>
-                <a:srgbClr val="FF0000"/>
-              </a:solidFill>
-            </a:endParaRPr>
-          </a:p>
-          <a:p>
-            <a:pPr marL="800100" lvl="1" indent="-342900" algn="just">
-              <a:buFont typeface="Arial" panose="020B0604020202020204" pitchFamily="34" charset="0"/>
-              <a:buChar char="•"/>
-            </a:pPr>
-            <a:r>
-              <a:rPr lang="en-US" sz="2400" dirty="0"/>
-              <a:t>Example use of last name for people instead of full name </a:t>
-            </a:r>
-            <a:r>
-              <a:rPr lang="en-US" sz="2400" dirty="0">
-                <a:solidFill>
-                  <a:srgbClr val="FF0000"/>
-                </a:solidFill>
-              </a:rPr>
-              <a:t>Tesla instead of Nikola Tesla</a:t>
-            </a:r>
-          </a:p>
-          <a:p>
-            <a:pPr marL="800100" lvl="1" indent="-342900" algn="just">
-              <a:buFont typeface="Arial" panose="020B0604020202020204" pitchFamily="34" charset="0"/>
-              <a:buChar char="•"/>
-            </a:pPr>
-            <a:r>
-              <a:rPr lang="en-US" sz="2400" dirty="0"/>
-              <a:t>All of these implicit connections made by humans adversely </a:t>
-            </a:r>
-            <a:r>
-              <a:rPr lang="en-US" sz="2400" dirty="0">
-                <a:solidFill>
-                  <a:srgbClr val="FF0000"/>
-                </a:solidFill>
-              </a:rPr>
-              <a:t>affect the process of automated reasoning</a:t>
-            </a:r>
-            <a:r>
-              <a:rPr lang="en-US" sz="2400" dirty="0"/>
-              <a:t> </a:t>
-            </a:r>
-          </a:p>
-          <a:p>
-            <a:pPr marL="800100" lvl="1" indent="-342900" algn="just">
-              <a:buFont typeface="Arial" panose="020B0604020202020204" pitchFamily="34" charset="0"/>
-              <a:buChar char="•"/>
-            </a:pPr>
-            <a:r>
-              <a:rPr lang="en-US" sz="2400" dirty="0"/>
-              <a:t>One of the ways to solve this is to use a similarity measure and use it to find the nearest answer.</a:t>
-            </a:r>
-          </a:p>
-        </p:txBody>
-      </p:sp>
-    </p:spTree>
-    <p:extLst>
-      <p:ext uri="{BB962C8B-B14F-4D97-AF65-F5344CB8AC3E}">
-        <p14:creationId xmlns:p14="http://schemas.microsoft.com/office/powerpoint/2010/main" val="3587751507"/>
-      </p:ext>
-    </p:extLst>
-  </p:cSld>
-  <p:clrMapOvr>
-    <a:masterClrMapping/>
-  </p:clrMapOvr>
-</p:sld>
-</file>
-
-<file path=ppt/slides/slide6.xml><?xml version="1.0" encoding="utf-8"?>
-<p:sld xmlns:a="http://schemas.openxmlformats.org/drawingml/2006/main" xmlns:r="http://schemas.openxmlformats.org/officeDocument/2006/relationships" xmlns:p="http://schemas.openxmlformats.org/presentationml/2006/main">
-  <p:cSld>
-    <p:spTree>
-      <p:nvGrpSpPr>
-        <p:cNvPr id="1" name=""/>
-        <p:cNvGrpSpPr/>
-        <p:nvPr/>
-      </p:nvGrpSpPr>
-      <p:grpSpPr>
-        <a:xfrm>
-          <a:off x="0" y="0"/>
-          <a:ext cx="0" cy="0"/>
-          <a:chOff x="0" y="0"/>
-          <a:chExt cx="0" cy="0"/>
-        </a:xfrm>
-      </p:grpSpPr>
-      <p:sp>
-        <p:nvSpPr>
-          <p:cNvPr id="5" name="Rectangle 4">
-            <a:extLst>
-              <a:ext uri="{FF2B5EF4-FFF2-40B4-BE49-F238E27FC236}">
-                <a16:creationId xmlns:a16="http://schemas.microsoft.com/office/drawing/2014/main" id="{8C2198D3-9081-462D-89AA-2AE36F0B965E}"/>
-              </a:ext>
-            </a:extLst>
-          </p:cNvPr>
-          <p:cNvSpPr/>
-          <p:nvPr/>
-        </p:nvSpPr>
-        <p:spPr>
-          <a:xfrm>
-            <a:off x="0" y="0"/>
-            <a:ext cx="12192000" cy="1311965"/>
-          </a:xfrm>
-          <a:prstGeom prst="rect">
-            <a:avLst/>
-          </a:prstGeom>
-        </p:spPr>
-        <p:style>
-          <a:lnRef idx="2">
-            <a:schemeClr val="dk1">
-              <a:shade val="50000"/>
-            </a:schemeClr>
-          </a:lnRef>
-          <a:fillRef idx="1">
-            <a:schemeClr val="dk1"/>
-          </a:fillRef>
-          <a:effectRef idx="0">
-            <a:schemeClr val="dk1"/>
-          </a:effectRef>
-          <a:fontRef idx="minor">
-            <a:schemeClr val="lt1"/>
-          </a:fontRef>
-        </p:style>
-        <p:txBody>
-          <a:bodyPr rtlCol="0" anchor="ctr"/>
-          <a:lstStyle/>
-          <a:p>
-            <a:pPr algn="ctr"/>
-            <a:endParaRPr lang="en-US" dirty="0"/>
-          </a:p>
-        </p:txBody>
-      </p:sp>
-      <p:sp>
-        <p:nvSpPr>
-          <p:cNvPr id="3" name="TextBox 2">
-            <a:extLst>
-              <a:ext uri="{FF2B5EF4-FFF2-40B4-BE49-F238E27FC236}">
-                <a16:creationId xmlns:a16="http://schemas.microsoft.com/office/drawing/2014/main" id="{1980B4EC-4697-4B4F-87E9-C0E68B2BB033}"/>
-              </a:ext>
-            </a:extLst>
-          </p:cNvPr>
-          <p:cNvSpPr txBox="1"/>
-          <p:nvPr/>
-        </p:nvSpPr>
-        <p:spPr>
-          <a:xfrm>
-            <a:off x="3202470" y="332816"/>
-            <a:ext cx="5490956" cy="646331"/>
-          </a:xfrm>
-          <a:prstGeom prst="rect">
-            <a:avLst/>
-          </a:prstGeom>
-          <a:noFill/>
-        </p:spPr>
-        <p:txBody>
-          <a:bodyPr wrap="square" rtlCol="0">
-            <a:spAutoFit/>
-          </a:bodyPr>
-          <a:lstStyle/>
-          <a:p>
-            <a:pPr algn="ctr"/>
-            <a:r>
-              <a:rPr lang="en-US" sz="3600" dirty="0">
-                <a:ln w="0"/>
-                <a:solidFill>
-                  <a:schemeClr val="bg1"/>
-                </a:solidFill>
-              </a:rPr>
-              <a:t>Classical Logic for Reasoning</a:t>
-            </a:r>
-          </a:p>
-        </p:txBody>
-      </p:sp>
-      <p:sp>
-        <p:nvSpPr>
-          <p:cNvPr id="4" name="Rectangle 3">
-            <a:extLst>
-              <a:ext uri="{FF2B5EF4-FFF2-40B4-BE49-F238E27FC236}">
-                <a16:creationId xmlns:a16="http://schemas.microsoft.com/office/drawing/2014/main" id="{B90E24EC-812D-4525-A931-F0C209C96274}"/>
-              </a:ext>
-            </a:extLst>
-          </p:cNvPr>
-          <p:cNvSpPr/>
-          <p:nvPr/>
-        </p:nvSpPr>
-        <p:spPr>
-          <a:xfrm>
-            <a:off x="530086" y="1976085"/>
-            <a:ext cx="10721010" cy="4031873"/>
-          </a:xfrm>
-          <a:prstGeom prst="rect">
-            <a:avLst/>
-          </a:prstGeom>
-        </p:spPr>
-        <p:txBody>
-          <a:bodyPr wrap="square">
-            <a:spAutoFit/>
-          </a:bodyPr>
-          <a:lstStyle/>
-          <a:p>
-            <a:pPr marL="457200" indent="-457200" algn="just">
-              <a:spcAft>
-                <a:spcPts val="1200"/>
-              </a:spcAft>
-              <a:buFont typeface="Arial" panose="020B0604020202020204" pitchFamily="34" charset="0"/>
-              <a:buChar char="•"/>
-              <a:defRPr/>
-            </a:pPr>
-            <a:r>
-              <a:rPr lang="en-US" altLang="en-US" sz="2400" dirty="0">
-                <a:solidFill>
-                  <a:srgbClr val="FF0000"/>
-                </a:solidFill>
-              </a:rPr>
-              <a:t>Classical logic </a:t>
-            </a:r>
-            <a:r>
-              <a:rPr lang="en-US" altLang="en-US" sz="2400" dirty="0"/>
-              <a:t>was used for many years to build Automated Reasoning systems.</a:t>
-            </a:r>
-          </a:p>
-          <a:p>
-            <a:pPr marL="457200" indent="-457200" algn="just">
-              <a:spcAft>
-                <a:spcPts val="1200"/>
-              </a:spcAft>
-              <a:buFont typeface="Arial" panose="020B0604020202020204" pitchFamily="34" charset="0"/>
-              <a:buChar char="•"/>
-              <a:defRPr/>
-            </a:pPr>
-            <a:r>
-              <a:rPr lang="en-US" altLang="en-US" sz="2400" dirty="0"/>
-              <a:t>Although some of these attempts were successful, they were not able to build </a:t>
-            </a:r>
-            <a:r>
-              <a:rPr lang="en-US" altLang="en-US" sz="2400" dirty="0">
-                <a:solidFill>
-                  <a:srgbClr val="FF0000"/>
-                </a:solidFill>
-              </a:rPr>
-              <a:t>truly intelligent systems</a:t>
-            </a:r>
-          </a:p>
-          <a:p>
-            <a:pPr marL="457200" indent="-457200" algn="just">
-              <a:spcAft>
-                <a:spcPts val="1200"/>
-              </a:spcAft>
-              <a:buFont typeface="Arial" panose="020B0604020202020204" pitchFamily="34" charset="0"/>
-              <a:buChar char="•"/>
-              <a:defRPr/>
-            </a:pPr>
-            <a:r>
-              <a:rPr lang="en-US" altLang="en-US" sz="2400" dirty="0"/>
-              <a:t>Some of the reasons for that lie in the fact that classical logic is </a:t>
-            </a:r>
-            <a:r>
-              <a:rPr lang="en-US" altLang="en-US" sz="2400" dirty="0">
-                <a:solidFill>
-                  <a:srgbClr val="FF0000"/>
-                </a:solidFill>
-              </a:rPr>
-              <a:t>monotonic</a:t>
-            </a:r>
-            <a:r>
-              <a:rPr lang="en-US" altLang="en-US" sz="2400" dirty="0"/>
-              <a:t>, </a:t>
-            </a:r>
-            <a:r>
-              <a:rPr lang="en-US" altLang="en-US" sz="2400" dirty="0">
-                <a:solidFill>
-                  <a:srgbClr val="FF0000"/>
-                </a:solidFill>
-              </a:rPr>
-              <a:t>incomplete</a:t>
-            </a:r>
-            <a:r>
-              <a:rPr lang="en-US" altLang="en-US" sz="2400" dirty="0"/>
-              <a:t> and </a:t>
-            </a:r>
-            <a:r>
-              <a:rPr lang="en-US" altLang="en-US" sz="2400" dirty="0">
-                <a:solidFill>
-                  <a:srgbClr val="FF0000"/>
-                </a:solidFill>
-              </a:rPr>
-              <a:t>undecidable</a:t>
-            </a:r>
-          </a:p>
-          <a:p>
-            <a:pPr marL="457200" indent="-457200" algn="just">
-              <a:spcAft>
-                <a:spcPts val="1200"/>
-              </a:spcAft>
-              <a:buFont typeface="Arial" panose="020B0604020202020204" pitchFamily="34" charset="0"/>
-              <a:buChar char="•"/>
-              <a:defRPr/>
-            </a:pPr>
-            <a:r>
-              <a:rPr lang="en-US" altLang="en-US" sz="2400" dirty="0"/>
-              <a:t>Due to the above mentioned shortcomings classical logic is not a suitable candidate to model human thinking.</a:t>
-            </a:r>
-          </a:p>
-          <a:p>
-            <a:pPr marL="457200" indent="-457200" algn="just">
-              <a:buFont typeface="Arial" panose="020B0604020202020204" pitchFamily="34" charset="0"/>
-              <a:buChar char="•"/>
-              <a:defRPr/>
-            </a:pPr>
-            <a:r>
-              <a:rPr lang="en-US" altLang="en-US" sz="2400" dirty="0"/>
-              <a:t>We can observe from the previous examples that </a:t>
-            </a:r>
-            <a:r>
-              <a:rPr lang="en-US" altLang="en-US" sz="2400" dirty="0">
-                <a:solidFill>
-                  <a:srgbClr val="FF0000"/>
-                </a:solidFill>
-              </a:rPr>
-              <a:t>humans do not use classical logic </a:t>
-            </a:r>
-            <a:r>
-              <a:rPr lang="en-US" altLang="en-US" sz="2400" dirty="0"/>
-              <a:t>while reasoning.</a:t>
-            </a:r>
-          </a:p>
-        </p:txBody>
-      </p:sp>
-    </p:spTree>
-    <p:extLst>
-      <p:ext uri="{BB962C8B-B14F-4D97-AF65-F5344CB8AC3E}">
-        <p14:creationId xmlns:p14="http://schemas.microsoft.com/office/powerpoint/2010/main" val="4080897294"/>
-      </p:ext>
-    </p:extLst>
-  </p:cSld>
-  <p:clrMapOvr>
-    <a:masterClrMapping/>
-  </p:clrMapOvr>
-</p:sld>
-</file>
-
-<file path=ppt/slides/slide60.xml><?xml version="1.0" encoding="utf-8"?>
-<p:sld xmlns:a="http://schemas.openxmlformats.org/drawingml/2006/main" xmlns:r="http://schemas.openxmlformats.org/officeDocument/2006/relationships" xmlns:p="http://schemas.openxmlformats.org/presentationml/2006/main">
-  <p:cSld>
-    <p:spTree>
-      <p:nvGrpSpPr>
-        <p:cNvPr id="1" name=""/>
-        <p:cNvGrpSpPr/>
-        <p:nvPr/>
-      </p:nvGrpSpPr>
-      <p:grpSpPr>
-        <a:xfrm>
-          <a:off x="0" y="0"/>
-          <a:ext cx="0" cy="0"/>
-          <a:chOff x="0" y="0"/>
-          <a:chExt cx="0" cy="0"/>
-        </a:xfrm>
-      </p:grpSpPr>
-      <p:sp>
-        <p:nvSpPr>
-          <p:cNvPr id="5" name="Rectangle 4">
-            <a:extLst>
-              <a:ext uri="{FF2B5EF4-FFF2-40B4-BE49-F238E27FC236}">
-                <a16:creationId xmlns:a16="http://schemas.microsoft.com/office/drawing/2014/main" id="{4FDB0B06-F270-4F00-8383-EB0ABF97EF01}"/>
-              </a:ext>
-            </a:extLst>
-          </p:cNvPr>
-          <p:cNvSpPr/>
-          <p:nvPr/>
-        </p:nvSpPr>
-        <p:spPr>
-          <a:xfrm>
-            <a:off x="390937" y="1790555"/>
-            <a:ext cx="11085446" cy="3046988"/>
-          </a:xfrm>
-          <a:prstGeom prst="rect">
-            <a:avLst/>
-          </a:prstGeom>
-        </p:spPr>
-        <p:txBody>
-          <a:bodyPr wrap="square">
-            <a:spAutoFit/>
-          </a:bodyPr>
-          <a:lstStyle/>
-          <a:p>
-            <a:pPr algn="just"/>
-            <a:r>
-              <a:rPr lang="en-US" sz="2400" b="1" dirty="0"/>
-              <a:t>3.     Absence of good resources for verbs</a:t>
-            </a:r>
-          </a:p>
-          <a:p>
-            <a:pPr marL="800100" lvl="1" indent="-342900" algn="just">
-              <a:buFont typeface="Arial" panose="020B0604020202020204" pitchFamily="34" charset="0"/>
-              <a:buChar char="•"/>
-            </a:pPr>
-            <a:r>
-              <a:rPr lang="en-US" sz="2400" dirty="0"/>
-              <a:t>Verbs are </a:t>
-            </a:r>
-            <a:r>
-              <a:rPr lang="en-US" sz="2400" dirty="0">
-                <a:solidFill>
-                  <a:srgbClr val="FF0000"/>
-                </a:solidFill>
-              </a:rPr>
-              <a:t>important parts</a:t>
-            </a:r>
-            <a:r>
-              <a:rPr lang="en-US" sz="2400" dirty="0"/>
-              <a:t> of the sentence</a:t>
-            </a:r>
-            <a:endParaRPr lang="en-US" sz="2400" dirty="0">
-              <a:solidFill>
-                <a:srgbClr val="FF0000"/>
-              </a:solidFill>
-            </a:endParaRPr>
-          </a:p>
-          <a:p>
-            <a:pPr marL="800100" lvl="1" indent="-342900" algn="just">
-              <a:buFont typeface="Arial" panose="020B0604020202020204" pitchFamily="34" charset="0"/>
-              <a:buChar char="•"/>
-            </a:pPr>
-            <a:r>
-              <a:rPr lang="en-US" sz="2400" dirty="0"/>
-              <a:t>Its important to </a:t>
-            </a:r>
-            <a:r>
-              <a:rPr lang="en-US" sz="2400" dirty="0">
-                <a:solidFill>
-                  <a:srgbClr val="FF0000"/>
-                </a:solidFill>
-              </a:rPr>
-              <a:t>understand the exact meaning of verbs </a:t>
-            </a:r>
-            <a:r>
-              <a:rPr lang="en-US" sz="2400" dirty="0"/>
-              <a:t>to understand the sentence</a:t>
-            </a:r>
-          </a:p>
-          <a:p>
-            <a:pPr marL="800100" lvl="1" indent="-342900" algn="just">
-              <a:buFont typeface="Arial" panose="020B0604020202020204" pitchFamily="34" charset="0"/>
-              <a:buChar char="•"/>
-            </a:pPr>
-            <a:r>
-              <a:rPr lang="en-US" sz="2400" dirty="0"/>
-              <a:t>Humans have a complete understanding of how verbs behave in different contexts.</a:t>
-            </a:r>
-          </a:p>
-          <a:p>
-            <a:pPr marL="800100" lvl="1" indent="-342900" algn="just">
-              <a:buFont typeface="Arial" panose="020B0604020202020204" pitchFamily="34" charset="0"/>
-              <a:buChar char="•"/>
-            </a:pPr>
-            <a:r>
-              <a:rPr lang="en-US" sz="2400" dirty="0"/>
-              <a:t>One way to overcome this is to </a:t>
-            </a:r>
-            <a:r>
-              <a:rPr lang="en-US" sz="2400" dirty="0">
-                <a:solidFill>
-                  <a:srgbClr val="FF0000"/>
-                </a:solidFill>
-              </a:rPr>
-              <a:t>manually add knowledge </a:t>
-            </a:r>
-            <a:r>
-              <a:rPr lang="en-US" sz="2400" dirty="0"/>
-              <a:t>about verbs that is reusable.</a:t>
-            </a:r>
-          </a:p>
-        </p:txBody>
-      </p:sp>
-      <p:sp>
-        <p:nvSpPr>
-          <p:cNvPr id="7" name="Rectangle 6">
-            <a:extLst>
-              <a:ext uri="{FF2B5EF4-FFF2-40B4-BE49-F238E27FC236}">
-                <a16:creationId xmlns:a16="http://schemas.microsoft.com/office/drawing/2014/main" id="{2B84BBFB-C1EC-478F-8E81-7685A0B691C6}"/>
-              </a:ext>
-            </a:extLst>
-          </p:cNvPr>
-          <p:cNvSpPr/>
-          <p:nvPr/>
-        </p:nvSpPr>
-        <p:spPr>
-          <a:xfrm>
-            <a:off x="0" y="0"/>
-            <a:ext cx="12192000" cy="1311965"/>
-          </a:xfrm>
-          <a:prstGeom prst="rect">
-            <a:avLst/>
-          </a:prstGeom>
-        </p:spPr>
-        <p:style>
-          <a:lnRef idx="2">
-            <a:schemeClr val="dk1">
-              <a:shade val="50000"/>
-            </a:schemeClr>
-          </a:lnRef>
-          <a:fillRef idx="1">
-            <a:schemeClr val="dk1"/>
-          </a:fillRef>
-          <a:effectRef idx="0">
-            <a:schemeClr val="dk1"/>
-          </a:effectRef>
-          <a:fontRef idx="minor">
-            <a:schemeClr val="lt1"/>
-          </a:fontRef>
-        </p:style>
-        <p:txBody>
-          <a:bodyPr rtlCol="0" anchor="ctr"/>
-          <a:lstStyle/>
-          <a:p>
-            <a:pPr algn="ctr"/>
-            <a:endParaRPr lang="en-US" dirty="0"/>
-          </a:p>
-        </p:txBody>
-      </p:sp>
-      <p:sp>
-        <p:nvSpPr>
-          <p:cNvPr id="9" name="TextBox 8">
-            <a:extLst>
-              <a:ext uri="{FF2B5EF4-FFF2-40B4-BE49-F238E27FC236}">
-                <a16:creationId xmlns:a16="http://schemas.microsoft.com/office/drawing/2014/main" id="{7F0CAA4B-E205-452A-A063-24223A8717CE}"/>
-              </a:ext>
-            </a:extLst>
-          </p:cNvPr>
-          <p:cNvSpPr txBox="1"/>
-          <p:nvPr/>
-        </p:nvSpPr>
-        <p:spPr>
-          <a:xfrm>
-            <a:off x="4541560" y="332816"/>
-            <a:ext cx="3108879" cy="646331"/>
-          </a:xfrm>
-          <a:prstGeom prst="rect">
-            <a:avLst/>
-          </a:prstGeom>
-          <a:noFill/>
-        </p:spPr>
-        <p:txBody>
-          <a:bodyPr wrap="square" rtlCol="0">
-            <a:spAutoFit/>
-          </a:bodyPr>
-          <a:lstStyle/>
-          <a:p>
-            <a:pPr algn="ctr"/>
-            <a:r>
-              <a:rPr lang="en-US" sz="3600" dirty="0">
-                <a:ln w="0"/>
-                <a:solidFill>
-                  <a:schemeClr val="bg1"/>
-                </a:solidFill>
-              </a:rPr>
-              <a:t>Hurdles</a:t>
-            </a:r>
-          </a:p>
-        </p:txBody>
-      </p:sp>
-    </p:spTree>
-    <p:extLst>
-      <p:ext uri="{BB962C8B-B14F-4D97-AF65-F5344CB8AC3E}">
-        <p14:creationId xmlns:p14="http://schemas.microsoft.com/office/powerpoint/2010/main" val="976670942"/>
-      </p:ext>
-    </p:extLst>
-  </p:cSld>
-  <p:clrMapOvr>
-    <a:masterClrMapping/>
-  </p:clrMapOvr>
-</p:sld>
-</file>
-
 <file path=ppt/slides/slide61.xml><?xml version="1.0" encoding="utf-8"?>
 <p:sld xmlns:a="http://schemas.openxmlformats.org/drawingml/2006/main" xmlns:r="http://schemas.openxmlformats.org/officeDocument/2006/relationships" xmlns:p="http://schemas.openxmlformats.org/presentationml/2006/main">
   <p:cSld>
@@ -22484,84 +24202,175 @@
       </p:grpSpPr>
       <p:sp>
         <p:nvSpPr>
-          <p:cNvPr id="3" name="TextBox 2">
-            <a:extLst>
-              <a:ext uri="{FF2B5EF4-FFF2-40B4-BE49-F238E27FC236}">
-                <a16:creationId xmlns:a16="http://schemas.microsoft.com/office/drawing/2014/main" id="{1980B4EC-4697-4B4F-87E9-C0E68B2BB033}"/>
-              </a:ext>
-            </a:extLst>
-          </p:cNvPr>
-          <p:cNvSpPr txBox="1"/>
-          <p:nvPr/>
-        </p:nvSpPr>
-        <p:spPr>
-          <a:xfrm>
-            <a:off x="3838210" y="2519929"/>
-            <a:ext cx="4515579" cy="923330"/>
-          </a:xfrm>
-          <a:prstGeom prst="rect">
-            <a:avLst/>
-          </a:prstGeom>
-          <a:noFill/>
-        </p:spPr>
-        <p:txBody>
-          <a:bodyPr wrap="square" rtlCol="0">
+          <p:cNvPr id="5" name="Rectangle 4">
+            <a:extLst>
+              <a:ext uri="{FF2B5EF4-FFF2-40B4-BE49-F238E27FC236}">
+                <a16:creationId xmlns:a16="http://schemas.microsoft.com/office/drawing/2014/main" id="{4FDB0B06-F270-4F00-8383-EB0ABF97EF01}"/>
+              </a:ext>
+            </a:extLst>
+          </p:cNvPr>
+          <p:cNvSpPr/>
+          <p:nvPr/>
+        </p:nvSpPr>
+        <p:spPr>
+          <a:xfrm>
+            <a:off x="556589" y="1644781"/>
+            <a:ext cx="11078818" cy="2554545"/>
+          </a:xfrm>
+          <a:prstGeom prst="rect">
+            <a:avLst/>
+          </a:prstGeom>
+        </p:spPr>
+        <p:txBody>
+          <a:bodyPr wrap="square">
             <a:spAutoFit/>
           </a:bodyPr>
           <a:lstStyle/>
           <a:p>
-            <a:pPr algn="ctr"/>
-            <a:r>
-              <a:rPr lang="en-US" sz="5400" dirty="0">
-                <a:ln w="0"/>
-              </a:rPr>
-              <a:t>Future Work</a:t>
-            </a:r>
-          </a:p>
-        </p:txBody>
-      </p:sp>
-      <p:cxnSp>
-        <p:nvCxnSpPr>
-          <p:cNvPr id="8" name="Straight Connector 7">
-            <a:extLst>
-              <a:ext uri="{FF2B5EF4-FFF2-40B4-BE49-F238E27FC236}">
-                <a16:creationId xmlns:a16="http://schemas.microsoft.com/office/drawing/2014/main" id="{1246DA07-DFD8-496C-BB69-FD95668F7C67}"/>
-              </a:ext>
-            </a:extLst>
-          </p:cNvPr>
-          <p:cNvCxnSpPr/>
-          <p:nvPr/>
-        </p:nvCxnSpPr>
-        <p:spPr>
-          <a:xfrm>
-            <a:off x="3670852" y="3429000"/>
-            <a:ext cx="4611756" cy="0"/>
-          </a:xfrm>
-          <a:prstGeom prst="line">
+            <a:pPr algn="just"/>
+            <a:r>
+              <a:rPr lang="en-US" sz="2000" i="1" dirty="0"/>
+              <a:t>“Super Bowl 50 was an American football game. Super Bowl 50 was to determine the champion of the </a:t>
+            </a:r>
+            <a:r>
+              <a:rPr lang="en-US" sz="2000" i="1" dirty="0">
+                <a:solidFill>
+                  <a:srgbClr val="FF0000"/>
+                </a:solidFill>
+              </a:rPr>
+              <a:t>National Football League (NFL) </a:t>
+            </a:r>
+            <a:r>
+              <a:rPr lang="en-US" sz="2000" i="1" dirty="0"/>
+              <a:t>for the 2015 season. The </a:t>
+            </a:r>
+            <a:r>
+              <a:rPr lang="en-US" sz="2000" i="1" dirty="0">
+                <a:solidFill>
+                  <a:srgbClr val="FF0000"/>
+                </a:solidFill>
+              </a:rPr>
+              <a:t>American Football Conference's (AFC) team, Denver Broncos</a:t>
+            </a:r>
+            <a:r>
+              <a:rPr lang="en-US" sz="2000" i="1" dirty="0"/>
+              <a:t>, defeated the National Football Conference's (NFC) team, Carolina Panthers, by 24 10 to </a:t>
+            </a:r>
+            <a:r>
+              <a:rPr lang="en-US" sz="2000" i="1" dirty="0">
+                <a:solidFill>
+                  <a:srgbClr val="FF0000"/>
+                </a:solidFill>
+              </a:rPr>
+              <a:t>earn AFC third Super Bowl title</a:t>
+            </a:r>
+            <a:r>
+              <a:rPr lang="en-US" sz="2000" i="1" dirty="0"/>
+              <a:t>. As Super Bowl 50 was the 50th Super Bowl, the league emphasized the 'golden anniversary' with various gold themed initiatives, as well as temporarily suspending the tradition of naming each Super Bowl with roman numerals, under the tradition the game would have been known as Super Bowl L, so that the logo could prominently feature the Arabic numerals 50. The game was played on </a:t>
+            </a:r>
+            <a:r>
+              <a:rPr lang="en-US" sz="2000" i="1" dirty="0">
+                <a:solidFill>
+                  <a:srgbClr val="FF0000"/>
+                </a:solidFill>
+              </a:rPr>
+              <a:t>February 7 2016</a:t>
+            </a:r>
+            <a:r>
+              <a:rPr lang="en-US" sz="2000" i="1" dirty="0"/>
+              <a:t>, at </a:t>
+            </a:r>
+            <a:r>
+              <a:rPr lang="en-US" sz="2000" i="1" dirty="0">
+                <a:solidFill>
+                  <a:srgbClr val="FF0000"/>
+                </a:solidFill>
+              </a:rPr>
+              <a:t>Levis Stadium</a:t>
+            </a:r>
+            <a:r>
+              <a:rPr lang="en-US" sz="2000" i="1" dirty="0"/>
+              <a:t>, in the </a:t>
+            </a:r>
+            <a:r>
+              <a:rPr lang="en-US" sz="2000" i="1" dirty="0">
+                <a:solidFill>
+                  <a:srgbClr val="FF0000"/>
+                </a:solidFill>
+              </a:rPr>
+              <a:t>San Francisco Bay Area</a:t>
+            </a:r>
+            <a:r>
+              <a:rPr lang="en-US" sz="2000" i="1" dirty="0"/>
+              <a:t>, at </a:t>
+            </a:r>
+            <a:r>
+              <a:rPr lang="en-US" sz="2000" i="1" dirty="0">
+                <a:solidFill>
+                  <a:srgbClr val="FF0000"/>
+                </a:solidFill>
+              </a:rPr>
+              <a:t>Santa Clara </a:t>
+            </a:r>
+            <a:r>
+              <a:rPr lang="en-US" sz="2000" i="1" dirty="0"/>
+              <a:t>in California.”</a:t>
+            </a:r>
+          </a:p>
+        </p:txBody>
+      </p:sp>
+      <p:sp>
+        <p:nvSpPr>
+          <p:cNvPr id="7" name="Rectangle 6">
+            <a:extLst>
+              <a:ext uri="{FF2B5EF4-FFF2-40B4-BE49-F238E27FC236}">
+                <a16:creationId xmlns:a16="http://schemas.microsoft.com/office/drawing/2014/main" id="{2B84BBFB-C1EC-478F-8E81-7685A0B691C6}"/>
+              </a:ext>
+            </a:extLst>
+          </p:cNvPr>
+          <p:cNvSpPr/>
+          <p:nvPr/>
+        </p:nvSpPr>
+        <p:spPr>
+          <a:xfrm>
+            <a:off x="0" y="0"/>
+            <a:ext cx="12192000" cy="1311965"/>
+          </a:xfrm>
+          <a:prstGeom prst="rect">
             <a:avLst/>
           </a:prstGeom>
         </p:spPr>
         <p:style>
-          <a:lnRef idx="1">
-            <a:schemeClr val="dk1"/>
+          <a:lnRef idx="2">
+            <a:schemeClr val="dk1">
+              <a:shade val="50000"/>
+            </a:schemeClr>
           </a:lnRef>
-          <a:fillRef idx="0">
+          <a:fillRef idx="1">
             <a:schemeClr val="dk1"/>
           </a:fillRef>
           <a:effectRef idx="0">
             <a:schemeClr val="dk1"/>
           </a:effectRef>
           <a:fontRef idx="minor">
-            <a:schemeClr val="tx1"/>
+            <a:schemeClr val="lt1"/>
           </a:fontRef>
         </p:style>
-      </p:cxnSp>
-      <p:sp>
-        <p:nvSpPr>
-          <p:cNvPr id="4" name="TextBox 3">
-            <a:extLst>
-              <a:ext uri="{FF2B5EF4-FFF2-40B4-BE49-F238E27FC236}">
-                <a16:creationId xmlns:a16="http://schemas.microsoft.com/office/drawing/2014/main" id="{6BFEE7AA-B53C-40A1-BA09-1E3192229B2B}"/>
+        <p:txBody>
+          <a:bodyPr rtlCol="0" anchor="ctr"/>
+          <a:lstStyle/>
+          <a:p>
+            <a:pPr algn="ctr"/>
+            <a:endParaRPr lang="en-US" dirty="0"/>
+          </a:p>
+        </p:txBody>
+      </p:sp>
+      <p:sp>
+        <p:nvSpPr>
+          <p:cNvPr id="9" name="TextBox 8">
+            <a:extLst>
+              <a:ext uri="{FF2B5EF4-FFF2-40B4-BE49-F238E27FC236}">
+                <a16:creationId xmlns:a16="http://schemas.microsoft.com/office/drawing/2014/main" id="{7F0CAA4B-E205-452A-A063-24223A8717CE}"/>
               </a:ext>
             </a:extLst>
           </p:cNvPr>
@@ -22570,8 +24379,8 @@
         </p:nvSpPr>
         <p:spPr>
           <a:xfrm>
-            <a:off x="5035824" y="3443259"/>
-            <a:ext cx="1881811" cy="461665"/>
+            <a:off x="4537625" y="332816"/>
+            <a:ext cx="3116747" cy="646331"/>
           </a:xfrm>
           <a:prstGeom prst="rect">
             <a:avLst/>
@@ -22584,9 +24393,77 @@
           </a:bodyPr>
           <a:lstStyle/>
           <a:p>
-            <a:r>
-              <a:rPr lang="en-US" sz="2400" dirty="0"/>
-              <a:t>What's next?</a:t>
+            <a:pPr algn="ctr"/>
+            <a:r>
+              <a:rPr lang="en-US" sz="3600" dirty="0">
+                <a:ln w="0"/>
+                <a:solidFill>
+                  <a:schemeClr val="bg1"/>
+                </a:solidFill>
+              </a:rPr>
+              <a:t>Super Bowl 50</a:t>
+            </a:r>
+          </a:p>
+        </p:txBody>
+      </p:sp>
+      <p:sp>
+        <p:nvSpPr>
+          <p:cNvPr id="2" name="Rectangle 1">
+            <a:extLst>
+              <a:ext uri="{FF2B5EF4-FFF2-40B4-BE49-F238E27FC236}">
+                <a16:creationId xmlns:a16="http://schemas.microsoft.com/office/drawing/2014/main" id="{8BEE3AE4-A5F7-45B2-9701-803F7279D7C5}"/>
+              </a:ext>
+            </a:extLst>
+          </p:cNvPr>
+          <p:cNvSpPr/>
+          <p:nvPr/>
+        </p:nvSpPr>
+        <p:spPr>
+          <a:xfrm>
+            <a:off x="556589" y="4346858"/>
+            <a:ext cx="6096000" cy="1477328"/>
+          </a:xfrm>
+          <a:prstGeom prst="rect">
+            <a:avLst/>
+          </a:prstGeom>
+        </p:spPr>
+        <p:txBody>
+          <a:bodyPr>
+            <a:spAutoFit/>
+          </a:bodyPr>
+          <a:lstStyle/>
+          <a:p>
+            <a:r>
+              <a:rPr lang="en-US" dirty="0"/>
+              <a:t>Q1. Which NFL team represented the AFC at Super Bowl 50?</a:t>
+            </a:r>
+          </a:p>
+          <a:p>
+            <a:r>
+              <a:rPr lang="en-US" dirty="0"/>
+              <a:t>Q2. Where was Super Bowl 50 played?</a:t>
+            </a:r>
+          </a:p>
+          <a:p>
+            <a:r>
+              <a:rPr lang="en-US" dirty="0"/>
+              <a:t>Q3. What day was the game played on?</a:t>
+            </a:r>
+          </a:p>
+          <a:p>
+            <a:r>
+              <a:rPr lang="en-US" dirty="0"/>
+              <a:t>Q4. What is the NFL short for?</a:t>
+            </a:r>
+          </a:p>
+          <a:p>
+            <a:r>
+              <a:rPr lang="en-US"/>
+              <a:t>Q5. </a:t>
+            </a:r>
+            <a:r>
+              <a:rPr lang="en-US" dirty="0"/>
+              <a:t>Who won Super Bowl 50?</a:t>
             </a:r>
           </a:p>
         </p:txBody>
@@ -22594,7 +24471,7 @@
     </p:spTree>
     <p:extLst>
       <p:ext uri="{BB962C8B-B14F-4D97-AF65-F5344CB8AC3E}">
-        <p14:creationId xmlns:p14="http://schemas.microsoft.com/office/powerpoint/2010/main" val="757080069"/>
+        <p14:creationId xmlns:p14="http://schemas.microsoft.com/office/powerpoint/2010/main" val="739427864"/>
       </p:ext>
     </p:extLst>
   </p:cSld>
@@ -22623,168 +24500,84 @@
       </p:grpSpPr>
       <p:sp>
         <p:nvSpPr>
-          <p:cNvPr id="5" name="Rectangle 4">
-            <a:extLst>
-              <a:ext uri="{FF2B5EF4-FFF2-40B4-BE49-F238E27FC236}">
-                <a16:creationId xmlns:a16="http://schemas.microsoft.com/office/drawing/2014/main" id="{4FDB0B06-F270-4F00-8383-EB0ABF97EF01}"/>
-              </a:ext>
-            </a:extLst>
-          </p:cNvPr>
-          <p:cNvSpPr/>
-          <p:nvPr/>
-        </p:nvSpPr>
-        <p:spPr>
-          <a:xfrm>
-            <a:off x="390937" y="1547912"/>
-            <a:ext cx="11085446" cy="1569660"/>
-          </a:xfrm>
-          <a:prstGeom prst="rect">
-            <a:avLst/>
-          </a:prstGeom>
-        </p:spPr>
-        <p:txBody>
-          <a:bodyPr wrap="square">
+          <p:cNvPr id="3" name="TextBox 2">
+            <a:extLst>
+              <a:ext uri="{FF2B5EF4-FFF2-40B4-BE49-F238E27FC236}">
+                <a16:creationId xmlns:a16="http://schemas.microsoft.com/office/drawing/2014/main" id="{1980B4EC-4697-4B4F-87E9-C0E68B2BB033}"/>
+              </a:ext>
+            </a:extLst>
+          </p:cNvPr>
+          <p:cNvSpPr txBox="1"/>
+          <p:nvPr/>
+        </p:nvSpPr>
+        <p:spPr>
+          <a:xfrm>
+            <a:off x="3838210" y="2519929"/>
+            <a:ext cx="4515579" cy="923330"/>
+          </a:xfrm>
+          <a:prstGeom prst="rect">
+            <a:avLst/>
+          </a:prstGeom>
+          <a:noFill/>
+        </p:spPr>
+        <p:txBody>
+          <a:bodyPr wrap="square" rtlCol="0">
             <a:spAutoFit/>
           </a:bodyPr>
           <a:lstStyle/>
           <a:p>
-            <a:pPr marL="457200" indent="-457200" algn="just">
-              <a:buAutoNum type="arabicPeriod"/>
-            </a:pPr>
-            <a:r>
-              <a:rPr lang="en-US" sz="2400" b="1" dirty="0"/>
-              <a:t>Support for Temporal Reasoning</a:t>
-            </a:r>
-          </a:p>
-          <a:p>
-            <a:pPr marL="800100" lvl="1" indent="-342900" algn="just">
-              <a:buFont typeface="Arial" panose="020B0604020202020204" pitchFamily="34" charset="0"/>
-              <a:buChar char="•"/>
-            </a:pPr>
-            <a:r>
-              <a:rPr lang="en-US" sz="2400" dirty="0"/>
-              <a:t>Humans reasoning involves some </a:t>
-            </a:r>
-            <a:r>
-              <a:rPr lang="en-US" sz="2400" dirty="0">
-                <a:solidFill>
-                  <a:srgbClr val="FF0000"/>
-                </a:solidFill>
-              </a:rPr>
-              <a:t>temporal</a:t>
-            </a:r>
-            <a:r>
-              <a:rPr lang="en-US" sz="2400" dirty="0"/>
-              <a:t> </a:t>
-            </a:r>
-            <a:r>
-              <a:rPr lang="en-US" sz="2400" dirty="0">
-                <a:solidFill>
-                  <a:srgbClr val="FF0000"/>
-                </a:solidFill>
-              </a:rPr>
-              <a:t>reasoning</a:t>
-            </a:r>
-            <a:endParaRPr lang="en-US" sz="2400" dirty="0"/>
-          </a:p>
-          <a:p>
-            <a:pPr marL="800100" lvl="1" indent="-342900" algn="just">
-              <a:buFont typeface="Arial" panose="020B0604020202020204" pitchFamily="34" charset="0"/>
-              <a:buChar char="•"/>
-            </a:pPr>
-            <a:r>
-              <a:rPr lang="en-US" sz="2400" dirty="0"/>
-              <a:t>Decision making requires </a:t>
-            </a:r>
-            <a:r>
-              <a:rPr lang="en-US" sz="2400" dirty="0">
-                <a:solidFill>
-                  <a:srgbClr val="FF0000"/>
-                </a:solidFill>
-              </a:rPr>
-              <a:t>reasoning about events</a:t>
-            </a:r>
-            <a:r>
-              <a:rPr lang="en-US" sz="2400" dirty="0"/>
-              <a:t> related to each other w.r.t time</a:t>
-            </a:r>
-          </a:p>
-          <a:p>
-            <a:pPr marL="800100" lvl="1" indent="-342900" algn="just">
-              <a:buFont typeface="Arial" panose="020B0604020202020204" pitchFamily="34" charset="0"/>
-              <a:buChar char="•"/>
-            </a:pPr>
-            <a:r>
-              <a:rPr lang="en-US" sz="2400" dirty="0"/>
-              <a:t>Predicates like </a:t>
-            </a:r>
-            <a:r>
-              <a:rPr lang="en-US" sz="2400" i="1" dirty="0">
-                <a:solidFill>
-                  <a:srgbClr val="FF0000"/>
-                </a:solidFill>
-              </a:rPr>
-              <a:t>happensAt (event_id, time_id) </a:t>
-            </a:r>
-            <a:r>
-              <a:rPr lang="en-US" sz="2400" dirty="0"/>
-              <a:t>help in modelling time</a:t>
-            </a:r>
-          </a:p>
-        </p:txBody>
-      </p:sp>
-      <p:sp>
-        <p:nvSpPr>
-          <p:cNvPr id="7" name="Rectangle 6">
-            <a:extLst>
-              <a:ext uri="{FF2B5EF4-FFF2-40B4-BE49-F238E27FC236}">
-                <a16:creationId xmlns:a16="http://schemas.microsoft.com/office/drawing/2014/main" id="{2B84BBFB-C1EC-478F-8E81-7685A0B691C6}"/>
-              </a:ext>
-            </a:extLst>
-          </p:cNvPr>
-          <p:cNvSpPr/>
-          <p:nvPr/>
-        </p:nvSpPr>
-        <p:spPr>
-          <a:xfrm>
-            <a:off x="0" y="0"/>
-            <a:ext cx="12192000" cy="1311965"/>
-          </a:xfrm>
-          <a:prstGeom prst="rect">
+            <a:pPr algn="ctr"/>
+            <a:r>
+              <a:rPr lang="en-US" sz="5400" dirty="0">
+                <a:ln w="0"/>
+              </a:rPr>
+              <a:t>Hurdles</a:t>
+            </a:r>
+          </a:p>
+        </p:txBody>
+      </p:sp>
+      <p:cxnSp>
+        <p:nvCxnSpPr>
+          <p:cNvPr id="8" name="Straight Connector 7">
+            <a:extLst>
+              <a:ext uri="{FF2B5EF4-FFF2-40B4-BE49-F238E27FC236}">
+                <a16:creationId xmlns:a16="http://schemas.microsoft.com/office/drawing/2014/main" id="{1246DA07-DFD8-496C-BB69-FD95668F7C67}"/>
+              </a:ext>
+            </a:extLst>
+          </p:cNvPr>
+          <p:cNvCxnSpPr/>
+          <p:nvPr/>
+        </p:nvCxnSpPr>
+        <p:spPr>
+          <a:xfrm>
+            <a:off x="3670852" y="3429000"/>
+            <a:ext cx="4611756" cy="0"/>
+          </a:xfrm>
+          <a:prstGeom prst="line">
             <a:avLst/>
           </a:prstGeom>
         </p:spPr>
         <p:style>
-          <a:lnRef idx="2">
-            <a:schemeClr val="dk1">
-              <a:shade val="50000"/>
-            </a:schemeClr>
+          <a:lnRef idx="1">
+            <a:schemeClr val="dk1"/>
           </a:lnRef>
-          <a:fillRef idx="1">
+          <a:fillRef idx="0">
             <a:schemeClr val="dk1"/>
           </a:fillRef>
           <a:effectRef idx="0">
             <a:schemeClr val="dk1"/>
           </a:effectRef>
           <a:fontRef idx="minor">
-            <a:schemeClr val="lt1"/>
+            <a:schemeClr val="tx1"/>
           </a:fontRef>
         </p:style>
-        <p:txBody>
-          <a:bodyPr rtlCol="0" anchor="ctr"/>
-          <a:lstStyle/>
-          <a:p>
-            <a:pPr algn="ctr"/>
-            <a:endParaRPr lang="en-US" dirty="0"/>
-          </a:p>
-        </p:txBody>
-      </p:sp>
-      <p:sp>
-        <p:nvSpPr>
-          <p:cNvPr id="9" name="TextBox 8">
-            <a:extLst>
-              <a:ext uri="{FF2B5EF4-FFF2-40B4-BE49-F238E27FC236}">
-                <a16:creationId xmlns:a16="http://schemas.microsoft.com/office/drawing/2014/main" id="{7F0CAA4B-E205-452A-A063-24223A8717CE}"/>
+      </p:cxnSp>
+      <p:sp>
+        <p:nvSpPr>
+          <p:cNvPr id="4" name="TextBox 3">
+            <a:extLst>
+              <a:ext uri="{FF2B5EF4-FFF2-40B4-BE49-F238E27FC236}">
+                <a16:creationId xmlns:a16="http://schemas.microsoft.com/office/drawing/2014/main" id="{6BFEE7AA-B53C-40A1-BA09-1E3192229B2B}"/>
               </a:ext>
             </a:extLst>
           </p:cNvPr>
@@ -22793,8 +24586,8 @@
         </p:nvSpPr>
         <p:spPr>
           <a:xfrm>
-            <a:off x="4541560" y="332816"/>
-            <a:ext cx="3108879" cy="646331"/>
+            <a:off x="4565372" y="3443259"/>
+            <a:ext cx="3372680" cy="461665"/>
           </a:xfrm>
           <a:prstGeom prst="rect">
             <a:avLst/>
@@ -22807,189 +24600,17 @@
           </a:bodyPr>
           <a:lstStyle/>
           <a:p>
-            <a:pPr algn="ctr"/>
-            <a:r>
-              <a:rPr lang="en-US" sz="3600" dirty="0">
-                <a:ln w="0"/>
-                <a:solidFill>
-                  <a:schemeClr val="bg1"/>
-                </a:solidFill>
-              </a:rPr>
-              <a:t>Future Work</a:t>
-            </a:r>
-          </a:p>
-        </p:txBody>
-      </p:sp>
-      <p:sp>
-        <p:nvSpPr>
-          <p:cNvPr id="6" name="Rectangle 5">
-            <a:extLst>
-              <a:ext uri="{FF2B5EF4-FFF2-40B4-BE49-F238E27FC236}">
-                <a16:creationId xmlns:a16="http://schemas.microsoft.com/office/drawing/2014/main" id="{50B0E405-AA50-426D-AF54-4A9E16132E8D}"/>
-              </a:ext>
-            </a:extLst>
-          </p:cNvPr>
-          <p:cNvSpPr/>
-          <p:nvPr/>
-        </p:nvSpPr>
-        <p:spPr>
-          <a:xfrm>
-            <a:off x="390937" y="3117572"/>
-            <a:ext cx="11085446" cy="3570208"/>
-          </a:xfrm>
-          <a:prstGeom prst="rect">
-            <a:avLst/>
-          </a:prstGeom>
-        </p:spPr>
-        <p:txBody>
-          <a:bodyPr wrap="square">
-            <a:spAutoFit/>
-          </a:bodyPr>
-          <a:lstStyle/>
-          <a:p>
-            <a:pPr algn="just"/>
-            <a:r>
-              <a:rPr lang="en-US" sz="2400" b="1" dirty="0"/>
-              <a:t>2.    Understanding Cause-Effect Relations</a:t>
-            </a:r>
-          </a:p>
-          <a:p>
-            <a:pPr marL="800100" lvl="1" indent="-342900" algn="just">
-              <a:buFont typeface="Arial" panose="020B0604020202020204" pitchFamily="34" charset="0"/>
-              <a:buChar char="•"/>
-            </a:pPr>
             <a:r>
               <a:rPr lang="en-US" sz="2400" dirty="0"/>
-              <a:t>Cause Effect relations help with </a:t>
-            </a:r>
-            <a:r>
-              <a:rPr lang="en-US" sz="2400" dirty="0">
-                <a:solidFill>
-                  <a:srgbClr val="FF0000"/>
-                </a:solidFill>
-              </a:rPr>
-              <a:t>providing justifications </a:t>
-            </a:r>
-            <a:r>
-              <a:rPr lang="en-US" sz="2400" dirty="0"/>
-              <a:t>to activities</a:t>
-            </a:r>
-          </a:p>
-          <a:p>
-            <a:pPr marL="800100" lvl="1" indent="-342900" algn="just">
-              <a:buFont typeface="Arial" panose="020B0604020202020204" pitchFamily="34" charset="0"/>
-              <a:buChar char="•"/>
-            </a:pPr>
-            <a:r>
-              <a:rPr lang="en-US" sz="2400" dirty="0"/>
-              <a:t>Currently there are limited resources to detect such relations like </a:t>
-            </a:r>
-            <a:r>
-              <a:rPr lang="en-US" sz="2400" i="1" dirty="0"/>
-              <a:t>FrameNet</a:t>
-            </a:r>
-          </a:p>
-          <a:p>
-            <a:pPr marL="800100" lvl="1" indent="-342900" algn="just">
-              <a:buFont typeface="Arial" panose="020B0604020202020204" pitchFamily="34" charset="0"/>
-              <a:buChar char="•"/>
-            </a:pPr>
-            <a:r>
-              <a:rPr lang="en-US" sz="2400" dirty="0"/>
-              <a:t>Cause effect relations can be modelled as follow</a:t>
-            </a:r>
-          </a:p>
-          <a:p>
-            <a:pPr lvl="2">
-              <a:spcBef>
-                <a:spcPts val="1200"/>
-              </a:spcBef>
-            </a:pPr>
-            <a:r>
-              <a:rPr lang="en-US" sz="2400" i="1" dirty="0">
-                <a:solidFill>
-                  <a:srgbClr val="FF0000"/>
-                </a:solidFill>
-              </a:rPr>
-              <a:t>cause (event_id1, event_id2). </a:t>
-            </a:r>
-            <a:endParaRPr lang="en-US" sz="2400" dirty="0">
-              <a:solidFill>
-                <a:srgbClr val="FF0000"/>
-              </a:solidFill>
-            </a:endParaRPr>
-          </a:p>
-          <a:p>
-            <a:pPr lvl="2"/>
-            <a:r>
-              <a:rPr lang="fr-FR" sz="2400" i="1" dirty="0" err="1">
-                <a:solidFill>
-                  <a:srgbClr val="FF0000"/>
-                </a:solidFill>
-              </a:rPr>
-              <a:t>effect</a:t>
-            </a:r>
-            <a:r>
-              <a:rPr lang="fr-FR" sz="2400" i="1" dirty="0">
-                <a:solidFill>
-                  <a:srgbClr val="FF0000"/>
-                </a:solidFill>
-              </a:rPr>
-              <a:t> (X, Y) :- cause (Y, X) </a:t>
-            </a:r>
-            <a:endParaRPr lang="en-US" sz="2400" i="1" dirty="0">
-              <a:solidFill>
-                <a:srgbClr val="FF0000"/>
-              </a:solidFill>
-            </a:endParaRPr>
-          </a:p>
-          <a:p>
-            <a:pPr marL="800100" lvl="1" indent="-342900" algn="just">
-              <a:buFont typeface="Arial" panose="020B0604020202020204" pitchFamily="34" charset="0"/>
-              <a:buChar char="•"/>
-            </a:pPr>
-            <a:endParaRPr lang="en-US" sz="2400" dirty="0"/>
-          </a:p>
-          <a:p>
-            <a:pPr marL="800100" lvl="1" indent="-342900" algn="just">
-              <a:buFont typeface="Arial" panose="020B0604020202020204" pitchFamily="34" charset="0"/>
-              <a:buChar char="•"/>
-            </a:pPr>
-            <a:r>
-              <a:rPr lang="en-US" sz="2400" dirty="0"/>
-              <a:t>Causes follow transitivity</a:t>
-            </a:r>
-          </a:p>
-          <a:p>
-            <a:pPr lvl="1" algn="just"/>
-            <a:r>
-              <a:rPr lang="en-US" sz="2400" dirty="0">
-                <a:solidFill>
-                  <a:srgbClr val="FF0000"/>
-                </a:solidFill>
-              </a:rPr>
-              <a:t>	</a:t>
-            </a:r>
-            <a:r>
-              <a:rPr lang="fr-FR" sz="2400" i="1" dirty="0">
-                <a:solidFill>
-                  <a:srgbClr val="FF0000"/>
-                </a:solidFill>
-              </a:rPr>
-              <a:t>cause (X, Y) :- cause (X, Z), cause (Z, Y). </a:t>
-            </a:r>
-            <a:endParaRPr lang="en-US" sz="2400" dirty="0">
-              <a:solidFill>
-                <a:srgbClr val="FF0000"/>
-              </a:solidFill>
-            </a:endParaRPr>
+              <a:t>What were the blockers?</a:t>
+            </a:r>
           </a:p>
         </p:txBody>
       </p:sp>
     </p:spTree>
     <p:extLst>
       <p:ext uri="{BB962C8B-B14F-4D97-AF65-F5344CB8AC3E}">
-        <p14:creationId xmlns:p14="http://schemas.microsoft.com/office/powerpoint/2010/main" val="2387742247"/>
+        <p14:creationId xmlns:p14="http://schemas.microsoft.com/office/powerpoint/2010/main" val="484564978"/>
       </p:ext>
     </p:extLst>
   </p:cSld>
@@ -23030,8 +24651,8 @@
         </p:nvSpPr>
         <p:spPr>
           <a:xfrm>
-            <a:off x="390937" y="1545993"/>
-            <a:ext cx="11085446" cy="2677656"/>
+            <a:off x="390937" y="1790555"/>
+            <a:ext cx="11085446" cy="1938992"/>
           </a:xfrm>
           <a:prstGeom prst="rect">
             <a:avLst/>
@@ -23043,10 +24664,12 @@
           </a:bodyPr>
           <a:lstStyle/>
           <a:p>
-            <a:pPr algn="just"/>
+            <a:pPr marL="457200" indent="-457200" algn="just">
+              <a:buAutoNum type="arabicPeriod"/>
+            </a:pPr>
             <a:r>
               <a:rPr lang="en-US" sz="2400" b="1" dirty="0"/>
-              <a:t>3.    Modelling more knowledge patterns</a:t>
+              <a:t>Accuracy of NLP Tools</a:t>
             </a:r>
           </a:p>
           <a:p>
@@ -23056,7 +24679,7 @@
             </a:pPr>
             <a:r>
               <a:rPr lang="en-US" sz="2400" dirty="0"/>
-              <a:t>Knowledge patterns used in text depend on factors like </a:t>
+              <a:t>Some sentences are </a:t>
             </a:r>
             <a:r>
               <a:rPr lang="en-US" sz="2400" dirty="0">
@@ -23064,11 +24687,7 @@
                   <a:srgbClr val="FF0000"/>
                 </a:solidFill>
               </a:rPr>
-              <a:t>authors, subject, style of writing </a:t>
-            </a:r>
-            <a:r>
-              <a:rPr lang="en-US" sz="2400" dirty="0"/>
-              <a:t>etc.</a:t>
+              <a:t>parsed incorrectly</a:t>
             </a:r>
           </a:p>
           <a:p>
@@ -23078,7 +24697,7 @@
             </a:pPr>
             <a:r>
               <a:rPr lang="en-US" sz="2400" dirty="0"/>
-              <a:t>Furthermore knowledge patterns keep on </a:t>
+              <a:t>Some words are </a:t>
             </a:r>
             <a:r>
               <a:rPr lang="en-US" sz="2400" dirty="0">
@@ -23086,11 +24705,11 @@
                   <a:srgbClr val="FF0000"/>
                 </a:solidFill>
               </a:rPr>
-              <a:t>evolving</a:t>
+              <a:t>mis-tagged </a:t>
             </a:r>
             <a:r>
               <a:rPr lang="en-US" sz="2400" dirty="0"/>
-              <a:t> with the language</a:t>
+              <a:t>due to multiple possible POS Tags</a:t>
             </a:r>
           </a:p>
           <a:p>
@@ -23100,7 +24719,19 @@
             </a:pPr>
             <a:r>
               <a:rPr lang="en-US" sz="2400" dirty="0"/>
-              <a:t>More different kinds of texts are handled by the system better it is at describing and representing implicit information conveyed through knowledge patterns like time spans, appositionals etc.</a:t>
+              <a:t>System tries to solve this with the use of </a:t>
+            </a:r>
+            <a:r>
+              <a:rPr lang="en-US" sz="2400" dirty="0">
+                <a:solidFill>
+                  <a:srgbClr val="FF0000"/>
+                </a:solidFill>
+              </a:rPr>
+              <a:t>multiple tools </a:t>
+            </a:r>
+            <a:r>
+              <a:rPr lang="en-US" sz="2400" dirty="0"/>
+              <a:t>i.e. also using tools having higher semantic information.</a:t>
             </a:r>
           </a:p>
         </p:txBody>
@@ -23187,17 +24818,17 @@
                   <a:schemeClr val="bg1"/>
                 </a:solidFill>
               </a:rPr>
-              <a:t>Future Work</a:t>
-            </a:r>
-          </a:p>
-        </p:txBody>
-      </p:sp>
-      <p:sp>
-        <p:nvSpPr>
-          <p:cNvPr id="6" name="Rectangle 5">
-            <a:extLst>
-              <a:ext uri="{FF2B5EF4-FFF2-40B4-BE49-F238E27FC236}">
-                <a16:creationId xmlns:a16="http://schemas.microsoft.com/office/drawing/2014/main" id="{50B0E405-AA50-426D-AF54-4A9E16132E8D}"/>
+              <a:t>Hurdles</a:t>
+            </a:r>
+          </a:p>
+        </p:txBody>
+      </p:sp>
+      <p:sp>
+        <p:nvSpPr>
+          <p:cNvPr id="8" name="Rectangle 7">
+            <a:extLst>
+              <a:ext uri="{FF2B5EF4-FFF2-40B4-BE49-F238E27FC236}">
+                <a16:creationId xmlns:a16="http://schemas.microsoft.com/office/drawing/2014/main" id="{20D06865-0810-4A4C-8F58-BE8C7E0AD5E1}"/>
               </a:ext>
             </a:extLst>
           </p:cNvPr>
@@ -23206,8 +24837,8 @@
         </p:nvSpPr>
         <p:spPr>
           <a:xfrm>
-            <a:off x="390937" y="4457677"/>
-            <a:ext cx="11085446" cy="1569660"/>
+            <a:off x="390937" y="3811012"/>
+            <a:ext cx="11085446" cy="3046988"/>
           </a:xfrm>
           <a:prstGeom prst="rect">
             <a:avLst/>
@@ -23222,7 +24853,7 @@
             <a:pPr algn="just"/>
             <a:r>
               <a:rPr lang="en-US" sz="2400" b="1" dirty="0"/>
-              <a:t>4.    Modelling Semantic Similarity Between Words</a:t>
+              <a:t>2.    Use of similar words and concepts</a:t>
             </a:r>
           </a:p>
           <a:p>
@@ -23232,7 +24863,7 @@
             </a:pPr>
             <a:r>
               <a:rPr lang="en-US" sz="2400" dirty="0"/>
-              <a:t>Similar concepts can be obtained from WordNet using </a:t>
+              <a:t>Humans use the </a:t>
             </a:r>
             <a:r>
               <a:rPr lang="en-US" sz="2400" dirty="0">
@@ -23240,12 +24871,17 @@
                   <a:srgbClr val="FF0000"/>
                 </a:solidFill>
               </a:rPr>
-              <a:t>Synonymy relation</a:t>
+              <a:t>concept of similarity</a:t>
             </a:r>
             <a:r>
               <a:rPr lang="en-US" sz="2400" dirty="0"/>
-              <a:t>.</a:t>
-            </a:r>
+              <a:t> a lot when reasoning</a:t>
+            </a:r>
+            <a:endParaRPr lang="en-US" sz="2400" dirty="0">
+              <a:solidFill>
+                <a:srgbClr val="FF0000"/>
+              </a:solidFill>
+            </a:endParaRPr>
           </a:p>
           <a:p>
             <a:pPr marL="800100" lvl="1" indent="-342900" algn="just">
@@ -23254,7 +24890,7 @@
             </a:pPr>
             <a:r>
               <a:rPr lang="en-US" sz="2400" dirty="0"/>
-              <a:t>NLP has other similarity measures like </a:t>
+              <a:t>Example use of last name for people instead of full name </a:t>
             </a:r>
             <a:r>
               <a:rPr lang="en-US" sz="2400" dirty="0">
@@ -23262,11 +24898,17 @@
                   <a:srgbClr val="FF0000"/>
                 </a:solidFill>
               </a:rPr>
-              <a:t>path similarity </a:t>
-            </a:r>
+              <a:t>Tesla instead of Nikola Tesla</a:t>
+            </a:r>
+          </a:p>
+          <a:p>
+            <a:pPr marL="800100" lvl="1" indent="-342900" algn="just">
+              <a:buFont typeface="Arial" panose="020B0604020202020204" pitchFamily="34" charset="0"/>
+              <a:buChar char="•"/>
+            </a:pPr>
             <a:r>
               <a:rPr lang="en-US" sz="2400" dirty="0"/>
-              <a:t>and </a:t>
+              <a:t>All of these implicit connections made by humans adversely </a:t>
             </a:r>
             <a:r>
               <a:rPr lang="en-US" sz="2400" dirty="0">
@@ -23274,7 +24916,21 @@
                   <a:srgbClr val="FF0000"/>
                 </a:solidFill>
               </a:rPr>
-              <a:t>information content similarity</a:t>
+              <a:t>affect the process of automated reasoning</a:t>
+            </a:r>
+            <a:r>
+              <a:rPr lang="en-US" sz="2400" dirty="0"/>
+              <a:t> </a:t>
+            </a:r>
+          </a:p>
+          <a:p>
+            <a:pPr marL="800100" lvl="1" indent="-342900" algn="just">
+              <a:buFont typeface="Arial" panose="020B0604020202020204" pitchFamily="34" charset="0"/>
+              <a:buChar char="•"/>
+            </a:pPr>
+            <a:r>
+              <a:rPr lang="en-US" sz="2400" dirty="0"/>
+              <a:t>One of the ways to solve this is to use a similarity measure and use it to find the nearest answer.</a:t>
             </a:r>
           </a:p>
         </p:txBody>
@@ -23282,7 +24938,7 @@
     </p:spTree>
     <p:extLst>
       <p:ext uri="{BB962C8B-B14F-4D97-AF65-F5344CB8AC3E}">
-        <p14:creationId xmlns:p14="http://schemas.microsoft.com/office/powerpoint/2010/main" val="657217249"/>
+        <p14:creationId xmlns:p14="http://schemas.microsoft.com/office/powerpoint/2010/main" val="3587751507"/>
       </p:ext>
     </p:extLst>
   </p:cSld>
@@ -23311,6 +24967,122 @@
       </p:grpSpPr>
       <p:sp>
         <p:nvSpPr>
+          <p:cNvPr id="5" name="Rectangle 4">
+            <a:extLst>
+              <a:ext uri="{FF2B5EF4-FFF2-40B4-BE49-F238E27FC236}">
+                <a16:creationId xmlns:a16="http://schemas.microsoft.com/office/drawing/2014/main" id="{4FDB0B06-F270-4F00-8383-EB0ABF97EF01}"/>
+              </a:ext>
+            </a:extLst>
+          </p:cNvPr>
+          <p:cNvSpPr/>
+          <p:nvPr/>
+        </p:nvSpPr>
+        <p:spPr>
+          <a:xfrm>
+            <a:off x="390937" y="1790555"/>
+            <a:ext cx="11085446" cy="3046988"/>
+          </a:xfrm>
+          <a:prstGeom prst="rect">
+            <a:avLst/>
+          </a:prstGeom>
+        </p:spPr>
+        <p:txBody>
+          <a:bodyPr wrap="square">
+            <a:spAutoFit/>
+          </a:bodyPr>
+          <a:lstStyle/>
+          <a:p>
+            <a:pPr algn="just"/>
+            <a:r>
+              <a:rPr lang="en-US" sz="2400" b="1" dirty="0"/>
+              <a:t>3.     Absence of good resources for verbs</a:t>
+            </a:r>
+          </a:p>
+          <a:p>
+            <a:pPr marL="800100" lvl="1" indent="-342900" algn="just">
+              <a:buFont typeface="Arial" panose="020B0604020202020204" pitchFamily="34" charset="0"/>
+              <a:buChar char="•"/>
+            </a:pPr>
+            <a:r>
+              <a:rPr lang="en-US" sz="2400" dirty="0"/>
+              <a:t>Verbs are </a:t>
+            </a:r>
+            <a:r>
+              <a:rPr lang="en-US" sz="2400" dirty="0">
+                <a:solidFill>
+                  <a:srgbClr val="FF0000"/>
+                </a:solidFill>
+              </a:rPr>
+              <a:t>important parts</a:t>
+            </a:r>
+            <a:r>
+              <a:rPr lang="en-US" sz="2400" dirty="0"/>
+              <a:t> of the sentence</a:t>
+            </a:r>
+            <a:endParaRPr lang="en-US" sz="2400" dirty="0">
+              <a:solidFill>
+                <a:srgbClr val="FF0000"/>
+              </a:solidFill>
+            </a:endParaRPr>
+          </a:p>
+          <a:p>
+            <a:pPr marL="800100" lvl="1" indent="-342900" algn="just">
+              <a:buFont typeface="Arial" panose="020B0604020202020204" pitchFamily="34" charset="0"/>
+              <a:buChar char="•"/>
+            </a:pPr>
+            <a:r>
+              <a:rPr lang="en-US" sz="2400" dirty="0"/>
+              <a:t>Its important to </a:t>
+            </a:r>
+            <a:r>
+              <a:rPr lang="en-US" sz="2400" dirty="0">
+                <a:solidFill>
+                  <a:srgbClr val="FF0000"/>
+                </a:solidFill>
+              </a:rPr>
+              <a:t>understand the exact meaning of verbs </a:t>
+            </a:r>
+            <a:r>
+              <a:rPr lang="en-US" sz="2400" dirty="0"/>
+              <a:t>to understand the sentence</a:t>
+            </a:r>
+          </a:p>
+          <a:p>
+            <a:pPr marL="800100" lvl="1" indent="-342900" algn="just">
+              <a:buFont typeface="Arial" panose="020B0604020202020204" pitchFamily="34" charset="0"/>
+              <a:buChar char="•"/>
+            </a:pPr>
+            <a:r>
+              <a:rPr lang="en-US" sz="2400" dirty="0"/>
+              <a:t>Humans have a complete understanding of how verbs behave in different contexts.</a:t>
+            </a:r>
+          </a:p>
+          <a:p>
+            <a:pPr marL="800100" lvl="1" indent="-342900" algn="just">
+              <a:buFont typeface="Arial" panose="020B0604020202020204" pitchFamily="34" charset="0"/>
+              <a:buChar char="•"/>
+            </a:pPr>
+            <a:r>
+              <a:rPr lang="en-US" sz="2400" dirty="0"/>
+              <a:t>One way to overcome this is to </a:t>
+            </a:r>
+            <a:r>
+              <a:rPr lang="en-US" sz="2400" dirty="0">
+                <a:solidFill>
+                  <a:srgbClr val="FF0000"/>
+                </a:solidFill>
+              </a:rPr>
+              <a:t>manually add knowledge </a:t>
+            </a:r>
+            <a:r>
+              <a:rPr lang="en-US" sz="2400" dirty="0"/>
+              <a:t>about verbs that is reusable.</a:t>
+            </a:r>
+          </a:p>
+        </p:txBody>
+      </p:sp>
+      <p:sp>
+        <p:nvSpPr>
           <p:cNvPr id="7" name="Rectangle 6">
             <a:extLst>
               <a:ext uri="{FF2B5EF4-FFF2-40B4-BE49-F238E27FC236}">
@@ -23391,146 +25163,7 @@
                   <a:schemeClr val="bg1"/>
                 </a:solidFill>
               </a:rPr>
-              <a:t>Future Work</a:t>
-            </a:r>
-          </a:p>
-        </p:txBody>
-      </p:sp>
-      <p:sp>
-        <p:nvSpPr>
-          <p:cNvPr id="8" name="Rectangle 7">
-            <a:extLst>
-              <a:ext uri="{FF2B5EF4-FFF2-40B4-BE49-F238E27FC236}">
-                <a16:creationId xmlns:a16="http://schemas.microsoft.com/office/drawing/2014/main" id="{2DB428E2-8FAA-4F7D-B221-1D331098E241}"/>
-              </a:ext>
-            </a:extLst>
-          </p:cNvPr>
-          <p:cNvSpPr/>
-          <p:nvPr/>
-        </p:nvSpPr>
-        <p:spPr>
-          <a:xfrm>
-            <a:off x="390937" y="1738220"/>
-            <a:ext cx="11085446" cy="2308324"/>
-          </a:xfrm>
-          <a:prstGeom prst="rect">
-            <a:avLst/>
-          </a:prstGeom>
-        </p:spPr>
-        <p:txBody>
-          <a:bodyPr wrap="square">
-            <a:spAutoFit/>
-          </a:bodyPr>
-          <a:lstStyle/>
-          <a:p>
-            <a:pPr algn="just"/>
-            <a:r>
-              <a:rPr lang="en-US" sz="2400" b="1" dirty="0"/>
-              <a:t>5.    Adding more information resources</a:t>
-            </a:r>
-          </a:p>
-          <a:p>
-            <a:pPr marL="800100" lvl="1" indent="-342900" algn="just">
-              <a:buFont typeface="Arial" panose="020B0604020202020204" pitchFamily="34" charset="0"/>
-              <a:buChar char="•"/>
-            </a:pPr>
-            <a:r>
-              <a:rPr lang="en-US" sz="2400" dirty="0"/>
-              <a:t>The more the number of </a:t>
-            </a:r>
-            <a:r>
-              <a:rPr lang="en-US" sz="2400" dirty="0">
-                <a:solidFill>
-                  <a:srgbClr val="FF0000"/>
-                </a:solidFill>
-              </a:rPr>
-              <a:t>trusted information resources </a:t>
-            </a:r>
-            <a:r>
-              <a:rPr lang="en-US" sz="2400" dirty="0"/>
-              <a:t>the better is the system at inferring.</a:t>
-            </a:r>
-          </a:p>
-          <a:p>
-            <a:pPr marL="800100" lvl="1" indent="-342900" algn="just">
-              <a:buFont typeface="Arial" panose="020B0604020202020204" pitchFamily="34" charset="0"/>
-              <a:buChar char="•"/>
-            </a:pPr>
-            <a:r>
-              <a:rPr lang="en-US" sz="2400" dirty="0"/>
-              <a:t>Databases like YAGO which stores information about named entities like cities, countries  from Wikipedia and WordNet can help the system reach better conclusions.</a:t>
-            </a:r>
-            <a:endParaRPr lang="en-US" sz="2400" dirty="0">
-              <a:solidFill>
-                <a:srgbClr val="FF0000"/>
-              </a:solidFill>
-            </a:endParaRPr>
-          </a:p>
-        </p:txBody>
-      </p:sp>
-      <p:sp>
-        <p:nvSpPr>
-          <p:cNvPr id="2" name="Rectangle 1">
-            <a:extLst>
-              <a:ext uri="{FF2B5EF4-FFF2-40B4-BE49-F238E27FC236}">
-                <a16:creationId xmlns:a16="http://schemas.microsoft.com/office/drawing/2014/main" id="{D3E134D8-5A31-4D32-A9BB-82DCA4903F05}"/>
-              </a:ext>
-            </a:extLst>
-          </p:cNvPr>
-          <p:cNvSpPr/>
-          <p:nvPr/>
-        </p:nvSpPr>
-        <p:spPr>
-          <a:xfrm>
-            <a:off x="390937" y="4472799"/>
-            <a:ext cx="11085446" cy="1569660"/>
-          </a:xfrm>
-          <a:prstGeom prst="rect">
-            <a:avLst/>
-          </a:prstGeom>
-        </p:spPr>
-        <p:txBody>
-          <a:bodyPr wrap="square">
-            <a:spAutoFit/>
-          </a:bodyPr>
-          <a:lstStyle/>
-          <a:p>
-            <a:pPr algn="just"/>
-            <a:r>
-              <a:rPr lang="en-US" sz="2400" b="1" dirty="0"/>
-              <a:t>6.    Marking facts with confidence metrics</a:t>
-            </a:r>
-          </a:p>
-          <a:p>
-            <a:pPr marL="800100" lvl="1" indent="-342900" algn="just">
-              <a:buFont typeface="Arial" panose="020B0604020202020204" pitchFamily="34" charset="0"/>
-              <a:buChar char="•"/>
-            </a:pPr>
-            <a:r>
-              <a:rPr lang="en-US" sz="2400" dirty="0"/>
-              <a:t>As the number of information sources will increase we would need to add a confidence metric on facts coming from these sources</a:t>
-            </a:r>
-          </a:p>
-          <a:p>
-            <a:pPr marL="800100" lvl="1" indent="-342900" algn="just">
-              <a:buFont typeface="Arial" panose="020B0604020202020204" pitchFamily="34" charset="0"/>
-              <a:buChar char="•"/>
-            </a:pPr>
-            <a:r>
-              <a:rPr lang="en-US" sz="2400" dirty="0"/>
-              <a:t>This will help us choose the </a:t>
-            </a:r>
-            <a:r>
-              <a:rPr lang="en-US" sz="2400" dirty="0">
-                <a:solidFill>
-                  <a:srgbClr val="FF0000"/>
-                </a:solidFill>
-              </a:rPr>
-              <a:t>best justification </a:t>
-            </a:r>
-            <a:r>
-              <a:rPr lang="en-US" sz="2400" dirty="0"/>
-              <a:t>for a query</a:t>
+              <a:t>Hurdles</a:t>
             </a:r>
           </a:p>
         </p:txBody>
@@ -23538,7 +25171,7 @@
     </p:spTree>
     <p:extLst>
       <p:ext uri="{BB962C8B-B14F-4D97-AF65-F5344CB8AC3E}">
-        <p14:creationId xmlns:p14="http://schemas.microsoft.com/office/powerpoint/2010/main" val="2122546219"/>
+        <p14:creationId xmlns:p14="http://schemas.microsoft.com/office/powerpoint/2010/main" val="976670942"/>
       </p:ext>
     </p:extLst>
   </p:cSld>
@@ -23567,56 +25200,84 @@
       </p:grpSpPr>
       <p:sp>
         <p:nvSpPr>
-          <p:cNvPr id="7" name="Rectangle 6">
-            <a:extLst>
-              <a:ext uri="{FF2B5EF4-FFF2-40B4-BE49-F238E27FC236}">
-                <a16:creationId xmlns:a16="http://schemas.microsoft.com/office/drawing/2014/main" id="{2B84BBFB-C1EC-478F-8E81-7685A0B691C6}"/>
-              </a:ext>
-            </a:extLst>
-          </p:cNvPr>
-          <p:cNvSpPr/>
-          <p:nvPr/>
-        </p:nvSpPr>
-        <p:spPr>
-          <a:xfrm>
-            <a:off x="0" y="0"/>
-            <a:ext cx="12192000" cy="1311965"/>
-          </a:xfrm>
-          <a:prstGeom prst="rect">
+          <p:cNvPr id="3" name="TextBox 2">
+            <a:extLst>
+              <a:ext uri="{FF2B5EF4-FFF2-40B4-BE49-F238E27FC236}">
+                <a16:creationId xmlns:a16="http://schemas.microsoft.com/office/drawing/2014/main" id="{1980B4EC-4697-4B4F-87E9-C0E68B2BB033}"/>
+              </a:ext>
+            </a:extLst>
+          </p:cNvPr>
+          <p:cNvSpPr txBox="1"/>
+          <p:nvPr/>
+        </p:nvSpPr>
+        <p:spPr>
+          <a:xfrm>
+            <a:off x="3838210" y="2519929"/>
+            <a:ext cx="4515579" cy="923330"/>
+          </a:xfrm>
+          <a:prstGeom prst="rect">
+            <a:avLst/>
+          </a:prstGeom>
+          <a:noFill/>
+        </p:spPr>
+        <p:txBody>
+          <a:bodyPr wrap="square" rtlCol="0">
+            <a:spAutoFit/>
+          </a:bodyPr>
+          <a:lstStyle/>
+          <a:p>
+            <a:pPr algn="ctr"/>
+            <a:r>
+              <a:rPr lang="en-US" sz="5400" dirty="0">
+                <a:ln w="0"/>
+              </a:rPr>
+              <a:t>Future Work</a:t>
+            </a:r>
+          </a:p>
+        </p:txBody>
+      </p:sp>
+      <p:cxnSp>
+        <p:nvCxnSpPr>
+          <p:cNvPr id="8" name="Straight Connector 7">
+            <a:extLst>
+              <a:ext uri="{FF2B5EF4-FFF2-40B4-BE49-F238E27FC236}">
+                <a16:creationId xmlns:a16="http://schemas.microsoft.com/office/drawing/2014/main" id="{1246DA07-DFD8-496C-BB69-FD95668F7C67}"/>
+              </a:ext>
+            </a:extLst>
+          </p:cNvPr>
+          <p:cNvCxnSpPr/>
+          <p:nvPr/>
+        </p:nvCxnSpPr>
+        <p:spPr>
+          <a:xfrm>
+            <a:off x="3670852" y="3429000"/>
+            <a:ext cx="4611756" cy="0"/>
+          </a:xfrm>
+          <a:prstGeom prst="line">
             <a:avLst/>
           </a:prstGeom>
         </p:spPr>
         <p:style>
-          <a:lnRef idx="2">
-            <a:schemeClr val="dk1">
-              <a:shade val="50000"/>
-            </a:schemeClr>
+          <a:lnRef idx="1">
+            <a:schemeClr val="dk1"/>
           </a:lnRef>
-          <a:fillRef idx="1">
+          <a:fillRef idx="0">
             <a:schemeClr val="dk1"/>
           </a:fillRef>
           <a:effectRef idx="0">
             <a:schemeClr val="dk1"/>
           </a:effectRef>
           <a:fontRef idx="minor">
-            <a:schemeClr val="lt1"/>
+            <a:schemeClr val="tx1"/>
           </a:fontRef>
         </p:style>
-        <p:txBody>
-          <a:bodyPr rtlCol="0" anchor="ctr"/>
-          <a:lstStyle/>
-          <a:p>
-            <a:pPr algn="ctr"/>
-            <a:endParaRPr lang="en-US" dirty="0"/>
-          </a:p>
-        </p:txBody>
-      </p:sp>
-      <p:sp>
-        <p:nvSpPr>
-          <p:cNvPr id="9" name="TextBox 8">
-            <a:extLst>
-              <a:ext uri="{FF2B5EF4-FFF2-40B4-BE49-F238E27FC236}">
-                <a16:creationId xmlns:a16="http://schemas.microsoft.com/office/drawing/2014/main" id="{7F0CAA4B-E205-452A-A063-24223A8717CE}"/>
+      </p:cxnSp>
+      <p:sp>
+        <p:nvSpPr>
+          <p:cNvPr id="4" name="TextBox 3">
+            <a:extLst>
+              <a:ext uri="{FF2B5EF4-FFF2-40B4-BE49-F238E27FC236}">
+                <a16:creationId xmlns:a16="http://schemas.microsoft.com/office/drawing/2014/main" id="{6BFEE7AA-B53C-40A1-BA09-1E3192229B2B}"/>
               </a:ext>
             </a:extLst>
           </p:cNvPr>
@@ -23625,8 +25286,8 @@
         </p:nvSpPr>
         <p:spPr>
           <a:xfrm>
-            <a:off x="4541560" y="332816"/>
-            <a:ext cx="3108879" cy="646331"/>
+            <a:off x="5035824" y="3443259"/>
+            <a:ext cx="1881811" cy="461665"/>
           </a:xfrm>
           <a:prstGeom prst="rect">
             <a:avLst/>
@@ -23639,193 +25300,9 @@
           </a:bodyPr>
           <a:lstStyle/>
           <a:p>
-            <a:pPr algn="ctr"/>
-            <a:r>
-              <a:rPr lang="en-US" sz="3600" dirty="0">
-                <a:ln w="0"/>
-                <a:solidFill>
-                  <a:schemeClr val="bg1"/>
-                </a:solidFill>
-              </a:rPr>
-              <a:t>Future Work</a:t>
-            </a:r>
-          </a:p>
-        </p:txBody>
-      </p:sp>
-      <p:sp>
-        <p:nvSpPr>
-          <p:cNvPr id="6" name="Rectangle 5">
-            <a:extLst>
-              <a:ext uri="{FF2B5EF4-FFF2-40B4-BE49-F238E27FC236}">
-                <a16:creationId xmlns:a16="http://schemas.microsoft.com/office/drawing/2014/main" id="{50B0E405-AA50-426D-AF54-4A9E16132E8D}"/>
-              </a:ext>
-            </a:extLst>
-          </p:cNvPr>
-          <p:cNvSpPr/>
-          <p:nvPr/>
-        </p:nvSpPr>
-        <p:spPr>
-          <a:xfrm>
-            <a:off x="390937" y="1952511"/>
-            <a:ext cx="11085446" cy="1938992"/>
-          </a:xfrm>
-          <a:prstGeom prst="rect">
-            <a:avLst/>
-          </a:prstGeom>
-        </p:spPr>
-        <p:txBody>
-          <a:bodyPr wrap="square">
-            <a:spAutoFit/>
-          </a:bodyPr>
-          <a:lstStyle/>
-          <a:p>
-            <a:pPr algn="just"/>
-            <a:r>
-              <a:rPr lang="en-US" sz="2400" b="1" dirty="0"/>
-              <a:t>7.    Modelling Common Sense Reasoning Patterns</a:t>
-            </a:r>
-          </a:p>
-          <a:p>
-            <a:pPr marL="800100" lvl="1" indent="-342900" algn="just">
-              <a:buFont typeface="Arial" panose="020B0604020202020204" pitchFamily="34" charset="0"/>
-              <a:buChar char="•"/>
-            </a:pPr>
             <a:r>
               <a:rPr lang="en-US" sz="2400" dirty="0"/>
-              <a:t>We can model some common sense reasoning principles other than the ones mentioned before, like </a:t>
-            </a:r>
-            <a:r>
-              <a:rPr lang="en-US" sz="2400" dirty="0">
-                <a:solidFill>
-                  <a:srgbClr val="FF0000"/>
-                </a:solidFill>
-              </a:rPr>
-              <a:t>hyponyms </a:t>
-            </a:r>
-            <a:r>
-              <a:rPr lang="en-US" sz="2400" dirty="0"/>
-              <a:t>etc.</a:t>
-            </a:r>
-          </a:p>
-          <a:p>
-            <a:pPr marL="800100" lvl="1" indent="-342900" algn="just">
-              <a:buFont typeface="Arial" panose="020B0604020202020204" pitchFamily="34" charset="0"/>
-              <a:buChar char="•"/>
-            </a:pPr>
-            <a:r>
-              <a:rPr lang="en-US" sz="2400" dirty="0"/>
-              <a:t>These may be logically weaker but, human reasoning uses weak assumptions to reason incase of absence of information.</a:t>
-            </a:r>
-            <a:endParaRPr lang="en-US" sz="2400" dirty="0">
-              <a:solidFill>
-                <a:srgbClr val="FF0000"/>
-              </a:solidFill>
-            </a:endParaRPr>
-          </a:p>
-        </p:txBody>
-      </p:sp>
-      <p:sp>
-        <p:nvSpPr>
-          <p:cNvPr id="8" name="Rectangle 7">
-            <a:extLst>
-              <a:ext uri="{FF2B5EF4-FFF2-40B4-BE49-F238E27FC236}">
-                <a16:creationId xmlns:a16="http://schemas.microsoft.com/office/drawing/2014/main" id="{2DB428E2-8FAA-4F7D-B221-1D331098E241}"/>
-              </a:ext>
-            </a:extLst>
-          </p:cNvPr>
-          <p:cNvSpPr/>
-          <p:nvPr/>
-        </p:nvSpPr>
-        <p:spPr>
-          <a:xfrm>
-            <a:off x="390937" y="4097107"/>
-            <a:ext cx="11085446" cy="1938992"/>
-          </a:xfrm>
-          <a:prstGeom prst="rect">
-            <a:avLst/>
-          </a:prstGeom>
-        </p:spPr>
-        <p:txBody>
-          <a:bodyPr wrap="square">
-            <a:spAutoFit/>
-          </a:bodyPr>
-          <a:lstStyle/>
-          <a:p>
-            <a:pPr algn="just"/>
-            <a:r>
-              <a:rPr lang="en-US" sz="2400" b="1" dirty="0"/>
-              <a:t>8.    Relaxing of Query Constraints</a:t>
-            </a:r>
-          </a:p>
-          <a:p>
-            <a:pPr marL="800100" lvl="1" indent="-342900" algn="just">
-              <a:buFont typeface="Arial" panose="020B0604020202020204" pitchFamily="34" charset="0"/>
-              <a:buChar char="•"/>
-            </a:pPr>
-            <a:r>
-              <a:rPr lang="en-US" sz="2400" dirty="0"/>
-              <a:t>The query generation systems used </a:t>
-            </a:r>
-            <a:r>
-              <a:rPr lang="en-US" sz="2400" dirty="0">
-                <a:solidFill>
-                  <a:srgbClr val="FF0000"/>
-                </a:solidFill>
-              </a:rPr>
-              <a:t>removal of predicates</a:t>
-            </a:r>
-            <a:r>
-              <a:rPr lang="en-US" sz="2400" dirty="0"/>
-              <a:t> to model query relaxation</a:t>
-            </a:r>
-            <a:endParaRPr lang="en-US" sz="2400" dirty="0">
-              <a:solidFill>
-                <a:srgbClr val="FF0000"/>
-              </a:solidFill>
-            </a:endParaRPr>
-          </a:p>
-          <a:p>
-            <a:pPr marL="800100" lvl="1" indent="-342900" algn="just">
-              <a:buFont typeface="Arial" panose="020B0604020202020204" pitchFamily="34" charset="0"/>
-              <a:buChar char="•"/>
-            </a:pPr>
-            <a:r>
-              <a:rPr lang="en-US" sz="2400" dirty="0"/>
-              <a:t>There are other ways to relax queries like </a:t>
-            </a:r>
-            <a:r>
-              <a:rPr lang="en-US" sz="2400" dirty="0">
-                <a:solidFill>
-                  <a:srgbClr val="FF0000"/>
-                </a:solidFill>
-              </a:rPr>
-              <a:t>removal of constraints</a:t>
-            </a:r>
-            <a:r>
-              <a:rPr lang="en-US" sz="2400" dirty="0"/>
-              <a:t> on terms.</a:t>
-            </a:r>
-          </a:p>
-          <a:p>
-            <a:pPr marL="800100" lvl="1" indent="-342900" algn="just">
-              <a:buFont typeface="Arial" panose="020B0604020202020204" pitchFamily="34" charset="0"/>
-              <a:buChar char="•"/>
-            </a:pPr>
-            <a:r>
-              <a:rPr lang="en-US" sz="2400" dirty="0"/>
-              <a:t>We can thus use a </a:t>
-            </a:r>
-            <a:r>
-              <a:rPr lang="en-US" sz="2400" dirty="0">
-                <a:solidFill>
-                  <a:srgbClr val="FF0000"/>
-                </a:solidFill>
-              </a:rPr>
-              <a:t>combination of techniques </a:t>
-            </a:r>
-            <a:r>
-              <a:rPr lang="en-US" sz="2400" dirty="0"/>
-              <a:t>to relax queries.</a:t>
+              <a:t>What's next?</a:t>
             </a:r>
           </a:p>
         </p:txBody>
@@ -23833,7 +25310,7 @@
     </p:spTree>
     <p:extLst>
       <p:ext uri="{BB962C8B-B14F-4D97-AF65-F5344CB8AC3E}">
-        <p14:creationId xmlns:p14="http://schemas.microsoft.com/office/powerpoint/2010/main" val="1733180353"/>
+        <p14:creationId xmlns:p14="http://schemas.microsoft.com/office/powerpoint/2010/main" val="757080069"/>
       </p:ext>
     </p:extLst>
   </p:cSld>
@@ -23862,84 +25339,168 @@
       </p:grpSpPr>
       <p:sp>
         <p:nvSpPr>
-          <p:cNvPr id="3" name="TextBox 2">
-            <a:extLst>
-              <a:ext uri="{FF2B5EF4-FFF2-40B4-BE49-F238E27FC236}">
-                <a16:creationId xmlns:a16="http://schemas.microsoft.com/office/drawing/2014/main" id="{1980B4EC-4697-4B4F-87E9-C0E68B2BB033}"/>
-              </a:ext>
-            </a:extLst>
-          </p:cNvPr>
-          <p:cNvSpPr txBox="1"/>
-          <p:nvPr/>
-        </p:nvSpPr>
-        <p:spPr>
-          <a:xfrm>
-            <a:off x="3838210" y="2519929"/>
-            <a:ext cx="4515579" cy="923330"/>
-          </a:xfrm>
-          <a:prstGeom prst="rect">
-            <a:avLst/>
-          </a:prstGeom>
-          <a:noFill/>
-        </p:spPr>
-        <p:txBody>
-          <a:bodyPr wrap="square" rtlCol="0">
+          <p:cNvPr id="5" name="Rectangle 4">
+            <a:extLst>
+              <a:ext uri="{FF2B5EF4-FFF2-40B4-BE49-F238E27FC236}">
+                <a16:creationId xmlns:a16="http://schemas.microsoft.com/office/drawing/2014/main" id="{4FDB0B06-F270-4F00-8383-EB0ABF97EF01}"/>
+              </a:ext>
+            </a:extLst>
+          </p:cNvPr>
+          <p:cNvSpPr/>
+          <p:nvPr/>
+        </p:nvSpPr>
+        <p:spPr>
+          <a:xfrm>
+            <a:off x="390937" y="1547912"/>
+            <a:ext cx="11085446" cy="1569660"/>
+          </a:xfrm>
+          <a:prstGeom prst="rect">
+            <a:avLst/>
+          </a:prstGeom>
+        </p:spPr>
+        <p:txBody>
+          <a:bodyPr wrap="square">
             <a:spAutoFit/>
           </a:bodyPr>
           <a:lstStyle/>
           <a:p>
-            <a:pPr algn="ctr"/>
-            <a:r>
-              <a:rPr lang="en-US" sz="5400" dirty="0">
-                <a:ln w="0"/>
-              </a:rPr>
-              <a:t>Contributions</a:t>
-            </a:r>
-          </a:p>
-        </p:txBody>
-      </p:sp>
-      <p:cxnSp>
-        <p:nvCxnSpPr>
-          <p:cNvPr id="8" name="Straight Connector 7">
-            <a:extLst>
-              <a:ext uri="{FF2B5EF4-FFF2-40B4-BE49-F238E27FC236}">
-                <a16:creationId xmlns:a16="http://schemas.microsoft.com/office/drawing/2014/main" id="{1246DA07-DFD8-496C-BB69-FD95668F7C67}"/>
-              </a:ext>
-            </a:extLst>
-          </p:cNvPr>
-          <p:cNvCxnSpPr/>
-          <p:nvPr/>
-        </p:nvCxnSpPr>
-        <p:spPr>
-          <a:xfrm>
-            <a:off x="3670852" y="3429000"/>
-            <a:ext cx="4611756" cy="0"/>
-          </a:xfrm>
-          <a:prstGeom prst="line">
+            <a:pPr marL="457200" indent="-457200" algn="just">
+              <a:buAutoNum type="arabicPeriod"/>
+            </a:pPr>
+            <a:r>
+              <a:rPr lang="en-US" sz="2400" b="1" dirty="0"/>
+              <a:t>Support for Temporal Reasoning</a:t>
+            </a:r>
+          </a:p>
+          <a:p>
+            <a:pPr marL="800100" lvl="1" indent="-342900" algn="just">
+              <a:buFont typeface="Arial" panose="020B0604020202020204" pitchFamily="34" charset="0"/>
+              <a:buChar char="•"/>
+            </a:pPr>
+            <a:r>
+              <a:rPr lang="en-US" sz="2400" dirty="0"/>
+              <a:t>Humans reasoning involves some </a:t>
+            </a:r>
+            <a:r>
+              <a:rPr lang="en-US" sz="2400" dirty="0">
+                <a:solidFill>
+                  <a:srgbClr val="FF0000"/>
+                </a:solidFill>
+              </a:rPr>
+              <a:t>temporal</a:t>
+            </a:r>
+            <a:r>
+              <a:rPr lang="en-US" sz="2400" dirty="0"/>
+              <a:t> </a:t>
+            </a:r>
+            <a:r>
+              <a:rPr lang="en-US" sz="2400" dirty="0">
+                <a:solidFill>
+                  <a:srgbClr val="FF0000"/>
+                </a:solidFill>
+              </a:rPr>
+              <a:t>reasoning</a:t>
+            </a:r>
+            <a:endParaRPr lang="en-US" sz="2400" dirty="0"/>
+          </a:p>
+          <a:p>
+            <a:pPr marL="800100" lvl="1" indent="-342900" algn="just">
+              <a:buFont typeface="Arial" panose="020B0604020202020204" pitchFamily="34" charset="0"/>
+              <a:buChar char="•"/>
+            </a:pPr>
+            <a:r>
+              <a:rPr lang="en-US" sz="2400" dirty="0"/>
+              <a:t>Decision making requires </a:t>
+            </a:r>
+            <a:r>
+              <a:rPr lang="en-US" sz="2400" dirty="0">
+                <a:solidFill>
+                  <a:srgbClr val="FF0000"/>
+                </a:solidFill>
+              </a:rPr>
+              <a:t>reasoning about events</a:t>
+            </a:r>
+            <a:r>
+              <a:rPr lang="en-US" sz="2400" dirty="0"/>
+              <a:t> related to each other w.r.t time</a:t>
+            </a:r>
+          </a:p>
+          <a:p>
+            <a:pPr marL="800100" lvl="1" indent="-342900" algn="just">
+              <a:buFont typeface="Arial" panose="020B0604020202020204" pitchFamily="34" charset="0"/>
+              <a:buChar char="•"/>
+            </a:pPr>
+            <a:r>
+              <a:rPr lang="en-US" sz="2400" dirty="0"/>
+              <a:t>Predicates like </a:t>
+            </a:r>
+            <a:r>
+              <a:rPr lang="en-US" sz="2400" i="1" dirty="0">
+                <a:solidFill>
+                  <a:srgbClr val="FF0000"/>
+                </a:solidFill>
+              </a:rPr>
+              <a:t>happensAt (event_id, time_id) </a:t>
+            </a:r>
+            <a:r>
+              <a:rPr lang="en-US" sz="2400" dirty="0"/>
+              <a:t>help in modelling time</a:t>
+            </a:r>
+          </a:p>
+        </p:txBody>
+      </p:sp>
+      <p:sp>
+        <p:nvSpPr>
+          <p:cNvPr id="7" name="Rectangle 6">
+            <a:extLst>
+              <a:ext uri="{FF2B5EF4-FFF2-40B4-BE49-F238E27FC236}">
+                <a16:creationId xmlns:a16="http://schemas.microsoft.com/office/drawing/2014/main" id="{2B84BBFB-C1EC-478F-8E81-7685A0B691C6}"/>
+              </a:ext>
+            </a:extLst>
+          </p:cNvPr>
+          <p:cNvSpPr/>
+          <p:nvPr/>
+        </p:nvSpPr>
+        <p:spPr>
+          <a:xfrm>
+            <a:off x="0" y="0"/>
+            <a:ext cx="12192000" cy="1311965"/>
+          </a:xfrm>
+          <a:prstGeom prst="rect">
             <a:avLst/>
           </a:prstGeom>
         </p:spPr>
         <p:style>
-          <a:lnRef idx="1">
-            <a:schemeClr val="dk1"/>
+          <a:lnRef idx="2">
+            <a:schemeClr val="dk1">
+              <a:shade val="50000"/>
+            </a:schemeClr>
           </a:lnRef>
-          <a:fillRef idx="0">
+          <a:fillRef idx="1">
             <a:schemeClr val="dk1"/>
           </a:fillRef>
           <a:effectRef idx="0">
             <a:schemeClr val="dk1"/>
           </a:effectRef>
           <a:fontRef idx="minor">
-            <a:schemeClr val="tx1"/>
+            <a:schemeClr val="lt1"/>
           </a:fontRef>
         </p:style>
-      </p:cxnSp>
-      <p:sp>
-        <p:nvSpPr>
-          <p:cNvPr id="4" name="TextBox 3">
-            <a:extLst>
-              <a:ext uri="{FF2B5EF4-FFF2-40B4-BE49-F238E27FC236}">
-                <a16:creationId xmlns:a16="http://schemas.microsoft.com/office/drawing/2014/main" id="{6BFEE7AA-B53C-40A1-BA09-1E3192229B2B}"/>
+        <p:txBody>
+          <a:bodyPr rtlCol="0" anchor="ctr"/>
+          <a:lstStyle/>
+          <a:p>
+            <a:pPr algn="ctr"/>
+            <a:endParaRPr lang="en-US" dirty="0"/>
+          </a:p>
+        </p:txBody>
+      </p:sp>
+      <p:sp>
+        <p:nvSpPr>
+          <p:cNvPr id="9" name="TextBox 8">
+            <a:extLst>
+              <a:ext uri="{FF2B5EF4-FFF2-40B4-BE49-F238E27FC236}">
+                <a16:creationId xmlns:a16="http://schemas.microsoft.com/office/drawing/2014/main" id="{7F0CAA4B-E205-452A-A063-24223A8717CE}"/>
               </a:ext>
             </a:extLst>
           </p:cNvPr>
@@ -23948,8 +25509,8 @@
         </p:nvSpPr>
         <p:spPr>
           <a:xfrm>
-            <a:off x="4565372" y="3443259"/>
-            <a:ext cx="3061254" cy="461665"/>
+            <a:off x="4541560" y="332816"/>
+            <a:ext cx="3108879" cy="646331"/>
           </a:xfrm>
           <a:prstGeom prst="rect">
             <a:avLst/>
@@ -23962,17 +25523,189 @@
           </a:bodyPr>
           <a:lstStyle/>
           <a:p>
+            <a:pPr algn="ctr"/>
+            <a:r>
+              <a:rPr lang="en-US" sz="3600" dirty="0">
+                <a:ln w="0"/>
+                <a:solidFill>
+                  <a:schemeClr val="bg1"/>
+                </a:solidFill>
+              </a:rPr>
+              <a:t>Future Work</a:t>
+            </a:r>
+          </a:p>
+        </p:txBody>
+      </p:sp>
+      <p:sp>
+        <p:nvSpPr>
+          <p:cNvPr id="6" name="Rectangle 5">
+            <a:extLst>
+              <a:ext uri="{FF2B5EF4-FFF2-40B4-BE49-F238E27FC236}">
+                <a16:creationId xmlns:a16="http://schemas.microsoft.com/office/drawing/2014/main" id="{50B0E405-AA50-426D-AF54-4A9E16132E8D}"/>
+              </a:ext>
+            </a:extLst>
+          </p:cNvPr>
+          <p:cNvSpPr/>
+          <p:nvPr/>
+        </p:nvSpPr>
+        <p:spPr>
+          <a:xfrm>
+            <a:off x="390937" y="3117572"/>
+            <a:ext cx="11085446" cy="3570208"/>
+          </a:xfrm>
+          <a:prstGeom prst="rect">
+            <a:avLst/>
+          </a:prstGeom>
+        </p:spPr>
+        <p:txBody>
+          <a:bodyPr wrap="square">
+            <a:spAutoFit/>
+          </a:bodyPr>
+          <a:lstStyle/>
+          <a:p>
+            <a:pPr algn="just"/>
+            <a:r>
+              <a:rPr lang="en-US" sz="2400" b="1" dirty="0"/>
+              <a:t>2.    Understanding Cause-Effect Relations</a:t>
+            </a:r>
+          </a:p>
+          <a:p>
+            <a:pPr marL="800100" lvl="1" indent="-342900" algn="just">
+              <a:buFont typeface="Arial" panose="020B0604020202020204" pitchFamily="34" charset="0"/>
+              <a:buChar char="•"/>
+            </a:pPr>
             <a:r>
               <a:rPr lang="en-US" sz="2400" dirty="0"/>
-              <a:t>What did we achieve?</a:t>
-            </a:r>
+              <a:t>Cause Effect relations help with </a:t>
+            </a:r>
+            <a:r>
+              <a:rPr lang="en-US" sz="2400" dirty="0">
+                <a:solidFill>
+                  <a:srgbClr val="FF0000"/>
+                </a:solidFill>
+              </a:rPr>
+              <a:t>providing justifications </a:t>
+            </a:r>
+            <a:r>
+              <a:rPr lang="en-US" sz="2400" dirty="0"/>
+              <a:t>to activities</a:t>
+            </a:r>
+          </a:p>
+          <a:p>
+            <a:pPr marL="800100" lvl="1" indent="-342900" algn="just">
+              <a:buFont typeface="Arial" panose="020B0604020202020204" pitchFamily="34" charset="0"/>
+              <a:buChar char="•"/>
+            </a:pPr>
+            <a:r>
+              <a:rPr lang="en-US" sz="2400" dirty="0"/>
+              <a:t>Currently there are limited resources to detect such relations like </a:t>
+            </a:r>
+            <a:r>
+              <a:rPr lang="en-US" sz="2400" i="1" dirty="0"/>
+              <a:t>FrameNet</a:t>
+            </a:r>
+          </a:p>
+          <a:p>
+            <a:pPr marL="800100" lvl="1" indent="-342900" algn="just">
+              <a:buFont typeface="Arial" panose="020B0604020202020204" pitchFamily="34" charset="0"/>
+              <a:buChar char="•"/>
+            </a:pPr>
+            <a:r>
+              <a:rPr lang="en-US" sz="2400" dirty="0"/>
+              <a:t>Cause effect relations can be modelled as follow</a:t>
+            </a:r>
+          </a:p>
+          <a:p>
+            <a:pPr lvl="2">
+              <a:spcBef>
+                <a:spcPts val="1200"/>
+              </a:spcBef>
+            </a:pPr>
+            <a:r>
+              <a:rPr lang="en-US" sz="2400" i="1" dirty="0">
+                <a:solidFill>
+                  <a:srgbClr val="FF0000"/>
+                </a:solidFill>
+              </a:rPr>
+              <a:t>cause (event_id1, event_id2). </a:t>
+            </a:r>
+            <a:endParaRPr lang="en-US" sz="2400" dirty="0">
+              <a:solidFill>
+                <a:srgbClr val="FF0000"/>
+              </a:solidFill>
+            </a:endParaRPr>
+          </a:p>
+          <a:p>
+            <a:pPr lvl="2"/>
+            <a:r>
+              <a:rPr lang="fr-FR" sz="2400" i="1" dirty="0" err="1">
+                <a:solidFill>
+                  <a:srgbClr val="FF0000"/>
+                </a:solidFill>
+              </a:rPr>
+              <a:t>effect</a:t>
+            </a:r>
+            <a:r>
+              <a:rPr lang="fr-FR" sz="2400" i="1" dirty="0">
+                <a:solidFill>
+                  <a:srgbClr val="FF0000"/>
+                </a:solidFill>
+              </a:rPr>
+              <a:t> (X, Y) :- cause (Y, X) </a:t>
+            </a:r>
+            <a:endParaRPr lang="en-US" sz="2400" i="1" dirty="0">
+              <a:solidFill>
+                <a:srgbClr val="FF0000"/>
+              </a:solidFill>
+            </a:endParaRPr>
+          </a:p>
+          <a:p>
+            <a:pPr marL="800100" lvl="1" indent="-342900" algn="just">
+              <a:buFont typeface="Arial" panose="020B0604020202020204" pitchFamily="34" charset="0"/>
+              <a:buChar char="•"/>
+            </a:pPr>
+            <a:endParaRPr lang="en-US" sz="2400" dirty="0"/>
+          </a:p>
+          <a:p>
+            <a:pPr marL="800100" lvl="1" indent="-342900" algn="just">
+              <a:buFont typeface="Arial" panose="020B0604020202020204" pitchFamily="34" charset="0"/>
+              <a:buChar char="•"/>
+            </a:pPr>
+            <a:r>
+              <a:rPr lang="en-US" sz="2400" dirty="0"/>
+              <a:t>Causes follow transitivity</a:t>
+            </a:r>
+          </a:p>
+          <a:p>
+            <a:pPr lvl="1" algn="just"/>
+            <a:r>
+              <a:rPr lang="en-US" sz="2400" dirty="0">
+                <a:solidFill>
+                  <a:srgbClr val="FF0000"/>
+                </a:solidFill>
+              </a:rPr>
+              <a:t>	</a:t>
+            </a:r>
+            <a:r>
+              <a:rPr lang="fr-FR" sz="2400" i="1" dirty="0">
+                <a:solidFill>
+                  <a:srgbClr val="FF0000"/>
+                </a:solidFill>
+              </a:rPr>
+              <a:t>cause (X, Y) :- cause (X, Z), cause (Z, Y). </a:t>
+            </a:r>
+            <a:endParaRPr lang="en-US" sz="2400" dirty="0">
+              <a:solidFill>
+                <a:srgbClr val="FF0000"/>
+              </a:solidFill>
+            </a:endParaRPr>
           </a:p>
         </p:txBody>
       </p:sp>
     </p:spTree>
     <p:extLst>
       <p:ext uri="{BB962C8B-B14F-4D97-AF65-F5344CB8AC3E}">
-        <p14:creationId xmlns:p14="http://schemas.microsoft.com/office/powerpoint/2010/main" val="2616528620"/>
+        <p14:creationId xmlns:p14="http://schemas.microsoft.com/office/powerpoint/2010/main" val="2387742247"/>
       </p:ext>
     </p:extLst>
   </p:cSld>
@@ -24013,8 +25746,8 @@
         </p:nvSpPr>
         <p:spPr>
           <a:xfrm>
-            <a:off x="390937" y="1644781"/>
-            <a:ext cx="11085446" cy="2308324"/>
+            <a:off x="390937" y="1545993"/>
+            <a:ext cx="11085446" cy="2677656"/>
           </a:xfrm>
           <a:prstGeom prst="rect">
             <a:avLst/>
@@ -24029,7 +25762,7 @@
             <a:pPr algn="just"/>
             <a:r>
               <a:rPr lang="en-US" sz="2400" b="1" dirty="0"/>
-              <a:t>1.    Generic Calculus Framework</a:t>
+              <a:t>3.    Modelling more knowledge patterns</a:t>
             </a:r>
           </a:p>
           <a:p>
@@ -24039,7 +25772,7 @@
             </a:pPr>
             <a:r>
               <a:rPr lang="en-US" sz="2400" dirty="0"/>
-              <a:t>Defines a calculus framework containing </a:t>
+              <a:t>Knowledge patterns used in text depend on factors like </a:t>
             </a:r>
             <a:r>
               <a:rPr lang="en-US" sz="2400" dirty="0">
@@ -24047,7 +25780,11 @@
                   <a:srgbClr val="FF0000"/>
                 </a:solidFill>
               </a:rPr>
-              <a:t>generic predicates</a:t>
+              <a:t>authors, subject, style of writing </a:t>
+            </a:r>
+            <a:r>
+              <a:rPr lang="en-US" sz="2400" dirty="0"/>
+              <a:t>etc.</a:t>
             </a:r>
           </a:p>
           <a:p>
@@ -24057,7 +25794,7 @@
             </a:pPr>
             <a:r>
               <a:rPr lang="en-US" sz="2400" dirty="0"/>
-              <a:t>Framework is </a:t>
+              <a:t>Furthermore knowledge patterns keep on </a:t>
             </a:r>
             <a:r>
               <a:rPr lang="en-US" sz="2400" dirty="0">
@@ -24065,11 +25802,11 @@
                   <a:srgbClr val="FF0000"/>
                 </a:solidFill>
               </a:rPr>
-              <a:t>extendible </a:t>
+              <a:t>evolving</a:t>
             </a:r>
             <a:r>
               <a:rPr lang="en-US" sz="2400" dirty="0"/>
-              <a:t>to incorporate more predicates like cause, effect without much changes</a:t>
+              <a:t> with the language</a:t>
             </a:r>
           </a:p>
           <a:p>
@@ -24079,41 +25816,7 @@
             </a:pPr>
             <a:r>
               <a:rPr lang="en-US" sz="2400" dirty="0"/>
-              <a:t>Efficiently able to </a:t>
-            </a:r>
-            <a:r>
-              <a:rPr lang="en-US" sz="2400" dirty="0">
-                <a:solidFill>
-                  <a:srgbClr val="FF0000"/>
-                </a:solidFill>
-              </a:rPr>
-              <a:t>represent most data points </a:t>
-            </a:r>
-            <a:r>
-              <a:rPr lang="en-US" sz="2400" dirty="0"/>
-              <a:t>mentioned in the passage</a:t>
-            </a:r>
-          </a:p>
-          <a:p>
-            <a:pPr marL="800100" lvl="1" indent="-342900" algn="just">
-              <a:buFont typeface="Arial" panose="020B0604020202020204" pitchFamily="34" charset="0"/>
-              <a:buChar char="•"/>
-            </a:pPr>
-            <a:r>
-              <a:rPr lang="en-US" sz="2400" dirty="0"/>
-              <a:t>Can integrate with </a:t>
-            </a:r>
-            <a:r>
-              <a:rPr lang="en-US" sz="2400" dirty="0">
-                <a:solidFill>
-                  <a:srgbClr val="FF0000"/>
-                </a:solidFill>
-              </a:rPr>
-              <a:t>custom patterns </a:t>
-            </a:r>
-            <a:r>
-              <a:rPr lang="en-US" sz="2400" dirty="0"/>
-              <a:t>like month, year predicate</a:t>
+              <a:t>More different kinds of texts are handled by the system better it is at describing and representing implicit information conveyed through knowledge patterns like time spans, appositionals etc.</a:t>
             </a:r>
           </a:p>
         </p:txBody>
@@ -24200,17 +25903,17 @@
                   <a:schemeClr val="bg1"/>
                 </a:solidFill>
               </a:rPr>
-              <a:t>Contributions</a:t>
-            </a:r>
-          </a:p>
-        </p:txBody>
-      </p:sp>
-      <p:sp>
-        <p:nvSpPr>
-          <p:cNvPr id="10" name="Rectangle 9">
-            <a:extLst>
-              <a:ext uri="{FF2B5EF4-FFF2-40B4-BE49-F238E27FC236}">
-                <a16:creationId xmlns:a16="http://schemas.microsoft.com/office/drawing/2014/main" id="{55E81C5D-F5BE-420F-90B0-734922C9AE86}"/>
+              <a:t>Future Work</a:t>
+            </a:r>
+          </a:p>
+        </p:txBody>
+      </p:sp>
+      <p:sp>
+        <p:nvSpPr>
+          <p:cNvPr id="6" name="Rectangle 5">
+            <a:extLst>
+              <a:ext uri="{FF2B5EF4-FFF2-40B4-BE49-F238E27FC236}">
+                <a16:creationId xmlns:a16="http://schemas.microsoft.com/office/drawing/2014/main" id="{50B0E405-AA50-426D-AF54-4A9E16132E8D}"/>
               </a:ext>
             </a:extLst>
           </p:cNvPr>
@@ -24219,8 +25922,8 @@
         </p:nvSpPr>
         <p:spPr>
           <a:xfrm>
-            <a:off x="390937" y="4050051"/>
-            <a:ext cx="11085446" cy="2677656"/>
+            <a:off x="390937" y="4457677"/>
+            <a:ext cx="11085446" cy="1569660"/>
           </a:xfrm>
           <a:prstGeom prst="rect">
             <a:avLst/>
@@ -24235,7 +25938,7 @@
             <a:pPr algn="just"/>
             <a:r>
               <a:rPr lang="en-US" sz="2400" b="1" dirty="0"/>
-              <a:t>2.    Use of other Knowledge Sources</a:t>
+              <a:t>4.    Modelling Semantic Similarity Between Words</a:t>
             </a:r>
           </a:p>
           <a:p>
@@ -24245,7 +25948,7 @@
             </a:pPr>
             <a:r>
               <a:rPr lang="en-US" sz="2400" dirty="0"/>
-              <a:t>Incorporates </a:t>
+              <a:t>Similar concepts can be obtained from WordNet using </a:t>
             </a:r>
             <a:r>
               <a:rPr lang="en-US" sz="2400" dirty="0">
@@ -24253,17 +25956,12 @@
                   <a:srgbClr val="FF0000"/>
                 </a:solidFill>
               </a:rPr>
-              <a:t>secondary knowledge sources </a:t>
+              <a:t>Synonymy relation</a:t>
             </a:r>
             <a:r>
               <a:rPr lang="en-US" sz="2400" dirty="0"/>
-              <a:t>like WordNet</a:t>
-            </a:r>
-            <a:endParaRPr lang="en-US" sz="2400" dirty="0">
-              <a:solidFill>
-                <a:srgbClr val="FF0000"/>
-              </a:solidFill>
-            </a:endParaRPr>
+              <a:t>.</a:t>
+            </a:r>
           </a:p>
           <a:p>
             <a:pPr marL="800100" lvl="1" indent="-342900" algn="just">
@@ -24272,7 +25970,7 @@
             </a:pPr>
             <a:r>
               <a:rPr lang="en-US" sz="2400" dirty="0"/>
-              <a:t>Able to build a </a:t>
+              <a:t>NLP has other similarity measures like </a:t>
             </a:r>
             <a:r>
               <a:rPr lang="en-US" sz="2400" dirty="0">
@@ -24280,21 +25978,11 @@
                   <a:srgbClr val="FF0000"/>
                 </a:solidFill>
               </a:rPr>
-              <a:t>custom ontology </a:t>
+              <a:t>path similarity </a:t>
             </a:r>
             <a:r>
               <a:rPr lang="en-US" sz="2400" dirty="0"/>
-              <a:t>for the input passage</a:t>
-            </a:r>
-          </a:p>
-          <a:p>
-            <a:pPr marL="800100" lvl="1" indent="-342900" algn="just">
-              <a:buFont typeface="Arial" panose="020B0604020202020204" pitchFamily="34" charset="0"/>
-              <a:buChar char="•"/>
-            </a:pPr>
-            <a:r>
-              <a:rPr lang="en-US" sz="2400" dirty="0"/>
-              <a:t>Helps </a:t>
+              <a:t>and </a:t>
             </a:r>
             <a:r>
               <a:rPr lang="en-US" sz="2400" dirty="0">
@@ -24302,73 +25990,7 @@
                   <a:srgbClr val="FF0000"/>
                 </a:solidFill>
               </a:rPr>
-              <a:t>efficiently reason </a:t>
-            </a:r>
-            <a:r>
-              <a:rPr lang="en-US" sz="2400" dirty="0"/>
-              <a:t>about knowledge mimicking humans</a:t>
-            </a:r>
-          </a:p>
-          <a:p>
-            <a:pPr marL="800100" lvl="1" indent="-342900" algn="just">
-              <a:buFont typeface="Arial" panose="020B0604020202020204" pitchFamily="34" charset="0"/>
-              <a:buChar char="•"/>
-            </a:pPr>
-            <a:r>
-              <a:rPr lang="en-US" sz="2400" dirty="0"/>
-              <a:t>Ontology can be built in an </a:t>
-            </a:r>
-            <a:r>
-              <a:rPr lang="en-US" sz="2400" dirty="0">
-                <a:solidFill>
-                  <a:srgbClr val="FF0000"/>
-                </a:solidFill>
-              </a:rPr>
-              <a:t>incremental fashion</a:t>
-            </a:r>
-            <a:r>
-              <a:rPr lang="en-US" sz="2400" dirty="0"/>
-              <a:t> as well</a:t>
-            </a:r>
-          </a:p>
-          <a:p>
-            <a:pPr marL="800100" lvl="1" indent="-342900" algn="just">
-              <a:buFont typeface="Arial" panose="020B0604020202020204" pitchFamily="34" charset="0"/>
-              <a:buChar char="•"/>
-            </a:pPr>
-            <a:r>
-              <a:rPr lang="en-US" sz="2400" dirty="0"/>
-              <a:t>Use of SaSP helps in working with an </a:t>
-            </a:r>
-            <a:r>
-              <a:rPr lang="en-US" sz="2400" dirty="0">
-                <a:solidFill>
-                  <a:srgbClr val="FF0000"/>
-                </a:solidFill>
-              </a:rPr>
-              <a:t>unbounded domain</a:t>
-            </a:r>
-          </a:p>
-          <a:p>
-            <a:pPr marL="800100" lvl="1" indent="-342900" algn="just">
-              <a:buFont typeface="Arial" panose="020B0604020202020204" pitchFamily="34" charset="0"/>
-              <a:buChar char="•"/>
-            </a:pPr>
-            <a:r>
-              <a:rPr lang="en-US" sz="2400" dirty="0"/>
-              <a:t>Program </a:t>
-            </a:r>
-            <a:r>
-              <a:rPr lang="en-US" sz="2400" dirty="0">
-                <a:solidFill>
-                  <a:srgbClr val="FF0000"/>
-                </a:solidFill>
-              </a:rPr>
-              <a:t>does not need to be grounded</a:t>
-            </a:r>
-            <a:r>
-              <a:rPr lang="en-US" sz="2400" dirty="0"/>
-              <a:t> to calculate answer set like in CLASP</a:t>
+              <a:t>information content similarity</a:t>
             </a:r>
           </a:p>
         </p:txBody>
@@ -24376,7 +25998,7 @@
     </p:spTree>
     <p:extLst>
       <p:ext uri="{BB962C8B-B14F-4D97-AF65-F5344CB8AC3E}">
-        <p14:creationId xmlns:p14="http://schemas.microsoft.com/office/powerpoint/2010/main" val="4027011598"/>
+        <p14:creationId xmlns:p14="http://schemas.microsoft.com/office/powerpoint/2010/main" val="657217249"/>
       </p:ext>
     </p:extLst>
   </p:cSld>
@@ -24405,134 +26027,6 @@
       </p:grpSpPr>
       <p:sp>
         <p:nvSpPr>
-          <p:cNvPr id="5" name="Rectangle 4">
-            <a:extLst>
-              <a:ext uri="{FF2B5EF4-FFF2-40B4-BE49-F238E27FC236}">
-                <a16:creationId xmlns:a16="http://schemas.microsoft.com/office/drawing/2014/main" id="{4FDB0B06-F270-4F00-8383-EB0ABF97EF01}"/>
-              </a:ext>
-            </a:extLst>
-          </p:cNvPr>
-          <p:cNvSpPr/>
-          <p:nvPr/>
-        </p:nvSpPr>
-        <p:spPr>
-          <a:xfrm>
-            <a:off x="443945" y="1803807"/>
-            <a:ext cx="11085446" cy="1938992"/>
-          </a:xfrm>
-          <a:prstGeom prst="rect">
-            <a:avLst/>
-          </a:prstGeom>
-        </p:spPr>
-        <p:txBody>
-          <a:bodyPr wrap="square">
-            <a:spAutoFit/>
-          </a:bodyPr>
-          <a:lstStyle/>
-          <a:p>
-            <a:pPr algn="just"/>
-            <a:r>
-              <a:rPr lang="en-US" sz="2400" b="1" dirty="0"/>
-              <a:t>3.    Preferential Pattern for WSD</a:t>
-            </a:r>
-          </a:p>
-          <a:p>
-            <a:pPr marL="800100" lvl="1" indent="-342900" algn="just">
-              <a:buFont typeface="Arial" panose="020B0604020202020204" pitchFamily="34" charset="0"/>
-              <a:buChar char="•"/>
-            </a:pPr>
-            <a:r>
-              <a:rPr lang="en-US" sz="2400" dirty="0"/>
-              <a:t>Defines a </a:t>
-            </a:r>
-            <a:r>
-              <a:rPr lang="en-US" sz="2400" dirty="0">
-                <a:solidFill>
-                  <a:srgbClr val="FF0000"/>
-                </a:solidFill>
-              </a:rPr>
-              <a:t>preferential pattern </a:t>
-            </a:r>
-            <a:r>
-              <a:rPr lang="en-US" sz="2400" dirty="0"/>
-              <a:t>that mimics humans</a:t>
-            </a:r>
-            <a:endParaRPr lang="en-US" sz="2400" dirty="0">
-              <a:solidFill>
-                <a:srgbClr val="FF0000"/>
-              </a:solidFill>
-            </a:endParaRPr>
-          </a:p>
-          <a:p>
-            <a:pPr marL="800100" lvl="1" indent="-342900" algn="just">
-              <a:buFont typeface="Arial" panose="020B0604020202020204" pitchFamily="34" charset="0"/>
-              <a:buChar char="•"/>
-            </a:pPr>
-            <a:r>
-              <a:rPr lang="en-US" sz="2400" dirty="0"/>
-              <a:t>Preferential pattern </a:t>
-            </a:r>
-            <a:r>
-              <a:rPr lang="en-US" sz="2400" dirty="0">
-                <a:solidFill>
-                  <a:srgbClr val="FF0000"/>
-                </a:solidFill>
-              </a:rPr>
-              <a:t>allows inputs</a:t>
-            </a:r>
-            <a:r>
-              <a:rPr lang="en-US" sz="2400" dirty="0"/>
-              <a:t> from external systems</a:t>
-            </a:r>
-          </a:p>
-          <a:p>
-            <a:pPr marL="800100" lvl="1" indent="-342900" algn="just">
-              <a:buFont typeface="Arial" panose="020B0604020202020204" pitchFamily="34" charset="0"/>
-              <a:buChar char="•"/>
-            </a:pPr>
-            <a:r>
-              <a:rPr lang="en-US" sz="2400" dirty="0"/>
-              <a:t>Can disambiguate in the </a:t>
-            </a:r>
-            <a:r>
-              <a:rPr lang="en-US" sz="2400" dirty="0">
-                <a:solidFill>
-                  <a:srgbClr val="FF0000"/>
-                </a:solidFill>
-              </a:rPr>
-              <a:t>absence of knowledge </a:t>
-            </a:r>
-            <a:r>
-              <a:rPr lang="en-US" sz="2400" dirty="0"/>
-              <a:t>from external sources</a:t>
-            </a:r>
-          </a:p>
-          <a:p>
-            <a:pPr marL="800100" lvl="1" indent="-342900" algn="just">
-              <a:buFont typeface="Arial" panose="020B0604020202020204" pitchFamily="34" charset="0"/>
-              <a:buChar char="•"/>
-            </a:pPr>
-            <a:r>
-              <a:rPr lang="en-US" sz="2400" dirty="0"/>
-              <a:t>Only parts of the ontology </a:t>
-            </a:r>
-            <a:r>
-              <a:rPr lang="en-US" sz="2400" dirty="0">
-                <a:solidFill>
-                  <a:srgbClr val="FF0000"/>
-                </a:solidFill>
-              </a:rPr>
-              <a:t>required to reason </a:t>
-            </a:r>
-            <a:r>
-              <a:rPr lang="en-US" sz="2400" dirty="0"/>
-              <a:t>are triggered</a:t>
-            </a:r>
-          </a:p>
-        </p:txBody>
-      </p:sp>
-      <p:sp>
-        <p:nvSpPr>
           <p:cNvPr id="7" name="Rectangle 6">
             <a:extLst>
               <a:ext uri="{FF2B5EF4-FFF2-40B4-BE49-F238E27FC236}">
@@ -24613,17 +26107,17 @@
                   <a:schemeClr val="bg1"/>
                 </a:solidFill>
               </a:rPr>
-              <a:t>Contributions</a:t>
-            </a:r>
-          </a:p>
-        </p:txBody>
-      </p:sp>
-      <p:sp>
-        <p:nvSpPr>
-          <p:cNvPr id="10" name="Rectangle 9">
-            <a:extLst>
-              <a:ext uri="{FF2B5EF4-FFF2-40B4-BE49-F238E27FC236}">
-                <a16:creationId xmlns:a16="http://schemas.microsoft.com/office/drawing/2014/main" id="{55E81C5D-F5BE-420F-90B0-734922C9AE86}"/>
+              <a:t>Future Work</a:t>
+            </a:r>
+          </a:p>
+        </p:txBody>
+      </p:sp>
+      <p:sp>
+        <p:nvSpPr>
+          <p:cNvPr id="8" name="Rectangle 7">
+            <a:extLst>
+              <a:ext uri="{FF2B5EF4-FFF2-40B4-BE49-F238E27FC236}">
+                <a16:creationId xmlns:a16="http://schemas.microsoft.com/office/drawing/2014/main" id="{2DB428E2-8FAA-4F7D-B221-1D331098E241}"/>
               </a:ext>
             </a:extLst>
           </p:cNvPr>
@@ -24632,7 +26126,7 @@
         </p:nvSpPr>
         <p:spPr>
           <a:xfrm>
-            <a:off x="443945" y="3917529"/>
+            <a:off x="390937" y="1738220"/>
             <a:ext cx="11085446" cy="2308324"/>
           </a:xfrm>
           <a:prstGeom prst="rect">
@@ -24648,7 +26142,7 @@
             <a:pPr algn="just"/>
             <a:r>
               <a:rPr lang="en-US" sz="2400" b="1" dirty="0"/>
-              <a:t>4.     Converts questions into ASP queries</a:t>
+              <a:t>5.    Adding more information resources</a:t>
             </a:r>
           </a:p>
           <a:p>
@@ -24658,7 +26152,7 @@
             </a:pPr>
             <a:r>
               <a:rPr lang="en-US" sz="2400" dirty="0"/>
-              <a:t>Proposed a method to </a:t>
+              <a:t>The more the number of </a:t>
             </a:r>
             <a:r>
               <a:rPr lang="en-US" sz="2400" dirty="0">
@@ -24666,7 +26160,11 @@
                   <a:srgbClr val="FF0000"/>
                 </a:solidFill>
               </a:rPr>
-              <a:t>convert questions into queries</a:t>
+              <a:t>trusted information resources </a:t>
+            </a:r>
+            <a:r>
+              <a:rPr lang="en-US" sz="2400" dirty="0"/>
+              <a:t>the better is the system at inferring.</a:t>
             </a:r>
           </a:p>
           <a:p>
@@ -24676,19 +26174,47 @@
             </a:pPr>
             <a:r>
               <a:rPr lang="en-US" sz="2400" dirty="0"/>
-              <a:t>Queries are built in such a way that </a:t>
-            </a:r>
-            <a:r>
-              <a:rPr lang="en-US" sz="2400" dirty="0">
-                <a:solidFill>
-                  <a:srgbClr val="FF0000"/>
-                </a:solidFill>
-              </a:rPr>
-              <a:t>alternate solutions </a:t>
-            </a:r>
-            <a:r>
-              <a:rPr lang="en-US" sz="2400" dirty="0"/>
-              <a:t>are provided</a:t>
+              <a:t>Databases like YAGO which stores information about named entities like cities, countries  from Wikipedia and WordNet can help the system reach better conclusions.</a:t>
+            </a:r>
+            <a:endParaRPr lang="en-US" sz="2400" dirty="0">
+              <a:solidFill>
+                <a:srgbClr val="FF0000"/>
+              </a:solidFill>
+            </a:endParaRPr>
+          </a:p>
+        </p:txBody>
+      </p:sp>
+      <p:sp>
+        <p:nvSpPr>
+          <p:cNvPr id="2" name="Rectangle 1">
+            <a:extLst>
+              <a:ext uri="{FF2B5EF4-FFF2-40B4-BE49-F238E27FC236}">
+                <a16:creationId xmlns:a16="http://schemas.microsoft.com/office/drawing/2014/main" id="{D3E134D8-5A31-4D32-A9BB-82DCA4903F05}"/>
+              </a:ext>
+            </a:extLst>
+          </p:cNvPr>
+          <p:cNvSpPr/>
+          <p:nvPr/>
+        </p:nvSpPr>
+        <p:spPr>
+          <a:xfrm>
+            <a:off x="390937" y="4472799"/>
+            <a:ext cx="11085446" cy="1569660"/>
+          </a:xfrm>
+          <a:prstGeom prst="rect">
+            <a:avLst/>
+          </a:prstGeom>
+        </p:spPr>
+        <p:txBody>
+          <a:bodyPr wrap="square">
+            <a:spAutoFit/>
+          </a:bodyPr>
+          <a:lstStyle/>
+          <a:p>
+            <a:pPr algn="just"/>
+            <a:r>
+              <a:rPr lang="en-US" sz="2400" b="1" dirty="0"/>
+              <a:t>6.    Marking facts with confidence metrics</a:t>
             </a:r>
           </a:p>
           <a:p>
@@ -24698,19 +26224,7 @@
             </a:pPr>
             <a:r>
               <a:rPr lang="en-US" sz="2400" dirty="0"/>
-              <a:t>Constraints on </a:t>
-            </a:r>
-            <a:r>
-              <a:rPr lang="en-US" sz="2400" dirty="0">
-                <a:solidFill>
-                  <a:srgbClr val="FF0000"/>
-                </a:solidFill>
-              </a:rPr>
-              <a:t>queries are relaxed </a:t>
-            </a:r>
-            <a:r>
-              <a:rPr lang="en-US" sz="2400" dirty="0"/>
-              <a:t>to at least get some answer</a:t>
+              <a:t>As the number of information sources will increase we would need to add a confidence metric on facts coming from these sources</a:t>
             </a:r>
           </a:p>
           <a:p>
@@ -24719,16 +26233,20 @@
               <a:buChar char="•"/>
             </a:pPr>
             <a:r>
+              <a:rPr lang="en-US" sz="2400" dirty="0"/>
+              <a:t>This will help us choose the </a:t>
+            </a:r>
+            <a:r>
               <a:rPr lang="en-US" sz="2400" dirty="0">
                 <a:solidFill>
                   <a:srgbClr val="FF0000"/>
                 </a:solidFill>
               </a:rPr>
-              <a:t>Confidence metric </a:t>
+              <a:t>best justification </a:t>
             </a:r>
             <a:r>
               <a:rPr lang="en-US" sz="2400" dirty="0"/>
-              <a:t>is associated with every query that gauges the confidence on the answer</a:t>
+              <a:t>for a query</a:t>
             </a:r>
           </a:p>
         </p:txBody>
@@ -24736,7 +26254,7 @@
     </p:spTree>
     <p:extLst>
       <p:ext uri="{BB962C8B-B14F-4D97-AF65-F5344CB8AC3E}">
-        <p14:creationId xmlns:p14="http://schemas.microsoft.com/office/powerpoint/2010/main" val="549097127"/>
+        <p14:creationId xmlns:p14="http://schemas.microsoft.com/office/powerpoint/2010/main" val="2122546219"/>
       </p:ext>
     </p:extLst>
   </p:cSld>
@@ -24765,99 +26283,6 @@
       </p:grpSpPr>
       <p:sp>
         <p:nvSpPr>
-          <p:cNvPr id="5" name="Rectangle 4">
-            <a:extLst>
-              <a:ext uri="{FF2B5EF4-FFF2-40B4-BE49-F238E27FC236}">
-                <a16:creationId xmlns:a16="http://schemas.microsoft.com/office/drawing/2014/main" id="{4FDB0B06-F270-4F00-8383-EB0ABF97EF01}"/>
-              </a:ext>
-            </a:extLst>
-          </p:cNvPr>
-          <p:cNvSpPr/>
-          <p:nvPr/>
-        </p:nvSpPr>
-        <p:spPr>
-          <a:xfrm>
-            <a:off x="390937" y="1644781"/>
-            <a:ext cx="11085446" cy="1569660"/>
-          </a:xfrm>
-          <a:prstGeom prst="rect">
-            <a:avLst/>
-          </a:prstGeom>
-        </p:spPr>
-        <p:txBody>
-          <a:bodyPr wrap="square">
-            <a:spAutoFit/>
-          </a:bodyPr>
-          <a:lstStyle/>
-          <a:p>
-            <a:pPr algn="just"/>
-            <a:r>
-              <a:rPr lang="en-US" sz="2400" b="1" dirty="0"/>
-              <a:t>5.    Justification for answers provided</a:t>
-            </a:r>
-          </a:p>
-          <a:p>
-            <a:pPr marL="800100" lvl="1" indent="-342900" algn="just">
-              <a:buFont typeface="Arial" panose="020B0604020202020204" pitchFamily="34" charset="0"/>
-              <a:buChar char="•"/>
-            </a:pPr>
-            <a:r>
-              <a:rPr lang="en-US" sz="2400" dirty="0"/>
-              <a:t>Answers generated by the system are </a:t>
-            </a:r>
-            <a:r>
-              <a:rPr lang="en-US" sz="2400" dirty="0">
-                <a:solidFill>
-                  <a:srgbClr val="FF0000"/>
-                </a:solidFill>
-              </a:rPr>
-              <a:t>interpretable</a:t>
-            </a:r>
-          </a:p>
-          <a:p>
-            <a:pPr marL="800100" lvl="1" indent="-342900" algn="just">
-              <a:buFont typeface="Arial" panose="020B0604020202020204" pitchFamily="34" charset="0"/>
-              <a:buChar char="•"/>
-            </a:pPr>
-            <a:r>
-              <a:rPr lang="en-US" sz="2400" dirty="0"/>
-              <a:t>A</a:t>
-            </a:r>
-            <a:r>
-              <a:rPr lang="en-US" sz="2400" dirty="0">
-                <a:solidFill>
-                  <a:srgbClr val="FF0000"/>
-                </a:solidFill>
-              </a:rPr>
-              <a:t> justification tree</a:t>
-            </a:r>
-            <a:r>
-              <a:rPr lang="en-US" sz="2400" dirty="0"/>
-              <a:t> help find the reasoning behind answer</a:t>
-            </a:r>
-          </a:p>
-          <a:p>
-            <a:pPr marL="800100" lvl="1" indent="-342900" algn="just">
-              <a:buFont typeface="Arial" panose="020B0604020202020204" pitchFamily="34" charset="0"/>
-              <a:buChar char="•"/>
-            </a:pPr>
-            <a:r>
-              <a:rPr lang="en-US" sz="2400" dirty="0"/>
-              <a:t>Answers can have </a:t>
-            </a:r>
-            <a:r>
-              <a:rPr lang="en-US" sz="2400" dirty="0">
-                <a:solidFill>
-                  <a:srgbClr val="FF0000"/>
-                </a:solidFill>
-              </a:rPr>
-              <a:t>multiple justifications</a:t>
-            </a:r>
-          </a:p>
-        </p:txBody>
-      </p:sp>
-      <p:sp>
-        <p:nvSpPr>
           <p:cNvPr id="7" name="Rectangle 6">
             <a:extLst>
               <a:ext uri="{FF2B5EF4-FFF2-40B4-BE49-F238E27FC236}">
@@ -24938,17 +26363,17 @@
                   <a:schemeClr val="bg1"/>
                 </a:solidFill>
               </a:rPr>
-              <a:t>Contributions</a:t>
-            </a:r>
-          </a:p>
-        </p:txBody>
-      </p:sp>
-      <p:sp>
-        <p:nvSpPr>
-          <p:cNvPr id="10" name="Rectangle 9">
-            <a:extLst>
-              <a:ext uri="{FF2B5EF4-FFF2-40B4-BE49-F238E27FC236}">
-                <a16:creationId xmlns:a16="http://schemas.microsoft.com/office/drawing/2014/main" id="{55E81C5D-F5BE-420F-90B0-734922C9AE86}"/>
+              <a:t>Future Work</a:t>
+            </a:r>
+          </a:p>
+        </p:txBody>
+      </p:sp>
+      <p:sp>
+        <p:nvSpPr>
+          <p:cNvPr id="6" name="Rectangle 5">
+            <a:extLst>
+              <a:ext uri="{FF2B5EF4-FFF2-40B4-BE49-F238E27FC236}">
+                <a16:creationId xmlns:a16="http://schemas.microsoft.com/office/drawing/2014/main" id="{50B0E405-AA50-426D-AF54-4A9E16132E8D}"/>
               </a:ext>
             </a:extLst>
           </p:cNvPr>
@@ -24957,8 +26382,8 @@
         </p:nvSpPr>
         <p:spPr>
           <a:xfrm>
-            <a:off x="390937" y="3378463"/>
-            <a:ext cx="11085446" cy="1200329"/>
+            <a:off x="390937" y="1952511"/>
+            <a:ext cx="11085446" cy="1938992"/>
           </a:xfrm>
           <a:prstGeom prst="rect">
             <a:avLst/>
@@ -24973,7 +26398,7 @@
             <a:pPr algn="just"/>
             <a:r>
               <a:rPr lang="en-US" sz="2400" b="1" dirty="0"/>
-              <a:t>6.     Identifying Implicit Knowledge Patterns</a:t>
+              <a:t>7.    Modelling Common Sense Reasoning Patterns</a:t>
             </a:r>
           </a:p>
           <a:p>
@@ -24983,7 +26408,7 @@
             </a:pPr>
             <a:r>
               <a:rPr lang="en-US" sz="2400" dirty="0"/>
-              <a:t>Modelling </a:t>
+              <a:t>We can model some common sense reasoning principles other than the ones mentioned before, like </a:t>
             </a:r>
             <a:r>
               <a:rPr lang="en-US" sz="2400" dirty="0">
@@ -24991,11 +26416,21 @@
                   <a:srgbClr val="FF0000"/>
                 </a:solidFill>
               </a:rPr>
-              <a:t>implicit knowledge patterns </a:t>
+              <a:t>hyponyms </a:t>
             </a:r>
             <a:r>
               <a:rPr lang="en-US" sz="2400" dirty="0"/>
-              <a:t>like time spans, date parts etc.</a:t>
+              <a:t>etc.</a:t>
+            </a:r>
+          </a:p>
+          <a:p>
+            <a:pPr marL="800100" lvl="1" indent="-342900" algn="just">
+              <a:buFont typeface="Arial" panose="020B0604020202020204" pitchFamily="34" charset="0"/>
+              <a:buChar char="•"/>
+            </a:pPr>
+            <a:r>
+              <a:rPr lang="en-US" sz="2400" dirty="0"/>
+              <a:t>These may be logically weaker but, human reasoning uses weak assumptions to reason incase of absence of information.</a:t>
             </a:r>
             <a:endParaRPr lang="en-US" sz="2400" dirty="0">
               <a:solidFill>
@@ -25003,6 +26438,41 @@
               </a:solidFill>
             </a:endParaRPr>
           </a:p>
+        </p:txBody>
+      </p:sp>
+      <p:sp>
+        <p:nvSpPr>
+          <p:cNvPr id="8" name="Rectangle 7">
+            <a:extLst>
+              <a:ext uri="{FF2B5EF4-FFF2-40B4-BE49-F238E27FC236}">
+                <a16:creationId xmlns:a16="http://schemas.microsoft.com/office/drawing/2014/main" id="{2DB428E2-8FAA-4F7D-B221-1D331098E241}"/>
+              </a:ext>
+            </a:extLst>
+          </p:cNvPr>
+          <p:cNvSpPr/>
+          <p:nvPr/>
+        </p:nvSpPr>
+        <p:spPr>
+          <a:xfrm>
+            <a:off x="390937" y="4097107"/>
+            <a:ext cx="11085446" cy="1938992"/>
+          </a:xfrm>
+          <a:prstGeom prst="rect">
+            <a:avLst/>
+          </a:prstGeom>
+        </p:spPr>
+        <p:txBody>
+          <a:bodyPr wrap="square">
+            <a:spAutoFit/>
+          </a:bodyPr>
+          <a:lstStyle/>
+          <a:p>
+            <a:pPr algn="just"/>
+            <a:r>
+              <a:rPr lang="en-US" sz="2400" b="1" dirty="0"/>
+              <a:t>8.    Relaxing of Query Constraints</a:t>
+            </a:r>
+          </a:p>
           <a:p>
             <a:pPr marL="800100" lvl="1" indent="-342900" algn="just">
               <a:buFont typeface="Arial" panose="020B0604020202020204" pitchFamily="34" charset="0"/>
@@ -25010,7 +26480,7 @@
             </a:pPr>
             <a:r>
               <a:rPr lang="en-US" sz="2400" dirty="0"/>
-              <a:t>Hypernym relations enable </a:t>
+              <a:t>The query generation systems used </a:t>
             </a:r>
             <a:r>
               <a:rPr lang="en-US" sz="2400" dirty="0">
@@ -25018,47 +26488,17 @@
                   <a:srgbClr val="FF0000"/>
                 </a:solidFill>
               </a:rPr>
-              <a:t>transferring properties</a:t>
+              <a:t>removal of predicates</a:t>
             </a:r>
             <a:r>
               <a:rPr lang="en-US" sz="2400" dirty="0"/>
-              <a:t> from parents to children</a:t>
-            </a:r>
-          </a:p>
-        </p:txBody>
-      </p:sp>
-      <p:sp>
-        <p:nvSpPr>
-          <p:cNvPr id="6" name="Rectangle 5">
-            <a:extLst>
-              <a:ext uri="{FF2B5EF4-FFF2-40B4-BE49-F238E27FC236}">
-                <a16:creationId xmlns:a16="http://schemas.microsoft.com/office/drawing/2014/main" id="{8C55BE25-9B3F-4051-A347-A51A6A4300C2}"/>
-              </a:ext>
-            </a:extLst>
-          </p:cNvPr>
-          <p:cNvSpPr/>
-          <p:nvPr/>
-        </p:nvSpPr>
-        <p:spPr>
-          <a:xfrm>
-            <a:off x="390937" y="4742815"/>
-            <a:ext cx="11085446" cy="1569660"/>
-          </a:xfrm>
-          <a:prstGeom prst="rect">
-            <a:avLst/>
-          </a:prstGeom>
-        </p:spPr>
-        <p:txBody>
-          <a:bodyPr wrap="square">
-            <a:spAutoFit/>
-          </a:bodyPr>
-          <a:lstStyle/>
-          <a:p>
-            <a:pPr algn="just"/>
-            <a:r>
-              <a:rPr lang="en-US" sz="2400" b="1" dirty="0"/>
-              <a:t>7.     Promising results on passages from SQuAD dataset</a:t>
-            </a:r>
+              <a:t> to model query relaxation</a:t>
+            </a:r>
+            <a:endParaRPr lang="en-US" sz="2400" dirty="0">
+              <a:solidFill>
+                <a:srgbClr val="FF0000"/>
+              </a:solidFill>
+            </a:endParaRPr>
           </a:p>
           <a:p>
             <a:pPr marL="800100" lvl="1" indent="-342900" algn="just">
@@ -25067,7 +26507,7 @@
             </a:pPr>
             <a:r>
               <a:rPr lang="en-US" sz="2400" dirty="0"/>
-              <a:t>Able to answer close to </a:t>
+              <a:t>There are other ways to relax queries like </a:t>
             </a:r>
             <a:r>
               <a:rPr lang="en-US" sz="2400" dirty="0">
@@ -25075,11 +26515,11 @@
                   <a:srgbClr val="FF0000"/>
                 </a:solidFill>
               </a:rPr>
-              <a:t>78% of questions </a:t>
+              <a:t>removal of constraints</a:t>
             </a:r>
             <a:r>
               <a:rPr lang="en-US" sz="2400" dirty="0"/>
-              <a:t>on the set of ~200 questions from 20 passages taken 1 each from 20 different articles in the dataset.</a:t>
+              <a:t> on terms.</a:t>
             </a:r>
           </a:p>
           <a:p>
@@ -25089,7 +26529,19 @@
             </a:pPr>
             <a:r>
               <a:rPr lang="en-US" sz="2400" dirty="0"/>
-              <a:t>Accuracy of answering increased when more custom knowledge was added</a:t>
+              <a:t>We can thus use a </a:t>
+            </a:r>
+            <a:r>
+              <a:rPr lang="en-US" sz="2400" dirty="0">
+                <a:solidFill>
+                  <a:srgbClr val="FF0000"/>
+                </a:solidFill>
+              </a:rPr>
+              <a:t>combination of techniques </a:t>
+            </a:r>
+            <a:r>
+              <a:rPr lang="en-US" sz="2400" dirty="0"/>
+              <a:t>to relax queries.</a:t>
             </a:r>
           </a:p>
         </p:txBody>
@@ -25097,7 +26549,7 @@
     </p:spTree>
     <p:extLst>
       <p:ext uri="{BB962C8B-B14F-4D97-AF65-F5344CB8AC3E}">
-        <p14:creationId xmlns:p14="http://schemas.microsoft.com/office/powerpoint/2010/main" val="2388353888"/>
+        <p14:creationId xmlns:p14="http://schemas.microsoft.com/office/powerpoint/2010/main" val="1733180353"/>
       </p:ext>
     </p:extLst>
   </p:cSld>
@@ -25421,6 +26873,1270 @@
 </file>
 
 <file path=ppt/slides/slide70.xml><?xml version="1.0" encoding="utf-8"?>
+<p:sld xmlns:a="http://schemas.openxmlformats.org/drawingml/2006/main" xmlns:r="http://schemas.openxmlformats.org/officeDocument/2006/relationships" xmlns:p="http://schemas.openxmlformats.org/presentationml/2006/main">
+  <p:cSld>
+    <p:spTree>
+      <p:nvGrpSpPr>
+        <p:cNvPr id="1" name=""/>
+        <p:cNvGrpSpPr/>
+        <p:nvPr/>
+      </p:nvGrpSpPr>
+      <p:grpSpPr>
+        <a:xfrm>
+          <a:off x="0" y="0"/>
+          <a:ext cx="0" cy="0"/>
+          <a:chOff x="0" y="0"/>
+          <a:chExt cx="0" cy="0"/>
+        </a:xfrm>
+      </p:grpSpPr>
+      <p:sp>
+        <p:nvSpPr>
+          <p:cNvPr id="3" name="TextBox 2">
+            <a:extLst>
+              <a:ext uri="{FF2B5EF4-FFF2-40B4-BE49-F238E27FC236}">
+                <a16:creationId xmlns:a16="http://schemas.microsoft.com/office/drawing/2014/main" id="{1980B4EC-4697-4B4F-87E9-C0E68B2BB033}"/>
+              </a:ext>
+            </a:extLst>
+          </p:cNvPr>
+          <p:cNvSpPr txBox="1"/>
+          <p:nvPr/>
+        </p:nvSpPr>
+        <p:spPr>
+          <a:xfrm>
+            <a:off x="3838210" y="2519929"/>
+            <a:ext cx="4515579" cy="923330"/>
+          </a:xfrm>
+          <a:prstGeom prst="rect">
+            <a:avLst/>
+          </a:prstGeom>
+          <a:noFill/>
+        </p:spPr>
+        <p:txBody>
+          <a:bodyPr wrap="square" rtlCol="0">
+            <a:spAutoFit/>
+          </a:bodyPr>
+          <a:lstStyle/>
+          <a:p>
+            <a:pPr algn="ctr"/>
+            <a:r>
+              <a:rPr lang="en-US" sz="5400" dirty="0">
+                <a:ln w="0"/>
+              </a:rPr>
+              <a:t>Contributions</a:t>
+            </a:r>
+          </a:p>
+        </p:txBody>
+      </p:sp>
+      <p:cxnSp>
+        <p:nvCxnSpPr>
+          <p:cNvPr id="8" name="Straight Connector 7">
+            <a:extLst>
+              <a:ext uri="{FF2B5EF4-FFF2-40B4-BE49-F238E27FC236}">
+                <a16:creationId xmlns:a16="http://schemas.microsoft.com/office/drawing/2014/main" id="{1246DA07-DFD8-496C-BB69-FD95668F7C67}"/>
+              </a:ext>
+            </a:extLst>
+          </p:cNvPr>
+          <p:cNvCxnSpPr/>
+          <p:nvPr/>
+        </p:nvCxnSpPr>
+        <p:spPr>
+          <a:xfrm>
+            <a:off x="3670852" y="3429000"/>
+            <a:ext cx="4611756" cy="0"/>
+          </a:xfrm>
+          <a:prstGeom prst="line">
+            <a:avLst/>
+          </a:prstGeom>
+        </p:spPr>
+        <p:style>
+          <a:lnRef idx="1">
+            <a:schemeClr val="dk1"/>
+          </a:lnRef>
+          <a:fillRef idx="0">
+            <a:schemeClr val="dk1"/>
+          </a:fillRef>
+          <a:effectRef idx="0">
+            <a:schemeClr val="dk1"/>
+          </a:effectRef>
+          <a:fontRef idx="minor">
+            <a:schemeClr val="tx1"/>
+          </a:fontRef>
+        </p:style>
+      </p:cxnSp>
+      <p:sp>
+        <p:nvSpPr>
+          <p:cNvPr id="4" name="TextBox 3">
+            <a:extLst>
+              <a:ext uri="{FF2B5EF4-FFF2-40B4-BE49-F238E27FC236}">
+                <a16:creationId xmlns:a16="http://schemas.microsoft.com/office/drawing/2014/main" id="{6BFEE7AA-B53C-40A1-BA09-1E3192229B2B}"/>
+              </a:ext>
+            </a:extLst>
+          </p:cNvPr>
+          <p:cNvSpPr txBox="1"/>
+          <p:nvPr/>
+        </p:nvSpPr>
+        <p:spPr>
+          <a:xfrm>
+            <a:off x="4565372" y="3443259"/>
+            <a:ext cx="3061254" cy="461665"/>
+          </a:xfrm>
+          <a:prstGeom prst="rect">
+            <a:avLst/>
+          </a:prstGeom>
+          <a:noFill/>
+        </p:spPr>
+        <p:txBody>
+          <a:bodyPr wrap="square" rtlCol="0">
+            <a:spAutoFit/>
+          </a:bodyPr>
+          <a:lstStyle/>
+          <a:p>
+            <a:r>
+              <a:rPr lang="en-US" sz="2400" dirty="0"/>
+              <a:t>What did we achieve?</a:t>
+            </a:r>
+          </a:p>
+        </p:txBody>
+      </p:sp>
+    </p:spTree>
+    <p:extLst>
+      <p:ext uri="{BB962C8B-B14F-4D97-AF65-F5344CB8AC3E}">
+        <p14:creationId xmlns:p14="http://schemas.microsoft.com/office/powerpoint/2010/main" val="2616528620"/>
+      </p:ext>
+    </p:extLst>
+  </p:cSld>
+  <p:clrMapOvr>
+    <a:masterClrMapping/>
+  </p:clrMapOvr>
+</p:sld>
+</file>
+
+<file path=ppt/slides/slide71.xml><?xml version="1.0" encoding="utf-8"?>
+<p:sld xmlns:a="http://schemas.openxmlformats.org/drawingml/2006/main" xmlns:r="http://schemas.openxmlformats.org/officeDocument/2006/relationships" xmlns:p="http://schemas.openxmlformats.org/presentationml/2006/main">
+  <p:cSld>
+    <p:spTree>
+      <p:nvGrpSpPr>
+        <p:cNvPr id="1" name=""/>
+        <p:cNvGrpSpPr/>
+        <p:nvPr/>
+      </p:nvGrpSpPr>
+      <p:grpSpPr>
+        <a:xfrm>
+          <a:off x="0" y="0"/>
+          <a:ext cx="0" cy="0"/>
+          <a:chOff x="0" y="0"/>
+          <a:chExt cx="0" cy="0"/>
+        </a:xfrm>
+      </p:grpSpPr>
+      <p:sp>
+        <p:nvSpPr>
+          <p:cNvPr id="5" name="Rectangle 4">
+            <a:extLst>
+              <a:ext uri="{FF2B5EF4-FFF2-40B4-BE49-F238E27FC236}">
+                <a16:creationId xmlns:a16="http://schemas.microsoft.com/office/drawing/2014/main" id="{4FDB0B06-F270-4F00-8383-EB0ABF97EF01}"/>
+              </a:ext>
+            </a:extLst>
+          </p:cNvPr>
+          <p:cNvSpPr/>
+          <p:nvPr/>
+        </p:nvSpPr>
+        <p:spPr>
+          <a:xfrm>
+            <a:off x="390937" y="1644781"/>
+            <a:ext cx="11085446" cy="2308324"/>
+          </a:xfrm>
+          <a:prstGeom prst="rect">
+            <a:avLst/>
+          </a:prstGeom>
+        </p:spPr>
+        <p:txBody>
+          <a:bodyPr wrap="square">
+            <a:spAutoFit/>
+          </a:bodyPr>
+          <a:lstStyle/>
+          <a:p>
+            <a:pPr algn="just"/>
+            <a:r>
+              <a:rPr lang="en-US" sz="2400" b="1" dirty="0"/>
+              <a:t>1.    Generic Calculus Framework</a:t>
+            </a:r>
+          </a:p>
+          <a:p>
+            <a:pPr marL="800100" lvl="1" indent="-342900" algn="just">
+              <a:buFont typeface="Arial" panose="020B0604020202020204" pitchFamily="34" charset="0"/>
+              <a:buChar char="•"/>
+            </a:pPr>
+            <a:r>
+              <a:rPr lang="en-US" sz="2400" dirty="0"/>
+              <a:t>Defines a calculus framework containing </a:t>
+            </a:r>
+            <a:r>
+              <a:rPr lang="en-US" sz="2400" dirty="0">
+                <a:solidFill>
+                  <a:srgbClr val="FF0000"/>
+                </a:solidFill>
+              </a:rPr>
+              <a:t>generic predicates</a:t>
+            </a:r>
+          </a:p>
+          <a:p>
+            <a:pPr marL="800100" lvl="1" indent="-342900" algn="just">
+              <a:buFont typeface="Arial" panose="020B0604020202020204" pitchFamily="34" charset="0"/>
+              <a:buChar char="•"/>
+            </a:pPr>
+            <a:r>
+              <a:rPr lang="en-US" sz="2400" dirty="0"/>
+              <a:t>Framework is </a:t>
+            </a:r>
+            <a:r>
+              <a:rPr lang="en-US" sz="2400" dirty="0">
+                <a:solidFill>
+                  <a:srgbClr val="FF0000"/>
+                </a:solidFill>
+              </a:rPr>
+              <a:t>extendible </a:t>
+            </a:r>
+            <a:r>
+              <a:rPr lang="en-US" sz="2400" dirty="0"/>
+              <a:t>to incorporate more predicates like cause, effect without much changes</a:t>
+            </a:r>
+          </a:p>
+          <a:p>
+            <a:pPr marL="800100" lvl="1" indent="-342900" algn="just">
+              <a:buFont typeface="Arial" panose="020B0604020202020204" pitchFamily="34" charset="0"/>
+              <a:buChar char="•"/>
+            </a:pPr>
+            <a:r>
+              <a:rPr lang="en-US" sz="2400" dirty="0"/>
+              <a:t>Efficiently able to </a:t>
+            </a:r>
+            <a:r>
+              <a:rPr lang="en-US" sz="2400" dirty="0">
+                <a:solidFill>
+                  <a:srgbClr val="FF0000"/>
+                </a:solidFill>
+              </a:rPr>
+              <a:t>represent most data points </a:t>
+            </a:r>
+            <a:r>
+              <a:rPr lang="en-US" sz="2400" dirty="0"/>
+              <a:t>mentioned in the passage</a:t>
+            </a:r>
+          </a:p>
+          <a:p>
+            <a:pPr marL="800100" lvl="1" indent="-342900" algn="just">
+              <a:buFont typeface="Arial" panose="020B0604020202020204" pitchFamily="34" charset="0"/>
+              <a:buChar char="•"/>
+            </a:pPr>
+            <a:r>
+              <a:rPr lang="en-US" sz="2400" dirty="0"/>
+              <a:t>Can integrate with </a:t>
+            </a:r>
+            <a:r>
+              <a:rPr lang="en-US" sz="2400" dirty="0">
+                <a:solidFill>
+                  <a:srgbClr val="FF0000"/>
+                </a:solidFill>
+              </a:rPr>
+              <a:t>custom patterns </a:t>
+            </a:r>
+            <a:r>
+              <a:rPr lang="en-US" sz="2400" dirty="0"/>
+              <a:t>like month, year predicate</a:t>
+            </a:r>
+          </a:p>
+        </p:txBody>
+      </p:sp>
+      <p:sp>
+        <p:nvSpPr>
+          <p:cNvPr id="7" name="Rectangle 6">
+            <a:extLst>
+              <a:ext uri="{FF2B5EF4-FFF2-40B4-BE49-F238E27FC236}">
+                <a16:creationId xmlns:a16="http://schemas.microsoft.com/office/drawing/2014/main" id="{2B84BBFB-C1EC-478F-8E81-7685A0B691C6}"/>
+              </a:ext>
+            </a:extLst>
+          </p:cNvPr>
+          <p:cNvSpPr/>
+          <p:nvPr/>
+        </p:nvSpPr>
+        <p:spPr>
+          <a:xfrm>
+            <a:off x="0" y="0"/>
+            <a:ext cx="12192000" cy="1311965"/>
+          </a:xfrm>
+          <a:prstGeom prst="rect">
+            <a:avLst/>
+          </a:prstGeom>
+        </p:spPr>
+        <p:style>
+          <a:lnRef idx="2">
+            <a:schemeClr val="dk1">
+              <a:shade val="50000"/>
+            </a:schemeClr>
+          </a:lnRef>
+          <a:fillRef idx="1">
+            <a:schemeClr val="dk1"/>
+          </a:fillRef>
+          <a:effectRef idx="0">
+            <a:schemeClr val="dk1"/>
+          </a:effectRef>
+          <a:fontRef idx="minor">
+            <a:schemeClr val="lt1"/>
+          </a:fontRef>
+        </p:style>
+        <p:txBody>
+          <a:bodyPr rtlCol="0" anchor="ctr"/>
+          <a:lstStyle/>
+          <a:p>
+            <a:pPr algn="ctr"/>
+            <a:endParaRPr lang="en-US" dirty="0"/>
+          </a:p>
+        </p:txBody>
+      </p:sp>
+      <p:sp>
+        <p:nvSpPr>
+          <p:cNvPr id="9" name="TextBox 8">
+            <a:extLst>
+              <a:ext uri="{FF2B5EF4-FFF2-40B4-BE49-F238E27FC236}">
+                <a16:creationId xmlns:a16="http://schemas.microsoft.com/office/drawing/2014/main" id="{7F0CAA4B-E205-452A-A063-24223A8717CE}"/>
+              </a:ext>
+            </a:extLst>
+          </p:cNvPr>
+          <p:cNvSpPr txBox="1"/>
+          <p:nvPr/>
+        </p:nvSpPr>
+        <p:spPr>
+          <a:xfrm>
+            <a:off x="4541560" y="332816"/>
+            <a:ext cx="3108879" cy="646331"/>
+          </a:xfrm>
+          <a:prstGeom prst="rect">
+            <a:avLst/>
+          </a:prstGeom>
+          <a:noFill/>
+        </p:spPr>
+        <p:txBody>
+          <a:bodyPr wrap="square" rtlCol="0">
+            <a:spAutoFit/>
+          </a:bodyPr>
+          <a:lstStyle/>
+          <a:p>
+            <a:pPr algn="ctr"/>
+            <a:r>
+              <a:rPr lang="en-US" sz="3600" dirty="0">
+                <a:ln w="0"/>
+                <a:solidFill>
+                  <a:schemeClr val="bg1"/>
+                </a:solidFill>
+              </a:rPr>
+              <a:t>Contributions</a:t>
+            </a:r>
+          </a:p>
+        </p:txBody>
+      </p:sp>
+      <p:sp>
+        <p:nvSpPr>
+          <p:cNvPr id="10" name="Rectangle 9">
+            <a:extLst>
+              <a:ext uri="{FF2B5EF4-FFF2-40B4-BE49-F238E27FC236}">
+                <a16:creationId xmlns:a16="http://schemas.microsoft.com/office/drawing/2014/main" id="{55E81C5D-F5BE-420F-90B0-734922C9AE86}"/>
+              </a:ext>
+            </a:extLst>
+          </p:cNvPr>
+          <p:cNvSpPr/>
+          <p:nvPr/>
+        </p:nvSpPr>
+        <p:spPr>
+          <a:xfrm>
+            <a:off x="390937" y="4050051"/>
+            <a:ext cx="11085446" cy="2677656"/>
+          </a:xfrm>
+          <a:prstGeom prst="rect">
+            <a:avLst/>
+          </a:prstGeom>
+        </p:spPr>
+        <p:txBody>
+          <a:bodyPr wrap="square">
+            <a:spAutoFit/>
+          </a:bodyPr>
+          <a:lstStyle/>
+          <a:p>
+            <a:pPr algn="just"/>
+            <a:r>
+              <a:rPr lang="en-US" sz="2400" b="1" dirty="0"/>
+              <a:t>2.    Use of other Knowledge Sources</a:t>
+            </a:r>
+          </a:p>
+          <a:p>
+            <a:pPr marL="800100" lvl="1" indent="-342900" algn="just">
+              <a:buFont typeface="Arial" panose="020B0604020202020204" pitchFamily="34" charset="0"/>
+              <a:buChar char="•"/>
+            </a:pPr>
+            <a:r>
+              <a:rPr lang="en-US" sz="2400" dirty="0"/>
+              <a:t>Incorporates </a:t>
+            </a:r>
+            <a:r>
+              <a:rPr lang="en-US" sz="2400" dirty="0">
+                <a:solidFill>
+                  <a:srgbClr val="FF0000"/>
+                </a:solidFill>
+              </a:rPr>
+              <a:t>secondary knowledge sources </a:t>
+            </a:r>
+            <a:r>
+              <a:rPr lang="en-US" sz="2400" dirty="0"/>
+              <a:t>like WordNet</a:t>
+            </a:r>
+            <a:endParaRPr lang="en-US" sz="2400" dirty="0">
+              <a:solidFill>
+                <a:srgbClr val="FF0000"/>
+              </a:solidFill>
+            </a:endParaRPr>
+          </a:p>
+          <a:p>
+            <a:pPr marL="800100" lvl="1" indent="-342900" algn="just">
+              <a:buFont typeface="Arial" panose="020B0604020202020204" pitchFamily="34" charset="0"/>
+              <a:buChar char="•"/>
+            </a:pPr>
+            <a:r>
+              <a:rPr lang="en-US" sz="2400" dirty="0"/>
+              <a:t>Able to build a </a:t>
+            </a:r>
+            <a:r>
+              <a:rPr lang="en-US" sz="2400" dirty="0">
+                <a:solidFill>
+                  <a:srgbClr val="FF0000"/>
+                </a:solidFill>
+              </a:rPr>
+              <a:t>custom ontology </a:t>
+            </a:r>
+            <a:r>
+              <a:rPr lang="en-US" sz="2400" dirty="0"/>
+              <a:t>for the input passage</a:t>
+            </a:r>
+          </a:p>
+          <a:p>
+            <a:pPr marL="800100" lvl="1" indent="-342900" algn="just">
+              <a:buFont typeface="Arial" panose="020B0604020202020204" pitchFamily="34" charset="0"/>
+              <a:buChar char="•"/>
+            </a:pPr>
+            <a:r>
+              <a:rPr lang="en-US" sz="2400" dirty="0"/>
+              <a:t>Helps </a:t>
+            </a:r>
+            <a:r>
+              <a:rPr lang="en-US" sz="2400" dirty="0">
+                <a:solidFill>
+                  <a:srgbClr val="FF0000"/>
+                </a:solidFill>
+              </a:rPr>
+              <a:t>efficiently reason </a:t>
+            </a:r>
+            <a:r>
+              <a:rPr lang="en-US" sz="2400" dirty="0"/>
+              <a:t>about knowledge mimicking humans</a:t>
+            </a:r>
+          </a:p>
+          <a:p>
+            <a:pPr marL="800100" lvl="1" indent="-342900" algn="just">
+              <a:buFont typeface="Arial" panose="020B0604020202020204" pitchFamily="34" charset="0"/>
+              <a:buChar char="•"/>
+            </a:pPr>
+            <a:r>
+              <a:rPr lang="en-US" sz="2400" dirty="0"/>
+              <a:t>Ontology can be built in an </a:t>
+            </a:r>
+            <a:r>
+              <a:rPr lang="en-US" sz="2400" dirty="0">
+                <a:solidFill>
+                  <a:srgbClr val="FF0000"/>
+                </a:solidFill>
+              </a:rPr>
+              <a:t>incremental fashion</a:t>
+            </a:r>
+            <a:r>
+              <a:rPr lang="en-US" sz="2400" dirty="0"/>
+              <a:t> as well</a:t>
+            </a:r>
+          </a:p>
+          <a:p>
+            <a:pPr marL="800100" lvl="1" indent="-342900" algn="just">
+              <a:buFont typeface="Arial" panose="020B0604020202020204" pitchFamily="34" charset="0"/>
+              <a:buChar char="•"/>
+            </a:pPr>
+            <a:r>
+              <a:rPr lang="en-US" sz="2400" dirty="0"/>
+              <a:t>Use of SaSP helps in working with an </a:t>
+            </a:r>
+            <a:r>
+              <a:rPr lang="en-US" sz="2400" dirty="0">
+                <a:solidFill>
+                  <a:srgbClr val="FF0000"/>
+                </a:solidFill>
+              </a:rPr>
+              <a:t>unbounded domain</a:t>
+            </a:r>
+          </a:p>
+          <a:p>
+            <a:pPr marL="800100" lvl="1" indent="-342900" algn="just">
+              <a:buFont typeface="Arial" panose="020B0604020202020204" pitchFamily="34" charset="0"/>
+              <a:buChar char="•"/>
+            </a:pPr>
+            <a:r>
+              <a:rPr lang="en-US" sz="2400" dirty="0"/>
+              <a:t>Program </a:t>
+            </a:r>
+            <a:r>
+              <a:rPr lang="en-US" sz="2400" dirty="0">
+                <a:solidFill>
+                  <a:srgbClr val="FF0000"/>
+                </a:solidFill>
+              </a:rPr>
+              <a:t>does not need to be grounded</a:t>
+            </a:r>
+            <a:r>
+              <a:rPr lang="en-US" sz="2400" dirty="0"/>
+              <a:t> to calculate answer set like in CLASP</a:t>
+            </a:r>
+          </a:p>
+        </p:txBody>
+      </p:sp>
+    </p:spTree>
+    <p:extLst>
+      <p:ext uri="{BB962C8B-B14F-4D97-AF65-F5344CB8AC3E}">
+        <p14:creationId xmlns:p14="http://schemas.microsoft.com/office/powerpoint/2010/main" val="4027011598"/>
+      </p:ext>
+    </p:extLst>
+  </p:cSld>
+  <p:clrMapOvr>
+    <a:masterClrMapping/>
+  </p:clrMapOvr>
+</p:sld>
+</file>
+
+<file path=ppt/slides/slide72.xml><?xml version="1.0" encoding="utf-8"?>
+<p:sld xmlns:a="http://schemas.openxmlformats.org/drawingml/2006/main" xmlns:r="http://schemas.openxmlformats.org/officeDocument/2006/relationships" xmlns:p="http://schemas.openxmlformats.org/presentationml/2006/main">
+  <p:cSld>
+    <p:spTree>
+      <p:nvGrpSpPr>
+        <p:cNvPr id="1" name=""/>
+        <p:cNvGrpSpPr/>
+        <p:nvPr/>
+      </p:nvGrpSpPr>
+      <p:grpSpPr>
+        <a:xfrm>
+          <a:off x="0" y="0"/>
+          <a:ext cx="0" cy="0"/>
+          <a:chOff x="0" y="0"/>
+          <a:chExt cx="0" cy="0"/>
+        </a:xfrm>
+      </p:grpSpPr>
+      <p:sp>
+        <p:nvSpPr>
+          <p:cNvPr id="5" name="Rectangle 4">
+            <a:extLst>
+              <a:ext uri="{FF2B5EF4-FFF2-40B4-BE49-F238E27FC236}">
+                <a16:creationId xmlns:a16="http://schemas.microsoft.com/office/drawing/2014/main" id="{4FDB0B06-F270-4F00-8383-EB0ABF97EF01}"/>
+              </a:ext>
+            </a:extLst>
+          </p:cNvPr>
+          <p:cNvSpPr/>
+          <p:nvPr/>
+        </p:nvSpPr>
+        <p:spPr>
+          <a:xfrm>
+            <a:off x="443945" y="1803807"/>
+            <a:ext cx="11085446" cy="1938992"/>
+          </a:xfrm>
+          <a:prstGeom prst="rect">
+            <a:avLst/>
+          </a:prstGeom>
+        </p:spPr>
+        <p:txBody>
+          <a:bodyPr wrap="square">
+            <a:spAutoFit/>
+          </a:bodyPr>
+          <a:lstStyle/>
+          <a:p>
+            <a:pPr algn="just"/>
+            <a:r>
+              <a:rPr lang="en-US" sz="2400" b="1" dirty="0"/>
+              <a:t>3.    Preferential Pattern for WSD</a:t>
+            </a:r>
+          </a:p>
+          <a:p>
+            <a:pPr marL="800100" lvl="1" indent="-342900" algn="just">
+              <a:buFont typeface="Arial" panose="020B0604020202020204" pitchFamily="34" charset="0"/>
+              <a:buChar char="•"/>
+            </a:pPr>
+            <a:r>
+              <a:rPr lang="en-US" sz="2400" dirty="0"/>
+              <a:t>Defines a </a:t>
+            </a:r>
+            <a:r>
+              <a:rPr lang="en-US" sz="2400" dirty="0">
+                <a:solidFill>
+                  <a:srgbClr val="FF0000"/>
+                </a:solidFill>
+              </a:rPr>
+              <a:t>preferential pattern </a:t>
+            </a:r>
+            <a:r>
+              <a:rPr lang="en-US" sz="2400" dirty="0"/>
+              <a:t>that mimics humans</a:t>
+            </a:r>
+            <a:endParaRPr lang="en-US" sz="2400" dirty="0">
+              <a:solidFill>
+                <a:srgbClr val="FF0000"/>
+              </a:solidFill>
+            </a:endParaRPr>
+          </a:p>
+          <a:p>
+            <a:pPr marL="800100" lvl="1" indent="-342900" algn="just">
+              <a:buFont typeface="Arial" panose="020B0604020202020204" pitchFamily="34" charset="0"/>
+              <a:buChar char="•"/>
+            </a:pPr>
+            <a:r>
+              <a:rPr lang="en-US" sz="2400" dirty="0"/>
+              <a:t>Preferential pattern </a:t>
+            </a:r>
+            <a:r>
+              <a:rPr lang="en-US" sz="2400" dirty="0">
+                <a:solidFill>
+                  <a:srgbClr val="FF0000"/>
+                </a:solidFill>
+              </a:rPr>
+              <a:t>allows inputs</a:t>
+            </a:r>
+            <a:r>
+              <a:rPr lang="en-US" sz="2400" dirty="0"/>
+              <a:t> from external systems</a:t>
+            </a:r>
+          </a:p>
+          <a:p>
+            <a:pPr marL="800100" lvl="1" indent="-342900" algn="just">
+              <a:buFont typeface="Arial" panose="020B0604020202020204" pitchFamily="34" charset="0"/>
+              <a:buChar char="•"/>
+            </a:pPr>
+            <a:r>
+              <a:rPr lang="en-US" sz="2400" dirty="0"/>
+              <a:t>Can disambiguate in the </a:t>
+            </a:r>
+            <a:r>
+              <a:rPr lang="en-US" sz="2400" dirty="0">
+                <a:solidFill>
+                  <a:srgbClr val="FF0000"/>
+                </a:solidFill>
+              </a:rPr>
+              <a:t>absence of knowledge </a:t>
+            </a:r>
+            <a:r>
+              <a:rPr lang="en-US" sz="2400" dirty="0"/>
+              <a:t>from external sources</a:t>
+            </a:r>
+          </a:p>
+          <a:p>
+            <a:pPr marL="800100" lvl="1" indent="-342900" algn="just">
+              <a:buFont typeface="Arial" panose="020B0604020202020204" pitchFamily="34" charset="0"/>
+              <a:buChar char="•"/>
+            </a:pPr>
+            <a:r>
+              <a:rPr lang="en-US" sz="2400" dirty="0"/>
+              <a:t>Only parts of the ontology </a:t>
+            </a:r>
+            <a:r>
+              <a:rPr lang="en-US" sz="2400" dirty="0">
+                <a:solidFill>
+                  <a:srgbClr val="FF0000"/>
+                </a:solidFill>
+              </a:rPr>
+              <a:t>required to reason </a:t>
+            </a:r>
+            <a:r>
+              <a:rPr lang="en-US" sz="2400" dirty="0"/>
+              <a:t>are triggered</a:t>
+            </a:r>
+          </a:p>
+        </p:txBody>
+      </p:sp>
+      <p:sp>
+        <p:nvSpPr>
+          <p:cNvPr id="7" name="Rectangle 6">
+            <a:extLst>
+              <a:ext uri="{FF2B5EF4-FFF2-40B4-BE49-F238E27FC236}">
+                <a16:creationId xmlns:a16="http://schemas.microsoft.com/office/drawing/2014/main" id="{2B84BBFB-C1EC-478F-8E81-7685A0B691C6}"/>
+              </a:ext>
+            </a:extLst>
+          </p:cNvPr>
+          <p:cNvSpPr/>
+          <p:nvPr/>
+        </p:nvSpPr>
+        <p:spPr>
+          <a:xfrm>
+            <a:off x="0" y="0"/>
+            <a:ext cx="12192000" cy="1311965"/>
+          </a:xfrm>
+          <a:prstGeom prst="rect">
+            <a:avLst/>
+          </a:prstGeom>
+        </p:spPr>
+        <p:style>
+          <a:lnRef idx="2">
+            <a:schemeClr val="dk1">
+              <a:shade val="50000"/>
+            </a:schemeClr>
+          </a:lnRef>
+          <a:fillRef idx="1">
+            <a:schemeClr val="dk1"/>
+          </a:fillRef>
+          <a:effectRef idx="0">
+            <a:schemeClr val="dk1"/>
+          </a:effectRef>
+          <a:fontRef idx="minor">
+            <a:schemeClr val="lt1"/>
+          </a:fontRef>
+        </p:style>
+        <p:txBody>
+          <a:bodyPr rtlCol="0" anchor="ctr"/>
+          <a:lstStyle/>
+          <a:p>
+            <a:pPr algn="ctr"/>
+            <a:endParaRPr lang="en-US" dirty="0"/>
+          </a:p>
+        </p:txBody>
+      </p:sp>
+      <p:sp>
+        <p:nvSpPr>
+          <p:cNvPr id="9" name="TextBox 8">
+            <a:extLst>
+              <a:ext uri="{FF2B5EF4-FFF2-40B4-BE49-F238E27FC236}">
+                <a16:creationId xmlns:a16="http://schemas.microsoft.com/office/drawing/2014/main" id="{7F0CAA4B-E205-452A-A063-24223A8717CE}"/>
+              </a:ext>
+            </a:extLst>
+          </p:cNvPr>
+          <p:cNvSpPr txBox="1"/>
+          <p:nvPr/>
+        </p:nvSpPr>
+        <p:spPr>
+          <a:xfrm>
+            <a:off x="4541560" y="332816"/>
+            <a:ext cx="3108879" cy="646331"/>
+          </a:xfrm>
+          <a:prstGeom prst="rect">
+            <a:avLst/>
+          </a:prstGeom>
+          <a:noFill/>
+        </p:spPr>
+        <p:txBody>
+          <a:bodyPr wrap="square" rtlCol="0">
+            <a:spAutoFit/>
+          </a:bodyPr>
+          <a:lstStyle/>
+          <a:p>
+            <a:pPr algn="ctr"/>
+            <a:r>
+              <a:rPr lang="en-US" sz="3600" dirty="0">
+                <a:ln w="0"/>
+                <a:solidFill>
+                  <a:schemeClr val="bg1"/>
+                </a:solidFill>
+              </a:rPr>
+              <a:t>Contributions</a:t>
+            </a:r>
+          </a:p>
+        </p:txBody>
+      </p:sp>
+      <p:sp>
+        <p:nvSpPr>
+          <p:cNvPr id="10" name="Rectangle 9">
+            <a:extLst>
+              <a:ext uri="{FF2B5EF4-FFF2-40B4-BE49-F238E27FC236}">
+                <a16:creationId xmlns:a16="http://schemas.microsoft.com/office/drawing/2014/main" id="{55E81C5D-F5BE-420F-90B0-734922C9AE86}"/>
+              </a:ext>
+            </a:extLst>
+          </p:cNvPr>
+          <p:cNvSpPr/>
+          <p:nvPr/>
+        </p:nvSpPr>
+        <p:spPr>
+          <a:xfrm>
+            <a:off x="443945" y="3917529"/>
+            <a:ext cx="11085446" cy="2308324"/>
+          </a:xfrm>
+          <a:prstGeom prst="rect">
+            <a:avLst/>
+          </a:prstGeom>
+        </p:spPr>
+        <p:txBody>
+          <a:bodyPr wrap="square">
+            <a:spAutoFit/>
+          </a:bodyPr>
+          <a:lstStyle/>
+          <a:p>
+            <a:pPr algn="just"/>
+            <a:r>
+              <a:rPr lang="en-US" sz="2400" b="1" dirty="0"/>
+              <a:t>4.     Converts questions into ASP queries</a:t>
+            </a:r>
+          </a:p>
+          <a:p>
+            <a:pPr marL="800100" lvl="1" indent="-342900" algn="just">
+              <a:buFont typeface="Arial" panose="020B0604020202020204" pitchFamily="34" charset="0"/>
+              <a:buChar char="•"/>
+            </a:pPr>
+            <a:r>
+              <a:rPr lang="en-US" sz="2400" dirty="0"/>
+              <a:t>Proposed a method to </a:t>
+            </a:r>
+            <a:r>
+              <a:rPr lang="en-US" sz="2400" dirty="0">
+                <a:solidFill>
+                  <a:srgbClr val="FF0000"/>
+                </a:solidFill>
+              </a:rPr>
+              <a:t>convert questions into queries</a:t>
+            </a:r>
+          </a:p>
+          <a:p>
+            <a:pPr marL="800100" lvl="1" indent="-342900" algn="just">
+              <a:buFont typeface="Arial" panose="020B0604020202020204" pitchFamily="34" charset="0"/>
+              <a:buChar char="•"/>
+            </a:pPr>
+            <a:r>
+              <a:rPr lang="en-US" sz="2400" dirty="0"/>
+              <a:t>Queries are built in such a way that </a:t>
+            </a:r>
+            <a:r>
+              <a:rPr lang="en-US" sz="2400" dirty="0">
+                <a:solidFill>
+                  <a:srgbClr val="FF0000"/>
+                </a:solidFill>
+              </a:rPr>
+              <a:t>alternate solutions </a:t>
+            </a:r>
+            <a:r>
+              <a:rPr lang="en-US" sz="2400" dirty="0"/>
+              <a:t>are provided</a:t>
+            </a:r>
+          </a:p>
+          <a:p>
+            <a:pPr marL="800100" lvl="1" indent="-342900" algn="just">
+              <a:buFont typeface="Arial" panose="020B0604020202020204" pitchFamily="34" charset="0"/>
+              <a:buChar char="•"/>
+            </a:pPr>
+            <a:r>
+              <a:rPr lang="en-US" sz="2400" dirty="0"/>
+              <a:t>Constraints on </a:t>
+            </a:r>
+            <a:r>
+              <a:rPr lang="en-US" sz="2400" dirty="0">
+                <a:solidFill>
+                  <a:srgbClr val="FF0000"/>
+                </a:solidFill>
+              </a:rPr>
+              <a:t>queries are relaxed </a:t>
+            </a:r>
+            <a:r>
+              <a:rPr lang="en-US" sz="2400" dirty="0"/>
+              <a:t>to at least get some answer</a:t>
+            </a:r>
+          </a:p>
+          <a:p>
+            <a:pPr marL="800100" lvl="1" indent="-342900" algn="just">
+              <a:buFont typeface="Arial" panose="020B0604020202020204" pitchFamily="34" charset="0"/>
+              <a:buChar char="•"/>
+            </a:pPr>
+            <a:r>
+              <a:rPr lang="en-US" sz="2400" dirty="0">
+                <a:solidFill>
+                  <a:srgbClr val="FF0000"/>
+                </a:solidFill>
+              </a:rPr>
+              <a:t>Confidence metric </a:t>
+            </a:r>
+            <a:r>
+              <a:rPr lang="en-US" sz="2400" dirty="0"/>
+              <a:t>is associated with every query that gauges the confidence on the answer</a:t>
+            </a:r>
+          </a:p>
+        </p:txBody>
+      </p:sp>
+    </p:spTree>
+    <p:extLst>
+      <p:ext uri="{BB962C8B-B14F-4D97-AF65-F5344CB8AC3E}">
+        <p14:creationId xmlns:p14="http://schemas.microsoft.com/office/powerpoint/2010/main" val="549097127"/>
+      </p:ext>
+    </p:extLst>
+  </p:cSld>
+  <p:clrMapOvr>
+    <a:masterClrMapping/>
+  </p:clrMapOvr>
+</p:sld>
+</file>
+
+<file path=ppt/slides/slide73.xml><?xml version="1.0" encoding="utf-8"?>
+<p:sld xmlns:a="http://schemas.openxmlformats.org/drawingml/2006/main" xmlns:r="http://schemas.openxmlformats.org/officeDocument/2006/relationships" xmlns:p="http://schemas.openxmlformats.org/presentationml/2006/main">
+  <p:cSld>
+    <p:spTree>
+      <p:nvGrpSpPr>
+        <p:cNvPr id="1" name=""/>
+        <p:cNvGrpSpPr/>
+        <p:nvPr/>
+      </p:nvGrpSpPr>
+      <p:grpSpPr>
+        <a:xfrm>
+          <a:off x="0" y="0"/>
+          <a:ext cx="0" cy="0"/>
+          <a:chOff x="0" y="0"/>
+          <a:chExt cx="0" cy="0"/>
+        </a:xfrm>
+      </p:grpSpPr>
+      <p:sp>
+        <p:nvSpPr>
+          <p:cNvPr id="5" name="Rectangle 4">
+            <a:extLst>
+              <a:ext uri="{FF2B5EF4-FFF2-40B4-BE49-F238E27FC236}">
+                <a16:creationId xmlns:a16="http://schemas.microsoft.com/office/drawing/2014/main" id="{4FDB0B06-F270-4F00-8383-EB0ABF97EF01}"/>
+              </a:ext>
+            </a:extLst>
+          </p:cNvPr>
+          <p:cNvSpPr/>
+          <p:nvPr/>
+        </p:nvSpPr>
+        <p:spPr>
+          <a:xfrm>
+            <a:off x="390937" y="1644781"/>
+            <a:ext cx="11085446" cy="1569660"/>
+          </a:xfrm>
+          <a:prstGeom prst="rect">
+            <a:avLst/>
+          </a:prstGeom>
+        </p:spPr>
+        <p:txBody>
+          <a:bodyPr wrap="square">
+            <a:spAutoFit/>
+          </a:bodyPr>
+          <a:lstStyle/>
+          <a:p>
+            <a:pPr algn="just"/>
+            <a:r>
+              <a:rPr lang="en-US" sz="2400" b="1" dirty="0"/>
+              <a:t>5.    Justification for answers provided</a:t>
+            </a:r>
+          </a:p>
+          <a:p>
+            <a:pPr marL="800100" lvl="1" indent="-342900" algn="just">
+              <a:buFont typeface="Arial" panose="020B0604020202020204" pitchFamily="34" charset="0"/>
+              <a:buChar char="•"/>
+            </a:pPr>
+            <a:r>
+              <a:rPr lang="en-US" sz="2400" dirty="0"/>
+              <a:t>Answers generated by the system are </a:t>
+            </a:r>
+            <a:r>
+              <a:rPr lang="en-US" sz="2400" dirty="0">
+                <a:solidFill>
+                  <a:srgbClr val="FF0000"/>
+                </a:solidFill>
+              </a:rPr>
+              <a:t>interpretable</a:t>
+            </a:r>
+          </a:p>
+          <a:p>
+            <a:pPr marL="800100" lvl="1" indent="-342900" algn="just">
+              <a:buFont typeface="Arial" panose="020B0604020202020204" pitchFamily="34" charset="0"/>
+              <a:buChar char="•"/>
+            </a:pPr>
+            <a:r>
+              <a:rPr lang="en-US" sz="2400" dirty="0"/>
+              <a:t>A</a:t>
+            </a:r>
+            <a:r>
+              <a:rPr lang="en-US" sz="2400" dirty="0">
+                <a:solidFill>
+                  <a:srgbClr val="FF0000"/>
+                </a:solidFill>
+              </a:rPr>
+              <a:t> justification tree</a:t>
+            </a:r>
+            <a:r>
+              <a:rPr lang="en-US" sz="2400" dirty="0"/>
+              <a:t> help find the reasoning behind answer</a:t>
+            </a:r>
+          </a:p>
+          <a:p>
+            <a:pPr marL="800100" lvl="1" indent="-342900" algn="just">
+              <a:buFont typeface="Arial" panose="020B0604020202020204" pitchFamily="34" charset="0"/>
+              <a:buChar char="•"/>
+            </a:pPr>
+            <a:r>
+              <a:rPr lang="en-US" sz="2400" dirty="0"/>
+              <a:t>Answers can have </a:t>
+            </a:r>
+            <a:r>
+              <a:rPr lang="en-US" sz="2400" dirty="0">
+                <a:solidFill>
+                  <a:srgbClr val="FF0000"/>
+                </a:solidFill>
+              </a:rPr>
+              <a:t>multiple justifications</a:t>
+            </a:r>
+          </a:p>
+        </p:txBody>
+      </p:sp>
+      <p:sp>
+        <p:nvSpPr>
+          <p:cNvPr id="7" name="Rectangle 6">
+            <a:extLst>
+              <a:ext uri="{FF2B5EF4-FFF2-40B4-BE49-F238E27FC236}">
+                <a16:creationId xmlns:a16="http://schemas.microsoft.com/office/drawing/2014/main" id="{2B84BBFB-C1EC-478F-8E81-7685A0B691C6}"/>
+              </a:ext>
+            </a:extLst>
+          </p:cNvPr>
+          <p:cNvSpPr/>
+          <p:nvPr/>
+        </p:nvSpPr>
+        <p:spPr>
+          <a:xfrm>
+            <a:off x="0" y="0"/>
+            <a:ext cx="12192000" cy="1311965"/>
+          </a:xfrm>
+          <a:prstGeom prst="rect">
+            <a:avLst/>
+          </a:prstGeom>
+        </p:spPr>
+        <p:style>
+          <a:lnRef idx="2">
+            <a:schemeClr val="dk1">
+              <a:shade val="50000"/>
+            </a:schemeClr>
+          </a:lnRef>
+          <a:fillRef idx="1">
+            <a:schemeClr val="dk1"/>
+          </a:fillRef>
+          <a:effectRef idx="0">
+            <a:schemeClr val="dk1"/>
+          </a:effectRef>
+          <a:fontRef idx="minor">
+            <a:schemeClr val="lt1"/>
+          </a:fontRef>
+        </p:style>
+        <p:txBody>
+          <a:bodyPr rtlCol="0" anchor="ctr"/>
+          <a:lstStyle/>
+          <a:p>
+            <a:pPr algn="ctr"/>
+            <a:endParaRPr lang="en-US" dirty="0"/>
+          </a:p>
+        </p:txBody>
+      </p:sp>
+      <p:sp>
+        <p:nvSpPr>
+          <p:cNvPr id="9" name="TextBox 8">
+            <a:extLst>
+              <a:ext uri="{FF2B5EF4-FFF2-40B4-BE49-F238E27FC236}">
+                <a16:creationId xmlns:a16="http://schemas.microsoft.com/office/drawing/2014/main" id="{7F0CAA4B-E205-452A-A063-24223A8717CE}"/>
+              </a:ext>
+            </a:extLst>
+          </p:cNvPr>
+          <p:cNvSpPr txBox="1"/>
+          <p:nvPr/>
+        </p:nvSpPr>
+        <p:spPr>
+          <a:xfrm>
+            <a:off x="4541560" y="332816"/>
+            <a:ext cx="3108879" cy="646331"/>
+          </a:xfrm>
+          <a:prstGeom prst="rect">
+            <a:avLst/>
+          </a:prstGeom>
+          <a:noFill/>
+        </p:spPr>
+        <p:txBody>
+          <a:bodyPr wrap="square" rtlCol="0">
+            <a:spAutoFit/>
+          </a:bodyPr>
+          <a:lstStyle/>
+          <a:p>
+            <a:pPr algn="ctr"/>
+            <a:r>
+              <a:rPr lang="en-US" sz="3600" dirty="0">
+                <a:ln w="0"/>
+                <a:solidFill>
+                  <a:schemeClr val="bg1"/>
+                </a:solidFill>
+              </a:rPr>
+              <a:t>Contributions</a:t>
+            </a:r>
+          </a:p>
+        </p:txBody>
+      </p:sp>
+      <p:sp>
+        <p:nvSpPr>
+          <p:cNvPr id="10" name="Rectangle 9">
+            <a:extLst>
+              <a:ext uri="{FF2B5EF4-FFF2-40B4-BE49-F238E27FC236}">
+                <a16:creationId xmlns:a16="http://schemas.microsoft.com/office/drawing/2014/main" id="{55E81C5D-F5BE-420F-90B0-734922C9AE86}"/>
+              </a:ext>
+            </a:extLst>
+          </p:cNvPr>
+          <p:cNvSpPr/>
+          <p:nvPr/>
+        </p:nvSpPr>
+        <p:spPr>
+          <a:xfrm>
+            <a:off x="390937" y="3378463"/>
+            <a:ext cx="11085446" cy="1200329"/>
+          </a:xfrm>
+          <a:prstGeom prst="rect">
+            <a:avLst/>
+          </a:prstGeom>
+        </p:spPr>
+        <p:txBody>
+          <a:bodyPr wrap="square">
+            <a:spAutoFit/>
+          </a:bodyPr>
+          <a:lstStyle/>
+          <a:p>
+            <a:pPr algn="just"/>
+            <a:r>
+              <a:rPr lang="en-US" sz="2400" b="1" dirty="0"/>
+              <a:t>6.     Identifying Implicit Knowledge Patterns</a:t>
+            </a:r>
+          </a:p>
+          <a:p>
+            <a:pPr marL="800100" lvl="1" indent="-342900" algn="just">
+              <a:buFont typeface="Arial" panose="020B0604020202020204" pitchFamily="34" charset="0"/>
+              <a:buChar char="•"/>
+            </a:pPr>
+            <a:r>
+              <a:rPr lang="en-US" sz="2400" dirty="0"/>
+              <a:t>Modelling </a:t>
+            </a:r>
+            <a:r>
+              <a:rPr lang="en-US" sz="2400" dirty="0">
+                <a:solidFill>
+                  <a:srgbClr val="FF0000"/>
+                </a:solidFill>
+              </a:rPr>
+              <a:t>implicit knowledge patterns </a:t>
+            </a:r>
+            <a:r>
+              <a:rPr lang="en-US" sz="2400" dirty="0"/>
+              <a:t>like time spans, date parts etc.</a:t>
+            </a:r>
+            <a:endParaRPr lang="en-US" sz="2400" dirty="0">
+              <a:solidFill>
+                <a:srgbClr val="FF0000"/>
+              </a:solidFill>
+            </a:endParaRPr>
+          </a:p>
+          <a:p>
+            <a:pPr marL="800100" lvl="1" indent="-342900" algn="just">
+              <a:buFont typeface="Arial" panose="020B0604020202020204" pitchFamily="34" charset="0"/>
+              <a:buChar char="•"/>
+            </a:pPr>
+            <a:r>
+              <a:rPr lang="en-US" sz="2400" dirty="0"/>
+              <a:t>Hypernym relations enable </a:t>
+            </a:r>
+            <a:r>
+              <a:rPr lang="en-US" sz="2400" dirty="0">
+                <a:solidFill>
+                  <a:srgbClr val="FF0000"/>
+                </a:solidFill>
+              </a:rPr>
+              <a:t>transferring properties</a:t>
+            </a:r>
+            <a:r>
+              <a:rPr lang="en-US" sz="2400" dirty="0"/>
+              <a:t> from parents to children</a:t>
+            </a:r>
+          </a:p>
+        </p:txBody>
+      </p:sp>
+      <p:sp>
+        <p:nvSpPr>
+          <p:cNvPr id="6" name="Rectangle 5">
+            <a:extLst>
+              <a:ext uri="{FF2B5EF4-FFF2-40B4-BE49-F238E27FC236}">
+                <a16:creationId xmlns:a16="http://schemas.microsoft.com/office/drawing/2014/main" id="{8C55BE25-9B3F-4051-A347-A51A6A4300C2}"/>
+              </a:ext>
+            </a:extLst>
+          </p:cNvPr>
+          <p:cNvSpPr/>
+          <p:nvPr/>
+        </p:nvSpPr>
+        <p:spPr>
+          <a:xfrm>
+            <a:off x="390937" y="4742815"/>
+            <a:ext cx="11085446" cy="1569660"/>
+          </a:xfrm>
+          <a:prstGeom prst="rect">
+            <a:avLst/>
+          </a:prstGeom>
+        </p:spPr>
+        <p:txBody>
+          <a:bodyPr wrap="square">
+            <a:spAutoFit/>
+          </a:bodyPr>
+          <a:lstStyle/>
+          <a:p>
+            <a:pPr algn="just"/>
+            <a:r>
+              <a:rPr lang="en-US" sz="2400" b="1" dirty="0"/>
+              <a:t>7.     Promising results on passages from SQuAD dataset</a:t>
+            </a:r>
+          </a:p>
+          <a:p>
+            <a:pPr marL="800100" lvl="1" indent="-342900" algn="just">
+              <a:buFont typeface="Arial" panose="020B0604020202020204" pitchFamily="34" charset="0"/>
+              <a:buChar char="•"/>
+            </a:pPr>
+            <a:r>
+              <a:rPr lang="en-US" sz="2400" dirty="0"/>
+              <a:t>Able to answer close to </a:t>
+            </a:r>
+            <a:r>
+              <a:rPr lang="en-US" sz="2400" dirty="0">
+                <a:solidFill>
+                  <a:srgbClr val="FF0000"/>
+                </a:solidFill>
+              </a:rPr>
+              <a:t>78% of questions </a:t>
+            </a:r>
+            <a:r>
+              <a:rPr lang="en-US" sz="2400" dirty="0"/>
+              <a:t>on the set of ~200 questions from 20 passages taken 1 each from 20 different articles in the dataset.</a:t>
+            </a:r>
+          </a:p>
+          <a:p>
+            <a:pPr marL="800100" lvl="1" indent="-342900" algn="just">
+              <a:buFont typeface="Arial" panose="020B0604020202020204" pitchFamily="34" charset="0"/>
+              <a:buChar char="•"/>
+            </a:pPr>
+            <a:r>
+              <a:rPr lang="en-US" sz="2400" dirty="0"/>
+              <a:t>Accuracy of answering increased when more custom knowledge was added</a:t>
+            </a:r>
+          </a:p>
+        </p:txBody>
+      </p:sp>
+    </p:spTree>
+    <p:extLst>
+      <p:ext uri="{BB962C8B-B14F-4D97-AF65-F5344CB8AC3E}">
+        <p14:creationId xmlns:p14="http://schemas.microsoft.com/office/powerpoint/2010/main" val="2388353888"/>
+      </p:ext>
+    </p:extLst>
+  </p:cSld>
+  <p:clrMapOvr>
+    <a:masterClrMapping/>
+  </p:clrMapOvr>
+</p:sld>
+</file>
+
+<file path=ppt/slides/slide74.xml><?xml version="1.0" encoding="utf-8"?>
 <p:sld xmlns:a="http://schemas.openxmlformats.org/drawingml/2006/main" xmlns:r="http://schemas.openxmlformats.org/officeDocument/2006/relationships" xmlns:p="http://schemas.openxmlformats.org/presentationml/2006/main">
   <p:cSld>
     <p:spTree>

--- a/Notes/ThesisPresentation.pptx
+++ b/Notes/ThesisPresentation.pptx
@@ -77,34 +77,35 @@
     <p:sldId id="346" r:id="rId71"/>
     <p:sldId id="352" r:id="rId72"/>
     <p:sldId id="359" r:id="rId73"/>
-    <p:sldId id="360" r:id="rId74"/>
-    <p:sldId id="361" r:id="rId75"/>
-    <p:sldId id="336" r:id="rId76"/>
-    <p:sldId id="292" r:id="rId77"/>
-    <p:sldId id="356" r:id="rId78"/>
-    <p:sldId id="357" r:id="rId79"/>
-    <p:sldId id="358" r:id="rId80"/>
-    <p:sldId id="299" r:id="rId81"/>
-    <p:sldId id="318" r:id="rId82"/>
-    <p:sldId id="319" r:id="rId83"/>
-    <p:sldId id="321" r:id="rId84"/>
-    <p:sldId id="280" r:id="rId85"/>
-    <p:sldId id="353" r:id="rId86"/>
-    <p:sldId id="354" r:id="rId87"/>
-    <p:sldId id="355" r:id="rId88"/>
-    <p:sldId id="297" r:id="rId89"/>
-    <p:sldId id="300" r:id="rId90"/>
-    <p:sldId id="301" r:id="rId91"/>
-    <p:sldId id="293" r:id="rId92"/>
-    <p:sldId id="294" r:id="rId93"/>
-    <p:sldId id="295" r:id="rId94"/>
-    <p:sldId id="307" r:id="rId95"/>
-    <p:sldId id="296" r:id="rId96"/>
-    <p:sldId id="298" r:id="rId97"/>
-    <p:sldId id="302" r:id="rId98"/>
-    <p:sldId id="303" r:id="rId99"/>
-    <p:sldId id="304" r:id="rId100"/>
-    <p:sldId id="305" r:id="rId101"/>
+    <p:sldId id="366" r:id="rId74"/>
+    <p:sldId id="360" r:id="rId75"/>
+    <p:sldId id="367" r:id="rId76"/>
+    <p:sldId id="336" r:id="rId77"/>
+    <p:sldId id="292" r:id="rId78"/>
+    <p:sldId id="356" r:id="rId79"/>
+    <p:sldId id="357" r:id="rId80"/>
+    <p:sldId id="358" r:id="rId81"/>
+    <p:sldId id="299" r:id="rId82"/>
+    <p:sldId id="318" r:id="rId83"/>
+    <p:sldId id="319" r:id="rId84"/>
+    <p:sldId id="321" r:id="rId85"/>
+    <p:sldId id="280" r:id="rId86"/>
+    <p:sldId id="353" r:id="rId87"/>
+    <p:sldId id="354" r:id="rId88"/>
+    <p:sldId id="355" r:id="rId89"/>
+    <p:sldId id="297" r:id="rId90"/>
+    <p:sldId id="300" r:id="rId91"/>
+    <p:sldId id="301" r:id="rId92"/>
+    <p:sldId id="293" r:id="rId93"/>
+    <p:sldId id="294" r:id="rId94"/>
+    <p:sldId id="295" r:id="rId95"/>
+    <p:sldId id="307" r:id="rId96"/>
+    <p:sldId id="296" r:id="rId97"/>
+    <p:sldId id="298" r:id="rId98"/>
+    <p:sldId id="302" r:id="rId99"/>
+    <p:sldId id="303" r:id="rId100"/>
+    <p:sldId id="304" r:id="rId101"/>
+    <p:sldId id="305" r:id="rId102"/>
   </p:sldIdLst>
   <p:sldSz cx="12192000" cy="6858000"/>
   <p:notesSz cx="6858000" cy="9144000"/>
@@ -3632,6 +3633,367 @@
 </file>
 
 <file path=ppt/slides/slide100.xml><?xml version="1.0" encoding="utf-8"?>
+<p:sld xmlns:a="http://schemas.openxmlformats.org/drawingml/2006/main" xmlns:r="http://schemas.openxmlformats.org/officeDocument/2006/relationships" xmlns:p="http://schemas.openxmlformats.org/presentationml/2006/main">
+  <p:cSld>
+    <p:spTree>
+      <p:nvGrpSpPr>
+        <p:cNvPr id="1" name=""/>
+        <p:cNvGrpSpPr/>
+        <p:nvPr/>
+      </p:nvGrpSpPr>
+      <p:grpSpPr>
+        <a:xfrm>
+          <a:off x="0" y="0"/>
+          <a:ext cx="0" cy="0"/>
+          <a:chOff x="0" y="0"/>
+          <a:chExt cx="0" cy="0"/>
+        </a:xfrm>
+      </p:grpSpPr>
+      <p:sp>
+        <p:nvSpPr>
+          <p:cNvPr id="5" name="Rectangle 4">
+            <a:extLst>
+              <a:ext uri="{FF2B5EF4-FFF2-40B4-BE49-F238E27FC236}">
+                <a16:creationId xmlns:a16="http://schemas.microsoft.com/office/drawing/2014/main" id="{4FDB0B06-F270-4F00-8383-EB0ABF97EF01}"/>
+              </a:ext>
+            </a:extLst>
+          </p:cNvPr>
+          <p:cNvSpPr/>
+          <p:nvPr/>
+        </p:nvSpPr>
+        <p:spPr>
+          <a:xfrm>
+            <a:off x="390937" y="1644781"/>
+            <a:ext cx="11085446" cy="1569660"/>
+          </a:xfrm>
+          <a:prstGeom prst="rect">
+            <a:avLst/>
+          </a:prstGeom>
+        </p:spPr>
+        <p:txBody>
+          <a:bodyPr wrap="square">
+            <a:spAutoFit/>
+          </a:bodyPr>
+          <a:lstStyle/>
+          <a:p>
+            <a:pPr algn="just"/>
+            <a:r>
+              <a:rPr lang="en-US" sz="2400" b="1" dirty="0"/>
+              <a:t>5.    Justification for answers provided</a:t>
+            </a:r>
+          </a:p>
+          <a:p>
+            <a:pPr marL="800100" lvl="1" indent="-342900" algn="just">
+              <a:buFont typeface="Arial" panose="020B0604020202020204" pitchFamily="34" charset="0"/>
+              <a:buChar char="•"/>
+            </a:pPr>
+            <a:r>
+              <a:rPr lang="en-US" sz="2400" dirty="0"/>
+              <a:t>Answers generated by the system are </a:t>
+            </a:r>
+            <a:r>
+              <a:rPr lang="en-US" sz="2400" dirty="0">
+                <a:solidFill>
+                  <a:srgbClr val="FF0000"/>
+                </a:solidFill>
+              </a:rPr>
+              <a:t>interpretable</a:t>
+            </a:r>
+          </a:p>
+          <a:p>
+            <a:pPr marL="800100" lvl="1" indent="-342900" algn="just">
+              <a:buFont typeface="Arial" panose="020B0604020202020204" pitchFamily="34" charset="0"/>
+              <a:buChar char="•"/>
+            </a:pPr>
+            <a:r>
+              <a:rPr lang="en-US" sz="2400" dirty="0"/>
+              <a:t>A</a:t>
+            </a:r>
+            <a:r>
+              <a:rPr lang="en-US" sz="2400" dirty="0">
+                <a:solidFill>
+                  <a:srgbClr val="FF0000"/>
+                </a:solidFill>
+              </a:rPr>
+              <a:t> justification tree</a:t>
+            </a:r>
+            <a:r>
+              <a:rPr lang="en-US" sz="2400" dirty="0"/>
+              <a:t> help find the reasoning behind answer</a:t>
+            </a:r>
+          </a:p>
+          <a:p>
+            <a:pPr marL="800100" lvl="1" indent="-342900" algn="just">
+              <a:buFont typeface="Arial" panose="020B0604020202020204" pitchFamily="34" charset="0"/>
+              <a:buChar char="•"/>
+            </a:pPr>
+            <a:r>
+              <a:rPr lang="en-US" sz="2400" dirty="0"/>
+              <a:t>Answers can have </a:t>
+            </a:r>
+            <a:r>
+              <a:rPr lang="en-US" sz="2400" dirty="0">
+                <a:solidFill>
+                  <a:srgbClr val="FF0000"/>
+                </a:solidFill>
+              </a:rPr>
+              <a:t>multiple justifications</a:t>
+            </a:r>
+          </a:p>
+        </p:txBody>
+      </p:sp>
+      <p:sp>
+        <p:nvSpPr>
+          <p:cNvPr id="7" name="Rectangle 6">
+            <a:extLst>
+              <a:ext uri="{FF2B5EF4-FFF2-40B4-BE49-F238E27FC236}">
+                <a16:creationId xmlns:a16="http://schemas.microsoft.com/office/drawing/2014/main" id="{2B84BBFB-C1EC-478F-8E81-7685A0B691C6}"/>
+              </a:ext>
+            </a:extLst>
+          </p:cNvPr>
+          <p:cNvSpPr/>
+          <p:nvPr/>
+        </p:nvSpPr>
+        <p:spPr>
+          <a:xfrm>
+            <a:off x="0" y="0"/>
+            <a:ext cx="12192000" cy="1311965"/>
+          </a:xfrm>
+          <a:prstGeom prst="rect">
+            <a:avLst/>
+          </a:prstGeom>
+        </p:spPr>
+        <p:style>
+          <a:lnRef idx="2">
+            <a:schemeClr val="dk1">
+              <a:shade val="50000"/>
+            </a:schemeClr>
+          </a:lnRef>
+          <a:fillRef idx="1">
+            <a:schemeClr val="dk1"/>
+          </a:fillRef>
+          <a:effectRef idx="0">
+            <a:schemeClr val="dk1"/>
+          </a:effectRef>
+          <a:fontRef idx="minor">
+            <a:schemeClr val="lt1"/>
+          </a:fontRef>
+        </p:style>
+        <p:txBody>
+          <a:bodyPr rtlCol="0" anchor="ctr"/>
+          <a:lstStyle/>
+          <a:p>
+            <a:pPr algn="ctr"/>
+            <a:endParaRPr lang="en-US" dirty="0"/>
+          </a:p>
+        </p:txBody>
+      </p:sp>
+      <p:sp>
+        <p:nvSpPr>
+          <p:cNvPr id="9" name="TextBox 8">
+            <a:extLst>
+              <a:ext uri="{FF2B5EF4-FFF2-40B4-BE49-F238E27FC236}">
+                <a16:creationId xmlns:a16="http://schemas.microsoft.com/office/drawing/2014/main" id="{7F0CAA4B-E205-452A-A063-24223A8717CE}"/>
+              </a:ext>
+            </a:extLst>
+          </p:cNvPr>
+          <p:cNvSpPr txBox="1"/>
+          <p:nvPr/>
+        </p:nvSpPr>
+        <p:spPr>
+          <a:xfrm>
+            <a:off x="4541560" y="332816"/>
+            <a:ext cx="3108879" cy="646331"/>
+          </a:xfrm>
+          <a:prstGeom prst="rect">
+            <a:avLst/>
+          </a:prstGeom>
+          <a:noFill/>
+        </p:spPr>
+        <p:txBody>
+          <a:bodyPr wrap="square" rtlCol="0">
+            <a:spAutoFit/>
+          </a:bodyPr>
+          <a:lstStyle/>
+          <a:p>
+            <a:pPr algn="ctr"/>
+            <a:r>
+              <a:rPr lang="en-US" sz="3600" dirty="0">
+                <a:ln w="0"/>
+                <a:solidFill>
+                  <a:schemeClr val="bg1"/>
+                </a:solidFill>
+              </a:rPr>
+              <a:t>Contributions</a:t>
+            </a:r>
+          </a:p>
+        </p:txBody>
+      </p:sp>
+      <p:sp>
+        <p:nvSpPr>
+          <p:cNvPr id="10" name="Rectangle 9">
+            <a:extLst>
+              <a:ext uri="{FF2B5EF4-FFF2-40B4-BE49-F238E27FC236}">
+                <a16:creationId xmlns:a16="http://schemas.microsoft.com/office/drawing/2014/main" id="{55E81C5D-F5BE-420F-90B0-734922C9AE86}"/>
+              </a:ext>
+            </a:extLst>
+          </p:cNvPr>
+          <p:cNvSpPr/>
+          <p:nvPr/>
+        </p:nvSpPr>
+        <p:spPr>
+          <a:xfrm>
+            <a:off x="390937" y="3378463"/>
+            <a:ext cx="11085446" cy="1200329"/>
+          </a:xfrm>
+          <a:prstGeom prst="rect">
+            <a:avLst/>
+          </a:prstGeom>
+        </p:spPr>
+        <p:txBody>
+          <a:bodyPr wrap="square">
+            <a:spAutoFit/>
+          </a:bodyPr>
+          <a:lstStyle/>
+          <a:p>
+            <a:pPr algn="just"/>
+            <a:r>
+              <a:rPr lang="en-US" sz="2400" b="1" dirty="0"/>
+              <a:t>6.     Identifying Implicit Knowledge Patterns</a:t>
+            </a:r>
+          </a:p>
+          <a:p>
+            <a:pPr marL="800100" lvl="1" indent="-342900" algn="just">
+              <a:buFont typeface="Arial" panose="020B0604020202020204" pitchFamily="34" charset="0"/>
+              <a:buChar char="•"/>
+            </a:pPr>
+            <a:r>
+              <a:rPr lang="en-US" sz="2400" dirty="0"/>
+              <a:t>Modelling </a:t>
+            </a:r>
+            <a:r>
+              <a:rPr lang="en-US" sz="2400" dirty="0">
+                <a:solidFill>
+                  <a:srgbClr val="FF0000"/>
+                </a:solidFill>
+              </a:rPr>
+              <a:t>implicit knowledge patterns </a:t>
+            </a:r>
+            <a:r>
+              <a:rPr lang="en-US" sz="2400" dirty="0"/>
+              <a:t>like time spans, date parts etc.</a:t>
+            </a:r>
+            <a:endParaRPr lang="en-US" sz="2400" dirty="0">
+              <a:solidFill>
+                <a:srgbClr val="FF0000"/>
+              </a:solidFill>
+            </a:endParaRPr>
+          </a:p>
+          <a:p>
+            <a:pPr marL="800100" lvl="1" indent="-342900" algn="just">
+              <a:buFont typeface="Arial" panose="020B0604020202020204" pitchFamily="34" charset="0"/>
+              <a:buChar char="•"/>
+            </a:pPr>
+            <a:r>
+              <a:rPr lang="en-US" sz="2400" dirty="0"/>
+              <a:t>Hypernym relations enable </a:t>
+            </a:r>
+            <a:r>
+              <a:rPr lang="en-US" sz="2400" dirty="0">
+                <a:solidFill>
+                  <a:srgbClr val="FF0000"/>
+                </a:solidFill>
+              </a:rPr>
+              <a:t>transferring properties</a:t>
+            </a:r>
+            <a:r>
+              <a:rPr lang="en-US" sz="2400" dirty="0"/>
+              <a:t> from parents to children</a:t>
+            </a:r>
+          </a:p>
+        </p:txBody>
+      </p:sp>
+      <p:sp>
+        <p:nvSpPr>
+          <p:cNvPr id="6" name="Rectangle 5">
+            <a:extLst>
+              <a:ext uri="{FF2B5EF4-FFF2-40B4-BE49-F238E27FC236}">
+                <a16:creationId xmlns:a16="http://schemas.microsoft.com/office/drawing/2014/main" id="{8C55BE25-9B3F-4051-A347-A51A6A4300C2}"/>
+              </a:ext>
+            </a:extLst>
+          </p:cNvPr>
+          <p:cNvSpPr/>
+          <p:nvPr/>
+        </p:nvSpPr>
+        <p:spPr>
+          <a:xfrm>
+            <a:off x="390937" y="4742815"/>
+            <a:ext cx="11085446" cy="1569660"/>
+          </a:xfrm>
+          <a:prstGeom prst="rect">
+            <a:avLst/>
+          </a:prstGeom>
+        </p:spPr>
+        <p:txBody>
+          <a:bodyPr wrap="square">
+            <a:spAutoFit/>
+          </a:bodyPr>
+          <a:lstStyle/>
+          <a:p>
+            <a:pPr algn="just"/>
+            <a:r>
+              <a:rPr lang="en-US" sz="2400" b="1" dirty="0"/>
+              <a:t>7.     Promising results on passages from SQuAD dataset</a:t>
+            </a:r>
+          </a:p>
+          <a:p>
+            <a:pPr marL="800100" lvl="1" indent="-342900" algn="just">
+              <a:buFont typeface="Arial" panose="020B0604020202020204" pitchFamily="34" charset="0"/>
+              <a:buChar char="•"/>
+            </a:pPr>
+            <a:r>
+              <a:rPr lang="en-US" sz="2400" dirty="0"/>
+              <a:t>Able to answer close to </a:t>
+            </a:r>
+            <a:r>
+              <a:rPr lang="en-US" sz="2400" dirty="0">
+                <a:solidFill>
+                  <a:srgbClr val="FF0000"/>
+                </a:solidFill>
+              </a:rPr>
+              <a:t>78% of questions </a:t>
+            </a:r>
+            <a:r>
+              <a:rPr lang="en-US" sz="2400" dirty="0"/>
+              <a:t>on the set of ~200 questions from 20 passages taken 1 each from 20 different articles in the dataset.</a:t>
+            </a:r>
+          </a:p>
+          <a:p>
+            <a:pPr marL="800100" lvl="1" indent="-342900" algn="just">
+              <a:buFont typeface="Arial" panose="020B0604020202020204" pitchFamily="34" charset="0"/>
+              <a:buChar char="•"/>
+            </a:pPr>
+            <a:r>
+              <a:rPr lang="en-US" sz="2400" dirty="0"/>
+              <a:t>Accuracy of answering increased when more custom knowledge was added</a:t>
+            </a:r>
+          </a:p>
+        </p:txBody>
+      </p:sp>
+    </p:spTree>
+    <p:extLst>
+      <p:ext uri="{BB962C8B-B14F-4D97-AF65-F5344CB8AC3E}">
+        <p14:creationId xmlns:p14="http://schemas.microsoft.com/office/powerpoint/2010/main" val="2388353888"/>
+      </p:ext>
+    </p:extLst>
+  </p:cSld>
+  <p:clrMapOvr>
+    <a:masterClrMapping/>
+  </p:clrMapOvr>
+</p:sld>
+</file>
+
+<file path=ppt/slides/slide101.xml><?xml version="1.0" encoding="utf-8"?>
 <p:sld xmlns:a="http://schemas.openxmlformats.org/drawingml/2006/main" xmlns:r="http://schemas.openxmlformats.org/officeDocument/2006/relationships" xmlns:p="http://schemas.openxmlformats.org/presentationml/2006/main">
   <p:cSld>
     <p:spTree>
@@ -30678,6 +31040,174 @@
           </a:p>
         </p:txBody>
       </p:sp>
+      <p:sp>
+        <p:nvSpPr>
+          <p:cNvPr id="6" name="Rectangle 5">
+            <a:extLst>
+              <a:ext uri="{FF2B5EF4-FFF2-40B4-BE49-F238E27FC236}">
+                <a16:creationId xmlns:a16="http://schemas.microsoft.com/office/drawing/2014/main" id="{4FC014DA-5F19-402C-AEF6-8DB8EC0D208E}"/>
+              </a:ext>
+            </a:extLst>
+          </p:cNvPr>
+          <p:cNvSpPr/>
+          <p:nvPr/>
+        </p:nvSpPr>
+        <p:spPr>
+          <a:xfrm>
+            <a:off x="384313" y="1690062"/>
+            <a:ext cx="11423374" cy="3862596"/>
+          </a:xfrm>
+          <a:prstGeom prst="rect">
+            <a:avLst/>
+          </a:prstGeom>
+        </p:spPr>
+        <p:txBody>
+          <a:bodyPr wrap="square">
+            <a:spAutoFit/>
+          </a:bodyPr>
+          <a:lstStyle/>
+          <a:p>
+            <a:pPr marL="342900" indent="-342900">
+              <a:buFont typeface="Arial" panose="020B0604020202020204" pitchFamily="34" charset="0"/>
+              <a:buChar char="•"/>
+            </a:pPr>
+            <a:r>
+              <a:rPr lang="en-US" sz="2200" dirty="0">
+                <a:solidFill>
+                  <a:srgbClr val="000000"/>
+                </a:solidFill>
+              </a:rPr>
+              <a:t>Word Sense Disambiguation is a task of selecting the </a:t>
+            </a:r>
+            <a:r>
+              <a:rPr lang="en-US" sz="2200" dirty="0">
+                <a:solidFill>
+                  <a:srgbClr val="FF0000"/>
+                </a:solidFill>
+              </a:rPr>
+              <a:t>best sense out of a collection </a:t>
+            </a:r>
+            <a:r>
+              <a:rPr lang="en-US" sz="2200" dirty="0">
+                <a:solidFill>
+                  <a:srgbClr val="000000"/>
+                </a:solidFill>
+              </a:rPr>
+              <a:t>of senses applicable to a concept.</a:t>
+            </a:r>
+          </a:p>
+          <a:p>
+            <a:pPr marL="342900" indent="-342900">
+              <a:buFont typeface="Arial" panose="020B0604020202020204" pitchFamily="34" charset="0"/>
+              <a:buChar char="•"/>
+            </a:pPr>
+            <a:r>
+              <a:rPr lang="en-US" sz="2200" dirty="0"/>
+              <a:t>Word senses are represented using two different logic patterns. </a:t>
+            </a:r>
+          </a:p>
+          <a:p>
+            <a:pPr marL="342900" indent="-342900">
+              <a:buFont typeface="Arial" panose="020B0604020202020204" pitchFamily="34" charset="0"/>
+              <a:buChar char="•"/>
+            </a:pPr>
+            <a:r>
+              <a:rPr lang="en-US" sz="2200" dirty="0"/>
+              <a:t>Using both these patterns in union, senses are selected for the various concepts in the text which activate their hypernym relations. </a:t>
+            </a:r>
+          </a:p>
+          <a:p>
+            <a:pPr marL="342900" indent="-342900">
+              <a:spcAft>
+                <a:spcPts val="1800"/>
+              </a:spcAft>
+              <a:buFont typeface="Arial" panose="020B0604020202020204" pitchFamily="34" charset="0"/>
+              <a:buChar char="•"/>
+            </a:pPr>
+            <a:r>
+              <a:rPr lang="en-US" sz="2200" dirty="0"/>
+              <a:t>Signature template for concept sense</a:t>
+            </a:r>
+          </a:p>
+          <a:p>
+            <a:r>
+              <a:rPr lang="it-IT" sz="2200" i="1" dirty="0"/>
+              <a:t>	</a:t>
+            </a:r>
+            <a:r>
+              <a:rPr lang="it-IT" sz="2200" i="1" dirty="0">
+                <a:solidFill>
+                  <a:schemeClr val="accent1">
+                    <a:lumMod val="50000"/>
+                  </a:schemeClr>
+                </a:solidFill>
+              </a:rPr>
+              <a:t>c (X, si) :- c (X), </a:t>
+            </a:r>
+            <a:endParaRPr lang="it-IT" sz="2200" dirty="0">
+              <a:solidFill>
+                <a:schemeClr val="accent1">
+                  <a:lumMod val="50000"/>
+                </a:schemeClr>
+              </a:solidFill>
+            </a:endParaRPr>
+          </a:p>
+          <a:p>
+            <a:r>
+              <a:rPr lang="en-US" sz="2200" i="1" dirty="0">
+                <a:solidFill>
+                  <a:schemeClr val="accent1">
+                    <a:lumMod val="50000"/>
+                  </a:schemeClr>
+                </a:solidFill>
+              </a:rPr>
+              <a:t>		  properties_si (X), </a:t>
+            </a:r>
+            <a:endParaRPr lang="en-US" sz="2200" dirty="0">
+              <a:solidFill>
+                <a:schemeClr val="accent1">
+                  <a:lumMod val="50000"/>
+                </a:schemeClr>
+              </a:solidFill>
+            </a:endParaRPr>
+          </a:p>
+          <a:p>
+            <a:pPr>
+              <a:spcAft>
+                <a:spcPts val="1200"/>
+              </a:spcAft>
+            </a:pPr>
+            <a:r>
+              <a:rPr lang="en-US" sz="2200" i="1" dirty="0">
+                <a:solidFill>
+                  <a:schemeClr val="accent1">
+                    <a:lumMod val="50000"/>
+                  </a:schemeClr>
+                </a:solidFill>
+              </a:rPr>
+              <a:t>		 not -c (X, si). </a:t>
+            </a:r>
+          </a:p>
+          <a:p>
+            <a:r>
+              <a:rPr lang="en-US" sz="2200" dirty="0"/>
+              <a:t>“</a:t>
+            </a:r>
+            <a:r>
+              <a:rPr lang="en-US" sz="2200" i="1" dirty="0">
+                <a:solidFill>
+                  <a:srgbClr val="FF0000"/>
+                </a:solidFill>
+              </a:rPr>
+              <a:t>X is an instance_of concept c with si</a:t>
+            </a:r>
+            <a:r>
+              <a:rPr lang="en-US" sz="2200" dirty="0"/>
+              <a:t>” </a:t>
+            </a:r>
+          </a:p>
+        </p:txBody>
+      </p:sp>
     </p:spTree>
     <p:extLst>
       <p:ext uri="{BB962C8B-B14F-4D97-AF65-F5344CB8AC3E}">
@@ -30789,7 +31319,7 @@
                   <a:schemeClr val="bg1"/>
                 </a:solidFill>
               </a:rPr>
-              <a:t>Preference Pattern for WSD</a:t>
+              <a:t>Representation of Word Senses</a:t>
             </a:r>
           </a:p>
           <a:p>
@@ -30802,10 +31332,383 @@
           </a:p>
         </p:txBody>
       </p:sp>
+      <p:sp>
+        <p:nvSpPr>
+          <p:cNvPr id="6" name="Rectangle 5">
+            <a:extLst>
+              <a:ext uri="{FF2B5EF4-FFF2-40B4-BE49-F238E27FC236}">
+                <a16:creationId xmlns:a16="http://schemas.microsoft.com/office/drawing/2014/main" id="{4FC014DA-5F19-402C-AEF6-8DB8EC0D208E}"/>
+              </a:ext>
+            </a:extLst>
+          </p:cNvPr>
+          <p:cNvSpPr/>
+          <p:nvPr/>
+        </p:nvSpPr>
+        <p:spPr>
+          <a:xfrm>
+            <a:off x="384313" y="1690062"/>
+            <a:ext cx="11423374" cy="430887"/>
+          </a:xfrm>
+          <a:prstGeom prst="rect">
+            <a:avLst/>
+          </a:prstGeom>
+        </p:spPr>
+        <p:txBody>
+          <a:bodyPr wrap="square">
+            <a:spAutoFit/>
+          </a:bodyPr>
+          <a:lstStyle/>
+          <a:p>
+            <a:pPr marL="342900" indent="-342900">
+              <a:buFont typeface="Arial" panose="020B0604020202020204" pitchFamily="34" charset="0"/>
+              <a:buChar char="•"/>
+            </a:pPr>
+            <a:r>
+              <a:rPr lang="en-US" sz="2200" dirty="0">
+                <a:solidFill>
+                  <a:srgbClr val="000000"/>
+                </a:solidFill>
+              </a:rPr>
+              <a:t>Example of a tree concept. WordNet has 3 senses for the concept of “tree”</a:t>
+            </a:r>
+            <a:endParaRPr lang="en-US" sz="2200" dirty="0"/>
+          </a:p>
+        </p:txBody>
+      </p:sp>
+      <p:pic>
+        <p:nvPicPr>
+          <p:cNvPr id="2" name="Picture 1">
+            <a:extLst>
+              <a:ext uri="{FF2B5EF4-FFF2-40B4-BE49-F238E27FC236}">
+                <a16:creationId xmlns:a16="http://schemas.microsoft.com/office/drawing/2014/main" id="{BF46C061-C3EF-4EBC-AB29-2AB78304FF6D}"/>
+              </a:ext>
+            </a:extLst>
+          </p:cNvPr>
+          <p:cNvPicPr>
+            <a:picLocks noChangeAspect="1"/>
+          </p:cNvPicPr>
+          <p:nvPr/>
+        </p:nvPicPr>
+        <p:blipFill>
+          <a:blip r:embed="rId2"/>
+          <a:stretch>
+            <a:fillRect/>
+          </a:stretch>
+        </p:blipFill>
+        <p:spPr>
+          <a:xfrm>
+            <a:off x="384313" y="2277866"/>
+            <a:ext cx="9251453" cy="2042343"/>
+          </a:xfrm>
+          <a:prstGeom prst="rect">
+            <a:avLst/>
+          </a:prstGeom>
+        </p:spPr>
+      </p:pic>
+      <p:sp>
+        <p:nvSpPr>
+          <p:cNvPr id="4" name="Rectangle 3">
+            <a:extLst>
+              <a:ext uri="{FF2B5EF4-FFF2-40B4-BE49-F238E27FC236}">
+                <a16:creationId xmlns:a16="http://schemas.microsoft.com/office/drawing/2014/main" id="{CE7A7A88-B4ED-4E31-B210-C48D671AAAC1}"/>
+              </a:ext>
+            </a:extLst>
+          </p:cNvPr>
+          <p:cNvSpPr/>
+          <p:nvPr/>
+        </p:nvSpPr>
+        <p:spPr>
+          <a:xfrm>
+            <a:off x="8194073" y="5320338"/>
+            <a:ext cx="3856383" cy="1107996"/>
+          </a:xfrm>
+          <a:prstGeom prst="rect">
+            <a:avLst/>
+          </a:prstGeom>
+        </p:spPr>
+        <p:txBody>
+          <a:bodyPr wrap="square">
+            <a:spAutoFit/>
+          </a:bodyPr>
+          <a:lstStyle/>
+          <a:p>
+            <a:r>
+              <a:rPr lang="en-US" sz="2200" i="1" dirty="0">
+                <a:solidFill>
+                  <a:schemeClr val="accent1">
+                    <a:lumMod val="50000"/>
+                  </a:schemeClr>
+                </a:solidFill>
+                <a:latin typeface="Times New Roman" panose="02020603050405020304" pitchFamily="18" charset="0"/>
+              </a:rPr>
+              <a:t>tree (X, person) :- tree (X),</a:t>
+            </a:r>
+          </a:p>
+          <a:p>
+            <a:r>
+              <a:rPr lang="en-US" sz="2200" i="1" dirty="0">
+                <a:solidFill>
+                  <a:schemeClr val="accent1">
+                    <a:lumMod val="50000"/>
+                  </a:schemeClr>
+                </a:solidFill>
+                <a:latin typeface="Times New Roman" panose="02020603050405020304" pitchFamily="18" charset="0"/>
+              </a:rPr>
+              <a:t>	properties_person (X),</a:t>
+            </a:r>
+          </a:p>
+          <a:p>
+            <a:r>
+              <a:rPr lang="en-US" sz="2200" i="1" dirty="0">
+                <a:solidFill>
+                  <a:schemeClr val="accent1">
+                    <a:lumMod val="50000"/>
+                  </a:schemeClr>
+                </a:solidFill>
+                <a:latin typeface="Times New Roman" panose="02020603050405020304" pitchFamily="18" charset="0"/>
+              </a:rPr>
+              <a:t>	not -tree (X, person).</a:t>
+            </a:r>
+            <a:endParaRPr lang="en-US" sz="2200" dirty="0">
+              <a:solidFill>
+                <a:schemeClr val="accent1">
+                  <a:lumMod val="50000"/>
+                </a:schemeClr>
+              </a:solidFill>
+            </a:endParaRPr>
+          </a:p>
+        </p:txBody>
+      </p:sp>
+      <p:sp>
+        <p:nvSpPr>
+          <p:cNvPr id="7" name="Rectangle 6">
+            <a:extLst>
+              <a:ext uri="{FF2B5EF4-FFF2-40B4-BE49-F238E27FC236}">
+                <a16:creationId xmlns:a16="http://schemas.microsoft.com/office/drawing/2014/main" id="{A9536986-BEFB-458B-84A6-3AA56CD8ED14}"/>
+              </a:ext>
+            </a:extLst>
+          </p:cNvPr>
+          <p:cNvSpPr/>
+          <p:nvPr/>
+        </p:nvSpPr>
+        <p:spPr>
+          <a:xfrm>
+            <a:off x="4097037" y="5320338"/>
+            <a:ext cx="3856383" cy="1107996"/>
+          </a:xfrm>
+          <a:prstGeom prst="rect">
+            <a:avLst/>
+          </a:prstGeom>
+        </p:spPr>
+        <p:txBody>
+          <a:bodyPr wrap="square">
+            <a:spAutoFit/>
+          </a:bodyPr>
+          <a:lstStyle/>
+          <a:p>
+            <a:r>
+              <a:rPr lang="en-US" sz="2200" i="1" dirty="0">
+                <a:solidFill>
+                  <a:schemeClr val="accent1">
+                    <a:lumMod val="50000"/>
+                  </a:schemeClr>
+                </a:solidFill>
+                <a:latin typeface="Times New Roman" panose="02020603050405020304" pitchFamily="18" charset="0"/>
+              </a:rPr>
+              <a:t>tree (X, diagram) :- tree (X),</a:t>
+            </a:r>
+          </a:p>
+          <a:p>
+            <a:r>
+              <a:rPr lang="en-US" sz="2200" i="1" dirty="0">
+                <a:solidFill>
+                  <a:schemeClr val="accent1">
+                    <a:lumMod val="50000"/>
+                  </a:schemeClr>
+                </a:solidFill>
+                <a:latin typeface="Times New Roman" panose="02020603050405020304" pitchFamily="18" charset="0"/>
+              </a:rPr>
+              <a:t>	properties_diagram (X),</a:t>
+            </a:r>
+          </a:p>
+          <a:p>
+            <a:r>
+              <a:rPr lang="en-US" sz="2200" i="1" dirty="0">
+                <a:solidFill>
+                  <a:schemeClr val="accent1">
+                    <a:lumMod val="50000"/>
+                  </a:schemeClr>
+                </a:solidFill>
+                <a:latin typeface="Times New Roman" panose="02020603050405020304" pitchFamily="18" charset="0"/>
+              </a:rPr>
+              <a:t>	not -tree (X, diagram).</a:t>
+            </a:r>
+            <a:endParaRPr lang="en-US" sz="2200" dirty="0">
+              <a:solidFill>
+                <a:schemeClr val="accent1">
+                  <a:lumMod val="50000"/>
+                </a:schemeClr>
+              </a:solidFill>
+            </a:endParaRPr>
+          </a:p>
+        </p:txBody>
+      </p:sp>
+      <p:sp>
+        <p:nvSpPr>
+          <p:cNvPr id="8" name="Rectangle 7">
+            <a:extLst>
+              <a:ext uri="{FF2B5EF4-FFF2-40B4-BE49-F238E27FC236}">
+                <a16:creationId xmlns:a16="http://schemas.microsoft.com/office/drawing/2014/main" id="{9C5EB522-55E2-4351-B3D1-3B6E338AC316}"/>
+              </a:ext>
+            </a:extLst>
+          </p:cNvPr>
+          <p:cNvSpPr/>
+          <p:nvPr/>
+        </p:nvSpPr>
+        <p:spPr>
+          <a:xfrm>
+            <a:off x="397566" y="5320338"/>
+            <a:ext cx="3458818" cy="1107996"/>
+          </a:xfrm>
+          <a:prstGeom prst="rect">
+            <a:avLst/>
+          </a:prstGeom>
+        </p:spPr>
+        <p:txBody>
+          <a:bodyPr wrap="square">
+            <a:spAutoFit/>
+          </a:bodyPr>
+          <a:lstStyle/>
+          <a:p>
+            <a:r>
+              <a:rPr lang="en-US" sz="2200" i="1" dirty="0">
+                <a:solidFill>
+                  <a:schemeClr val="accent1">
+                    <a:lumMod val="50000"/>
+                  </a:schemeClr>
+                </a:solidFill>
+                <a:latin typeface="Times New Roman" panose="02020603050405020304" pitchFamily="18" charset="0"/>
+              </a:rPr>
+              <a:t>tree (X, plant) :- tree (X), </a:t>
+            </a:r>
+            <a:endParaRPr lang="en-US" sz="2200" dirty="0">
+              <a:solidFill>
+                <a:schemeClr val="accent1">
+                  <a:lumMod val="50000"/>
+                </a:schemeClr>
+              </a:solidFill>
+              <a:latin typeface="Times New Roman" panose="02020603050405020304" pitchFamily="18" charset="0"/>
+            </a:endParaRPr>
+          </a:p>
+          <a:p>
+            <a:r>
+              <a:rPr lang="en-US" sz="2200" i="1" dirty="0">
+                <a:solidFill>
+                  <a:schemeClr val="accent1">
+                    <a:lumMod val="50000"/>
+                  </a:schemeClr>
+                </a:solidFill>
+                <a:latin typeface="Times New Roman" panose="02020603050405020304" pitchFamily="18" charset="0"/>
+              </a:rPr>
+              <a:t>	properties_plant (X), </a:t>
+            </a:r>
+            <a:endParaRPr lang="en-US" sz="2200" dirty="0">
+              <a:solidFill>
+                <a:schemeClr val="accent1">
+                  <a:lumMod val="50000"/>
+                </a:schemeClr>
+              </a:solidFill>
+              <a:latin typeface="Times New Roman" panose="02020603050405020304" pitchFamily="18" charset="0"/>
+            </a:endParaRPr>
+          </a:p>
+          <a:p>
+            <a:r>
+              <a:rPr lang="en-US" sz="2200" i="1" dirty="0">
+                <a:solidFill>
+                  <a:schemeClr val="accent1">
+                    <a:lumMod val="50000"/>
+                  </a:schemeClr>
+                </a:solidFill>
+                <a:latin typeface="Times New Roman" panose="02020603050405020304" pitchFamily="18" charset="0"/>
+              </a:rPr>
+              <a:t>	not -tree (X, plant). </a:t>
+            </a:r>
+            <a:endParaRPr lang="en-US" sz="2200" dirty="0">
+              <a:solidFill>
+                <a:schemeClr val="accent1">
+                  <a:lumMod val="50000"/>
+                </a:schemeClr>
+              </a:solidFill>
+            </a:endParaRPr>
+          </a:p>
+        </p:txBody>
+      </p:sp>
+      <p:sp>
+        <p:nvSpPr>
+          <p:cNvPr id="9" name="Rectangle 8">
+            <a:extLst>
+              <a:ext uri="{FF2B5EF4-FFF2-40B4-BE49-F238E27FC236}">
+                <a16:creationId xmlns:a16="http://schemas.microsoft.com/office/drawing/2014/main" id="{5DD27D66-9C72-4253-AFD9-E0E1B0210DE8}"/>
+              </a:ext>
+            </a:extLst>
+          </p:cNvPr>
+          <p:cNvSpPr/>
+          <p:nvPr/>
+        </p:nvSpPr>
+        <p:spPr>
+          <a:xfrm>
+            <a:off x="384312" y="4490673"/>
+            <a:ext cx="11423373" cy="769441"/>
+          </a:xfrm>
+          <a:prstGeom prst="rect">
+            <a:avLst/>
+          </a:prstGeom>
+        </p:spPr>
+        <p:txBody>
+          <a:bodyPr wrap="square">
+            <a:spAutoFit/>
+          </a:bodyPr>
+          <a:lstStyle/>
+          <a:p>
+            <a:pPr marL="285750" indent="-285750">
+              <a:buFont typeface="Arial" panose="020B0604020202020204" pitchFamily="34" charset="0"/>
+              <a:buChar char="•"/>
+            </a:pPr>
+            <a:r>
+              <a:rPr lang="en-US" sz="2200" dirty="0">
+                <a:solidFill>
+                  <a:srgbClr val="000000"/>
+                </a:solidFill>
+                <a:latin typeface="Times New Roman" panose="02020603050405020304" pitchFamily="18" charset="0"/>
+              </a:rPr>
+              <a:t>Using the previously mentioned template for senses the three rules generated for the </a:t>
+            </a:r>
+            <a:r>
+              <a:rPr lang="en-US" sz="2200" i="1" dirty="0">
+                <a:solidFill>
+                  <a:srgbClr val="000000"/>
+                </a:solidFill>
+                <a:latin typeface="Times New Roman" panose="02020603050405020304" pitchFamily="18" charset="0"/>
+              </a:rPr>
+              <a:t>tree </a:t>
+            </a:r>
+            <a:r>
+              <a:rPr lang="en-US" sz="2200" dirty="0">
+                <a:solidFill>
+                  <a:srgbClr val="000000"/>
+                </a:solidFill>
+                <a:latin typeface="Times New Roman" panose="02020603050405020304" pitchFamily="18" charset="0"/>
+              </a:rPr>
+              <a:t>concept can be given as follows </a:t>
+            </a:r>
+            <a:endParaRPr lang="en-US" sz="2200" dirty="0"/>
+          </a:p>
+        </p:txBody>
+      </p:sp>
     </p:spTree>
     <p:extLst>
       <p:ext uri="{BB962C8B-B14F-4D97-AF65-F5344CB8AC3E}">
-        <p14:creationId xmlns:p14="http://schemas.microsoft.com/office/powerpoint/2010/main" val="1044074552"/>
+        <p14:creationId xmlns:p14="http://schemas.microsoft.com/office/powerpoint/2010/main" val="923787939"/>
       </p:ext>
     </p:extLst>
   </p:cSld>
@@ -30892,8 +31795,8 @@
         </p:nvSpPr>
         <p:spPr>
           <a:xfrm>
-            <a:off x="2884462" y="332816"/>
-            <a:ext cx="6423075" cy="1200329"/>
+            <a:off x="3277516" y="332816"/>
+            <a:ext cx="5985754" cy="1200329"/>
           </a:xfrm>
           <a:prstGeom prst="rect">
             <a:avLst/>
@@ -30913,7 +31816,7 @@
                   <a:schemeClr val="bg1"/>
                 </a:solidFill>
               </a:rPr>
-              <a:t>Using External Sources for WSD</a:t>
+              <a:t>Preference Pattern for WSD</a:t>
             </a:r>
           </a:p>
           <a:p>
@@ -30926,10 +31829,251 @@
           </a:p>
         </p:txBody>
       </p:sp>
+      <p:sp>
+        <p:nvSpPr>
+          <p:cNvPr id="4" name="Rectangle 3">
+            <a:extLst>
+              <a:ext uri="{FF2B5EF4-FFF2-40B4-BE49-F238E27FC236}">
+                <a16:creationId xmlns:a16="http://schemas.microsoft.com/office/drawing/2014/main" id="{88C9E822-F41A-495E-93C1-26B646C9FC0D}"/>
+              </a:ext>
+            </a:extLst>
+          </p:cNvPr>
+          <p:cNvSpPr/>
+          <p:nvPr/>
+        </p:nvSpPr>
+        <p:spPr>
+          <a:xfrm>
+            <a:off x="304799" y="1533145"/>
+            <a:ext cx="11423375" cy="5062924"/>
+          </a:xfrm>
+          <a:prstGeom prst="rect">
+            <a:avLst/>
+          </a:prstGeom>
+        </p:spPr>
+        <p:txBody>
+          <a:bodyPr wrap="square">
+            <a:spAutoFit/>
+          </a:bodyPr>
+          <a:lstStyle/>
+          <a:p>
+            <a:pPr marL="285750" indent="-285750">
+              <a:buFont typeface="Arial" panose="020B0604020202020204" pitchFamily="34" charset="0"/>
+              <a:buChar char="•"/>
+            </a:pPr>
+            <a:r>
+              <a:rPr lang="en-US" sz="2200" dirty="0">
+                <a:solidFill>
+                  <a:srgbClr val="000000"/>
+                </a:solidFill>
+                <a:latin typeface="Times New Roman" panose="02020603050405020304" pitchFamily="18" charset="0"/>
+              </a:rPr>
+              <a:t>Humans use a </a:t>
+            </a:r>
+            <a:r>
+              <a:rPr lang="en-US" sz="2200" dirty="0">
+                <a:solidFill>
+                  <a:srgbClr val="FF0000"/>
+                </a:solidFill>
+                <a:latin typeface="Times New Roman" panose="02020603050405020304" pitchFamily="18" charset="0"/>
+              </a:rPr>
+              <a:t>preference pattern </a:t>
+            </a:r>
+            <a:r>
+              <a:rPr lang="en-US" sz="2200" dirty="0">
+                <a:solidFill>
+                  <a:srgbClr val="000000"/>
+                </a:solidFill>
+                <a:latin typeface="Times New Roman" panose="02020603050405020304" pitchFamily="18" charset="0"/>
+              </a:rPr>
+              <a:t>over word senses and choose the most preferential pattern to disambiguate between multiple senses</a:t>
+            </a:r>
+          </a:p>
+          <a:p>
+            <a:pPr marL="285750" indent="-285750">
+              <a:buFont typeface="Arial" panose="020B0604020202020204" pitchFamily="34" charset="0"/>
+              <a:buChar char="•"/>
+            </a:pPr>
+            <a:r>
+              <a:rPr lang="en-US" sz="2200" dirty="0"/>
+              <a:t>The system models this preferential pattern to decide a </a:t>
+            </a:r>
+            <a:r>
+              <a:rPr lang="en-US" sz="2200" dirty="0">
+                <a:solidFill>
+                  <a:srgbClr val="FF0000"/>
+                </a:solidFill>
+              </a:rPr>
+              <a:t>default sense</a:t>
+            </a:r>
+            <a:r>
+              <a:rPr lang="en-US" sz="2200" dirty="0"/>
+              <a:t> to every concept, if a sense is not provided or it can’t be proved</a:t>
+            </a:r>
+          </a:p>
+          <a:p>
+            <a:pPr marL="285750" indent="-285750">
+              <a:buFont typeface="Arial" panose="020B0604020202020204" pitchFamily="34" charset="0"/>
+              <a:buChar char="•"/>
+            </a:pPr>
+            <a:r>
+              <a:rPr lang="en-US" sz="2200" dirty="0"/>
+              <a:t>Consider a concept c having three senses s1, s2 and s3 ordered according to the frequency of their use from the most used to the least used.</a:t>
+            </a:r>
+          </a:p>
+          <a:p>
+            <a:pPr marL="285750" indent="-285750">
+              <a:spcAft>
+                <a:spcPts val="1800"/>
+              </a:spcAft>
+              <a:buFont typeface="Arial" panose="020B0604020202020204" pitchFamily="34" charset="0"/>
+              <a:buChar char="•"/>
+            </a:pPr>
+            <a:r>
+              <a:rPr lang="en-US" sz="2200" dirty="0"/>
+              <a:t>preferences can be modeled in the following template.</a:t>
+            </a:r>
+          </a:p>
+          <a:p>
+            <a:r>
+              <a:rPr lang="en-US" sz="2200" dirty="0"/>
+              <a:t>	</a:t>
+            </a:r>
+            <a:r>
+              <a:rPr lang="en-US" sz="2200" dirty="0">
+                <a:solidFill>
+                  <a:schemeClr val="accent1">
+                    <a:lumMod val="50000"/>
+                  </a:schemeClr>
+                </a:solidFill>
+              </a:rPr>
+              <a:t>c (X, </a:t>
+            </a:r>
+            <a:r>
+              <a:rPr lang="en-US" sz="2200" dirty="0" err="1">
+                <a:solidFill>
+                  <a:schemeClr val="accent1">
+                    <a:lumMod val="50000"/>
+                  </a:schemeClr>
+                </a:solidFill>
+              </a:rPr>
+              <a:t>sp</a:t>
+            </a:r>
+            <a:r>
+              <a:rPr lang="en-US" sz="2200" dirty="0">
+                <a:solidFill>
+                  <a:schemeClr val="accent1">
+                    <a:lumMod val="50000"/>
+                  </a:schemeClr>
+                </a:solidFill>
+              </a:rPr>
+              <a:t>) :- c (X),</a:t>
+            </a:r>
+          </a:p>
+          <a:p>
+            <a:r>
+              <a:rPr lang="en-US" sz="2200" dirty="0">
+                <a:solidFill>
+                  <a:schemeClr val="accent1">
+                    <a:lumMod val="50000"/>
+                  </a:schemeClr>
+                </a:solidFill>
+              </a:rPr>
+              <a:t>		not -c (X, </a:t>
+            </a:r>
+            <a:r>
+              <a:rPr lang="en-US" sz="2200" dirty="0" err="1">
+                <a:solidFill>
+                  <a:schemeClr val="accent1">
+                    <a:lumMod val="50000"/>
+                  </a:schemeClr>
+                </a:solidFill>
+              </a:rPr>
+              <a:t>sp</a:t>
+            </a:r>
+            <a:r>
+              <a:rPr lang="en-US" sz="2200" dirty="0">
+                <a:solidFill>
+                  <a:schemeClr val="accent1">
+                    <a:lumMod val="50000"/>
+                  </a:schemeClr>
+                </a:solidFill>
+              </a:rPr>
+              <a:t>),</a:t>
+            </a:r>
+          </a:p>
+          <a:p>
+            <a:r>
+              <a:rPr lang="en-US" sz="2200" dirty="0">
+                <a:solidFill>
+                  <a:schemeClr val="accent1">
+                    <a:lumMod val="50000"/>
+                  </a:schemeClr>
+                </a:solidFill>
+              </a:rPr>
+              <a:t>		-c (X, s1), -c (X, s2), … -c (X, sp-1),</a:t>
+            </a:r>
+          </a:p>
+          <a:p>
+            <a:r>
+              <a:rPr lang="en-US" sz="2200" dirty="0">
+                <a:solidFill>
+                  <a:schemeClr val="accent1">
+                    <a:lumMod val="50000"/>
+                  </a:schemeClr>
+                </a:solidFill>
+              </a:rPr>
+              <a:t>		not c (X, sp+1), not c (X, sp+2), …, not c (X, </a:t>
+            </a:r>
+            <a:r>
+              <a:rPr lang="en-US" sz="2200" dirty="0" err="1">
+                <a:solidFill>
+                  <a:schemeClr val="accent1">
+                    <a:lumMod val="50000"/>
+                  </a:schemeClr>
+                </a:solidFill>
+              </a:rPr>
+              <a:t>sn</a:t>
+            </a:r>
+            <a:r>
+              <a:rPr lang="en-US" sz="2200" dirty="0">
+                <a:solidFill>
+                  <a:schemeClr val="accent1">
+                    <a:lumMod val="50000"/>
+                  </a:schemeClr>
+                </a:solidFill>
+              </a:rPr>
+              <a:t>).</a:t>
+            </a:r>
+          </a:p>
+          <a:p>
+            <a:endParaRPr lang="en-US" sz="2200" dirty="0"/>
+          </a:p>
+          <a:p>
+            <a:r>
+              <a:rPr lang="en-US" sz="2200" dirty="0"/>
+              <a:t>The above rule is generated for the </a:t>
+            </a:r>
+            <a:r>
+              <a:rPr lang="en-US" sz="2200" dirty="0" err="1"/>
+              <a:t>pth</a:t>
+            </a:r>
+            <a:r>
+              <a:rPr lang="en-US" sz="2200" dirty="0"/>
+              <a:t> sense of the concept c such that 1 &gt; p &gt; n</a:t>
+            </a:r>
+          </a:p>
+          <a:p>
+            <a:r>
+              <a:rPr lang="en-US" sz="2200" dirty="0"/>
+              <a:t>n is the total number of senses of concept c.</a:t>
+            </a:r>
+          </a:p>
+        </p:txBody>
+      </p:sp>
     </p:spTree>
     <p:extLst>
       <p:ext uri="{BB962C8B-B14F-4D97-AF65-F5344CB8AC3E}">
-        <p14:creationId xmlns:p14="http://schemas.microsoft.com/office/powerpoint/2010/main" val="3891190536"/>
+        <p14:creationId xmlns:p14="http://schemas.microsoft.com/office/powerpoint/2010/main" val="1044074552"/>
       </p:ext>
     </p:extLst>
   </p:cSld>
@@ -30940,6 +32084,576 @@
 </file>
 
 <file path=ppt/slides/slide75.xml><?xml version="1.0" encoding="utf-8"?>
+<p:sld xmlns:a="http://schemas.openxmlformats.org/drawingml/2006/main" xmlns:r="http://schemas.openxmlformats.org/officeDocument/2006/relationships" xmlns:p="http://schemas.openxmlformats.org/presentationml/2006/main">
+  <p:cSld>
+    <p:spTree>
+      <p:nvGrpSpPr>
+        <p:cNvPr id="1" name=""/>
+        <p:cNvGrpSpPr/>
+        <p:nvPr/>
+      </p:nvGrpSpPr>
+      <p:grpSpPr>
+        <a:xfrm>
+          <a:off x="0" y="0"/>
+          <a:ext cx="0" cy="0"/>
+          <a:chOff x="0" y="0"/>
+          <a:chExt cx="0" cy="0"/>
+        </a:xfrm>
+      </p:grpSpPr>
+      <p:sp>
+        <p:nvSpPr>
+          <p:cNvPr id="5" name="Rectangle 4">
+            <a:extLst>
+              <a:ext uri="{FF2B5EF4-FFF2-40B4-BE49-F238E27FC236}">
+                <a16:creationId xmlns:a16="http://schemas.microsoft.com/office/drawing/2014/main" id="{8C2198D3-9081-462D-89AA-2AE36F0B965E}"/>
+              </a:ext>
+            </a:extLst>
+          </p:cNvPr>
+          <p:cNvSpPr/>
+          <p:nvPr/>
+        </p:nvSpPr>
+        <p:spPr>
+          <a:xfrm>
+            <a:off x="0" y="0"/>
+            <a:ext cx="12192000" cy="1311965"/>
+          </a:xfrm>
+          <a:prstGeom prst="rect">
+            <a:avLst/>
+          </a:prstGeom>
+        </p:spPr>
+        <p:style>
+          <a:lnRef idx="2">
+            <a:schemeClr val="dk1">
+              <a:shade val="50000"/>
+            </a:schemeClr>
+          </a:lnRef>
+          <a:fillRef idx="1">
+            <a:schemeClr val="dk1"/>
+          </a:fillRef>
+          <a:effectRef idx="0">
+            <a:schemeClr val="dk1"/>
+          </a:effectRef>
+          <a:fontRef idx="minor">
+            <a:schemeClr val="lt1"/>
+          </a:fontRef>
+        </p:style>
+        <p:txBody>
+          <a:bodyPr rtlCol="0" anchor="ctr"/>
+          <a:lstStyle/>
+          <a:p>
+            <a:pPr algn="ctr"/>
+            <a:endParaRPr lang="en-US" sz="2200" dirty="0"/>
+          </a:p>
+        </p:txBody>
+      </p:sp>
+      <p:sp>
+        <p:nvSpPr>
+          <p:cNvPr id="3" name="TextBox 2">
+            <a:extLst>
+              <a:ext uri="{FF2B5EF4-FFF2-40B4-BE49-F238E27FC236}">
+                <a16:creationId xmlns:a16="http://schemas.microsoft.com/office/drawing/2014/main" id="{1980B4EC-4697-4B4F-87E9-C0E68B2BB033}"/>
+              </a:ext>
+            </a:extLst>
+          </p:cNvPr>
+          <p:cNvSpPr txBox="1"/>
+          <p:nvPr/>
+        </p:nvSpPr>
+        <p:spPr>
+          <a:xfrm>
+            <a:off x="3407921" y="378983"/>
+            <a:ext cx="5985754" cy="1200329"/>
+          </a:xfrm>
+          <a:prstGeom prst="rect">
+            <a:avLst/>
+          </a:prstGeom>
+          <a:noFill/>
+        </p:spPr>
+        <p:txBody>
+          <a:bodyPr wrap="square" rtlCol="0">
+            <a:spAutoFit/>
+          </a:bodyPr>
+          <a:lstStyle/>
+          <a:p>
+            <a:pPr algn="ctr"/>
+            <a:r>
+              <a:rPr lang="en-US" sz="3600" dirty="0">
+                <a:solidFill>
+                  <a:schemeClr val="bg1"/>
+                </a:solidFill>
+              </a:rPr>
+              <a:t>Representation of Word Senses</a:t>
+            </a:r>
+          </a:p>
+          <a:p>
+            <a:pPr algn="ctr"/>
+            <a:endParaRPr lang="en-US" sz="3600" dirty="0">
+              <a:solidFill>
+                <a:schemeClr val="bg1"/>
+              </a:solidFill>
+            </a:endParaRPr>
+          </a:p>
+        </p:txBody>
+      </p:sp>
+      <p:sp>
+        <p:nvSpPr>
+          <p:cNvPr id="4" name="Rectangle 3">
+            <a:extLst>
+              <a:ext uri="{FF2B5EF4-FFF2-40B4-BE49-F238E27FC236}">
+                <a16:creationId xmlns:a16="http://schemas.microsoft.com/office/drawing/2014/main" id="{88C9E822-F41A-495E-93C1-26B646C9FC0D}"/>
+              </a:ext>
+            </a:extLst>
+          </p:cNvPr>
+          <p:cNvSpPr/>
+          <p:nvPr/>
+        </p:nvSpPr>
+        <p:spPr>
+          <a:xfrm>
+            <a:off x="304799" y="1533145"/>
+            <a:ext cx="11423375" cy="430887"/>
+          </a:xfrm>
+          <a:prstGeom prst="rect">
+            <a:avLst/>
+          </a:prstGeom>
+        </p:spPr>
+        <p:txBody>
+          <a:bodyPr wrap="square">
+            <a:spAutoFit/>
+          </a:bodyPr>
+          <a:lstStyle/>
+          <a:p>
+            <a:pPr marL="285750" indent="-285750">
+              <a:buFont typeface="Arial" panose="020B0604020202020204" pitchFamily="34" charset="0"/>
+              <a:buChar char="•"/>
+            </a:pPr>
+            <a:r>
+              <a:rPr lang="en-US" sz="2200" dirty="0">
+                <a:solidFill>
+                  <a:srgbClr val="000000"/>
+                </a:solidFill>
+              </a:rPr>
+              <a:t>We can see this pattern in action with the tree concept as an example.</a:t>
+            </a:r>
+            <a:endParaRPr lang="en-US" sz="2200" dirty="0"/>
+          </a:p>
+        </p:txBody>
+      </p:sp>
+      <p:sp>
+        <p:nvSpPr>
+          <p:cNvPr id="2" name="Rectangle 1">
+            <a:extLst>
+              <a:ext uri="{FF2B5EF4-FFF2-40B4-BE49-F238E27FC236}">
+                <a16:creationId xmlns:a16="http://schemas.microsoft.com/office/drawing/2014/main" id="{50605DD7-19FD-479C-87F1-7B9AB3DB2E81}"/>
+              </a:ext>
+            </a:extLst>
+          </p:cNvPr>
+          <p:cNvSpPr/>
+          <p:nvPr/>
+        </p:nvSpPr>
+        <p:spPr>
+          <a:xfrm>
+            <a:off x="304798" y="2185212"/>
+            <a:ext cx="4890053" cy="1446550"/>
+          </a:xfrm>
+          <a:prstGeom prst="rect">
+            <a:avLst/>
+          </a:prstGeom>
+        </p:spPr>
+        <p:txBody>
+          <a:bodyPr wrap="square">
+            <a:spAutoFit/>
+          </a:bodyPr>
+          <a:lstStyle/>
+          <a:p>
+            <a:r>
+              <a:rPr lang="en-US" sz="2200" i="1" dirty="0">
+                <a:solidFill>
+                  <a:srgbClr val="000000"/>
+                </a:solidFill>
+                <a:cs typeface="Times New Roman" panose="02020603050405020304" pitchFamily="18" charset="0"/>
+              </a:rPr>
+              <a:t>tree (X, plant) :- tree (X), </a:t>
+            </a:r>
+            <a:endParaRPr lang="en-US" sz="2200" dirty="0">
+              <a:solidFill>
+                <a:srgbClr val="000000"/>
+              </a:solidFill>
+              <a:cs typeface="Times New Roman" panose="02020603050405020304" pitchFamily="18" charset="0"/>
+            </a:endParaRPr>
+          </a:p>
+          <a:p>
+            <a:r>
+              <a:rPr lang="en-US" sz="2200" dirty="0">
+                <a:solidFill>
+                  <a:srgbClr val="000000"/>
+                </a:solidFill>
+                <a:cs typeface="Times New Roman" panose="02020603050405020304" pitchFamily="18" charset="0"/>
+              </a:rPr>
+              <a:t>		</a:t>
+            </a:r>
+            <a:r>
+              <a:rPr lang="en-US" sz="2200" i="1" dirty="0">
+                <a:solidFill>
+                  <a:srgbClr val="000000"/>
+                </a:solidFill>
+                <a:cs typeface="Times New Roman" panose="02020603050405020304" pitchFamily="18" charset="0"/>
+              </a:rPr>
+              <a:t>not -tree (X, plant), </a:t>
+            </a:r>
+          </a:p>
+          <a:p>
+            <a:r>
+              <a:rPr lang="en-US" sz="2200" i="1" dirty="0">
+                <a:solidFill>
+                  <a:srgbClr val="000000"/>
+                </a:solidFill>
+                <a:cs typeface="Times New Roman" panose="02020603050405020304" pitchFamily="18" charset="0"/>
+              </a:rPr>
+              <a:t>		not tree (X, diagram), </a:t>
+            </a:r>
+          </a:p>
+          <a:p>
+            <a:r>
+              <a:rPr lang="en-US" sz="2200" i="1" dirty="0">
+                <a:solidFill>
+                  <a:srgbClr val="000000"/>
+                </a:solidFill>
+                <a:cs typeface="Times New Roman" panose="02020603050405020304" pitchFamily="18" charset="0"/>
+              </a:rPr>
+              <a:t>		not tree (X, person). </a:t>
+            </a:r>
+            <a:endParaRPr lang="en-US" sz="2200" i="1" dirty="0">
+              <a:cs typeface="Times New Roman" panose="02020603050405020304" pitchFamily="18" charset="0"/>
+            </a:endParaRPr>
+          </a:p>
+        </p:txBody>
+      </p:sp>
+      <p:sp>
+        <p:nvSpPr>
+          <p:cNvPr id="6" name="Rectangle 5">
+            <a:extLst>
+              <a:ext uri="{FF2B5EF4-FFF2-40B4-BE49-F238E27FC236}">
+                <a16:creationId xmlns:a16="http://schemas.microsoft.com/office/drawing/2014/main" id="{20637608-90FD-4AB1-B3FC-DD0932FF40CB}"/>
+              </a:ext>
+            </a:extLst>
+          </p:cNvPr>
+          <p:cNvSpPr/>
+          <p:nvPr/>
+        </p:nvSpPr>
+        <p:spPr>
+          <a:xfrm>
+            <a:off x="304799" y="3631762"/>
+            <a:ext cx="6096000" cy="1446550"/>
+          </a:xfrm>
+          <a:prstGeom prst="rect">
+            <a:avLst/>
+          </a:prstGeom>
+        </p:spPr>
+        <p:txBody>
+          <a:bodyPr>
+            <a:spAutoFit/>
+          </a:bodyPr>
+          <a:lstStyle/>
+          <a:p>
+            <a:r>
+              <a:rPr lang="en-US" sz="2200" i="1" dirty="0">
+                <a:solidFill>
+                  <a:srgbClr val="000000"/>
+                </a:solidFill>
+              </a:rPr>
+              <a:t>tree (X, diagram) :- tree (X), </a:t>
+            </a:r>
+            <a:endParaRPr lang="en-US" sz="2200" dirty="0">
+              <a:solidFill>
+                <a:srgbClr val="000000"/>
+              </a:solidFill>
+            </a:endParaRPr>
+          </a:p>
+          <a:p>
+            <a:r>
+              <a:rPr lang="en-US" sz="2200" i="1" dirty="0">
+                <a:solidFill>
+                  <a:srgbClr val="000000"/>
+                </a:solidFill>
+              </a:rPr>
+              <a:t>		      not -tree (X, diagram), </a:t>
+            </a:r>
+            <a:endParaRPr lang="en-US" sz="2200" dirty="0">
+              <a:solidFill>
+                <a:srgbClr val="000000"/>
+              </a:solidFill>
+            </a:endParaRPr>
+          </a:p>
+          <a:p>
+            <a:r>
+              <a:rPr lang="en-US" sz="2200" dirty="0">
+                <a:solidFill>
+                  <a:srgbClr val="000000"/>
+                </a:solidFill>
+              </a:rPr>
+              <a:t>		     -tree (X, plant), </a:t>
+            </a:r>
+          </a:p>
+          <a:p>
+            <a:r>
+              <a:rPr lang="en-US" sz="2200" i="1" dirty="0">
+                <a:solidFill>
+                  <a:srgbClr val="000000"/>
+                </a:solidFill>
+              </a:rPr>
+              <a:t>		     not tree (X, person). </a:t>
+            </a:r>
+            <a:endParaRPr lang="en-US" sz="2200" dirty="0"/>
+          </a:p>
+        </p:txBody>
+      </p:sp>
+      <p:sp>
+        <p:nvSpPr>
+          <p:cNvPr id="7" name="Rectangle 6">
+            <a:extLst>
+              <a:ext uri="{FF2B5EF4-FFF2-40B4-BE49-F238E27FC236}">
+                <a16:creationId xmlns:a16="http://schemas.microsoft.com/office/drawing/2014/main" id="{D91B1BFB-2337-434C-9D1F-688269FA9DE4}"/>
+              </a:ext>
+            </a:extLst>
+          </p:cNvPr>
+          <p:cNvSpPr/>
+          <p:nvPr/>
+        </p:nvSpPr>
+        <p:spPr>
+          <a:xfrm>
+            <a:off x="304798" y="5078312"/>
+            <a:ext cx="6096000" cy="1446550"/>
+          </a:xfrm>
+          <a:prstGeom prst="rect">
+            <a:avLst/>
+          </a:prstGeom>
+        </p:spPr>
+        <p:txBody>
+          <a:bodyPr>
+            <a:spAutoFit/>
+          </a:bodyPr>
+          <a:lstStyle/>
+          <a:p>
+            <a:r>
+              <a:rPr lang="en-US" sz="2200" i="1" dirty="0">
+                <a:solidFill>
+                  <a:srgbClr val="000000"/>
+                </a:solidFill>
+                <a:cs typeface="Times New Roman" panose="02020603050405020304" pitchFamily="18" charset="0"/>
+              </a:rPr>
+              <a:t>tree (X, person) :- tree (X), </a:t>
+            </a:r>
+            <a:endParaRPr lang="en-US" sz="2200" dirty="0">
+              <a:solidFill>
+                <a:srgbClr val="000000"/>
+              </a:solidFill>
+              <a:cs typeface="Times New Roman" panose="02020603050405020304" pitchFamily="18" charset="0"/>
+            </a:endParaRPr>
+          </a:p>
+          <a:p>
+            <a:r>
+              <a:rPr lang="en-US" sz="2200" i="1" dirty="0">
+                <a:solidFill>
+                  <a:srgbClr val="000000"/>
+                </a:solidFill>
+                <a:cs typeface="Times New Roman" panose="02020603050405020304" pitchFamily="18" charset="0"/>
+              </a:rPr>
+              <a:t>		   not -tree (X, person), </a:t>
+            </a:r>
+            <a:endParaRPr lang="en-US" sz="2200" dirty="0">
+              <a:solidFill>
+                <a:srgbClr val="000000"/>
+              </a:solidFill>
+              <a:cs typeface="Times New Roman" panose="02020603050405020304" pitchFamily="18" charset="0"/>
+            </a:endParaRPr>
+          </a:p>
+          <a:p>
+            <a:r>
+              <a:rPr lang="en-US" sz="2200" dirty="0">
+                <a:solidFill>
+                  <a:srgbClr val="000000"/>
+                </a:solidFill>
+                <a:cs typeface="Times New Roman" panose="02020603050405020304" pitchFamily="18" charset="0"/>
+              </a:rPr>
+              <a:t>		   -tree (X, plant), </a:t>
+            </a:r>
+          </a:p>
+          <a:p>
+            <a:r>
+              <a:rPr lang="en-US" sz="2200" i="1" dirty="0">
+                <a:solidFill>
+                  <a:srgbClr val="000000"/>
+                </a:solidFill>
+                <a:cs typeface="Times New Roman" panose="02020603050405020304" pitchFamily="18" charset="0"/>
+              </a:rPr>
+              <a:t> 	 	   -tree (X, diagram). </a:t>
+            </a:r>
+            <a:endParaRPr lang="en-US" sz="2200" dirty="0">
+              <a:cs typeface="Times New Roman" panose="02020603050405020304" pitchFamily="18" charset="0"/>
+            </a:endParaRPr>
+          </a:p>
+        </p:txBody>
+      </p:sp>
+      <p:sp>
+        <p:nvSpPr>
+          <p:cNvPr id="8" name="Rectangle 7">
+            <a:extLst>
+              <a:ext uri="{FF2B5EF4-FFF2-40B4-BE49-F238E27FC236}">
+                <a16:creationId xmlns:a16="http://schemas.microsoft.com/office/drawing/2014/main" id="{6916B6EC-2288-4FE2-A999-38FAA3E27636}"/>
+              </a:ext>
+            </a:extLst>
+          </p:cNvPr>
+          <p:cNvSpPr/>
+          <p:nvPr/>
+        </p:nvSpPr>
+        <p:spPr>
+          <a:xfrm>
+            <a:off x="5632174" y="2185212"/>
+            <a:ext cx="6096000" cy="769441"/>
+          </a:xfrm>
+          <a:prstGeom prst="rect">
+            <a:avLst/>
+          </a:prstGeom>
+        </p:spPr>
+        <p:txBody>
+          <a:bodyPr>
+            <a:spAutoFit/>
+          </a:bodyPr>
+          <a:lstStyle/>
+          <a:p>
+            <a:r>
+              <a:rPr lang="en-US" sz="2200" i="1" dirty="0">
+                <a:solidFill>
+                  <a:schemeClr val="accent1">
+                    <a:lumMod val="50000"/>
+                  </a:schemeClr>
+                </a:solidFill>
+                <a:cs typeface="Times New Roman" panose="02020603050405020304" pitchFamily="18" charset="0"/>
+              </a:rPr>
+              <a:t>[If we cant prove X to be a diagram or a person, then by default X is a plant]</a:t>
+            </a:r>
+            <a:endParaRPr lang="en-US" sz="2200" dirty="0">
+              <a:solidFill>
+                <a:schemeClr val="accent1">
+                  <a:lumMod val="50000"/>
+                </a:schemeClr>
+              </a:solidFill>
+              <a:cs typeface="Times New Roman" panose="02020603050405020304" pitchFamily="18" charset="0"/>
+            </a:endParaRPr>
+          </a:p>
+        </p:txBody>
+      </p:sp>
+      <p:sp>
+        <p:nvSpPr>
+          <p:cNvPr id="9" name="Rectangle 8">
+            <a:extLst>
+              <a:ext uri="{FF2B5EF4-FFF2-40B4-BE49-F238E27FC236}">
+                <a16:creationId xmlns:a16="http://schemas.microsoft.com/office/drawing/2014/main" id="{4F44A0D3-40C8-4DB8-AE4E-BAF28A274245}"/>
+              </a:ext>
+            </a:extLst>
+          </p:cNvPr>
+          <p:cNvSpPr/>
+          <p:nvPr/>
+        </p:nvSpPr>
+        <p:spPr>
+          <a:xfrm>
+            <a:off x="5632174" y="3631762"/>
+            <a:ext cx="6096000" cy="769441"/>
+          </a:xfrm>
+          <a:prstGeom prst="rect">
+            <a:avLst/>
+          </a:prstGeom>
+        </p:spPr>
+        <p:txBody>
+          <a:bodyPr>
+            <a:spAutoFit/>
+          </a:bodyPr>
+          <a:lstStyle/>
+          <a:p>
+            <a:r>
+              <a:rPr lang="en-US" sz="2200" i="1" dirty="0">
+                <a:solidFill>
+                  <a:schemeClr val="accent1">
+                    <a:lumMod val="50000"/>
+                  </a:schemeClr>
+                </a:solidFill>
+                <a:cs typeface="Times New Roman" panose="02020603050405020304" pitchFamily="18" charset="0"/>
+              </a:rPr>
+              <a:t>[If we cant prove X to be a person and X is proved to be not a plant, then by default X is a diagram]</a:t>
+            </a:r>
+            <a:endParaRPr lang="en-US" sz="2200" dirty="0">
+              <a:solidFill>
+                <a:schemeClr val="accent1">
+                  <a:lumMod val="50000"/>
+                </a:schemeClr>
+              </a:solidFill>
+              <a:cs typeface="Times New Roman" panose="02020603050405020304" pitchFamily="18" charset="0"/>
+            </a:endParaRPr>
+          </a:p>
+        </p:txBody>
+      </p:sp>
+      <p:sp>
+        <p:nvSpPr>
+          <p:cNvPr id="10" name="Rectangle 9">
+            <a:extLst>
+              <a:ext uri="{FF2B5EF4-FFF2-40B4-BE49-F238E27FC236}">
+                <a16:creationId xmlns:a16="http://schemas.microsoft.com/office/drawing/2014/main" id="{65D64096-4C55-43D8-9941-72AC4C205694}"/>
+              </a:ext>
+            </a:extLst>
+          </p:cNvPr>
+          <p:cNvSpPr/>
+          <p:nvPr/>
+        </p:nvSpPr>
+        <p:spPr>
+          <a:xfrm>
+            <a:off x="5632174" y="5078312"/>
+            <a:ext cx="6096000" cy="769441"/>
+          </a:xfrm>
+          <a:prstGeom prst="rect">
+            <a:avLst/>
+          </a:prstGeom>
+        </p:spPr>
+        <p:txBody>
+          <a:bodyPr>
+            <a:spAutoFit/>
+          </a:bodyPr>
+          <a:lstStyle/>
+          <a:p>
+            <a:r>
+              <a:rPr lang="en-US" sz="2200" i="1" dirty="0">
+                <a:solidFill>
+                  <a:schemeClr val="accent1">
+                    <a:lumMod val="50000"/>
+                  </a:schemeClr>
+                </a:solidFill>
+                <a:cs typeface="Times New Roman" panose="02020603050405020304" pitchFamily="18" charset="0"/>
+              </a:rPr>
+              <a:t>[If X is proved to be not a plant, as well as  a diagram then X is proved to be person]</a:t>
+            </a:r>
+            <a:endParaRPr lang="en-US" sz="2200" dirty="0">
+              <a:solidFill>
+                <a:schemeClr val="accent1">
+                  <a:lumMod val="50000"/>
+                </a:schemeClr>
+              </a:solidFill>
+              <a:cs typeface="Times New Roman" panose="02020603050405020304" pitchFamily="18" charset="0"/>
+            </a:endParaRPr>
+          </a:p>
+        </p:txBody>
+      </p:sp>
+    </p:spTree>
+    <p:extLst>
+      <p:ext uri="{BB962C8B-B14F-4D97-AF65-F5344CB8AC3E}">
+        <p14:creationId xmlns:p14="http://schemas.microsoft.com/office/powerpoint/2010/main" val="3456379262"/>
+      </p:ext>
+    </p:extLst>
+  </p:cSld>
+  <p:clrMapOvr>
+    <a:masterClrMapping/>
+  </p:clrMapOvr>
+</p:sld>
+</file>
+
+<file path=ppt/slides/slide76.xml><?xml version="1.0" encoding="utf-8"?>
 <p:sld xmlns:a="http://schemas.openxmlformats.org/drawingml/2006/main" xmlns:r="http://schemas.openxmlformats.org/officeDocument/2006/relationships" xmlns:p="http://schemas.openxmlformats.org/presentationml/2006/main">
   <p:cSld>
     <p:spTree>
@@ -31078,7 +32792,7 @@
 </p:sld>
 </file>
 
-<file path=ppt/slides/slide76.xml><?xml version="1.0" encoding="utf-8"?>
+<file path=ppt/slides/slide77.xml><?xml version="1.0" encoding="utf-8"?>
 <p:sld xmlns:a="http://schemas.openxmlformats.org/drawingml/2006/main" xmlns:r="http://schemas.openxmlformats.org/officeDocument/2006/relationships" xmlns:p="http://schemas.openxmlformats.org/presentationml/2006/main">
   <p:cSld>
     <p:spTree>
@@ -31182,310 +32896,6 @@
 </p:sld>
 </file>
 
-<file path=ppt/slides/slide77.xml><?xml version="1.0" encoding="utf-8"?>
-<p:sld xmlns:a="http://schemas.openxmlformats.org/drawingml/2006/main" xmlns:r="http://schemas.openxmlformats.org/officeDocument/2006/relationships" xmlns:p="http://schemas.openxmlformats.org/presentationml/2006/main">
-  <p:cSld>
-    <p:spTree>
-      <p:nvGrpSpPr>
-        <p:cNvPr id="1" name=""/>
-        <p:cNvGrpSpPr/>
-        <p:nvPr/>
-      </p:nvGrpSpPr>
-      <p:grpSpPr>
-        <a:xfrm>
-          <a:off x="0" y="0"/>
-          <a:ext cx="0" cy="0"/>
-          <a:chOff x="0" y="0"/>
-          <a:chExt cx="0" cy="0"/>
-        </a:xfrm>
-      </p:grpSpPr>
-      <p:sp>
-        <p:nvSpPr>
-          <p:cNvPr id="5" name="Rectangle 4">
-            <a:extLst>
-              <a:ext uri="{FF2B5EF4-FFF2-40B4-BE49-F238E27FC236}">
-                <a16:creationId xmlns:a16="http://schemas.microsoft.com/office/drawing/2014/main" id="{8C2198D3-9081-462D-89AA-2AE36F0B965E}"/>
-              </a:ext>
-            </a:extLst>
-          </p:cNvPr>
-          <p:cNvSpPr/>
-          <p:nvPr/>
-        </p:nvSpPr>
-        <p:spPr>
-          <a:xfrm>
-            <a:off x="0" y="0"/>
-            <a:ext cx="12192000" cy="1311965"/>
-          </a:xfrm>
-          <a:prstGeom prst="rect">
-            <a:avLst/>
-          </a:prstGeom>
-        </p:spPr>
-        <p:style>
-          <a:lnRef idx="2">
-            <a:schemeClr val="dk1">
-              <a:shade val="50000"/>
-            </a:schemeClr>
-          </a:lnRef>
-          <a:fillRef idx="1">
-            <a:schemeClr val="dk1"/>
-          </a:fillRef>
-          <a:effectRef idx="0">
-            <a:schemeClr val="dk1"/>
-          </a:effectRef>
-          <a:fontRef idx="minor">
-            <a:schemeClr val="lt1"/>
-          </a:fontRef>
-        </p:style>
-        <p:txBody>
-          <a:bodyPr rtlCol="0" anchor="ctr"/>
-          <a:lstStyle/>
-          <a:p>
-            <a:pPr algn="ctr"/>
-            <a:endParaRPr lang="en-US" dirty="0"/>
-          </a:p>
-        </p:txBody>
-      </p:sp>
-      <p:sp>
-        <p:nvSpPr>
-          <p:cNvPr id="3" name="TextBox 2">
-            <a:extLst>
-              <a:ext uri="{FF2B5EF4-FFF2-40B4-BE49-F238E27FC236}">
-                <a16:creationId xmlns:a16="http://schemas.microsoft.com/office/drawing/2014/main" id="{1980B4EC-4697-4B4F-87E9-C0E68B2BB033}"/>
-              </a:ext>
-            </a:extLst>
-          </p:cNvPr>
-          <p:cNvSpPr txBox="1"/>
-          <p:nvPr/>
-        </p:nvSpPr>
-        <p:spPr>
-          <a:xfrm>
-            <a:off x="3277516" y="332816"/>
-            <a:ext cx="5636967" cy="1200329"/>
-          </a:xfrm>
-          <a:prstGeom prst="rect">
-            <a:avLst/>
-          </a:prstGeom>
-          <a:noFill/>
-        </p:spPr>
-        <p:txBody>
-          <a:bodyPr wrap="square" rtlCol="0">
-            <a:spAutoFit/>
-          </a:bodyPr>
-          <a:lstStyle/>
-          <a:p>
-            <a:pPr algn="ctr"/>
-            <a:r>
-              <a:rPr lang="en-US" sz="3600" dirty="0">
-                <a:solidFill>
-                  <a:schemeClr val="bg1"/>
-                </a:solidFill>
-              </a:rPr>
-              <a:t>SQuAD Dataset</a:t>
-            </a:r>
-          </a:p>
-          <a:p>
-            <a:pPr algn="ctr"/>
-            <a:endParaRPr lang="en-US" sz="3600" dirty="0">
-              <a:solidFill>
-                <a:schemeClr val="bg1"/>
-              </a:solidFill>
-            </a:endParaRPr>
-          </a:p>
-        </p:txBody>
-      </p:sp>
-      <p:sp>
-        <p:nvSpPr>
-          <p:cNvPr id="4" name="Rectangle 3">
-            <a:extLst>
-              <a:ext uri="{FF2B5EF4-FFF2-40B4-BE49-F238E27FC236}">
-                <a16:creationId xmlns:a16="http://schemas.microsoft.com/office/drawing/2014/main" id="{C7651AFC-9C62-4109-A55F-725BF940BA08}"/>
-              </a:ext>
-            </a:extLst>
-          </p:cNvPr>
-          <p:cNvSpPr/>
-          <p:nvPr/>
-        </p:nvSpPr>
-        <p:spPr>
-          <a:xfrm>
-            <a:off x="590374" y="1644781"/>
-            <a:ext cx="11363087" cy="4770537"/>
-          </a:xfrm>
-          <a:prstGeom prst="rect">
-            <a:avLst/>
-          </a:prstGeom>
-        </p:spPr>
-        <p:txBody>
-          <a:bodyPr wrap="square">
-            <a:spAutoFit/>
-          </a:bodyPr>
-          <a:lstStyle/>
-          <a:p>
-            <a:pPr marL="342900" indent="-342900">
-              <a:spcAft>
-                <a:spcPts val="600"/>
-              </a:spcAft>
-              <a:buFont typeface="Arial" panose="020B0604020202020204" pitchFamily="34" charset="0"/>
-              <a:buChar char="•"/>
-            </a:pPr>
-            <a:r>
-              <a:rPr lang="en-US" sz="2200" dirty="0">
-                <a:solidFill>
-                  <a:srgbClr val="FF0000"/>
-                </a:solidFill>
-              </a:rPr>
-              <a:t>Question answering </a:t>
-            </a:r>
-            <a:r>
-              <a:rPr lang="en-US" sz="2200" dirty="0"/>
-              <a:t>is used as a task to show the efficiency of answer set programming for representing knowledge</a:t>
-            </a:r>
-          </a:p>
-          <a:p>
-            <a:pPr marL="342900" indent="-342900">
-              <a:spcAft>
-                <a:spcPts val="600"/>
-              </a:spcAft>
-              <a:buFont typeface="Arial" panose="020B0604020202020204" pitchFamily="34" charset="0"/>
-              <a:buChar char="•"/>
-            </a:pPr>
-            <a:r>
-              <a:rPr lang="en-US" sz="2200" dirty="0"/>
-              <a:t>The SQuAD Dataset contains more than </a:t>
-            </a:r>
-            <a:r>
-              <a:rPr lang="en-US" sz="2200" dirty="0">
-                <a:solidFill>
-                  <a:srgbClr val="FF0000"/>
-                </a:solidFill>
-              </a:rPr>
-              <a:t>100,000 reading comprehensions </a:t>
-            </a:r>
-            <a:r>
-              <a:rPr lang="en-US" sz="2200" dirty="0"/>
-              <a:t>along with question and answers on those reading passages. </a:t>
-            </a:r>
-          </a:p>
-          <a:p>
-            <a:pPr marL="342900" indent="-342900">
-              <a:spcAft>
-                <a:spcPts val="600"/>
-              </a:spcAft>
-              <a:buFont typeface="Arial" panose="020B0604020202020204" pitchFamily="34" charset="0"/>
-              <a:buChar char="•"/>
-            </a:pPr>
-            <a:r>
-              <a:rPr lang="en-US" sz="2200" dirty="0"/>
-              <a:t>It uses the </a:t>
-            </a:r>
-            <a:r>
-              <a:rPr lang="en-US" sz="2200" dirty="0">
-                <a:solidFill>
-                  <a:srgbClr val="FF0000"/>
-                </a:solidFill>
-              </a:rPr>
-              <a:t>top 500+ articles </a:t>
-            </a:r>
-            <a:r>
-              <a:rPr lang="en-US" sz="2200" dirty="0"/>
-              <a:t>from English Wikipedia.</a:t>
-            </a:r>
-          </a:p>
-          <a:p>
-            <a:pPr marL="342900" indent="-342900">
-              <a:spcAft>
-                <a:spcPts val="600"/>
-              </a:spcAft>
-              <a:buFont typeface="Arial" panose="020B0604020202020204" pitchFamily="34" charset="0"/>
-              <a:buChar char="•"/>
-            </a:pPr>
-            <a:r>
-              <a:rPr lang="en-US" sz="2200" dirty="0"/>
-              <a:t>A set of </a:t>
-            </a:r>
-            <a:r>
-              <a:rPr lang="en-US" sz="2200" dirty="0">
-                <a:solidFill>
-                  <a:srgbClr val="FF0000"/>
-                </a:solidFill>
-              </a:rPr>
-              <a:t>crowd workers </a:t>
-            </a:r>
-            <a:r>
-              <a:rPr lang="en-US" sz="2200" dirty="0"/>
-              <a:t>generated the questions and the set of answers. </a:t>
-            </a:r>
-          </a:p>
-          <a:p>
-            <a:pPr marL="342900" indent="-342900">
-              <a:spcAft>
-                <a:spcPts val="600"/>
-              </a:spcAft>
-              <a:buFont typeface="Arial" panose="020B0604020202020204" pitchFamily="34" charset="0"/>
-              <a:buChar char="•"/>
-            </a:pPr>
-            <a:r>
-              <a:rPr lang="en-US" sz="2200" dirty="0"/>
-              <a:t>To make the evaluation from the dataset more robust, each question was also provided with at least two additional answers.</a:t>
-            </a:r>
-          </a:p>
-          <a:p>
-            <a:pPr marL="342900" indent="-342900">
-              <a:spcAft>
-                <a:spcPts val="600"/>
-              </a:spcAft>
-              <a:buFont typeface="Arial" panose="020B0604020202020204" pitchFamily="34" charset="0"/>
-              <a:buChar char="•"/>
-            </a:pPr>
-            <a:r>
-              <a:rPr lang="en-US" sz="2200" dirty="0"/>
-              <a:t>Out of the 48 different articles in the SQuAD dev set, I choose </a:t>
-            </a:r>
-            <a:r>
-              <a:rPr lang="en-US" sz="2200" dirty="0">
-                <a:solidFill>
-                  <a:srgbClr val="FF0000"/>
-                </a:solidFill>
-              </a:rPr>
-              <a:t>20 articles </a:t>
-            </a:r>
-            <a:r>
-              <a:rPr lang="en-US" sz="2200" dirty="0"/>
-              <a:t>from different domains to help build the system.</a:t>
-            </a:r>
-          </a:p>
-          <a:p>
-            <a:pPr marL="342900" indent="-342900">
-              <a:buFont typeface="Arial" panose="020B0604020202020204" pitchFamily="34" charset="0"/>
-              <a:buChar char="•"/>
-            </a:pPr>
-            <a:r>
-              <a:rPr lang="en-US" sz="2200" dirty="0"/>
-              <a:t>We can roughly categorize these articles into 5 different categories: </a:t>
-            </a:r>
-            <a:r>
-              <a:rPr lang="en-US" sz="2200" dirty="0">
-                <a:solidFill>
-                  <a:srgbClr val="FF0000"/>
-                </a:solidFill>
-              </a:rPr>
-              <a:t>People articles, Scientific articles, Project/Event articles, Region articles and Misc. articles.</a:t>
-            </a:r>
-          </a:p>
-        </p:txBody>
-      </p:sp>
-    </p:spTree>
-    <p:extLst>
-      <p:ext uri="{BB962C8B-B14F-4D97-AF65-F5344CB8AC3E}">
-        <p14:creationId xmlns:p14="http://schemas.microsoft.com/office/powerpoint/2010/main" val="3787535435"/>
-      </p:ext>
-    </p:extLst>
-  </p:cSld>
-  <p:clrMapOvr>
-    <a:masterClrMapping/>
-  </p:clrMapOvr>
-</p:sld>
-</file>
-
 <file path=ppt/slides/slide78.xml><?xml version="1.0" encoding="utf-8"?>
 <p:sld xmlns:a="http://schemas.openxmlformats.org/drawingml/2006/main" xmlns:r="http://schemas.openxmlformats.org/officeDocument/2006/relationships" xmlns:p="http://schemas.openxmlformats.org/presentationml/2006/main">
   <p:cSld>
@@ -31612,6 +33022,310 @@
         <p:spPr>
           <a:xfrm>
             <a:off x="590374" y="1644781"/>
+            <a:ext cx="11363087" cy="4770537"/>
+          </a:xfrm>
+          <a:prstGeom prst="rect">
+            <a:avLst/>
+          </a:prstGeom>
+        </p:spPr>
+        <p:txBody>
+          <a:bodyPr wrap="square">
+            <a:spAutoFit/>
+          </a:bodyPr>
+          <a:lstStyle/>
+          <a:p>
+            <a:pPr marL="342900" indent="-342900">
+              <a:spcAft>
+                <a:spcPts val="600"/>
+              </a:spcAft>
+              <a:buFont typeface="Arial" panose="020B0604020202020204" pitchFamily="34" charset="0"/>
+              <a:buChar char="•"/>
+            </a:pPr>
+            <a:r>
+              <a:rPr lang="en-US" sz="2200" dirty="0">
+                <a:solidFill>
+                  <a:srgbClr val="FF0000"/>
+                </a:solidFill>
+              </a:rPr>
+              <a:t>Question answering </a:t>
+            </a:r>
+            <a:r>
+              <a:rPr lang="en-US" sz="2200" dirty="0"/>
+              <a:t>is used as a task to show the efficiency of answer set programming for representing knowledge</a:t>
+            </a:r>
+          </a:p>
+          <a:p>
+            <a:pPr marL="342900" indent="-342900">
+              <a:spcAft>
+                <a:spcPts val="600"/>
+              </a:spcAft>
+              <a:buFont typeface="Arial" panose="020B0604020202020204" pitchFamily="34" charset="0"/>
+              <a:buChar char="•"/>
+            </a:pPr>
+            <a:r>
+              <a:rPr lang="en-US" sz="2200" dirty="0"/>
+              <a:t>The SQuAD Dataset contains more than </a:t>
+            </a:r>
+            <a:r>
+              <a:rPr lang="en-US" sz="2200" dirty="0">
+                <a:solidFill>
+                  <a:srgbClr val="FF0000"/>
+                </a:solidFill>
+              </a:rPr>
+              <a:t>100,000 reading comprehensions </a:t>
+            </a:r>
+            <a:r>
+              <a:rPr lang="en-US" sz="2200" dirty="0"/>
+              <a:t>along with question and answers on those reading passages. </a:t>
+            </a:r>
+          </a:p>
+          <a:p>
+            <a:pPr marL="342900" indent="-342900">
+              <a:spcAft>
+                <a:spcPts val="600"/>
+              </a:spcAft>
+              <a:buFont typeface="Arial" panose="020B0604020202020204" pitchFamily="34" charset="0"/>
+              <a:buChar char="•"/>
+            </a:pPr>
+            <a:r>
+              <a:rPr lang="en-US" sz="2200" dirty="0"/>
+              <a:t>It uses the </a:t>
+            </a:r>
+            <a:r>
+              <a:rPr lang="en-US" sz="2200" dirty="0">
+                <a:solidFill>
+                  <a:srgbClr val="FF0000"/>
+                </a:solidFill>
+              </a:rPr>
+              <a:t>top 500+ articles </a:t>
+            </a:r>
+            <a:r>
+              <a:rPr lang="en-US" sz="2200" dirty="0"/>
+              <a:t>from English Wikipedia.</a:t>
+            </a:r>
+          </a:p>
+          <a:p>
+            <a:pPr marL="342900" indent="-342900">
+              <a:spcAft>
+                <a:spcPts val="600"/>
+              </a:spcAft>
+              <a:buFont typeface="Arial" panose="020B0604020202020204" pitchFamily="34" charset="0"/>
+              <a:buChar char="•"/>
+            </a:pPr>
+            <a:r>
+              <a:rPr lang="en-US" sz="2200" dirty="0"/>
+              <a:t>A set of </a:t>
+            </a:r>
+            <a:r>
+              <a:rPr lang="en-US" sz="2200" dirty="0">
+                <a:solidFill>
+                  <a:srgbClr val="FF0000"/>
+                </a:solidFill>
+              </a:rPr>
+              <a:t>crowd workers </a:t>
+            </a:r>
+            <a:r>
+              <a:rPr lang="en-US" sz="2200" dirty="0"/>
+              <a:t>generated the questions and the set of answers. </a:t>
+            </a:r>
+          </a:p>
+          <a:p>
+            <a:pPr marL="342900" indent="-342900">
+              <a:spcAft>
+                <a:spcPts val="600"/>
+              </a:spcAft>
+              <a:buFont typeface="Arial" panose="020B0604020202020204" pitchFamily="34" charset="0"/>
+              <a:buChar char="•"/>
+            </a:pPr>
+            <a:r>
+              <a:rPr lang="en-US" sz="2200" dirty="0"/>
+              <a:t>To make the evaluation from the dataset more robust, each question was also provided with at least two additional answers.</a:t>
+            </a:r>
+          </a:p>
+          <a:p>
+            <a:pPr marL="342900" indent="-342900">
+              <a:spcAft>
+                <a:spcPts val="600"/>
+              </a:spcAft>
+              <a:buFont typeface="Arial" panose="020B0604020202020204" pitchFamily="34" charset="0"/>
+              <a:buChar char="•"/>
+            </a:pPr>
+            <a:r>
+              <a:rPr lang="en-US" sz="2200" dirty="0"/>
+              <a:t>Out of the 48 different articles in the SQuAD dev set, I choose </a:t>
+            </a:r>
+            <a:r>
+              <a:rPr lang="en-US" sz="2200" dirty="0">
+                <a:solidFill>
+                  <a:srgbClr val="FF0000"/>
+                </a:solidFill>
+              </a:rPr>
+              <a:t>20 articles </a:t>
+            </a:r>
+            <a:r>
+              <a:rPr lang="en-US" sz="2200" dirty="0"/>
+              <a:t>from different domains to help build the system.</a:t>
+            </a:r>
+          </a:p>
+          <a:p>
+            <a:pPr marL="342900" indent="-342900">
+              <a:buFont typeface="Arial" panose="020B0604020202020204" pitchFamily="34" charset="0"/>
+              <a:buChar char="•"/>
+            </a:pPr>
+            <a:r>
+              <a:rPr lang="en-US" sz="2200" dirty="0"/>
+              <a:t>We can roughly categorize these articles into 5 different categories: </a:t>
+            </a:r>
+            <a:r>
+              <a:rPr lang="en-US" sz="2200" dirty="0">
+                <a:solidFill>
+                  <a:srgbClr val="FF0000"/>
+                </a:solidFill>
+              </a:rPr>
+              <a:t>People articles, Scientific articles, Project/Event articles, Region articles and Misc. articles.</a:t>
+            </a:r>
+          </a:p>
+        </p:txBody>
+      </p:sp>
+    </p:spTree>
+    <p:extLst>
+      <p:ext uri="{BB962C8B-B14F-4D97-AF65-F5344CB8AC3E}">
+        <p14:creationId xmlns:p14="http://schemas.microsoft.com/office/powerpoint/2010/main" val="3787535435"/>
+      </p:ext>
+    </p:extLst>
+  </p:cSld>
+  <p:clrMapOvr>
+    <a:masterClrMapping/>
+  </p:clrMapOvr>
+</p:sld>
+</file>
+
+<file path=ppt/slides/slide79.xml><?xml version="1.0" encoding="utf-8"?>
+<p:sld xmlns:a="http://schemas.openxmlformats.org/drawingml/2006/main" xmlns:r="http://schemas.openxmlformats.org/officeDocument/2006/relationships" xmlns:p="http://schemas.openxmlformats.org/presentationml/2006/main">
+  <p:cSld>
+    <p:spTree>
+      <p:nvGrpSpPr>
+        <p:cNvPr id="1" name=""/>
+        <p:cNvGrpSpPr/>
+        <p:nvPr/>
+      </p:nvGrpSpPr>
+      <p:grpSpPr>
+        <a:xfrm>
+          <a:off x="0" y="0"/>
+          <a:ext cx="0" cy="0"/>
+          <a:chOff x="0" y="0"/>
+          <a:chExt cx="0" cy="0"/>
+        </a:xfrm>
+      </p:grpSpPr>
+      <p:sp>
+        <p:nvSpPr>
+          <p:cNvPr id="5" name="Rectangle 4">
+            <a:extLst>
+              <a:ext uri="{FF2B5EF4-FFF2-40B4-BE49-F238E27FC236}">
+                <a16:creationId xmlns:a16="http://schemas.microsoft.com/office/drawing/2014/main" id="{8C2198D3-9081-462D-89AA-2AE36F0B965E}"/>
+              </a:ext>
+            </a:extLst>
+          </p:cNvPr>
+          <p:cNvSpPr/>
+          <p:nvPr/>
+        </p:nvSpPr>
+        <p:spPr>
+          <a:xfrm>
+            <a:off x="0" y="0"/>
+            <a:ext cx="12192000" cy="1311965"/>
+          </a:xfrm>
+          <a:prstGeom prst="rect">
+            <a:avLst/>
+          </a:prstGeom>
+        </p:spPr>
+        <p:style>
+          <a:lnRef idx="2">
+            <a:schemeClr val="dk1">
+              <a:shade val="50000"/>
+            </a:schemeClr>
+          </a:lnRef>
+          <a:fillRef idx="1">
+            <a:schemeClr val="dk1"/>
+          </a:fillRef>
+          <a:effectRef idx="0">
+            <a:schemeClr val="dk1"/>
+          </a:effectRef>
+          <a:fontRef idx="minor">
+            <a:schemeClr val="lt1"/>
+          </a:fontRef>
+        </p:style>
+        <p:txBody>
+          <a:bodyPr rtlCol="0" anchor="ctr"/>
+          <a:lstStyle/>
+          <a:p>
+            <a:pPr algn="ctr"/>
+            <a:endParaRPr lang="en-US" dirty="0"/>
+          </a:p>
+        </p:txBody>
+      </p:sp>
+      <p:sp>
+        <p:nvSpPr>
+          <p:cNvPr id="3" name="TextBox 2">
+            <a:extLst>
+              <a:ext uri="{FF2B5EF4-FFF2-40B4-BE49-F238E27FC236}">
+                <a16:creationId xmlns:a16="http://schemas.microsoft.com/office/drawing/2014/main" id="{1980B4EC-4697-4B4F-87E9-C0E68B2BB033}"/>
+              </a:ext>
+            </a:extLst>
+          </p:cNvPr>
+          <p:cNvSpPr txBox="1"/>
+          <p:nvPr/>
+        </p:nvSpPr>
+        <p:spPr>
+          <a:xfrm>
+            <a:off x="3277516" y="332816"/>
+            <a:ext cx="5636967" cy="1200329"/>
+          </a:xfrm>
+          <a:prstGeom prst="rect">
+            <a:avLst/>
+          </a:prstGeom>
+          <a:noFill/>
+        </p:spPr>
+        <p:txBody>
+          <a:bodyPr wrap="square" rtlCol="0">
+            <a:spAutoFit/>
+          </a:bodyPr>
+          <a:lstStyle/>
+          <a:p>
+            <a:pPr algn="ctr"/>
+            <a:r>
+              <a:rPr lang="en-US" sz="3600" dirty="0">
+                <a:solidFill>
+                  <a:schemeClr val="bg1"/>
+                </a:solidFill>
+              </a:rPr>
+              <a:t>SQuAD Dataset</a:t>
+            </a:r>
+          </a:p>
+          <a:p>
+            <a:pPr algn="ctr"/>
+            <a:endParaRPr lang="en-US" sz="3600" dirty="0">
+              <a:solidFill>
+                <a:schemeClr val="bg1"/>
+              </a:solidFill>
+            </a:endParaRPr>
+          </a:p>
+        </p:txBody>
+      </p:sp>
+      <p:sp>
+        <p:nvSpPr>
+          <p:cNvPr id="4" name="Rectangle 3">
+            <a:extLst>
+              <a:ext uri="{FF2B5EF4-FFF2-40B4-BE49-F238E27FC236}">
+                <a16:creationId xmlns:a16="http://schemas.microsoft.com/office/drawing/2014/main" id="{C7651AFC-9C62-4109-A55F-725BF940BA08}"/>
+              </a:ext>
+            </a:extLst>
+          </p:cNvPr>
+          <p:cNvSpPr/>
+          <p:nvPr/>
+        </p:nvSpPr>
+        <p:spPr>
+          <a:xfrm>
+            <a:off x="590374" y="1644781"/>
             <a:ext cx="11363087" cy="4201150"/>
           </a:xfrm>
           <a:prstGeom prst="rect">
@@ -31701,7 +33415,266 @@
 </p:sld>
 </file>
 
-<file path=ppt/slides/slide79.xml><?xml version="1.0" encoding="utf-8"?>
+<file path=ppt/slides/slide8.xml><?xml version="1.0" encoding="utf-8"?>
+<p:sld xmlns:a="http://schemas.openxmlformats.org/drawingml/2006/main" xmlns:r="http://schemas.openxmlformats.org/officeDocument/2006/relationships" xmlns:p="http://schemas.openxmlformats.org/presentationml/2006/main">
+  <p:cSld>
+    <p:spTree>
+      <p:nvGrpSpPr>
+        <p:cNvPr id="1" name=""/>
+        <p:cNvGrpSpPr/>
+        <p:nvPr/>
+      </p:nvGrpSpPr>
+      <p:grpSpPr>
+        <a:xfrm>
+          <a:off x="0" y="0"/>
+          <a:ext cx="0" cy="0"/>
+          <a:chOff x="0" y="0"/>
+          <a:chExt cx="0" cy="0"/>
+        </a:xfrm>
+      </p:grpSpPr>
+      <p:sp>
+        <p:nvSpPr>
+          <p:cNvPr id="5" name="Rectangle 4">
+            <a:extLst>
+              <a:ext uri="{FF2B5EF4-FFF2-40B4-BE49-F238E27FC236}">
+                <a16:creationId xmlns:a16="http://schemas.microsoft.com/office/drawing/2014/main" id="{8C2198D3-9081-462D-89AA-2AE36F0B965E}"/>
+              </a:ext>
+            </a:extLst>
+          </p:cNvPr>
+          <p:cNvSpPr/>
+          <p:nvPr/>
+        </p:nvSpPr>
+        <p:spPr>
+          <a:xfrm>
+            <a:off x="0" y="0"/>
+            <a:ext cx="12192000" cy="1311965"/>
+          </a:xfrm>
+          <a:prstGeom prst="rect">
+            <a:avLst/>
+          </a:prstGeom>
+        </p:spPr>
+        <p:style>
+          <a:lnRef idx="2">
+            <a:schemeClr val="dk1">
+              <a:shade val="50000"/>
+            </a:schemeClr>
+          </a:lnRef>
+          <a:fillRef idx="1">
+            <a:schemeClr val="dk1"/>
+          </a:fillRef>
+          <a:effectRef idx="0">
+            <a:schemeClr val="dk1"/>
+          </a:effectRef>
+          <a:fontRef idx="minor">
+            <a:schemeClr val="lt1"/>
+          </a:fontRef>
+        </p:style>
+        <p:txBody>
+          <a:bodyPr rtlCol="0" anchor="ctr"/>
+          <a:lstStyle/>
+          <a:p>
+            <a:pPr algn="ctr"/>
+            <a:endParaRPr lang="en-US" dirty="0"/>
+          </a:p>
+        </p:txBody>
+      </p:sp>
+      <p:sp>
+        <p:nvSpPr>
+          <p:cNvPr id="3" name="TextBox 2">
+            <a:extLst>
+              <a:ext uri="{FF2B5EF4-FFF2-40B4-BE49-F238E27FC236}">
+                <a16:creationId xmlns:a16="http://schemas.microsoft.com/office/drawing/2014/main" id="{1980B4EC-4697-4B4F-87E9-C0E68B2BB033}"/>
+              </a:ext>
+            </a:extLst>
+          </p:cNvPr>
+          <p:cNvSpPr txBox="1"/>
+          <p:nvPr/>
+        </p:nvSpPr>
+        <p:spPr>
+          <a:xfrm>
+            <a:off x="3202470" y="332816"/>
+            <a:ext cx="5490956" cy="646331"/>
+          </a:xfrm>
+          <a:prstGeom prst="rect">
+            <a:avLst/>
+          </a:prstGeom>
+          <a:noFill/>
+        </p:spPr>
+        <p:txBody>
+          <a:bodyPr wrap="square" rtlCol="0">
+            <a:spAutoFit/>
+          </a:bodyPr>
+          <a:lstStyle/>
+          <a:p>
+            <a:pPr algn="ctr"/>
+            <a:r>
+              <a:rPr lang="en-US" sz="3600" dirty="0">
+                <a:ln w="0"/>
+                <a:solidFill>
+                  <a:schemeClr val="bg1"/>
+                </a:solidFill>
+              </a:rPr>
+              <a:t>Knowledge Representation</a:t>
+            </a:r>
+          </a:p>
+        </p:txBody>
+      </p:sp>
+      <p:sp>
+        <p:nvSpPr>
+          <p:cNvPr id="4" name="Rectangle 3">
+            <a:extLst>
+              <a:ext uri="{FF2B5EF4-FFF2-40B4-BE49-F238E27FC236}">
+                <a16:creationId xmlns:a16="http://schemas.microsoft.com/office/drawing/2014/main" id="{B90E24EC-812D-4525-A931-F0C209C96274}"/>
+              </a:ext>
+            </a:extLst>
+          </p:cNvPr>
+          <p:cNvSpPr/>
+          <p:nvPr/>
+        </p:nvSpPr>
+        <p:spPr>
+          <a:xfrm>
+            <a:off x="450573" y="1644781"/>
+            <a:ext cx="10721010" cy="4401205"/>
+          </a:xfrm>
+          <a:prstGeom prst="rect">
+            <a:avLst/>
+          </a:prstGeom>
+        </p:spPr>
+        <p:txBody>
+          <a:bodyPr wrap="square">
+            <a:spAutoFit/>
+          </a:bodyPr>
+          <a:lstStyle/>
+          <a:p>
+            <a:pPr marL="457200" indent="-457200" algn="just">
+              <a:spcAft>
+                <a:spcPts val="1200"/>
+              </a:spcAft>
+              <a:buFont typeface="Arial" panose="020B0604020202020204" pitchFamily="34" charset="0"/>
+              <a:buChar char="•"/>
+              <a:defRPr/>
+            </a:pPr>
+            <a:r>
+              <a:rPr lang="en-US" altLang="en-US" sz="2400" dirty="0"/>
+              <a:t>Many of the knowledge resources available today are in an </a:t>
+            </a:r>
+            <a:r>
+              <a:rPr lang="en-US" altLang="en-US" sz="2400" dirty="0">
+                <a:solidFill>
+                  <a:srgbClr val="FF0000"/>
+                </a:solidFill>
+              </a:rPr>
+              <a:t>unstructured format</a:t>
+            </a:r>
+          </a:p>
+          <a:p>
+            <a:pPr marL="457200" indent="-457200" algn="just">
+              <a:spcAft>
+                <a:spcPts val="1200"/>
+              </a:spcAft>
+              <a:buFont typeface="Arial" panose="020B0604020202020204" pitchFamily="34" charset="0"/>
+              <a:buChar char="•"/>
+              <a:defRPr/>
+            </a:pPr>
+            <a:r>
+              <a:rPr lang="en-US" altLang="en-US" sz="2400" dirty="0"/>
+              <a:t>These are either in the form of </a:t>
+            </a:r>
+            <a:r>
+              <a:rPr lang="en-US" altLang="en-US" sz="2400" dirty="0">
+                <a:solidFill>
+                  <a:srgbClr val="FF0000"/>
+                </a:solidFill>
+              </a:rPr>
+              <a:t>written documents </a:t>
+            </a:r>
+            <a:r>
+              <a:rPr lang="en-US" altLang="en-US" sz="2400" dirty="0"/>
+              <a:t>or in the form of </a:t>
+            </a:r>
+            <a:r>
+              <a:rPr lang="en-US" altLang="en-US" sz="2400" dirty="0">
+                <a:solidFill>
+                  <a:srgbClr val="FF0000"/>
+                </a:solidFill>
+              </a:rPr>
+              <a:t>articles on websites</a:t>
+            </a:r>
+            <a:r>
+              <a:rPr lang="en-US" altLang="en-US" sz="2400" dirty="0"/>
+              <a:t> like Wikipedia.</a:t>
+            </a:r>
+          </a:p>
+          <a:p>
+            <a:pPr marL="457200" indent="-457200" algn="just">
+              <a:spcAft>
+                <a:spcPts val="1200"/>
+              </a:spcAft>
+              <a:buFont typeface="Arial" panose="020B0604020202020204" pitchFamily="34" charset="0"/>
+              <a:buChar char="•"/>
+              <a:defRPr/>
+            </a:pPr>
+            <a:r>
+              <a:rPr lang="en-US" altLang="en-US" sz="2400" dirty="0"/>
+              <a:t>Many tasks that need automation like many of the tasks in NLP would benefit from having this information in the form of structured data.</a:t>
+            </a:r>
+          </a:p>
+          <a:p>
+            <a:pPr marL="457200" indent="-457200" algn="just">
+              <a:spcAft>
+                <a:spcPts val="1200"/>
+              </a:spcAft>
+              <a:buFont typeface="Arial" panose="020B0604020202020204" pitchFamily="34" charset="0"/>
+              <a:buChar char="•"/>
+              <a:defRPr/>
+            </a:pPr>
+            <a:r>
+              <a:rPr lang="en-US" altLang="en-US" sz="2400" dirty="0"/>
+              <a:t>With the help of formalisms like </a:t>
+            </a:r>
+            <a:r>
+              <a:rPr lang="en-US" altLang="en-US" sz="2400" dirty="0">
+                <a:solidFill>
+                  <a:srgbClr val="FF0000"/>
+                </a:solidFill>
+              </a:rPr>
+              <a:t>event calculus </a:t>
+            </a:r>
+            <a:r>
+              <a:rPr lang="en-US" altLang="en-US" sz="2400" dirty="0"/>
+              <a:t>as mentioned in this thesis, ASP could prove to be a helpful paradigm for representing textual knowledge and reasoning with it.</a:t>
+            </a:r>
+          </a:p>
+          <a:p>
+            <a:pPr marL="457200" indent="-457200" algn="just">
+              <a:spcAft>
+                <a:spcPts val="1200"/>
+              </a:spcAft>
+              <a:buFont typeface="Arial" panose="020B0604020202020204" pitchFamily="34" charset="0"/>
+              <a:buChar char="•"/>
+              <a:defRPr/>
+            </a:pPr>
+            <a:r>
+              <a:rPr lang="en-US" altLang="en-US" sz="2400" dirty="0"/>
+              <a:t>Thus, in the rest of the presentation there has been an attempt to represent unstructured data into a generic but some what structured format.</a:t>
+            </a:r>
+          </a:p>
+        </p:txBody>
+      </p:sp>
+    </p:spTree>
+    <p:extLst>
+      <p:ext uri="{BB962C8B-B14F-4D97-AF65-F5344CB8AC3E}">
+        <p14:creationId xmlns:p14="http://schemas.microsoft.com/office/powerpoint/2010/main" val="1967491213"/>
+      </p:ext>
+    </p:extLst>
+  </p:cSld>
+  <p:clrMapOvr>
+    <a:masterClrMapping/>
+  </p:clrMapOvr>
+</p:sld>
+</file>
+
+<file path=ppt/slides/slide80.xml><?xml version="1.0" encoding="utf-8"?>
 <p:sld xmlns:a="http://schemas.openxmlformats.org/drawingml/2006/main" xmlns:r="http://schemas.openxmlformats.org/officeDocument/2006/relationships" xmlns:p="http://schemas.openxmlformats.org/presentationml/2006/main">
   <p:cSld>
     <p:spTree>
@@ -37371,266 +39344,7 @@
 </p:sld>
 </file>
 
-<file path=ppt/slides/slide8.xml><?xml version="1.0" encoding="utf-8"?>
-<p:sld xmlns:a="http://schemas.openxmlformats.org/drawingml/2006/main" xmlns:r="http://schemas.openxmlformats.org/officeDocument/2006/relationships" xmlns:p="http://schemas.openxmlformats.org/presentationml/2006/main">
-  <p:cSld>
-    <p:spTree>
-      <p:nvGrpSpPr>
-        <p:cNvPr id="1" name=""/>
-        <p:cNvGrpSpPr/>
-        <p:nvPr/>
-      </p:nvGrpSpPr>
-      <p:grpSpPr>
-        <a:xfrm>
-          <a:off x="0" y="0"/>
-          <a:ext cx="0" cy="0"/>
-          <a:chOff x="0" y="0"/>
-          <a:chExt cx="0" cy="0"/>
-        </a:xfrm>
-      </p:grpSpPr>
-      <p:sp>
-        <p:nvSpPr>
-          <p:cNvPr id="5" name="Rectangle 4">
-            <a:extLst>
-              <a:ext uri="{FF2B5EF4-FFF2-40B4-BE49-F238E27FC236}">
-                <a16:creationId xmlns:a16="http://schemas.microsoft.com/office/drawing/2014/main" id="{8C2198D3-9081-462D-89AA-2AE36F0B965E}"/>
-              </a:ext>
-            </a:extLst>
-          </p:cNvPr>
-          <p:cNvSpPr/>
-          <p:nvPr/>
-        </p:nvSpPr>
-        <p:spPr>
-          <a:xfrm>
-            <a:off x="0" y="0"/>
-            <a:ext cx="12192000" cy="1311965"/>
-          </a:xfrm>
-          <a:prstGeom prst="rect">
-            <a:avLst/>
-          </a:prstGeom>
-        </p:spPr>
-        <p:style>
-          <a:lnRef idx="2">
-            <a:schemeClr val="dk1">
-              <a:shade val="50000"/>
-            </a:schemeClr>
-          </a:lnRef>
-          <a:fillRef idx="1">
-            <a:schemeClr val="dk1"/>
-          </a:fillRef>
-          <a:effectRef idx="0">
-            <a:schemeClr val="dk1"/>
-          </a:effectRef>
-          <a:fontRef idx="minor">
-            <a:schemeClr val="lt1"/>
-          </a:fontRef>
-        </p:style>
-        <p:txBody>
-          <a:bodyPr rtlCol="0" anchor="ctr"/>
-          <a:lstStyle/>
-          <a:p>
-            <a:pPr algn="ctr"/>
-            <a:endParaRPr lang="en-US" dirty="0"/>
-          </a:p>
-        </p:txBody>
-      </p:sp>
-      <p:sp>
-        <p:nvSpPr>
-          <p:cNvPr id="3" name="TextBox 2">
-            <a:extLst>
-              <a:ext uri="{FF2B5EF4-FFF2-40B4-BE49-F238E27FC236}">
-                <a16:creationId xmlns:a16="http://schemas.microsoft.com/office/drawing/2014/main" id="{1980B4EC-4697-4B4F-87E9-C0E68B2BB033}"/>
-              </a:ext>
-            </a:extLst>
-          </p:cNvPr>
-          <p:cNvSpPr txBox="1"/>
-          <p:nvPr/>
-        </p:nvSpPr>
-        <p:spPr>
-          <a:xfrm>
-            <a:off x="3202470" y="332816"/>
-            <a:ext cx="5490956" cy="646331"/>
-          </a:xfrm>
-          <a:prstGeom prst="rect">
-            <a:avLst/>
-          </a:prstGeom>
-          <a:noFill/>
-        </p:spPr>
-        <p:txBody>
-          <a:bodyPr wrap="square" rtlCol="0">
-            <a:spAutoFit/>
-          </a:bodyPr>
-          <a:lstStyle/>
-          <a:p>
-            <a:pPr algn="ctr"/>
-            <a:r>
-              <a:rPr lang="en-US" sz="3600" dirty="0">
-                <a:ln w="0"/>
-                <a:solidFill>
-                  <a:schemeClr val="bg1"/>
-                </a:solidFill>
-              </a:rPr>
-              <a:t>Knowledge Representation</a:t>
-            </a:r>
-          </a:p>
-        </p:txBody>
-      </p:sp>
-      <p:sp>
-        <p:nvSpPr>
-          <p:cNvPr id="4" name="Rectangle 3">
-            <a:extLst>
-              <a:ext uri="{FF2B5EF4-FFF2-40B4-BE49-F238E27FC236}">
-                <a16:creationId xmlns:a16="http://schemas.microsoft.com/office/drawing/2014/main" id="{B90E24EC-812D-4525-A931-F0C209C96274}"/>
-              </a:ext>
-            </a:extLst>
-          </p:cNvPr>
-          <p:cNvSpPr/>
-          <p:nvPr/>
-        </p:nvSpPr>
-        <p:spPr>
-          <a:xfrm>
-            <a:off x="450573" y="1644781"/>
-            <a:ext cx="10721010" cy="4401205"/>
-          </a:xfrm>
-          <a:prstGeom prst="rect">
-            <a:avLst/>
-          </a:prstGeom>
-        </p:spPr>
-        <p:txBody>
-          <a:bodyPr wrap="square">
-            <a:spAutoFit/>
-          </a:bodyPr>
-          <a:lstStyle/>
-          <a:p>
-            <a:pPr marL="457200" indent="-457200" algn="just">
-              <a:spcAft>
-                <a:spcPts val="1200"/>
-              </a:spcAft>
-              <a:buFont typeface="Arial" panose="020B0604020202020204" pitchFamily="34" charset="0"/>
-              <a:buChar char="•"/>
-              <a:defRPr/>
-            </a:pPr>
-            <a:r>
-              <a:rPr lang="en-US" altLang="en-US" sz="2400" dirty="0"/>
-              <a:t>Many of the knowledge resources available today are in an </a:t>
-            </a:r>
-            <a:r>
-              <a:rPr lang="en-US" altLang="en-US" sz="2400" dirty="0">
-                <a:solidFill>
-                  <a:srgbClr val="FF0000"/>
-                </a:solidFill>
-              </a:rPr>
-              <a:t>unstructured format</a:t>
-            </a:r>
-          </a:p>
-          <a:p>
-            <a:pPr marL="457200" indent="-457200" algn="just">
-              <a:spcAft>
-                <a:spcPts val="1200"/>
-              </a:spcAft>
-              <a:buFont typeface="Arial" panose="020B0604020202020204" pitchFamily="34" charset="0"/>
-              <a:buChar char="•"/>
-              <a:defRPr/>
-            </a:pPr>
-            <a:r>
-              <a:rPr lang="en-US" altLang="en-US" sz="2400" dirty="0"/>
-              <a:t>These are either in the form of </a:t>
-            </a:r>
-            <a:r>
-              <a:rPr lang="en-US" altLang="en-US" sz="2400" dirty="0">
-                <a:solidFill>
-                  <a:srgbClr val="FF0000"/>
-                </a:solidFill>
-              </a:rPr>
-              <a:t>written documents </a:t>
-            </a:r>
-            <a:r>
-              <a:rPr lang="en-US" altLang="en-US" sz="2400" dirty="0"/>
-              <a:t>or in the form of </a:t>
-            </a:r>
-            <a:r>
-              <a:rPr lang="en-US" altLang="en-US" sz="2400" dirty="0">
-                <a:solidFill>
-                  <a:srgbClr val="FF0000"/>
-                </a:solidFill>
-              </a:rPr>
-              <a:t>articles on websites</a:t>
-            </a:r>
-            <a:r>
-              <a:rPr lang="en-US" altLang="en-US" sz="2400" dirty="0"/>
-              <a:t> like Wikipedia.</a:t>
-            </a:r>
-          </a:p>
-          <a:p>
-            <a:pPr marL="457200" indent="-457200" algn="just">
-              <a:spcAft>
-                <a:spcPts val="1200"/>
-              </a:spcAft>
-              <a:buFont typeface="Arial" panose="020B0604020202020204" pitchFamily="34" charset="0"/>
-              <a:buChar char="•"/>
-              <a:defRPr/>
-            </a:pPr>
-            <a:r>
-              <a:rPr lang="en-US" altLang="en-US" sz="2400" dirty="0"/>
-              <a:t>Many tasks that need automation like many of the tasks in NLP would benefit from having this information in the form of structured data.</a:t>
-            </a:r>
-          </a:p>
-          <a:p>
-            <a:pPr marL="457200" indent="-457200" algn="just">
-              <a:spcAft>
-                <a:spcPts val="1200"/>
-              </a:spcAft>
-              <a:buFont typeface="Arial" panose="020B0604020202020204" pitchFamily="34" charset="0"/>
-              <a:buChar char="•"/>
-              <a:defRPr/>
-            </a:pPr>
-            <a:r>
-              <a:rPr lang="en-US" altLang="en-US" sz="2400" dirty="0"/>
-              <a:t>With the help of formalisms like </a:t>
-            </a:r>
-            <a:r>
-              <a:rPr lang="en-US" altLang="en-US" sz="2400" dirty="0">
-                <a:solidFill>
-                  <a:srgbClr val="FF0000"/>
-                </a:solidFill>
-              </a:rPr>
-              <a:t>event calculus </a:t>
-            </a:r>
-            <a:r>
-              <a:rPr lang="en-US" altLang="en-US" sz="2400" dirty="0"/>
-              <a:t>as mentioned in this thesis, ASP could prove to be a helpful paradigm for representing textual knowledge and reasoning with it.</a:t>
-            </a:r>
-          </a:p>
-          <a:p>
-            <a:pPr marL="457200" indent="-457200" algn="just">
-              <a:spcAft>
-                <a:spcPts val="1200"/>
-              </a:spcAft>
-              <a:buFont typeface="Arial" panose="020B0604020202020204" pitchFamily="34" charset="0"/>
-              <a:buChar char="•"/>
-              <a:defRPr/>
-            </a:pPr>
-            <a:r>
-              <a:rPr lang="en-US" altLang="en-US" sz="2400" dirty="0"/>
-              <a:t>Thus, in the rest of the presentation there has been an attempt to represent unstructured data into a generic but some what structured format.</a:t>
-            </a:r>
-          </a:p>
-        </p:txBody>
-      </p:sp>
-    </p:spTree>
-    <p:extLst>
-      <p:ext uri="{BB962C8B-B14F-4D97-AF65-F5344CB8AC3E}">
-        <p14:creationId xmlns:p14="http://schemas.microsoft.com/office/powerpoint/2010/main" val="1967491213"/>
-      </p:ext>
-    </p:extLst>
-  </p:cSld>
-  <p:clrMapOvr>
-    <a:masterClrMapping/>
-  </p:clrMapOvr>
-</p:sld>
-</file>
-
-<file path=ppt/slides/slide80.xml><?xml version="1.0" encoding="utf-8"?>
+<file path=ppt/slides/slide81.xml><?xml version="1.0" encoding="utf-8"?>
 <p:sld xmlns:a="http://schemas.openxmlformats.org/drawingml/2006/main" xmlns:r="http://schemas.openxmlformats.org/officeDocument/2006/relationships" xmlns:p="http://schemas.openxmlformats.org/presentationml/2006/main">
   <p:cSld>
     <p:spTree>
@@ -37734,7 +39448,7 @@
 </p:sld>
 </file>
 
-<file path=ppt/slides/slide81.xml><?xml version="1.0" encoding="utf-8"?>
+<file path=ppt/slides/slide82.xml><?xml version="1.0" encoding="utf-8"?>
 <p:sld xmlns:a="http://schemas.openxmlformats.org/drawingml/2006/main" xmlns:r="http://schemas.openxmlformats.org/officeDocument/2006/relationships" xmlns:p="http://schemas.openxmlformats.org/presentationml/2006/main">
   <p:cSld>
     <p:spTree>
@@ -38554,7 +40268,7 @@
 </p:sld>
 </file>
 
-<file path=ppt/slides/slide82.xml><?xml version="1.0" encoding="utf-8"?>
+<file path=ppt/slides/slide83.xml><?xml version="1.0" encoding="utf-8"?>
 <p:sld xmlns:a="http://schemas.openxmlformats.org/drawingml/2006/main" xmlns:r="http://schemas.openxmlformats.org/officeDocument/2006/relationships" xmlns:p="http://schemas.openxmlformats.org/presentationml/2006/main">
   <p:cSld>
     <p:spTree>
@@ -39639,7 +41353,7 @@
 </p:sld>
 </file>
 
-<file path=ppt/slides/slide83.xml><?xml version="1.0" encoding="utf-8"?>
+<file path=ppt/slides/slide84.xml><?xml version="1.0" encoding="utf-8"?>
 <p:sld xmlns:a="http://schemas.openxmlformats.org/drawingml/2006/main" xmlns:r="http://schemas.openxmlformats.org/officeDocument/2006/relationships" xmlns:p="http://schemas.openxmlformats.org/presentationml/2006/main">
   <p:cSld>
     <p:spTree>
@@ -40459,309 +42173,6 @@
 </p:sld>
 </file>
 
-<file path=ppt/slides/slide84.xml><?xml version="1.0" encoding="utf-8"?>
-<p:sld xmlns:a="http://schemas.openxmlformats.org/drawingml/2006/main" xmlns:r="http://schemas.openxmlformats.org/officeDocument/2006/relationships" xmlns:p="http://schemas.openxmlformats.org/presentationml/2006/main">
-  <p:cSld>
-    <p:spTree>
-      <p:nvGrpSpPr>
-        <p:cNvPr id="1" name=""/>
-        <p:cNvGrpSpPr/>
-        <p:nvPr/>
-      </p:nvGrpSpPr>
-      <p:grpSpPr>
-        <a:xfrm>
-          <a:off x="0" y="0"/>
-          <a:ext cx="0" cy="0"/>
-          <a:chOff x="0" y="0"/>
-          <a:chExt cx="0" cy="0"/>
-        </a:xfrm>
-      </p:grpSpPr>
-      <p:sp>
-        <p:nvSpPr>
-          <p:cNvPr id="5" name="Rectangle 4">
-            <a:extLst>
-              <a:ext uri="{FF2B5EF4-FFF2-40B4-BE49-F238E27FC236}">
-                <a16:creationId xmlns:a16="http://schemas.microsoft.com/office/drawing/2014/main" id="{4FDB0B06-F270-4F00-8383-EB0ABF97EF01}"/>
-              </a:ext>
-            </a:extLst>
-          </p:cNvPr>
-          <p:cNvSpPr/>
-          <p:nvPr/>
-        </p:nvSpPr>
-        <p:spPr>
-          <a:xfrm>
-            <a:off x="556589" y="1644781"/>
-            <a:ext cx="11078818" cy="2554545"/>
-          </a:xfrm>
-          <a:prstGeom prst="rect">
-            <a:avLst/>
-          </a:prstGeom>
-        </p:spPr>
-        <p:txBody>
-          <a:bodyPr wrap="square">
-            <a:spAutoFit/>
-          </a:bodyPr>
-          <a:lstStyle/>
-          <a:p>
-            <a:pPr algn="just"/>
-            <a:r>
-              <a:rPr lang="en-US" sz="2000" i="1" dirty="0"/>
-              <a:t>“Super Bowl 50 was an American football game. Super Bowl 50 was to determine the champion of the </a:t>
-            </a:r>
-            <a:r>
-              <a:rPr lang="en-US" sz="2000" i="1" dirty="0">
-                <a:solidFill>
-                  <a:srgbClr val="FF0000"/>
-                </a:solidFill>
-              </a:rPr>
-              <a:t>National Football League (NFL) </a:t>
-            </a:r>
-            <a:r>
-              <a:rPr lang="en-US" sz="2000" i="1" dirty="0"/>
-              <a:t>for the 2015 season. The </a:t>
-            </a:r>
-            <a:r>
-              <a:rPr lang="en-US" sz="2000" i="1" dirty="0">
-                <a:solidFill>
-                  <a:srgbClr val="FF0000"/>
-                </a:solidFill>
-              </a:rPr>
-              <a:t>American Football Conference's (AFC) team, Denver Broncos</a:t>
-            </a:r>
-            <a:r>
-              <a:rPr lang="en-US" sz="2000" i="1" dirty="0"/>
-              <a:t>, defeated the National Football Conference's (NFC) team, Carolina Panthers, by 24 10 to </a:t>
-            </a:r>
-            <a:r>
-              <a:rPr lang="en-US" sz="2000" i="1" dirty="0">
-                <a:solidFill>
-                  <a:srgbClr val="FF0000"/>
-                </a:solidFill>
-              </a:rPr>
-              <a:t>earn AFC third Super Bowl title</a:t>
-            </a:r>
-            <a:r>
-              <a:rPr lang="en-US" sz="2000" i="1" dirty="0"/>
-              <a:t>. As Super Bowl 50 was the 50th Super Bowl, the league emphasized the 'golden anniversary' with various gold themed initiatives, as well as temporarily suspending the tradition of naming each Super Bowl with roman numerals, under the tradition the game would have been known as Super Bowl L, so that the logo could prominently feature the Arabic numerals 50. The game was played on </a:t>
-            </a:r>
-            <a:r>
-              <a:rPr lang="en-US" sz="2000" i="1" dirty="0">
-                <a:solidFill>
-                  <a:srgbClr val="FF0000"/>
-                </a:solidFill>
-              </a:rPr>
-              <a:t>February 7 2016</a:t>
-            </a:r>
-            <a:r>
-              <a:rPr lang="en-US" sz="2000" i="1" dirty="0"/>
-              <a:t>, at </a:t>
-            </a:r>
-            <a:r>
-              <a:rPr lang="en-US" sz="2000" i="1" dirty="0">
-                <a:solidFill>
-                  <a:srgbClr val="FF0000"/>
-                </a:solidFill>
-              </a:rPr>
-              <a:t>Levis Stadium</a:t>
-            </a:r>
-            <a:r>
-              <a:rPr lang="en-US" sz="2000" i="1" dirty="0"/>
-              <a:t>, in the </a:t>
-            </a:r>
-            <a:r>
-              <a:rPr lang="en-US" sz="2000" i="1" dirty="0">
-                <a:solidFill>
-                  <a:srgbClr val="FF0000"/>
-                </a:solidFill>
-              </a:rPr>
-              <a:t>San Francisco Bay Area</a:t>
-            </a:r>
-            <a:r>
-              <a:rPr lang="en-US" sz="2000" i="1" dirty="0"/>
-              <a:t>, at </a:t>
-            </a:r>
-            <a:r>
-              <a:rPr lang="en-US" sz="2000" i="1" dirty="0">
-                <a:solidFill>
-                  <a:srgbClr val="FF0000"/>
-                </a:solidFill>
-              </a:rPr>
-              <a:t>Santa Clara </a:t>
-            </a:r>
-            <a:r>
-              <a:rPr lang="en-US" sz="2000" i="1" dirty="0"/>
-              <a:t>in California.”</a:t>
-            </a:r>
-          </a:p>
-        </p:txBody>
-      </p:sp>
-      <p:sp>
-        <p:nvSpPr>
-          <p:cNvPr id="7" name="Rectangle 6">
-            <a:extLst>
-              <a:ext uri="{FF2B5EF4-FFF2-40B4-BE49-F238E27FC236}">
-                <a16:creationId xmlns:a16="http://schemas.microsoft.com/office/drawing/2014/main" id="{2B84BBFB-C1EC-478F-8E81-7685A0B691C6}"/>
-              </a:ext>
-            </a:extLst>
-          </p:cNvPr>
-          <p:cNvSpPr/>
-          <p:nvPr/>
-        </p:nvSpPr>
-        <p:spPr>
-          <a:xfrm>
-            <a:off x="0" y="0"/>
-            <a:ext cx="12192000" cy="1311965"/>
-          </a:xfrm>
-          <a:prstGeom prst="rect">
-            <a:avLst/>
-          </a:prstGeom>
-        </p:spPr>
-        <p:style>
-          <a:lnRef idx="2">
-            <a:schemeClr val="dk1">
-              <a:shade val="50000"/>
-            </a:schemeClr>
-          </a:lnRef>
-          <a:fillRef idx="1">
-            <a:schemeClr val="dk1"/>
-          </a:fillRef>
-          <a:effectRef idx="0">
-            <a:schemeClr val="dk1"/>
-          </a:effectRef>
-          <a:fontRef idx="minor">
-            <a:schemeClr val="lt1"/>
-          </a:fontRef>
-        </p:style>
-        <p:txBody>
-          <a:bodyPr rtlCol="0" anchor="ctr"/>
-          <a:lstStyle/>
-          <a:p>
-            <a:pPr algn="ctr"/>
-            <a:endParaRPr lang="en-US" dirty="0"/>
-          </a:p>
-        </p:txBody>
-      </p:sp>
-      <p:sp>
-        <p:nvSpPr>
-          <p:cNvPr id="9" name="TextBox 8">
-            <a:extLst>
-              <a:ext uri="{FF2B5EF4-FFF2-40B4-BE49-F238E27FC236}">
-                <a16:creationId xmlns:a16="http://schemas.microsoft.com/office/drawing/2014/main" id="{7F0CAA4B-E205-452A-A063-24223A8717CE}"/>
-              </a:ext>
-            </a:extLst>
-          </p:cNvPr>
-          <p:cNvSpPr txBox="1"/>
-          <p:nvPr/>
-        </p:nvSpPr>
-        <p:spPr>
-          <a:xfrm>
-            <a:off x="4537625" y="332816"/>
-            <a:ext cx="3116747" cy="646331"/>
-          </a:xfrm>
-          <a:prstGeom prst="rect">
-            <a:avLst/>
-          </a:prstGeom>
-          <a:noFill/>
-        </p:spPr>
-        <p:txBody>
-          <a:bodyPr wrap="square" rtlCol="0">
-            <a:spAutoFit/>
-          </a:bodyPr>
-          <a:lstStyle/>
-          <a:p>
-            <a:pPr algn="ctr"/>
-            <a:r>
-              <a:rPr lang="en-US" sz="3600" dirty="0">
-                <a:ln w="0"/>
-                <a:solidFill>
-                  <a:schemeClr val="bg1"/>
-                </a:solidFill>
-              </a:rPr>
-              <a:t>Super Bowl 50</a:t>
-            </a:r>
-          </a:p>
-        </p:txBody>
-      </p:sp>
-      <p:sp>
-        <p:nvSpPr>
-          <p:cNvPr id="2" name="Rectangle 1">
-            <a:extLst>
-              <a:ext uri="{FF2B5EF4-FFF2-40B4-BE49-F238E27FC236}">
-                <a16:creationId xmlns:a16="http://schemas.microsoft.com/office/drawing/2014/main" id="{8BEE3AE4-A5F7-45B2-9701-803F7279D7C5}"/>
-              </a:ext>
-            </a:extLst>
-          </p:cNvPr>
-          <p:cNvSpPr/>
-          <p:nvPr/>
-        </p:nvSpPr>
-        <p:spPr>
-          <a:xfrm>
-            <a:off x="556588" y="4346858"/>
-            <a:ext cx="6467063" cy="2031325"/>
-          </a:xfrm>
-          <a:prstGeom prst="rect">
-            <a:avLst/>
-          </a:prstGeom>
-        </p:spPr>
-        <p:txBody>
-          <a:bodyPr wrap="square">
-            <a:spAutoFit/>
-          </a:bodyPr>
-          <a:lstStyle/>
-          <a:p>
-            <a:r>
-              <a:rPr lang="en-US" dirty="0"/>
-              <a:t>--------------------   Generated 97 Facts from the text ------------------</a:t>
-            </a:r>
-          </a:p>
-          <a:p>
-            <a:endParaRPr lang="en-US" dirty="0"/>
-          </a:p>
-          <a:p>
-            <a:r>
-              <a:rPr lang="en-US" dirty="0"/>
-              <a:t>Q1. Which NFL team represented the AFC at Super Bowl 50?</a:t>
-            </a:r>
-          </a:p>
-          <a:p>
-            <a:r>
-              <a:rPr lang="en-US" dirty="0"/>
-              <a:t>Q2. Where was Super Bowl 50 played?</a:t>
-            </a:r>
-          </a:p>
-          <a:p>
-            <a:r>
-              <a:rPr lang="en-US" dirty="0"/>
-              <a:t>Q3. What day was the game played on?</a:t>
-            </a:r>
-          </a:p>
-          <a:p>
-            <a:r>
-              <a:rPr lang="en-US" dirty="0"/>
-              <a:t>Q4. What is the NFL short for?</a:t>
-            </a:r>
-          </a:p>
-          <a:p>
-            <a:r>
-              <a:rPr lang="en-US" dirty="0"/>
-              <a:t>Q5. Who won Super Bowl 50?</a:t>
-            </a:r>
-          </a:p>
-        </p:txBody>
-      </p:sp>
-    </p:spTree>
-    <p:extLst>
-      <p:ext uri="{BB962C8B-B14F-4D97-AF65-F5344CB8AC3E}">
-        <p14:creationId xmlns:p14="http://schemas.microsoft.com/office/powerpoint/2010/main" val="739427864"/>
-      </p:ext>
-    </p:extLst>
-  </p:cSld>
-  <p:clrMapOvr>
-    <a:masterClrMapping/>
-  </p:clrMapOvr>
-</p:sld>
-</file>
-
 <file path=ppt/slides/slide85.xml><?xml version="1.0" encoding="utf-8"?>
 <p:sld xmlns:a="http://schemas.openxmlformats.org/drawingml/2006/main" xmlns:r="http://schemas.openxmlformats.org/officeDocument/2006/relationships" xmlns:p="http://schemas.openxmlformats.org/presentationml/2006/main">
   <p:cSld>
@@ -40781,6 +42192,125 @@
       </p:grpSpPr>
       <p:sp>
         <p:nvSpPr>
+          <p:cNvPr id="5" name="Rectangle 4">
+            <a:extLst>
+              <a:ext uri="{FF2B5EF4-FFF2-40B4-BE49-F238E27FC236}">
+                <a16:creationId xmlns:a16="http://schemas.microsoft.com/office/drawing/2014/main" id="{4FDB0B06-F270-4F00-8383-EB0ABF97EF01}"/>
+              </a:ext>
+            </a:extLst>
+          </p:cNvPr>
+          <p:cNvSpPr/>
+          <p:nvPr/>
+        </p:nvSpPr>
+        <p:spPr>
+          <a:xfrm>
+            <a:off x="556589" y="1644781"/>
+            <a:ext cx="11078818" cy="2554545"/>
+          </a:xfrm>
+          <a:prstGeom prst="rect">
+            <a:avLst/>
+          </a:prstGeom>
+        </p:spPr>
+        <p:txBody>
+          <a:bodyPr wrap="square">
+            <a:spAutoFit/>
+          </a:bodyPr>
+          <a:lstStyle/>
+          <a:p>
+            <a:pPr algn="just"/>
+            <a:r>
+              <a:rPr lang="en-US" sz="2000" i="1" dirty="0"/>
+              <a:t>“Super Bowl 50 was an American football game. Super Bowl 50 was to determine the champion of the </a:t>
+            </a:r>
+            <a:r>
+              <a:rPr lang="en-US" sz="2000" i="1" dirty="0">
+                <a:solidFill>
+                  <a:srgbClr val="FF0000"/>
+                </a:solidFill>
+              </a:rPr>
+              <a:t>National Football League (NFL) </a:t>
+            </a:r>
+            <a:r>
+              <a:rPr lang="en-US" sz="2000" i="1" dirty="0"/>
+              <a:t>for the 2015 season. The </a:t>
+            </a:r>
+            <a:r>
+              <a:rPr lang="en-US" sz="2000" i="1" dirty="0">
+                <a:solidFill>
+                  <a:srgbClr val="FF0000"/>
+                </a:solidFill>
+              </a:rPr>
+              <a:t>American Football Conference's (AFC) team, Denver Broncos</a:t>
+            </a:r>
+            <a:r>
+              <a:rPr lang="en-US" sz="2000" i="1" dirty="0"/>
+              <a:t>, defeated the National Football Conference's (NFC) team, Carolina Panthers, by 24 10 to </a:t>
+            </a:r>
+            <a:r>
+              <a:rPr lang="en-US" sz="2000" i="1" dirty="0">
+                <a:solidFill>
+                  <a:srgbClr val="FF0000"/>
+                </a:solidFill>
+              </a:rPr>
+              <a:t>earn AFC third Super Bowl title</a:t>
+            </a:r>
+            <a:r>
+              <a:rPr lang="en-US" sz="2000" i="1" dirty="0"/>
+              <a:t>. As Super Bowl 50 was the 50th Super Bowl, the league emphasized the 'golden anniversary' with various gold themed initiatives, as well as temporarily suspending the tradition of naming each Super Bowl with roman numerals, under the tradition the game would have been known as Super Bowl L, so that the logo could prominently feature the Arabic numerals 50. The game was played on </a:t>
+            </a:r>
+            <a:r>
+              <a:rPr lang="en-US" sz="2000" i="1" dirty="0">
+                <a:solidFill>
+                  <a:srgbClr val="FF0000"/>
+                </a:solidFill>
+              </a:rPr>
+              <a:t>February 7 2016</a:t>
+            </a:r>
+            <a:r>
+              <a:rPr lang="en-US" sz="2000" i="1" dirty="0"/>
+              <a:t>, at </a:t>
+            </a:r>
+            <a:r>
+              <a:rPr lang="en-US" sz="2000" i="1" dirty="0">
+                <a:solidFill>
+                  <a:srgbClr val="FF0000"/>
+                </a:solidFill>
+              </a:rPr>
+              <a:t>Levis Stadium</a:t>
+            </a:r>
+            <a:r>
+              <a:rPr lang="en-US" sz="2000" i="1" dirty="0"/>
+              <a:t>, in the </a:t>
+            </a:r>
+            <a:r>
+              <a:rPr lang="en-US" sz="2000" i="1" dirty="0">
+                <a:solidFill>
+                  <a:srgbClr val="FF0000"/>
+                </a:solidFill>
+              </a:rPr>
+              <a:t>San Francisco Bay Area</a:t>
+            </a:r>
+            <a:r>
+              <a:rPr lang="en-US" sz="2000" i="1" dirty="0"/>
+              <a:t>, at </a:t>
+            </a:r>
+            <a:r>
+              <a:rPr lang="en-US" sz="2000" i="1" dirty="0">
+                <a:solidFill>
+                  <a:srgbClr val="FF0000"/>
+                </a:solidFill>
+              </a:rPr>
+              <a:t>Santa Clara </a:t>
+            </a:r>
+            <a:r>
+              <a:rPr lang="en-US" sz="2000" i="1" dirty="0"/>
+              <a:t>in California.”</a:t>
+            </a:r>
+          </a:p>
+        </p:txBody>
+      </p:sp>
+      <p:sp>
+        <p:nvSpPr>
           <p:cNvPr id="7" name="Rectangle 6">
             <a:extLst>
               <a:ext uri="{FF2B5EF4-FFF2-40B4-BE49-F238E27FC236}">
@@ -40868,10 +42398,10 @@
       </p:sp>
       <p:sp>
         <p:nvSpPr>
-          <p:cNvPr id="6" name="Rectangle 5">
-            <a:extLst>
-              <a:ext uri="{FF2B5EF4-FFF2-40B4-BE49-F238E27FC236}">
-                <a16:creationId xmlns:a16="http://schemas.microsoft.com/office/drawing/2014/main" id="{D6C0C50A-EBE6-46DB-88C5-9C0E2C3000B5}"/>
+          <p:cNvPr id="2" name="Rectangle 1">
+            <a:extLst>
+              <a:ext uri="{FF2B5EF4-FFF2-40B4-BE49-F238E27FC236}">
+                <a16:creationId xmlns:a16="http://schemas.microsoft.com/office/drawing/2014/main" id="{8BEE3AE4-A5F7-45B2-9701-803F7279D7C5}"/>
               </a:ext>
             </a:extLst>
           </p:cNvPr>
@@ -40880,418 +42410,55 @@
         </p:nvSpPr>
         <p:spPr>
           <a:xfrm>
-            <a:off x="225287" y="1502688"/>
-            <a:ext cx="6096000" cy="5355312"/>
-          </a:xfrm>
-          <a:prstGeom prst="rect">
-            <a:avLst/>
-          </a:prstGeom>
-        </p:spPr>
-        <p:txBody>
-          <a:bodyPr>
+            <a:off x="556588" y="4346858"/>
+            <a:ext cx="6467063" cy="2031325"/>
+          </a:xfrm>
+          <a:prstGeom prst="rect">
+            <a:avLst/>
+          </a:prstGeom>
+        </p:spPr>
+        <p:txBody>
+          <a:bodyPr wrap="square">
             <a:spAutoFit/>
           </a:bodyPr>
           <a:lstStyle/>
           <a:p>
             <a:r>
               <a:rPr lang="en-US" dirty="0"/>
-              <a:t>_abbreviation(afc, </a:t>
-            </a:r>
-            <a:r>
-              <a:rPr lang="en-US" dirty="0" err="1"/>
-              <a:t>american_football_conference</a:t>
-            </a:r>
+              <a:t>--------------------   Generated 97 Facts from the text ------------------</a:t>
+            </a:r>
+          </a:p>
+          <a:p>
+            <a:endParaRPr lang="en-US" dirty="0"/>
+          </a:p>
+          <a:p>
             <a:r>
               <a:rPr lang="en-US" dirty="0"/>
-              <a:t>).</a:t>
+              <a:t>Q1. Which NFL team represented the AFC at Super Bowl 50?</a:t>
             </a:r>
           </a:p>
           <a:p>
             <a:r>
               <a:rPr lang="en-US" dirty="0"/>
-              <a:t>_abbreviation(</a:t>
-            </a:r>
-            <a:r>
-              <a:rPr lang="en-US" dirty="0" err="1"/>
-              <a:t>nfc</a:t>
-            </a:r>
+              <a:t>Q2. Where was Super Bowl 50 played?</a:t>
+            </a:r>
+          </a:p>
+          <a:p>
             <a:r>
               <a:rPr lang="en-US" dirty="0"/>
-              <a:t>, </a:t>
-            </a:r>
-            <a:r>
-              <a:rPr lang="en-US" dirty="0" err="1"/>
-              <a:t>national_football_conference</a:t>
-            </a:r>
+              <a:t>Q3. What day was the game played on?</a:t>
+            </a:r>
+          </a:p>
+          <a:p>
             <a:r>
               <a:rPr lang="en-US" dirty="0"/>
-              <a:t>).</a:t>
+              <a:t>Q4. What is the NFL short for?</a:t>
             </a:r>
           </a:p>
           <a:p>
             <a:r>
               <a:rPr lang="en-US" dirty="0"/>
-              <a:t>_abbreviation(</a:t>
-            </a:r>
-            <a:r>
-              <a:rPr lang="en-US" dirty="0" err="1"/>
-              <a:t>nfl</a:t>
-            </a:r>
-            <a:r>
-              <a:rPr lang="en-US" dirty="0"/>
-              <a:t>, </a:t>
-            </a:r>
-            <a:r>
-              <a:rPr lang="en-US" dirty="0" err="1"/>
-              <a:t>national_football_league</a:t>
-            </a:r>
-            <a:r>
-              <a:rPr lang="en-US" dirty="0"/>
-              <a:t>).</a:t>
-            </a:r>
-          </a:p>
-          <a:p>
-            <a:r>
-              <a:rPr lang="en-US" dirty="0"/>
-              <a:t>_is('super_bowl_50', '50th_super_bowl').</a:t>
-            </a:r>
-          </a:p>
-          <a:p>
-            <a:r>
-              <a:rPr lang="en-US" dirty="0"/>
-              <a:t>_is('super_bowl_50', </a:t>
-            </a:r>
-            <a:r>
-              <a:rPr lang="en-US" dirty="0" err="1"/>
-              <a:t>american_football_game</a:t>
-            </a:r>
-            <a:r>
-              <a:rPr lang="en-US" dirty="0"/>
-              <a:t>).</a:t>
-            </a:r>
-          </a:p>
-          <a:p>
-            <a:r>
-              <a:rPr lang="en-US" dirty="0"/>
-              <a:t>_is('super_bowl_50', game).</a:t>
-            </a:r>
-          </a:p>
-          <a:p>
-            <a:r>
-              <a:rPr lang="en-US" dirty="0"/>
-              <a:t>_is('super_bowl_50', </a:t>
-            </a:r>
-            <a:r>
-              <a:rPr lang="en-US" dirty="0" err="1"/>
-              <a:t>super_bowl</a:t>
-            </a:r>
-            <a:r>
-              <a:rPr lang="en-US" dirty="0"/>
-              <a:t>).</a:t>
-            </a:r>
-          </a:p>
-          <a:p>
-            <a:r>
-              <a:rPr lang="en-US" dirty="0"/>
-              <a:t>_is(carolina_panthers, team).</a:t>
-            </a:r>
-          </a:p>
-          <a:p>
-            <a:r>
-              <a:rPr lang="en-US" dirty="0"/>
-              <a:t>_is(denver_broncos, team).</a:t>
-            </a:r>
-          </a:p>
-          <a:p>
-            <a:r>
-              <a:rPr lang="en-US" dirty="0"/>
-              <a:t>_mod(anniversary, golden).</a:t>
-            </a:r>
-          </a:p>
-          <a:p>
-            <a:r>
-              <a:rPr lang="en-US" dirty="0"/>
-              <a:t>_mod(feature, prominently).</a:t>
-            </a:r>
-          </a:p>
-          <a:p>
-            <a:r>
-              <a:rPr lang="en-US" dirty="0"/>
-              <a:t>_mod(game, </a:t>
-            </a:r>
-            <a:r>
-              <a:rPr lang="en-US" dirty="0" err="1"/>
-              <a:t>american_football</a:t>
-            </a:r>
-            <a:r>
-              <a:rPr lang="en-US" dirty="0"/>
-              <a:t>).</a:t>
-            </a:r>
-          </a:p>
-          <a:p>
-            <a:r>
-              <a:rPr lang="en-US" dirty="0"/>
-              <a:t>_mod(initiative, </a:t>
-            </a:r>
-            <a:r>
-              <a:rPr lang="en-US" dirty="0" err="1"/>
-              <a:t>gold_themed</a:t>
-            </a:r>
-            <a:r>
-              <a:rPr lang="en-US" dirty="0"/>
-              <a:t>).</a:t>
-            </a:r>
-          </a:p>
-          <a:p>
-            <a:r>
-              <a:rPr lang="en-US" dirty="0"/>
-              <a:t>_mod(initiative, various).</a:t>
-            </a:r>
-          </a:p>
-          <a:p>
-            <a:r>
-              <a:rPr lang="en-US" dirty="0"/>
-              <a:t>_mod(season, 2015).</a:t>
-            </a:r>
-          </a:p>
-          <a:p>
-            <a:r>
-              <a:rPr lang="en-US" dirty="0"/>
-              <a:t>_mod(</a:t>
-            </a:r>
-            <a:r>
-              <a:rPr lang="en-US" dirty="0" err="1"/>
-              <a:t>super_bowl</a:t>
-            </a:r>
-            <a:r>
-              <a:rPr lang="en-US" dirty="0"/>
-              <a:t>, '50th').</a:t>
-            </a:r>
-          </a:p>
-          <a:p>
-            <a:r>
-              <a:rPr lang="en-US" dirty="0"/>
-              <a:t>_mod(suspend, temporarily).</a:t>
-            </a:r>
-          </a:p>
-          <a:p>
-            <a:r>
-              <a:rPr lang="en-US" dirty="0"/>
-              <a:t>_mod(title, </a:t>
-            </a:r>
-            <a:r>
-              <a:rPr lang="en-US" dirty="0" err="1"/>
-              <a:t>super_bowl</a:t>
-            </a:r>
-            <a:r>
-              <a:rPr lang="en-US" dirty="0"/>
-              <a:t>).</a:t>
-            </a:r>
-          </a:p>
-          <a:p>
-            <a:r>
-              <a:rPr lang="en-US" dirty="0"/>
-              <a:t>_mod(title, third).</a:t>
-            </a:r>
-          </a:p>
-        </p:txBody>
-      </p:sp>
-      <p:sp>
-        <p:nvSpPr>
-          <p:cNvPr id="10" name="Rectangle 9">
-            <a:extLst>
-              <a:ext uri="{FF2B5EF4-FFF2-40B4-BE49-F238E27FC236}">
-                <a16:creationId xmlns:a16="http://schemas.microsoft.com/office/drawing/2014/main" id="{8075EE59-C70F-4AB9-93D1-73516DA2775F}"/>
-              </a:ext>
-            </a:extLst>
-          </p:cNvPr>
-          <p:cNvSpPr/>
-          <p:nvPr/>
-        </p:nvSpPr>
-        <p:spPr>
-          <a:xfrm>
-            <a:off x="5645426" y="1502688"/>
-            <a:ext cx="6096000" cy="5078313"/>
-          </a:xfrm>
-          <a:prstGeom prst="rect">
-            <a:avLst/>
-          </a:prstGeom>
-        </p:spPr>
-        <p:txBody>
-          <a:bodyPr>
-            <a:spAutoFit/>
-          </a:bodyPr>
-          <a:lstStyle/>
-          <a:p>
-            <a:r>
-              <a:rPr lang="en-US" dirty="0"/>
-              <a:t>_possess(</a:t>
-            </a:r>
-            <a:r>
-              <a:rPr lang="en-US" dirty="0" err="1"/>
-              <a:t>american_football_conference</a:t>
-            </a:r>
-            <a:r>
-              <a:rPr lang="en-US" dirty="0"/>
-              <a:t>, denver_broncos).</a:t>
-            </a:r>
-          </a:p>
-          <a:p>
-            <a:r>
-              <a:rPr lang="en-US" dirty="0"/>
-              <a:t>_possess(</a:t>
-            </a:r>
-            <a:r>
-              <a:rPr lang="en-US" dirty="0" err="1"/>
-              <a:t>american_football_conference</a:t>
-            </a:r>
-            <a:r>
-              <a:rPr lang="en-US" dirty="0"/>
-              <a:t>, team).</a:t>
-            </a:r>
-          </a:p>
-          <a:p>
-            <a:r>
-              <a:rPr lang="en-US" dirty="0"/>
-              <a:t>_possess(</a:t>
-            </a:r>
-            <a:r>
-              <a:rPr lang="en-US" dirty="0" err="1"/>
-              <a:t>national_football_conference</a:t>
-            </a:r>
-            <a:r>
-              <a:rPr lang="en-US" dirty="0"/>
-              <a:t>, carolina_panthers).</a:t>
-            </a:r>
-          </a:p>
-          <a:p>
-            <a:r>
-              <a:rPr lang="en-US" dirty="0"/>
-              <a:t>_possess(</a:t>
-            </a:r>
-            <a:r>
-              <a:rPr lang="en-US" dirty="0" err="1"/>
-              <a:t>national_football_conference</a:t>
-            </a:r>
-            <a:r>
-              <a:rPr lang="en-US" dirty="0"/>
-              <a:t>, team).</a:t>
-            </a:r>
-          </a:p>
-          <a:p>
-            <a:r>
-              <a:rPr lang="en-US" dirty="0"/>
-              <a:t>_property(10, name, with, </a:t>
-            </a:r>
-            <a:r>
-              <a:rPr lang="en-US" dirty="0" err="1"/>
-              <a:t>roman_numerals</a:t>
-            </a:r>
-            <a:r>
-              <a:rPr lang="en-US" dirty="0"/>
-              <a:t>).</a:t>
-            </a:r>
-          </a:p>
-          <a:p>
-            <a:r>
-              <a:rPr lang="en-US" dirty="0"/>
-              <a:t>_property(13, know, as, </a:t>
-            </a:r>
-            <a:r>
-              <a:rPr lang="en-US" dirty="0" err="1"/>
-              <a:t>super_bowl_l</a:t>
-            </a:r>
-            <a:r>
-              <a:rPr lang="en-US" dirty="0"/>
-              <a:t>).</a:t>
-            </a:r>
-          </a:p>
-          <a:p>
-            <a:r>
-              <a:rPr lang="en-US" dirty="0"/>
-              <a:t>_property(13, know, with, initiative).</a:t>
-            </a:r>
-          </a:p>
-          <a:p>
-            <a:r>
-              <a:rPr lang="en-US" dirty="0"/>
-              <a:t>_property(16, play, at, levis_stadium).</a:t>
-            </a:r>
-          </a:p>
-          <a:p>
-            <a:r>
-              <a:rPr lang="en-US" dirty="0"/>
-              <a:t>_property(16, play, at, santa_clara).</a:t>
-            </a:r>
-          </a:p>
-          <a:p>
-            <a:r>
-              <a:rPr lang="en-US" dirty="0"/>
-              <a:t>_property(16, play, in, san_francisco_bay_area).</a:t>
-            </a:r>
-          </a:p>
-          <a:p>
-            <a:r>
-              <a:rPr lang="en-US" dirty="0"/>
-              <a:t>_property(16, play, on, 'february_7_2016').</a:t>
-            </a:r>
-          </a:p>
-          <a:p>
-            <a:r>
-              <a:rPr lang="en-US" dirty="0"/>
-              <a:t>_property(16, santa_clara, in, california).</a:t>
-            </a:r>
-          </a:p>
-          <a:p>
-            <a:r>
-              <a:rPr lang="en-US" dirty="0"/>
-              <a:t>_property(3, champion, of, </a:t>
-            </a:r>
-            <a:r>
-              <a:rPr lang="en-US" dirty="0" err="1"/>
-              <a:t>national_football_league</a:t>
-            </a:r>
-            <a:r>
-              <a:rPr lang="en-US" dirty="0"/>
-              <a:t>).</a:t>
-            </a:r>
-          </a:p>
-          <a:p>
-            <a:r>
-              <a:rPr lang="en-US" dirty="0"/>
-              <a:t>_property(3, </a:t>
-            </a:r>
-            <a:r>
-              <a:rPr lang="en-US" dirty="0" err="1"/>
-              <a:t>national_football_league</a:t>
-            </a:r>
-            <a:r>
-              <a:rPr lang="en-US" dirty="0"/>
-              <a:t>, for, '2015_season').</a:t>
-            </a:r>
-          </a:p>
-          <a:p>
-            <a:r>
-              <a:rPr lang="en-US" dirty="0"/>
-              <a:t>_property(4, defeat, by, '24_10').</a:t>
-            </a:r>
-          </a:p>
-          <a:p>
-            <a:r>
-              <a:rPr lang="en-US" dirty="0"/>
-              <a:t>_property(7, emphasize, null, know).</a:t>
-            </a:r>
-          </a:p>
-          <a:p>
-            <a:r>
-              <a:rPr lang="en-US" dirty="0"/>
-              <a:t>_property(7, emphasize, null, suspend).</a:t>
-            </a:r>
-          </a:p>
-          <a:p>
-            <a:r>
-              <a:rPr lang="en-US" dirty="0"/>
-              <a:t>_property(7, emphasize, null, tradition).</a:t>
+              <a:t>Q5. Who won Super Bowl 50?</a:t>
             </a:r>
           </a:p>
         </p:txBody>
@@ -41299,7 +42466,7 @@
     </p:spTree>
     <p:extLst>
       <p:ext uri="{BB962C8B-B14F-4D97-AF65-F5344CB8AC3E}">
-        <p14:creationId xmlns:p14="http://schemas.microsoft.com/office/powerpoint/2010/main" val="1579340338"/>
+        <p14:creationId xmlns:p14="http://schemas.microsoft.com/office/powerpoint/2010/main" val="739427864"/>
       </p:ext>
     </p:extLst>
   </p:cSld>
@@ -41415,10 +42582,10 @@
       </p:sp>
       <p:sp>
         <p:nvSpPr>
-          <p:cNvPr id="2" name="Rectangle 1">
-            <a:extLst>
-              <a:ext uri="{FF2B5EF4-FFF2-40B4-BE49-F238E27FC236}">
-                <a16:creationId xmlns:a16="http://schemas.microsoft.com/office/drawing/2014/main" id="{51CB5FE2-1ED9-4940-8C37-047A53229F07}"/>
+          <p:cNvPr id="6" name="Rectangle 5">
+            <a:extLst>
+              <a:ext uri="{FF2B5EF4-FFF2-40B4-BE49-F238E27FC236}">
+                <a16:creationId xmlns:a16="http://schemas.microsoft.com/office/drawing/2014/main" id="{D6C0C50A-EBE6-46DB-88C5-9C0E2C3000B5}"/>
               </a:ext>
             </a:extLst>
           </p:cNvPr>
@@ -41427,8 +42594,8 @@
         </p:nvSpPr>
         <p:spPr>
           <a:xfrm>
-            <a:off x="318053" y="1644781"/>
-            <a:ext cx="6096000" cy="4247317"/>
+            <a:off x="225287" y="1502688"/>
+            <a:ext cx="6096000" cy="5355312"/>
           </a:xfrm>
           <a:prstGeom prst="rect">
             <a:avLst/>
@@ -41442,23 +42609,11 @@
           <a:p>
             <a:r>
               <a:rPr lang="en-US" dirty="0"/>
-              <a:t>_relation(13, 9, _conj).</a:t>
-            </a:r>
-          </a:p>
-          <a:p>
-            <a:r>
-              <a:rPr lang="en-US" dirty="0"/>
-              <a:t>_relation(13, tradition, _conj).</a:t>
-            </a:r>
-          </a:p>
-          <a:p>
-            <a:r>
-              <a:rPr lang="en-US" dirty="0"/>
-              <a:t>_relation(2, 3, _</a:t>
+              <a:t>_abbreviation(afc, </a:t>
             </a:r>
             <a:r>
               <a:rPr lang="en-US" dirty="0" err="1"/>
-              <a:t>clcomplement</a:t>
+              <a:t>american_football_conference</a:t>
             </a:r>
             <a:r>
               <a:rPr lang="en-US" dirty="0"/>
@@ -41468,55 +42623,77 @@
           <a:p>
             <a:r>
               <a:rPr lang="en-US" dirty="0"/>
-              <a:t>_relation(4, 5, _clause).</a:t>
-            </a:r>
-          </a:p>
-          <a:p>
+              <a:t>_abbreviation(</a:t>
+            </a:r>
+            <a:r>
+              <a:rPr lang="en-US" dirty="0" err="1"/>
+              <a:t>nfc</a:t>
+            </a:r>
             <a:r>
               <a:rPr lang="en-US" dirty="0"/>
-              <a:t>_relation(7, 14, _clause).</a:t>
-            </a:r>
-          </a:p>
-          <a:p>
+              <a:t>, </a:t>
+            </a:r>
+            <a:r>
+              <a:rPr lang="en-US" dirty="0" err="1"/>
+              <a:t>national_football_conference</a:t>
+            </a:r>
             <a:r>
               <a:rPr lang="en-US" dirty="0"/>
-              <a:t>_relation(tradition, 10, _clause).</a:t>
+              <a:t>).</a:t>
             </a:r>
           </a:p>
           <a:p>
             <a:r>
               <a:rPr lang="en-US" dirty="0"/>
-              <a:t>anniversary(anniversary).</a:t>
-            </a:r>
-          </a:p>
-          <a:p>
+              <a:t>_abbreviation(</a:t>
+            </a:r>
+            <a:r>
+              <a:rPr lang="en-US" dirty="0" err="1"/>
+              <a:t>nfl</a:t>
+            </a:r>
             <a:r>
               <a:rPr lang="en-US" dirty="0"/>
-              <a:t>california(california).</a:t>
-            </a:r>
-          </a:p>
-          <a:p>
+              <a:t>, </a:t>
+            </a:r>
+            <a:r>
+              <a:rPr lang="en-US" dirty="0" err="1"/>
+              <a:t>national_football_league</a:t>
+            </a:r>
             <a:r>
               <a:rPr lang="en-US" dirty="0"/>
-              <a:t>champion(champion).</a:t>
+              <a:t>).</a:t>
             </a:r>
           </a:p>
           <a:p>
             <a:r>
               <a:rPr lang="en-US" dirty="0"/>
-              <a:t>day('february_7_2016', 7).</a:t>
+              <a:t>_is('super_bowl_50', '50th_super_bowl').</a:t>
             </a:r>
           </a:p>
           <a:p>
             <a:r>
               <a:rPr lang="en-US" dirty="0"/>
-              <a:t>event(1, be, null, null).</a:t>
-            </a:r>
-          </a:p>
-          <a:p>
+              <a:t>_is('super_bowl_50', </a:t>
+            </a:r>
+            <a:r>
+              <a:rPr lang="en-US" dirty="0" err="1"/>
+              <a:t>american_football_game</a:t>
+            </a:r>
             <a:r>
               <a:rPr lang="en-US" dirty="0"/>
-              <a:t>event(10, name, null, </a:t>
+              <a:t>).</a:t>
+            </a:r>
+          </a:p>
+          <a:p>
+            <a:r>
+              <a:rPr lang="en-US" dirty="0"/>
+              <a:t>_is('super_bowl_50', game).</a:t>
+            </a:r>
+          </a:p>
+          <a:p>
+            <a:r>
+              <a:rPr lang="en-US" dirty="0"/>
+              <a:t>_is('super_bowl_50', </a:t>
             </a:r>
             <a:r>
               <a:rPr lang="en-US" dirty="0" err="1"/>
@@ -41530,29 +42707,115 @@
           <a:p>
             <a:r>
               <a:rPr lang="en-US" dirty="0"/>
-              <a:t>event(11, have, null, null).</a:t>
+              <a:t>_is(carolina_panthers, team).</a:t>
             </a:r>
           </a:p>
           <a:p>
             <a:r>
               <a:rPr lang="en-US" dirty="0"/>
-              <a:t>event(12, be, null, null).</a:t>
+              <a:t>_is(denver_broncos, team).</a:t>
             </a:r>
           </a:p>
           <a:p>
             <a:r>
               <a:rPr lang="en-US" dirty="0"/>
-              <a:t>event(13, know, null, game).</a:t>
-            </a:r>
-          </a:p>
-        </p:txBody>
-      </p:sp>
-      <p:sp>
-        <p:nvSpPr>
-          <p:cNvPr id="5" name="Rectangle 4">
-            <a:extLst>
-              <a:ext uri="{FF2B5EF4-FFF2-40B4-BE49-F238E27FC236}">
-                <a16:creationId xmlns:a16="http://schemas.microsoft.com/office/drawing/2014/main" id="{23B630A1-ED1F-49FD-BFED-D20EE2FF76C9}"/>
+              <a:t>_mod(anniversary, golden).</a:t>
+            </a:r>
+          </a:p>
+          <a:p>
+            <a:r>
+              <a:rPr lang="en-US" dirty="0"/>
+              <a:t>_mod(feature, prominently).</a:t>
+            </a:r>
+          </a:p>
+          <a:p>
+            <a:r>
+              <a:rPr lang="en-US" dirty="0"/>
+              <a:t>_mod(game, </a:t>
+            </a:r>
+            <a:r>
+              <a:rPr lang="en-US" dirty="0" err="1"/>
+              <a:t>american_football</a:t>
+            </a:r>
+            <a:r>
+              <a:rPr lang="en-US" dirty="0"/>
+              <a:t>).</a:t>
+            </a:r>
+          </a:p>
+          <a:p>
+            <a:r>
+              <a:rPr lang="en-US" dirty="0"/>
+              <a:t>_mod(initiative, </a:t>
+            </a:r>
+            <a:r>
+              <a:rPr lang="en-US" dirty="0" err="1"/>
+              <a:t>gold_themed</a:t>
+            </a:r>
+            <a:r>
+              <a:rPr lang="en-US" dirty="0"/>
+              <a:t>).</a:t>
+            </a:r>
+          </a:p>
+          <a:p>
+            <a:r>
+              <a:rPr lang="en-US" dirty="0"/>
+              <a:t>_mod(initiative, various).</a:t>
+            </a:r>
+          </a:p>
+          <a:p>
+            <a:r>
+              <a:rPr lang="en-US" dirty="0"/>
+              <a:t>_mod(season, 2015).</a:t>
+            </a:r>
+          </a:p>
+          <a:p>
+            <a:r>
+              <a:rPr lang="en-US" dirty="0"/>
+              <a:t>_mod(</a:t>
+            </a:r>
+            <a:r>
+              <a:rPr lang="en-US" dirty="0" err="1"/>
+              <a:t>super_bowl</a:t>
+            </a:r>
+            <a:r>
+              <a:rPr lang="en-US" dirty="0"/>
+              <a:t>, '50th').</a:t>
+            </a:r>
+          </a:p>
+          <a:p>
+            <a:r>
+              <a:rPr lang="en-US" dirty="0"/>
+              <a:t>_mod(suspend, temporarily).</a:t>
+            </a:r>
+          </a:p>
+          <a:p>
+            <a:r>
+              <a:rPr lang="en-US" dirty="0"/>
+              <a:t>_mod(title, </a:t>
+            </a:r>
+            <a:r>
+              <a:rPr lang="en-US" dirty="0" err="1"/>
+              <a:t>super_bowl</a:t>
+            </a:r>
+            <a:r>
+              <a:rPr lang="en-US" dirty="0"/>
+              <a:t>).</a:t>
+            </a:r>
+          </a:p>
+          <a:p>
+            <a:r>
+              <a:rPr lang="en-US" dirty="0"/>
+              <a:t>_mod(title, third).</a:t>
+            </a:r>
+          </a:p>
+        </p:txBody>
+      </p:sp>
+      <p:sp>
+        <p:nvSpPr>
+          <p:cNvPr id="10" name="Rectangle 9">
+            <a:extLst>
+              <a:ext uri="{FF2B5EF4-FFF2-40B4-BE49-F238E27FC236}">
+                <a16:creationId xmlns:a16="http://schemas.microsoft.com/office/drawing/2014/main" id="{8075EE59-C70F-4AB9-93D1-73516DA2775F}"/>
               </a:ext>
             </a:extLst>
           </p:cNvPr>
@@ -41561,56 +42824,82 @@
         </p:nvSpPr>
         <p:spPr>
           <a:xfrm>
-            <a:off x="4638259" y="1672797"/>
-            <a:ext cx="7938053" cy="4801314"/>
-          </a:xfrm>
-          <a:prstGeom prst="rect">
-            <a:avLst/>
-          </a:prstGeom>
-        </p:spPr>
-        <p:txBody>
-          <a:bodyPr wrap="square">
+            <a:off x="5645426" y="1502688"/>
+            <a:ext cx="6096000" cy="5078313"/>
+          </a:xfrm>
+          <a:prstGeom prst="rect">
+            <a:avLst/>
+          </a:prstGeom>
+        </p:spPr>
+        <p:txBody>
+          <a:bodyPr>
             <a:spAutoFit/>
           </a:bodyPr>
           <a:lstStyle/>
           <a:p>
             <a:r>
               <a:rPr lang="en-US" dirty="0"/>
-              <a:t>event(15, be, null, null).</a:t>
-            </a:r>
-          </a:p>
-          <a:p>
+              <a:t>_possess(</a:t>
+            </a:r>
+            <a:r>
+              <a:rPr lang="en-US" dirty="0" err="1"/>
+              <a:t>american_football_conference</a:t>
+            </a:r>
             <a:r>
               <a:rPr lang="en-US" dirty="0"/>
-              <a:t>event(14, feature, logo, 'arabic_numerals_50’). </a:t>
+              <a:t>, denver_broncos).</a:t>
             </a:r>
           </a:p>
           <a:p>
             <a:r>
               <a:rPr lang="en-US" dirty="0"/>
-              <a:t>event(16, play, null, game).</a:t>
-            </a:r>
-          </a:p>
-          <a:p>
+              <a:t>_possess(</a:t>
+            </a:r>
+            <a:r>
+              <a:rPr lang="en-US" dirty="0" err="1"/>
+              <a:t>american_football_conference</a:t>
+            </a:r>
             <a:r>
               <a:rPr lang="en-US" dirty="0"/>
-              <a:t>event(2, be, 'super_bowl_50', null).</a:t>
+              <a:t>, team).</a:t>
             </a:r>
           </a:p>
           <a:p>
             <a:r>
               <a:rPr lang="en-US" dirty="0"/>
-              <a:t>event(3, determine, 'super_bowl_50', champion).</a:t>
-            </a:r>
-          </a:p>
-          <a:p>
+              <a:t>_possess(</a:t>
+            </a:r>
+            <a:r>
+              <a:rPr lang="en-US" dirty="0" err="1"/>
+              <a:t>national_football_conference</a:t>
+            </a:r>
             <a:r>
               <a:rPr lang="en-US" dirty="0"/>
-              <a:t>event(3, determine, 'super_bowl_50', </a:t>
+              <a:t>, carolina_panthers).</a:t>
+            </a:r>
+          </a:p>
+          <a:p>
+            <a:r>
+              <a:rPr lang="en-US" dirty="0"/>
+              <a:t>_possess(</a:t>
             </a:r>
             <a:r>
               <a:rPr lang="en-US" dirty="0" err="1"/>
-              <a:t>champion_of_national_football_league</a:t>
+              <a:t>national_football_conference</a:t>
+            </a:r>
+            <a:r>
+              <a:rPr lang="en-US" dirty="0"/>
+              <a:t>, team).</a:t>
+            </a:r>
+          </a:p>
+          <a:p>
+            <a:r>
+              <a:rPr lang="en-US" dirty="0"/>
+              <a:t>_property(10, name, with, </a:t>
+            </a:r>
+            <a:r>
+              <a:rPr lang="en-US" dirty="0" err="1"/>
+              <a:t>roman_numerals</a:t>
             </a:r>
             <a:r>
               <a:rPr lang="en-US" dirty="0"/>
@@ -41620,47 +42909,11 @@
           <a:p>
             <a:r>
               <a:rPr lang="en-US" dirty="0"/>
-              <a:t>event(4, defeat, denver_broncos, carolina_panthers).</a:t>
-            </a:r>
-          </a:p>
-          <a:p>
-            <a:r>
-              <a:rPr lang="en-US" dirty="0"/>
-              <a:t>event(4, defeat, team, team).</a:t>
-            </a:r>
-          </a:p>
-          <a:p>
-            <a:r>
-              <a:rPr lang="en-US" dirty="0"/>
-              <a:t>event(5, earn, afc, third_super_bowl_title).</a:t>
-            </a:r>
-          </a:p>
-          <a:p>
-            <a:r>
-              <a:rPr lang="en-US" dirty="0"/>
-              <a:t>event(5, earn, afc, title).</a:t>
-            </a:r>
-          </a:p>
-          <a:p>
-            <a:r>
-              <a:rPr lang="en-US" dirty="0"/>
-              <a:t>event(6, be, null, null).</a:t>
-            </a:r>
-          </a:p>
-          <a:p>
-            <a:r>
-              <a:rPr lang="en-US" dirty="0"/>
-              <a:t>event(7, emphasize, league, anniversary).</a:t>
-            </a:r>
-          </a:p>
-          <a:p>
-            <a:r>
-              <a:rPr lang="en-US" dirty="0"/>
-              <a:t>event(7, emphasize, league, </a:t>
+              <a:t>_property(13, know, as, </a:t>
             </a:r>
             <a:r>
               <a:rPr lang="en-US" dirty="0" err="1"/>
-              <a:t>golden_anniversary</a:t>
+              <a:t>super_bowl_l</a:t>
             </a:r>
             <a:r>
               <a:rPr lang="en-US" dirty="0"/>
@@ -41670,25 +42923,89 @@
           <a:p>
             <a:r>
               <a:rPr lang="en-US" dirty="0"/>
-              <a:t>event(9, suspend, null, game).</a:t>
+              <a:t>_property(13, know, with, initiative).</a:t>
             </a:r>
           </a:p>
           <a:p>
             <a:r>
               <a:rPr lang="en-US" dirty="0"/>
-              <a:t>event(9, suspend, null, tradition).</a:t>
+              <a:t>_property(16, play, at, levis_stadium).</a:t>
             </a:r>
           </a:p>
           <a:p>
             <a:r>
               <a:rPr lang="en-US" dirty="0"/>
-              <a:t>game('super_bowl_50').</a:t>
+              <a:t>_property(16, play, at, santa_clara).</a:t>
             </a:r>
           </a:p>
           <a:p>
             <a:r>
               <a:rPr lang="en-US" dirty="0"/>
-              <a:t>game(game).</a:t>
+              <a:t>_property(16, play, in, san_francisco_bay_area).</a:t>
+            </a:r>
+          </a:p>
+          <a:p>
+            <a:r>
+              <a:rPr lang="en-US" dirty="0"/>
+              <a:t>_property(16, play, on, 'february_7_2016').</a:t>
+            </a:r>
+          </a:p>
+          <a:p>
+            <a:r>
+              <a:rPr lang="en-US" dirty="0"/>
+              <a:t>_property(16, santa_clara, in, california).</a:t>
+            </a:r>
+          </a:p>
+          <a:p>
+            <a:r>
+              <a:rPr lang="en-US" dirty="0"/>
+              <a:t>_property(3, champion, of, </a:t>
+            </a:r>
+            <a:r>
+              <a:rPr lang="en-US" dirty="0" err="1"/>
+              <a:t>national_football_league</a:t>
+            </a:r>
+            <a:r>
+              <a:rPr lang="en-US" dirty="0"/>
+              <a:t>).</a:t>
+            </a:r>
+          </a:p>
+          <a:p>
+            <a:r>
+              <a:rPr lang="en-US" dirty="0"/>
+              <a:t>_property(3, </a:t>
+            </a:r>
+            <a:r>
+              <a:rPr lang="en-US" dirty="0" err="1"/>
+              <a:t>national_football_league</a:t>
+            </a:r>
+            <a:r>
+              <a:rPr lang="en-US" dirty="0"/>
+              <a:t>, for, '2015_season').</a:t>
+            </a:r>
+          </a:p>
+          <a:p>
+            <a:r>
+              <a:rPr lang="en-US" dirty="0"/>
+              <a:t>_property(4, defeat, by, '24_10').</a:t>
+            </a:r>
+          </a:p>
+          <a:p>
+            <a:r>
+              <a:rPr lang="en-US" dirty="0"/>
+              <a:t>_property(7, emphasize, null, know).</a:t>
+            </a:r>
+          </a:p>
+          <a:p>
+            <a:r>
+              <a:rPr lang="en-US" dirty="0"/>
+              <a:t>_property(7, emphasize, null, suspend).</a:t>
+            </a:r>
+          </a:p>
+          <a:p>
+            <a:r>
+              <a:rPr lang="en-US" dirty="0"/>
+              <a:t>_property(7, emphasize, null, tradition).</a:t>
             </a:r>
           </a:p>
         </p:txBody>
@@ -41696,7 +43013,7 @@
     </p:spTree>
     <p:extLst>
       <p:ext uri="{BB962C8B-B14F-4D97-AF65-F5344CB8AC3E}">
-        <p14:creationId xmlns:p14="http://schemas.microsoft.com/office/powerpoint/2010/main" val="2355078834"/>
+        <p14:creationId xmlns:p14="http://schemas.microsoft.com/office/powerpoint/2010/main" val="1579340338"/>
       </p:ext>
     </p:extLst>
   </p:cSld>
@@ -41812,10 +43129,10 @@
       </p:sp>
       <p:sp>
         <p:nvSpPr>
-          <p:cNvPr id="3" name="Rectangle 2">
-            <a:extLst>
-              <a:ext uri="{FF2B5EF4-FFF2-40B4-BE49-F238E27FC236}">
-                <a16:creationId xmlns:a16="http://schemas.microsoft.com/office/drawing/2014/main" id="{FF1D4374-B2CF-4381-A08F-992A7BA989A1}"/>
+          <p:cNvPr id="2" name="Rectangle 1">
+            <a:extLst>
+              <a:ext uri="{FF2B5EF4-FFF2-40B4-BE49-F238E27FC236}">
+                <a16:creationId xmlns:a16="http://schemas.microsoft.com/office/drawing/2014/main" id="{51CB5FE2-1ED9-4940-8C37-047A53229F07}"/>
               </a:ext>
             </a:extLst>
           </p:cNvPr>
@@ -41824,8 +43141,142 @@
         </p:nvSpPr>
         <p:spPr>
           <a:xfrm>
-            <a:off x="622852" y="1644781"/>
-            <a:ext cx="4598505" cy="4247317"/>
+            <a:off x="318053" y="1644781"/>
+            <a:ext cx="6096000" cy="4247317"/>
+          </a:xfrm>
+          <a:prstGeom prst="rect">
+            <a:avLst/>
+          </a:prstGeom>
+        </p:spPr>
+        <p:txBody>
+          <a:bodyPr>
+            <a:spAutoFit/>
+          </a:bodyPr>
+          <a:lstStyle/>
+          <a:p>
+            <a:r>
+              <a:rPr lang="en-US" dirty="0"/>
+              <a:t>_relation(13, 9, _conj).</a:t>
+            </a:r>
+          </a:p>
+          <a:p>
+            <a:r>
+              <a:rPr lang="en-US" dirty="0"/>
+              <a:t>_relation(13, tradition, _conj).</a:t>
+            </a:r>
+          </a:p>
+          <a:p>
+            <a:r>
+              <a:rPr lang="en-US" dirty="0"/>
+              <a:t>_relation(2, 3, _</a:t>
+            </a:r>
+            <a:r>
+              <a:rPr lang="en-US" dirty="0" err="1"/>
+              <a:t>clcomplement</a:t>
+            </a:r>
+            <a:r>
+              <a:rPr lang="en-US" dirty="0"/>
+              <a:t>).</a:t>
+            </a:r>
+          </a:p>
+          <a:p>
+            <a:r>
+              <a:rPr lang="en-US" dirty="0"/>
+              <a:t>_relation(4, 5, _clause).</a:t>
+            </a:r>
+          </a:p>
+          <a:p>
+            <a:r>
+              <a:rPr lang="en-US" dirty="0"/>
+              <a:t>_relation(7, 14, _clause).</a:t>
+            </a:r>
+          </a:p>
+          <a:p>
+            <a:r>
+              <a:rPr lang="en-US" dirty="0"/>
+              <a:t>_relation(tradition, 10, _clause).</a:t>
+            </a:r>
+          </a:p>
+          <a:p>
+            <a:r>
+              <a:rPr lang="en-US" dirty="0"/>
+              <a:t>anniversary(anniversary).</a:t>
+            </a:r>
+          </a:p>
+          <a:p>
+            <a:r>
+              <a:rPr lang="en-US" dirty="0"/>
+              <a:t>california(california).</a:t>
+            </a:r>
+          </a:p>
+          <a:p>
+            <a:r>
+              <a:rPr lang="en-US" dirty="0"/>
+              <a:t>champion(champion).</a:t>
+            </a:r>
+          </a:p>
+          <a:p>
+            <a:r>
+              <a:rPr lang="en-US" dirty="0"/>
+              <a:t>day('february_7_2016', 7).</a:t>
+            </a:r>
+          </a:p>
+          <a:p>
+            <a:r>
+              <a:rPr lang="en-US" dirty="0"/>
+              <a:t>event(1, be, null, null).</a:t>
+            </a:r>
+          </a:p>
+          <a:p>
+            <a:r>
+              <a:rPr lang="en-US" dirty="0"/>
+              <a:t>event(10, name, null, </a:t>
+            </a:r>
+            <a:r>
+              <a:rPr lang="en-US" dirty="0" err="1"/>
+              <a:t>super_bowl</a:t>
+            </a:r>
+            <a:r>
+              <a:rPr lang="en-US" dirty="0"/>
+              <a:t>).</a:t>
+            </a:r>
+          </a:p>
+          <a:p>
+            <a:r>
+              <a:rPr lang="en-US" dirty="0"/>
+              <a:t>event(11, have, null, null).</a:t>
+            </a:r>
+          </a:p>
+          <a:p>
+            <a:r>
+              <a:rPr lang="en-US" dirty="0"/>
+              <a:t>event(12, be, null, null).</a:t>
+            </a:r>
+          </a:p>
+          <a:p>
+            <a:r>
+              <a:rPr lang="en-US" dirty="0"/>
+              <a:t>event(13, know, null, game).</a:t>
+            </a:r>
+          </a:p>
+        </p:txBody>
+      </p:sp>
+      <p:sp>
+        <p:nvSpPr>
+          <p:cNvPr id="5" name="Rectangle 4">
+            <a:extLst>
+              <a:ext uri="{FF2B5EF4-FFF2-40B4-BE49-F238E27FC236}">
+                <a16:creationId xmlns:a16="http://schemas.microsoft.com/office/drawing/2014/main" id="{23B630A1-ED1F-49FD-BFED-D20EE2FF76C9}"/>
+              </a:ext>
+            </a:extLst>
+          </p:cNvPr>
+          <p:cNvSpPr/>
+          <p:nvPr/>
+        </p:nvSpPr>
+        <p:spPr>
+          <a:xfrm>
+            <a:off x="4638259" y="1672797"/>
+            <a:ext cx="7938053" cy="4801314"/>
           </a:xfrm>
           <a:prstGeom prst="rect">
             <a:avLst/>
@@ -41838,169 +43289,120 @@
           <a:lstStyle/>
           <a:p>
             <a:r>
-              <a:rPr lang="en-US"/>
-              <a:t>initiative(initiative).</a:t>
-            </a:r>
-          </a:p>
-          <a:p>
-            <a:r>
-              <a:rPr lang="en-US"/>
-              <a:t>league(league).</a:t>
-            </a:r>
-          </a:p>
-          <a:p>
-            <a:r>
-              <a:rPr lang="en-US"/>
-              <a:t>logo(logo).</a:t>
-            </a:r>
-          </a:p>
-          <a:p>
-            <a:r>
-              <a:rPr lang="en-US"/>
-              <a:t>month('february_7_2016', february).</a:t>
-            </a:r>
-          </a:p>
-          <a:p>
-            <a:r>
-              <a:rPr lang="en-US"/>
-              <a:t>number('24_10').</a:t>
-            </a:r>
-          </a:p>
-          <a:p>
-            <a:r>
-              <a:rPr lang="en-US"/>
-              <a:t>organization(national_football_league).</a:t>
-            </a:r>
-          </a:p>
-          <a:p>
-            <a:r>
-              <a:rPr lang="en-US"/>
-              <a:t>organization(nfl).</a:t>
-            </a:r>
-          </a:p>
-          <a:p>
-            <a:r>
-              <a:rPr lang="en-US"/>
-              <a:t>organization(afc). </a:t>
-            </a:r>
-          </a:p>
-          <a:p>
-            <a:r>
-              <a:rPr lang="en-US"/>
-              <a:t>organization(american_football_conference).</a:t>
-            </a:r>
-          </a:p>
-          <a:p>
-            <a:r>
-              <a:rPr lang="en-US"/>
-              <a:t>santa_clara(santa_clara).</a:t>
-            </a:r>
-          </a:p>
-          <a:p>
-            <a:r>
-              <a:rPr lang="en-US"/>
-              <a:t>season(season).</a:t>
-            </a:r>
-          </a:p>
-          <a:p>
-            <a:r>
-              <a:rPr lang="en-US"/>
-              <a:t>team(carolina_panthers).</a:t>
-            </a:r>
-          </a:p>
-          <a:p>
-            <a:r>
-              <a:rPr lang="en-US"/>
-              <a:t>team(denver_broncos).</a:t>
-            </a:r>
-          </a:p>
-          <a:p>
-            <a:r>
-              <a:rPr lang="en-US"/>
-              <a:t>team(team).</a:t>
-            </a:r>
-          </a:p>
-          <a:p>
-            <a:r>
-              <a:rPr lang="en-US"/>
-              <a:t>time('february_7_2016').</a:t>
-            </a:r>
-            <a:endParaRPr lang="en-US" dirty="0"/>
-          </a:p>
-        </p:txBody>
-      </p:sp>
-      <p:sp>
-        <p:nvSpPr>
-          <p:cNvPr id="4" name="Rectangle 3">
-            <a:extLst>
-              <a:ext uri="{FF2B5EF4-FFF2-40B4-BE49-F238E27FC236}">
-                <a16:creationId xmlns:a16="http://schemas.microsoft.com/office/drawing/2014/main" id="{F59F0D24-BD45-4F01-8118-FC1A9B38AEF1}"/>
-              </a:ext>
-            </a:extLst>
-          </p:cNvPr>
-          <p:cNvSpPr/>
-          <p:nvPr/>
-        </p:nvSpPr>
-        <p:spPr>
-          <a:xfrm>
-            <a:off x="5685183" y="1644781"/>
-            <a:ext cx="3684104" cy="2308324"/>
-          </a:xfrm>
-          <a:prstGeom prst="rect">
-            <a:avLst/>
-          </a:prstGeom>
-        </p:spPr>
-        <p:txBody>
-          <a:bodyPr wrap="square">
-            <a:spAutoFit/>
-          </a:bodyPr>
-          <a:lstStyle/>
-          <a:p>
-            <a:r>
               <a:rPr lang="en-US" dirty="0"/>
-              <a:t>time(2015).</a:t>
+              <a:t>event(15, be, null, null).</a:t>
             </a:r>
           </a:p>
           <a:p>
             <a:r>
               <a:rPr lang="en-US" dirty="0"/>
-              <a:t>title(title).</a:t>
+              <a:t>event(14, feature, logo, 'arabic_numerals_50’). </a:t>
             </a:r>
           </a:p>
           <a:p>
             <a:r>
               <a:rPr lang="en-US" dirty="0"/>
-              <a:t>tradition(tradition).</a:t>
+              <a:t>event(16, play, null, game).</a:t>
             </a:r>
           </a:p>
           <a:p>
             <a:r>
               <a:rPr lang="en-US" dirty="0"/>
-              <a:t>year('february_7_2016', 2016).</a:t>
+              <a:t>event(2, be, 'super_bowl_50', null).</a:t>
             </a:r>
           </a:p>
           <a:p>
             <a:r>
               <a:rPr lang="en-US" dirty="0"/>
-              <a:t>year(2015, 2015).</a:t>
+              <a:t>event(3, determine, 'super_bowl_50', champion).</a:t>
             </a:r>
           </a:p>
           <a:p>
             <a:r>
               <a:rPr lang="en-US" dirty="0"/>
-              <a:t>location(san_francisco_bay_area).</a:t>
-            </a:r>
-          </a:p>
-          <a:p>
+              <a:t>event(3, determine, 'super_bowl_50', </a:t>
+            </a:r>
+            <a:r>
+              <a:rPr lang="en-US" dirty="0" err="1"/>
+              <a:t>champion_of_national_football_league</a:t>
+            </a:r>
             <a:r>
               <a:rPr lang="en-US" dirty="0"/>
-              <a:t>location(santa_clara).</a:t>
+              <a:t>).</a:t>
             </a:r>
           </a:p>
           <a:p>
             <a:r>
               <a:rPr lang="en-US" dirty="0"/>
-              <a:t>location(levis_stadium).</a:t>
+              <a:t>event(4, defeat, denver_broncos, carolina_panthers).</a:t>
+            </a:r>
+          </a:p>
+          <a:p>
+            <a:r>
+              <a:rPr lang="en-US" dirty="0"/>
+              <a:t>event(4, defeat, team, team).</a:t>
+            </a:r>
+          </a:p>
+          <a:p>
+            <a:r>
+              <a:rPr lang="en-US" dirty="0"/>
+              <a:t>event(5, earn, afc, third_super_bowl_title).</a:t>
+            </a:r>
+          </a:p>
+          <a:p>
+            <a:r>
+              <a:rPr lang="en-US" dirty="0"/>
+              <a:t>event(5, earn, afc, title).</a:t>
+            </a:r>
+          </a:p>
+          <a:p>
+            <a:r>
+              <a:rPr lang="en-US" dirty="0"/>
+              <a:t>event(6, be, null, null).</a:t>
+            </a:r>
+          </a:p>
+          <a:p>
+            <a:r>
+              <a:rPr lang="en-US" dirty="0"/>
+              <a:t>event(7, emphasize, league, anniversary).</a:t>
+            </a:r>
+          </a:p>
+          <a:p>
+            <a:r>
+              <a:rPr lang="en-US" dirty="0"/>
+              <a:t>event(7, emphasize, league, </a:t>
+            </a:r>
+            <a:r>
+              <a:rPr lang="en-US" dirty="0" err="1"/>
+              <a:t>golden_anniversary</a:t>
+            </a:r>
+            <a:r>
+              <a:rPr lang="en-US" dirty="0"/>
+              <a:t>).</a:t>
+            </a:r>
+          </a:p>
+          <a:p>
+            <a:r>
+              <a:rPr lang="en-US" dirty="0"/>
+              <a:t>event(9, suspend, null, game).</a:t>
+            </a:r>
+          </a:p>
+          <a:p>
+            <a:r>
+              <a:rPr lang="en-US" dirty="0"/>
+              <a:t>event(9, suspend, null, tradition).</a:t>
+            </a:r>
+          </a:p>
+          <a:p>
+            <a:r>
+              <a:rPr lang="en-US" dirty="0"/>
+              <a:t>game('super_bowl_50').</a:t>
+            </a:r>
+          </a:p>
+          <a:p>
+            <a:r>
+              <a:rPr lang="en-US" dirty="0"/>
+              <a:t>game(game).</a:t>
             </a:r>
           </a:p>
         </p:txBody>
@@ -42008,7 +43410,7 @@
     </p:spTree>
     <p:extLst>
       <p:ext uri="{BB962C8B-B14F-4D97-AF65-F5344CB8AC3E}">
-        <p14:creationId xmlns:p14="http://schemas.microsoft.com/office/powerpoint/2010/main" val="4123633163"/>
+        <p14:creationId xmlns:p14="http://schemas.microsoft.com/office/powerpoint/2010/main" val="2355078834"/>
       </p:ext>
     </p:extLst>
   </p:cSld>
@@ -42037,84 +43439,56 @@
       </p:grpSpPr>
       <p:sp>
         <p:nvSpPr>
-          <p:cNvPr id="3" name="TextBox 2">
-            <a:extLst>
-              <a:ext uri="{FF2B5EF4-FFF2-40B4-BE49-F238E27FC236}">
-                <a16:creationId xmlns:a16="http://schemas.microsoft.com/office/drawing/2014/main" id="{1980B4EC-4697-4B4F-87E9-C0E68B2BB033}"/>
-              </a:ext>
-            </a:extLst>
-          </p:cNvPr>
-          <p:cNvSpPr txBox="1"/>
-          <p:nvPr/>
-        </p:nvSpPr>
-        <p:spPr>
-          <a:xfrm>
-            <a:off x="3838210" y="2519929"/>
-            <a:ext cx="4515579" cy="923330"/>
-          </a:xfrm>
-          <a:prstGeom prst="rect">
-            <a:avLst/>
-          </a:prstGeom>
-          <a:noFill/>
-        </p:spPr>
-        <p:txBody>
-          <a:bodyPr wrap="square" rtlCol="0">
-            <a:spAutoFit/>
-          </a:bodyPr>
-          <a:lstStyle/>
-          <a:p>
-            <a:pPr algn="ctr"/>
-            <a:r>
-              <a:rPr lang="en-US" sz="5400" dirty="0">
-                <a:ln w="0"/>
-              </a:rPr>
-              <a:t>Hurdles</a:t>
-            </a:r>
-          </a:p>
-        </p:txBody>
-      </p:sp>
-      <p:cxnSp>
-        <p:nvCxnSpPr>
-          <p:cNvPr id="8" name="Straight Connector 7">
-            <a:extLst>
-              <a:ext uri="{FF2B5EF4-FFF2-40B4-BE49-F238E27FC236}">
-                <a16:creationId xmlns:a16="http://schemas.microsoft.com/office/drawing/2014/main" id="{1246DA07-DFD8-496C-BB69-FD95668F7C67}"/>
-              </a:ext>
-            </a:extLst>
-          </p:cNvPr>
-          <p:cNvCxnSpPr/>
-          <p:nvPr/>
-        </p:nvCxnSpPr>
-        <p:spPr>
-          <a:xfrm>
-            <a:off x="3670852" y="3429000"/>
-            <a:ext cx="4611756" cy="0"/>
-          </a:xfrm>
-          <a:prstGeom prst="line">
+          <p:cNvPr id="7" name="Rectangle 6">
+            <a:extLst>
+              <a:ext uri="{FF2B5EF4-FFF2-40B4-BE49-F238E27FC236}">
+                <a16:creationId xmlns:a16="http://schemas.microsoft.com/office/drawing/2014/main" id="{2B84BBFB-C1EC-478F-8E81-7685A0B691C6}"/>
+              </a:ext>
+            </a:extLst>
+          </p:cNvPr>
+          <p:cNvSpPr/>
+          <p:nvPr/>
+        </p:nvSpPr>
+        <p:spPr>
+          <a:xfrm>
+            <a:off x="0" y="0"/>
+            <a:ext cx="12192000" cy="1311965"/>
+          </a:xfrm>
+          <a:prstGeom prst="rect">
             <a:avLst/>
           </a:prstGeom>
         </p:spPr>
         <p:style>
-          <a:lnRef idx="1">
-            <a:schemeClr val="dk1"/>
+          <a:lnRef idx="2">
+            <a:schemeClr val="dk1">
+              <a:shade val="50000"/>
+            </a:schemeClr>
           </a:lnRef>
-          <a:fillRef idx="0">
+          <a:fillRef idx="1">
             <a:schemeClr val="dk1"/>
           </a:fillRef>
           <a:effectRef idx="0">
             <a:schemeClr val="dk1"/>
           </a:effectRef>
           <a:fontRef idx="minor">
-            <a:schemeClr val="tx1"/>
+            <a:schemeClr val="lt1"/>
           </a:fontRef>
         </p:style>
-      </p:cxnSp>
-      <p:sp>
-        <p:nvSpPr>
-          <p:cNvPr id="4" name="TextBox 3">
-            <a:extLst>
-              <a:ext uri="{FF2B5EF4-FFF2-40B4-BE49-F238E27FC236}">
-                <a16:creationId xmlns:a16="http://schemas.microsoft.com/office/drawing/2014/main" id="{6BFEE7AA-B53C-40A1-BA09-1E3192229B2B}"/>
+        <p:txBody>
+          <a:bodyPr rtlCol="0" anchor="ctr"/>
+          <a:lstStyle/>
+          <a:p>
+            <a:pPr algn="ctr"/>
+            <a:endParaRPr lang="en-US" dirty="0"/>
+          </a:p>
+        </p:txBody>
+      </p:sp>
+      <p:sp>
+        <p:nvSpPr>
+          <p:cNvPr id="9" name="TextBox 8">
+            <a:extLst>
+              <a:ext uri="{FF2B5EF4-FFF2-40B4-BE49-F238E27FC236}">
+                <a16:creationId xmlns:a16="http://schemas.microsoft.com/office/drawing/2014/main" id="{7F0CAA4B-E205-452A-A063-24223A8717CE}"/>
               </a:ext>
             </a:extLst>
           </p:cNvPr>
@@ -42123,8 +43497,8 @@
         </p:nvSpPr>
         <p:spPr>
           <a:xfrm>
-            <a:off x="4565372" y="3443259"/>
-            <a:ext cx="3372680" cy="461665"/>
+            <a:off x="4537625" y="332816"/>
+            <a:ext cx="3116747" cy="646331"/>
           </a:xfrm>
           <a:prstGeom prst="rect">
             <a:avLst/>
@@ -42137,9 +43511,210 @@
           </a:bodyPr>
           <a:lstStyle/>
           <a:p>
-            <a:r>
-              <a:rPr lang="en-US" sz="2400" dirty="0"/>
-              <a:t>What were the blockers?</a:t>
+            <a:pPr algn="ctr"/>
+            <a:r>
+              <a:rPr lang="en-US" sz="3600" dirty="0">
+                <a:ln w="0"/>
+                <a:solidFill>
+                  <a:schemeClr val="bg1"/>
+                </a:solidFill>
+              </a:rPr>
+              <a:t>Super Bowl 50</a:t>
+            </a:r>
+          </a:p>
+        </p:txBody>
+      </p:sp>
+      <p:sp>
+        <p:nvSpPr>
+          <p:cNvPr id="3" name="Rectangle 2">
+            <a:extLst>
+              <a:ext uri="{FF2B5EF4-FFF2-40B4-BE49-F238E27FC236}">
+                <a16:creationId xmlns:a16="http://schemas.microsoft.com/office/drawing/2014/main" id="{FF1D4374-B2CF-4381-A08F-992A7BA989A1}"/>
+              </a:ext>
+            </a:extLst>
+          </p:cNvPr>
+          <p:cNvSpPr/>
+          <p:nvPr/>
+        </p:nvSpPr>
+        <p:spPr>
+          <a:xfrm>
+            <a:off x="622852" y="1644781"/>
+            <a:ext cx="4598505" cy="4247317"/>
+          </a:xfrm>
+          <a:prstGeom prst="rect">
+            <a:avLst/>
+          </a:prstGeom>
+        </p:spPr>
+        <p:txBody>
+          <a:bodyPr wrap="square">
+            <a:spAutoFit/>
+          </a:bodyPr>
+          <a:lstStyle/>
+          <a:p>
+            <a:r>
+              <a:rPr lang="en-US"/>
+              <a:t>initiative(initiative).</a:t>
+            </a:r>
+          </a:p>
+          <a:p>
+            <a:r>
+              <a:rPr lang="en-US"/>
+              <a:t>league(league).</a:t>
+            </a:r>
+          </a:p>
+          <a:p>
+            <a:r>
+              <a:rPr lang="en-US"/>
+              <a:t>logo(logo).</a:t>
+            </a:r>
+          </a:p>
+          <a:p>
+            <a:r>
+              <a:rPr lang="en-US"/>
+              <a:t>month('february_7_2016', february).</a:t>
+            </a:r>
+          </a:p>
+          <a:p>
+            <a:r>
+              <a:rPr lang="en-US"/>
+              <a:t>number('24_10').</a:t>
+            </a:r>
+          </a:p>
+          <a:p>
+            <a:r>
+              <a:rPr lang="en-US"/>
+              <a:t>organization(national_football_league).</a:t>
+            </a:r>
+          </a:p>
+          <a:p>
+            <a:r>
+              <a:rPr lang="en-US"/>
+              <a:t>organization(nfl).</a:t>
+            </a:r>
+          </a:p>
+          <a:p>
+            <a:r>
+              <a:rPr lang="en-US"/>
+              <a:t>organization(afc). </a:t>
+            </a:r>
+          </a:p>
+          <a:p>
+            <a:r>
+              <a:rPr lang="en-US"/>
+              <a:t>organization(american_football_conference).</a:t>
+            </a:r>
+          </a:p>
+          <a:p>
+            <a:r>
+              <a:rPr lang="en-US"/>
+              <a:t>santa_clara(santa_clara).</a:t>
+            </a:r>
+          </a:p>
+          <a:p>
+            <a:r>
+              <a:rPr lang="en-US"/>
+              <a:t>season(season).</a:t>
+            </a:r>
+          </a:p>
+          <a:p>
+            <a:r>
+              <a:rPr lang="en-US"/>
+              <a:t>team(carolina_panthers).</a:t>
+            </a:r>
+          </a:p>
+          <a:p>
+            <a:r>
+              <a:rPr lang="en-US"/>
+              <a:t>team(denver_broncos).</a:t>
+            </a:r>
+          </a:p>
+          <a:p>
+            <a:r>
+              <a:rPr lang="en-US"/>
+              <a:t>team(team).</a:t>
+            </a:r>
+          </a:p>
+          <a:p>
+            <a:r>
+              <a:rPr lang="en-US"/>
+              <a:t>time('february_7_2016').</a:t>
+            </a:r>
+            <a:endParaRPr lang="en-US" dirty="0"/>
+          </a:p>
+        </p:txBody>
+      </p:sp>
+      <p:sp>
+        <p:nvSpPr>
+          <p:cNvPr id="4" name="Rectangle 3">
+            <a:extLst>
+              <a:ext uri="{FF2B5EF4-FFF2-40B4-BE49-F238E27FC236}">
+                <a16:creationId xmlns:a16="http://schemas.microsoft.com/office/drawing/2014/main" id="{F59F0D24-BD45-4F01-8118-FC1A9B38AEF1}"/>
+              </a:ext>
+            </a:extLst>
+          </p:cNvPr>
+          <p:cNvSpPr/>
+          <p:nvPr/>
+        </p:nvSpPr>
+        <p:spPr>
+          <a:xfrm>
+            <a:off x="5685183" y="1644781"/>
+            <a:ext cx="3684104" cy="2308324"/>
+          </a:xfrm>
+          <a:prstGeom prst="rect">
+            <a:avLst/>
+          </a:prstGeom>
+        </p:spPr>
+        <p:txBody>
+          <a:bodyPr wrap="square">
+            <a:spAutoFit/>
+          </a:bodyPr>
+          <a:lstStyle/>
+          <a:p>
+            <a:r>
+              <a:rPr lang="en-US" dirty="0"/>
+              <a:t>time(2015).</a:t>
+            </a:r>
+          </a:p>
+          <a:p>
+            <a:r>
+              <a:rPr lang="en-US" dirty="0"/>
+              <a:t>title(title).</a:t>
+            </a:r>
+          </a:p>
+          <a:p>
+            <a:r>
+              <a:rPr lang="en-US" dirty="0"/>
+              <a:t>tradition(tradition).</a:t>
+            </a:r>
+          </a:p>
+          <a:p>
+            <a:r>
+              <a:rPr lang="en-US" dirty="0"/>
+              <a:t>year('february_7_2016', 2016).</a:t>
+            </a:r>
+          </a:p>
+          <a:p>
+            <a:r>
+              <a:rPr lang="en-US" dirty="0"/>
+              <a:t>year(2015, 2015).</a:t>
+            </a:r>
+          </a:p>
+          <a:p>
+            <a:r>
+              <a:rPr lang="en-US" dirty="0"/>
+              <a:t>location(san_francisco_bay_area).</a:t>
+            </a:r>
+          </a:p>
+          <a:p>
+            <a:r>
+              <a:rPr lang="en-US" dirty="0"/>
+              <a:t>location(santa_clara).</a:t>
+            </a:r>
+          </a:p>
+          <a:p>
+            <a:r>
+              <a:rPr lang="en-US" dirty="0"/>
+              <a:t>location(levis_stadium).</a:t>
             </a:r>
           </a:p>
         </p:txBody>
@@ -42147,7 +43722,7 @@
     </p:spTree>
     <p:extLst>
       <p:ext uri="{BB962C8B-B14F-4D97-AF65-F5344CB8AC3E}">
-        <p14:creationId xmlns:p14="http://schemas.microsoft.com/office/powerpoint/2010/main" val="484564978"/>
+        <p14:creationId xmlns:p14="http://schemas.microsoft.com/office/powerpoint/2010/main" val="4123633163"/>
       </p:ext>
     </p:extLst>
   </p:cSld>
@@ -42176,155 +43751,84 @@
       </p:grpSpPr>
       <p:sp>
         <p:nvSpPr>
-          <p:cNvPr id="5" name="Rectangle 4">
-            <a:extLst>
-              <a:ext uri="{FF2B5EF4-FFF2-40B4-BE49-F238E27FC236}">
-                <a16:creationId xmlns:a16="http://schemas.microsoft.com/office/drawing/2014/main" id="{4FDB0B06-F270-4F00-8383-EB0ABF97EF01}"/>
-              </a:ext>
-            </a:extLst>
-          </p:cNvPr>
-          <p:cNvSpPr/>
-          <p:nvPr/>
-        </p:nvSpPr>
-        <p:spPr>
-          <a:xfrm>
-            <a:off x="390937" y="1790555"/>
-            <a:ext cx="11085446" cy="1938992"/>
-          </a:xfrm>
-          <a:prstGeom prst="rect">
-            <a:avLst/>
-          </a:prstGeom>
-        </p:spPr>
-        <p:txBody>
-          <a:bodyPr wrap="square">
+          <p:cNvPr id="3" name="TextBox 2">
+            <a:extLst>
+              <a:ext uri="{FF2B5EF4-FFF2-40B4-BE49-F238E27FC236}">
+                <a16:creationId xmlns:a16="http://schemas.microsoft.com/office/drawing/2014/main" id="{1980B4EC-4697-4B4F-87E9-C0E68B2BB033}"/>
+              </a:ext>
+            </a:extLst>
+          </p:cNvPr>
+          <p:cNvSpPr txBox="1"/>
+          <p:nvPr/>
+        </p:nvSpPr>
+        <p:spPr>
+          <a:xfrm>
+            <a:off x="3838210" y="2519929"/>
+            <a:ext cx="4515579" cy="923330"/>
+          </a:xfrm>
+          <a:prstGeom prst="rect">
+            <a:avLst/>
+          </a:prstGeom>
+          <a:noFill/>
+        </p:spPr>
+        <p:txBody>
+          <a:bodyPr wrap="square" rtlCol="0">
             <a:spAutoFit/>
           </a:bodyPr>
           <a:lstStyle/>
           <a:p>
-            <a:pPr marL="457200" indent="-457200" algn="just">
-              <a:buAutoNum type="arabicPeriod"/>
-            </a:pPr>
-            <a:r>
-              <a:rPr lang="en-US" sz="2400" b="1" dirty="0"/>
-              <a:t>Accuracy of NLP Tools</a:t>
-            </a:r>
-          </a:p>
-          <a:p>
-            <a:pPr marL="800100" lvl="1" indent="-342900" algn="just">
-              <a:buFont typeface="Arial" panose="020B0604020202020204" pitchFamily="34" charset="0"/>
-              <a:buChar char="•"/>
-            </a:pPr>
-            <a:r>
-              <a:rPr lang="en-US" sz="2400" dirty="0"/>
-              <a:t>Some sentences are </a:t>
-            </a:r>
-            <a:r>
-              <a:rPr lang="en-US" sz="2400" dirty="0">
-                <a:solidFill>
-                  <a:srgbClr val="FF0000"/>
-                </a:solidFill>
-              </a:rPr>
-              <a:t>parsed incorrectly</a:t>
-            </a:r>
-          </a:p>
-          <a:p>
-            <a:pPr marL="800100" lvl="1" indent="-342900" algn="just">
-              <a:buFont typeface="Arial" panose="020B0604020202020204" pitchFamily="34" charset="0"/>
-              <a:buChar char="•"/>
-            </a:pPr>
-            <a:r>
-              <a:rPr lang="en-US" sz="2400" dirty="0"/>
-              <a:t>Some words are </a:t>
-            </a:r>
-            <a:r>
-              <a:rPr lang="en-US" sz="2400" dirty="0">
-                <a:solidFill>
-                  <a:srgbClr val="FF0000"/>
-                </a:solidFill>
-              </a:rPr>
-              <a:t>mis-tagged </a:t>
-            </a:r>
-            <a:r>
-              <a:rPr lang="en-US" sz="2400" dirty="0"/>
-              <a:t>due to multiple possible POS Tags</a:t>
-            </a:r>
-          </a:p>
-          <a:p>
-            <a:pPr marL="800100" lvl="1" indent="-342900" algn="just">
-              <a:buFont typeface="Arial" panose="020B0604020202020204" pitchFamily="34" charset="0"/>
-              <a:buChar char="•"/>
-            </a:pPr>
-            <a:r>
-              <a:rPr lang="en-US" sz="2400" dirty="0"/>
-              <a:t>System tries to solve this with the use of </a:t>
-            </a:r>
-            <a:r>
-              <a:rPr lang="en-US" sz="2400" dirty="0">
-                <a:solidFill>
-                  <a:srgbClr val="FF0000"/>
-                </a:solidFill>
-              </a:rPr>
-              <a:t>multiple tools </a:t>
-            </a:r>
-            <a:r>
-              <a:rPr lang="en-US" sz="2400" dirty="0"/>
-              <a:t>i.e. also using tools having higher semantic information.</a:t>
-            </a:r>
-          </a:p>
-        </p:txBody>
-      </p:sp>
-      <p:sp>
-        <p:nvSpPr>
-          <p:cNvPr id="7" name="Rectangle 6">
-            <a:extLst>
-              <a:ext uri="{FF2B5EF4-FFF2-40B4-BE49-F238E27FC236}">
-                <a16:creationId xmlns:a16="http://schemas.microsoft.com/office/drawing/2014/main" id="{2B84BBFB-C1EC-478F-8E81-7685A0B691C6}"/>
-              </a:ext>
-            </a:extLst>
-          </p:cNvPr>
-          <p:cNvSpPr/>
-          <p:nvPr/>
-        </p:nvSpPr>
-        <p:spPr>
-          <a:xfrm>
-            <a:off x="0" y="0"/>
-            <a:ext cx="12192000" cy="1311965"/>
-          </a:xfrm>
-          <a:prstGeom prst="rect">
+            <a:pPr algn="ctr"/>
+            <a:r>
+              <a:rPr lang="en-US" sz="5400" dirty="0">
+                <a:ln w="0"/>
+              </a:rPr>
+              <a:t>Hurdles</a:t>
+            </a:r>
+          </a:p>
+        </p:txBody>
+      </p:sp>
+      <p:cxnSp>
+        <p:nvCxnSpPr>
+          <p:cNvPr id="8" name="Straight Connector 7">
+            <a:extLst>
+              <a:ext uri="{FF2B5EF4-FFF2-40B4-BE49-F238E27FC236}">
+                <a16:creationId xmlns:a16="http://schemas.microsoft.com/office/drawing/2014/main" id="{1246DA07-DFD8-496C-BB69-FD95668F7C67}"/>
+              </a:ext>
+            </a:extLst>
+          </p:cNvPr>
+          <p:cNvCxnSpPr/>
+          <p:nvPr/>
+        </p:nvCxnSpPr>
+        <p:spPr>
+          <a:xfrm>
+            <a:off x="3670852" y="3429000"/>
+            <a:ext cx="4611756" cy="0"/>
+          </a:xfrm>
+          <a:prstGeom prst="line">
             <a:avLst/>
           </a:prstGeom>
         </p:spPr>
         <p:style>
-          <a:lnRef idx="2">
-            <a:schemeClr val="dk1">
-              <a:shade val="50000"/>
-            </a:schemeClr>
+          <a:lnRef idx="1">
+            <a:schemeClr val="dk1"/>
           </a:lnRef>
-          <a:fillRef idx="1">
+          <a:fillRef idx="0">
             <a:schemeClr val="dk1"/>
           </a:fillRef>
           <a:effectRef idx="0">
             <a:schemeClr val="dk1"/>
           </a:effectRef>
           <a:fontRef idx="minor">
-            <a:schemeClr val="lt1"/>
+            <a:schemeClr val="tx1"/>
           </a:fontRef>
         </p:style>
-        <p:txBody>
-          <a:bodyPr rtlCol="0" anchor="ctr"/>
-          <a:lstStyle/>
-          <a:p>
-            <a:pPr algn="ctr"/>
-            <a:endParaRPr lang="en-US" dirty="0"/>
-          </a:p>
-        </p:txBody>
-      </p:sp>
-      <p:sp>
-        <p:nvSpPr>
-          <p:cNvPr id="9" name="TextBox 8">
-            <a:extLst>
-              <a:ext uri="{FF2B5EF4-FFF2-40B4-BE49-F238E27FC236}">
-                <a16:creationId xmlns:a16="http://schemas.microsoft.com/office/drawing/2014/main" id="{7F0CAA4B-E205-452A-A063-24223A8717CE}"/>
+      </p:cxnSp>
+      <p:sp>
+        <p:nvSpPr>
+          <p:cNvPr id="4" name="TextBox 3">
+            <a:extLst>
+              <a:ext uri="{FF2B5EF4-FFF2-40B4-BE49-F238E27FC236}">
+                <a16:creationId xmlns:a16="http://schemas.microsoft.com/office/drawing/2014/main" id="{6BFEE7AA-B53C-40A1-BA09-1E3192229B2B}"/>
               </a:ext>
             </a:extLst>
           </p:cNvPr>
@@ -42333,8 +43837,8 @@
         </p:nvSpPr>
         <p:spPr>
           <a:xfrm>
-            <a:off x="4541560" y="332816"/>
-            <a:ext cx="3108879" cy="646331"/>
+            <a:off x="4565372" y="3443259"/>
+            <a:ext cx="3372680" cy="461665"/>
           </a:xfrm>
           <a:prstGeom prst="rect">
             <a:avLst/>
@@ -42347,127 +43851,9 @@
           </a:bodyPr>
           <a:lstStyle/>
           <a:p>
-            <a:pPr algn="ctr"/>
-            <a:r>
-              <a:rPr lang="en-US" sz="3600" dirty="0">
-                <a:ln w="0"/>
-                <a:solidFill>
-                  <a:schemeClr val="bg1"/>
-                </a:solidFill>
-              </a:rPr>
-              <a:t>Hurdles</a:t>
-            </a:r>
-          </a:p>
-        </p:txBody>
-      </p:sp>
-      <p:sp>
-        <p:nvSpPr>
-          <p:cNvPr id="8" name="Rectangle 7">
-            <a:extLst>
-              <a:ext uri="{FF2B5EF4-FFF2-40B4-BE49-F238E27FC236}">
-                <a16:creationId xmlns:a16="http://schemas.microsoft.com/office/drawing/2014/main" id="{20D06865-0810-4A4C-8F58-BE8C7E0AD5E1}"/>
-              </a:ext>
-            </a:extLst>
-          </p:cNvPr>
-          <p:cNvSpPr/>
-          <p:nvPr/>
-        </p:nvSpPr>
-        <p:spPr>
-          <a:xfrm>
-            <a:off x="390937" y="3811012"/>
-            <a:ext cx="11085446" cy="3046988"/>
-          </a:xfrm>
-          <a:prstGeom prst="rect">
-            <a:avLst/>
-          </a:prstGeom>
-        </p:spPr>
-        <p:txBody>
-          <a:bodyPr wrap="square">
-            <a:spAutoFit/>
-          </a:bodyPr>
-          <a:lstStyle/>
-          <a:p>
-            <a:pPr algn="just"/>
-            <a:r>
-              <a:rPr lang="en-US" sz="2400" b="1" dirty="0"/>
-              <a:t>2.    Use of similar words and concepts</a:t>
-            </a:r>
-          </a:p>
-          <a:p>
-            <a:pPr marL="800100" lvl="1" indent="-342900" algn="just">
-              <a:buFont typeface="Arial" panose="020B0604020202020204" pitchFamily="34" charset="0"/>
-              <a:buChar char="•"/>
-            </a:pPr>
             <a:r>
               <a:rPr lang="en-US" sz="2400" dirty="0"/>
-              <a:t>Humans use the </a:t>
-            </a:r>
-            <a:r>
-              <a:rPr lang="en-US" sz="2400" dirty="0">
-                <a:solidFill>
-                  <a:srgbClr val="FF0000"/>
-                </a:solidFill>
-              </a:rPr>
-              <a:t>concept of similarity</a:t>
-            </a:r>
-            <a:r>
-              <a:rPr lang="en-US" sz="2400" dirty="0"/>
-              <a:t> a lot when reasoning</a:t>
-            </a:r>
-            <a:endParaRPr lang="en-US" sz="2400" dirty="0">
-              <a:solidFill>
-                <a:srgbClr val="FF0000"/>
-              </a:solidFill>
-            </a:endParaRPr>
-          </a:p>
-          <a:p>
-            <a:pPr marL="800100" lvl="1" indent="-342900" algn="just">
-              <a:buFont typeface="Arial" panose="020B0604020202020204" pitchFamily="34" charset="0"/>
-              <a:buChar char="•"/>
-            </a:pPr>
-            <a:r>
-              <a:rPr lang="en-US" sz="2400" dirty="0"/>
-              <a:t>Example use of last name for people instead of full name </a:t>
-            </a:r>
-            <a:r>
-              <a:rPr lang="en-US" sz="2400" dirty="0">
-                <a:solidFill>
-                  <a:srgbClr val="FF0000"/>
-                </a:solidFill>
-              </a:rPr>
-              <a:t>Tesla instead of Nikola Tesla</a:t>
-            </a:r>
-          </a:p>
-          <a:p>
-            <a:pPr marL="800100" lvl="1" indent="-342900" algn="just">
-              <a:buFont typeface="Arial" panose="020B0604020202020204" pitchFamily="34" charset="0"/>
-              <a:buChar char="•"/>
-            </a:pPr>
-            <a:r>
-              <a:rPr lang="en-US" sz="2400" dirty="0"/>
-              <a:t>All of these implicit connections made by humans adversely </a:t>
-            </a:r>
-            <a:r>
-              <a:rPr lang="en-US" sz="2400" dirty="0">
-                <a:solidFill>
-                  <a:srgbClr val="FF0000"/>
-                </a:solidFill>
-              </a:rPr>
-              <a:t>affect the process of automated reasoning</a:t>
-            </a:r>
-            <a:r>
-              <a:rPr lang="en-US" sz="2400" dirty="0"/>
-              <a:t> </a:t>
-            </a:r>
-          </a:p>
-          <a:p>
-            <a:pPr marL="800100" lvl="1" indent="-342900" algn="just">
-              <a:buFont typeface="Arial" panose="020B0604020202020204" pitchFamily="34" charset="0"/>
-              <a:buChar char="•"/>
-            </a:pPr>
-            <a:r>
-              <a:rPr lang="en-US" sz="2400" dirty="0"/>
-              <a:t>One of the ways to solve this is to use a similarity measure and use it to find the nearest answer.</a:t>
+              <a:t>What were the blockers?</a:t>
             </a:r>
           </a:p>
         </p:txBody>
@@ -42475,7 +43861,7 @@
     </p:spTree>
     <p:extLst>
       <p:ext uri="{BB962C8B-B14F-4D97-AF65-F5344CB8AC3E}">
-        <p14:creationId xmlns:p14="http://schemas.microsoft.com/office/powerpoint/2010/main" val="3587751507"/>
+        <p14:creationId xmlns:p14="http://schemas.microsoft.com/office/powerpoint/2010/main" val="484564978"/>
       </p:ext>
     </p:extLst>
   </p:cSld>
@@ -42829,7 +44215,7 @@
         <p:spPr>
           <a:xfrm>
             <a:off x="390937" y="1790555"/>
-            <a:ext cx="11085446" cy="3046988"/>
+            <a:ext cx="11085446" cy="1938992"/>
           </a:xfrm>
           <a:prstGeom prst="rect">
             <a:avLst/>
@@ -42841,10 +44227,12 @@
           </a:bodyPr>
           <a:lstStyle/>
           <a:p>
-            <a:pPr algn="just"/>
+            <a:pPr marL="457200" indent="-457200" algn="just">
+              <a:buAutoNum type="arabicPeriod"/>
+            </a:pPr>
             <a:r>
               <a:rPr lang="en-US" sz="2400" b="1" dirty="0"/>
-              <a:t>3.     Absence of good resources for verbs</a:t>
+              <a:t>Accuracy of NLP Tools</a:t>
             </a:r>
           </a:p>
           <a:p>
@@ -42854,7 +44242,7 @@
             </a:pPr>
             <a:r>
               <a:rPr lang="en-US" sz="2400" dirty="0"/>
-              <a:t>Verbs are </a:t>
+              <a:t>Some sentences are </a:t>
             </a:r>
             <a:r>
               <a:rPr lang="en-US" sz="2400" dirty="0">
@@ -42862,17 +44250,8 @@
                   <a:srgbClr val="FF0000"/>
                 </a:solidFill>
               </a:rPr>
-              <a:t>important parts</a:t>
-            </a:r>
-            <a:r>
-              <a:rPr lang="en-US" sz="2400" dirty="0"/>
-              <a:t> of the sentence</a:t>
-            </a:r>
-            <a:endParaRPr lang="en-US" sz="2400" dirty="0">
-              <a:solidFill>
-                <a:srgbClr val="FF0000"/>
-              </a:solidFill>
-            </a:endParaRPr>
+              <a:t>parsed incorrectly</a:t>
+            </a:r>
           </a:p>
           <a:p>
             <a:pPr marL="800100" lvl="1" indent="-342900" algn="just">
@@ -42881,7 +44260,7 @@
             </a:pPr>
             <a:r>
               <a:rPr lang="en-US" sz="2400" dirty="0"/>
-              <a:t>Its important to </a:t>
+              <a:t>Some words are </a:t>
             </a:r>
             <a:r>
               <a:rPr lang="en-US" sz="2400" dirty="0">
@@ -42889,11 +44268,11 @@
                   <a:srgbClr val="FF0000"/>
                 </a:solidFill>
               </a:rPr>
-              <a:t>understand the exact meaning of verbs </a:t>
+              <a:t>mis-tagged </a:t>
             </a:r>
             <a:r>
               <a:rPr lang="en-US" sz="2400" dirty="0"/>
-              <a:t>to understand the sentence</a:t>
+              <a:t>due to multiple possible POS Tags</a:t>
             </a:r>
           </a:p>
           <a:p>
@@ -42903,29 +44282,19 @@
             </a:pPr>
             <a:r>
               <a:rPr lang="en-US" sz="2400" dirty="0"/>
-              <a:t>Humans have a complete understanding of how verbs behave in different contexts.</a:t>
-            </a:r>
-          </a:p>
-          <a:p>
-            <a:pPr marL="800100" lvl="1" indent="-342900" algn="just">
-              <a:buFont typeface="Arial" panose="020B0604020202020204" pitchFamily="34" charset="0"/>
-              <a:buChar char="•"/>
-            </a:pPr>
+              <a:t>System tries to solve this with the use of </a:t>
+            </a:r>
+            <a:r>
+              <a:rPr lang="en-US" sz="2400" dirty="0">
+                <a:solidFill>
+                  <a:srgbClr val="FF0000"/>
+                </a:solidFill>
+              </a:rPr>
+              <a:t>multiple tools </a:t>
+            </a:r>
             <a:r>
               <a:rPr lang="en-US" sz="2400" dirty="0"/>
-              <a:t>One way to overcome this is to </a:t>
-            </a:r>
-            <a:r>
-              <a:rPr lang="en-US" sz="2400" dirty="0">
-                <a:solidFill>
-                  <a:srgbClr val="FF0000"/>
-                </a:solidFill>
-              </a:rPr>
-              <a:t>manually add knowledge </a:t>
-            </a:r>
-            <a:r>
-              <a:rPr lang="en-US" sz="2400" dirty="0"/>
-              <a:t>about verbs that is reusable.</a:t>
+              <a:t>i.e. also using tools having higher semantic information.</a:t>
             </a:r>
           </a:p>
         </p:txBody>
@@ -43017,10 +44386,122 @@
           </a:p>
         </p:txBody>
       </p:sp>
+      <p:sp>
+        <p:nvSpPr>
+          <p:cNvPr id="8" name="Rectangle 7">
+            <a:extLst>
+              <a:ext uri="{FF2B5EF4-FFF2-40B4-BE49-F238E27FC236}">
+                <a16:creationId xmlns:a16="http://schemas.microsoft.com/office/drawing/2014/main" id="{20D06865-0810-4A4C-8F58-BE8C7E0AD5E1}"/>
+              </a:ext>
+            </a:extLst>
+          </p:cNvPr>
+          <p:cNvSpPr/>
+          <p:nvPr/>
+        </p:nvSpPr>
+        <p:spPr>
+          <a:xfrm>
+            <a:off x="390937" y="3811012"/>
+            <a:ext cx="11085446" cy="3046988"/>
+          </a:xfrm>
+          <a:prstGeom prst="rect">
+            <a:avLst/>
+          </a:prstGeom>
+        </p:spPr>
+        <p:txBody>
+          <a:bodyPr wrap="square">
+            <a:spAutoFit/>
+          </a:bodyPr>
+          <a:lstStyle/>
+          <a:p>
+            <a:pPr algn="just"/>
+            <a:r>
+              <a:rPr lang="en-US" sz="2400" b="1" dirty="0"/>
+              <a:t>2.    Use of similar words and concepts</a:t>
+            </a:r>
+          </a:p>
+          <a:p>
+            <a:pPr marL="800100" lvl="1" indent="-342900" algn="just">
+              <a:buFont typeface="Arial" panose="020B0604020202020204" pitchFamily="34" charset="0"/>
+              <a:buChar char="•"/>
+            </a:pPr>
+            <a:r>
+              <a:rPr lang="en-US" sz="2400" dirty="0"/>
+              <a:t>Humans use the </a:t>
+            </a:r>
+            <a:r>
+              <a:rPr lang="en-US" sz="2400" dirty="0">
+                <a:solidFill>
+                  <a:srgbClr val="FF0000"/>
+                </a:solidFill>
+              </a:rPr>
+              <a:t>concept of similarity</a:t>
+            </a:r>
+            <a:r>
+              <a:rPr lang="en-US" sz="2400" dirty="0"/>
+              <a:t> a lot when reasoning</a:t>
+            </a:r>
+            <a:endParaRPr lang="en-US" sz="2400" dirty="0">
+              <a:solidFill>
+                <a:srgbClr val="FF0000"/>
+              </a:solidFill>
+            </a:endParaRPr>
+          </a:p>
+          <a:p>
+            <a:pPr marL="800100" lvl="1" indent="-342900" algn="just">
+              <a:buFont typeface="Arial" panose="020B0604020202020204" pitchFamily="34" charset="0"/>
+              <a:buChar char="•"/>
+            </a:pPr>
+            <a:r>
+              <a:rPr lang="en-US" sz="2400" dirty="0"/>
+              <a:t>Example use of last name for people instead of full name </a:t>
+            </a:r>
+            <a:r>
+              <a:rPr lang="en-US" sz="2400" dirty="0">
+                <a:solidFill>
+                  <a:srgbClr val="FF0000"/>
+                </a:solidFill>
+              </a:rPr>
+              <a:t>Tesla instead of Nikola Tesla</a:t>
+            </a:r>
+          </a:p>
+          <a:p>
+            <a:pPr marL="800100" lvl="1" indent="-342900" algn="just">
+              <a:buFont typeface="Arial" panose="020B0604020202020204" pitchFamily="34" charset="0"/>
+              <a:buChar char="•"/>
+            </a:pPr>
+            <a:r>
+              <a:rPr lang="en-US" sz="2400" dirty="0"/>
+              <a:t>All of these implicit connections made by humans adversely </a:t>
+            </a:r>
+            <a:r>
+              <a:rPr lang="en-US" sz="2400" dirty="0">
+                <a:solidFill>
+                  <a:srgbClr val="FF0000"/>
+                </a:solidFill>
+              </a:rPr>
+              <a:t>affect the process of automated reasoning</a:t>
+            </a:r>
+            <a:r>
+              <a:rPr lang="en-US" sz="2400" dirty="0"/>
+              <a:t> </a:t>
+            </a:r>
+          </a:p>
+          <a:p>
+            <a:pPr marL="800100" lvl="1" indent="-342900" algn="just">
+              <a:buFont typeface="Arial" panose="020B0604020202020204" pitchFamily="34" charset="0"/>
+              <a:buChar char="•"/>
+            </a:pPr>
+            <a:r>
+              <a:rPr lang="en-US" sz="2400" dirty="0"/>
+              <a:t>One of the ways to solve this is to use a similarity measure and use it to find the nearest answer.</a:t>
+            </a:r>
+          </a:p>
+        </p:txBody>
+      </p:sp>
     </p:spTree>
     <p:extLst>
       <p:ext uri="{BB962C8B-B14F-4D97-AF65-F5344CB8AC3E}">
-        <p14:creationId xmlns:p14="http://schemas.microsoft.com/office/powerpoint/2010/main" val="976670942"/>
+        <p14:creationId xmlns:p14="http://schemas.microsoft.com/office/powerpoint/2010/main" val="3587751507"/>
       </p:ext>
     </p:extLst>
   </p:cSld>
@@ -43049,84 +44530,172 @@
       </p:grpSpPr>
       <p:sp>
         <p:nvSpPr>
-          <p:cNvPr id="3" name="TextBox 2">
-            <a:extLst>
-              <a:ext uri="{FF2B5EF4-FFF2-40B4-BE49-F238E27FC236}">
-                <a16:creationId xmlns:a16="http://schemas.microsoft.com/office/drawing/2014/main" id="{1980B4EC-4697-4B4F-87E9-C0E68B2BB033}"/>
-              </a:ext>
-            </a:extLst>
-          </p:cNvPr>
-          <p:cNvSpPr txBox="1"/>
-          <p:nvPr/>
-        </p:nvSpPr>
-        <p:spPr>
-          <a:xfrm>
-            <a:off x="3838210" y="2519929"/>
-            <a:ext cx="4515579" cy="923330"/>
-          </a:xfrm>
-          <a:prstGeom prst="rect">
-            <a:avLst/>
-          </a:prstGeom>
-          <a:noFill/>
-        </p:spPr>
-        <p:txBody>
-          <a:bodyPr wrap="square" rtlCol="0">
+          <p:cNvPr id="5" name="Rectangle 4">
+            <a:extLst>
+              <a:ext uri="{FF2B5EF4-FFF2-40B4-BE49-F238E27FC236}">
+                <a16:creationId xmlns:a16="http://schemas.microsoft.com/office/drawing/2014/main" id="{4FDB0B06-F270-4F00-8383-EB0ABF97EF01}"/>
+              </a:ext>
+            </a:extLst>
+          </p:cNvPr>
+          <p:cNvSpPr/>
+          <p:nvPr/>
+        </p:nvSpPr>
+        <p:spPr>
+          <a:xfrm>
+            <a:off x="390937" y="1790555"/>
+            <a:ext cx="11085446" cy="3046988"/>
+          </a:xfrm>
+          <a:prstGeom prst="rect">
+            <a:avLst/>
+          </a:prstGeom>
+        </p:spPr>
+        <p:txBody>
+          <a:bodyPr wrap="square">
             <a:spAutoFit/>
           </a:bodyPr>
           <a:lstStyle/>
           <a:p>
-            <a:pPr algn="ctr"/>
-            <a:r>
-              <a:rPr lang="en-US" sz="5400" dirty="0">
-                <a:ln w="0"/>
-              </a:rPr>
-              <a:t>Future Work</a:t>
-            </a:r>
-          </a:p>
-        </p:txBody>
-      </p:sp>
-      <p:cxnSp>
-        <p:nvCxnSpPr>
-          <p:cNvPr id="8" name="Straight Connector 7">
-            <a:extLst>
-              <a:ext uri="{FF2B5EF4-FFF2-40B4-BE49-F238E27FC236}">
-                <a16:creationId xmlns:a16="http://schemas.microsoft.com/office/drawing/2014/main" id="{1246DA07-DFD8-496C-BB69-FD95668F7C67}"/>
-              </a:ext>
-            </a:extLst>
-          </p:cNvPr>
-          <p:cNvCxnSpPr/>
-          <p:nvPr/>
-        </p:nvCxnSpPr>
-        <p:spPr>
-          <a:xfrm>
-            <a:off x="3670852" y="3429000"/>
-            <a:ext cx="4611756" cy="0"/>
-          </a:xfrm>
-          <a:prstGeom prst="line">
+            <a:pPr algn="just"/>
+            <a:r>
+              <a:rPr lang="en-US" sz="2400" b="1" dirty="0"/>
+              <a:t>3.     Absence of good resources for verbs</a:t>
+            </a:r>
+          </a:p>
+          <a:p>
+            <a:pPr marL="800100" lvl="1" indent="-342900" algn="just">
+              <a:buFont typeface="Arial" panose="020B0604020202020204" pitchFamily="34" charset="0"/>
+              <a:buChar char="•"/>
+            </a:pPr>
+            <a:r>
+              <a:rPr lang="en-US" sz="2400" dirty="0"/>
+              <a:t>Verbs are </a:t>
+            </a:r>
+            <a:r>
+              <a:rPr lang="en-US" sz="2400" dirty="0">
+                <a:solidFill>
+                  <a:srgbClr val="FF0000"/>
+                </a:solidFill>
+              </a:rPr>
+              <a:t>important parts</a:t>
+            </a:r>
+            <a:r>
+              <a:rPr lang="en-US" sz="2400" dirty="0"/>
+              <a:t> of the sentence</a:t>
+            </a:r>
+            <a:endParaRPr lang="en-US" sz="2400" dirty="0">
+              <a:solidFill>
+                <a:srgbClr val="FF0000"/>
+              </a:solidFill>
+            </a:endParaRPr>
+          </a:p>
+          <a:p>
+            <a:pPr marL="800100" lvl="1" indent="-342900" algn="just">
+              <a:buFont typeface="Arial" panose="020B0604020202020204" pitchFamily="34" charset="0"/>
+              <a:buChar char="•"/>
+            </a:pPr>
+            <a:r>
+              <a:rPr lang="en-US" sz="2400" dirty="0"/>
+              <a:t>Its important to </a:t>
+            </a:r>
+            <a:r>
+              <a:rPr lang="en-US" sz="2400" dirty="0">
+                <a:solidFill>
+                  <a:srgbClr val="FF0000"/>
+                </a:solidFill>
+              </a:rPr>
+              <a:t>understand the exact meaning of verbs </a:t>
+            </a:r>
+            <a:r>
+              <a:rPr lang="en-US" sz="2400" dirty="0"/>
+              <a:t>to understand the sentence</a:t>
+            </a:r>
+          </a:p>
+          <a:p>
+            <a:pPr marL="800100" lvl="1" indent="-342900" algn="just">
+              <a:buFont typeface="Arial" panose="020B0604020202020204" pitchFamily="34" charset="0"/>
+              <a:buChar char="•"/>
+            </a:pPr>
+            <a:r>
+              <a:rPr lang="en-US" sz="2400" dirty="0"/>
+              <a:t>Humans have a complete understanding of how verbs behave in different contexts.</a:t>
+            </a:r>
+          </a:p>
+          <a:p>
+            <a:pPr marL="800100" lvl="1" indent="-342900" algn="just">
+              <a:buFont typeface="Arial" panose="020B0604020202020204" pitchFamily="34" charset="0"/>
+              <a:buChar char="•"/>
+            </a:pPr>
+            <a:r>
+              <a:rPr lang="en-US" sz="2400" dirty="0"/>
+              <a:t>One way to overcome this is to </a:t>
+            </a:r>
+            <a:r>
+              <a:rPr lang="en-US" sz="2400" dirty="0">
+                <a:solidFill>
+                  <a:srgbClr val="FF0000"/>
+                </a:solidFill>
+              </a:rPr>
+              <a:t>manually add knowledge </a:t>
+            </a:r>
+            <a:r>
+              <a:rPr lang="en-US" sz="2400" dirty="0"/>
+              <a:t>about verbs that is reusable.</a:t>
+            </a:r>
+          </a:p>
+        </p:txBody>
+      </p:sp>
+      <p:sp>
+        <p:nvSpPr>
+          <p:cNvPr id="7" name="Rectangle 6">
+            <a:extLst>
+              <a:ext uri="{FF2B5EF4-FFF2-40B4-BE49-F238E27FC236}">
+                <a16:creationId xmlns:a16="http://schemas.microsoft.com/office/drawing/2014/main" id="{2B84BBFB-C1EC-478F-8E81-7685A0B691C6}"/>
+              </a:ext>
+            </a:extLst>
+          </p:cNvPr>
+          <p:cNvSpPr/>
+          <p:nvPr/>
+        </p:nvSpPr>
+        <p:spPr>
+          <a:xfrm>
+            <a:off x="0" y="0"/>
+            <a:ext cx="12192000" cy="1311965"/>
+          </a:xfrm>
+          <a:prstGeom prst="rect">
             <a:avLst/>
           </a:prstGeom>
         </p:spPr>
         <p:style>
-          <a:lnRef idx="1">
-            <a:schemeClr val="dk1"/>
+          <a:lnRef idx="2">
+            <a:schemeClr val="dk1">
+              <a:shade val="50000"/>
+            </a:schemeClr>
           </a:lnRef>
-          <a:fillRef idx="0">
+          <a:fillRef idx="1">
             <a:schemeClr val="dk1"/>
           </a:fillRef>
           <a:effectRef idx="0">
             <a:schemeClr val="dk1"/>
           </a:effectRef>
           <a:fontRef idx="minor">
-            <a:schemeClr val="tx1"/>
+            <a:schemeClr val="lt1"/>
           </a:fontRef>
         </p:style>
-      </p:cxnSp>
-      <p:sp>
-        <p:nvSpPr>
-          <p:cNvPr id="4" name="TextBox 3">
-            <a:extLst>
-              <a:ext uri="{FF2B5EF4-FFF2-40B4-BE49-F238E27FC236}">
-                <a16:creationId xmlns:a16="http://schemas.microsoft.com/office/drawing/2014/main" id="{6BFEE7AA-B53C-40A1-BA09-1E3192229B2B}"/>
+        <p:txBody>
+          <a:bodyPr rtlCol="0" anchor="ctr"/>
+          <a:lstStyle/>
+          <a:p>
+            <a:pPr algn="ctr"/>
+            <a:endParaRPr lang="en-US" dirty="0"/>
+          </a:p>
+        </p:txBody>
+      </p:sp>
+      <p:sp>
+        <p:nvSpPr>
+          <p:cNvPr id="9" name="TextBox 8">
+            <a:extLst>
+              <a:ext uri="{FF2B5EF4-FFF2-40B4-BE49-F238E27FC236}">
+                <a16:creationId xmlns:a16="http://schemas.microsoft.com/office/drawing/2014/main" id="{7F0CAA4B-E205-452A-A063-24223A8717CE}"/>
               </a:ext>
             </a:extLst>
           </p:cNvPr>
@@ -43135,8 +44704,8 @@
         </p:nvSpPr>
         <p:spPr>
           <a:xfrm>
-            <a:off x="5035824" y="3443259"/>
-            <a:ext cx="1881811" cy="461665"/>
+            <a:off x="4541560" y="332816"/>
+            <a:ext cx="3108879" cy="646331"/>
           </a:xfrm>
           <a:prstGeom prst="rect">
             <a:avLst/>
@@ -43149,9 +44718,15 @@
           </a:bodyPr>
           <a:lstStyle/>
           <a:p>
-            <a:r>
-              <a:rPr lang="en-US" sz="2400" dirty="0"/>
-              <a:t>What's next?</a:t>
+            <a:pPr algn="ctr"/>
+            <a:r>
+              <a:rPr lang="en-US" sz="3600" dirty="0">
+                <a:ln w="0"/>
+                <a:solidFill>
+                  <a:schemeClr val="bg1"/>
+                </a:solidFill>
+              </a:rPr>
+              <a:t>Hurdles</a:t>
             </a:r>
           </a:p>
         </p:txBody>
@@ -43159,7 +44734,7 @@
     </p:spTree>
     <p:extLst>
       <p:ext uri="{BB962C8B-B14F-4D97-AF65-F5344CB8AC3E}">
-        <p14:creationId xmlns:p14="http://schemas.microsoft.com/office/powerpoint/2010/main" val="757080069"/>
+        <p14:creationId xmlns:p14="http://schemas.microsoft.com/office/powerpoint/2010/main" val="976670942"/>
       </p:ext>
     </p:extLst>
   </p:cSld>
@@ -43188,168 +44763,84 @@
       </p:grpSpPr>
       <p:sp>
         <p:nvSpPr>
-          <p:cNvPr id="5" name="Rectangle 4">
-            <a:extLst>
-              <a:ext uri="{FF2B5EF4-FFF2-40B4-BE49-F238E27FC236}">
-                <a16:creationId xmlns:a16="http://schemas.microsoft.com/office/drawing/2014/main" id="{4FDB0B06-F270-4F00-8383-EB0ABF97EF01}"/>
-              </a:ext>
-            </a:extLst>
-          </p:cNvPr>
-          <p:cNvSpPr/>
-          <p:nvPr/>
-        </p:nvSpPr>
-        <p:spPr>
-          <a:xfrm>
-            <a:off x="390937" y="1547912"/>
-            <a:ext cx="11085446" cy="1569660"/>
-          </a:xfrm>
-          <a:prstGeom prst="rect">
-            <a:avLst/>
-          </a:prstGeom>
-        </p:spPr>
-        <p:txBody>
-          <a:bodyPr wrap="square">
+          <p:cNvPr id="3" name="TextBox 2">
+            <a:extLst>
+              <a:ext uri="{FF2B5EF4-FFF2-40B4-BE49-F238E27FC236}">
+                <a16:creationId xmlns:a16="http://schemas.microsoft.com/office/drawing/2014/main" id="{1980B4EC-4697-4B4F-87E9-C0E68B2BB033}"/>
+              </a:ext>
+            </a:extLst>
+          </p:cNvPr>
+          <p:cNvSpPr txBox="1"/>
+          <p:nvPr/>
+        </p:nvSpPr>
+        <p:spPr>
+          <a:xfrm>
+            <a:off x="3838210" y="2519929"/>
+            <a:ext cx="4515579" cy="923330"/>
+          </a:xfrm>
+          <a:prstGeom prst="rect">
+            <a:avLst/>
+          </a:prstGeom>
+          <a:noFill/>
+        </p:spPr>
+        <p:txBody>
+          <a:bodyPr wrap="square" rtlCol="0">
             <a:spAutoFit/>
           </a:bodyPr>
           <a:lstStyle/>
           <a:p>
-            <a:pPr marL="457200" indent="-457200" algn="just">
-              <a:buAutoNum type="arabicPeriod"/>
-            </a:pPr>
-            <a:r>
-              <a:rPr lang="en-US" sz="2400" b="1" dirty="0"/>
-              <a:t>Support for Temporal Reasoning</a:t>
-            </a:r>
-          </a:p>
-          <a:p>
-            <a:pPr marL="800100" lvl="1" indent="-342900" algn="just">
-              <a:buFont typeface="Arial" panose="020B0604020202020204" pitchFamily="34" charset="0"/>
-              <a:buChar char="•"/>
-            </a:pPr>
-            <a:r>
-              <a:rPr lang="en-US" sz="2400" dirty="0"/>
-              <a:t>Humans reasoning involves some </a:t>
-            </a:r>
-            <a:r>
-              <a:rPr lang="en-US" sz="2400" dirty="0">
-                <a:solidFill>
-                  <a:srgbClr val="FF0000"/>
-                </a:solidFill>
-              </a:rPr>
-              <a:t>temporal</a:t>
-            </a:r>
-            <a:r>
-              <a:rPr lang="en-US" sz="2400" dirty="0"/>
-              <a:t> </a:t>
-            </a:r>
-            <a:r>
-              <a:rPr lang="en-US" sz="2400" dirty="0">
-                <a:solidFill>
-                  <a:srgbClr val="FF0000"/>
-                </a:solidFill>
-              </a:rPr>
-              <a:t>reasoning</a:t>
-            </a:r>
-            <a:endParaRPr lang="en-US" sz="2400" dirty="0"/>
-          </a:p>
-          <a:p>
-            <a:pPr marL="800100" lvl="1" indent="-342900" algn="just">
-              <a:buFont typeface="Arial" panose="020B0604020202020204" pitchFamily="34" charset="0"/>
-              <a:buChar char="•"/>
-            </a:pPr>
-            <a:r>
-              <a:rPr lang="en-US" sz="2400" dirty="0"/>
-              <a:t>Decision making requires </a:t>
-            </a:r>
-            <a:r>
-              <a:rPr lang="en-US" sz="2400" dirty="0">
-                <a:solidFill>
-                  <a:srgbClr val="FF0000"/>
-                </a:solidFill>
-              </a:rPr>
-              <a:t>reasoning about events</a:t>
-            </a:r>
-            <a:r>
-              <a:rPr lang="en-US" sz="2400" dirty="0"/>
-              <a:t> related to each other w.r.t time</a:t>
-            </a:r>
-          </a:p>
-          <a:p>
-            <a:pPr marL="800100" lvl="1" indent="-342900" algn="just">
-              <a:buFont typeface="Arial" panose="020B0604020202020204" pitchFamily="34" charset="0"/>
-              <a:buChar char="•"/>
-            </a:pPr>
-            <a:r>
-              <a:rPr lang="en-US" sz="2400" dirty="0"/>
-              <a:t>Predicates like </a:t>
-            </a:r>
-            <a:r>
-              <a:rPr lang="en-US" sz="2400" i="1" dirty="0">
-                <a:solidFill>
-                  <a:srgbClr val="FF0000"/>
-                </a:solidFill>
-              </a:rPr>
-              <a:t>happensAt (event_id, time_id) </a:t>
-            </a:r>
-            <a:r>
-              <a:rPr lang="en-US" sz="2400" dirty="0"/>
-              <a:t>help in modelling time</a:t>
-            </a:r>
-          </a:p>
-        </p:txBody>
-      </p:sp>
-      <p:sp>
-        <p:nvSpPr>
-          <p:cNvPr id="7" name="Rectangle 6">
-            <a:extLst>
-              <a:ext uri="{FF2B5EF4-FFF2-40B4-BE49-F238E27FC236}">
-                <a16:creationId xmlns:a16="http://schemas.microsoft.com/office/drawing/2014/main" id="{2B84BBFB-C1EC-478F-8E81-7685A0B691C6}"/>
-              </a:ext>
-            </a:extLst>
-          </p:cNvPr>
-          <p:cNvSpPr/>
-          <p:nvPr/>
-        </p:nvSpPr>
-        <p:spPr>
-          <a:xfrm>
-            <a:off x="0" y="0"/>
-            <a:ext cx="12192000" cy="1311965"/>
-          </a:xfrm>
-          <a:prstGeom prst="rect">
+            <a:pPr algn="ctr"/>
+            <a:r>
+              <a:rPr lang="en-US" sz="5400" dirty="0">
+                <a:ln w="0"/>
+              </a:rPr>
+              <a:t>Future Work</a:t>
+            </a:r>
+          </a:p>
+        </p:txBody>
+      </p:sp>
+      <p:cxnSp>
+        <p:nvCxnSpPr>
+          <p:cNvPr id="8" name="Straight Connector 7">
+            <a:extLst>
+              <a:ext uri="{FF2B5EF4-FFF2-40B4-BE49-F238E27FC236}">
+                <a16:creationId xmlns:a16="http://schemas.microsoft.com/office/drawing/2014/main" id="{1246DA07-DFD8-496C-BB69-FD95668F7C67}"/>
+              </a:ext>
+            </a:extLst>
+          </p:cNvPr>
+          <p:cNvCxnSpPr/>
+          <p:nvPr/>
+        </p:nvCxnSpPr>
+        <p:spPr>
+          <a:xfrm>
+            <a:off x="3670852" y="3429000"/>
+            <a:ext cx="4611756" cy="0"/>
+          </a:xfrm>
+          <a:prstGeom prst="line">
             <a:avLst/>
           </a:prstGeom>
         </p:spPr>
         <p:style>
-          <a:lnRef idx="2">
-            <a:schemeClr val="dk1">
-              <a:shade val="50000"/>
-            </a:schemeClr>
+          <a:lnRef idx="1">
+            <a:schemeClr val="dk1"/>
           </a:lnRef>
-          <a:fillRef idx="1">
+          <a:fillRef idx="0">
             <a:schemeClr val="dk1"/>
           </a:fillRef>
           <a:effectRef idx="0">
             <a:schemeClr val="dk1"/>
           </a:effectRef>
           <a:fontRef idx="minor">
-            <a:schemeClr val="lt1"/>
+            <a:schemeClr val="tx1"/>
           </a:fontRef>
         </p:style>
-        <p:txBody>
-          <a:bodyPr rtlCol="0" anchor="ctr"/>
-          <a:lstStyle/>
-          <a:p>
-            <a:pPr algn="ctr"/>
-            <a:endParaRPr lang="en-US" dirty="0"/>
-          </a:p>
-        </p:txBody>
-      </p:sp>
-      <p:sp>
-        <p:nvSpPr>
-          <p:cNvPr id="9" name="TextBox 8">
-            <a:extLst>
-              <a:ext uri="{FF2B5EF4-FFF2-40B4-BE49-F238E27FC236}">
-                <a16:creationId xmlns:a16="http://schemas.microsoft.com/office/drawing/2014/main" id="{7F0CAA4B-E205-452A-A063-24223A8717CE}"/>
+      </p:cxnSp>
+      <p:sp>
+        <p:nvSpPr>
+          <p:cNvPr id="4" name="TextBox 3">
+            <a:extLst>
+              <a:ext uri="{FF2B5EF4-FFF2-40B4-BE49-F238E27FC236}">
+                <a16:creationId xmlns:a16="http://schemas.microsoft.com/office/drawing/2014/main" id="{6BFEE7AA-B53C-40A1-BA09-1E3192229B2B}"/>
               </a:ext>
             </a:extLst>
           </p:cNvPr>
@@ -43358,8 +44849,8 @@
         </p:nvSpPr>
         <p:spPr>
           <a:xfrm>
-            <a:off x="4541560" y="332816"/>
-            <a:ext cx="3108879" cy="646331"/>
+            <a:off x="5035824" y="3443259"/>
+            <a:ext cx="1881811" cy="461665"/>
           </a:xfrm>
           <a:prstGeom prst="rect">
             <a:avLst/>
@@ -43372,189 +44863,17 @@
           </a:bodyPr>
           <a:lstStyle/>
           <a:p>
-            <a:pPr algn="ctr"/>
-            <a:r>
-              <a:rPr lang="en-US" sz="3600" dirty="0">
-                <a:ln w="0"/>
-                <a:solidFill>
-                  <a:schemeClr val="bg1"/>
-                </a:solidFill>
-              </a:rPr>
-              <a:t>Future Work</a:t>
-            </a:r>
-          </a:p>
-        </p:txBody>
-      </p:sp>
-      <p:sp>
-        <p:nvSpPr>
-          <p:cNvPr id="6" name="Rectangle 5">
-            <a:extLst>
-              <a:ext uri="{FF2B5EF4-FFF2-40B4-BE49-F238E27FC236}">
-                <a16:creationId xmlns:a16="http://schemas.microsoft.com/office/drawing/2014/main" id="{50B0E405-AA50-426D-AF54-4A9E16132E8D}"/>
-              </a:ext>
-            </a:extLst>
-          </p:cNvPr>
-          <p:cNvSpPr/>
-          <p:nvPr/>
-        </p:nvSpPr>
-        <p:spPr>
-          <a:xfrm>
-            <a:off x="390937" y="3117572"/>
-            <a:ext cx="11085446" cy="3570208"/>
-          </a:xfrm>
-          <a:prstGeom prst="rect">
-            <a:avLst/>
-          </a:prstGeom>
-        </p:spPr>
-        <p:txBody>
-          <a:bodyPr wrap="square">
-            <a:spAutoFit/>
-          </a:bodyPr>
-          <a:lstStyle/>
-          <a:p>
-            <a:pPr algn="just"/>
-            <a:r>
-              <a:rPr lang="en-US" sz="2400" b="1" dirty="0"/>
-              <a:t>2.    Understanding Cause-Effect Relations</a:t>
-            </a:r>
-          </a:p>
-          <a:p>
-            <a:pPr marL="800100" lvl="1" indent="-342900" algn="just">
-              <a:buFont typeface="Arial" panose="020B0604020202020204" pitchFamily="34" charset="0"/>
-              <a:buChar char="•"/>
-            </a:pPr>
             <a:r>
               <a:rPr lang="en-US" sz="2400" dirty="0"/>
-              <a:t>Cause Effect relations help with </a:t>
-            </a:r>
-            <a:r>
-              <a:rPr lang="en-US" sz="2400" dirty="0">
-                <a:solidFill>
-                  <a:srgbClr val="FF0000"/>
-                </a:solidFill>
-              </a:rPr>
-              <a:t>providing justifications </a:t>
-            </a:r>
-            <a:r>
-              <a:rPr lang="en-US" sz="2400" dirty="0"/>
-              <a:t>to activities</a:t>
-            </a:r>
-          </a:p>
-          <a:p>
-            <a:pPr marL="800100" lvl="1" indent="-342900" algn="just">
-              <a:buFont typeface="Arial" panose="020B0604020202020204" pitchFamily="34" charset="0"/>
-              <a:buChar char="•"/>
-            </a:pPr>
-            <a:r>
-              <a:rPr lang="en-US" sz="2400" dirty="0"/>
-              <a:t>Currently there are limited resources to detect such relations like </a:t>
-            </a:r>
-            <a:r>
-              <a:rPr lang="en-US" sz="2400" i="1" dirty="0"/>
-              <a:t>FrameNet</a:t>
-            </a:r>
-          </a:p>
-          <a:p>
-            <a:pPr marL="800100" lvl="1" indent="-342900" algn="just">
-              <a:buFont typeface="Arial" panose="020B0604020202020204" pitchFamily="34" charset="0"/>
-              <a:buChar char="•"/>
-            </a:pPr>
-            <a:r>
-              <a:rPr lang="en-US" sz="2400" dirty="0"/>
-              <a:t>Cause effect relations can be modelled as follow</a:t>
-            </a:r>
-          </a:p>
-          <a:p>
-            <a:pPr lvl="2">
-              <a:spcBef>
-                <a:spcPts val="1200"/>
-              </a:spcBef>
-            </a:pPr>
-            <a:r>
-              <a:rPr lang="en-US" sz="2400" i="1" dirty="0">
-                <a:solidFill>
-                  <a:srgbClr val="FF0000"/>
-                </a:solidFill>
-              </a:rPr>
-              <a:t>cause (event_id1, event_id2). </a:t>
-            </a:r>
-            <a:endParaRPr lang="en-US" sz="2400" dirty="0">
-              <a:solidFill>
-                <a:srgbClr val="FF0000"/>
-              </a:solidFill>
-            </a:endParaRPr>
-          </a:p>
-          <a:p>
-            <a:pPr lvl="2"/>
-            <a:r>
-              <a:rPr lang="fr-FR" sz="2400" i="1" dirty="0" err="1">
-                <a:solidFill>
-                  <a:srgbClr val="FF0000"/>
-                </a:solidFill>
-              </a:rPr>
-              <a:t>effect</a:t>
-            </a:r>
-            <a:r>
-              <a:rPr lang="fr-FR" sz="2400" i="1" dirty="0">
-                <a:solidFill>
-                  <a:srgbClr val="FF0000"/>
-                </a:solidFill>
-              </a:rPr>
-              <a:t> (X, Y) :- cause (Y, X) </a:t>
-            </a:r>
-            <a:endParaRPr lang="en-US" sz="2400" i="1" dirty="0">
-              <a:solidFill>
-                <a:srgbClr val="FF0000"/>
-              </a:solidFill>
-            </a:endParaRPr>
-          </a:p>
-          <a:p>
-            <a:pPr marL="800100" lvl="1" indent="-342900" algn="just">
-              <a:buFont typeface="Arial" panose="020B0604020202020204" pitchFamily="34" charset="0"/>
-              <a:buChar char="•"/>
-            </a:pPr>
-            <a:endParaRPr lang="en-US" sz="2400" dirty="0"/>
-          </a:p>
-          <a:p>
-            <a:pPr marL="800100" lvl="1" indent="-342900" algn="just">
-              <a:buFont typeface="Arial" panose="020B0604020202020204" pitchFamily="34" charset="0"/>
-              <a:buChar char="•"/>
-            </a:pPr>
-            <a:r>
-              <a:rPr lang="en-US" sz="2400" dirty="0"/>
-              <a:t>Causes follow transitivity</a:t>
-            </a:r>
-          </a:p>
-          <a:p>
-            <a:pPr lvl="1" algn="just"/>
-            <a:r>
-              <a:rPr lang="en-US" sz="2400" dirty="0">
-                <a:solidFill>
-                  <a:srgbClr val="FF0000"/>
-                </a:solidFill>
-              </a:rPr>
-              <a:t>	</a:t>
-            </a:r>
-            <a:r>
-              <a:rPr lang="fr-FR" sz="2400" i="1" dirty="0">
-                <a:solidFill>
-                  <a:srgbClr val="FF0000"/>
-                </a:solidFill>
-              </a:rPr>
-              <a:t>cause (X, Y) :- cause (X, Z), cause (Z, Y). </a:t>
-            </a:r>
-            <a:endParaRPr lang="en-US" sz="2400" dirty="0">
-              <a:solidFill>
-                <a:srgbClr val="FF0000"/>
-              </a:solidFill>
-            </a:endParaRPr>
+              <a:t>What's next?</a:t>
+            </a:r>
           </a:p>
         </p:txBody>
       </p:sp>
     </p:spTree>
     <p:extLst>
       <p:ext uri="{BB962C8B-B14F-4D97-AF65-F5344CB8AC3E}">
-        <p14:creationId xmlns:p14="http://schemas.microsoft.com/office/powerpoint/2010/main" val="2387742247"/>
+        <p14:creationId xmlns:p14="http://schemas.microsoft.com/office/powerpoint/2010/main" val="757080069"/>
       </p:ext>
     </p:extLst>
   </p:cSld>
@@ -43595,8 +44914,8 @@
         </p:nvSpPr>
         <p:spPr>
           <a:xfrm>
-            <a:off x="390937" y="1545993"/>
-            <a:ext cx="11085446" cy="2677656"/>
+            <a:off x="390937" y="1547912"/>
+            <a:ext cx="11085446" cy="1569660"/>
           </a:xfrm>
           <a:prstGeom prst="rect">
             <a:avLst/>
@@ -43608,10 +44927,12 @@
           </a:bodyPr>
           <a:lstStyle/>
           <a:p>
-            <a:pPr algn="just"/>
+            <a:pPr marL="457200" indent="-457200" algn="just">
+              <a:buAutoNum type="arabicPeriod"/>
+            </a:pPr>
             <a:r>
               <a:rPr lang="en-US" sz="2400" b="1" dirty="0"/>
-              <a:t>3.    Modelling more knowledge patterns</a:t>
+              <a:t>Support for Temporal Reasoning</a:t>
             </a:r>
           </a:p>
           <a:p>
@@ -43621,7 +44942,7 @@
             </a:pPr>
             <a:r>
               <a:rPr lang="en-US" sz="2400" dirty="0"/>
-              <a:t>Knowledge patterns used in text depend on factors like </a:t>
+              <a:t>Humans reasoning involves some </a:t>
             </a:r>
             <a:r>
               <a:rPr lang="en-US" sz="2400" dirty="0">
@@ -43629,12 +44950,21 @@
                   <a:srgbClr val="FF0000"/>
                 </a:solidFill>
               </a:rPr>
-              <a:t>authors, subject, style of writing </a:t>
+              <a:t>temporal</a:t>
             </a:r>
             <a:r>
               <a:rPr lang="en-US" sz="2400" dirty="0"/>
-              <a:t>etc.</a:t>
-            </a:r>
+              <a:t> </a:t>
+            </a:r>
+            <a:r>
+              <a:rPr lang="en-US" sz="2400" dirty="0">
+                <a:solidFill>
+                  <a:srgbClr val="FF0000"/>
+                </a:solidFill>
+              </a:rPr>
+              <a:t>reasoning</a:t>
+            </a:r>
+            <a:endParaRPr lang="en-US" sz="2400" dirty="0"/>
           </a:p>
           <a:p>
             <a:pPr marL="800100" lvl="1" indent="-342900" algn="just">
@@ -43643,7 +44973,7 @@
             </a:pPr>
             <a:r>
               <a:rPr lang="en-US" sz="2400" dirty="0"/>
-              <a:t>Furthermore knowledge patterns keep on </a:t>
+              <a:t>Decision making requires </a:t>
             </a:r>
             <a:r>
               <a:rPr lang="en-US" sz="2400" dirty="0">
@@ -43651,11 +44981,11 @@
                   <a:srgbClr val="FF0000"/>
                 </a:solidFill>
               </a:rPr>
-              <a:t>evolving</a:t>
+              <a:t>reasoning about events</a:t>
             </a:r>
             <a:r>
               <a:rPr lang="en-US" sz="2400" dirty="0"/>
-              <a:t> with the language</a:t>
+              <a:t> related to each other w.r.t time</a:t>
             </a:r>
           </a:p>
           <a:p>
@@ -43665,7 +44995,19 @@
             </a:pPr>
             <a:r>
               <a:rPr lang="en-US" sz="2400" dirty="0"/>
-              <a:t>More different kinds of texts are handled by the system better it is at describing and representing implicit information conveyed through knowledge patterns like time spans, appositionals etc.</a:t>
+              <a:t>Predicates like </a:t>
+            </a:r>
+            <a:r>
+              <a:rPr lang="en-US" sz="2400" i="1" dirty="0">
+                <a:solidFill>
+                  <a:srgbClr val="FF0000"/>
+                </a:solidFill>
+              </a:rPr>
+              <a:t>happensAt (event_id, time_id) </a:t>
+            </a:r>
+            <a:r>
+              <a:rPr lang="en-US" sz="2400" dirty="0"/>
+              <a:t>help in modelling time</a:t>
             </a:r>
           </a:p>
         </p:txBody>
@@ -43771,8 +45113,8 @@
         </p:nvSpPr>
         <p:spPr>
           <a:xfrm>
-            <a:off x="390937" y="4457677"/>
-            <a:ext cx="11085446" cy="1569660"/>
+            <a:off x="390937" y="3117572"/>
+            <a:ext cx="11085446" cy="3570208"/>
           </a:xfrm>
           <a:prstGeom prst="rect">
             <a:avLst/>
@@ -43787,7 +45129,7 @@
             <a:pPr algn="just"/>
             <a:r>
               <a:rPr lang="en-US" sz="2400" b="1" dirty="0"/>
-              <a:t>4.    Modelling Semantic Similarity Between Words</a:t>
+              <a:t>2.    Understanding Cause-Effect Relations</a:t>
             </a:r>
           </a:p>
           <a:p>
@@ -43797,7 +45139,7 @@
             </a:pPr>
             <a:r>
               <a:rPr lang="en-US" sz="2400" dirty="0"/>
-              <a:t>Similar concepts can be obtained from WordNet using </a:t>
+              <a:t>Cause Effect relations help with </a:t>
             </a:r>
             <a:r>
               <a:rPr lang="en-US" sz="2400" dirty="0">
@@ -43805,11 +45147,11 @@
                   <a:srgbClr val="FF0000"/>
                 </a:solidFill>
               </a:rPr>
-              <a:t>Synonymy relation</a:t>
+              <a:t>providing justifications </a:t>
             </a:r>
             <a:r>
               <a:rPr lang="en-US" sz="2400" dirty="0"/>
-              <a:t>.</a:t>
+              <a:t>to activities</a:t>
             </a:r>
           </a:p>
           <a:p>
@@ -43819,35 +45161,114 @@
             </a:pPr>
             <a:r>
               <a:rPr lang="en-US" sz="2400" dirty="0"/>
-              <a:t>NLP has other similarity measures like </a:t>
-            </a:r>
+              <a:t>Currently there are limited resources to detect such relations like </a:t>
+            </a:r>
+            <a:r>
+              <a:rPr lang="en-US" sz="2400" i="1" dirty="0"/>
+              <a:t>FrameNet</a:t>
+            </a:r>
+          </a:p>
+          <a:p>
+            <a:pPr marL="800100" lvl="1" indent="-342900" algn="just">
+              <a:buFont typeface="Arial" panose="020B0604020202020204" pitchFamily="34" charset="0"/>
+              <a:buChar char="•"/>
+            </a:pPr>
+            <a:r>
+              <a:rPr lang="en-US" sz="2400" dirty="0"/>
+              <a:t>Cause effect relations can be modelled as follow</a:t>
+            </a:r>
+          </a:p>
+          <a:p>
+            <a:pPr lvl="2">
+              <a:spcBef>
+                <a:spcPts val="1200"/>
+              </a:spcBef>
+            </a:pPr>
+            <a:r>
+              <a:rPr lang="en-US" sz="2400" i="1" dirty="0">
+                <a:solidFill>
+                  <a:srgbClr val="FF0000"/>
+                </a:solidFill>
+              </a:rPr>
+              <a:t>cause (event_id1, event_id2). </a:t>
+            </a:r>
+            <a:endParaRPr lang="en-US" sz="2400" dirty="0">
+              <a:solidFill>
+                <a:srgbClr val="FF0000"/>
+              </a:solidFill>
+            </a:endParaRPr>
+          </a:p>
+          <a:p>
+            <a:pPr lvl="2"/>
+            <a:r>
+              <a:rPr lang="fr-FR" sz="2400" i="1" dirty="0" err="1">
+                <a:solidFill>
+                  <a:srgbClr val="FF0000"/>
+                </a:solidFill>
+              </a:rPr>
+              <a:t>effect</a:t>
+            </a:r>
+            <a:r>
+              <a:rPr lang="fr-FR" sz="2400" i="1" dirty="0">
+                <a:solidFill>
+                  <a:srgbClr val="FF0000"/>
+                </a:solidFill>
+              </a:rPr>
+              <a:t> (X, Y) :- cause (Y, X) </a:t>
+            </a:r>
+            <a:endParaRPr lang="en-US" sz="2400" i="1" dirty="0">
+              <a:solidFill>
+                <a:srgbClr val="FF0000"/>
+              </a:solidFill>
+            </a:endParaRPr>
+          </a:p>
+          <a:p>
+            <a:pPr marL="800100" lvl="1" indent="-342900" algn="just">
+              <a:buFont typeface="Arial" panose="020B0604020202020204" pitchFamily="34" charset="0"/>
+              <a:buChar char="•"/>
+            </a:pPr>
+            <a:endParaRPr lang="en-US" sz="2400" dirty="0"/>
+          </a:p>
+          <a:p>
+            <a:pPr marL="800100" lvl="1" indent="-342900" algn="just">
+              <a:buFont typeface="Arial" panose="020B0604020202020204" pitchFamily="34" charset="0"/>
+              <a:buChar char="•"/>
+            </a:pPr>
+            <a:r>
+              <a:rPr lang="en-US" sz="2400" dirty="0"/>
+              <a:t>Causes follow transitivity</a:t>
+            </a:r>
+          </a:p>
+          <a:p>
+            <a:pPr lvl="1" algn="just"/>
             <a:r>
               <a:rPr lang="en-US" sz="2400" dirty="0">
                 <a:solidFill>
                   <a:srgbClr val="FF0000"/>
                 </a:solidFill>
               </a:rPr>
-              <a:t>path similarity </a:t>
-            </a:r>
-            <a:r>
-              <a:rPr lang="en-US" sz="2400" dirty="0"/>
-              <a:t>and </a:t>
-            </a:r>
-            <a:r>
-              <a:rPr lang="en-US" sz="2400" dirty="0">
+              <a:t>	</a:t>
+            </a:r>
+            <a:r>
+              <a:rPr lang="fr-FR" sz="2400" i="1" dirty="0">
                 <a:solidFill>
                   <a:srgbClr val="FF0000"/>
                 </a:solidFill>
               </a:rPr>
-              <a:t>information content similarity</a:t>
-            </a:r>
+              <a:t>cause (X, Y) :- cause (X, Z), cause (Z, Y). </a:t>
+            </a:r>
+            <a:endParaRPr lang="en-US" sz="2400" dirty="0">
+              <a:solidFill>
+                <a:srgbClr val="FF0000"/>
+              </a:solidFill>
+            </a:endParaRPr>
           </a:p>
         </p:txBody>
       </p:sp>
     </p:spTree>
     <p:extLst>
       <p:ext uri="{BB962C8B-B14F-4D97-AF65-F5344CB8AC3E}">
-        <p14:creationId xmlns:p14="http://schemas.microsoft.com/office/powerpoint/2010/main" val="657217249"/>
+        <p14:creationId xmlns:p14="http://schemas.microsoft.com/office/powerpoint/2010/main" val="2387742247"/>
       </p:ext>
     </p:extLst>
   </p:cSld>
@@ -43876,6 +45297,95 @@
       </p:grpSpPr>
       <p:sp>
         <p:nvSpPr>
+          <p:cNvPr id="5" name="Rectangle 4">
+            <a:extLst>
+              <a:ext uri="{FF2B5EF4-FFF2-40B4-BE49-F238E27FC236}">
+                <a16:creationId xmlns:a16="http://schemas.microsoft.com/office/drawing/2014/main" id="{4FDB0B06-F270-4F00-8383-EB0ABF97EF01}"/>
+              </a:ext>
+            </a:extLst>
+          </p:cNvPr>
+          <p:cNvSpPr/>
+          <p:nvPr/>
+        </p:nvSpPr>
+        <p:spPr>
+          <a:xfrm>
+            <a:off x="390937" y="1545993"/>
+            <a:ext cx="11085446" cy="2677656"/>
+          </a:xfrm>
+          <a:prstGeom prst="rect">
+            <a:avLst/>
+          </a:prstGeom>
+        </p:spPr>
+        <p:txBody>
+          <a:bodyPr wrap="square">
+            <a:spAutoFit/>
+          </a:bodyPr>
+          <a:lstStyle/>
+          <a:p>
+            <a:pPr algn="just"/>
+            <a:r>
+              <a:rPr lang="en-US" sz="2400" b="1" dirty="0"/>
+              <a:t>3.    Modelling more knowledge patterns</a:t>
+            </a:r>
+          </a:p>
+          <a:p>
+            <a:pPr marL="800100" lvl="1" indent="-342900" algn="just">
+              <a:buFont typeface="Arial" panose="020B0604020202020204" pitchFamily="34" charset="0"/>
+              <a:buChar char="•"/>
+            </a:pPr>
+            <a:r>
+              <a:rPr lang="en-US" sz="2400" dirty="0"/>
+              <a:t>Knowledge patterns used in text depend on factors like </a:t>
+            </a:r>
+            <a:r>
+              <a:rPr lang="en-US" sz="2400" dirty="0">
+                <a:solidFill>
+                  <a:srgbClr val="FF0000"/>
+                </a:solidFill>
+              </a:rPr>
+              <a:t>authors, subject, style of writing </a:t>
+            </a:r>
+            <a:r>
+              <a:rPr lang="en-US" sz="2400" dirty="0"/>
+              <a:t>etc.</a:t>
+            </a:r>
+          </a:p>
+          <a:p>
+            <a:pPr marL="800100" lvl="1" indent="-342900" algn="just">
+              <a:buFont typeface="Arial" panose="020B0604020202020204" pitchFamily="34" charset="0"/>
+              <a:buChar char="•"/>
+            </a:pPr>
+            <a:r>
+              <a:rPr lang="en-US" sz="2400" dirty="0"/>
+              <a:t>Furthermore knowledge patterns keep on </a:t>
+            </a:r>
+            <a:r>
+              <a:rPr lang="en-US" sz="2400" dirty="0">
+                <a:solidFill>
+                  <a:srgbClr val="FF0000"/>
+                </a:solidFill>
+              </a:rPr>
+              <a:t>evolving</a:t>
+            </a:r>
+            <a:r>
+              <a:rPr lang="en-US" sz="2400" dirty="0"/>
+              <a:t> with the language</a:t>
+            </a:r>
+          </a:p>
+          <a:p>
+            <a:pPr marL="800100" lvl="1" indent="-342900" algn="just">
+              <a:buFont typeface="Arial" panose="020B0604020202020204" pitchFamily="34" charset="0"/>
+              <a:buChar char="•"/>
+            </a:pPr>
+            <a:r>
+              <a:rPr lang="en-US" sz="2400" dirty="0"/>
+              <a:t>More different kinds of texts are handled by the system better it is at describing and representing implicit information conveyed through knowledge patterns like time spans, appositionals etc.</a:t>
+            </a:r>
+          </a:p>
+        </p:txBody>
+      </p:sp>
+      <p:sp>
+        <p:nvSpPr>
           <p:cNvPr id="7" name="Rectangle 6">
             <a:extLst>
               <a:ext uri="{FF2B5EF4-FFF2-40B4-BE49-F238E27FC236}">
@@ -43963,10 +45473,10 @@
       </p:sp>
       <p:sp>
         <p:nvSpPr>
-          <p:cNvPr id="8" name="Rectangle 7">
-            <a:extLst>
-              <a:ext uri="{FF2B5EF4-FFF2-40B4-BE49-F238E27FC236}">
-                <a16:creationId xmlns:a16="http://schemas.microsoft.com/office/drawing/2014/main" id="{2DB428E2-8FAA-4F7D-B221-1D331098E241}"/>
+          <p:cNvPr id="6" name="Rectangle 5">
+            <a:extLst>
+              <a:ext uri="{FF2B5EF4-FFF2-40B4-BE49-F238E27FC236}">
+                <a16:creationId xmlns:a16="http://schemas.microsoft.com/office/drawing/2014/main" id="{50B0E405-AA50-426D-AF54-4A9E16132E8D}"/>
               </a:ext>
             </a:extLst>
           </p:cNvPr>
@@ -43975,8 +45485,8 @@
         </p:nvSpPr>
         <p:spPr>
           <a:xfrm>
-            <a:off x="390937" y="1738220"/>
-            <a:ext cx="11085446" cy="2308324"/>
+            <a:off x="390937" y="4457677"/>
+            <a:ext cx="11085446" cy="1569660"/>
           </a:xfrm>
           <a:prstGeom prst="rect">
             <a:avLst/>
@@ -43991,7 +45501,7 @@
             <a:pPr algn="just"/>
             <a:r>
               <a:rPr lang="en-US" sz="2400" b="1" dirty="0"/>
-              <a:t>5.    Adding more information resources</a:t>
+              <a:t>4.    Modelling Semantic Similarity Between Words</a:t>
             </a:r>
           </a:p>
           <a:p>
@@ -44001,7 +45511,7 @@
             </a:pPr>
             <a:r>
               <a:rPr lang="en-US" sz="2400" dirty="0"/>
-              <a:t>The more the number of </a:t>
+              <a:t>Similar concepts can be obtained from WordNet using </a:t>
             </a:r>
             <a:r>
               <a:rPr lang="en-US" sz="2400" dirty="0">
@@ -44009,11 +45519,11 @@
                   <a:srgbClr val="FF0000"/>
                 </a:solidFill>
               </a:rPr>
-              <a:t>trusted information resources </a:t>
+              <a:t>Synonymy relation</a:t>
             </a:r>
             <a:r>
               <a:rPr lang="en-US" sz="2400" dirty="0"/>
-              <a:t>the better is the system at inferring.</a:t>
+              <a:t>.</a:t>
             </a:r>
           </a:p>
           <a:p>
@@ -44023,67 +45533,19 @@
             </a:pPr>
             <a:r>
               <a:rPr lang="en-US" sz="2400" dirty="0"/>
-              <a:t>Databases like YAGO which stores information about named entities like cities, countries  from Wikipedia and WordNet can help the system reach better conclusions.</a:t>
-            </a:r>
-            <a:endParaRPr lang="en-US" sz="2400" dirty="0">
-              <a:solidFill>
-                <a:srgbClr val="FF0000"/>
-              </a:solidFill>
-            </a:endParaRPr>
-          </a:p>
-        </p:txBody>
-      </p:sp>
-      <p:sp>
-        <p:nvSpPr>
-          <p:cNvPr id="2" name="Rectangle 1">
-            <a:extLst>
-              <a:ext uri="{FF2B5EF4-FFF2-40B4-BE49-F238E27FC236}">
-                <a16:creationId xmlns:a16="http://schemas.microsoft.com/office/drawing/2014/main" id="{D3E134D8-5A31-4D32-A9BB-82DCA4903F05}"/>
-              </a:ext>
-            </a:extLst>
-          </p:cNvPr>
-          <p:cNvSpPr/>
-          <p:nvPr/>
-        </p:nvSpPr>
-        <p:spPr>
-          <a:xfrm>
-            <a:off x="390937" y="4472799"/>
-            <a:ext cx="11085446" cy="1569660"/>
-          </a:xfrm>
-          <a:prstGeom prst="rect">
-            <a:avLst/>
-          </a:prstGeom>
-        </p:spPr>
-        <p:txBody>
-          <a:bodyPr wrap="square">
-            <a:spAutoFit/>
-          </a:bodyPr>
-          <a:lstStyle/>
-          <a:p>
-            <a:pPr algn="just"/>
-            <a:r>
-              <a:rPr lang="en-US" sz="2400" b="1" dirty="0"/>
-              <a:t>6.    Marking facts with confidence metrics</a:t>
-            </a:r>
-          </a:p>
-          <a:p>
-            <a:pPr marL="800100" lvl="1" indent="-342900" algn="just">
-              <a:buFont typeface="Arial" panose="020B0604020202020204" pitchFamily="34" charset="0"/>
-              <a:buChar char="•"/>
-            </a:pPr>
+              <a:t>NLP has other similarity measures like </a:t>
+            </a:r>
+            <a:r>
+              <a:rPr lang="en-US" sz="2400" dirty="0">
+                <a:solidFill>
+                  <a:srgbClr val="FF0000"/>
+                </a:solidFill>
+              </a:rPr>
+              <a:t>path similarity </a:t>
+            </a:r>
             <a:r>
               <a:rPr lang="en-US" sz="2400" dirty="0"/>
-              <a:t>As the number of information sources will increase we would need to add a confidence metric on facts coming from these sources</a:t>
-            </a:r>
-          </a:p>
-          <a:p>
-            <a:pPr marL="800100" lvl="1" indent="-342900" algn="just">
-              <a:buFont typeface="Arial" panose="020B0604020202020204" pitchFamily="34" charset="0"/>
-              <a:buChar char="•"/>
-            </a:pPr>
-            <a:r>
-              <a:rPr lang="en-US" sz="2400" dirty="0"/>
-              <a:t>This will help us choose the </a:t>
+              <a:t>and </a:t>
             </a:r>
             <a:r>
               <a:rPr lang="en-US" sz="2400" dirty="0">
@@ -44091,11 +45553,7 @@
                   <a:srgbClr val="FF0000"/>
                 </a:solidFill>
               </a:rPr>
-              <a:t>best justification </a:t>
-            </a:r>
-            <a:r>
-              <a:rPr lang="en-US" sz="2400" dirty="0"/>
-              <a:t>for a query</a:t>
+              <a:t>information content similarity</a:t>
             </a:r>
           </a:p>
         </p:txBody>
@@ -44103,7 +45561,7 @@
     </p:spTree>
     <p:extLst>
       <p:ext uri="{BB962C8B-B14F-4D97-AF65-F5344CB8AC3E}">
-        <p14:creationId xmlns:p14="http://schemas.microsoft.com/office/powerpoint/2010/main" val="2122546219"/>
+        <p14:creationId xmlns:p14="http://schemas.microsoft.com/office/powerpoint/2010/main" val="657217249"/>
       </p:ext>
     </p:extLst>
   </p:cSld>
@@ -44219,10 +45677,10 @@
       </p:sp>
       <p:sp>
         <p:nvSpPr>
-          <p:cNvPr id="6" name="Rectangle 5">
-            <a:extLst>
-              <a:ext uri="{FF2B5EF4-FFF2-40B4-BE49-F238E27FC236}">
-                <a16:creationId xmlns:a16="http://schemas.microsoft.com/office/drawing/2014/main" id="{50B0E405-AA50-426D-AF54-4A9E16132E8D}"/>
+          <p:cNvPr id="8" name="Rectangle 7">
+            <a:extLst>
+              <a:ext uri="{FF2B5EF4-FFF2-40B4-BE49-F238E27FC236}">
+                <a16:creationId xmlns:a16="http://schemas.microsoft.com/office/drawing/2014/main" id="{2DB428E2-8FAA-4F7D-B221-1D331098E241}"/>
               </a:ext>
             </a:extLst>
           </p:cNvPr>
@@ -44231,8 +45689,8 @@
         </p:nvSpPr>
         <p:spPr>
           <a:xfrm>
-            <a:off x="390937" y="1952511"/>
-            <a:ext cx="11085446" cy="1938992"/>
+            <a:off x="390937" y="1738220"/>
+            <a:ext cx="11085446" cy="2308324"/>
           </a:xfrm>
           <a:prstGeom prst="rect">
             <a:avLst/>
@@ -44247,7 +45705,7 @@
             <a:pPr algn="just"/>
             <a:r>
               <a:rPr lang="en-US" sz="2400" b="1" dirty="0"/>
-              <a:t>7.    Modelling Common Sense Reasoning Patterns</a:t>
+              <a:t>5.    Adding more information resources</a:t>
             </a:r>
           </a:p>
           <a:p>
@@ -44257,7 +45715,7 @@
             </a:pPr>
             <a:r>
               <a:rPr lang="en-US" sz="2400" dirty="0"/>
-              <a:t>We can model some common sense reasoning principles other than the ones mentioned before, like </a:t>
+              <a:t>The more the number of </a:t>
             </a:r>
             <a:r>
               <a:rPr lang="en-US" sz="2400" dirty="0">
@@ -44265,11 +45723,11 @@
                   <a:srgbClr val="FF0000"/>
                 </a:solidFill>
               </a:rPr>
-              <a:t>hyponyms </a:t>
+              <a:t>trusted information resources </a:t>
             </a:r>
             <a:r>
               <a:rPr lang="en-US" sz="2400" dirty="0"/>
-              <a:t>etc.</a:t>
+              <a:t>the better is the system at inferring.</a:t>
             </a:r>
           </a:p>
           <a:p>
@@ -44279,7 +45737,7 @@
             </a:pPr>
             <a:r>
               <a:rPr lang="en-US" sz="2400" dirty="0"/>
-              <a:t>These may be logically weaker but, human reasoning uses weak assumptions to reason incase of absence of information.</a:t>
+              <a:t>Databases like YAGO which stores information about named entities like cities, countries  from Wikipedia and WordNet can help the system reach better conclusions.</a:t>
             </a:r>
             <a:endParaRPr lang="en-US" sz="2400" dirty="0">
               <a:solidFill>
@@ -44291,10 +45749,10 @@
       </p:sp>
       <p:sp>
         <p:nvSpPr>
-          <p:cNvPr id="8" name="Rectangle 7">
-            <a:extLst>
-              <a:ext uri="{FF2B5EF4-FFF2-40B4-BE49-F238E27FC236}">
-                <a16:creationId xmlns:a16="http://schemas.microsoft.com/office/drawing/2014/main" id="{2DB428E2-8FAA-4F7D-B221-1D331098E241}"/>
+          <p:cNvPr id="2" name="Rectangle 1">
+            <a:extLst>
+              <a:ext uri="{FF2B5EF4-FFF2-40B4-BE49-F238E27FC236}">
+                <a16:creationId xmlns:a16="http://schemas.microsoft.com/office/drawing/2014/main" id="{D3E134D8-5A31-4D32-A9BB-82DCA4903F05}"/>
               </a:ext>
             </a:extLst>
           </p:cNvPr>
@@ -44303,8 +45761,8 @@
         </p:nvSpPr>
         <p:spPr>
           <a:xfrm>
-            <a:off x="390937" y="4097107"/>
-            <a:ext cx="11085446" cy="1938992"/>
+            <a:off x="390937" y="4472799"/>
+            <a:ext cx="11085446" cy="1569660"/>
           </a:xfrm>
           <a:prstGeom prst="rect">
             <a:avLst/>
@@ -44319,7 +45777,7 @@
             <a:pPr algn="just"/>
             <a:r>
               <a:rPr lang="en-US" sz="2400" b="1" dirty="0"/>
-              <a:t>8.    Relaxing of Query Constraints</a:t>
+              <a:t>6.    Marking facts with confidence metrics</a:t>
             </a:r>
           </a:p>
           <a:p>
@@ -44329,25 +45787,8 @@
             </a:pPr>
             <a:r>
               <a:rPr lang="en-US" sz="2400" dirty="0"/>
-              <a:t>The query generation systems used </a:t>
-            </a:r>
-            <a:r>
-              <a:rPr lang="en-US" sz="2400" dirty="0">
-                <a:solidFill>
-                  <a:srgbClr val="FF0000"/>
-                </a:solidFill>
-              </a:rPr>
-              <a:t>removal of predicates</a:t>
-            </a:r>
-            <a:r>
-              <a:rPr lang="en-US" sz="2400" dirty="0"/>
-              <a:t> to model query relaxation</a:t>
-            </a:r>
-            <a:endParaRPr lang="en-US" sz="2400" dirty="0">
-              <a:solidFill>
-                <a:srgbClr val="FF0000"/>
-              </a:solidFill>
-            </a:endParaRPr>
+              <a:t>As the number of information sources will increase we would need to add a confidence metric on facts coming from these sources</a:t>
+            </a:r>
           </a:p>
           <a:p>
             <a:pPr marL="800100" lvl="1" indent="-342900" algn="just">
@@ -44356,7 +45797,7 @@
             </a:pPr>
             <a:r>
               <a:rPr lang="en-US" sz="2400" dirty="0"/>
-              <a:t>There are other ways to relax queries like </a:t>
+              <a:t>This will help us choose the </a:t>
             </a:r>
             <a:r>
               <a:rPr lang="en-US" sz="2400" dirty="0">
@@ -44364,33 +45805,11 @@
                   <a:srgbClr val="FF0000"/>
                 </a:solidFill>
               </a:rPr>
-              <a:t>removal of constraints</a:t>
+              <a:t>best justification </a:t>
             </a:r>
             <a:r>
               <a:rPr lang="en-US" sz="2400" dirty="0"/>
-              <a:t> on terms.</a:t>
-            </a:r>
-          </a:p>
-          <a:p>
-            <a:pPr marL="800100" lvl="1" indent="-342900" algn="just">
-              <a:buFont typeface="Arial" panose="020B0604020202020204" pitchFamily="34" charset="0"/>
-              <a:buChar char="•"/>
-            </a:pPr>
-            <a:r>
-              <a:rPr lang="en-US" sz="2400" dirty="0"/>
-              <a:t>We can thus use a </a:t>
-            </a:r>
-            <a:r>
-              <a:rPr lang="en-US" sz="2400" dirty="0">
-                <a:solidFill>
-                  <a:srgbClr val="FF0000"/>
-                </a:solidFill>
-              </a:rPr>
-              <a:t>combination of techniques </a:t>
-            </a:r>
-            <a:r>
-              <a:rPr lang="en-US" sz="2400" dirty="0"/>
-              <a:t>to relax queries.</a:t>
+              <a:t>for a query</a:t>
             </a:r>
           </a:p>
         </p:txBody>
@@ -44398,7 +45817,7 @@
     </p:spTree>
     <p:extLst>
       <p:ext uri="{BB962C8B-B14F-4D97-AF65-F5344CB8AC3E}">
-        <p14:creationId xmlns:p14="http://schemas.microsoft.com/office/powerpoint/2010/main" val="1733180353"/>
+        <p14:creationId xmlns:p14="http://schemas.microsoft.com/office/powerpoint/2010/main" val="2122546219"/>
       </p:ext>
     </p:extLst>
   </p:cSld>
@@ -44427,84 +45846,56 @@
       </p:grpSpPr>
       <p:sp>
         <p:nvSpPr>
-          <p:cNvPr id="3" name="TextBox 2">
-            <a:extLst>
-              <a:ext uri="{FF2B5EF4-FFF2-40B4-BE49-F238E27FC236}">
-                <a16:creationId xmlns:a16="http://schemas.microsoft.com/office/drawing/2014/main" id="{1980B4EC-4697-4B4F-87E9-C0E68B2BB033}"/>
-              </a:ext>
-            </a:extLst>
-          </p:cNvPr>
-          <p:cNvSpPr txBox="1"/>
-          <p:nvPr/>
-        </p:nvSpPr>
-        <p:spPr>
-          <a:xfrm>
-            <a:off x="3838210" y="2519929"/>
-            <a:ext cx="4515579" cy="923330"/>
-          </a:xfrm>
-          <a:prstGeom prst="rect">
-            <a:avLst/>
-          </a:prstGeom>
-          <a:noFill/>
-        </p:spPr>
-        <p:txBody>
-          <a:bodyPr wrap="square" rtlCol="0">
-            <a:spAutoFit/>
-          </a:bodyPr>
-          <a:lstStyle/>
-          <a:p>
-            <a:pPr algn="ctr"/>
-            <a:r>
-              <a:rPr lang="en-US" sz="5400" dirty="0">
-                <a:ln w="0"/>
-              </a:rPr>
-              <a:t>Contributions</a:t>
-            </a:r>
-          </a:p>
-        </p:txBody>
-      </p:sp>
-      <p:cxnSp>
-        <p:nvCxnSpPr>
-          <p:cNvPr id="8" name="Straight Connector 7">
-            <a:extLst>
-              <a:ext uri="{FF2B5EF4-FFF2-40B4-BE49-F238E27FC236}">
-                <a16:creationId xmlns:a16="http://schemas.microsoft.com/office/drawing/2014/main" id="{1246DA07-DFD8-496C-BB69-FD95668F7C67}"/>
-              </a:ext>
-            </a:extLst>
-          </p:cNvPr>
-          <p:cNvCxnSpPr/>
-          <p:nvPr/>
-        </p:nvCxnSpPr>
-        <p:spPr>
-          <a:xfrm>
-            <a:off x="3670852" y="3429000"/>
-            <a:ext cx="4611756" cy="0"/>
-          </a:xfrm>
-          <a:prstGeom prst="line">
+          <p:cNvPr id="7" name="Rectangle 6">
+            <a:extLst>
+              <a:ext uri="{FF2B5EF4-FFF2-40B4-BE49-F238E27FC236}">
+                <a16:creationId xmlns:a16="http://schemas.microsoft.com/office/drawing/2014/main" id="{2B84BBFB-C1EC-478F-8E81-7685A0B691C6}"/>
+              </a:ext>
+            </a:extLst>
+          </p:cNvPr>
+          <p:cNvSpPr/>
+          <p:nvPr/>
+        </p:nvSpPr>
+        <p:spPr>
+          <a:xfrm>
+            <a:off x="0" y="0"/>
+            <a:ext cx="12192000" cy="1311965"/>
+          </a:xfrm>
+          <a:prstGeom prst="rect">
             <a:avLst/>
           </a:prstGeom>
         </p:spPr>
         <p:style>
-          <a:lnRef idx="1">
-            <a:schemeClr val="dk1"/>
+          <a:lnRef idx="2">
+            <a:schemeClr val="dk1">
+              <a:shade val="50000"/>
+            </a:schemeClr>
           </a:lnRef>
-          <a:fillRef idx="0">
+          <a:fillRef idx="1">
             <a:schemeClr val="dk1"/>
           </a:fillRef>
           <a:effectRef idx="0">
             <a:schemeClr val="dk1"/>
           </a:effectRef>
           <a:fontRef idx="minor">
-            <a:schemeClr val="tx1"/>
+            <a:schemeClr val="lt1"/>
           </a:fontRef>
         </p:style>
-      </p:cxnSp>
-      <p:sp>
-        <p:nvSpPr>
-          <p:cNvPr id="4" name="TextBox 3">
-            <a:extLst>
-              <a:ext uri="{FF2B5EF4-FFF2-40B4-BE49-F238E27FC236}">
-                <a16:creationId xmlns:a16="http://schemas.microsoft.com/office/drawing/2014/main" id="{6BFEE7AA-B53C-40A1-BA09-1E3192229B2B}"/>
+        <p:txBody>
+          <a:bodyPr rtlCol="0" anchor="ctr"/>
+          <a:lstStyle/>
+          <a:p>
+            <a:pPr algn="ctr"/>
+            <a:endParaRPr lang="en-US" dirty="0"/>
+          </a:p>
+        </p:txBody>
+      </p:sp>
+      <p:sp>
+        <p:nvSpPr>
+          <p:cNvPr id="9" name="TextBox 8">
+            <a:extLst>
+              <a:ext uri="{FF2B5EF4-FFF2-40B4-BE49-F238E27FC236}">
+                <a16:creationId xmlns:a16="http://schemas.microsoft.com/office/drawing/2014/main" id="{7F0CAA4B-E205-452A-A063-24223A8717CE}"/>
               </a:ext>
             </a:extLst>
           </p:cNvPr>
@@ -44513,8 +45904,8 @@
         </p:nvSpPr>
         <p:spPr>
           <a:xfrm>
-            <a:off x="4565372" y="3443259"/>
-            <a:ext cx="3061254" cy="461665"/>
+            <a:off x="4541560" y="332816"/>
+            <a:ext cx="3108879" cy="646331"/>
           </a:xfrm>
           <a:prstGeom prst="rect">
             <a:avLst/>
@@ -44527,9 +45918,193 @@
           </a:bodyPr>
           <a:lstStyle/>
           <a:p>
+            <a:pPr algn="ctr"/>
+            <a:r>
+              <a:rPr lang="en-US" sz="3600" dirty="0">
+                <a:ln w="0"/>
+                <a:solidFill>
+                  <a:schemeClr val="bg1"/>
+                </a:solidFill>
+              </a:rPr>
+              <a:t>Future Work</a:t>
+            </a:r>
+          </a:p>
+        </p:txBody>
+      </p:sp>
+      <p:sp>
+        <p:nvSpPr>
+          <p:cNvPr id="6" name="Rectangle 5">
+            <a:extLst>
+              <a:ext uri="{FF2B5EF4-FFF2-40B4-BE49-F238E27FC236}">
+                <a16:creationId xmlns:a16="http://schemas.microsoft.com/office/drawing/2014/main" id="{50B0E405-AA50-426D-AF54-4A9E16132E8D}"/>
+              </a:ext>
+            </a:extLst>
+          </p:cNvPr>
+          <p:cNvSpPr/>
+          <p:nvPr/>
+        </p:nvSpPr>
+        <p:spPr>
+          <a:xfrm>
+            <a:off x="390937" y="1952511"/>
+            <a:ext cx="11085446" cy="1938992"/>
+          </a:xfrm>
+          <a:prstGeom prst="rect">
+            <a:avLst/>
+          </a:prstGeom>
+        </p:spPr>
+        <p:txBody>
+          <a:bodyPr wrap="square">
+            <a:spAutoFit/>
+          </a:bodyPr>
+          <a:lstStyle/>
+          <a:p>
+            <a:pPr algn="just"/>
+            <a:r>
+              <a:rPr lang="en-US" sz="2400" b="1" dirty="0"/>
+              <a:t>7.    Modelling Common Sense Reasoning Patterns</a:t>
+            </a:r>
+          </a:p>
+          <a:p>
+            <a:pPr marL="800100" lvl="1" indent="-342900" algn="just">
+              <a:buFont typeface="Arial" panose="020B0604020202020204" pitchFamily="34" charset="0"/>
+              <a:buChar char="•"/>
+            </a:pPr>
             <a:r>
               <a:rPr lang="en-US" sz="2400" dirty="0"/>
-              <a:t>What did we achieve?</a:t>
+              <a:t>We can model some common sense reasoning principles other than the ones mentioned before, like </a:t>
+            </a:r>
+            <a:r>
+              <a:rPr lang="en-US" sz="2400" dirty="0">
+                <a:solidFill>
+                  <a:srgbClr val="FF0000"/>
+                </a:solidFill>
+              </a:rPr>
+              <a:t>hyponyms </a:t>
+            </a:r>
+            <a:r>
+              <a:rPr lang="en-US" sz="2400" dirty="0"/>
+              <a:t>etc.</a:t>
+            </a:r>
+          </a:p>
+          <a:p>
+            <a:pPr marL="800100" lvl="1" indent="-342900" algn="just">
+              <a:buFont typeface="Arial" panose="020B0604020202020204" pitchFamily="34" charset="0"/>
+              <a:buChar char="•"/>
+            </a:pPr>
+            <a:r>
+              <a:rPr lang="en-US" sz="2400" dirty="0"/>
+              <a:t>These may be logically weaker but, human reasoning uses weak assumptions to reason incase of absence of information.</a:t>
+            </a:r>
+            <a:endParaRPr lang="en-US" sz="2400" dirty="0">
+              <a:solidFill>
+                <a:srgbClr val="FF0000"/>
+              </a:solidFill>
+            </a:endParaRPr>
+          </a:p>
+        </p:txBody>
+      </p:sp>
+      <p:sp>
+        <p:nvSpPr>
+          <p:cNvPr id="8" name="Rectangle 7">
+            <a:extLst>
+              <a:ext uri="{FF2B5EF4-FFF2-40B4-BE49-F238E27FC236}">
+                <a16:creationId xmlns:a16="http://schemas.microsoft.com/office/drawing/2014/main" id="{2DB428E2-8FAA-4F7D-B221-1D331098E241}"/>
+              </a:ext>
+            </a:extLst>
+          </p:cNvPr>
+          <p:cNvSpPr/>
+          <p:nvPr/>
+        </p:nvSpPr>
+        <p:spPr>
+          <a:xfrm>
+            <a:off x="390937" y="4097107"/>
+            <a:ext cx="11085446" cy="1938992"/>
+          </a:xfrm>
+          <a:prstGeom prst="rect">
+            <a:avLst/>
+          </a:prstGeom>
+        </p:spPr>
+        <p:txBody>
+          <a:bodyPr wrap="square">
+            <a:spAutoFit/>
+          </a:bodyPr>
+          <a:lstStyle/>
+          <a:p>
+            <a:pPr algn="just"/>
+            <a:r>
+              <a:rPr lang="en-US" sz="2400" b="1" dirty="0"/>
+              <a:t>8.    Relaxing of Query Constraints</a:t>
+            </a:r>
+          </a:p>
+          <a:p>
+            <a:pPr marL="800100" lvl="1" indent="-342900" algn="just">
+              <a:buFont typeface="Arial" panose="020B0604020202020204" pitchFamily="34" charset="0"/>
+              <a:buChar char="•"/>
+            </a:pPr>
+            <a:r>
+              <a:rPr lang="en-US" sz="2400" dirty="0"/>
+              <a:t>The query generation systems used </a:t>
+            </a:r>
+            <a:r>
+              <a:rPr lang="en-US" sz="2400" dirty="0">
+                <a:solidFill>
+                  <a:srgbClr val="FF0000"/>
+                </a:solidFill>
+              </a:rPr>
+              <a:t>removal of predicates</a:t>
+            </a:r>
+            <a:r>
+              <a:rPr lang="en-US" sz="2400" dirty="0"/>
+              <a:t> to model query relaxation</a:t>
+            </a:r>
+            <a:endParaRPr lang="en-US" sz="2400" dirty="0">
+              <a:solidFill>
+                <a:srgbClr val="FF0000"/>
+              </a:solidFill>
+            </a:endParaRPr>
+          </a:p>
+          <a:p>
+            <a:pPr marL="800100" lvl="1" indent="-342900" algn="just">
+              <a:buFont typeface="Arial" panose="020B0604020202020204" pitchFamily="34" charset="0"/>
+              <a:buChar char="•"/>
+            </a:pPr>
+            <a:r>
+              <a:rPr lang="en-US" sz="2400" dirty="0"/>
+              <a:t>There are other ways to relax queries like </a:t>
+            </a:r>
+            <a:r>
+              <a:rPr lang="en-US" sz="2400" dirty="0">
+                <a:solidFill>
+                  <a:srgbClr val="FF0000"/>
+                </a:solidFill>
+              </a:rPr>
+              <a:t>removal of constraints</a:t>
+            </a:r>
+            <a:r>
+              <a:rPr lang="en-US" sz="2400" dirty="0"/>
+              <a:t> on terms.</a:t>
+            </a:r>
+          </a:p>
+          <a:p>
+            <a:pPr marL="800100" lvl="1" indent="-342900" algn="just">
+              <a:buFont typeface="Arial" panose="020B0604020202020204" pitchFamily="34" charset="0"/>
+              <a:buChar char="•"/>
+            </a:pPr>
+            <a:r>
+              <a:rPr lang="en-US" sz="2400" dirty="0"/>
+              <a:t>We can thus use a </a:t>
+            </a:r>
+            <a:r>
+              <a:rPr lang="en-US" sz="2400" dirty="0">
+                <a:solidFill>
+                  <a:srgbClr val="FF0000"/>
+                </a:solidFill>
+              </a:rPr>
+              <a:t>combination of techniques </a:t>
+            </a:r>
+            <a:r>
+              <a:rPr lang="en-US" sz="2400" dirty="0"/>
+              <a:t>to relax queries.</a:t>
             </a:r>
           </a:p>
         </p:txBody>
@@ -44537,7 +46112,7 @@
     </p:spTree>
     <p:extLst>
       <p:ext uri="{BB962C8B-B14F-4D97-AF65-F5344CB8AC3E}">
-        <p14:creationId xmlns:p14="http://schemas.microsoft.com/office/powerpoint/2010/main" val="2616528620"/>
+        <p14:creationId xmlns:p14="http://schemas.microsoft.com/office/powerpoint/2010/main" val="1733180353"/>
       </p:ext>
     </p:extLst>
   </p:cSld>
@@ -44566,175 +46141,84 @@
       </p:grpSpPr>
       <p:sp>
         <p:nvSpPr>
-          <p:cNvPr id="5" name="Rectangle 4">
-            <a:extLst>
-              <a:ext uri="{FF2B5EF4-FFF2-40B4-BE49-F238E27FC236}">
-                <a16:creationId xmlns:a16="http://schemas.microsoft.com/office/drawing/2014/main" id="{4FDB0B06-F270-4F00-8383-EB0ABF97EF01}"/>
-              </a:ext>
-            </a:extLst>
-          </p:cNvPr>
-          <p:cNvSpPr/>
-          <p:nvPr/>
-        </p:nvSpPr>
-        <p:spPr>
-          <a:xfrm>
-            <a:off x="390937" y="1644781"/>
-            <a:ext cx="11085446" cy="2308324"/>
-          </a:xfrm>
-          <a:prstGeom prst="rect">
-            <a:avLst/>
-          </a:prstGeom>
-        </p:spPr>
-        <p:txBody>
-          <a:bodyPr wrap="square">
+          <p:cNvPr id="3" name="TextBox 2">
+            <a:extLst>
+              <a:ext uri="{FF2B5EF4-FFF2-40B4-BE49-F238E27FC236}">
+                <a16:creationId xmlns:a16="http://schemas.microsoft.com/office/drawing/2014/main" id="{1980B4EC-4697-4B4F-87E9-C0E68B2BB033}"/>
+              </a:ext>
+            </a:extLst>
+          </p:cNvPr>
+          <p:cNvSpPr txBox="1"/>
+          <p:nvPr/>
+        </p:nvSpPr>
+        <p:spPr>
+          <a:xfrm>
+            <a:off x="3838210" y="2519929"/>
+            <a:ext cx="4515579" cy="923330"/>
+          </a:xfrm>
+          <a:prstGeom prst="rect">
+            <a:avLst/>
+          </a:prstGeom>
+          <a:noFill/>
+        </p:spPr>
+        <p:txBody>
+          <a:bodyPr wrap="square" rtlCol="0">
             <a:spAutoFit/>
           </a:bodyPr>
           <a:lstStyle/>
           <a:p>
-            <a:pPr algn="just"/>
-            <a:r>
-              <a:rPr lang="en-US" sz="2400" b="1" dirty="0"/>
-              <a:t>1.    Generic Calculus Framework</a:t>
-            </a:r>
-          </a:p>
-          <a:p>
-            <a:pPr marL="800100" lvl="1" indent="-342900" algn="just">
-              <a:buFont typeface="Arial" panose="020B0604020202020204" pitchFamily="34" charset="0"/>
-              <a:buChar char="•"/>
-            </a:pPr>
-            <a:r>
-              <a:rPr lang="en-US" sz="2400" dirty="0"/>
-              <a:t>Defines a calculus framework containing </a:t>
-            </a:r>
-            <a:r>
-              <a:rPr lang="en-US" sz="2400" dirty="0">
-                <a:solidFill>
-                  <a:srgbClr val="FF0000"/>
-                </a:solidFill>
-              </a:rPr>
-              <a:t>generic predicates</a:t>
-            </a:r>
-          </a:p>
-          <a:p>
-            <a:pPr marL="800100" lvl="1" indent="-342900" algn="just">
-              <a:buFont typeface="Arial" panose="020B0604020202020204" pitchFamily="34" charset="0"/>
-              <a:buChar char="•"/>
-            </a:pPr>
-            <a:r>
-              <a:rPr lang="en-US" sz="2400" dirty="0"/>
-              <a:t>Framework is </a:t>
-            </a:r>
-            <a:r>
-              <a:rPr lang="en-US" sz="2400" dirty="0">
-                <a:solidFill>
-                  <a:srgbClr val="FF0000"/>
-                </a:solidFill>
-              </a:rPr>
-              <a:t>extendible </a:t>
-            </a:r>
-            <a:r>
-              <a:rPr lang="en-US" sz="2400" dirty="0"/>
-              <a:t>to incorporate more predicates like cause, effect without much changes</a:t>
-            </a:r>
-          </a:p>
-          <a:p>
-            <a:pPr marL="800100" lvl="1" indent="-342900" algn="just">
-              <a:buFont typeface="Arial" panose="020B0604020202020204" pitchFamily="34" charset="0"/>
-              <a:buChar char="•"/>
-            </a:pPr>
-            <a:r>
-              <a:rPr lang="en-US" sz="2400" dirty="0"/>
-              <a:t>Efficiently able to </a:t>
-            </a:r>
-            <a:r>
-              <a:rPr lang="en-US" sz="2400" dirty="0">
-                <a:solidFill>
-                  <a:srgbClr val="FF0000"/>
-                </a:solidFill>
-              </a:rPr>
-              <a:t>represent most data points </a:t>
-            </a:r>
-            <a:r>
-              <a:rPr lang="en-US" sz="2400" dirty="0"/>
-              <a:t>mentioned in the passage</a:t>
-            </a:r>
-          </a:p>
-          <a:p>
-            <a:pPr marL="800100" lvl="1" indent="-342900" algn="just">
-              <a:buFont typeface="Arial" panose="020B0604020202020204" pitchFamily="34" charset="0"/>
-              <a:buChar char="•"/>
-            </a:pPr>
-            <a:r>
-              <a:rPr lang="en-US" sz="2400" dirty="0"/>
-              <a:t>Can integrate with </a:t>
-            </a:r>
-            <a:r>
-              <a:rPr lang="en-US" sz="2400" dirty="0">
-                <a:solidFill>
-                  <a:srgbClr val="FF0000"/>
-                </a:solidFill>
-              </a:rPr>
-              <a:t>custom patterns </a:t>
-            </a:r>
-            <a:r>
-              <a:rPr lang="en-US" sz="2400" dirty="0"/>
-              <a:t>like month, year predicate</a:t>
-            </a:r>
-          </a:p>
-        </p:txBody>
-      </p:sp>
-      <p:sp>
-        <p:nvSpPr>
-          <p:cNvPr id="7" name="Rectangle 6">
-            <a:extLst>
-              <a:ext uri="{FF2B5EF4-FFF2-40B4-BE49-F238E27FC236}">
-                <a16:creationId xmlns:a16="http://schemas.microsoft.com/office/drawing/2014/main" id="{2B84BBFB-C1EC-478F-8E81-7685A0B691C6}"/>
-              </a:ext>
-            </a:extLst>
-          </p:cNvPr>
-          <p:cNvSpPr/>
-          <p:nvPr/>
-        </p:nvSpPr>
-        <p:spPr>
-          <a:xfrm>
-            <a:off x="0" y="0"/>
-            <a:ext cx="12192000" cy="1311965"/>
-          </a:xfrm>
-          <a:prstGeom prst="rect">
+            <a:pPr algn="ctr"/>
+            <a:r>
+              <a:rPr lang="en-US" sz="5400" dirty="0">
+                <a:ln w="0"/>
+              </a:rPr>
+              <a:t>Contributions</a:t>
+            </a:r>
+          </a:p>
+        </p:txBody>
+      </p:sp>
+      <p:cxnSp>
+        <p:nvCxnSpPr>
+          <p:cNvPr id="8" name="Straight Connector 7">
+            <a:extLst>
+              <a:ext uri="{FF2B5EF4-FFF2-40B4-BE49-F238E27FC236}">
+                <a16:creationId xmlns:a16="http://schemas.microsoft.com/office/drawing/2014/main" id="{1246DA07-DFD8-496C-BB69-FD95668F7C67}"/>
+              </a:ext>
+            </a:extLst>
+          </p:cNvPr>
+          <p:cNvCxnSpPr/>
+          <p:nvPr/>
+        </p:nvCxnSpPr>
+        <p:spPr>
+          <a:xfrm>
+            <a:off x="3670852" y="3429000"/>
+            <a:ext cx="4611756" cy="0"/>
+          </a:xfrm>
+          <a:prstGeom prst="line">
             <a:avLst/>
           </a:prstGeom>
         </p:spPr>
         <p:style>
-          <a:lnRef idx="2">
-            <a:schemeClr val="dk1">
-              <a:shade val="50000"/>
-            </a:schemeClr>
+          <a:lnRef idx="1">
+            <a:schemeClr val="dk1"/>
           </a:lnRef>
-          <a:fillRef idx="1">
+          <a:fillRef idx="0">
             <a:schemeClr val="dk1"/>
           </a:fillRef>
           <a:effectRef idx="0">
             <a:schemeClr val="dk1"/>
           </a:effectRef>
           <a:fontRef idx="minor">
-            <a:schemeClr val="lt1"/>
+            <a:schemeClr val="tx1"/>
           </a:fontRef>
         </p:style>
-        <p:txBody>
-          <a:bodyPr rtlCol="0" anchor="ctr"/>
-          <a:lstStyle/>
-          <a:p>
-            <a:pPr algn="ctr"/>
-            <a:endParaRPr lang="en-US" dirty="0"/>
-          </a:p>
-        </p:txBody>
-      </p:sp>
-      <p:sp>
-        <p:nvSpPr>
-          <p:cNvPr id="9" name="TextBox 8">
-            <a:extLst>
-              <a:ext uri="{FF2B5EF4-FFF2-40B4-BE49-F238E27FC236}">
-                <a16:creationId xmlns:a16="http://schemas.microsoft.com/office/drawing/2014/main" id="{7F0CAA4B-E205-452A-A063-24223A8717CE}"/>
+      </p:cxnSp>
+      <p:sp>
+        <p:nvSpPr>
+          <p:cNvPr id="4" name="TextBox 3">
+            <a:extLst>
+              <a:ext uri="{FF2B5EF4-FFF2-40B4-BE49-F238E27FC236}">
+                <a16:creationId xmlns:a16="http://schemas.microsoft.com/office/drawing/2014/main" id="{6BFEE7AA-B53C-40A1-BA09-1E3192229B2B}"/>
               </a:ext>
             </a:extLst>
           </p:cNvPr>
@@ -44743,8 +46227,8 @@
         </p:nvSpPr>
         <p:spPr>
           <a:xfrm>
-            <a:off x="4541560" y="332816"/>
-            <a:ext cx="3108879" cy="646331"/>
+            <a:off x="4565372" y="3443259"/>
+            <a:ext cx="3061254" cy="461665"/>
           </a:xfrm>
           <a:prstGeom prst="rect">
             <a:avLst/>
@@ -44757,183 +46241,9 @@
           </a:bodyPr>
           <a:lstStyle/>
           <a:p>
-            <a:pPr algn="ctr"/>
-            <a:r>
-              <a:rPr lang="en-US" sz="3600" dirty="0">
-                <a:ln w="0"/>
-                <a:solidFill>
-                  <a:schemeClr val="bg1"/>
-                </a:solidFill>
-              </a:rPr>
-              <a:t>Contributions</a:t>
-            </a:r>
-          </a:p>
-        </p:txBody>
-      </p:sp>
-      <p:sp>
-        <p:nvSpPr>
-          <p:cNvPr id="10" name="Rectangle 9">
-            <a:extLst>
-              <a:ext uri="{FF2B5EF4-FFF2-40B4-BE49-F238E27FC236}">
-                <a16:creationId xmlns:a16="http://schemas.microsoft.com/office/drawing/2014/main" id="{55E81C5D-F5BE-420F-90B0-734922C9AE86}"/>
-              </a:ext>
-            </a:extLst>
-          </p:cNvPr>
-          <p:cNvSpPr/>
-          <p:nvPr/>
-        </p:nvSpPr>
-        <p:spPr>
-          <a:xfrm>
-            <a:off x="390937" y="4050051"/>
-            <a:ext cx="11085446" cy="2677656"/>
-          </a:xfrm>
-          <a:prstGeom prst="rect">
-            <a:avLst/>
-          </a:prstGeom>
-        </p:spPr>
-        <p:txBody>
-          <a:bodyPr wrap="square">
-            <a:spAutoFit/>
-          </a:bodyPr>
-          <a:lstStyle/>
-          <a:p>
-            <a:pPr algn="just"/>
-            <a:r>
-              <a:rPr lang="en-US" sz="2400" b="1" dirty="0"/>
-              <a:t>2.    Use of other Knowledge Sources</a:t>
-            </a:r>
-          </a:p>
-          <a:p>
-            <a:pPr marL="800100" lvl="1" indent="-342900" algn="just">
-              <a:buFont typeface="Arial" panose="020B0604020202020204" pitchFamily="34" charset="0"/>
-              <a:buChar char="•"/>
-            </a:pPr>
             <a:r>
               <a:rPr lang="en-US" sz="2400" dirty="0"/>
-              <a:t>Incorporates </a:t>
-            </a:r>
-            <a:r>
-              <a:rPr lang="en-US" sz="2400" dirty="0">
-                <a:solidFill>
-                  <a:srgbClr val="FF0000"/>
-                </a:solidFill>
-              </a:rPr>
-              <a:t>secondary knowledge sources </a:t>
-            </a:r>
-            <a:r>
-              <a:rPr lang="en-US" sz="2400" dirty="0"/>
-              <a:t>like WordNet</a:t>
-            </a:r>
-            <a:endParaRPr lang="en-US" sz="2400" dirty="0">
-              <a:solidFill>
-                <a:srgbClr val="FF0000"/>
-              </a:solidFill>
-            </a:endParaRPr>
-          </a:p>
-          <a:p>
-            <a:pPr marL="800100" lvl="1" indent="-342900" algn="just">
-              <a:buFont typeface="Arial" panose="020B0604020202020204" pitchFamily="34" charset="0"/>
-              <a:buChar char="•"/>
-            </a:pPr>
-            <a:r>
-              <a:rPr lang="en-US" sz="2400" dirty="0"/>
-              <a:t>Able to build a </a:t>
-            </a:r>
-            <a:r>
-              <a:rPr lang="en-US" sz="2400" dirty="0">
-                <a:solidFill>
-                  <a:srgbClr val="FF0000"/>
-                </a:solidFill>
-              </a:rPr>
-              <a:t>custom ontology </a:t>
-            </a:r>
-            <a:r>
-              <a:rPr lang="en-US" sz="2400" dirty="0"/>
-              <a:t>for the input passage</a:t>
-            </a:r>
-          </a:p>
-          <a:p>
-            <a:pPr marL="800100" lvl="1" indent="-342900" algn="just">
-              <a:buFont typeface="Arial" panose="020B0604020202020204" pitchFamily="34" charset="0"/>
-              <a:buChar char="•"/>
-            </a:pPr>
-            <a:r>
-              <a:rPr lang="en-US" sz="2400" dirty="0"/>
-              <a:t>Helps </a:t>
-            </a:r>
-            <a:r>
-              <a:rPr lang="en-US" sz="2400" dirty="0">
-                <a:solidFill>
-                  <a:srgbClr val="FF0000"/>
-                </a:solidFill>
-              </a:rPr>
-              <a:t>efficiently reason </a:t>
-            </a:r>
-            <a:r>
-              <a:rPr lang="en-US" sz="2400" dirty="0"/>
-              <a:t>about knowledge mimicking humans</a:t>
-            </a:r>
-          </a:p>
-          <a:p>
-            <a:pPr marL="800100" lvl="1" indent="-342900" algn="just">
-              <a:buFont typeface="Arial" panose="020B0604020202020204" pitchFamily="34" charset="0"/>
-              <a:buChar char="•"/>
-            </a:pPr>
-            <a:r>
-              <a:rPr lang="en-US" sz="2400" dirty="0"/>
-              <a:t>Ontology can be built in an </a:t>
-            </a:r>
-            <a:r>
-              <a:rPr lang="en-US" sz="2400" dirty="0">
-                <a:solidFill>
-                  <a:srgbClr val="FF0000"/>
-                </a:solidFill>
-              </a:rPr>
-              <a:t>incremental fashion</a:t>
-            </a:r>
-            <a:r>
-              <a:rPr lang="en-US" sz="2400" dirty="0"/>
-              <a:t> as well</a:t>
-            </a:r>
-          </a:p>
-          <a:p>
-            <a:pPr marL="800100" lvl="1" indent="-342900" algn="just">
-              <a:buFont typeface="Arial" panose="020B0604020202020204" pitchFamily="34" charset="0"/>
-              <a:buChar char="•"/>
-            </a:pPr>
-            <a:r>
-              <a:rPr lang="en-US" sz="2400" dirty="0"/>
-              <a:t>Use of SaSP helps in working with an </a:t>
-            </a:r>
-            <a:r>
-              <a:rPr lang="en-US" sz="2400" dirty="0">
-                <a:solidFill>
-                  <a:srgbClr val="FF0000"/>
-                </a:solidFill>
-              </a:rPr>
-              <a:t>unbounded domain</a:t>
-            </a:r>
-          </a:p>
-          <a:p>
-            <a:pPr marL="800100" lvl="1" indent="-342900" algn="just">
-              <a:buFont typeface="Arial" panose="020B0604020202020204" pitchFamily="34" charset="0"/>
-              <a:buChar char="•"/>
-            </a:pPr>
-            <a:r>
-              <a:rPr lang="en-US" sz="2400" dirty="0"/>
-              <a:t>Program </a:t>
-            </a:r>
-            <a:r>
-              <a:rPr lang="en-US" sz="2400" dirty="0">
-                <a:solidFill>
-                  <a:srgbClr val="FF0000"/>
-                </a:solidFill>
-              </a:rPr>
-              <a:t>does not need to be grounded</a:t>
-            </a:r>
-            <a:r>
-              <a:rPr lang="en-US" sz="2400" dirty="0"/>
-              <a:t> to calculate answer set like in CLASP</a:t>
+              <a:t>What did we achieve?</a:t>
             </a:r>
           </a:p>
         </p:txBody>
@@ -44941,7 +46251,7 @@
     </p:spTree>
     <p:extLst>
       <p:ext uri="{BB962C8B-B14F-4D97-AF65-F5344CB8AC3E}">
-        <p14:creationId xmlns:p14="http://schemas.microsoft.com/office/powerpoint/2010/main" val="4027011598"/>
+        <p14:creationId xmlns:p14="http://schemas.microsoft.com/office/powerpoint/2010/main" val="2616528620"/>
       </p:ext>
     </p:extLst>
   </p:cSld>
@@ -44982,8 +46292,8 @@
         </p:nvSpPr>
         <p:spPr>
           <a:xfrm>
-            <a:off x="443945" y="1803807"/>
-            <a:ext cx="11085446" cy="1938992"/>
+            <a:off x="390937" y="1644781"/>
+            <a:ext cx="11085446" cy="2308324"/>
           </a:xfrm>
           <a:prstGeom prst="rect">
             <a:avLst/>
@@ -44998,7 +46308,7 @@
             <a:pPr algn="just"/>
             <a:r>
               <a:rPr lang="en-US" sz="2400" b="1" dirty="0"/>
-              <a:t>3.    Preferential Pattern for WSD</a:t>
+              <a:t>1.    Generic Calculus Framework</a:t>
             </a:r>
           </a:p>
           <a:p>
@@ -45008,7 +46318,7 @@
             </a:pPr>
             <a:r>
               <a:rPr lang="en-US" sz="2400" dirty="0"/>
-              <a:t>Defines a </a:t>
+              <a:t>Defines a calculus framework containing </a:t>
             </a:r>
             <a:r>
               <a:rPr lang="en-US" sz="2400" dirty="0">
@@ -45016,17 +46326,8 @@
                   <a:srgbClr val="FF0000"/>
                 </a:solidFill>
               </a:rPr>
-              <a:t>preferential pattern </a:t>
-            </a:r>
-            <a:r>
-              <a:rPr lang="en-US" sz="2400" dirty="0"/>
-              <a:t>that mimics humans</a:t>
-            </a:r>
-            <a:endParaRPr lang="en-US" sz="2400" dirty="0">
-              <a:solidFill>
-                <a:srgbClr val="FF0000"/>
-              </a:solidFill>
-            </a:endParaRPr>
+              <a:t>generic predicates</a:t>
+            </a:r>
           </a:p>
           <a:p>
             <a:pPr marL="800100" lvl="1" indent="-342900" algn="just">
@@ -45035,7 +46336,7 @@
             </a:pPr>
             <a:r>
               <a:rPr lang="en-US" sz="2400" dirty="0"/>
-              <a:t>Preferential pattern </a:t>
+              <a:t>Framework is </a:t>
             </a:r>
             <a:r>
               <a:rPr lang="en-US" sz="2400" dirty="0">
@@ -45043,11 +46344,11 @@
                   <a:srgbClr val="FF0000"/>
                 </a:solidFill>
               </a:rPr>
-              <a:t>allows inputs</a:t>
+              <a:t>extendible </a:t>
             </a:r>
             <a:r>
               <a:rPr lang="en-US" sz="2400" dirty="0"/>
-              <a:t> from external systems</a:t>
+              <a:t>to incorporate more predicates like cause, effect without much changes</a:t>
             </a:r>
           </a:p>
           <a:p>
@@ -45057,7 +46358,7 @@
             </a:pPr>
             <a:r>
               <a:rPr lang="en-US" sz="2400" dirty="0"/>
-              <a:t>Can disambiguate in the </a:t>
+              <a:t>Efficiently able to </a:t>
             </a:r>
             <a:r>
               <a:rPr lang="en-US" sz="2400" dirty="0">
@@ -45065,11 +46366,11 @@
                   <a:srgbClr val="FF0000"/>
                 </a:solidFill>
               </a:rPr>
-              <a:t>absence of knowledge </a:t>
+              <a:t>represent most data points </a:t>
             </a:r>
             <a:r>
               <a:rPr lang="en-US" sz="2400" dirty="0"/>
-              <a:t>from external sources</a:t>
+              <a:t>mentioned in the passage</a:t>
             </a:r>
           </a:p>
           <a:p>
@@ -45079,7 +46380,7 @@
             </a:pPr>
             <a:r>
               <a:rPr lang="en-US" sz="2400" dirty="0"/>
-              <a:t>Only parts of the ontology </a:t>
+              <a:t>Can integrate with </a:t>
             </a:r>
             <a:r>
               <a:rPr lang="en-US" sz="2400" dirty="0">
@@ -45087,11 +46388,11 @@
                   <a:srgbClr val="FF0000"/>
                 </a:solidFill>
               </a:rPr>
-              <a:t>required to reason </a:t>
+              <a:t>custom patterns </a:t>
             </a:r>
             <a:r>
               <a:rPr lang="en-US" sz="2400" dirty="0"/>
-              <a:t>are triggered</a:t>
+              <a:t>like month, year predicate</a:t>
             </a:r>
           </a:p>
         </p:txBody>
@@ -45197,8 +46498,8 @@
         </p:nvSpPr>
         <p:spPr>
           <a:xfrm>
-            <a:off x="443945" y="3917529"/>
-            <a:ext cx="11085446" cy="2308324"/>
+            <a:off x="390937" y="4050051"/>
+            <a:ext cx="11085446" cy="2677656"/>
           </a:xfrm>
           <a:prstGeom prst="rect">
             <a:avLst/>
@@ -45213,7 +46514,7 @@
             <a:pPr algn="just"/>
             <a:r>
               <a:rPr lang="en-US" sz="2400" b="1" dirty="0"/>
-              <a:t>4.     Converts questions into ASP queries</a:t>
+              <a:t>2.    Use of other Knowledge Sources</a:t>
             </a:r>
           </a:p>
           <a:p>
@@ -45223,7 +46524,7 @@
             </a:pPr>
             <a:r>
               <a:rPr lang="en-US" sz="2400" dirty="0"/>
-              <a:t>Proposed a method to </a:t>
+              <a:t>Incorporates </a:t>
             </a:r>
             <a:r>
               <a:rPr lang="en-US" sz="2400" dirty="0">
@@ -45231,8 +46532,17 @@
                   <a:srgbClr val="FF0000"/>
                 </a:solidFill>
               </a:rPr>
-              <a:t>convert questions into queries</a:t>
-            </a:r>
+              <a:t>secondary knowledge sources </a:t>
+            </a:r>
+            <a:r>
+              <a:rPr lang="en-US" sz="2400" dirty="0"/>
+              <a:t>like WordNet</a:t>
+            </a:r>
+            <a:endParaRPr lang="en-US" sz="2400" dirty="0">
+              <a:solidFill>
+                <a:srgbClr val="FF0000"/>
+              </a:solidFill>
+            </a:endParaRPr>
           </a:p>
           <a:p>
             <a:pPr marL="800100" lvl="1" indent="-342900" algn="just">
@@ -45241,7 +46551,7 @@
             </a:pPr>
             <a:r>
               <a:rPr lang="en-US" sz="2400" dirty="0"/>
-              <a:t>Queries are built in such a way that </a:t>
+              <a:t>Able to build a </a:t>
             </a:r>
             <a:r>
               <a:rPr lang="en-US" sz="2400" dirty="0">
@@ -45249,11 +46559,11 @@
                   <a:srgbClr val="FF0000"/>
                 </a:solidFill>
               </a:rPr>
-              <a:t>alternate solutions </a:t>
+              <a:t>custom ontology </a:t>
             </a:r>
             <a:r>
               <a:rPr lang="en-US" sz="2400" dirty="0"/>
-              <a:t>are provided</a:t>
+              <a:t>for the input passage</a:t>
             </a:r>
           </a:p>
           <a:p>
@@ -45263,7 +46573,7 @@
             </a:pPr>
             <a:r>
               <a:rPr lang="en-US" sz="2400" dirty="0"/>
-              <a:t>Constraints on </a:t>
+              <a:t>Helps </a:t>
             </a:r>
             <a:r>
               <a:rPr lang="en-US" sz="2400" dirty="0">
@@ -45271,11 +46581,11 @@
                   <a:srgbClr val="FF0000"/>
                 </a:solidFill>
               </a:rPr>
-              <a:t>queries are relaxed </a:t>
+              <a:t>efficiently reason </a:t>
             </a:r>
             <a:r>
               <a:rPr lang="en-US" sz="2400" dirty="0"/>
-              <a:t>to at least get some answer</a:t>
+              <a:t>about knowledge mimicking humans</a:t>
             </a:r>
           </a:p>
           <a:p>
@@ -45284,16 +46594,60 @@
               <a:buChar char="•"/>
             </a:pPr>
             <a:r>
+              <a:rPr lang="en-US" sz="2400" dirty="0"/>
+              <a:t>Ontology can be built in an </a:t>
+            </a:r>
+            <a:r>
               <a:rPr lang="en-US" sz="2400" dirty="0">
                 <a:solidFill>
                   <a:srgbClr val="FF0000"/>
                 </a:solidFill>
               </a:rPr>
-              <a:t>Confidence metric </a:t>
+              <a:t>incremental fashion</a:t>
             </a:r>
             <a:r>
               <a:rPr lang="en-US" sz="2400" dirty="0"/>
-              <a:t>is associated with every query that gauges the confidence on the answer</a:t>
+              <a:t> as well</a:t>
+            </a:r>
+          </a:p>
+          <a:p>
+            <a:pPr marL="800100" lvl="1" indent="-342900" algn="just">
+              <a:buFont typeface="Arial" panose="020B0604020202020204" pitchFamily="34" charset="0"/>
+              <a:buChar char="•"/>
+            </a:pPr>
+            <a:r>
+              <a:rPr lang="en-US" sz="2400" dirty="0"/>
+              <a:t>Use of SaSP helps in working with an </a:t>
+            </a:r>
+            <a:r>
+              <a:rPr lang="en-US" sz="2400" dirty="0">
+                <a:solidFill>
+                  <a:srgbClr val="FF0000"/>
+                </a:solidFill>
+              </a:rPr>
+              <a:t>unbounded domain</a:t>
+            </a:r>
+          </a:p>
+          <a:p>
+            <a:pPr marL="800100" lvl="1" indent="-342900" algn="just">
+              <a:buFont typeface="Arial" panose="020B0604020202020204" pitchFamily="34" charset="0"/>
+              <a:buChar char="•"/>
+            </a:pPr>
+            <a:r>
+              <a:rPr lang="en-US" sz="2400" dirty="0"/>
+              <a:t>Program </a:t>
+            </a:r>
+            <a:r>
+              <a:rPr lang="en-US" sz="2400" dirty="0">
+                <a:solidFill>
+                  <a:srgbClr val="FF0000"/>
+                </a:solidFill>
+              </a:rPr>
+              <a:t>does not need to be grounded</a:t>
+            </a:r>
+            <a:r>
+              <a:rPr lang="en-US" sz="2400" dirty="0"/>
+              <a:t> to calculate answer set like in CLASP</a:t>
             </a:r>
           </a:p>
         </p:txBody>
@@ -45301,7 +46655,7 @@
     </p:spTree>
     <p:extLst>
       <p:ext uri="{BB962C8B-B14F-4D97-AF65-F5344CB8AC3E}">
-        <p14:creationId xmlns:p14="http://schemas.microsoft.com/office/powerpoint/2010/main" val="549097127"/>
+        <p14:creationId xmlns:p14="http://schemas.microsoft.com/office/powerpoint/2010/main" val="4027011598"/>
       </p:ext>
     </p:extLst>
   </p:cSld>
@@ -45342,8 +46696,8 @@
         </p:nvSpPr>
         <p:spPr>
           <a:xfrm>
-            <a:off x="390937" y="1644781"/>
-            <a:ext cx="11085446" cy="1569660"/>
+            <a:off x="443945" y="1803807"/>
+            <a:ext cx="11085446" cy="1938992"/>
           </a:xfrm>
           <a:prstGeom prst="rect">
             <a:avLst/>
@@ -45358,7 +46712,7 @@
             <a:pPr algn="just"/>
             <a:r>
               <a:rPr lang="en-US" sz="2400" b="1" dirty="0"/>
-              <a:t>5.    Justification for answers provided</a:t>
+              <a:t>3.    Preferential Pattern for WSD</a:t>
             </a:r>
           </a:p>
           <a:p>
@@ -45368,7 +46722,7 @@
             </a:pPr>
             <a:r>
               <a:rPr lang="en-US" sz="2400" dirty="0"/>
-              <a:t>Answers generated by the system are </a:t>
+              <a:t>Defines a </a:t>
             </a:r>
             <a:r>
               <a:rPr lang="en-US" sz="2400" dirty="0">
@@ -45376,8 +46730,17 @@
                   <a:srgbClr val="FF0000"/>
                 </a:solidFill>
               </a:rPr>
-              <a:t>interpretable</a:t>
-            </a:r>
+              <a:t>preferential pattern </a:t>
+            </a:r>
+            <a:r>
+              <a:rPr lang="en-US" sz="2400" dirty="0"/>
+              <a:t>that mimics humans</a:t>
+            </a:r>
+            <a:endParaRPr lang="en-US" sz="2400" dirty="0">
+              <a:solidFill>
+                <a:srgbClr val="FF0000"/>
+              </a:solidFill>
+            </a:endParaRPr>
           </a:p>
           <a:p>
             <a:pPr marL="800100" lvl="1" indent="-342900" algn="just">
@@ -45386,7 +46749,7 @@
             </a:pPr>
             <a:r>
               <a:rPr lang="en-US" sz="2400" dirty="0"/>
-              <a:t>A</a:t>
+              <a:t>Preferential pattern </a:t>
             </a:r>
             <a:r>
               <a:rPr lang="en-US" sz="2400" dirty="0">
@@ -45394,11 +46757,11 @@
                   <a:srgbClr val="FF0000"/>
                 </a:solidFill>
               </a:rPr>
-              <a:t> justification tree</a:t>
+              <a:t>allows inputs</a:t>
             </a:r>
             <a:r>
               <a:rPr lang="en-US" sz="2400" dirty="0"/>
-              <a:t> help find the reasoning behind answer</a:t>
+              <a:t> from external systems</a:t>
             </a:r>
           </a:p>
           <a:p>
@@ -45408,7 +46771,7 @@
             </a:pPr>
             <a:r>
               <a:rPr lang="en-US" sz="2400" dirty="0"/>
-              <a:t>Answers can have </a:t>
+              <a:t>Can disambiguate in the </a:t>
             </a:r>
             <a:r>
               <a:rPr lang="en-US" sz="2400" dirty="0">
@@ -45416,7 +46779,33 @@
                   <a:srgbClr val="FF0000"/>
                 </a:solidFill>
               </a:rPr>
-              <a:t>multiple justifications</a:t>
+              <a:t>absence of knowledge </a:t>
+            </a:r>
+            <a:r>
+              <a:rPr lang="en-US" sz="2400" dirty="0"/>
+              <a:t>from external sources</a:t>
+            </a:r>
+          </a:p>
+          <a:p>
+            <a:pPr marL="800100" lvl="1" indent="-342900" algn="just">
+              <a:buFont typeface="Arial" panose="020B0604020202020204" pitchFamily="34" charset="0"/>
+              <a:buChar char="•"/>
+            </a:pPr>
+            <a:r>
+              <a:rPr lang="en-US" sz="2400" dirty="0"/>
+              <a:t>Only parts of the ontology </a:t>
+            </a:r>
+            <a:r>
+              <a:rPr lang="en-US" sz="2400" dirty="0">
+                <a:solidFill>
+                  <a:srgbClr val="FF0000"/>
+                </a:solidFill>
+              </a:rPr>
+              <a:t>required to reason </a:t>
+            </a:r>
+            <a:r>
+              <a:rPr lang="en-US" sz="2400" dirty="0"/>
+              <a:t>are triggered</a:t>
             </a:r>
           </a:p>
         </p:txBody>
@@ -45522,8 +46911,8 @@
         </p:nvSpPr>
         <p:spPr>
           <a:xfrm>
-            <a:off x="390937" y="3378463"/>
-            <a:ext cx="11085446" cy="1200329"/>
+            <a:off x="443945" y="3917529"/>
+            <a:ext cx="11085446" cy="2308324"/>
           </a:xfrm>
           <a:prstGeom prst="rect">
             <a:avLst/>
@@ -45538,7 +46927,7 @@
             <a:pPr algn="just"/>
             <a:r>
               <a:rPr lang="en-US" sz="2400" b="1" dirty="0"/>
-              <a:t>6.     Identifying Implicit Knowledge Patterns</a:t>
+              <a:t>4.     Converts questions into ASP queries</a:t>
             </a:r>
           </a:p>
           <a:p>
@@ -45548,7 +46937,7 @@
             </a:pPr>
             <a:r>
               <a:rPr lang="en-US" sz="2400" dirty="0"/>
-              <a:t>Modelling </a:t>
+              <a:t>Proposed a method to </a:t>
             </a:r>
             <a:r>
               <a:rPr lang="en-US" sz="2400" dirty="0">
@@ -45556,17 +46945,8 @@
                   <a:srgbClr val="FF0000"/>
                 </a:solidFill>
               </a:rPr>
-              <a:t>implicit knowledge patterns </a:t>
-            </a:r>
-            <a:r>
-              <a:rPr lang="en-US" sz="2400" dirty="0"/>
-              <a:t>like time spans, date parts etc.</a:t>
-            </a:r>
-            <a:endParaRPr lang="en-US" sz="2400" dirty="0">
-              <a:solidFill>
-                <a:srgbClr val="FF0000"/>
-              </a:solidFill>
-            </a:endParaRPr>
+              <a:t>convert questions into queries</a:t>
+            </a:r>
           </a:p>
           <a:p>
             <a:pPr marL="800100" lvl="1" indent="-342900" algn="just">
@@ -45575,7 +46955,7 @@
             </a:pPr>
             <a:r>
               <a:rPr lang="en-US" sz="2400" dirty="0"/>
-              <a:t>Hypernym relations enable </a:t>
+              <a:t>Queries are built in such a way that </a:t>
             </a:r>
             <a:r>
               <a:rPr lang="en-US" sz="2400" dirty="0">
@@ -45583,46 +46963,11 @@
                   <a:srgbClr val="FF0000"/>
                 </a:solidFill>
               </a:rPr>
-              <a:t>transferring properties</a:t>
+              <a:t>alternate solutions </a:t>
             </a:r>
             <a:r>
               <a:rPr lang="en-US" sz="2400" dirty="0"/>
-              <a:t> from parents to children</a:t>
-            </a:r>
-          </a:p>
-        </p:txBody>
-      </p:sp>
-      <p:sp>
-        <p:nvSpPr>
-          <p:cNvPr id="6" name="Rectangle 5">
-            <a:extLst>
-              <a:ext uri="{FF2B5EF4-FFF2-40B4-BE49-F238E27FC236}">
-                <a16:creationId xmlns:a16="http://schemas.microsoft.com/office/drawing/2014/main" id="{8C55BE25-9B3F-4051-A347-A51A6A4300C2}"/>
-              </a:ext>
-            </a:extLst>
-          </p:cNvPr>
-          <p:cNvSpPr/>
-          <p:nvPr/>
-        </p:nvSpPr>
-        <p:spPr>
-          <a:xfrm>
-            <a:off x="390937" y="4742815"/>
-            <a:ext cx="11085446" cy="1569660"/>
-          </a:xfrm>
-          <a:prstGeom prst="rect">
-            <a:avLst/>
-          </a:prstGeom>
-        </p:spPr>
-        <p:txBody>
-          <a:bodyPr wrap="square">
-            <a:spAutoFit/>
-          </a:bodyPr>
-          <a:lstStyle/>
-          <a:p>
-            <a:pPr algn="just"/>
-            <a:r>
-              <a:rPr lang="en-US" sz="2400" b="1" dirty="0"/>
-              <a:t>7.     Promising results on passages from SQuAD dataset</a:t>
+              <a:t>are provided</a:t>
             </a:r>
           </a:p>
           <a:p>
@@ -45632,7 +46977,7 @@
             </a:pPr>
             <a:r>
               <a:rPr lang="en-US" sz="2400" dirty="0"/>
-              <a:t>Able to answer close to </a:t>
+              <a:t>Constraints on </a:t>
             </a:r>
             <a:r>
               <a:rPr lang="en-US" sz="2400" dirty="0">
@@ -45640,11 +46985,11 @@
                   <a:srgbClr val="FF0000"/>
                 </a:solidFill>
               </a:rPr>
-              <a:t>78% of questions </a:t>
+              <a:t>queries are relaxed </a:t>
             </a:r>
             <a:r>
               <a:rPr lang="en-US" sz="2400" dirty="0"/>
-              <a:t>on the set of ~200 questions from 20 passages taken 1 each from 20 different articles in the dataset.</a:t>
+              <a:t>to at least get some answer</a:t>
             </a:r>
           </a:p>
           <a:p>
@@ -45653,8 +46998,16 @@
               <a:buChar char="•"/>
             </a:pPr>
             <a:r>
+              <a:rPr lang="en-US" sz="2400" dirty="0">
+                <a:solidFill>
+                  <a:srgbClr val="FF0000"/>
+                </a:solidFill>
+              </a:rPr>
+              <a:t>Confidence metric </a:t>
+            </a:r>
+            <a:r>
               <a:rPr lang="en-US" sz="2400" dirty="0"/>
-              <a:t>Accuracy of answering increased when more custom knowledge was added</a:t>
+              <a:t>is associated with every query that gauges the confidence on the answer</a:t>
             </a:r>
           </a:p>
         </p:txBody>
@@ -45662,7 +47015,7 @@
     </p:spTree>
     <p:extLst>
       <p:ext uri="{BB962C8B-B14F-4D97-AF65-F5344CB8AC3E}">
-        <p14:creationId xmlns:p14="http://schemas.microsoft.com/office/powerpoint/2010/main" val="2388353888"/>
+        <p14:creationId xmlns:p14="http://schemas.microsoft.com/office/powerpoint/2010/main" val="549097127"/>
       </p:ext>
     </p:extLst>
   </p:cSld>

--- a/Notes/ThesisPresentation.pptx
+++ b/Notes/ThesisPresentation.pptx
@@ -95,19 +95,24 @@
     <p:sldId id="353" r:id="rId89"/>
     <p:sldId id="354" r:id="rId90"/>
     <p:sldId id="355" r:id="rId91"/>
-    <p:sldId id="297" r:id="rId92"/>
-    <p:sldId id="300" r:id="rId93"/>
-    <p:sldId id="301" r:id="rId94"/>
-    <p:sldId id="293" r:id="rId95"/>
-    <p:sldId id="294" r:id="rId96"/>
-    <p:sldId id="295" r:id="rId97"/>
-    <p:sldId id="307" r:id="rId98"/>
-    <p:sldId id="296" r:id="rId99"/>
-    <p:sldId id="298" r:id="rId100"/>
-    <p:sldId id="302" r:id="rId101"/>
-    <p:sldId id="303" r:id="rId102"/>
-    <p:sldId id="304" r:id="rId103"/>
-    <p:sldId id="305" r:id="rId104"/>
+    <p:sldId id="370" r:id="rId92"/>
+    <p:sldId id="378" r:id="rId93"/>
+    <p:sldId id="375" r:id="rId94"/>
+    <p:sldId id="376" r:id="rId95"/>
+    <p:sldId id="377" r:id="rId96"/>
+    <p:sldId id="297" r:id="rId97"/>
+    <p:sldId id="300" r:id="rId98"/>
+    <p:sldId id="301" r:id="rId99"/>
+    <p:sldId id="293" r:id="rId100"/>
+    <p:sldId id="294" r:id="rId101"/>
+    <p:sldId id="295" r:id="rId102"/>
+    <p:sldId id="307" r:id="rId103"/>
+    <p:sldId id="296" r:id="rId104"/>
+    <p:sldId id="298" r:id="rId105"/>
+    <p:sldId id="302" r:id="rId106"/>
+    <p:sldId id="303" r:id="rId107"/>
+    <p:sldId id="304" r:id="rId108"/>
+    <p:sldId id="305" r:id="rId109"/>
   </p:sldIdLst>
   <p:sldSz cx="12192000" cy="6858000"/>
   <p:notesSz cx="6858000" cy="9144000"/>
@@ -3665,8 +3670,8 @@
         </p:nvSpPr>
         <p:spPr>
           <a:xfrm>
-            <a:off x="390937" y="1419406"/>
-            <a:ext cx="11085446" cy="2308324"/>
+            <a:off x="390937" y="1547912"/>
+            <a:ext cx="11085446" cy="1569660"/>
           </a:xfrm>
           <a:prstGeom prst="rect">
             <a:avLst/>
@@ -3678,10 +3683,12 @@
           </a:bodyPr>
           <a:lstStyle/>
           <a:p>
-            <a:pPr algn="just"/>
+            <a:pPr marL="457200" indent="-457200" algn="just">
+              <a:buAutoNum type="arabicPeriod"/>
+            </a:pPr>
             <a:r>
               <a:rPr lang="en-US" sz="2400" b="1" dirty="0"/>
-              <a:t>1.    Generic Calculus Framework</a:t>
+              <a:t>Support for Temporal Reasoning</a:t>
             </a:r>
           </a:p>
           <a:p>
@@ -3691,7 +3698,7 @@
             </a:pPr>
             <a:r>
               <a:rPr lang="en-US" sz="2400" dirty="0"/>
-              <a:t>Defines a calculus framework containing </a:t>
+              <a:t>Humans reasoning involves some </a:t>
             </a:r>
             <a:r>
               <a:rPr lang="en-US" sz="2400" dirty="0">
@@ -3699,8 +3706,21 @@
                   <a:srgbClr val="FF0000"/>
                 </a:solidFill>
               </a:rPr>
-              <a:t>generic predicates</a:t>
-            </a:r>
+              <a:t>temporal</a:t>
+            </a:r>
+            <a:r>
+              <a:rPr lang="en-US" sz="2400" dirty="0"/>
+              <a:t> </a:t>
+            </a:r>
+            <a:r>
+              <a:rPr lang="en-US" sz="2400" dirty="0">
+                <a:solidFill>
+                  <a:srgbClr val="FF0000"/>
+                </a:solidFill>
+              </a:rPr>
+              <a:t>reasoning</a:t>
+            </a:r>
+            <a:endParaRPr lang="en-US" sz="2400" dirty="0"/>
           </a:p>
           <a:p>
             <a:pPr marL="800100" lvl="1" indent="-342900" algn="just">
@@ -3709,7 +3729,7 @@
             </a:pPr>
             <a:r>
               <a:rPr lang="en-US" sz="2400" dirty="0"/>
-              <a:t>Framework is </a:t>
+              <a:t>Decision making requires </a:t>
             </a:r>
             <a:r>
               <a:rPr lang="en-US" sz="2400" dirty="0">
@@ -3717,11 +3737,11 @@
                   <a:srgbClr val="FF0000"/>
                 </a:solidFill>
               </a:rPr>
-              <a:t>extendible </a:t>
+              <a:t>reasoning about events</a:t>
             </a:r>
             <a:r>
               <a:rPr lang="en-US" sz="2400" dirty="0"/>
-              <a:t>to incorporate more predicates like cause, effect without much changes</a:t>
+              <a:t> related to each other w.r.t time</a:t>
             </a:r>
           </a:p>
           <a:p>
@@ -3731,41 +3751,19 @@
             </a:pPr>
             <a:r>
               <a:rPr lang="en-US" sz="2400" dirty="0"/>
-              <a:t>Efficiently able to </a:t>
-            </a:r>
-            <a:r>
-              <a:rPr lang="en-US" sz="2400" dirty="0">
+              <a:t>Predicates like </a:t>
+            </a:r>
+            <a:r>
+              <a:rPr lang="en-US" sz="2400" i="1" dirty="0">
                 <a:solidFill>
                   <a:srgbClr val="FF0000"/>
                 </a:solidFill>
               </a:rPr>
-              <a:t>represent most data points </a:t>
+              <a:t>happensAt (event_id, time_id) </a:t>
             </a:r>
             <a:r>
               <a:rPr lang="en-US" sz="2400" dirty="0"/>
-              <a:t>mentioned in the passage</a:t>
-            </a:r>
-          </a:p>
-          <a:p>
-            <a:pPr marL="800100" lvl="1" indent="-342900" algn="just">
-              <a:buFont typeface="Arial" panose="020B0604020202020204" pitchFamily="34" charset="0"/>
-              <a:buChar char="•"/>
-            </a:pPr>
-            <a:r>
-              <a:rPr lang="en-US" sz="2400" dirty="0"/>
-              <a:t>Can integrate with </a:t>
-            </a:r>
-            <a:r>
-              <a:rPr lang="en-US" sz="2400" dirty="0">
-                <a:solidFill>
-                  <a:srgbClr val="FF0000"/>
-                </a:solidFill>
-              </a:rPr>
-              <a:t>custom patterns </a:t>
-            </a:r>
-            <a:r>
-              <a:rPr lang="en-US" sz="2400" dirty="0"/>
-              <a:t>like month, year predicate</a:t>
+              <a:t>help in modelling time</a:t>
             </a:r>
           </a:p>
         </p:txBody>
@@ -3852,17 +3850,17 @@
                   <a:schemeClr val="bg1"/>
                 </a:solidFill>
               </a:rPr>
-              <a:t>Contributions</a:t>
-            </a:r>
-          </a:p>
-        </p:txBody>
-      </p:sp>
-      <p:sp>
-        <p:nvSpPr>
-          <p:cNvPr id="10" name="Rectangle 9">
-            <a:extLst>
-              <a:ext uri="{FF2B5EF4-FFF2-40B4-BE49-F238E27FC236}">
-                <a16:creationId xmlns:a16="http://schemas.microsoft.com/office/drawing/2014/main" id="{55E81C5D-F5BE-420F-90B0-734922C9AE86}"/>
+              <a:t>Future Work</a:t>
+            </a:r>
+          </a:p>
+        </p:txBody>
+      </p:sp>
+      <p:sp>
+        <p:nvSpPr>
+          <p:cNvPr id="6" name="Rectangle 5">
+            <a:extLst>
+              <a:ext uri="{FF2B5EF4-FFF2-40B4-BE49-F238E27FC236}">
+                <a16:creationId xmlns:a16="http://schemas.microsoft.com/office/drawing/2014/main" id="{50B0E405-AA50-426D-AF54-4A9E16132E8D}"/>
               </a:ext>
             </a:extLst>
           </p:cNvPr>
@@ -3871,8 +3869,8 @@
         </p:nvSpPr>
         <p:spPr>
           <a:xfrm>
-            <a:off x="390937" y="3727730"/>
-            <a:ext cx="11085446" cy="1938992"/>
+            <a:off x="390937" y="3117572"/>
+            <a:ext cx="11085446" cy="3570208"/>
           </a:xfrm>
           <a:prstGeom prst="rect">
             <a:avLst/>
@@ -3887,7 +3885,7 @@
             <a:pPr algn="just"/>
             <a:r>
               <a:rPr lang="en-US" sz="2400" b="1" dirty="0"/>
-              <a:t>2.    Use of other Knowledge Sources</a:t>
+              <a:t>2.    Understanding Cause-Effect Relations</a:t>
             </a:r>
           </a:p>
           <a:p>
@@ -3897,7 +3895,7 @@
             </a:pPr>
             <a:r>
               <a:rPr lang="en-US" sz="2400" dirty="0"/>
-              <a:t>Incorporates </a:t>
+              <a:t>Cause Effect relations help with </a:t>
             </a:r>
             <a:r>
               <a:rPr lang="en-US" sz="2400" dirty="0">
@@ -3905,11 +3903,50 @@
                   <a:srgbClr val="FF0000"/>
                 </a:solidFill>
               </a:rPr>
-              <a:t>secondary knowledge sources </a:t>
+              <a:t>providing justifications </a:t>
             </a:r>
             <a:r>
               <a:rPr lang="en-US" sz="2400" dirty="0"/>
-              <a:t>like WordNet</a:t>
+              <a:t>to activities</a:t>
+            </a:r>
+          </a:p>
+          <a:p>
+            <a:pPr marL="800100" lvl="1" indent="-342900" algn="just">
+              <a:buFont typeface="Arial" panose="020B0604020202020204" pitchFamily="34" charset="0"/>
+              <a:buChar char="•"/>
+            </a:pPr>
+            <a:r>
+              <a:rPr lang="en-US" sz="2400" dirty="0"/>
+              <a:t>Currently there are limited resources to detect such relations like </a:t>
+            </a:r>
+            <a:r>
+              <a:rPr lang="en-US" sz="2400" i="1" dirty="0"/>
+              <a:t>FrameNet</a:t>
+            </a:r>
+          </a:p>
+          <a:p>
+            <a:pPr marL="800100" lvl="1" indent="-342900" algn="just">
+              <a:buFont typeface="Arial" panose="020B0604020202020204" pitchFamily="34" charset="0"/>
+              <a:buChar char="•"/>
+            </a:pPr>
+            <a:r>
+              <a:rPr lang="en-US" sz="2400" dirty="0"/>
+              <a:t>Cause effect relations can be modelled as follow</a:t>
+            </a:r>
+          </a:p>
+          <a:p>
+            <a:pPr lvl="2">
+              <a:spcBef>
+                <a:spcPts val="1200"/>
+              </a:spcBef>
+            </a:pPr>
+            <a:r>
+              <a:rPr lang="en-US" sz="2400" i="1" dirty="0">
+                <a:solidFill>
+                  <a:srgbClr val="FF0000"/>
+                </a:solidFill>
+              </a:rPr>
+              <a:t>cause (event_id1, event_id2). </a:t>
             </a:r>
             <a:endParaRPr lang="en-US" sz="2400" dirty="0">
               <a:solidFill>
@@ -3918,26 +3955,35 @@
             </a:endParaRPr>
           </a:p>
           <a:p>
+            <a:pPr lvl="2"/>
+            <a:r>
+              <a:rPr lang="fr-FR" sz="2400" i="1" dirty="0" err="1">
+                <a:solidFill>
+                  <a:srgbClr val="FF0000"/>
+                </a:solidFill>
+              </a:rPr>
+              <a:t>effect</a:t>
+            </a:r>
+            <a:r>
+              <a:rPr lang="fr-FR" sz="2400" i="1" dirty="0">
+                <a:solidFill>
+                  <a:srgbClr val="FF0000"/>
+                </a:solidFill>
+              </a:rPr>
+              <a:t> (X, Y) :- cause (Y, X) </a:t>
+            </a:r>
+            <a:endParaRPr lang="en-US" sz="2400" i="1" dirty="0">
+              <a:solidFill>
+                <a:srgbClr val="FF0000"/>
+              </a:solidFill>
+            </a:endParaRPr>
+          </a:p>
+          <a:p>
             <a:pPr marL="800100" lvl="1" indent="-342900" algn="just">
               <a:buFont typeface="Arial" panose="020B0604020202020204" pitchFamily="34" charset="0"/>
               <a:buChar char="•"/>
             </a:pPr>
-            <a:r>
-              <a:rPr lang="en-US" sz="2400" dirty="0"/>
-              <a:t>Able to build a </a:t>
-            </a:r>
-            <a:r>
-              <a:rPr lang="en-US" sz="2400" dirty="0">
-                <a:solidFill>
-                  <a:srgbClr val="FF0000"/>
-                </a:solidFill>
-              </a:rPr>
-              <a:t>custom ontology </a:t>
-            </a:r>
-            <a:r>
-              <a:rPr lang="en-US" sz="2400" dirty="0"/>
-              <a:t>for the input passage</a:t>
-            </a:r>
+            <a:endParaRPr lang="en-US" sz="2400" dirty="0"/>
           </a:p>
           <a:p>
             <a:pPr marL="800100" lvl="1" indent="-342900" algn="just">
@@ -3946,130 +3992,39 @@
             </a:pPr>
             <a:r>
               <a:rPr lang="en-US" sz="2400" dirty="0"/>
-              <a:t>Helps </a:t>
-            </a:r>
+              <a:t>Causes follow transitivity</a:t>
+            </a:r>
+          </a:p>
+          <a:p>
+            <a:pPr lvl="1" algn="just"/>
             <a:r>
               <a:rPr lang="en-US" sz="2400" dirty="0">
                 <a:solidFill>
                   <a:srgbClr val="FF0000"/>
                 </a:solidFill>
               </a:rPr>
-              <a:t>efficiently reason </a:t>
-            </a:r>
-            <a:r>
-              <a:rPr lang="en-US" sz="2400" dirty="0"/>
-              <a:t>about knowledge mimicking humans</a:t>
-            </a:r>
-          </a:p>
-          <a:p>
-            <a:pPr marL="800100" lvl="1" indent="-342900" algn="just">
-              <a:buFont typeface="Arial" panose="020B0604020202020204" pitchFamily="34" charset="0"/>
-              <a:buChar char="•"/>
-            </a:pPr>
-            <a:r>
-              <a:rPr lang="en-US" sz="2400" dirty="0"/>
-              <a:t>Ontology can be built in an </a:t>
-            </a:r>
-            <a:r>
-              <a:rPr lang="en-US" sz="2400" dirty="0">
+              <a:t>	</a:t>
+            </a:r>
+            <a:r>
+              <a:rPr lang="fr-FR" sz="2400" i="1" dirty="0">
                 <a:solidFill>
                   <a:srgbClr val="FF0000"/>
                 </a:solidFill>
               </a:rPr>
-              <a:t>incremental fashion</a:t>
-            </a:r>
-            <a:r>
-              <a:rPr lang="en-US" sz="2400" dirty="0"/>
-              <a:t> as well</a:t>
-            </a:r>
-          </a:p>
-        </p:txBody>
-      </p:sp>
-      <p:sp>
-        <p:nvSpPr>
-          <p:cNvPr id="2" name="Rectangle 1">
-            <a:extLst>
-              <a:ext uri="{FF2B5EF4-FFF2-40B4-BE49-F238E27FC236}">
-                <a16:creationId xmlns:a16="http://schemas.microsoft.com/office/drawing/2014/main" id="{00085246-0AE2-408A-B5D7-7B3FA2C0D00F}"/>
-              </a:ext>
-            </a:extLst>
-          </p:cNvPr>
-          <p:cNvSpPr/>
-          <p:nvPr/>
-        </p:nvSpPr>
-        <p:spPr>
-          <a:xfrm>
-            <a:off x="390938" y="5666722"/>
-            <a:ext cx="11655288" cy="1200329"/>
-          </a:xfrm>
-          <a:prstGeom prst="rect">
-            <a:avLst/>
-          </a:prstGeom>
-        </p:spPr>
-        <p:txBody>
-          <a:bodyPr wrap="square">
-            <a:spAutoFit/>
-          </a:bodyPr>
-          <a:lstStyle/>
-          <a:p>
-            <a:pPr marL="457200" indent="-457200" algn="just">
-              <a:buAutoNum type="arabicPeriod" startAt="3"/>
-            </a:pPr>
-            <a:r>
-              <a:rPr lang="en-US" sz="2400" b="1" dirty="0"/>
-              <a:t>Use of s(ASP)</a:t>
-            </a:r>
-            <a:r>
-              <a:rPr lang="en-US" sz="2400" dirty="0"/>
-              <a:t> </a:t>
-            </a:r>
-          </a:p>
-          <a:p>
-            <a:pPr marL="800100" lvl="1" indent="-342900" algn="just">
-              <a:buFont typeface="Arial" panose="020B0604020202020204" pitchFamily="34" charset="0"/>
-              <a:buChar char="•"/>
-            </a:pPr>
-            <a:r>
-              <a:rPr lang="en-US" sz="2400" dirty="0"/>
-              <a:t>Helped in working with an </a:t>
-            </a:r>
-            <a:r>
-              <a:rPr lang="en-US" sz="2400" dirty="0">
-                <a:solidFill>
-                  <a:srgbClr val="FF0000"/>
-                </a:solidFill>
-              </a:rPr>
-              <a:t>unbounded domain</a:t>
-            </a:r>
-          </a:p>
-          <a:p>
-            <a:pPr marL="800100" lvl="1" indent="-342900" algn="just">
-              <a:buFont typeface="Arial" panose="020B0604020202020204" pitchFamily="34" charset="0"/>
-              <a:buChar char="•"/>
-            </a:pPr>
-            <a:r>
-              <a:rPr lang="en-US" sz="2400" dirty="0"/>
-              <a:t>Program </a:t>
-            </a:r>
-            <a:r>
-              <a:rPr lang="en-US" sz="2400" dirty="0">
-                <a:solidFill>
-                  <a:srgbClr val="FF0000"/>
-                </a:solidFill>
-              </a:rPr>
-              <a:t>does not need to be grounded</a:t>
-            </a:r>
-            <a:r>
-              <a:rPr lang="en-US" sz="2400" dirty="0"/>
-              <a:t> to calculate answer set like in CLASP</a:t>
-            </a:r>
+              <a:t>cause (X, Y) :- cause (X, Z), cause (Z, Y). </a:t>
+            </a:r>
+            <a:endParaRPr lang="en-US" sz="2400" dirty="0">
+              <a:solidFill>
+                <a:srgbClr val="FF0000"/>
+              </a:solidFill>
+            </a:endParaRPr>
           </a:p>
         </p:txBody>
       </p:sp>
     </p:spTree>
     <p:extLst>
       <p:ext uri="{BB962C8B-B14F-4D97-AF65-F5344CB8AC3E}">
-        <p14:creationId xmlns:p14="http://schemas.microsoft.com/office/powerpoint/2010/main" val="4027011598"/>
+        <p14:creationId xmlns:p14="http://schemas.microsoft.com/office/powerpoint/2010/main" val="2387742247"/>
       </p:ext>
     </p:extLst>
   </p:cSld>
@@ -4110,8 +4065,8 @@
         </p:nvSpPr>
         <p:spPr>
           <a:xfrm>
-            <a:off x="443945" y="1803807"/>
-            <a:ext cx="11085446" cy="1938992"/>
+            <a:off x="390937" y="1545993"/>
+            <a:ext cx="11085446" cy="2677656"/>
           </a:xfrm>
           <a:prstGeom prst="rect">
             <a:avLst/>
@@ -4126,7 +4081,7 @@
             <a:pPr algn="just"/>
             <a:r>
               <a:rPr lang="en-US" sz="2400" b="1" dirty="0"/>
-              <a:t>4.    Preferential Pattern for WSD</a:t>
+              <a:t>3.    Modelling more knowledge patterns</a:t>
             </a:r>
           </a:p>
           <a:p>
@@ -4136,7 +4091,7 @@
             </a:pPr>
             <a:r>
               <a:rPr lang="en-US" sz="2400" dirty="0"/>
-              <a:t>Defines a </a:t>
+              <a:t>Knowledge patterns used in text depend on factors like </a:t>
             </a:r>
             <a:r>
               <a:rPr lang="en-US" sz="2400" dirty="0">
@@ -4144,17 +4099,12 @@
                   <a:srgbClr val="FF0000"/>
                 </a:solidFill>
               </a:rPr>
-              <a:t>preferential pattern </a:t>
+              <a:t>authors, subject, style of writing </a:t>
             </a:r>
             <a:r>
               <a:rPr lang="en-US" sz="2400" dirty="0"/>
-              <a:t>that mimics humans</a:t>
-            </a:r>
-            <a:endParaRPr lang="en-US" sz="2400" dirty="0">
-              <a:solidFill>
-                <a:srgbClr val="FF0000"/>
-              </a:solidFill>
-            </a:endParaRPr>
+              <a:t>etc.</a:t>
+            </a:r>
           </a:p>
           <a:p>
             <a:pPr marL="800100" lvl="1" indent="-342900" algn="just">
@@ -4163,7 +4113,7 @@
             </a:pPr>
             <a:r>
               <a:rPr lang="en-US" sz="2400" dirty="0"/>
-              <a:t>Preferential pattern </a:t>
+              <a:t>Furthermore knowledge patterns keep on </a:t>
             </a:r>
             <a:r>
               <a:rPr lang="en-US" sz="2400" dirty="0">
@@ -4171,11 +4121,11 @@
                   <a:srgbClr val="FF0000"/>
                 </a:solidFill>
               </a:rPr>
-              <a:t>allows inputs</a:t>
+              <a:t>evolving</a:t>
             </a:r>
             <a:r>
               <a:rPr lang="en-US" sz="2400" dirty="0"/>
-              <a:t> from external systems</a:t>
+              <a:t> with the language</a:t>
             </a:r>
           </a:p>
           <a:p>
@@ -4185,41 +4135,7 @@
             </a:pPr>
             <a:r>
               <a:rPr lang="en-US" sz="2400" dirty="0"/>
-              <a:t>Can disambiguate in the </a:t>
-            </a:r>
-            <a:r>
-              <a:rPr lang="en-US" sz="2400" dirty="0">
-                <a:solidFill>
-                  <a:srgbClr val="FF0000"/>
-                </a:solidFill>
-              </a:rPr>
-              <a:t>absence of knowledge </a:t>
-            </a:r>
-            <a:r>
-              <a:rPr lang="en-US" sz="2400" dirty="0"/>
-              <a:t>from external sources</a:t>
-            </a:r>
-          </a:p>
-          <a:p>
-            <a:pPr marL="800100" lvl="1" indent="-342900" algn="just">
-              <a:buFont typeface="Arial" panose="020B0604020202020204" pitchFamily="34" charset="0"/>
-              <a:buChar char="•"/>
-            </a:pPr>
-            <a:r>
-              <a:rPr lang="en-US" sz="2400" dirty="0"/>
-              <a:t>Only parts of the ontology </a:t>
-            </a:r>
-            <a:r>
-              <a:rPr lang="en-US" sz="2400" dirty="0">
-                <a:solidFill>
-                  <a:srgbClr val="FF0000"/>
-                </a:solidFill>
-              </a:rPr>
-              <a:t>required to reason </a:t>
-            </a:r>
-            <a:r>
-              <a:rPr lang="en-US" sz="2400" dirty="0"/>
-              <a:t>are triggered</a:t>
+              <a:t>More different kinds of texts are handled by the system better it is at describing and representing implicit information conveyed through knowledge patterns like time spans, appositionals etc.</a:t>
             </a:r>
           </a:p>
         </p:txBody>
@@ -4306,17 +4222,17 @@
                   <a:schemeClr val="bg1"/>
                 </a:solidFill>
               </a:rPr>
-              <a:t>Contributions</a:t>
-            </a:r>
-          </a:p>
-        </p:txBody>
-      </p:sp>
-      <p:sp>
-        <p:nvSpPr>
-          <p:cNvPr id="10" name="Rectangle 9">
-            <a:extLst>
-              <a:ext uri="{FF2B5EF4-FFF2-40B4-BE49-F238E27FC236}">
-                <a16:creationId xmlns:a16="http://schemas.microsoft.com/office/drawing/2014/main" id="{55E81C5D-F5BE-420F-90B0-734922C9AE86}"/>
+              <a:t>Future Work</a:t>
+            </a:r>
+          </a:p>
+        </p:txBody>
+      </p:sp>
+      <p:sp>
+        <p:nvSpPr>
+          <p:cNvPr id="6" name="Rectangle 5">
+            <a:extLst>
+              <a:ext uri="{FF2B5EF4-FFF2-40B4-BE49-F238E27FC236}">
+                <a16:creationId xmlns:a16="http://schemas.microsoft.com/office/drawing/2014/main" id="{50B0E405-AA50-426D-AF54-4A9E16132E8D}"/>
               </a:ext>
             </a:extLst>
           </p:cNvPr>
@@ -4325,8 +4241,8 @@
         </p:nvSpPr>
         <p:spPr>
           <a:xfrm>
-            <a:off x="443945" y="3917529"/>
-            <a:ext cx="11085446" cy="2308324"/>
+            <a:off x="390937" y="4457677"/>
+            <a:ext cx="11085446" cy="1569660"/>
           </a:xfrm>
           <a:prstGeom prst="rect">
             <a:avLst/>
@@ -4341,7 +4257,7 @@
             <a:pPr algn="just"/>
             <a:r>
               <a:rPr lang="en-US" sz="2400" b="1" dirty="0"/>
-              <a:t>5.     Converts questions into ASP queries</a:t>
+              <a:t>4.    Modelling Semantic Similarity Between Words</a:t>
             </a:r>
           </a:p>
           <a:p>
@@ -4351,7 +4267,7 @@
             </a:pPr>
             <a:r>
               <a:rPr lang="en-US" sz="2400" dirty="0"/>
-              <a:t>Proposed a method to </a:t>
+              <a:t>Similar concepts can be obtained from WordNet using </a:t>
             </a:r>
             <a:r>
               <a:rPr lang="en-US" sz="2400" dirty="0">
@@ -4359,7 +4275,11 @@
                   <a:srgbClr val="FF0000"/>
                 </a:solidFill>
               </a:rPr>
-              <a:t>convert questions into queries</a:t>
+              <a:t>Synonymy relation</a:t>
+            </a:r>
+            <a:r>
+              <a:rPr lang="en-US" sz="2400" dirty="0"/>
+              <a:t>.</a:t>
             </a:r>
           </a:p>
           <a:p>
@@ -4369,7 +4289,7 @@
             </a:pPr>
             <a:r>
               <a:rPr lang="en-US" sz="2400" dirty="0"/>
-              <a:t>Queries are built in such a way that </a:t>
+              <a:t>NLP has other similarity measures like </a:t>
             </a:r>
             <a:r>
               <a:rPr lang="en-US" sz="2400" dirty="0">
@@ -4377,21 +4297,11 @@
                   <a:srgbClr val="FF0000"/>
                 </a:solidFill>
               </a:rPr>
-              <a:t>alternate solutions </a:t>
+              <a:t>path similarity </a:t>
             </a:r>
             <a:r>
               <a:rPr lang="en-US" sz="2400" dirty="0"/>
-              <a:t>are provided</a:t>
-            </a:r>
-          </a:p>
-          <a:p>
-            <a:pPr marL="800100" lvl="1" indent="-342900" algn="just">
-              <a:buFont typeface="Arial" panose="020B0604020202020204" pitchFamily="34" charset="0"/>
-              <a:buChar char="•"/>
-            </a:pPr>
-            <a:r>
-              <a:rPr lang="en-US" sz="2400" dirty="0"/>
-              <a:t>Constraints on </a:t>
+              <a:t>and </a:t>
             </a:r>
             <a:r>
               <a:rPr lang="en-US" sz="2400" dirty="0">
@@ -4399,29 +4309,7 @@
                   <a:srgbClr val="FF0000"/>
                 </a:solidFill>
               </a:rPr>
-              <a:t>queries are relaxed </a:t>
-            </a:r>
-            <a:r>
-              <a:rPr lang="en-US" sz="2400" dirty="0"/>
-              <a:t>to at least get some answer</a:t>
-            </a:r>
-          </a:p>
-          <a:p>
-            <a:pPr marL="800100" lvl="1" indent="-342900" algn="just">
-              <a:buFont typeface="Arial" panose="020B0604020202020204" pitchFamily="34" charset="0"/>
-              <a:buChar char="•"/>
-            </a:pPr>
-            <a:r>
-              <a:rPr lang="en-US" sz="2400" dirty="0">
-                <a:solidFill>
-                  <a:srgbClr val="FF0000"/>
-                </a:solidFill>
-              </a:rPr>
-              <a:t>Confidence metric </a:t>
-            </a:r>
-            <a:r>
-              <a:rPr lang="en-US" sz="2400" dirty="0"/>
-              <a:t>is associated with every query that gauges the confidence on the answer</a:t>
+              <a:t>information content similarity</a:t>
             </a:r>
           </a:p>
         </p:txBody>
@@ -4429,7 +4317,7 @@
     </p:spTree>
     <p:extLst>
       <p:ext uri="{BB962C8B-B14F-4D97-AF65-F5344CB8AC3E}">
-        <p14:creationId xmlns:p14="http://schemas.microsoft.com/office/powerpoint/2010/main" val="549097127"/>
+        <p14:creationId xmlns:p14="http://schemas.microsoft.com/office/powerpoint/2010/main" val="657217249"/>
       </p:ext>
     </p:extLst>
   </p:cSld>
@@ -4458,117 +4346,6 @@
       </p:grpSpPr>
       <p:sp>
         <p:nvSpPr>
-          <p:cNvPr id="5" name="Rectangle 4">
-            <a:extLst>
-              <a:ext uri="{FF2B5EF4-FFF2-40B4-BE49-F238E27FC236}">
-                <a16:creationId xmlns:a16="http://schemas.microsoft.com/office/drawing/2014/main" id="{4FDB0B06-F270-4F00-8383-EB0ABF97EF01}"/>
-              </a:ext>
-            </a:extLst>
-          </p:cNvPr>
-          <p:cNvSpPr/>
-          <p:nvPr/>
-        </p:nvSpPr>
-        <p:spPr>
-          <a:xfrm>
-            <a:off x="390937" y="1490008"/>
-            <a:ext cx="11085446" cy="1938992"/>
-          </a:xfrm>
-          <a:prstGeom prst="rect">
-            <a:avLst/>
-          </a:prstGeom>
-        </p:spPr>
-        <p:txBody>
-          <a:bodyPr wrap="square">
-            <a:spAutoFit/>
-          </a:bodyPr>
-          <a:lstStyle/>
-          <a:p>
-            <a:pPr algn="just"/>
-            <a:r>
-              <a:rPr lang="en-US" sz="2400" b="1" dirty="0"/>
-              <a:t>6.    Justification for answers provided</a:t>
-            </a:r>
-          </a:p>
-          <a:p>
-            <a:pPr marL="800100" lvl="1" indent="-342900" algn="just">
-              <a:buFont typeface="Arial" panose="020B0604020202020204" pitchFamily="34" charset="0"/>
-              <a:buChar char="•"/>
-            </a:pPr>
-            <a:r>
-              <a:rPr lang="en-US" sz="2400" dirty="0"/>
-              <a:t>Answers generated by the system are </a:t>
-            </a:r>
-            <a:r>
-              <a:rPr lang="en-US" sz="2400" dirty="0">
-                <a:solidFill>
-                  <a:srgbClr val="FF0000"/>
-                </a:solidFill>
-              </a:rPr>
-              <a:t>interpretable</a:t>
-            </a:r>
-          </a:p>
-          <a:p>
-            <a:pPr marL="800100" lvl="1" indent="-342900" algn="just">
-              <a:buFont typeface="Arial" panose="020B0604020202020204" pitchFamily="34" charset="0"/>
-              <a:buChar char="•"/>
-            </a:pPr>
-            <a:r>
-              <a:rPr lang="en-US" sz="2400" dirty="0"/>
-              <a:t>A</a:t>
-            </a:r>
-            <a:r>
-              <a:rPr lang="en-US" sz="2400" dirty="0">
-                <a:solidFill>
-                  <a:srgbClr val="FF0000"/>
-                </a:solidFill>
-              </a:rPr>
-              <a:t> justification tree</a:t>
-            </a:r>
-            <a:r>
-              <a:rPr lang="en-US" sz="2400" dirty="0"/>
-              <a:t> help find the reasoning behind answer</a:t>
-            </a:r>
-          </a:p>
-          <a:p>
-            <a:pPr marL="800100" lvl="1" indent="-342900" algn="just">
-              <a:buFont typeface="Arial" panose="020B0604020202020204" pitchFamily="34" charset="0"/>
-              <a:buChar char="•"/>
-            </a:pPr>
-            <a:r>
-              <a:rPr lang="en-US" sz="2400" dirty="0"/>
-              <a:t>Answers can have </a:t>
-            </a:r>
-            <a:r>
-              <a:rPr lang="en-US" sz="2400" dirty="0">
-                <a:solidFill>
-                  <a:srgbClr val="FF0000"/>
-                </a:solidFill>
-              </a:rPr>
-              <a:t>multiple justifications</a:t>
-            </a:r>
-          </a:p>
-          <a:p>
-            <a:pPr marL="800100" lvl="1" indent="-342900" algn="just">
-              <a:buFont typeface="Arial" panose="020B0604020202020204" pitchFamily="34" charset="0"/>
-              <a:buChar char="•"/>
-            </a:pPr>
-            <a:r>
-              <a:rPr lang="en-US" sz="2400" dirty="0"/>
-              <a:t>Possible due to </a:t>
-            </a:r>
-            <a:r>
-              <a:rPr lang="en-US" sz="2400" dirty="0">
-                <a:solidFill>
-                  <a:srgbClr val="FF0000"/>
-                </a:solidFill>
-              </a:rPr>
-              <a:t>s(ASP)</a:t>
-            </a:r>
-          </a:p>
-        </p:txBody>
-      </p:sp>
-      <p:sp>
-        <p:nvSpPr>
           <p:cNvPr id="7" name="Rectangle 6">
             <a:extLst>
               <a:ext uri="{FF2B5EF4-FFF2-40B4-BE49-F238E27FC236}">
@@ -4649,6 +4426,1612 @@
                   <a:schemeClr val="bg1"/>
                 </a:solidFill>
               </a:rPr>
+              <a:t>Future Work</a:t>
+            </a:r>
+          </a:p>
+        </p:txBody>
+      </p:sp>
+      <p:sp>
+        <p:nvSpPr>
+          <p:cNvPr id="8" name="Rectangle 7">
+            <a:extLst>
+              <a:ext uri="{FF2B5EF4-FFF2-40B4-BE49-F238E27FC236}">
+                <a16:creationId xmlns:a16="http://schemas.microsoft.com/office/drawing/2014/main" id="{2DB428E2-8FAA-4F7D-B221-1D331098E241}"/>
+              </a:ext>
+            </a:extLst>
+          </p:cNvPr>
+          <p:cNvSpPr/>
+          <p:nvPr/>
+        </p:nvSpPr>
+        <p:spPr>
+          <a:xfrm>
+            <a:off x="390937" y="1738220"/>
+            <a:ext cx="11085446" cy="2308324"/>
+          </a:xfrm>
+          <a:prstGeom prst="rect">
+            <a:avLst/>
+          </a:prstGeom>
+        </p:spPr>
+        <p:txBody>
+          <a:bodyPr wrap="square">
+            <a:spAutoFit/>
+          </a:bodyPr>
+          <a:lstStyle/>
+          <a:p>
+            <a:pPr algn="just"/>
+            <a:r>
+              <a:rPr lang="en-US" sz="2400" b="1" dirty="0"/>
+              <a:t>5.    Adding more information resources</a:t>
+            </a:r>
+          </a:p>
+          <a:p>
+            <a:pPr marL="800100" lvl="1" indent="-342900" algn="just">
+              <a:buFont typeface="Arial" panose="020B0604020202020204" pitchFamily="34" charset="0"/>
+              <a:buChar char="•"/>
+            </a:pPr>
+            <a:r>
+              <a:rPr lang="en-US" sz="2400" dirty="0"/>
+              <a:t>The more the number of </a:t>
+            </a:r>
+            <a:r>
+              <a:rPr lang="en-US" sz="2400" dirty="0">
+                <a:solidFill>
+                  <a:srgbClr val="FF0000"/>
+                </a:solidFill>
+              </a:rPr>
+              <a:t>trusted information resources </a:t>
+            </a:r>
+            <a:r>
+              <a:rPr lang="en-US" sz="2400" dirty="0"/>
+              <a:t>the better is the system at inferring.</a:t>
+            </a:r>
+          </a:p>
+          <a:p>
+            <a:pPr marL="800100" lvl="1" indent="-342900" algn="just">
+              <a:buFont typeface="Arial" panose="020B0604020202020204" pitchFamily="34" charset="0"/>
+              <a:buChar char="•"/>
+            </a:pPr>
+            <a:r>
+              <a:rPr lang="en-US" sz="2400" dirty="0"/>
+              <a:t>Databases like YAGO which stores information about named entities like cities, countries  from Wikipedia and WordNet can help the system reach better conclusions.</a:t>
+            </a:r>
+            <a:endParaRPr lang="en-US" sz="2400" dirty="0">
+              <a:solidFill>
+                <a:srgbClr val="FF0000"/>
+              </a:solidFill>
+            </a:endParaRPr>
+          </a:p>
+        </p:txBody>
+      </p:sp>
+      <p:sp>
+        <p:nvSpPr>
+          <p:cNvPr id="2" name="Rectangle 1">
+            <a:extLst>
+              <a:ext uri="{FF2B5EF4-FFF2-40B4-BE49-F238E27FC236}">
+                <a16:creationId xmlns:a16="http://schemas.microsoft.com/office/drawing/2014/main" id="{D3E134D8-5A31-4D32-A9BB-82DCA4903F05}"/>
+              </a:ext>
+            </a:extLst>
+          </p:cNvPr>
+          <p:cNvSpPr/>
+          <p:nvPr/>
+        </p:nvSpPr>
+        <p:spPr>
+          <a:xfrm>
+            <a:off x="390937" y="4472799"/>
+            <a:ext cx="11085446" cy="1569660"/>
+          </a:xfrm>
+          <a:prstGeom prst="rect">
+            <a:avLst/>
+          </a:prstGeom>
+        </p:spPr>
+        <p:txBody>
+          <a:bodyPr wrap="square">
+            <a:spAutoFit/>
+          </a:bodyPr>
+          <a:lstStyle/>
+          <a:p>
+            <a:pPr algn="just"/>
+            <a:r>
+              <a:rPr lang="en-US" sz="2400" b="1" dirty="0"/>
+              <a:t>6.    Marking facts with confidence metrics</a:t>
+            </a:r>
+          </a:p>
+          <a:p>
+            <a:pPr marL="800100" lvl="1" indent="-342900" algn="just">
+              <a:buFont typeface="Arial" panose="020B0604020202020204" pitchFamily="34" charset="0"/>
+              <a:buChar char="•"/>
+            </a:pPr>
+            <a:r>
+              <a:rPr lang="en-US" sz="2400" dirty="0"/>
+              <a:t>As the number of information sources will increase we would need to add a confidence metric on facts coming from these sources</a:t>
+            </a:r>
+          </a:p>
+          <a:p>
+            <a:pPr marL="800100" lvl="1" indent="-342900" algn="just">
+              <a:buFont typeface="Arial" panose="020B0604020202020204" pitchFamily="34" charset="0"/>
+              <a:buChar char="•"/>
+            </a:pPr>
+            <a:r>
+              <a:rPr lang="en-US" sz="2400" dirty="0"/>
+              <a:t>This will help us choose the </a:t>
+            </a:r>
+            <a:r>
+              <a:rPr lang="en-US" sz="2400" dirty="0">
+                <a:solidFill>
+                  <a:srgbClr val="FF0000"/>
+                </a:solidFill>
+              </a:rPr>
+              <a:t>best justification </a:t>
+            </a:r>
+            <a:r>
+              <a:rPr lang="en-US" sz="2400" dirty="0"/>
+              <a:t>for a query</a:t>
+            </a:r>
+          </a:p>
+        </p:txBody>
+      </p:sp>
+    </p:spTree>
+    <p:extLst>
+      <p:ext uri="{BB962C8B-B14F-4D97-AF65-F5344CB8AC3E}">
+        <p14:creationId xmlns:p14="http://schemas.microsoft.com/office/powerpoint/2010/main" val="2122546219"/>
+      </p:ext>
+    </p:extLst>
+  </p:cSld>
+  <p:clrMapOvr>
+    <a:masterClrMapping/>
+  </p:clrMapOvr>
+</p:sld>
+</file>
+
+<file path=ppt/slides/slide103.xml><?xml version="1.0" encoding="utf-8"?>
+<p:sld xmlns:a="http://schemas.openxmlformats.org/drawingml/2006/main" xmlns:r="http://schemas.openxmlformats.org/officeDocument/2006/relationships" xmlns:p="http://schemas.openxmlformats.org/presentationml/2006/main">
+  <p:cSld>
+    <p:spTree>
+      <p:nvGrpSpPr>
+        <p:cNvPr id="1" name=""/>
+        <p:cNvGrpSpPr/>
+        <p:nvPr/>
+      </p:nvGrpSpPr>
+      <p:grpSpPr>
+        <a:xfrm>
+          <a:off x="0" y="0"/>
+          <a:ext cx="0" cy="0"/>
+          <a:chOff x="0" y="0"/>
+          <a:chExt cx="0" cy="0"/>
+        </a:xfrm>
+      </p:grpSpPr>
+      <p:sp>
+        <p:nvSpPr>
+          <p:cNvPr id="7" name="Rectangle 6">
+            <a:extLst>
+              <a:ext uri="{FF2B5EF4-FFF2-40B4-BE49-F238E27FC236}">
+                <a16:creationId xmlns:a16="http://schemas.microsoft.com/office/drawing/2014/main" id="{2B84BBFB-C1EC-478F-8E81-7685A0B691C6}"/>
+              </a:ext>
+            </a:extLst>
+          </p:cNvPr>
+          <p:cNvSpPr/>
+          <p:nvPr/>
+        </p:nvSpPr>
+        <p:spPr>
+          <a:xfrm>
+            <a:off x="0" y="0"/>
+            <a:ext cx="12192000" cy="1311965"/>
+          </a:xfrm>
+          <a:prstGeom prst="rect">
+            <a:avLst/>
+          </a:prstGeom>
+        </p:spPr>
+        <p:style>
+          <a:lnRef idx="2">
+            <a:schemeClr val="dk1">
+              <a:shade val="50000"/>
+            </a:schemeClr>
+          </a:lnRef>
+          <a:fillRef idx="1">
+            <a:schemeClr val="dk1"/>
+          </a:fillRef>
+          <a:effectRef idx="0">
+            <a:schemeClr val="dk1"/>
+          </a:effectRef>
+          <a:fontRef idx="minor">
+            <a:schemeClr val="lt1"/>
+          </a:fontRef>
+        </p:style>
+        <p:txBody>
+          <a:bodyPr rtlCol="0" anchor="ctr"/>
+          <a:lstStyle/>
+          <a:p>
+            <a:pPr algn="ctr"/>
+            <a:endParaRPr lang="en-US" dirty="0"/>
+          </a:p>
+        </p:txBody>
+      </p:sp>
+      <p:sp>
+        <p:nvSpPr>
+          <p:cNvPr id="9" name="TextBox 8">
+            <a:extLst>
+              <a:ext uri="{FF2B5EF4-FFF2-40B4-BE49-F238E27FC236}">
+                <a16:creationId xmlns:a16="http://schemas.microsoft.com/office/drawing/2014/main" id="{7F0CAA4B-E205-452A-A063-24223A8717CE}"/>
+              </a:ext>
+            </a:extLst>
+          </p:cNvPr>
+          <p:cNvSpPr txBox="1"/>
+          <p:nvPr/>
+        </p:nvSpPr>
+        <p:spPr>
+          <a:xfrm>
+            <a:off x="4541560" y="332816"/>
+            <a:ext cx="3108879" cy="646331"/>
+          </a:xfrm>
+          <a:prstGeom prst="rect">
+            <a:avLst/>
+          </a:prstGeom>
+          <a:noFill/>
+        </p:spPr>
+        <p:txBody>
+          <a:bodyPr wrap="square" rtlCol="0">
+            <a:spAutoFit/>
+          </a:bodyPr>
+          <a:lstStyle/>
+          <a:p>
+            <a:pPr algn="ctr"/>
+            <a:r>
+              <a:rPr lang="en-US" sz="3600" dirty="0">
+                <a:ln w="0"/>
+                <a:solidFill>
+                  <a:schemeClr val="bg1"/>
+                </a:solidFill>
+              </a:rPr>
+              <a:t>Future Work</a:t>
+            </a:r>
+          </a:p>
+        </p:txBody>
+      </p:sp>
+      <p:sp>
+        <p:nvSpPr>
+          <p:cNvPr id="6" name="Rectangle 5">
+            <a:extLst>
+              <a:ext uri="{FF2B5EF4-FFF2-40B4-BE49-F238E27FC236}">
+                <a16:creationId xmlns:a16="http://schemas.microsoft.com/office/drawing/2014/main" id="{50B0E405-AA50-426D-AF54-4A9E16132E8D}"/>
+              </a:ext>
+            </a:extLst>
+          </p:cNvPr>
+          <p:cNvSpPr/>
+          <p:nvPr/>
+        </p:nvSpPr>
+        <p:spPr>
+          <a:xfrm>
+            <a:off x="390937" y="1952511"/>
+            <a:ext cx="11085446" cy="1938992"/>
+          </a:xfrm>
+          <a:prstGeom prst="rect">
+            <a:avLst/>
+          </a:prstGeom>
+        </p:spPr>
+        <p:txBody>
+          <a:bodyPr wrap="square">
+            <a:spAutoFit/>
+          </a:bodyPr>
+          <a:lstStyle/>
+          <a:p>
+            <a:pPr algn="just"/>
+            <a:r>
+              <a:rPr lang="en-US" sz="2400" b="1" dirty="0"/>
+              <a:t>7.    Modelling Common Sense Reasoning Patterns</a:t>
+            </a:r>
+          </a:p>
+          <a:p>
+            <a:pPr marL="800100" lvl="1" indent="-342900" algn="just">
+              <a:buFont typeface="Arial" panose="020B0604020202020204" pitchFamily="34" charset="0"/>
+              <a:buChar char="•"/>
+            </a:pPr>
+            <a:r>
+              <a:rPr lang="en-US" sz="2400" dirty="0"/>
+              <a:t>We can model some common sense reasoning principles other than the ones mentioned before, like </a:t>
+            </a:r>
+            <a:r>
+              <a:rPr lang="en-US" sz="2400" dirty="0">
+                <a:solidFill>
+                  <a:srgbClr val="FF0000"/>
+                </a:solidFill>
+              </a:rPr>
+              <a:t>hyponyms </a:t>
+            </a:r>
+            <a:r>
+              <a:rPr lang="en-US" sz="2400" dirty="0"/>
+              <a:t>etc.</a:t>
+            </a:r>
+          </a:p>
+          <a:p>
+            <a:pPr marL="800100" lvl="1" indent="-342900" algn="just">
+              <a:buFont typeface="Arial" panose="020B0604020202020204" pitchFamily="34" charset="0"/>
+              <a:buChar char="•"/>
+            </a:pPr>
+            <a:r>
+              <a:rPr lang="en-US" sz="2400" dirty="0"/>
+              <a:t>These may be logically weaker but, human reasoning uses weak assumptions to reason incase of absence of information.</a:t>
+            </a:r>
+            <a:endParaRPr lang="en-US" sz="2400" dirty="0">
+              <a:solidFill>
+                <a:srgbClr val="FF0000"/>
+              </a:solidFill>
+            </a:endParaRPr>
+          </a:p>
+        </p:txBody>
+      </p:sp>
+      <p:sp>
+        <p:nvSpPr>
+          <p:cNvPr id="8" name="Rectangle 7">
+            <a:extLst>
+              <a:ext uri="{FF2B5EF4-FFF2-40B4-BE49-F238E27FC236}">
+                <a16:creationId xmlns:a16="http://schemas.microsoft.com/office/drawing/2014/main" id="{2DB428E2-8FAA-4F7D-B221-1D331098E241}"/>
+              </a:ext>
+            </a:extLst>
+          </p:cNvPr>
+          <p:cNvSpPr/>
+          <p:nvPr/>
+        </p:nvSpPr>
+        <p:spPr>
+          <a:xfrm>
+            <a:off x="390937" y="4097107"/>
+            <a:ext cx="11085446" cy="1938992"/>
+          </a:xfrm>
+          <a:prstGeom prst="rect">
+            <a:avLst/>
+          </a:prstGeom>
+        </p:spPr>
+        <p:txBody>
+          <a:bodyPr wrap="square">
+            <a:spAutoFit/>
+          </a:bodyPr>
+          <a:lstStyle/>
+          <a:p>
+            <a:pPr algn="just"/>
+            <a:r>
+              <a:rPr lang="en-US" sz="2400" b="1" dirty="0"/>
+              <a:t>8.    Relaxing of Query Constraints</a:t>
+            </a:r>
+          </a:p>
+          <a:p>
+            <a:pPr marL="800100" lvl="1" indent="-342900" algn="just">
+              <a:buFont typeface="Arial" panose="020B0604020202020204" pitchFamily="34" charset="0"/>
+              <a:buChar char="•"/>
+            </a:pPr>
+            <a:r>
+              <a:rPr lang="en-US" sz="2400" dirty="0"/>
+              <a:t>The query generation systems used </a:t>
+            </a:r>
+            <a:r>
+              <a:rPr lang="en-US" sz="2400" dirty="0">
+                <a:solidFill>
+                  <a:srgbClr val="FF0000"/>
+                </a:solidFill>
+              </a:rPr>
+              <a:t>removal of predicates</a:t>
+            </a:r>
+            <a:r>
+              <a:rPr lang="en-US" sz="2400" dirty="0"/>
+              <a:t> to model query relaxation</a:t>
+            </a:r>
+            <a:endParaRPr lang="en-US" sz="2400" dirty="0">
+              <a:solidFill>
+                <a:srgbClr val="FF0000"/>
+              </a:solidFill>
+            </a:endParaRPr>
+          </a:p>
+          <a:p>
+            <a:pPr marL="800100" lvl="1" indent="-342900" algn="just">
+              <a:buFont typeface="Arial" panose="020B0604020202020204" pitchFamily="34" charset="0"/>
+              <a:buChar char="•"/>
+            </a:pPr>
+            <a:r>
+              <a:rPr lang="en-US" sz="2400" dirty="0"/>
+              <a:t>There are other ways to relax queries like </a:t>
+            </a:r>
+            <a:r>
+              <a:rPr lang="en-US" sz="2400" dirty="0">
+                <a:solidFill>
+                  <a:srgbClr val="FF0000"/>
+                </a:solidFill>
+              </a:rPr>
+              <a:t>removal of constraints</a:t>
+            </a:r>
+            <a:r>
+              <a:rPr lang="en-US" sz="2400" dirty="0"/>
+              <a:t> on terms.</a:t>
+            </a:r>
+          </a:p>
+          <a:p>
+            <a:pPr marL="800100" lvl="1" indent="-342900" algn="just">
+              <a:buFont typeface="Arial" panose="020B0604020202020204" pitchFamily="34" charset="0"/>
+              <a:buChar char="•"/>
+            </a:pPr>
+            <a:r>
+              <a:rPr lang="en-US" sz="2400" dirty="0"/>
+              <a:t>We can thus use a </a:t>
+            </a:r>
+            <a:r>
+              <a:rPr lang="en-US" sz="2400" dirty="0">
+                <a:solidFill>
+                  <a:srgbClr val="FF0000"/>
+                </a:solidFill>
+              </a:rPr>
+              <a:t>combination of techniques </a:t>
+            </a:r>
+            <a:r>
+              <a:rPr lang="en-US" sz="2400" dirty="0"/>
+              <a:t>to relax queries.</a:t>
+            </a:r>
+          </a:p>
+        </p:txBody>
+      </p:sp>
+    </p:spTree>
+    <p:extLst>
+      <p:ext uri="{BB962C8B-B14F-4D97-AF65-F5344CB8AC3E}">
+        <p14:creationId xmlns:p14="http://schemas.microsoft.com/office/powerpoint/2010/main" val="1733180353"/>
+      </p:ext>
+    </p:extLst>
+  </p:cSld>
+  <p:clrMapOvr>
+    <a:masterClrMapping/>
+  </p:clrMapOvr>
+</p:sld>
+</file>
+
+<file path=ppt/slides/slide104.xml><?xml version="1.0" encoding="utf-8"?>
+<p:sld xmlns:a="http://schemas.openxmlformats.org/drawingml/2006/main" xmlns:r="http://schemas.openxmlformats.org/officeDocument/2006/relationships" xmlns:p="http://schemas.openxmlformats.org/presentationml/2006/main">
+  <p:cSld>
+    <p:spTree>
+      <p:nvGrpSpPr>
+        <p:cNvPr id="1" name=""/>
+        <p:cNvGrpSpPr/>
+        <p:nvPr/>
+      </p:nvGrpSpPr>
+      <p:grpSpPr>
+        <a:xfrm>
+          <a:off x="0" y="0"/>
+          <a:ext cx="0" cy="0"/>
+          <a:chOff x="0" y="0"/>
+          <a:chExt cx="0" cy="0"/>
+        </a:xfrm>
+      </p:grpSpPr>
+      <p:sp>
+        <p:nvSpPr>
+          <p:cNvPr id="3" name="TextBox 2">
+            <a:extLst>
+              <a:ext uri="{FF2B5EF4-FFF2-40B4-BE49-F238E27FC236}">
+                <a16:creationId xmlns:a16="http://schemas.microsoft.com/office/drawing/2014/main" id="{1980B4EC-4697-4B4F-87E9-C0E68B2BB033}"/>
+              </a:ext>
+            </a:extLst>
+          </p:cNvPr>
+          <p:cNvSpPr txBox="1"/>
+          <p:nvPr/>
+        </p:nvSpPr>
+        <p:spPr>
+          <a:xfrm>
+            <a:off x="3838210" y="2519929"/>
+            <a:ext cx="4515579" cy="923330"/>
+          </a:xfrm>
+          <a:prstGeom prst="rect">
+            <a:avLst/>
+          </a:prstGeom>
+          <a:noFill/>
+        </p:spPr>
+        <p:txBody>
+          <a:bodyPr wrap="square" rtlCol="0">
+            <a:spAutoFit/>
+          </a:bodyPr>
+          <a:lstStyle/>
+          <a:p>
+            <a:pPr algn="ctr"/>
+            <a:r>
+              <a:rPr lang="en-US" sz="5400" dirty="0">
+                <a:ln w="0"/>
+              </a:rPr>
+              <a:t>Contributions</a:t>
+            </a:r>
+          </a:p>
+        </p:txBody>
+      </p:sp>
+      <p:cxnSp>
+        <p:nvCxnSpPr>
+          <p:cNvPr id="8" name="Straight Connector 7">
+            <a:extLst>
+              <a:ext uri="{FF2B5EF4-FFF2-40B4-BE49-F238E27FC236}">
+                <a16:creationId xmlns:a16="http://schemas.microsoft.com/office/drawing/2014/main" id="{1246DA07-DFD8-496C-BB69-FD95668F7C67}"/>
+              </a:ext>
+            </a:extLst>
+          </p:cNvPr>
+          <p:cNvCxnSpPr/>
+          <p:nvPr/>
+        </p:nvCxnSpPr>
+        <p:spPr>
+          <a:xfrm>
+            <a:off x="3670852" y="3429000"/>
+            <a:ext cx="4611756" cy="0"/>
+          </a:xfrm>
+          <a:prstGeom prst="line">
+            <a:avLst/>
+          </a:prstGeom>
+        </p:spPr>
+        <p:style>
+          <a:lnRef idx="1">
+            <a:schemeClr val="dk1"/>
+          </a:lnRef>
+          <a:fillRef idx="0">
+            <a:schemeClr val="dk1"/>
+          </a:fillRef>
+          <a:effectRef idx="0">
+            <a:schemeClr val="dk1"/>
+          </a:effectRef>
+          <a:fontRef idx="minor">
+            <a:schemeClr val="tx1"/>
+          </a:fontRef>
+        </p:style>
+      </p:cxnSp>
+      <p:sp>
+        <p:nvSpPr>
+          <p:cNvPr id="4" name="TextBox 3">
+            <a:extLst>
+              <a:ext uri="{FF2B5EF4-FFF2-40B4-BE49-F238E27FC236}">
+                <a16:creationId xmlns:a16="http://schemas.microsoft.com/office/drawing/2014/main" id="{6BFEE7AA-B53C-40A1-BA09-1E3192229B2B}"/>
+              </a:ext>
+            </a:extLst>
+          </p:cNvPr>
+          <p:cNvSpPr txBox="1"/>
+          <p:nvPr/>
+        </p:nvSpPr>
+        <p:spPr>
+          <a:xfrm>
+            <a:off x="4565372" y="3443259"/>
+            <a:ext cx="3061254" cy="461665"/>
+          </a:xfrm>
+          <a:prstGeom prst="rect">
+            <a:avLst/>
+          </a:prstGeom>
+          <a:noFill/>
+        </p:spPr>
+        <p:txBody>
+          <a:bodyPr wrap="square" rtlCol="0">
+            <a:spAutoFit/>
+          </a:bodyPr>
+          <a:lstStyle/>
+          <a:p>
+            <a:r>
+              <a:rPr lang="en-US" sz="2400" dirty="0"/>
+              <a:t>What did we achieve?</a:t>
+            </a:r>
+          </a:p>
+        </p:txBody>
+      </p:sp>
+    </p:spTree>
+    <p:extLst>
+      <p:ext uri="{BB962C8B-B14F-4D97-AF65-F5344CB8AC3E}">
+        <p14:creationId xmlns:p14="http://schemas.microsoft.com/office/powerpoint/2010/main" val="2616528620"/>
+      </p:ext>
+    </p:extLst>
+  </p:cSld>
+  <p:clrMapOvr>
+    <a:masterClrMapping/>
+  </p:clrMapOvr>
+</p:sld>
+</file>
+
+<file path=ppt/slides/slide105.xml><?xml version="1.0" encoding="utf-8"?>
+<p:sld xmlns:a="http://schemas.openxmlformats.org/drawingml/2006/main" xmlns:r="http://schemas.openxmlformats.org/officeDocument/2006/relationships" xmlns:p="http://schemas.openxmlformats.org/presentationml/2006/main">
+  <p:cSld>
+    <p:spTree>
+      <p:nvGrpSpPr>
+        <p:cNvPr id="1" name=""/>
+        <p:cNvGrpSpPr/>
+        <p:nvPr/>
+      </p:nvGrpSpPr>
+      <p:grpSpPr>
+        <a:xfrm>
+          <a:off x="0" y="0"/>
+          <a:ext cx="0" cy="0"/>
+          <a:chOff x="0" y="0"/>
+          <a:chExt cx="0" cy="0"/>
+        </a:xfrm>
+      </p:grpSpPr>
+      <p:sp>
+        <p:nvSpPr>
+          <p:cNvPr id="5" name="Rectangle 4">
+            <a:extLst>
+              <a:ext uri="{FF2B5EF4-FFF2-40B4-BE49-F238E27FC236}">
+                <a16:creationId xmlns:a16="http://schemas.microsoft.com/office/drawing/2014/main" id="{4FDB0B06-F270-4F00-8383-EB0ABF97EF01}"/>
+              </a:ext>
+            </a:extLst>
+          </p:cNvPr>
+          <p:cNvSpPr/>
+          <p:nvPr/>
+        </p:nvSpPr>
+        <p:spPr>
+          <a:xfrm>
+            <a:off x="390937" y="1419406"/>
+            <a:ext cx="11085446" cy="2308324"/>
+          </a:xfrm>
+          <a:prstGeom prst="rect">
+            <a:avLst/>
+          </a:prstGeom>
+        </p:spPr>
+        <p:txBody>
+          <a:bodyPr wrap="square">
+            <a:spAutoFit/>
+          </a:bodyPr>
+          <a:lstStyle/>
+          <a:p>
+            <a:pPr algn="just"/>
+            <a:r>
+              <a:rPr lang="en-US" sz="2400" b="1" dirty="0"/>
+              <a:t>1.    Generic Calculus Framework</a:t>
+            </a:r>
+          </a:p>
+          <a:p>
+            <a:pPr marL="800100" lvl="1" indent="-342900" algn="just">
+              <a:buFont typeface="Arial" panose="020B0604020202020204" pitchFamily="34" charset="0"/>
+              <a:buChar char="•"/>
+            </a:pPr>
+            <a:r>
+              <a:rPr lang="en-US" sz="2400" dirty="0"/>
+              <a:t>Defines a calculus framework containing </a:t>
+            </a:r>
+            <a:r>
+              <a:rPr lang="en-US" sz="2400" dirty="0">
+                <a:solidFill>
+                  <a:srgbClr val="FF0000"/>
+                </a:solidFill>
+              </a:rPr>
+              <a:t>generic predicates</a:t>
+            </a:r>
+          </a:p>
+          <a:p>
+            <a:pPr marL="800100" lvl="1" indent="-342900" algn="just">
+              <a:buFont typeface="Arial" panose="020B0604020202020204" pitchFamily="34" charset="0"/>
+              <a:buChar char="•"/>
+            </a:pPr>
+            <a:r>
+              <a:rPr lang="en-US" sz="2400" dirty="0"/>
+              <a:t>Framework is </a:t>
+            </a:r>
+            <a:r>
+              <a:rPr lang="en-US" sz="2400" dirty="0">
+                <a:solidFill>
+                  <a:srgbClr val="FF0000"/>
+                </a:solidFill>
+              </a:rPr>
+              <a:t>extendible </a:t>
+            </a:r>
+            <a:r>
+              <a:rPr lang="en-US" sz="2400" dirty="0"/>
+              <a:t>to incorporate more predicates like cause, effect without much changes</a:t>
+            </a:r>
+          </a:p>
+          <a:p>
+            <a:pPr marL="800100" lvl="1" indent="-342900" algn="just">
+              <a:buFont typeface="Arial" panose="020B0604020202020204" pitchFamily="34" charset="0"/>
+              <a:buChar char="•"/>
+            </a:pPr>
+            <a:r>
+              <a:rPr lang="en-US" sz="2400" dirty="0"/>
+              <a:t>Efficiently able to </a:t>
+            </a:r>
+            <a:r>
+              <a:rPr lang="en-US" sz="2400" dirty="0">
+                <a:solidFill>
+                  <a:srgbClr val="FF0000"/>
+                </a:solidFill>
+              </a:rPr>
+              <a:t>represent most data points </a:t>
+            </a:r>
+            <a:r>
+              <a:rPr lang="en-US" sz="2400" dirty="0"/>
+              <a:t>mentioned in the passage</a:t>
+            </a:r>
+          </a:p>
+          <a:p>
+            <a:pPr marL="800100" lvl="1" indent="-342900" algn="just">
+              <a:buFont typeface="Arial" panose="020B0604020202020204" pitchFamily="34" charset="0"/>
+              <a:buChar char="•"/>
+            </a:pPr>
+            <a:r>
+              <a:rPr lang="en-US" sz="2400" dirty="0"/>
+              <a:t>Can integrate with </a:t>
+            </a:r>
+            <a:r>
+              <a:rPr lang="en-US" sz="2400" dirty="0">
+                <a:solidFill>
+                  <a:srgbClr val="FF0000"/>
+                </a:solidFill>
+              </a:rPr>
+              <a:t>custom patterns </a:t>
+            </a:r>
+            <a:r>
+              <a:rPr lang="en-US" sz="2400" dirty="0"/>
+              <a:t>like month, year predicate</a:t>
+            </a:r>
+          </a:p>
+        </p:txBody>
+      </p:sp>
+      <p:sp>
+        <p:nvSpPr>
+          <p:cNvPr id="7" name="Rectangle 6">
+            <a:extLst>
+              <a:ext uri="{FF2B5EF4-FFF2-40B4-BE49-F238E27FC236}">
+                <a16:creationId xmlns:a16="http://schemas.microsoft.com/office/drawing/2014/main" id="{2B84BBFB-C1EC-478F-8E81-7685A0B691C6}"/>
+              </a:ext>
+            </a:extLst>
+          </p:cNvPr>
+          <p:cNvSpPr/>
+          <p:nvPr/>
+        </p:nvSpPr>
+        <p:spPr>
+          <a:xfrm>
+            <a:off x="0" y="0"/>
+            <a:ext cx="12192000" cy="1311965"/>
+          </a:xfrm>
+          <a:prstGeom prst="rect">
+            <a:avLst/>
+          </a:prstGeom>
+        </p:spPr>
+        <p:style>
+          <a:lnRef idx="2">
+            <a:schemeClr val="dk1">
+              <a:shade val="50000"/>
+            </a:schemeClr>
+          </a:lnRef>
+          <a:fillRef idx="1">
+            <a:schemeClr val="dk1"/>
+          </a:fillRef>
+          <a:effectRef idx="0">
+            <a:schemeClr val="dk1"/>
+          </a:effectRef>
+          <a:fontRef idx="minor">
+            <a:schemeClr val="lt1"/>
+          </a:fontRef>
+        </p:style>
+        <p:txBody>
+          <a:bodyPr rtlCol="0" anchor="ctr"/>
+          <a:lstStyle/>
+          <a:p>
+            <a:pPr algn="ctr"/>
+            <a:endParaRPr lang="en-US" dirty="0"/>
+          </a:p>
+        </p:txBody>
+      </p:sp>
+      <p:sp>
+        <p:nvSpPr>
+          <p:cNvPr id="9" name="TextBox 8">
+            <a:extLst>
+              <a:ext uri="{FF2B5EF4-FFF2-40B4-BE49-F238E27FC236}">
+                <a16:creationId xmlns:a16="http://schemas.microsoft.com/office/drawing/2014/main" id="{7F0CAA4B-E205-452A-A063-24223A8717CE}"/>
+              </a:ext>
+            </a:extLst>
+          </p:cNvPr>
+          <p:cNvSpPr txBox="1"/>
+          <p:nvPr/>
+        </p:nvSpPr>
+        <p:spPr>
+          <a:xfrm>
+            <a:off x="4541560" y="332816"/>
+            <a:ext cx="3108879" cy="646331"/>
+          </a:xfrm>
+          <a:prstGeom prst="rect">
+            <a:avLst/>
+          </a:prstGeom>
+          <a:noFill/>
+        </p:spPr>
+        <p:txBody>
+          <a:bodyPr wrap="square" rtlCol="0">
+            <a:spAutoFit/>
+          </a:bodyPr>
+          <a:lstStyle/>
+          <a:p>
+            <a:pPr algn="ctr"/>
+            <a:r>
+              <a:rPr lang="en-US" sz="3600" dirty="0">
+                <a:ln w="0"/>
+                <a:solidFill>
+                  <a:schemeClr val="bg1"/>
+                </a:solidFill>
+              </a:rPr>
+              <a:t>Contributions</a:t>
+            </a:r>
+          </a:p>
+        </p:txBody>
+      </p:sp>
+      <p:sp>
+        <p:nvSpPr>
+          <p:cNvPr id="10" name="Rectangle 9">
+            <a:extLst>
+              <a:ext uri="{FF2B5EF4-FFF2-40B4-BE49-F238E27FC236}">
+                <a16:creationId xmlns:a16="http://schemas.microsoft.com/office/drawing/2014/main" id="{55E81C5D-F5BE-420F-90B0-734922C9AE86}"/>
+              </a:ext>
+            </a:extLst>
+          </p:cNvPr>
+          <p:cNvSpPr/>
+          <p:nvPr/>
+        </p:nvSpPr>
+        <p:spPr>
+          <a:xfrm>
+            <a:off x="390937" y="3727730"/>
+            <a:ext cx="11085446" cy="1938992"/>
+          </a:xfrm>
+          <a:prstGeom prst="rect">
+            <a:avLst/>
+          </a:prstGeom>
+        </p:spPr>
+        <p:txBody>
+          <a:bodyPr wrap="square">
+            <a:spAutoFit/>
+          </a:bodyPr>
+          <a:lstStyle/>
+          <a:p>
+            <a:pPr algn="just"/>
+            <a:r>
+              <a:rPr lang="en-US" sz="2400" b="1" dirty="0"/>
+              <a:t>2.    Use of other Knowledge Sources</a:t>
+            </a:r>
+          </a:p>
+          <a:p>
+            <a:pPr marL="800100" lvl="1" indent="-342900" algn="just">
+              <a:buFont typeface="Arial" panose="020B0604020202020204" pitchFamily="34" charset="0"/>
+              <a:buChar char="•"/>
+            </a:pPr>
+            <a:r>
+              <a:rPr lang="en-US" sz="2400" dirty="0"/>
+              <a:t>Incorporates </a:t>
+            </a:r>
+            <a:r>
+              <a:rPr lang="en-US" sz="2400" dirty="0">
+                <a:solidFill>
+                  <a:srgbClr val="FF0000"/>
+                </a:solidFill>
+              </a:rPr>
+              <a:t>secondary knowledge sources </a:t>
+            </a:r>
+            <a:r>
+              <a:rPr lang="en-US" sz="2400" dirty="0"/>
+              <a:t>like WordNet</a:t>
+            </a:r>
+            <a:endParaRPr lang="en-US" sz="2400" dirty="0">
+              <a:solidFill>
+                <a:srgbClr val="FF0000"/>
+              </a:solidFill>
+            </a:endParaRPr>
+          </a:p>
+          <a:p>
+            <a:pPr marL="800100" lvl="1" indent="-342900" algn="just">
+              <a:buFont typeface="Arial" panose="020B0604020202020204" pitchFamily="34" charset="0"/>
+              <a:buChar char="•"/>
+            </a:pPr>
+            <a:r>
+              <a:rPr lang="en-US" sz="2400" dirty="0"/>
+              <a:t>Able to build a </a:t>
+            </a:r>
+            <a:r>
+              <a:rPr lang="en-US" sz="2400" dirty="0">
+                <a:solidFill>
+                  <a:srgbClr val="FF0000"/>
+                </a:solidFill>
+              </a:rPr>
+              <a:t>custom ontology </a:t>
+            </a:r>
+            <a:r>
+              <a:rPr lang="en-US" sz="2400" dirty="0"/>
+              <a:t>for the input passage</a:t>
+            </a:r>
+          </a:p>
+          <a:p>
+            <a:pPr marL="800100" lvl="1" indent="-342900" algn="just">
+              <a:buFont typeface="Arial" panose="020B0604020202020204" pitchFamily="34" charset="0"/>
+              <a:buChar char="•"/>
+            </a:pPr>
+            <a:r>
+              <a:rPr lang="en-US" sz="2400" dirty="0"/>
+              <a:t>Helps </a:t>
+            </a:r>
+            <a:r>
+              <a:rPr lang="en-US" sz="2400" dirty="0">
+                <a:solidFill>
+                  <a:srgbClr val="FF0000"/>
+                </a:solidFill>
+              </a:rPr>
+              <a:t>efficiently reason </a:t>
+            </a:r>
+            <a:r>
+              <a:rPr lang="en-US" sz="2400" dirty="0"/>
+              <a:t>about knowledge mimicking humans</a:t>
+            </a:r>
+          </a:p>
+          <a:p>
+            <a:pPr marL="800100" lvl="1" indent="-342900" algn="just">
+              <a:buFont typeface="Arial" panose="020B0604020202020204" pitchFamily="34" charset="0"/>
+              <a:buChar char="•"/>
+            </a:pPr>
+            <a:r>
+              <a:rPr lang="en-US" sz="2400" dirty="0"/>
+              <a:t>Ontology can be built in an </a:t>
+            </a:r>
+            <a:r>
+              <a:rPr lang="en-US" sz="2400" dirty="0">
+                <a:solidFill>
+                  <a:srgbClr val="FF0000"/>
+                </a:solidFill>
+              </a:rPr>
+              <a:t>incremental fashion</a:t>
+            </a:r>
+            <a:r>
+              <a:rPr lang="en-US" sz="2400" dirty="0"/>
+              <a:t> as well</a:t>
+            </a:r>
+          </a:p>
+        </p:txBody>
+      </p:sp>
+      <p:sp>
+        <p:nvSpPr>
+          <p:cNvPr id="2" name="Rectangle 1">
+            <a:extLst>
+              <a:ext uri="{FF2B5EF4-FFF2-40B4-BE49-F238E27FC236}">
+                <a16:creationId xmlns:a16="http://schemas.microsoft.com/office/drawing/2014/main" id="{00085246-0AE2-408A-B5D7-7B3FA2C0D00F}"/>
+              </a:ext>
+            </a:extLst>
+          </p:cNvPr>
+          <p:cNvSpPr/>
+          <p:nvPr/>
+        </p:nvSpPr>
+        <p:spPr>
+          <a:xfrm>
+            <a:off x="390938" y="5666722"/>
+            <a:ext cx="11655288" cy="1200329"/>
+          </a:xfrm>
+          <a:prstGeom prst="rect">
+            <a:avLst/>
+          </a:prstGeom>
+        </p:spPr>
+        <p:txBody>
+          <a:bodyPr wrap="square">
+            <a:spAutoFit/>
+          </a:bodyPr>
+          <a:lstStyle/>
+          <a:p>
+            <a:pPr marL="457200" indent="-457200" algn="just">
+              <a:buAutoNum type="arabicPeriod" startAt="3"/>
+            </a:pPr>
+            <a:r>
+              <a:rPr lang="en-US" sz="2400" b="1" dirty="0"/>
+              <a:t>Use of s(ASP)</a:t>
+            </a:r>
+            <a:r>
+              <a:rPr lang="en-US" sz="2400" dirty="0"/>
+              <a:t> </a:t>
+            </a:r>
+          </a:p>
+          <a:p>
+            <a:pPr marL="800100" lvl="1" indent="-342900" algn="just">
+              <a:buFont typeface="Arial" panose="020B0604020202020204" pitchFamily="34" charset="0"/>
+              <a:buChar char="•"/>
+            </a:pPr>
+            <a:r>
+              <a:rPr lang="en-US" sz="2400" dirty="0"/>
+              <a:t>Helped in working with an </a:t>
+            </a:r>
+            <a:r>
+              <a:rPr lang="en-US" sz="2400" dirty="0">
+                <a:solidFill>
+                  <a:srgbClr val="FF0000"/>
+                </a:solidFill>
+              </a:rPr>
+              <a:t>unbounded domain</a:t>
+            </a:r>
+          </a:p>
+          <a:p>
+            <a:pPr marL="800100" lvl="1" indent="-342900" algn="just">
+              <a:buFont typeface="Arial" panose="020B0604020202020204" pitchFamily="34" charset="0"/>
+              <a:buChar char="•"/>
+            </a:pPr>
+            <a:r>
+              <a:rPr lang="en-US" sz="2400" dirty="0"/>
+              <a:t>Program </a:t>
+            </a:r>
+            <a:r>
+              <a:rPr lang="en-US" sz="2400" dirty="0">
+                <a:solidFill>
+                  <a:srgbClr val="FF0000"/>
+                </a:solidFill>
+              </a:rPr>
+              <a:t>does not need to be grounded</a:t>
+            </a:r>
+            <a:r>
+              <a:rPr lang="en-US" sz="2400" dirty="0"/>
+              <a:t> to calculate answer set like in CLASP</a:t>
+            </a:r>
+          </a:p>
+        </p:txBody>
+      </p:sp>
+    </p:spTree>
+    <p:extLst>
+      <p:ext uri="{BB962C8B-B14F-4D97-AF65-F5344CB8AC3E}">
+        <p14:creationId xmlns:p14="http://schemas.microsoft.com/office/powerpoint/2010/main" val="4027011598"/>
+      </p:ext>
+    </p:extLst>
+  </p:cSld>
+  <p:clrMapOvr>
+    <a:masterClrMapping/>
+  </p:clrMapOvr>
+</p:sld>
+</file>
+
+<file path=ppt/slides/slide106.xml><?xml version="1.0" encoding="utf-8"?>
+<p:sld xmlns:a="http://schemas.openxmlformats.org/drawingml/2006/main" xmlns:r="http://schemas.openxmlformats.org/officeDocument/2006/relationships" xmlns:p="http://schemas.openxmlformats.org/presentationml/2006/main">
+  <p:cSld>
+    <p:spTree>
+      <p:nvGrpSpPr>
+        <p:cNvPr id="1" name=""/>
+        <p:cNvGrpSpPr/>
+        <p:nvPr/>
+      </p:nvGrpSpPr>
+      <p:grpSpPr>
+        <a:xfrm>
+          <a:off x="0" y="0"/>
+          <a:ext cx="0" cy="0"/>
+          <a:chOff x="0" y="0"/>
+          <a:chExt cx="0" cy="0"/>
+        </a:xfrm>
+      </p:grpSpPr>
+      <p:sp>
+        <p:nvSpPr>
+          <p:cNvPr id="5" name="Rectangle 4">
+            <a:extLst>
+              <a:ext uri="{FF2B5EF4-FFF2-40B4-BE49-F238E27FC236}">
+                <a16:creationId xmlns:a16="http://schemas.microsoft.com/office/drawing/2014/main" id="{4FDB0B06-F270-4F00-8383-EB0ABF97EF01}"/>
+              </a:ext>
+            </a:extLst>
+          </p:cNvPr>
+          <p:cNvSpPr/>
+          <p:nvPr/>
+        </p:nvSpPr>
+        <p:spPr>
+          <a:xfrm>
+            <a:off x="443945" y="1803807"/>
+            <a:ext cx="11085446" cy="1938992"/>
+          </a:xfrm>
+          <a:prstGeom prst="rect">
+            <a:avLst/>
+          </a:prstGeom>
+        </p:spPr>
+        <p:txBody>
+          <a:bodyPr wrap="square">
+            <a:spAutoFit/>
+          </a:bodyPr>
+          <a:lstStyle/>
+          <a:p>
+            <a:pPr algn="just"/>
+            <a:r>
+              <a:rPr lang="en-US" sz="2400" b="1" dirty="0"/>
+              <a:t>4.    Preferential Pattern for WSD</a:t>
+            </a:r>
+          </a:p>
+          <a:p>
+            <a:pPr marL="800100" lvl="1" indent="-342900" algn="just">
+              <a:buFont typeface="Arial" panose="020B0604020202020204" pitchFamily="34" charset="0"/>
+              <a:buChar char="•"/>
+            </a:pPr>
+            <a:r>
+              <a:rPr lang="en-US" sz="2400" dirty="0"/>
+              <a:t>Defines a </a:t>
+            </a:r>
+            <a:r>
+              <a:rPr lang="en-US" sz="2400" dirty="0">
+                <a:solidFill>
+                  <a:srgbClr val="FF0000"/>
+                </a:solidFill>
+              </a:rPr>
+              <a:t>preferential pattern </a:t>
+            </a:r>
+            <a:r>
+              <a:rPr lang="en-US" sz="2400" dirty="0"/>
+              <a:t>that mimics humans</a:t>
+            </a:r>
+            <a:endParaRPr lang="en-US" sz="2400" dirty="0">
+              <a:solidFill>
+                <a:srgbClr val="FF0000"/>
+              </a:solidFill>
+            </a:endParaRPr>
+          </a:p>
+          <a:p>
+            <a:pPr marL="800100" lvl="1" indent="-342900" algn="just">
+              <a:buFont typeface="Arial" panose="020B0604020202020204" pitchFamily="34" charset="0"/>
+              <a:buChar char="•"/>
+            </a:pPr>
+            <a:r>
+              <a:rPr lang="en-US" sz="2400" dirty="0"/>
+              <a:t>Preferential pattern </a:t>
+            </a:r>
+            <a:r>
+              <a:rPr lang="en-US" sz="2400" dirty="0">
+                <a:solidFill>
+                  <a:srgbClr val="FF0000"/>
+                </a:solidFill>
+              </a:rPr>
+              <a:t>allows inputs</a:t>
+            </a:r>
+            <a:r>
+              <a:rPr lang="en-US" sz="2400" dirty="0"/>
+              <a:t> from external systems</a:t>
+            </a:r>
+          </a:p>
+          <a:p>
+            <a:pPr marL="800100" lvl="1" indent="-342900" algn="just">
+              <a:buFont typeface="Arial" panose="020B0604020202020204" pitchFamily="34" charset="0"/>
+              <a:buChar char="•"/>
+            </a:pPr>
+            <a:r>
+              <a:rPr lang="en-US" sz="2400" dirty="0"/>
+              <a:t>Can disambiguate in the </a:t>
+            </a:r>
+            <a:r>
+              <a:rPr lang="en-US" sz="2400" dirty="0">
+                <a:solidFill>
+                  <a:srgbClr val="FF0000"/>
+                </a:solidFill>
+              </a:rPr>
+              <a:t>absence of knowledge </a:t>
+            </a:r>
+            <a:r>
+              <a:rPr lang="en-US" sz="2400" dirty="0"/>
+              <a:t>from external sources</a:t>
+            </a:r>
+          </a:p>
+          <a:p>
+            <a:pPr marL="800100" lvl="1" indent="-342900" algn="just">
+              <a:buFont typeface="Arial" panose="020B0604020202020204" pitchFamily="34" charset="0"/>
+              <a:buChar char="•"/>
+            </a:pPr>
+            <a:r>
+              <a:rPr lang="en-US" sz="2400" dirty="0"/>
+              <a:t>Only parts of the ontology </a:t>
+            </a:r>
+            <a:r>
+              <a:rPr lang="en-US" sz="2400" dirty="0">
+                <a:solidFill>
+                  <a:srgbClr val="FF0000"/>
+                </a:solidFill>
+              </a:rPr>
+              <a:t>required to reason </a:t>
+            </a:r>
+            <a:r>
+              <a:rPr lang="en-US" sz="2400" dirty="0"/>
+              <a:t>are triggered</a:t>
+            </a:r>
+          </a:p>
+        </p:txBody>
+      </p:sp>
+      <p:sp>
+        <p:nvSpPr>
+          <p:cNvPr id="7" name="Rectangle 6">
+            <a:extLst>
+              <a:ext uri="{FF2B5EF4-FFF2-40B4-BE49-F238E27FC236}">
+                <a16:creationId xmlns:a16="http://schemas.microsoft.com/office/drawing/2014/main" id="{2B84BBFB-C1EC-478F-8E81-7685A0B691C6}"/>
+              </a:ext>
+            </a:extLst>
+          </p:cNvPr>
+          <p:cNvSpPr/>
+          <p:nvPr/>
+        </p:nvSpPr>
+        <p:spPr>
+          <a:xfrm>
+            <a:off x="0" y="0"/>
+            <a:ext cx="12192000" cy="1311965"/>
+          </a:xfrm>
+          <a:prstGeom prst="rect">
+            <a:avLst/>
+          </a:prstGeom>
+        </p:spPr>
+        <p:style>
+          <a:lnRef idx="2">
+            <a:schemeClr val="dk1">
+              <a:shade val="50000"/>
+            </a:schemeClr>
+          </a:lnRef>
+          <a:fillRef idx="1">
+            <a:schemeClr val="dk1"/>
+          </a:fillRef>
+          <a:effectRef idx="0">
+            <a:schemeClr val="dk1"/>
+          </a:effectRef>
+          <a:fontRef idx="minor">
+            <a:schemeClr val="lt1"/>
+          </a:fontRef>
+        </p:style>
+        <p:txBody>
+          <a:bodyPr rtlCol="0" anchor="ctr"/>
+          <a:lstStyle/>
+          <a:p>
+            <a:pPr algn="ctr"/>
+            <a:endParaRPr lang="en-US" dirty="0"/>
+          </a:p>
+        </p:txBody>
+      </p:sp>
+      <p:sp>
+        <p:nvSpPr>
+          <p:cNvPr id="9" name="TextBox 8">
+            <a:extLst>
+              <a:ext uri="{FF2B5EF4-FFF2-40B4-BE49-F238E27FC236}">
+                <a16:creationId xmlns:a16="http://schemas.microsoft.com/office/drawing/2014/main" id="{7F0CAA4B-E205-452A-A063-24223A8717CE}"/>
+              </a:ext>
+            </a:extLst>
+          </p:cNvPr>
+          <p:cNvSpPr txBox="1"/>
+          <p:nvPr/>
+        </p:nvSpPr>
+        <p:spPr>
+          <a:xfrm>
+            <a:off x="4541560" y="332816"/>
+            <a:ext cx="3108879" cy="646331"/>
+          </a:xfrm>
+          <a:prstGeom prst="rect">
+            <a:avLst/>
+          </a:prstGeom>
+          <a:noFill/>
+        </p:spPr>
+        <p:txBody>
+          <a:bodyPr wrap="square" rtlCol="0">
+            <a:spAutoFit/>
+          </a:bodyPr>
+          <a:lstStyle/>
+          <a:p>
+            <a:pPr algn="ctr"/>
+            <a:r>
+              <a:rPr lang="en-US" sz="3600" dirty="0">
+                <a:ln w="0"/>
+                <a:solidFill>
+                  <a:schemeClr val="bg1"/>
+                </a:solidFill>
+              </a:rPr>
+              <a:t>Contributions</a:t>
+            </a:r>
+          </a:p>
+        </p:txBody>
+      </p:sp>
+      <p:sp>
+        <p:nvSpPr>
+          <p:cNvPr id="10" name="Rectangle 9">
+            <a:extLst>
+              <a:ext uri="{FF2B5EF4-FFF2-40B4-BE49-F238E27FC236}">
+                <a16:creationId xmlns:a16="http://schemas.microsoft.com/office/drawing/2014/main" id="{55E81C5D-F5BE-420F-90B0-734922C9AE86}"/>
+              </a:ext>
+            </a:extLst>
+          </p:cNvPr>
+          <p:cNvSpPr/>
+          <p:nvPr/>
+        </p:nvSpPr>
+        <p:spPr>
+          <a:xfrm>
+            <a:off x="443945" y="3917529"/>
+            <a:ext cx="11085446" cy="2308324"/>
+          </a:xfrm>
+          <a:prstGeom prst="rect">
+            <a:avLst/>
+          </a:prstGeom>
+        </p:spPr>
+        <p:txBody>
+          <a:bodyPr wrap="square">
+            <a:spAutoFit/>
+          </a:bodyPr>
+          <a:lstStyle/>
+          <a:p>
+            <a:pPr algn="just"/>
+            <a:r>
+              <a:rPr lang="en-US" sz="2400" b="1" dirty="0"/>
+              <a:t>5.     Converts questions into ASP queries</a:t>
+            </a:r>
+          </a:p>
+          <a:p>
+            <a:pPr marL="800100" lvl="1" indent="-342900" algn="just">
+              <a:buFont typeface="Arial" panose="020B0604020202020204" pitchFamily="34" charset="0"/>
+              <a:buChar char="•"/>
+            </a:pPr>
+            <a:r>
+              <a:rPr lang="en-US" sz="2400" dirty="0"/>
+              <a:t>Proposed a method to </a:t>
+            </a:r>
+            <a:r>
+              <a:rPr lang="en-US" sz="2400" dirty="0">
+                <a:solidFill>
+                  <a:srgbClr val="FF0000"/>
+                </a:solidFill>
+              </a:rPr>
+              <a:t>convert questions into queries</a:t>
+            </a:r>
+          </a:p>
+          <a:p>
+            <a:pPr marL="800100" lvl="1" indent="-342900" algn="just">
+              <a:buFont typeface="Arial" panose="020B0604020202020204" pitchFamily="34" charset="0"/>
+              <a:buChar char="•"/>
+            </a:pPr>
+            <a:r>
+              <a:rPr lang="en-US" sz="2400" dirty="0"/>
+              <a:t>Queries are built in such a way that </a:t>
+            </a:r>
+            <a:r>
+              <a:rPr lang="en-US" sz="2400" dirty="0">
+                <a:solidFill>
+                  <a:srgbClr val="FF0000"/>
+                </a:solidFill>
+              </a:rPr>
+              <a:t>alternate solutions </a:t>
+            </a:r>
+            <a:r>
+              <a:rPr lang="en-US" sz="2400" dirty="0"/>
+              <a:t>are provided</a:t>
+            </a:r>
+          </a:p>
+          <a:p>
+            <a:pPr marL="800100" lvl="1" indent="-342900" algn="just">
+              <a:buFont typeface="Arial" panose="020B0604020202020204" pitchFamily="34" charset="0"/>
+              <a:buChar char="•"/>
+            </a:pPr>
+            <a:r>
+              <a:rPr lang="en-US" sz="2400" dirty="0"/>
+              <a:t>Constraints on </a:t>
+            </a:r>
+            <a:r>
+              <a:rPr lang="en-US" sz="2400" dirty="0">
+                <a:solidFill>
+                  <a:srgbClr val="FF0000"/>
+                </a:solidFill>
+              </a:rPr>
+              <a:t>queries are relaxed </a:t>
+            </a:r>
+            <a:r>
+              <a:rPr lang="en-US" sz="2400" dirty="0"/>
+              <a:t>to at least get some answer</a:t>
+            </a:r>
+          </a:p>
+          <a:p>
+            <a:pPr marL="800100" lvl="1" indent="-342900" algn="just">
+              <a:buFont typeface="Arial" panose="020B0604020202020204" pitchFamily="34" charset="0"/>
+              <a:buChar char="•"/>
+            </a:pPr>
+            <a:r>
+              <a:rPr lang="en-US" sz="2400" dirty="0">
+                <a:solidFill>
+                  <a:srgbClr val="FF0000"/>
+                </a:solidFill>
+              </a:rPr>
+              <a:t>Confidence metric </a:t>
+            </a:r>
+            <a:r>
+              <a:rPr lang="en-US" sz="2400" dirty="0"/>
+              <a:t>is associated with every query that gauges the confidence on the answer</a:t>
+            </a:r>
+          </a:p>
+        </p:txBody>
+      </p:sp>
+    </p:spTree>
+    <p:extLst>
+      <p:ext uri="{BB962C8B-B14F-4D97-AF65-F5344CB8AC3E}">
+        <p14:creationId xmlns:p14="http://schemas.microsoft.com/office/powerpoint/2010/main" val="549097127"/>
+      </p:ext>
+    </p:extLst>
+  </p:cSld>
+  <p:clrMapOvr>
+    <a:masterClrMapping/>
+  </p:clrMapOvr>
+</p:sld>
+</file>
+
+<file path=ppt/slides/slide107.xml><?xml version="1.0" encoding="utf-8"?>
+<p:sld xmlns:a="http://schemas.openxmlformats.org/drawingml/2006/main" xmlns:r="http://schemas.openxmlformats.org/officeDocument/2006/relationships" xmlns:p="http://schemas.openxmlformats.org/presentationml/2006/main">
+  <p:cSld>
+    <p:spTree>
+      <p:nvGrpSpPr>
+        <p:cNvPr id="1" name=""/>
+        <p:cNvGrpSpPr/>
+        <p:nvPr/>
+      </p:nvGrpSpPr>
+      <p:grpSpPr>
+        <a:xfrm>
+          <a:off x="0" y="0"/>
+          <a:ext cx="0" cy="0"/>
+          <a:chOff x="0" y="0"/>
+          <a:chExt cx="0" cy="0"/>
+        </a:xfrm>
+      </p:grpSpPr>
+      <p:sp>
+        <p:nvSpPr>
+          <p:cNvPr id="5" name="Rectangle 4">
+            <a:extLst>
+              <a:ext uri="{FF2B5EF4-FFF2-40B4-BE49-F238E27FC236}">
+                <a16:creationId xmlns:a16="http://schemas.microsoft.com/office/drawing/2014/main" id="{4FDB0B06-F270-4F00-8383-EB0ABF97EF01}"/>
+              </a:ext>
+            </a:extLst>
+          </p:cNvPr>
+          <p:cNvSpPr/>
+          <p:nvPr/>
+        </p:nvSpPr>
+        <p:spPr>
+          <a:xfrm>
+            <a:off x="390937" y="1490008"/>
+            <a:ext cx="11085446" cy="1938992"/>
+          </a:xfrm>
+          <a:prstGeom prst="rect">
+            <a:avLst/>
+          </a:prstGeom>
+        </p:spPr>
+        <p:txBody>
+          <a:bodyPr wrap="square">
+            <a:spAutoFit/>
+          </a:bodyPr>
+          <a:lstStyle/>
+          <a:p>
+            <a:pPr algn="just"/>
+            <a:r>
+              <a:rPr lang="en-US" sz="2400" b="1" dirty="0"/>
+              <a:t>6.    Justification for answers provided</a:t>
+            </a:r>
+          </a:p>
+          <a:p>
+            <a:pPr marL="800100" lvl="1" indent="-342900" algn="just">
+              <a:buFont typeface="Arial" panose="020B0604020202020204" pitchFamily="34" charset="0"/>
+              <a:buChar char="•"/>
+            </a:pPr>
+            <a:r>
+              <a:rPr lang="en-US" sz="2400" dirty="0"/>
+              <a:t>Answers generated by the system are </a:t>
+            </a:r>
+            <a:r>
+              <a:rPr lang="en-US" sz="2400" dirty="0">
+                <a:solidFill>
+                  <a:srgbClr val="FF0000"/>
+                </a:solidFill>
+              </a:rPr>
+              <a:t>interpretable</a:t>
+            </a:r>
+          </a:p>
+          <a:p>
+            <a:pPr marL="800100" lvl="1" indent="-342900" algn="just">
+              <a:buFont typeface="Arial" panose="020B0604020202020204" pitchFamily="34" charset="0"/>
+              <a:buChar char="•"/>
+            </a:pPr>
+            <a:r>
+              <a:rPr lang="en-US" sz="2400" dirty="0"/>
+              <a:t>A</a:t>
+            </a:r>
+            <a:r>
+              <a:rPr lang="en-US" sz="2400" dirty="0">
+                <a:solidFill>
+                  <a:srgbClr val="FF0000"/>
+                </a:solidFill>
+              </a:rPr>
+              <a:t> justification tree</a:t>
+            </a:r>
+            <a:r>
+              <a:rPr lang="en-US" sz="2400" dirty="0"/>
+              <a:t> help find the reasoning behind answer</a:t>
+            </a:r>
+          </a:p>
+          <a:p>
+            <a:pPr marL="800100" lvl="1" indent="-342900" algn="just">
+              <a:buFont typeface="Arial" panose="020B0604020202020204" pitchFamily="34" charset="0"/>
+              <a:buChar char="•"/>
+            </a:pPr>
+            <a:r>
+              <a:rPr lang="en-US" sz="2400" dirty="0"/>
+              <a:t>Answers can have </a:t>
+            </a:r>
+            <a:r>
+              <a:rPr lang="en-US" sz="2400" dirty="0">
+                <a:solidFill>
+                  <a:srgbClr val="FF0000"/>
+                </a:solidFill>
+              </a:rPr>
+              <a:t>multiple justifications</a:t>
+            </a:r>
+          </a:p>
+          <a:p>
+            <a:pPr marL="800100" lvl="1" indent="-342900" algn="just">
+              <a:buFont typeface="Arial" panose="020B0604020202020204" pitchFamily="34" charset="0"/>
+              <a:buChar char="•"/>
+            </a:pPr>
+            <a:r>
+              <a:rPr lang="en-US" sz="2400" dirty="0"/>
+              <a:t>Possible due to </a:t>
+            </a:r>
+            <a:r>
+              <a:rPr lang="en-US" sz="2400" dirty="0">
+                <a:solidFill>
+                  <a:srgbClr val="FF0000"/>
+                </a:solidFill>
+              </a:rPr>
+              <a:t>s(ASP)</a:t>
+            </a:r>
+          </a:p>
+        </p:txBody>
+      </p:sp>
+      <p:sp>
+        <p:nvSpPr>
+          <p:cNvPr id="7" name="Rectangle 6">
+            <a:extLst>
+              <a:ext uri="{FF2B5EF4-FFF2-40B4-BE49-F238E27FC236}">
+                <a16:creationId xmlns:a16="http://schemas.microsoft.com/office/drawing/2014/main" id="{2B84BBFB-C1EC-478F-8E81-7685A0B691C6}"/>
+              </a:ext>
+            </a:extLst>
+          </p:cNvPr>
+          <p:cNvSpPr/>
+          <p:nvPr/>
+        </p:nvSpPr>
+        <p:spPr>
+          <a:xfrm>
+            <a:off x="0" y="0"/>
+            <a:ext cx="12192000" cy="1311965"/>
+          </a:xfrm>
+          <a:prstGeom prst="rect">
+            <a:avLst/>
+          </a:prstGeom>
+        </p:spPr>
+        <p:style>
+          <a:lnRef idx="2">
+            <a:schemeClr val="dk1">
+              <a:shade val="50000"/>
+            </a:schemeClr>
+          </a:lnRef>
+          <a:fillRef idx="1">
+            <a:schemeClr val="dk1"/>
+          </a:fillRef>
+          <a:effectRef idx="0">
+            <a:schemeClr val="dk1"/>
+          </a:effectRef>
+          <a:fontRef idx="minor">
+            <a:schemeClr val="lt1"/>
+          </a:fontRef>
+        </p:style>
+        <p:txBody>
+          <a:bodyPr rtlCol="0" anchor="ctr"/>
+          <a:lstStyle/>
+          <a:p>
+            <a:pPr algn="ctr"/>
+            <a:endParaRPr lang="en-US" dirty="0"/>
+          </a:p>
+        </p:txBody>
+      </p:sp>
+      <p:sp>
+        <p:nvSpPr>
+          <p:cNvPr id="9" name="TextBox 8">
+            <a:extLst>
+              <a:ext uri="{FF2B5EF4-FFF2-40B4-BE49-F238E27FC236}">
+                <a16:creationId xmlns:a16="http://schemas.microsoft.com/office/drawing/2014/main" id="{7F0CAA4B-E205-452A-A063-24223A8717CE}"/>
+              </a:ext>
+            </a:extLst>
+          </p:cNvPr>
+          <p:cNvSpPr txBox="1"/>
+          <p:nvPr/>
+        </p:nvSpPr>
+        <p:spPr>
+          <a:xfrm>
+            <a:off x="4541560" y="332816"/>
+            <a:ext cx="3108879" cy="646331"/>
+          </a:xfrm>
+          <a:prstGeom prst="rect">
+            <a:avLst/>
+          </a:prstGeom>
+          <a:noFill/>
+        </p:spPr>
+        <p:txBody>
+          <a:bodyPr wrap="square" rtlCol="0">
+            <a:spAutoFit/>
+          </a:bodyPr>
+          <a:lstStyle/>
+          <a:p>
+            <a:pPr algn="ctr"/>
+            <a:r>
+              <a:rPr lang="en-US" sz="3600" dirty="0">
+                <a:ln w="0"/>
+                <a:solidFill>
+                  <a:schemeClr val="bg1"/>
+                </a:solidFill>
+              </a:rPr>
               <a:t>Contributions</a:t>
             </a:r>
           </a:p>
@@ -4818,7 +6201,7 @@
 </p:sld>
 </file>
 
-<file path=ppt/slides/slide103.xml><?xml version="1.0" encoding="utf-8"?>
+<file path=ppt/slides/slide108.xml><?xml version="1.0" encoding="utf-8"?>
 <p:sld xmlns:a="http://schemas.openxmlformats.org/drawingml/2006/main" xmlns:r="http://schemas.openxmlformats.org/officeDocument/2006/relationships" xmlns:p="http://schemas.openxmlformats.org/presentationml/2006/main">
   <p:cSld>
     <p:spTree>
@@ -41857,6 +43240,49 @@
           </a:fontRef>
         </p:style>
       </p:cxnSp>
+      <p:sp>
+        <p:nvSpPr>
+          <p:cNvPr id="12" name="Rectangle 11">
+            <a:extLst>
+              <a:ext uri="{FF2B5EF4-FFF2-40B4-BE49-F238E27FC236}">
+                <a16:creationId xmlns:a16="http://schemas.microsoft.com/office/drawing/2014/main" id="{AC2171AD-64EF-4397-8FA3-87A59E40CB6A}"/>
+              </a:ext>
+            </a:extLst>
+          </p:cNvPr>
+          <p:cNvSpPr/>
+          <p:nvPr/>
+        </p:nvSpPr>
+        <p:spPr>
+          <a:xfrm>
+            <a:off x="428378" y="5341735"/>
+            <a:ext cx="3787255" cy="461665"/>
+          </a:xfrm>
+          <a:prstGeom prst="rect">
+            <a:avLst/>
+          </a:prstGeom>
+        </p:spPr>
+        <p:txBody>
+          <a:bodyPr wrap="none">
+            <a:spAutoFit/>
+          </a:bodyPr>
+          <a:lstStyle/>
+          <a:p>
+            <a:r>
+              <a:rPr lang="en-US" sz="2400" i="1" dirty="0">
+                <a:solidFill>
+                  <a:srgbClr val="FF0000"/>
+                </a:solidFill>
+              </a:rPr>
+              <a:t>answer(nikola_tesla, certain)</a:t>
+            </a:r>
+            <a:endParaRPr lang="en-US" sz="2400" dirty="0">
+              <a:solidFill>
+                <a:srgbClr val="FF0000"/>
+              </a:solidFill>
+            </a:endParaRPr>
+          </a:p>
+        </p:txBody>
+      </p:sp>
     </p:spTree>
     <p:extLst>
       <p:ext uri="{BB962C8B-B14F-4D97-AF65-F5344CB8AC3E}">
@@ -42174,6 +43600,59 @@
                       </p:childTnLst>
                     </p:cTn>
                   </p:par>
+                  <p:par>
+                    <p:cTn id="30" fill="hold">
+                      <p:stCondLst>
+                        <p:cond delay="indefinite"/>
+                      </p:stCondLst>
+                      <p:childTnLst>
+                        <p:par>
+                          <p:cTn id="31" fill="hold">
+                            <p:stCondLst>
+                              <p:cond delay="0"/>
+                            </p:stCondLst>
+                            <p:childTnLst>
+                              <p:par>
+                                <p:cTn id="32" presetID="10" presetClass="entr" presetSubtype="0" fill="hold" grpId="0" nodeType="clickEffect">
+                                  <p:stCondLst>
+                                    <p:cond delay="0"/>
+                                  </p:stCondLst>
+                                  <p:childTnLst>
+                                    <p:set>
+                                      <p:cBhvr>
+                                        <p:cTn id="33" dur="1" fill="hold">
+                                          <p:stCondLst>
+                                            <p:cond delay="0"/>
+                                          </p:stCondLst>
+                                        </p:cTn>
+                                        <p:tgtEl>
+                                          <p:spTgt spid="12"/>
+                                        </p:tgtEl>
+                                        <p:attrNameLst>
+                                          <p:attrName>style.visibility</p:attrName>
+                                        </p:attrNameLst>
+                                      </p:cBhvr>
+                                      <p:to>
+                                        <p:strVal val="visible"/>
+                                      </p:to>
+                                    </p:set>
+                                    <p:animEffect transition="in" filter="fade">
+                                      <p:cBhvr>
+                                        <p:cTn id="34" dur="500"/>
+                                        <p:tgtEl>
+                                          <p:spTgt spid="12"/>
+                                        </p:tgtEl>
+                                      </p:cBhvr>
+                                    </p:animEffect>
+                                  </p:childTnLst>
+                                </p:cTn>
+                              </p:par>
+                            </p:childTnLst>
+                          </p:cTn>
+                        </p:par>
+                      </p:childTnLst>
+                    </p:cTn>
+                  </p:par>
                 </p:childTnLst>
               </p:cTn>
               <p:prevCondLst>
@@ -42201,6 +43680,7 @@
       <p:bldP spid="14" grpId="0"/>
       <p:bldP spid="4" grpId="0" animBg="1"/>
       <p:bldP spid="18" grpId="0" animBg="1"/>
+      <p:bldP spid="12" grpId="0"/>
     </p:bldLst>
   </p:timing>
 </p:sld>
@@ -42817,6 +44297,49 @@
           </a:fontRef>
         </p:style>
       </p:cxnSp>
+      <p:sp>
+        <p:nvSpPr>
+          <p:cNvPr id="15" name="Rectangle 14">
+            <a:extLst>
+              <a:ext uri="{FF2B5EF4-FFF2-40B4-BE49-F238E27FC236}">
+                <a16:creationId xmlns:a16="http://schemas.microsoft.com/office/drawing/2014/main" id="{AB796975-AEA8-43B0-816B-B31E7F03EBC2}"/>
+              </a:ext>
+            </a:extLst>
+          </p:cNvPr>
+          <p:cNvSpPr/>
+          <p:nvPr/>
+        </p:nvSpPr>
+        <p:spPr>
+          <a:xfrm>
+            <a:off x="450376" y="6091323"/>
+            <a:ext cx="3547574" cy="461665"/>
+          </a:xfrm>
+          <a:prstGeom prst="rect">
+            <a:avLst/>
+          </a:prstGeom>
+        </p:spPr>
+        <p:txBody>
+          <a:bodyPr wrap="none">
+            <a:spAutoFit/>
+          </a:bodyPr>
+          <a:lstStyle/>
+          <a:p>
+            <a:r>
+              <a:rPr lang="en-US" sz="2400" i="1" dirty="0">
+                <a:solidFill>
+                  <a:srgbClr val="FF0000"/>
+                </a:solidFill>
+              </a:rPr>
+              <a:t>answer(nikola_tesla, likely)</a:t>
+            </a:r>
+            <a:endParaRPr lang="en-US" sz="2400" dirty="0">
+              <a:solidFill>
+                <a:srgbClr val="FF0000"/>
+              </a:solidFill>
+            </a:endParaRPr>
+          </a:p>
+        </p:txBody>
+      </p:sp>
     </p:spTree>
     <p:extLst>
       <p:ext uri="{BB962C8B-B14F-4D97-AF65-F5344CB8AC3E}">
@@ -43257,6 +44780,59 @@
                       </p:childTnLst>
                     </p:cTn>
                   </p:par>
+                  <p:par>
+                    <p:cTn id="41" fill="hold">
+                      <p:stCondLst>
+                        <p:cond delay="indefinite"/>
+                      </p:stCondLst>
+                      <p:childTnLst>
+                        <p:par>
+                          <p:cTn id="42" fill="hold">
+                            <p:stCondLst>
+                              <p:cond delay="0"/>
+                            </p:stCondLst>
+                            <p:childTnLst>
+                              <p:par>
+                                <p:cTn id="43" presetID="10" presetClass="entr" presetSubtype="0" fill="hold" grpId="0" nodeType="clickEffect">
+                                  <p:stCondLst>
+                                    <p:cond delay="0"/>
+                                  </p:stCondLst>
+                                  <p:childTnLst>
+                                    <p:set>
+                                      <p:cBhvr>
+                                        <p:cTn id="44" dur="1" fill="hold">
+                                          <p:stCondLst>
+                                            <p:cond delay="0"/>
+                                          </p:stCondLst>
+                                        </p:cTn>
+                                        <p:tgtEl>
+                                          <p:spTgt spid="15"/>
+                                        </p:tgtEl>
+                                        <p:attrNameLst>
+                                          <p:attrName>style.visibility</p:attrName>
+                                        </p:attrNameLst>
+                                      </p:cBhvr>
+                                      <p:to>
+                                        <p:strVal val="visible"/>
+                                      </p:to>
+                                    </p:set>
+                                    <p:animEffect transition="in" filter="fade">
+                                      <p:cBhvr>
+                                        <p:cTn id="45" dur="500"/>
+                                        <p:tgtEl>
+                                          <p:spTgt spid="15"/>
+                                        </p:tgtEl>
+                                      </p:cBhvr>
+                                    </p:animEffect>
+                                  </p:childTnLst>
+                                </p:cTn>
+                              </p:par>
+                            </p:childTnLst>
+                          </p:cTn>
+                        </p:par>
+                      </p:childTnLst>
+                    </p:cTn>
+                  </p:par>
                 </p:childTnLst>
               </p:cTn>
               <p:prevCondLst>
@@ -43286,6 +44862,7 @@
       <p:bldP spid="18" grpId="0" animBg="1"/>
       <p:bldP spid="23" grpId="0"/>
       <p:bldP spid="24" grpId="0" animBg="1"/>
+      <p:bldP spid="15" grpId="0"/>
     </p:bldLst>
   </p:timing>
 </p:sld>
@@ -43762,6 +45339,49 @@
           </a:fontRef>
         </p:style>
       </p:cxnSp>
+      <p:sp>
+        <p:nvSpPr>
+          <p:cNvPr id="12" name="Rectangle 11">
+            <a:extLst>
+              <a:ext uri="{FF2B5EF4-FFF2-40B4-BE49-F238E27FC236}">
+                <a16:creationId xmlns:a16="http://schemas.microsoft.com/office/drawing/2014/main" id="{08B3CBC7-8593-41E7-BC29-5EE913AAF0E2}"/>
+              </a:ext>
+            </a:extLst>
+          </p:cNvPr>
+          <p:cNvSpPr/>
+          <p:nvPr/>
+        </p:nvSpPr>
+        <p:spPr>
+          <a:xfrm>
+            <a:off x="428378" y="5341735"/>
+            <a:ext cx="3626698" cy="461665"/>
+          </a:xfrm>
+          <a:prstGeom prst="rect">
+            <a:avLst/>
+          </a:prstGeom>
+        </p:spPr>
+        <p:txBody>
+          <a:bodyPr wrap="none">
+            <a:spAutoFit/>
+          </a:bodyPr>
+          <a:lstStyle/>
+          <a:p>
+            <a:r>
+              <a:rPr lang="en-US" sz="2400" i="1" dirty="0">
+                <a:solidFill>
+                  <a:srgbClr val="FF0000"/>
+                </a:solidFill>
+              </a:rPr>
+              <a:t>answer(nikola_tesla, guess)</a:t>
+            </a:r>
+            <a:endParaRPr lang="en-US" sz="2400" dirty="0">
+              <a:solidFill>
+                <a:srgbClr val="FF0000"/>
+              </a:solidFill>
+            </a:endParaRPr>
+          </a:p>
+        </p:txBody>
+      </p:sp>
     </p:spTree>
     <p:extLst>
       <p:ext uri="{BB962C8B-B14F-4D97-AF65-F5344CB8AC3E}">
@@ -44079,6 +45699,59 @@
                       </p:childTnLst>
                     </p:cTn>
                   </p:par>
+                  <p:par>
+                    <p:cTn id="30" fill="hold">
+                      <p:stCondLst>
+                        <p:cond delay="indefinite"/>
+                      </p:stCondLst>
+                      <p:childTnLst>
+                        <p:par>
+                          <p:cTn id="31" fill="hold">
+                            <p:stCondLst>
+                              <p:cond delay="0"/>
+                            </p:stCondLst>
+                            <p:childTnLst>
+                              <p:par>
+                                <p:cTn id="32" presetID="10" presetClass="entr" presetSubtype="0" fill="hold" grpId="0" nodeType="clickEffect">
+                                  <p:stCondLst>
+                                    <p:cond delay="0"/>
+                                  </p:stCondLst>
+                                  <p:childTnLst>
+                                    <p:set>
+                                      <p:cBhvr>
+                                        <p:cTn id="33" dur="1" fill="hold">
+                                          <p:stCondLst>
+                                            <p:cond delay="0"/>
+                                          </p:stCondLst>
+                                        </p:cTn>
+                                        <p:tgtEl>
+                                          <p:spTgt spid="12"/>
+                                        </p:tgtEl>
+                                        <p:attrNameLst>
+                                          <p:attrName>style.visibility</p:attrName>
+                                        </p:attrNameLst>
+                                      </p:cBhvr>
+                                      <p:to>
+                                        <p:strVal val="visible"/>
+                                      </p:to>
+                                    </p:set>
+                                    <p:animEffect transition="in" filter="fade">
+                                      <p:cBhvr>
+                                        <p:cTn id="34" dur="500"/>
+                                        <p:tgtEl>
+                                          <p:spTgt spid="12"/>
+                                        </p:tgtEl>
+                                      </p:cBhvr>
+                                    </p:animEffect>
+                                  </p:childTnLst>
+                                </p:cTn>
+                              </p:par>
+                            </p:childTnLst>
+                          </p:cTn>
+                        </p:par>
+                      </p:childTnLst>
+                    </p:cTn>
+                  </p:par>
                 </p:childTnLst>
               </p:cTn>
               <p:prevCondLst>
@@ -44106,6 +45779,7 @@
       <p:bldP spid="14" grpId="0"/>
       <p:bldP spid="4" grpId="0" animBg="1"/>
       <p:bldP spid="18" grpId="0" animBg="1"/>
+      <p:bldP spid="12" grpId="0"/>
     </p:bldLst>
   </p:timing>
 </p:sld>
@@ -44349,7 +46023,7 @@
         <p:spPr>
           <a:xfrm>
             <a:off x="556588" y="4346858"/>
-            <a:ext cx="6467063" cy="2031325"/>
+            <a:ext cx="6467063" cy="1754326"/>
           </a:xfrm>
           <a:prstGeom prst="rect">
             <a:avLst/>
@@ -44391,12 +46065,6 @@
             <a:r>
               <a:rPr lang="en-US" dirty="0"/>
               <a:t>Q4. What is the NFL short for?</a:t>
-            </a:r>
-          </a:p>
-          <a:p>
-            <a:r>
-              <a:rPr lang="en-US" dirty="0"/>
-              <a:t>Q5. Who won Super Bowl 50?</a:t>
             </a:r>
           </a:p>
         </p:txBody>
@@ -46001,84 +47669,103 @@
       </p:grpSpPr>
       <p:sp>
         <p:nvSpPr>
-          <p:cNvPr id="3" name="TextBox 2">
-            <a:extLst>
-              <a:ext uri="{FF2B5EF4-FFF2-40B4-BE49-F238E27FC236}">
-                <a16:creationId xmlns:a16="http://schemas.microsoft.com/office/drawing/2014/main" id="{1980B4EC-4697-4B4F-87E9-C0E68B2BB033}"/>
-              </a:ext>
-            </a:extLst>
-          </p:cNvPr>
-          <p:cNvSpPr txBox="1"/>
-          <p:nvPr/>
-        </p:nvSpPr>
-        <p:spPr>
-          <a:xfrm>
-            <a:off x="3838210" y="2519929"/>
-            <a:ext cx="4515579" cy="923330"/>
-          </a:xfrm>
-          <a:prstGeom prst="rect">
-            <a:avLst/>
-          </a:prstGeom>
-          <a:noFill/>
-        </p:spPr>
-        <p:txBody>
-          <a:bodyPr wrap="square" rtlCol="0">
+          <p:cNvPr id="5" name="Rectangle 4">
+            <a:extLst>
+              <a:ext uri="{FF2B5EF4-FFF2-40B4-BE49-F238E27FC236}">
+                <a16:creationId xmlns:a16="http://schemas.microsoft.com/office/drawing/2014/main" id="{4FDB0B06-F270-4F00-8383-EB0ABF97EF01}"/>
+              </a:ext>
+            </a:extLst>
+          </p:cNvPr>
+          <p:cNvSpPr/>
+          <p:nvPr/>
+        </p:nvSpPr>
+        <p:spPr>
+          <a:xfrm>
+            <a:off x="556589" y="1542797"/>
+            <a:ext cx="11078818" cy="1107996"/>
+          </a:xfrm>
+          <a:prstGeom prst="rect">
+            <a:avLst/>
+          </a:prstGeom>
+        </p:spPr>
+        <p:txBody>
+          <a:bodyPr wrap="square">
             <a:spAutoFit/>
           </a:bodyPr>
           <a:lstStyle/>
           <a:p>
-            <a:pPr algn="ctr"/>
-            <a:r>
-              <a:rPr lang="en-US" sz="5400" dirty="0">
-                <a:ln w="0"/>
-              </a:rPr>
-              <a:t>Hurdles</a:t>
-            </a:r>
-          </a:p>
-        </p:txBody>
-      </p:sp>
-      <p:cxnSp>
-        <p:nvCxnSpPr>
-          <p:cNvPr id="8" name="Straight Connector 7">
-            <a:extLst>
-              <a:ext uri="{FF2B5EF4-FFF2-40B4-BE49-F238E27FC236}">
-                <a16:creationId xmlns:a16="http://schemas.microsoft.com/office/drawing/2014/main" id="{1246DA07-DFD8-496C-BB69-FD95668F7C67}"/>
-              </a:ext>
-            </a:extLst>
-          </p:cNvPr>
-          <p:cNvCxnSpPr/>
-          <p:nvPr/>
-        </p:nvCxnSpPr>
-        <p:spPr>
-          <a:xfrm>
-            <a:off x="3670852" y="3429000"/>
-            <a:ext cx="4611756" cy="0"/>
-          </a:xfrm>
-          <a:prstGeom prst="line">
+            <a:pPr algn="just"/>
+            <a:r>
+              <a:rPr lang="en-US" sz="2200" i="1" dirty="0"/>
+              <a:t>“Super Bowl 50 was an American football game. … The </a:t>
+            </a:r>
+            <a:r>
+              <a:rPr lang="en-US" sz="2200" i="1" dirty="0">
+                <a:solidFill>
+                  <a:srgbClr val="FF0000"/>
+                </a:solidFill>
+              </a:rPr>
+              <a:t>American Football Conference's (AFC) team, Denver Broncos</a:t>
+            </a:r>
+            <a:r>
+              <a:rPr lang="en-US" sz="2200" i="1" dirty="0"/>
+              <a:t>, defeated the National Football Conference's (NFC) team, Carolina Panthers, by 24 10 to earn AFC third Super Bowl title….”</a:t>
+            </a:r>
+          </a:p>
+        </p:txBody>
+      </p:sp>
+      <p:sp>
+        <p:nvSpPr>
+          <p:cNvPr id="7" name="Rectangle 6">
+            <a:extLst>
+              <a:ext uri="{FF2B5EF4-FFF2-40B4-BE49-F238E27FC236}">
+                <a16:creationId xmlns:a16="http://schemas.microsoft.com/office/drawing/2014/main" id="{2B84BBFB-C1EC-478F-8E81-7685A0B691C6}"/>
+              </a:ext>
+            </a:extLst>
+          </p:cNvPr>
+          <p:cNvSpPr/>
+          <p:nvPr/>
+        </p:nvSpPr>
+        <p:spPr>
+          <a:xfrm>
+            <a:off x="0" y="0"/>
+            <a:ext cx="12192000" cy="1311965"/>
+          </a:xfrm>
+          <a:prstGeom prst="rect">
             <a:avLst/>
           </a:prstGeom>
         </p:spPr>
         <p:style>
-          <a:lnRef idx="1">
-            <a:schemeClr val="dk1"/>
+          <a:lnRef idx="2">
+            <a:schemeClr val="dk1">
+              <a:shade val="50000"/>
+            </a:schemeClr>
           </a:lnRef>
-          <a:fillRef idx="0">
+          <a:fillRef idx="1">
             <a:schemeClr val="dk1"/>
           </a:fillRef>
           <a:effectRef idx="0">
             <a:schemeClr val="dk1"/>
           </a:effectRef>
           <a:fontRef idx="minor">
-            <a:schemeClr val="tx1"/>
+            <a:schemeClr val="lt1"/>
           </a:fontRef>
         </p:style>
-      </p:cxnSp>
-      <p:sp>
-        <p:nvSpPr>
-          <p:cNvPr id="4" name="TextBox 3">
-            <a:extLst>
-              <a:ext uri="{FF2B5EF4-FFF2-40B4-BE49-F238E27FC236}">
-                <a16:creationId xmlns:a16="http://schemas.microsoft.com/office/drawing/2014/main" id="{6BFEE7AA-B53C-40A1-BA09-1E3192229B2B}"/>
+        <p:txBody>
+          <a:bodyPr rtlCol="0" anchor="ctr"/>
+          <a:lstStyle/>
+          <a:p>
+            <a:pPr algn="ctr"/>
+            <a:endParaRPr lang="en-US" dirty="0"/>
+          </a:p>
+        </p:txBody>
+      </p:sp>
+      <p:sp>
+        <p:nvSpPr>
+          <p:cNvPr id="9" name="TextBox 8">
+            <a:extLst>
+              <a:ext uri="{FF2B5EF4-FFF2-40B4-BE49-F238E27FC236}">
+                <a16:creationId xmlns:a16="http://schemas.microsoft.com/office/drawing/2014/main" id="{7F0CAA4B-E205-452A-A063-24223A8717CE}"/>
               </a:ext>
             </a:extLst>
           </p:cNvPr>
@@ -46087,8 +47774,8 @@
         </p:nvSpPr>
         <p:spPr>
           <a:xfrm>
-            <a:off x="4138270" y="3443259"/>
-            <a:ext cx="4125404" cy="461665"/>
+            <a:off x="4537625" y="332816"/>
+            <a:ext cx="3116747" cy="646331"/>
           </a:xfrm>
           <a:prstGeom prst="rect">
             <a:avLst/>
@@ -46101,9 +47788,159 @@
           </a:bodyPr>
           <a:lstStyle/>
           <a:p>
-            <a:r>
-              <a:rPr lang="en-US" sz="2400" dirty="0"/>
-              <a:t>What were the challenges?</a:t>
+            <a:pPr algn="ctr"/>
+            <a:r>
+              <a:rPr lang="en-US" sz="3600" dirty="0">
+                <a:ln w="0"/>
+                <a:solidFill>
+                  <a:schemeClr val="bg1"/>
+                </a:solidFill>
+              </a:rPr>
+              <a:t>Super Bowl 50</a:t>
+            </a:r>
+          </a:p>
+        </p:txBody>
+      </p:sp>
+      <p:sp>
+        <p:nvSpPr>
+          <p:cNvPr id="2" name="Rectangle 1">
+            <a:extLst>
+              <a:ext uri="{FF2B5EF4-FFF2-40B4-BE49-F238E27FC236}">
+                <a16:creationId xmlns:a16="http://schemas.microsoft.com/office/drawing/2014/main" id="{8BEE3AE4-A5F7-45B2-9701-803F7279D7C5}"/>
+              </a:ext>
+            </a:extLst>
+          </p:cNvPr>
+          <p:cNvSpPr/>
+          <p:nvPr/>
+        </p:nvSpPr>
+        <p:spPr>
+          <a:xfrm>
+            <a:off x="556588" y="2764757"/>
+            <a:ext cx="7097784" cy="430887"/>
+          </a:xfrm>
+          <a:prstGeom prst="rect">
+            <a:avLst/>
+          </a:prstGeom>
+        </p:spPr>
+        <p:txBody>
+          <a:bodyPr wrap="square">
+            <a:spAutoFit/>
+          </a:bodyPr>
+          <a:lstStyle/>
+          <a:p>
+            <a:r>
+              <a:rPr lang="en-US" sz="2200" dirty="0"/>
+              <a:t>Q1. Which NFL team represented the AFC at Super Bowl 50?</a:t>
+            </a:r>
+          </a:p>
+        </p:txBody>
+      </p:sp>
+      <p:sp>
+        <p:nvSpPr>
+          <p:cNvPr id="29" name="Rectangle 28">
+            <a:extLst>
+              <a:ext uri="{FF2B5EF4-FFF2-40B4-BE49-F238E27FC236}">
+                <a16:creationId xmlns:a16="http://schemas.microsoft.com/office/drawing/2014/main" id="{21EB3757-43A8-4874-945A-DC84819E1B0C}"/>
+              </a:ext>
+            </a:extLst>
+          </p:cNvPr>
+          <p:cNvSpPr/>
+          <p:nvPr/>
+        </p:nvSpPr>
+        <p:spPr>
+          <a:xfrm>
+            <a:off x="556587" y="3309608"/>
+            <a:ext cx="10124665" cy="2123658"/>
+          </a:xfrm>
+          <a:prstGeom prst="rect">
+            <a:avLst/>
+          </a:prstGeom>
+        </p:spPr>
+        <p:txBody>
+          <a:bodyPr wrap="square">
+            <a:spAutoFit/>
+          </a:bodyPr>
+          <a:lstStyle/>
+          <a:p>
+            <a:pPr marL="342900" indent="-342900">
+              <a:buFont typeface="Arial" panose="020B0604020202020204" pitchFamily="34" charset="0"/>
+              <a:buChar char="•"/>
+            </a:pPr>
+            <a:r>
+              <a:rPr lang="en-US" sz="2200" dirty="0"/>
+              <a:t>In the passage we do not have the term </a:t>
+            </a:r>
+            <a:r>
+              <a:rPr lang="en-US" sz="2200" dirty="0">
+                <a:solidFill>
+                  <a:srgbClr val="FF0000"/>
+                </a:solidFill>
+              </a:rPr>
+              <a:t>‘represented’</a:t>
+            </a:r>
+            <a:r>
+              <a:rPr lang="en-US" sz="2200" dirty="0"/>
+              <a:t>, so we need to help the system </a:t>
+            </a:r>
+            <a:r>
+              <a:rPr lang="en-US" sz="2200" dirty="0">
+                <a:solidFill>
+                  <a:srgbClr val="FF0000"/>
+                </a:solidFill>
+              </a:rPr>
+              <a:t>understand</a:t>
+            </a:r>
+            <a:r>
+              <a:rPr lang="en-US" sz="2200" dirty="0"/>
+              <a:t> it.</a:t>
+            </a:r>
+          </a:p>
+          <a:p>
+            <a:pPr marL="342900" indent="-342900">
+              <a:buFont typeface="Arial" panose="020B0604020202020204" pitchFamily="34" charset="0"/>
+              <a:buChar char="•"/>
+            </a:pPr>
+            <a:r>
+              <a:rPr lang="en-US" sz="2200" dirty="0"/>
+              <a:t>Here, can define the term representation as </a:t>
+            </a:r>
+          </a:p>
+          <a:p>
+            <a:r>
+              <a:rPr lang="en-US" sz="2200" i="1" dirty="0">
+                <a:solidFill>
+                  <a:schemeClr val="accent1">
+                    <a:lumMod val="50000"/>
+                  </a:schemeClr>
+                </a:solidFill>
+              </a:rPr>
+              <a:t>	[A team can represent an organization if the organization possesses the team]</a:t>
+            </a:r>
+          </a:p>
+          <a:p>
+            <a:pPr marL="342900" indent="-342900">
+              <a:buFont typeface="Arial" panose="020B0604020202020204" pitchFamily="34" charset="0"/>
+              <a:buChar char="•"/>
+            </a:pPr>
+            <a:r>
+              <a:rPr lang="en-US" sz="2200" dirty="0"/>
+              <a:t>This can be modelled as follows</a:t>
+            </a:r>
+          </a:p>
+          <a:p>
+            <a:r>
+              <a:rPr lang="en-US" sz="2200" dirty="0"/>
+              <a:t>	</a:t>
+            </a:r>
+            <a:r>
+              <a:rPr lang="en-US" sz="2200" i="1" dirty="0">
+                <a:solidFill>
+                  <a:schemeClr val="accent1">
+                    <a:lumMod val="50000"/>
+                  </a:schemeClr>
+                </a:solidFill>
+              </a:rPr>
+              <a:t>event(E, represent, X, Y) :- _possess(Y, X), organization(Y), team(X).</a:t>
             </a:r>
           </a:p>
         </p:txBody>
@@ -46111,7 +47948,7 @@
     </p:spTree>
     <p:extLst>
       <p:ext uri="{BB962C8B-B14F-4D97-AF65-F5344CB8AC3E}">
-        <p14:creationId xmlns:p14="http://schemas.microsoft.com/office/powerpoint/2010/main" val="484564978"/>
+        <p14:creationId xmlns:p14="http://schemas.microsoft.com/office/powerpoint/2010/main" val="3694336294"/>
       </p:ext>
     </p:extLst>
   </p:cSld>
@@ -46152,8 +47989,8 @@
         </p:nvSpPr>
         <p:spPr>
           <a:xfrm>
-            <a:off x="390937" y="1790555"/>
-            <a:ext cx="11085446" cy="1938992"/>
+            <a:off x="556589" y="1542797"/>
+            <a:ext cx="11078818" cy="1107996"/>
           </a:xfrm>
           <a:prstGeom prst="rect">
             <a:avLst/>
@@ -46165,74 +48002,22 @@
           </a:bodyPr>
           <a:lstStyle/>
           <a:p>
-            <a:pPr marL="457200" indent="-457200" algn="just">
-              <a:buAutoNum type="arabicPeriod"/>
-            </a:pPr>
-            <a:r>
-              <a:rPr lang="en-US" sz="2400" b="1" dirty="0"/>
-              <a:t>Accuracy of NLP Tools</a:t>
-            </a:r>
-          </a:p>
-          <a:p>
-            <a:pPr marL="800100" lvl="1" indent="-342900" algn="just">
-              <a:buFont typeface="Arial" panose="020B0604020202020204" pitchFamily="34" charset="0"/>
-              <a:buChar char="•"/>
-            </a:pPr>
-            <a:r>
-              <a:rPr lang="en-US" sz="2400" dirty="0"/>
-              <a:t>Some sentences are </a:t>
-            </a:r>
-            <a:r>
-              <a:rPr lang="en-US" sz="2400" dirty="0">
+            <a:pPr algn="just"/>
+            <a:r>
+              <a:rPr lang="en-US" sz="2200" i="1" dirty="0"/>
+              <a:t>“Super Bowl 50 was an American football game. … The </a:t>
+            </a:r>
+            <a:r>
+              <a:rPr lang="en-US" sz="2200" i="1" dirty="0">
                 <a:solidFill>
                   <a:srgbClr val="FF0000"/>
                 </a:solidFill>
               </a:rPr>
-              <a:t>parsed incorrectly</a:t>
-            </a:r>
-          </a:p>
-          <a:p>
-            <a:pPr marL="800100" lvl="1" indent="-342900" algn="just">
-              <a:buFont typeface="Arial" panose="020B0604020202020204" pitchFamily="34" charset="0"/>
-              <a:buChar char="•"/>
-            </a:pPr>
-            <a:r>
-              <a:rPr lang="en-US" sz="2400" dirty="0"/>
-              <a:t>Some words are </a:t>
-            </a:r>
-            <a:r>
-              <a:rPr lang="en-US" sz="2400" dirty="0">
-                <a:solidFill>
-                  <a:srgbClr val="FF0000"/>
-                </a:solidFill>
-              </a:rPr>
-              <a:t>mis-tagged </a:t>
-            </a:r>
-            <a:r>
-              <a:rPr lang="en-US" sz="2400" dirty="0"/>
-              <a:t>due to multiple possible POS Tags</a:t>
-            </a:r>
-          </a:p>
-          <a:p>
-            <a:pPr marL="800100" lvl="1" indent="-342900" algn="just">
-              <a:buFont typeface="Arial" panose="020B0604020202020204" pitchFamily="34" charset="0"/>
-              <a:buChar char="•"/>
-            </a:pPr>
-            <a:r>
-              <a:rPr lang="en-US" sz="2400" dirty="0"/>
-              <a:t>System tries to solve this with the use of </a:t>
-            </a:r>
-            <a:r>
-              <a:rPr lang="en-US" sz="2400" dirty="0">
-                <a:solidFill>
-                  <a:srgbClr val="FF0000"/>
-                </a:solidFill>
-              </a:rPr>
-              <a:t>multiple tools </a:t>
-            </a:r>
-            <a:r>
-              <a:rPr lang="en-US" sz="2400" dirty="0"/>
-              <a:t>i.e. also using tools having higher semantic information.</a:t>
+              <a:t>American Football Conference's (AFC) team, Denver Broncos</a:t>
+            </a:r>
+            <a:r>
+              <a:rPr lang="en-US" sz="2200" i="1" dirty="0"/>
+              <a:t>, defeated the National Football Conference's (NFC) team, Carolina Panthers, by 24 10 to earn AFC third Super Bowl title….”</a:t>
             </a:r>
           </a:p>
         </p:txBody>
@@ -46297,8 +48082,8 @@
         </p:nvSpPr>
         <p:spPr>
           <a:xfrm>
-            <a:off x="4541560" y="332816"/>
-            <a:ext cx="3108879" cy="646331"/>
+            <a:off x="4537625" y="332816"/>
+            <a:ext cx="3116747" cy="646331"/>
           </a:xfrm>
           <a:prstGeom prst="rect">
             <a:avLst/>
@@ -46319,17 +48104,17 @@
                   <a:schemeClr val="bg1"/>
                 </a:solidFill>
               </a:rPr>
-              <a:t>Hurdles</a:t>
-            </a:r>
-          </a:p>
-        </p:txBody>
-      </p:sp>
-      <p:sp>
-        <p:nvSpPr>
-          <p:cNvPr id="8" name="Rectangle 7">
-            <a:extLst>
-              <a:ext uri="{FF2B5EF4-FFF2-40B4-BE49-F238E27FC236}">
-                <a16:creationId xmlns:a16="http://schemas.microsoft.com/office/drawing/2014/main" id="{20D06865-0810-4A4C-8F58-BE8C7E0AD5E1}"/>
+              <a:t>Super Bowl 50</a:t>
+            </a:r>
+          </a:p>
+        </p:txBody>
+      </p:sp>
+      <p:sp>
+        <p:nvSpPr>
+          <p:cNvPr id="2" name="Rectangle 1">
+            <a:extLst>
+              <a:ext uri="{FF2B5EF4-FFF2-40B4-BE49-F238E27FC236}">
+                <a16:creationId xmlns:a16="http://schemas.microsoft.com/office/drawing/2014/main" id="{8BEE3AE4-A5F7-45B2-9701-803F7279D7C5}"/>
               </a:ext>
             </a:extLst>
           </p:cNvPr>
@@ -46338,8 +48123,8 @@
         </p:nvSpPr>
         <p:spPr>
           <a:xfrm>
-            <a:off x="390937" y="3811012"/>
-            <a:ext cx="11085446" cy="3046988"/>
+            <a:off x="556588" y="2764757"/>
+            <a:ext cx="7097784" cy="430887"/>
           </a:xfrm>
           <a:prstGeom prst="rect">
             <a:avLst/>
@@ -46351,32 +48136,669 @@
           </a:bodyPr>
           <a:lstStyle/>
           <a:p>
-            <a:pPr algn="just"/>
-            <a:r>
-              <a:rPr lang="en-US" sz="2400" b="1" dirty="0"/>
-              <a:t>2.    Use of similar words and concepts</a:t>
-            </a:r>
-          </a:p>
-          <a:p>
-            <a:pPr marL="800100" lvl="1" indent="-342900" algn="just">
-              <a:buFont typeface="Arial" panose="020B0604020202020204" pitchFamily="34" charset="0"/>
-              <a:buChar char="•"/>
+            <a:r>
+              <a:rPr lang="en-US" sz="2200" dirty="0"/>
+              <a:t>Q1. Which NFL team represented the AFC at Super Bowl 50?</a:t>
+            </a:r>
+          </a:p>
+        </p:txBody>
+      </p:sp>
+      <p:sp>
+        <p:nvSpPr>
+          <p:cNvPr id="3" name="Rectangle 2">
+            <a:extLst>
+              <a:ext uri="{FF2B5EF4-FFF2-40B4-BE49-F238E27FC236}">
+                <a16:creationId xmlns:a16="http://schemas.microsoft.com/office/drawing/2014/main" id="{E4A37FE3-372B-4A34-9DC1-F0B39FB1D758}"/>
+              </a:ext>
+            </a:extLst>
+          </p:cNvPr>
+          <p:cNvSpPr/>
+          <p:nvPr/>
+        </p:nvSpPr>
+        <p:spPr>
+          <a:xfrm>
+            <a:off x="556587" y="3309608"/>
+            <a:ext cx="6771865" cy="769441"/>
+          </a:xfrm>
+          <a:prstGeom prst="rect">
+            <a:avLst/>
+          </a:prstGeom>
+        </p:spPr>
+        <p:txBody>
+          <a:bodyPr wrap="square">
+            <a:spAutoFit/>
+          </a:bodyPr>
+          <a:lstStyle/>
+          <a:p>
+            <a:pPr>
+              <a:spcAft>
+                <a:spcPts val="600"/>
+              </a:spcAft>
             </a:pPr>
             <a:r>
-              <a:rPr lang="en-US" sz="2400" dirty="0"/>
-              <a:t>Humans use the </a:t>
-            </a:r>
+              <a:rPr lang="en-US" sz="2200" i="1" dirty="0">
+                <a:solidFill>
+                  <a:schemeClr val="accent1">
+                    <a:lumMod val="50000"/>
+                  </a:schemeClr>
+                </a:solidFill>
+              </a:rPr>
+              <a:t>event(E1, X1, represent, O1),_similar(afc, O1), _property(E1, represent, at, 'super_bowl_50'), team(X1).</a:t>
+            </a:r>
+          </a:p>
+        </p:txBody>
+      </p:sp>
+      <p:sp>
+        <p:nvSpPr>
+          <p:cNvPr id="8" name="TextBox 7">
+            <a:extLst>
+              <a:ext uri="{FF2B5EF4-FFF2-40B4-BE49-F238E27FC236}">
+                <a16:creationId xmlns:a16="http://schemas.microsoft.com/office/drawing/2014/main" id="{E61C2AFA-C4F2-45C7-973D-45F20892950C}"/>
+              </a:ext>
+            </a:extLst>
+          </p:cNvPr>
+          <p:cNvSpPr txBox="1"/>
+          <p:nvPr/>
+        </p:nvSpPr>
+        <p:spPr>
+          <a:xfrm>
+            <a:off x="8534385" y="3463497"/>
+            <a:ext cx="1232996" cy="461665"/>
+          </a:xfrm>
+          <a:prstGeom prst="rect">
+            <a:avLst/>
+          </a:prstGeom>
+          <a:solidFill>
+            <a:schemeClr val="accent6">
+              <a:lumMod val="50000"/>
+            </a:schemeClr>
+          </a:solidFill>
+          <a:ln>
+            <a:solidFill>
+              <a:schemeClr val="accent6">
+                <a:lumMod val="50000"/>
+              </a:schemeClr>
+            </a:solidFill>
+          </a:ln>
+        </p:spPr>
+        <p:txBody>
+          <a:bodyPr wrap="square" rtlCol="0">
+            <a:spAutoFit/>
+          </a:bodyPr>
+          <a:lstStyle/>
+          <a:p>
+            <a:pPr algn="ctr"/>
             <a:r>
               <a:rPr lang="en-US" sz="2400" dirty="0">
                 <a:solidFill>
+                  <a:schemeClr val="bg1"/>
+                </a:solidFill>
+              </a:rPr>
+              <a:t>Certain</a:t>
+            </a:r>
+          </a:p>
+        </p:txBody>
+      </p:sp>
+      <p:cxnSp>
+        <p:nvCxnSpPr>
+          <p:cNvPr id="10" name="Straight Arrow Connector 9">
+            <a:extLst>
+              <a:ext uri="{FF2B5EF4-FFF2-40B4-BE49-F238E27FC236}">
+                <a16:creationId xmlns:a16="http://schemas.microsoft.com/office/drawing/2014/main" id="{9C6B788F-4249-4366-8B95-A6C42E615343}"/>
+              </a:ext>
+            </a:extLst>
+          </p:cNvPr>
+          <p:cNvCxnSpPr>
+            <a:cxnSpLocks/>
+            <a:stCxn id="8" idx="1"/>
+            <a:endCxn id="11" idx="3"/>
+          </p:cNvCxnSpPr>
+          <p:nvPr/>
+        </p:nvCxnSpPr>
+        <p:spPr>
+          <a:xfrm flipH="1" flipV="1">
+            <a:off x="7654372" y="3694329"/>
+            <a:ext cx="880013" cy="1"/>
+          </a:xfrm>
+          <a:prstGeom prst="straightConnector1">
+            <a:avLst/>
+          </a:prstGeom>
+          <a:ln>
+            <a:solidFill>
+              <a:schemeClr val="accent6">
+                <a:lumMod val="50000"/>
+              </a:schemeClr>
+            </a:solidFill>
+            <a:tailEnd type="triangle"/>
+          </a:ln>
+        </p:spPr>
+        <p:style>
+          <a:lnRef idx="3">
+            <a:schemeClr val="accent6"/>
+          </a:lnRef>
+          <a:fillRef idx="0">
+            <a:schemeClr val="accent6"/>
+          </a:fillRef>
+          <a:effectRef idx="2">
+            <a:schemeClr val="accent6"/>
+          </a:effectRef>
+          <a:fontRef idx="minor">
+            <a:schemeClr val="tx1"/>
+          </a:fontRef>
+        </p:style>
+      </p:cxnSp>
+      <p:sp>
+        <p:nvSpPr>
+          <p:cNvPr id="11" name="TextBox 10">
+            <a:extLst>
+              <a:ext uri="{FF2B5EF4-FFF2-40B4-BE49-F238E27FC236}">
+                <a16:creationId xmlns:a16="http://schemas.microsoft.com/office/drawing/2014/main" id="{CBF323D9-5348-4AB5-B3F9-9971838D226D}"/>
+              </a:ext>
+            </a:extLst>
+          </p:cNvPr>
+          <p:cNvSpPr txBox="1"/>
+          <p:nvPr/>
+        </p:nvSpPr>
+        <p:spPr>
+          <a:xfrm>
+            <a:off x="7323068" y="3309608"/>
+            <a:ext cx="331304" cy="769441"/>
+          </a:xfrm>
+          <a:prstGeom prst="rect">
+            <a:avLst/>
+          </a:prstGeom>
+          <a:noFill/>
+        </p:spPr>
+        <p:txBody>
+          <a:bodyPr wrap="square" rtlCol="0">
+            <a:spAutoFit/>
+          </a:bodyPr>
+          <a:lstStyle/>
+          <a:p>
+            <a:r>
+              <a:rPr lang="en-US" sz="4400" dirty="0">
+                <a:solidFill>
+                  <a:schemeClr val="accent6">
+                    <a:lumMod val="50000"/>
+                  </a:schemeClr>
+                </a:solidFill>
+              </a:rPr>
+              <a:t>}</a:t>
+            </a:r>
+            <a:endParaRPr lang="en-US" sz="5400" dirty="0">
+              <a:solidFill>
+                <a:schemeClr val="accent6">
+                  <a:lumMod val="50000"/>
+                </a:schemeClr>
+              </a:solidFill>
+            </a:endParaRPr>
+          </a:p>
+        </p:txBody>
+      </p:sp>
+      <p:sp>
+        <p:nvSpPr>
+          <p:cNvPr id="12" name="Rectangle 11">
+            <a:extLst>
+              <a:ext uri="{FF2B5EF4-FFF2-40B4-BE49-F238E27FC236}">
+                <a16:creationId xmlns:a16="http://schemas.microsoft.com/office/drawing/2014/main" id="{0BE6EB0A-C1FE-44D3-B637-B6AACAD328B5}"/>
+              </a:ext>
+            </a:extLst>
+          </p:cNvPr>
+          <p:cNvSpPr/>
+          <p:nvPr/>
+        </p:nvSpPr>
+        <p:spPr>
+          <a:xfrm>
+            <a:off x="604203" y="5399148"/>
+            <a:ext cx="1379341" cy="430887"/>
+          </a:xfrm>
+          <a:prstGeom prst="rect">
+            <a:avLst/>
+          </a:prstGeom>
+        </p:spPr>
+        <p:txBody>
+          <a:bodyPr wrap="square">
+            <a:spAutoFit/>
+          </a:bodyPr>
+          <a:lstStyle/>
+          <a:p>
+            <a:r>
+              <a:rPr lang="en-US" sz="2200" i="1" dirty="0">
+                <a:solidFill>
+                  <a:schemeClr val="accent1">
+                    <a:lumMod val="50000"/>
+                  </a:schemeClr>
+                </a:solidFill>
+              </a:rPr>
+              <a:t>team(X1).</a:t>
+            </a:r>
+          </a:p>
+        </p:txBody>
+      </p:sp>
+      <p:sp>
+        <p:nvSpPr>
+          <p:cNvPr id="15" name="Rectangle 14">
+            <a:extLst>
+              <a:ext uri="{FF2B5EF4-FFF2-40B4-BE49-F238E27FC236}">
+                <a16:creationId xmlns:a16="http://schemas.microsoft.com/office/drawing/2014/main" id="{16070E40-C6E7-42B4-A5C3-64BE0318C398}"/>
+              </a:ext>
+            </a:extLst>
+          </p:cNvPr>
+          <p:cNvSpPr/>
+          <p:nvPr/>
+        </p:nvSpPr>
+        <p:spPr>
+          <a:xfrm>
+            <a:off x="556587" y="4229156"/>
+            <a:ext cx="6607450" cy="430887"/>
+          </a:xfrm>
+          <a:prstGeom prst="rect">
+            <a:avLst/>
+          </a:prstGeom>
+        </p:spPr>
+        <p:txBody>
+          <a:bodyPr wrap="none">
+            <a:spAutoFit/>
+          </a:bodyPr>
+          <a:lstStyle/>
+          <a:p>
+            <a:pPr>
+              <a:spcAft>
+                <a:spcPts val="600"/>
+              </a:spcAft>
+            </a:pPr>
+            <a:r>
+              <a:rPr lang="en-US" sz="2200" i="1" dirty="0">
+                <a:solidFill>
+                  <a:schemeClr val="accent1">
+                    <a:lumMod val="50000"/>
+                  </a:schemeClr>
+                </a:solidFill>
+              </a:rPr>
+              <a:t>event(E1, X1, represent, O1),_similar(afc, O1), team(X1).</a:t>
+            </a:r>
+          </a:p>
+        </p:txBody>
+      </p:sp>
+      <p:sp>
+        <p:nvSpPr>
+          <p:cNvPr id="16" name="TextBox 15">
+            <a:extLst>
+              <a:ext uri="{FF2B5EF4-FFF2-40B4-BE49-F238E27FC236}">
+                <a16:creationId xmlns:a16="http://schemas.microsoft.com/office/drawing/2014/main" id="{9AA79E21-598B-4287-BFE8-2AD3A7856A1E}"/>
+              </a:ext>
+            </a:extLst>
+          </p:cNvPr>
+          <p:cNvSpPr txBox="1"/>
+          <p:nvPr/>
+        </p:nvSpPr>
+        <p:spPr>
+          <a:xfrm>
+            <a:off x="8534385" y="4207179"/>
+            <a:ext cx="1232996" cy="461665"/>
+          </a:xfrm>
+          <a:prstGeom prst="rect">
+            <a:avLst/>
+          </a:prstGeom>
+          <a:solidFill>
+            <a:schemeClr val="accent6">
+              <a:lumMod val="75000"/>
+            </a:schemeClr>
+          </a:solidFill>
+          <a:ln>
+            <a:solidFill>
+              <a:schemeClr val="accent6">
+                <a:lumMod val="75000"/>
+              </a:schemeClr>
+            </a:solidFill>
+          </a:ln>
+        </p:spPr>
+        <p:txBody>
+          <a:bodyPr wrap="square" rtlCol="0">
+            <a:spAutoFit/>
+          </a:bodyPr>
+          <a:lstStyle/>
+          <a:p>
+            <a:pPr algn="ctr"/>
+            <a:r>
+              <a:rPr lang="en-US" sz="2400" dirty="0">
+                <a:solidFill>
+                  <a:schemeClr val="bg1"/>
+                </a:solidFill>
+              </a:rPr>
+              <a:t>Likely</a:t>
+            </a:r>
+          </a:p>
+        </p:txBody>
+      </p:sp>
+      <p:cxnSp>
+        <p:nvCxnSpPr>
+          <p:cNvPr id="17" name="Straight Arrow Connector 16">
+            <a:extLst>
+              <a:ext uri="{FF2B5EF4-FFF2-40B4-BE49-F238E27FC236}">
+                <a16:creationId xmlns:a16="http://schemas.microsoft.com/office/drawing/2014/main" id="{E36D2C15-4884-453B-B2A5-D0D6BAEA4504}"/>
+              </a:ext>
+            </a:extLst>
+          </p:cNvPr>
+          <p:cNvCxnSpPr>
+            <a:cxnSpLocks/>
+            <a:stCxn id="16" idx="1"/>
+          </p:cNvCxnSpPr>
+          <p:nvPr/>
+        </p:nvCxnSpPr>
+        <p:spPr>
+          <a:xfrm flipH="1">
+            <a:off x="7164037" y="4438012"/>
+            <a:ext cx="1370348" cy="0"/>
+          </a:xfrm>
+          <a:prstGeom prst="straightConnector1">
+            <a:avLst/>
+          </a:prstGeom>
+          <a:ln>
+            <a:solidFill>
+              <a:schemeClr val="accent6">
+                <a:lumMod val="75000"/>
+              </a:schemeClr>
+            </a:solidFill>
+            <a:tailEnd type="triangle"/>
+          </a:ln>
+        </p:spPr>
+        <p:style>
+          <a:lnRef idx="3">
+            <a:schemeClr val="accent6"/>
+          </a:lnRef>
+          <a:fillRef idx="0">
+            <a:schemeClr val="accent6"/>
+          </a:fillRef>
+          <a:effectRef idx="2">
+            <a:schemeClr val="accent6"/>
+          </a:effectRef>
+          <a:fontRef idx="minor">
+            <a:schemeClr val="tx1"/>
+          </a:fontRef>
+        </p:style>
+      </p:cxnSp>
+      <p:sp>
+        <p:nvSpPr>
+          <p:cNvPr id="19" name="Rectangle 18">
+            <a:extLst>
+              <a:ext uri="{FF2B5EF4-FFF2-40B4-BE49-F238E27FC236}">
+                <a16:creationId xmlns:a16="http://schemas.microsoft.com/office/drawing/2014/main" id="{A37D8618-CC91-4820-9385-21130AC925E1}"/>
+              </a:ext>
+            </a:extLst>
+          </p:cNvPr>
+          <p:cNvSpPr/>
+          <p:nvPr/>
+        </p:nvSpPr>
+        <p:spPr>
+          <a:xfrm>
+            <a:off x="604204" y="4810150"/>
+            <a:ext cx="4597669" cy="430887"/>
+          </a:xfrm>
+          <a:prstGeom prst="rect">
+            <a:avLst/>
+          </a:prstGeom>
+        </p:spPr>
+        <p:txBody>
+          <a:bodyPr wrap="none">
+            <a:spAutoFit/>
+          </a:bodyPr>
+          <a:lstStyle/>
+          <a:p>
+            <a:pPr>
+              <a:spcAft>
+                <a:spcPts val="600"/>
+              </a:spcAft>
+            </a:pPr>
+            <a:r>
+              <a:rPr lang="en-US" sz="2200" i="1" dirty="0">
+                <a:solidFill>
+                  <a:schemeClr val="accent1">
+                    <a:lumMod val="50000"/>
+                  </a:schemeClr>
+                </a:solidFill>
+              </a:rPr>
+              <a:t>event(E1, X1, represent, O1),team(X1).</a:t>
+            </a:r>
+          </a:p>
+        </p:txBody>
+      </p:sp>
+      <p:sp>
+        <p:nvSpPr>
+          <p:cNvPr id="20" name="TextBox 19">
+            <a:extLst>
+              <a:ext uri="{FF2B5EF4-FFF2-40B4-BE49-F238E27FC236}">
+                <a16:creationId xmlns:a16="http://schemas.microsoft.com/office/drawing/2014/main" id="{76BBF178-9178-47A6-87E9-25711093A820}"/>
+              </a:ext>
+            </a:extLst>
+          </p:cNvPr>
+          <p:cNvSpPr txBox="1"/>
+          <p:nvPr/>
+        </p:nvSpPr>
+        <p:spPr>
+          <a:xfrm>
+            <a:off x="8534385" y="4821683"/>
+            <a:ext cx="1232996" cy="461665"/>
+          </a:xfrm>
+          <a:prstGeom prst="rect">
+            <a:avLst/>
+          </a:prstGeom>
+          <a:solidFill>
+            <a:schemeClr val="accent2"/>
+          </a:solidFill>
+          <a:ln>
+            <a:solidFill>
+              <a:schemeClr val="accent2"/>
+            </a:solidFill>
+          </a:ln>
+        </p:spPr>
+        <p:txBody>
+          <a:bodyPr wrap="square" rtlCol="0">
+            <a:spAutoFit/>
+          </a:bodyPr>
+          <a:lstStyle/>
+          <a:p>
+            <a:pPr algn="ctr"/>
+            <a:r>
+              <a:rPr lang="en-US" sz="2400" dirty="0">
+                <a:solidFill>
+                  <a:schemeClr val="bg1"/>
+                </a:solidFill>
+              </a:rPr>
+              <a:t>Possible</a:t>
+            </a:r>
+          </a:p>
+        </p:txBody>
+      </p:sp>
+      <p:cxnSp>
+        <p:nvCxnSpPr>
+          <p:cNvPr id="21" name="Straight Arrow Connector 20">
+            <a:extLst>
+              <a:ext uri="{FF2B5EF4-FFF2-40B4-BE49-F238E27FC236}">
+                <a16:creationId xmlns:a16="http://schemas.microsoft.com/office/drawing/2014/main" id="{8B9A34D3-CAB8-439C-B201-A5C010A90E15}"/>
+              </a:ext>
+            </a:extLst>
+          </p:cNvPr>
+          <p:cNvCxnSpPr>
+            <a:cxnSpLocks/>
+            <a:stCxn id="20" idx="1"/>
+            <a:endCxn id="19" idx="3"/>
+          </p:cNvCxnSpPr>
+          <p:nvPr/>
+        </p:nvCxnSpPr>
+        <p:spPr>
+          <a:xfrm flipH="1" flipV="1">
+            <a:off x="5201873" y="5025594"/>
+            <a:ext cx="3332512" cy="26922"/>
+          </a:xfrm>
+          <a:prstGeom prst="straightConnector1">
+            <a:avLst/>
+          </a:prstGeom>
+          <a:ln>
+            <a:solidFill>
+              <a:schemeClr val="accent2"/>
+            </a:solidFill>
+            <a:tailEnd type="triangle"/>
+          </a:ln>
+        </p:spPr>
+        <p:style>
+          <a:lnRef idx="3">
+            <a:schemeClr val="accent6"/>
+          </a:lnRef>
+          <a:fillRef idx="0">
+            <a:schemeClr val="accent6"/>
+          </a:fillRef>
+          <a:effectRef idx="2">
+            <a:schemeClr val="accent6"/>
+          </a:effectRef>
+          <a:fontRef idx="minor">
+            <a:schemeClr val="tx1"/>
+          </a:fontRef>
+        </p:style>
+      </p:cxnSp>
+      <p:sp>
+        <p:nvSpPr>
+          <p:cNvPr id="23" name="TextBox 22">
+            <a:extLst>
+              <a:ext uri="{FF2B5EF4-FFF2-40B4-BE49-F238E27FC236}">
+                <a16:creationId xmlns:a16="http://schemas.microsoft.com/office/drawing/2014/main" id="{17C28B5D-9FB4-4681-8E86-F50807827626}"/>
+              </a:ext>
+            </a:extLst>
+          </p:cNvPr>
+          <p:cNvSpPr txBox="1"/>
+          <p:nvPr/>
+        </p:nvSpPr>
+        <p:spPr>
+          <a:xfrm>
+            <a:off x="8534385" y="5393568"/>
+            <a:ext cx="1232996" cy="461665"/>
+          </a:xfrm>
+          <a:prstGeom prst="rect">
+            <a:avLst/>
+          </a:prstGeom>
+          <a:solidFill>
+            <a:schemeClr val="accent4"/>
+          </a:solidFill>
+          <a:ln>
+            <a:solidFill>
+              <a:schemeClr val="accent4"/>
+            </a:solidFill>
+          </a:ln>
+        </p:spPr>
+        <p:txBody>
+          <a:bodyPr wrap="square" rtlCol="0">
+            <a:spAutoFit/>
+          </a:bodyPr>
+          <a:lstStyle/>
+          <a:p>
+            <a:pPr algn="ctr"/>
+            <a:r>
+              <a:rPr lang="en-US" sz="2400" dirty="0">
+                <a:solidFill>
+                  <a:schemeClr val="bg1"/>
+                </a:solidFill>
+              </a:rPr>
+              <a:t>Guess</a:t>
+            </a:r>
+          </a:p>
+        </p:txBody>
+      </p:sp>
+      <p:cxnSp>
+        <p:nvCxnSpPr>
+          <p:cNvPr id="24" name="Straight Arrow Connector 23">
+            <a:extLst>
+              <a:ext uri="{FF2B5EF4-FFF2-40B4-BE49-F238E27FC236}">
+                <a16:creationId xmlns:a16="http://schemas.microsoft.com/office/drawing/2014/main" id="{13707734-2438-402D-95BC-6CB3989420E9}"/>
+              </a:ext>
+            </a:extLst>
+          </p:cNvPr>
+          <p:cNvCxnSpPr>
+            <a:cxnSpLocks/>
+            <a:stCxn id="23" idx="1"/>
+            <a:endCxn id="12" idx="3"/>
+          </p:cNvCxnSpPr>
+          <p:nvPr/>
+        </p:nvCxnSpPr>
+        <p:spPr>
+          <a:xfrm flipH="1" flipV="1">
+            <a:off x="1983544" y="5614592"/>
+            <a:ext cx="6550841" cy="9809"/>
+          </a:xfrm>
+          <a:prstGeom prst="straightConnector1">
+            <a:avLst/>
+          </a:prstGeom>
+          <a:ln>
+            <a:solidFill>
+              <a:schemeClr val="accent4"/>
+            </a:solidFill>
+            <a:tailEnd type="triangle"/>
+          </a:ln>
+        </p:spPr>
+        <p:style>
+          <a:lnRef idx="3">
+            <a:schemeClr val="accent6"/>
+          </a:lnRef>
+          <a:fillRef idx="0">
+            <a:schemeClr val="accent6"/>
+          </a:fillRef>
+          <a:effectRef idx="2">
+            <a:schemeClr val="accent6"/>
+          </a:effectRef>
+          <a:fontRef idx="minor">
+            <a:schemeClr val="tx1"/>
+          </a:fontRef>
+        </p:style>
+      </p:cxnSp>
+      <p:sp>
+        <p:nvSpPr>
+          <p:cNvPr id="27" name="Rectangle 26">
+            <a:extLst>
+              <a:ext uri="{FF2B5EF4-FFF2-40B4-BE49-F238E27FC236}">
+                <a16:creationId xmlns:a16="http://schemas.microsoft.com/office/drawing/2014/main" id="{4D5B4AB5-2841-4810-9477-DFCFFF3C790A}"/>
+              </a:ext>
+            </a:extLst>
+          </p:cNvPr>
+          <p:cNvSpPr/>
+          <p:nvPr/>
+        </p:nvSpPr>
+        <p:spPr>
+          <a:xfrm>
+            <a:off x="604203" y="5988146"/>
+            <a:ext cx="4119333" cy="461665"/>
+          </a:xfrm>
+          <a:prstGeom prst="rect">
+            <a:avLst/>
+          </a:prstGeom>
+        </p:spPr>
+        <p:txBody>
+          <a:bodyPr wrap="none">
+            <a:spAutoFit/>
+          </a:bodyPr>
+          <a:lstStyle/>
+          <a:p>
+            <a:r>
+              <a:rPr lang="en-US" sz="2400" i="1" dirty="0">
+                <a:solidFill>
                   <a:srgbClr val="FF0000"/>
                 </a:solidFill>
               </a:rPr>
-              <a:t>concept of similarity</a:t>
-            </a:r>
-            <a:r>
-              <a:rPr lang="en-US" sz="2400" dirty="0"/>
-              <a:t> a lot when reasoning</a:t>
+              <a:t>answer(</a:t>
+            </a:r>
+            <a:r>
+              <a:rPr lang="en-US" sz="2400" i="1" dirty="0" err="1">
+                <a:solidFill>
+                  <a:srgbClr val="FF0000"/>
+                </a:solidFill>
+              </a:rPr>
+              <a:t>denver_broncos,likely</a:t>
+            </a:r>
+            <a:r>
+              <a:rPr lang="en-US" sz="2400" i="1" dirty="0">
+                <a:solidFill>
+                  <a:srgbClr val="FF0000"/>
+                </a:solidFill>
+              </a:rPr>
+              <a:t>)</a:t>
             </a:r>
             <a:endParaRPr lang="en-US" sz="2400" dirty="0">
               <a:solidFill>
@@ -46384,68 +48806,791 @@
               </a:solidFill>
             </a:endParaRPr>
           </a:p>
-          <a:p>
-            <a:pPr marL="800100" lvl="1" indent="-342900" algn="just">
-              <a:buFont typeface="Arial" panose="020B0604020202020204" pitchFamily="34" charset="0"/>
-              <a:buChar char="•"/>
-            </a:pPr>
-            <a:r>
-              <a:rPr lang="en-US" sz="2400" dirty="0"/>
-              <a:t>Example use of last name for people instead of full name </a:t>
-            </a:r>
-            <a:r>
-              <a:rPr lang="en-US" sz="2400" dirty="0">
+        </p:txBody>
+      </p:sp>
+      <p:sp>
+        <p:nvSpPr>
+          <p:cNvPr id="28" name="Rectangle 27">
+            <a:extLst>
+              <a:ext uri="{FF2B5EF4-FFF2-40B4-BE49-F238E27FC236}">
+                <a16:creationId xmlns:a16="http://schemas.microsoft.com/office/drawing/2014/main" id="{4D08D43B-3B70-4087-839C-4229CA55C712}"/>
+              </a:ext>
+            </a:extLst>
+          </p:cNvPr>
+          <p:cNvSpPr/>
+          <p:nvPr/>
+        </p:nvSpPr>
+        <p:spPr>
+          <a:xfrm>
+            <a:off x="604203" y="6009715"/>
+            <a:ext cx="4331314" cy="461665"/>
+          </a:xfrm>
+          <a:prstGeom prst="rect">
+            <a:avLst/>
+          </a:prstGeom>
+        </p:spPr>
+        <p:txBody>
+          <a:bodyPr wrap="none">
+            <a:spAutoFit/>
+          </a:bodyPr>
+          <a:lstStyle/>
+          <a:p>
+            <a:r>
+              <a:rPr lang="en-US" sz="2400" i="1" dirty="0">
                 <a:solidFill>
                   <a:srgbClr val="FF0000"/>
                 </a:solidFill>
               </a:rPr>
-              <a:t>Tesla instead of Nikola Tesla</a:t>
-            </a:r>
-          </a:p>
-          <a:p>
-            <a:pPr marL="800100" lvl="1" indent="-342900" algn="just">
-              <a:buFont typeface="Arial" panose="020B0604020202020204" pitchFamily="34" charset="0"/>
-              <a:buChar char="•"/>
-            </a:pPr>
-            <a:r>
-              <a:rPr lang="en-US" sz="2400" dirty="0"/>
-              <a:t>All of these implicit connections made by humans adversely </a:t>
-            </a:r>
-            <a:r>
-              <a:rPr lang="en-US" sz="2400" dirty="0">
+              <a:t>answer(</a:t>
+            </a:r>
+            <a:r>
+              <a:rPr lang="en-US" sz="2400" i="1" dirty="0" err="1">
                 <a:solidFill>
                   <a:srgbClr val="FF0000"/>
                 </a:solidFill>
               </a:rPr>
-              <a:t>affect the process of automated reasoning</a:t>
-            </a:r>
-            <a:r>
-              <a:rPr lang="en-US" sz="2400" dirty="0"/>
-              <a:t> </a:t>
-            </a:r>
-          </a:p>
-          <a:p>
-            <a:pPr marL="800100" lvl="1" indent="-342900" algn="just">
-              <a:buFont typeface="Arial" panose="020B0604020202020204" pitchFamily="34" charset="0"/>
-              <a:buChar char="•"/>
-            </a:pPr>
-            <a:r>
-              <a:rPr lang="en-US" sz="2400" dirty="0"/>
-              <a:t>One of the ways to solve this is to use a similarity measure and use it to find the nearest answer.</a:t>
-            </a:r>
+              <a:t>carolina_panthers,guess</a:t>
+            </a:r>
+            <a:r>
+              <a:rPr lang="en-US" sz="2400" i="1" dirty="0">
+                <a:solidFill>
+                  <a:srgbClr val="FF0000"/>
+                </a:solidFill>
+              </a:rPr>
+              <a:t>)</a:t>
+            </a:r>
+            <a:endParaRPr lang="en-US" sz="2400" dirty="0"/>
           </a:p>
         </p:txBody>
       </p:sp>
     </p:spTree>
     <p:extLst>
       <p:ext uri="{BB962C8B-B14F-4D97-AF65-F5344CB8AC3E}">
-        <p14:creationId xmlns:p14="http://schemas.microsoft.com/office/powerpoint/2010/main" val="3587751507"/>
+        <p14:creationId xmlns:p14="http://schemas.microsoft.com/office/powerpoint/2010/main" val="121830607"/>
       </p:ext>
     </p:extLst>
   </p:cSld>
   <p:clrMapOvr>
     <a:masterClrMapping/>
   </p:clrMapOvr>
+  <p:timing>
+    <p:tnLst>
+      <p:par>
+        <p:cTn id="1" dur="indefinite" restart="never" nodeType="tmRoot">
+          <p:childTnLst>
+            <p:seq concurrent="1" nextAc="seek">
+              <p:cTn id="2" dur="indefinite" nodeType="mainSeq">
+                <p:childTnLst>
+                  <p:par>
+                    <p:cTn id="3" fill="hold">
+                      <p:stCondLst>
+                        <p:cond delay="indefinite"/>
+                      </p:stCondLst>
+                      <p:childTnLst>
+                        <p:par>
+                          <p:cTn id="4" fill="hold">
+                            <p:stCondLst>
+                              <p:cond delay="0"/>
+                            </p:stCondLst>
+                            <p:childTnLst>
+                              <p:par>
+                                <p:cTn id="5" presetID="10" presetClass="entr" presetSubtype="0" fill="hold" grpId="0" nodeType="clickEffect">
+                                  <p:stCondLst>
+                                    <p:cond delay="0"/>
+                                  </p:stCondLst>
+                                  <p:childTnLst>
+                                    <p:set>
+                                      <p:cBhvr>
+                                        <p:cTn id="6" dur="1" fill="hold">
+                                          <p:stCondLst>
+                                            <p:cond delay="0"/>
+                                          </p:stCondLst>
+                                        </p:cTn>
+                                        <p:tgtEl>
+                                          <p:spTgt spid="3"/>
+                                        </p:tgtEl>
+                                        <p:attrNameLst>
+                                          <p:attrName>style.visibility</p:attrName>
+                                        </p:attrNameLst>
+                                      </p:cBhvr>
+                                      <p:to>
+                                        <p:strVal val="visible"/>
+                                      </p:to>
+                                    </p:set>
+                                    <p:animEffect transition="in" filter="fade">
+                                      <p:cBhvr>
+                                        <p:cTn id="7" dur="500"/>
+                                        <p:tgtEl>
+                                          <p:spTgt spid="3"/>
+                                        </p:tgtEl>
+                                      </p:cBhvr>
+                                    </p:animEffect>
+                                  </p:childTnLst>
+                                </p:cTn>
+                              </p:par>
+                              <p:par>
+                                <p:cTn id="8" presetID="10" presetClass="entr" presetSubtype="0" fill="hold" grpId="0" nodeType="withEffect">
+                                  <p:stCondLst>
+                                    <p:cond delay="0"/>
+                                  </p:stCondLst>
+                                  <p:childTnLst>
+                                    <p:set>
+                                      <p:cBhvr>
+                                        <p:cTn id="9" dur="1" fill="hold">
+                                          <p:stCondLst>
+                                            <p:cond delay="0"/>
+                                          </p:stCondLst>
+                                        </p:cTn>
+                                        <p:tgtEl>
+                                          <p:spTgt spid="11"/>
+                                        </p:tgtEl>
+                                        <p:attrNameLst>
+                                          <p:attrName>style.visibility</p:attrName>
+                                        </p:attrNameLst>
+                                      </p:cBhvr>
+                                      <p:to>
+                                        <p:strVal val="visible"/>
+                                      </p:to>
+                                    </p:set>
+                                    <p:animEffect transition="in" filter="fade">
+                                      <p:cBhvr>
+                                        <p:cTn id="10" dur="500"/>
+                                        <p:tgtEl>
+                                          <p:spTgt spid="11"/>
+                                        </p:tgtEl>
+                                      </p:cBhvr>
+                                    </p:animEffect>
+                                  </p:childTnLst>
+                                </p:cTn>
+                              </p:par>
+                              <p:par>
+                                <p:cTn id="11" presetID="10" presetClass="entr" presetSubtype="0" fill="hold" nodeType="withEffect">
+                                  <p:stCondLst>
+                                    <p:cond delay="0"/>
+                                  </p:stCondLst>
+                                  <p:childTnLst>
+                                    <p:set>
+                                      <p:cBhvr>
+                                        <p:cTn id="12" dur="1" fill="hold">
+                                          <p:stCondLst>
+                                            <p:cond delay="0"/>
+                                          </p:stCondLst>
+                                        </p:cTn>
+                                        <p:tgtEl>
+                                          <p:spTgt spid="10"/>
+                                        </p:tgtEl>
+                                        <p:attrNameLst>
+                                          <p:attrName>style.visibility</p:attrName>
+                                        </p:attrNameLst>
+                                      </p:cBhvr>
+                                      <p:to>
+                                        <p:strVal val="visible"/>
+                                      </p:to>
+                                    </p:set>
+                                    <p:animEffect transition="in" filter="fade">
+                                      <p:cBhvr>
+                                        <p:cTn id="13" dur="500"/>
+                                        <p:tgtEl>
+                                          <p:spTgt spid="10"/>
+                                        </p:tgtEl>
+                                      </p:cBhvr>
+                                    </p:animEffect>
+                                  </p:childTnLst>
+                                </p:cTn>
+                              </p:par>
+                              <p:par>
+                                <p:cTn id="14" presetID="10" presetClass="entr" presetSubtype="0" fill="hold" grpId="0" nodeType="withEffect">
+                                  <p:stCondLst>
+                                    <p:cond delay="0"/>
+                                  </p:stCondLst>
+                                  <p:childTnLst>
+                                    <p:set>
+                                      <p:cBhvr>
+                                        <p:cTn id="15" dur="1" fill="hold">
+                                          <p:stCondLst>
+                                            <p:cond delay="0"/>
+                                          </p:stCondLst>
+                                        </p:cTn>
+                                        <p:tgtEl>
+                                          <p:spTgt spid="8"/>
+                                        </p:tgtEl>
+                                        <p:attrNameLst>
+                                          <p:attrName>style.visibility</p:attrName>
+                                        </p:attrNameLst>
+                                      </p:cBhvr>
+                                      <p:to>
+                                        <p:strVal val="visible"/>
+                                      </p:to>
+                                    </p:set>
+                                    <p:animEffect transition="in" filter="fade">
+                                      <p:cBhvr>
+                                        <p:cTn id="16" dur="500"/>
+                                        <p:tgtEl>
+                                          <p:spTgt spid="8"/>
+                                        </p:tgtEl>
+                                      </p:cBhvr>
+                                    </p:animEffect>
+                                  </p:childTnLst>
+                                </p:cTn>
+                              </p:par>
+                            </p:childTnLst>
+                          </p:cTn>
+                        </p:par>
+                      </p:childTnLst>
+                    </p:cTn>
+                  </p:par>
+                  <p:par>
+                    <p:cTn id="17" fill="hold">
+                      <p:stCondLst>
+                        <p:cond delay="indefinite"/>
+                      </p:stCondLst>
+                      <p:childTnLst>
+                        <p:par>
+                          <p:cTn id="18" fill="hold">
+                            <p:stCondLst>
+                              <p:cond delay="0"/>
+                            </p:stCondLst>
+                            <p:childTnLst>
+                              <p:par>
+                                <p:cTn id="19" presetID="10" presetClass="entr" presetSubtype="0" fill="hold" grpId="0" nodeType="clickEffect">
+                                  <p:stCondLst>
+                                    <p:cond delay="0"/>
+                                  </p:stCondLst>
+                                  <p:childTnLst>
+                                    <p:set>
+                                      <p:cBhvr>
+                                        <p:cTn id="20" dur="1" fill="hold">
+                                          <p:stCondLst>
+                                            <p:cond delay="0"/>
+                                          </p:stCondLst>
+                                        </p:cTn>
+                                        <p:tgtEl>
+                                          <p:spTgt spid="15"/>
+                                        </p:tgtEl>
+                                        <p:attrNameLst>
+                                          <p:attrName>style.visibility</p:attrName>
+                                        </p:attrNameLst>
+                                      </p:cBhvr>
+                                      <p:to>
+                                        <p:strVal val="visible"/>
+                                      </p:to>
+                                    </p:set>
+                                    <p:animEffect transition="in" filter="fade">
+                                      <p:cBhvr>
+                                        <p:cTn id="21" dur="500"/>
+                                        <p:tgtEl>
+                                          <p:spTgt spid="15"/>
+                                        </p:tgtEl>
+                                      </p:cBhvr>
+                                    </p:animEffect>
+                                  </p:childTnLst>
+                                </p:cTn>
+                              </p:par>
+                              <p:par>
+                                <p:cTn id="22" presetID="10" presetClass="entr" presetSubtype="0" fill="hold" grpId="0" nodeType="withEffect">
+                                  <p:stCondLst>
+                                    <p:cond delay="0"/>
+                                  </p:stCondLst>
+                                  <p:childTnLst>
+                                    <p:set>
+                                      <p:cBhvr>
+                                        <p:cTn id="23" dur="1" fill="hold">
+                                          <p:stCondLst>
+                                            <p:cond delay="0"/>
+                                          </p:stCondLst>
+                                        </p:cTn>
+                                        <p:tgtEl>
+                                          <p:spTgt spid="16"/>
+                                        </p:tgtEl>
+                                        <p:attrNameLst>
+                                          <p:attrName>style.visibility</p:attrName>
+                                        </p:attrNameLst>
+                                      </p:cBhvr>
+                                      <p:to>
+                                        <p:strVal val="visible"/>
+                                      </p:to>
+                                    </p:set>
+                                    <p:animEffect transition="in" filter="fade">
+                                      <p:cBhvr>
+                                        <p:cTn id="24" dur="500"/>
+                                        <p:tgtEl>
+                                          <p:spTgt spid="16"/>
+                                        </p:tgtEl>
+                                      </p:cBhvr>
+                                    </p:animEffect>
+                                  </p:childTnLst>
+                                </p:cTn>
+                              </p:par>
+                              <p:par>
+                                <p:cTn id="25" presetID="10" presetClass="entr" presetSubtype="0" fill="hold" nodeType="withEffect">
+                                  <p:stCondLst>
+                                    <p:cond delay="0"/>
+                                  </p:stCondLst>
+                                  <p:childTnLst>
+                                    <p:set>
+                                      <p:cBhvr>
+                                        <p:cTn id="26" dur="1" fill="hold">
+                                          <p:stCondLst>
+                                            <p:cond delay="0"/>
+                                          </p:stCondLst>
+                                        </p:cTn>
+                                        <p:tgtEl>
+                                          <p:spTgt spid="17"/>
+                                        </p:tgtEl>
+                                        <p:attrNameLst>
+                                          <p:attrName>style.visibility</p:attrName>
+                                        </p:attrNameLst>
+                                      </p:cBhvr>
+                                      <p:to>
+                                        <p:strVal val="visible"/>
+                                      </p:to>
+                                    </p:set>
+                                    <p:animEffect transition="in" filter="fade">
+                                      <p:cBhvr>
+                                        <p:cTn id="27" dur="500"/>
+                                        <p:tgtEl>
+                                          <p:spTgt spid="17"/>
+                                        </p:tgtEl>
+                                      </p:cBhvr>
+                                    </p:animEffect>
+                                  </p:childTnLst>
+                                </p:cTn>
+                              </p:par>
+                            </p:childTnLst>
+                          </p:cTn>
+                        </p:par>
+                      </p:childTnLst>
+                    </p:cTn>
+                  </p:par>
+                  <p:par>
+                    <p:cTn id="28" fill="hold">
+                      <p:stCondLst>
+                        <p:cond delay="indefinite"/>
+                      </p:stCondLst>
+                      <p:childTnLst>
+                        <p:par>
+                          <p:cTn id="29" fill="hold">
+                            <p:stCondLst>
+                              <p:cond delay="0"/>
+                            </p:stCondLst>
+                            <p:childTnLst>
+                              <p:par>
+                                <p:cTn id="30" presetID="10" presetClass="entr" presetSubtype="0" fill="hold" nodeType="clickEffect">
+                                  <p:stCondLst>
+                                    <p:cond delay="0"/>
+                                  </p:stCondLst>
+                                  <p:childTnLst>
+                                    <p:set>
+                                      <p:cBhvr>
+                                        <p:cTn id="31" dur="1" fill="hold">
+                                          <p:stCondLst>
+                                            <p:cond delay="0"/>
+                                          </p:stCondLst>
+                                        </p:cTn>
+                                        <p:tgtEl>
+                                          <p:spTgt spid="19">
+                                            <p:txEl>
+                                              <p:pRg st="0" end="0"/>
+                                            </p:txEl>
+                                          </p:spTgt>
+                                        </p:tgtEl>
+                                        <p:attrNameLst>
+                                          <p:attrName>style.visibility</p:attrName>
+                                        </p:attrNameLst>
+                                      </p:cBhvr>
+                                      <p:to>
+                                        <p:strVal val="visible"/>
+                                      </p:to>
+                                    </p:set>
+                                    <p:animEffect transition="in" filter="fade">
+                                      <p:cBhvr>
+                                        <p:cTn id="32" dur="500"/>
+                                        <p:tgtEl>
+                                          <p:spTgt spid="19">
+                                            <p:txEl>
+                                              <p:pRg st="0" end="0"/>
+                                            </p:txEl>
+                                          </p:spTgt>
+                                        </p:tgtEl>
+                                      </p:cBhvr>
+                                    </p:animEffect>
+                                  </p:childTnLst>
+                                </p:cTn>
+                              </p:par>
+                              <p:par>
+                                <p:cTn id="33" presetID="10" presetClass="entr" presetSubtype="0" fill="hold" grpId="0" nodeType="withEffect">
+                                  <p:stCondLst>
+                                    <p:cond delay="0"/>
+                                  </p:stCondLst>
+                                  <p:childTnLst>
+                                    <p:set>
+                                      <p:cBhvr>
+                                        <p:cTn id="34" dur="1" fill="hold">
+                                          <p:stCondLst>
+                                            <p:cond delay="0"/>
+                                          </p:stCondLst>
+                                        </p:cTn>
+                                        <p:tgtEl>
+                                          <p:spTgt spid="20"/>
+                                        </p:tgtEl>
+                                        <p:attrNameLst>
+                                          <p:attrName>style.visibility</p:attrName>
+                                        </p:attrNameLst>
+                                      </p:cBhvr>
+                                      <p:to>
+                                        <p:strVal val="visible"/>
+                                      </p:to>
+                                    </p:set>
+                                    <p:animEffect transition="in" filter="fade">
+                                      <p:cBhvr>
+                                        <p:cTn id="35" dur="500"/>
+                                        <p:tgtEl>
+                                          <p:spTgt spid="20"/>
+                                        </p:tgtEl>
+                                      </p:cBhvr>
+                                    </p:animEffect>
+                                  </p:childTnLst>
+                                </p:cTn>
+                              </p:par>
+                              <p:par>
+                                <p:cTn id="36" presetID="10" presetClass="entr" presetSubtype="0" fill="hold" nodeType="withEffect">
+                                  <p:stCondLst>
+                                    <p:cond delay="0"/>
+                                  </p:stCondLst>
+                                  <p:childTnLst>
+                                    <p:set>
+                                      <p:cBhvr>
+                                        <p:cTn id="37" dur="1" fill="hold">
+                                          <p:stCondLst>
+                                            <p:cond delay="0"/>
+                                          </p:stCondLst>
+                                        </p:cTn>
+                                        <p:tgtEl>
+                                          <p:spTgt spid="21"/>
+                                        </p:tgtEl>
+                                        <p:attrNameLst>
+                                          <p:attrName>style.visibility</p:attrName>
+                                        </p:attrNameLst>
+                                      </p:cBhvr>
+                                      <p:to>
+                                        <p:strVal val="visible"/>
+                                      </p:to>
+                                    </p:set>
+                                    <p:animEffect transition="in" filter="fade">
+                                      <p:cBhvr>
+                                        <p:cTn id="38" dur="500"/>
+                                        <p:tgtEl>
+                                          <p:spTgt spid="21"/>
+                                        </p:tgtEl>
+                                      </p:cBhvr>
+                                    </p:animEffect>
+                                  </p:childTnLst>
+                                </p:cTn>
+                              </p:par>
+                            </p:childTnLst>
+                          </p:cTn>
+                        </p:par>
+                      </p:childTnLst>
+                    </p:cTn>
+                  </p:par>
+                  <p:par>
+                    <p:cTn id="39" fill="hold">
+                      <p:stCondLst>
+                        <p:cond delay="indefinite"/>
+                      </p:stCondLst>
+                      <p:childTnLst>
+                        <p:par>
+                          <p:cTn id="40" fill="hold">
+                            <p:stCondLst>
+                              <p:cond delay="0"/>
+                            </p:stCondLst>
+                            <p:childTnLst>
+                              <p:par>
+                                <p:cTn id="41" presetID="10" presetClass="entr" presetSubtype="0" fill="hold" nodeType="clickEffect">
+                                  <p:stCondLst>
+                                    <p:cond delay="0"/>
+                                  </p:stCondLst>
+                                  <p:childTnLst>
+                                    <p:set>
+                                      <p:cBhvr>
+                                        <p:cTn id="42" dur="1" fill="hold">
+                                          <p:stCondLst>
+                                            <p:cond delay="0"/>
+                                          </p:stCondLst>
+                                        </p:cTn>
+                                        <p:tgtEl>
+                                          <p:spTgt spid="24"/>
+                                        </p:tgtEl>
+                                        <p:attrNameLst>
+                                          <p:attrName>style.visibility</p:attrName>
+                                        </p:attrNameLst>
+                                      </p:cBhvr>
+                                      <p:to>
+                                        <p:strVal val="visible"/>
+                                      </p:to>
+                                    </p:set>
+                                    <p:animEffect transition="in" filter="fade">
+                                      <p:cBhvr>
+                                        <p:cTn id="43" dur="500"/>
+                                        <p:tgtEl>
+                                          <p:spTgt spid="24"/>
+                                        </p:tgtEl>
+                                      </p:cBhvr>
+                                    </p:animEffect>
+                                  </p:childTnLst>
+                                </p:cTn>
+                              </p:par>
+                              <p:par>
+                                <p:cTn id="44" presetID="10" presetClass="entr" presetSubtype="0" fill="hold" grpId="0" nodeType="withEffect">
+                                  <p:stCondLst>
+                                    <p:cond delay="0"/>
+                                  </p:stCondLst>
+                                  <p:childTnLst>
+                                    <p:set>
+                                      <p:cBhvr>
+                                        <p:cTn id="45" dur="1" fill="hold">
+                                          <p:stCondLst>
+                                            <p:cond delay="0"/>
+                                          </p:stCondLst>
+                                        </p:cTn>
+                                        <p:tgtEl>
+                                          <p:spTgt spid="12"/>
+                                        </p:tgtEl>
+                                        <p:attrNameLst>
+                                          <p:attrName>style.visibility</p:attrName>
+                                        </p:attrNameLst>
+                                      </p:cBhvr>
+                                      <p:to>
+                                        <p:strVal val="visible"/>
+                                      </p:to>
+                                    </p:set>
+                                    <p:animEffect transition="in" filter="fade">
+                                      <p:cBhvr>
+                                        <p:cTn id="46" dur="500"/>
+                                        <p:tgtEl>
+                                          <p:spTgt spid="12"/>
+                                        </p:tgtEl>
+                                      </p:cBhvr>
+                                    </p:animEffect>
+                                  </p:childTnLst>
+                                </p:cTn>
+                              </p:par>
+                              <p:par>
+                                <p:cTn id="47" presetID="10" presetClass="entr" presetSubtype="0" fill="hold" grpId="0" nodeType="withEffect">
+                                  <p:stCondLst>
+                                    <p:cond delay="0"/>
+                                  </p:stCondLst>
+                                  <p:childTnLst>
+                                    <p:set>
+                                      <p:cBhvr>
+                                        <p:cTn id="48" dur="1" fill="hold">
+                                          <p:stCondLst>
+                                            <p:cond delay="0"/>
+                                          </p:stCondLst>
+                                        </p:cTn>
+                                        <p:tgtEl>
+                                          <p:spTgt spid="23"/>
+                                        </p:tgtEl>
+                                        <p:attrNameLst>
+                                          <p:attrName>style.visibility</p:attrName>
+                                        </p:attrNameLst>
+                                      </p:cBhvr>
+                                      <p:to>
+                                        <p:strVal val="visible"/>
+                                      </p:to>
+                                    </p:set>
+                                    <p:animEffect transition="in" filter="fade">
+                                      <p:cBhvr>
+                                        <p:cTn id="49" dur="500"/>
+                                        <p:tgtEl>
+                                          <p:spTgt spid="23"/>
+                                        </p:tgtEl>
+                                      </p:cBhvr>
+                                    </p:animEffect>
+                                  </p:childTnLst>
+                                </p:cTn>
+                              </p:par>
+                            </p:childTnLst>
+                          </p:cTn>
+                        </p:par>
+                      </p:childTnLst>
+                    </p:cTn>
+                  </p:par>
+                  <p:par>
+                    <p:cTn id="50" fill="hold">
+                      <p:stCondLst>
+                        <p:cond delay="indefinite"/>
+                      </p:stCondLst>
+                      <p:childTnLst>
+                        <p:par>
+                          <p:cTn id="51" fill="hold">
+                            <p:stCondLst>
+                              <p:cond delay="0"/>
+                            </p:stCondLst>
+                            <p:childTnLst>
+                              <p:par>
+                                <p:cTn id="52" presetID="10" presetClass="entr" presetSubtype="0" fill="hold" grpId="0" nodeType="clickEffect">
+                                  <p:stCondLst>
+                                    <p:cond delay="0"/>
+                                  </p:stCondLst>
+                                  <p:childTnLst>
+                                    <p:set>
+                                      <p:cBhvr>
+                                        <p:cTn id="53" dur="1" fill="hold">
+                                          <p:stCondLst>
+                                            <p:cond delay="0"/>
+                                          </p:stCondLst>
+                                        </p:cTn>
+                                        <p:tgtEl>
+                                          <p:spTgt spid="27"/>
+                                        </p:tgtEl>
+                                        <p:attrNameLst>
+                                          <p:attrName>style.visibility</p:attrName>
+                                        </p:attrNameLst>
+                                      </p:cBhvr>
+                                      <p:to>
+                                        <p:strVal val="visible"/>
+                                      </p:to>
+                                    </p:set>
+                                    <p:animEffect transition="in" filter="fade">
+                                      <p:cBhvr>
+                                        <p:cTn id="54" dur="500"/>
+                                        <p:tgtEl>
+                                          <p:spTgt spid="27"/>
+                                        </p:tgtEl>
+                                      </p:cBhvr>
+                                    </p:animEffect>
+                                  </p:childTnLst>
+                                </p:cTn>
+                              </p:par>
+                            </p:childTnLst>
+                          </p:cTn>
+                        </p:par>
+                      </p:childTnLst>
+                    </p:cTn>
+                  </p:par>
+                  <p:par>
+                    <p:cTn id="55" fill="hold">
+                      <p:stCondLst>
+                        <p:cond delay="indefinite"/>
+                      </p:stCondLst>
+                      <p:childTnLst>
+                        <p:par>
+                          <p:cTn id="56" fill="hold">
+                            <p:stCondLst>
+                              <p:cond delay="0"/>
+                            </p:stCondLst>
+                            <p:childTnLst>
+                              <p:par>
+                                <p:cTn id="57" presetID="1" presetClass="exit" presetSubtype="0" fill="hold" grpId="1" nodeType="clickEffect">
+                                  <p:stCondLst>
+                                    <p:cond delay="0"/>
+                                  </p:stCondLst>
+                                  <p:childTnLst>
+                                    <p:set>
+                                      <p:cBhvr>
+                                        <p:cTn id="58" dur="1" fill="hold">
+                                          <p:stCondLst>
+                                            <p:cond delay="0"/>
+                                          </p:stCondLst>
+                                        </p:cTn>
+                                        <p:tgtEl>
+                                          <p:spTgt spid="27"/>
+                                        </p:tgtEl>
+                                        <p:attrNameLst>
+                                          <p:attrName>style.visibility</p:attrName>
+                                        </p:attrNameLst>
+                                      </p:cBhvr>
+                                      <p:to>
+                                        <p:strVal val="hidden"/>
+                                      </p:to>
+                                    </p:set>
+                                  </p:childTnLst>
+                                </p:cTn>
+                              </p:par>
+                              <p:par>
+                                <p:cTn id="59" presetID="10" presetClass="entr" presetSubtype="0" fill="hold" nodeType="withEffect">
+                                  <p:stCondLst>
+                                    <p:cond delay="0"/>
+                                  </p:stCondLst>
+                                  <p:childTnLst>
+                                    <p:set>
+                                      <p:cBhvr>
+                                        <p:cTn id="60" dur="1" fill="hold">
+                                          <p:stCondLst>
+                                            <p:cond delay="0"/>
+                                          </p:stCondLst>
+                                        </p:cTn>
+                                        <p:tgtEl>
+                                          <p:spTgt spid="28">
+                                            <p:txEl>
+                                              <p:pRg st="0" end="0"/>
+                                            </p:txEl>
+                                          </p:spTgt>
+                                        </p:tgtEl>
+                                        <p:attrNameLst>
+                                          <p:attrName>style.visibility</p:attrName>
+                                        </p:attrNameLst>
+                                      </p:cBhvr>
+                                      <p:to>
+                                        <p:strVal val="visible"/>
+                                      </p:to>
+                                    </p:set>
+                                    <p:animEffect transition="in" filter="fade">
+                                      <p:cBhvr>
+                                        <p:cTn id="61" dur="500"/>
+                                        <p:tgtEl>
+                                          <p:spTgt spid="28">
+                                            <p:txEl>
+                                              <p:pRg st="0" end="0"/>
+                                            </p:txEl>
+                                          </p:spTgt>
+                                        </p:tgtEl>
+                                      </p:cBhvr>
+                                    </p:animEffect>
+                                  </p:childTnLst>
+                                </p:cTn>
+                              </p:par>
+                            </p:childTnLst>
+                          </p:cTn>
+                        </p:par>
+                      </p:childTnLst>
+                    </p:cTn>
+                  </p:par>
+                </p:childTnLst>
+              </p:cTn>
+              <p:prevCondLst>
+                <p:cond evt="onPrev" delay="0">
+                  <p:tgtEl>
+                    <p:sldTgt/>
+                  </p:tgtEl>
+                </p:cond>
+              </p:prevCondLst>
+              <p:nextCondLst>
+                <p:cond evt="onNext" delay="0">
+                  <p:tgtEl>
+                    <p:sldTgt/>
+                  </p:tgtEl>
+                </p:cond>
+              </p:nextCondLst>
+            </p:seq>
+          </p:childTnLst>
+        </p:cTn>
+      </p:par>
+    </p:tnLst>
+    <p:bldLst>
+      <p:bldP spid="3" grpId="0"/>
+      <p:bldP spid="8" grpId="0" animBg="1"/>
+      <p:bldP spid="11" grpId="0"/>
+      <p:bldP spid="12" grpId="0"/>
+      <p:bldP spid="15" grpId="0"/>
+      <p:bldP spid="16" grpId="0" animBg="1"/>
+      <p:bldP spid="20" grpId="0" animBg="1"/>
+      <p:bldP spid="23" grpId="0" animBg="1"/>
+      <p:bldP spid="27" grpId="0"/>
+      <p:bldP spid="27" grpId="1"/>
+    </p:bldLst>
+  </p:timing>
 </p:sld>
 </file>
 
@@ -46480,8 +49625,8 @@
         </p:nvSpPr>
         <p:spPr>
           <a:xfrm>
-            <a:off x="390937" y="1790555"/>
-            <a:ext cx="11085446" cy="3046988"/>
+            <a:off x="556589" y="1542797"/>
+            <a:ext cx="11078818" cy="1107996"/>
           </a:xfrm>
           <a:prstGeom prst="rect">
             <a:avLst/>
@@ -46495,89 +49640,44 @@
           <a:p>
             <a:pPr algn="just"/>
             <a:r>
-              <a:rPr lang="en-US" sz="2400" b="1" dirty="0"/>
-              <a:t>3.     Absence of good resources for verbs</a:t>
-            </a:r>
-          </a:p>
-          <a:p>
-            <a:pPr marL="800100" lvl="1" indent="-342900" algn="just">
-              <a:buFont typeface="Arial" panose="020B0604020202020204" pitchFamily="34" charset="0"/>
-              <a:buChar char="•"/>
-            </a:pPr>
-            <a:r>
-              <a:rPr lang="en-US" sz="2400" dirty="0"/>
-              <a:t>Verbs are </a:t>
-            </a:r>
-            <a:r>
-              <a:rPr lang="en-US" sz="2400" dirty="0">
+              <a:rPr lang="en-US" sz="2200" i="1" dirty="0"/>
+              <a:t>“Super Bowl 50 was an American football game. … feature the Arabic numerals 50. The game was played on February 7 2016, at </a:t>
+            </a:r>
+            <a:r>
+              <a:rPr lang="en-US" sz="2200" i="1" dirty="0">
                 <a:solidFill>
                   <a:srgbClr val="FF0000"/>
                 </a:solidFill>
               </a:rPr>
-              <a:t>important parts</a:t>
-            </a:r>
-            <a:r>
-              <a:rPr lang="en-US" sz="2400" dirty="0"/>
-              <a:t> of the sentence</a:t>
-            </a:r>
-            <a:endParaRPr lang="en-US" sz="2400" dirty="0">
-              <a:solidFill>
-                <a:srgbClr val="FF0000"/>
-              </a:solidFill>
-            </a:endParaRPr>
-          </a:p>
-          <a:p>
-            <a:pPr marL="800100" lvl="1" indent="-342900" algn="just">
-              <a:buFont typeface="Arial" panose="020B0604020202020204" pitchFamily="34" charset="0"/>
-              <a:buChar char="•"/>
-            </a:pPr>
-            <a:r>
-              <a:rPr lang="en-US" sz="2400" dirty="0"/>
-              <a:t>Its important to </a:t>
-            </a:r>
-            <a:r>
-              <a:rPr lang="en-US" sz="2400" dirty="0">
+              <a:t>Levis Stadium</a:t>
+            </a:r>
+            <a:r>
+              <a:rPr lang="en-US" sz="2200" i="1" dirty="0"/>
+              <a:t>, in the </a:t>
+            </a:r>
+            <a:r>
+              <a:rPr lang="en-US" sz="2200" i="1" dirty="0">
                 <a:solidFill>
                   <a:srgbClr val="FF0000"/>
                 </a:solidFill>
               </a:rPr>
-              <a:t>understand the exact meaning of verbs </a:t>
-            </a:r>
-            <a:r>
-              <a:rPr lang="en-US" sz="2400" dirty="0"/>
-              <a:t>to understand the sentence</a:t>
-            </a:r>
-          </a:p>
-          <a:p>
-            <a:pPr marL="800100" lvl="1" indent="-342900" algn="just">
-              <a:buFont typeface="Arial" panose="020B0604020202020204" pitchFamily="34" charset="0"/>
-              <a:buChar char="•"/>
-            </a:pPr>
-            <a:r>
-              <a:rPr lang="en-US" sz="2400" dirty="0"/>
-              <a:t>Humans have a complete understanding of how verbs behave in different contexts.</a:t>
-            </a:r>
-          </a:p>
-          <a:p>
-            <a:pPr marL="800100" lvl="1" indent="-342900" algn="just">
-              <a:buFont typeface="Arial" panose="020B0604020202020204" pitchFamily="34" charset="0"/>
-              <a:buChar char="•"/>
-            </a:pPr>
-            <a:r>
-              <a:rPr lang="en-US" sz="2400" dirty="0"/>
-              <a:t>One way to overcome this is to </a:t>
-            </a:r>
-            <a:r>
-              <a:rPr lang="en-US" sz="2400" dirty="0">
+              <a:t>San Francisco Bay Area</a:t>
+            </a:r>
+            <a:r>
+              <a:rPr lang="en-US" sz="2200" i="1" dirty="0"/>
+              <a:t>, at </a:t>
+            </a:r>
+            <a:r>
+              <a:rPr lang="en-US" sz="2200" i="1" dirty="0">
                 <a:solidFill>
                   <a:srgbClr val="FF0000"/>
                 </a:solidFill>
               </a:rPr>
-              <a:t>manually add knowledge </a:t>
-            </a:r>
-            <a:r>
-              <a:rPr lang="en-US" sz="2400" dirty="0"/>
-              <a:t>about verbs that is reusable.</a:t>
+              <a:t>Santa Clara </a:t>
+            </a:r>
+            <a:r>
+              <a:rPr lang="en-US" sz="2200" i="1" dirty="0"/>
+              <a:t>in California.”</a:t>
             </a:r>
           </a:p>
         </p:txBody>
@@ -46642,8 +49742,8 @@
         </p:nvSpPr>
         <p:spPr>
           <a:xfrm>
-            <a:off x="4541560" y="332816"/>
-            <a:ext cx="3108879" cy="646331"/>
+            <a:off x="4537625" y="332816"/>
+            <a:ext cx="3116747" cy="646331"/>
           </a:xfrm>
           <a:prstGeom prst="rect">
             <a:avLst/>
@@ -46664,21 +49764,1469 @@
                   <a:schemeClr val="bg1"/>
                 </a:solidFill>
               </a:rPr>
-              <a:t>Hurdles</a:t>
-            </a:r>
+              <a:t>Super Bowl 50</a:t>
+            </a:r>
+          </a:p>
+        </p:txBody>
+      </p:sp>
+      <p:sp>
+        <p:nvSpPr>
+          <p:cNvPr id="2" name="Rectangle 1">
+            <a:extLst>
+              <a:ext uri="{FF2B5EF4-FFF2-40B4-BE49-F238E27FC236}">
+                <a16:creationId xmlns:a16="http://schemas.microsoft.com/office/drawing/2014/main" id="{8BEE3AE4-A5F7-45B2-9701-803F7279D7C5}"/>
+              </a:ext>
+            </a:extLst>
+          </p:cNvPr>
+          <p:cNvSpPr/>
+          <p:nvPr/>
+        </p:nvSpPr>
+        <p:spPr>
+          <a:xfrm>
+            <a:off x="556588" y="2764757"/>
+            <a:ext cx="5056421" cy="430887"/>
+          </a:xfrm>
+          <a:prstGeom prst="rect">
+            <a:avLst/>
+          </a:prstGeom>
+        </p:spPr>
+        <p:txBody>
+          <a:bodyPr wrap="square">
+            <a:spAutoFit/>
+          </a:bodyPr>
+          <a:lstStyle/>
+          <a:p>
+            <a:r>
+              <a:rPr lang="en-US" sz="2200" dirty="0"/>
+              <a:t>Q2. Where was Super Bowl 50 played?</a:t>
+            </a:r>
+          </a:p>
+        </p:txBody>
+      </p:sp>
+      <p:sp>
+        <p:nvSpPr>
+          <p:cNvPr id="3" name="Rectangle 2">
+            <a:extLst>
+              <a:ext uri="{FF2B5EF4-FFF2-40B4-BE49-F238E27FC236}">
+                <a16:creationId xmlns:a16="http://schemas.microsoft.com/office/drawing/2014/main" id="{E4A37FE3-372B-4A34-9DC1-F0B39FB1D758}"/>
+              </a:ext>
+            </a:extLst>
+          </p:cNvPr>
+          <p:cNvSpPr/>
+          <p:nvPr/>
+        </p:nvSpPr>
+        <p:spPr>
+          <a:xfrm>
+            <a:off x="556587" y="3195644"/>
+            <a:ext cx="6771865" cy="1523494"/>
+          </a:xfrm>
+          <a:prstGeom prst="rect">
+            <a:avLst/>
+          </a:prstGeom>
+        </p:spPr>
+        <p:txBody>
+          <a:bodyPr wrap="square">
+            <a:spAutoFit/>
+          </a:bodyPr>
+          <a:lstStyle/>
+          <a:p>
+            <a:pPr>
+              <a:spcAft>
+                <a:spcPts val="600"/>
+              </a:spcAft>
+            </a:pPr>
+            <a:r>
+              <a:rPr lang="en-US" sz="2200" i="1" dirty="0">
+                <a:solidFill>
+                  <a:schemeClr val="accent1">
+                    <a:lumMod val="50000"/>
+                  </a:schemeClr>
+                </a:solidFill>
+              </a:rPr>
+              <a:t>event(E1, play, S1, O1),_similar('super_bowl_50', O1), _property(E1, play, in, X1), location(X1).</a:t>
+            </a:r>
+          </a:p>
+          <a:p>
+            <a:pPr>
+              <a:spcAft>
+                <a:spcPts val="600"/>
+              </a:spcAft>
+            </a:pPr>
+            <a:r>
+              <a:rPr lang="en-US" sz="2200" i="1" dirty="0">
+                <a:solidFill>
+                  <a:schemeClr val="accent1">
+                    <a:lumMod val="50000"/>
+                  </a:schemeClr>
+                </a:solidFill>
+              </a:rPr>
+              <a:t>event(E1, play, S1, O1),_similar('super_bowl_50', O1), _property(E1, play, at, X1), location(X1).</a:t>
+            </a:r>
+          </a:p>
+        </p:txBody>
+      </p:sp>
+      <p:sp>
+        <p:nvSpPr>
+          <p:cNvPr id="8" name="TextBox 7">
+            <a:extLst>
+              <a:ext uri="{FF2B5EF4-FFF2-40B4-BE49-F238E27FC236}">
+                <a16:creationId xmlns:a16="http://schemas.microsoft.com/office/drawing/2014/main" id="{E61C2AFA-C4F2-45C7-973D-45F20892950C}"/>
+              </a:ext>
+            </a:extLst>
+          </p:cNvPr>
+          <p:cNvSpPr txBox="1"/>
+          <p:nvPr/>
+        </p:nvSpPr>
+        <p:spPr>
+          <a:xfrm>
+            <a:off x="9449647" y="3749571"/>
+            <a:ext cx="1232996" cy="461665"/>
+          </a:xfrm>
+          <a:prstGeom prst="rect">
+            <a:avLst/>
+          </a:prstGeom>
+          <a:solidFill>
+            <a:schemeClr val="accent6">
+              <a:lumMod val="50000"/>
+            </a:schemeClr>
+          </a:solidFill>
+          <a:ln>
+            <a:solidFill>
+              <a:schemeClr val="accent6">
+                <a:lumMod val="50000"/>
+              </a:schemeClr>
+            </a:solidFill>
+          </a:ln>
+        </p:spPr>
+        <p:txBody>
+          <a:bodyPr wrap="square" rtlCol="0">
+            <a:spAutoFit/>
+          </a:bodyPr>
+          <a:lstStyle/>
+          <a:p>
+            <a:pPr algn="ctr"/>
+            <a:r>
+              <a:rPr lang="en-US" sz="2400" dirty="0">
+                <a:solidFill>
+                  <a:schemeClr val="bg1"/>
+                </a:solidFill>
+              </a:rPr>
+              <a:t>Certain</a:t>
+            </a:r>
+          </a:p>
+        </p:txBody>
+      </p:sp>
+      <p:cxnSp>
+        <p:nvCxnSpPr>
+          <p:cNvPr id="10" name="Straight Arrow Connector 9">
+            <a:extLst>
+              <a:ext uri="{FF2B5EF4-FFF2-40B4-BE49-F238E27FC236}">
+                <a16:creationId xmlns:a16="http://schemas.microsoft.com/office/drawing/2014/main" id="{9C6B788F-4249-4366-8B95-A6C42E615343}"/>
+              </a:ext>
+            </a:extLst>
+          </p:cNvPr>
+          <p:cNvCxnSpPr>
+            <a:cxnSpLocks/>
+            <a:stCxn id="8" idx="1"/>
+          </p:cNvCxnSpPr>
+          <p:nvPr/>
+        </p:nvCxnSpPr>
+        <p:spPr>
+          <a:xfrm flipH="1">
+            <a:off x="7891975" y="3980404"/>
+            <a:ext cx="1557672" cy="0"/>
+          </a:xfrm>
+          <a:prstGeom prst="straightConnector1">
+            <a:avLst/>
+          </a:prstGeom>
+          <a:ln>
+            <a:solidFill>
+              <a:schemeClr val="accent6">
+                <a:lumMod val="50000"/>
+              </a:schemeClr>
+            </a:solidFill>
+            <a:tailEnd type="triangle"/>
+          </a:ln>
+        </p:spPr>
+        <p:style>
+          <a:lnRef idx="3">
+            <a:schemeClr val="accent6"/>
+          </a:lnRef>
+          <a:fillRef idx="0">
+            <a:schemeClr val="accent6"/>
+          </a:fillRef>
+          <a:effectRef idx="2">
+            <a:schemeClr val="accent6"/>
+          </a:effectRef>
+          <a:fontRef idx="minor">
+            <a:schemeClr val="tx1"/>
+          </a:fontRef>
+        </p:style>
+      </p:cxnSp>
+      <p:sp>
+        <p:nvSpPr>
+          <p:cNvPr id="11" name="TextBox 10">
+            <a:extLst>
+              <a:ext uri="{FF2B5EF4-FFF2-40B4-BE49-F238E27FC236}">
+                <a16:creationId xmlns:a16="http://schemas.microsoft.com/office/drawing/2014/main" id="{CBF323D9-5348-4AB5-B3F9-9971838D226D}"/>
+              </a:ext>
+            </a:extLst>
+          </p:cNvPr>
+          <p:cNvSpPr txBox="1"/>
+          <p:nvPr/>
+        </p:nvSpPr>
+        <p:spPr>
+          <a:xfrm>
+            <a:off x="7323068" y="3257129"/>
+            <a:ext cx="331304" cy="1446550"/>
+          </a:xfrm>
+          <a:prstGeom prst="rect">
+            <a:avLst/>
+          </a:prstGeom>
+          <a:noFill/>
+        </p:spPr>
+        <p:txBody>
+          <a:bodyPr wrap="square" rtlCol="0">
+            <a:spAutoFit/>
+          </a:bodyPr>
+          <a:lstStyle/>
+          <a:p>
+            <a:r>
+              <a:rPr lang="en-US" sz="8800" dirty="0">
+                <a:solidFill>
+                  <a:schemeClr val="accent6">
+                    <a:lumMod val="50000"/>
+                  </a:schemeClr>
+                </a:solidFill>
+              </a:rPr>
+              <a:t>}</a:t>
+            </a:r>
+            <a:endParaRPr lang="en-US" sz="7200" dirty="0">
+              <a:solidFill>
+                <a:schemeClr val="accent6">
+                  <a:lumMod val="50000"/>
+                </a:schemeClr>
+              </a:solidFill>
+            </a:endParaRPr>
+          </a:p>
+        </p:txBody>
+      </p:sp>
+      <p:sp>
+        <p:nvSpPr>
+          <p:cNvPr id="12" name="Rectangle 11">
+            <a:extLst>
+              <a:ext uri="{FF2B5EF4-FFF2-40B4-BE49-F238E27FC236}">
+                <a16:creationId xmlns:a16="http://schemas.microsoft.com/office/drawing/2014/main" id="{0BE6EB0A-C1FE-44D3-B637-B6AACAD328B5}"/>
+              </a:ext>
+            </a:extLst>
+          </p:cNvPr>
+          <p:cNvSpPr/>
+          <p:nvPr/>
+        </p:nvSpPr>
+        <p:spPr>
+          <a:xfrm>
+            <a:off x="604203" y="5645576"/>
+            <a:ext cx="1767768" cy="430887"/>
+          </a:xfrm>
+          <a:prstGeom prst="rect">
+            <a:avLst/>
+          </a:prstGeom>
+        </p:spPr>
+        <p:txBody>
+          <a:bodyPr wrap="square">
+            <a:spAutoFit/>
+          </a:bodyPr>
+          <a:lstStyle/>
+          <a:p>
+            <a:r>
+              <a:rPr lang="en-US" sz="2200" i="1" dirty="0">
+                <a:solidFill>
+                  <a:schemeClr val="accent1">
+                    <a:lumMod val="50000"/>
+                  </a:schemeClr>
+                </a:solidFill>
+              </a:rPr>
+              <a:t>location(X1).</a:t>
+            </a:r>
+          </a:p>
+        </p:txBody>
+      </p:sp>
+      <p:sp>
+        <p:nvSpPr>
+          <p:cNvPr id="19" name="Rectangle 18">
+            <a:extLst>
+              <a:ext uri="{FF2B5EF4-FFF2-40B4-BE49-F238E27FC236}">
+                <a16:creationId xmlns:a16="http://schemas.microsoft.com/office/drawing/2014/main" id="{A37D8618-CC91-4820-9385-21130AC925E1}"/>
+              </a:ext>
+            </a:extLst>
+          </p:cNvPr>
+          <p:cNvSpPr/>
+          <p:nvPr/>
+        </p:nvSpPr>
+        <p:spPr>
+          <a:xfrm>
+            <a:off x="556586" y="4729056"/>
+            <a:ext cx="4708661" cy="846386"/>
+          </a:xfrm>
+          <a:prstGeom prst="rect">
+            <a:avLst/>
+          </a:prstGeom>
+        </p:spPr>
+        <p:txBody>
+          <a:bodyPr wrap="none">
+            <a:spAutoFit/>
+          </a:bodyPr>
+          <a:lstStyle/>
+          <a:p>
+            <a:pPr>
+              <a:spcAft>
+                <a:spcPts val="600"/>
+              </a:spcAft>
+            </a:pPr>
+            <a:r>
+              <a:rPr lang="en-US" sz="2200" i="1" dirty="0">
+                <a:solidFill>
+                  <a:schemeClr val="accent1">
+                    <a:lumMod val="50000"/>
+                  </a:schemeClr>
+                </a:solidFill>
+              </a:rPr>
+              <a:t>_property(E1, play, in, X1), location(X1).</a:t>
+            </a:r>
+          </a:p>
+          <a:p>
+            <a:pPr>
+              <a:spcAft>
+                <a:spcPts val="600"/>
+              </a:spcAft>
+            </a:pPr>
+            <a:r>
+              <a:rPr lang="en-US" sz="2200" i="1" dirty="0">
+                <a:solidFill>
+                  <a:schemeClr val="accent1">
+                    <a:lumMod val="50000"/>
+                  </a:schemeClr>
+                </a:solidFill>
+              </a:rPr>
+              <a:t>_property(E1, play, at, X1), location(X1).</a:t>
+            </a:r>
+          </a:p>
+        </p:txBody>
+      </p:sp>
+      <p:sp>
+        <p:nvSpPr>
+          <p:cNvPr id="20" name="TextBox 19">
+            <a:extLst>
+              <a:ext uri="{FF2B5EF4-FFF2-40B4-BE49-F238E27FC236}">
+                <a16:creationId xmlns:a16="http://schemas.microsoft.com/office/drawing/2014/main" id="{76BBF178-9178-47A6-87E9-25711093A820}"/>
+              </a:ext>
+            </a:extLst>
+          </p:cNvPr>
+          <p:cNvSpPr txBox="1"/>
+          <p:nvPr/>
+        </p:nvSpPr>
+        <p:spPr>
+          <a:xfrm>
+            <a:off x="9402029" y="4882944"/>
+            <a:ext cx="1232996" cy="461665"/>
+          </a:xfrm>
+          <a:prstGeom prst="rect">
+            <a:avLst/>
+          </a:prstGeom>
+          <a:solidFill>
+            <a:schemeClr val="accent2"/>
+          </a:solidFill>
+          <a:ln>
+            <a:solidFill>
+              <a:schemeClr val="accent2"/>
+            </a:solidFill>
+          </a:ln>
+        </p:spPr>
+        <p:txBody>
+          <a:bodyPr wrap="square" rtlCol="0">
+            <a:spAutoFit/>
+          </a:bodyPr>
+          <a:lstStyle/>
+          <a:p>
+            <a:pPr algn="ctr"/>
+            <a:r>
+              <a:rPr lang="en-US" sz="2400" dirty="0">
+                <a:solidFill>
+                  <a:schemeClr val="bg1"/>
+                </a:solidFill>
+              </a:rPr>
+              <a:t>Possible</a:t>
+            </a:r>
+          </a:p>
+        </p:txBody>
+      </p:sp>
+      <p:cxnSp>
+        <p:nvCxnSpPr>
+          <p:cNvPr id="21" name="Straight Arrow Connector 20">
+            <a:extLst>
+              <a:ext uri="{FF2B5EF4-FFF2-40B4-BE49-F238E27FC236}">
+                <a16:creationId xmlns:a16="http://schemas.microsoft.com/office/drawing/2014/main" id="{8B9A34D3-CAB8-439C-B201-A5C010A90E15}"/>
+              </a:ext>
+            </a:extLst>
+          </p:cNvPr>
+          <p:cNvCxnSpPr>
+            <a:cxnSpLocks/>
+            <a:stCxn id="20" idx="1"/>
+            <a:endCxn id="29" idx="3"/>
+          </p:cNvCxnSpPr>
+          <p:nvPr/>
+        </p:nvCxnSpPr>
+        <p:spPr>
+          <a:xfrm flipH="1">
+            <a:off x="5488750" y="5113777"/>
+            <a:ext cx="3913279" cy="0"/>
+          </a:xfrm>
+          <a:prstGeom prst="straightConnector1">
+            <a:avLst/>
+          </a:prstGeom>
+          <a:ln>
+            <a:solidFill>
+              <a:schemeClr val="accent2"/>
+            </a:solidFill>
+            <a:tailEnd type="triangle"/>
+          </a:ln>
+        </p:spPr>
+        <p:style>
+          <a:lnRef idx="3">
+            <a:schemeClr val="accent6"/>
+          </a:lnRef>
+          <a:fillRef idx="0">
+            <a:schemeClr val="accent6"/>
+          </a:fillRef>
+          <a:effectRef idx="2">
+            <a:schemeClr val="accent6"/>
+          </a:effectRef>
+          <a:fontRef idx="minor">
+            <a:schemeClr val="tx1"/>
+          </a:fontRef>
+        </p:style>
+      </p:cxnSp>
+      <p:sp>
+        <p:nvSpPr>
+          <p:cNvPr id="23" name="TextBox 22">
+            <a:extLst>
+              <a:ext uri="{FF2B5EF4-FFF2-40B4-BE49-F238E27FC236}">
+                <a16:creationId xmlns:a16="http://schemas.microsoft.com/office/drawing/2014/main" id="{17C28B5D-9FB4-4681-8E86-F50807827626}"/>
+              </a:ext>
+            </a:extLst>
+          </p:cNvPr>
+          <p:cNvSpPr txBox="1"/>
+          <p:nvPr/>
+        </p:nvSpPr>
+        <p:spPr>
+          <a:xfrm>
+            <a:off x="9402029" y="5614798"/>
+            <a:ext cx="1232996" cy="461665"/>
+          </a:xfrm>
+          <a:prstGeom prst="rect">
+            <a:avLst/>
+          </a:prstGeom>
+          <a:solidFill>
+            <a:schemeClr val="accent4"/>
+          </a:solidFill>
+          <a:ln>
+            <a:solidFill>
+              <a:schemeClr val="accent4"/>
+            </a:solidFill>
+          </a:ln>
+        </p:spPr>
+        <p:txBody>
+          <a:bodyPr wrap="square" rtlCol="0">
+            <a:spAutoFit/>
+          </a:bodyPr>
+          <a:lstStyle/>
+          <a:p>
+            <a:pPr algn="ctr"/>
+            <a:r>
+              <a:rPr lang="en-US" sz="2400" dirty="0">
+                <a:solidFill>
+                  <a:schemeClr val="bg1"/>
+                </a:solidFill>
+              </a:rPr>
+              <a:t>Guess</a:t>
+            </a:r>
+          </a:p>
+        </p:txBody>
+      </p:sp>
+      <p:cxnSp>
+        <p:nvCxnSpPr>
+          <p:cNvPr id="24" name="Straight Arrow Connector 23">
+            <a:extLst>
+              <a:ext uri="{FF2B5EF4-FFF2-40B4-BE49-F238E27FC236}">
+                <a16:creationId xmlns:a16="http://schemas.microsoft.com/office/drawing/2014/main" id="{13707734-2438-402D-95BC-6CB3989420E9}"/>
+              </a:ext>
+            </a:extLst>
+          </p:cNvPr>
+          <p:cNvCxnSpPr>
+            <a:cxnSpLocks/>
+            <a:stCxn id="23" idx="1"/>
+            <a:endCxn id="12" idx="3"/>
+          </p:cNvCxnSpPr>
+          <p:nvPr/>
+        </p:nvCxnSpPr>
+        <p:spPr>
+          <a:xfrm flipH="1">
+            <a:off x="2371971" y="5845631"/>
+            <a:ext cx="7030058" cy="15389"/>
+          </a:xfrm>
+          <a:prstGeom prst="straightConnector1">
+            <a:avLst/>
+          </a:prstGeom>
+          <a:ln>
+            <a:solidFill>
+              <a:schemeClr val="accent4"/>
+            </a:solidFill>
+            <a:tailEnd type="triangle"/>
+          </a:ln>
+        </p:spPr>
+        <p:style>
+          <a:lnRef idx="3">
+            <a:schemeClr val="accent6"/>
+          </a:lnRef>
+          <a:fillRef idx="0">
+            <a:schemeClr val="accent6"/>
+          </a:fillRef>
+          <a:effectRef idx="2">
+            <a:schemeClr val="accent6"/>
+          </a:effectRef>
+          <a:fontRef idx="minor">
+            <a:schemeClr val="tx1"/>
+          </a:fontRef>
+        </p:style>
+      </p:cxnSp>
+      <p:sp>
+        <p:nvSpPr>
+          <p:cNvPr id="27" name="Rectangle 26">
+            <a:extLst>
+              <a:ext uri="{FF2B5EF4-FFF2-40B4-BE49-F238E27FC236}">
+                <a16:creationId xmlns:a16="http://schemas.microsoft.com/office/drawing/2014/main" id="{4D5B4AB5-2841-4810-9477-DFCFFF3C790A}"/>
+              </a:ext>
+            </a:extLst>
+          </p:cNvPr>
+          <p:cNvSpPr/>
+          <p:nvPr/>
+        </p:nvSpPr>
+        <p:spPr>
+          <a:xfrm>
+            <a:off x="312304" y="6252550"/>
+            <a:ext cx="5350247" cy="461665"/>
+          </a:xfrm>
+          <a:prstGeom prst="rect">
+            <a:avLst/>
+          </a:prstGeom>
+        </p:spPr>
+        <p:txBody>
+          <a:bodyPr wrap="none">
+            <a:spAutoFit/>
+          </a:bodyPr>
+          <a:lstStyle/>
+          <a:p>
+            <a:r>
+              <a:rPr lang="en-US" sz="2400" i="1" dirty="0">
+                <a:solidFill>
+                  <a:srgbClr val="FF0000"/>
+                </a:solidFill>
+              </a:rPr>
+              <a:t>answer(</a:t>
+            </a:r>
+            <a:r>
+              <a:rPr lang="en-US" sz="2400" i="1" dirty="0" err="1">
+                <a:solidFill>
+                  <a:srgbClr val="FF0000"/>
+                </a:solidFill>
+              </a:rPr>
+              <a:t>san_francisco_bay_area,certain</a:t>
+            </a:r>
+            <a:r>
+              <a:rPr lang="en-US" sz="2400" i="1" dirty="0">
+                <a:solidFill>
+                  <a:srgbClr val="FF0000"/>
+                </a:solidFill>
+              </a:rPr>
+              <a:t>);</a:t>
+            </a:r>
+            <a:endParaRPr lang="en-US" sz="2400" dirty="0">
+              <a:solidFill>
+                <a:srgbClr val="FF0000"/>
+              </a:solidFill>
+            </a:endParaRPr>
+          </a:p>
+        </p:txBody>
+      </p:sp>
+      <p:sp>
+        <p:nvSpPr>
+          <p:cNvPr id="29" name="TextBox 28">
+            <a:extLst>
+              <a:ext uri="{FF2B5EF4-FFF2-40B4-BE49-F238E27FC236}">
+                <a16:creationId xmlns:a16="http://schemas.microsoft.com/office/drawing/2014/main" id="{E49CBCF4-11DF-46D2-8436-4C46E682494C}"/>
+              </a:ext>
+            </a:extLst>
+          </p:cNvPr>
+          <p:cNvSpPr txBox="1"/>
+          <p:nvPr/>
+        </p:nvSpPr>
+        <p:spPr>
+          <a:xfrm>
+            <a:off x="5157446" y="4652112"/>
+            <a:ext cx="331304" cy="923330"/>
+          </a:xfrm>
+          <a:prstGeom prst="rect">
+            <a:avLst/>
+          </a:prstGeom>
+          <a:noFill/>
+        </p:spPr>
+        <p:txBody>
+          <a:bodyPr wrap="square" rtlCol="0">
+            <a:spAutoFit/>
+          </a:bodyPr>
+          <a:lstStyle/>
+          <a:p>
+            <a:r>
+              <a:rPr lang="en-US" sz="5400" dirty="0">
+                <a:solidFill>
+                  <a:schemeClr val="accent2"/>
+                </a:solidFill>
+              </a:rPr>
+              <a:t>}</a:t>
+            </a:r>
+            <a:endParaRPr lang="en-US" sz="7200" dirty="0">
+              <a:solidFill>
+                <a:schemeClr val="accent2"/>
+              </a:solidFill>
+            </a:endParaRPr>
+          </a:p>
+        </p:txBody>
+      </p:sp>
+      <p:sp>
+        <p:nvSpPr>
+          <p:cNvPr id="33" name="Rectangle 32">
+            <a:extLst>
+              <a:ext uri="{FF2B5EF4-FFF2-40B4-BE49-F238E27FC236}">
+                <a16:creationId xmlns:a16="http://schemas.microsoft.com/office/drawing/2014/main" id="{54C55A6B-E9B0-400F-9A23-E50D1F5D9616}"/>
+              </a:ext>
+            </a:extLst>
+          </p:cNvPr>
+          <p:cNvSpPr/>
+          <p:nvPr/>
+        </p:nvSpPr>
+        <p:spPr>
+          <a:xfrm>
+            <a:off x="312304" y="6276518"/>
+            <a:ext cx="4007892" cy="461665"/>
+          </a:xfrm>
+          <a:prstGeom prst="rect">
+            <a:avLst/>
+          </a:prstGeom>
+        </p:spPr>
+        <p:txBody>
+          <a:bodyPr wrap="none">
+            <a:spAutoFit/>
+          </a:bodyPr>
+          <a:lstStyle/>
+          <a:p>
+            <a:r>
+              <a:rPr lang="en-US" sz="2400" i="1" dirty="0">
+                <a:solidFill>
+                  <a:srgbClr val="FF0000"/>
+                </a:solidFill>
+              </a:rPr>
+              <a:t>answer(</a:t>
+            </a:r>
+            <a:r>
+              <a:rPr lang="en-US" sz="2400" i="1" dirty="0" err="1">
+                <a:solidFill>
+                  <a:srgbClr val="FF0000"/>
+                </a:solidFill>
+              </a:rPr>
+              <a:t>levis_stadium,certain</a:t>
+            </a:r>
+            <a:r>
+              <a:rPr lang="en-US" sz="2400" i="1" dirty="0">
+                <a:solidFill>
+                  <a:srgbClr val="FF0000"/>
+                </a:solidFill>
+              </a:rPr>
+              <a:t>);</a:t>
+            </a:r>
+            <a:endParaRPr lang="en-US" sz="2400" dirty="0">
+              <a:solidFill>
+                <a:srgbClr val="FF0000"/>
+              </a:solidFill>
+            </a:endParaRPr>
+          </a:p>
+        </p:txBody>
+      </p:sp>
+      <p:sp>
+        <p:nvSpPr>
+          <p:cNvPr id="34" name="Rectangle 33">
+            <a:extLst>
+              <a:ext uri="{FF2B5EF4-FFF2-40B4-BE49-F238E27FC236}">
+                <a16:creationId xmlns:a16="http://schemas.microsoft.com/office/drawing/2014/main" id="{E41DF31F-4BF7-46B5-9A7B-A808551564D8}"/>
+              </a:ext>
+            </a:extLst>
+          </p:cNvPr>
+          <p:cNvSpPr/>
+          <p:nvPr/>
+        </p:nvSpPr>
+        <p:spPr>
+          <a:xfrm>
+            <a:off x="312304" y="6276158"/>
+            <a:ext cx="3771417" cy="461665"/>
+          </a:xfrm>
+          <a:prstGeom prst="rect">
+            <a:avLst/>
+          </a:prstGeom>
+        </p:spPr>
+        <p:txBody>
+          <a:bodyPr wrap="none">
+            <a:spAutoFit/>
+          </a:bodyPr>
+          <a:lstStyle/>
+          <a:p>
+            <a:r>
+              <a:rPr lang="en-US" sz="2400" i="1" dirty="0">
+                <a:solidFill>
+                  <a:srgbClr val="FF0000"/>
+                </a:solidFill>
+              </a:rPr>
+              <a:t>answer(</a:t>
+            </a:r>
+            <a:r>
+              <a:rPr lang="en-US" sz="2400" i="1" dirty="0" err="1">
+                <a:solidFill>
+                  <a:srgbClr val="FF0000"/>
+                </a:solidFill>
+              </a:rPr>
+              <a:t>santa_clara,certain</a:t>
+            </a:r>
+            <a:r>
+              <a:rPr lang="en-US" sz="2400" i="1" dirty="0">
+                <a:solidFill>
+                  <a:srgbClr val="FF0000"/>
+                </a:solidFill>
+              </a:rPr>
+              <a:t>);</a:t>
+            </a:r>
+            <a:endParaRPr lang="en-US" sz="2400" dirty="0">
+              <a:solidFill>
+                <a:srgbClr val="FF0000"/>
+              </a:solidFill>
+            </a:endParaRPr>
           </a:p>
         </p:txBody>
       </p:sp>
     </p:spTree>
     <p:extLst>
       <p:ext uri="{BB962C8B-B14F-4D97-AF65-F5344CB8AC3E}">
-        <p14:creationId xmlns:p14="http://schemas.microsoft.com/office/powerpoint/2010/main" val="976670942"/>
+        <p14:creationId xmlns:p14="http://schemas.microsoft.com/office/powerpoint/2010/main" val="3044166832"/>
       </p:ext>
     </p:extLst>
   </p:cSld>
   <p:clrMapOvr>
     <a:masterClrMapping/>
   </p:clrMapOvr>
+  <p:timing>
+    <p:tnLst>
+      <p:par>
+        <p:cTn id="1" dur="indefinite" restart="never" nodeType="tmRoot">
+          <p:childTnLst>
+            <p:seq concurrent="1" nextAc="seek">
+              <p:cTn id="2" dur="indefinite" nodeType="mainSeq">
+                <p:childTnLst>
+                  <p:par>
+                    <p:cTn id="3" fill="hold">
+                      <p:stCondLst>
+                        <p:cond delay="indefinite"/>
+                      </p:stCondLst>
+                      <p:childTnLst>
+                        <p:par>
+                          <p:cTn id="4" fill="hold">
+                            <p:stCondLst>
+                              <p:cond delay="0"/>
+                            </p:stCondLst>
+                            <p:childTnLst>
+                              <p:par>
+                                <p:cTn id="5" presetID="10" presetClass="entr" presetSubtype="0" fill="hold" grpId="0" nodeType="clickEffect">
+                                  <p:stCondLst>
+                                    <p:cond delay="0"/>
+                                  </p:stCondLst>
+                                  <p:childTnLst>
+                                    <p:set>
+                                      <p:cBhvr>
+                                        <p:cTn id="6" dur="1" fill="hold">
+                                          <p:stCondLst>
+                                            <p:cond delay="0"/>
+                                          </p:stCondLst>
+                                        </p:cTn>
+                                        <p:tgtEl>
+                                          <p:spTgt spid="3"/>
+                                        </p:tgtEl>
+                                        <p:attrNameLst>
+                                          <p:attrName>style.visibility</p:attrName>
+                                        </p:attrNameLst>
+                                      </p:cBhvr>
+                                      <p:to>
+                                        <p:strVal val="visible"/>
+                                      </p:to>
+                                    </p:set>
+                                    <p:animEffect transition="in" filter="fade">
+                                      <p:cBhvr>
+                                        <p:cTn id="7" dur="500"/>
+                                        <p:tgtEl>
+                                          <p:spTgt spid="3"/>
+                                        </p:tgtEl>
+                                      </p:cBhvr>
+                                    </p:animEffect>
+                                  </p:childTnLst>
+                                </p:cTn>
+                              </p:par>
+                              <p:par>
+                                <p:cTn id="8" presetID="10" presetClass="entr" presetSubtype="0" fill="hold" grpId="0" nodeType="withEffect">
+                                  <p:stCondLst>
+                                    <p:cond delay="0"/>
+                                  </p:stCondLst>
+                                  <p:childTnLst>
+                                    <p:set>
+                                      <p:cBhvr>
+                                        <p:cTn id="9" dur="1" fill="hold">
+                                          <p:stCondLst>
+                                            <p:cond delay="0"/>
+                                          </p:stCondLst>
+                                        </p:cTn>
+                                        <p:tgtEl>
+                                          <p:spTgt spid="11"/>
+                                        </p:tgtEl>
+                                        <p:attrNameLst>
+                                          <p:attrName>style.visibility</p:attrName>
+                                        </p:attrNameLst>
+                                      </p:cBhvr>
+                                      <p:to>
+                                        <p:strVal val="visible"/>
+                                      </p:to>
+                                    </p:set>
+                                    <p:animEffect transition="in" filter="fade">
+                                      <p:cBhvr>
+                                        <p:cTn id="10" dur="500"/>
+                                        <p:tgtEl>
+                                          <p:spTgt spid="11"/>
+                                        </p:tgtEl>
+                                      </p:cBhvr>
+                                    </p:animEffect>
+                                  </p:childTnLst>
+                                </p:cTn>
+                              </p:par>
+                              <p:par>
+                                <p:cTn id="11" presetID="10" presetClass="entr" presetSubtype="0" fill="hold" nodeType="withEffect">
+                                  <p:stCondLst>
+                                    <p:cond delay="0"/>
+                                  </p:stCondLst>
+                                  <p:childTnLst>
+                                    <p:set>
+                                      <p:cBhvr>
+                                        <p:cTn id="12" dur="1" fill="hold">
+                                          <p:stCondLst>
+                                            <p:cond delay="0"/>
+                                          </p:stCondLst>
+                                        </p:cTn>
+                                        <p:tgtEl>
+                                          <p:spTgt spid="10"/>
+                                        </p:tgtEl>
+                                        <p:attrNameLst>
+                                          <p:attrName>style.visibility</p:attrName>
+                                        </p:attrNameLst>
+                                      </p:cBhvr>
+                                      <p:to>
+                                        <p:strVal val="visible"/>
+                                      </p:to>
+                                    </p:set>
+                                    <p:animEffect transition="in" filter="fade">
+                                      <p:cBhvr>
+                                        <p:cTn id="13" dur="500"/>
+                                        <p:tgtEl>
+                                          <p:spTgt spid="10"/>
+                                        </p:tgtEl>
+                                      </p:cBhvr>
+                                    </p:animEffect>
+                                  </p:childTnLst>
+                                </p:cTn>
+                              </p:par>
+                              <p:par>
+                                <p:cTn id="14" presetID="10" presetClass="entr" presetSubtype="0" fill="hold" grpId="0" nodeType="withEffect">
+                                  <p:stCondLst>
+                                    <p:cond delay="0"/>
+                                  </p:stCondLst>
+                                  <p:childTnLst>
+                                    <p:set>
+                                      <p:cBhvr>
+                                        <p:cTn id="15" dur="1" fill="hold">
+                                          <p:stCondLst>
+                                            <p:cond delay="0"/>
+                                          </p:stCondLst>
+                                        </p:cTn>
+                                        <p:tgtEl>
+                                          <p:spTgt spid="8"/>
+                                        </p:tgtEl>
+                                        <p:attrNameLst>
+                                          <p:attrName>style.visibility</p:attrName>
+                                        </p:attrNameLst>
+                                      </p:cBhvr>
+                                      <p:to>
+                                        <p:strVal val="visible"/>
+                                      </p:to>
+                                    </p:set>
+                                    <p:animEffect transition="in" filter="fade">
+                                      <p:cBhvr>
+                                        <p:cTn id="16" dur="500"/>
+                                        <p:tgtEl>
+                                          <p:spTgt spid="8"/>
+                                        </p:tgtEl>
+                                      </p:cBhvr>
+                                    </p:animEffect>
+                                  </p:childTnLst>
+                                </p:cTn>
+                              </p:par>
+                            </p:childTnLst>
+                          </p:cTn>
+                        </p:par>
+                      </p:childTnLst>
+                    </p:cTn>
+                  </p:par>
+                  <p:par>
+                    <p:cTn id="17" fill="hold">
+                      <p:stCondLst>
+                        <p:cond delay="indefinite"/>
+                      </p:stCondLst>
+                      <p:childTnLst>
+                        <p:par>
+                          <p:cTn id="18" fill="hold">
+                            <p:stCondLst>
+                              <p:cond delay="0"/>
+                            </p:stCondLst>
+                            <p:childTnLst>
+                              <p:par>
+                                <p:cTn id="19" presetID="10" presetClass="entr" presetSubtype="0" fill="hold" grpId="0" nodeType="clickEffect">
+                                  <p:stCondLst>
+                                    <p:cond delay="0"/>
+                                  </p:stCondLst>
+                                  <p:childTnLst>
+                                    <p:set>
+                                      <p:cBhvr>
+                                        <p:cTn id="20" dur="1" fill="hold">
+                                          <p:stCondLst>
+                                            <p:cond delay="0"/>
+                                          </p:stCondLst>
+                                        </p:cTn>
+                                        <p:tgtEl>
+                                          <p:spTgt spid="19"/>
+                                        </p:tgtEl>
+                                        <p:attrNameLst>
+                                          <p:attrName>style.visibility</p:attrName>
+                                        </p:attrNameLst>
+                                      </p:cBhvr>
+                                      <p:to>
+                                        <p:strVal val="visible"/>
+                                      </p:to>
+                                    </p:set>
+                                    <p:animEffect transition="in" filter="fade">
+                                      <p:cBhvr>
+                                        <p:cTn id="21" dur="500"/>
+                                        <p:tgtEl>
+                                          <p:spTgt spid="19"/>
+                                        </p:tgtEl>
+                                      </p:cBhvr>
+                                    </p:animEffect>
+                                  </p:childTnLst>
+                                </p:cTn>
+                              </p:par>
+                              <p:par>
+                                <p:cTn id="22" presetID="10" presetClass="entr" presetSubtype="0" fill="hold" grpId="0" nodeType="withEffect">
+                                  <p:stCondLst>
+                                    <p:cond delay="0"/>
+                                  </p:stCondLst>
+                                  <p:childTnLst>
+                                    <p:set>
+                                      <p:cBhvr>
+                                        <p:cTn id="23" dur="1" fill="hold">
+                                          <p:stCondLst>
+                                            <p:cond delay="0"/>
+                                          </p:stCondLst>
+                                        </p:cTn>
+                                        <p:tgtEl>
+                                          <p:spTgt spid="20"/>
+                                        </p:tgtEl>
+                                        <p:attrNameLst>
+                                          <p:attrName>style.visibility</p:attrName>
+                                        </p:attrNameLst>
+                                      </p:cBhvr>
+                                      <p:to>
+                                        <p:strVal val="visible"/>
+                                      </p:to>
+                                    </p:set>
+                                    <p:animEffect transition="in" filter="fade">
+                                      <p:cBhvr>
+                                        <p:cTn id="24" dur="500"/>
+                                        <p:tgtEl>
+                                          <p:spTgt spid="20"/>
+                                        </p:tgtEl>
+                                      </p:cBhvr>
+                                    </p:animEffect>
+                                  </p:childTnLst>
+                                </p:cTn>
+                              </p:par>
+                              <p:par>
+                                <p:cTn id="25" presetID="10" presetClass="entr" presetSubtype="0" fill="hold" nodeType="withEffect">
+                                  <p:stCondLst>
+                                    <p:cond delay="0"/>
+                                  </p:stCondLst>
+                                  <p:childTnLst>
+                                    <p:set>
+                                      <p:cBhvr>
+                                        <p:cTn id="26" dur="1" fill="hold">
+                                          <p:stCondLst>
+                                            <p:cond delay="0"/>
+                                          </p:stCondLst>
+                                        </p:cTn>
+                                        <p:tgtEl>
+                                          <p:spTgt spid="21"/>
+                                        </p:tgtEl>
+                                        <p:attrNameLst>
+                                          <p:attrName>style.visibility</p:attrName>
+                                        </p:attrNameLst>
+                                      </p:cBhvr>
+                                      <p:to>
+                                        <p:strVal val="visible"/>
+                                      </p:to>
+                                    </p:set>
+                                    <p:animEffect transition="in" filter="fade">
+                                      <p:cBhvr>
+                                        <p:cTn id="27" dur="500"/>
+                                        <p:tgtEl>
+                                          <p:spTgt spid="21"/>
+                                        </p:tgtEl>
+                                      </p:cBhvr>
+                                    </p:animEffect>
+                                  </p:childTnLst>
+                                </p:cTn>
+                              </p:par>
+                              <p:par>
+                                <p:cTn id="28" presetID="10" presetClass="entr" presetSubtype="0" fill="hold" grpId="0" nodeType="withEffect">
+                                  <p:stCondLst>
+                                    <p:cond delay="0"/>
+                                  </p:stCondLst>
+                                  <p:childTnLst>
+                                    <p:set>
+                                      <p:cBhvr>
+                                        <p:cTn id="29" dur="1" fill="hold">
+                                          <p:stCondLst>
+                                            <p:cond delay="0"/>
+                                          </p:stCondLst>
+                                        </p:cTn>
+                                        <p:tgtEl>
+                                          <p:spTgt spid="29"/>
+                                        </p:tgtEl>
+                                        <p:attrNameLst>
+                                          <p:attrName>style.visibility</p:attrName>
+                                        </p:attrNameLst>
+                                      </p:cBhvr>
+                                      <p:to>
+                                        <p:strVal val="visible"/>
+                                      </p:to>
+                                    </p:set>
+                                    <p:animEffect transition="in" filter="fade">
+                                      <p:cBhvr>
+                                        <p:cTn id="30" dur="500"/>
+                                        <p:tgtEl>
+                                          <p:spTgt spid="29"/>
+                                        </p:tgtEl>
+                                      </p:cBhvr>
+                                    </p:animEffect>
+                                  </p:childTnLst>
+                                </p:cTn>
+                              </p:par>
+                            </p:childTnLst>
+                          </p:cTn>
+                        </p:par>
+                      </p:childTnLst>
+                    </p:cTn>
+                  </p:par>
+                  <p:par>
+                    <p:cTn id="31" fill="hold">
+                      <p:stCondLst>
+                        <p:cond delay="indefinite"/>
+                      </p:stCondLst>
+                      <p:childTnLst>
+                        <p:par>
+                          <p:cTn id="32" fill="hold">
+                            <p:stCondLst>
+                              <p:cond delay="0"/>
+                            </p:stCondLst>
+                            <p:childTnLst>
+                              <p:par>
+                                <p:cTn id="33" presetID="10" presetClass="entr" presetSubtype="0" fill="hold" nodeType="clickEffect">
+                                  <p:stCondLst>
+                                    <p:cond delay="0"/>
+                                  </p:stCondLst>
+                                  <p:childTnLst>
+                                    <p:set>
+                                      <p:cBhvr>
+                                        <p:cTn id="34" dur="1" fill="hold">
+                                          <p:stCondLst>
+                                            <p:cond delay="0"/>
+                                          </p:stCondLst>
+                                        </p:cTn>
+                                        <p:tgtEl>
+                                          <p:spTgt spid="24"/>
+                                        </p:tgtEl>
+                                        <p:attrNameLst>
+                                          <p:attrName>style.visibility</p:attrName>
+                                        </p:attrNameLst>
+                                      </p:cBhvr>
+                                      <p:to>
+                                        <p:strVal val="visible"/>
+                                      </p:to>
+                                    </p:set>
+                                    <p:animEffect transition="in" filter="fade">
+                                      <p:cBhvr>
+                                        <p:cTn id="35" dur="500"/>
+                                        <p:tgtEl>
+                                          <p:spTgt spid="24"/>
+                                        </p:tgtEl>
+                                      </p:cBhvr>
+                                    </p:animEffect>
+                                  </p:childTnLst>
+                                </p:cTn>
+                              </p:par>
+                              <p:par>
+                                <p:cTn id="36" presetID="10" presetClass="entr" presetSubtype="0" fill="hold" grpId="0" nodeType="withEffect">
+                                  <p:stCondLst>
+                                    <p:cond delay="0"/>
+                                  </p:stCondLst>
+                                  <p:childTnLst>
+                                    <p:set>
+                                      <p:cBhvr>
+                                        <p:cTn id="37" dur="1" fill="hold">
+                                          <p:stCondLst>
+                                            <p:cond delay="0"/>
+                                          </p:stCondLst>
+                                        </p:cTn>
+                                        <p:tgtEl>
+                                          <p:spTgt spid="12"/>
+                                        </p:tgtEl>
+                                        <p:attrNameLst>
+                                          <p:attrName>style.visibility</p:attrName>
+                                        </p:attrNameLst>
+                                      </p:cBhvr>
+                                      <p:to>
+                                        <p:strVal val="visible"/>
+                                      </p:to>
+                                    </p:set>
+                                    <p:animEffect transition="in" filter="fade">
+                                      <p:cBhvr>
+                                        <p:cTn id="38" dur="500"/>
+                                        <p:tgtEl>
+                                          <p:spTgt spid="12"/>
+                                        </p:tgtEl>
+                                      </p:cBhvr>
+                                    </p:animEffect>
+                                  </p:childTnLst>
+                                </p:cTn>
+                              </p:par>
+                              <p:par>
+                                <p:cTn id="39" presetID="10" presetClass="entr" presetSubtype="0" fill="hold" grpId="0" nodeType="withEffect">
+                                  <p:stCondLst>
+                                    <p:cond delay="0"/>
+                                  </p:stCondLst>
+                                  <p:childTnLst>
+                                    <p:set>
+                                      <p:cBhvr>
+                                        <p:cTn id="40" dur="1" fill="hold">
+                                          <p:stCondLst>
+                                            <p:cond delay="0"/>
+                                          </p:stCondLst>
+                                        </p:cTn>
+                                        <p:tgtEl>
+                                          <p:spTgt spid="23"/>
+                                        </p:tgtEl>
+                                        <p:attrNameLst>
+                                          <p:attrName>style.visibility</p:attrName>
+                                        </p:attrNameLst>
+                                      </p:cBhvr>
+                                      <p:to>
+                                        <p:strVal val="visible"/>
+                                      </p:to>
+                                    </p:set>
+                                    <p:animEffect transition="in" filter="fade">
+                                      <p:cBhvr>
+                                        <p:cTn id="41" dur="500"/>
+                                        <p:tgtEl>
+                                          <p:spTgt spid="23"/>
+                                        </p:tgtEl>
+                                      </p:cBhvr>
+                                    </p:animEffect>
+                                  </p:childTnLst>
+                                </p:cTn>
+                              </p:par>
+                            </p:childTnLst>
+                          </p:cTn>
+                        </p:par>
+                      </p:childTnLst>
+                    </p:cTn>
+                  </p:par>
+                  <p:par>
+                    <p:cTn id="42" fill="hold">
+                      <p:stCondLst>
+                        <p:cond delay="indefinite"/>
+                      </p:stCondLst>
+                      <p:childTnLst>
+                        <p:par>
+                          <p:cTn id="43" fill="hold">
+                            <p:stCondLst>
+                              <p:cond delay="0"/>
+                            </p:stCondLst>
+                            <p:childTnLst>
+                              <p:par>
+                                <p:cTn id="44" presetID="10" presetClass="entr" presetSubtype="0" fill="hold" grpId="0" nodeType="clickEffect">
+                                  <p:stCondLst>
+                                    <p:cond delay="0"/>
+                                  </p:stCondLst>
+                                  <p:childTnLst>
+                                    <p:set>
+                                      <p:cBhvr>
+                                        <p:cTn id="45" dur="1" fill="hold">
+                                          <p:stCondLst>
+                                            <p:cond delay="0"/>
+                                          </p:stCondLst>
+                                        </p:cTn>
+                                        <p:tgtEl>
+                                          <p:spTgt spid="27"/>
+                                        </p:tgtEl>
+                                        <p:attrNameLst>
+                                          <p:attrName>style.visibility</p:attrName>
+                                        </p:attrNameLst>
+                                      </p:cBhvr>
+                                      <p:to>
+                                        <p:strVal val="visible"/>
+                                      </p:to>
+                                    </p:set>
+                                    <p:animEffect transition="in" filter="fade">
+                                      <p:cBhvr>
+                                        <p:cTn id="46" dur="500"/>
+                                        <p:tgtEl>
+                                          <p:spTgt spid="27"/>
+                                        </p:tgtEl>
+                                      </p:cBhvr>
+                                    </p:animEffect>
+                                  </p:childTnLst>
+                                </p:cTn>
+                              </p:par>
+                            </p:childTnLst>
+                          </p:cTn>
+                        </p:par>
+                      </p:childTnLst>
+                    </p:cTn>
+                  </p:par>
+                  <p:par>
+                    <p:cTn id="47" fill="hold">
+                      <p:stCondLst>
+                        <p:cond delay="indefinite"/>
+                      </p:stCondLst>
+                      <p:childTnLst>
+                        <p:par>
+                          <p:cTn id="48" fill="hold">
+                            <p:stCondLst>
+                              <p:cond delay="0"/>
+                            </p:stCondLst>
+                            <p:childTnLst>
+                              <p:par>
+                                <p:cTn id="49" presetID="1" presetClass="exit" presetSubtype="0" fill="hold" grpId="1" nodeType="clickEffect">
+                                  <p:stCondLst>
+                                    <p:cond delay="0"/>
+                                  </p:stCondLst>
+                                  <p:childTnLst>
+                                    <p:set>
+                                      <p:cBhvr>
+                                        <p:cTn id="50" dur="1" fill="hold">
+                                          <p:stCondLst>
+                                            <p:cond delay="0"/>
+                                          </p:stCondLst>
+                                        </p:cTn>
+                                        <p:tgtEl>
+                                          <p:spTgt spid="27"/>
+                                        </p:tgtEl>
+                                        <p:attrNameLst>
+                                          <p:attrName>style.visibility</p:attrName>
+                                        </p:attrNameLst>
+                                      </p:cBhvr>
+                                      <p:to>
+                                        <p:strVal val="hidden"/>
+                                      </p:to>
+                                    </p:set>
+                                  </p:childTnLst>
+                                </p:cTn>
+                              </p:par>
+                              <p:par>
+                                <p:cTn id="51" presetID="10" presetClass="entr" presetSubtype="0" fill="hold" grpId="0" nodeType="withEffect">
+                                  <p:stCondLst>
+                                    <p:cond delay="0"/>
+                                  </p:stCondLst>
+                                  <p:childTnLst>
+                                    <p:set>
+                                      <p:cBhvr>
+                                        <p:cTn id="52" dur="1" fill="hold">
+                                          <p:stCondLst>
+                                            <p:cond delay="0"/>
+                                          </p:stCondLst>
+                                        </p:cTn>
+                                        <p:tgtEl>
+                                          <p:spTgt spid="33"/>
+                                        </p:tgtEl>
+                                        <p:attrNameLst>
+                                          <p:attrName>style.visibility</p:attrName>
+                                        </p:attrNameLst>
+                                      </p:cBhvr>
+                                      <p:to>
+                                        <p:strVal val="visible"/>
+                                      </p:to>
+                                    </p:set>
+                                    <p:animEffect transition="in" filter="fade">
+                                      <p:cBhvr>
+                                        <p:cTn id="53" dur="500"/>
+                                        <p:tgtEl>
+                                          <p:spTgt spid="33"/>
+                                        </p:tgtEl>
+                                      </p:cBhvr>
+                                    </p:animEffect>
+                                  </p:childTnLst>
+                                </p:cTn>
+                              </p:par>
+                            </p:childTnLst>
+                          </p:cTn>
+                        </p:par>
+                      </p:childTnLst>
+                    </p:cTn>
+                  </p:par>
+                  <p:par>
+                    <p:cTn id="54" fill="hold">
+                      <p:stCondLst>
+                        <p:cond delay="indefinite"/>
+                      </p:stCondLst>
+                      <p:childTnLst>
+                        <p:par>
+                          <p:cTn id="55" fill="hold">
+                            <p:stCondLst>
+                              <p:cond delay="0"/>
+                            </p:stCondLst>
+                            <p:childTnLst>
+                              <p:par>
+                                <p:cTn id="56" presetID="1" presetClass="exit" presetSubtype="0" fill="hold" grpId="1" nodeType="clickEffect">
+                                  <p:stCondLst>
+                                    <p:cond delay="0"/>
+                                  </p:stCondLst>
+                                  <p:childTnLst>
+                                    <p:set>
+                                      <p:cBhvr>
+                                        <p:cTn id="57" dur="1" fill="hold">
+                                          <p:stCondLst>
+                                            <p:cond delay="0"/>
+                                          </p:stCondLst>
+                                        </p:cTn>
+                                        <p:tgtEl>
+                                          <p:spTgt spid="33"/>
+                                        </p:tgtEl>
+                                        <p:attrNameLst>
+                                          <p:attrName>style.visibility</p:attrName>
+                                        </p:attrNameLst>
+                                      </p:cBhvr>
+                                      <p:to>
+                                        <p:strVal val="hidden"/>
+                                      </p:to>
+                                    </p:set>
+                                  </p:childTnLst>
+                                </p:cTn>
+                              </p:par>
+                              <p:par>
+                                <p:cTn id="58" presetID="10" presetClass="entr" presetSubtype="0" fill="hold" grpId="0" nodeType="withEffect">
+                                  <p:stCondLst>
+                                    <p:cond delay="0"/>
+                                  </p:stCondLst>
+                                  <p:childTnLst>
+                                    <p:set>
+                                      <p:cBhvr>
+                                        <p:cTn id="59" dur="1" fill="hold">
+                                          <p:stCondLst>
+                                            <p:cond delay="0"/>
+                                          </p:stCondLst>
+                                        </p:cTn>
+                                        <p:tgtEl>
+                                          <p:spTgt spid="34"/>
+                                        </p:tgtEl>
+                                        <p:attrNameLst>
+                                          <p:attrName>style.visibility</p:attrName>
+                                        </p:attrNameLst>
+                                      </p:cBhvr>
+                                      <p:to>
+                                        <p:strVal val="visible"/>
+                                      </p:to>
+                                    </p:set>
+                                    <p:animEffect transition="in" filter="fade">
+                                      <p:cBhvr>
+                                        <p:cTn id="60" dur="500"/>
+                                        <p:tgtEl>
+                                          <p:spTgt spid="34"/>
+                                        </p:tgtEl>
+                                      </p:cBhvr>
+                                    </p:animEffect>
+                                  </p:childTnLst>
+                                </p:cTn>
+                              </p:par>
+                            </p:childTnLst>
+                          </p:cTn>
+                        </p:par>
+                      </p:childTnLst>
+                    </p:cTn>
+                  </p:par>
+                </p:childTnLst>
+              </p:cTn>
+              <p:prevCondLst>
+                <p:cond evt="onPrev" delay="0">
+                  <p:tgtEl>
+                    <p:sldTgt/>
+                  </p:tgtEl>
+                </p:cond>
+              </p:prevCondLst>
+              <p:nextCondLst>
+                <p:cond evt="onNext" delay="0">
+                  <p:tgtEl>
+                    <p:sldTgt/>
+                  </p:tgtEl>
+                </p:cond>
+              </p:nextCondLst>
+            </p:seq>
+          </p:childTnLst>
+        </p:cTn>
+      </p:par>
+    </p:tnLst>
+    <p:bldLst>
+      <p:bldP spid="3" grpId="0"/>
+      <p:bldP spid="8" grpId="0" animBg="1"/>
+      <p:bldP spid="11" grpId="0"/>
+      <p:bldP spid="12" grpId="0"/>
+      <p:bldP spid="19" grpId="0"/>
+      <p:bldP spid="20" grpId="0" animBg="1"/>
+      <p:bldP spid="23" grpId="0" animBg="1"/>
+      <p:bldP spid="27" grpId="0"/>
+      <p:bldP spid="27" grpId="1"/>
+      <p:bldP spid="29" grpId="0"/>
+      <p:bldP spid="33" grpId="0"/>
+      <p:bldP spid="33" grpId="1"/>
+      <p:bldP spid="34" grpId="0"/>
+    </p:bldLst>
+  </p:timing>
 </p:sld>
 </file>
 
@@ -46701,84 +51249,338 @@
       </p:grpSpPr>
       <p:sp>
         <p:nvSpPr>
-          <p:cNvPr id="3" name="TextBox 2">
-            <a:extLst>
-              <a:ext uri="{FF2B5EF4-FFF2-40B4-BE49-F238E27FC236}">
-                <a16:creationId xmlns:a16="http://schemas.microsoft.com/office/drawing/2014/main" id="{1980B4EC-4697-4B4F-87E9-C0E68B2BB033}"/>
-              </a:ext>
-            </a:extLst>
-          </p:cNvPr>
-          <p:cNvSpPr txBox="1"/>
-          <p:nvPr/>
-        </p:nvSpPr>
-        <p:spPr>
-          <a:xfrm>
-            <a:off x="3838210" y="2519929"/>
-            <a:ext cx="4515579" cy="923330"/>
-          </a:xfrm>
-          <a:prstGeom prst="rect">
-            <a:avLst/>
-          </a:prstGeom>
-          <a:noFill/>
-        </p:spPr>
-        <p:txBody>
-          <a:bodyPr wrap="square" rtlCol="0">
+          <p:cNvPr id="5" name="Rectangle 4">
+            <a:extLst>
+              <a:ext uri="{FF2B5EF4-FFF2-40B4-BE49-F238E27FC236}">
+                <a16:creationId xmlns:a16="http://schemas.microsoft.com/office/drawing/2014/main" id="{4FDB0B06-F270-4F00-8383-EB0ABF97EF01}"/>
+              </a:ext>
+            </a:extLst>
+          </p:cNvPr>
+          <p:cNvSpPr/>
+          <p:nvPr/>
+        </p:nvSpPr>
+        <p:spPr>
+          <a:xfrm>
+            <a:off x="556589" y="1436117"/>
+            <a:ext cx="11078818" cy="1107996"/>
+          </a:xfrm>
+          <a:prstGeom prst="rect">
+            <a:avLst/>
+          </a:prstGeom>
+        </p:spPr>
+        <p:txBody>
+          <a:bodyPr wrap="square">
             <a:spAutoFit/>
           </a:bodyPr>
           <a:lstStyle/>
           <a:p>
-            <a:pPr algn="ctr"/>
-            <a:r>
-              <a:rPr lang="en-US" sz="5400" dirty="0">
-                <a:ln w="0"/>
-              </a:rPr>
-              <a:t>Future Work</a:t>
-            </a:r>
-          </a:p>
-        </p:txBody>
-      </p:sp>
-      <p:cxnSp>
-        <p:nvCxnSpPr>
-          <p:cNvPr id="8" name="Straight Connector 7">
-            <a:extLst>
-              <a:ext uri="{FF2B5EF4-FFF2-40B4-BE49-F238E27FC236}">
-                <a16:creationId xmlns:a16="http://schemas.microsoft.com/office/drawing/2014/main" id="{1246DA07-DFD8-496C-BB69-FD95668F7C67}"/>
-              </a:ext>
-            </a:extLst>
-          </p:cNvPr>
-          <p:cNvCxnSpPr/>
-          <p:nvPr/>
-        </p:nvCxnSpPr>
-        <p:spPr>
-          <a:xfrm>
-            <a:off x="3670852" y="3429000"/>
-            <a:ext cx="4611756" cy="0"/>
-          </a:xfrm>
-          <a:prstGeom prst="line">
+            <a:pPr algn="just"/>
+            <a:r>
+              <a:rPr lang="en-US" sz="2200" i="1" dirty="0"/>
+              <a:t>“Super Bowl 50 was an American football game. … feature the Arabic numerals 50. The game was played on </a:t>
+            </a:r>
+            <a:r>
+              <a:rPr lang="en-US" sz="2200" i="1" dirty="0">
+                <a:solidFill>
+                  <a:srgbClr val="FF0000"/>
+                </a:solidFill>
+              </a:rPr>
+              <a:t>February 7 2016</a:t>
+            </a:r>
+            <a:r>
+              <a:rPr lang="en-US" sz="2200" i="1" dirty="0"/>
+              <a:t>, at Levis Stadium, in the San Francisco Bay Area, at Santa Clara in California.”</a:t>
+            </a:r>
+          </a:p>
+        </p:txBody>
+      </p:sp>
+      <p:sp>
+        <p:nvSpPr>
+          <p:cNvPr id="7" name="Rectangle 6">
+            <a:extLst>
+              <a:ext uri="{FF2B5EF4-FFF2-40B4-BE49-F238E27FC236}">
+                <a16:creationId xmlns:a16="http://schemas.microsoft.com/office/drawing/2014/main" id="{2B84BBFB-C1EC-478F-8E81-7685A0B691C6}"/>
+              </a:ext>
+            </a:extLst>
+          </p:cNvPr>
+          <p:cNvSpPr/>
+          <p:nvPr/>
+        </p:nvSpPr>
+        <p:spPr>
+          <a:xfrm>
+            <a:off x="0" y="0"/>
+            <a:ext cx="12192000" cy="1311965"/>
+          </a:xfrm>
+          <a:prstGeom prst="rect">
             <a:avLst/>
           </a:prstGeom>
         </p:spPr>
         <p:style>
-          <a:lnRef idx="1">
-            <a:schemeClr val="dk1"/>
+          <a:lnRef idx="2">
+            <a:schemeClr val="dk1">
+              <a:shade val="50000"/>
+            </a:schemeClr>
           </a:lnRef>
-          <a:fillRef idx="0">
+          <a:fillRef idx="1">
             <a:schemeClr val="dk1"/>
           </a:fillRef>
           <a:effectRef idx="0">
             <a:schemeClr val="dk1"/>
           </a:effectRef>
           <a:fontRef idx="minor">
+            <a:schemeClr val="lt1"/>
+          </a:fontRef>
+        </p:style>
+        <p:txBody>
+          <a:bodyPr rtlCol="0" anchor="ctr"/>
+          <a:lstStyle/>
+          <a:p>
+            <a:pPr algn="ctr"/>
+            <a:endParaRPr lang="en-US" dirty="0"/>
+          </a:p>
+        </p:txBody>
+      </p:sp>
+      <p:sp>
+        <p:nvSpPr>
+          <p:cNvPr id="9" name="TextBox 8">
+            <a:extLst>
+              <a:ext uri="{FF2B5EF4-FFF2-40B4-BE49-F238E27FC236}">
+                <a16:creationId xmlns:a16="http://schemas.microsoft.com/office/drawing/2014/main" id="{7F0CAA4B-E205-452A-A063-24223A8717CE}"/>
+              </a:ext>
+            </a:extLst>
+          </p:cNvPr>
+          <p:cNvSpPr txBox="1"/>
+          <p:nvPr/>
+        </p:nvSpPr>
+        <p:spPr>
+          <a:xfrm>
+            <a:off x="4537625" y="332816"/>
+            <a:ext cx="3116747" cy="646331"/>
+          </a:xfrm>
+          <a:prstGeom prst="rect">
+            <a:avLst/>
+          </a:prstGeom>
+          <a:noFill/>
+        </p:spPr>
+        <p:txBody>
+          <a:bodyPr wrap="square" rtlCol="0">
+            <a:spAutoFit/>
+          </a:bodyPr>
+          <a:lstStyle/>
+          <a:p>
+            <a:pPr algn="ctr"/>
+            <a:r>
+              <a:rPr lang="en-US" sz="3600" dirty="0">
+                <a:ln w="0"/>
+                <a:solidFill>
+                  <a:schemeClr val="bg1"/>
+                </a:solidFill>
+              </a:rPr>
+              <a:t>Super Bowl 50</a:t>
+            </a:r>
+          </a:p>
+        </p:txBody>
+      </p:sp>
+      <p:sp>
+        <p:nvSpPr>
+          <p:cNvPr id="2" name="Rectangle 1">
+            <a:extLst>
+              <a:ext uri="{FF2B5EF4-FFF2-40B4-BE49-F238E27FC236}">
+                <a16:creationId xmlns:a16="http://schemas.microsoft.com/office/drawing/2014/main" id="{8BEE3AE4-A5F7-45B2-9701-803F7279D7C5}"/>
+              </a:ext>
+            </a:extLst>
+          </p:cNvPr>
+          <p:cNvSpPr/>
+          <p:nvPr/>
+        </p:nvSpPr>
+        <p:spPr>
+          <a:xfrm>
+            <a:off x="556588" y="2650793"/>
+            <a:ext cx="5056421" cy="430887"/>
+          </a:xfrm>
+          <a:prstGeom prst="rect">
+            <a:avLst/>
+          </a:prstGeom>
+        </p:spPr>
+        <p:txBody>
+          <a:bodyPr wrap="square">
+            <a:spAutoFit/>
+          </a:bodyPr>
+          <a:lstStyle/>
+          <a:p>
+            <a:r>
+              <a:rPr lang="en-US" sz="2200" dirty="0"/>
+              <a:t>Q3. What day was the game played on?</a:t>
+            </a:r>
+          </a:p>
+        </p:txBody>
+      </p:sp>
+      <p:sp>
+        <p:nvSpPr>
+          <p:cNvPr id="3" name="Rectangle 2">
+            <a:extLst>
+              <a:ext uri="{FF2B5EF4-FFF2-40B4-BE49-F238E27FC236}">
+                <a16:creationId xmlns:a16="http://schemas.microsoft.com/office/drawing/2014/main" id="{E4A37FE3-372B-4A34-9DC1-F0B39FB1D758}"/>
+              </a:ext>
+            </a:extLst>
+          </p:cNvPr>
+          <p:cNvSpPr/>
+          <p:nvPr/>
+        </p:nvSpPr>
+        <p:spPr>
+          <a:xfrm>
+            <a:off x="556587" y="3081680"/>
+            <a:ext cx="6771865" cy="1523494"/>
+          </a:xfrm>
+          <a:prstGeom prst="rect">
+            <a:avLst/>
+          </a:prstGeom>
+        </p:spPr>
+        <p:txBody>
+          <a:bodyPr wrap="square">
+            <a:spAutoFit/>
+          </a:bodyPr>
+          <a:lstStyle/>
+          <a:p>
+            <a:pPr>
+              <a:spcAft>
+                <a:spcPts val="600"/>
+              </a:spcAft>
+            </a:pPr>
+            <a:r>
+              <a:rPr lang="en-US" sz="2200" dirty="0">
+                <a:solidFill>
+                  <a:schemeClr val="accent1">
+                    <a:lumMod val="50000"/>
+                  </a:schemeClr>
+                </a:solidFill>
+              </a:rPr>
+              <a:t>event(E1, play, S1, O1),_similar(game, O1), _property(E1, play, on, X1), time(X1).</a:t>
+            </a:r>
+          </a:p>
+          <a:p>
+            <a:pPr>
+              <a:spcAft>
+                <a:spcPts val="600"/>
+              </a:spcAft>
+            </a:pPr>
+            <a:r>
+              <a:rPr lang="en-US" sz="2200" dirty="0">
+                <a:solidFill>
+                  <a:schemeClr val="accent1">
+                    <a:lumMod val="50000"/>
+                  </a:schemeClr>
+                </a:solidFill>
+              </a:rPr>
+              <a:t>event(E1, play, S1, O1),_similar(game, O1), _property(E1, play, on, T), day(T, X1), time(T).</a:t>
+            </a:r>
+          </a:p>
+        </p:txBody>
+      </p:sp>
+      <p:sp>
+        <p:nvSpPr>
+          <p:cNvPr id="8" name="TextBox 7">
+            <a:extLst>
+              <a:ext uri="{FF2B5EF4-FFF2-40B4-BE49-F238E27FC236}">
+                <a16:creationId xmlns:a16="http://schemas.microsoft.com/office/drawing/2014/main" id="{E61C2AFA-C4F2-45C7-973D-45F20892950C}"/>
+              </a:ext>
+            </a:extLst>
+          </p:cNvPr>
+          <p:cNvSpPr txBox="1"/>
+          <p:nvPr/>
+        </p:nvSpPr>
+        <p:spPr>
+          <a:xfrm>
+            <a:off x="9449647" y="3635607"/>
+            <a:ext cx="1232996" cy="461665"/>
+          </a:xfrm>
+          <a:prstGeom prst="rect">
+            <a:avLst/>
+          </a:prstGeom>
+          <a:solidFill>
+            <a:schemeClr val="accent6">
+              <a:lumMod val="50000"/>
+            </a:schemeClr>
+          </a:solidFill>
+          <a:ln>
+            <a:solidFill>
+              <a:schemeClr val="accent6">
+                <a:lumMod val="50000"/>
+              </a:schemeClr>
+            </a:solidFill>
+          </a:ln>
+        </p:spPr>
+        <p:txBody>
+          <a:bodyPr wrap="square" rtlCol="0">
+            <a:spAutoFit/>
+          </a:bodyPr>
+          <a:lstStyle/>
+          <a:p>
+            <a:pPr algn="ctr"/>
+            <a:r>
+              <a:rPr lang="en-US" sz="2400" dirty="0">
+                <a:solidFill>
+                  <a:schemeClr val="bg1"/>
+                </a:solidFill>
+              </a:rPr>
+              <a:t>Certain</a:t>
+            </a:r>
+          </a:p>
+        </p:txBody>
+      </p:sp>
+      <p:cxnSp>
+        <p:nvCxnSpPr>
+          <p:cNvPr id="10" name="Straight Arrow Connector 9">
+            <a:extLst>
+              <a:ext uri="{FF2B5EF4-FFF2-40B4-BE49-F238E27FC236}">
+                <a16:creationId xmlns:a16="http://schemas.microsoft.com/office/drawing/2014/main" id="{9C6B788F-4249-4366-8B95-A6C42E615343}"/>
+              </a:ext>
+            </a:extLst>
+          </p:cNvPr>
+          <p:cNvCxnSpPr>
+            <a:cxnSpLocks/>
+            <a:stCxn id="8" idx="1"/>
+          </p:cNvCxnSpPr>
+          <p:nvPr/>
+        </p:nvCxnSpPr>
+        <p:spPr>
+          <a:xfrm flipH="1">
+            <a:off x="7891975" y="3866440"/>
+            <a:ext cx="1557672" cy="0"/>
+          </a:xfrm>
+          <a:prstGeom prst="straightConnector1">
+            <a:avLst/>
+          </a:prstGeom>
+          <a:ln>
+            <a:solidFill>
+              <a:schemeClr val="accent6">
+                <a:lumMod val="50000"/>
+              </a:schemeClr>
+            </a:solidFill>
+            <a:tailEnd type="triangle"/>
+          </a:ln>
+        </p:spPr>
+        <p:style>
+          <a:lnRef idx="3">
+            <a:schemeClr val="accent6"/>
+          </a:lnRef>
+          <a:fillRef idx="0">
+            <a:schemeClr val="accent6"/>
+          </a:fillRef>
+          <a:effectRef idx="2">
+            <a:schemeClr val="accent6"/>
+          </a:effectRef>
+          <a:fontRef idx="minor">
             <a:schemeClr val="tx1"/>
           </a:fontRef>
         </p:style>
       </p:cxnSp>
       <p:sp>
         <p:nvSpPr>
-          <p:cNvPr id="4" name="TextBox 3">
-            <a:extLst>
-              <a:ext uri="{FF2B5EF4-FFF2-40B4-BE49-F238E27FC236}">
-                <a16:creationId xmlns:a16="http://schemas.microsoft.com/office/drawing/2014/main" id="{6BFEE7AA-B53C-40A1-BA09-1E3192229B2B}"/>
+          <p:cNvPr id="11" name="TextBox 10">
+            <a:extLst>
+              <a:ext uri="{FF2B5EF4-FFF2-40B4-BE49-F238E27FC236}">
+                <a16:creationId xmlns:a16="http://schemas.microsoft.com/office/drawing/2014/main" id="{CBF323D9-5348-4AB5-B3F9-9971838D226D}"/>
               </a:ext>
             </a:extLst>
           </p:cNvPr>
@@ -46787,8 +51589,8 @@
         </p:nvSpPr>
         <p:spPr>
           <a:xfrm>
-            <a:off x="5035824" y="3443259"/>
-            <a:ext cx="1881811" cy="461665"/>
+            <a:off x="7323068" y="3143165"/>
+            <a:ext cx="331304" cy="1446550"/>
           </a:xfrm>
           <a:prstGeom prst="rect">
             <a:avLst/>
@@ -46802,22 +51604,1290 @@
           <a:lstStyle/>
           <a:p>
             <a:r>
-              <a:rPr lang="en-US" sz="2400" dirty="0"/>
-              <a:t>What's next?</a:t>
-            </a:r>
+              <a:rPr lang="en-US" sz="8800" dirty="0">
+                <a:solidFill>
+                  <a:schemeClr val="accent6">
+                    <a:lumMod val="50000"/>
+                  </a:schemeClr>
+                </a:solidFill>
+              </a:rPr>
+              <a:t>}</a:t>
+            </a:r>
+            <a:endParaRPr lang="en-US" sz="7200" dirty="0">
+              <a:solidFill>
+                <a:schemeClr val="accent6">
+                  <a:lumMod val="50000"/>
+                </a:schemeClr>
+              </a:solidFill>
+            </a:endParaRPr>
+          </a:p>
+        </p:txBody>
+      </p:sp>
+      <p:sp>
+        <p:nvSpPr>
+          <p:cNvPr id="12" name="Rectangle 11">
+            <a:extLst>
+              <a:ext uri="{FF2B5EF4-FFF2-40B4-BE49-F238E27FC236}">
+                <a16:creationId xmlns:a16="http://schemas.microsoft.com/office/drawing/2014/main" id="{0BE6EB0A-C1FE-44D3-B637-B6AACAD328B5}"/>
+              </a:ext>
+            </a:extLst>
+          </p:cNvPr>
+          <p:cNvSpPr/>
+          <p:nvPr/>
+        </p:nvSpPr>
+        <p:spPr>
+          <a:xfrm>
+            <a:off x="604203" y="5531612"/>
+            <a:ext cx="2337780" cy="769441"/>
+          </a:xfrm>
+          <a:prstGeom prst="rect">
+            <a:avLst/>
+          </a:prstGeom>
+        </p:spPr>
+        <p:txBody>
+          <a:bodyPr wrap="square">
+            <a:spAutoFit/>
+          </a:bodyPr>
+          <a:lstStyle/>
+          <a:p>
+            <a:r>
+              <a:rPr lang="en-US" sz="2200" i="1" dirty="0">
+                <a:solidFill>
+                  <a:schemeClr val="accent1">
+                    <a:lumMod val="50000"/>
+                  </a:schemeClr>
+                </a:solidFill>
+              </a:rPr>
+              <a:t>time(X1).</a:t>
+            </a:r>
+          </a:p>
+          <a:p>
+            <a:r>
+              <a:rPr lang="en-US" sz="2200" i="1" dirty="0">
+                <a:solidFill>
+                  <a:schemeClr val="accent1">
+                    <a:lumMod val="50000"/>
+                  </a:schemeClr>
+                </a:solidFill>
+              </a:rPr>
+              <a:t>day(T, X1), time(T).</a:t>
+            </a:r>
+          </a:p>
+        </p:txBody>
+      </p:sp>
+      <p:sp>
+        <p:nvSpPr>
+          <p:cNvPr id="19" name="Rectangle 18">
+            <a:extLst>
+              <a:ext uri="{FF2B5EF4-FFF2-40B4-BE49-F238E27FC236}">
+                <a16:creationId xmlns:a16="http://schemas.microsoft.com/office/drawing/2014/main" id="{A37D8618-CC91-4820-9385-21130AC925E1}"/>
+              </a:ext>
+            </a:extLst>
+          </p:cNvPr>
+          <p:cNvSpPr/>
+          <p:nvPr/>
+        </p:nvSpPr>
+        <p:spPr>
+          <a:xfrm>
+            <a:off x="556586" y="4615092"/>
+            <a:ext cx="5343129" cy="846386"/>
+          </a:xfrm>
+          <a:prstGeom prst="rect">
+            <a:avLst/>
+          </a:prstGeom>
+        </p:spPr>
+        <p:txBody>
+          <a:bodyPr wrap="none">
+            <a:spAutoFit/>
+          </a:bodyPr>
+          <a:lstStyle/>
+          <a:p>
+            <a:pPr>
+              <a:spcAft>
+                <a:spcPts val="600"/>
+              </a:spcAft>
+            </a:pPr>
+            <a:r>
+              <a:rPr lang="en-US" sz="2200" i="1" dirty="0">
+                <a:solidFill>
+                  <a:schemeClr val="accent1">
+                    <a:lumMod val="50000"/>
+                  </a:schemeClr>
+                </a:solidFill>
+              </a:rPr>
+              <a:t>_property(E1, play, on, X1), time(X1).</a:t>
+            </a:r>
+          </a:p>
+          <a:p>
+            <a:pPr>
+              <a:spcAft>
+                <a:spcPts val="600"/>
+              </a:spcAft>
+            </a:pPr>
+            <a:r>
+              <a:rPr lang="en-US" sz="2200" i="1" dirty="0">
+                <a:solidFill>
+                  <a:schemeClr val="accent1">
+                    <a:lumMod val="50000"/>
+                  </a:schemeClr>
+                </a:solidFill>
+              </a:rPr>
+              <a:t>_property(E1, play, on, T), day(T, X1), time(T).</a:t>
+            </a:r>
+          </a:p>
+        </p:txBody>
+      </p:sp>
+      <p:sp>
+        <p:nvSpPr>
+          <p:cNvPr id="20" name="TextBox 19">
+            <a:extLst>
+              <a:ext uri="{FF2B5EF4-FFF2-40B4-BE49-F238E27FC236}">
+                <a16:creationId xmlns:a16="http://schemas.microsoft.com/office/drawing/2014/main" id="{76BBF178-9178-47A6-87E9-25711093A820}"/>
+              </a:ext>
+            </a:extLst>
+          </p:cNvPr>
+          <p:cNvSpPr txBox="1"/>
+          <p:nvPr/>
+        </p:nvSpPr>
+        <p:spPr>
+          <a:xfrm>
+            <a:off x="9402029" y="4768980"/>
+            <a:ext cx="1232996" cy="461665"/>
+          </a:xfrm>
+          <a:prstGeom prst="rect">
+            <a:avLst/>
+          </a:prstGeom>
+          <a:solidFill>
+            <a:schemeClr val="accent2"/>
+          </a:solidFill>
+          <a:ln>
+            <a:solidFill>
+              <a:schemeClr val="accent2"/>
+            </a:solidFill>
+          </a:ln>
+        </p:spPr>
+        <p:txBody>
+          <a:bodyPr wrap="square" rtlCol="0">
+            <a:spAutoFit/>
+          </a:bodyPr>
+          <a:lstStyle/>
+          <a:p>
+            <a:pPr algn="ctr"/>
+            <a:r>
+              <a:rPr lang="en-US" sz="2400" dirty="0">
+                <a:solidFill>
+                  <a:schemeClr val="bg1"/>
+                </a:solidFill>
+              </a:rPr>
+              <a:t>Possible</a:t>
+            </a:r>
+          </a:p>
+        </p:txBody>
+      </p:sp>
+      <p:cxnSp>
+        <p:nvCxnSpPr>
+          <p:cNvPr id="21" name="Straight Arrow Connector 20">
+            <a:extLst>
+              <a:ext uri="{FF2B5EF4-FFF2-40B4-BE49-F238E27FC236}">
+                <a16:creationId xmlns:a16="http://schemas.microsoft.com/office/drawing/2014/main" id="{8B9A34D3-CAB8-439C-B201-A5C010A90E15}"/>
+              </a:ext>
+            </a:extLst>
+          </p:cNvPr>
+          <p:cNvCxnSpPr>
+            <a:cxnSpLocks/>
+            <a:endCxn id="29" idx="3"/>
+          </p:cNvCxnSpPr>
+          <p:nvPr/>
+        </p:nvCxnSpPr>
+        <p:spPr>
+          <a:xfrm flipH="1">
+            <a:off x="6065368" y="5019491"/>
+            <a:ext cx="3913279" cy="0"/>
+          </a:xfrm>
+          <a:prstGeom prst="straightConnector1">
+            <a:avLst/>
+          </a:prstGeom>
+          <a:ln>
+            <a:solidFill>
+              <a:schemeClr val="accent2"/>
+            </a:solidFill>
+            <a:tailEnd type="triangle"/>
+          </a:ln>
+        </p:spPr>
+        <p:style>
+          <a:lnRef idx="3">
+            <a:schemeClr val="accent6"/>
+          </a:lnRef>
+          <a:fillRef idx="0">
+            <a:schemeClr val="accent6"/>
+          </a:fillRef>
+          <a:effectRef idx="2">
+            <a:schemeClr val="accent6"/>
+          </a:effectRef>
+          <a:fontRef idx="minor">
+            <a:schemeClr val="tx1"/>
+          </a:fontRef>
+        </p:style>
+      </p:cxnSp>
+      <p:sp>
+        <p:nvSpPr>
+          <p:cNvPr id="23" name="TextBox 22">
+            <a:extLst>
+              <a:ext uri="{FF2B5EF4-FFF2-40B4-BE49-F238E27FC236}">
+                <a16:creationId xmlns:a16="http://schemas.microsoft.com/office/drawing/2014/main" id="{17C28B5D-9FB4-4681-8E86-F50807827626}"/>
+              </a:ext>
+            </a:extLst>
+          </p:cNvPr>
+          <p:cNvSpPr txBox="1"/>
+          <p:nvPr/>
+        </p:nvSpPr>
+        <p:spPr>
+          <a:xfrm>
+            <a:off x="9402029" y="5584239"/>
+            <a:ext cx="1232996" cy="461665"/>
+          </a:xfrm>
+          <a:prstGeom prst="rect">
+            <a:avLst/>
+          </a:prstGeom>
+          <a:solidFill>
+            <a:schemeClr val="accent4"/>
+          </a:solidFill>
+          <a:ln>
+            <a:solidFill>
+              <a:schemeClr val="accent4"/>
+            </a:solidFill>
+          </a:ln>
+        </p:spPr>
+        <p:txBody>
+          <a:bodyPr wrap="square" rtlCol="0">
+            <a:spAutoFit/>
+          </a:bodyPr>
+          <a:lstStyle/>
+          <a:p>
+            <a:pPr algn="ctr"/>
+            <a:r>
+              <a:rPr lang="en-US" sz="2400" dirty="0">
+                <a:solidFill>
+                  <a:schemeClr val="bg1"/>
+                </a:solidFill>
+              </a:rPr>
+              <a:t>Guess</a:t>
+            </a:r>
+          </a:p>
+        </p:txBody>
+      </p:sp>
+      <p:cxnSp>
+        <p:nvCxnSpPr>
+          <p:cNvPr id="24" name="Straight Arrow Connector 23">
+            <a:extLst>
+              <a:ext uri="{FF2B5EF4-FFF2-40B4-BE49-F238E27FC236}">
+                <a16:creationId xmlns:a16="http://schemas.microsoft.com/office/drawing/2014/main" id="{13707734-2438-402D-95BC-6CB3989420E9}"/>
+              </a:ext>
+            </a:extLst>
+          </p:cNvPr>
+          <p:cNvCxnSpPr>
+            <a:cxnSpLocks/>
+            <a:stCxn id="23" idx="1"/>
+            <a:endCxn id="22" idx="3"/>
+          </p:cNvCxnSpPr>
+          <p:nvPr/>
+        </p:nvCxnSpPr>
+        <p:spPr>
+          <a:xfrm flipH="1">
+            <a:off x="3228150" y="5815072"/>
+            <a:ext cx="6173879" cy="0"/>
+          </a:xfrm>
+          <a:prstGeom prst="straightConnector1">
+            <a:avLst/>
+          </a:prstGeom>
+          <a:ln>
+            <a:solidFill>
+              <a:schemeClr val="accent4"/>
+            </a:solidFill>
+            <a:tailEnd type="triangle"/>
+          </a:ln>
+        </p:spPr>
+        <p:style>
+          <a:lnRef idx="3">
+            <a:schemeClr val="accent6"/>
+          </a:lnRef>
+          <a:fillRef idx="0">
+            <a:schemeClr val="accent6"/>
+          </a:fillRef>
+          <a:effectRef idx="2">
+            <a:schemeClr val="accent6"/>
+          </a:effectRef>
+          <a:fontRef idx="minor">
+            <a:schemeClr val="tx1"/>
+          </a:fontRef>
+        </p:style>
+      </p:cxnSp>
+      <p:sp>
+        <p:nvSpPr>
+          <p:cNvPr id="29" name="TextBox 28">
+            <a:extLst>
+              <a:ext uri="{FF2B5EF4-FFF2-40B4-BE49-F238E27FC236}">
+                <a16:creationId xmlns:a16="http://schemas.microsoft.com/office/drawing/2014/main" id="{E49CBCF4-11DF-46D2-8436-4C46E682494C}"/>
+              </a:ext>
+            </a:extLst>
+          </p:cNvPr>
+          <p:cNvSpPr txBox="1"/>
+          <p:nvPr/>
+        </p:nvSpPr>
+        <p:spPr>
+          <a:xfrm>
+            <a:off x="5734064" y="4557826"/>
+            <a:ext cx="331304" cy="923330"/>
+          </a:xfrm>
+          <a:prstGeom prst="rect">
+            <a:avLst/>
+          </a:prstGeom>
+          <a:noFill/>
+        </p:spPr>
+        <p:txBody>
+          <a:bodyPr wrap="square" rtlCol="0">
+            <a:spAutoFit/>
+          </a:bodyPr>
+          <a:lstStyle/>
+          <a:p>
+            <a:r>
+              <a:rPr lang="en-US" sz="5400" dirty="0">
+                <a:solidFill>
+                  <a:schemeClr val="accent2"/>
+                </a:solidFill>
+              </a:rPr>
+              <a:t>}</a:t>
+            </a:r>
+            <a:endParaRPr lang="en-US" sz="7200" dirty="0">
+              <a:solidFill>
+                <a:schemeClr val="accent2"/>
+              </a:solidFill>
+            </a:endParaRPr>
+          </a:p>
+        </p:txBody>
+      </p:sp>
+      <p:sp>
+        <p:nvSpPr>
+          <p:cNvPr id="22" name="TextBox 21">
+            <a:extLst>
+              <a:ext uri="{FF2B5EF4-FFF2-40B4-BE49-F238E27FC236}">
+                <a16:creationId xmlns:a16="http://schemas.microsoft.com/office/drawing/2014/main" id="{6F5E904B-8519-43C2-89EE-B2FA1CC88E93}"/>
+              </a:ext>
+            </a:extLst>
+          </p:cNvPr>
+          <p:cNvSpPr txBox="1"/>
+          <p:nvPr/>
+        </p:nvSpPr>
+        <p:spPr>
+          <a:xfrm>
+            <a:off x="2896846" y="5353407"/>
+            <a:ext cx="331304" cy="923330"/>
+          </a:xfrm>
+          <a:prstGeom prst="rect">
+            <a:avLst/>
+          </a:prstGeom>
+          <a:noFill/>
+        </p:spPr>
+        <p:txBody>
+          <a:bodyPr wrap="square" rtlCol="0">
+            <a:spAutoFit/>
+          </a:bodyPr>
+          <a:lstStyle/>
+          <a:p>
+            <a:r>
+              <a:rPr lang="en-US" sz="5400" dirty="0">
+                <a:solidFill>
+                  <a:schemeClr val="accent4"/>
+                </a:solidFill>
+              </a:rPr>
+              <a:t>}</a:t>
+            </a:r>
+            <a:endParaRPr lang="en-US" sz="7200" dirty="0">
+              <a:solidFill>
+                <a:schemeClr val="accent4"/>
+              </a:solidFill>
+            </a:endParaRPr>
+          </a:p>
+        </p:txBody>
+      </p:sp>
+      <p:sp>
+        <p:nvSpPr>
+          <p:cNvPr id="28" name="Rectangle 27">
+            <a:extLst>
+              <a:ext uri="{FF2B5EF4-FFF2-40B4-BE49-F238E27FC236}">
+                <a16:creationId xmlns:a16="http://schemas.microsoft.com/office/drawing/2014/main" id="{C6FF6B4A-A2A0-4448-90DD-80F03BAF16D8}"/>
+              </a:ext>
+            </a:extLst>
+          </p:cNvPr>
+          <p:cNvSpPr/>
+          <p:nvPr/>
+        </p:nvSpPr>
+        <p:spPr>
+          <a:xfrm>
+            <a:off x="563359" y="6240603"/>
+            <a:ext cx="4371838" cy="461665"/>
+          </a:xfrm>
+          <a:prstGeom prst="rect">
+            <a:avLst/>
+          </a:prstGeom>
+        </p:spPr>
+        <p:txBody>
+          <a:bodyPr wrap="none">
+            <a:spAutoFit/>
+          </a:bodyPr>
+          <a:lstStyle/>
+          <a:p>
+            <a:r>
+              <a:rPr lang="en-US" sz="2400" i="1" dirty="0">
+                <a:solidFill>
+                  <a:srgbClr val="FF0000"/>
+                </a:solidFill>
+              </a:rPr>
+              <a:t>answer(february_7_2016,certain)</a:t>
+            </a:r>
+            <a:endParaRPr lang="en-US" sz="2400" dirty="0">
+              <a:solidFill>
+                <a:srgbClr val="FF0000"/>
+              </a:solidFill>
+            </a:endParaRPr>
+          </a:p>
+        </p:txBody>
+      </p:sp>
+      <p:sp>
+        <p:nvSpPr>
+          <p:cNvPr id="30" name="Rectangle 29">
+            <a:extLst>
+              <a:ext uri="{FF2B5EF4-FFF2-40B4-BE49-F238E27FC236}">
+                <a16:creationId xmlns:a16="http://schemas.microsoft.com/office/drawing/2014/main" id="{DC5FD15A-53B7-4769-8F9E-6C723F49DE96}"/>
+              </a:ext>
+            </a:extLst>
+          </p:cNvPr>
+          <p:cNvSpPr/>
+          <p:nvPr/>
+        </p:nvSpPr>
+        <p:spPr>
+          <a:xfrm>
+            <a:off x="563359" y="6245397"/>
+            <a:ext cx="2683555" cy="461665"/>
+          </a:xfrm>
+          <a:prstGeom prst="rect">
+            <a:avLst/>
+          </a:prstGeom>
+        </p:spPr>
+        <p:txBody>
+          <a:bodyPr wrap="none">
+            <a:spAutoFit/>
+          </a:bodyPr>
+          <a:lstStyle/>
+          <a:p>
+            <a:r>
+              <a:rPr lang="en-US" sz="2400" i="1" dirty="0">
+                <a:solidFill>
+                  <a:srgbClr val="FF0000"/>
+                </a:solidFill>
+              </a:rPr>
+              <a:t>answer(2015,guess)</a:t>
+            </a:r>
+            <a:endParaRPr lang="en-US" sz="2400" dirty="0">
+              <a:solidFill>
+                <a:srgbClr val="FF0000"/>
+              </a:solidFill>
+            </a:endParaRPr>
+          </a:p>
+        </p:txBody>
+      </p:sp>
+      <p:sp>
+        <p:nvSpPr>
+          <p:cNvPr id="31" name="Rectangle 30">
+            <a:extLst>
+              <a:ext uri="{FF2B5EF4-FFF2-40B4-BE49-F238E27FC236}">
+                <a16:creationId xmlns:a16="http://schemas.microsoft.com/office/drawing/2014/main" id="{B3BE1895-6D33-4F8D-BFFD-CD5127FA679A}"/>
+              </a:ext>
+            </a:extLst>
+          </p:cNvPr>
+          <p:cNvSpPr/>
+          <p:nvPr/>
+        </p:nvSpPr>
+        <p:spPr>
+          <a:xfrm>
+            <a:off x="554213" y="6240602"/>
+            <a:ext cx="2377639" cy="461665"/>
+          </a:xfrm>
+          <a:prstGeom prst="rect">
+            <a:avLst/>
+          </a:prstGeom>
+        </p:spPr>
+        <p:txBody>
+          <a:bodyPr wrap="none">
+            <a:spAutoFit/>
+          </a:bodyPr>
+          <a:lstStyle/>
+          <a:p>
+            <a:r>
+              <a:rPr lang="en-US" sz="2400" i="1" dirty="0">
+                <a:solidFill>
+                  <a:srgbClr val="FF0000"/>
+                </a:solidFill>
+              </a:rPr>
+              <a:t>answer(7,certain)</a:t>
+            </a:r>
+            <a:endParaRPr lang="en-US" sz="2400" dirty="0">
+              <a:solidFill>
+                <a:srgbClr val="FF0000"/>
+              </a:solidFill>
+            </a:endParaRPr>
           </a:p>
         </p:txBody>
       </p:sp>
     </p:spTree>
     <p:extLst>
       <p:ext uri="{BB962C8B-B14F-4D97-AF65-F5344CB8AC3E}">
-        <p14:creationId xmlns:p14="http://schemas.microsoft.com/office/powerpoint/2010/main" val="757080069"/>
+        <p14:creationId xmlns:p14="http://schemas.microsoft.com/office/powerpoint/2010/main" val="1639697316"/>
       </p:ext>
     </p:extLst>
   </p:cSld>
   <p:clrMapOvr>
     <a:masterClrMapping/>
   </p:clrMapOvr>
+  <p:timing>
+    <p:tnLst>
+      <p:par>
+        <p:cTn id="1" dur="indefinite" restart="never" nodeType="tmRoot">
+          <p:childTnLst>
+            <p:seq concurrent="1" nextAc="seek">
+              <p:cTn id="2" dur="indefinite" nodeType="mainSeq">
+                <p:childTnLst>
+                  <p:par>
+                    <p:cTn id="3" fill="hold">
+                      <p:stCondLst>
+                        <p:cond delay="indefinite"/>
+                      </p:stCondLst>
+                      <p:childTnLst>
+                        <p:par>
+                          <p:cTn id="4" fill="hold">
+                            <p:stCondLst>
+                              <p:cond delay="0"/>
+                            </p:stCondLst>
+                            <p:childTnLst>
+                              <p:par>
+                                <p:cTn id="5" presetID="10" presetClass="entr" presetSubtype="0" fill="hold" grpId="0" nodeType="clickEffect">
+                                  <p:stCondLst>
+                                    <p:cond delay="0"/>
+                                  </p:stCondLst>
+                                  <p:childTnLst>
+                                    <p:set>
+                                      <p:cBhvr>
+                                        <p:cTn id="6" dur="1" fill="hold">
+                                          <p:stCondLst>
+                                            <p:cond delay="0"/>
+                                          </p:stCondLst>
+                                        </p:cTn>
+                                        <p:tgtEl>
+                                          <p:spTgt spid="3"/>
+                                        </p:tgtEl>
+                                        <p:attrNameLst>
+                                          <p:attrName>style.visibility</p:attrName>
+                                        </p:attrNameLst>
+                                      </p:cBhvr>
+                                      <p:to>
+                                        <p:strVal val="visible"/>
+                                      </p:to>
+                                    </p:set>
+                                    <p:animEffect transition="in" filter="fade">
+                                      <p:cBhvr>
+                                        <p:cTn id="7" dur="500"/>
+                                        <p:tgtEl>
+                                          <p:spTgt spid="3"/>
+                                        </p:tgtEl>
+                                      </p:cBhvr>
+                                    </p:animEffect>
+                                  </p:childTnLst>
+                                </p:cTn>
+                              </p:par>
+                              <p:par>
+                                <p:cTn id="8" presetID="10" presetClass="entr" presetSubtype="0" fill="hold" grpId="0" nodeType="withEffect">
+                                  <p:stCondLst>
+                                    <p:cond delay="0"/>
+                                  </p:stCondLst>
+                                  <p:childTnLst>
+                                    <p:set>
+                                      <p:cBhvr>
+                                        <p:cTn id="9" dur="1" fill="hold">
+                                          <p:stCondLst>
+                                            <p:cond delay="0"/>
+                                          </p:stCondLst>
+                                        </p:cTn>
+                                        <p:tgtEl>
+                                          <p:spTgt spid="11"/>
+                                        </p:tgtEl>
+                                        <p:attrNameLst>
+                                          <p:attrName>style.visibility</p:attrName>
+                                        </p:attrNameLst>
+                                      </p:cBhvr>
+                                      <p:to>
+                                        <p:strVal val="visible"/>
+                                      </p:to>
+                                    </p:set>
+                                    <p:animEffect transition="in" filter="fade">
+                                      <p:cBhvr>
+                                        <p:cTn id="10" dur="500"/>
+                                        <p:tgtEl>
+                                          <p:spTgt spid="11"/>
+                                        </p:tgtEl>
+                                      </p:cBhvr>
+                                    </p:animEffect>
+                                  </p:childTnLst>
+                                </p:cTn>
+                              </p:par>
+                              <p:par>
+                                <p:cTn id="11" presetID="10" presetClass="entr" presetSubtype="0" fill="hold" nodeType="withEffect">
+                                  <p:stCondLst>
+                                    <p:cond delay="0"/>
+                                  </p:stCondLst>
+                                  <p:childTnLst>
+                                    <p:set>
+                                      <p:cBhvr>
+                                        <p:cTn id="12" dur="1" fill="hold">
+                                          <p:stCondLst>
+                                            <p:cond delay="0"/>
+                                          </p:stCondLst>
+                                        </p:cTn>
+                                        <p:tgtEl>
+                                          <p:spTgt spid="10"/>
+                                        </p:tgtEl>
+                                        <p:attrNameLst>
+                                          <p:attrName>style.visibility</p:attrName>
+                                        </p:attrNameLst>
+                                      </p:cBhvr>
+                                      <p:to>
+                                        <p:strVal val="visible"/>
+                                      </p:to>
+                                    </p:set>
+                                    <p:animEffect transition="in" filter="fade">
+                                      <p:cBhvr>
+                                        <p:cTn id="13" dur="500"/>
+                                        <p:tgtEl>
+                                          <p:spTgt spid="10"/>
+                                        </p:tgtEl>
+                                      </p:cBhvr>
+                                    </p:animEffect>
+                                  </p:childTnLst>
+                                </p:cTn>
+                              </p:par>
+                              <p:par>
+                                <p:cTn id="14" presetID="10" presetClass="entr" presetSubtype="0" fill="hold" grpId="0" nodeType="withEffect">
+                                  <p:stCondLst>
+                                    <p:cond delay="0"/>
+                                  </p:stCondLst>
+                                  <p:childTnLst>
+                                    <p:set>
+                                      <p:cBhvr>
+                                        <p:cTn id="15" dur="1" fill="hold">
+                                          <p:stCondLst>
+                                            <p:cond delay="0"/>
+                                          </p:stCondLst>
+                                        </p:cTn>
+                                        <p:tgtEl>
+                                          <p:spTgt spid="8"/>
+                                        </p:tgtEl>
+                                        <p:attrNameLst>
+                                          <p:attrName>style.visibility</p:attrName>
+                                        </p:attrNameLst>
+                                      </p:cBhvr>
+                                      <p:to>
+                                        <p:strVal val="visible"/>
+                                      </p:to>
+                                    </p:set>
+                                    <p:animEffect transition="in" filter="fade">
+                                      <p:cBhvr>
+                                        <p:cTn id="16" dur="500"/>
+                                        <p:tgtEl>
+                                          <p:spTgt spid="8"/>
+                                        </p:tgtEl>
+                                      </p:cBhvr>
+                                    </p:animEffect>
+                                  </p:childTnLst>
+                                </p:cTn>
+                              </p:par>
+                            </p:childTnLst>
+                          </p:cTn>
+                        </p:par>
+                      </p:childTnLst>
+                    </p:cTn>
+                  </p:par>
+                  <p:par>
+                    <p:cTn id="17" fill="hold">
+                      <p:stCondLst>
+                        <p:cond delay="indefinite"/>
+                      </p:stCondLst>
+                      <p:childTnLst>
+                        <p:par>
+                          <p:cTn id="18" fill="hold">
+                            <p:stCondLst>
+                              <p:cond delay="0"/>
+                            </p:stCondLst>
+                            <p:childTnLst>
+                              <p:par>
+                                <p:cTn id="19" presetID="10" presetClass="entr" presetSubtype="0" fill="hold" grpId="0" nodeType="clickEffect">
+                                  <p:stCondLst>
+                                    <p:cond delay="0"/>
+                                  </p:stCondLst>
+                                  <p:childTnLst>
+                                    <p:set>
+                                      <p:cBhvr>
+                                        <p:cTn id="20" dur="1" fill="hold">
+                                          <p:stCondLst>
+                                            <p:cond delay="0"/>
+                                          </p:stCondLst>
+                                        </p:cTn>
+                                        <p:tgtEl>
+                                          <p:spTgt spid="19"/>
+                                        </p:tgtEl>
+                                        <p:attrNameLst>
+                                          <p:attrName>style.visibility</p:attrName>
+                                        </p:attrNameLst>
+                                      </p:cBhvr>
+                                      <p:to>
+                                        <p:strVal val="visible"/>
+                                      </p:to>
+                                    </p:set>
+                                    <p:animEffect transition="in" filter="fade">
+                                      <p:cBhvr>
+                                        <p:cTn id="21" dur="500"/>
+                                        <p:tgtEl>
+                                          <p:spTgt spid="19"/>
+                                        </p:tgtEl>
+                                      </p:cBhvr>
+                                    </p:animEffect>
+                                  </p:childTnLst>
+                                </p:cTn>
+                              </p:par>
+                              <p:par>
+                                <p:cTn id="22" presetID="10" presetClass="entr" presetSubtype="0" fill="hold" grpId="0" nodeType="withEffect">
+                                  <p:stCondLst>
+                                    <p:cond delay="0"/>
+                                  </p:stCondLst>
+                                  <p:childTnLst>
+                                    <p:set>
+                                      <p:cBhvr>
+                                        <p:cTn id="23" dur="1" fill="hold">
+                                          <p:stCondLst>
+                                            <p:cond delay="0"/>
+                                          </p:stCondLst>
+                                        </p:cTn>
+                                        <p:tgtEl>
+                                          <p:spTgt spid="20"/>
+                                        </p:tgtEl>
+                                        <p:attrNameLst>
+                                          <p:attrName>style.visibility</p:attrName>
+                                        </p:attrNameLst>
+                                      </p:cBhvr>
+                                      <p:to>
+                                        <p:strVal val="visible"/>
+                                      </p:to>
+                                    </p:set>
+                                    <p:animEffect transition="in" filter="fade">
+                                      <p:cBhvr>
+                                        <p:cTn id="24" dur="500"/>
+                                        <p:tgtEl>
+                                          <p:spTgt spid="20"/>
+                                        </p:tgtEl>
+                                      </p:cBhvr>
+                                    </p:animEffect>
+                                  </p:childTnLst>
+                                </p:cTn>
+                              </p:par>
+                              <p:par>
+                                <p:cTn id="25" presetID="10" presetClass="entr" presetSubtype="0" fill="hold" nodeType="withEffect">
+                                  <p:stCondLst>
+                                    <p:cond delay="0"/>
+                                  </p:stCondLst>
+                                  <p:childTnLst>
+                                    <p:set>
+                                      <p:cBhvr>
+                                        <p:cTn id="26" dur="1" fill="hold">
+                                          <p:stCondLst>
+                                            <p:cond delay="0"/>
+                                          </p:stCondLst>
+                                        </p:cTn>
+                                        <p:tgtEl>
+                                          <p:spTgt spid="21"/>
+                                        </p:tgtEl>
+                                        <p:attrNameLst>
+                                          <p:attrName>style.visibility</p:attrName>
+                                        </p:attrNameLst>
+                                      </p:cBhvr>
+                                      <p:to>
+                                        <p:strVal val="visible"/>
+                                      </p:to>
+                                    </p:set>
+                                    <p:animEffect transition="in" filter="fade">
+                                      <p:cBhvr>
+                                        <p:cTn id="27" dur="500"/>
+                                        <p:tgtEl>
+                                          <p:spTgt spid="21"/>
+                                        </p:tgtEl>
+                                      </p:cBhvr>
+                                    </p:animEffect>
+                                  </p:childTnLst>
+                                </p:cTn>
+                              </p:par>
+                              <p:par>
+                                <p:cTn id="28" presetID="10" presetClass="entr" presetSubtype="0" fill="hold" grpId="0" nodeType="withEffect">
+                                  <p:stCondLst>
+                                    <p:cond delay="0"/>
+                                  </p:stCondLst>
+                                  <p:childTnLst>
+                                    <p:set>
+                                      <p:cBhvr>
+                                        <p:cTn id="29" dur="1" fill="hold">
+                                          <p:stCondLst>
+                                            <p:cond delay="0"/>
+                                          </p:stCondLst>
+                                        </p:cTn>
+                                        <p:tgtEl>
+                                          <p:spTgt spid="29"/>
+                                        </p:tgtEl>
+                                        <p:attrNameLst>
+                                          <p:attrName>style.visibility</p:attrName>
+                                        </p:attrNameLst>
+                                      </p:cBhvr>
+                                      <p:to>
+                                        <p:strVal val="visible"/>
+                                      </p:to>
+                                    </p:set>
+                                    <p:animEffect transition="in" filter="fade">
+                                      <p:cBhvr>
+                                        <p:cTn id="30" dur="500"/>
+                                        <p:tgtEl>
+                                          <p:spTgt spid="29"/>
+                                        </p:tgtEl>
+                                      </p:cBhvr>
+                                    </p:animEffect>
+                                  </p:childTnLst>
+                                </p:cTn>
+                              </p:par>
+                            </p:childTnLst>
+                          </p:cTn>
+                        </p:par>
+                      </p:childTnLst>
+                    </p:cTn>
+                  </p:par>
+                  <p:par>
+                    <p:cTn id="31" fill="hold">
+                      <p:stCondLst>
+                        <p:cond delay="indefinite"/>
+                      </p:stCondLst>
+                      <p:childTnLst>
+                        <p:par>
+                          <p:cTn id="32" fill="hold">
+                            <p:stCondLst>
+                              <p:cond delay="0"/>
+                            </p:stCondLst>
+                            <p:childTnLst>
+                              <p:par>
+                                <p:cTn id="33" presetID="10" presetClass="entr" presetSubtype="0" fill="hold" nodeType="clickEffect">
+                                  <p:stCondLst>
+                                    <p:cond delay="0"/>
+                                  </p:stCondLst>
+                                  <p:childTnLst>
+                                    <p:set>
+                                      <p:cBhvr>
+                                        <p:cTn id="34" dur="1" fill="hold">
+                                          <p:stCondLst>
+                                            <p:cond delay="0"/>
+                                          </p:stCondLst>
+                                        </p:cTn>
+                                        <p:tgtEl>
+                                          <p:spTgt spid="24"/>
+                                        </p:tgtEl>
+                                        <p:attrNameLst>
+                                          <p:attrName>style.visibility</p:attrName>
+                                        </p:attrNameLst>
+                                      </p:cBhvr>
+                                      <p:to>
+                                        <p:strVal val="visible"/>
+                                      </p:to>
+                                    </p:set>
+                                    <p:animEffect transition="in" filter="fade">
+                                      <p:cBhvr>
+                                        <p:cTn id="35" dur="500"/>
+                                        <p:tgtEl>
+                                          <p:spTgt spid="24"/>
+                                        </p:tgtEl>
+                                      </p:cBhvr>
+                                    </p:animEffect>
+                                  </p:childTnLst>
+                                </p:cTn>
+                              </p:par>
+                              <p:par>
+                                <p:cTn id="36" presetID="10" presetClass="entr" presetSubtype="0" fill="hold" grpId="0" nodeType="withEffect">
+                                  <p:stCondLst>
+                                    <p:cond delay="0"/>
+                                  </p:stCondLst>
+                                  <p:childTnLst>
+                                    <p:set>
+                                      <p:cBhvr>
+                                        <p:cTn id="37" dur="1" fill="hold">
+                                          <p:stCondLst>
+                                            <p:cond delay="0"/>
+                                          </p:stCondLst>
+                                        </p:cTn>
+                                        <p:tgtEl>
+                                          <p:spTgt spid="12"/>
+                                        </p:tgtEl>
+                                        <p:attrNameLst>
+                                          <p:attrName>style.visibility</p:attrName>
+                                        </p:attrNameLst>
+                                      </p:cBhvr>
+                                      <p:to>
+                                        <p:strVal val="visible"/>
+                                      </p:to>
+                                    </p:set>
+                                    <p:animEffect transition="in" filter="fade">
+                                      <p:cBhvr>
+                                        <p:cTn id="38" dur="500"/>
+                                        <p:tgtEl>
+                                          <p:spTgt spid="12"/>
+                                        </p:tgtEl>
+                                      </p:cBhvr>
+                                    </p:animEffect>
+                                  </p:childTnLst>
+                                </p:cTn>
+                              </p:par>
+                              <p:par>
+                                <p:cTn id="39" presetID="10" presetClass="entr" presetSubtype="0" fill="hold" grpId="0" nodeType="withEffect">
+                                  <p:stCondLst>
+                                    <p:cond delay="0"/>
+                                  </p:stCondLst>
+                                  <p:childTnLst>
+                                    <p:set>
+                                      <p:cBhvr>
+                                        <p:cTn id="40" dur="1" fill="hold">
+                                          <p:stCondLst>
+                                            <p:cond delay="0"/>
+                                          </p:stCondLst>
+                                        </p:cTn>
+                                        <p:tgtEl>
+                                          <p:spTgt spid="23"/>
+                                        </p:tgtEl>
+                                        <p:attrNameLst>
+                                          <p:attrName>style.visibility</p:attrName>
+                                        </p:attrNameLst>
+                                      </p:cBhvr>
+                                      <p:to>
+                                        <p:strVal val="visible"/>
+                                      </p:to>
+                                    </p:set>
+                                    <p:animEffect transition="in" filter="fade">
+                                      <p:cBhvr>
+                                        <p:cTn id="41" dur="500"/>
+                                        <p:tgtEl>
+                                          <p:spTgt spid="23"/>
+                                        </p:tgtEl>
+                                      </p:cBhvr>
+                                    </p:animEffect>
+                                  </p:childTnLst>
+                                </p:cTn>
+                              </p:par>
+                              <p:par>
+                                <p:cTn id="42" presetID="10" presetClass="entr" presetSubtype="0" fill="hold" grpId="0" nodeType="withEffect">
+                                  <p:stCondLst>
+                                    <p:cond delay="0"/>
+                                  </p:stCondLst>
+                                  <p:childTnLst>
+                                    <p:set>
+                                      <p:cBhvr>
+                                        <p:cTn id="43" dur="1" fill="hold">
+                                          <p:stCondLst>
+                                            <p:cond delay="0"/>
+                                          </p:stCondLst>
+                                        </p:cTn>
+                                        <p:tgtEl>
+                                          <p:spTgt spid="22"/>
+                                        </p:tgtEl>
+                                        <p:attrNameLst>
+                                          <p:attrName>style.visibility</p:attrName>
+                                        </p:attrNameLst>
+                                      </p:cBhvr>
+                                      <p:to>
+                                        <p:strVal val="visible"/>
+                                      </p:to>
+                                    </p:set>
+                                    <p:animEffect transition="in" filter="fade">
+                                      <p:cBhvr>
+                                        <p:cTn id="44" dur="500"/>
+                                        <p:tgtEl>
+                                          <p:spTgt spid="22"/>
+                                        </p:tgtEl>
+                                      </p:cBhvr>
+                                    </p:animEffect>
+                                  </p:childTnLst>
+                                </p:cTn>
+                              </p:par>
+                            </p:childTnLst>
+                          </p:cTn>
+                        </p:par>
+                      </p:childTnLst>
+                    </p:cTn>
+                  </p:par>
+                  <p:par>
+                    <p:cTn id="45" fill="hold">
+                      <p:stCondLst>
+                        <p:cond delay="indefinite"/>
+                      </p:stCondLst>
+                      <p:childTnLst>
+                        <p:par>
+                          <p:cTn id="46" fill="hold">
+                            <p:stCondLst>
+                              <p:cond delay="0"/>
+                            </p:stCondLst>
+                            <p:childTnLst>
+                              <p:par>
+                                <p:cTn id="47" presetID="10" presetClass="entr" presetSubtype="0" fill="hold" grpId="0" nodeType="clickEffect">
+                                  <p:stCondLst>
+                                    <p:cond delay="0"/>
+                                  </p:stCondLst>
+                                  <p:iterate type="lt">
+                                    <p:tmPct val="0"/>
+                                  </p:iterate>
+                                  <p:childTnLst>
+                                    <p:set>
+                                      <p:cBhvr>
+                                        <p:cTn id="48" dur="1" fill="hold">
+                                          <p:stCondLst>
+                                            <p:cond delay="0"/>
+                                          </p:stCondLst>
+                                        </p:cTn>
+                                        <p:tgtEl>
+                                          <p:spTgt spid="28"/>
+                                        </p:tgtEl>
+                                        <p:attrNameLst>
+                                          <p:attrName>style.visibility</p:attrName>
+                                        </p:attrNameLst>
+                                      </p:cBhvr>
+                                      <p:to>
+                                        <p:strVal val="visible"/>
+                                      </p:to>
+                                    </p:set>
+                                    <p:animEffect transition="in" filter="fade">
+                                      <p:cBhvr>
+                                        <p:cTn id="49" dur="500"/>
+                                        <p:tgtEl>
+                                          <p:spTgt spid="28"/>
+                                        </p:tgtEl>
+                                      </p:cBhvr>
+                                    </p:animEffect>
+                                  </p:childTnLst>
+                                </p:cTn>
+                              </p:par>
+                            </p:childTnLst>
+                          </p:cTn>
+                        </p:par>
+                      </p:childTnLst>
+                    </p:cTn>
+                  </p:par>
+                  <p:par>
+                    <p:cTn id="50" fill="hold">
+                      <p:stCondLst>
+                        <p:cond delay="indefinite"/>
+                      </p:stCondLst>
+                      <p:childTnLst>
+                        <p:par>
+                          <p:cTn id="51" fill="hold">
+                            <p:stCondLst>
+                              <p:cond delay="0"/>
+                            </p:stCondLst>
+                            <p:childTnLst>
+                              <p:par>
+                                <p:cTn id="52" presetID="1" presetClass="exit" presetSubtype="0" fill="hold" grpId="1" nodeType="clickEffect">
+                                  <p:stCondLst>
+                                    <p:cond delay="0"/>
+                                  </p:stCondLst>
+                                  <p:iterate type="lt">
+                                    <p:tmAbs val="0"/>
+                                  </p:iterate>
+                                  <p:childTnLst>
+                                    <p:set>
+                                      <p:cBhvr>
+                                        <p:cTn id="53" dur="1" fill="hold">
+                                          <p:stCondLst>
+                                            <p:cond delay="0"/>
+                                          </p:stCondLst>
+                                        </p:cTn>
+                                        <p:tgtEl>
+                                          <p:spTgt spid="28"/>
+                                        </p:tgtEl>
+                                        <p:attrNameLst>
+                                          <p:attrName>style.visibility</p:attrName>
+                                        </p:attrNameLst>
+                                      </p:cBhvr>
+                                      <p:to>
+                                        <p:strVal val="hidden"/>
+                                      </p:to>
+                                    </p:set>
+                                  </p:childTnLst>
+                                </p:cTn>
+                              </p:par>
+                              <p:par>
+                                <p:cTn id="54" presetID="10" presetClass="entr" presetSubtype="0" fill="hold" grpId="0" nodeType="withEffect">
+                                  <p:stCondLst>
+                                    <p:cond delay="0"/>
+                                  </p:stCondLst>
+                                  <p:childTnLst>
+                                    <p:set>
+                                      <p:cBhvr>
+                                        <p:cTn id="55" dur="1" fill="hold">
+                                          <p:stCondLst>
+                                            <p:cond delay="0"/>
+                                          </p:stCondLst>
+                                        </p:cTn>
+                                        <p:tgtEl>
+                                          <p:spTgt spid="31"/>
+                                        </p:tgtEl>
+                                        <p:attrNameLst>
+                                          <p:attrName>style.visibility</p:attrName>
+                                        </p:attrNameLst>
+                                      </p:cBhvr>
+                                      <p:to>
+                                        <p:strVal val="visible"/>
+                                      </p:to>
+                                    </p:set>
+                                    <p:animEffect transition="in" filter="fade">
+                                      <p:cBhvr>
+                                        <p:cTn id="56" dur="500"/>
+                                        <p:tgtEl>
+                                          <p:spTgt spid="31"/>
+                                        </p:tgtEl>
+                                      </p:cBhvr>
+                                    </p:animEffect>
+                                  </p:childTnLst>
+                                </p:cTn>
+                              </p:par>
+                            </p:childTnLst>
+                          </p:cTn>
+                        </p:par>
+                      </p:childTnLst>
+                    </p:cTn>
+                  </p:par>
+                  <p:par>
+                    <p:cTn id="57" fill="hold">
+                      <p:stCondLst>
+                        <p:cond delay="indefinite"/>
+                      </p:stCondLst>
+                      <p:childTnLst>
+                        <p:par>
+                          <p:cTn id="58" fill="hold">
+                            <p:stCondLst>
+                              <p:cond delay="0"/>
+                            </p:stCondLst>
+                            <p:childTnLst>
+                              <p:par>
+                                <p:cTn id="59" presetID="1" presetClass="exit" presetSubtype="0" fill="hold" grpId="1" nodeType="clickEffect">
+                                  <p:stCondLst>
+                                    <p:cond delay="0"/>
+                                  </p:stCondLst>
+                                  <p:childTnLst>
+                                    <p:set>
+                                      <p:cBhvr>
+                                        <p:cTn id="60" dur="1" fill="hold">
+                                          <p:stCondLst>
+                                            <p:cond delay="0"/>
+                                          </p:stCondLst>
+                                        </p:cTn>
+                                        <p:tgtEl>
+                                          <p:spTgt spid="31"/>
+                                        </p:tgtEl>
+                                        <p:attrNameLst>
+                                          <p:attrName>style.visibility</p:attrName>
+                                        </p:attrNameLst>
+                                      </p:cBhvr>
+                                      <p:to>
+                                        <p:strVal val="hidden"/>
+                                      </p:to>
+                                    </p:set>
+                                  </p:childTnLst>
+                                </p:cTn>
+                              </p:par>
+                              <p:par>
+                                <p:cTn id="61" presetID="10" presetClass="entr" presetSubtype="0" fill="hold" grpId="0" nodeType="withEffect">
+                                  <p:stCondLst>
+                                    <p:cond delay="0"/>
+                                  </p:stCondLst>
+                                  <p:childTnLst>
+                                    <p:set>
+                                      <p:cBhvr>
+                                        <p:cTn id="62" dur="1" fill="hold">
+                                          <p:stCondLst>
+                                            <p:cond delay="0"/>
+                                          </p:stCondLst>
+                                        </p:cTn>
+                                        <p:tgtEl>
+                                          <p:spTgt spid="30"/>
+                                        </p:tgtEl>
+                                        <p:attrNameLst>
+                                          <p:attrName>style.visibility</p:attrName>
+                                        </p:attrNameLst>
+                                      </p:cBhvr>
+                                      <p:to>
+                                        <p:strVal val="visible"/>
+                                      </p:to>
+                                    </p:set>
+                                    <p:animEffect transition="in" filter="fade">
+                                      <p:cBhvr>
+                                        <p:cTn id="63" dur="500"/>
+                                        <p:tgtEl>
+                                          <p:spTgt spid="30"/>
+                                        </p:tgtEl>
+                                      </p:cBhvr>
+                                    </p:animEffect>
+                                  </p:childTnLst>
+                                </p:cTn>
+                              </p:par>
+                            </p:childTnLst>
+                          </p:cTn>
+                        </p:par>
+                      </p:childTnLst>
+                    </p:cTn>
+                  </p:par>
+                </p:childTnLst>
+              </p:cTn>
+              <p:prevCondLst>
+                <p:cond evt="onPrev" delay="0">
+                  <p:tgtEl>
+                    <p:sldTgt/>
+                  </p:tgtEl>
+                </p:cond>
+              </p:prevCondLst>
+              <p:nextCondLst>
+                <p:cond evt="onNext" delay="0">
+                  <p:tgtEl>
+                    <p:sldTgt/>
+                  </p:tgtEl>
+                </p:cond>
+              </p:nextCondLst>
+            </p:seq>
+          </p:childTnLst>
+        </p:cTn>
+      </p:par>
+    </p:tnLst>
+    <p:bldLst>
+      <p:bldP spid="3" grpId="0"/>
+      <p:bldP spid="8" grpId="0" animBg="1"/>
+      <p:bldP spid="11" grpId="0"/>
+      <p:bldP spid="12" grpId="0"/>
+      <p:bldP spid="19" grpId="0"/>
+      <p:bldP spid="20" grpId="0" animBg="1"/>
+      <p:bldP spid="23" grpId="0" animBg="1"/>
+      <p:bldP spid="29" grpId="0"/>
+      <p:bldP spid="22" grpId="0"/>
+      <p:bldP spid="28" grpId="0"/>
+      <p:bldP spid="28" grpId="1"/>
+      <p:bldP spid="30" grpId="0"/>
+      <p:bldP spid="31" grpId="0"/>
+      <p:bldP spid="31" grpId="1"/>
+    </p:bldLst>
+  </p:timing>
 </p:sld>
 </file>
 
@@ -46852,8 +52922,8 @@
         </p:nvSpPr>
         <p:spPr>
           <a:xfrm>
-            <a:off x="390937" y="1547912"/>
-            <a:ext cx="11085446" cy="1569660"/>
+            <a:off x="556589" y="1528000"/>
+            <a:ext cx="11078818" cy="769441"/>
           </a:xfrm>
           <a:prstGeom prst="rect">
             <a:avLst/>
@@ -46865,87 +52935,22 @@
           </a:bodyPr>
           <a:lstStyle/>
           <a:p>
-            <a:pPr marL="457200" indent="-457200" algn="just">
-              <a:buAutoNum type="arabicPeriod"/>
-            </a:pPr>
-            <a:r>
-              <a:rPr lang="en-US" sz="2400" b="1" dirty="0"/>
-              <a:t>Support for Temporal Reasoning</a:t>
-            </a:r>
-          </a:p>
-          <a:p>
-            <a:pPr marL="800100" lvl="1" indent="-342900" algn="just">
-              <a:buFont typeface="Arial" panose="020B0604020202020204" pitchFamily="34" charset="0"/>
-              <a:buChar char="•"/>
-            </a:pPr>
-            <a:r>
-              <a:rPr lang="en-US" sz="2400" dirty="0"/>
-              <a:t>Humans reasoning involves some </a:t>
-            </a:r>
-            <a:r>
-              <a:rPr lang="en-US" sz="2400" dirty="0">
+            <a:pPr algn="just"/>
+            <a:r>
+              <a:rPr lang="en-US" sz="2200" i="1" dirty="0"/>
+              <a:t>“Super Bowl 50 was an American football game. … Super Bowl 50 was to determine the champion of the </a:t>
+            </a:r>
+            <a:r>
+              <a:rPr lang="en-US" sz="2200" i="1" dirty="0">
                 <a:solidFill>
                   <a:srgbClr val="FF0000"/>
                 </a:solidFill>
               </a:rPr>
-              <a:t>temporal</a:t>
-            </a:r>
-            <a:r>
-              <a:rPr lang="en-US" sz="2400" dirty="0"/>
-              <a:t> </a:t>
-            </a:r>
-            <a:r>
-              <a:rPr lang="en-US" sz="2400" dirty="0">
-                <a:solidFill>
-                  <a:srgbClr val="FF0000"/>
-                </a:solidFill>
-              </a:rPr>
-              <a:t>reasoning</a:t>
-            </a:r>
-            <a:endParaRPr lang="en-US" sz="2400" dirty="0"/>
-          </a:p>
-          <a:p>
-            <a:pPr marL="800100" lvl="1" indent="-342900" algn="just">
-              <a:buFont typeface="Arial" panose="020B0604020202020204" pitchFamily="34" charset="0"/>
-              <a:buChar char="•"/>
-            </a:pPr>
-            <a:r>
-              <a:rPr lang="en-US" sz="2400" dirty="0"/>
-              <a:t>Decision making requires </a:t>
-            </a:r>
-            <a:r>
-              <a:rPr lang="en-US" sz="2400" dirty="0">
-                <a:solidFill>
-                  <a:srgbClr val="FF0000"/>
-                </a:solidFill>
-              </a:rPr>
-              <a:t>reasoning about events</a:t>
-            </a:r>
-            <a:r>
-              <a:rPr lang="en-US" sz="2400" dirty="0"/>
-              <a:t> related to each other w.r.t time</a:t>
-            </a:r>
-          </a:p>
-          <a:p>
-            <a:pPr marL="800100" lvl="1" indent="-342900" algn="just">
-              <a:buFont typeface="Arial" panose="020B0604020202020204" pitchFamily="34" charset="0"/>
-              <a:buChar char="•"/>
-            </a:pPr>
-            <a:r>
-              <a:rPr lang="en-US" sz="2400" dirty="0"/>
-              <a:t>Predicates like </a:t>
-            </a:r>
-            <a:r>
-              <a:rPr lang="en-US" sz="2400" i="1" dirty="0">
-                <a:solidFill>
-                  <a:srgbClr val="FF0000"/>
-                </a:solidFill>
-              </a:rPr>
-              <a:t>happensAt (event_id, time_id) </a:t>
-            </a:r>
-            <a:r>
-              <a:rPr lang="en-US" sz="2400" dirty="0"/>
-              <a:t>help in modelling time</a:t>
+              <a:t>National Football League (NFL) </a:t>
+            </a:r>
+            <a:r>
+              <a:rPr lang="en-US" sz="2200" i="1" dirty="0"/>
+              <a:t>for the 2015 season….”</a:t>
             </a:r>
           </a:p>
         </p:txBody>
@@ -47010,8 +53015,8 @@
         </p:nvSpPr>
         <p:spPr>
           <a:xfrm>
-            <a:off x="4541560" y="332816"/>
-            <a:ext cx="3108879" cy="646331"/>
+            <a:off x="4537625" y="332816"/>
+            <a:ext cx="3116747" cy="646331"/>
           </a:xfrm>
           <a:prstGeom prst="rect">
             <a:avLst/>
@@ -47032,17 +53037,17 @@
                   <a:schemeClr val="bg1"/>
                 </a:solidFill>
               </a:rPr>
-              <a:t>Future Work</a:t>
-            </a:r>
-          </a:p>
-        </p:txBody>
-      </p:sp>
-      <p:sp>
-        <p:nvSpPr>
-          <p:cNvPr id="6" name="Rectangle 5">
-            <a:extLst>
-              <a:ext uri="{FF2B5EF4-FFF2-40B4-BE49-F238E27FC236}">
-                <a16:creationId xmlns:a16="http://schemas.microsoft.com/office/drawing/2014/main" id="{50B0E405-AA50-426D-AF54-4A9E16132E8D}"/>
+              <a:t>Super Bowl 50</a:t>
+            </a:r>
+          </a:p>
+        </p:txBody>
+      </p:sp>
+      <p:sp>
+        <p:nvSpPr>
+          <p:cNvPr id="2" name="Rectangle 1">
+            <a:extLst>
+              <a:ext uri="{FF2B5EF4-FFF2-40B4-BE49-F238E27FC236}">
+                <a16:creationId xmlns:a16="http://schemas.microsoft.com/office/drawing/2014/main" id="{8BEE3AE4-A5F7-45B2-9701-803F7279D7C5}"/>
               </a:ext>
             </a:extLst>
           </p:cNvPr>
@@ -47051,8 +53056,8 @@
         </p:nvSpPr>
         <p:spPr>
           <a:xfrm>
-            <a:off x="390937" y="3117572"/>
-            <a:ext cx="11085446" cy="3570208"/>
+            <a:off x="556589" y="2415913"/>
+            <a:ext cx="3697360" cy="430887"/>
           </a:xfrm>
           <a:prstGeom prst="rect">
             <a:avLst/>
@@ -47064,71 +53069,226 @@
           </a:bodyPr>
           <a:lstStyle/>
           <a:p>
-            <a:pPr algn="just"/>
-            <a:r>
-              <a:rPr lang="en-US" sz="2400" b="1" dirty="0"/>
-              <a:t>2.    Understanding Cause-Effect Relations</a:t>
-            </a:r>
-          </a:p>
-          <a:p>
-            <a:pPr marL="800100" lvl="1" indent="-342900" algn="just">
-              <a:buFont typeface="Arial" panose="020B0604020202020204" pitchFamily="34" charset="0"/>
-              <a:buChar char="•"/>
+            <a:r>
+              <a:rPr lang="en-US" sz="2200" dirty="0"/>
+              <a:t>Q4. What is the NFL short for?</a:t>
+            </a:r>
+          </a:p>
+        </p:txBody>
+      </p:sp>
+      <p:sp>
+        <p:nvSpPr>
+          <p:cNvPr id="3" name="Rectangle 2">
+            <a:extLst>
+              <a:ext uri="{FF2B5EF4-FFF2-40B4-BE49-F238E27FC236}">
+                <a16:creationId xmlns:a16="http://schemas.microsoft.com/office/drawing/2014/main" id="{E4A37FE3-372B-4A34-9DC1-F0B39FB1D758}"/>
+              </a:ext>
+            </a:extLst>
+          </p:cNvPr>
+          <p:cNvSpPr/>
+          <p:nvPr/>
+        </p:nvSpPr>
+        <p:spPr>
+          <a:xfrm>
+            <a:off x="556587" y="3081680"/>
+            <a:ext cx="6771865" cy="430887"/>
+          </a:xfrm>
+          <a:prstGeom prst="rect">
+            <a:avLst/>
+          </a:prstGeom>
+        </p:spPr>
+        <p:txBody>
+          <a:bodyPr wrap="square">
+            <a:spAutoFit/>
+          </a:bodyPr>
+          <a:lstStyle/>
+          <a:p>
+            <a:pPr>
+              <a:spcAft>
+                <a:spcPts val="600"/>
+              </a:spcAft>
             </a:pPr>
             <a:r>
-              <a:rPr lang="en-US" sz="2400" dirty="0"/>
-              <a:t>Cause Effect relations help with </a:t>
-            </a:r>
+              <a:rPr lang="en-US" sz="2200" i="1" dirty="0">
+                <a:solidFill>
+                  <a:schemeClr val="accent1">
+                    <a:lumMod val="50000"/>
+                  </a:schemeClr>
+                </a:solidFill>
+              </a:rPr>
+              <a:t>_abbreviation(O1, X1),_similar(</a:t>
+            </a:r>
+            <a:r>
+              <a:rPr lang="en-US" sz="2200" i="1" dirty="0" err="1">
+                <a:solidFill>
+                  <a:schemeClr val="accent1">
+                    <a:lumMod val="50000"/>
+                  </a:schemeClr>
+                </a:solidFill>
+              </a:rPr>
+              <a:t>nfl</a:t>
+            </a:r>
+            <a:r>
+              <a:rPr lang="en-US" sz="2200" i="1" dirty="0">
+                <a:solidFill>
+                  <a:schemeClr val="accent1">
+                    <a:lumMod val="50000"/>
+                  </a:schemeClr>
+                </a:solidFill>
+              </a:rPr>
+              <a:t>, X1).</a:t>
+            </a:r>
+          </a:p>
+        </p:txBody>
+      </p:sp>
+      <p:sp>
+        <p:nvSpPr>
+          <p:cNvPr id="8" name="TextBox 7">
+            <a:extLst>
+              <a:ext uri="{FF2B5EF4-FFF2-40B4-BE49-F238E27FC236}">
+                <a16:creationId xmlns:a16="http://schemas.microsoft.com/office/drawing/2014/main" id="{E61C2AFA-C4F2-45C7-973D-45F20892950C}"/>
+              </a:ext>
+            </a:extLst>
+          </p:cNvPr>
+          <p:cNvSpPr txBox="1"/>
+          <p:nvPr/>
+        </p:nvSpPr>
+        <p:spPr>
+          <a:xfrm>
+            <a:off x="7037874" y="3081680"/>
+            <a:ext cx="1232996" cy="461665"/>
+          </a:xfrm>
+          <a:prstGeom prst="rect">
+            <a:avLst/>
+          </a:prstGeom>
+          <a:solidFill>
+            <a:schemeClr val="accent6">
+              <a:lumMod val="50000"/>
+            </a:schemeClr>
+          </a:solidFill>
+          <a:ln>
+            <a:solidFill>
+              <a:schemeClr val="accent6">
+                <a:lumMod val="50000"/>
+              </a:schemeClr>
+            </a:solidFill>
+          </a:ln>
+        </p:spPr>
+        <p:txBody>
+          <a:bodyPr wrap="square" rtlCol="0">
+            <a:spAutoFit/>
+          </a:bodyPr>
+          <a:lstStyle/>
+          <a:p>
+            <a:pPr algn="ctr"/>
             <a:r>
               <a:rPr lang="en-US" sz="2400" dirty="0">
                 <a:solidFill>
+                  <a:schemeClr val="bg1"/>
+                </a:solidFill>
+              </a:rPr>
+              <a:t>Certain</a:t>
+            </a:r>
+          </a:p>
+        </p:txBody>
+      </p:sp>
+      <p:cxnSp>
+        <p:nvCxnSpPr>
+          <p:cNvPr id="10" name="Straight Arrow Connector 9">
+            <a:extLst>
+              <a:ext uri="{FF2B5EF4-FFF2-40B4-BE49-F238E27FC236}">
+                <a16:creationId xmlns:a16="http://schemas.microsoft.com/office/drawing/2014/main" id="{9C6B788F-4249-4366-8B95-A6C42E615343}"/>
+              </a:ext>
+            </a:extLst>
+          </p:cNvPr>
+          <p:cNvCxnSpPr>
+            <a:cxnSpLocks/>
+            <a:stCxn id="8" idx="1"/>
+          </p:cNvCxnSpPr>
+          <p:nvPr/>
+        </p:nvCxnSpPr>
+        <p:spPr>
+          <a:xfrm flipH="1">
+            <a:off x="5168348" y="3312513"/>
+            <a:ext cx="1869526" cy="0"/>
+          </a:xfrm>
+          <a:prstGeom prst="straightConnector1">
+            <a:avLst/>
+          </a:prstGeom>
+          <a:ln>
+            <a:solidFill>
+              <a:schemeClr val="accent6">
+                <a:lumMod val="50000"/>
+              </a:schemeClr>
+            </a:solidFill>
+            <a:tailEnd type="triangle"/>
+          </a:ln>
+        </p:spPr>
+        <p:style>
+          <a:lnRef idx="3">
+            <a:schemeClr val="accent6"/>
+          </a:lnRef>
+          <a:fillRef idx="0">
+            <a:schemeClr val="accent6"/>
+          </a:fillRef>
+          <a:effectRef idx="2">
+            <a:schemeClr val="accent6"/>
+          </a:effectRef>
+          <a:fontRef idx="minor">
+            <a:schemeClr val="tx1"/>
+          </a:fontRef>
+        </p:style>
+      </p:cxnSp>
+      <p:sp>
+        <p:nvSpPr>
+          <p:cNvPr id="26" name="Rectangle 25">
+            <a:extLst>
+              <a:ext uri="{FF2B5EF4-FFF2-40B4-BE49-F238E27FC236}">
+                <a16:creationId xmlns:a16="http://schemas.microsoft.com/office/drawing/2014/main" id="{129FB0B5-9895-4258-9FCF-A61103104380}"/>
+              </a:ext>
+            </a:extLst>
+          </p:cNvPr>
+          <p:cNvSpPr/>
+          <p:nvPr/>
+        </p:nvSpPr>
+        <p:spPr>
+          <a:xfrm>
+            <a:off x="556587" y="3747447"/>
+            <a:ext cx="5377882" cy="461665"/>
+          </a:xfrm>
+          <a:prstGeom prst="rect">
+            <a:avLst/>
+          </a:prstGeom>
+        </p:spPr>
+        <p:txBody>
+          <a:bodyPr wrap="none">
+            <a:spAutoFit/>
+          </a:bodyPr>
+          <a:lstStyle/>
+          <a:p>
+            <a:r>
+              <a:rPr lang="en-US" sz="2400" i="1" dirty="0">
+                <a:solidFill>
                   <a:srgbClr val="FF0000"/>
                 </a:solidFill>
               </a:rPr>
-              <a:t>providing justifications </a:t>
-            </a:r>
-            <a:r>
-              <a:rPr lang="en-US" sz="2400" dirty="0"/>
-              <a:t>to activities</a:t>
-            </a:r>
-          </a:p>
-          <a:p>
-            <a:pPr marL="800100" lvl="1" indent="-342900" algn="just">
-              <a:buFont typeface="Arial" panose="020B0604020202020204" pitchFamily="34" charset="0"/>
-              <a:buChar char="•"/>
-            </a:pPr>
-            <a:r>
-              <a:rPr lang="en-US" sz="2400" dirty="0"/>
-              <a:t>Currently there are limited resources to detect such relations like </a:t>
-            </a:r>
-            <a:r>
-              <a:rPr lang="en-US" sz="2400" i="1" dirty="0"/>
-              <a:t>FrameNet</a:t>
-            </a:r>
-          </a:p>
-          <a:p>
-            <a:pPr marL="800100" lvl="1" indent="-342900" algn="just">
-              <a:buFont typeface="Arial" panose="020B0604020202020204" pitchFamily="34" charset="0"/>
-              <a:buChar char="•"/>
-            </a:pPr>
-            <a:r>
-              <a:rPr lang="en-US" sz="2400" dirty="0"/>
-              <a:t>Cause effect relations can be modelled as follow</a:t>
-            </a:r>
-          </a:p>
-          <a:p>
-            <a:pPr lvl="2">
-              <a:spcBef>
-                <a:spcPts val="1200"/>
-              </a:spcBef>
-            </a:pPr>
+              <a:t>answer(</a:t>
+            </a:r>
+            <a:r>
+              <a:rPr lang="en-US" sz="2400" i="1" dirty="0" err="1">
+                <a:solidFill>
+                  <a:srgbClr val="FF0000"/>
+                </a:solidFill>
+              </a:rPr>
+              <a:t>national_football_league,certain</a:t>
+            </a:r>
             <a:r>
               <a:rPr lang="en-US" sz="2400" i="1" dirty="0">
                 <a:solidFill>
                   <a:srgbClr val="FF0000"/>
                 </a:solidFill>
               </a:rPr>
-              <a:t>cause (event_id1, event_id2). </a:t>
+              <a:t>)</a:t>
             </a:r>
             <a:endParaRPr lang="en-US" sz="2400" dirty="0">
               <a:solidFill>
@@ -47136,83 +53296,229 @@
               </a:solidFill>
             </a:endParaRPr>
           </a:p>
-          <a:p>
-            <a:pPr lvl="2"/>
-            <a:r>
-              <a:rPr lang="fr-FR" sz="2400" i="1" dirty="0" err="1">
-                <a:solidFill>
-                  <a:srgbClr val="FF0000"/>
-                </a:solidFill>
-              </a:rPr>
-              <a:t>effect</a:t>
-            </a:r>
-            <a:r>
-              <a:rPr lang="fr-FR" sz="2400" i="1" dirty="0">
-                <a:solidFill>
-                  <a:srgbClr val="FF0000"/>
-                </a:solidFill>
-              </a:rPr>
-              <a:t> (X, Y) :- cause (Y, X) </a:t>
-            </a:r>
-            <a:endParaRPr lang="en-US" sz="2400" i="1" dirty="0">
-              <a:solidFill>
-                <a:srgbClr val="FF0000"/>
-              </a:solidFill>
-            </a:endParaRPr>
-          </a:p>
-          <a:p>
-            <a:pPr marL="800100" lvl="1" indent="-342900" algn="just">
-              <a:buFont typeface="Arial" panose="020B0604020202020204" pitchFamily="34" charset="0"/>
-              <a:buChar char="•"/>
-            </a:pPr>
-            <a:endParaRPr lang="en-US" sz="2400" dirty="0"/>
-          </a:p>
-          <a:p>
-            <a:pPr marL="800100" lvl="1" indent="-342900" algn="just">
-              <a:buFont typeface="Arial" panose="020B0604020202020204" pitchFamily="34" charset="0"/>
-              <a:buChar char="•"/>
-            </a:pPr>
-            <a:r>
-              <a:rPr lang="en-US" sz="2400" dirty="0"/>
-              <a:t>Causes follow transitivity</a:t>
-            </a:r>
-          </a:p>
-          <a:p>
-            <a:pPr lvl="1" algn="just"/>
-            <a:r>
-              <a:rPr lang="en-US" sz="2400" dirty="0">
-                <a:solidFill>
-                  <a:srgbClr val="FF0000"/>
-                </a:solidFill>
-              </a:rPr>
-              <a:t>	</a:t>
-            </a:r>
-            <a:r>
-              <a:rPr lang="fr-FR" sz="2400" i="1" dirty="0">
-                <a:solidFill>
-                  <a:srgbClr val="FF0000"/>
-                </a:solidFill>
-              </a:rPr>
-              <a:t>cause (X, Y) :- cause (X, Z), cause (Z, Y). </a:t>
-            </a:r>
-            <a:endParaRPr lang="en-US" sz="2400" dirty="0">
-              <a:solidFill>
-                <a:srgbClr val="FF0000"/>
-              </a:solidFill>
-            </a:endParaRPr>
-          </a:p>
         </p:txBody>
       </p:sp>
     </p:spTree>
     <p:extLst>
       <p:ext uri="{BB962C8B-B14F-4D97-AF65-F5344CB8AC3E}">
-        <p14:creationId xmlns:p14="http://schemas.microsoft.com/office/powerpoint/2010/main" val="2387742247"/>
+        <p14:creationId xmlns:p14="http://schemas.microsoft.com/office/powerpoint/2010/main" val="3058465775"/>
       </p:ext>
     </p:extLst>
   </p:cSld>
   <p:clrMapOvr>
     <a:masterClrMapping/>
   </p:clrMapOvr>
+  <p:timing>
+    <p:tnLst>
+      <p:par>
+        <p:cTn id="1" dur="indefinite" restart="never" nodeType="tmRoot">
+          <p:childTnLst>
+            <p:seq concurrent="1" nextAc="seek">
+              <p:cTn id="2" dur="indefinite" nodeType="mainSeq">
+                <p:childTnLst>
+                  <p:par>
+                    <p:cTn id="3" fill="hold">
+                      <p:stCondLst>
+                        <p:cond delay="indefinite"/>
+                      </p:stCondLst>
+                      <p:childTnLst>
+                        <p:par>
+                          <p:cTn id="4" fill="hold">
+                            <p:stCondLst>
+                              <p:cond delay="0"/>
+                            </p:stCondLst>
+                            <p:childTnLst>
+                              <p:par>
+                                <p:cTn id="5" presetID="10" presetClass="entr" presetSubtype="0" fill="hold" grpId="0" nodeType="clickEffect">
+                                  <p:stCondLst>
+                                    <p:cond delay="0"/>
+                                  </p:stCondLst>
+                                  <p:childTnLst>
+                                    <p:set>
+                                      <p:cBhvr>
+                                        <p:cTn id="6" dur="1" fill="hold">
+                                          <p:stCondLst>
+                                            <p:cond delay="0"/>
+                                          </p:stCondLst>
+                                        </p:cTn>
+                                        <p:tgtEl>
+                                          <p:spTgt spid="3"/>
+                                        </p:tgtEl>
+                                        <p:attrNameLst>
+                                          <p:attrName>style.visibility</p:attrName>
+                                        </p:attrNameLst>
+                                      </p:cBhvr>
+                                      <p:to>
+                                        <p:strVal val="visible"/>
+                                      </p:to>
+                                    </p:set>
+                                    <p:animEffect transition="in" filter="fade">
+                                      <p:cBhvr>
+                                        <p:cTn id="7" dur="500"/>
+                                        <p:tgtEl>
+                                          <p:spTgt spid="3"/>
+                                        </p:tgtEl>
+                                      </p:cBhvr>
+                                    </p:animEffect>
+                                  </p:childTnLst>
+                                </p:cTn>
+                              </p:par>
+                              <p:par>
+                                <p:cTn id="8" presetID="10" presetClass="entr" presetSubtype="0" fill="hold" nodeType="withEffect">
+                                  <p:stCondLst>
+                                    <p:cond delay="0"/>
+                                  </p:stCondLst>
+                                  <p:childTnLst>
+                                    <p:set>
+                                      <p:cBhvr>
+                                        <p:cTn id="9" dur="1" fill="hold">
+                                          <p:stCondLst>
+                                            <p:cond delay="0"/>
+                                          </p:stCondLst>
+                                        </p:cTn>
+                                        <p:tgtEl>
+                                          <p:spTgt spid="10"/>
+                                        </p:tgtEl>
+                                        <p:attrNameLst>
+                                          <p:attrName>style.visibility</p:attrName>
+                                        </p:attrNameLst>
+                                      </p:cBhvr>
+                                      <p:to>
+                                        <p:strVal val="visible"/>
+                                      </p:to>
+                                    </p:set>
+                                    <p:animEffect transition="in" filter="fade">
+                                      <p:cBhvr>
+                                        <p:cTn id="10" dur="500"/>
+                                        <p:tgtEl>
+                                          <p:spTgt spid="10"/>
+                                        </p:tgtEl>
+                                      </p:cBhvr>
+                                    </p:animEffect>
+                                  </p:childTnLst>
+                                </p:cTn>
+                              </p:par>
+                              <p:par>
+                                <p:cTn id="11" presetID="10" presetClass="entr" presetSubtype="0" fill="hold" grpId="0" nodeType="withEffect">
+                                  <p:stCondLst>
+                                    <p:cond delay="0"/>
+                                  </p:stCondLst>
+                                  <p:childTnLst>
+                                    <p:set>
+                                      <p:cBhvr>
+                                        <p:cTn id="12" dur="1" fill="hold">
+                                          <p:stCondLst>
+                                            <p:cond delay="0"/>
+                                          </p:stCondLst>
+                                        </p:cTn>
+                                        <p:tgtEl>
+                                          <p:spTgt spid="8"/>
+                                        </p:tgtEl>
+                                        <p:attrNameLst>
+                                          <p:attrName>style.visibility</p:attrName>
+                                        </p:attrNameLst>
+                                      </p:cBhvr>
+                                      <p:to>
+                                        <p:strVal val="visible"/>
+                                      </p:to>
+                                    </p:set>
+                                    <p:animEffect transition="in" filter="fade">
+                                      <p:cBhvr>
+                                        <p:cTn id="13" dur="500"/>
+                                        <p:tgtEl>
+                                          <p:spTgt spid="8"/>
+                                        </p:tgtEl>
+                                      </p:cBhvr>
+                                    </p:animEffect>
+                                  </p:childTnLst>
+                                </p:cTn>
+                              </p:par>
+                            </p:childTnLst>
+                          </p:cTn>
+                        </p:par>
+                      </p:childTnLst>
+                    </p:cTn>
+                  </p:par>
+                  <p:par>
+                    <p:cTn id="14" fill="hold">
+                      <p:stCondLst>
+                        <p:cond delay="indefinite"/>
+                      </p:stCondLst>
+                      <p:childTnLst>
+                        <p:par>
+                          <p:cTn id="15" fill="hold">
+                            <p:stCondLst>
+                              <p:cond delay="0"/>
+                            </p:stCondLst>
+                            <p:childTnLst>
+                              <p:par>
+                                <p:cTn id="16" presetID="10" presetClass="entr" presetSubtype="0" fill="hold" grpId="0" nodeType="clickEffect">
+                                  <p:stCondLst>
+                                    <p:cond delay="0"/>
+                                  </p:stCondLst>
+                                  <p:childTnLst>
+                                    <p:set>
+                                      <p:cBhvr>
+                                        <p:cTn id="17" dur="1" fill="hold">
+                                          <p:stCondLst>
+                                            <p:cond delay="0"/>
+                                          </p:stCondLst>
+                                        </p:cTn>
+                                        <p:tgtEl>
+                                          <p:spTgt spid="26"/>
+                                        </p:tgtEl>
+                                        <p:attrNameLst>
+                                          <p:attrName>style.visibility</p:attrName>
+                                        </p:attrNameLst>
+                                      </p:cBhvr>
+                                      <p:to>
+                                        <p:strVal val="visible"/>
+                                      </p:to>
+                                    </p:set>
+                                    <p:animEffect transition="in" filter="fade">
+                                      <p:cBhvr>
+                                        <p:cTn id="18" dur="500"/>
+                                        <p:tgtEl>
+                                          <p:spTgt spid="26"/>
+                                        </p:tgtEl>
+                                      </p:cBhvr>
+                                    </p:animEffect>
+                                  </p:childTnLst>
+                                </p:cTn>
+                              </p:par>
+                            </p:childTnLst>
+                          </p:cTn>
+                        </p:par>
+                      </p:childTnLst>
+                    </p:cTn>
+                  </p:par>
+                </p:childTnLst>
+              </p:cTn>
+              <p:prevCondLst>
+                <p:cond evt="onPrev" delay="0">
+                  <p:tgtEl>
+                    <p:sldTgt/>
+                  </p:tgtEl>
+                </p:cond>
+              </p:prevCondLst>
+              <p:nextCondLst>
+                <p:cond evt="onNext" delay="0">
+                  <p:tgtEl>
+                    <p:sldTgt/>
+                  </p:tgtEl>
+                </p:cond>
+              </p:nextCondLst>
+            </p:seq>
+          </p:childTnLst>
+        </p:cTn>
+      </p:par>
+    </p:tnLst>
+    <p:bldLst>
+      <p:bldP spid="3" grpId="0"/>
+      <p:bldP spid="8" grpId="0" animBg="1"/>
+      <p:bldP spid="26" grpId="0"/>
+    </p:bldLst>
+  </p:timing>
 </p:sld>
 </file>
 
@@ -47235,145 +53541,84 @@
       </p:grpSpPr>
       <p:sp>
         <p:nvSpPr>
-          <p:cNvPr id="5" name="Rectangle 4">
-            <a:extLst>
-              <a:ext uri="{FF2B5EF4-FFF2-40B4-BE49-F238E27FC236}">
-                <a16:creationId xmlns:a16="http://schemas.microsoft.com/office/drawing/2014/main" id="{4FDB0B06-F270-4F00-8383-EB0ABF97EF01}"/>
-              </a:ext>
-            </a:extLst>
-          </p:cNvPr>
-          <p:cNvSpPr/>
-          <p:nvPr/>
-        </p:nvSpPr>
-        <p:spPr>
-          <a:xfrm>
-            <a:off x="390937" y="1545993"/>
-            <a:ext cx="11085446" cy="2677656"/>
-          </a:xfrm>
-          <a:prstGeom prst="rect">
-            <a:avLst/>
-          </a:prstGeom>
-        </p:spPr>
-        <p:txBody>
-          <a:bodyPr wrap="square">
+          <p:cNvPr id="3" name="TextBox 2">
+            <a:extLst>
+              <a:ext uri="{FF2B5EF4-FFF2-40B4-BE49-F238E27FC236}">
+                <a16:creationId xmlns:a16="http://schemas.microsoft.com/office/drawing/2014/main" id="{1980B4EC-4697-4B4F-87E9-C0E68B2BB033}"/>
+              </a:ext>
+            </a:extLst>
+          </p:cNvPr>
+          <p:cNvSpPr txBox="1"/>
+          <p:nvPr/>
+        </p:nvSpPr>
+        <p:spPr>
+          <a:xfrm>
+            <a:off x="3838210" y="2519929"/>
+            <a:ext cx="4515579" cy="923330"/>
+          </a:xfrm>
+          <a:prstGeom prst="rect">
+            <a:avLst/>
+          </a:prstGeom>
+          <a:noFill/>
+        </p:spPr>
+        <p:txBody>
+          <a:bodyPr wrap="square" rtlCol="0">
             <a:spAutoFit/>
           </a:bodyPr>
           <a:lstStyle/>
           <a:p>
-            <a:pPr algn="just"/>
-            <a:r>
-              <a:rPr lang="en-US" sz="2400" b="1" dirty="0"/>
-              <a:t>3.    Modelling more knowledge patterns</a:t>
-            </a:r>
-          </a:p>
-          <a:p>
-            <a:pPr marL="800100" lvl="1" indent="-342900" algn="just">
-              <a:buFont typeface="Arial" panose="020B0604020202020204" pitchFamily="34" charset="0"/>
-              <a:buChar char="•"/>
-            </a:pPr>
-            <a:r>
-              <a:rPr lang="en-US" sz="2400" dirty="0"/>
-              <a:t>Knowledge patterns used in text depend on factors like </a:t>
-            </a:r>
-            <a:r>
-              <a:rPr lang="en-US" sz="2400" dirty="0">
-                <a:solidFill>
-                  <a:srgbClr val="FF0000"/>
-                </a:solidFill>
-              </a:rPr>
-              <a:t>authors, subject, style of writing </a:t>
-            </a:r>
-            <a:r>
-              <a:rPr lang="en-US" sz="2400" dirty="0"/>
-              <a:t>etc.</a:t>
-            </a:r>
-          </a:p>
-          <a:p>
-            <a:pPr marL="800100" lvl="1" indent="-342900" algn="just">
-              <a:buFont typeface="Arial" panose="020B0604020202020204" pitchFamily="34" charset="0"/>
-              <a:buChar char="•"/>
-            </a:pPr>
-            <a:r>
-              <a:rPr lang="en-US" sz="2400" dirty="0"/>
-              <a:t>Furthermore knowledge patterns keep on </a:t>
-            </a:r>
-            <a:r>
-              <a:rPr lang="en-US" sz="2400" dirty="0">
-                <a:solidFill>
-                  <a:srgbClr val="FF0000"/>
-                </a:solidFill>
-              </a:rPr>
-              <a:t>evolving</a:t>
-            </a:r>
-            <a:r>
-              <a:rPr lang="en-US" sz="2400" dirty="0"/>
-              <a:t> with the language</a:t>
-            </a:r>
-          </a:p>
-          <a:p>
-            <a:pPr marL="800100" lvl="1" indent="-342900" algn="just">
-              <a:buFont typeface="Arial" panose="020B0604020202020204" pitchFamily="34" charset="0"/>
-              <a:buChar char="•"/>
-            </a:pPr>
-            <a:r>
-              <a:rPr lang="en-US" sz="2400" dirty="0"/>
-              <a:t>More different kinds of texts are handled by the system better it is at describing and representing implicit information conveyed through knowledge patterns like time spans, appositionals etc.</a:t>
-            </a:r>
-          </a:p>
-        </p:txBody>
-      </p:sp>
-      <p:sp>
-        <p:nvSpPr>
-          <p:cNvPr id="7" name="Rectangle 6">
-            <a:extLst>
-              <a:ext uri="{FF2B5EF4-FFF2-40B4-BE49-F238E27FC236}">
-                <a16:creationId xmlns:a16="http://schemas.microsoft.com/office/drawing/2014/main" id="{2B84BBFB-C1EC-478F-8E81-7685A0B691C6}"/>
-              </a:ext>
-            </a:extLst>
-          </p:cNvPr>
-          <p:cNvSpPr/>
-          <p:nvPr/>
-        </p:nvSpPr>
-        <p:spPr>
-          <a:xfrm>
-            <a:off x="0" y="0"/>
-            <a:ext cx="12192000" cy="1311965"/>
-          </a:xfrm>
-          <a:prstGeom prst="rect">
+            <a:pPr algn="ctr"/>
+            <a:r>
+              <a:rPr lang="en-US" sz="5400" dirty="0">
+                <a:ln w="0"/>
+              </a:rPr>
+              <a:t>Hurdles</a:t>
+            </a:r>
+          </a:p>
+        </p:txBody>
+      </p:sp>
+      <p:cxnSp>
+        <p:nvCxnSpPr>
+          <p:cNvPr id="8" name="Straight Connector 7">
+            <a:extLst>
+              <a:ext uri="{FF2B5EF4-FFF2-40B4-BE49-F238E27FC236}">
+                <a16:creationId xmlns:a16="http://schemas.microsoft.com/office/drawing/2014/main" id="{1246DA07-DFD8-496C-BB69-FD95668F7C67}"/>
+              </a:ext>
+            </a:extLst>
+          </p:cNvPr>
+          <p:cNvCxnSpPr/>
+          <p:nvPr/>
+        </p:nvCxnSpPr>
+        <p:spPr>
+          <a:xfrm>
+            <a:off x="3670852" y="3429000"/>
+            <a:ext cx="4611756" cy="0"/>
+          </a:xfrm>
+          <a:prstGeom prst="line">
             <a:avLst/>
           </a:prstGeom>
         </p:spPr>
         <p:style>
-          <a:lnRef idx="2">
-            <a:schemeClr val="dk1">
-              <a:shade val="50000"/>
-            </a:schemeClr>
+          <a:lnRef idx="1">
+            <a:schemeClr val="dk1"/>
           </a:lnRef>
-          <a:fillRef idx="1">
+          <a:fillRef idx="0">
             <a:schemeClr val="dk1"/>
           </a:fillRef>
           <a:effectRef idx="0">
             <a:schemeClr val="dk1"/>
           </a:effectRef>
           <a:fontRef idx="minor">
-            <a:schemeClr val="lt1"/>
+            <a:schemeClr val="tx1"/>
           </a:fontRef>
         </p:style>
-        <p:txBody>
-          <a:bodyPr rtlCol="0" anchor="ctr"/>
-          <a:lstStyle/>
-          <a:p>
-            <a:pPr algn="ctr"/>
-            <a:endParaRPr lang="en-US" dirty="0"/>
-          </a:p>
-        </p:txBody>
-      </p:sp>
-      <p:sp>
-        <p:nvSpPr>
-          <p:cNvPr id="9" name="TextBox 8">
-            <a:extLst>
-              <a:ext uri="{FF2B5EF4-FFF2-40B4-BE49-F238E27FC236}">
-                <a16:creationId xmlns:a16="http://schemas.microsoft.com/office/drawing/2014/main" id="{7F0CAA4B-E205-452A-A063-24223A8717CE}"/>
+      </p:cxnSp>
+      <p:sp>
+        <p:nvSpPr>
+          <p:cNvPr id="4" name="TextBox 3">
+            <a:extLst>
+              <a:ext uri="{FF2B5EF4-FFF2-40B4-BE49-F238E27FC236}">
+                <a16:creationId xmlns:a16="http://schemas.microsoft.com/office/drawing/2014/main" id="{6BFEE7AA-B53C-40A1-BA09-1E3192229B2B}"/>
               </a:ext>
             </a:extLst>
           </p:cNvPr>
@@ -47382,8 +53627,8 @@
         </p:nvSpPr>
         <p:spPr>
           <a:xfrm>
-            <a:off x="4541560" y="332816"/>
-            <a:ext cx="3108879" cy="646331"/>
+            <a:off x="4138270" y="3443259"/>
+            <a:ext cx="4125404" cy="461665"/>
           </a:xfrm>
           <a:prstGeom prst="rect">
             <a:avLst/>
@@ -47396,102 +53641,9 @@
           </a:bodyPr>
           <a:lstStyle/>
           <a:p>
-            <a:pPr algn="ctr"/>
-            <a:r>
-              <a:rPr lang="en-US" sz="3600" dirty="0">
-                <a:ln w="0"/>
-                <a:solidFill>
-                  <a:schemeClr val="bg1"/>
-                </a:solidFill>
-              </a:rPr>
-              <a:t>Future Work</a:t>
-            </a:r>
-          </a:p>
-        </p:txBody>
-      </p:sp>
-      <p:sp>
-        <p:nvSpPr>
-          <p:cNvPr id="6" name="Rectangle 5">
-            <a:extLst>
-              <a:ext uri="{FF2B5EF4-FFF2-40B4-BE49-F238E27FC236}">
-                <a16:creationId xmlns:a16="http://schemas.microsoft.com/office/drawing/2014/main" id="{50B0E405-AA50-426D-AF54-4A9E16132E8D}"/>
-              </a:ext>
-            </a:extLst>
-          </p:cNvPr>
-          <p:cNvSpPr/>
-          <p:nvPr/>
-        </p:nvSpPr>
-        <p:spPr>
-          <a:xfrm>
-            <a:off x="390937" y="4457677"/>
-            <a:ext cx="11085446" cy="1569660"/>
-          </a:xfrm>
-          <a:prstGeom prst="rect">
-            <a:avLst/>
-          </a:prstGeom>
-        </p:spPr>
-        <p:txBody>
-          <a:bodyPr wrap="square">
-            <a:spAutoFit/>
-          </a:bodyPr>
-          <a:lstStyle/>
-          <a:p>
-            <a:pPr algn="just"/>
-            <a:r>
-              <a:rPr lang="en-US" sz="2400" b="1" dirty="0"/>
-              <a:t>4.    Modelling Semantic Similarity Between Words</a:t>
-            </a:r>
-          </a:p>
-          <a:p>
-            <a:pPr marL="800100" lvl="1" indent="-342900" algn="just">
-              <a:buFont typeface="Arial" panose="020B0604020202020204" pitchFamily="34" charset="0"/>
-              <a:buChar char="•"/>
-            </a:pPr>
             <a:r>
               <a:rPr lang="en-US" sz="2400" dirty="0"/>
-              <a:t>Similar concepts can be obtained from WordNet using </a:t>
-            </a:r>
-            <a:r>
-              <a:rPr lang="en-US" sz="2400" dirty="0">
-                <a:solidFill>
-                  <a:srgbClr val="FF0000"/>
-                </a:solidFill>
-              </a:rPr>
-              <a:t>Synonymy relation</a:t>
-            </a:r>
-            <a:r>
-              <a:rPr lang="en-US" sz="2400" dirty="0"/>
-              <a:t>.</a:t>
-            </a:r>
-          </a:p>
-          <a:p>
-            <a:pPr marL="800100" lvl="1" indent="-342900" algn="just">
-              <a:buFont typeface="Arial" panose="020B0604020202020204" pitchFamily="34" charset="0"/>
-              <a:buChar char="•"/>
-            </a:pPr>
-            <a:r>
-              <a:rPr lang="en-US" sz="2400" dirty="0"/>
-              <a:t>NLP has other similarity measures like </a:t>
-            </a:r>
-            <a:r>
-              <a:rPr lang="en-US" sz="2400" dirty="0">
-                <a:solidFill>
-                  <a:srgbClr val="FF0000"/>
-                </a:solidFill>
-              </a:rPr>
-              <a:t>path similarity </a:t>
-            </a:r>
-            <a:r>
-              <a:rPr lang="en-US" sz="2400" dirty="0"/>
-              <a:t>and </a:t>
-            </a:r>
-            <a:r>
-              <a:rPr lang="en-US" sz="2400" dirty="0">
-                <a:solidFill>
-                  <a:srgbClr val="FF0000"/>
-                </a:solidFill>
-              </a:rPr>
-              <a:t>information content similarity</a:t>
+              <a:t>What were the challenges?</a:t>
             </a:r>
           </a:p>
         </p:txBody>
@@ -47499,7 +53651,7 @@
     </p:spTree>
     <p:extLst>
       <p:ext uri="{BB962C8B-B14F-4D97-AF65-F5344CB8AC3E}">
-        <p14:creationId xmlns:p14="http://schemas.microsoft.com/office/powerpoint/2010/main" val="657217249"/>
+        <p14:creationId xmlns:p14="http://schemas.microsoft.com/office/powerpoint/2010/main" val="484564978"/>
       </p:ext>
     </p:extLst>
   </p:cSld>
@@ -47528,6 +53680,105 @@
       </p:grpSpPr>
       <p:sp>
         <p:nvSpPr>
+          <p:cNvPr id="5" name="Rectangle 4">
+            <a:extLst>
+              <a:ext uri="{FF2B5EF4-FFF2-40B4-BE49-F238E27FC236}">
+                <a16:creationId xmlns:a16="http://schemas.microsoft.com/office/drawing/2014/main" id="{4FDB0B06-F270-4F00-8383-EB0ABF97EF01}"/>
+              </a:ext>
+            </a:extLst>
+          </p:cNvPr>
+          <p:cNvSpPr/>
+          <p:nvPr/>
+        </p:nvSpPr>
+        <p:spPr>
+          <a:xfrm>
+            <a:off x="390937" y="1790555"/>
+            <a:ext cx="11085446" cy="1938992"/>
+          </a:xfrm>
+          <a:prstGeom prst="rect">
+            <a:avLst/>
+          </a:prstGeom>
+        </p:spPr>
+        <p:txBody>
+          <a:bodyPr wrap="square">
+            <a:spAutoFit/>
+          </a:bodyPr>
+          <a:lstStyle/>
+          <a:p>
+            <a:pPr marL="457200" indent="-457200" algn="just">
+              <a:buAutoNum type="arabicPeriod"/>
+            </a:pPr>
+            <a:r>
+              <a:rPr lang="en-US" sz="2400" b="1" dirty="0"/>
+              <a:t>Accuracy of NLP Tools</a:t>
+            </a:r>
+          </a:p>
+          <a:p>
+            <a:pPr marL="800100" lvl="1" indent="-342900" algn="just">
+              <a:buFont typeface="Arial" panose="020B0604020202020204" pitchFamily="34" charset="0"/>
+              <a:buChar char="•"/>
+            </a:pPr>
+            <a:r>
+              <a:rPr lang="en-US" sz="2400" dirty="0"/>
+              <a:t>Some sentences are </a:t>
+            </a:r>
+            <a:r>
+              <a:rPr lang="en-US" sz="2400" dirty="0">
+                <a:solidFill>
+                  <a:srgbClr val="FF0000"/>
+                </a:solidFill>
+              </a:rPr>
+              <a:t>parsed incorrectly</a:t>
+            </a:r>
+          </a:p>
+          <a:p>
+            <a:pPr marL="800100" lvl="1" indent="-342900" algn="just">
+              <a:buFont typeface="Arial" panose="020B0604020202020204" pitchFamily="34" charset="0"/>
+              <a:buChar char="•"/>
+            </a:pPr>
+            <a:r>
+              <a:rPr lang="en-US" sz="2400" dirty="0"/>
+              <a:t>Some words are </a:t>
+            </a:r>
+            <a:r>
+              <a:rPr lang="en-US" sz="2400" dirty="0">
+                <a:solidFill>
+                  <a:srgbClr val="FF0000"/>
+                </a:solidFill>
+              </a:rPr>
+              <a:t>mis-tagged </a:t>
+            </a:r>
+            <a:r>
+              <a:rPr lang="en-US" sz="2400" dirty="0"/>
+              <a:t>due to multiple possible POS Tags</a:t>
+            </a:r>
+          </a:p>
+          <a:p>
+            <a:pPr marL="800100" lvl="1" indent="-342900" algn="just">
+              <a:buFont typeface="Arial" panose="020B0604020202020204" pitchFamily="34" charset="0"/>
+              <a:buChar char="•"/>
+            </a:pPr>
+            <a:r>
+              <a:rPr lang="en-US" sz="2400" dirty="0"/>
+              <a:t>System tries to solve this with the use of </a:t>
+            </a:r>
+            <a:r>
+              <a:rPr lang="en-US" sz="2400" dirty="0">
+                <a:solidFill>
+                  <a:srgbClr val="FF0000"/>
+                </a:solidFill>
+              </a:rPr>
+              <a:t>multiple tools </a:t>
+            </a:r>
+            <a:r>
+              <a:rPr lang="en-US" sz="2400" dirty="0"/>
+              <a:t>i.e. also using tools having higher semantic information.</a:t>
+            </a:r>
+          </a:p>
+        </p:txBody>
+      </p:sp>
+      <p:sp>
+        <p:nvSpPr>
           <p:cNvPr id="7" name="Rectangle 6">
             <a:extLst>
               <a:ext uri="{FF2B5EF4-FFF2-40B4-BE49-F238E27FC236}">
@@ -47608,7 +53859,7 @@
                   <a:schemeClr val="bg1"/>
                 </a:solidFill>
               </a:rPr>
-              <a:t>Future Work</a:t>
+              <a:t>Hurdles</a:t>
             </a:r>
           </a:p>
         </p:txBody>
@@ -47618,7 +53869,7 @@
           <p:cNvPr id="8" name="Rectangle 7">
             <a:extLst>
               <a:ext uri="{FF2B5EF4-FFF2-40B4-BE49-F238E27FC236}">
-                <a16:creationId xmlns:a16="http://schemas.microsoft.com/office/drawing/2014/main" id="{2DB428E2-8FAA-4F7D-B221-1D331098E241}"/>
+                <a16:creationId xmlns:a16="http://schemas.microsoft.com/office/drawing/2014/main" id="{20D06865-0810-4A4C-8F58-BE8C7E0AD5E1}"/>
               </a:ext>
             </a:extLst>
           </p:cNvPr>
@@ -47627,8 +53878,8 @@
         </p:nvSpPr>
         <p:spPr>
           <a:xfrm>
-            <a:off x="390937" y="1738220"/>
-            <a:ext cx="11085446" cy="2308324"/>
+            <a:off x="390937" y="3811012"/>
+            <a:ext cx="11085446" cy="3046988"/>
           </a:xfrm>
           <a:prstGeom prst="rect">
             <a:avLst/>
@@ -47643,7 +53894,7 @@
             <a:pPr algn="just"/>
             <a:r>
               <a:rPr lang="en-US" sz="2400" b="1" dirty="0"/>
-              <a:t>5.    Adding more information resources</a:t>
+              <a:t>2.    Use of similar words and concepts</a:t>
             </a:r>
           </a:p>
           <a:p>
@@ -47653,7 +53904,7 @@
             </a:pPr>
             <a:r>
               <a:rPr lang="en-US" sz="2400" dirty="0"/>
-              <a:t>The more the number of </a:t>
+              <a:t>Humans use the </a:t>
             </a:r>
             <a:r>
               <a:rPr lang="en-US" sz="2400" dirty="0">
@@ -47661,21 +53912,11 @@
                   <a:srgbClr val="FF0000"/>
                 </a:solidFill>
               </a:rPr>
-              <a:t>trusted information resources </a:t>
+              <a:t>concept of similarity</a:t>
             </a:r>
             <a:r>
               <a:rPr lang="en-US" sz="2400" dirty="0"/>
-              <a:t>the better is the system at inferring.</a:t>
-            </a:r>
-          </a:p>
-          <a:p>
-            <a:pPr marL="800100" lvl="1" indent="-342900" algn="just">
-              <a:buFont typeface="Arial" panose="020B0604020202020204" pitchFamily="34" charset="0"/>
-              <a:buChar char="•"/>
-            </a:pPr>
-            <a:r>
-              <a:rPr lang="en-US" sz="2400" dirty="0"/>
-              <a:t>Databases like YAGO which stores information about named entities like cities, countries  from Wikipedia and WordNet can help the system reach better conclusions.</a:t>
+              <a:t> a lot when reasoning</a:t>
             </a:r>
             <a:endParaRPr lang="en-US" sz="2400" dirty="0">
               <a:solidFill>
@@ -47683,41 +53924,6 @@
               </a:solidFill>
             </a:endParaRPr>
           </a:p>
-        </p:txBody>
-      </p:sp>
-      <p:sp>
-        <p:nvSpPr>
-          <p:cNvPr id="2" name="Rectangle 1">
-            <a:extLst>
-              <a:ext uri="{FF2B5EF4-FFF2-40B4-BE49-F238E27FC236}">
-                <a16:creationId xmlns:a16="http://schemas.microsoft.com/office/drawing/2014/main" id="{D3E134D8-5A31-4D32-A9BB-82DCA4903F05}"/>
-              </a:ext>
-            </a:extLst>
-          </p:cNvPr>
-          <p:cNvSpPr/>
-          <p:nvPr/>
-        </p:nvSpPr>
-        <p:spPr>
-          <a:xfrm>
-            <a:off x="390937" y="4472799"/>
-            <a:ext cx="11085446" cy="1569660"/>
-          </a:xfrm>
-          <a:prstGeom prst="rect">
-            <a:avLst/>
-          </a:prstGeom>
-        </p:spPr>
-        <p:txBody>
-          <a:bodyPr wrap="square">
-            <a:spAutoFit/>
-          </a:bodyPr>
-          <a:lstStyle/>
-          <a:p>
-            <a:pPr algn="just"/>
-            <a:r>
-              <a:rPr lang="en-US" sz="2400" b="1" dirty="0"/>
-              <a:t>6.    Marking facts with confidence metrics</a:t>
-            </a:r>
-          </a:p>
           <a:p>
             <a:pPr marL="800100" lvl="1" indent="-342900" algn="just">
               <a:buFont typeface="Arial" panose="020B0604020202020204" pitchFamily="34" charset="0"/>
@@ -47725,7 +53931,15 @@
             </a:pPr>
             <a:r>
               <a:rPr lang="en-US" sz="2400" dirty="0"/>
-              <a:t>As the number of information sources will increase we would need to add a confidence metric on facts coming from these sources</a:t>
+              <a:t>Example use of last name for people instead of full name </a:t>
+            </a:r>
+            <a:r>
+              <a:rPr lang="en-US" sz="2400" dirty="0">
+                <a:solidFill>
+                  <a:srgbClr val="FF0000"/>
+                </a:solidFill>
+              </a:rPr>
+              <a:t>Tesla instead of Nikola Tesla</a:t>
             </a:r>
           </a:p>
           <a:p>
@@ -47735,7 +53949,7 @@
             </a:pPr>
             <a:r>
               <a:rPr lang="en-US" sz="2400" dirty="0"/>
-              <a:t>This will help us choose the </a:t>
+              <a:t>All of these implicit connections made by humans adversely </a:t>
             </a:r>
             <a:r>
               <a:rPr lang="en-US" sz="2400" dirty="0">
@@ -47743,11 +53957,21 @@
                   <a:srgbClr val="FF0000"/>
                 </a:solidFill>
               </a:rPr>
-              <a:t>best justification </a:t>
+              <a:t>affect the process of automated reasoning</a:t>
             </a:r>
             <a:r>
               <a:rPr lang="en-US" sz="2400" dirty="0"/>
-              <a:t>for a query</a:t>
+              <a:t> </a:t>
+            </a:r>
+          </a:p>
+          <a:p>
+            <a:pPr marL="800100" lvl="1" indent="-342900" algn="just">
+              <a:buFont typeface="Arial" panose="020B0604020202020204" pitchFamily="34" charset="0"/>
+              <a:buChar char="•"/>
+            </a:pPr>
+            <a:r>
+              <a:rPr lang="en-US" sz="2400" dirty="0"/>
+              <a:t>One of the ways to solve this is to use a similarity measure and use it to find the nearest answer.</a:t>
             </a:r>
           </a:p>
         </p:txBody>
@@ -47755,7 +53979,7 @@
     </p:spTree>
     <p:extLst>
       <p:ext uri="{BB962C8B-B14F-4D97-AF65-F5344CB8AC3E}">
-        <p14:creationId xmlns:p14="http://schemas.microsoft.com/office/powerpoint/2010/main" val="2122546219"/>
+        <p14:creationId xmlns:p14="http://schemas.microsoft.com/office/powerpoint/2010/main" val="3587751507"/>
       </p:ext>
     </p:extLst>
   </p:cSld>
@@ -47784,6 +54008,122 @@
       </p:grpSpPr>
       <p:sp>
         <p:nvSpPr>
+          <p:cNvPr id="5" name="Rectangle 4">
+            <a:extLst>
+              <a:ext uri="{FF2B5EF4-FFF2-40B4-BE49-F238E27FC236}">
+                <a16:creationId xmlns:a16="http://schemas.microsoft.com/office/drawing/2014/main" id="{4FDB0B06-F270-4F00-8383-EB0ABF97EF01}"/>
+              </a:ext>
+            </a:extLst>
+          </p:cNvPr>
+          <p:cNvSpPr/>
+          <p:nvPr/>
+        </p:nvSpPr>
+        <p:spPr>
+          <a:xfrm>
+            <a:off x="390937" y="1790555"/>
+            <a:ext cx="11085446" cy="3046988"/>
+          </a:xfrm>
+          <a:prstGeom prst="rect">
+            <a:avLst/>
+          </a:prstGeom>
+        </p:spPr>
+        <p:txBody>
+          <a:bodyPr wrap="square">
+            <a:spAutoFit/>
+          </a:bodyPr>
+          <a:lstStyle/>
+          <a:p>
+            <a:pPr algn="just"/>
+            <a:r>
+              <a:rPr lang="en-US" sz="2400" b="1" dirty="0"/>
+              <a:t>3.     Absence of good resources for verbs</a:t>
+            </a:r>
+          </a:p>
+          <a:p>
+            <a:pPr marL="800100" lvl="1" indent="-342900" algn="just">
+              <a:buFont typeface="Arial" panose="020B0604020202020204" pitchFamily="34" charset="0"/>
+              <a:buChar char="•"/>
+            </a:pPr>
+            <a:r>
+              <a:rPr lang="en-US" sz="2400" dirty="0"/>
+              <a:t>Verbs are </a:t>
+            </a:r>
+            <a:r>
+              <a:rPr lang="en-US" sz="2400" dirty="0">
+                <a:solidFill>
+                  <a:srgbClr val="FF0000"/>
+                </a:solidFill>
+              </a:rPr>
+              <a:t>important parts</a:t>
+            </a:r>
+            <a:r>
+              <a:rPr lang="en-US" sz="2400" dirty="0"/>
+              <a:t> of the sentence</a:t>
+            </a:r>
+            <a:endParaRPr lang="en-US" sz="2400" dirty="0">
+              <a:solidFill>
+                <a:srgbClr val="FF0000"/>
+              </a:solidFill>
+            </a:endParaRPr>
+          </a:p>
+          <a:p>
+            <a:pPr marL="800100" lvl="1" indent="-342900" algn="just">
+              <a:buFont typeface="Arial" panose="020B0604020202020204" pitchFamily="34" charset="0"/>
+              <a:buChar char="•"/>
+            </a:pPr>
+            <a:r>
+              <a:rPr lang="en-US" sz="2400" dirty="0"/>
+              <a:t>Its important to </a:t>
+            </a:r>
+            <a:r>
+              <a:rPr lang="en-US" sz="2400" dirty="0">
+                <a:solidFill>
+                  <a:srgbClr val="FF0000"/>
+                </a:solidFill>
+              </a:rPr>
+              <a:t>understand the exact meaning of verbs </a:t>
+            </a:r>
+            <a:r>
+              <a:rPr lang="en-US" sz="2400" dirty="0"/>
+              <a:t>to understand the sentence</a:t>
+            </a:r>
+          </a:p>
+          <a:p>
+            <a:pPr marL="800100" lvl="1" indent="-342900" algn="just">
+              <a:buFont typeface="Arial" panose="020B0604020202020204" pitchFamily="34" charset="0"/>
+              <a:buChar char="•"/>
+            </a:pPr>
+            <a:r>
+              <a:rPr lang="en-US" sz="2400" dirty="0"/>
+              <a:t>Humans have a complete understanding of how verbs behave in different contexts.</a:t>
+            </a:r>
+          </a:p>
+          <a:p>
+            <a:pPr marL="800100" lvl="1" indent="-342900" algn="just">
+              <a:buFont typeface="Arial" panose="020B0604020202020204" pitchFamily="34" charset="0"/>
+              <a:buChar char="•"/>
+            </a:pPr>
+            <a:r>
+              <a:rPr lang="en-US" sz="2400" dirty="0"/>
+              <a:t>One way to overcome this is to </a:t>
+            </a:r>
+            <a:r>
+              <a:rPr lang="en-US" sz="2400" dirty="0">
+                <a:solidFill>
+                  <a:srgbClr val="FF0000"/>
+                </a:solidFill>
+              </a:rPr>
+              <a:t>manually add knowledge </a:t>
+            </a:r>
+            <a:r>
+              <a:rPr lang="en-US" sz="2400" dirty="0"/>
+              <a:t>about verbs that is reusable.</a:t>
+            </a:r>
+          </a:p>
+        </p:txBody>
+      </p:sp>
+      <p:sp>
+        <p:nvSpPr>
           <p:cNvPr id="7" name="Rectangle 6">
             <a:extLst>
               <a:ext uri="{FF2B5EF4-FFF2-40B4-BE49-F238E27FC236}">
@@ -47864,185 +54204,7 @@
                   <a:schemeClr val="bg1"/>
                 </a:solidFill>
               </a:rPr>
-              <a:t>Future Work</a:t>
-            </a:r>
-          </a:p>
-        </p:txBody>
-      </p:sp>
-      <p:sp>
-        <p:nvSpPr>
-          <p:cNvPr id="6" name="Rectangle 5">
-            <a:extLst>
-              <a:ext uri="{FF2B5EF4-FFF2-40B4-BE49-F238E27FC236}">
-                <a16:creationId xmlns:a16="http://schemas.microsoft.com/office/drawing/2014/main" id="{50B0E405-AA50-426D-AF54-4A9E16132E8D}"/>
-              </a:ext>
-            </a:extLst>
-          </p:cNvPr>
-          <p:cNvSpPr/>
-          <p:nvPr/>
-        </p:nvSpPr>
-        <p:spPr>
-          <a:xfrm>
-            <a:off x="390937" y="1952511"/>
-            <a:ext cx="11085446" cy="1938992"/>
-          </a:xfrm>
-          <a:prstGeom prst="rect">
-            <a:avLst/>
-          </a:prstGeom>
-        </p:spPr>
-        <p:txBody>
-          <a:bodyPr wrap="square">
-            <a:spAutoFit/>
-          </a:bodyPr>
-          <a:lstStyle/>
-          <a:p>
-            <a:pPr algn="just"/>
-            <a:r>
-              <a:rPr lang="en-US" sz="2400" b="1" dirty="0"/>
-              <a:t>7.    Modelling Common Sense Reasoning Patterns</a:t>
-            </a:r>
-          </a:p>
-          <a:p>
-            <a:pPr marL="800100" lvl="1" indent="-342900" algn="just">
-              <a:buFont typeface="Arial" panose="020B0604020202020204" pitchFamily="34" charset="0"/>
-              <a:buChar char="•"/>
-            </a:pPr>
-            <a:r>
-              <a:rPr lang="en-US" sz="2400" dirty="0"/>
-              <a:t>We can model some common sense reasoning principles other than the ones mentioned before, like </a:t>
-            </a:r>
-            <a:r>
-              <a:rPr lang="en-US" sz="2400" dirty="0">
-                <a:solidFill>
-                  <a:srgbClr val="FF0000"/>
-                </a:solidFill>
-              </a:rPr>
-              <a:t>hyponyms </a:t>
-            </a:r>
-            <a:r>
-              <a:rPr lang="en-US" sz="2400" dirty="0"/>
-              <a:t>etc.</a:t>
-            </a:r>
-          </a:p>
-          <a:p>
-            <a:pPr marL="800100" lvl="1" indent="-342900" algn="just">
-              <a:buFont typeface="Arial" panose="020B0604020202020204" pitchFamily="34" charset="0"/>
-              <a:buChar char="•"/>
-            </a:pPr>
-            <a:r>
-              <a:rPr lang="en-US" sz="2400" dirty="0"/>
-              <a:t>These may be logically weaker but, human reasoning uses weak assumptions to reason incase of absence of information.</a:t>
-            </a:r>
-            <a:endParaRPr lang="en-US" sz="2400" dirty="0">
-              <a:solidFill>
-                <a:srgbClr val="FF0000"/>
-              </a:solidFill>
-            </a:endParaRPr>
-          </a:p>
-        </p:txBody>
-      </p:sp>
-      <p:sp>
-        <p:nvSpPr>
-          <p:cNvPr id="8" name="Rectangle 7">
-            <a:extLst>
-              <a:ext uri="{FF2B5EF4-FFF2-40B4-BE49-F238E27FC236}">
-                <a16:creationId xmlns:a16="http://schemas.microsoft.com/office/drawing/2014/main" id="{2DB428E2-8FAA-4F7D-B221-1D331098E241}"/>
-              </a:ext>
-            </a:extLst>
-          </p:cNvPr>
-          <p:cNvSpPr/>
-          <p:nvPr/>
-        </p:nvSpPr>
-        <p:spPr>
-          <a:xfrm>
-            <a:off x="390937" y="4097107"/>
-            <a:ext cx="11085446" cy="1938992"/>
-          </a:xfrm>
-          <a:prstGeom prst="rect">
-            <a:avLst/>
-          </a:prstGeom>
-        </p:spPr>
-        <p:txBody>
-          <a:bodyPr wrap="square">
-            <a:spAutoFit/>
-          </a:bodyPr>
-          <a:lstStyle/>
-          <a:p>
-            <a:pPr algn="just"/>
-            <a:r>
-              <a:rPr lang="en-US" sz="2400" b="1" dirty="0"/>
-              <a:t>8.    Relaxing of Query Constraints</a:t>
-            </a:r>
-          </a:p>
-          <a:p>
-            <a:pPr marL="800100" lvl="1" indent="-342900" algn="just">
-              <a:buFont typeface="Arial" panose="020B0604020202020204" pitchFamily="34" charset="0"/>
-              <a:buChar char="•"/>
-            </a:pPr>
-            <a:r>
-              <a:rPr lang="en-US" sz="2400" dirty="0"/>
-              <a:t>The query generation systems used </a:t>
-            </a:r>
-            <a:r>
-              <a:rPr lang="en-US" sz="2400" dirty="0">
-                <a:solidFill>
-                  <a:srgbClr val="FF0000"/>
-                </a:solidFill>
-              </a:rPr>
-              <a:t>removal of predicates</a:t>
-            </a:r>
-            <a:r>
-              <a:rPr lang="en-US" sz="2400" dirty="0"/>
-              <a:t> to model query relaxation</a:t>
-            </a:r>
-            <a:endParaRPr lang="en-US" sz="2400" dirty="0">
-              <a:solidFill>
-                <a:srgbClr val="FF0000"/>
-              </a:solidFill>
-            </a:endParaRPr>
-          </a:p>
-          <a:p>
-            <a:pPr marL="800100" lvl="1" indent="-342900" algn="just">
-              <a:buFont typeface="Arial" panose="020B0604020202020204" pitchFamily="34" charset="0"/>
-              <a:buChar char="•"/>
-            </a:pPr>
-            <a:r>
-              <a:rPr lang="en-US" sz="2400" dirty="0"/>
-              <a:t>There are other ways to relax queries like </a:t>
-            </a:r>
-            <a:r>
-              <a:rPr lang="en-US" sz="2400" dirty="0">
-                <a:solidFill>
-                  <a:srgbClr val="FF0000"/>
-                </a:solidFill>
-              </a:rPr>
-              <a:t>removal of constraints</a:t>
-            </a:r>
-            <a:r>
-              <a:rPr lang="en-US" sz="2400" dirty="0"/>
-              <a:t> on terms.</a:t>
-            </a:r>
-          </a:p>
-          <a:p>
-            <a:pPr marL="800100" lvl="1" indent="-342900" algn="just">
-              <a:buFont typeface="Arial" panose="020B0604020202020204" pitchFamily="34" charset="0"/>
-              <a:buChar char="•"/>
-            </a:pPr>
-            <a:r>
-              <a:rPr lang="en-US" sz="2400" dirty="0"/>
-              <a:t>We can thus use a </a:t>
-            </a:r>
-            <a:r>
-              <a:rPr lang="en-US" sz="2400" dirty="0">
-                <a:solidFill>
-                  <a:srgbClr val="FF0000"/>
-                </a:solidFill>
-              </a:rPr>
-              <a:t>combination of techniques </a:t>
-            </a:r>
-            <a:r>
-              <a:rPr lang="en-US" sz="2400" dirty="0"/>
-              <a:t>to relax queries.</a:t>
+              <a:t>Hurdles</a:t>
             </a:r>
           </a:p>
         </p:txBody>
@@ -48050,7 +54212,7 @@
     </p:spTree>
     <p:extLst>
       <p:ext uri="{BB962C8B-B14F-4D97-AF65-F5344CB8AC3E}">
-        <p14:creationId xmlns:p14="http://schemas.microsoft.com/office/powerpoint/2010/main" val="1733180353"/>
+        <p14:creationId xmlns:p14="http://schemas.microsoft.com/office/powerpoint/2010/main" val="976670942"/>
       </p:ext>
     </p:extLst>
   </p:cSld>
@@ -48110,7 +54272,7 @@
               <a:rPr lang="en-US" sz="5400" dirty="0">
                 <a:ln w="0"/>
               </a:rPr>
-              <a:t>Contributions</a:t>
+              <a:t>Future Work</a:t>
             </a:r>
           </a:p>
         </p:txBody>
@@ -48165,8 +54327,8 @@
         </p:nvSpPr>
         <p:spPr>
           <a:xfrm>
-            <a:off x="4565372" y="3443259"/>
-            <a:ext cx="3061254" cy="461665"/>
+            <a:off x="5035824" y="3443259"/>
+            <a:ext cx="1881811" cy="461665"/>
           </a:xfrm>
           <a:prstGeom prst="rect">
             <a:avLst/>
@@ -48181,7 +54343,7 @@
           <a:p>
             <a:r>
               <a:rPr lang="en-US" sz="2400" dirty="0"/>
-              <a:t>What did we achieve?</a:t>
+              <a:t>What's next?</a:t>
             </a:r>
           </a:p>
         </p:txBody>
@@ -48189,7 +54351,7 @@
     </p:spTree>
     <p:extLst>
       <p:ext uri="{BB962C8B-B14F-4D97-AF65-F5344CB8AC3E}">
-        <p14:creationId xmlns:p14="http://schemas.microsoft.com/office/powerpoint/2010/main" val="2616528620"/>
+        <p14:creationId xmlns:p14="http://schemas.microsoft.com/office/powerpoint/2010/main" val="757080069"/>
       </p:ext>
     </p:extLst>
   </p:cSld>
